--- a/miscellanous/shapes.pptx
+++ b/miscellanous/shapes.pptx
@@ -6,6 +6,12 @@
   </p:sldMasterIdLst>
   <p:sldIdLst>
     <p:sldId id="256" r:id="rId2"/>
+    <p:sldId id="257" r:id="rId3"/>
+    <p:sldId id="258" r:id="rId4"/>
+    <p:sldId id="259" r:id="rId5"/>
+    <p:sldId id="260" r:id="rId6"/>
+    <p:sldId id="261" r:id="rId7"/>
+    <p:sldId id="262" r:id="rId8"/>
   </p:sldIdLst>
   <p:sldSz cx="12192000" cy="6858000"/>
   <p:notesSz cx="6858000" cy="9144000"/>
@@ -104,6 +110,11 @@
       </a:defRPr>
     </a:lvl9pPr>
   </p:defaultTextStyle>
+  <p:extLst>
+    <p:ext uri="{EFAFB233-063F-42B5-8137-9DF3F51BA10A}">
+      <p15:sldGuideLst xmlns:p15="http://schemas.microsoft.com/office/powerpoint/2012/main"/>
+    </p:ext>
+  </p:extLst>
 </p:presentation>
 </file>
 
@@ -254,7 +265,7 @@
           <a:p>
             <a:fld id="{8DF5CEE9-28B3-4BEE-B788-23D0A3A35C13}" type="datetimeFigureOut">
               <a:rPr lang="en-US" smtClean="0"/>
-              <a:t>4/3/2018</a:t>
+              <a:t>4/11/2018</a:t>
             </a:fld>
             <a:endParaRPr lang="en-US"/>
           </a:p>
@@ -452,7 +463,7 @@
           <a:p>
             <a:fld id="{8DF5CEE9-28B3-4BEE-B788-23D0A3A35C13}" type="datetimeFigureOut">
               <a:rPr lang="en-US" smtClean="0"/>
-              <a:t>4/3/2018</a:t>
+              <a:t>4/11/2018</a:t>
             </a:fld>
             <a:endParaRPr lang="en-US"/>
           </a:p>
@@ -660,7 +671,7 @@
           <a:p>
             <a:fld id="{8DF5CEE9-28B3-4BEE-B788-23D0A3A35C13}" type="datetimeFigureOut">
               <a:rPr lang="en-US" smtClean="0"/>
-              <a:t>4/3/2018</a:t>
+              <a:t>4/11/2018</a:t>
             </a:fld>
             <a:endParaRPr lang="en-US"/>
           </a:p>
@@ -858,7 +869,7 @@
           <a:p>
             <a:fld id="{8DF5CEE9-28B3-4BEE-B788-23D0A3A35C13}" type="datetimeFigureOut">
               <a:rPr lang="en-US" smtClean="0"/>
-              <a:t>4/3/2018</a:t>
+              <a:t>4/11/2018</a:t>
             </a:fld>
             <a:endParaRPr lang="en-US"/>
           </a:p>
@@ -1133,7 +1144,7 @@
           <a:p>
             <a:fld id="{8DF5CEE9-28B3-4BEE-B788-23D0A3A35C13}" type="datetimeFigureOut">
               <a:rPr lang="en-US" smtClean="0"/>
-              <a:t>4/3/2018</a:t>
+              <a:t>4/11/2018</a:t>
             </a:fld>
             <a:endParaRPr lang="en-US"/>
           </a:p>
@@ -1398,7 +1409,7 @@
           <a:p>
             <a:fld id="{8DF5CEE9-28B3-4BEE-B788-23D0A3A35C13}" type="datetimeFigureOut">
               <a:rPr lang="en-US" smtClean="0"/>
-              <a:t>4/3/2018</a:t>
+              <a:t>4/11/2018</a:t>
             </a:fld>
             <a:endParaRPr lang="en-US"/>
           </a:p>
@@ -1810,7 +1821,7 @@
           <a:p>
             <a:fld id="{8DF5CEE9-28B3-4BEE-B788-23D0A3A35C13}" type="datetimeFigureOut">
               <a:rPr lang="en-US" smtClean="0"/>
-              <a:t>4/3/2018</a:t>
+              <a:t>4/11/2018</a:t>
             </a:fld>
             <a:endParaRPr lang="en-US"/>
           </a:p>
@@ -1951,7 +1962,7 @@
           <a:p>
             <a:fld id="{8DF5CEE9-28B3-4BEE-B788-23D0A3A35C13}" type="datetimeFigureOut">
               <a:rPr lang="en-US" smtClean="0"/>
-              <a:t>4/3/2018</a:t>
+              <a:t>4/11/2018</a:t>
             </a:fld>
             <a:endParaRPr lang="en-US"/>
           </a:p>
@@ -2064,7 +2075,7 @@
           <a:p>
             <a:fld id="{8DF5CEE9-28B3-4BEE-B788-23D0A3A35C13}" type="datetimeFigureOut">
               <a:rPr lang="en-US" smtClean="0"/>
-              <a:t>4/3/2018</a:t>
+              <a:t>4/11/2018</a:t>
             </a:fld>
             <a:endParaRPr lang="en-US"/>
           </a:p>
@@ -2375,7 +2386,7 @@
           <a:p>
             <a:fld id="{8DF5CEE9-28B3-4BEE-B788-23D0A3A35C13}" type="datetimeFigureOut">
               <a:rPr lang="en-US" smtClean="0"/>
-              <a:t>4/3/2018</a:t>
+              <a:t>4/11/2018</a:t>
             </a:fld>
             <a:endParaRPr lang="en-US"/>
           </a:p>
@@ -2663,7 +2674,7 @@
           <a:p>
             <a:fld id="{8DF5CEE9-28B3-4BEE-B788-23D0A3A35C13}" type="datetimeFigureOut">
               <a:rPr lang="en-US" smtClean="0"/>
-              <a:t>4/3/2018</a:t>
+              <a:t>4/11/2018</a:t>
             </a:fld>
             <a:endParaRPr lang="en-US"/>
           </a:p>
@@ -2904,7 +2915,7 @@
           <a:p>
             <a:fld id="{8DF5CEE9-28B3-4BEE-B788-23D0A3A35C13}" type="datetimeFigureOut">
               <a:rPr lang="en-US" smtClean="0"/>
-              <a:t>4/3/2018</a:t>
+              <a:t>4/11/2018</a:t>
             </a:fld>
             <a:endParaRPr lang="en-US"/>
           </a:p>
@@ -5514,6 +5525,8813 @@
 </p:sld>
 </file>
 
+<file path=ppt/slides/slide2.xml><?xml version="1.0" encoding="utf-8"?>
+<p:sld xmlns:a="http://schemas.openxmlformats.org/drawingml/2006/main" xmlns:r="http://schemas.openxmlformats.org/officeDocument/2006/relationships" xmlns:p="http://schemas.openxmlformats.org/presentationml/2006/main">
+  <p:cSld>
+    <p:spTree>
+      <p:nvGrpSpPr>
+        <p:cNvPr id="1" name=""/>
+        <p:cNvGrpSpPr/>
+        <p:nvPr/>
+      </p:nvGrpSpPr>
+      <p:grpSpPr>
+        <a:xfrm>
+          <a:off x="0" y="0"/>
+          <a:ext cx="0" cy="0"/>
+          <a:chOff x="0" y="0"/>
+          <a:chExt cx="0" cy="0"/>
+        </a:xfrm>
+      </p:grpSpPr>
+      <p:sp>
+        <p:nvSpPr>
+          <p:cNvPr id="2" name="Rectangle: Rounded Corners 1">
+            <a:extLst>
+              <a:ext uri="{FF2B5EF4-FFF2-40B4-BE49-F238E27FC236}">
+                <a16:creationId xmlns:a16="http://schemas.microsoft.com/office/drawing/2014/main" id="{94914581-A239-4E4E-B903-6745EFC22AD8}"/>
+              </a:ext>
+            </a:extLst>
+          </p:cNvPr>
+          <p:cNvSpPr/>
+          <p:nvPr/>
+        </p:nvSpPr>
+        <p:spPr>
+          <a:xfrm>
+            <a:off x="1139252" y="979387"/>
+            <a:ext cx="7255240" cy="4899226"/>
+          </a:xfrm>
+          <a:prstGeom prst="roundRect">
+            <a:avLst/>
+          </a:prstGeom>
+          <a:solidFill>
+            <a:schemeClr val="accent6">
+              <a:lumMod val="20000"/>
+              <a:lumOff val="80000"/>
+            </a:schemeClr>
+          </a:solidFill>
+        </p:spPr>
+        <p:style>
+          <a:lnRef idx="2">
+            <a:schemeClr val="accent1">
+              <a:shade val="50000"/>
+            </a:schemeClr>
+          </a:lnRef>
+          <a:fillRef idx="1">
+            <a:schemeClr val="accent1"/>
+          </a:fillRef>
+          <a:effectRef idx="0">
+            <a:schemeClr val="accent1"/>
+          </a:effectRef>
+          <a:fontRef idx="minor">
+            <a:schemeClr val="lt1"/>
+          </a:fontRef>
+        </p:style>
+        <p:txBody>
+          <a:bodyPr rtlCol="0" anchor="ctr"/>
+          <a:lstStyle/>
+          <a:p>
+            <a:pPr algn="ctr"/>
+            <a:endParaRPr lang="en-US"/>
+          </a:p>
+        </p:txBody>
+      </p:sp>
+      <p:sp>
+        <p:nvSpPr>
+          <p:cNvPr id="3" name="Rectangle: Rounded Corners 2">
+            <a:extLst>
+              <a:ext uri="{FF2B5EF4-FFF2-40B4-BE49-F238E27FC236}">
+                <a16:creationId xmlns:a16="http://schemas.microsoft.com/office/drawing/2014/main" id="{7032DDBE-82BA-40A2-A0AF-233720047F03}"/>
+              </a:ext>
+            </a:extLst>
+          </p:cNvPr>
+          <p:cNvSpPr/>
+          <p:nvPr/>
+        </p:nvSpPr>
+        <p:spPr>
+          <a:xfrm>
+            <a:off x="159062" y="1706410"/>
+            <a:ext cx="560466" cy="1214204"/>
+          </a:xfrm>
+          <a:prstGeom prst="roundRect">
+            <a:avLst/>
+          </a:prstGeom>
+          <a:solidFill>
+            <a:schemeClr val="accent6">
+              <a:lumMod val="20000"/>
+              <a:lumOff val="80000"/>
+            </a:schemeClr>
+          </a:solidFill>
+        </p:spPr>
+        <p:style>
+          <a:lnRef idx="2">
+            <a:schemeClr val="accent1">
+              <a:shade val="50000"/>
+            </a:schemeClr>
+          </a:lnRef>
+          <a:fillRef idx="1">
+            <a:schemeClr val="accent1"/>
+          </a:fillRef>
+          <a:effectRef idx="0">
+            <a:schemeClr val="accent1"/>
+          </a:effectRef>
+          <a:fontRef idx="minor">
+            <a:schemeClr val="lt1"/>
+          </a:fontRef>
+        </p:style>
+        <p:txBody>
+          <a:bodyPr rtlCol="0" anchor="ctr"/>
+          <a:lstStyle/>
+          <a:p>
+            <a:pPr algn="ctr"/>
+            <a:endParaRPr lang="en-US"/>
+          </a:p>
+        </p:txBody>
+      </p:sp>
+      <p:sp>
+        <p:nvSpPr>
+          <p:cNvPr id="4" name="Rectangle: Rounded Corners 3">
+            <a:extLst>
+              <a:ext uri="{FF2B5EF4-FFF2-40B4-BE49-F238E27FC236}">
+                <a16:creationId xmlns:a16="http://schemas.microsoft.com/office/drawing/2014/main" id="{6B5052D7-E5CB-48F3-A028-F5E95FB36588}"/>
+              </a:ext>
+            </a:extLst>
+          </p:cNvPr>
+          <p:cNvSpPr/>
+          <p:nvPr/>
+        </p:nvSpPr>
+        <p:spPr>
+          <a:xfrm>
+            <a:off x="8822959" y="1706409"/>
+            <a:ext cx="539021" cy="1214205"/>
+          </a:xfrm>
+          <a:prstGeom prst="roundRect">
+            <a:avLst/>
+          </a:prstGeom>
+          <a:solidFill>
+            <a:schemeClr val="accent6">
+              <a:lumMod val="20000"/>
+              <a:lumOff val="80000"/>
+            </a:schemeClr>
+          </a:solidFill>
+        </p:spPr>
+        <p:style>
+          <a:lnRef idx="2">
+            <a:schemeClr val="accent1">
+              <a:shade val="50000"/>
+            </a:schemeClr>
+          </a:lnRef>
+          <a:fillRef idx="1">
+            <a:schemeClr val="accent1"/>
+          </a:fillRef>
+          <a:effectRef idx="0">
+            <a:schemeClr val="accent1"/>
+          </a:effectRef>
+          <a:fontRef idx="minor">
+            <a:schemeClr val="lt1"/>
+          </a:fontRef>
+        </p:style>
+        <p:txBody>
+          <a:bodyPr rtlCol="0" anchor="ctr"/>
+          <a:lstStyle/>
+          <a:p>
+            <a:pPr algn="ctr"/>
+            <a:endParaRPr lang="en-US"/>
+          </a:p>
+        </p:txBody>
+      </p:sp>
+      <p:sp>
+        <p:nvSpPr>
+          <p:cNvPr id="7" name="Rectangle: Rounded Corners 6">
+            <a:extLst>
+              <a:ext uri="{FF2B5EF4-FFF2-40B4-BE49-F238E27FC236}">
+                <a16:creationId xmlns:a16="http://schemas.microsoft.com/office/drawing/2014/main" id="{F5788756-02EC-4EE5-B325-FCDB75AEE49C}"/>
+              </a:ext>
+            </a:extLst>
+          </p:cNvPr>
+          <p:cNvSpPr/>
+          <p:nvPr/>
+        </p:nvSpPr>
+        <p:spPr>
+          <a:xfrm>
+            <a:off x="150486" y="4338701"/>
+            <a:ext cx="571541" cy="1214204"/>
+          </a:xfrm>
+          <a:prstGeom prst="roundRect">
+            <a:avLst/>
+          </a:prstGeom>
+          <a:solidFill>
+            <a:schemeClr val="accent6">
+              <a:lumMod val="20000"/>
+              <a:lumOff val="80000"/>
+            </a:schemeClr>
+          </a:solidFill>
+        </p:spPr>
+        <p:style>
+          <a:lnRef idx="2">
+            <a:schemeClr val="accent1">
+              <a:shade val="50000"/>
+            </a:schemeClr>
+          </a:lnRef>
+          <a:fillRef idx="1">
+            <a:schemeClr val="accent1"/>
+          </a:fillRef>
+          <a:effectRef idx="0">
+            <a:schemeClr val="accent1"/>
+          </a:effectRef>
+          <a:fontRef idx="minor">
+            <a:schemeClr val="lt1"/>
+          </a:fontRef>
+        </p:style>
+        <p:txBody>
+          <a:bodyPr rtlCol="0" anchor="ctr"/>
+          <a:lstStyle/>
+          <a:p>
+            <a:pPr algn="ctr"/>
+            <a:endParaRPr lang="en-US" b="1" dirty="0"/>
+          </a:p>
+        </p:txBody>
+      </p:sp>
+      <p:sp>
+        <p:nvSpPr>
+          <p:cNvPr id="8" name="Rectangle: Rounded Corners 7">
+            <a:extLst>
+              <a:ext uri="{FF2B5EF4-FFF2-40B4-BE49-F238E27FC236}">
+                <a16:creationId xmlns:a16="http://schemas.microsoft.com/office/drawing/2014/main" id="{6A473AB6-3DD9-46BF-9529-7D20333B2005}"/>
+              </a:ext>
+            </a:extLst>
+          </p:cNvPr>
+          <p:cNvSpPr/>
+          <p:nvPr/>
+        </p:nvSpPr>
+        <p:spPr>
+          <a:xfrm>
+            <a:off x="8822959" y="4338701"/>
+            <a:ext cx="539021" cy="1214205"/>
+          </a:xfrm>
+          <a:prstGeom prst="roundRect">
+            <a:avLst/>
+          </a:prstGeom>
+          <a:solidFill>
+            <a:schemeClr val="accent6">
+              <a:lumMod val="20000"/>
+              <a:lumOff val="80000"/>
+            </a:schemeClr>
+          </a:solidFill>
+        </p:spPr>
+        <p:style>
+          <a:lnRef idx="2">
+            <a:schemeClr val="accent1">
+              <a:shade val="50000"/>
+            </a:schemeClr>
+          </a:lnRef>
+          <a:fillRef idx="1">
+            <a:schemeClr val="accent1"/>
+          </a:fillRef>
+          <a:effectRef idx="0">
+            <a:schemeClr val="accent1"/>
+          </a:effectRef>
+          <a:fontRef idx="minor">
+            <a:schemeClr val="lt1"/>
+          </a:fontRef>
+        </p:style>
+        <p:txBody>
+          <a:bodyPr rtlCol="0" anchor="ctr"/>
+          <a:lstStyle/>
+          <a:p>
+            <a:pPr algn="ctr"/>
+            <a:endParaRPr lang="en-US"/>
+          </a:p>
+        </p:txBody>
+      </p:sp>
+      <p:sp>
+        <p:nvSpPr>
+          <p:cNvPr id="9" name="TextBox 8">
+            <a:extLst>
+              <a:ext uri="{FF2B5EF4-FFF2-40B4-BE49-F238E27FC236}">
+                <a16:creationId xmlns:a16="http://schemas.microsoft.com/office/drawing/2014/main" id="{A84E63A6-5FA5-4600-B696-CBDA35913C43}"/>
+              </a:ext>
+            </a:extLst>
+          </p:cNvPr>
+          <p:cNvSpPr txBox="1"/>
+          <p:nvPr/>
+        </p:nvSpPr>
+        <p:spPr>
+          <a:xfrm>
+            <a:off x="8910816" y="2082677"/>
+            <a:ext cx="526113" cy="461665"/>
+          </a:xfrm>
+          <a:prstGeom prst="rect">
+            <a:avLst/>
+          </a:prstGeom>
+          <a:noFill/>
+        </p:spPr>
+        <p:txBody>
+          <a:bodyPr wrap="square" rtlCol="0">
+            <a:spAutoFit/>
+          </a:bodyPr>
+          <a:lstStyle/>
+          <a:p>
+            <a:r>
+              <a:rPr lang="en-US" sz="2400" dirty="0"/>
+              <a:t>C</a:t>
+            </a:r>
+            <a:r>
+              <a:rPr lang="en-US" sz="2400" baseline="-25000" dirty="0"/>
+              <a:t>t</a:t>
+            </a:r>
+            <a:endParaRPr lang="en-US" sz="2400" dirty="0"/>
+          </a:p>
+        </p:txBody>
+      </p:sp>
+      <p:sp>
+        <p:nvSpPr>
+          <p:cNvPr id="10" name="TextBox 9">
+            <a:extLst>
+              <a:ext uri="{FF2B5EF4-FFF2-40B4-BE49-F238E27FC236}">
+                <a16:creationId xmlns:a16="http://schemas.microsoft.com/office/drawing/2014/main" id="{F6862023-1D3C-4B2E-8E40-A0A208CF4185}"/>
+              </a:ext>
+            </a:extLst>
+          </p:cNvPr>
+          <p:cNvSpPr txBox="1"/>
+          <p:nvPr/>
+        </p:nvSpPr>
+        <p:spPr>
+          <a:xfrm>
+            <a:off x="154448" y="2095435"/>
+            <a:ext cx="588773" cy="461665"/>
+          </a:xfrm>
+          <a:prstGeom prst="rect">
+            <a:avLst/>
+          </a:prstGeom>
+          <a:noFill/>
+        </p:spPr>
+        <p:txBody>
+          <a:bodyPr wrap="square" rtlCol="0">
+            <a:spAutoFit/>
+          </a:bodyPr>
+          <a:lstStyle/>
+          <a:p>
+            <a:r>
+              <a:rPr lang="en-US" sz="2400" dirty="0"/>
+              <a:t>C</a:t>
+            </a:r>
+            <a:r>
+              <a:rPr lang="en-US" sz="2400" baseline="-25000" dirty="0"/>
+              <a:t>t-1</a:t>
+            </a:r>
+            <a:endParaRPr lang="en-US" sz="2400" dirty="0"/>
+          </a:p>
+        </p:txBody>
+      </p:sp>
+      <p:sp>
+        <p:nvSpPr>
+          <p:cNvPr id="11" name="TextBox 10">
+            <a:extLst>
+              <a:ext uri="{FF2B5EF4-FFF2-40B4-BE49-F238E27FC236}">
+                <a16:creationId xmlns:a16="http://schemas.microsoft.com/office/drawing/2014/main" id="{EB098D9A-3046-40FA-B5FA-2CDEF516980C}"/>
+              </a:ext>
+            </a:extLst>
+          </p:cNvPr>
+          <p:cNvSpPr txBox="1"/>
+          <p:nvPr/>
+        </p:nvSpPr>
+        <p:spPr>
+          <a:xfrm>
+            <a:off x="8882923" y="4728441"/>
+            <a:ext cx="539020" cy="461665"/>
+          </a:xfrm>
+          <a:prstGeom prst="rect">
+            <a:avLst/>
+          </a:prstGeom>
+          <a:noFill/>
+        </p:spPr>
+        <p:txBody>
+          <a:bodyPr wrap="square" rtlCol="0">
+            <a:spAutoFit/>
+          </a:bodyPr>
+          <a:lstStyle/>
+          <a:p>
+            <a:r>
+              <a:rPr lang="en-US" sz="2400" dirty="0" err="1"/>
+              <a:t>H</a:t>
+            </a:r>
+            <a:r>
+              <a:rPr lang="en-US" sz="2400" baseline="-25000" dirty="0" err="1"/>
+              <a:t>t</a:t>
+            </a:r>
+            <a:endParaRPr lang="en-US" sz="2400" dirty="0"/>
+          </a:p>
+        </p:txBody>
+      </p:sp>
+      <p:sp>
+        <p:nvSpPr>
+          <p:cNvPr id="12" name="TextBox 11">
+            <a:extLst>
+              <a:ext uri="{FF2B5EF4-FFF2-40B4-BE49-F238E27FC236}">
+                <a16:creationId xmlns:a16="http://schemas.microsoft.com/office/drawing/2014/main" id="{68BDD838-C752-4D23-BDEE-5538E688C7E1}"/>
+              </a:ext>
+            </a:extLst>
+          </p:cNvPr>
+          <p:cNvSpPr txBox="1"/>
+          <p:nvPr/>
+        </p:nvSpPr>
+        <p:spPr>
+          <a:xfrm>
+            <a:off x="137315" y="4714967"/>
+            <a:ext cx="656482" cy="461665"/>
+          </a:xfrm>
+          <a:prstGeom prst="rect">
+            <a:avLst/>
+          </a:prstGeom>
+          <a:noFill/>
+        </p:spPr>
+        <p:txBody>
+          <a:bodyPr wrap="square" rtlCol="0">
+            <a:spAutoFit/>
+          </a:bodyPr>
+          <a:lstStyle/>
+          <a:p>
+            <a:r>
+              <a:rPr lang="en-US" sz="2400" dirty="0"/>
+              <a:t>H</a:t>
+            </a:r>
+            <a:r>
+              <a:rPr lang="en-US" sz="2400" baseline="-25000" dirty="0"/>
+              <a:t>t-1</a:t>
+            </a:r>
+            <a:endParaRPr lang="en-US" sz="2400" dirty="0"/>
+          </a:p>
+        </p:txBody>
+      </p:sp>
+      <p:sp>
+        <p:nvSpPr>
+          <p:cNvPr id="18" name="Oval 17">
+            <a:extLst>
+              <a:ext uri="{FF2B5EF4-FFF2-40B4-BE49-F238E27FC236}">
+                <a16:creationId xmlns:a16="http://schemas.microsoft.com/office/drawing/2014/main" id="{4EF4E720-B3FA-4FBA-A184-5CE6CCEC4183}"/>
+              </a:ext>
+            </a:extLst>
+          </p:cNvPr>
+          <p:cNvSpPr/>
+          <p:nvPr/>
+        </p:nvSpPr>
+        <p:spPr>
+          <a:xfrm>
+            <a:off x="4156026" y="2082677"/>
+            <a:ext cx="457200" cy="457200"/>
+          </a:xfrm>
+          <a:prstGeom prst="ellipse">
+            <a:avLst/>
+          </a:prstGeom>
+          <a:solidFill>
+            <a:srgbClr val="FFFF00"/>
+          </a:solidFill>
+        </p:spPr>
+        <p:style>
+          <a:lnRef idx="2">
+            <a:schemeClr val="accent1">
+              <a:shade val="50000"/>
+            </a:schemeClr>
+          </a:lnRef>
+          <a:fillRef idx="1">
+            <a:schemeClr val="accent1"/>
+          </a:fillRef>
+          <a:effectRef idx="0">
+            <a:schemeClr val="accent1"/>
+          </a:effectRef>
+          <a:fontRef idx="minor">
+            <a:schemeClr val="lt1"/>
+          </a:fontRef>
+        </p:style>
+        <p:txBody>
+          <a:bodyPr rtlCol="0" anchor="ctr"/>
+          <a:lstStyle/>
+          <a:p>
+            <a:pPr algn="ctr"/>
+            <a:endParaRPr lang="en-US"/>
+          </a:p>
+        </p:txBody>
+      </p:sp>
+      <p:sp>
+        <p:nvSpPr>
+          <p:cNvPr id="19" name="TextBox 18">
+            <a:extLst>
+              <a:ext uri="{FF2B5EF4-FFF2-40B4-BE49-F238E27FC236}">
+                <a16:creationId xmlns:a16="http://schemas.microsoft.com/office/drawing/2014/main" id="{EC6EACFC-6292-4E3C-BCE6-7DEC921732E8}"/>
+              </a:ext>
+            </a:extLst>
+          </p:cNvPr>
+          <p:cNvSpPr txBox="1"/>
+          <p:nvPr/>
+        </p:nvSpPr>
+        <p:spPr>
+          <a:xfrm>
+            <a:off x="4139248" y="1878940"/>
+            <a:ext cx="356013" cy="824703"/>
+          </a:xfrm>
+          <a:prstGeom prst="rect">
+            <a:avLst/>
+          </a:prstGeom>
+          <a:noFill/>
+        </p:spPr>
+        <p:txBody>
+          <a:bodyPr wrap="square" rtlCol="0">
+            <a:spAutoFit/>
+          </a:bodyPr>
+          <a:lstStyle/>
+          <a:p>
+            <a:r>
+              <a:rPr lang="en-US" sz="4800" dirty="0"/>
+              <a:t>+</a:t>
+            </a:r>
+          </a:p>
+        </p:txBody>
+      </p:sp>
+      <p:sp>
+        <p:nvSpPr>
+          <p:cNvPr id="20" name="Oval 19">
+            <a:extLst>
+              <a:ext uri="{FF2B5EF4-FFF2-40B4-BE49-F238E27FC236}">
+                <a16:creationId xmlns:a16="http://schemas.microsoft.com/office/drawing/2014/main" id="{87961153-DC95-40FF-813D-6D1B0EDB07E4}"/>
+              </a:ext>
+            </a:extLst>
+          </p:cNvPr>
+          <p:cNvSpPr/>
+          <p:nvPr/>
+        </p:nvSpPr>
+        <p:spPr>
+          <a:xfrm>
+            <a:off x="4156026" y="3055022"/>
+            <a:ext cx="457200" cy="457200"/>
+          </a:xfrm>
+          <a:prstGeom prst="ellipse">
+            <a:avLst/>
+          </a:prstGeom>
+          <a:solidFill>
+            <a:srgbClr val="FFFF00"/>
+          </a:solidFill>
+        </p:spPr>
+        <p:style>
+          <a:lnRef idx="2">
+            <a:schemeClr val="accent1">
+              <a:shade val="50000"/>
+            </a:schemeClr>
+          </a:lnRef>
+          <a:fillRef idx="1">
+            <a:schemeClr val="accent1"/>
+          </a:fillRef>
+          <a:effectRef idx="0">
+            <a:schemeClr val="accent1"/>
+          </a:effectRef>
+          <a:fontRef idx="minor">
+            <a:schemeClr val="lt1"/>
+          </a:fontRef>
+        </p:style>
+        <p:txBody>
+          <a:bodyPr rtlCol="0" anchor="ctr"/>
+          <a:lstStyle/>
+          <a:p>
+            <a:pPr algn="ctr"/>
+            <a:endParaRPr lang="en-US"/>
+          </a:p>
+        </p:txBody>
+      </p:sp>
+      <p:sp>
+        <p:nvSpPr>
+          <p:cNvPr id="21" name="TextBox 20">
+            <a:extLst>
+              <a:ext uri="{FF2B5EF4-FFF2-40B4-BE49-F238E27FC236}">
+                <a16:creationId xmlns:a16="http://schemas.microsoft.com/office/drawing/2014/main" id="{FBCB9919-5300-4C6D-A32B-2145B5C8C760}"/>
+              </a:ext>
+            </a:extLst>
+          </p:cNvPr>
+          <p:cNvSpPr txBox="1"/>
+          <p:nvPr/>
+        </p:nvSpPr>
+        <p:spPr>
+          <a:xfrm>
+            <a:off x="4162630" y="2813422"/>
+            <a:ext cx="273568" cy="830997"/>
+          </a:xfrm>
+          <a:prstGeom prst="rect">
+            <a:avLst/>
+          </a:prstGeom>
+          <a:noFill/>
+        </p:spPr>
+        <p:txBody>
+          <a:bodyPr wrap="square" rtlCol="0">
+            <a:spAutoFit/>
+          </a:bodyPr>
+          <a:lstStyle/>
+          <a:p>
+            <a:r>
+              <a:rPr lang="en-US" sz="4800" dirty="0"/>
+              <a:t>x</a:t>
+            </a:r>
+          </a:p>
+        </p:txBody>
+      </p:sp>
+      <p:sp>
+        <p:nvSpPr>
+          <p:cNvPr id="22" name="Oval 21">
+            <a:extLst>
+              <a:ext uri="{FF2B5EF4-FFF2-40B4-BE49-F238E27FC236}">
+                <a16:creationId xmlns:a16="http://schemas.microsoft.com/office/drawing/2014/main" id="{E3DF3DEB-7DA8-4866-99D6-1B7FA5BFB161}"/>
+              </a:ext>
+            </a:extLst>
+          </p:cNvPr>
+          <p:cNvSpPr/>
+          <p:nvPr/>
+        </p:nvSpPr>
+        <p:spPr>
+          <a:xfrm>
+            <a:off x="2106741" y="2084578"/>
+            <a:ext cx="457200" cy="457200"/>
+          </a:xfrm>
+          <a:prstGeom prst="ellipse">
+            <a:avLst/>
+          </a:prstGeom>
+          <a:solidFill>
+            <a:srgbClr val="FFFF00"/>
+          </a:solidFill>
+        </p:spPr>
+        <p:style>
+          <a:lnRef idx="2">
+            <a:schemeClr val="accent1">
+              <a:shade val="50000"/>
+            </a:schemeClr>
+          </a:lnRef>
+          <a:fillRef idx="1">
+            <a:schemeClr val="accent1"/>
+          </a:fillRef>
+          <a:effectRef idx="0">
+            <a:schemeClr val="accent1"/>
+          </a:effectRef>
+          <a:fontRef idx="minor">
+            <a:schemeClr val="lt1"/>
+          </a:fontRef>
+        </p:style>
+        <p:txBody>
+          <a:bodyPr rtlCol="0" anchor="ctr"/>
+          <a:lstStyle/>
+          <a:p>
+            <a:pPr algn="ctr"/>
+            <a:endParaRPr lang="en-US"/>
+          </a:p>
+        </p:txBody>
+      </p:sp>
+      <p:sp>
+        <p:nvSpPr>
+          <p:cNvPr id="23" name="TextBox 22">
+            <a:extLst>
+              <a:ext uri="{FF2B5EF4-FFF2-40B4-BE49-F238E27FC236}">
+                <a16:creationId xmlns:a16="http://schemas.microsoft.com/office/drawing/2014/main" id="{AB001121-C7FA-4829-A43A-9E9F0F558C94}"/>
+              </a:ext>
+            </a:extLst>
+          </p:cNvPr>
+          <p:cNvSpPr txBox="1"/>
+          <p:nvPr/>
+        </p:nvSpPr>
+        <p:spPr>
+          <a:xfrm>
+            <a:off x="2113345" y="1842978"/>
+            <a:ext cx="273568" cy="830997"/>
+          </a:xfrm>
+          <a:prstGeom prst="rect">
+            <a:avLst/>
+          </a:prstGeom>
+          <a:noFill/>
+        </p:spPr>
+        <p:txBody>
+          <a:bodyPr wrap="square" rtlCol="0">
+            <a:spAutoFit/>
+          </a:bodyPr>
+          <a:lstStyle/>
+          <a:p>
+            <a:r>
+              <a:rPr lang="en-US" sz="4800" dirty="0"/>
+              <a:t>x</a:t>
+            </a:r>
+          </a:p>
+        </p:txBody>
+      </p:sp>
+      <p:sp>
+        <p:nvSpPr>
+          <p:cNvPr id="26" name="Rectangle: Rounded Corners 25">
+            <a:extLst>
+              <a:ext uri="{FF2B5EF4-FFF2-40B4-BE49-F238E27FC236}">
+                <a16:creationId xmlns:a16="http://schemas.microsoft.com/office/drawing/2014/main" id="{43597FC9-D08D-4DB2-B50D-85636DDFB1FD}"/>
+              </a:ext>
+            </a:extLst>
+          </p:cNvPr>
+          <p:cNvSpPr/>
+          <p:nvPr/>
+        </p:nvSpPr>
+        <p:spPr>
+          <a:xfrm>
+            <a:off x="1948242" y="3861215"/>
+            <a:ext cx="712303" cy="394747"/>
+          </a:xfrm>
+          <a:prstGeom prst="roundRect">
+            <a:avLst/>
+          </a:prstGeom>
+          <a:solidFill>
+            <a:schemeClr val="accent2">
+              <a:lumMod val="40000"/>
+              <a:lumOff val="60000"/>
+            </a:schemeClr>
+          </a:solidFill>
+        </p:spPr>
+        <p:style>
+          <a:lnRef idx="2">
+            <a:schemeClr val="accent1">
+              <a:shade val="50000"/>
+            </a:schemeClr>
+          </a:lnRef>
+          <a:fillRef idx="1">
+            <a:schemeClr val="accent1"/>
+          </a:fillRef>
+          <a:effectRef idx="0">
+            <a:schemeClr val="accent1"/>
+          </a:effectRef>
+          <a:fontRef idx="minor">
+            <a:schemeClr val="lt1"/>
+          </a:fontRef>
+        </p:style>
+        <p:txBody>
+          <a:bodyPr rtlCol="0" anchor="ctr"/>
+          <a:lstStyle/>
+          <a:p>
+            <a:pPr algn="ctr"/>
+            <a:endParaRPr lang="en-US" b="1" dirty="0"/>
+          </a:p>
+        </p:txBody>
+      </p:sp>
+      <p:sp>
+        <p:nvSpPr>
+          <p:cNvPr id="24" name="TextBox 23">
+            <a:extLst>
+              <a:ext uri="{FF2B5EF4-FFF2-40B4-BE49-F238E27FC236}">
+                <a16:creationId xmlns:a16="http://schemas.microsoft.com/office/drawing/2014/main" id="{99ED3904-79E6-409C-91B0-E81DB2961D2C}"/>
+              </a:ext>
+            </a:extLst>
+          </p:cNvPr>
+          <p:cNvSpPr txBox="1"/>
+          <p:nvPr/>
+        </p:nvSpPr>
+        <p:spPr>
+          <a:xfrm>
+            <a:off x="1977654" y="3755791"/>
+            <a:ext cx="712303" cy="553998"/>
+          </a:xfrm>
+          <a:prstGeom prst="rect">
+            <a:avLst/>
+          </a:prstGeom>
+          <a:noFill/>
+        </p:spPr>
+        <p:txBody>
+          <a:bodyPr wrap="square" tIns="0" bIns="0" rtlCol="0">
+            <a:spAutoFit/>
+          </a:bodyPr>
+          <a:lstStyle/>
+          <a:p>
+            <a:pPr algn="ctr"/>
+            <a:r>
+              <a:rPr lang="el-GR" sz="3600" dirty="0"/>
+              <a:t>σ</a:t>
+            </a:r>
+            <a:endParaRPr lang="en-US" sz="3600" dirty="0"/>
+          </a:p>
+        </p:txBody>
+      </p:sp>
+      <p:sp>
+        <p:nvSpPr>
+          <p:cNvPr id="27" name="Rectangle: Rounded Corners 26">
+            <a:extLst>
+              <a:ext uri="{FF2B5EF4-FFF2-40B4-BE49-F238E27FC236}">
+                <a16:creationId xmlns:a16="http://schemas.microsoft.com/office/drawing/2014/main" id="{B80A81C2-7C6A-4B24-B208-7F298E1C0E51}"/>
+              </a:ext>
+            </a:extLst>
+          </p:cNvPr>
+          <p:cNvSpPr/>
+          <p:nvPr/>
+        </p:nvSpPr>
+        <p:spPr>
+          <a:xfrm>
+            <a:off x="2940828" y="3866118"/>
+            <a:ext cx="762467" cy="394747"/>
+          </a:xfrm>
+          <a:prstGeom prst="roundRect">
+            <a:avLst/>
+          </a:prstGeom>
+          <a:solidFill>
+            <a:schemeClr val="accent2">
+              <a:lumMod val="40000"/>
+              <a:lumOff val="60000"/>
+            </a:schemeClr>
+          </a:solidFill>
+        </p:spPr>
+        <p:style>
+          <a:lnRef idx="2">
+            <a:schemeClr val="accent1">
+              <a:shade val="50000"/>
+            </a:schemeClr>
+          </a:lnRef>
+          <a:fillRef idx="1">
+            <a:schemeClr val="accent1"/>
+          </a:fillRef>
+          <a:effectRef idx="0">
+            <a:schemeClr val="accent1"/>
+          </a:effectRef>
+          <a:fontRef idx="minor">
+            <a:schemeClr val="lt1"/>
+          </a:fontRef>
+        </p:style>
+        <p:txBody>
+          <a:bodyPr rtlCol="0" anchor="ctr"/>
+          <a:lstStyle/>
+          <a:p>
+            <a:pPr algn="ctr"/>
+            <a:endParaRPr lang="en-US" b="1" dirty="0"/>
+          </a:p>
+        </p:txBody>
+      </p:sp>
+      <p:sp>
+        <p:nvSpPr>
+          <p:cNvPr id="28" name="TextBox 27">
+            <a:extLst>
+              <a:ext uri="{FF2B5EF4-FFF2-40B4-BE49-F238E27FC236}">
+                <a16:creationId xmlns:a16="http://schemas.microsoft.com/office/drawing/2014/main" id="{96306BB0-E53B-4452-BDAD-7FF69E592EE0}"/>
+              </a:ext>
+            </a:extLst>
+          </p:cNvPr>
+          <p:cNvSpPr txBox="1"/>
+          <p:nvPr/>
+        </p:nvSpPr>
+        <p:spPr>
+          <a:xfrm>
+            <a:off x="2871625" y="3755791"/>
+            <a:ext cx="835291" cy="553998"/>
+          </a:xfrm>
+          <a:prstGeom prst="rect">
+            <a:avLst/>
+          </a:prstGeom>
+          <a:noFill/>
+        </p:spPr>
+        <p:txBody>
+          <a:bodyPr wrap="square" tIns="0" bIns="0" rtlCol="0">
+            <a:spAutoFit/>
+          </a:bodyPr>
+          <a:lstStyle/>
+          <a:p>
+            <a:pPr algn="ctr"/>
+            <a:r>
+              <a:rPr lang="el-GR" sz="3600" dirty="0"/>
+              <a:t>σ</a:t>
+            </a:r>
+            <a:endParaRPr lang="en-US" sz="3600" dirty="0"/>
+          </a:p>
+        </p:txBody>
+      </p:sp>
+      <p:sp>
+        <p:nvSpPr>
+          <p:cNvPr id="29" name="Rectangle: Rounded Corners 28">
+            <a:extLst>
+              <a:ext uri="{FF2B5EF4-FFF2-40B4-BE49-F238E27FC236}">
+                <a16:creationId xmlns:a16="http://schemas.microsoft.com/office/drawing/2014/main" id="{E2351EFF-5F89-497A-AF10-0EDDFFC00225}"/>
+              </a:ext>
+            </a:extLst>
+          </p:cNvPr>
+          <p:cNvSpPr/>
+          <p:nvPr/>
+        </p:nvSpPr>
+        <p:spPr>
+          <a:xfrm>
+            <a:off x="3959553" y="3861214"/>
+            <a:ext cx="894117" cy="394747"/>
+          </a:xfrm>
+          <a:prstGeom prst="roundRect">
+            <a:avLst/>
+          </a:prstGeom>
+          <a:solidFill>
+            <a:schemeClr val="accent2">
+              <a:lumMod val="40000"/>
+              <a:lumOff val="60000"/>
+            </a:schemeClr>
+          </a:solidFill>
+        </p:spPr>
+        <p:style>
+          <a:lnRef idx="2">
+            <a:schemeClr val="accent1">
+              <a:shade val="50000"/>
+            </a:schemeClr>
+          </a:lnRef>
+          <a:fillRef idx="1">
+            <a:schemeClr val="accent1"/>
+          </a:fillRef>
+          <a:effectRef idx="0">
+            <a:schemeClr val="accent1"/>
+          </a:effectRef>
+          <a:fontRef idx="minor">
+            <a:schemeClr val="lt1"/>
+          </a:fontRef>
+        </p:style>
+        <p:txBody>
+          <a:bodyPr rtlCol="0" anchor="ctr"/>
+          <a:lstStyle/>
+          <a:p>
+            <a:pPr algn="ctr"/>
+            <a:endParaRPr lang="en-US" b="1" dirty="0"/>
+          </a:p>
+        </p:txBody>
+      </p:sp>
+      <p:sp>
+        <p:nvSpPr>
+          <p:cNvPr id="30" name="TextBox 29">
+            <a:extLst>
+              <a:ext uri="{FF2B5EF4-FFF2-40B4-BE49-F238E27FC236}">
+                <a16:creationId xmlns:a16="http://schemas.microsoft.com/office/drawing/2014/main" id="{BB00CF74-1325-4D92-B5AE-C43070380391}"/>
+              </a:ext>
+            </a:extLst>
+          </p:cNvPr>
+          <p:cNvSpPr txBox="1"/>
+          <p:nvPr/>
+        </p:nvSpPr>
+        <p:spPr>
+          <a:xfrm>
+            <a:off x="4041926" y="3879613"/>
+            <a:ext cx="835291" cy="369332"/>
+          </a:xfrm>
+          <a:prstGeom prst="rect">
+            <a:avLst/>
+          </a:prstGeom>
+          <a:noFill/>
+        </p:spPr>
+        <p:txBody>
+          <a:bodyPr wrap="square" tIns="0" bIns="0" rtlCol="0">
+            <a:spAutoFit/>
+          </a:bodyPr>
+          <a:lstStyle/>
+          <a:p>
+            <a:pPr algn="ctr"/>
+            <a:r>
+              <a:rPr lang="en-US" sz="2400" dirty="0"/>
+              <a:t>tanh</a:t>
+            </a:r>
+          </a:p>
+        </p:txBody>
+      </p:sp>
+      <p:sp>
+        <p:nvSpPr>
+          <p:cNvPr id="31" name="Rectangle: Rounded Corners 30">
+            <a:extLst>
+              <a:ext uri="{FF2B5EF4-FFF2-40B4-BE49-F238E27FC236}">
+                <a16:creationId xmlns:a16="http://schemas.microsoft.com/office/drawing/2014/main" id="{1CEC292D-F4FB-4DD9-85A6-EEBE46A66933}"/>
+              </a:ext>
+            </a:extLst>
+          </p:cNvPr>
+          <p:cNvSpPr/>
+          <p:nvPr/>
+        </p:nvSpPr>
+        <p:spPr>
+          <a:xfrm>
+            <a:off x="5200706" y="3861214"/>
+            <a:ext cx="835291" cy="394747"/>
+          </a:xfrm>
+          <a:prstGeom prst="roundRect">
+            <a:avLst/>
+          </a:prstGeom>
+          <a:solidFill>
+            <a:schemeClr val="accent2">
+              <a:lumMod val="40000"/>
+              <a:lumOff val="60000"/>
+            </a:schemeClr>
+          </a:solidFill>
+        </p:spPr>
+        <p:style>
+          <a:lnRef idx="2">
+            <a:schemeClr val="accent1">
+              <a:shade val="50000"/>
+            </a:schemeClr>
+          </a:lnRef>
+          <a:fillRef idx="1">
+            <a:schemeClr val="accent1"/>
+          </a:fillRef>
+          <a:effectRef idx="0">
+            <a:schemeClr val="accent1"/>
+          </a:effectRef>
+          <a:fontRef idx="minor">
+            <a:schemeClr val="lt1"/>
+          </a:fontRef>
+        </p:style>
+        <p:txBody>
+          <a:bodyPr rtlCol="0" anchor="ctr"/>
+          <a:lstStyle/>
+          <a:p>
+            <a:pPr algn="ctr"/>
+            <a:endParaRPr lang="en-US" b="1" dirty="0"/>
+          </a:p>
+        </p:txBody>
+      </p:sp>
+      <p:sp>
+        <p:nvSpPr>
+          <p:cNvPr id="32" name="TextBox 31">
+            <a:extLst>
+              <a:ext uri="{FF2B5EF4-FFF2-40B4-BE49-F238E27FC236}">
+                <a16:creationId xmlns:a16="http://schemas.microsoft.com/office/drawing/2014/main" id="{A4014880-C9D7-4317-AF22-0050B4F80F42}"/>
+              </a:ext>
+            </a:extLst>
+          </p:cNvPr>
+          <p:cNvSpPr txBox="1"/>
+          <p:nvPr/>
+        </p:nvSpPr>
+        <p:spPr>
+          <a:xfrm>
+            <a:off x="5230118" y="3755790"/>
+            <a:ext cx="805879" cy="553998"/>
+          </a:xfrm>
+          <a:prstGeom prst="rect">
+            <a:avLst/>
+          </a:prstGeom>
+          <a:noFill/>
+        </p:spPr>
+        <p:txBody>
+          <a:bodyPr wrap="square" tIns="0" bIns="0" rtlCol="0">
+            <a:spAutoFit/>
+          </a:bodyPr>
+          <a:lstStyle/>
+          <a:p>
+            <a:pPr algn="ctr"/>
+            <a:r>
+              <a:rPr lang="el-GR" sz="3600" dirty="0"/>
+              <a:t>σ</a:t>
+            </a:r>
+            <a:endParaRPr lang="en-US" sz="3600" dirty="0"/>
+          </a:p>
+        </p:txBody>
+      </p:sp>
+      <p:sp>
+        <p:nvSpPr>
+          <p:cNvPr id="35" name="Oval 34">
+            <a:extLst>
+              <a:ext uri="{FF2B5EF4-FFF2-40B4-BE49-F238E27FC236}">
+                <a16:creationId xmlns:a16="http://schemas.microsoft.com/office/drawing/2014/main" id="{757D8724-7FD9-4046-9348-F2245B47710B}"/>
+              </a:ext>
+            </a:extLst>
+          </p:cNvPr>
+          <p:cNvSpPr/>
+          <p:nvPr/>
+        </p:nvSpPr>
+        <p:spPr>
+          <a:xfrm>
+            <a:off x="6801784" y="3805222"/>
+            <a:ext cx="457200" cy="457200"/>
+          </a:xfrm>
+          <a:prstGeom prst="ellipse">
+            <a:avLst/>
+          </a:prstGeom>
+          <a:solidFill>
+            <a:srgbClr val="FFFF00"/>
+          </a:solidFill>
+        </p:spPr>
+        <p:style>
+          <a:lnRef idx="2">
+            <a:schemeClr val="accent1">
+              <a:shade val="50000"/>
+            </a:schemeClr>
+          </a:lnRef>
+          <a:fillRef idx="1">
+            <a:schemeClr val="accent1"/>
+          </a:fillRef>
+          <a:effectRef idx="0">
+            <a:schemeClr val="accent1"/>
+          </a:effectRef>
+          <a:fontRef idx="minor">
+            <a:schemeClr val="lt1"/>
+          </a:fontRef>
+        </p:style>
+        <p:txBody>
+          <a:bodyPr rtlCol="0" anchor="ctr"/>
+          <a:lstStyle/>
+          <a:p>
+            <a:pPr algn="ctr"/>
+            <a:endParaRPr lang="en-US"/>
+          </a:p>
+        </p:txBody>
+      </p:sp>
+      <p:sp>
+        <p:nvSpPr>
+          <p:cNvPr id="36" name="TextBox 35">
+            <a:extLst>
+              <a:ext uri="{FF2B5EF4-FFF2-40B4-BE49-F238E27FC236}">
+                <a16:creationId xmlns:a16="http://schemas.microsoft.com/office/drawing/2014/main" id="{06B6C862-7F07-4CBA-946D-26F483DBC050}"/>
+              </a:ext>
+            </a:extLst>
+          </p:cNvPr>
+          <p:cNvSpPr txBox="1"/>
+          <p:nvPr/>
+        </p:nvSpPr>
+        <p:spPr>
+          <a:xfrm>
+            <a:off x="6808388" y="3563622"/>
+            <a:ext cx="273568" cy="830997"/>
+          </a:xfrm>
+          <a:prstGeom prst="rect">
+            <a:avLst/>
+          </a:prstGeom>
+          <a:noFill/>
+        </p:spPr>
+        <p:txBody>
+          <a:bodyPr wrap="square" rtlCol="0">
+            <a:spAutoFit/>
+          </a:bodyPr>
+          <a:lstStyle/>
+          <a:p>
+            <a:r>
+              <a:rPr lang="en-US" sz="4800" dirty="0"/>
+              <a:t>x</a:t>
+            </a:r>
+          </a:p>
+        </p:txBody>
+      </p:sp>
+      <p:cxnSp>
+        <p:nvCxnSpPr>
+          <p:cNvPr id="42" name="Straight Connector 41">
+            <a:extLst>
+              <a:ext uri="{FF2B5EF4-FFF2-40B4-BE49-F238E27FC236}">
+                <a16:creationId xmlns:a16="http://schemas.microsoft.com/office/drawing/2014/main" id="{A79BDACA-3909-4CFB-A88C-7D3315995DA3}"/>
+              </a:ext>
+            </a:extLst>
+          </p:cNvPr>
+          <p:cNvCxnSpPr>
+            <a:cxnSpLocks/>
+          </p:cNvCxnSpPr>
+          <p:nvPr/>
+        </p:nvCxnSpPr>
+        <p:spPr>
+          <a:xfrm>
+            <a:off x="2121734" y="4979001"/>
+            <a:ext cx="3574528" cy="0"/>
+          </a:xfrm>
+          <a:prstGeom prst="line">
+            <a:avLst/>
+          </a:prstGeom>
+          <a:ln w="38100"/>
+        </p:spPr>
+        <p:style>
+          <a:lnRef idx="1">
+            <a:schemeClr val="accent1"/>
+          </a:lnRef>
+          <a:fillRef idx="0">
+            <a:schemeClr val="accent1"/>
+          </a:fillRef>
+          <a:effectRef idx="0">
+            <a:schemeClr val="accent1"/>
+          </a:effectRef>
+          <a:fontRef idx="minor">
+            <a:schemeClr val="tx1"/>
+          </a:fontRef>
+        </p:style>
+      </p:cxnSp>
+      <p:cxnSp>
+        <p:nvCxnSpPr>
+          <p:cNvPr id="44" name="Straight Arrow Connector 43">
+            <a:extLst>
+              <a:ext uri="{FF2B5EF4-FFF2-40B4-BE49-F238E27FC236}">
+                <a16:creationId xmlns:a16="http://schemas.microsoft.com/office/drawing/2014/main" id="{DA12E1AA-1968-4300-91A8-7CF36E3AA370}"/>
+              </a:ext>
+            </a:extLst>
+          </p:cNvPr>
+          <p:cNvCxnSpPr>
+            <a:cxnSpLocks/>
+          </p:cNvCxnSpPr>
+          <p:nvPr/>
+        </p:nvCxnSpPr>
+        <p:spPr>
+          <a:xfrm flipH="1" flipV="1">
+            <a:off x="5672883" y="4297364"/>
+            <a:ext cx="14991" cy="687079"/>
+          </a:xfrm>
+          <a:prstGeom prst="straightConnector1">
+            <a:avLst/>
+          </a:prstGeom>
+          <a:ln w="28575">
+            <a:tailEnd type="triangle"/>
+          </a:ln>
+        </p:spPr>
+        <p:style>
+          <a:lnRef idx="1">
+            <a:schemeClr val="accent1"/>
+          </a:lnRef>
+          <a:fillRef idx="0">
+            <a:schemeClr val="accent1"/>
+          </a:fillRef>
+          <a:effectRef idx="0">
+            <a:schemeClr val="accent1"/>
+          </a:effectRef>
+          <a:fontRef idx="minor">
+            <a:schemeClr val="tx1"/>
+          </a:fontRef>
+        </p:style>
+      </p:cxnSp>
+      <p:cxnSp>
+        <p:nvCxnSpPr>
+          <p:cNvPr id="45" name="Straight Arrow Connector 44">
+            <a:extLst>
+              <a:ext uri="{FF2B5EF4-FFF2-40B4-BE49-F238E27FC236}">
+                <a16:creationId xmlns:a16="http://schemas.microsoft.com/office/drawing/2014/main" id="{2ED1E2AE-9C37-4CBC-A5D0-1D1754742BF4}"/>
+              </a:ext>
+            </a:extLst>
+          </p:cNvPr>
+          <p:cNvCxnSpPr>
+            <a:cxnSpLocks/>
+          </p:cNvCxnSpPr>
+          <p:nvPr/>
+        </p:nvCxnSpPr>
+        <p:spPr>
+          <a:xfrm flipV="1">
+            <a:off x="2325974" y="4314698"/>
+            <a:ext cx="0" cy="659567"/>
+          </a:xfrm>
+          <a:prstGeom prst="straightConnector1">
+            <a:avLst/>
+          </a:prstGeom>
+          <a:ln w="28575">
+            <a:tailEnd type="triangle"/>
+          </a:ln>
+        </p:spPr>
+        <p:style>
+          <a:lnRef idx="1">
+            <a:schemeClr val="accent1"/>
+          </a:lnRef>
+          <a:fillRef idx="0">
+            <a:schemeClr val="accent1"/>
+          </a:fillRef>
+          <a:effectRef idx="0">
+            <a:schemeClr val="accent1"/>
+          </a:effectRef>
+          <a:fontRef idx="minor">
+            <a:schemeClr val="tx1"/>
+          </a:fontRef>
+        </p:style>
+      </p:cxnSp>
+      <p:cxnSp>
+        <p:nvCxnSpPr>
+          <p:cNvPr id="46" name="Straight Arrow Connector 45">
+            <a:extLst>
+              <a:ext uri="{FF2B5EF4-FFF2-40B4-BE49-F238E27FC236}">
+                <a16:creationId xmlns:a16="http://schemas.microsoft.com/office/drawing/2014/main" id="{D358C605-0A41-4BD5-8F08-9BEDFB850058}"/>
+              </a:ext>
+            </a:extLst>
+          </p:cNvPr>
+          <p:cNvCxnSpPr>
+            <a:cxnSpLocks/>
+          </p:cNvCxnSpPr>
+          <p:nvPr/>
+        </p:nvCxnSpPr>
+        <p:spPr>
+          <a:xfrm flipV="1">
+            <a:off x="3289080" y="4301226"/>
+            <a:ext cx="0" cy="659567"/>
+          </a:xfrm>
+          <a:prstGeom prst="straightConnector1">
+            <a:avLst/>
+          </a:prstGeom>
+          <a:ln w="28575">
+            <a:tailEnd type="triangle"/>
+          </a:ln>
+        </p:spPr>
+        <p:style>
+          <a:lnRef idx="1">
+            <a:schemeClr val="accent1"/>
+          </a:lnRef>
+          <a:fillRef idx="0">
+            <a:schemeClr val="accent1"/>
+          </a:fillRef>
+          <a:effectRef idx="0">
+            <a:schemeClr val="accent1"/>
+          </a:effectRef>
+          <a:fontRef idx="minor">
+            <a:schemeClr val="tx1"/>
+          </a:fontRef>
+        </p:style>
+      </p:cxnSp>
+      <p:cxnSp>
+        <p:nvCxnSpPr>
+          <p:cNvPr id="47" name="Straight Arrow Connector 46">
+            <a:extLst>
+              <a:ext uri="{FF2B5EF4-FFF2-40B4-BE49-F238E27FC236}">
+                <a16:creationId xmlns:a16="http://schemas.microsoft.com/office/drawing/2014/main" id="{DFE76A4A-A3C2-44C7-9F3E-00E3832D73DF}"/>
+              </a:ext>
+            </a:extLst>
+          </p:cNvPr>
+          <p:cNvCxnSpPr>
+            <a:cxnSpLocks/>
+          </p:cNvCxnSpPr>
+          <p:nvPr/>
+        </p:nvCxnSpPr>
+        <p:spPr>
+          <a:xfrm flipV="1">
+            <a:off x="4384626" y="4300931"/>
+            <a:ext cx="0" cy="659567"/>
+          </a:xfrm>
+          <a:prstGeom prst="straightConnector1">
+            <a:avLst/>
+          </a:prstGeom>
+          <a:ln w="28575">
+            <a:tailEnd type="triangle"/>
+          </a:ln>
+        </p:spPr>
+        <p:style>
+          <a:lnRef idx="1">
+            <a:schemeClr val="accent1"/>
+          </a:lnRef>
+          <a:fillRef idx="0">
+            <a:schemeClr val="accent1"/>
+          </a:fillRef>
+          <a:effectRef idx="0">
+            <a:schemeClr val="accent1"/>
+          </a:effectRef>
+          <a:fontRef idx="minor">
+            <a:schemeClr val="tx1"/>
+          </a:fontRef>
+        </p:style>
+      </p:cxnSp>
+      <p:sp>
+        <p:nvSpPr>
+          <p:cNvPr id="48" name="Rectangle: Rounded Corners 47">
+            <a:extLst>
+              <a:ext uri="{FF2B5EF4-FFF2-40B4-BE49-F238E27FC236}">
+                <a16:creationId xmlns:a16="http://schemas.microsoft.com/office/drawing/2014/main" id="{CC110DDE-E2E3-4ABE-8981-F2CD4B5FC04D}"/>
+              </a:ext>
+            </a:extLst>
+          </p:cNvPr>
+          <p:cNvSpPr/>
+          <p:nvPr/>
+        </p:nvSpPr>
+        <p:spPr>
+          <a:xfrm>
+            <a:off x="1099279" y="6140646"/>
+            <a:ext cx="1296024" cy="388664"/>
+          </a:xfrm>
+          <a:prstGeom prst="roundRect">
+            <a:avLst/>
+          </a:prstGeom>
+          <a:solidFill>
+            <a:schemeClr val="accent6">
+              <a:lumMod val="20000"/>
+              <a:lumOff val="80000"/>
+            </a:schemeClr>
+          </a:solidFill>
+        </p:spPr>
+        <p:style>
+          <a:lnRef idx="2">
+            <a:schemeClr val="accent1">
+              <a:shade val="50000"/>
+            </a:schemeClr>
+          </a:lnRef>
+          <a:fillRef idx="1">
+            <a:schemeClr val="accent1"/>
+          </a:fillRef>
+          <a:effectRef idx="0">
+            <a:schemeClr val="accent1"/>
+          </a:effectRef>
+          <a:fontRef idx="minor">
+            <a:schemeClr val="lt1"/>
+          </a:fontRef>
+        </p:style>
+        <p:txBody>
+          <a:bodyPr rtlCol="0" anchor="ctr"/>
+          <a:lstStyle/>
+          <a:p>
+            <a:pPr algn="ctr"/>
+            <a:endParaRPr lang="en-US" b="1" dirty="0"/>
+          </a:p>
+        </p:txBody>
+      </p:sp>
+      <p:sp>
+        <p:nvSpPr>
+          <p:cNvPr id="49" name="TextBox 48">
+            <a:extLst>
+              <a:ext uri="{FF2B5EF4-FFF2-40B4-BE49-F238E27FC236}">
+                <a16:creationId xmlns:a16="http://schemas.microsoft.com/office/drawing/2014/main" id="{A3A05D1D-6B80-4CCC-A3BF-A7C6EF6F9220}"/>
+              </a:ext>
+            </a:extLst>
+          </p:cNvPr>
+          <p:cNvSpPr txBox="1"/>
+          <p:nvPr/>
+        </p:nvSpPr>
+        <p:spPr>
+          <a:xfrm>
+            <a:off x="1565929" y="6091743"/>
+            <a:ext cx="476323" cy="461665"/>
+          </a:xfrm>
+          <a:prstGeom prst="rect">
+            <a:avLst/>
+          </a:prstGeom>
+          <a:noFill/>
+        </p:spPr>
+        <p:txBody>
+          <a:bodyPr wrap="square" rtlCol="0">
+            <a:spAutoFit/>
+          </a:bodyPr>
+          <a:lstStyle/>
+          <a:p>
+            <a:r>
+              <a:rPr lang="en-US" sz="2400" dirty="0" err="1"/>
+              <a:t>X</a:t>
+            </a:r>
+            <a:r>
+              <a:rPr lang="en-US" sz="2400" baseline="-25000" dirty="0" err="1"/>
+              <a:t>t</a:t>
+            </a:r>
+            <a:endParaRPr lang="en-US" sz="2400" dirty="0"/>
+          </a:p>
+        </p:txBody>
+      </p:sp>
+      <p:cxnSp>
+        <p:nvCxnSpPr>
+          <p:cNvPr id="53" name="Straight Arrow Connector 52">
+            <a:extLst>
+              <a:ext uri="{FF2B5EF4-FFF2-40B4-BE49-F238E27FC236}">
+                <a16:creationId xmlns:a16="http://schemas.microsoft.com/office/drawing/2014/main" id="{69B377B1-A31C-4940-9FC5-68F51D8CB3E4}"/>
+              </a:ext>
+            </a:extLst>
+          </p:cNvPr>
+          <p:cNvCxnSpPr>
+            <a:cxnSpLocks/>
+          </p:cNvCxnSpPr>
+          <p:nvPr/>
+        </p:nvCxnSpPr>
+        <p:spPr>
+          <a:xfrm flipH="1" flipV="1">
+            <a:off x="1747290" y="5176632"/>
+            <a:ext cx="1" cy="915111"/>
+          </a:xfrm>
+          <a:prstGeom prst="straightConnector1">
+            <a:avLst/>
+          </a:prstGeom>
+          <a:ln w="28575">
+            <a:tailEnd type="triangle"/>
+          </a:ln>
+        </p:spPr>
+        <p:style>
+          <a:lnRef idx="1">
+            <a:schemeClr val="accent1"/>
+          </a:lnRef>
+          <a:fillRef idx="0">
+            <a:schemeClr val="accent1"/>
+          </a:fillRef>
+          <a:effectRef idx="0">
+            <a:schemeClr val="accent1"/>
+          </a:effectRef>
+          <a:fontRef idx="minor">
+            <a:schemeClr val="tx1"/>
+          </a:fontRef>
+        </p:style>
+      </p:cxnSp>
+      <p:cxnSp>
+        <p:nvCxnSpPr>
+          <p:cNvPr id="55" name="Straight Arrow Connector 54">
+            <a:extLst>
+              <a:ext uri="{FF2B5EF4-FFF2-40B4-BE49-F238E27FC236}">
+                <a16:creationId xmlns:a16="http://schemas.microsoft.com/office/drawing/2014/main" id="{380DADC8-F850-433A-B179-F83CBD72ECA6}"/>
+              </a:ext>
+            </a:extLst>
+          </p:cNvPr>
+          <p:cNvCxnSpPr>
+            <a:cxnSpLocks/>
+          </p:cNvCxnSpPr>
+          <p:nvPr/>
+        </p:nvCxnSpPr>
+        <p:spPr>
+          <a:xfrm flipV="1">
+            <a:off x="794479" y="4959274"/>
+            <a:ext cx="694944" cy="0"/>
+          </a:xfrm>
+          <a:prstGeom prst="straightConnector1">
+            <a:avLst/>
+          </a:prstGeom>
+          <a:ln w="28575">
+            <a:tailEnd type="triangle"/>
+          </a:ln>
+        </p:spPr>
+        <p:style>
+          <a:lnRef idx="1">
+            <a:schemeClr val="accent1"/>
+          </a:lnRef>
+          <a:fillRef idx="0">
+            <a:schemeClr val="accent1"/>
+          </a:fillRef>
+          <a:effectRef idx="0">
+            <a:schemeClr val="accent1"/>
+          </a:effectRef>
+          <a:fontRef idx="minor">
+            <a:schemeClr val="tx1"/>
+          </a:fontRef>
+        </p:style>
+      </p:cxnSp>
+      <p:cxnSp>
+        <p:nvCxnSpPr>
+          <p:cNvPr id="61" name="Straight Arrow Connector 60">
+            <a:extLst>
+              <a:ext uri="{FF2B5EF4-FFF2-40B4-BE49-F238E27FC236}">
+                <a16:creationId xmlns:a16="http://schemas.microsoft.com/office/drawing/2014/main" id="{12A10EFA-2433-4F2C-9F95-C92F0DB56444}"/>
+              </a:ext>
+            </a:extLst>
+          </p:cNvPr>
+          <p:cNvCxnSpPr>
+            <a:cxnSpLocks/>
+          </p:cNvCxnSpPr>
+          <p:nvPr/>
+        </p:nvCxnSpPr>
+        <p:spPr>
+          <a:xfrm flipV="1">
+            <a:off x="752790" y="2326268"/>
+            <a:ext cx="1368944" cy="1"/>
+          </a:xfrm>
+          <a:prstGeom prst="straightConnector1">
+            <a:avLst/>
+          </a:prstGeom>
+          <a:ln w="28575">
+            <a:tailEnd type="triangle"/>
+          </a:ln>
+        </p:spPr>
+        <p:style>
+          <a:lnRef idx="1">
+            <a:schemeClr val="accent1"/>
+          </a:lnRef>
+          <a:fillRef idx="0">
+            <a:schemeClr val="accent1"/>
+          </a:fillRef>
+          <a:effectRef idx="0">
+            <a:schemeClr val="accent1"/>
+          </a:effectRef>
+          <a:fontRef idx="minor">
+            <a:schemeClr val="tx1"/>
+          </a:fontRef>
+        </p:style>
+      </p:cxnSp>
+      <p:cxnSp>
+        <p:nvCxnSpPr>
+          <p:cNvPr id="63" name="Straight Arrow Connector 62">
+            <a:extLst>
+              <a:ext uri="{FF2B5EF4-FFF2-40B4-BE49-F238E27FC236}">
+                <a16:creationId xmlns:a16="http://schemas.microsoft.com/office/drawing/2014/main" id="{400EAD45-4DAA-4B32-BC8F-A34C37E2ED90}"/>
+              </a:ext>
+            </a:extLst>
+          </p:cNvPr>
+          <p:cNvCxnSpPr>
+            <a:cxnSpLocks/>
+          </p:cNvCxnSpPr>
+          <p:nvPr/>
+        </p:nvCxnSpPr>
+        <p:spPr>
+          <a:xfrm>
+            <a:off x="2644756" y="2331532"/>
+            <a:ext cx="1447559" cy="0"/>
+          </a:xfrm>
+          <a:prstGeom prst="straightConnector1">
+            <a:avLst/>
+          </a:prstGeom>
+          <a:ln w="28575">
+            <a:tailEnd type="triangle"/>
+          </a:ln>
+        </p:spPr>
+        <p:style>
+          <a:lnRef idx="1">
+            <a:schemeClr val="accent1"/>
+          </a:lnRef>
+          <a:fillRef idx="0">
+            <a:schemeClr val="accent1"/>
+          </a:fillRef>
+          <a:effectRef idx="0">
+            <a:schemeClr val="accent1"/>
+          </a:effectRef>
+          <a:fontRef idx="minor">
+            <a:schemeClr val="tx1"/>
+          </a:fontRef>
+        </p:style>
+      </p:cxnSp>
+      <p:cxnSp>
+        <p:nvCxnSpPr>
+          <p:cNvPr id="65" name="Straight Arrow Connector 64">
+            <a:extLst>
+              <a:ext uri="{FF2B5EF4-FFF2-40B4-BE49-F238E27FC236}">
+                <a16:creationId xmlns:a16="http://schemas.microsoft.com/office/drawing/2014/main" id="{F7788DE3-1E1C-48C9-8CF3-17B02D346DFE}"/>
+              </a:ext>
+            </a:extLst>
+          </p:cNvPr>
+          <p:cNvCxnSpPr>
+            <a:cxnSpLocks/>
+          </p:cNvCxnSpPr>
+          <p:nvPr/>
+        </p:nvCxnSpPr>
+        <p:spPr>
+          <a:xfrm flipV="1">
+            <a:off x="4656565" y="2291026"/>
+            <a:ext cx="4082700" cy="0"/>
+          </a:xfrm>
+          <a:prstGeom prst="straightConnector1">
+            <a:avLst/>
+          </a:prstGeom>
+          <a:ln w="28575">
+            <a:tailEnd type="triangle"/>
+          </a:ln>
+        </p:spPr>
+        <p:style>
+          <a:lnRef idx="1">
+            <a:schemeClr val="accent1"/>
+          </a:lnRef>
+          <a:fillRef idx="0">
+            <a:schemeClr val="accent1"/>
+          </a:fillRef>
+          <a:effectRef idx="0">
+            <a:schemeClr val="accent1"/>
+          </a:effectRef>
+          <a:fontRef idx="minor">
+            <a:schemeClr val="tx1"/>
+          </a:fontRef>
+        </p:style>
+      </p:cxnSp>
+      <p:cxnSp>
+        <p:nvCxnSpPr>
+          <p:cNvPr id="68" name="Straight Arrow Connector 67">
+            <a:extLst>
+              <a:ext uri="{FF2B5EF4-FFF2-40B4-BE49-F238E27FC236}">
+                <a16:creationId xmlns:a16="http://schemas.microsoft.com/office/drawing/2014/main" id="{AE528A05-F9CC-4597-B7A6-5B5C6F2D2CF3}"/>
+              </a:ext>
+            </a:extLst>
+          </p:cNvPr>
+          <p:cNvCxnSpPr>
+            <a:cxnSpLocks/>
+          </p:cNvCxnSpPr>
+          <p:nvPr/>
+        </p:nvCxnSpPr>
+        <p:spPr>
+          <a:xfrm>
+            <a:off x="7062862" y="2311278"/>
+            <a:ext cx="0" cy="609336"/>
+          </a:xfrm>
+          <a:prstGeom prst="straightConnector1">
+            <a:avLst/>
+          </a:prstGeom>
+          <a:ln w="28575">
+            <a:tailEnd type="triangle"/>
+          </a:ln>
+        </p:spPr>
+        <p:style>
+          <a:lnRef idx="1">
+            <a:schemeClr val="accent1"/>
+          </a:lnRef>
+          <a:fillRef idx="0">
+            <a:schemeClr val="accent1"/>
+          </a:fillRef>
+          <a:effectRef idx="0">
+            <a:schemeClr val="accent1"/>
+          </a:effectRef>
+          <a:fontRef idx="minor">
+            <a:schemeClr val="tx1"/>
+          </a:fontRef>
+        </p:style>
+      </p:cxnSp>
+      <p:cxnSp>
+        <p:nvCxnSpPr>
+          <p:cNvPr id="70" name="Straight Arrow Connector 69">
+            <a:extLst>
+              <a:ext uri="{FF2B5EF4-FFF2-40B4-BE49-F238E27FC236}">
+                <a16:creationId xmlns:a16="http://schemas.microsoft.com/office/drawing/2014/main" id="{D56E001C-CAA2-4547-93C1-5A36EC504C91}"/>
+              </a:ext>
+            </a:extLst>
+          </p:cNvPr>
+          <p:cNvCxnSpPr>
+            <a:cxnSpLocks/>
+          </p:cNvCxnSpPr>
+          <p:nvPr/>
+        </p:nvCxnSpPr>
+        <p:spPr>
+          <a:xfrm>
+            <a:off x="7058707" y="3352376"/>
+            <a:ext cx="0" cy="452846"/>
+          </a:xfrm>
+          <a:prstGeom prst="straightConnector1">
+            <a:avLst/>
+          </a:prstGeom>
+          <a:ln w="28575">
+            <a:tailEnd type="triangle"/>
+          </a:ln>
+        </p:spPr>
+        <p:style>
+          <a:lnRef idx="1">
+            <a:schemeClr val="accent1"/>
+          </a:lnRef>
+          <a:fillRef idx="0">
+            <a:schemeClr val="accent1"/>
+          </a:fillRef>
+          <a:effectRef idx="0">
+            <a:schemeClr val="accent1"/>
+          </a:effectRef>
+          <a:fontRef idx="minor">
+            <a:schemeClr val="tx1"/>
+          </a:fontRef>
+        </p:style>
+      </p:cxnSp>
+      <p:cxnSp>
+        <p:nvCxnSpPr>
+          <p:cNvPr id="72" name="Straight Arrow Connector 71">
+            <a:extLst>
+              <a:ext uri="{FF2B5EF4-FFF2-40B4-BE49-F238E27FC236}">
+                <a16:creationId xmlns:a16="http://schemas.microsoft.com/office/drawing/2014/main" id="{4DC59B5F-1521-4E94-8756-E968997AC0EA}"/>
+              </a:ext>
+            </a:extLst>
+          </p:cNvPr>
+          <p:cNvCxnSpPr>
+            <a:cxnSpLocks/>
+          </p:cNvCxnSpPr>
+          <p:nvPr/>
+        </p:nvCxnSpPr>
+        <p:spPr>
+          <a:xfrm>
+            <a:off x="6059384" y="4065026"/>
+            <a:ext cx="731160" cy="9829"/>
+          </a:xfrm>
+          <a:prstGeom prst="straightConnector1">
+            <a:avLst/>
+          </a:prstGeom>
+          <a:ln w="28575">
+            <a:tailEnd type="triangle"/>
+          </a:ln>
+        </p:spPr>
+        <p:style>
+          <a:lnRef idx="1">
+            <a:schemeClr val="accent1"/>
+          </a:lnRef>
+          <a:fillRef idx="0">
+            <a:schemeClr val="accent1"/>
+          </a:fillRef>
+          <a:effectRef idx="0">
+            <a:schemeClr val="accent1"/>
+          </a:effectRef>
+          <a:fontRef idx="minor">
+            <a:schemeClr val="tx1"/>
+          </a:fontRef>
+        </p:style>
+      </p:cxnSp>
+      <p:cxnSp>
+        <p:nvCxnSpPr>
+          <p:cNvPr id="74" name="Straight Connector 73">
+            <a:extLst>
+              <a:ext uri="{FF2B5EF4-FFF2-40B4-BE49-F238E27FC236}">
+                <a16:creationId xmlns:a16="http://schemas.microsoft.com/office/drawing/2014/main" id="{F8779C99-985D-40F1-93C6-B044744B79C1}"/>
+              </a:ext>
+            </a:extLst>
+          </p:cNvPr>
+          <p:cNvCxnSpPr>
+            <a:cxnSpLocks/>
+          </p:cNvCxnSpPr>
+          <p:nvPr/>
+        </p:nvCxnSpPr>
+        <p:spPr>
+          <a:xfrm flipV="1">
+            <a:off x="7051978" y="4985831"/>
+            <a:ext cx="1737360" cy="0"/>
+          </a:xfrm>
+          <a:prstGeom prst="line">
+            <a:avLst/>
+          </a:prstGeom>
+          <a:ln w="38100">
+            <a:headEnd type="none" w="med" len="med"/>
+            <a:tailEnd type="arrow" w="med" len="med"/>
+          </a:ln>
+        </p:spPr>
+        <p:style>
+          <a:lnRef idx="1">
+            <a:schemeClr val="accent1"/>
+          </a:lnRef>
+          <a:fillRef idx="0">
+            <a:schemeClr val="accent1"/>
+          </a:fillRef>
+          <a:effectRef idx="0">
+            <a:schemeClr val="accent1"/>
+          </a:effectRef>
+          <a:fontRef idx="minor">
+            <a:schemeClr val="tx1"/>
+          </a:fontRef>
+        </p:style>
+      </p:cxnSp>
+      <p:cxnSp>
+        <p:nvCxnSpPr>
+          <p:cNvPr id="76" name="Straight Arrow Connector 75">
+            <a:extLst>
+              <a:ext uri="{FF2B5EF4-FFF2-40B4-BE49-F238E27FC236}">
+                <a16:creationId xmlns:a16="http://schemas.microsoft.com/office/drawing/2014/main" id="{12463498-C054-4570-B7CD-3773A1F556C2}"/>
+              </a:ext>
+            </a:extLst>
+          </p:cNvPr>
+          <p:cNvCxnSpPr>
+            <a:cxnSpLocks/>
+          </p:cNvCxnSpPr>
+          <p:nvPr/>
+        </p:nvCxnSpPr>
+        <p:spPr>
+          <a:xfrm>
+            <a:off x="7058707" y="4323871"/>
+            <a:ext cx="0" cy="675011"/>
+          </a:xfrm>
+          <a:prstGeom prst="straightConnector1">
+            <a:avLst/>
+          </a:prstGeom>
+          <a:ln w="28575">
+            <a:headEnd type="none" w="med" len="med"/>
+            <a:tailEnd type="none" w="med" len="med"/>
+          </a:ln>
+        </p:spPr>
+        <p:style>
+          <a:lnRef idx="1">
+            <a:schemeClr val="accent1"/>
+          </a:lnRef>
+          <a:fillRef idx="0">
+            <a:schemeClr val="accent1"/>
+          </a:fillRef>
+          <a:effectRef idx="0">
+            <a:schemeClr val="accent1"/>
+          </a:effectRef>
+          <a:fontRef idx="minor">
+            <a:schemeClr val="tx1"/>
+          </a:fontRef>
+        </p:style>
+      </p:cxnSp>
+      <p:cxnSp>
+        <p:nvCxnSpPr>
+          <p:cNvPr id="95" name="Straight Arrow Connector 94">
+            <a:extLst>
+              <a:ext uri="{FF2B5EF4-FFF2-40B4-BE49-F238E27FC236}">
+                <a16:creationId xmlns:a16="http://schemas.microsoft.com/office/drawing/2014/main" id="{953F6042-4E43-4D95-B9F9-CD4844950042}"/>
+              </a:ext>
+            </a:extLst>
+          </p:cNvPr>
+          <p:cNvCxnSpPr>
+            <a:cxnSpLocks/>
+          </p:cNvCxnSpPr>
+          <p:nvPr/>
+        </p:nvCxnSpPr>
+        <p:spPr>
+          <a:xfrm flipH="1" flipV="1">
+            <a:off x="2308485" y="2548328"/>
+            <a:ext cx="2884" cy="1261872"/>
+          </a:xfrm>
+          <a:prstGeom prst="straightConnector1">
+            <a:avLst/>
+          </a:prstGeom>
+          <a:ln w="28575">
+            <a:tailEnd type="triangle"/>
+          </a:ln>
+        </p:spPr>
+        <p:style>
+          <a:lnRef idx="1">
+            <a:schemeClr val="accent1"/>
+          </a:lnRef>
+          <a:fillRef idx="0">
+            <a:schemeClr val="accent1"/>
+          </a:fillRef>
+          <a:effectRef idx="0">
+            <a:schemeClr val="accent1"/>
+          </a:effectRef>
+          <a:fontRef idx="minor">
+            <a:schemeClr val="tx1"/>
+          </a:fontRef>
+        </p:style>
+      </p:cxnSp>
+      <p:cxnSp>
+        <p:nvCxnSpPr>
+          <p:cNvPr id="97" name="Straight Arrow Connector 96">
+            <a:extLst>
+              <a:ext uri="{FF2B5EF4-FFF2-40B4-BE49-F238E27FC236}">
+                <a16:creationId xmlns:a16="http://schemas.microsoft.com/office/drawing/2014/main" id="{C56BDD1F-1FA9-4116-9D3B-4178129501BD}"/>
+              </a:ext>
+            </a:extLst>
+          </p:cNvPr>
+          <p:cNvCxnSpPr>
+            <a:cxnSpLocks/>
+          </p:cNvCxnSpPr>
+          <p:nvPr/>
+        </p:nvCxnSpPr>
+        <p:spPr>
+          <a:xfrm flipV="1">
+            <a:off x="4384626" y="3537679"/>
+            <a:ext cx="0" cy="274320"/>
+          </a:xfrm>
+          <a:prstGeom prst="straightConnector1">
+            <a:avLst/>
+          </a:prstGeom>
+          <a:ln w="28575">
+            <a:tailEnd type="triangle"/>
+          </a:ln>
+        </p:spPr>
+        <p:style>
+          <a:lnRef idx="1">
+            <a:schemeClr val="accent1"/>
+          </a:lnRef>
+          <a:fillRef idx="0">
+            <a:schemeClr val="accent1"/>
+          </a:fillRef>
+          <a:effectRef idx="0">
+            <a:schemeClr val="accent1"/>
+          </a:effectRef>
+          <a:fontRef idx="minor">
+            <a:schemeClr val="tx1"/>
+          </a:fontRef>
+        </p:style>
+      </p:cxnSp>
+      <p:cxnSp>
+        <p:nvCxnSpPr>
+          <p:cNvPr id="99" name="Straight Arrow Connector 98">
+            <a:extLst>
+              <a:ext uri="{FF2B5EF4-FFF2-40B4-BE49-F238E27FC236}">
+                <a16:creationId xmlns:a16="http://schemas.microsoft.com/office/drawing/2014/main" id="{536DA73F-261D-4A24-AAE9-86B41D383342}"/>
+              </a:ext>
+            </a:extLst>
+          </p:cNvPr>
+          <p:cNvCxnSpPr>
+            <a:cxnSpLocks/>
+          </p:cNvCxnSpPr>
+          <p:nvPr/>
+        </p:nvCxnSpPr>
+        <p:spPr>
+          <a:xfrm flipV="1">
+            <a:off x="4392118" y="2584909"/>
+            <a:ext cx="0" cy="446764"/>
+          </a:xfrm>
+          <a:prstGeom prst="straightConnector1">
+            <a:avLst/>
+          </a:prstGeom>
+          <a:ln w="28575">
+            <a:tailEnd type="triangle"/>
+          </a:ln>
+        </p:spPr>
+        <p:style>
+          <a:lnRef idx="1">
+            <a:schemeClr val="accent1"/>
+          </a:lnRef>
+          <a:fillRef idx="0">
+            <a:schemeClr val="accent1"/>
+          </a:fillRef>
+          <a:effectRef idx="0">
+            <a:schemeClr val="accent1"/>
+          </a:effectRef>
+          <a:fontRef idx="minor">
+            <a:schemeClr val="tx1"/>
+          </a:fontRef>
+        </p:style>
+      </p:cxnSp>
+      <p:cxnSp>
+        <p:nvCxnSpPr>
+          <p:cNvPr id="104" name="Connector: Elbow 103">
+            <a:extLst>
+              <a:ext uri="{FF2B5EF4-FFF2-40B4-BE49-F238E27FC236}">
+                <a16:creationId xmlns:a16="http://schemas.microsoft.com/office/drawing/2014/main" id="{9F57930E-7C39-4E10-ABD6-62F7A9F6F6C0}"/>
+              </a:ext>
+            </a:extLst>
+          </p:cNvPr>
+          <p:cNvCxnSpPr>
+            <a:cxnSpLocks/>
+            <a:stCxn id="28" idx="0"/>
+          </p:cNvCxnSpPr>
+          <p:nvPr/>
+        </p:nvCxnSpPr>
+        <p:spPr>
+          <a:xfrm rot="5400000" flipH="1" flipV="1">
+            <a:off x="3414903" y="3127392"/>
+            <a:ext cx="548640" cy="822960"/>
+          </a:xfrm>
+          <a:prstGeom prst="bentConnector2">
+            <a:avLst/>
+          </a:prstGeom>
+          <a:ln w="28575">
+            <a:tailEnd type="triangle"/>
+          </a:ln>
+        </p:spPr>
+        <p:style>
+          <a:lnRef idx="1">
+            <a:schemeClr val="accent1"/>
+          </a:lnRef>
+          <a:fillRef idx="0">
+            <a:schemeClr val="accent1"/>
+          </a:fillRef>
+          <a:effectRef idx="0">
+            <a:schemeClr val="accent1"/>
+          </a:effectRef>
+          <a:fontRef idx="minor">
+            <a:schemeClr val="tx1"/>
+          </a:fontRef>
+        </p:style>
+      </p:cxnSp>
+      <p:sp>
+        <p:nvSpPr>
+          <p:cNvPr id="108" name="Rectangle: Rounded Corners 107">
+            <a:extLst>
+              <a:ext uri="{FF2B5EF4-FFF2-40B4-BE49-F238E27FC236}">
+                <a16:creationId xmlns:a16="http://schemas.microsoft.com/office/drawing/2014/main" id="{00FDF223-49FE-48B5-8105-AE5C03541234}"/>
+              </a:ext>
+            </a:extLst>
+          </p:cNvPr>
+          <p:cNvSpPr/>
+          <p:nvPr/>
+        </p:nvSpPr>
+        <p:spPr>
+          <a:xfrm>
+            <a:off x="9836457" y="2025915"/>
+            <a:ext cx="800725" cy="394747"/>
+          </a:xfrm>
+          <a:prstGeom prst="roundRect">
+            <a:avLst/>
+          </a:prstGeom>
+          <a:solidFill>
+            <a:schemeClr val="accent2">
+              <a:lumMod val="40000"/>
+              <a:lumOff val="60000"/>
+            </a:schemeClr>
+          </a:solidFill>
+        </p:spPr>
+        <p:style>
+          <a:lnRef idx="2">
+            <a:schemeClr val="accent1">
+              <a:shade val="50000"/>
+            </a:schemeClr>
+          </a:lnRef>
+          <a:fillRef idx="1">
+            <a:schemeClr val="accent1"/>
+          </a:fillRef>
+          <a:effectRef idx="0">
+            <a:schemeClr val="accent1"/>
+          </a:effectRef>
+          <a:fontRef idx="minor">
+            <a:schemeClr val="lt1"/>
+          </a:fontRef>
+        </p:style>
+        <p:txBody>
+          <a:bodyPr rtlCol="0" anchor="ctr"/>
+          <a:lstStyle/>
+          <a:p>
+            <a:pPr algn="ctr"/>
+            <a:endParaRPr lang="en-US" b="1" dirty="0"/>
+          </a:p>
+        </p:txBody>
+      </p:sp>
+      <p:sp>
+        <p:nvSpPr>
+          <p:cNvPr id="109" name="TextBox 108">
+            <a:extLst>
+              <a:ext uri="{FF2B5EF4-FFF2-40B4-BE49-F238E27FC236}">
+                <a16:creationId xmlns:a16="http://schemas.microsoft.com/office/drawing/2014/main" id="{244DEFCC-6FE0-4C9A-90C5-322E35CD86CC}"/>
+              </a:ext>
+            </a:extLst>
+          </p:cNvPr>
+          <p:cNvSpPr txBox="1"/>
+          <p:nvPr/>
+        </p:nvSpPr>
+        <p:spPr>
+          <a:xfrm>
+            <a:off x="9869048" y="2033080"/>
+            <a:ext cx="768134" cy="369332"/>
+          </a:xfrm>
+          <a:prstGeom prst="rect">
+            <a:avLst/>
+          </a:prstGeom>
+          <a:noFill/>
+        </p:spPr>
+        <p:txBody>
+          <a:bodyPr wrap="square" tIns="0" bIns="0" rtlCol="0">
+            <a:spAutoFit/>
+          </a:bodyPr>
+          <a:lstStyle/>
+          <a:p>
+            <a:pPr algn="ctr"/>
+            <a:r>
+              <a:rPr lang="en-US" sz="2400" dirty="0"/>
+              <a:t>tanh</a:t>
+            </a:r>
+          </a:p>
+        </p:txBody>
+      </p:sp>
+      <p:sp>
+        <p:nvSpPr>
+          <p:cNvPr id="110" name="Rectangle: Rounded Corners 109">
+            <a:extLst>
+              <a:ext uri="{FF2B5EF4-FFF2-40B4-BE49-F238E27FC236}">
+                <a16:creationId xmlns:a16="http://schemas.microsoft.com/office/drawing/2014/main" id="{D415FF9C-4E51-47E6-A810-0DB9BC67434B}"/>
+              </a:ext>
+            </a:extLst>
+          </p:cNvPr>
+          <p:cNvSpPr/>
+          <p:nvPr/>
+        </p:nvSpPr>
+        <p:spPr>
+          <a:xfrm>
+            <a:off x="9836457" y="2645774"/>
+            <a:ext cx="800725" cy="394747"/>
+          </a:xfrm>
+          <a:prstGeom prst="roundRect">
+            <a:avLst/>
+          </a:prstGeom>
+          <a:solidFill>
+            <a:schemeClr val="accent2">
+              <a:lumMod val="40000"/>
+              <a:lumOff val="60000"/>
+            </a:schemeClr>
+          </a:solidFill>
+        </p:spPr>
+        <p:style>
+          <a:lnRef idx="2">
+            <a:schemeClr val="accent1">
+              <a:shade val="50000"/>
+            </a:schemeClr>
+          </a:lnRef>
+          <a:fillRef idx="1">
+            <a:schemeClr val="accent1"/>
+          </a:fillRef>
+          <a:effectRef idx="0">
+            <a:schemeClr val="accent1"/>
+          </a:effectRef>
+          <a:fontRef idx="minor">
+            <a:schemeClr val="lt1"/>
+          </a:fontRef>
+        </p:style>
+        <p:txBody>
+          <a:bodyPr rtlCol="0" anchor="ctr"/>
+          <a:lstStyle/>
+          <a:p>
+            <a:pPr algn="ctr"/>
+            <a:endParaRPr lang="en-US" b="1" dirty="0"/>
+          </a:p>
+        </p:txBody>
+      </p:sp>
+      <p:sp>
+        <p:nvSpPr>
+          <p:cNvPr id="111" name="TextBox 110">
+            <a:extLst>
+              <a:ext uri="{FF2B5EF4-FFF2-40B4-BE49-F238E27FC236}">
+                <a16:creationId xmlns:a16="http://schemas.microsoft.com/office/drawing/2014/main" id="{94DBE5BF-4C35-469E-9423-F21C9717749E}"/>
+              </a:ext>
+            </a:extLst>
+          </p:cNvPr>
+          <p:cNvSpPr txBox="1"/>
+          <p:nvPr/>
+        </p:nvSpPr>
+        <p:spPr>
+          <a:xfrm>
+            <a:off x="9869048" y="2652939"/>
+            <a:ext cx="768134" cy="369332"/>
+          </a:xfrm>
+          <a:prstGeom prst="rect">
+            <a:avLst/>
+          </a:prstGeom>
+          <a:noFill/>
+        </p:spPr>
+        <p:txBody>
+          <a:bodyPr wrap="square" tIns="0" bIns="0" rtlCol="0">
+            <a:spAutoFit/>
+          </a:bodyPr>
+          <a:lstStyle/>
+          <a:p>
+            <a:pPr algn="ctr"/>
+            <a:r>
+              <a:rPr lang="el-GR" sz="2400" dirty="0"/>
+              <a:t>σ</a:t>
+            </a:r>
+            <a:endParaRPr lang="en-US" sz="2400" dirty="0"/>
+          </a:p>
+        </p:txBody>
+      </p:sp>
+      <p:sp>
+        <p:nvSpPr>
+          <p:cNvPr id="114" name="Oval 113">
+            <a:extLst>
+              <a:ext uri="{FF2B5EF4-FFF2-40B4-BE49-F238E27FC236}">
+                <a16:creationId xmlns:a16="http://schemas.microsoft.com/office/drawing/2014/main" id="{F53FF920-DD70-420C-851C-F86EA0467CD1}"/>
+              </a:ext>
+            </a:extLst>
+          </p:cNvPr>
+          <p:cNvSpPr/>
+          <p:nvPr/>
+        </p:nvSpPr>
+        <p:spPr>
+          <a:xfrm>
+            <a:off x="10005973" y="3866344"/>
+            <a:ext cx="457200" cy="457200"/>
+          </a:xfrm>
+          <a:prstGeom prst="ellipse">
+            <a:avLst/>
+          </a:prstGeom>
+          <a:solidFill>
+            <a:srgbClr val="FFFF00"/>
+          </a:solidFill>
+        </p:spPr>
+        <p:style>
+          <a:lnRef idx="2">
+            <a:schemeClr val="accent1">
+              <a:shade val="50000"/>
+            </a:schemeClr>
+          </a:lnRef>
+          <a:fillRef idx="1">
+            <a:schemeClr val="accent1"/>
+          </a:fillRef>
+          <a:effectRef idx="0">
+            <a:schemeClr val="accent1"/>
+          </a:effectRef>
+          <a:fontRef idx="minor">
+            <a:schemeClr val="lt1"/>
+          </a:fontRef>
+        </p:style>
+        <p:txBody>
+          <a:bodyPr rtlCol="0" anchor="ctr"/>
+          <a:lstStyle/>
+          <a:p>
+            <a:pPr algn="ctr"/>
+            <a:endParaRPr lang="en-US"/>
+          </a:p>
+        </p:txBody>
+      </p:sp>
+      <p:sp>
+        <p:nvSpPr>
+          <p:cNvPr id="115" name="TextBox 114">
+            <a:extLst>
+              <a:ext uri="{FF2B5EF4-FFF2-40B4-BE49-F238E27FC236}">
+                <a16:creationId xmlns:a16="http://schemas.microsoft.com/office/drawing/2014/main" id="{035B6930-B182-4D59-963D-AC66036C7D11}"/>
+              </a:ext>
+            </a:extLst>
+          </p:cNvPr>
+          <p:cNvSpPr txBox="1"/>
+          <p:nvPr/>
+        </p:nvSpPr>
+        <p:spPr>
+          <a:xfrm>
+            <a:off x="10005973" y="3662607"/>
+            <a:ext cx="356013" cy="824703"/>
+          </a:xfrm>
+          <a:prstGeom prst="rect">
+            <a:avLst/>
+          </a:prstGeom>
+          <a:noFill/>
+        </p:spPr>
+        <p:txBody>
+          <a:bodyPr wrap="square" rtlCol="0">
+            <a:spAutoFit/>
+          </a:bodyPr>
+          <a:lstStyle/>
+          <a:p>
+            <a:r>
+              <a:rPr lang="en-US" sz="4800" dirty="0"/>
+              <a:t>+</a:t>
+            </a:r>
+          </a:p>
+        </p:txBody>
+      </p:sp>
+      <p:sp>
+        <p:nvSpPr>
+          <p:cNvPr id="118" name="Oval 117">
+            <a:extLst>
+              <a:ext uri="{FF2B5EF4-FFF2-40B4-BE49-F238E27FC236}">
+                <a16:creationId xmlns:a16="http://schemas.microsoft.com/office/drawing/2014/main" id="{88D33199-F90C-4043-9771-3DC0DD0A9B10}"/>
+              </a:ext>
+            </a:extLst>
+          </p:cNvPr>
+          <p:cNvSpPr/>
+          <p:nvPr/>
+        </p:nvSpPr>
+        <p:spPr>
+          <a:xfrm>
+            <a:off x="10003845" y="4507478"/>
+            <a:ext cx="457200" cy="457200"/>
+          </a:xfrm>
+          <a:prstGeom prst="ellipse">
+            <a:avLst/>
+          </a:prstGeom>
+          <a:solidFill>
+            <a:srgbClr val="FFFF00"/>
+          </a:solidFill>
+        </p:spPr>
+        <p:style>
+          <a:lnRef idx="2">
+            <a:schemeClr val="accent1">
+              <a:shade val="50000"/>
+            </a:schemeClr>
+          </a:lnRef>
+          <a:fillRef idx="1">
+            <a:schemeClr val="accent1"/>
+          </a:fillRef>
+          <a:effectRef idx="0">
+            <a:schemeClr val="accent1"/>
+          </a:effectRef>
+          <a:fontRef idx="minor">
+            <a:schemeClr val="lt1"/>
+          </a:fontRef>
+        </p:style>
+        <p:txBody>
+          <a:bodyPr rtlCol="0" anchor="ctr"/>
+          <a:lstStyle/>
+          <a:p>
+            <a:pPr algn="ctr"/>
+            <a:endParaRPr lang="en-US"/>
+          </a:p>
+        </p:txBody>
+      </p:sp>
+      <p:sp>
+        <p:nvSpPr>
+          <p:cNvPr id="119" name="TextBox 118">
+            <a:extLst>
+              <a:ext uri="{FF2B5EF4-FFF2-40B4-BE49-F238E27FC236}">
+                <a16:creationId xmlns:a16="http://schemas.microsoft.com/office/drawing/2014/main" id="{0FD2BCAB-C6A0-4483-863F-3A7A12752883}"/>
+              </a:ext>
+            </a:extLst>
+          </p:cNvPr>
+          <p:cNvSpPr txBox="1"/>
+          <p:nvPr/>
+        </p:nvSpPr>
+        <p:spPr>
+          <a:xfrm>
+            <a:off x="10063808" y="4325838"/>
+            <a:ext cx="273568" cy="830997"/>
+          </a:xfrm>
+          <a:prstGeom prst="rect">
+            <a:avLst/>
+          </a:prstGeom>
+          <a:noFill/>
+        </p:spPr>
+        <p:txBody>
+          <a:bodyPr wrap="square" rtlCol="0">
+            <a:spAutoFit/>
+          </a:bodyPr>
+          <a:lstStyle/>
+          <a:p>
+            <a:r>
+              <a:rPr lang="en-US" sz="4800" dirty="0"/>
+              <a:t>I</a:t>
+            </a:r>
+          </a:p>
+        </p:txBody>
+      </p:sp>
+      <p:sp>
+        <p:nvSpPr>
+          <p:cNvPr id="121" name="TextBox 120">
+            <a:extLst>
+              <a:ext uri="{FF2B5EF4-FFF2-40B4-BE49-F238E27FC236}">
+                <a16:creationId xmlns:a16="http://schemas.microsoft.com/office/drawing/2014/main" id="{2AD33CEE-29DC-4008-A226-F356E41F4282}"/>
+              </a:ext>
+            </a:extLst>
+          </p:cNvPr>
+          <p:cNvSpPr txBox="1"/>
+          <p:nvPr/>
+        </p:nvSpPr>
+        <p:spPr>
+          <a:xfrm>
+            <a:off x="10586792" y="2645774"/>
+            <a:ext cx="1605208" cy="553998"/>
+          </a:xfrm>
+          <a:prstGeom prst="rect">
+            <a:avLst/>
+          </a:prstGeom>
+          <a:noFill/>
+        </p:spPr>
+        <p:txBody>
+          <a:bodyPr wrap="square" tIns="0" bIns="0" rtlCol="0">
+            <a:spAutoFit/>
+          </a:bodyPr>
+          <a:lstStyle/>
+          <a:p>
+            <a:pPr algn="ctr"/>
+            <a:r>
+              <a:rPr lang="en-US" dirty="0"/>
+              <a:t>Neuron. sigma activation</a:t>
+            </a:r>
+          </a:p>
+        </p:txBody>
+      </p:sp>
+      <p:sp>
+        <p:nvSpPr>
+          <p:cNvPr id="125" name="Oval 124">
+            <a:extLst>
+              <a:ext uri="{FF2B5EF4-FFF2-40B4-BE49-F238E27FC236}">
+                <a16:creationId xmlns:a16="http://schemas.microsoft.com/office/drawing/2014/main" id="{EA63BD4B-8C4C-4331-A43F-500E8AFC8C0D}"/>
+              </a:ext>
+            </a:extLst>
+          </p:cNvPr>
+          <p:cNvSpPr/>
+          <p:nvPr/>
+        </p:nvSpPr>
+        <p:spPr>
+          <a:xfrm>
+            <a:off x="10022017" y="3254465"/>
+            <a:ext cx="457200" cy="457200"/>
+          </a:xfrm>
+          <a:prstGeom prst="ellipse">
+            <a:avLst/>
+          </a:prstGeom>
+          <a:solidFill>
+            <a:srgbClr val="FFFF00"/>
+          </a:solidFill>
+        </p:spPr>
+        <p:style>
+          <a:lnRef idx="2">
+            <a:schemeClr val="accent1">
+              <a:shade val="50000"/>
+            </a:schemeClr>
+          </a:lnRef>
+          <a:fillRef idx="1">
+            <a:schemeClr val="accent1"/>
+          </a:fillRef>
+          <a:effectRef idx="0">
+            <a:schemeClr val="accent1"/>
+          </a:effectRef>
+          <a:fontRef idx="minor">
+            <a:schemeClr val="lt1"/>
+          </a:fontRef>
+        </p:style>
+        <p:txBody>
+          <a:bodyPr rtlCol="0" anchor="ctr"/>
+          <a:lstStyle/>
+          <a:p>
+            <a:pPr algn="ctr"/>
+            <a:endParaRPr lang="en-US"/>
+          </a:p>
+        </p:txBody>
+      </p:sp>
+      <p:sp>
+        <p:nvSpPr>
+          <p:cNvPr id="126" name="TextBox 125">
+            <a:extLst>
+              <a:ext uri="{FF2B5EF4-FFF2-40B4-BE49-F238E27FC236}">
+                <a16:creationId xmlns:a16="http://schemas.microsoft.com/office/drawing/2014/main" id="{E6F33F6F-3E19-454E-94EF-23CFA5081AD2}"/>
+              </a:ext>
+            </a:extLst>
+          </p:cNvPr>
+          <p:cNvSpPr txBox="1"/>
+          <p:nvPr/>
+        </p:nvSpPr>
+        <p:spPr>
+          <a:xfrm>
+            <a:off x="10037010" y="3012865"/>
+            <a:ext cx="273568" cy="830997"/>
+          </a:xfrm>
+          <a:prstGeom prst="rect">
+            <a:avLst/>
+          </a:prstGeom>
+          <a:noFill/>
+        </p:spPr>
+        <p:txBody>
+          <a:bodyPr wrap="square" rtlCol="0">
+            <a:spAutoFit/>
+          </a:bodyPr>
+          <a:lstStyle/>
+          <a:p>
+            <a:r>
+              <a:rPr lang="en-US" sz="4800" dirty="0"/>
+              <a:t>x</a:t>
+            </a:r>
+          </a:p>
+        </p:txBody>
+      </p:sp>
+      <p:sp>
+        <p:nvSpPr>
+          <p:cNvPr id="127" name="Oval 126">
+            <a:extLst>
+              <a:ext uri="{FF2B5EF4-FFF2-40B4-BE49-F238E27FC236}">
+                <a16:creationId xmlns:a16="http://schemas.microsoft.com/office/drawing/2014/main" id="{55EFB462-99AE-4F17-8522-5A0D0E82DE8F}"/>
+              </a:ext>
+            </a:extLst>
+          </p:cNvPr>
+          <p:cNvSpPr/>
+          <p:nvPr/>
+        </p:nvSpPr>
+        <p:spPr>
+          <a:xfrm>
+            <a:off x="1522227" y="4699635"/>
+            <a:ext cx="457200" cy="457200"/>
+          </a:xfrm>
+          <a:prstGeom prst="ellipse">
+            <a:avLst/>
+          </a:prstGeom>
+          <a:solidFill>
+            <a:srgbClr val="FFFF00"/>
+          </a:solidFill>
+        </p:spPr>
+        <p:style>
+          <a:lnRef idx="2">
+            <a:schemeClr val="accent1">
+              <a:shade val="50000"/>
+            </a:schemeClr>
+          </a:lnRef>
+          <a:fillRef idx="1">
+            <a:schemeClr val="accent1"/>
+          </a:fillRef>
+          <a:effectRef idx="0">
+            <a:schemeClr val="accent1"/>
+          </a:effectRef>
+          <a:fontRef idx="minor">
+            <a:schemeClr val="lt1"/>
+          </a:fontRef>
+        </p:style>
+        <p:txBody>
+          <a:bodyPr rtlCol="0" anchor="ctr"/>
+          <a:lstStyle/>
+          <a:p>
+            <a:pPr algn="ctr"/>
+            <a:endParaRPr lang="en-US"/>
+          </a:p>
+        </p:txBody>
+      </p:sp>
+      <p:sp>
+        <p:nvSpPr>
+          <p:cNvPr id="128" name="TextBox 127">
+            <a:extLst>
+              <a:ext uri="{FF2B5EF4-FFF2-40B4-BE49-F238E27FC236}">
+                <a16:creationId xmlns:a16="http://schemas.microsoft.com/office/drawing/2014/main" id="{227444FB-5B7D-43FB-8E36-C9C374F58F22}"/>
+              </a:ext>
+            </a:extLst>
+          </p:cNvPr>
+          <p:cNvSpPr txBox="1"/>
+          <p:nvPr/>
+        </p:nvSpPr>
+        <p:spPr>
+          <a:xfrm>
+            <a:off x="1582190" y="4517995"/>
+            <a:ext cx="273568" cy="830997"/>
+          </a:xfrm>
+          <a:prstGeom prst="rect">
+            <a:avLst/>
+          </a:prstGeom>
+          <a:noFill/>
+        </p:spPr>
+        <p:txBody>
+          <a:bodyPr wrap="square" rtlCol="0">
+            <a:spAutoFit/>
+          </a:bodyPr>
+          <a:lstStyle/>
+          <a:p>
+            <a:r>
+              <a:rPr lang="en-US" sz="4800" dirty="0"/>
+              <a:t>I</a:t>
+            </a:r>
+          </a:p>
+        </p:txBody>
+      </p:sp>
+      <p:sp>
+        <p:nvSpPr>
+          <p:cNvPr id="129" name="TextBox 128">
+            <a:extLst>
+              <a:ext uri="{FF2B5EF4-FFF2-40B4-BE49-F238E27FC236}">
+                <a16:creationId xmlns:a16="http://schemas.microsoft.com/office/drawing/2014/main" id="{B8816C32-D0AC-4011-AC2C-4424918B7638}"/>
+              </a:ext>
+            </a:extLst>
+          </p:cNvPr>
+          <p:cNvSpPr txBox="1"/>
+          <p:nvPr/>
+        </p:nvSpPr>
+        <p:spPr>
+          <a:xfrm>
+            <a:off x="10637182" y="3299793"/>
+            <a:ext cx="1484553" cy="553998"/>
+          </a:xfrm>
+          <a:prstGeom prst="rect">
+            <a:avLst/>
+          </a:prstGeom>
+          <a:noFill/>
+        </p:spPr>
+        <p:txBody>
+          <a:bodyPr wrap="square" tIns="0" bIns="0" rtlCol="0">
+            <a:spAutoFit/>
+          </a:bodyPr>
+          <a:lstStyle/>
+          <a:p>
+            <a:pPr algn="ctr"/>
+            <a:r>
+              <a:rPr lang="en-US" dirty="0"/>
+              <a:t>Pair-wise multiplication</a:t>
+            </a:r>
+          </a:p>
+        </p:txBody>
+      </p:sp>
+      <p:sp>
+        <p:nvSpPr>
+          <p:cNvPr id="130" name="TextBox 129">
+            <a:extLst>
+              <a:ext uri="{FF2B5EF4-FFF2-40B4-BE49-F238E27FC236}">
+                <a16:creationId xmlns:a16="http://schemas.microsoft.com/office/drawing/2014/main" id="{5522E75F-4E11-4DDC-801A-6E04670EF9D5}"/>
+              </a:ext>
+            </a:extLst>
+          </p:cNvPr>
+          <p:cNvSpPr txBox="1"/>
+          <p:nvPr/>
+        </p:nvSpPr>
+        <p:spPr>
+          <a:xfrm>
+            <a:off x="10623084" y="3871075"/>
+            <a:ext cx="1294504" cy="553998"/>
+          </a:xfrm>
+          <a:prstGeom prst="rect">
+            <a:avLst/>
+          </a:prstGeom>
+          <a:noFill/>
+        </p:spPr>
+        <p:txBody>
+          <a:bodyPr wrap="square" tIns="0" bIns="0" rtlCol="0">
+            <a:spAutoFit/>
+          </a:bodyPr>
+          <a:lstStyle/>
+          <a:p>
+            <a:pPr algn="ctr"/>
+            <a:r>
+              <a:rPr lang="en-US" dirty="0"/>
+              <a:t>Pair-wise sum</a:t>
+            </a:r>
+          </a:p>
+        </p:txBody>
+      </p:sp>
+      <p:sp>
+        <p:nvSpPr>
+          <p:cNvPr id="131" name="TextBox 130">
+            <a:extLst>
+              <a:ext uri="{FF2B5EF4-FFF2-40B4-BE49-F238E27FC236}">
+                <a16:creationId xmlns:a16="http://schemas.microsoft.com/office/drawing/2014/main" id="{356A7384-E3CA-48CF-BDB6-61BC8823AE78}"/>
+              </a:ext>
+            </a:extLst>
+          </p:cNvPr>
+          <p:cNvSpPr txBox="1"/>
+          <p:nvPr/>
+        </p:nvSpPr>
+        <p:spPr>
+          <a:xfrm>
+            <a:off x="10637182" y="4478208"/>
+            <a:ext cx="1320270" cy="553998"/>
+          </a:xfrm>
+          <a:prstGeom prst="rect">
+            <a:avLst/>
+          </a:prstGeom>
+          <a:noFill/>
+        </p:spPr>
+        <p:txBody>
+          <a:bodyPr wrap="square" tIns="0" bIns="0" rtlCol="0">
+            <a:spAutoFit/>
+          </a:bodyPr>
+          <a:lstStyle/>
+          <a:p>
+            <a:pPr algn="ctr"/>
+            <a:r>
+              <a:rPr lang="en-US" dirty="0" err="1"/>
+              <a:t>Concatena-tion</a:t>
+            </a:r>
+            <a:endParaRPr lang="en-US" dirty="0"/>
+          </a:p>
+        </p:txBody>
+      </p:sp>
+      <p:sp>
+        <p:nvSpPr>
+          <p:cNvPr id="132" name="TextBox 131">
+            <a:extLst>
+              <a:ext uri="{FF2B5EF4-FFF2-40B4-BE49-F238E27FC236}">
+                <a16:creationId xmlns:a16="http://schemas.microsoft.com/office/drawing/2014/main" id="{798503FC-5C70-4514-881F-508DE62A0122}"/>
+              </a:ext>
+            </a:extLst>
+          </p:cNvPr>
+          <p:cNvSpPr txBox="1"/>
+          <p:nvPr/>
+        </p:nvSpPr>
+        <p:spPr>
+          <a:xfrm>
+            <a:off x="10200592" y="1334520"/>
+            <a:ext cx="1196601" cy="430887"/>
+          </a:xfrm>
+          <a:prstGeom prst="rect">
+            <a:avLst/>
+          </a:prstGeom>
+          <a:noFill/>
+        </p:spPr>
+        <p:txBody>
+          <a:bodyPr wrap="square" tIns="0" bIns="0" rtlCol="0">
+            <a:spAutoFit/>
+          </a:bodyPr>
+          <a:lstStyle/>
+          <a:p>
+            <a:pPr algn="ctr"/>
+            <a:r>
+              <a:rPr lang="en-US" sz="2800" dirty="0"/>
+              <a:t>Notes</a:t>
+            </a:r>
+          </a:p>
+        </p:txBody>
+      </p:sp>
+      <p:sp>
+        <p:nvSpPr>
+          <p:cNvPr id="133" name="TextBox 132">
+            <a:extLst>
+              <a:ext uri="{FF2B5EF4-FFF2-40B4-BE49-F238E27FC236}">
+                <a16:creationId xmlns:a16="http://schemas.microsoft.com/office/drawing/2014/main" id="{06D17C53-6A36-4700-A452-5851B52AA5CB}"/>
+              </a:ext>
+            </a:extLst>
+          </p:cNvPr>
+          <p:cNvSpPr txBox="1"/>
+          <p:nvPr/>
+        </p:nvSpPr>
+        <p:spPr>
+          <a:xfrm>
+            <a:off x="1364883" y="6484890"/>
+            <a:ext cx="1607536" cy="461665"/>
+          </a:xfrm>
+          <a:prstGeom prst="rect">
+            <a:avLst/>
+          </a:prstGeom>
+          <a:noFill/>
+        </p:spPr>
+        <p:txBody>
+          <a:bodyPr wrap="square" rtlCol="0">
+            <a:spAutoFit/>
+          </a:bodyPr>
+          <a:lstStyle/>
+          <a:p>
+            <a:r>
+              <a:rPr lang="en-US" sz="2400" dirty="0"/>
+              <a:t>Input</a:t>
+            </a:r>
+          </a:p>
+        </p:txBody>
+      </p:sp>
+      <p:cxnSp>
+        <p:nvCxnSpPr>
+          <p:cNvPr id="134" name="Straight Arrow Connector 133">
+            <a:extLst>
+              <a:ext uri="{FF2B5EF4-FFF2-40B4-BE49-F238E27FC236}">
+                <a16:creationId xmlns:a16="http://schemas.microsoft.com/office/drawing/2014/main" id="{FD2ABD3C-249C-4E0F-9A26-7B19C626AB6D}"/>
+              </a:ext>
+            </a:extLst>
+          </p:cNvPr>
+          <p:cNvCxnSpPr>
+            <a:cxnSpLocks/>
+          </p:cNvCxnSpPr>
+          <p:nvPr/>
+        </p:nvCxnSpPr>
+        <p:spPr>
+          <a:xfrm flipH="1" flipV="1">
+            <a:off x="7633727" y="501461"/>
+            <a:ext cx="0" cy="4478046"/>
+          </a:xfrm>
+          <a:prstGeom prst="straightConnector1">
+            <a:avLst/>
+          </a:prstGeom>
+          <a:ln w="28575">
+            <a:tailEnd type="triangle"/>
+          </a:ln>
+        </p:spPr>
+        <p:style>
+          <a:lnRef idx="1">
+            <a:schemeClr val="accent1"/>
+          </a:lnRef>
+          <a:fillRef idx="0">
+            <a:schemeClr val="accent1"/>
+          </a:fillRef>
+          <a:effectRef idx="0">
+            <a:schemeClr val="accent1"/>
+          </a:effectRef>
+          <a:fontRef idx="minor">
+            <a:schemeClr val="tx1"/>
+          </a:fontRef>
+        </p:style>
+      </p:cxnSp>
+      <p:sp>
+        <p:nvSpPr>
+          <p:cNvPr id="136" name="TextBox 135">
+            <a:extLst>
+              <a:ext uri="{FF2B5EF4-FFF2-40B4-BE49-F238E27FC236}">
+                <a16:creationId xmlns:a16="http://schemas.microsoft.com/office/drawing/2014/main" id="{55B97FB0-2812-4419-BBCE-BDC62EC46C4B}"/>
+              </a:ext>
+            </a:extLst>
+          </p:cNvPr>
+          <p:cNvSpPr txBox="1"/>
+          <p:nvPr/>
+        </p:nvSpPr>
+        <p:spPr>
+          <a:xfrm>
+            <a:off x="7131729" y="85166"/>
+            <a:ext cx="1607536" cy="461665"/>
+          </a:xfrm>
+          <a:prstGeom prst="rect">
+            <a:avLst/>
+          </a:prstGeom>
+          <a:noFill/>
+        </p:spPr>
+        <p:txBody>
+          <a:bodyPr wrap="square" rtlCol="0">
+            <a:spAutoFit/>
+          </a:bodyPr>
+          <a:lstStyle/>
+          <a:p>
+            <a:r>
+              <a:rPr lang="en-US" sz="2400" dirty="0"/>
+              <a:t>Output</a:t>
+            </a:r>
+          </a:p>
+        </p:txBody>
+      </p:sp>
+      <p:sp>
+        <p:nvSpPr>
+          <p:cNvPr id="137" name="TextBox 136">
+            <a:extLst>
+              <a:ext uri="{FF2B5EF4-FFF2-40B4-BE49-F238E27FC236}">
+                <a16:creationId xmlns:a16="http://schemas.microsoft.com/office/drawing/2014/main" id="{09F894DB-58C8-4E3F-8A27-C157A75AD1C1}"/>
+              </a:ext>
+            </a:extLst>
+          </p:cNvPr>
+          <p:cNvSpPr txBox="1"/>
+          <p:nvPr/>
+        </p:nvSpPr>
+        <p:spPr>
+          <a:xfrm>
+            <a:off x="10623084" y="1956882"/>
+            <a:ext cx="1605208" cy="553998"/>
+          </a:xfrm>
+          <a:prstGeom prst="rect">
+            <a:avLst/>
+          </a:prstGeom>
+          <a:noFill/>
+        </p:spPr>
+        <p:txBody>
+          <a:bodyPr wrap="square" tIns="0" bIns="0" rtlCol="0">
+            <a:spAutoFit/>
+          </a:bodyPr>
+          <a:lstStyle/>
+          <a:p>
+            <a:pPr algn="ctr"/>
+            <a:r>
+              <a:rPr lang="en-US" dirty="0"/>
+              <a:t>Neuron. tanh activation</a:t>
+            </a:r>
+          </a:p>
+        </p:txBody>
+      </p:sp>
+      <p:sp>
+        <p:nvSpPr>
+          <p:cNvPr id="138" name="Oval 137">
+            <a:extLst>
+              <a:ext uri="{FF2B5EF4-FFF2-40B4-BE49-F238E27FC236}">
+                <a16:creationId xmlns:a16="http://schemas.microsoft.com/office/drawing/2014/main" id="{A76957CB-1431-45B6-B929-E672ACFEC176}"/>
+              </a:ext>
+            </a:extLst>
+          </p:cNvPr>
+          <p:cNvSpPr/>
+          <p:nvPr/>
+        </p:nvSpPr>
+        <p:spPr>
+          <a:xfrm>
+            <a:off x="6540498" y="2920614"/>
+            <a:ext cx="1009295" cy="457200"/>
+          </a:xfrm>
+          <a:prstGeom prst="ellipse">
+            <a:avLst/>
+          </a:prstGeom>
+          <a:solidFill>
+            <a:srgbClr val="FFFF00"/>
+          </a:solidFill>
+        </p:spPr>
+        <p:style>
+          <a:lnRef idx="2">
+            <a:schemeClr val="accent1">
+              <a:shade val="50000"/>
+            </a:schemeClr>
+          </a:lnRef>
+          <a:fillRef idx="1">
+            <a:schemeClr val="accent1"/>
+          </a:fillRef>
+          <a:effectRef idx="0">
+            <a:schemeClr val="accent1"/>
+          </a:effectRef>
+          <a:fontRef idx="minor">
+            <a:schemeClr val="lt1"/>
+          </a:fontRef>
+        </p:style>
+        <p:txBody>
+          <a:bodyPr rtlCol="0" anchor="ctr"/>
+          <a:lstStyle/>
+          <a:p>
+            <a:pPr algn="ctr"/>
+            <a:endParaRPr lang="en-US"/>
+          </a:p>
+        </p:txBody>
+      </p:sp>
+      <p:sp>
+        <p:nvSpPr>
+          <p:cNvPr id="38" name="TextBox 37">
+            <a:extLst>
+              <a:ext uri="{FF2B5EF4-FFF2-40B4-BE49-F238E27FC236}">
+                <a16:creationId xmlns:a16="http://schemas.microsoft.com/office/drawing/2014/main" id="{433C3148-9D40-4B6A-9C9F-7955A3565BF1}"/>
+              </a:ext>
+            </a:extLst>
+          </p:cNvPr>
+          <p:cNvSpPr txBox="1"/>
+          <p:nvPr/>
+        </p:nvSpPr>
+        <p:spPr>
+          <a:xfrm>
+            <a:off x="6641061" y="2956622"/>
+            <a:ext cx="835291" cy="369332"/>
+          </a:xfrm>
+          <a:prstGeom prst="rect">
+            <a:avLst/>
+          </a:prstGeom>
+          <a:noFill/>
+        </p:spPr>
+        <p:txBody>
+          <a:bodyPr wrap="square" tIns="0" bIns="0" rtlCol="0">
+            <a:spAutoFit/>
+          </a:bodyPr>
+          <a:lstStyle/>
+          <a:p>
+            <a:pPr algn="ctr"/>
+            <a:r>
+              <a:rPr lang="en-US" sz="2400" dirty="0"/>
+              <a:t>tanh</a:t>
+            </a:r>
+          </a:p>
+        </p:txBody>
+      </p:sp>
+      <p:sp>
+        <p:nvSpPr>
+          <p:cNvPr id="139" name="Oval 138">
+            <a:extLst>
+              <a:ext uri="{FF2B5EF4-FFF2-40B4-BE49-F238E27FC236}">
+                <a16:creationId xmlns:a16="http://schemas.microsoft.com/office/drawing/2014/main" id="{DDFD1242-AAB9-4A0B-A129-CBEC0249A7EB}"/>
+              </a:ext>
+            </a:extLst>
+          </p:cNvPr>
+          <p:cNvSpPr/>
+          <p:nvPr/>
+        </p:nvSpPr>
+        <p:spPr>
+          <a:xfrm>
+            <a:off x="9735894" y="5154098"/>
+            <a:ext cx="1009295" cy="457200"/>
+          </a:xfrm>
+          <a:prstGeom prst="ellipse">
+            <a:avLst/>
+          </a:prstGeom>
+          <a:solidFill>
+            <a:srgbClr val="FFFF00"/>
+          </a:solidFill>
+        </p:spPr>
+        <p:style>
+          <a:lnRef idx="2">
+            <a:schemeClr val="accent1">
+              <a:shade val="50000"/>
+            </a:schemeClr>
+          </a:lnRef>
+          <a:fillRef idx="1">
+            <a:schemeClr val="accent1"/>
+          </a:fillRef>
+          <a:effectRef idx="0">
+            <a:schemeClr val="accent1"/>
+          </a:effectRef>
+          <a:fontRef idx="minor">
+            <a:schemeClr val="lt1"/>
+          </a:fontRef>
+        </p:style>
+        <p:txBody>
+          <a:bodyPr rtlCol="0" anchor="ctr"/>
+          <a:lstStyle/>
+          <a:p>
+            <a:pPr algn="ctr"/>
+            <a:endParaRPr lang="en-US"/>
+          </a:p>
+        </p:txBody>
+      </p:sp>
+      <p:sp>
+        <p:nvSpPr>
+          <p:cNvPr id="140" name="TextBox 139">
+            <a:extLst>
+              <a:ext uri="{FF2B5EF4-FFF2-40B4-BE49-F238E27FC236}">
+                <a16:creationId xmlns:a16="http://schemas.microsoft.com/office/drawing/2014/main" id="{94CBED89-677D-4679-BE03-40975E54DD2B}"/>
+              </a:ext>
+            </a:extLst>
+          </p:cNvPr>
+          <p:cNvSpPr txBox="1"/>
+          <p:nvPr/>
+        </p:nvSpPr>
+        <p:spPr>
+          <a:xfrm>
+            <a:off x="9836457" y="5190106"/>
+            <a:ext cx="835291" cy="369332"/>
+          </a:xfrm>
+          <a:prstGeom prst="rect">
+            <a:avLst/>
+          </a:prstGeom>
+          <a:noFill/>
+        </p:spPr>
+        <p:txBody>
+          <a:bodyPr wrap="square" tIns="0" bIns="0" rtlCol="0">
+            <a:spAutoFit/>
+          </a:bodyPr>
+          <a:lstStyle/>
+          <a:p>
+            <a:pPr algn="ctr"/>
+            <a:r>
+              <a:rPr lang="en-US" sz="2400" dirty="0"/>
+              <a:t>tanh</a:t>
+            </a:r>
+          </a:p>
+        </p:txBody>
+      </p:sp>
+      <p:sp>
+        <p:nvSpPr>
+          <p:cNvPr id="141" name="TextBox 140">
+            <a:extLst>
+              <a:ext uri="{FF2B5EF4-FFF2-40B4-BE49-F238E27FC236}">
+                <a16:creationId xmlns:a16="http://schemas.microsoft.com/office/drawing/2014/main" id="{0DCDA8F5-4E24-4329-A002-EC707B7B6650}"/>
+              </a:ext>
+            </a:extLst>
+          </p:cNvPr>
+          <p:cNvSpPr txBox="1"/>
+          <p:nvPr/>
+        </p:nvSpPr>
+        <p:spPr>
+          <a:xfrm>
+            <a:off x="10677831" y="5105699"/>
+            <a:ext cx="1320270" cy="553998"/>
+          </a:xfrm>
+          <a:prstGeom prst="rect">
+            <a:avLst/>
+          </a:prstGeom>
+          <a:noFill/>
+        </p:spPr>
+        <p:txBody>
+          <a:bodyPr wrap="square" tIns="0" bIns="0" rtlCol="0">
+            <a:spAutoFit/>
+          </a:bodyPr>
+          <a:lstStyle/>
+          <a:p>
+            <a:pPr algn="ctr"/>
+            <a:r>
+              <a:rPr lang="en-US" dirty="0"/>
+              <a:t>Element-wise tanh</a:t>
+            </a:r>
+          </a:p>
+        </p:txBody>
+      </p:sp>
+      <p:sp>
+        <p:nvSpPr>
+          <p:cNvPr id="142" name="TextBox 141">
+            <a:extLst>
+              <a:ext uri="{FF2B5EF4-FFF2-40B4-BE49-F238E27FC236}">
+                <a16:creationId xmlns:a16="http://schemas.microsoft.com/office/drawing/2014/main" id="{D7A7F537-EE19-430B-9E41-12B4BA8D1558}"/>
+              </a:ext>
+            </a:extLst>
+          </p:cNvPr>
+          <p:cNvSpPr txBox="1"/>
+          <p:nvPr/>
+        </p:nvSpPr>
+        <p:spPr>
+          <a:xfrm>
+            <a:off x="1894095" y="3284399"/>
+            <a:ext cx="526113" cy="461665"/>
+          </a:xfrm>
+          <a:prstGeom prst="rect">
+            <a:avLst/>
+          </a:prstGeom>
+          <a:noFill/>
+        </p:spPr>
+        <p:txBody>
+          <a:bodyPr wrap="square" rtlCol="0">
+            <a:spAutoFit/>
+          </a:bodyPr>
+          <a:lstStyle/>
+          <a:p>
+            <a:r>
+              <a:rPr lang="en-US" sz="2400" dirty="0"/>
+              <a:t>F</a:t>
+            </a:r>
+            <a:r>
+              <a:rPr lang="en-US" sz="2400" baseline="-25000" dirty="0"/>
+              <a:t>t</a:t>
+            </a:r>
+            <a:endParaRPr lang="en-US" sz="2400" dirty="0"/>
+          </a:p>
+        </p:txBody>
+      </p:sp>
+      <p:sp>
+        <p:nvSpPr>
+          <p:cNvPr id="143" name="TextBox 142">
+            <a:extLst>
+              <a:ext uri="{FF2B5EF4-FFF2-40B4-BE49-F238E27FC236}">
+                <a16:creationId xmlns:a16="http://schemas.microsoft.com/office/drawing/2014/main" id="{CE6702C0-D16B-4E70-8A95-FC6B21C214FB}"/>
+              </a:ext>
+            </a:extLst>
+          </p:cNvPr>
+          <p:cNvSpPr txBox="1"/>
+          <p:nvPr/>
+        </p:nvSpPr>
+        <p:spPr>
+          <a:xfrm>
+            <a:off x="2827719" y="3265961"/>
+            <a:ext cx="526113" cy="461665"/>
+          </a:xfrm>
+          <a:prstGeom prst="rect">
+            <a:avLst/>
+          </a:prstGeom>
+          <a:noFill/>
+        </p:spPr>
+        <p:txBody>
+          <a:bodyPr wrap="square" rtlCol="0">
+            <a:spAutoFit/>
+          </a:bodyPr>
+          <a:lstStyle/>
+          <a:p>
+            <a:r>
+              <a:rPr lang="en-US" sz="2400" dirty="0"/>
+              <a:t>I</a:t>
+            </a:r>
+            <a:r>
+              <a:rPr lang="en-US" sz="2400" baseline="-25000" dirty="0"/>
+              <a:t>t</a:t>
+            </a:r>
+            <a:endParaRPr lang="en-US" sz="2400" dirty="0"/>
+          </a:p>
+        </p:txBody>
+      </p:sp>
+      <p:sp>
+        <p:nvSpPr>
+          <p:cNvPr id="144" name="TextBox 143">
+            <a:extLst>
+              <a:ext uri="{FF2B5EF4-FFF2-40B4-BE49-F238E27FC236}">
+                <a16:creationId xmlns:a16="http://schemas.microsoft.com/office/drawing/2014/main" id="{EA67A7FF-F06D-4621-B42A-E565E8891CC0}"/>
+              </a:ext>
+            </a:extLst>
+          </p:cNvPr>
+          <p:cNvSpPr txBox="1"/>
+          <p:nvPr/>
+        </p:nvSpPr>
+        <p:spPr>
+          <a:xfrm>
+            <a:off x="4598755" y="3284399"/>
+            <a:ext cx="526113" cy="461665"/>
+          </a:xfrm>
+          <a:prstGeom prst="rect">
+            <a:avLst/>
+          </a:prstGeom>
+          <a:noFill/>
+        </p:spPr>
+        <p:txBody>
+          <a:bodyPr wrap="square" rtlCol="0">
+            <a:spAutoFit/>
+          </a:bodyPr>
+          <a:lstStyle/>
+          <a:p>
+            <a:r>
+              <a:rPr lang="en-US" sz="2400" dirty="0"/>
+              <a:t>G</a:t>
+            </a:r>
+            <a:r>
+              <a:rPr lang="en-US" sz="2400" baseline="-25000" dirty="0"/>
+              <a:t>t</a:t>
+            </a:r>
+            <a:endParaRPr lang="en-US" sz="2400" dirty="0"/>
+          </a:p>
+        </p:txBody>
+      </p:sp>
+      <p:sp>
+        <p:nvSpPr>
+          <p:cNvPr id="145" name="TextBox 144">
+            <a:extLst>
+              <a:ext uri="{FF2B5EF4-FFF2-40B4-BE49-F238E27FC236}">
+                <a16:creationId xmlns:a16="http://schemas.microsoft.com/office/drawing/2014/main" id="{5F293963-C8ED-44E4-A1E9-363322ED6920}"/>
+              </a:ext>
+            </a:extLst>
+          </p:cNvPr>
+          <p:cNvSpPr txBox="1"/>
+          <p:nvPr/>
+        </p:nvSpPr>
+        <p:spPr>
+          <a:xfrm>
+            <a:off x="6651553" y="3298587"/>
+            <a:ext cx="526113" cy="461665"/>
+          </a:xfrm>
+          <a:prstGeom prst="rect">
+            <a:avLst/>
+          </a:prstGeom>
+          <a:noFill/>
+        </p:spPr>
+        <p:txBody>
+          <a:bodyPr wrap="square" rtlCol="0">
+            <a:spAutoFit/>
+          </a:bodyPr>
+          <a:lstStyle/>
+          <a:p>
+            <a:r>
+              <a:rPr lang="en-US" sz="2400" dirty="0" err="1"/>
+              <a:t>O</a:t>
+            </a:r>
+            <a:r>
+              <a:rPr lang="en-US" sz="2400" baseline="-25000" dirty="0" err="1"/>
+              <a:t>t</a:t>
+            </a:r>
+            <a:endParaRPr lang="en-US" sz="2400" dirty="0"/>
+          </a:p>
+        </p:txBody>
+      </p:sp>
+    </p:spTree>
+    <p:extLst>
+      <p:ext uri="{BB962C8B-B14F-4D97-AF65-F5344CB8AC3E}">
+        <p14:creationId xmlns:p14="http://schemas.microsoft.com/office/powerpoint/2010/main" val="352300790"/>
+      </p:ext>
+    </p:extLst>
+  </p:cSld>
+  <p:clrMapOvr>
+    <a:masterClrMapping/>
+  </p:clrMapOvr>
+</p:sld>
+</file>
+
+<file path=ppt/slides/slide3.xml><?xml version="1.0" encoding="utf-8"?>
+<p:sld xmlns:a="http://schemas.openxmlformats.org/drawingml/2006/main" xmlns:r="http://schemas.openxmlformats.org/officeDocument/2006/relationships" xmlns:p="http://schemas.openxmlformats.org/presentationml/2006/main">
+  <p:cSld>
+    <p:spTree>
+      <p:nvGrpSpPr>
+        <p:cNvPr id="1" name=""/>
+        <p:cNvGrpSpPr/>
+        <p:nvPr/>
+      </p:nvGrpSpPr>
+      <p:grpSpPr>
+        <a:xfrm>
+          <a:off x="0" y="0"/>
+          <a:ext cx="0" cy="0"/>
+          <a:chOff x="0" y="0"/>
+          <a:chExt cx="0" cy="0"/>
+        </a:xfrm>
+      </p:grpSpPr>
+      <p:pic>
+        <p:nvPicPr>
+          <p:cNvPr id="3" name="Picture 2">
+            <a:extLst>
+              <a:ext uri="{FF2B5EF4-FFF2-40B4-BE49-F238E27FC236}">
+                <a16:creationId xmlns:a16="http://schemas.microsoft.com/office/drawing/2014/main" id="{E093C7C9-9588-4B26-B285-D7B7501A8D5B}"/>
+              </a:ext>
+            </a:extLst>
+          </p:cNvPr>
+          <p:cNvPicPr>
+            <a:picLocks noChangeAspect="1"/>
+          </p:cNvPicPr>
+          <p:nvPr/>
+        </p:nvPicPr>
+        <p:blipFill>
+          <a:blip r:embed="rId2">
+            <a:extLst>
+              <a:ext uri="{28A0092B-C50C-407E-A947-70E740481C1C}">
+                <a14:useLocalDpi xmlns:a14="http://schemas.microsoft.com/office/drawing/2010/main" val="0"/>
+              </a:ext>
+            </a:extLst>
+          </a:blip>
+          <a:stretch>
+            <a:fillRect/>
+          </a:stretch>
+        </p:blipFill>
+        <p:spPr>
+          <a:xfrm>
+            <a:off x="214926" y="0"/>
+            <a:ext cx="2905530" cy="2505425"/>
+          </a:xfrm>
+          <a:prstGeom prst="rect">
+            <a:avLst/>
+          </a:prstGeom>
+        </p:spPr>
+      </p:pic>
+      <p:pic>
+        <p:nvPicPr>
+          <p:cNvPr id="5" name="Picture 4">
+            <a:extLst>
+              <a:ext uri="{FF2B5EF4-FFF2-40B4-BE49-F238E27FC236}">
+                <a16:creationId xmlns:a16="http://schemas.microsoft.com/office/drawing/2014/main" id="{77874012-7500-4728-B206-C08E36F5639D}"/>
+              </a:ext>
+            </a:extLst>
+          </p:cNvPr>
+          <p:cNvPicPr>
+            <a:picLocks noChangeAspect="1"/>
+          </p:cNvPicPr>
+          <p:nvPr/>
+        </p:nvPicPr>
+        <p:blipFill>
+          <a:blip r:embed="rId3">
+            <a:extLst>
+              <a:ext uri="{28A0092B-C50C-407E-A947-70E740481C1C}">
+                <a14:useLocalDpi xmlns:a14="http://schemas.microsoft.com/office/drawing/2010/main" val="0"/>
+              </a:ext>
+            </a:extLst>
+          </a:blip>
+          <a:stretch>
+            <a:fillRect/>
+          </a:stretch>
+        </p:blipFill>
+        <p:spPr>
+          <a:xfrm>
+            <a:off x="4230018" y="71447"/>
+            <a:ext cx="3143689" cy="2362530"/>
+          </a:xfrm>
+          <a:prstGeom prst="rect">
+            <a:avLst/>
+          </a:prstGeom>
+        </p:spPr>
+      </p:pic>
+      <p:cxnSp>
+        <p:nvCxnSpPr>
+          <p:cNvPr id="7" name="Straight Arrow Connector 6">
+            <a:extLst>
+              <a:ext uri="{FF2B5EF4-FFF2-40B4-BE49-F238E27FC236}">
+                <a16:creationId xmlns:a16="http://schemas.microsoft.com/office/drawing/2014/main" id="{E3398746-2C5E-4F8D-8404-238C0B242852}"/>
+              </a:ext>
+            </a:extLst>
+          </p:cNvPr>
+          <p:cNvCxnSpPr>
+            <a:cxnSpLocks/>
+            <a:stCxn id="3" idx="3"/>
+            <a:endCxn id="5" idx="1"/>
+          </p:cNvCxnSpPr>
+          <p:nvPr/>
+        </p:nvCxnSpPr>
+        <p:spPr>
+          <a:xfrm flipV="1">
+            <a:off x="3120456" y="1252712"/>
+            <a:ext cx="1109562" cy="1"/>
+          </a:xfrm>
+          <a:prstGeom prst="straightConnector1">
+            <a:avLst/>
+          </a:prstGeom>
+          <a:ln w="12700">
+            <a:tailEnd type="triangle"/>
+          </a:ln>
+        </p:spPr>
+        <p:style>
+          <a:lnRef idx="1">
+            <a:schemeClr val="accent1"/>
+          </a:lnRef>
+          <a:fillRef idx="0">
+            <a:schemeClr val="accent1"/>
+          </a:fillRef>
+          <a:effectRef idx="0">
+            <a:schemeClr val="accent1"/>
+          </a:effectRef>
+          <a:fontRef idx="minor">
+            <a:schemeClr val="tx1"/>
+          </a:fontRef>
+        </p:style>
+      </p:cxnSp>
+    </p:spTree>
+    <p:extLst>
+      <p:ext uri="{BB962C8B-B14F-4D97-AF65-F5344CB8AC3E}">
+        <p14:creationId xmlns:p14="http://schemas.microsoft.com/office/powerpoint/2010/main" val="2602012005"/>
+      </p:ext>
+    </p:extLst>
+  </p:cSld>
+  <p:clrMapOvr>
+    <a:masterClrMapping/>
+  </p:clrMapOvr>
+</p:sld>
+</file>
+
+<file path=ppt/slides/slide4.xml><?xml version="1.0" encoding="utf-8"?>
+<p:sld xmlns:a="http://schemas.openxmlformats.org/drawingml/2006/main" xmlns:r="http://schemas.openxmlformats.org/officeDocument/2006/relationships" xmlns:p="http://schemas.openxmlformats.org/presentationml/2006/main">
+  <p:cSld>
+    <p:spTree>
+      <p:nvGrpSpPr>
+        <p:cNvPr id="1" name=""/>
+        <p:cNvGrpSpPr/>
+        <p:nvPr/>
+      </p:nvGrpSpPr>
+      <p:grpSpPr>
+        <a:xfrm>
+          <a:off x="0" y="0"/>
+          <a:ext cx="0" cy="0"/>
+          <a:chOff x="0" y="0"/>
+          <a:chExt cx="0" cy="0"/>
+        </a:xfrm>
+      </p:grpSpPr>
+      <p:sp>
+        <p:nvSpPr>
+          <p:cNvPr id="2" name="Rectangle 1">
+            <a:extLst>
+              <a:ext uri="{FF2B5EF4-FFF2-40B4-BE49-F238E27FC236}">
+                <a16:creationId xmlns:a16="http://schemas.microsoft.com/office/drawing/2014/main" id="{FE046559-76B1-4B20-AFC3-A184F6A26DA8}"/>
+              </a:ext>
+            </a:extLst>
+          </p:cNvPr>
+          <p:cNvSpPr/>
+          <p:nvPr/>
+        </p:nvSpPr>
+        <p:spPr>
+          <a:xfrm>
+            <a:off x="457200" y="3238500"/>
+            <a:ext cx="152400" cy="165100"/>
+          </a:xfrm>
+          <a:prstGeom prst="rect">
+            <a:avLst/>
+          </a:prstGeom>
+        </p:spPr>
+        <p:style>
+          <a:lnRef idx="2">
+            <a:schemeClr val="accent1">
+              <a:shade val="50000"/>
+            </a:schemeClr>
+          </a:lnRef>
+          <a:fillRef idx="1">
+            <a:schemeClr val="accent1"/>
+          </a:fillRef>
+          <a:effectRef idx="0">
+            <a:schemeClr val="accent1"/>
+          </a:effectRef>
+          <a:fontRef idx="minor">
+            <a:schemeClr val="lt1"/>
+          </a:fontRef>
+        </p:style>
+        <p:txBody>
+          <a:bodyPr rtlCol="0" anchor="ctr"/>
+          <a:lstStyle/>
+          <a:p>
+            <a:pPr algn="ctr"/>
+            <a:endParaRPr lang="en-US"/>
+          </a:p>
+        </p:txBody>
+      </p:sp>
+      <p:sp>
+        <p:nvSpPr>
+          <p:cNvPr id="3" name="Rectangle 2">
+            <a:extLst>
+              <a:ext uri="{FF2B5EF4-FFF2-40B4-BE49-F238E27FC236}">
+                <a16:creationId xmlns:a16="http://schemas.microsoft.com/office/drawing/2014/main" id="{3C42E523-AFD4-470A-B5A4-D4FD95BB5667}"/>
+              </a:ext>
+            </a:extLst>
+          </p:cNvPr>
+          <p:cNvSpPr/>
+          <p:nvPr/>
+        </p:nvSpPr>
+        <p:spPr>
+          <a:xfrm>
+            <a:off x="762000" y="3238500"/>
+            <a:ext cx="152400" cy="165100"/>
+          </a:xfrm>
+          <a:prstGeom prst="rect">
+            <a:avLst/>
+          </a:prstGeom>
+        </p:spPr>
+        <p:style>
+          <a:lnRef idx="2">
+            <a:schemeClr val="accent1">
+              <a:shade val="50000"/>
+            </a:schemeClr>
+          </a:lnRef>
+          <a:fillRef idx="1">
+            <a:schemeClr val="accent1"/>
+          </a:fillRef>
+          <a:effectRef idx="0">
+            <a:schemeClr val="accent1"/>
+          </a:effectRef>
+          <a:fontRef idx="minor">
+            <a:schemeClr val="lt1"/>
+          </a:fontRef>
+        </p:style>
+        <p:txBody>
+          <a:bodyPr rtlCol="0" anchor="ctr"/>
+          <a:lstStyle/>
+          <a:p>
+            <a:pPr algn="ctr"/>
+            <a:endParaRPr lang="en-US"/>
+          </a:p>
+        </p:txBody>
+      </p:sp>
+      <p:cxnSp>
+        <p:nvCxnSpPr>
+          <p:cNvPr id="4" name="Straight Connector 3">
+            <a:extLst>
+              <a:ext uri="{FF2B5EF4-FFF2-40B4-BE49-F238E27FC236}">
+                <a16:creationId xmlns:a16="http://schemas.microsoft.com/office/drawing/2014/main" id="{165F6E83-51F5-48F9-A041-22E1D41212E2}"/>
+              </a:ext>
+            </a:extLst>
+          </p:cNvPr>
+          <p:cNvCxnSpPr>
+            <a:cxnSpLocks/>
+            <a:stCxn id="3" idx="1"/>
+            <a:endCxn id="2" idx="3"/>
+          </p:cNvCxnSpPr>
+          <p:nvPr/>
+        </p:nvCxnSpPr>
+        <p:spPr>
+          <a:xfrm flipH="1">
+            <a:off x="609600" y="3321050"/>
+            <a:ext cx="152400" cy="0"/>
+          </a:xfrm>
+          <a:prstGeom prst="line">
+            <a:avLst/>
+          </a:prstGeom>
+        </p:spPr>
+        <p:style>
+          <a:lnRef idx="1">
+            <a:schemeClr val="accent1"/>
+          </a:lnRef>
+          <a:fillRef idx="0">
+            <a:schemeClr val="accent1"/>
+          </a:fillRef>
+          <a:effectRef idx="0">
+            <a:schemeClr val="accent1"/>
+          </a:effectRef>
+          <a:fontRef idx="minor">
+            <a:schemeClr val="tx1"/>
+          </a:fontRef>
+        </p:style>
+      </p:cxnSp>
+      <p:sp>
+        <p:nvSpPr>
+          <p:cNvPr id="5" name="Rectangle 4">
+            <a:extLst>
+              <a:ext uri="{FF2B5EF4-FFF2-40B4-BE49-F238E27FC236}">
+                <a16:creationId xmlns:a16="http://schemas.microsoft.com/office/drawing/2014/main" id="{4317DD76-A72D-499F-80F0-6F2F0FD89C21}"/>
+              </a:ext>
+            </a:extLst>
+          </p:cNvPr>
+          <p:cNvSpPr/>
+          <p:nvPr/>
+        </p:nvSpPr>
+        <p:spPr>
+          <a:xfrm>
+            <a:off x="1060450" y="3238500"/>
+            <a:ext cx="152400" cy="165100"/>
+          </a:xfrm>
+          <a:prstGeom prst="rect">
+            <a:avLst/>
+          </a:prstGeom>
+        </p:spPr>
+        <p:style>
+          <a:lnRef idx="2">
+            <a:schemeClr val="accent1">
+              <a:shade val="50000"/>
+            </a:schemeClr>
+          </a:lnRef>
+          <a:fillRef idx="1">
+            <a:schemeClr val="accent1"/>
+          </a:fillRef>
+          <a:effectRef idx="0">
+            <a:schemeClr val="accent1"/>
+          </a:effectRef>
+          <a:fontRef idx="minor">
+            <a:schemeClr val="lt1"/>
+          </a:fontRef>
+        </p:style>
+        <p:txBody>
+          <a:bodyPr rtlCol="0" anchor="ctr"/>
+          <a:lstStyle/>
+          <a:p>
+            <a:pPr algn="ctr"/>
+            <a:endParaRPr lang="en-US"/>
+          </a:p>
+        </p:txBody>
+      </p:sp>
+      <p:cxnSp>
+        <p:nvCxnSpPr>
+          <p:cNvPr id="6" name="Straight Connector 5">
+            <a:extLst>
+              <a:ext uri="{FF2B5EF4-FFF2-40B4-BE49-F238E27FC236}">
+                <a16:creationId xmlns:a16="http://schemas.microsoft.com/office/drawing/2014/main" id="{6B9A6D03-8D13-4C1E-B575-2CE9A12D38F3}"/>
+              </a:ext>
+            </a:extLst>
+          </p:cNvPr>
+          <p:cNvCxnSpPr>
+            <a:cxnSpLocks/>
+            <a:stCxn id="5" idx="1"/>
+          </p:cNvCxnSpPr>
+          <p:nvPr/>
+        </p:nvCxnSpPr>
+        <p:spPr>
+          <a:xfrm flipH="1">
+            <a:off x="908050" y="3321050"/>
+            <a:ext cx="152400" cy="0"/>
+          </a:xfrm>
+          <a:prstGeom prst="line">
+            <a:avLst/>
+          </a:prstGeom>
+        </p:spPr>
+        <p:style>
+          <a:lnRef idx="1">
+            <a:schemeClr val="accent1"/>
+          </a:lnRef>
+          <a:fillRef idx="0">
+            <a:schemeClr val="accent1"/>
+          </a:fillRef>
+          <a:effectRef idx="0">
+            <a:schemeClr val="accent1"/>
+          </a:effectRef>
+          <a:fontRef idx="minor">
+            <a:schemeClr val="tx1"/>
+          </a:fontRef>
+        </p:style>
+      </p:cxnSp>
+      <p:sp>
+        <p:nvSpPr>
+          <p:cNvPr id="7" name="TextBox 6">
+            <a:extLst>
+              <a:ext uri="{FF2B5EF4-FFF2-40B4-BE49-F238E27FC236}">
+                <a16:creationId xmlns:a16="http://schemas.microsoft.com/office/drawing/2014/main" id="{7A5E4009-0B8B-46DE-98CC-30D763A2EF0A}"/>
+              </a:ext>
+            </a:extLst>
+          </p:cNvPr>
+          <p:cNvSpPr txBox="1"/>
+          <p:nvPr/>
+        </p:nvSpPr>
+        <p:spPr>
+          <a:xfrm>
+            <a:off x="214926" y="3486150"/>
+            <a:ext cx="1196601" cy="430887"/>
+          </a:xfrm>
+          <a:prstGeom prst="rect">
+            <a:avLst/>
+          </a:prstGeom>
+          <a:noFill/>
+        </p:spPr>
+        <p:txBody>
+          <a:bodyPr wrap="square" tIns="0" bIns="0" rtlCol="0">
+            <a:spAutoFit/>
+          </a:bodyPr>
+          <a:lstStyle/>
+          <a:p>
+            <a:pPr algn="ctr"/>
+            <a:r>
+              <a:rPr lang="en-US" sz="2800" dirty="0"/>
+              <a:t>Input</a:t>
+            </a:r>
+          </a:p>
+        </p:txBody>
+      </p:sp>
+      <p:sp>
+        <p:nvSpPr>
+          <p:cNvPr id="8" name="TextBox 7">
+            <a:extLst>
+              <a:ext uri="{FF2B5EF4-FFF2-40B4-BE49-F238E27FC236}">
+                <a16:creationId xmlns:a16="http://schemas.microsoft.com/office/drawing/2014/main" id="{95781765-A52D-4A7B-89E0-3111434BC633}"/>
+              </a:ext>
+            </a:extLst>
+          </p:cNvPr>
+          <p:cNvSpPr txBox="1"/>
+          <p:nvPr/>
+        </p:nvSpPr>
+        <p:spPr>
+          <a:xfrm>
+            <a:off x="5654464" y="2084237"/>
+            <a:ext cx="914400" cy="369332"/>
+          </a:xfrm>
+          <a:prstGeom prst="rect">
+            <a:avLst/>
+          </a:prstGeom>
+          <a:effectLst>
+            <a:outerShdw blurRad="50800" dist="38100" dir="2700000" algn="tl" rotWithShape="0">
+              <a:prstClr val="black">
+                <a:alpha val="40000"/>
+              </a:prstClr>
+            </a:outerShdw>
+          </a:effectLst>
+        </p:spPr>
+        <p:style>
+          <a:lnRef idx="2">
+            <a:schemeClr val="dk1"/>
+          </a:lnRef>
+          <a:fillRef idx="1">
+            <a:schemeClr val="lt1"/>
+          </a:fillRef>
+          <a:effectRef idx="0">
+            <a:schemeClr val="dk1"/>
+          </a:effectRef>
+          <a:fontRef idx="minor">
+            <a:schemeClr val="dk1"/>
+          </a:fontRef>
+        </p:style>
+        <p:txBody>
+          <a:bodyPr wrap="square" rtlCol="0">
+            <a:spAutoFit/>
+          </a:bodyPr>
+          <a:lstStyle/>
+          <a:p>
+            <a:r>
+              <a:rPr lang="en-US" dirty="0"/>
+              <a:t>Label 1</a:t>
+            </a:r>
+          </a:p>
+        </p:txBody>
+      </p:sp>
+      <p:sp>
+        <p:nvSpPr>
+          <p:cNvPr id="9" name="TextBox 8">
+            <a:extLst>
+              <a:ext uri="{FF2B5EF4-FFF2-40B4-BE49-F238E27FC236}">
+                <a16:creationId xmlns:a16="http://schemas.microsoft.com/office/drawing/2014/main" id="{FC06655B-02BC-4FF6-8B89-B24582D26F73}"/>
+              </a:ext>
+            </a:extLst>
+          </p:cNvPr>
+          <p:cNvSpPr txBox="1"/>
+          <p:nvPr/>
+        </p:nvSpPr>
+        <p:spPr>
+          <a:xfrm>
+            <a:off x="5648352" y="2986835"/>
+            <a:ext cx="914400" cy="369332"/>
+          </a:xfrm>
+          <a:prstGeom prst="rect">
+            <a:avLst/>
+          </a:prstGeom>
+          <a:effectLst>
+            <a:outerShdw blurRad="50800" dist="38100" dir="2700000" algn="tl" rotWithShape="0">
+              <a:prstClr val="black">
+                <a:alpha val="40000"/>
+              </a:prstClr>
+            </a:outerShdw>
+          </a:effectLst>
+        </p:spPr>
+        <p:style>
+          <a:lnRef idx="2">
+            <a:schemeClr val="dk1"/>
+          </a:lnRef>
+          <a:fillRef idx="1">
+            <a:schemeClr val="lt1"/>
+          </a:fillRef>
+          <a:effectRef idx="0">
+            <a:schemeClr val="dk1"/>
+          </a:effectRef>
+          <a:fontRef idx="minor">
+            <a:schemeClr val="dk1"/>
+          </a:fontRef>
+        </p:style>
+        <p:txBody>
+          <a:bodyPr wrap="square" rtlCol="0">
+            <a:spAutoFit/>
+          </a:bodyPr>
+          <a:lstStyle/>
+          <a:p>
+            <a:r>
+              <a:rPr lang="en-US" dirty="0"/>
+              <a:t>Label 2</a:t>
+            </a:r>
+          </a:p>
+        </p:txBody>
+      </p:sp>
+      <p:sp>
+        <p:nvSpPr>
+          <p:cNvPr id="10" name="TextBox 9">
+            <a:extLst>
+              <a:ext uri="{FF2B5EF4-FFF2-40B4-BE49-F238E27FC236}">
+                <a16:creationId xmlns:a16="http://schemas.microsoft.com/office/drawing/2014/main" id="{0F1591A3-B836-4EB9-87D5-1ECFA764E730}"/>
+              </a:ext>
+            </a:extLst>
+          </p:cNvPr>
+          <p:cNvSpPr txBox="1"/>
+          <p:nvPr/>
+        </p:nvSpPr>
+        <p:spPr>
+          <a:xfrm>
+            <a:off x="5656502" y="3514123"/>
+            <a:ext cx="914400" cy="369332"/>
+          </a:xfrm>
+          <a:prstGeom prst="rect">
+            <a:avLst/>
+          </a:prstGeom>
+          <a:effectLst>
+            <a:outerShdw blurRad="50800" dist="38100" dir="2700000" algn="tl" rotWithShape="0">
+              <a:prstClr val="black">
+                <a:alpha val="40000"/>
+              </a:prstClr>
+            </a:outerShdw>
+          </a:effectLst>
+        </p:spPr>
+        <p:style>
+          <a:lnRef idx="2">
+            <a:schemeClr val="dk1"/>
+          </a:lnRef>
+          <a:fillRef idx="1">
+            <a:schemeClr val="lt1"/>
+          </a:fillRef>
+          <a:effectRef idx="0">
+            <a:schemeClr val="dk1"/>
+          </a:effectRef>
+          <a:fontRef idx="minor">
+            <a:schemeClr val="dk1"/>
+          </a:fontRef>
+        </p:style>
+        <p:txBody>
+          <a:bodyPr wrap="square" rtlCol="0">
+            <a:spAutoFit/>
+          </a:bodyPr>
+          <a:lstStyle/>
+          <a:p>
+            <a:r>
+              <a:rPr lang="en-US" dirty="0"/>
+              <a:t>Label 3</a:t>
+            </a:r>
+          </a:p>
+        </p:txBody>
+      </p:sp>
+      <p:sp>
+        <p:nvSpPr>
+          <p:cNvPr id="11" name="TextBox 10">
+            <a:extLst>
+              <a:ext uri="{FF2B5EF4-FFF2-40B4-BE49-F238E27FC236}">
+                <a16:creationId xmlns:a16="http://schemas.microsoft.com/office/drawing/2014/main" id="{44CA9F4A-3E8E-4E51-9444-250EF46B1B4C}"/>
+              </a:ext>
+            </a:extLst>
+          </p:cNvPr>
+          <p:cNvSpPr txBox="1"/>
+          <p:nvPr/>
+        </p:nvSpPr>
+        <p:spPr>
+          <a:xfrm>
+            <a:off x="5648352" y="4036372"/>
+            <a:ext cx="914400" cy="369332"/>
+          </a:xfrm>
+          <a:prstGeom prst="rect">
+            <a:avLst/>
+          </a:prstGeom>
+          <a:effectLst>
+            <a:outerShdw blurRad="50800" dist="38100" dir="2700000" algn="tl" rotWithShape="0">
+              <a:prstClr val="black">
+                <a:alpha val="40000"/>
+              </a:prstClr>
+            </a:outerShdw>
+          </a:effectLst>
+        </p:spPr>
+        <p:style>
+          <a:lnRef idx="2">
+            <a:schemeClr val="dk1"/>
+          </a:lnRef>
+          <a:fillRef idx="1">
+            <a:schemeClr val="lt1"/>
+          </a:fillRef>
+          <a:effectRef idx="0">
+            <a:schemeClr val="dk1"/>
+          </a:effectRef>
+          <a:fontRef idx="minor">
+            <a:schemeClr val="dk1"/>
+          </a:fontRef>
+        </p:style>
+        <p:txBody>
+          <a:bodyPr wrap="square" rtlCol="0">
+            <a:spAutoFit/>
+          </a:bodyPr>
+          <a:lstStyle/>
+          <a:p>
+            <a:r>
+              <a:rPr lang="en-US" dirty="0"/>
+              <a:t>Label 4</a:t>
+            </a:r>
+          </a:p>
+        </p:txBody>
+      </p:sp>
+      <p:graphicFrame>
+        <p:nvGraphicFramePr>
+          <p:cNvPr id="12" name="Table 11">
+            <a:extLst>
+              <a:ext uri="{FF2B5EF4-FFF2-40B4-BE49-F238E27FC236}">
+                <a16:creationId xmlns:a16="http://schemas.microsoft.com/office/drawing/2014/main" id="{8609B135-BD24-46C9-9103-7320116A6E95}"/>
+              </a:ext>
+            </a:extLst>
+          </p:cNvPr>
+          <p:cNvGraphicFramePr>
+            <a:graphicFrameLocks noGrp="1"/>
+          </p:cNvGraphicFramePr>
+          <p:nvPr>
+            <p:extLst>
+              <p:ext uri="{D42A27DB-BD31-4B8C-83A1-F6EECF244321}">
+                <p14:modId xmlns:p14="http://schemas.microsoft.com/office/powerpoint/2010/main" val="2542075094"/>
+              </p:ext>
+            </p:extLst>
+          </p:nvPr>
+        </p:nvGraphicFramePr>
+        <p:xfrm>
+          <a:off x="5123102" y="2518249"/>
+          <a:ext cx="1981200" cy="243840"/>
+        </p:xfrm>
+        <a:graphic>
+          <a:graphicData uri="http://schemas.openxmlformats.org/drawingml/2006/table">
+            <a:tbl>
+              <a:tblPr firstRow="1" bandRow="1">
+                <a:tableStyleId>{5C22544A-7EE6-4342-B048-85BDC9FD1C3A}</a:tableStyleId>
+              </a:tblPr>
+              <a:tblGrid>
+                <a:gridCol w="396240">
+                  <a:extLst>
+                    <a:ext uri="{9D8B030D-6E8A-4147-A177-3AD203B41FA5}">
+                      <a16:colId xmlns:a16="http://schemas.microsoft.com/office/drawing/2014/main" val="3806177184"/>
+                    </a:ext>
+                  </a:extLst>
+                </a:gridCol>
+                <a:gridCol w="396240">
+                  <a:extLst>
+                    <a:ext uri="{9D8B030D-6E8A-4147-A177-3AD203B41FA5}">
+                      <a16:colId xmlns:a16="http://schemas.microsoft.com/office/drawing/2014/main" val="995372208"/>
+                    </a:ext>
+                  </a:extLst>
+                </a:gridCol>
+                <a:gridCol w="396240">
+                  <a:extLst>
+                    <a:ext uri="{9D8B030D-6E8A-4147-A177-3AD203B41FA5}">
+                      <a16:colId xmlns:a16="http://schemas.microsoft.com/office/drawing/2014/main" val="40047974"/>
+                    </a:ext>
+                  </a:extLst>
+                </a:gridCol>
+                <a:gridCol w="396240">
+                  <a:extLst>
+                    <a:ext uri="{9D8B030D-6E8A-4147-A177-3AD203B41FA5}">
+                      <a16:colId xmlns:a16="http://schemas.microsoft.com/office/drawing/2014/main" val="3887870823"/>
+                    </a:ext>
+                  </a:extLst>
+                </a:gridCol>
+                <a:gridCol w="396240">
+                  <a:extLst>
+                    <a:ext uri="{9D8B030D-6E8A-4147-A177-3AD203B41FA5}">
+                      <a16:colId xmlns:a16="http://schemas.microsoft.com/office/drawing/2014/main" val="2562895583"/>
+                    </a:ext>
+                  </a:extLst>
+                </a:gridCol>
+              </a:tblGrid>
+              <a:tr h="121403">
+                <a:tc>
+                  <a:txBody>
+                    <a:bodyPr/>
+                    <a:lstStyle/>
+                    <a:p>
+                      <a:endParaRPr lang="en-US" sz="1000" dirty="0">
+                        <a:highlight>
+                          <a:srgbClr val="808080"/>
+                        </a:highlight>
+                      </a:endParaRPr>
+                    </a:p>
+                  </a:txBody>
+                  <a:tcPr>
+                    <a:solidFill>
+                      <a:srgbClr val="F0D118"/>
+                    </a:solidFill>
+                  </a:tcPr>
+                </a:tc>
+                <a:tc>
+                  <a:txBody>
+                    <a:bodyPr/>
+                    <a:lstStyle/>
+                    <a:p>
+                      <a:endParaRPr lang="en-US" sz="1000" dirty="0"/>
+                    </a:p>
+                  </a:txBody>
+                  <a:tcPr>
+                    <a:solidFill>
+                      <a:srgbClr val="F88008"/>
+                    </a:solidFill>
+                  </a:tcPr>
+                </a:tc>
+                <a:tc>
+                  <a:txBody>
+                    <a:bodyPr/>
+                    <a:lstStyle/>
+                    <a:p>
+                      <a:endParaRPr lang="en-US" sz="1000" dirty="0">
+                        <a:solidFill>
+                          <a:srgbClr val="FF0000"/>
+                        </a:solidFill>
+                      </a:endParaRPr>
+                    </a:p>
+                  </a:txBody>
+                  <a:tcPr>
+                    <a:solidFill>
+                      <a:srgbClr val="FFFF00"/>
+                    </a:solidFill>
+                  </a:tcPr>
+                </a:tc>
+                <a:tc>
+                  <a:txBody>
+                    <a:bodyPr/>
+                    <a:lstStyle/>
+                    <a:p>
+                      <a:endParaRPr lang="en-US" sz="1000" dirty="0">
+                        <a:highlight>
+                          <a:srgbClr val="FF0000"/>
+                        </a:highlight>
+                      </a:endParaRPr>
+                    </a:p>
+                  </a:txBody>
+                  <a:tcPr>
+                    <a:solidFill>
+                      <a:srgbClr val="FFC000"/>
+                    </a:solidFill>
+                  </a:tcPr>
+                </a:tc>
+                <a:tc>
+                  <a:txBody>
+                    <a:bodyPr/>
+                    <a:lstStyle/>
+                    <a:p>
+                      <a:endParaRPr lang="en-US" sz="1000" dirty="0">
+                        <a:highlight>
+                          <a:srgbClr val="FF0000"/>
+                        </a:highlight>
+                      </a:endParaRPr>
+                    </a:p>
+                  </a:txBody>
+                  <a:tcPr>
+                    <a:solidFill>
+                      <a:srgbClr val="E9AF1F"/>
+                    </a:solidFill>
+                  </a:tcPr>
+                </a:tc>
+                <a:extLst>
+                  <a:ext uri="{0D108BD9-81ED-4DB2-BD59-A6C34878D82A}">
+                    <a16:rowId xmlns:a16="http://schemas.microsoft.com/office/drawing/2014/main" val="4259432351"/>
+                  </a:ext>
+                </a:extLst>
+              </a:tr>
+            </a:tbl>
+          </a:graphicData>
+        </a:graphic>
+      </p:graphicFrame>
+      <p:sp>
+        <p:nvSpPr>
+          <p:cNvPr id="13" name="Rectangle: Rounded Corners 12">
+            <a:extLst>
+              <a:ext uri="{FF2B5EF4-FFF2-40B4-BE49-F238E27FC236}">
+                <a16:creationId xmlns:a16="http://schemas.microsoft.com/office/drawing/2014/main" id="{553D89B1-6AA5-474F-902C-EA45738F225C}"/>
+              </a:ext>
+            </a:extLst>
+          </p:cNvPr>
+          <p:cNvSpPr/>
+          <p:nvPr/>
+        </p:nvSpPr>
+        <p:spPr>
+          <a:xfrm>
+            <a:off x="2458182" y="2428143"/>
+            <a:ext cx="1324548" cy="462606"/>
+          </a:xfrm>
+          <a:prstGeom prst="roundRect">
+            <a:avLst/>
+          </a:prstGeom>
+          <a:solidFill>
+            <a:schemeClr val="accent6">
+              <a:lumMod val="20000"/>
+              <a:lumOff val="80000"/>
+            </a:schemeClr>
+          </a:solidFill>
+        </p:spPr>
+        <p:style>
+          <a:lnRef idx="2">
+            <a:schemeClr val="accent1">
+              <a:shade val="50000"/>
+            </a:schemeClr>
+          </a:lnRef>
+          <a:fillRef idx="1">
+            <a:schemeClr val="accent1"/>
+          </a:fillRef>
+          <a:effectRef idx="0">
+            <a:schemeClr val="accent1"/>
+          </a:effectRef>
+          <a:fontRef idx="minor">
+            <a:schemeClr val="lt1"/>
+          </a:fontRef>
+        </p:style>
+        <p:txBody>
+          <a:bodyPr rtlCol="0" anchor="ctr"/>
+          <a:lstStyle/>
+          <a:p>
+            <a:pPr algn="ctr"/>
+            <a:r>
+              <a:rPr lang="en-US" dirty="0">
+                <a:solidFill>
+                  <a:schemeClr val="tx1"/>
+                </a:solidFill>
+              </a:rPr>
+              <a:t>LSTM 1</a:t>
+            </a:r>
+          </a:p>
+        </p:txBody>
+      </p:sp>
+      <p:cxnSp>
+        <p:nvCxnSpPr>
+          <p:cNvPr id="14" name="Straight Arrow Connector 13">
+            <a:extLst>
+              <a:ext uri="{FF2B5EF4-FFF2-40B4-BE49-F238E27FC236}">
+                <a16:creationId xmlns:a16="http://schemas.microsoft.com/office/drawing/2014/main" id="{99C157BC-C125-4386-8294-916A17BED447}"/>
+              </a:ext>
+            </a:extLst>
+          </p:cNvPr>
+          <p:cNvCxnSpPr>
+            <a:cxnSpLocks/>
+          </p:cNvCxnSpPr>
+          <p:nvPr/>
+        </p:nvCxnSpPr>
+        <p:spPr>
+          <a:xfrm flipV="1">
+            <a:off x="3120456" y="2058811"/>
+            <a:ext cx="0" cy="369333"/>
+          </a:xfrm>
+          <a:prstGeom prst="straightConnector1">
+            <a:avLst/>
+          </a:prstGeom>
+          <a:ln w="28575">
+            <a:tailEnd type="triangle"/>
+          </a:ln>
+        </p:spPr>
+        <p:style>
+          <a:lnRef idx="1">
+            <a:schemeClr val="accent1"/>
+          </a:lnRef>
+          <a:fillRef idx="0">
+            <a:schemeClr val="accent1"/>
+          </a:fillRef>
+          <a:effectRef idx="0">
+            <a:schemeClr val="accent1"/>
+          </a:effectRef>
+          <a:fontRef idx="minor">
+            <a:schemeClr val="tx1"/>
+          </a:fontRef>
+        </p:style>
+      </p:cxnSp>
+      <p:cxnSp>
+        <p:nvCxnSpPr>
+          <p:cNvPr id="15" name="Straight Arrow Connector 14">
+            <a:extLst>
+              <a:ext uri="{FF2B5EF4-FFF2-40B4-BE49-F238E27FC236}">
+                <a16:creationId xmlns:a16="http://schemas.microsoft.com/office/drawing/2014/main" id="{1CB69C37-357D-43D5-BB10-A2181B616379}"/>
+              </a:ext>
+            </a:extLst>
+          </p:cNvPr>
+          <p:cNvCxnSpPr>
+            <a:cxnSpLocks/>
+          </p:cNvCxnSpPr>
+          <p:nvPr/>
+        </p:nvCxnSpPr>
+        <p:spPr>
+          <a:xfrm flipV="1">
+            <a:off x="3120456" y="2890749"/>
+            <a:ext cx="0" cy="369333"/>
+          </a:xfrm>
+          <a:prstGeom prst="straightConnector1">
+            <a:avLst/>
+          </a:prstGeom>
+          <a:ln w="28575">
+            <a:tailEnd type="triangle"/>
+          </a:ln>
+        </p:spPr>
+        <p:style>
+          <a:lnRef idx="1">
+            <a:schemeClr val="accent1"/>
+          </a:lnRef>
+          <a:fillRef idx="0">
+            <a:schemeClr val="accent1"/>
+          </a:fillRef>
+          <a:effectRef idx="0">
+            <a:schemeClr val="accent1"/>
+          </a:effectRef>
+          <a:fontRef idx="minor">
+            <a:schemeClr val="tx1"/>
+          </a:fontRef>
+        </p:style>
+      </p:cxnSp>
+      <p:sp>
+        <p:nvSpPr>
+          <p:cNvPr id="16" name="TextBox 15">
+            <a:extLst>
+              <a:ext uri="{FF2B5EF4-FFF2-40B4-BE49-F238E27FC236}">
+                <a16:creationId xmlns:a16="http://schemas.microsoft.com/office/drawing/2014/main" id="{C5F7FECF-C6E5-4E56-A680-E27BD1A10453}"/>
+              </a:ext>
+            </a:extLst>
+          </p:cNvPr>
+          <p:cNvSpPr txBox="1"/>
+          <p:nvPr/>
+        </p:nvSpPr>
+        <p:spPr>
+          <a:xfrm>
+            <a:off x="2960732" y="3184077"/>
+            <a:ext cx="476313" cy="338554"/>
+          </a:xfrm>
+          <a:prstGeom prst="rect">
+            <a:avLst/>
+          </a:prstGeom>
+          <a:noFill/>
+        </p:spPr>
+        <p:txBody>
+          <a:bodyPr wrap="square" rtlCol="0">
+            <a:spAutoFit/>
+          </a:bodyPr>
+          <a:lstStyle/>
+          <a:p>
+            <a:r>
+              <a:rPr lang="en-US" sz="1600" dirty="0" err="1"/>
+              <a:t>X</a:t>
+            </a:r>
+            <a:r>
+              <a:rPr lang="en-US" sz="1600" baseline="-25000" dirty="0" err="1"/>
+              <a:t>t</a:t>
+            </a:r>
+            <a:endParaRPr lang="en-US" sz="1600" dirty="0"/>
+          </a:p>
+        </p:txBody>
+      </p:sp>
+      <p:sp>
+        <p:nvSpPr>
+          <p:cNvPr id="17" name="TextBox 16">
+            <a:extLst>
+              <a:ext uri="{FF2B5EF4-FFF2-40B4-BE49-F238E27FC236}">
+                <a16:creationId xmlns:a16="http://schemas.microsoft.com/office/drawing/2014/main" id="{156BF751-21E4-44C0-B5FD-BF3FF709E75A}"/>
+              </a:ext>
+            </a:extLst>
+          </p:cNvPr>
+          <p:cNvSpPr txBox="1"/>
+          <p:nvPr/>
+        </p:nvSpPr>
+        <p:spPr>
+          <a:xfrm>
+            <a:off x="2960732" y="1742870"/>
+            <a:ext cx="476313" cy="338554"/>
+          </a:xfrm>
+          <a:prstGeom prst="rect">
+            <a:avLst/>
+          </a:prstGeom>
+          <a:noFill/>
+        </p:spPr>
+        <p:txBody>
+          <a:bodyPr wrap="square" rtlCol="0">
+            <a:spAutoFit/>
+          </a:bodyPr>
+          <a:lstStyle/>
+          <a:p>
+            <a:r>
+              <a:rPr lang="en-US" sz="1600" dirty="0" err="1"/>
+              <a:t>H</a:t>
+            </a:r>
+            <a:r>
+              <a:rPr lang="en-US" sz="1600" baseline="-25000" dirty="0" err="1"/>
+              <a:t>t</a:t>
+            </a:r>
+            <a:endParaRPr lang="en-US" sz="1600" dirty="0"/>
+          </a:p>
+        </p:txBody>
+      </p:sp>
+      <p:cxnSp>
+        <p:nvCxnSpPr>
+          <p:cNvPr id="18" name="Straight Connector 17">
+            <a:extLst>
+              <a:ext uri="{FF2B5EF4-FFF2-40B4-BE49-F238E27FC236}">
+                <a16:creationId xmlns:a16="http://schemas.microsoft.com/office/drawing/2014/main" id="{542DAC25-E78A-464D-8C54-EF24A28A0481}"/>
+              </a:ext>
+            </a:extLst>
+          </p:cNvPr>
+          <p:cNvCxnSpPr>
+            <a:stCxn id="13" idx="3"/>
+          </p:cNvCxnSpPr>
+          <p:nvPr/>
+        </p:nvCxnSpPr>
+        <p:spPr>
+          <a:xfrm>
+            <a:off x="3782730" y="2659446"/>
+            <a:ext cx="268570" cy="0"/>
+          </a:xfrm>
+          <a:prstGeom prst="line">
+            <a:avLst/>
+          </a:prstGeom>
+          <a:ln w="19050"/>
+        </p:spPr>
+        <p:style>
+          <a:lnRef idx="1">
+            <a:schemeClr val="accent1"/>
+          </a:lnRef>
+          <a:fillRef idx="0">
+            <a:schemeClr val="accent1"/>
+          </a:fillRef>
+          <a:effectRef idx="0">
+            <a:schemeClr val="accent1"/>
+          </a:effectRef>
+          <a:fontRef idx="minor">
+            <a:schemeClr val="tx1"/>
+          </a:fontRef>
+        </p:style>
+      </p:cxnSp>
+      <p:cxnSp>
+        <p:nvCxnSpPr>
+          <p:cNvPr id="19" name="Straight Connector 18">
+            <a:extLst>
+              <a:ext uri="{FF2B5EF4-FFF2-40B4-BE49-F238E27FC236}">
+                <a16:creationId xmlns:a16="http://schemas.microsoft.com/office/drawing/2014/main" id="{345E4C95-2AC6-433C-9CCE-59FB1EE86A21}"/>
+              </a:ext>
+            </a:extLst>
+          </p:cNvPr>
+          <p:cNvCxnSpPr>
+            <a:cxnSpLocks/>
+          </p:cNvCxnSpPr>
+          <p:nvPr/>
+        </p:nvCxnSpPr>
+        <p:spPr>
+          <a:xfrm>
+            <a:off x="4046724" y="2243477"/>
+            <a:ext cx="4576" cy="415969"/>
+          </a:xfrm>
+          <a:prstGeom prst="line">
+            <a:avLst/>
+          </a:prstGeom>
+          <a:ln w="19050"/>
+        </p:spPr>
+        <p:style>
+          <a:lnRef idx="1">
+            <a:schemeClr val="accent1"/>
+          </a:lnRef>
+          <a:fillRef idx="0">
+            <a:schemeClr val="accent1"/>
+          </a:fillRef>
+          <a:effectRef idx="0">
+            <a:schemeClr val="accent1"/>
+          </a:effectRef>
+          <a:fontRef idx="minor">
+            <a:schemeClr val="tx1"/>
+          </a:fontRef>
+        </p:style>
+      </p:cxnSp>
+      <p:cxnSp>
+        <p:nvCxnSpPr>
+          <p:cNvPr id="20" name="Straight Connector 19">
+            <a:extLst>
+              <a:ext uri="{FF2B5EF4-FFF2-40B4-BE49-F238E27FC236}">
+                <a16:creationId xmlns:a16="http://schemas.microsoft.com/office/drawing/2014/main" id="{DB7E4AC8-37FB-406D-8BE2-7F79F64EF8C6}"/>
+              </a:ext>
+            </a:extLst>
+          </p:cNvPr>
+          <p:cNvCxnSpPr>
+            <a:cxnSpLocks/>
+          </p:cNvCxnSpPr>
+          <p:nvPr/>
+        </p:nvCxnSpPr>
+        <p:spPr>
+          <a:xfrm>
+            <a:off x="2260600" y="2243477"/>
+            <a:ext cx="1796115" cy="0"/>
+          </a:xfrm>
+          <a:prstGeom prst="line">
+            <a:avLst/>
+          </a:prstGeom>
+          <a:ln w="19050"/>
+        </p:spPr>
+        <p:style>
+          <a:lnRef idx="1">
+            <a:schemeClr val="accent1"/>
+          </a:lnRef>
+          <a:fillRef idx="0">
+            <a:schemeClr val="accent1"/>
+          </a:fillRef>
+          <a:effectRef idx="0">
+            <a:schemeClr val="accent1"/>
+          </a:effectRef>
+          <a:fontRef idx="minor">
+            <a:schemeClr val="tx1"/>
+          </a:fontRef>
+        </p:style>
+      </p:cxnSp>
+      <p:cxnSp>
+        <p:nvCxnSpPr>
+          <p:cNvPr id="21" name="Straight Connector 20">
+            <a:extLst>
+              <a:ext uri="{FF2B5EF4-FFF2-40B4-BE49-F238E27FC236}">
+                <a16:creationId xmlns:a16="http://schemas.microsoft.com/office/drawing/2014/main" id="{43B88E84-A8B4-446E-AB4A-253B7B55F93D}"/>
+              </a:ext>
+            </a:extLst>
+          </p:cNvPr>
+          <p:cNvCxnSpPr>
+            <a:cxnSpLocks/>
+          </p:cNvCxnSpPr>
+          <p:nvPr/>
+        </p:nvCxnSpPr>
+        <p:spPr>
+          <a:xfrm>
+            <a:off x="2255185" y="2243477"/>
+            <a:ext cx="4576" cy="415969"/>
+          </a:xfrm>
+          <a:prstGeom prst="line">
+            <a:avLst/>
+          </a:prstGeom>
+          <a:ln w="19050"/>
+        </p:spPr>
+        <p:style>
+          <a:lnRef idx="1">
+            <a:schemeClr val="accent1"/>
+          </a:lnRef>
+          <a:fillRef idx="0">
+            <a:schemeClr val="accent1"/>
+          </a:fillRef>
+          <a:effectRef idx="0">
+            <a:schemeClr val="accent1"/>
+          </a:effectRef>
+          <a:fontRef idx="minor">
+            <a:schemeClr val="tx1"/>
+          </a:fontRef>
+        </p:style>
+      </p:cxnSp>
+      <p:cxnSp>
+        <p:nvCxnSpPr>
+          <p:cNvPr id="22" name="Straight Arrow Connector 21">
+            <a:extLst>
+              <a:ext uri="{FF2B5EF4-FFF2-40B4-BE49-F238E27FC236}">
+                <a16:creationId xmlns:a16="http://schemas.microsoft.com/office/drawing/2014/main" id="{DDE56ED3-A94E-43DC-A64A-C0E085201D22}"/>
+              </a:ext>
+            </a:extLst>
+          </p:cNvPr>
+          <p:cNvCxnSpPr>
+            <a:endCxn id="13" idx="1"/>
+          </p:cNvCxnSpPr>
+          <p:nvPr/>
+        </p:nvCxnSpPr>
+        <p:spPr>
+          <a:xfrm>
+            <a:off x="2255185" y="2659446"/>
+            <a:ext cx="202997" cy="0"/>
+          </a:xfrm>
+          <a:prstGeom prst="straightConnector1">
+            <a:avLst/>
+          </a:prstGeom>
+          <a:ln w="19050">
+            <a:tailEnd type="triangle"/>
+          </a:ln>
+        </p:spPr>
+        <p:style>
+          <a:lnRef idx="1">
+            <a:schemeClr val="accent1"/>
+          </a:lnRef>
+          <a:fillRef idx="0">
+            <a:schemeClr val="accent1"/>
+          </a:fillRef>
+          <a:effectRef idx="0">
+            <a:schemeClr val="accent1"/>
+          </a:effectRef>
+          <a:fontRef idx="minor">
+            <a:schemeClr val="tx1"/>
+          </a:fontRef>
+        </p:style>
+      </p:cxnSp>
+      <p:sp>
+        <p:nvSpPr>
+          <p:cNvPr id="23" name="Rectangle: Rounded Corners 22">
+            <a:extLst>
+              <a:ext uri="{FF2B5EF4-FFF2-40B4-BE49-F238E27FC236}">
+                <a16:creationId xmlns:a16="http://schemas.microsoft.com/office/drawing/2014/main" id="{5C7A2DDB-F9CD-42B8-9C14-FE50082EC04B}"/>
+              </a:ext>
+            </a:extLst>
+          </p:cNvPr>
+          <p:cNvSpPr/>
+          <p:nvPr/>
+        </p:nvSpPr>
+        <p:spPr>
+          <a:xfrm>
+            <a:off x="2458182" y="4640810"/>
+            <a:ext cx="1324548" cy="462606"/>
+          </a:xfrm>
+          <a:prstGeom prst="roundRect">
+            <a:avLst/>
+          </a:prstGeom>
+          <a:solidFill>
+            <a:schemeClr val="accent6">
+              <a:lumMod val="20000"/>
+              <a:lumOff val="80000"/>
+            </a:schemeClr>
+          </a:solidFill>
+        </p:spPr>
+        <p:style>
+          <a:lnRef idx="2">
+            <a:schemeClr val="accent1">
+              <a:shade val="50000"/>
+            </a:schemeClr>
+          </a:lnRef>
+          <a:fillRef idx="1">
+            <a:schemeClr val="accent1"/>
+          </a:fillRef>
+          <a:effectRef idx="0">
+            <a:schemeClr val="accent1"/>
+          </a:effectRef>
+          <a:fontRef idx="minor">
+            <a:schemeClr val="lt1"/>
+          </a:fontRef>
+        </p:style>
+        <p:txBody>
+          <a:bodyPr rtlCol="0" anchor="ctr"/>
+          <a:lstStyle/>
+          <a:p>
+            <a:pPr algn="ctr"/>
+            <a:r>
+              <a:rPr lang="en-US" dirty="0">
+                <a:solidFill>
+                  <a:schemeClr val="tx1"/>
+                </a:solidFill>
+              </a:rPr>
+              <a:t>LSTM 5</a:t>
+            </a:r>
+          </a:p>
+        </p:txBody>
+      </p:sp>
+      <p:cxnSp>
+        <p:nvCxnSpPr>
+          <p:cNvPr id="24" name="Straight Arrow Connector 23">
+            <a:extLst>
+              <a:ext uri="{FF2B5EF4-FFF2-40B4-BE49-F238E27FC236}">
+                <a16:creationId xmlns:a16="http://schemas.microsoft.com/office/drawing/2014/main" id="{49B2BFE3-364B-4E3B-B785-DC727459A650}"/>
+              </a:ext>
+            </a:extLst>
+          </p:cNvPr>
+          <p:cNvCxnSpPr>
+            <a:cxnSpLocks/>
+          </p:cNvCxnSpPr>
+          <p:nvPr/>
+        </p:nvCxnSpPr>
+        <p:spPr>
+          <a:xfrm flipV="1">
+            <a:off x="3120456" y="4271478"/>
+            <a:ext cx="0" cy="369333"/>
+          </a:xfrm>
+          <a:prstGeom prst="straightConnector1">
+            <a:avLst/>
+          </a:prstGeom>
+          <a:ln w="28575">
+            <a:tailEnd type="triangle"/>
+          </a:ln>
+        </p:spPr>
+        <p:style>
+          <a:lnRef idx="1">
+            <a:schemeClr val="accent1"/>
+          </a:lnRef>
+          <a:fillRef idx="0">
+            <a:schemeClr val="accent1"/>
+          </a:fillRef>
+          <a:effectRef idx="0">
+            <a:schemeClr val="accent1"/>
+          </a:effectRef>
+          <a:fontRef idx="minor">
+            <a:schemeClr val="tx1"/>
+          </a:fontRef>
+        </p:style>
+      </p:cxnSp>
+      <p:cxnSp>
+        <p:nvCxnSpPr>
+          <p:cNvPr id="25" name="Straight Arrow Connector 24">
+            <a:extLst>
+              <a:ext uri="{FF2B5EF4-FFF2-40B4-BE49-F238E27FC236}">
+                <a16:creationId xmlns:a16="http://schemas.microsoft.com/office/drawing/2014/main" id="{36269363-C655-4FBC-9E07-FEA047A8D64A}"/>
+              </a:ext>
+            </a:extLst>
+          </p:cNvPr>
+          <p:cNvCxnSpPr>
+            <a:cxnSpLocks/>
+          </p:cNvCxnSpPr>
+          <p:nvPr/>
+        </p:nvCxnSpPr>
+        <p:spPr>
+          <a:xfrm flipV="1">
+            <a:off x="3120456" y="5103416"/>
+            <a:ext cx="0" cy="369333"/>
+          </a:xfrm>
+          <a:prstGeom prst="straightConnector1">
+            <a:avLst/>
+          </a:prstGeom>
+          <a:ln w="28575">
+            <a:tailEnd type="triangle"/>
+          </a:ln>
+        </p:spPr>
+        <p:style>
+          <a:lnRef idx="1">
+            <a:schemeClr val="accent1"/>
+          </a:lnRef>
+          <a:fillRef idx="0">
+            <a:schemeClr val="accent1"/>
+          </a:fillRef>
+          <a:effectRef idx="0">
+            <a:schemeClr val="accent1"/>
+          </a:effectRef>
+          <a:fontRef idx="minor">
+            <a:schemeClr val="tx1"/>
+          </a:fontRef>
+        </p:style>
+      </p:cxnSp>
+      <p:sp>
+        <p:nvSpPr>
+          <p:cNvPr id="26" name="TextBox 25">
+            <a:extLst>
+              <a:ext uri="{FF2B5EF4-FFF2-40B4-BE49-F238E27FC236}">
+                <a16:creationId xmlns:a16="http://schemas.microsoft.com/office/drawing/2014/main" id="{10C42874-5819-4CF8-9F92-B38D0F441AC5}"/>
+              </a:ext>
+            </a:extLst>
+          </p:cNvPr>
+          <p:cNvSpPr txBox="1"/>
+          <p:nvPr/>
+        </p:nvSpPr>
+        <p:spPr>
+          <a:xfrm>
+            <a:off x="2960732" y="5396744"/>
+            <a:ext cx="476313" cy="338554"/>
+          </a:xfrm>
+          <a:prstGeom prst="rect">
+            <a:avLst/>
+          </a:prstGeom>
+          <a:noFill/>
+        </p:spPr>
+        <p:txBody>
+          <a:bodyPr wrap="square" rtlCol="0">
+            <a:spAutoFit/>
+          </a:bodyPr>
+          <a:lstStyle/>
+          <a:p>
+            <a:r>
+              <a:rPr lang="en-US" sz="1600" dirty="0" err="1"/>
+              <a:t>X</a:t>
+            </a:r>
+            <a:r>
+              <a:rPr lang="en-US" sz="1600" baseline="-25000" dirty="0" err="1"/>
+              <a:t>t</a:t>
+            </a:r>
+            <a:endParaRPr lang="en-US" sz="1600" dirty="0"/>
+          </a:p>
+        </p:txBody>
+      </p:sp>
+      <p:sp>
+        <p:nvSpPr>
+          <p:cNvPr id="27" name="TextBox 26">
+            <a:extLst>
+              <a:ext uri="{FF2B5EF4-FFF2-40B4-BE49-F238E27FC236}">
+                <a16:creationId xmlns:a16="http://schemas.microsoft.com/office/drawing/2014/main" id="{CD85FFE9-A2D6-46AC-880A-FA5D0C61E488}"/>
+              </a:ext>
+            </a:extLst>
+          </p:cNvPr>
+          <p:cNvSpPr txBox="1"/>
+          <p:nvPr/>
+        </p:nvSpPr>
+        <p:spPr>
+          <a:xfrm>
+            <a:off x="2960732" y="3955537"/>
+            <a:ext cx="476313" cy="338554"/>
+          </a:xfrm>
+          <a:prstGeom prst="rect">
+            <a:avLst/>
+          </a:prstGeom>
+          <a:noFill/>
+        </p:spPr>
+        <p:txBody>
+          <a:bodyPr wrap="square" rtlCol="0">
+            <a:spAutoFit/>
+          </a:bodyPr>
+          <a:lstStyle/>
+          <a:p>
+            <a:r>
+              <a:rPr lang="en-US" sz="1600" dirty="0" err="1"/>
+              <a:t>H</a:t>
+            </a:r>
+            <a:r>
+              <a:rPr lang="en-US" sz="1600" baseline="-25000" dirty="0" err="1"/>
+              <a:t>t</a:t>
+            </a:r>
+            <a:endParaRPr lang="en-US" sz="1600" dirty="0"/>
+          </a:p>
+        </p:txBody>
+      </p:sp>
+      <p:cxnSp>
+        <p:nvCxnSpPr>
+          <p:cNvPr id="28" name="Straight Connector 27">
+            <a:extLst>
+              <a:ext uri="{FF2B5EF4-FFF2-40B4-BE49-F238E27FC236}">
+                <a16:creationId xmlns:a16="http://schemas.microsoft.com/office/drawing/2014/main" id="{0C4C7C6F-3C20-4F93-AE0E-CE58BF5C6155}"/>
+              </a:ext>
+            </a:extLst>
+          </p:cNvPr>
+          <p:cNvCxnSpPr>
+            <a:stCxn id="23" idx="3"/>
+          </p:cNvCxnSpPr>
+          <p:nvPr/>
+        </p:nvCxnSpPr>
+        <p:spPr>
+          <a:xfrm>
+            <a:off x="3782730" y="4872113"/>
+            <a:ext cx="268570" cy="0"/>
+          </a:xfrm>
+          <a:prstGeom prst="line">
+            <a:avLst/>
+          </a:prstGeom>
+          <a:ln w="19050"/>
+        </p:spPr>
+        <p:style>
+          <a:lnRef idx="1">
+            <a:schemeClr val="accent1"/>
+          </a:lnRef>
+          <a:fillRef idx="0">
+            <a:schemeClr val="accent1"/>
+          </a:fillRef>
+          <a:effectRef idx="0">
+            <a:schemeClr val="accent1"/>
+          </a:effectRef>
+          <a:fontRef idx="minor">
+            <a:schemeClr val="tx1"/>
+          </a:fontRef>
+        </p:style>
+      </p:cxnSp>
+      <p:cxnSp>
+        <p:nvCxnSpPr>
+          <p:cNvPr id="29" name="Straight Connector 28">
+            <a:extLst>
+              <a:ext uri="{FF2B5EF4-FFF2-40B4-BE49-F238E27FC236}">
+                <a16:creationId xmlns:a16="http://schemas.microsoft.com/office/drawing/2014/main" id="{F7E19176-9EDC-4E86-BF0E-365BEC1494CD}"/>
+              </a:ext>
+            </a:extLst>
+          </p:cNvPr>
+          <p:cNvCxnSpPr>
+            <a:cxnSpLocks/>
+          </p:cNvCxnSpPr>
+          <p:nvPr/>
+        </p:nvCxnSpPr>
+        <p:spPr>
+          <a:xfrm>
+            <a:off x="4046724" y="4456144"/>
+            <a:ext cx="4576" cy="415969"/>
+          </a:xfrm>
+          <a:prstGeom prst="line">
+            <a:avLst/>
+          </a:prstGeom>
+          <a:ln w="19050"/>
+        </p:spPr>
+        <p:style>
+          <a:lnRef idx="1">
+            <a:schemeClr val="accent1"/>
+          </a:lnRef>
+          <a:fillRef idx="0">
+            <a:schemeClr val="accent1"/>
+          </a:fillRef>
+          <a:effectRef idx="0">
+            <a:schemeClr val="accent1"/>
+          </a:effectRef>
+          <a:fontRef idx="minor">
+            <a:schemeClr val="tx1"/>
+          </a:fontRef>
+        </p:style>
+      </p:cxnSp>
+      <p:cxnSp>
+        <p:nvCxnSpPr>
+          <p:cNvPr id="30" name="Straight Connector 29">
+            <a:extLst>
+              <a:ext uri="{FF2B5EF4-FFF2-40B4-BE49-F238E27FC236}">
+                <a16:creationId xmlns:a16="http://schemas.microsoft.com/office/drawing/2014/main" id="{8A17D626-198D-40C2-8CD2-891144E0140B}"/>
+              </a:ext>
+            </a:extLst>
+          </p:cNvPr>
+          <p:cNvCxnSpPr>
+            <a:cxnSpLocks/>
+          </p:cNvCxnSpPr>
+          <p:nvPr/>
+        </p:nvCxnSpPr>
+        <p:spPr>
+          <a:xfrm>
+            <a:off x="2260600" y="4456144"/>
+            <a:ext cx="1796115" cy="0"/>
+          </a:xfrm>
+          <a:prstGeom prst="line">
+            <a:avLst/>
+          </a:prstGeom>
+          <a:ln w="19050"/>
+        </p:spPr>
+        <p:style>
+          <a:lnRef idx="1">
+            <a:schemeClr val="accent1"/>
+          </a:lnRef>
+          <a:fillRef idx="0">
+            <a:schemeClr val="accent1"/>
+          </a:fillRef>
+          <a:effectRef idx="0">
+            <a:schemeClr val="accent1"/>
+          </a:effectRef>
+          <a:fontRef idx="minor">
+            <a:schemeClr val="tx1"/>
+          </a:fontRef>
+        </p:style>
+      </p:cxnSp>
+      <p:cxnSp>
+        <p:nvCxnSpPr>
+          <p:cNvPr id="31" name="Straight Connector 30">
+            <a:extLst>
+              <a:ext uri="{FF2B5EF4-FFF2-40B4-BE49-F238E27FC236}">
+                <a16:creationId xmlns:a16="http://schemas.microsoft.com/office/drawing/2014/main" id="{946A78E2-D30C-4B8C-9873-2BC0536E22FE}"/>
+              </a:ext>
+            </a:extLst>
+          </p:cNvPr>
+          <p:cNvCxnSpPr>
+            <a:cxnSpLocks/>
+          </p:cNvCxnSpPr>
+          <p:nvPr/>
+        </p:nvCxnSpPr>
+        <p:spPr>
+          <a:xfrm>
+            <a:off x="2255185" y="4456144"/>
+            <a:ext cx="4576" cy="415969"/>
+          </a:xfrm>
+          <a:prstGeom prst="line">
+            <a:avLst/>
+          </a:prstGeom>
+          <a:ln w="19050"/>
+        </p:spPr>
+        <p:style>
+          <a:lnRef idx="1">
+            <a:schemeClr val="accent1"/>
+          </a:lnRef>
+          <a:fillRef idx="0">
+            <a:schemeClr val="accent1"/>
+          </a:fillRef>
+          <a:effectRef idx="0">
+            <a:schemeClr val="accent1"/>
+          </a:effectRef>
+          <a:fontRef idx="minor">
+            <a:schemeClr val="tx1"/>
+          </a:fontRef>
+        </p:style>
+      </p:cxnSp>
+      <p:cxnSp>
+        <p:nvCxnSpPr>
+          <p:cNvPr id="32" name="Straight Arrow Connector 31">
+            <a:extLst>
+              <a:ext uri="{FF2B5EF4-FFF2-40B4-BE49-F238E27FC236}">
+                <a16:creationId xmlns:a16="http://schemas.microsoft.com/office/drawing/2014/main" id="{7FC09C6B-71A3-4048-A450-28EC347EBBCA}"/>
+              </a:ext>
+            </a:extLst>
+          </p:cNvPr>
+          <p:cNvCxnSpPr>
+            <a:endCxn id="23" idx="1"/>
+          </p:cNvCxnSpPr>
+          <p:nvPr/>
+        </p:nvCxnSpPr>
+        <p:spPr>
+          <a:xfrm>
+            <a:off x="2255185" y="4872113"/>
+            <a:ext cx="202997" cy="0"/>
+          </a:xfrm>
+          <a:prstGeom prst="straightConnector1">
+            <a:avLst/>
+          </a:prstGeom>
+          <a:ln w="19050">
+            <a:tailEnd type="triangle"/>
+          </a:ln>
+        </p:spPr>
+        <p:style>
+          <a:lnRef idx="1">
+            <a:schemeClr val="accent1"/>
+          </a:lnRef>
+          <a:fillRef idx="0">
+            <a:schemeClr val="accent1"/>
+          </a:fillRef>
+          <a:effectRef idx="0">
+            <a:schemeClr val="accent1"/>
+          </a:effectRef>
+          <a:fontRef idx="minor">
+            <a:schemeClr val="tx1"/>
+          </a:fontRef>
+        </p:style>
+      </p:cxnSp>
+      <p:graphicFrame>
+        <p:nvGraphicFramePr>
+          <p:cNvPr id="33" name="Table 32">
+            <a:extLst>
+              <a:ext uri="{FF2B5EF4-FFF2-40B4-BE49-F238E27FC236}">
+                <a16:creationId xmlns:a16="http://schemas.microsoft.com/office/drawing/2014/main" id="{7036EA09-E54C-43C4-8098-2F654841AED7}"/>
+              </a:ext>
+            </a:extLst>
+          </p:cNvPr>
+          <p:cNvGraphicFramePr>
+            <a:graphicFrameLocks noGrp="1"/>
+          </p:cNvGraphicFramePr>
+          <p:nvPr>
+            <p:extLst>
+              <p:ext uri="{D42A27DB-BD31-4B8C-83A1-F6EECF244321}">
+                <p14:modId xmlns:p14="http://schemas.microsoft.com/office/powerpoint/2010/main" val="3569791064"/>
+              </p:ext>
+            </p:extLst>
+          </p:nvPr>
+        </p:nvGraphicFramePr>
+        <p:xfrm>
+          <a:off x="5121064" y="4984309"/>
+          <a:ext cx="1981200" cy="243840"/>
+        </p:xfrm>
+        <a:graphic>
+          <a:graphicData uri="http://schemas.openxmlformats.org/drawingml/2006/table">
+            <a:tbl>
+              <a:tblPr firstRow="1" bandRow="1">
+                <a:tableStyleId>{5C22544A-7EE6-4342-B048-85BDC9FD1C3A}</a:tableStyleId>
+              </a:tblPr>
+              <a:tblGrid>
+                <a:gridCol w="396240">
+                  <a:extLst>
+                    <a:ext uri="{9D8B030D-6E8A-4147-A177-3AD203B41FA5}">
+                      <a16:colId xmlns:a16="http://schemas.microsoft.com/office/drawing/2014/main" val="3806177184"/>
+                    </a:ext>
+                  </a:extLst>
+                </a:gridCol>
+                <a:gridCol w="396240">
+                  <a:extLst>
+                    <a:ext uri="{9D8B030D-6E8A-4147-A177-3AD203B41FA5}">
+                      <a16:colId xmlns:a16="http://schemas.microsoft.com/office/drawing/2014/main" val="995372208"/>
+                    </a:ext>
+                  </a:extLst>
+                </a:gridCol>
+                <a:gridCol w="396240">
+                  <a:extLst>
+                    <a:ext uri="{9D8B030D-6E8A-4147-A177-3AD203B41FA5}">
+                      <a16:colId xmlns:a16="http://schemas.microsoft.com/office/drawing/2014/main" val="40047974"/>
+                    </a:ext>
+                  </a:extLst>
+                </a:gridCol>
+                <a:gridCol w="396240">
+                  <a:extLst>
+                    <a:ext uri="{9D8B030D-6E8A-4147-A177-3AD203B41FA5}">
+                      <a16:colId xmlns:a16="http://schemas.microsoft.com/office/drawing/2014/main" val="3887870823"/>
+                    </a:ext>
+                  </a:extLst>
+                </a:gridCol>
+                <a:gridCol w="396240">
+                  <a:extLst>
+                    <a:ext uri="{9D8B030D-6E8A-4147-A177-3AD203B41FA5}">
+                      <a16:colId xmlns:a16="http://schemas.microsoft.com/office/drawing/2014/main" val="2562895583"/>
+                    </a:ext>
+                  </a:extLst>
+                </a:gridCol>
+              </a:tblGrid>
+              <a:tr h="121403">
+                <a:tc>
+                  <a:txBody>
+                    <a:bodyPr/>
+                    <a:lstStyle/>
+                    <a:p>
+                      <a:endParaRPr lang="en-US" sz="1000" dirty="0">
+                        <a:highlight>
+                          <a:srgbClr val="808080"/>
+                        </a:highlight>
+                      </a:endParaRPr>
+                    </a:p>
+                  </a:txBody>
+                  <a:tcPr>
+                    <a:solidFill>
+                      <a:srgbClr val="F0D118"/>
+                    </a:solidFill>
+                  </a:tcPr>
+                </a:tc>
+                <a:tc>
+                  <a:txBody>
+                    <a:bodyPr/>
+                    <a:lstStyle/>
+                    <a:p>
+                      <a:endParaRPr lang="en-US" sz="1000" dirty="0"/>
+                    </a:p>
+                  </a:txBody>
+                  <a:tcPr>
+                    <a:solidFill>
+                      <a:srgbClr val="F0D118"/>
+                    </a:solidFill>
+                  </a:tcPr>
+                </a:tc>
+                <a:tc>
+                  <a:txBody>
+                    <a:bodyPr/>
+                    <a:lstStyle/>
+                    <a:p>
+                      <a:endParaRPr lang="en-US" sz="1000" dirty="0">
+                        <a:solidFill>
+                          <a:srgbClr val="FF0000"/>
+                        </a:solidFill>
+                      </a:endParaRPr>
+                    </a:p>
+                  </a:txBody>
+                  <a:tcPr>
+                    <a:solidFill>
+                      <a:srgbClr val="F88008"/>
+                    </a:solidFill>
+                  </a:tcPr>
+                </a:tc>
+                <a:tc>
+                  <a:txBody>
+                    <a:bodyPr/>
+                    <a:lstStyle/>
+                    <a:p>
+                      <a:endParaRPr lang="en-US" sz="1000" dirty="0">
+                        <a:highlight>
+                          <a:srgbClr val="FF0000"/>
+                        </a:highlight>
+                      </a:endParaRPr>
+                    </a:p>
+                  </a:txBody>
+                  <a:tcPr>
+                    <a:solidFill>
+                      <a:srgbClr val="FFC000"/>
+                    </a:solidFill>
+                  </a:tcPr>
+                </a:tc>
+                <a:tc>
+                  <a:txBody>
+                    <a:bodyPr/>
+                    <a:lstStyle/>
+                    <a:p>
+                      <a:endParaRPr lang="en-US" sz="1000" dirty="0">
+                        <a:highlight>
+                          <a:srgbClr val="FF0000"/>
+                        </a:highlight>
+                      </a:endParaRPr>
+                    </a:p>
+                  </a:txBody>
+                  <a:tcPr>
+                    <a:solidFill>
+                      <a:srgbClr val="F0D118"/>
+                    </a:solidFill>
+                  </a:tcPr>
+                </a:tc>
+                <a:extLst>
+                  <a:ext uri="{0D108BD9-81ED-4DB2-BD59-A6C34878D82A}">
+                    <a16:rowId xmlns:a16="http://schemas.microsoft.com/office/drawing/2014/main" val="4259432351"/>
+                  </a:ext>
+                </a:extLst>
+              </a:tr>
+            </a:tbl>
+          </a:graphicData>
+        </a:graphic>
+      </p:graphicFrame>
+      <p:sp>
+        <p:nvSpPr>
+          <p:cNvPr id="34" name="TextBox 33">
+            <a:extLst>
+              <a:ext uri="{FF2B5EF4-FFF2-40B4-BE49-F238E27FC236}">
+                <a16:creationId xmlns:a16="http://schemas.microsoft.com/office/drawing/2014/main" id="{7CC22822-0C52-4346-B380-07C31C6B7A41}"/>
+              </a:ext>
+            </a:extLst>
+          </p:cNvPr>
+          <p:cNvSpPr txBox="1"/>
+          <p:nvPr/>
+        </p:nvSpPr>
+        <p:spPr>
+          <a:xfrm>
+            <a:off x="2960732" y="3567932"/>
+            <a:ext cx="476313" cy="338554"/>
+          </a:xfrm>
+          <a:prstGeom prst="rect">
+            <a:avLst/>
+          </a:prstGeom>
+          <a:noFill/>
+        </p:spPr>
+        <p:txBody>
+          <a:bodyPr wrap="square" rtlCol="0">
+            <a:spAutoFit/>
+          </a:bodyPr>
+          <a:lstStyle/>
+          <a:p>
+            <a:r>
+              <a:rPr lang="en-US" sz="1600" dirty="0"/>
+              <a:t>……</a:t>
+            </a:r>
+          </a:p>
+        </p:txBody>
+      </p:sp>
+      <p:cxnSp>
+        <p:nvCxnSpPr>
+          <p:cNvPr id="35" name="Straight Arrow Connector 34">
+            <a:extLst>
+              <a:ext uri="{FF2B5EF4-FFF2-40B4-BE49-F238E27FC236}">
+                <a16:creationId xmlns:a16="http://schemas.microsoft.com/office/drawing/2014/main" id="{FD391174-B401-420C-962A-572EB0BB9650}"/>
+              </a:ext>
+            </a:extLst>
+          </p:cNvPr>
+          <p:cNvCxnSpPr>
+            <a:cxnSpLocks/>
+          </p:cNvCxnSpPr>
+          <p:nvPr/>
+        </p:nvCxnSpPr>
+        <p:spPr>
+          <a:xfrm flipV="1">
+            <a:off x="1310028" y="2890749"/>
+            <a:ext cx="633072" cy="316851"/>
+          </a:xfrm>
+          <a:prstGeom prst="straightConnector1">
+            <a:avLst/>
+          </a:prstGeom>
+          <a:ln w="19050">
+            <a:tailEnd type="triangle"/>
+          </a:ln>
+        </p:spPr>
+        <p:style>
+          <a:lnRef idx="1">
+            <a:schemeClr val="accent1"/>
+          </a:lnRef>
+          <a:fillRef idx="0">
+            <a:schemeClr val="accent1"/>
+          </a:fillRef>
+          <a:effectRef idx="0">
+            <a:schemeClr val="accent1"/>
+          </a:effectRef>
+          <a:fontRef idx="minor">
+            <a:schemeClr val="tx1"/>
+          </a:fontRef>
+        </p:style>
+      </p:cxnSp>
+      <p:cxnSp>
+        <p:nvCxnSpPr>
+          <p:cNvPr id="36" name="Straight Arrow Connector 35">
+            <a:extLst>
+              <a:ext uri="{FF2B5EF4-FFF2-40B4-BE49-F238E27FC236}">
+                <a16:creationId xmlns:a16="http://schemas.microsoft.com/office/drawing/2014/main" id="{BC07A80B-BE86-4285-868B-DDB0A86F8A63}"/>
+              </a:ext>
+            </a:extLst>
+          </p:cNvPr>
+          <p:cNvCxnSpPr>
+            <a:cxnSpLocks/>
+          </p:cNvCxnSpPr>
+          <p:nvPr/>
+        </p:nvCxnSpPr>
+        <p:spPr>
+          <a:xfrm>
+            <a:off x="1310028" y="3803002"/>
+            <a:ext cx="596319" cy="321812"/>
+          </a:xfrm>
+          <a:prstGeom prst="straightConnector1">
+            <a:avLst/>
+          </a:prstGeom>
+          <a:ln w="19050">
+            <a:tailEnd type="triangle"/>
+          </a:ln>
+        </p:spPr>
+        <p:style>
+          <a:lnRef idx="1">
+            <a:schemeClr val="accent1"/>
+          </a:lnRef>
+          <a:fillRef idx="0">
+            <a:schemeClr val="accent1"/>
+          </a:fillRef>
+          <a:effectRef idx="0">
+            <a:schemeClr val="accent1"/>
+          </a:effectRef>
+          <a:fontRef idx="minor">
+            <a:schemeClr val="tx1"/>
+          </a:fontRef>
+        </p:style>
+      </p:cxnSp>
+      <p:cxnSp>
+        <p:nvCxnSpPr>
+          <p:cNvPr id="37" name="Straight Arrow Connector 36">
+            <a:extLst>
+              <a:ext uri="{FF2B5EF4-FFF2-40B4-BE49-F238E27FC236}">
+                <a16:creationId xmlns:a16="http://schemas.microsoft.com/office/drawing/2014/main" id="{ED4E38F0-4441-48FE-B9F6-748248582410}"/>
+              </a:ext>
+            </a:extLst>
+          </p:cNvPr>
+          <p:cNvCxnSpPr>
+            <a:cxnSpLocks/>
+          </p:cNvCxnSpPr>
+          <p:nvPr/>
+        </p:nvCxnSpPr>
+        <p:spPr>
+          <a:xfrm>
+            <a:off x="4269912" y="2637356"/>
+            <a:ext cx="683088" cy="0"/>
+          </a:xfrm>
+          <a:prstGeom prst="straightConnector1">
+            <a:avLst/>
+          </a:prstGeom>
+          <a:ln w="19050">
+            <a:tailEnd type="triangle"/>
+          </a:ln>
+        </p:spPr>
+        <p:style>
+          <a:lnRef idx="1">
+            <a:schemeClr val="accent1"/>
+          </a:lnRef>
+          <a:fillRef idx="0">
+            <a:schemeClr val="accent1"/>
+          </a:fillRef>
+          <a:effectRef idx="0">
+            <a:schemeClr val="accent1"/>
+          </a:effectRef>
+          <a:fontRef idx="minor">
+            <a:schemeClr val="tx1"/>
+          </a:fontRef>
+        </p:style>
+      </p:cxnSp>
+      <p:cxnSp>
+        <p:nvCxnSpPr>
+          <p:cNvPr id="38" name="Straight Arrow Connector 37">
+            <a:extLst>
+              <a:ext uri="{FF2B5EF4-FFF2-40B4-BE49-F238E27FC236}">
+                <a16:creationId xmlns:a16="http://schemas.microsoft.com/office/drawing/2014/main" id="{CBCA0F65-478B-41B6-A175-71EB14118FFE}"/>
+              </a:ext>
+            </a:extLst>
+          </p:cNvPr>
+          <p:cNvCxnSpPr>
+            <a:cxnSpLocks/>
+          </p:cNvCxnSpPr>
+          <p:nvPr/>
+        </p:nvCxnSpPr>
+        <p:spPr>
+          <a:xfrm flipV="1">
+            <a:off x="4242718" y="5103416"/>
+            <a:ext cx="685800" cy="0"/>
+          </a:xfrm>
+          <a:prstGeom prst="straightConnector1">
+            <a:avLst/>
+          </a:prstGeom>
+          <a:ln w="19050">
+            <a:tailEnd type="triangle"/>
+          </a:ln>
+        </p:spPr>
+        <p:style>
+          <a:lnRef idx="1">
+            <a:schemeClr val="accent1"/>
+          </a:lnRef>
+          <a:fillRef idx="0">
+            <a:schemeClr val="accent1"/>
+          </a:fillRef>
+          <a:effectRef idx="0">
+            <a:schemeClr val="accent1"/>
+          </a:effectRef>
+          <a:fontRef idx="minor">
+            <a:schemeClr val="tx1"/>
+          </a:fontRef>
+        </p:style>
+      </p:cxnSp>
+      <p:cxnSp>
+        <p:nvCxnSpPr>
+          <p:cNvPr id="39" name="Straight Arrow Connector 38">
+            <a:extLst>
+              <a:ext uri="{FF2B5EF4-FFF2-40B4-BE49-F238E27FC236}">
+                <a16:creationId xmlns:a16="http://schemas.microsoft.com/office/drawing/2014/main" id="{B3DFD0D5-D4C9-42E5-9BCB-E239D5CFF302}"/>
+              </a:ext>
+            </a:extLst>
+          </p:cNvPr>
+          <p:cNvCxnSpPr>
+            <a:cxnSpLocks/>
+          </p:cNvCxnSpPr>
+          <p:nvPr/>
+        </p:nvCxnSpPr>
+        <p:spPr>
+          <a:xfrm>
+            <a:off x="4269910" y="3889542"/>
+            <a:ext cx="685800" cy="0"/>
+          </a:xfrm>
+          <a:prstGeom prst="straightConnector1">
+            <a:avLst/>
+          </a:prstGeom>
+          <a:ln w="19050">
+            <a:tailEnd type="triangle"/>
+          </a:ln>
+        </p:spPr>
+        <p:style>
+          <a:lnRef idx="1">
+            <a:schemeClr val="accent1"/>
+          </a:lnRef>
+          <a:fillRef idx="0">
+            <a:schemeClr val="accent1"/>
+          </a:fillRef>
+          <a:effectRef idx="0">
+            <a:schemeClr val="accent1"/>
+          </a:effectRef>
+          <a:fontRef idx="minor">
+            <a:schemeClr val="tx1"/>
+          </a:fontRef>
+        </p:style>
+      </p:cxnSp>
+      <p:sp>
+        <p:nvSpPr>
+          <p:cNvPr id="40" name="TextBox 39">
+            <a:extLst>
+              <a:ext uri="{FF2B5EF4-FFF2-40B4-BE49-F238E27FC236}">
+                <a16:creationId xmlns:a16="http://schemas.microsoft.com/office/drawing/2014/main" id="{E3B5DEF5-ADAC-4770-88E8-DE4477D867DF}"/>
+              </a:ext>
+            </a:extLst>
+          </p:cNvPr>
+          <p:cNvSpPr txBox="1"/>
+          <p:nvPr/>
+        </p:nvSpPr>
+        <p:spPr>
+          <a:xfrm>
+            <a:off x="4705788" y="1643926"/>
+            <a:ext cx="2833076" cy="307777"/>
+          </a:xfrm>
+          <a:prstGeom prst="rect">
+            <a:avLst/>
+          </a:prstGeom>
+          <a:noFill/>
+        </p:spPr>
+        <p:txBody>
+          <a:bodyPr wrap="square" tIns="0" bIns="0" rtlCol="0">
+            <a:spAutoFit/>
+          </a:bodyPr>
+          <a:lstStyle/>
+          <a:p>
+            <a:pPr algn="ctr"/>
+            <a:r>
+              <a:rPr lang="en-US" sz="2000" dirty="0"/>
+              <a:t>Last layer before output</a:t>
+            </a:r>
+          </a:p>
+        </p:txBody>
+      </p:sp>
+      <p:sp>
+        <p:nvSpPr>
+          <p:cNvPr id="41" name="TextBox 40">
+            <a:extLst>
+              <a:ext uri="{FF2B5EF4-FFF2-40B4-BE49-F238E27FC236}">
+                <a16:creationId xmlns:a16="http://schemas.microsoft.com/office/drawing/2014/main" id="{7699014F-759A-45ED-8521-E69146BF751C}"/>
+              </a:ext>
+            </a:extLst>
+          </p:cNvPr>
+          <p:cNvSpPr txBox="1"/>
+          <p:nvPr/>
+        </p:nvSpPr>
+        <p:spPr>
+          <a:xfrm>
+            <a:off x="7999031" y="1687652"/>
+            <a:ext cx="2833076" cy="307777"/>
+          </a:xfrm>
+          <a:prstGeom prst="rect">
+            <a:avLst/>
+          </a:prstGeom>
+          <a:noFill/>
+        </p:spPr>
+        <p:txBody>
+          <a:bodyPr wrap="square" tIns="0" bIns="0" rtlCol="0">
+            <a:spAutoFit/>
+          </a:bodyPr>
+          <a:lstStyle/>
+          <a:p>
+            <a:pPr algn="ctr"/>
+            <a:r>
+              <a:rPr lang="en-US" sz="2000" dirty="0"/>
+              <a:t>Label constraint</a:t>
+            </a:r>
+          </a:p>
+        </p:txBody>
+      </p:sp>
+      <p:sp>
+        <p:nvSpPr>
+          <p:cNvPr id="42" name="TextBox 41">
+            <a:extLst>
+              <a:ext uri="{FF2B5EF4-FFF2-40B4-BE49-F238E27FC236}">
+                <a16:creationId xmlns:a16="http://schemas.microsoft.com/office/drawing/2014/main" id="{E318AA22-F9FC-4C52-B70A-9FC64D25585A}"/>
+              </a:ext>
+            </a:extLst>
+          </p:cNvPr>
+          <p:cNvSpPr txBox="1"/>
+          <p:nvPr/>
+        </p:nvSpPr>
+        <p:spPr>
+          <a:xfrm>
+            <a:off x="8988995" y="2662537"/>
+            <a:ext cx="914400" cy="369332"/>
+          </a:xfrm>
+          <a:prstGeom prst="rect">
+            <a:avLst/>
+          </a:prstGeom>
+          <a:effectLst>
+            <a:outerShdw blurRad="50800" dist="38100" dir="2700000" algn="tl" rotWithShape="0">
+              <a:prstClr val="black">
+                <a:alpha val="40000"/>
+              </a:prstClr>
+            </a:outerShdw>
+          </a:effectLst>
+        </p:spPr>
+        <p:style>
+          <a:lnRef idx="2">
+            <a:schemeClr val="dk1"/>
+          </a:lnRef>
+          <a:fillRef idx="1">
+            <a:schemeClr val="lt1"/>
+          </a:fillRef>
+          <a:effectRef idx="0">
+            <a:schemeClr val="dk1"/>
+          </a:effectRef>
+          <a:fontRef idx="minor">
+            <a:schemeClr val="dk1"/>
+          </a:fontRef>
+        </p:style>
+        <p:txBody>
+          <a:bodyPr wrap="square" rtlCol="0">
+            <a:spAutoFit/>
+          </a:bodyPr>
+          <a:lstStyle/>
+          <a:p>
+            <a:r>
+              <a:rPr lang="en-US" dirty="0"/>
+              <a:t>Label 1</a:t>
+            </a:r>
+          </a:p>
+        </p:txBody>
+      </p:sp>
+      <p:sp>
+        <p:nvSpPr>
+          <p:cNvPr id="43" name="TextBox 42">
+            <a:extLst>
+              <a:ext uri="{FF2B5EF4-FFF2-40B4-BE49-F238E27FC236}">
+                <a16:creationId xmlns:a16="http://schemas.microsoft.com/office/drawing/2014/main" id="{DFA36A3B-46C0-46F4-9721-A260ACA9CA2A}"/>
+              </a:ext>
+            </a:extLst>
+          </p:cNvPr>
+          <p:cNvSpPr txBox="1"/>
+          <p:nvPr/>
+        </p:nvSpPr>
+        <p:spPr>
+          <a:xfrm>
+            <a:off x="8035629" y="3510545"/>
+            <a:ext cx="914400" cy="369332"/>
+          </a:xfrm>
+          <a:prstGeom prst="rect">
+            <a:avLst/>
+          </a:prstGeom>
+          <a:effectLst>
+            <a:outerShdw blurRad="50800" dist="38100" dir="2700000" algn="tl" rotWithShape="0">
+              <a:prstClr val="black">
+                <a:alpha val="40000"/>
+              </a:prstClr>
+            </a:outerShdw>
+          </a:effectLst>
+        </p:spPr>
+        <p:style>
+          <a:lnRef idx="2">
+            <a:schemeClr val="dk1"/>
+          </a:lnRef>
+          <a:fillRef idx="1">
+            <a:schemeClr val="lt1"/>
+          </a:fillRef>
+          <a:effectRef idx="0">
+            <a:schemeClr val="dk1"/>
+          </a:effectRef>
+          <a:fontRef idx="minor">
+            <a:schemeClr val="dk1"/>
+          </a:fontRef>
+        </p:style>
+        <p:txBody>
+          <a:bodyPr wrap="square" rtlCol="0">
+            <a:spAutoFit/>
+          </a:bodyPr>
+          <a:lstStyle/>
+          <a:p>
+            <a:r>
+              <a:rPr lang="en-US" dirty="0"/>
+              <a:t>Label 2</a:t>
+            </a:r>
+          </a:p>
+        </p:txBody>
+      </p:sp>
+      <p:sp>
+        <p:nvSpPr>
+          <p:cNvPr id="44" name="TextBox 43">
+            <a:extLst>
+              <a:ext uri="{FF2B5EF4-FFF2-40B4-BE49-F238E27FC236}">
+                <a16:creationId xmlns:a16="http://schemas.microsoft.com/office/drawing/2014/main" id="{62DD0D7D-4B57-4C26-9158-17DD5A01AD0F}"/>
+              </a:ext>
+            </a:extLst>
+          </p:cNvPr>
+          <p:cNvSpPr txBox="1"/>
+          <p:nvPr/>
+        </p:nvSpPr>
+        <p:spPr>
+          <a:xfrm>
+            <a:off x="5665126" y="4559289"/>
+            <a:ext cx="914400" cy="369332"/>
+          </a:xfrm>
+          <a:prstGeom prst="rect">
+            <a:avLst/>
+          </a:prstGeom>
+          <a:effectLst>
+            <a:outerShdw blurRad="50800" dist="38100" dir="2700000" algn="tl" rotWithShape="0">
+              <a:prstClr val="black">
+                <a:alpha val="40000"/>
+              </a:prstClr>
+            </a:outerShdw>
+          </a:effectLst>
+        </p:spPr>
+        <p:style>
+          <a:lnRef idx="2">
+            <a:schemeClr val="dk1"/>
+          </a:lnRef>
+          <a:fillRef idx="1">
+            <a:schemeClr val="lt1"/>
+          </a:fillRef>
+          <a:effectRef idx="0">
+            <a:schemeClr val="dk1"/>
+          </a:effectRef>
+          <a:fontRef idx="minor">
+            <a:schemeClr val="dk1"/>
+          </a:fontRef>
+        </p:style>
+        <p:txBody>
+          <a:bodyPr wrap="square" rtlCol="0">
+            <a:spAutoFit/>
+          </a:bodyPr>
+          <a:lstStyle/>
+          <a:p>
+            <a:r>
+              <a:rPr lang="en-US" dirty="0"/>
+              <a:t>Label 5</a:t>
+            </a:r>
+          </a:p>
+        </p:txBody>
+      </p:sp>
+      <p:sp>
+        <p:nvSpPr>
+          <p:cNvPr id="45" name="TextBox 44">
+            <a:extLst>
+              <a:ext uri="{FF2B5EF4-FFF2-40B4-BE49-F238E27FC236}">
+                <a16:creationId xmlns:a16="http://schemas.microsoft.com/office/drawing/2014/main" id="{F0C2F238-6EEC-41BE-B687-7D66F703787F}"/>
+              </a:ext>
+            </a:extLst>
+          </p:cNvPr>
+          <p:cNvSpPr txBox="1"/>
+          <p:nvPr/>
+        </p:nvSpPr>
+        <p:spPr>
+          <a:xfrm>
+            <a:off x="8127686" y="4591862"/>
+            <a:ext cx="914400" cy="369332"/>
+          </a:xfrm>
+          <a:prstGeom prst="rect">
+            <a:avLst/>
+          </a:prstGeom>
+          <a:effectLst>
+            <a:outerShdw blurRad="50800" dist="38100" dir="2700000" algn="tl" rotWithShape="0">
+              <a:prstClr val="black">
+                <a:alpha val="40000"/>
+              </a:prstClr>
+            </a:outerShdw>
+          </a:effectLst>
+        </p:spPr>
+        <p:style>
+          <a:lnRef idx="2">
+            <a:schemeClr val="dk1"/>
+          </a:lnRef>
+          <a:fillRef idx="1">
+            <a:schemeClr val="lt1"/>
+          </a:fillRef>
+          <a:effectRef idx="0">
+            <a:schemeClr val="dk1"/>
+          </a:effectRef>
+          <a:fontRef idx="minor">
+            <a:schemeClr val="dk1"/>
+          </a:fontRef>
+        </p:style>
+        <p:txBody>
+          <a:bodyPr wrap="square" rtlCol="0">
+            <a:spAutoFit/>
+          </a:bodyPr>
+          <a:lstStyle/>
+          <a:p>
+            <a:r>
+              <a:rPr lang="en-US" dirty="0"/>
+              <a:t>Label 3</a:t>
+            </a:r>
+          </a:p>
+        </p:txBody>
+      </p:sp>
+      <p:sp>
+        <p:nvSpPr>
+          <p:cNvPr id="46" name="TextBox 45">
+            <a:extLst>
+              <a:ext uri="{FF2B5EF4-FFF2-40B4-BE49-F238E27FC236}">
+                <a16:creationId xmlns:a16="http://schemas.microsoft.com/office/drawing/2014/main" id="{DA10AD70-A13B-498B-AD08-8A553D25C9CD}"/>
+              </a:ext>
+            </a:extLst>
+          </p:cNvPr>
+          <p:cNvSpPr txBox="1"/>
+          <p:nvPr/>
+        </p:nvSpPr>
+        <p:spPr>
+          <a:xfrm>
+            <a:off x="9978344" y="3536004"/>
+            <a:ext cx="914400" cy="369332"/>
+          </a:xfrm>
+          <a:prstGeom prst="rect">
+            <a:avLst/>
+          </a:prstGeom>
+          <a:effectLst>
+            <a:outerShdw blurRad="50800" dist="38100" dir="2700000" algn="tl" rotWithShape="0">
+              <a:prstClr val="black">
+                <a:alpha val="40000"/>
+              </a:prstClr>
+            </a:outerShdw>
+          </a:effectLst>
+        </p:spPr>
+        <p:style>
+          <a:lnRef idx="2">
+            <a:schemeClr val="dk1"/>
+          </a:lnRef>
+          <a:fillRef idx="1">
+            <a:schemeClr val="lt1"/>
+          </a:fillRef>
+          <a:effectRef idx="0">
+            <a:schemeClr val="dk1"/>
+          </a:effectRef>
+          <a:fontRef idx="minor">
+            <a:schemeClr val="dk1"/>
+          </a:fontRef>
+        </p:style>
+        <p:txBody>
+          <a:bodyPr wrap="square" rtlCol="0">
+            <a:spAutoFit/>
+          </a:bodyPr>
+          <a:lstStyle/>
+          <a:p>
+            <a:r>
+              <a:rPr lang="en-US" dirty="0"/>
+              <a:t>Label 4</a:t>
+            </a:r>
+          </a:p>
+        </p:txBody>
+      </p:sp>
+      <p:sp>
+        <p:nvSpPr>
+          <p:cNvPr id="47" name="TextBox 46">
+            <a:extLst>
+              <a:ext uri="{FF2B5EF4-FFF2-40B4-BE49-F238E27FC236}">
+                <a16:creationId xmlns:a16="http://schemas.microsoft.com/office/drawing/2014/main" id="{3C133AF0-0AE2-4567-A432-78A00B24B18A}"/>
+              </a:ext>
+            </a:extLst>
+          </p:cNvPr>
+          <p:cNvSpPr txBox="1"/>
+          <p:nvPr/>
+        </p:nvSpPr>
+        <p:spPr>
+          <a:xfrm>
+            <a:off x="9903395" y="4591862"/>
+            <a:ext cx="914400" cy="369332"/>
+          </a:xfrm>
+          <a:prstGeom prst="rect">
+            <a:avLst/>
+          </a:prstGeom>
+          <a:effectLst>
+            <a:outerShdw blurRad="50800" dist="38100" dir="2700000" algn="tl" rotWithShape="0">
+              <a:prstClr val="black">
+                <a:alpha val="40000"/>
+              </a:prstClr>
+            </a:outerShdw>
+          </a:effectLst>
+        </p:spPr>
+        <p:style>
+          <a:lnRef idx="2">
+            <a:schemeClr val="dk1"/>
+          </a:lnRef>
+          <a:fillRef idx="1">
+            <a:schemeClr val="lt1"/>
+          </a:fillRef>
+          <a:effectRef idx="0">
+            <a:schemeClr val="dk1"/>
+          </a:effectRef>
+          <a:fontRef idx="minor">
+            <a:schemeClr val="dk1"/>
+          </a:fontRef>
+        </p:style>
+        <p:txBody>
+          <a:bodyPr wrap="square" rtlCol="0">
+            <a:spAutoFit/>
+          </a:bodyPr>
+          <a:lstStyle/>
+          <a:p>
+            <a:r>
+              <a:rPr lang="en-US" dirty="0"/>
+              <a:t>Label 5</a:t>
+            </a:r>
+          </a:p>
+        </p:txBody>
+      </p:sp>
+      <p:cxnSp>
+        <p:nvCxnSpPr>
+          <p:cNvPr id="48" name="Straight Connector 47">
+            <a:extLst>
+              <a:ext uri="{FF2B5EF4-FFF2-40B4-BE49-F238E27FC236}">
+                <a16:creationId xmlns:a16="http://schemas.microsoft.com/office/drawing/2014/main" id="{AA4E60D4-E755-456D-A736-D65E28CC45C8}"/>
+              </a:ext>
+            </a:extLst>
+          </p:cNvPr>
+          <p:cNvCxnSpPr/>
+          <p:nvPr/>
+        </p:nvCxnSpPr>
+        <p:spPr>
+          <a:xfrm flipH="1">
+            <a:off x="8812446" y="3193083"/>
+            <a:ext cx="229640" cy="223578"/>
+          </a:xfrm>
+          <a:prstGeom prst="line">
+            <a:avLst/>
+          </a:prstGeom>
+          <a:ln w="19050"/>
+        </p:spPr>
+        <p:style>
+          <a:lnRef idx="1">
+            <a:schemeClr val="accent1"/>
+          </a:lnRef>
+          <a:fillRef idx="0">
+            <a:schemeClr val="accent1"/>
+          </a:fillRef>
+          <a:effectRef idx="0">
+            <a:schemeClr val="accent1"/>
+          </a:effectRef>
+          <a:fontRef idx="minor">
+            <a:schemeClr val="tx1"/>
+          </a:fontRef>
+        </p:style>
+      </p:cxnSp>
+      <p:cxnSp>
+        <p:nvCxnSpPr>
+          <p:cNvPr id="49" name="Straight Connector 48">
+            <a:extLst>
+              <a:ext uri="{FF2B5EF4-FFF2-40B4-BE49-F238E27FC236}">
+                <a16:creationId xmlns:a16="http://schemas.microsoft.com/office/drawing/2014/main" id="{80EADEE5-8EEE-4AEC-B3ED-88AE95FBB56E}"/>
+              </a:ext>
+            </a:extLst>
+          </p:cNvPr>
+          <p:cNvCxnSpPr>
+            <a:cxnSpLocks/>
+          </p:cNvCxnSpPr>
+          <p:nvPr/>
+        </p:nvCxnSpPr>
+        <p:spPr>
+          <a:xfrm flipH="1">
+            <a:off x="9121911" y="3743855"/>
+            <a:ext cx="781485" cy="0"/>
+          </a:xfrm>
+          <a:prstGeom prst="line">
+            <a:avLst/>
+          </a:prstGeom>
+          <a:ln w="19050"/>
+        </p:spPr>
+        <p:style>
+          <a:lnRef idx="1">
+            <a:schemeClr val="accent1"/>
+          </a:lnRef>
+          <a:fillRef idx="0">
+            <a:schemeClr val="accent1"/>
+          </a:fillRef>
+          <a:effectRef idx="0">
+            <a:schemeClr val="accent1"/>
+          </a:effectRef>
+          <a:fontRef idx="minor">
+            <a:schemeClr val="tx1"/>
+          </a:fontRef>
+        </p:style>
+      </p:cxnSp>
+      <p:cxnSp>
+        <p:nvCxnSpPr>
+          <p:cNvPr id="50" name="Straight Connector 49">
+            <a:extLst>
+              <a:ext uri="{FF2B5EF4-FFF2-40B4-BE49-F238E27FC236}">
+                <a16:creationId xmlns:a16="http://schemas.microsoft.com/office/drawing/2014/main" id="{50CC7907-EF0A-4234-98E4-9261FE11D301}"/>
+              </a:ext>
+            </a:extLst>
+          </p:cNvPr>
+          <p:cNvCxnSpPr>
+            <a:cxnSpLocks/>
+          </p:cNvCxnSpPr>
+          <p:nvPr/>
+        </p:nvCxnSpPr>
+        <p:spPr>
+          <a:xfrm flipH="1">
+            <a:off x="9121911" y="4051603"/>
+            <a:ext cx="781484" cy="613602"/>
+          </a:xfrm>
+          <a:prstGeom prst="line">
+            <a:avLst/>
+          </a:prstGeom>
+          <a:ln w="19050"/>
+        </p:spPr>
+        <p:style>
+          <a:lnRef idx="1">
+            <a:schemeClr val="accent1"/>
+          </a:lnRef>
+          <a:fillRef idx="0">
+            <a:schemeClr val="accent1"/>
+          </a:fillRef>
+          <a:effectRef idx="0">
+            <a:schemeClr val="accent1"/>
+          </a:effectRef>
+          <a:fontRef idx="minor">
+            <a:schemeClr val="tx1"/>
+          </a:fontRef>
+        </p:style>
+      </p:cxnSp>
+      <p:cxnSp>
+        <p:nvCxnSpPr>
+          <p:cNvPr id="51" name="Straight Connector 50">
+            <a:extLst>
+              <a:ext uri="{FF2B5EF4-FFF2-40B4-BE49-F238E27FC236}">
+                <a16:creationId xmlns:a16="http://schemas.microsoft.com/office/drawing/2014/main" id="{387DA87D-012F-4550-B0AF-0D434F492661}"/>
+              </a:ext>
+            </a:extLst>
+          </p:cNvPr>
+          <p:cNvCxnSpPr>
+            <a:cxnSpLocks/>
+          </p:cNvCxnSpPr>
+          <p:nvPr/>
+        </p:nvCxnSpPr>
+        <p:spPr>
+          <a:xfrm flipH="1">
+            <a:off x="10435544" y="4051603"/>
+            <a:ext cx="1" cy="428936"/>
+          </a:xfrm>
+          <a:prstGeom prst="line">
+            <a:avLst/>
+          </a:prstGeom>
+          <a:ln w="19050"/>
+        </p:spPr>
+        <p:style>
+          <a:lnRef idx="1">
+            <a:schemeClr val="accent1"/>
+          </a:lnRef>
+          <a:fillRef idx="0">
+            <a:schemeClr val="accent1"/>
+          </a:fillRef>
+          <a:effectRef idx="0">
+            <a:schemeClr val="accent1"/>
+          </a:effectRef>
+          <a:fontRef idx="minor">
+            <a:schemeClr val="tx1"/>
+          </a:fontRef>
+        </p:style>
+      </p:cxnSp>
+      <p:cxnSp>
+        <p:nvCxnSpPr>
+          <p:cNvPr id="52" name="Straight Connector 51">
+            <a:extLst>
+              <a:ext uri="{FF2B5EF4-FFF2-40B4-BE49-F238E27FC236}">
+                <a16:creationId xmlns:a16="http://schemas.microsoft.com/office/drawing/2014/main" id="{447B4909-1799-4242-A313-6BCECD743882}"/>
+              </a:ext>
+            </a:extLst>
+          </p:cNvPr>
+          <p:cNvCxnSpPr>
+            <a:cxnSpLocks/>
+          </p:cNvCxnSpPr>
+          <p:nvPr/>
+        </p:nvCxnSpPr>
+        <p:spPr>
+          <a:xfrm>
+            <a:off x="10023979" y="3099810"/>
+            <a:ext cx="411565" cy="347751"/>
+          </a:xfrm>
+          <a:prstGeom prst="line">
+            <a:avLst/>
+          </a:prstGeom>
+          <a:ln w="19050"/>
+        </p:spPr>
+        <p:style>
+          <a:lnRef idx="1">
+            <a:schemeClr val="accent1"/>
+          </a:lnRef>
+          <a:fillRef idx="0">
+            <a:schemeClr val="accent1"/>
+          </a:fillRef>
+          <a:effectRef idx="0">
+            <a:schemeClr val="accent1"/>
+          </a:effectRef>
+          <a:fontRef idx="minor">
+            <a:schemeClr val="tx1"/>
+          </a:fontRef>
+        </p:style>
+      </p:cxnSp>
+      <p:cxnSp>
+        <p:nvCxnSpPr>
+          <p:cNvPr id="53" name="Straight Arrow Connector 52">
+            <a:extLst>
+              <a:ext uri="{FF2B5EF4-FFF2-40B4-BE49-F238E27FC236}">
+                <a16:creationId xmlns:a16="http://schemas.microsoft.com/office/drawing/2014/main" id="{4FF2F035-FB64-449A-861B-BA7E7BBA631B}"/>
+              </a:ext>
+            </a:extLst>
+          </p:cNvPr>
+          <p:cNvCxnSpPr>
+            <a:cxnSpLocks/>
+          </p:cNvCxnSpPr>
+          <p:nvPr/>
+        </p:nvCxnSpPr>
+        <p:spPr>
+          <a:xfrm>
+            <a:off x="7538864" y="3909299"/>
+            <a:ext cx="424056" cy="0"/>
+          </a:xfrm>
+          <a:prstGeom prst="straightConnector1">
+            <a:avLst/>
+          </a:prstGeom>
+          <a:ln w="28575">
+            <a:tailEnd type="triangle"/>
+          </a:ln>
+        </p:spPr>
+        <p:style>
+          <a:lnRef idx="1">
+            <a:schemeClr val="accent1"/>
+          </a:lnRef>
+          <a:fillRef idx="0">
+            <a:schemeClr val="accent1"/>
+          </a:fillRef>
+          <a:effectRef idx="0">
+            <a:schemeClr val="accent1"/>
+          </a:effectRef>
+          <a:fontRef idx="minor">
+            <a:schemeClr val="tx1"/>
+          </a:fontRef>
+        </p:style>
+      </p:cxnSp>
+    </p:spTree>
+    <p:extLst>
+      <p:ext uri="{BB962C8B-B14F-4D97-AF65-F5344CB8AC3E}">
+        <p14:creationId xmlns:p14="http://schemas.microsoft.com/office/powerpoint/2010/main" val="2024199262"/>
+      </p:ext>
+    </p:extLst>
+  </p:cSld>
+  <p:clrMapOvr>
+    <a:masterClrMapping/>
+  </p:clrMapOvr>
+</p:sld>
+</file>
+
+<file path=ppt/slides/slide5.xml><?xml version="1.0" encoding="utf-8"?>
+<p:sld xmlns:a="http://schemas.openxmlformats.org/drawingml/2006/main" xmlns:r="http://schemas.openxmlformats.org/officeDocument/2006/relationships" xmlns:p="http://schemas.openxmlformats.org/presentationml/2006/main">
+  <p:cSld>
+    <p:spTree>
+      <p:nvGrpSpPr>
+        <p:cNvPr id="1" name=""/>
+        <p:cNvGrpSpPr/>
+        <p:nvPr/>
+      </p:nvGrpSpPr>
+      <p:grpSpPr>
+        <a:xfrm>
+          <a:off x="0" y="0"/>
+          <a:ext cx="0" cy="0"/>
+          <a:chOff x="0" y="0"/>
+          <a:chExt cx="0" cy="0"/>
+        </a:xfrm>
+      </p:grpSpPr>
+      <p:sp>
+        <p:nvSpPr>
+          <p:cNvPr id="2" name="TextBox 1">
+            <a:extLst>
+              <a:ext uri="{FF2B5EF4-FFF2-40B4-BE49-F238E27FC236}">
+                <a16:creationId xmlns:a16="http://schemas.microsoft.com/office/drawing/2014/main" id="{196CB4EF-F639-4EC2-A88B-E1649E400742}"/>
+              </a:ext>
+            </a:extLst>
+          </p:cNvPr>
+          <p:cNvSpPr txBox="1"/>
+          <p:nvPr/>
+        </p:nvSpPr>
+        <p:spPr>
+          <a:xfrm>
+            <a:off x="3045395" y="2347682"/>
+            <a:ext cx="914400" cy="369332"/>
+          </a:xfrm>
+          <a:prstGeom prst="rect">
+            <a:avLst/>
+          </a:prstGeom>
+          <a:ln w="28575"/>
+          <a:effectLst>
+            <a:outerShdw blurRad="50800" dist="38100" dir="2700000" algn="tl" rotWithShape="0">
+              <a:prstClr val="black">
+                <a:alpha val="40000"/>
+              </a:prstClr>
+            </a:outerShdw>
+          </a:effectLst>
+        </p:spPr>
+        <p:style>
+          <a:lnRef idx="2">
+            <a:schemeClr val="dk1"/>
+          </a:lnRef>
+          <a:fillRef idx="1">
+            <a:schemeClr val="lt1"/>
+          </a:fillRef>
+          <a:effectRef idx="0">
+            <a:schemeClr val="dk1"/>
+          </a:effectRef>
+          <a:fontRef idx="minor">
+            <a:schemeClr val="dk1"/>
+          </a:fontRef>
+        </p:style>
+        <p:txBody>
+          <a:bodyPr wrap="square" rtlCol="0">
+            <a:spAutoFit/>
+          </a:bodyPr>
+          <a:lstStyle/>
+          <a:p>
+            <a:pPr algn="ctr"/>
+            <a:r>
+              <a:rPr lang="en-US" dirty="0"/>
+              <a:t>SUBJ</a:t>
+            </a:r>
+          </a:p>
+        </p:txBody>
+      </p:sp>
+      <p:sp>
+        <p:nvSpPr>
+          <p:cNvPr id="3" name="TextBox 2">
+            <a:extLst>
+              <a:ext uri="{FF2B5EF4-FFF2-40B4-BE49-F238E27FC236}">
+                <a16:creationId xmlns:a16="http://schemas.microsoft.com/office/drawing/2014/main" id="{264F2432-12B6-44FF-89EA-AF36A9F1275B}"/>
+              </a:ext>
+            </a:extLst>
+          </p:cNvPr>
+          <p:cNvSpPr txBox="1"/>
+          <p:nvPr/>
+        </p:nvSpPr>
+        <p:spPr>
+          <a:xfrm>
+            <a:off x="1507829" y="3526463"/>
+            <a:ext cx="914400" cy="369332"/>
+          </a:xfrm>
+          <a:prstGeom prst="rect">
+            <a:avLst/>
+          </a:prstGeom>
+          <a:ln w="28575"/>
+          <a:effectLst>
+            <a:outerShdw blurRad="50800" dist="38100" dir="2700000" algn="tl" rotWithShape="0">
+              <a:prstClr val="black">
+                <a:alpha val="40000"/>
+              </a:prstClr>
+            </a:outerShdw>
+          </a:effectLst>
+        </p:spPr>
+        <p:style>
+          <a:lnRef idx="2">
+            <a:schemeClr val="dk1"/>
+          </a:lnRef>
+          <a:fillRef idx="1">
+            <a:schemeClr val="lt1"/>
+          </a:fillRef>
+          <a:effectRef idx="0">
+            <a:schemeClr val="dk1"/>
+          </a:effectRef>
+          <a:fontRef idx="minor">
+            <a:schemeClr val="dk1"/>
+          </a:fontRef>
+        </p:style>
+        <p:txBody>
+          <a:bodyPr wrap="square" rtlCol="0">
+            <a:spAutoFit/>
+          </a:bodyPr>
+          <a:lstStyle/>
+          <a:p>
+            <a:pPr algn="ctr"/>
+            <a:r>
+              <a:rPr lang="en-US" dirty="0"/>
+              <a:t>VERB</a:t>
+            </a:r>
+          </a:p>
+        </p:txBody>
+      </p:sp>
+      <p:sp>
+        <p:nvSpPr>
+          <p:cNvPr id="4" name="TextBox 3">
+            <a:extLst>
+              <a:ext uri="{FF2B5EF4-FFF2-40B4-BE49-F238E27FC236}">
+                <a16:creationId xmlns:a16="http://schemas.microsoft.com/office/drawing/2014/main" id="{35FDE496-DDB1-4F49-ADD5-C0308BBE4AD9}"/>
+              </a:ext>
+            </a:extLst>
+          </p:cNvPr>
+          <p:cNvSpPr txBox="1"/>
+          <p:nvPr/>
+        </p:nvSpPr>
+        <p:spPr>
+          <a:xfrm>
+            <a:off x="4515805" y="3526463"/>
+            <a:ext cx="914400" cy="369332"/>
+          </a:xfrm>
+          <a:prstGeom prst="rect">
+            <a:avLst/>
+          </a:prstGeom>
+          <a:ln w="28575"/>
+          <a:effectLst>
+            <a:outerShdw blurRad="50800" dist="38100" dir="2700000" algn="tl" rotWithShape="0">
+              <a:prstClr val="black">
+                <a:alpha val="40000"/>
+              </a:prstClr>
+            </a:outerShdw>
+          </a:effectLst>
+        </p:spPr>
+        <p:style>
+          <a:lnRef idx="2">
+            <a:schemeClr val="dk1"/>
+          </a:lnRef>
+          <a:fillRef idx="1">
+            <a:schemeClr val="lt1"/>
+          </a:fillRef>
+          <a:effectRef idx="0">
+            <a:schemeClr val="dk1"/>
+          </a:effectRef>
+          <a:fontRef idx="minor">
+            <a:schemeClr val="dk1"/>
+          </a:fontRef>
+        </p:style>
+        <p:txBody>
+          <a:bodyPr wrap="square" rtlCol="0">
+            <a:spAutoFit/>
+          </a:bodyPr>
+          <a:lstStyle/>
+          <a:p>
+            <a:pPr algn="ctr"/>
+            <a:r>
+              <a:rPr lang="en-US" dirty="0"/>
+              <a:t>LOC</a:t>
+            </a:r>
+          </a:p>
+        </p:txBody>
+      </p:sp>
+      <p:sp>
+        <p:nvSpPr>
+          <p:cNvPr id="5" name="TextBox 4">
+            <a:extLst>
+              <a:ext uri="{FF2B5EF4-FFF2-40B4-BE49-F238E27FC236}">
+                <a16:creationId xmlns:a16="http://schemas.microsoft.com/office/drawing/2014/main" id="{FDE14111-22B5-43AD-A2AD-3F4F3F0F586B}"/>
+              </a:ext>
+            </a:extLst>
+          </p:cNvPr>
+          <p:cNvSpPr txBox="1"/>
+          <p:nvPr/>
+        </p:nvSpPr>
+        <p:spPr>
+          <a:xfrm>
+            <a:off x="3045395" y="3017454"/>
+            <a:ext cx="914400" cy="369332"/>
+          </a:xfrm>
+          <a:prstGeom prst="rect">
+            <a:avLst/>
+          </a:prstGeom>
+          <a:ln w="28575"/>
+          <a:effectLst>
+            <a:outerShdw blurRad="50800" dist="38100" dir="2700000" algn="tl" rotWithShape="0">
+              <a:prstClr val="black">
+                <a:alpha val="40000"/>
+              </a:prstClr>
+            </a:outerShdw>
+          </a:effectLst>
+        </p:spPr>
+        <p:style>
+          <a:lnRef idx="2">
+            <a:schemeClr val="dk1"/>
+          </a:lnRef>
+          <a:fillRef idx="1">
+            <a:schemeClr val="lt1"/>
+          </a:fillRef>
+          <a:effectRef idx="0">
+            <a:schemeClr val="dk1"/>
+          </a:effectRef>
+          <a:fontRef idx="minor">
+            <a:schemeClr val="dk1"/>
+          </a:fontRef>
+        </p:style>
+        <p:txBody>
+          <a:bodyPr wrap="square" rtlCol="0">
+            <a:spAutoFit/>
+          </a:bodyPr>
+          <a:lstStyle/>
+          <a:p>
+            <a:pPr algn="ctr"/>
+            <a:r>
+              <a:rPr lang="en-US" dirty="0"/>
+              <a:t>OBJ</a:t>
+            </a:r>
+          </a:p>
+        </p:txBody>
+      </p:sp>
+      <p:sp>
+        <p:nvSpPr>
+          <p:cNvPr id="6" name="TextBox 5">
+            <a:extLst>
+              <a:ext uri="{FF2B5EF4-FFF2-40B4-BE49-F238E27FC236}">
+                <a16:creationId xmlns:a16="http://schemas.microsoft.com/office/drawing/2014/main" id="{8DCB9736-711A-4EDA-8AC7-7949AAECBFFF}"/>
+              </a:ext>
+            </a:extLst>
+          </p:cNvPr>
+          <p:cNvSpPr txBox="1"/>
+          <p:nvPr/>
+        </p:nvSpPr>
+        <p:spPr>
+          <a:xfrm>
+            <a:off x="4515805" y="4358119"/>
+            <a:ext cx="914400" cy="369332"/>
+          </a:xfrm>
+          <a:prstGeom prst="rect">
+            <a:avLst/>
+          </a:prstGeom>
+          <a:ln w="28575"/>
+          <a:effectLst>
+            <a:outerShdw blurRad="50800" dist="38100" dir="2700000" algn="tl" rotWithShape="0">
+              <a:prstClr val="black">
+                <a:alpha val="40000"/>
+              </a:prstClr>
+            </a:outerShdw>
+          </a:effectLst>
+        </p:spPr>
+        <p:style>
+          <a:lnRef idx="2">
+            <a:schemeClr val="dk1"/>
+          </a:lnRef>
+          <a:fillRef idx="1">
+            <a:schemeClr val="lt1"/>
+          </a:fillRef>
+          <a:effectRef idx="0">
+            <a:schemeClr val="dk1"/>
+          </a:effectRef>
+          <a:fontRef idx="minor">
+            <a:schemeClr val="dk1"/>
+          </a:fontRef>
+        </p:style>
+        <p:txBody>
+          <a:bodyPr wrap="square" rtlCol="0">
+            <a:spAutoFit/>
+          </a:bodyPr>
+          <a:lstStyle/>
+          <a:p>
+            <a:pPr algn="ctr"/>
+            <a:r>
+              <a:rPr lang="en-US" dirty="0"/>
+              <a:t>ADJUN</a:t>
+            </a:r>
+          </a:p>
+        </p:txBody>
+      </p:sp>
+      <p:cxnSp>
+        <p:nvCxnSpPr>
+          <p:cNvPr id="7" name="Straight Connector 6">
+            <a:extLst>
+              <a:ext uri="{FF2B5EF4-FFF2-40B4-BE49-F238E27FC236}">
+                <a16:creationId xmlns:a16="http://schemas.microsoft.com/office/drawing/2014/main" id="{6677817C-FC04-43F8-9CA5-DE0985574434}"/>
+              </a:ext>
+            </a:extLst>
+          </p:cNvPr>
+          <p:cNvCxnSpPr>
+            <a:cxnSpLocks/>
+            <a:endCxn id="3" idx="0"/>
+          </p:cNvCxnSpPr>
+          <p:nvPr/>
+        </p:nvCxnSpPr>
+        <p:spPr>
+          <a:xfrm flipH="1">
+            <a:off x="1965029" y="2717014"/>
+            <a:ext cx="1080366" cy="809449"/>
+          </a:xfrm>
+          <a:prstGeom prst="line">
+            <a:avLst/>
+          </a:prstGeom>
+          <a:ln w="28575"/>
+        </p:spPr>
+        <p:style>
+          <a:lnRef idx="1">
+            <a:schemeClr val="accent1"/>
+          </a:lnRef>
+          <a:fillRef idx="0">
+            <a:schemeClr val="accent1"/>
+          </a:fillRef>
+          <a:effectRef idx="0">
+            <a:schemeClr val="accent1"/>
+          </a:effectRef>
+          <a:fontRef idx="minor">
+            <a:schemeClr val="tx1"/>
+          </a:fontRef>
+        </p:style>
+      </p:cxnSp>
+      <p:cxnSp>
+        <p:nvCxnSpPr>
+          <p:cNvPr id="8" name="Straight Connector 7">
+            <a:extLst>
+              <a:ext uri="{FF2B5EF4-FFF2-40B4-BE49-F238E27FC236}">
+                <a16:creationId xmlns:a16="http://schemas.microsoft.com/office/drawing/2014/main" id="{289B91C7-3D80-42D6-A7E7-4A043DF94C18}"/>
+              </a:ext>
+            </a:extLst>
+          </p:cNvPr>
+          <p:cNvCxnSpPr>
+            <a:cxnSpLocks/>
+            <a:stCxn id="4" idx="1"/>
+            <a:endCxn id="3" idx="3"/>
+          </p:cNvCxnSpPr>
+          <p:nvPr/>
+        </p:nvCxnSpPr>
+        <p:spPr>
+          <a:xfrm flipH="1">
+            <a:off x="2422229" y="3711129"/>
+            <a:ext cx="2093576" cy="0"/>
+          </a:xfrm>
+          <a:prstGeom prst="line">
+            <a:avLst/>
+          </a:prstGeom>
+          <a:ln w="28575"/>
+        </p:spPr>
+        <p:style>
+          <a:lnRef idx="1">
+            <a:schemeClr val="accent1"/>
+          </a:lnRef>
+          <a:fillRef idx="0">
+            <a:schemeClr val="accent1"/>
+          </a:fillRef>
+          <a:effectRef idx="0">
+            <a:schemeClr val="accent1"/>
+          </a:effectRef>
+          <a:fontRef idx="minor">
+            <a:schemeClr val="tx1"/>
+          </a:fontRef>
+        </p:style>
+      </p:cxnSp>
+      <p:cxnSp>
+        <p:nvCxnSpPr>
+          <p:cNvPr id="9" name="Straight Connector 8">
+            <a:extLst>
+              <a:ext uri="{FF2B5EF4-FFF2-40B4-BE49-F238E27FC236}">
+                <a16:creationId xmlns:a16="http://schemas.microsoft.com/office/drawing/2014/main" id="{B77E3E23-EAF0-4E3C-957F-A7A01F144130}"/>
+              </a:ext>
+            </a:extLst>
+          </p:cNvPr>
+          <p:cNvCxnSpPr>
+            <a:cxnSpLocks/>
+            <a:stCxn id="2" idx="2"/>
+            <a:endCxn id="5" idx="0"/>
+          </p:cNvCxnSpPr>
+          <p:nvPr/>
+        </p:nvCxnSpPr>
+        <p:spPr>
+          <a:xfrm>
+            <a:off x="3502595" y="2717014"/>
+            <a:ext cx="0" cy="300440"/>
+          </a:xfrm>
+          <a:prstGeom prst="line">
+            <a:avLst/>
+          </a:prstGeom>
+          <a:ln w="28575"/>
+        </p:spPr>
+        <p:style>
+          <a:lnRef idx="1">
+            <a:schemeClr val="accent1"/>
+          </a:lnRef>
+          <a:fillRef idx="0">
+            <a:schemeClr val="accent1"/>
+          </a:fillRef>
+          <a:effectRef idx="0">
+            <a:schemeClr val="accent1"/>
+          </a:effectRef>
+          <a:fontRef idx="minor">
+            <a:schemeClr val="tx1"/>
+          </a:fontRef>
+        </p:style>
+      </p:cxnSp>
+      <p:cxnSp>
+        <p:nvCxnSpPr>
+          <p:cNvPr id="10" name="Straight Connector 9">
+            <a:extLst>
+              <a:ext uri="{FF2B5EF4-FFF2-40B4-BE49-F238E27FC236}">
+                <a16:creationId xmlns:a16="http://schemas.microsoft.com/office/drawing/2014/main" id="{0D771C8C-A8CE-43B8-A129-F811EF752376}"/>
+              </a:ext>
+            </a:extLst>
+          </p:cNvPr>
+          <p:cNvCxnSpPr>
+            <a:cxnSpLocks/>
+          </p:cNvCxnSpPr>
+          <p:nvPr/>
+        </p:nvCxnSpPr>
+        <p:spPr>
+          <a:xfrm flipH="1">
+            <a:off x="4973005" y="3941846"/>
+            <a:ext cx="1" cy="428936"/>
+          </a:xfrm>
+          <a:prstGeom prst="line">
+            <a:avLst/>
+          </a:prstGeom>
+          <a:ln w="28575"/>
+        </p:spPr>
+        <p:style>
+          <a:lnRef idx="1">
+            <a:schemeClr val="accent1"/>
+          </a:lnRef>
+          <a:fillRef idx="0">
+            <a:schemeClr val="accent1"/>
+          </a:fillRef>
+          <a:effectRef idx="0">
+            <a:schemeClr val="accent1"/>
+          </a:effectRef>
+          <a:fontRef idx="minor">
+            <a:schemeClr val="tx1"/>
+          </a:fontRef>
+        </p:style>
+      </p:cxnSp>
+      <p:cxnSp>
+        <p:nvCxnSpPr>
+          <p:cNvPr id="11" name="Straight Connector 10">
+            <a:extLst>
+              <a:ext uri="{FF2B5EF4-FFF2-40B4-BE49-F238E27FC236}">
+                <a16:creationId xmlns:a16="http://schemas.microsoft.com/office/drawing/2014/main" id="{429601E5-34FF-45D8-8A9B-7C4F63B0B736}"/>
+              </a:ext>
+            </a:extLst>
+          </p:cNvPr>
+          <p:cNvCxnSpPr>
+            <a:cxnSpLocks/>
+            <a:endCxn id="4" idx="0"/>
+          </p:cNvCxnSpPr>
+          <p:nvPr/>
+        </p:nvCxnSpPr>
+        <p:spPr>
+          <a:xfrm>
+            <a:off x="3910093" y="2730087"/>
+            <a:ext cx="1062912" cy="796376"/>
+          </a:xfrm>
+          <a:prstGeom prst="line">
+            <a:avLst/>
+          </a:prstGeom>
+          <a:ln w="28575"/>
+        </p:spPr>
+        <p:style>
+          <a:lnRef idx="1">
+            <a:schemeClr val="accent1"/>
+          </a:lnRef>
+          <a:fillRef idx="0">
+            <a:schemeClr val="accent1"/>
+          </a:fillRef>
+          <a:effectRef idx="0">
+            <a:schemeClr val="accent1"/>
+          </a:effectRef>
+          <a:fontRef idx="minor">
+            <a:schemeClr val="tx1"/>
+          </a:fontRef>
+        </p:style>
+      </p:cxnSp>
+      <p:cxnSp>
+        <p:nvCxnSpPr>
+          <p:cNvPr id="20" name="Straight Connector 19">
+            <a:extLst>
+              <a:ext uri="{FF2B5EF4-FFF2-40B4-BE49-F238E27FC236}">
+                <a16:creationId xmlns:a16="http://schemas.microsoft.com/office/drawing/2014/main" id="{69321A3F-9642-4136-B8B3-7A2C1DBE260D}"/>
+              </a:ext>
+            </a:extLst>
+          </p:cNvPr>
+          <p:cNvCxnSpPr>
+            <a:cxnSpLocks/>
+          </p:cNvCxnSpPr>
+          <p:nvPr/>
+        </p:nvCxnSpPr>
+        <p:spPr>
+          <a:xfrm>
+            <a:off x="3975100" y="3327400"/>
+            <a:ext cx="540705" cy="199063"/>
+          </a:xfrm>
+          <a:prstGeom prst="line">
+            <a:avLst/>
+          </a:prstGeom>
+          <a:ln w="28575"/>
+        </p:spPr>
+        <p:style>
+          <a:lnRef idx="1">
+            <a:schemeClr val="accent1"/>
+          </a:lnRef>
+          <a:fillRef idx="0">
+            <a:schemeClr val="accent1"/>
+          </a:fillRef>
+          <a:effectRef idx="0">
+            <a:schemeClr val="accent1"/>
+          </a:effectRef>
+          <a:fontRef idx="minor">
+            <a:schemeClr val="tx1"/>
+          </a:fontRef>
+        </p:style>
+      </p:cxnSp>
+      <p:cxnSp>
+        <p:nvCxnSpPr>
+          <p:cNvPr id="26" name="Straight Connector 25">
+            <a:extLst>
+              <a:ext uri="{FF2B5EF4-FFF2-40B4-BE49-F238E27FC236}">
+                <a16:creationId xmlns:a16="http://schemas.microsoft.com/office/drawing/2014/main" id="{E79C4B12-9575-42A0-931B-37967373D2E4}"/>
+              </a:ext>
+            </a:extLst>
+          </p:cNvPr>
+          <p:cNvCxnSpPr>
+            <a:cxnSpLocks/>
+          </p:cNvCxnSpPr>
+          <p:nvPr/>
+        </p:nvCxnSpPr>
+        <p:spPr>
+          <a:xfrm flipV="1">
+            <a:off x="2401988" y="3327400"/>
+            <a:ext cx="625953" cy="199063"/>
+          </a:xfrm>
+          <a:prstGeom prst="line">
+            <a:avLst/>
+          </a:prstGeom>
+          <a:ln w="28575"/>
+        </p:spPr>
+        <p:style>
+          <a:lnRef idx="1">
+            <a:schemeClr val="accent1"/>
+          </a:lnRef>
+          <a:fillRef idx="0">
+            <a:schemeClr val="accent1"/>
+          </a:fillRef>
+          <a:effectRef idx="0">
+            <a:schemeClr val="accent1"/>
+          </a:effectRef>
+          <a:fontRef idx="minor">
+            <a:schemeClr val="tx1"/>
+          </a:fontRef>
+        </p:style>
+      </p:cxnSp>
+      <p:sp>
+        <p:nvSpPr>
+          <p:cNvPr id="28" name="TextBox 27">
+            <a:extLst>
+              <a:ext uri="{FF2B5EF4-FFF2-40B4-BE49-F238E27FC236}">
+                <a16:creationId xmlns:a16="http://schemas.microsoft.com/office/drawing/2014/main" id="{9A41E11F-5050-4972-8ACB-E95E64E257C2}"/>
+              </a:ext>
+            </a:extLst>
+          </p:cNvPr>
+          <p:cNvSpPr txBox="1"/>
+          <p:nvPr/>
+        </p:nvSpPr>
+        <p:spPr>
+          <a:xfrm>
+            <a:off x="7980981" y="2347682"/>
+            <a:ext cx="914400" cy="369332"/>
+          </a:xfrm>
+          <a:prstGeom prst="rect">
+            <a:avLst/>
+          </a:prstGeom>
+          <a:ln w="28575"/>
+          <a:effectLst>
+            <a:outerShdw blurRad="50800" dist="38100" dir="2700000" algn="tl" rotWithShape="0">
+              <a:prstClr val="black">
+                <a:alpha val="40000"/>
+              </a:prstClr>
+            </a:outerShdw>
+          </a:effectLst>
+        </p:spPr>
+        <p:style>
+          <a:lnRef idx="2">
+            <a:schemeClr val="dk1"/>
+          </a:lnRef>
+          <a:fillRef idx="1">
+            <a:schemeClr val="lt1"/>
+          </a:fillRef>
+          <a:effectRef idx="0">
+            <a:schemeClr val="dk1"/>
+          </a:effectRef>
+          <a:fontRef idx="minor">
+            <a:schemeClr val="dk1"/>
+          </a:fontRef>
+        </p:style>
+        <p:txBody>
+          <a:bodyPr wrap="square" rtlCol="0">
+            <a:spAutoFit/>
+          </a:bodyPr>
+          <a:lstStyle/>
+          <a:p>
+            <a:pPr algn="ctr"/>
+            <a:r>
+              <a:rPr lang="en-US" dirty="0"/>
+              <a:t>SUBJ</a:t>
+            </a:r>
+          </a:p>
+        </p:txBody>
+      </p:sp>
+      <p:sp>
+        <p:nvSpPr>
+          <p:cNvPr id="29" name="TextBox 28">
+            <a:extLst>
+              <a:ext uri="{FF2B5EF4-FFF2-40B4-BE49-F238E27FC236}">
+                <a16:creationId xmlns:a16="http://schemas.microsoft.com/office/drawing/2014/main" id="{11630EF7-909F-46DA-8195-F89F91389AD1}"/>
+              </a:ext>
+            </a:extLst>
+          </p:cNvPr>
+          <p:cNvSpPr txBox="1"/>
+          <p:nvPr/>
+        </p:nvSpPr>
+        <p:spPr>
+          <a:xfrm>
+            <a:off x="6443415" y="3526463"/>
+            <a:ext cx="914400" cy="369332"/>
+          </a:xfrm>
+          <a:prstGeom prst="rect">
+            <a:avLst/>
+          </a:prstGeom>
+          <a:ln w="28575"/>
+          <a:effectLst>
+            <a:outerShdw blurRad="50800" dist="38100" dir="2700000" algn="tl" rotWithShape="0">
+              <a:prstClr val="black">
+                <a:alpha val="40000"/>
+              </a:prstClr>
+            </a:outerShdw>
+          </a:effectLst>
+        </p:spPr>
+        <p:style>
+          <a:lnRef idx="2">
+            <a:schemeClr val="dk1"/>
+          </a:lnRef>
+          <a:fillRef idx="1">
+            <a:schemeClr val="lt1"/>
+          </a:fillRef>
+          <a:effectRef idx="0">
+            <a:schemeClr val="dk1"/>
+          </a:effectRef>
+          <a:fontRef idx="minor">
+            <a:schemeClr val="dk1"/>
+          </a:fontRef>
+        </p:style>
+        <p:txBody>
+          <a:bodyPr wrap="square" rtlCol="0">
+            <a:spAutoFit/>
+          </a:bodyPr>
+          <a:lstStyle/>
+          <a:p>
+            <a:pPr algn="ctr"/>
+            <a:r>
+              <a:rPr lang="en-US" dirty="0"/>
+              <a:t>VERB</a:t>
+            </a:r>
+          </a:p>
+        </p:txBody>
+      </p:sp>
+      <p:sp>
+        <p:nvSpPr>
+          <p:cNvPr id="30" name="TextBox 29">
+            <a:extLst>
+              <a:ext uri="{FF2B5EF4-FFF2-40B4-BE49-F238E27FC236}">
+                <a16:creationId xmlns:a16="http://schemas.microsoft.com/office/drawing/2014/main" id="{820E8A58-F370-4BC1-BB68-970DAB740BF9}"/>
+              </a:ext>
+            </a:extLst>
+          </p:cNvPr>
+          <p:cNvSpPr txBox="1"/>
+          <p:nvPr/>
+        </p:nvSpPr>
+        <p:spPr>
+          <a:xfrm>
+            <a:off x="9451391" y="3526463"/>
+            <a:ext cx="914400" cy="369332"/>
+          </a:xfrm>
+          <a:prstGeom prst="rect">
+            <a:avLst/>
+          </a:prstGeom>
+          <a:ln w="28575"/>
+          <a:effectLst>
+            <a:outerShdw blurRad="50800" dist="38100" dir="2700000" algn="tl" rotWithShape="0">
+              <a:prstClr val="black">
+                <a:alpha val="40000"/>
+              </a:prstClr>
+            </a:outerShdw>
+          </a:effectLst>
+        </p:spPr>
+        <p:style>
+          <a:lnRef idx="2">
+            <a:schemeClr val="dk1"/>
+          </a:lnRef>
+          <a:fillRef idx="1">
+            <a:schemeClr val="lt1"/>
+          </a:fillRef>
+          <a:effectRef idx="0">
+            <a:schemeClr val="dk1"/>
+          </a:effectRef>
+          <a:fontRef idx="minor">
+            <a:schemeClr val="dk1"/>
+          </a:fontRef>
+        </p:style>
+        <p:txBody>
+          <a:bodyPr wrap="square" rtlCol="0">
+            <a:spAutoFit/>
+          </a:bodyPr>
+          <a:lstStyle/>
+          <a:p>
+            <a:pPr algn="ctr"/>
+            <a:r>
+              <a:rPr lang="en-US" dirty="0"/>
+              <a:t>LOC</a:t>
+            </a:r>
+          </a:p>
+        </p:txBody>
+      </p:sp>
+      <p:sp>
+        <p:nvSpPr>
+          <p:cNvPr id="31" name="TextBox 30">
+            <a:extLst>
+              <a:ext uri="{FF2B5EF4-FFF2-40B4-BE49-F238E27FC236}">
+                <a16:creationId xmlns:a16="http://schemas.microsoft.com/office/drawing/2014/main" id="{245426B6-2C35-4618-A602-78B016F3075F}"/>
+              </a:ext>
+            </a:extLst>
+          </p:cNvPr>
+          <p:cNvSpPr txBox="1"/>
+          <p:nvPr/>
+        </p:nvSpPr>
+        <p:spPr>
+          <a:xfrm>
+            <a:off x="7980981" y="3017454"/>
+            <a:ext cx="914400" cy="369332"/>
+          </a:xfrm>
+          <a:prstGeom prst="rect">
+            <a:avLst/>
+          </a:prstGeom>
+          <a:ln w="28575"/>
+          <a:effectLst>
+            <a:outerShdw blurRad="50800" dist="38100" dir="2700000" algn="tl" rotWithShape="0">
+              <a:prstClr val="black">
+                <a:alpha val="40000"/>
+              </a:prstClr>
+            </a:outerShdw>
+          </a:effectLst>
+        </p:spPr>
+        <p:style>
+          <a:lnRef idx="2">
+            <a:schemeClr val="dk1"/>
+          </a:lnRef>
+          <a:fillRef idx="1">
+            <a:schemeClr val="lt1"/>
+          </a:fillRef>
+          <a:effectRef idx="0">
+            <a:schemeClr val="dk1"/>
+          </a:effectRef>
+          <a:fontRef idx="minor">
+            <a:schemeClr val="dk1"/>
+          </a:fontRef>
+        </p:style>
+        <p:txBody>
+          <a:bodyPr wrap="square" rtlCol="0">
+            <a:spAutoFit/>
+          </a:bodyPr>
+          <a:lstStyle/>
+          <a:p>
+            <a:pPr algn="ctr"/>
+            <a:r>
+              <a:rPr lang="en-US" dirty="0"/>
+              <a:t>OBJ</a:t>
+            </a:r>
+          </a:p>
+        </p:txBody>
+      </p:sp>
+      <p:sp>
+        <p:nvSpPr>
+          <p:cNvPr id="32" name="TextBox 31">
+            <a:extLst>
+              <a:ext uri="{FF2B5EF4-FFF2-40B4-BE49-F238E27FC236}">
+                <a16:creationId xmlns:a16="http://schemas.microsoft.com/office/drawing/2014/main" id="{9AA6F0AC-9C90-49D3-9CB2-A87CB754803D}"/>
+              </a:ext>
+            </a:extLst>
+          </p:cNvPr>
+          <p:cNvSpPr txBox="1"/>
+          <p:nvPr/>
+        </p:nvSpPr>
+        <p:spPr>
+          <a:xfrm>
+            <a:off x="9451391" y="4358119"/>
+            <a:ext cx="914400" cy="369332"/>
+          </a:xfrm>
+          <a:prstGeom prst="rect">
+            <a:avLst/>
+          </a:prstGeom>
+          <a:ln w="28575"/>
+          <a:effectLst>
+            <a:outerShdw blurRad="50800" dist="38100" dir="2700000" algn="tl" rotWithShape="0">
+              <a:prstClr val="black">
+                <a:alpha val="40000"/>
+              </a:prstClr>
+            </a:outerShdw>
+          </a:effectLst>
+        </p:spPr>
+        <p:style>
+          <a:lnRef idx="2">
+            <a:schemeClr val="dk1"/>
+          </a:lnRef>
+          <a:fillRef idx="1">
+            <a:schemeClr val="lt1"/>
+          </a:fillRef>
+          <a:effectRef idx="0">
+            <a:schemeClr val="dk1"/>
+          </a:effectRef>
+          <a:fontRef idx="minor">
+            <a:schemeClr val="dk1"/>
+          </a:fontRef>
+        </p:style>
+        <p:txBody>
+          <a:bodyPr wrap="square" rtlCol="0">
+            <a:spAutoFit/>
+          </a:bodyPr>
+          <a:lstStyle/>
+          <a:p>
+            <a:pPr algn="ctr"/>
+            <a:r>
+              <a:rPr lang="en-US" dirty="0"/>
+              <a:t>ADJUN</a:t>
+            </a:r>
+          </a:p>
+        </p:txBody>
+      </p:sp>
+      <p:cxnSp>
+        <p:nvCxnSpPr>
+          <p:cNvPr id="33" name="Straight Connector 32">
+            <a:extLst>
+              <a:ext uri="{FF2B5EF4-FFF2-40B4-BE49-F238E27FC236}">
+                <a16:creationId xmlns:a16="http://schemas.microsoft.com/office/drawing/2014/main" id="{E027A70F-FEB9-4EBA-BD8D-4784E84AE2F1}"/>
+              </a:ext>
+            </a:extLst>
+          </p:cNvPr>
+          <p:cNvCxnSpPr>
+            <a:cxnSpLocks/>
+            <a:endCxn id="29" idx="0"/>
+          </p:cNvCxnSpPr>
+          <p:nvPr/>
+        </p:nvCxnSpPr>
+        <p:spPr>
+          <a:xfrm flipH="1">
+            <a:off x="6900615" y="2717014"/>
+            <a:ext cx="1080366" cy="809449"/>
+          </a:xfrm>
+          <a:prstGeom prst="line">
+            <a:avLst/>
+          </a:prstGeom>
+          <a:ln w="28575"/>
+        </p:spPr>
+        <p:style>
+          <a:lnRef idx="1">
+            <a:schemeClr val="accent1"/>
+          </a:lnRef>
+          <a:fillRef idx="0">
+            <a:schemeClr val="accent1"/>
+          </a:fillRef>
+          <a:effectRef idx="0">
+            <a:schemeClr val="accent1"/>
+          </a:effectRef>
+          <a:fontRef idx="minor">
+            <a:schemeClr val="tx1"/>
+          </a:fontRef>
+        </p:style>
+      </p:cxnSp>
+      <p:cxnSp>
+        <p:nvCxnSpPr>
+          <p:cNvPr id="36" name="Straight Connector 35">
+            <a:extLst>
+              <a:ext uri="{FF2B5EF4-FFF2-40B4-BE49-F238E27FC236}">
+                <a16:creationId xmlns:a16="http://schemas.microsoft.com/office/drawing/2014/main" id="{2DAB6B7B-858C-4BE5-B045-7169B83125C4}"/>
+              </a:ext>
+            </a:extLst>
+          </p:cNvPr>
+          <p:cNvCxnSpPr>
+            <a:cxnSpLocks/>
+          </p:cNvCxnSpPr>
+          <p:nvPr/>
+        </p:nvCxnSpPr>
+        <p:spPr>
+          <a:xfrm flipH="1">
+            <a:off x="9908591" y="3941846"/>
+            <a:ext cx="1" cy="428936"/>
+          </a:xfrm>
+          <a:prstGeom prst="line">
+            <a:avLst/>
+          </a:prstGeom>
+          <a:ln w="28575"/>
+        </p:spPr>
+        <p:style>
+          <a:lnRef idx="1">
+            <a:schemeClr val="accent1"/>
+          </a:lnRef>
+          <a:fillRef idx="0">
+            <a:schemeClr val="accent1"/>
+          </a:fillRef>
+          <a:effectRef idx="0">
+            <a:schemeClr val="accent1"/>
+          </a:effectRef>
+          <a:fontRef idx="minor">
+            <a:schemeClr val="tx1"/>
+          </a:fontRef>
+        </p:style>
+      </p:cxnSp>
+      <p:cxnSp>
+        <p:nvCxnSpPr>
+          <p:cNvPr id="37" name="Straight Connector 36">
+            <a:extLst>
+              <a:ext uri="{FF2B5EF4-FFF2-40B4-BE49-F238E27FC236}">
+                <a16:creationId xmlns:a16="http://schemas.microsoft.com/office/drawing/2014/main" id="{61F890B4-C9F8-4D90-A5F8-F04B03CA6B13}"/>
+              </a:ext>
+            </a:extLst>
+          </p:cNvPr>
+          <p:cNvCxnSpPr>
+            <a:cxnSpLocks/>
+            <a:endCxn id="30" idx="0"/>
+          </p:cNvCxnSpPr>
+          <p:nvPr/>
+        </p:nvCxnSpPr>
+        <p:spPr>
+          <a:xfrm>
+            <a:off x="8845679" y="2730087"/>
+            <a:ext cx="1062912" cy="796376"/>
+          </a:xfrm>
+          <a:prstGeom prst="line">
+            <a:avLst/>
+          </a:prstGeom>
+          <a:ln w="28575"/>
+        </p:spPr>
+        <p:style>
+          <a:lnRef idx="1">
+            <a:schemeClr val="accent1"/>
+          </a:lnRef>
+          <a:fillRef idx="0">
+            <a:schemeClr val="accent1"/>
+          </a:fillRef>
+          <a:effectRef idx="0">
+            <a:schemeClr val="accent1"/>
+          </a:effectRef>
+          <a:fontRef idx="minor">
+            <a:schemeClr val="tx1"/>
+          </a:fontRef>
+        </p:style>
+      </p:cxnSp>
+      <p:cxnSp>
+        <p:nvCxnSpPr>
+          <p:cNvPr id="38" name="Straight Connector 37">
+            <a:extLst>
+              <a:ext uri="{FF2B5EF4-FFF2-40B4-BE49-F238E27FC236}">
+                <a16:creationId xmlns:a16="http://schemas.microsoft.com/office/drawing/2014/main" id="{CE6A6B11-ACA8-4EE3-856F-822C04FB1DB5}"/>
+              </a:ext>
+            </a:extLst>
+          </p:cNvPr>
+          <p:cNvCxnSpPr>
+            <a:cxnSpLocks/>
+          </p:cNvCxnSpPr>
+          <p:nvPr/>
+        </p:nvCxnSpPr>
+        <p:spPr>
+          <a:xfrm>
+            <a:off x="8910686" y="3327400"/>
+            <a:ext cx="540705" cy="199063"/>
+          </a:xfrm>
+          <a:prstGeom prst="line">
+            <a:avLst/>
+          </a:prstGeom>
+          <a:ln w="28575"/>
+        </p:spPr>
+        <p:style>
+          <a:lnRef idx="1">
+            <a:schemeClr val="accent1"/>
+          </a:lnRef>
+          <a:fillRef idx="0">
+            <a:schemeClr val="accent1"/>
+          </a:fillRef>
+          <a:effectRef idx="0">
+            <a:schemeClr val="accent1"/>
+          </a:effectRef>
+          <a:fontRef idx="minor">
+            <a:schemeClr val="tx1"/>
+          </a:fontRef>
+        </p:style>
+      </p:cxnSp>
+      <p:cxnSp>
+        <p:nvCxnSpPr>
+          <p:cNvPr id="40" name="Straight Arrow Connector 39">
+            <a:extLst>
+              <a:ext uri="{FF2B5EF4-FFF2-40B4-BE49-F238E27FC236}">
+                <a16:creationId xmlns:a16="http://schemas.microsoft.com/office/drawing/2014/main" id="{8D5361AB-62A7-4AF2-A26F-03460AF27524}"/>
+              </a:ext>
+            </a:extLst>
+          </p:cNvPr>
+          <p:cNvCxnSpPr>
+            <a:cxnSpLocks/>
+          </p:cNvCxnSpPr>
+          <p:nvPr/>
+        </p:nvCxnSpPr>
+        <p:spPr>
+          <a:xfrm flipV="1">
+            <a:off x="5521611" y="3327400"/>
+            <a:ext cx="735206" cy="2"/>
+          </a:xfrm>
+          <a:prstGeom prst="straightConnector1">
+            <a:avLst/>
+          </a:prstGeom>
+          <a:ln w="28575">
+            <a:tailEnd type="triangle"/>
+          </a:ln>
+        </p:spPr>
+        <p:style>
+          <a:lnRef idx="1">
+            <a:schemeClr val="accent1"/>
+          </a:lnRef>
+          <a:fillRef idx="0">
+            <a:schemeClr val="accent1"/>
+          </a:fillRef>
+          <a:effectRef idx="0">
+            <a:schemeClr val="accent1"/>
+          </a:effectRef>
+          <a:fontRef idx="minor">
+            <a:schemeClr val="tx1"/>
+          </a:fontRef>
+        </p:style>
+      </p:cxnSp>
+    </p:spTree>
+    <p:extLst>
+      <p:ext uri="{BB962C8B-B14F-4D97-AF65-F5344CB8AC3E}">
+        <p14:creationId xmlns:p14="http://schemas.microsoft.com/office/powerpoint/2010/main" val="2731223189"/>
+      </p:ext>
+    </p:extLst>
+  </p:cSld>
+  <p:clrMapOvr>
+    <a:masterClrMapping/>
+  </p:clrMapOvr>
+</p:sld>
+</file>
+
+<file path=ppt/slides/slide6.xml><?xml version="1.0" encoding="utf-8"?>
+<p:sld xmlns:a="http://schemas.openxmlformats.org/drawingml/2006/main" xmlns:r="http://schemas.openxmlformats.org/officeDocument/2006/relationships" xmlns:p="http://schemas.openxmlformats.org/presentationml/2006/main">
+  <p:cSld>
+    <p:spTree>
+      <p:nvGrpSpPr>
+        <p:cNvPr id="1" name=""/>
+        <p:cNvGrpSpPr/>
+        <p:nvPr/>
+      </p:nvGrpSpPr>
+      <p:grpSpPr>
+        <a:xfrm>
+          <a:off x="0" y="0"/>
+          <a:ext cx="0" cy="0"/>
+          <a:chOff x="0" y="0"/>
+          <a:chExt cx="0" cy="0"/>
+        </a:xfrm>
+      </p:grpSpPr>
+      <p:sp>
+        <p:nvSpPr>
+          <p:cNvPr id="2" name="TextBox 1">
+            <a:extLst>
+              <a:ext uri="{FF2B5EF4-FFF2-40B4-BE49-F238E27FC236}">
+                <a16:creationId xmlns:a16="http://schemas.microsoft.com/office/drawing/2014/main" id="{C5B9B98F-95EF-4972-8B03-0E1752D5B0BE}"/>
+              </a:ext>
+            </a:extLst>
+          </p:cNvPr>
+          <p:cNvSpPr txBox="1"/>
+          <p:nvPr/>
+        </p:nvSpPr>
+        <p:spPr>
+          <a:xfrm>
+            <a:off x="4424222" y="2922447"/>
+            <a:ext cx="914400" cy="369332"/>
+          </a:xfrm>
+          <a:prstGeom prst="rect">
+            <a:avLst/>
+          </a:prstGeom>
+          <a:ln w="28575"/>
+          <a:effectLst>
+            <a:outerShdw blurRad="50800" dist="38100" dir="2700000" algn="tl" rotWithShape="0">
+              <a:prstClr val="black">
+                <a:alpha val="40000"/>
+              </a:prstClr>
+            </a:outerShdw>
+          </a:effectLst>
+        </p:spPr>
+        <p:style>
+          <a:lnRef idx="2">
+            <a:schemeClr val="dk1"/>
+          </a:lnRef>
+          <a:fillRef idx="1">
+            <a:schemeClr val="lt1"/>
+          </a:fillRef>
+          <a:effectRef idx="0">
+            <a:schemeClr val="dk1"/>
+          </a:effectRef>
+          <a:fontRef idx="minor">
+            <a:schemeClr val="dk1"/>
+          </a:fontRef>
+        </p:style>
+        <p:txBody>
+          <a:bodyPr wrap="square" rtlCol="0">
+            <a:spAutoFit/>
+          </a:bodyPr>
+          <a:lstStyle/>
+          <a:p>
+            <a:pPr algn="ctr"/>
+            <a:r>
+              <a:rPr lang="en-US" dirty="0"/>
+              <a:t>A</a:t>
+            </a:r>
+          </a:p>
+        </p:txBody>
+      </p:sp>
+      <p:sp>
+        <p:nvSpPr>
+          <p:cNvPr id="3" name="TextBox 2">
+            <a:extLst>
+              <a:ext uri="{FF2B5EF4-FFF2-40B4-BE49-F238E27FC236}">
+                <a16:creationId xmlns:a16="http://schemas.microsoft.com/office/drawing/2014/main" id="{BA83922D-83C0-4D3A-8D2B-D10F5A269A49}"/>
+              </a:ext>
+            </a:extLst>
+          </p:cNvPr>
+          <p:cNvSpPr txBox="1"/>
+          <p:nvPr/>
+        </p:nvSpPr>
+        <p:spPr>
+          <a:xfrm>
+            <a:off x="2886656" y="3819099"/>
+            <a:ext cx="914400" cy="369332"/>
+          </a:xfrm>
+          <a:prstGeom prst="rect">
+            <a:avLst/>
+          </a:prstGeom>
+          <a:ln w="28575"/>
+          <a:effectLst>
+            <a:outerShdw blurRad="50800" dist="38100" dir="2700000" algn="tl" rotWithShape="0">
+              <a:prstClr val="black">
+                <a:alpha val="40000"/>
+              </a:prstClr>
+            </a:outerShdw>
+          </a:effectLst>
+        </p:spPr>
+        <p:style>
+          <a:lnRef idx="2">
+            <a:schemeClr val="dk1"/>
+          </a:lnRef>
+          <a:fillRef idx="1">
+            <a:schemeClr val="lt1"/>
+          </a:fillRef>
+          <a:effectRef idx="0">
+            <a:schemeClr val="dk1"/>
+          </a:effectRef>
+          <a:fontRef idx="minor">
+            <a:schemeClr val="dk1"/>
+          </a:fontRef>
+        </p:style>
+        <p:txBody>
+          <a:bodyPr wrap="square" rtlCol="0">
+            <a:spAutoFit/>
+          </a:bodyPr>
+          <a:lstStyle/>
+          <a:p>
+            <a:pPr algn="ctr"/>
+            <a:r>
+              <a:rPr lang="en-US" dirty="0"/>
+              <a:t>B</a:t>
+            </a:r>
+          </a:p>
+        </p:txBody>
+      </p:sp>
+      <p:sp>
+        <p:nvSpPr>
+          <p:cNvPr id="4" name="TextBox 3">
+            <a:extLst>
+              <a:ext uri="{FF2B5EF4-FFF2-40B4-BE49-F238E27FC236}">
+                <a16:creationId xmlns:a16="http://schemas.microsoft.com/office/drawing/2014/main" id="{3E60457E-9694-4FD2-AD1B-ABC40BCCEF6E}"/>
+              </a:ext>
+            </a:extLst>
+          </p:cNvPr>
+          <p:cNvSpPr txBox="1"/>
+          <p:nvPr/>
+        </p:nvSpPr>
+        <p:spPr>
+          <a:xfrm>
+            <a:off x="5894632" y="3819099"/>
+            <a:ext cx="914400" cy="369332"/>
+          </a:xfrm>
+          <a:prstGeom prst="rect">
+            <a:avLst/>
+          </a:prstGeom>
+          <a:ln w="28575"/>
+          <a:effectLst>
+            <a:outerShdw blurRad="50800" dist="38100" dir="2700000" algn="tl" rotWithShape="0">
+              <a:prstClr val="black">
+                <a:alpha val="40000"/>
+              </a:prstClr>
+            </a:outerShdw>
+          </a:effectLst>
+        </p:spPr>
+        <p:style>
+          <a:lnRef idx="2">
+            <a:schemeClr val="dk1"/>
+          </a:lnRef>
+          <a:fillRef idx="1">
+            <a:schemeClr val="lt1"/>
+          </a:fillRef>
+          <a:effectRef idx="0">
+            <a:schemeClr val="dk1"/>
+          </a:effectRef>
+          <a:fontRef idx="minor">
+            <a:schemeClr val="dk1"/>
+          </a:fontRef>
+        </p:style>
+        <p:txBody>
+          <a:bodyPr wrap="square" rtlCol="0">
+            <a:spAutoFit/>
+          </a:bodyPr>
+          <a:lstStyle/>
+          <a:p>
+            <a:pPr algn="ctr"/>
+            <a:r>
+              <a:rPr lang="en-US" dirty="0"/>
+              <a:t>C</a:t>
+            </a:r>
+          </a:p>
+        </p:txBody>
+      </p:sp>
+      <p:sp>
+        <p:nvSpPr>
+          <p:cNvPr id="5" name="TextBox 4">
+            <a:extLst>
+              <a:ext uri="{FF2B5EF4-FFF2-40B4-BE49-F238E27FC236}">
+                <a16:creationId xmlns:a16="http://schemas.microsoft.com/office/drawing/2014/main" id="{0CA6A19E-547F-4C80-BD9C-137F9042556D}"/>
+              </a:ext>
+            </a:extLst>
+          </p:cNvPr>
+          <p:cNvSpPr txBox="1"/>
+          <p:nvPr/>
+        </p:nvSpPr>
+        <p:spPr>
+          <a:xfrm>
+            <a:off x="4424222" y="2011658"/>
+            <a:ext cx="914400" cy="369332"/>
+          </a:xfrm>
+          <a:prstGeom prst="rect">
+            <a:avLst/>
+          </a:prstGeom>
+          <a:ln w="28575"/>
+          <a:effectLst>
+            <a:outerShdw blurRad="50800" dist="38100" dir="2700000" algn="tl" rotWithShape="0">
+              <a:prstClr val="black">
+                <a:alpha val="40000"/>
+              </a:prstClr>
+            </a:outerShdw>
+          </a:effectLst>
+        </p:spPr>
+        <p:style>
+          <a:lnRef idx="2">
+            <a:schemeClr val="dk1"/>
+          </a:lnRef>
+          <a:fillRef idx="1">
+            <a:schemeClr val="lt1"/>
+          </a:fillRef>
+          <a:effectRef idx="0">
+            <a:schemeClr val="dk1"/>
+          </a:effectRef>
+          <a:fontRef idx="minor">
+            <a:schemeClr val="dk1"/>
+          </a:fontRef>
+        </p:style>
+        <p:txBody>
+          <a:bodyPr wrap="square" rtlCol="0">
+            <a:spAutoFit/>
+          </a:bodyPr>
+          <a:lstStyle/>
+          <a:p>
+            <a:pPr algn="ctr"/>
+            <a:r>
+              <a:rPr lang="en-US" dirty="0"/>
+              <a:t>…</a:t>
+            </a:r>
+          </a:p>
+        </p:txBody>
+      </p:sp>
+      <p:cxnSp>
+        <p:nvCxnSpPr>
+          <p:cNvPr id="6" name="Straight Connector 5">
+            <a:extLst>
+              <a:ext uri="{FF2B5EF4-FFF2-40B4-BE49-F238E27FC236}">
+                <a16:creationId xmlns:a16="http://schemas.microsoft.com/office/drawing/2014/main" id="{5533AF29-5FDF-4068-B91C-610270B8372E}"/>
+              </a:ext>
+            </a:extLst>
+          </p:cNvPr>
+          <p:cNvCxnSpPr>
+            <a:cxnSpLocks/>
+            <a:endCxn id="3" idx="0"/>
+          </p:cNvCxnSpPr>
+          <p:nvPr/>
+        </p:nvCxnSpPr>
+        <p:spPr>
+          <a:xfrm flipH="1">
+            <a:off x="3343856" y="3291779"/>
+            <a:ext cx="1080366" cy="527320"/>
+          </a:xfrm>
+          <a:prstGeom prst="line">
+            <a:avLst/>
+          </a:prstGeom>
+          <a:ln w="28575">
+            <a:prstDash val="sysDot"/>
+            <a:headEnd type="arrow" w="med" len="med"/>
+            <a:tailEnd type="none" w="med" len="med"/>
+          </a:ln>
+        </p:spPr>
+        <p:style>
+          <a:lnRef idx="1">
+            <a:schemeClr val="accent1"/>
+          </a:lnRef>
+          <a:fillRef idx="0">
+            <a:schemeClr val="accent1"/>
+          </a:fillRef>
+          <a:effectRef idx="0">
+            <a:schemeClr val="accent1"/>
+          </a:effectRef>
+          <a:fontRef idx="minor">
+            <a:schemeClr val="tx1"/>
+          </a:fontRef>
+        </p:style>
+      </p:cxnSp>
+      <p:cxnSp>
+        <p:nvCxnSpPr>
+          <p:cNvPr id="7" name="Straight Connector 6">
+            <a:extLst>
+              <a:ext uri="{FF2B5EF4-FFF2-40B4-BE49-F238E27FC236}">
+                <a16:creationId xmlns:a16="http://schemas.microsoft.com/office/drawing/2014/main" id="{AB2A38A7-05FD-4E2E-B6A5-F1E7E9E6138B}"/>
+              </a:ext>
+            </a:extLst>
+          </p:cNvPr>
+          <p:cNvCxnSpPr>
+            <a:cxnSpLocks/>
+            <a:endCxn id="4" idx="0"/>
+          </p:cNvCxnSpPr>
+          <p:nvPr/>
+        </p:nvCxnSpPr>
+        <p:spPr>
+          <a:xfrm>
+            <a:off x="5346805" y="3291779"/>
+            <a:ext cx="1005027" cy="527320"/>
+          </a:xfrm>
+          <a:prstGeom prst="line">
+            <a:avLst/>
+          </a:prstGeom>
+          <a:ln w="28575">
+            <a:headEnd type="arrow" w="med" len="med"/>
+            <a:tailEnd type="none" w="med" len="med"/>
+          </a:ln>
+        </p:spPr>
+        <p:style>
+          <a:lnRef idx="1">
+            <a:schemeClr val="accent1"/>
+          </a:lnRef>
+          <a:fillRef idx="0">
+            <a:schemeClr val="accent1"/>
+          </a:fillRef>
+          <a:effectRef idx="0">
+            <a:schemeClr val="accent1"/>
+          </a:effectRef>
+          <a:fontRef idx="minor">
+            <a:schemeClr val="tx1"/>
+          </a:fontRef>
+        </p:style>
+      </p:cxnSp>
+      <p:cxnSp>
+        <p:nvCxnSpPr>
+          <p:cNvPr id="8" name="Straight Connector 7">
+            <a:extLst>
+              <a:ext uri="{FF2B5EF4-FFF2-40B4-BE49-F238E27FC236}">
+                <a16:creationId xmlns:a16="http://schemas.microsoft.com/office/drawing/2014/main" id="{DCF7B7DA-EC5B-4C6A-B741-12F9BF86E9C3}"/>
+              </a:ext>
+            </a:extLst>
+          </p:cNvPr>
+          <p:cNvCxnSpPr>
+            <a:cxnSpLocks/>
+            <a:stCxn id="5" idx="2"/>
+            <a:endCxn id="2" idx="0"/>
+          </p:cNvCxnSpPr>
+          <p:nvPr/>
+        </p:nvCxnSpPr>
+        <p:spPr>
+          <a:xfrm>
+            <a:off x="4881422" y="2380990"/>
+            <a:ext cx="0" cy="541457"/>
+          </a:xfrm>
+          <a:prstGeom prst="line">
+            <a:avLst/>
+          </a:prstGeom>
+          <a:ln w="28575"/>
+        </p:spPr>
+        <p:style>
+          <a:lnRef idx="1">
+            <a:schemeClr val="accent1"/>
+          </a:lnRef>
+          <a:fillRef idx="0">
+            <a:schemeClr val="accent1"/>
+          </a:fillRef>
+          <a:effectRef idx="0">
+            <a:schemeClr val="accent1"/>
+          </a:effectRef>
+          <a:fontRef idx="minor">
+            <a:schemeClr val="tx1"/>
+          </a:fontRef>
+        </p:style>
+      </p:cxnSp>
+      <p:cxnSp>
+        <p:nvCxnSpPr>
+          <p:cNvPr id="14" name="Straight Arrow Connector 13">
+            <a:extLst>
+              <a:ext uri="{FF2B5EF4-FFF2-40B4-BE49-F238E27FC236}">
+                <a16:creationId xmlns:a16="http://schemas.microsoft.com/office/drawing/2014/main" id="{F750C62A-A641-439B-B375-CF166C378ED6}"/>
+              </a:ext>
+            </a:extLst>
+          </p:cNvPr>
+          <p:cNvCxnSpPr>
+            <a:cxnSpLocks/>
+          </p:cNvCxnSpPr>
+          <p:nvPr/>
+        </p:nvCxnSpPr>
+        <p:spPr>
+          <a:xfrm>
+            <a:off x="6520699" y="3223567"/>
+            <a:ext cx="781460" cy="0"/>
+          </a:xfrm>
+          <a:prstGeom prst="straightConnector1">
+            <a:avLst/>
+          </a:prstGeom>
+          <a:ln w="28575">
+            <a:tailEnd type="triangle"/>
+          </a:ln>
+        </p:spPr>
+        <p:style>
+          <a:lnRef idx="1">
+            <a:schemeClr val="accent1"/>
+          </a:lnRef>
+          <a:fillRef idx="0">
+            <a:schemeClr val="accent1"/>
+          </a:fillRef>
+          <a:effectRef idx="0">
+            <a:schemeClr val="accent1"/>
+          </a:effectRef>
+          <a:fontRef idx="minor">
+            <a:schemeClr val="tx1"/>
+          </a:fontRef>
+        </p:style>
+      </p:cxnSp>
+      <p:sp>
+        <p:nvSpPr>
+          <p:cNvPr id="16" name="TextBox 15">
+            <a:extLst>
+              <a:ext uri="{FF2B5EF4-FFF2-40B4-BE49-F238E27FC236}">
+                <a16:creationId xmlns:a16="http://schemas.microsoft.com/office/drawing/2014/main" id="{25C58377-0256-48FB-9F11-57095ABF12D1}"/>
+              </a:ext>
+            </a:extLst>
+          </p:cNvPr>
+          <p:cNvSpPr txBox="1"/>
+          <p:nvPr/>
+        </p:nvSpPr>
+        <p:spPr>
+          <a:xfrm>
+            <a:off x="3352244" y="2911002"/>
+            <a:ext cx="1080366" cy="369332"/>
+          </a:xfrm>
+          <a:prstGeom prst="rect">
+            <a:avLst/>
+          </a:prstGeom>
+          <a:noFill/>
+        </p:spPr>
+        <p:txBody>
+          <a:bodyPr wrap="square" rtlCol="0">
+            <a:spAutoFit/>
+          </a:bodyPr>
+          <a:lstStyle/>
+          <a:p>
+            <a:r>
+              <a:rPr lang="en-US" dirty="0"/>
+              <a:t>[ z</a:t>
+            </a:r>
+            <a:r>
+              <a:rPr lang="en-US" baseline="-25000" dirty="0"/>
+              <a:t>A1</a:t>
+            </a:r>
+            <a:r>
+              <a:rPr lang="en-US" dirty="0"/>
+              <a:t>, z</a:t>
+            </a:r>
+            <a:r>
+              <a:rPr lang="en-US" baseline="-25000" dirty="0"/>
+              <a:t>A2 </a:t>
+            </a:r>
+            <a:r>
+              <a:rPr lang="en-US" dirty="0"/>
+              <a:t>]</a:t>
+            </a:r>
+          </a:p>
+        </p:txBody>
+      </p:sp>
+      <p:sp>
+        <p:nvSpPr>
+          <p:cNvPr id="17" name="TextBox 16">
+            <a:extLst>
+              <a:ext uri="{FF2B5EF4-FFF2-40B4-BE49-F238E27FC236}">
+                <a16:creationId xmlns:a16="http://schemas.microsoft.com/office/drawing/2014/main" id="{4EA34E98-46AE-495E-935A-BCA3DD438A1C}"/>
+              </a:ext>
+            </a:extLst>
+          </p:cNvPr>
+          <p:cNvSpPr txBox="1"/>
+          <p:nvPr/>
+        </p:nvSpPr>
+        <p:spPr>
+          <a:xfrm>
+            <a:off x="2812061" y="4188431"/>
+            <a:ext cx="1080366" cy="369332"/>
+          </a:xfrm>
+          <a:prstGeom prst="rect">
+            <a:avLst/>
+          </a:prstGeom>
+          <a:noFill/>
+        </p:spPr>
+        <p:txBody>
+          <a:bodyPr wrap="square" rtlCol="0">
+            <a:spAutoFit/>
+          </a:bodyPr>
+          <a:lstStyle/>
+          <a:p>
+            <a:r>
+              <a:rPr lang="en-US" dirty="0"/>
+              <a:t>[ z</a:t>
+            </a:r>
+            <a:r>
+              <a:rPr lang="en-US" baseline="-25000" dirty="0"/>
+              <a:t>B1</a:t>
+            </a:r>
+            <a:r>
+              <a:rPr lang="en-US" dirty="0"/>
+              <a:t>, z</a:t>
+            </a:r>
+            <a:r>
+              <a:rPr lang="en-US" baseline="-25000" dirty="0"/>
+              <a:t>B2 </a:t>
+            </a:r>
+            <a:r>
+              <a:rPr lang="en-US" dirty="0"/>
+              <a:t>]</a:t>
+            </a:r>
+          </a:p>
+        </p:txBody>
+      </p:sp>
+      <p:sp>
+        <p:nvSpPr>
+          <p:cNvPr id="18" name="TextBox 17">
+            <a:extLst>
+              <a:ext uri="{FF2B5EF4-FFF2-40B4-BE49-F238E27FC236}">
+                <a16:creationId xmlns:a16="http://schemas.microsoft.com/office/drawing/2014/main" id="{5953B78F-7CB1-4242-8CE0-81A54CF17095}"/>
+              </a:ext>
+            </a:extLst>
+          </p:cNvPr>
+          <p:cNvSpPr txBox="1"/>
+          <p:nvPr/>
+        </p:nvSpPr>
+        <p:spPr>
+          <a:xfrm>
+            <a:off x="5875113" y="4184117"/>
+            <a:ext cx="1080366" cy="369332"/>
+          </a:xfrm>
+          <a:prstGeom prst="rect">
+            <a:avLst/>
+          </a:prstGeom>
+          <a:noFill/>
+        </p:spPr>
+        <p:txBody>
+          <a:bodyPr wrap="square" rtlCol="0">
+            <a:spAutoFit/>
+          </a:bodyPr>
+          <a:lstStyle/>
+          <a:p>
+            <a:r>
+              <a:rPr lang="en-US" dirty="0"/>
+              <a:t>[ z</a:t>
+            </a:r>
+            <a:r>
+              <a:rPr lang="en-US" baseline="-25000" dirty="0"/>
+              <a:t>C1</a:t>
+            </a:r>
+            <a:r>
+              <a:rPr lang="en-US" dirty="0"/>
+              <a:t>, Z</a:t>
+            </a:r>
+            <a:r>
+              <a:rPr lang="en-US" baseline="-25000" dirty="0"/>
+              <a:t>C2 </a:t>
+            </a:r>
+            <a:r>
+              <a:rPr lang="en-US" dirty="0"/>
+              <a:t>]</a:t>
+            </a:r>
+          </a:p>
+        </p:txBody>
+      </p:sp>
+      <p:graphicFrame>
+        <p:nvGraphicFramePr>
+          <p:cNvPr id="19" name="Table 18">
+            <a:extLst>
+              <a:ext uri="{FF2B5EF4-FFF2-40B4-BE49-F238E27FC236}">
+                <a16:creationId xmlns:a16="http://schemas.microsoft.com/office/drawing/2014/main" id="{9671FA46-DF74-4283-A04E-2397013972F3}"/>
+              </a:ext>
+            </a:extLst>
+          </p:cNvPr>
+          <p:cNvGraphicFramePr>
+            <a:graphicFrameLocks noGrp="1"/>
+          </p:cNvGraphicFramePr>
+          <p:nvPr>
+            <p:extLst>
+              <p:ext uri="{D42A27DB-BD31-4B8C-83A1-F6EECF244321}">
+                <p14:modId xmlns:p14="http://schemas.microsoft.com/office/powerpoint/2010/main" val="2956235166"/>
+              </p:ext>
+            </p:extLst>
+          </p:nvPr>
+        </p:nvGraphicFramePr>
+        <p:xfrm>
+          <a:off x="947262" y="2587398"/>
+          <a:ext cx="1383516" cy="1097280"/>
+        </p:xfrm>
+        <a:graphic>
+          <a:graphicData uri="http://schemas.openxmlformats.org/drawingml/2006/table">
+            <a:tbl>
+              <a:tblPr firstRow="1" bandRow="1">
+                <a:tableStyleId>{5C22544A-7EE6-4342-B048-85BDC9FD1C3A}</a:tableStyleId>
+              </a:tblPr>
+              <a:tblGrid>
+                <a:gridCol w="461172">
+                  <a:extLst>
+                    <a:ext uri="{9D8B030D-6E8A-4147-A177-3AD203B41FA5}">
+                      <a16:colId xmlns:a16="http://schemas.microsoft.com/office/drawing/2014/main" val="466220175"/>
+                    </a:ext>
+                  </a:extLst>
+                </a:gridCol>
+                <a:gridCol w="461172">
+                  <a:extLst>
+                    <a:ext uri="{9D8B030D-6E8A-4147-A177-3AD203B41FA5}">
+                      <a16:colId xmlns:a16="http://schemas.microsoft.com/office/drawing/2014/main" val="520311615"/>
+                    </a:ext>
+                  </a:extLst>
+                </a:gridCol>
+                <a:gridCol w="461172">
+                  <a:extLst>
+                    <a:ext uri="{9D8B030D-6E8A-4147-A177-3AD203B41FA5}">
+                      <a16:colId xmlns:a16="http://schemas.microsoft.com/office/drawing/2014/main" val="2227850342"/>
+                    </a:ext>
+                  </a:extLst>
+                </a:gridCol>
+              </a:tblGrid>
+              <a:tr h="263660">
+                <a:tc>
+                  <a:txBody>
+                    <a:bodyPr/>
+                    <a:lstStyle/>
+                    <a:p>
+                      <a:pPr algn="ctr"/>
+                      <a:r>
+                        <a:rPr lang="en-US" sz="1800" b="0" dirty="0">
+                          <a:ln>
+                            <a:solidFill>
+                              <a:schemeClr val="tx1"/>
+                            </a:solidFill>
+                          </a:ln>
+                          <a:solidFill>
+                            <a:schemeClr val="tx1"/>
+                          </a:solidFill>
+                        </a:rPr>
+                        <a:t>L</a:t>
+                      </a:r>
+                      <a:r>
+                        <a:rPr lang="en-US" sz="1800" b="0" baseline="-25000" dirty="0">
+                          <a:ln>
+                            <a:solidFill>
+                              <a:schemeClr val="tx1"/>
+                            </a:solidFill>
+                          </a:ln>
+                          <a:solidFill>
+                            <a:schemeClr val="tx1"/>
+                          </a:solidFill>
+                        </a:rPr>
+                        <a:t>AB</a:t>
+                      </a:r>
+                      <a:endParaRPr lang="en-US" sz="1800" b="0" dirty="0">
+                        <a:ln>
+                          <a:solidFill>
+                            <a:schemeClr val="tx1"/>
+                          </a:solidFill>
+                        </a:ln>
+                        <a:solidFill>
+                          <a:schemeClr val="tx1"/>
+                        </a:solidFill>
+                      </a:endParaRPr>
+                    </a:p>
+                  </a:txBody>
+                  <a:tcPr>
+                    <a:lnL w="12700" cap="flat" cmpd="sng" algn="ctr">
+                      <a:solidFill>
+                        <a:schemeClr val="tx1"/>
+                      </a:solidFill>
+                      <a:prstDash val="solid"/>
+                      <a:round/>
+                      <a:headEnd type="none" w="med" len="med"/>
+                      <a:tailEnd type="none" w="med" len="med"/>
+                    </a:lnL>
+                    <a:lnR w="12700" cap="flat" cmpd="sng" algn="ctr">
+                      <a:solidFill>
+                        <a:schemeClr val="tx1"/>
+                      </a:solidFill>
+                      <a:prstDash val="solid"/>
+                      <a:round/>
+                      <a:headEnd type="none" w="med" len="med"/>
+                      <a:tailEnd type="none" w="med" len="med"/>
+                    </a:lnR>
+                    <a:lnT w="12700" cap="flat" cmpd="sng" algn="ctr">
+                      <a:solidFill>
+                        <a:schemeClr val="tx1"/>
+                      </a:solidFill>
+                      <a:prstDash val="solid"/>
+                      <a:round/>
+                      <a:headEnd type="none" w="med" len="med"/>
+                      <a:tailEnd type="none" w="med" len="med"/>
+                    </a:lnT>
+                    <a:lnB w="12700" cap="flat" cmpd="sng" algn="ctr">
+                      <a:solidFill>
+                        <a:schemeClr val="tx1"/>
+                      </a:solidFill>
+                      <a:prstDash val="solid"/>
+                      <a:round/>
+                      <a:headEnd type="none" w="med" len="med"/>
+                      <a:tailEnd type="none" w="med" len="med"/>
+                    </a:lnB>
+                    <a:solidFill>
+                      <a:schemeClr val="bg1"/>
+                    </a:solidFill>
+                  </a:tcPr>
+                </a:tc>
+                <a:tc>
+                  <a:txBody>
+                    <a:bodyPr/>
+                    <a:lstStyle/>
+                    <a:p>
+                      <a:pPr algn="ctr"/>
+                      <a:r>
+                        <a:rPr lang="en-US" sz="1800" b="0" dirty="0">
+                          <a:ln>
+                            <a:solidFill>
+                              <a:schemeClr val="tx1"/>
+                            </a:solidFill>
+                          </a:ln>
+                          <a:solidFill>
+                            <a:schemeClr val="tx1"/>
+                          </a:solidFill>
+                        </a:rPr>
+                        <a:t>A</a:t>
+                      </a:r>
+                      <a:r>
+                        <a:rPr lang="en-US" sz="1800" b="0" baseline="-25000" dirty="0">
+                          <a:ln>
+                            <a:solidFill>
+                              <a:schemeClr val="tx1"/>
+                            </a:solidFill>
+                          </a:ln>
+                          <a:solidFill>
+                            <a:schemeClr val="tx1"/>
+                          </a:solidFill>
+                        </a:rPr>
+                        <a:t>1</a:t>
+                      </a:r>
+                      <a:endParaRPr lang="en-US" sz="1800" b="0" dirty="0">
+                        <a:ln>
+                          <a:solidFill>
+                            <a:schemeClr val="tx1"/>
+                          </a:solidFill>
+                        </a:ln>
+                        <a:solidFill>
+                          <a:schemeClr val="tx1"/>
+                        </a:solidFill>
+                      </a:endParaRPr>
+                    </a:p>
+                  </a:txBody>
+                  <a:tcPr>
+                    <a:lnL w="12700" cap="flat" cmpd="sng" algn="ctr">
+                      <a:solidFill>
+                        <a:schemeClr val="tx1"/>
+                      </a:solidFill>
+                      <a:prstDash val="solid"/>
+                      <a:round/>
+                      <a:headEnd type="none" w="med" len="med"/>
+                      <a:tailEnd type="none" w="med" len="med"/>
+                    </a:lnL>
+                    <a:lnR w="12700" cap="flat" cmpd="sng" algn="ctr">
+                      <a:solidFill>
+                        <a:schemeClr val="tx1"/>
+                      </a:solidFill>
+                      <a:prstDash val="solid"/>
+                      <a:round/>
+                      <a:headEnd type="none" w="med" len="med"/>
+                      <a:tailEnd type="none" w="med" len="med"/>
+                    </a:lnR>
+                    <a:lnT w="12700" cap="flat" cmpd="sng" algn="ctr">
+                      <a:solidFill>
+                        <a:schemeClr val="tx1"/>
+                      </a:solidFill>
+                      <a:prstDash val="solid"/>
+                      <a:round/>
+                      <a:headEnd type="none" w="med" len="med"/>
+                      <a:tailEnd type="none" w="med" len="med"/>
+                    </a:lnT>
+                    <a:lnB w="12700" cap="flat" cmpd="sng" algn="ctr">
+                      <a:solidFill>
+                        <a:schemeClr val="tx1"/>
+                      </a:solidFill>
+                      <a:prstDash val="solid"/>
+                      <a:round/>
+                      <a:headEnd type="none" w="med" len="med"/>
+                      <a:tailEnd type="none" w="med" len="med"/>
+                    </a:lnB>
+                    <a:solidFill>
+                      <a:schemeClr val="bg1"/>
+                    </a:solidFill>
+                  </a:tcPr>
+                </a:tc>
+                <a:tc>
+                  <a:txBody>
+                    <a:bodyPr/>
+                    <a:lstStyle/>
+                    <a:p>
+                      <a:pPr marL="0" marR="0" lvl="0" indent="0" algn="ctr" defTabSz="914400" rtl="0" eaLnBrk="1" fontAlgn="auto" latinLnBrk="0" hangingPunct="1">
+                        <a:lnSpc>
+                          <a:spcPct val="100000"/>
+                        </a:lnSpc>
+                        <a:spcBef>
+                          <a:spcPts val="0"/>
+                        </a:spcBef>
+                        <a:spcAft>
+                          <a:spcPts val="0"/>
+                        </a:spcAft>
+                        <a:buClrTx/>
+                        <a:buSzTx/>
+                        <a:buFontTx/>
+                        <a:buNone/>
+                        <a:tabLst/>
+                        <a:defRPr/>
+                      </a:pPr>
+                      <a:r>
+                        <a:rPr lang="en-US" sz="1800" b="0" dirty="0">
+                          <a:ln>
+                            <a:solidFill>
+                              <a:schemeClr val="tx1"/>
+                            </a:solidFill>
+                          </a:ln>
+                          <a:solidFill>
+                            <a:schemeClr val="tx1"/>
+                          </a:solidFill>
+                        </a:rPr>
+                        <a:t>A</a:t>
+                      </a:r>
+                      <a:r>
+                        <a:rPr lang="en-US" sz="1800" b="0" baseline="-25000" dirty="0">
+                          <a:ln>
+                            <a:solidFill>
+                              <a:schemeClr val="tx1"/>
+                            </a:solidFill>
+                          </a:ln>
+                          <a:solidFill>
+                            <a:schemeClr val="tx1"/>
+                          </a:solidFill>
+                        </a:rPr>
+                        <a:t>2</a:t>
+                      </a:r>
+                      <a:endParaRPr lang="en-US" sz="1800" b="0" dirty="0">
+                        <a:ln>
+                          <a:solidFill>
+                            <a:schemeClr val="tx1"/>
+                          </a:solidFill>
+                        </a:ln>
+                        <a:solidFill>
+                          <a:schemeClr val="tx1"/>
+                        </a:solidFill>
+                      </a:endParaRPr>
+                    </a:p>
+                  </a:txBody>
+                  <a:tcPr>
+                    <a:lnL w="12700" cap="flat" cmpd="sng" algn="ctr">
+                      <a:solidFill>
+                        <a:schemeClr val="tx1"/>
+                      </a:solidFill>
+                      <a:prstDash val="solid"/>
+                      <a:round/>
+                      <a:headEnd type="none" w="med" len="med"/>
+                      <a:tailEnd type="none" w="med" len="med"/>
+                    </a:lnL>
+                    <a:lnR w="12700" cap="flat" cmpd="sng" algn="ctr">
+                      <a:solidFill>
+                        <a:schemeClr val="tx1"/>
+                      </a:solidFill>
+                      <a:prstDash val="solid"/>
+                      <a:round/>
+                      <a:headEnd type="none" w="med" len="med"/>
+                      <a:tailEnd type="none" w="med" len="med"/>
+                    </a:lnR>
+                    <a:lnT w="12700" cap="flat" cmpd="sng" algn="ctr">
+                      <a:solidFill>
+                        <a:schemeClr val="tx1"/>
+                      </a:solidFill>
+                      <a:prstDash val="solid"/>
+                      <a:round/>
+                      <a:headEnd type="none" w="med" len="med"/>
+                      <a:tailEnd type="none" w="med" len="med"/>
+                    </a:lnT>
+                    <a:lnB w="12700" cap="flat" cmpd="sng" algn="ctr">
+                      <a:solidFill>
+                        <a:schemeClr val="tx1"/>
+                      </a:solidFill>
+                      <a:prstDash val="solid"/>
+                      <a:round/>
+                      <a:headEnd type="none" w="med" len="med"/>
+                      <a:tailEnd type="none" w="med" len="med"/>
+                    </a:lnB>
+                    <a:solidFill>
+                      <a:schemeClr val="bg1"/>
+                    </a:solidFill>
+                  </a:tcPr>
+                </a:tc>
+                <a:extLst>
+                  <a:ext uri="{0D108BD9-81ED-4DB2-BD59-A6C34878D82A}">
+                    <a16:rowId xmlns:a16="http://schemas.microsoft.com/office/drawing/2014/main" val="2141054233"/>
+                  </a:ext>
+                </a:extLst>
+              </a:tr>
+              <a:tr h="263660">
+                <a:tc>
+                  <a:txBody>
+                    <a:bodyPr/>
+                    <a:lstStyle/>
+                    <a:p>
+                      <a:pPr marL="0" marR="0" lvl="0" indent="0" algn="ctr" defTabSz="914400" rtl="0" eaLnBrk="1" fontAlgn="auto" latinLnBrk="0" hangingPunct="1">
+                        <a:lnSpc>
+                          <a:spcPct val="100000"/>
+                        </a:lnSpc>
+                        <a:spcBef>
+                          <a:spcPts val="0"/>
+                        </a:spcBef>
+                        <a:spcAft>
+                          <a:spcPts val="0"/>
+                        </a:spcAft>
+                        <a:buClrTx/>
+                        <a:buSzTx/>
+                        <a:buFontTx/>
+                        <a:buNone/>
+                        <a:tabLst/>
+                        <a:defRPr/>
+                      </a:pPr>
+                      <a:r>
+                        <a:rPr lang="en-US" sz="1800" b="0" dirty="0">
+                          <a:ln>
+                            <a:solidFill>
+                              <a:schemeClr val="tx1"/>
+                            </a:solidFill>
+                          </a:ln>
+                          <a:solidFill>
+                            <a:schemeClr val="tx1"/>
+                          </a:solidFill>
+                        </a:rPr>
+                        <a:t>B</a:t>
+                      </a:r>
+                      <a:r>
+                        <a:rPr lang="en-US" sz="1800" b="0" baseline="-25000" dirty="0">
+                          <a:ln>
+                            <a:solidFill>
+                              <a:schemeClr val="tx1"/>
+                            </a:solidFill>
+                          </a:ln>
+                          <a:solidFill>
+                            <a:schemeClr val="tx1"/>
+                          </a:solidFill>
+                        </a:rPr>
+                        <a:t>1</a:t>
+                      </a:r>
+                      <a:endParaRPr lang="en-US" sz="1800" b="0" dirty="0">
+                        <a:ln>
+                          <a:solidFill>
+                            <a:schemeClr val="tx1"/>
+                          </a:solidFill>
+                        </a:ln>
+                        <a:solidFill>
+                          <a:schemeClr val="tx1"/>
+                        </a:solidFill>
+                      </a:endParaRPr>
+                    </a:p>
+                  </a:txBody>
+                  <a:tcPr>
+                    <a:lnL w="12700" cap="flat" cmpd="sng" algn="ctr">
+                      <a:solidFill>
+                        <a:schemeClr val="tx1"/>
+                      </a:solidFill>
+                      <a:prstDash val="solid"/>
+                      <a:round/>
+                      <a:headEnd type="none" w="med" len="med"/>
+                      <a:tailEnd type="none" w="med" len="med"/>
+                    </a:lnL>
+                    <a:lnR w="12700" cap="flat" cmpd="sng" algn="ctr">
+                      <a:solidFill>
+                        <a:schemeClr val="tx1"/>
+                      </a:solidFill>
+                      <a:prstDash val="solid"/>
+                      <a:round/>
+                      <a:headEnd type="none" w="med" len="med"/>
+                      <a:tailEnd type="none" w="med" len="med"/>
+                    </a:lnR>
+                    <a:lnT w="12700" cap="flat" cmpd="sng" algn="ctr">
+                      <a:solidFill>
+                        <a:schemeClr val="tx1"/>
+                      </a:solidFill>
+                      <a:prstDash val="solid"/>
+                      <a:round/>
+                      <a:headEnd type="none" w="med" len="med"/>
+                      <a:tailEnd type="none" w="med" len="med"/>
+                    </a:lnT>
+                    <a:lnB w="12700" cap="flat" cmpd="sng" algn="ctr">
+                      <a:solidFill>
+                        <a:schemeClr val="tx1"/>
+                      </a:solidFill>
+                      <a:prstDash val="solid"/>
+                      <a:round/>
+                      <a:headEnd type="none" w="med" len="med"/>
+                      <a:tailEnd type="none" w="med" len="med"/>
+                    </a:lnB>
+                    <a:solidFill>
+                      <a:schemeClr val="bg1"/>
+                    </a:solidFill>
+                  </a:tcPr>
+                </a:tc>
+                <a:tc>
+                  <a:txBody>
+                    <a:bodyPr/>
+                    <a:lstStyle/>
+                    <a:p>
+                      <a:pPr algn="ctr"/>
+                      <a:endParaRPr lang="en-US" sz="1800" dirty="0">
+                        <a:ln>
+                          <a:solidFill>
+                            <a:schemeClr val="tx1"/>
+                          </a:solidFill>
+                        </a:ln>
+                      </a:endParaRPr>
+                    </a:p>
+                  </a:txBody>
+                  <a:tcPr>
+                    <a:lnL w="12700" cap="flat" cmpd="sng" algn="ctr">
+                      <a:solidFill>
+                        <a:schemeClr val="tx1"/>
+                      </a:solidFill>
+                      <a:prstDash val="solid"/>
+                      <a:round/>
+                      <a:headEnd type="none" w="med" len="med"/>
+                      <a:tailEnd type="none" w="med" len="med"/>
+                    </a:lnL>
+                    <a:lnR w="12700" cap="flat" cmpd="sng" algn="ctr">
+                      <a:solidFill>
+                        <a:schemeClr val="tx1"/>
+                      </a:solidFill>
+                      <a:prstDash val="solid"/>
+                      <a:round/>
+                      <a:headEnd type="none" w="med" len="med"/>
+                      <a:tailEnd type="none" w="med" len="med"/>
+                    </a:lnR>
+                    <a:lnT w="12700" cap="flat" cmpd="sng" algn="ctr">
+                      <a:solidFill>
+                        <a:schemeClr val="tx1"/>
+                      </a:solidFill>
+                      <a:prstDash val="solid"/>
+                      <a:round/>
+                      <a:headEnd type="none" w="med" len="med"/>
+                      <a:tailEnd type="none" w="med" len="med"/>
+                    </a:lnT>
+                    <a:lnB w="12700" cap="flat" cmpd="sng" algn="ctr">
+                      <a:solidFill>
+                        <a:schemeClr val="tx1"/>
+                      </a:solidFill>
+                      <a:prstDash val="solid"/>
+                      <a:round/>
+                      <a:headEnd type="none" w="med" len="med"/>
+                      <a:tailEnd type="none" w="med" len="med"/>
+                    </a:lnB>
+                    <a:solidFill>
+                      <a:schemeClr val="bg1"/>
+                    </a:solidFill>
+                  </a:tcPr>
+                </a:tc>
+                <a:tc>
+                  <a:txBody>
+                    <a:bodyPr/>
+                    <a:lstStyle/>
+                    <a:p>
+                      <a:pPr algn="ctr"/>
+                      <a:endParaRPr lang="en-US" sz="1800" dirty="0">
+                        <a:ln>
+                          <a:solidFill>
+                            <a:schemeClr val="tx1"/>
+                          </a:solidFill>
+                        </a:ln>
+                      </a:endParaRPr>
+                    </a:p>
+                  </a:txBody>
+                  <a:tcPr>
+                    <a:lnL w="12700" cap="flat" cmpd="sng" algn="ctr">
+                      <a:solidFill>
+                        <a:schemeClr val="tx1"/>
+                      </a:solidFill>
+                      <a:prstDash val="solid"/>
+                      <a:round/>
+                      <a:headEnd type="none" w="med" len="med"/>
+                      <a:tailEnd type="none" w="med" len="med"/>
+                    </a:lnL>
+                    <a:lnR w="12700" cap="flat" cmpd="sng" algn="ctr">
+                      <a:solidFill>
+                        <a:schemeClr val="tx1"/>
+                      </a:solidFill>
+                      <a:prstDash val="solid"/>
+                      <a:round/>
+                      <a:headEnd type="none" w="med" len="med"/>
+                      <a:tailEnd type="none" w="med" len="med"/>
+                    </a:lnR>
+                    <a:lnT w="12700" cap="flat" cmpd="sng" algn="ctr">
+                      <a:solidFill>
+                        <a:schemeClr val="tx1"/>
+                      </a:solidFill>
+                      <a:prstDash val="solid"/>
+                      <a:round/>
+                      <a:headEnd type="none" w="med" len="med"/>
+                      <a:tailEnd type="none" w="med" len="med"/>
+                    </a:lnT>
+                    <a:lnB w="12700" cap="flat" cmpd="sng" algn="ctr">
+                      <a:solidFill>
+                        <a:schemeClr val="tx1"/>
+                      </a:solidFill>
+                      <a:prstDash val="solid"/>
+                      <a:round/>
+                      <a:headEnd type="none" w="med" len="med"/>
+                      <a:tailEnd type="none" w="med" len="med"/>
+                    </a:lnB>
+                    <a:solidFill>
+                      <a:schemeClr val="bg1"/>
+                    </a:solidFill>
+                  </a:tcPr>
+                </a:tc>
+                <a:extLst>
+                  <a:ext uri="{0D108BD9-81ED-4DB2-BD59-A6C34878D82A}">
+                    <a16:rowId xmlns:a16="http://schemas.microsoft.com/office/drawing/2014/main" val="2030638017"/>
+                  </a:ext>
+                </a:extLst>
+              </a:tr>
+              <a:tr h="263660">
+                <a:tc>
+                  <a:txBody>
+                    <a:bodyPr/>
+                    <a:lstStyle/>
+                    <a:p>
+                      <a:pPr marL="0" marR="0" lvl="0" indent="0" algn="ctr" defTabSz="914400" rtl="0" eaLnBrk="1" fontAlgn="auto" latinLnBrk="0" hangingPunct="1">
+                        <a:lnSpc>
+                          <a:spcPct val="100000"/>
+                        </a:lnSpc>
+                        <a:spcBef>
+                          <a:spcPts val="0"/>
+                        </a:spcBef>
+                        <a:spcAft>
+                          <a:spcPts val="0"/>
+                        </a:spcAft>
+                        <a:buClrTx/>
+                        <a:buSzTx/>
+                        <a:buFontTx/>
+                        <a:buNone/>
+                        <a:tabLst/>
+                        <a:defRPr/>
+                      </a:pPr>
+                      <a:r>
+                        <a:rPr lang="en-US" sz="1800" b="0" dirty="0">
+                          <a:ln>
+                            <a:solidFill>
+                              <a:schemeClr val="tx1"/>
+                            </a:solidFill>
+                          </a:ln>
+                          <a:solidFill>
+                            <a:schemeClr val="tx1"/>
+                          </a:solidFill>
+                        </a:rPr>
+                        <a:t>B</a:t>
+                      </a:r>
+                      <a:r>
+                        <a:rPr lang="en-US" sz="1800" b="0" baseline="-25000" dirty="0">
+                          <a:ln>
+                            <a:solidFill>
+                              <a:schemeClr val="tx1"/>
+                            </a:solidFill>
+                          </a:ln>
+                          <a:solidFill>
+                            <a:schemeClr val="tx1"/>
+                          </a:solidFill>
+                        </a:rPr>
+                        <a:t>2</a:t>
+                      </a:r>
+                      <a:endParaRPr lang="en-US" sz="1800" b="0" dirty="0">
+                        <a:ln>
+                          <a:solidFill>
+                            <a:schemeClr val="tx1"/>
+                          </a:solidFill>
+                        </a:ln>
+                        <a:solidFill>
+                          <a:schemeClr val="tx1"/>
+                        </a:solidFill>
+                      </a:endParaRPr>
+                    </a:p>
+                  </a:txBody>
+                  <a:tcPr>
+                    <a:lnL w="12700" cap="flat" cmpd="sng" algn="ctr">
+                      <a:solidFill>
+                        <a:schemeClr val="tx1"/>
+                      </a:solidFill>
+                      <a:prstDash val="solid"/>
+                      <a:round/>
+                      <a:headEnd type="none" w="med" len="med"/>
+                      <a:tailEnd type="none" w="med" len="med"/>
+                    </a:lnL>
+                    <a:lnR w="12700" cap="flat" cmpd="sng" algn="ctr">
+                      <a:solidFill>
+                        <a:schemeClr val="tx1"/>
+                      </a:solidFill>
+                      <a:prstDash val="solid"/>
+                      <a:round/>
+                      <a:headEnd type="none" w="med" len="med"/>
+                      <a:tailEnd type="none" w="med" len="med"/>
+                    </a:lnR>
+                    <a:lnT w="12700" cap="flat" cmpd="sng" algn="ctr">
+                      <a:solidFill>
+                        <a:schemeClr val="tx1"/>
+                      </a:solidFill>
+                      <a:prstDash val="solid"/>
+                      <a:round/>
+                      <a:headEnd type="none" w="med" len="med"/>
+                      <a:tailEnd type="none" w="med" len="med"/>
+                    </a:lnT>
+                    <a:lnB w="12700" cap="flat" cmpd="sng" algn="ctr">
+                      <a:solidFill>
+                        <a:schemeClr val="tx1"/>
+                      </a:solidFill>
+                      <a:prstDash val="solid"/>
+                      <a:round/>
+                      <a:headEnd type="none" w="med" len="med"/>
+                      <a:tailEnd type="none" w="med" len="med"/>
+                    </a:lnB>
+                    <a:solidFill>
+                      <a:schemeClr val="bg1"/>
+                    </a:solidFill>
+                  </a:tcPr>
+                </a:tc>
+                <a:tc>
+                  <a:txBody>
+                    <a:bodyPr/>
+                    <a:lstStyle/>
+                    <a:p>
+                      <a:pPr algn="ctr"/>
+                      <a:endParaRPr lang="en-US" sz="1800" dirty="0">
+                        <a:ln>
+                          <a:solidFill>
+                            <a:schemeClr val="tx1"/>
+                          </a:solidFill>
+                        </a:ln>
+                      </a:endParaRPr>
+                    </a:p>
+                  </a:txBody>
+                  <a:tcPr>
+                    <a:lnL w="12700" cap="flat" cmpd="sng" algn="ctr">
+                      <a:solidFill>
+                        <a:schemeClr val="tx1"/>
+                      </a:solidFill>
+                      <a:prstDash val="solid"/>
+                      <a:round/>
+                      <a:headEnd type="none" w="med" len="med"/>
+                      <a:tailEnd type="none" w="med" len="med"/>
+                    </a:lnL>
+                    <a:lnR w="12700" cap="flat" cmpd="sng" algn="ctr">
+                      <a:solidFill>
+                        <a:schemeClr val="tx1"/>
+                      </a:solidFill>
+                      <a:prstDash val="solid"/>
+                      <a:round/>
+                      <a:headEnd type="none" w="med" len="med"/>
+                      <a:tailEnd type="none" w="med" len="med"/>
+                    </a:lnR>
+                    <a:lnT w="12700" cap="flat" cmpd="sng" algn="ctr">
+                      <a:solidFill>
+                        <a:schemeClr val="tx1"/>
+                      </a:solidFill>
+                      <a:prstDash val="solid"/>
+                      <a:round/>
+                      <a:headEnd type="none" w="med" len="med"/>
+                      <a:tailEnd type="none" w="med" len="med"/>
+                    </a:lnT>
+                    <a:lnB w="12700" cap="flat" cmpd="sng" algn="ctr">
+                      <a:solidFill>
+                        <a:schemeClr val="tx1"/>
+                      </a:solidFill>
+                      <a:prstDash val="solid"/>
+                      <a:round/>
+                      <a:headEnd type="none" w="med" len="med"/>
+                      <a:tailEnd type="none" w="med" len="med"/>
+                    </a:lnB>
+                    <a:solidFill>
+                      <a:schemeClr val="bg1"/>
+                    </a:solidFill>
+                  </a:tcPr>
+                </a:tc>
+                <a:tc>
+                  <a:txBody>
+                    <a:bodyPr/>
+                    <a:lstStyle/>
+                    <a:p>
+                      <a:pPr algn="ctr"/>
+                      <a:endParaRPr lang="en-US" sz="1800" dirty="0">
+                        <a:ln>
+                          <a:solidFill>
+                            <a:schemeClr val="tx1"/>
+                          </a:solidFill>
+                        </a:ln>
+                      </a:endParaRPr>
+                    </a:p>
+                  </a:txBody>
+                  <a:tcPr>
+                    <a:lnL w="12700" cap="flat" cmpd="sng" algn="ctr">
+                      <a:solidFill>
+                        <a:schemeClr val="tx1"/>
+                      </a:solidFill>
+                      <a:prstDash val="solid"/>
+                      <a:round/>
+                      <a:headEnd type="none" w="med" len="med"/>
+                      <a:tailEnd type="none" w="med" len="med"/>
+                    </a:lnL>
+                    <a:lnR w="12700" cap="flat" cmpd="sng" algn="ctr">
+                      <a:solidFill>
+                        <a:schemeClr val="tx1"/>
+                      </a:solidFill>
+                      <a:prstDash val="solid"/>
+                      <a:round/>
+                      <a:headEnd type="none" w="med" len="med"/>
+                      <a:tailEnd type="none" w="med" len="med"/>
+                    </a:lnR>
+                    <a:lnT w="12700" cap="flat" cmpd="sng" algn="ctr">
+                      <a:solidFill>
+                        <a:schemeClr val="tx1"/>
+                      </a:solidFill>
+                      <a:prstDash val="solid"/>
+                      <a:round/>
+                      <a:headEnd type="none" w="med" len="med"/>
+                      <a:tailEnd type="none" w="med" len="med"/>
+                    </a:lnT>
+                    <a:lnB w="12700" cap="flat" cmpd="sng" algn="ctr">
+                      <a:solidFill>
+                        <a:schemeClr val="tx1"/>
+                      </a:solidFill>
+                      <a:prstDash val="solid"/>
+                      <a:round/>
+                      <a:headEnd type="none" w="med" len="med"/>
+                      <a:tailEnd type="none" w="med" len="med"/>
+                    </a:lnB>
+                    <a:solidFill>
+                      <a:schemeClr val="bg1"/>
+                    </a:solidFill>
+                  </a:tcPr>
+                </a:tc>
+                <a:extLst>
+                  <a:ext uri="{0D108BD9-81ED-4DB2-BD59-A6C34878D82A}">
+                    <a16:rowId xmlns:a16="http://schemas.microsoft.com/office/drawing/2014/main" val="2943657333"/>
+                  </a:ext>
+                </a:extLst>
+              </a:tr>
+            </a:tbl>
+          </a:graphicData>
+        </a:graphic>
+      </p:graphicFrame>
+      <p:sp>
+        <p:nvSpPr>
+          <p:cNvPr id="20" name="TextBox 19">
+            <a:extLst>
+              <a:ext uri="{FF2B5EF4-FFF2-40B4-BE49-F238E27FC236}">
+                <a16:creationId xmlns:a16="http://schemas.microsoft.com/office/drawing/2014/main" id="{9C7AEC4A-B1E2-44AE-B998-C41A4EDA8E1D}"/>
+              </a:ext>
+            </a:extLst>
+          </p:cNvPr>
+          <p:cNvSpPr txBox="1"/>
+          <p:nvPr/>
+        </p:nvSpPr>
+        <p:spPr>
+          <a:xfrm>
+            <a:off x="8207506" y="2922446"/>
+            <a:ext cx="914400" cy="369332"/>
+          </a:xfrm>
+          <a:prstGeom prst="rect">
+            <a:avLst/>
+          </a:prstGeom>
+          <a:ln w="28575"/>
+          <a:effectLst>
+            <a:outerShdw blurRad="50800" dist="38100" dir="2700000" algn="tl" rotWithShape="0">
+              <a:prstClr val="black">
+                <a:alpha val="40000"/>
+              </a:prstClr>
+            </a:outerShdw>
+          </a:effectLst>
+        </p:spPr>
+        <p:style>
+          <a:lnRef idx="2">
+            <a:schemeClr val="dk1"/>
+          </a:lnRef>
+          <a:fillRef idx="1">
+            <a:schemeClr val="lt1"/>
+          </a:fillRef>
+          <a:effectRef idx="0">
+            <a:schemeClr val="dk1"/>
+          </a:effectRef>
+          <a:fontRef idx="minor">
+            <a:schemeClr val="dk1"/>
+          </a:fontRef>
+        </p:style>
+        <p:txBody>
+          <a:bodyPr wrap="square" rtlCol="0">
+            <a:spAutoFit/>
+          </a:bodyPr>
+          <a:lstStyle/>
+          <a:p>
+            <a:pPr algn="ctr"/>
+            <a:r>
+              <a:rPr lang="en-US" dirty="0"/>
+              <a:t>A</a:t>
+            </a:r>
+          </a:p>
+        </p:txBody>
+      </p:sp>
+      <p:sp>
+        <p:nvSpPr>
+          <p:cNvPr id="21" name="TextBox 20">
+            <a:extLst>
+              <a:ext uri="{FF2B5EF4-FFF2-40B4-BE49-F238E27FC236}">
+                <a16:creationId xmlns:a16="http://schemas.microsoft.com/office/drawing/2014/main" id="{38293FE2-752B-4DA1-8D92-4D1BA3E1CFD7}"/>
+              </a:ext>
+            </a:extLst>
+          </p:cNvPr>
+          <p:cNvSpPr txBox="1"/>
+          <p:nvPr/>
+        </p:nvSpPr>
+        <p:spPr>
+          <a:xfrm>
+            <a:off x="8207506" y="2011657"/>
+            <a:ext cx="914400" cy="369332"/>
+          </a:xfrm>
+          <a:prstGeom prst="rect">
+            <a:avLst/>
+          </a:prstGeom>
+          <a:ln w="28575"/>
+          <a:effectLst>
+            <a:outerShdw blurRad="50800" dist="38100" dir="2700000" algn="tl" rotWithShape="0">
+              <a:prstClr val="black">
+                <a:alpha val="40000"/>
+              </a:prstClr>
+            </a:outerShdw>
+          </a:effectLst>
+        </p:spPr>
+        <p:style>
+          <a:lnRef idx="2">
+            <a:schemeClr val="dk1"/>
+          </a:lnRef>
+          <a:fillRef idx="1">
+            <a:schemeClr val="lt1"/>
+          </a:fillRef>
+          <a:effectRef idx="0">
+            <a:schemeClr val="dk1"/>
+          </a:effectRef>
+          <a:fontRef idx="minor">
+            <a:schemeClr val="dk1"/>
+          </a:fontRef>
+        </p:style>
+        <p:txBody>
+          <a:bodyPr wrap="square" rtlCol="0">
+            <a:spAutoFit/>
+          </a:bodyPr>
+          <a:lstStyle/>
+          <a:p>
+            <a:pPr algn="ctr"/>
+            <a:r>
+              <a:rPr lang="en-US" dirty="0"/>
+              <a:t>…</a:t>
+            </a:r>
+          </a:p>
+        </p:txBody>
+      </p:sp>
+      <p:cxnSp>
+        <p:nvCxnSpPr>
+          <p:cNvPr id="22" name="Straight Connector 21">
+            <a:extLst>
+              <a:ext uri="{FF2B5EF4-FFF2-40B4-BE49-F238E27FC236}">
+                <a16:creationId xmlns:a16="http://schemas.microsoft.com/office/drawing/2014/main" id="{F30AD9B3-76C6-49C8-9B54-C2793ECC7AFD}"/>
+              </a:ext>
+            </a:extLst>
+          </p:cNvPr>
+          <p:cNvCxnSpPr>
+            <a:cxnSpLocks/>
+            <a:stCxn id="21" idx="2"/>
+            <a:endCxn id="20" idx="0"/>
+          </p:cNvCxnSpPr>
+          <p:nvPr/>
+        </p:nvCxnSpPr>
+        <p:spPr>
+          <a:xfrm>
+            <a:off x="8664706" y="2380989"/>
+            <a:ext cx="0" cy="541457"/>
+          </a:xfrm>
+          <a:prstGeom prst="line">
+            <a:avLst/>
+          </a:prstGeom>
+          <a:ln w="28575"/>
+        </p:spPr>
+        <p:style>
+          <a:lnRef idx="1">
+            <a:schemeClr val="accent1"/>
+          </a:lnRef>
+          <a:fillRef idx="0">
+            <a:schemeClr val="accent1"/>
+          </a:fillRef>
+          <a:effectRef idx="0">
+            <a:schemeClr val="accent1"/>
+          </a:effectRef>
+          <a:fontRef idx="minor">
+            <a:schemeClr val="tx1"/>
+          </a:fontRef>
+        </p:style>
+      </p:cxnSp>
+      <p:sp>
+        <p:nvSpPr>
+          <p:cNvPr id="23" name="TextBox 22">
+            <a:extLst>
+              <a:ext uri="{FF2B5EF4-FFF2-40B4-BE49-F238E27FC236}">
+                <a16:creationId xmlns:a16="http://schemas.microsoft.com/office/drawing/2014/main" id="{27257013-11BB-4114-A5EA-B38CD66D8013}"/>
+              </a:ext>
+            </a:extLst>
+          </p:cNvPr>
+          <p:cNvSpPr txBox="1"/>
+          <p:nvPr/>
+        </p:nvSpPr>
+        <p:spPr>
+          <a:xfrm>
+            <a:off x="9665819" y="3814784"/>
+            <a:ext cx="914400" cy="369332"/>
+          </a:xfrm>
+          <a:prstGeom prst="rect">
+            <a:avLst/>
+          </a:prstGeom>
+          <a:ln w="28575"/>
+          <a:effectLst>
+            <a:outerShdw blurRad="50800" dist="38100" dir="2700000" algn="tl" rotWithShape="0">
+              <a:prstClr val="black">
+                <a:alpha val="40000"/>
+              </a:prstClr>
+            </a:outerShdw>
+          </a:effectLst>
+        </p:spPr>
+        <p:style>
+          <a:lnRef idx="2">
+            <a:schemeClr val="dk1"/>
+          </a:lnRef>
+          <a:fillRef idx="1">
+            <a:schemeClr val="lt1"/>
+          </a:fillRef>
+          <a:effectRef idx="0">
+            <a:schemeClr val="dk1"/>
+          </a:effectRef>
+          <a:fontRef idx="minor">
+            <a:schemeClr val="dk1"/>
+          </a:fontRef>
+        </p:style>
+        <p:txBody>
+          <a:bodyPr wrap="square" rtlCol="0">
+            <a:spAutoFit/>
+          </a:bodyPr>
+          <a:lstStyle/>
+          <a:p>
+            <a:pPr algn="ctr"/>
+            <a:r>
+              <a:rPr lang="en-US" dirty="0"/>
+              <a:t>C</a:t>
+            </a:r>
+          </a:p>
+        </p:txBody>
+      </p:sp>
+      <p:cxnSp>
+        <p:nvCxnSpPr>
+          <p:cNvPr id="24" name="Straight Connector 23">
+            <a:extLst>
+              <a:ext uri="{FF2B5EF4-FFF2-40B4-BE49-F238E27FC236}">
+                <a16:creationId xmlns:a16="http://schemas.microsoft.com/office/drawing/2014/main" id="{3F45EA73-2870-4B5F-B8CA-5519D32761AC}"/>
+              </a:ext>
+            </a:extLst>
+          </p:cNvPr>
+          <p:cNvCxnSpPr>
+            <a:cxnSpLocks/>
+            <a:endCxn id="23" idx="0"/>
+          </p:cNvCxnSpPr>
+          <p:nvPr/>
+        </p:nvCxnSpPr>
+        <p:spPr>
+          <a:xfrm>
+            <a:off x="9117992" y="3287464"/>
+            <a:ext cx="1005027" cy="527320"/>
+          </a:xfrm>
+          <a:prstGeom prst="line">
+            <a:avLst/>
+          </a:prstGeom>
+          <a:ln w="28575">
+            <a:headEnd type="arrow" w="med" len="med"/>
+            <a:tailEnd type="none" w="med" len="med"/>
+          </a:ln>
+        </p:spPr>
+        <p:style>
+          <a:lnRef idx="1">
+            <a:schemeClr val="accent1"/>
+          </a:lnRef>
+          <a:fillRef idx="0">
+            <a:schemeClr val="accent1"/>
+          </a:fillRef>
+          <a:effectRef idx="0">
+            <a:schemeClr val="accent1"/>
+          </a:effectRef>
+          <a:fontRef idx="minor">
+            <a:schemeClr val="tx1"/>
+          </a:fontRef>
+        </p:style>
+      </p:cxnSp>
+      <p:sp>
+        <p:nvSpPr>
+          <p:cNvPr id="25" name="TextBox 24">
+            <a:extLst>
+              <a:ext uri="{FF2B5EF4-FFF2-40B4-BE49-F238E27FC236}">
+                <a16:creationId xmlns:a16="http://schemas.microsoft.com/office/drawing/2014/main" id="{06E1AB84-D600-481B-83A4-92AA186623A3}"/>
+              </a:ext>
+            </a:extLst>
+          </p:cNvPr>
+          <p:cNvSpPr txBox="1"/>
+          <p:nvPr/>
+        </p:nvSpPr>
+        <p:spPr>
+          <a:xfrm>
+            <a:off x="9632150" y="4184116"/>
+            <a:ext cx="1080366" cy="369332"/>
+          </a:xfrm>
+          <a:prstGeom prst="rect">
+            <a:avLst/>
+          </a:prstGeom>
+          <a:noFill/>
+        </p:spPr>
+        <p:txBody>
+          <a:bodyPr wrap="square" rtlCol="0">
+            <a:spAutoFit/>
+          </a:bodyPr>
+          <a:lstStyle/>
+          <a:p>
+            <a:r>
+              <a:rPr lang="en-US" dirty="0"/>
+              <a:t>[ z</a:t>
+            </a:r>
+            <a:r>
+              <a:rPr lang="en-US" baseline="-25000" dirty="0"/>
+              <a:t>C1</a:t>
+            </a:r>
+            <a:r>
+              <a:rPr lang="en-US" dirty="0"/>
+              <a:t>, Z</a:t>
+            </a:r>
+            <a:r>
+              <a:rPr lang="en-US" baseline="-25000" dirty="0"/>
+              <a:t>C2 </a:t>
+            </a:r>
+            <a:r>
+              <a:rPr lang="en-US" dirty="0"/>
+              <a:t>]</a:t>
+            </a:r>
+          </a:p>
+        </p:txBody>
+      </p:sp>
+      <p:sp>
+        <p:nvSpPr>
+          <p:cNvPr id="26" name="TextBox 25">
+            <a:extLst>
+              <a:ext uri="{FF2B5EF4-FFF2-40B4-BE49-F238E27FC236}">
+                <a16:creationId xmlns:a16="http://schemas.microsoft.com/office/drawing/2014/main" id="{0EDED0DC-2158-43E4-957F-4A20DDA0FD5B}"/>
+              </a:ext>
+            </a:extLst>
+          </p:cNvPr>
+          <p:cNvSpPr txBox="1"/>
+          <p:nvPr/>
+        </p:nvSpPr>
+        <p:spPr>
+          <a:xfrm>
+            <a:off x="7356859" y="3357752"/>
+            <a:ext cx="3209210" cy="338554"/>
+          </a:xfrm>
+          <a:prstGeom prst="rect">
+            <a:avLst/>
+          </a:prstGeom>
+          <a:noFill/>
+        </p:spPr>
+        <p:txBody>
+          <a:bodyPr wrap="square" rtlCol="0">
+            <a:spAutoFit/>
+          </a:bodyPr>
+          <a:lstStyle/>
+          <a:p>
+            <a:r>
+              <a:rPr lang="en-US" sz="1600" dirty="0"/>
+              <a:t>[z</a:t>
+            </a:r>
+            <a:r>
+              <a:rPr lang="en-US" sz="1600" baseline="-25000" dirty="0"/>
+              <a:t>A1-collapse-B, </a:t>
+            </a:r>
+            <a:r>
+              <a:rPr lang="en-US" sz="1600" dirty="0"/>
+              <a:t>z</a:t>
+            </a:r>
+            <a:r>
+              <a:rPr lang="en-US" sz="1600" baseline="-25000" dirty="0"/>
+              <a:t>A2-collapse-B </a:t>
+            </a:r>
+            <a:r>
+              <a:rPr lang="en-US" sz="1600" dirty="0"/>
+              <a:t>]</a:t>
+            </a:r>
+          </a:p>
+        </p:txBody>
+      </p:sp>
+      <p:sp>
+        <p:nvSpPr>
+          <p:cNvPr id="27" name="TextBox 26">
+            <a:extLst>
+              <a:ext uri="{FF2B5EF4-FFF2-40B4-BE49-F238E27FC236}">
+                <a16:creationId xmlns:a16="http://schemas.microsoft.com/office/drawing/2014/main" id="{709CDA14-D1CE-4F5E-832B-697062BDAD5E}"/>
+              </a:ext>
+            </a:extLst>
+          </p:cNvPr>
+          <p:cNvSpPr txBox="1"/>
+          <p:nvPr/>
+        </p:nvSpPr>
+        <p:spPr>
+          <a:xfrm>
+            <a:off x="2543563" y="2951372"/>
+            <a:ext cx="296769" cy="369332"/>
+          </a:xfrm>
+          <a:prstGeom prst="rect">
+            <a:avLst/>
+          </a:prstGeom>
+          <a:noFill/>
+        </p:spPr>
+        <p:txBody>
+          <a:bodyPr wrap="square" rtlCol="0">
+            <a:spAutoFit/>
+          </a:bodyPr>
+          <a:lstStyle/>
+          <a:p>
+            <a:r>
+              <a:rPr lang="en-US" dirty="0"/>
+              <a:t>+</a:t>
+            </a:r>
+          </a:p>
+        </p:txBody>
+      </p:sp>
+      <p:sp>
+        <p:nvSpPr>
+          <p:cNvPr id="28" name="TextBox 27">
+            <a:extLst>
+              <a:ext uri="{FF2B5EF4-FFF2-40B4-BE49-F238E27FC236}">
+                <a16:creationId xmlns:a16="http://schemas.microsoft.com/office/drawing/2014/main" id="{DD5B4E37-A416-43A1-907C-E45433440ED2}"/>
+              </a:ext>
+            </a:extLst>
+          </p:cNvPr>
+          <p:cNvSpPr txBox="1"/>
+          <p:nvPr/>
+        </p:nvSpPr>
+        <p:spPr>
+          <a:xfrm>
+            <a:off x="6436969" y="2854235"/>
+            <a:ext cx="1019064" cy="369332"/>
+          </a:xfrm>
+          <a:prstGeom prst="rect">
+            <a:avLst/>
+          </a:prstGeom>
+          <a:noFill/>
+        </p:spPr>
+        <p:txBody>
+          <a:bodyPr wrap="square" rtlCol="0">
+            <a:spAutoFit/>
+          </a:bodyPr>
+          <a:lstStyle/>
+          <a:p>
+            <a:r>
+              <a:rPr lang="en-US" dirty="0"/>
+              <a:t>collapse</a:t>
+            </a:r>
+          </a:p>
+        </p:txBody>
+      </p:sp>
+    </p:spTree>
+    <p:extLst>
+      <p:ext uri="{BB962C8B-B14F-4D97-AF65-F5344CB8AC3E}">
+        <p14:creationId xmlns:p14="http://schemas.microsoft.com/office/powerpoint/2010/main" val="2238635463"/>
+      </p:ext>
+    </p:extLst>
+  </p:cSld>
+  <p:clrMapOvr>
+    <a:masterClrMapping/>
+  </p:clrMapOvr>
+</p:sld>
+</file>
+
+<file path=ppt/slides/slide7.xml><?xml version="1.0" encoding="utf-8"?>
+<p:sld xmlns:a="http://schemas.openxmlformats.org/drawingml/2006/main" xmlns:r="http://schemas.openxmlformats.org/officeDocument/2006/relationships" xmlns:p="http://schemas.openxmlformats.org/presentationml/2006/main">
+  <p:cSld>
+    <p:spTree>
+      <p:nvGrpSpPr>
+        <p:cNvPr id="1" name=""/>
+        <p:cNvGrpSpPr/>
+        <p:nvPr/>
+      </p:nvGrpSpPr>
+      <p:grpSpPr>
+        <a:xfrm>
+          <a:off x="0" y="0"/>
+          <a:ext cx="0" cy="0"/>
+          <a:chOff x="0" y="0"/>
+          <a:chExt cx="0" cy="0"/>
+        </a:xfrm>
+      </p:grpSpPr>
+    </p:spTree>
+    <p:extLst>
+      <p:ext uri="{BB962C8B-B14F-4D97-AF65-F5344CB8AC3E}">
+        <p14:creationId xmlns:p14="http://schemas.microsoft.com/office/powerpoint/2010/main" val="1954111957"/>
+      </p:ext>
+    </p:extLst>
+  </p:cSld>
+  <p:clrMapOvr>
+    <a:masterClrMapping/>
+  </p:clrMapOvr>
+</p:sld>
+</file>
+
 <file path=ppt/theme/theme1.xml><?xml version="1.0" encoding="utf-8"?>
 <a:theme xmlns:a="http://schemas.openxmlformats.org/drawingml/2006/main" name="Office Theme">
   <a:themeElements>

--- a/miscellanous/shapes.pptx
+++ b/miscellanous/shapes.pptx
@@ -4,6 +4,9 @@
   <p:sldMasterIdLst>
     <p:sldMasterId id="2147483648" r:id="rId1"/>
   </p:sldMasterIdLst>
+  <p:notesMasterIdLst>
+    <p:notesMasterId r:id="rId10"/>
+  </p:notesMasterIdLst>
   <p:sldIdLst>
     <p:sldId id="256" r:id="rId2"/>
     <p:sldId id="257" r:id="rId3"/>
@@ -12,6 +15,7 @@
     <p:sldId id="260" r:id="rId6"/>
     <p:sldId id="261" r:id="rId7"/>
     <p:sldId id="262" r:id="rId8"/>
+    <p:sldId id="263" r:id="rId9"/>
   </p:sldIdLst>
   <p:sldSz cx="12192000" cy="6858000"/>
   <p:notesSz cx="6858000" cy="9144000"/>
@@ -118,6 +122,356 @@
 </p:presentation>
 </file>
 
+<file path=ppt/notesMasters/notesMaster1.xml><?xml version="1.0" encoding="utf-8"?>
+<p:notesMaster xmlns:a="http://schemas.openxmlformats.org/drawingml/2006/main" xmlns:r="http://schemas.openxmlformats.org/officeDocument/2006/relationships" xmlns:p="http://schemas.openxmlformats.org/presentationml/2006/main">
+  <p:cSld>
+    <p:bg>
+      <p:bgRef idx="1001">
+        <a:schemeClr val="bg1"/>
+      </p:bgRef>
+    </p:bg>
+    <p:spTree>
+      <p:nvGrpSpPr>
+        <p:cNvPr id="1" name=""/>
+        <p:cNvGrpSpPr/>
+        <p:nvPr/>
+      </p:nvGrpSpPr>
+      <p:grpSpPr>
+        <a:xfrm>
+          <a:off x="0" y="0"/>
+          <a:ext cx="0" cy="0"/>
+          <a:chOff x="0" y="0"/>
+          <a:chExt cx="0" cy="0"/>
+        </a:xfrm>
+      </p:grpSpPr>
+      <p:sp>
+        <p:nvSpPr>
+          <p:cNvPr id="2" name="Header Placeholder 1"/>
+          <p:cNvSpPr>
+            <a:spLocks noGrp="1"/>
+          </p:cNvSpPr>
+          <p:nvPr>
+            <p:ph type="hdr" sz="quarter"/>
+          </p:nvPr>
+        </p:nvSpPr>
+        <p:spPr>
+          <a:xfrm>
+            <a:off x="0" y="0"/>
+            <a:ext cx="2971800" cy="458788"/>
+          </a:xfrm>
+          <a:prstGeom prst="rect">
+            <a:avLst/>
+          </a:prstGeom>
+        </p:spPr>
+        <p:txBody>
+          <a:bodyPr vert="horz" lIns="91440" tIns="45720" rIns="91440" bIns="45720" rtlCol="0"/>
+          <a:lstStyle>
+            <a:lvl1pPr algn="l">
+              <a:defRPr sz="1200"/>
+            </a:lvl1pPr>
+          </a:lstStyle>
+          <a:p>
+            <a:endParaRPr lang="en-US"/>
+          </a:p>
+        </p:txBody>
+      </p:sp>
+      <p:sp>
+        <p:nvSpPr>
+          <p:cNvPr id="3" name="Date Placeholder 2"/>
+          <p:cNvSpPr>
+            <a:spLocks noGrp="1"/>
+          </p:cNvSpPr>
+          <p:nvPr>
+            <p:ph type="dt" idx="1"/>
+          </p:nvPr>
+        </p:nvSpPr>
+        <p:spPr>
+          <a:xfrm>
+            <a:off x="3884613" y="0"/>
+            <a:ext cx="2971800" cy="458788"/>
+          </a:xfrm>
+          <a:prstGeom prst="rect">
+            <a:avLst/>
+          </a:prstGeom>
+        </p:spPr>
+        <p:txBody>
+          <a:bodyPr vert="horz" lIns="91440" tIns="45720" rIns="91440" bIns="45720" rtlCol="0"/>
+          <a:lstStyle>
+            <a:lvl1pPr algn="r">
+              <a:defRPr sz="1200"/>
+            </a:lvl1pPr>
+          </a:lstStyle>
+          <a:p>
+            <a:fld id="{07613BA5-B956-F741-93E2-8A05685FFD03}" type="datetimeFigureOut">
+              <a:rPr lang="en-US" smtClean="0"/>
+              <a:t>4/11/18</a:t>
+            </a:fld>
+            <a:endParaRPr lang="en-US"/>
+          </a:p>
+        </p:txBody>
+      </p:sp>
+      <p:sp>
+        <p:nvSpPr>
+          <p:cNvPr id="4" name="Slide Image Placeholder 3"/>
+          <p:cNvSpPr>
+            <a:spLocks noGrp="1" noRot="1" noChangeAspect="1"/>
+          </p:cNvSpPr>
+          <p:nvPr>
+            <p:ph type="sldImg" idx="2"/>
+          </p:nvPr>
+        </p:nvSpPr>
+        <p:spPr>
+          <a:xfrm>
+            <a:off x="685800" y="1143000"/>
+            <a:ext cx="5486400" cy="3086100"/>
+          </a:xfrm>
+          <a:prstGeom prst="rect">
+            <a:avLst/>
+          </a:prstGeom>
+          <a:noFill/>
+          <a:ln w="12700">
+            <a:solidFill>
+              <a:prstClr val="black"/>
+            </a:solidFill>
+          </a:ln>
+        </p:spPr>
+        <p:txBody>
+          <a:bodyPr vert="horz" lIns="91440" tIns="45720" rIns="91440" bIns="45720" rtlCol="0" anchor="ctr"/>
+          <a:lstStyle/>
+          <a:p>
+            <a:endParaRPr lang="en-US"/>
+          </a:p>
+        </p:txBody>
+      </p:sp>
+      <p:sp>
+        <p:nvSpPr>
+          <p:cNvPr id="5" name="Notes Placeholder 4"/>
+          <p:cNvSpPr>
+            <a:spLocks noGrp="1"/>
+          </p:cNvSpPr>
+          <p:nvPr>
+            <p:ph type="body" sz="quarter" idx="3"/>
+          </p:nvPr>
+        </p:nvSpPr>
+        <p:spPr>
+          <a:xfrm>
+            <a:off x="685800" y="4400550"/>
+            <a:ext cx="5486400" cy="3600450"/>
+          </a:xfrm>
+          <a:prstGeom prst="rect">
+            <a:avLst/>
+          </a:prstGeom>
+        </p:spPr>
+        <p:txBody>
+          <a:bodyPr vert="horz" lIns="91440" tIns="45720" rIns="91440" bIns="45720" rtlCol="0"/>
+          <a:lstStyle/>
+          <a:p>
+            <a:pPr lvl="0"/>
+            <a:r>
+              <a:rPr lang="en-US" smtClean="0"/>
+              <a:t>Click to edit Master text styles</a:t>
+            </a:r>
+          </a:p>
+          <a:p>
+            <a:pPr lvl="1"/>
+            <a:r>
+              <a:rPr lang="en-US" smtClean="0"/>
+              <a:t>Second level</a:t>
+            </a:r>
+          </a:p>
+          <a:p>
+            <a:pPr lvl="2"/>
+            <a:r>
+              <a:rPr lang="en-US" smtClean="0"/>
+              <a:t>Third level</a:t>
+            </a:r>
+          </a:p>
+          <a:p>
+            <a:pPr lvl="3"/>
+            <a:r>
+              <a:rPr lang="en-US" smtClean="0"/>
+              <a:t>Fourth level</a:t>
+            </a:r>
+          </a:p>
+          <a:p>
+            <a:pPr lvl="4"/>
+            <a:r>
+              <a:rPr lang="en-US" smtClean="0"/>
+              <a:t>Fifth level</a:t>
+            </a:r>
+            <a:endParaRPr lang="en-US"/>
+          </a:p>
+        </p:txBody>
+      </p:sp>
+      <p:sp>
+        <p:nvSpPr>
+          <p:cNvPr id="6" name="Footer Placeholder 5"/>
+          <p:cNvSpPr>
+            <a:spLocks noGrp="1"/>
+          </p:cNvSpPr>
+          <p:nvPr>
+            <p:ph type="ftr" sz="quarter" idx="4"/>
+          </p:nvPr>
+        </p:nvSpPr>
+        <p:spPr>
+          <a:xfrm>
+            <a:off x="0" y="8685213"/>
+            <a:ext cx="2971800" cy="458787"/>
+          </a:xfrm>
+          <a:prstGeom prst="rect">
+            <a:avLst/>
+          </a:prstGeom>
+        </p:spPr>
+        <p:txBody>
+          <a:bodyPr vert="horz" lIns="91440" tIns="45720" rIns="91440" bIns="45720" rtlCol="0" anchor="b"/>
+          <a:lstStyle>
+            <a:lvl1pPr algn="l">
+              <a:defRPr sz="1200"/>
+            </a:lvl1pPr>
+          </a:lstStyle>
+          <a:p>
+            <a:endParaRPr lang="en-US"/>
+          </a:p>
+        </p:txBody>
+      </p:sp>
+      <p:sp>
+        <p:nvSpPr>
+          <p:cNvPr id="7" name="Slide Number Placeholder 6"/>
+          <p:cNvSpPr>
+            <a:spLocks noGrp="1"/>
+          </p:cNvSpPr>
+          <p:nvPr>
+            <p:ph type="sldNum" sz="quarter" idx="5"/>
+          </p:nvPr>
+        </p:nvSpPr>
+        <p:spPr>
+          <a:xfrm>
+            <a:off x="3884613" y="8685213"/>
+            <a:ext cx="2971800" cy="458787"/>
+          </a:xfrm>
+          <a:prstGeom prst="rect">
+            <a:avLst/>
+          </a:prstGeom>
+        </p:spPr>
+        <p:txBody>
+          <a:bodyPr vert="horz" lIns="91440" tIns="45720" rIns="91440" bIns="45720" rtlCol="0" anchor="b"/>
+          <a:lstStyle>
+            <a:lvl1pPr algn="r">
+              <a:defRPr sz="1200"/>
+            </a:lvl1pPr>
+          </a:lstStyle>
+          <a:p>
+            <a:fld id="{8A280C65-2AF4-CD49-8866-AAA80C38E75C}" type="slidenum">
+              <a:rPr lang="en-US" smtClean="0"/>
+              <a:t>‹#›</a:t>
+            </a:fld>
+            <a:endParaRPr lang="en-US"/>
+          </a:p>
+        </p:txBody>
+      </p:sp>
+    </p:spTree>
+    <p:extLst>
+      <p:ext uri="{BB962C8B-B14F-4D97-AF65-F5344CB8AC3E}">
+        <p14:creationId xmlns:p14="http://schemas.microsoft.com/office/powerpoint/2010/main" val="2019607950"/>
+      </p:ext>
+    </p:extLst>
+  </p:cSld>
+  <p:clrMap bg1="lt1" tx1="dk1" bg2="lt2" tx2="dk2" accent1="accent1" accent2="accent2" accent3="accent3" accent4="accent4" accent5="accent5" accent6="accent6" hlink="hlink" folHlink="folHlink"/>
+  <p:notesStyle>
+    <a:lvl1pPr marL="0" algn="l" defTabSz="914400" rtl="0" eaLnBrk="1" latinLnBrk="0" hangingPunct="1">
+      <a:defRPr sz="1200" kern="1200">
+        <a:solidFill>
+          <a:schemeClr val="tx1"/>
+        </a:solidFill>
+        <a:latin typeface="+mn-lt"/>
+        <a:ea typeface="+mn-ea"/>
+        <a:cs typeface="+mn-cs"/>
+      </a:defRPr>
+    </a:lvl1pPr>
+    <a:lvl2pPr marL="457200" algn="l" defTabSz="914400" rtl="0" eaLnBrk="1" latinLnBrk="0" hangingPunct="1">
+      <a:defRPr sz="1200" kern="1200">
+        <a:solidFill>
+          <a:schemeClr val="tx1"/>
+        </a:solidFill>
+        <a:latin typeface="+mn-lt"/>
+        <a:ea typeface="+mn-ea"/>
+        <a:cs typeface="+mn-cs"/>
+      </a:defRPr>
+    </a:lvl2pPr>
+    <a:lvl3pPr marL="914400" algn="l" defTabSz="914400" rtl="0" eaLnBrk="1" latinLnBrk="0" hangingPunct="1">
+      <a:defRPr sz="1200" kern="1200">
+        <a:solidFill>
+          <a:schemeClr val="tx1"/>
+        </a:solidFill>
+        <a:latin typeface="+mn-lt"/>
+        <a:ea typeface="+mn-ea"/>
+        <a:cs typeface="+mn-cs"/>
+      </a:defRPr>
+    </a:lvl3pPr>
+    <a:lvl4pPr marL="1371600" algn="l" defTabSz="914400" rtl="0" eaLnBrk="1" latinLnBrk="0" hangingPunct="1">
+      <a:defRPr sz="1200" kern="1200">
+        <a:solidFill>
+          <a:schemeClr val="tx1"/>
+        </a:solidFill>
+        <a:latin typeface="+mn-lt"/>
+        <a:ea typeface="+mn-ea"/>
+        <a:cs typeface="+mn-cs"/>
+      </a:defRPr>
+    </a:lvl4pPr>
+    <a:lvl5pPr marL="1828800" algn="l" defTabSz="914400" rtl="0" eaLnBrk="1" latinLnBrk="0" hangingPunct="1">
+      <a:defRPr sz="1200" kern="1200">
+        <a:solidFill>
+          <a:schemeClr val="tx1"/>
+        </a:solidFill>
+        <a:latin typeface="+mn-lt"/>
+        <a:ea typeface="+mn-ea"/>
+        <a:cs typeface="+mn-cs"/>
+      </a:defRPr>
+    </a:lvl5pPr>
+    <a:lvl6pPr marL="2286000" algn="l" defTabSz="914400" rtl="0" eaLnBrk="1" latinLnBrk="0" hangingPunct="1">
+      <a:defRPr sz="1200" kern="1200">
+        <a:solidFill>
+          <a:schemeClr val="tx1"/>
+        </a:solidFill>
+        <a:latin typeface="+mn-lt"/>
+        <a:ea typeface="+mn-ea"/>
+        <a:cs typeface="+mn-cs"/>
+      </a:defRPr>
+    </a:lvl6pPr>
+    <a:lvl7pPr marL="2743200" algn="l" defTabSz="914400" rtl="0" eaLnBrk="1" latinLnBrk="0" hangingPunct="1">
+      <a:defRPr sz="1200" kern="1200">
+        <a:solidFill>
+          <a:schemeClr val="tx1"/>
+        </a:solidFill>
+        <a:latin typeface="+mn-lt"/>
+        <a:ea typeface="+mn-ea"/>
+        <a:cs typeface="+mn-cs"/>
+      </a:defRPr>
+    </a:lvl7pPr>
+    <a:lvl8pPr marL="3200400" algn="l" defTabSz="914400" rtl="0" eaLnBrk="1" latinLnBrk="0" hangingPunct="1">
+      <a:defRPr sz="1200" kern="1200">
+        <a:solidFill>
+          <a:schemeClr val="tx1"/>
+        </a:solidFill>
+        <a:latin typeface="+mn-lt"/>
+        <a:ea typeface="+mn-ea"/>
+        <a:cs typeface="+mn-cs"/>
+      </a:defRPr>
+    </a:lvl8pPr>
+    <a:lvl9pPr marL="3657600" algn="l" defTabSz="914400" rtl="0" eaLnBrk="1" latinLnBrk="0" hangingPunct="1">
+      <a:defRPr sz="1200" kern="1200">
+        <a:solidFill>
+          <a:schemeClr val="tx1"/>
+        </a:solidFill>
+        <a:latin typeface="+mn-lt"/>
+        <a:ea typeface="+mn-ea"/>
+        <a:cs typeface="+mn-cs"/>
+      </a:defRPr>
+    </a:lvl9pPr>
+  </p:notesStyle>
+</p:notesMaster>
+</file>
+
 <file path=ppt/slideLayouts/slideLayout1.xml><?xml version="1.0" encoding="utf-8"?>
 <p:sldLayout xmlns:a="http://schemas.openxmlformats.org/drawingml/2006/main" xmlns:r="http://schemas.openxmlformats.org/officeDocument/2006/relationships" xmlns:p="http://schemas.openxmlformats.org/presentationml/2006/main" type="title" preserve="1">
   <p:cSld name="Title Slide">
@@ -140,7 +494,7 @@
           <p:cNvPr id="2" name="Title 1">
             <a:extLst>
               <a:ext uri="{FF2B5EF4-FFF2-40B4-BE49-F238E27FC236}">
-                <a16:creationId xmlns:a16="http://schemas.microsoft.com/office/drawing/2014/main" id="{57408E29-AA1C-4A4B-88C1-1F10405D285C}"/>
+                <a16:creationId xmlns:a16="http://schemas.microsoft.com/office/drawing/2014/main" xmlns="" id="{57408E29-AA1C-4A4B-88C1-1F10405D285C}"/>
               </a:ext>
             </a:extLst>
           </p:cNvPr>
@@ -177,7 +531,7 @@
           <p:cNvPr id="3" name="Subtitle 2">
             <a:extLst>
               <a:ext uri="{FF2B5EF4-FFF2-40B4-BE49-F238E27FC236}">
-                <a16:creationId xmlns:a16="http://schemas.microsoft.com/office/drawing/2014/main" id="{AA1C907A-7B55-40B5-B2A2-9EB49361754A}"/>
+                <a16:creationId xmlns:a16="http://schemas.microsoft.com/office/drawing/2014/main" xmlns="" id="{AA1C907A-7B55-40B5-B2A2-9EB49361754A}"/>
               </a:ext>
             </a:extLst>
           </p:cNvPr>
@@ -247,7 +601,7 @@
           <p:cNvPr id="4" name="Date Placeholder 3">
             <a:extLst>
               <a:ext uri="{FF2B5EF4-FFF2-40B4-BE49-F238E27FC236}">
-                <a16:creationId xmlns:a16="http://schemas.microsoft.com/office/drawing/2014/main" id="{3E22EB00-8C25-4160-9AB4-B3167D32D4B1}"/>
+                <a16:creationId xmlns:a16="http://schemas.microsoft.com/office/drawing/2014/main" xmlns="" id="{3E22EB00-8C25-4160-9AB4-B3167D32D4B1}"/>
               </a:ext>
             </a:extLst>
           </p:cNvPr>
@@ -265,7 +619,7 @@
           <a:p>
             <a:fld id="{8DF5CEE9-28B3-4BEE-B788-23D0A3A35C13}" type="datetimeFigureOut">
               <a:rPr lang="en-US" smtClean="0"/>
-              <a:t>4/11/2018</a:t>
+              <a:t>4/11/18</a:t>
             </a:fld>
             <a:endParaRPr lang="en-US"/>
           </a:p>
@@ -276,7 +630,7 @@
           <p:cNvPr id="5" name="Footer Placeholder 4">
             <a:extLst>
               <a:ext uri="{FF2B5EF4-FFF2-40B4-BE49-F238E27FC236}">
-                <a16:creationId xmlns:a16="http://schemas.microsoft.com/office/drawing/2014/main" id="{5C0CF17A-D77D-433C-84AE-78BEC137A914}"/>
+                <a16:creationId xmlns:a16="http://schemas.microsoft.com/office/drawing/2014/main" xmlns="" id="{5C0CF17A-D77D-433C-84AE-78BEC137A914}"/>
               </a:ext>
             </a:extLst>
           </p:cNvPr>
@@ -301,7 +655,7 @@
           <p:cNvPr id="6" name="Slide Number Placeholder 5">
             <a:extLst>
               <a:ext uri="{FF2B5EF4-FFF2-40B4-BE49-F238E27FC236}">
-                <a16:creationId xmlns:a16="http://schemas.microsoft.com/office/drawing/2014/main" id="{800691E8-7650-4F5C-9E29-BA7501C6FEFC}"/>
+                <a16:creationId xmlns:a16="http://schemas.microsoft.com/office/drawing/2014/main" xmlns="" id="{800691E8-7650-4F5C-9E29-BA7501C6FEFC}"/>
               </a:ext>
             </a:extLst>
           </p:cNvPr>
@@ -360,7 +714,7 @@
           <p:cNvPr id="2" name="Title 1">
             <a:extLst>
               <a:ext uri="{FF2B5EF4-FFF2-40B4-BE49-F238E27FC236}">
-                <a16:creationId xmlns:a16="http://schemas.microsoft.com/office/drawing/2014/main" id="{2802F50B-07FF-4A80-8CD1-3F96966EFEC4}"/>
+                <a16:creationId xmlns:a16="http://schemas.microsoft.com/office/drawing/2014/main" xmlns="" id="{2802F50B-07FF-4A80-8CD1-3F96966EFEC4}"/>
               </a:ext>
             </a:extLst>
           </p:cNvPr>
@@ -388,7 +742,7 @@
           <p:cNvPr id="3" name="Vertical Text Placeholder 2">
             <a:extLst>
               <a:ext uri="{FF2B5EF4-FFF2-40B4-BE49-F238E27FC236}">
-                <a16:creationId xmlns:a16="http://schemas.microsoft.com/office/drawing/2014/main" id="{82272F4E-0437-47C2-B65A-FBEAD33CBE1A}"/>
+                <a16:creationId xmlns:a16="http://schemas.microsoft.com/office/drawing/2014/main" xmlns="" id="{82272F4E-0437-47C2-B65A-FBEAD33CBE1A}"/>
               </a:ext>
             </a:extLst>
           </p:cNvPr>
@@ -445,7 +799,7 @@
           <p:cNvPr id="4" name="Date Placeholder 3">
             <a:extLst>
               <a:ext uri="{FF2B5EF4-FFF2-40B4-BE49-F238E27FC236}">
-                <a16:creationId xmlns:a16="http://schemas.microsoft.com/office/drawing/2014/main" id="{5C73C92C-59E6-4A8E-8355-9CC9AF0B0A32}"/>
+                <a16:creationId xmlns:a16="http://schemas.microsoft.com/office/drawing/2014/main" xmlns="" id="{5C73C92C-59E6-4A8E-8355-9CC9AF0B0A32}"/>
               </a:ext>
             </a:extLst>
           </p:cNvPr>
@@ -463,7 +817,7 @@
           <a:p>
             <a:fld id="{8DF5CEE9-28B3-4BEE-B788-23D0A3A35C13}" type="datetimeFigureOut">
               <a:rPr lang="en-US" smtClean="0"/>
-              <a:t>4/11/2018</a:t>
+              <a:t>4/11/18</a:t>
             </a:fld>
             <a:endParaRPr lang="en-US"/>
           </a:p>
@@ -474,7 +828,7 @@
           <p:cNvPr id="5" name="Footer Placeholder 4">
             <a:extLst>
               <a:ext uri="{FF2B5EF4-FFF2-40B4-BE49-F238E27FC236}">
-                <a16:creationId xmlns:a16="http://schemas.microsoft.com/office/drawing/2014/main" id="{724F327B-650A-4333-8164-3503002FEDAE}"/>
+                <a16:creationId xmlns:a16="http://schemas.microsoft.com/office/drawing/2014/main" xmlns="" id="{724F327B-650A-4333-8164-3503002FEDAE}"/>
               </a:ext>
             </a:extLst>
           </p:cNvPr>
@@ -499,7 +853,7 @@
           <p:cNvPr id="6" name="Slide Number Placeholder 5">
             <a:extLst>
               <a:ext uri="{FF2B5EF4-FFF2-40B4-BE49-F238E27FC236}">
-                <a16:creationId xmlns:a16="http://schemas.microsoft.com/office/drawing/2014/main" id="{290D241D-DD2E-4998-A714-BBA61D82739D}"/>
+                <a16:creationId xmlns:a16="http://schemas.microsoft.com/office/drawing/2014/main" xmlns="" id="{290D241D-DD2E-4998-A714-BBA61D82739D}"/>
               </a:ext>
             </a:extLst>
           </p:cNvPr>
@@ -558,7 +912,7 @@
           <p:cNvPr id="2" name="Vertical Title 1">
             <a:extLst>
               <a:ext uri="{FF2B5EF4-FFF2-40B4-BE49-F238E27FC236}">
-                <a16:creationId xmlns:a16="http://schemas.microsoft.com/office/drawing/2014/main" id="{C9693F19-1004-4B76-B913-291278A35F98}"/>
+                <a16:creationId xmlns:a16="http://schemas.microsoft.com/office/drawing/2014/main" xmlns="" id="{C9693F19-1004-4B76-B913-291278A35F98}"/>
               </a:ext>
             </a:extLst>
           </p:cNvPr>
@@ -591,7 +945,7 @@
           <p:cNvPr id="3" name="Vertical Text Placeholder 2">
             <a:extLst>
               <a:ext uri="{FF2B5EF4-FFF2-40B4-BE49-F238E27FC236}">
-                <a16:creationId xmlns:a16="http://schemas.microsoft.com/office/drawing/2014/main" id="{CD9A6969-ADC5-4D74-97CC-2D78DE904832}"/>
+                <a16:creationId xmlns:a16="http://schemas.microsoft.com/office/drawing/2014/main" xmlns="" id="{CD9A6969-ADC5-4D74-97CC-2D78DE904832}"/>
               </a:ext>
             </a:extLst>
           </p:cNvPr>
@@ -653,7 +1007,7 @@
           <p:cNvPr id="4" name="Date Placeholder 3">
             <a:extLst>
               <a:ext uri="{FF2B5EF4-FFF2-40B4-BE49-F238E27FC236}">
-                <a16:creationId xmlns:a16="http://schemas.microsoft.com/office/drawing/2014/main" id="{7942C6A5-7719-4279-82C1-CDA709B17991}"/>
+                <a16:creationId xmlns:a16="http://schemas.microsoft.com/office/drawing/2014/main" xmlns="" id="{7942C6A5-7719-4279-82C1-CDA709B17991}"/>
               </a:ext>
             </a:extLst>
           </p:cNvPr>
@@ -671,7 +1025,7 @@
           <a:p>
             <a:fld id="{8DF5CEE9-28B3-4BEE-B788-23D0A3A35C13}" type="datetimeFigureOut">
               <a:rPr lang="en-US" smtClean="0"/>
-              <a:t>4/11/2018</a:t>
+              <a:t>4/11/18</a:t>
             </a:fld>
             <a:endParaRPr lang="en-US"/>
           </a:p>
@@ -682,7 +1036,7 @@
           <p:cNvPr id="5" name="Footer Placeholder 4">
             <a:extLst>
               <a:ext uri="{FF2B5EF4-FFF2-40B4-BE49-F238E27FC236}">
-                <a16:creationId xmlns:a16="http://schemas.microsoft.com/office/drawing/2014/main" id="{663F167F-9ED8-4F68-8EA7-B47343D5AF48}"/>
+                <a16:creationId xmlns:a16="http://schemas.microsoft.com/office/drawing/2014/main" xmlns="" id="{663F167F-9ED8-4F68-8EA7-B47343D5AF48}"/>
               </a:ext>
             </a:extLst>
           </p:cNvPr>
@@ -707,7 +1061,7 @@
           <p:cNvPr id="6" name="Slide Number Placeholder 5">
             <a:extLst>
               <a:ext uri="{FF2B5EF4-FFF2-40B4-BE49-F238E27FC236}">
-                <a16:creationId xmlns:a16="http://schemas.microsoft.com/office/drawing/2014/main" id="{151D484E-EAC4-4329-B8CE-68179BB8F866}"/>
+                <a16:creationId xmlns:a16="http://schemas.microsoft.com/office/drawing/2014/main" xmlns="" id="{151D484E-EAC4-4329-B8CE-68179BB8F866}"/>
               </a:ext>
             </a:extLst>
           </p:cNvPr>
@@ -766,7 +1120,7 @@
           <p:cNvPr id="2" name="Title 1">
             <a:extLst>
               <a:ext uri="{FF2B5EF4-FFF2-40B4-BE49-F238E27FC236}">
-                <a16:creationId xmlns:a16="http://schemas.microsoft.com/office/drawing/2014/main" id="{739514A3-25AB-4BCC-B740-9A386A70BF7C}"/>
+                <a16:creationId xmlns:a16="http://schemas.microsoft.com/office/drawing/2014/main" xmlns="" id="{739514A3-25AB-4BCC-B740-9A386A70BF7C}"/>
               </a:ext>
             </a:extLst>
           </p:cNvPr>
@@ -794,7 +1148,7 @@
           <p:cNvPr id="3" name="Content Placeholder 2">
             <a:extLst>
               <a:ext uri="{FF2B5EF4-FFF2-40B4-BE49-F238E27FC236}">
-                <a16:creationId xmlns:a16="http://schemas.microsoft.com/office/drawing/2014/main" id="{0D30E7FA-9889-448E-AAF0-E0CD30C94C3E}"/>
+                <a16:creationId xmlns:a16="http://schemas.microsoft.com/office/drawing/2014/main" xmlns="" id="{0D30E7FA-9889-448E-AAF0-E0CD30C94C3E}"/>
               </a:ext>
             </a:extLst>
           </p:cNvPr>
@@ -851,7 +1205,7 @@
           <p:cNvPr id="4" name="Date Placeholder 3">
             <a:extLst>
               <a:ext uri="{FF2B5EF4-FFF2-40B4-BE49-F238E27FC236}">
-                <a16:creationId xmlns:a16="http://schemas.microsoft.com/office/drawing/2014/main" id="{0AA9C6F5-5700-44D0-B1F8-2852162B04BB}"/>
+                <a16:creationId xmlns:a16="http://schemas.microsoft.com/office/drawing/2014/main" xmlns="" id="{0AA9C6F5-5700-44D0-B1F8-2852162B04BB}"/>
               </a:ext>
             </a:extLst>
           </p:cNvPr>
@@ -869,7 +1223,7 @@
           <a:p>
             <a:fld id="{8DF5CEE9-28B3-4BEE-B788-23D0A3A35C13}" type="datetimeFigureOut">
               <a:rPr lang="en-US" smtClean="0"/>
-              <a:t>4/11/2018</a:t>
+              <a:t>4/11/18</a:t>
             </a:fld>
             <a:endParaRPr lang="en-US"/>
           </a:p>
@@ -880,7 +1234,7 @@
           <p:cNvPr id="5" name="Footer Placeholder 4">
             <a:extLst>
               <a:ext uri="{FF2B5EF4-FFF2-40B4-BE49-F238E27FC236}">
-                <a16:creationId xmlns:a16="http://schemas.microsoft.com/office/drawing/2014/main" id="{C0703560-D267-4B95-A6EC-C420BB878668}"/>
+                <a16:creationId xmlns:a16="http://schemas.microsoft.com/office/drawing/2014/main" xmlns="" id="{C0703560-D267-4B95-A6EC-C420BB878668}"/>
               </a:ext>
             </a:extLst>
           </p:cNvPr>
@@ -905,7 +1259,7 @@
           <p:cNvPr id="6" name="Slide Number Placeholder 5">
             <a:extLst>
               <a:ext uri="{FF2B5EF4-FFF2-40B4-BE49-F238E27FC236}">
-                <a16:creationId xmlns:a16="http://schemas.microsoft.com/office/drawing/2014/main" id="{7DA04C51-58CB-4D31-A68B-0355B2460AC1}"/>
+                <a16:creationId xmlns:a16="http://schemas.microsoft.com/office/drawing/2014/main" xmlns="" id="{7DA04C51-58CB-4D31-A68B-0355B2460AC1}"/>
               </a:ext>
             </a:extLst>
           </p:cNvPr>
@@ -964,7 +1318,7 @@
           <p:cNvPr id="2" name="Title 1">
             <a:extLst>
               <a:ext uri="{FF2B5EF4-FFF2-40B4-BE49-F238E27FC236}">
-                <a16:creationId xmlns:a16="http://schemas.microsoft.com/office/drawing/2014/main" id="{0FED3DFC-6FDB-4BCC-9806-052E59CBFA3D}"/>
+                <a16:creationId xmlns:a16="http://schemas.microsoft.com/office/drawing/2014/main" xmlns="" id="{0FED3DFC-6FDB-4BCC-9806-052E59CBFA3D}"/>
               </a:ext>
             </a:extLst>
           </p:cNvPr>
@@ -1001,7 +1355,7 @@
           <p:cNvPr id="3" name="Text Placeholder 2">
             <a:extLst>
               <a:ext uri="{FF2B5EF4-FFF2-40B4-BE49-F238E27FC236}">
-                <a16:creationId xmlns:a16="http://schemas.microsoft.com/office/drawing/2014/main" id="{E75E64CB-CB7A-48FA-912F-2137C627B9FC}"/>
+                <a16:creationId xmlns:a16="http://schemas.microsoft.com/office/drawing/2014/main" xmlns="" id="{E75E64CB-CB7A-48FA-912F-2137C627B9FC}"/>
               </a:ext>
             </a:extLst>
           </p:cNvPr>
@@ -1126,7 +1480,7 @@
           <p:cNvPr id="4" name="Date Placeholder 3">
             <a:extLst>
               <a:ext uri="{FF2B5EF4-FFF2-40B4-BE49-F238E27FC236}">
-                <a16:creationId xmlns:a16="http://schemas.microsoft.com/office/drawing/2014/main" id="{8E05B4AC-5920-476D-B646-C449EA7C5E16}"/>
+                <a16:creationId xmlns:a16="http://schemas.microsoft.com/office/drawing/2014/main" xmlns="" id="{8E05B4AC-5920-476D-B646-C449EA7C5E16}"/>
               </a:ext>
             </a:extLst>
           </p:cNvPr>
@@ -1144,7 +1498,7 @@
           <a:p>
             <a:fld id="{8DF5CEE9-28B3-4BEE-B788-23D0A3A35C13}" type="datetimeFigureOut">
               <a:rPr lang="en-US" smtClean="0"/>
-              <a:t>4/11/2018</a:t>
+              <a:t>4/11/18</a:t>
             </a:fld>
             <a:endParaRPr lang="en-US"/>
           </a:p>
@@ -1155,7 +1509,7 @@
           <p:cNvPr id="5" name="Footer Placeholder 4">
             <a:extLst>
               <a:ext uri="{FF2B5EF4-FFF2-40B4-BE49-F238E27FC236}">
-                <a16:creationId xmlns:a16="http://schemas.microsoft.com/office/drawing/2014/main" id="{B1448729-6AB1-4078-9E6C-345B2B3C9971}"/>
+                <a16:creationId xmlns:a16="http://schemas.microsoft.com/office/drawing/2014/main" xmlns="" id="{B1448729-6AB1-4078-9E6C-345B2B3C9971}"/>
               </a:ext>
             </a:extLst>
           </p:cNvPr>
@@ -1180,7 +1534,7 @@
           <p:cNvPr id="6" name="Slide Number Placeholder 5">
             <a:extLst>
               <a:ext uri="{FF2B5EF4-FFF2-40B4-BE49-F238E27FC236}">
-                <a16:creationId xmlns:a16="http://schemas.microsoft.com/office/drawing/2014/main" id="{A403D665-3445-4882-B275-A9D0BAC19814}"/>
+                <a16:creationId xmlns:a16="http://schemas.microsoft.com/office/drawing/2014/main" xmlns="" id="{A403D665-3445-4882-B275-A9D0BAC19814}"/>
               </a:ext>
             </a:extLst>
           </p:cNvPr>
@@ -1239,7 +1593,7 @@
           <p:cNvPr id="2" name="Title 1">
             <a:extLst>
               <a:ext uri="{FF2B5EF4-FFF2-40B4-BE49-F238E27FC236}">
-                <a16:creationId xmlns:a16="http://schemas.microsoft.com/office/drawing/2014/main" id="{5458B58E-ACC8-4F81-8685-0A5CA9B993FB}"/>
+                <a16:creationId xmlns:a16="http://schemas.microsoft.com/office/drawing/2014/main" xmlns="" id="{5458B58E-ACC8-4F81-8685-0A5CA9B993FB}"/>
               </a:ext>
             </a:extLst>
           </p:cNvPr>
@@ -1267,7 +1621,7 @@
           <p:cNvPr id="3" name="Content Placeholder 2">
             <a:extLst>
               <a:ext uri="{FF2B5EF4-FFF2-40B4-BE49-F238E27FC236}">
-                <a16:creationId xmlns:a16="http://schemas.microsoft.com/office/drawing/2014/main" id="{BDA86069-0E18-415D-A5C6-E4DB91225808}"/>
+                <a16:creationId xmlns:a16="http://schemas.microsoft.com/office/drawing/2014/main" xmlns="" id="{BDA86069-0E18-415D-A5C6-E4DB91225808}"/>
               </a:ext>
             </a:extLst>
           </p:cNvPr>
@@ -1329,7 +1683,7 @@
           <p:cNvPr id="4" name="Content Placeholder 3">
             <a:extLst>
               <a:ext uri="{FF2B5EF4-FFF2-40B4-BE49-F238E27FC236}">
-                <a16:creationId xmlns:a16="http://schemas.microsoft.com/office/drawing/2014/main" id="{8DCE8911-319E-4040-8B5A-A8146E9E135E}"/>
+                <a16:creationId xmlns:a16="http://schemas.microsoft.com/office/drawing/2014/main" xmlns="" id="{8DCE8911-319E-4040-8B5A-A8146E9E135E}"/>
               </a:ext>
             </a:extLst>
           </p:cNvPr>
@@ -1391,7 +1745,7 @@
           <p:cNvPr id="5" name="Date Placeholder 4">
             <a:extLst>
               <a:ext uri="{FF2B5EF4-FFF2-40B4-BE49-F238E27FC236}">
-                <a16:creationId xmlns:a16="http://schemas.microsoft.com/office/drawing/2014/main" id="{172B017F-BB1F-4B6F-8914-90542C3CE1BB}"/>
+                <a16:creationId xmlns:a16="http://schemas.microsoft.com/office/drawing/2014/main" xmlns="" id="{172B017F-BB1F-4B6F-8914-90542C3CE1BB}"/>
               </a:ext>
             </a:extLst>
           </p:cNvPr>
@@ -1409,7 +1763,7 @@
           <a:p>
             <a:fld id="{8DF5CEE9-28B3-4BEE-B788-23D0A3A35C13}" type="datetimeFigureOut">
               <a:rPr lang="en-US" smtClean="0"/>
-              <a:t>4/11/2018</a:t>
+              <a:t>4/11/18</a:t>
             </a:fld>
             <a:endParaRPr lang="en-US"/>
           </a:p>
@@ -1420,7 +1774,7 @@
           <p:cNvPr id="6" name="Footer Placeholder 5">
             <a:extLst>
               <a:ext uri="{FF2B5EF4-FFF2-40B4-BE49-F238E27FC236}">
-                <a16:creationId xmlns:a16="http://schemas.microsoft.com/office/drawing/2014/main" id="{653D8A07-C125-4874-AACF-A34E87F90963}"/>
+                <a16:creationId xmlns:a16="http://schemas.microsoft.com/office/drawing/2014/main" xmlns="" id="{653D8A07-C125-4874-AACF-A34E87F90963}"/>
               </a:ext>
             </a:extLst>
           </p:cNvPr>
@@ -1445,7 +1799,7 @@
           <p:cNvPr id="7" name="Slide Number Placeholder 6">
             <a:extLst>
               <a:ext uri="{FF2B5EF4-FFF2-40B4-BE49-F238E27FC236}">
-                <a16:creationId xmlns:a16="http://schemas.microsoft.com/office/drawing/2014/main" id="{A572CB05-17A6-4893-A7B3-FDBA3E4DA2B3}"/>
+                <a16:creationId xmlns:a16="http://schemas.microsoft.com/office/drawing/2014/main" xmlns="" id="{A572CB05-17A6-4893-A7B3-FDBA3E4DA2B3}"/>
               </a:ext>
             </a:extLst>
           </p:cNvPr>
@@ -1504,7 +1858,7 @@
           <p:cNvPr id="2" name="Title 1">
             <a:extLst>
               <a:ext uri="{FF2B5EF4-FFF2-40B4-BE49-F238E27FC236}">
-                <a16:creationId xmlns:a16="http://schemas.microsoft.com/office/drawing/2014/main" id="{931445B3-4EAF-4784-ABB2-926A5EAD68C6}"/>
+                <a16:creationId xmlns:a16="http://schemas.microsoft.com/office/drawing/2014/main" xmlns="" id="{931445B3-4EAF-4784-ABB2-926A5EAD68C6}"/>
               </a:ext>
             </a:extLst>
           </p:cNvPr>
@@ -1537,7 +1891,7 @@
           <p:cNvPr id="3" name="Text Placeholder 2">
             <a:extLst>
               <a:ext uri="{FF2B5EF4-FFF2-40B4-BE49-F238E27FC236}">
-                <a16:creationId xmlns:a16="http://schemas.microsoft.com/office/drawing/2014/main" id="{178A7E61-4D5A-4F4A-9DC7-93F0CCCC9952}"/>
+                <a16:creationId xmlns:a16="http://schemas.microsoft.com/office/drawing/2014/main" xmlns="" id="{178A7E61-4D5A-4F4A-9DC7-93F0CCCC9952}"/>
               </a:ext>
             </a:extLst>
           </p:cNvPr>
@@ -1608,7 +1962,7 @@
           <p:cNvPr id="4" name="Content Placeholder 3">
             <a:extLst>
               <a:ext uri="{FF2B5EF4-FFF2-40B4-BE49-F238E27FC236}">
-                <a16:creationId xmlns:a16="http://schemas.microsoft.com/office/drawing/2014/main" id="{87A2F91D-946D-42F7-B065-2F323073C323}"/>
+                <a16:creationId xmlns:a16="http://schemas.microsoft.com/office/drawing/2014/main" xmlns="" id="{87A2F91D-946D-42F7-B065-2F323073C323}"/>
               </a:ext>
             </a:extLst>
           </p:cNvPr>
@@ -1670,7 +2024,7 @@
           <p:cNvPr id="5" name="Text Placeholder 4">
             <a:extLst>
               <a:ext uri="{FF2B5EF4-FFF2-40B4-BE49-F238E27FC236}">
-                <a16:creationId xmlns:a16="http://schemas.microsoft.com/office/drawing/2014/main" id="{74E628C4-BD01-4288-9903-B4C20F874AEB}"/>
+                <a16:creationId xmlns:a16="http://schemas.microsoft.com/office/drawing/2014/main" xmlns="" id="{74E628C4-BD01-4288-9903-B4C20F874AEB}"/>
               </a:ext>
             </a:extLst>
           </p:cNvPr>
@@ -1741,7 +2095,7 @@
           <p:cNvPr id="6" name="Content Placeholder 5">
             <a:extLst>
               <a:ext uri="{FF2B5EF4-FFF2-40B4-BE49-F238E27FC236}">
-                <a16:creationId xmlns:a16="http://schemas.microsoft.com/office/drawing/2014/main" id="{158DB7E5-A168-45B7-87BE-D46735EAD0DC}"/>
+                <a16:creationId xmlns:a16="http://schemas.microsoft.com/office/drawing/2014/main" xmlns="" id="{158DB7E5-A168-45B7-87BE-D46735EAD0DC}"/>
               </a:ext>
             </a:extLst>
           </p:cNvPr>
@@ -1803,7 +2157,7 @@
           <p:cNvPr id="7" name="Date Placeholder 6">
             <a:extLst>
               <a:ext uri="{FF2B5EF4-FFF2-40B4-BE49-F238E27FC236}">
-                <a16:creationId xmlns:a16="http://schemas.microsoft.com/office/drawing/2014/main" id="{A7354B34-C8B4-4777-A960-52E6BBE711EB}"/>
+                <a16:creationId xmlns:a16="http://schemas.microsoft.com/office/drawing/2014/main" xmlns="" id="{A7354B34-C8B4-4777-A960-52E6BBE711EB}"/>
               </a:ext>
             </a:extLst>
           </p:cNvPr>
@@ -1821,7 +2175,7 @@
           <a:p>
             <a:fld id="{8DF5CEE9-28B3-4BEE-B788-23D0A3A35C13}" type="datetimeFigureOut">
               <a:rPr lang="en-US" smtClean="0"/>
-              <a:t>4/11/2018</a:t>
+              <a:t>4/11/18</a:t>
             </a:fld>
             <a:endParaRPr lang="en-US"/>
           </a:p>
@@ -1832,7 +2186,7 @@
           <p:cNvPr id="8" name="Footer Placeholder 7">
             <a:extLst>
               <a:ext uri="{FF2B5EF4-FFF2-40B4-BE49-F238E27FC236}">
-                <a16:creationId xmlns:a16="http://schemas.microsoft.com/office/drawing/2014/main" id="{3D6D2EC8-B3CB-4318-95BA-29FD732967FE}"/>
+                <a16:creationId xmlns:a16="http://schemas.microsoft.com/office/drawing/2014/main" xmlns="" id="{3D6D2EC8-B3CB-4318-95BA-29FD732967FE}"/>
               </a:ext>
             </a:extLst>
           </p:cNvPr>
@@ -1857,7 +2211,7 @@
           <p:cNvPr id="9" name="Slide Number Placeholder 8">
             <a:extLst>
               <a:ext uri="{FF2B5EF4-FFF2-40B4-BE49-F238E27FC236}">
-                <a16:creationId xmlns:a16="http://schemas.microsoft.com/office/drawing/2014/main" id="{78BC3940-E77B-4544-AEDD-6106DC568AA5}"/>
+                <a16:creationId xmlns:a16="http://schemas.microsoft.com/office/drawing/2014/main" xmlns="" id="{78BC3940-E77B-4544-AEDD-6106DC568AA5}"/>
               </a:ext>
             </a:extLst>
           </p:cNvPr>
@@ -1916,7 +2270,7 @@
           <p:cNvPr id="2" name="Title 1">
             <a:extLst>
               <a:ext uri="{FF2B5EF4-FFF2-40B4-BE49-F238E27FC236}">
-                <a16:creationId xmlns:a16="http://schemas.microsoft.com/office/drawing/2014/main" id="{4F4A4B21-5B29-48B4-B09C-443B0FFE046A}"/>
+                <a16:creationId xmlns:a16="http://schemas.microsoft.com/office/drawing/2014/main" xmlns="" id="{4F4A4B21-5B29-48B4-B09C-443B0FFE046A}"/>
               </a:ext>
             </a:extLst>
           </p:cNvPr>
@@ -1944,7 +2298,7 @@
           <p:cNvPr id="3" name="Date Placeholder 2">
             <a:extLst>
               <a:ext uri="{FF2B5EF4-FFF2-40B4-BE49-F238E27FC236}">
-                <a16:creationId xmlns:a16="http://schemas.microsoft.com/office/drawing/2014/main" id="{2F2CE3F3-1757-4D43-84E2-549BD749E928}"/>
+                <a16:creationId xmlns:a16="http://schemas.microsoft.com/office/drawing/2014/main" xmlns="" id="{2F2CE3F3-1757-4D43-84E2-549BD749E928}"/>
               </a:ext>
             </a:extLst>
           </p:cNvPr>
@@ -1962,7 +2316,7 @@
           <a:p>
             <a:fld id="{8DF5CEE9-28B3-4BEE-B788-23D0A3A35C13}" type="datetimeFigureOut">
               <a:rPr lang="en-US" smtClean="0"/>
-              <a:t>4/11/2018</a:t>
+              <a:t>4/11/18</a:t>
             </a:fld>
             <a:endParaRPr lang="en-US"/>
           </a:p>
@@ -1973,7 +2327,7 @@
           <p:cNvPr id="4" name="Footer Placeholder 3">
             <a:extLst>
               <a:ext uri="{FF2B5EF4-FFF2-40B4-BE49-F238E27FC236}">
-                <a16:creationId xmlns:a16="http://schemas.microsoft.com/office/drawing/2014/main" id="{B54165DF-5B7A-4DC8-A01D-E5FA4E041B52}"/>
+                <a16:creationId xmlns:a16="http://schemas.microsoft.com/office/drawing/2014/main" xmlns="" id="{B54165DF-5B7A-4DC8-A01D-E5FA4E041B52}"/>
               </a:ext>
             </a:extLst>
           </p:cNvPr>
@@ -1998,7 +2352,7 @@
           <p:cNvPr id="5" name="Slide Number Placeholder 4">
             <a:extLst>
               <a:ext uri="{FF2B5EF4-FFF2-40B4-BE49-F238E27FC236}">
-                <a16:creationId xmlns:a16="http://schemas.microsoft.com/office/drawing/2014/main" id="{36C2DB6A-A138-4BC1-9D28-3CA0328BCC9F}"/>
+                <a16:creationId xmlns:a16="http://schemas.microsoft.com/office/drawing/2014/main" xmlns="" id="{36C2DB6A-A138-4BC1-9D28-3CA0328BCC9F}"/>
               </a:ext>
             </a:extLst>
           </p:cNvPr>
@@ -2057,7 +2411,7 @@
           <p:cNvPr id="2" name="Date Placeholder 1">
             <a:extLst>
               <a:ext uri="{FF2B5EF4-FFF2-40B4-BE49-F238E27FC236}">
-                <a16:creationId xmlns:a16="http://schemas.microsoft.com/office/drawing/2014/main" id="{1985142A-6BBA-4C66-9331-A5DED15B9B72}"/>
+                <a16:creationId xmlns:a16="http://schemas.microsoft.com/office/drawing/2014/main" xmlns="" id="{1985142A-6BBA-4C66-9331-A5DED15B9B72}"/>
               </a:ext>
             </a:extLst>
           </p:cNvPr>
@@ -2075,7 +2429,7 @@
           <a:p>
             <a:fld id="{8DF5CEE9-28B3-4BEE-B788-23D0A3A35C13}" type="datetimeFigureOut">
               <a:rPr lang="en-US" smtClean="0"/>
-              <a:t>4/11/2018</a:t>
+              <a:t>4/11/18</a:t>
             </a:fld>
             <a:endParaRPr lang="en-US"/>
           </a:p>
@@ -2086,7 +2440,7 @@
           <p:cNvPr id="3" name="Footer Placeholder 2">
             <a:extLst>
               <a:ext uri="{FF2B5EF4-FFF2-40B4-BE49-F238E27FC236}">
-                <a16:creationId xmlns:a16="http://schemas.microsoft.com/office/drawing/2014/main" id="{DE24B223-CFE7-4F42-BE68-9CF7D30BE23A}"/>
+                <a16:creationId xmlns:a16="http://schemas.microsoft.com/office/drawing/2014/main" xmlns="" id="{DE24B223-CFE7-4F42-BE68-9CF7D30BE23A}"/>
               </a:ext>
             </a:extLst>
           </p:cNvPr>
@@ -2111,7 +2465,7 @@
           <p:cNvPr id="4" name="Slide Number Placeholder 3">
             <a:extLst>
               <a:ext uri="{FF2B5EF4-FFF2-40B4-BE49-F238E27FC236}">
-                <a16:creationId xmlns:a16="http://schemas.microsoft.com/office/drawing/2014/main" id="{1D279A59-9943-4EB7-A2F8-15E78831D7D3}"/>
+                <a16:creationId xmlns:a16="http://schemas.microsoft.com/office/drawing/2014/main" xmlns="" id="{1D279A59-9943-4EB7-A2F8-15E78831D7D3}"/>
               </a:ext>
             </a:extLst>
           </p:cNvPr>
@@ -2170,7 +2524,7 @@
           <p:cNvPr id="2" name="Title 1">
             <a:extLst>
               <a:ext uri="{FF2B5EF4-FFF2-40B4-BE49-F238E27FC236}">
-                <a16:creationId xmlns:a16="http://schemas.microsoft.com/office/drawing/2014/main" id="{5B462408-5DD8-4600-838A-986E55FA6F84}"/>
+                <a16:creationId xmlns:a16="http://schemas.microsoft.com/office/drawing/2014/main" xmlns="" id="{5B462408-5DD8-4600-838A-986E55FA6F84}"/>
               </a:ext>
             </a:extLst>
           </p:cNvPr>
@@ -2207,7 +2561,7 @@
           <p:cNvPr id="3" name="Content Placeholder 2">
             <a:extLst>
               <a:ext uri="{FF2B5EF4-FFF2-40B4-BE49-F238E27FC236}">
-                <a16:creationId xmlns:a16="http://schemas.microsoft.com/office/drawing/2014/main" id="{E6336516-9569-4493-8D9C-FD3DB03E02CC}"/>
+                <a16:creationId xmlns:a16="http://schemas.microsoft.com/office/drawing/2014/main" xmlns="" id="{E6336516-9569-4493-8D9C-FD3DB03E02CC}"/>
               </a:ext>
             </a:extLst>
           </p:cNvPr>
@@ -2297,7 +2651,7 @@
           <p:cNvPr id="4" name="Text Placeholder 3">
             <a:extLst>
               <a:ext uri="{FF2B5EF4-FFF2-40B4-BE49-F238E27FC236}">
-                <a16:creationId xmlns:a16="http://schemas.microsoft.com/office/drawing/2014/main" id="{24DF1F73-F2FE-411C-85BB-7137B9F6CD9B}"/>
+                <a16:creationId xmlns:a16="http://schemas.microsoft.com/office/drawing/2014/main" xmlns="" id="{24DF1F73-F2FE-411C-85BB-7137B9F6CD9B}"/>
               </a:ext>
             </a:extLst>
           </p:cNvPr>
@@ -2368,7 +2722,7 @@
           <p:cNvPr id="5" name="Date Placeholder 4">
             <a:extLst>
               <a:ext uri="{FF2B5EF4-FFF2-40B4-BE49-F238E27FC236}">
-                <a16:creationId xmlns:a16="http://schemas.microsoft.com/office/drawing/2014/main" id="{5A7075AE-DD43-47ED-9353-2981910F72E6}"/>
+                <a16:creationId xmlns:a16="http://schemas.microsoft.com/office/drawing/2014/main" xmlns="" id="{5A7075AE-DD43-47ED-9353-2981910F72E6}"/>
               </a:ext>
             </a:extLst>
           </p:cNvPr>
@@ -2386,7 +2740,7 @@
           <a:p>
             <a:fld id="{8DF5CEE9-28B3-4BEE-B788-23D0A3A35C13}" type="datetimeFigureOut">
               <a:rPr lang="en-US" smtClean="0"/>
-              <a:t>4/11/2018</a:t>
+              <a:t>4/11/18</a:t>
             </a:fld>
             <a:endParaRPr lang="en-US"/>
           </a:p>
@@ -2397,7 +2751,7 @@
           <p:cNvPr id="6" name="Footer Placeholder 5">
             <a:extLst>
               <a:ext uri="{FF2B5EF4-FFF2-40B4-BE49-F238E27FC236}">
-                <a16:creationId xmlns:a16="http://schemas.microsoft.com/office/drawing/2014/main" id="{E1541421-2D19-4385-A05E-1C0E2A35B7AE}"/>
+                <a16:creationId xmlns:a16="http://schemas.microsoft.com/office/drawing/2014/main" xmlns="" id="{E1541421-2D19-4385-A05E-1C0E2A35B7AE}"/>
               </a:ext>
             </a:extLst>
           </p:cNvPr>
@@ -2422,7 +2776,7 @@
           <p:cNvPr id="7" name="Slide Number Placeholder 6">
             <a:extLst>
               <a:ext uri="{FF2B5EF4-FFF2-40B4-BE49-F238E27FC236}">
-                <a16:creationId xmlns:a16="http://schemas.microsoft.com/office/drawing/2014/main" id="{84C7F275-3E40-4873-BCBF-4C5814781A58}"/>
+                <a16:creationId xmlns:a16="http://schemas.microsoft.com/office/drawing/2014/main" xmlns="" id="{84C7F275-3E40-4873-BCBF-4C5814781A58}"/>
               </a:ext>
             </a:extLst>
           </p:cNvPr>
@@ -2481,7 +2835,7 @@
           <p:cNvPr id="2" name="Title 1">
             <a:extLst>
               <a:ext uri="{FF2B5EF4-FFF2-40B4-BE49-F238E27FC236}">
-                <a16:creationId xmlns:a16="http://schemas.microsoft.com/office/drawing/2014/main" id="{7CB84DDD-6551-4D2D-8879-1826E1FBCB24}"/>
+                <a16:creationId xmlns:a16="http://schemas.microsoft.com/office/drawing/2014/main" xmlns="" id="{7CB84DDD-6551-4D2D-8879-1826E1FBCB24}"/>
               </a:ext>
             </a:extLst>
           </p:cNvPr>
@@ -2518,7 +2872,7 @@
           <p:cNvPr id="3" name="Picture Placeholder 2">
             <a:extLst>
               <a:ext uri="{FF2B5EF4-FFF2-40B4-BE49-F238E27FC236}">
-                <a16:creationId xmlns:a16="http://schemas.microsoft.com/office/drawing/2014/main" id="{A18CDCD5-20FA-47CB-8373-5CA5AC5ACBB2}"/>
+                <a16:creationId xmlns:a16="http://schemas.microsoft.com/office/drawing/2014/main" xmlns="" id="{A18CDCD5-20FA-47CB-8373-5CA5AC5ACBB2}"/>
               </a:ext>
             </a:extLst>
           </p:cNvPr>
@@ -2585,7 +2939,7 @@
           <p:cNvPr id="4" name="Text Placeholder 3">
             <a:extLst>
               <a:ext uri="{FF2B5EF4-FFF2-40B4-BE49-F238E27FC236}">
-                <a16:creationId xmlns:a16="http://schemas.microsoft.com/office/drawing/2014/main" id="{1EBECFBB-91C8-4429-A2A7-097C36EF639D}"/>
+                <a16:creationId xmlns:a16="http://schemas.microsoft.com/office/drawing/2014/main" xmlns="" id="{1EBECFBB-91C8-4429-A2A7-097C36EF639D}"/>
               </a:ext>
             </a:extLst>
           </p:cNvPr>
@@ -2656,7 +3010,7 @@
           <p:cNvPr id="5" name="Date Placeholder 4">
             <a:extLst>
               <a:ext uri="{FF2B5EF4-FFF2-40B4-BE49-F238E27FC236}">
-                <a16:creationId xmlns:a16="http://schemas.microsoft.com/office/drawing/2014/main" id="{D424B268-666D-409B-AB54-AE7F0753C1BE}"/>
+                <a16:creationId xmlns:a16="http://schemas.microsoft.com/office/drawing/2014/main" xmlns="" id="{D424B268-666D-409B-AB54-AE7F0753C1BE}"/>
               </a:ext>
             </a:extLst>
           </p:cNvPr>
@@ -2674,7 +3028,7 @@
           <a:p>
             <a:fld id="{8DF5CEE9-28B3-4BEE-B788-23D0A3A35C13}" type="datetimeFigureOut">
               <a:rPr lang="en-US" smtClean="0"/>
-              <a:t>4/11/2018</a:t>
+              <a:t>4/11/18</a:t>
             </a:fld>
             <a:endParaRPr lang="en-US"/>
           </a:p>
@@ -2685,7 +3039,7 @@
           <p:cNvPr id="6" name="Footer Placeholder 5">
             <a:extLst>
               <a:ext uri="{FF2B5EF4-FFF2-40B4-BE49-F238E27FC236}">
-                <a16:creationId xmlns:a16="http://schemas.microsoft.com/office/drawing/2014/main" id="{3A8E44B3-375C-42F8-9B40-D6BFFC438856}"/>
+                <a16:creationId xmlns:a16="http://schemas.microsoft.com/office/drawing/2014/main" xmlns="" id="{3A8E44B3-375C-42F8-9B40-D6BFFC438856}"/>
               </a:ext>
             </a:extLst>
           </p:cNvPr>
@@ -2710,7 +3064,7 @@
           <p:cNvPr id="7" name="Slide Number Placeholder 6">
             <a:extLst>
               <a:ext uri="{FF2B5EF4-FFF2-40B4-BE49-F238E27FC236}">
-                <a16:creationId xmlns:a16="http://schemas.microsoft.com/office/drawing/2014/main" id="{B464809D-04D0-4960-B595-1596734563B1}"/>
+                <a16:creationId xmlns:a16="http://schemas.microsoft.com/office/drawing/2014/main" xmlns="" id="{B464809D-04D0-4960-B595-1596734563B1}"/>
               </a:ext>
             </a:extLst>
           </p:cNvPr>
@@ -2774,7 +3128,7 @@
           <p:cNvPr id="2" name="Title Placeholder 1">
             <a:extLst>
               <a:ext uri="{FF2B5EF4-FFF2-40B4-BE49-F238E27FC236}">
-                <a16:creationId xmlns:a16="http://schemas.microsoft.com/office/drawing/2014/main" id="{2772C003-87CA-4D63-9A07-54FAC84B4432}"/>
+                <a16:creationId xmlns:a16="http://schemas.microsoft.com/office/drawing/2014/main" xmlns="" id="{2772C003-87CA-4D63-9A07-54FAC84B4432}"/>
               </a:ext>
             </a:extLst>
           </p:cNvPr>
@@ -2812,7 +3166,7 @@
           <p:cNvPr id="3" name="Text Placeholder 2">
             <a:extLst>
               <a:ext uri="{FF2B5EF4-FFF2-40B4-BE49-F238E27FC236}">
-                <a16:creationId xmlns:a16="http://schemas.microsoft.com/office/drawing/2014/main" id="{A0940D3F-541F-4DEF-B01C-188FB662CD1C}"/>
+                <a16:creationId xmlns:a16="http://schemas.microsoft.com/office/drawing/2014/main" xmlns="" id="{A0940D3F-541F-4DEF-B01C-188FB662CD1C}"/>
               </a:ext>
             </a:extLst>
           </p:cNvPr>
@@ -2879,7 +3233,7 @@
           <p:cNvPr id="4" name="Date Placeholder 3">
             <a:extLst>
               <a:ext uri="{FF2B5EF4-FFF2-40B4-BE49-F238E27FC236}">
-                <a16:creationId xmlns:a16="http://schemas.microsoft.com/office/drawing/2014/main" id="{75AB9A35-511F-4ADE-ACEC-E713A4E7DB49}"/>
+                <a16:creationId xmlns:a16="http://schemas.microsoft.com/office/drawing/2014/main" xmlns="" id="{75AB9A35-511F-4ADE-ACEC-E713A4E7DB49}"/>
               </a:ext>
             </a:extLst>
           </p:cNvPr>
@@ -2915,7 +3269,7 @@
           <a:p>
             <a:fld id="{8DF5CEE9-28B3-4BEE-B788-23D0A3A35C13}" type="datetimeFigureOut">
               <a:rPr lang="en-US" smtClean="0"/>
-              <a:t>4/11/2018</a:t>
+              <a:t>4/11/18</a:t>
             </a:fld>
             <a:endParaRPr lang="en-US"/>
           </a:p>
@@ -2926,7 +3280,7 @@
           <p:cNvPr id="5" name="Footer Placeholder 4">
             <a:extLst>
               <a:ext uri="{FF2B5EF4-FFF2-40B4-BE49-F238E27FC236}">
-                <a16:creationId xmlns:a16="http://schemas.microsoft.com/office/drawing/2014/main" id="{74AF73B6-9852-4671-B1E6-FA65B7D47912}"/>
+                <a16:creationId xmlns:a16="http://schemas.microsoft.com/office/drawing/2014/main" xmlns="" id="{74AF73B6-9852-4671-B1E6-FA65B7D47912}"/>
               </a:ext>
             </a:extLst>
           </p:cNvPr>
@@ -2969,7 +3323,7 @@
           <p:cNvPr id="6" name="Slide Number Placeholder 5">
             <a:extLst>
               <a:ext uri="{FF2B5EF4-FFF2-40B4-BE49-F238E27FC236}">
-                <a16:creationId xmlns:a16="http://schemas.microsoft.com/office/drawing/2014/main" id="{AAAF3E64-2D5A-42FC-B655-4E7552B85024}"/>
+                <a16:creationId xmlns:a16="http://schemas.microsoft.com/office/drawing/2014/main" xmlns="" id="{AAAF3E64-2D5A-42FC-B655-4E7552B85024}"/>
               </a:ext>
             </a:extLst>
           </p:cNvPr>
@@ -3337,7 +3691,7 @@
           <p:cNvPr id="4" name="Rectangle 3">
             <a:extLst>
               <a:ext uri="{FF2B5EF4-FFF2-40B4-BE49-F238E27FC236}">
-                <a16:creationId xmlns:a16="http://schemas.microsoft.com/office/drawing/2014/main" id="{D7D7D82B-553E-4D6E-8779-4DC10988A76D}"/>
+                <a16:creationId xmlns:a16="http://schemas.microsoft.com/office/drawing/2014/main" xmlns="" id="{D7D7D82B-553E-4D6E-8779-4DC10988A76D}"/>
               </a:ext>
             </a:extLst>
           </p:cNvPr>
@@ -3383,7 +3737,7 @@
           <p:cNvPr id="5" name="Rectangle 4">
             <a:extLst>
               <a:ext uri="{FF2B5EF4-FFF2-40B4-BE49-F238E27FC236}">
-                <a16:creationId xmlns:a16="http://schemas.microsoft.com/office/drawing/2014/main" id="{96ED7C77-A825-4E7C-86FA-67045776C117}"/>
+                <a16:creationId xmlns:a16="http://schemas.microsoft.com/office/drawing/2014/main" xmlns="" id="{96ED7C77-A825-4E7C-86FA-67045776C117}"/>
               </a:ext>
             </a:extLst>
           </p:cNvPr>
@@ -3432,7 +3786,7 @@
           <p:cNvPr id="7" name="Straight Connector 6">
             <a:extLst>
               <a:ext uri="{FF2B5EF4-FFF2-40B4-BE49-F238E27FC236}">
-                <a16:creationId xmlns:a16="http://schemas.microsoft.com/office/drawing/2014/main" id="{11D3AB3F-9BDD-454C-BA88-7B8D7E63A8DC}"/>
+                <a16:creationId xmlns:a16="http://schemas.microsoft.com/office/drawing/2014/main" xmlns="" id="{11D3AB3F-9BDD-454C-BA88-7B8D7E63A8DC}"/>
               </a:ext>
             </a:extLst>
           </p:cNvPr>
@@ -3470,7 +3824,7 @@
           <p:cNvPr id="8" name="Arc 7">
             <a:extLst>
               <a:ext uri="{FF2B5EF4-FFF2-40B4-BE49-F238E27FC236}">
-                <a16:creationId xmlns:a16="http://schemas.microsoft.com/office/drawing/2014/main" id="{7B2D5738-DC03-4A5A-A7AE-3EE470DF682A}"/>
+                <a16:creationId xmlns:a16="http://schemas.microsoft.com/office/drawing/2014/main" xmlns="" id="{7B2D5738-DC03-4A5A-A7AE-3EE470DF682A}"/>
               </a:ext>
             </a:extLst>
           </p:cNvPr>
@@ -3514,7 +3868,7 @@
           <p:cNvPr id="9" name="TextBox 8">
             <a:extLst>
               <a:ext uri="{FF2B5EF4-FFF2-40B4-BE49-F238E27FC236}">
-                <a16:creationId xmlns:a16="http://schemas.microsoft.com/office/drawing/2014/main" id="{2C44CA7A-DC4D-42D8-B983-EF969DECBD55}"/>
+                <a16:creationId xmlns:a16="http://schemas.microsoft.com/office/drawing/2014/main" xmlns="" id="{2C44CA7A-DC4D-42D8-B983-EF969DECBD55}"/>
               </a:ext>
             </a:extLst>
           </p:cNvPr>
@@ -3554,7 +3908,7 @@
           <p:cNvPr id="11" name="Straight Arrow Connector 10">
             <a:extLst>
               <a:ext uri="{FF2B5EF4-FFF2-40B4-BE49-F238E27FC236}">
-                <a16:creationId xmlns:a16="http://schemas.microsoft.com/office/drawing/2014/main" id="{1A5617EA-5503-4E15-88E3-9F120FB8EFC2}"/>
+                <a16:creationId xmlns:a16="http://schemas.microsoft.com/office/drawing/2014/main" xmlns="" id="{1A5617EA-5503-4E15-88E3-9F120FB8EFC2}"/>
               </a:ext>
             </a:extLst>
           </p:cNvPr>
@@ -3599,7 +3953,7 @@
           <p:cNvPr id="12" name="TextBox 11">
             <a:extLst>
               <a:ext uri="{FF2B5EF4-FFF2-40B4-BE49-F238E27FC236}">
-                <a16:creationId xmlns:a16="http://schemas.microsoft.com/office/drawing/2014/main" id="{D3B891C5-560E-4A90-A7E7-B66FB0803B99}"/>
+                <a16:creationId xmlns:a16="http://schemas.microsoft.com/office/drawing/2014/main" xmlns="" id="{D3B891C5-560E-4A90-A7E7-B66FB0803B99}"/>
               </a:ext>
             </a:extLst>
           </p:cNvPr>
@@ -3634,7 +3988,7 @@
           <p:cNvPr id="13" name="Rectangle 12">
             <a:extLst>
               <a:ext uri="{FF2B5EF4-FFF2-40B4-BE49-F238E27FC236}">
-                <a16:creationId xmlns:a16="http://schemas.microsoft.com/office/drawing/2014/main" id="{942B7FBF-C957-4603-8A7C-AB5016851423}"/>
+                <a16:creationId xmlns:a16="http://schemas.microsoft.com/office/drawing/2014/main" xmlns="" id="{942B7FBF-C957-4603-8A7C-AB5016851423}"/>
               </a:ext>
             </a:extLst>
           </p:cNvPr>
@@ -3680,7 +4034,7 @@
           <p:cNvPr id="14" name="Rectangle 13">
             <a:extLst>
               <a:ext uri="{FF2B5EF4-FFF2-40B4-BE49-F238E27FC236}">
-                <a16:creationId xmlns:a16="http://schemas.microsoft.com/office/drawing/2014/main" id="{5F5EC42D-8574-4E2D-BBBC-D4002B215F79}"/>
+                <a16:creationId xmlns:a16="http://schemas.microsoft.com/office/drawing/2014/main" xmlns="" id="{5F5EC42D-8574-4E2D-BBBC-D4002B215F79}"/>
               </a:ext>
             </a:extLst>
           </p:cNvPr>
@@ -3729,7 +4083,7 @@
           <p:cNvPr id="18" name="Straight Arrow Connector 17">
             <a:extLst>
               <a:ext uri="{FF2B5EF4-FFF2-40B4-BE49-F238E27FC236}">
-                <a16:creationId xmlns:a16="http://schemas.microsoft.com/office/drawing/2014/main" id="{C35C4529-601B-463F-AD7A-7362D70CF0A7}"/>
+                <a16:creationId xmlns:a16="http://schemas.microsoft.com/office/drawing/2014/main" xmlns="" id="{C35C4529-601B-463F-AD7A-7362D70CF0A7}"/>
               </a:ext>
             </a:extLst>
           </p:cNvPr>
@@ -3776,7 +4130,7 @@
           <p:cNvPr id="22" name="Rectangle 21">
             <a:extLst>
               <a:ext uri="{FF2B5EF4-FFF2-40B4-BE49-F238E27FC236}">
-                <a16:creationId xmlns:a16="http://schemas.microsoft.com/office/drawing/2014/main" id="{8E7B9D84-F695-4AAA-8C15-9BAFDEF70214}"/>
+                <a16:creationId xmlns:a16="http://schemas.microsoft.com/office/drawing/2014/main" xmlns="" id="{8E7B9D84-F695-4AAA-8C15-9BAFDEF70214}"/>
               </a:ext>
             </a:extLst>
           </p:cNvPr>
@@ -3822,7 +4176,7 @@
           <p:cNvPr id="23" name="Rectangle 22">
             <a:extLst>
               <a:ext uri="{FF2B5EF4-FFF2-40B4-BE49-F238E27FC236}">
-                <a16:creationId xmlns:a16="http://schemas.microsoft.com/office/drawing/2014/main" id="{52EA4532-B67F-4444-B9D1-5D9EE3114611}"/>
+                <a16:creationId xmlns:a16="http://schemas.microsoft.com/office/drawing/2014/main" xmlns="" id="{52EA4532-B67F-4444-B9D1-5D9EE3114611}"/>
               </a:ext>
             </a:extLst>
           </p:cNvPr>
@@ -3868,7 +4222,7 @@
           <p:cNvPr id="24" name="Straight Arrow Connector 23">
             <a:extLst>
               <a:ext uri="{FF2B5EF4-FFF2-40B4-BE49-F238E27FC236}">
-                <a16:creationId xmlns:a16="http://schemas.microsoft.com/office/drawing/2014/main" id="{D0BEE9FB-297A-4D6F-9433-6C1404B30DEF}"/>
+                <a16:creationId xmlns:a16="http://schemas.microsoft.com/office/drawing/2014/main" xmlns="" id="{D0BEE9FB-297A-4D6F-9433-6C1404B30DEF}"/>
               </a:ext>
             </a:extLst>
           </p:cNvPr>
@@ -3915,7 +4269,7 @@
           <p:cNvPr id="27" name="Straight Arrow Connector 26">
             <a:extLst>
               <a:ext uri="{FF2B5EF4-FFF2-40B4-BE49-F238E27FC236}">
-                <a16:creationId xmlns:a16="http://schemas.microsoft.com/office/drawing/2014/main" id="{D9AE491B-05B7-4B8E-8702-B3A2CC0ABD3D}"/>
+                <a16:creationId xmlns:a16="http://schemas.microsoft.com/office/drawing/2014/main" xmlns="" id="{D9AE491B-05B7-4B8E-8702-B3A2CC0ABD3D}"/>
               </a:ext>
             </a:extLst>
           </p:cNvPr>
@@ -3962,7 +4316,7 @@
           <p:cNvPr id="31" name="TextBox 30">
             <a:extLst>
               <a:ext uri="{FF2B5EF4-FFF2-40B4-BE49-F238E27FC236}">
-                <a16:creationId xmlns:a16="http://schemas.microsoft.com/office/drawing/2014/main" id="{7148A196-6CB7-41A5-81F1-388B041BB0F3}"/>
+                <a16:creationId xmlns:a16="http://schemas.microsoft.com/office/drawing/2014/main" xmlns="" id="{7148A196-6CB7-41A5-81F1-388B041BB0F3}"/>
               </a:ext>
             </a:extLst>
           </p:cNvPr>
@@ -3997,7 +4351,7 @@
           <p:cNvPr id="32" name="TextBox 31">
             <a:extLst>
               <a:ext uri="{FF2B5EF4-FFF2-40B4-BE49-F238E27FC236}">
-                <a16:creationId xmlns:a16="http://schemas.microsoft.com/office/drawing/2014/main" id="{8D63754F-2716-46C6-806A-ED98F4EC271C}"/>
+                <a16:creationId xmlns:a16="http://schemas.microsoft.com/office/drawing/2014/main" xmlns="" id="{8D63754F-2716-46C6-806A-ED98F4EC271C}"/>
               </a:ext>
             </a:extLst>
           </p:cNvPr>
@@ -4032,7 +4386,7 @@
           <p:cNvPr id="33" name="TextBox 32">
             <a:extLst>
               <a:ext uri="{FF2B5EF4-FFF2-40B4-BE49-F238E27FC236}">
-                <a16:creationId xmlns:a16="http://schemas.microsoft.com/office/drawing/2014/main" id="{7F6DB6A2-D09F-4771-A584-96843009A704}"/>
+                <a16:creationId xmlns:a16="http://schemas.microsoft.com/office/drawing/2014/main" xmlns="" id="{7F6DB6A2-D09F-4771-A584-96843009A704}"/>
               </a:ext>
             </a:extLst>
           </p:cNvPr>
@@ -4067,7 +4421,7 @@
           <p:cNvPr id="36" name="Rectangle 35">
             <a:extLst>
               <a:ext uri="{FF2B5EF4-FFF2-40B4-BE49-F238E27FC236}">
-                <a16:creationId xmlns:a16="http://schemas.microsoft.com/office/drawing/2014/main" id="{F90ECF2E-9447-4A47-A26B-41613F946370}"/>
+                <a16:creationId xmlns:a16="http://schemas.microsoft.com/office/drawing/2014/main" xmlns="" id="{F90ECF2E-9447-4A47-A26B-41613F946370}"/>
               </a:ext>
             </a:extLst>
           </p:cNvPr>
@@ -4116,7 +4470,7 @@
           <p:cNvPr id="37" name="Rectangle 36">
             <a:extLst>
               <a:ext uri="{FF2B5EF4-FFF2-40B4-BE49-F238E27FC236}">
-                <a16:creationId xmlns:a16="http://schemas.microsoft.com/office/drawing/2014/main" id="{5C47DC2B-774B-493E-81AB-E57F1C0040C1}"/>
+                <a16:creationId xmlns:a16="http://schemas.microsoft.com/office/drawing/2014/main" xmlns="" id="{5C47DC2B-774B-493E-81AB-E57F1C0040C1}"/>
               </a:ext>
             </a:extLst>
           </p:cNvPr>
@@ -4162,7 +4516,7 @@
           <p:cNvPr id="38" name="Rectangle 37">
             <a:extLst>
               <a:ext uri="{FF2B5EF4-FFF2-40B4-BE49-F238E27FC236}">
-                <a16:creationId xmlns:a16="http://schemas.microsoft.com/office/drawing/2014/main" id="{FB1A2948-EA33-4B35-8BE9-2B54F2BFFEDA}"/>
+                <a16:creationId xmlns:a16="http://schemas.microsoft.com/office/drawing/2014/main" xmlns="" id="{FB1A2948-EA33-4B35-8BE9-2B54F2BFFEDA}"/>
               </a:ext>
             </a:extLst>
           </p:cNvPr>
@@ -4208,7 +4562,7 @@
           <p:cNvPr id="39" name="Rectangle 38">
             <a:extLst>
               <a:ext uri="{FF2B5EF4-FFF2-40B4-BE49-F238E27FC236}">
-                <a16:creationId xmlns:a16="http://schemas.microsoft.com/office/drawing/2014/main" id="{E62E0270-F4D0-459A-8613-96273AA7DD30}"/>
+                <a16:creationId xmlns:a16="http://schemas.microsoft.com/office/drawing/2014/main" xmlns="" id="{E62E0270-F4D0-459A-8613-96273AA7DD30}"/>
               </a:ext>
             </a:extLst>
           </p:cNvPr>
@@ -4254,7 +4608,7 @@
           <p:cNvPr id="40" name="Rectangle 39">
             <a:extLst>
               <a:ext uri="{FF2B5EF4-FFF2-40B4-BE49-F238E27FC236}">
-                <a16:creationId xmlns:a16="http://schemas.microsoft.com/office/drawing/2014/main" id="{2089CFB1-569A-4628-89D0-2F98B6871507}"/>
+                <a16:creationId xmlns:a16="http://schemas.microsoft.com/office/drawing/2014/main" xmlns="" id="{2089CFB1-569A-4628-89D0-2F98B6871507}"/>
               </a:ext>
             </a:extLst>
           </p:cNvPr>
@@ -4300,7 +4654,7 @@
           <p:cNvPr id="41" name="Straight Arrow Connector 40">
             <a:extLst>
               <a:ext uri="{FF2B5EF4-FFF2-40B4-BE49-F238E27FC236}">
-                <a16:creationId xmlns:a16="http://schemas.microsoft.com/office/drawing/2014/main" id="{D52DA856-A700-4C3E-95A0-57611E1C36DA}"/>
+                <a16:creationId xmlns:a16="http://schemas.microsoft.com/office/drawing/2014/main" xmlns="" id="{D52DA856-A700-4C3E-95A0-57611E1C36DA}"/>
               </a:ext>
             </a:extLst>
           </p:cNvPr>
@@ -4347,7 +4701,7 @@
           <p:cNvPr id="46" name="Straight Arrow Connector 45">
             <a:extLst>
               <a:ext uri="{FF2B5EF4-FFF2-40B4-BE49-F238E27FC236}">
-                <a16:creationId xmlns:a16="http://schemas.microsoft.com/office/drawing/2014/main" id="{BEFB6189-53A8-48E7-AD33-3274E7C1D918}"/>
+                <a16:creationId xmlns:a16="http://schemas.microsoft.com/office/drawing/2014/main" xmlns="" id="{BEFB6189-53A8-48E7-AD33-3274E7C1D918}"/>
               </a:ext>
             </a:extLst>
           </p:cNvPr>
@@ -4394,7 +4748,7 @@
           <p:cNvPr id="50" name="Straight Arrow Connector 49">
             <a:extLst>
               <a:ext uri="{FF2B5EF4-FFF2-40B4-BE49-F238E27FC236}">
-                <a16:creationId xmlns:a16="http://schemas.microsoft.com/office/drawing/2014/main" id="{89E5D60B-3206-4DBD-8743-30F29B3E5474}"/>
+                <a16:creationId xmlns:a16="http://schemas.microsoft.com/office/drawing/2014/main" xmlns="" id="{89E5D60B-3206-4DBD-8743-30F29B3E5474}"/>
               </a:ext>
             </a:extLst>
           </p:cNvPr>
@@ -4441,7 +4795,7 @@
           <p:cNvPr id="53" name="Straight Arrow Connector 52">
             <a:extLst>
               <a:ext uri="{FF2B5EF4-FFF2-40B4-BE49-F238E27FC236}">
-                <a16:creationId xmlns:a16="http://schemas.microsoft.com/office/drawing/2014/main" id="{5EE9B383-3A3D-4CE5-A7F9-9B7D390210C2}"/>
+                <a16:creationId xmlns:a16="http://schemas.microsoft.com/office/drawing/2014/main" xmlns="" id="{5EE9B383-3A3D-4CE5-A7F9-9B7D390210C2}"/>
               </a:ext>
             </a:extLst>
           </p:cNvPr>
@@ -4488,7 +4842,7 @@
           <p:cNvPr id="56" name="Arc 55">
             <a:extLst>
               <a:ext uri="{FF2B5EF4-FFF2-40B4-BE49-F238E27FC236}">
-                <a16:creationId xmlns:a16="http://schemas.microsoft.com/office/drawing/2014/main" id="{7190ED8E-C2E7-4880-BFAF-A33703E534B2}"/>
+                <a16:creationId xmlns:a16="http://schemas.microsoft.com/office/drawing/2014/main" xmlns="" id="{7190ED8E-C2E7-4880-BFAF-A33703E534B2}"/>
               </a:ext>
             </a:extLst>
           </p:cNvPr>
@@ -4541,7 +4895,7 @@
           <p:cNvPr id="57" name="Arc 56">
             <a:extLst>
               <a:ext uri="{FF2B5EF4-FFF2-40B4-BE49-F238E27FC236}">
-                <a16:creationId xmlns:a16="http://schemas.microsoft.com/office/drawing/2014/main" id="{8D6E79D3-807F-46D5-9EEB-F75E480537D8}"/>
+                <a16:creationId xmlns:a16="http://schemas.microsoft.com/office/drawing/2014/main" xmlns="" id="{8D6E79D3-807F-46D5-9EEB-F75E480537D8}"/>
               </a:ext>
             </a:extLst>
           </p:cNvPr>
@@ -4594,7 +4948,7 @@
           <p:cNvPr id="58" name="Arc 57">
             <a:extLst>
               <a:ext uri="{FF2B5EF4-FFF2-40B4-BE49-F238E27FC236}">
-                <a16:creationId xmlns:a16="http://schemas.microsoft.com/office/drawing/2014/main" id="{ADFD1D01-C9CE-4595-B3FF-EDA1E5446BDB}"/>
+                <a16:creationId xmlns:a16="http://schemas.microsoft.com/office/drawing/2014/main" xmlns="" id="{ADFD1D01-C9CE-4595-B3FF-EDA1E5446BDB}"/>
               </a:ext>
             </a:extLst>
           </p:cNvPr>
@@ -4647,7 +5001,7 @@
           <p:cNvPr id="59" name="TextBox 58">
             <a:extLst>
               <a:ext uri="{FF2B5EF4-FFF2-40B4-BE49-F238E27FC236}">
-                <a16:creationId xmlns:a16="http://schemas.microsoft.com/office/drawing/2014/main" id="{78D86371-200E-4CF1-8FE4-8D23492528A6}"/>
+                <a16:creationId xmlns:a16="http://schemas.microsoft.com/office/drawing/2014/main" xmlns="" id="{78D86371-200E-4CF1-8FE4-8D23492528A6}"/>
               </a:ext>
             </a:extLst>
           </p:cNvPr>
@@ -4687,7 +5041,7 @@
           <p:cNvPr id="60" name="TextBox 59">
             <a:extLst>
               <a:ext uri="{FF2B5EF4-FFF2-40B4-BE49-F238E27FC236}">
-                <a16:creationId xmlns:a16="http://schemas.microsoft.com/office/drawing/2014/main" id="{36A9B770-E3CB-4F62-A86F-27A30C6D43B7}"/>
+                <a16:creationId xmlns:a16="http://schemas.microsoft.com/office/drawing/2014/main" xmlns="" id="{36A9B770-E3CB-4F62-A86F-27A30C6D43B7}"/>
               </a:ext>
             </a:extLst>
           </p:cNvPr>
@@ -4727,7 +5081,7 @@
           <p:cNvPr id="61" name="TextBox 60">
             <a:extLst>
               <a:ext uri="{FF2B5EF4-FFF2-40B4-BE49-F238E27FC236}">
-                <a16:creationId xmlns:a16="http://schemas.microsoft.com/office/drawing/2014/main" id="{18500777-32AF-4157-87EE-CE0F7837CCA4}"/>
+                <a16:creationId xmlns:a16="http://schemas.microsoft.com/office/drawing/2014/main" xmlns="" id="{18500777-32AF-4157-87EE-CE0F7837CCA4}"/>
               </a:ext>
             </a:extLst>
           </p:cNvPr>
@@ -4767,7 +5121,7 @@
           <p:cNvPr id="66" name="Rectangle 65">
             <a:extLst>
               <a:ext uri="{FF2B5EF4-FFF2-40B4-BE49-F238E27FC236}">
-                <a16:creationId xmlns:a16="http://schemas.microsoft.com/office/drawing/2014/main" id="{C1A57756-618E-471B-A7A3-984E5C9C132F}"/>
+                <a16:creationId xmlns:a16="http://schemas.microsoft.com/office/drawing/2014/main" xmlns="" id="{C1A57756-618E-471B-A7A3-984E5C9C132F}"/>
               </a:ext>
             </a:extLst>
           </p:cNvPr>
@@ -4813,7 +5167,7 @@
           <p:cNvPr id="67" name="Rectangle 66">
             <a:extLst>
               <a:ext uri="{FF2B5EF4-FFF2-40B4-BE49-F238E27FC236}">
-                <a16:creationId xmlns:a16="http://schemas.microsoft.com/office/drawing/2014/main" id="{3C630BFA-C3BB-4114-B309-01AEC6ABCF62}"/>
+                <a16:creationId xmlns:a16="http://schemas.microsoft.com/office/drawing/2014/main" xmlns="" id="{3C630BFA-C3BB-4114-B309-01AEC6ABCF62}"/>
               </a:ext>
             </a:extLst>
           </p:cNvPr>
@@ -4862,7 +5216,7 @@
           <p:cNvPr id="68" name="Straight Connector 67">
             <a:extLst>
               <a:ext uri="{FF2B5EF4-FFF2-40B4-BE49-F238E27FC236}">
-                <a16:creationId xmlns:a16="http://schemas.microsoft.com/office/drawing/2014/main" id="{38487672-49EB-4D13-A9C9-3F3048DDF050}"/>
+                <a16:creationId xmlns:a16="http://schemas.microsoft.com/office/drawing/2014/main" xmlns="" id="{38487672-49EB-4D13-A9C9-3F3048DDF050}"/>
               </a:ext>
             </a:extLst>
           </p:cNvPr>
@@ -4900,7 +5254,7 @@
           <p:cNvPr id="69" name="Arc 68">
             <a:extLst>
               <a:ext uri="{FF2B5EF4-FFF2-40B4-BE49-F238E27FC236}">
-                <a16:creationId xmlns:a16="http://schemas.microsoft.com/office/drawing/2014/main" id="{D47DFBBD-AC9E-45E5-B50C-592DE9351BFA}"/>
+                <a16:creationId xmlns:a16="http://schemas.microsoft.com/office/drawing/2014/main" xmlns="" id="{D47DFBBD-AC9E-45E5-B50C-592DE9351BFA}"/>
               </a:ext>
             </a:extLst>
           </p:cNvPr>
@@ -4947,7 +5301,7 @@
           <p:cNvPr id="70" name="TextBox 69">
             <a:extLst>
               <a:ext uri="{FF2B5EF4-FFF2-40B4-BE49-F238E27FC236}">
-                <a16:creationId xmlns:a16="http://schemas.microsoft.com/office/drawing/2014/main" id="{3902D488-C1BB-4BDE-94D1-7B270F92F8E3}"/>
+                <a16:creationId xmlns:a16="http://schemas.microsoft.com/office/drawing/2014/main" xmlns="" id="{3902D488-C1BB-4BDE-94D1-7B270F92F8E3}"/>
               </a:ext>
             </a:extLst>
           </p:cNvPr>
@@ -4987,7 +5341,7 @@
           <p:cNvPr id="71" name="Straight Arrow Connector 70">
             <a:extLst>
               <a:ext uri="{FF2B5EF4-FFF2-40B4-BE49-F238E27FC236}">
-                <a16:creationId xmlns:a16="http://schemas.microsoft.com/office/drawing/2014/main" id="{BEAB2A44-FC3D-4A9D-912A-4A4F2DB71B86}"/>
+                <a16:creationId xmlns:a16="http://schemas.microsoft.com/office/drawing/2014/main" xmlns="" id="{BEAB2A44-FC3D-4A9D-912A-4A4F2DB71B86}"/>
               </a:ext>
             </a:extLst>
           </p:cNvPr>
@@ -5034,7 +5388,7 @@
           <p:cNvPr id="72" name="TextBox 71">
             <a:extLst>
               <a:ext uri="{FF2B5EF4-FFF2-40B4-BE49-F238E27FC236}">
-                <a16:creationId xmlns:a16="http://schemas.microsoft.com/office/drawing/2014/main" id="{DBFFA45A-6605-45E8-8DEE-821860B8C2B5}"/>
+                <a16:creationId xmlns:a16="http://schemas.microsoft.com/office/drawing/2014/main" xmlns="" id="{DBFFA45A-6605-45E8-8DEE-821860B8C2B5}"/>
               </a:ext>
             </a:extLst>
           </p:cNvPr>
@@ -5069,7 +5423,7 @@
           <p:cNvPr id="77" name="Rectangle 76">
             <a:extLst>
               <a:ext uri="{FF2B5EF4-FFF2-40B4-BE49-F238E27FC236}">
-                <a16:creationId xmlns:a16="http://schemas.microsoft.com/office/drawing/2014/main" id="{DFC2F94D-A6CC-4EFA-A2F7-DFCAC0B81D48}"/>
+                <a16:creationId xmlns:a16="http://schemas.microsoft.com/office/drawing/2014/main" xmlns="" id="{DFC2F94D-A6CC-4EFA-A2F7-DFCAC0B81D48}"/>
               </a:ext>
             </a:extLst>
           </p:cNvPr>
@@ -5115,7 +5469,7 @@
           <p:cNvPr id="78" name="Rectangle 77">
             <a:extLst>
               <a:ext uri="{FF2B5EF4-FFF2-40B4-BE49-F238E27FC236}">
-                <a16:creationId xmlns:a16="http://schemas.microsoft.com/office/drawing/2014/main" id="{A27F0ACD-2EE0-4C04-BA61-9E7BA5FB5F82}"/>
+                <a16:creationId xmlns:a16="http://schemas.microsoft.com/office/drawing/2014/main" xmlns="" id="{A27F0ACD-2EE0-4C04-BA61-9E7BA5FB5F82}"/>
               </a:ext>
             </a:extLst>
           </p:cNvPr>
@@ -5164,7 +5518,7 @@
           <p:cNvPr id="79" name="Straight Connector 78">
             <a:extLst>
               <a:ext uri="{FF2B5EF4-FFF2-40B4-BE49-F238E27FC236}">
-                <a16:creationId xmlns:a16="http://schemas.microsoft.com/office/drawing/2014/main" id="{C4E4361C-5763-4A19-A4A0-533382C56EF9}"/>
+                <a16:creationId xmlns:a16="http://schemas.microsoft.com/office/drawing/2014/main" xmlns="" id="{C4E4361C-5763-4A19-A4A0-533382C56EF9}"/>
               </a:ext>
             </a:extLst>
           </p:cNvPr>
@@ -5202,7 +5556,7 @@
           <p:cNvPr id="80" name="Arc 79">
             <a:extLst>
               <a:ext uri="{FF2B5EF4-FFF2-40B4-BE49-F238E27FC236}">
-                <a16:creationId xmlns:a16="http://schemas.microsoft.com/office/drawing/2014/main" id="{6A1D5682-5660-49E9-839A-EE2D74CA2D64}"/>
+                <a16:creationId xmlns:a16="http://schemas.microsoft.com/office/drawing/2014/main" xmlns="" id="{6A1D5682-5660-49E9-839A-EE2D74CA2D64}"/>
               </a:ext>
             </a:extLst>
           </p:cNvPr>
@@ -5249,7 +5603,7 @@
           <p:cNvPr id="81" name="Straight Arrow Connector 80">
             <a:extLst>
               <a:ext uri="{FF2B5EF4-FFF2-40B4-BE49-F238E27FC236}">
-                <a16:creationId xmlns:a16="http://schemas.microsoft.com/office/drawing/2014/main" id="{4BA4E7B5-8BA3-4C5A-BDA6-71B18DCBF293}"/>
+                <a16:creationId xmlns:a16="http://schemas.microsoft.com/office/drawing/2014/main" xmlns="" id="{4BA4E7B5-8BA3-4C5A-BDA6-71B18DCBF293}"/>
               </a:ext>
             </a:extLst>
           </p:cNvPr>
@@ -5296,7 +5650,7 @@
           <p:cNvPr id="82" name="TextBox 81">
             <a:extLst>
               <a:ext uri="{FF2B5EF4-FFF2-40B4-BE49-F238E27FC236}">
-                <a16:creationId xmlns:a16="http://schemas.microsoft.com/office/drawing/2014/main" id="{413750BD-183A-46B7-A55C-CAA1D8C214E7}"/>
+                <a16:creationId xmlns:a16="http://schemas.microsoft.com/office/drawing/2014/main" xmlns="" id="{413750BD-183A-46B7-A55C-CAA1D8C214E7}"/>
               </a:ext>
             </a:extLst>
           </p:cNvPr>
@@ -5331,7 +5685,7 @@
           <p:cNvPr id="86" name="TextBox 85">
             <a:extLst>
               <a:ext uri="{FF2B5EF4-FFF2-40B4-BE49-F238E27FC236}">
-                <a16:creationId xmlns:a16="http://schemas.microsoft.com/office/drawing/2014/main" id="{7A08B8B0-A951-49F0-85F0-A8A6AA5E6E95}"/>
+                <a16:creationId xmlns:a16="http://schemas.microsoft.com/office/drawing/2014/main" xmlns="" id="{7A08B8B0-A951-49F0-85F0-A8A6AA5E6E95}"/>
               </a:ext>
             </a:extLst>
           </p:cNvPr>
@@ -5371,7 +5725,7 @@
           <p:cNvPr id="87" name="TextBox 86">
             <a:extLst>
               <a:ext uri="{FF2B5EF4-FFF2-40B4-BE49-F238E27FC236}">
-                <a16:creationId xmlns:a16="http://schemas.microsoft.com/office/drawing/2014/main" id="{5C1CB67F-D31C-4216-A665-B08FAF8C2DAA}"/>
+                <a16:creationId xmlns:a16="http://schemas.microsoft.com/office/drawing/2014/main" xmlns="" id="{5C1CB67F-D31C-4216-A665-B08FAF8C2DAA}"/>
               </a:ext>
             </a:extLst>
           </p:cNvPr>
@@ -5406,7 +5760,7 @@
           <p:cNvPr id="88" name="TextBox 87">
             <a:extLst>
               <a:ext uri="{FF2B5EF4-FFF2-40B4-BE49-F238E27FC236}">
-                <a16:creationId xmlns:a16="http://schemas.microsoft.com/office/drawing/2014/main" id="{CE851A16-20AA-4159-A588-636180D2DBE5}"/>
+                <a16:creationId xmlns:a16="http://schemas.microsoft.com/office/drawing/2014/main" xmlns="" id="{CE851A16-20AA-4159-A588-636180D2DBE5}"/>
               </a:ext>
             </a:extLst>
           </p:cNvPr>
@@ -5441,7 +5795,7 @@
           <p:cNvPr id="91" name="Straight Connector 90">
             <a:extLst>
               <a:ext uri="{FF2B5EF4-FFF2-40B4-BE49-F238E27FC236}">
-                <a16:creationId xmlns:a16="http://schemas.microsoft.com/office/drawing/2014/main" id="{17ED0A31-FB05-4394-B94A-3FC85081BD6B}"/>
+                <a16:creationId xmlns:a16="http://schemas.microsoft.com/office/drawing/2014/main" xmlns="" id="{17ED0A31-FB05-4394-B94A-3FC85081BD6B}"/>
               </a:ext>
             </a:extLst>
           </p:cNvPr>
@@ -5482,7 +5836,7 @@
           <p:cNvPr id="93" name="TextBox 92">
             <a:extLst>
               <a:ext uri="{FF2B5EF4-FFF2-40B4-BE49-F238E27FC236}">
-                <a16:creationId xmlns:a16="http://schemas.microsoft.com/office/drawing/2014/main" id="{A1D27053-BA99-41A7-BA4C-3E8766AD5AB0}"/>
+                <a16:creationId xmlns:a16="http://schemas.microsoft.com/office/drawing/2014/main" xmlns="" id="{A1D27053-BA99-41A7-BA4C-3E8766AD5AB0}"/>
               </a:ext>
             </a:extLst>
           </p:cNvPr>
@@ -5547,7 +5901,7 @@
           <p:cNvPr id="2" name="Rectangle: Rounded Corners 1">
             <a:extLst>
               <a:ext uri="{FF2B5EF4-FFF2-40B4-BE49-F238E27FC236}">
-                <a16:creationId xmlns:a16="http://schemas.microsoft.com/office/drawing/2014/main" id="{94914581-A239-4E4E-B903-6745EFC22AD8}"/>
+                <a16:creationId xmlns:a16="http://schemas.microsoft.com/office/drawing/2014/main" xmlns="" id="{94914581-A239-4E4E-B903-6745EFC22AD8}"/>
               </a:ext>
             </a:extLst>
           </p:cNvPr>
@@ -5599,7 +5953,7 @@
           <p:cNvPr id="3" name="Rectangle: Rounded Corners 2">
             <a:extLst>
               <a:ext uri="{FF2B5EF4-FFF2-40B4-BE49-F238E27FC236}">
-                <a16:creationId xmlns:a16="http://schemas.microsoft.com/office/drawing/2014/main" id="{7032DDBE-82BA-40A2-A0AF-233720047F03}"/>
+                <a16:creationId xmlns:a16="http://schemas.microsoft.com/office/drawing/2014/main" xmlns="" id="{7032DDBE-82BA-40A2-A0AF-233720047F03}"/>
               </a:ext>
             </a:extLst>
           </p:cNvPr>
@@ -5651,7 +6005,7 @@
           <p:cNvPr id="4" name="Rectangle: Rounded Corners 3">
             <a:extLst>
               <a:ext uri="{FF2B5EF4-FFF2-40B4-BE49-F238E27FC236}">
-                <a16:creationId xmlns:a16="http://schemas.microsoft.com/office/drawing/2014/main" id="{6B5052D7-E5CB-48F3-A028-F5E95FB36588}"/>
+                <a16:creationId xmlns:a16="http://schemas.microsoft.com/office/drawing/2014/main" xmlns="" id="{6B5052D7-E5CB-48F3-A028-F5E95FB36588}"/>
               </a:ext>
             </a:extLst>
           </p:cNvPr>
@@ -5703,7 +6057,7 @@
           <p:cNvPr id="7" name="Rectangle: Rounded Corners 6">
             <a:extLst>
               <a:ext uri="{FF2B5EF4-FFF2-40B4-BE49-F238E27FC236}">
-                <a16:creationId xmlns:a16="http://schemas.microsoft.com/office/drawing/2014/main" id="{F5788756-02EC-4EE5-B325-FCDB75AEE49C}"/>
+                <a16:creationId xmlns:a16="http://schemas.microsoft.com/office/drawing/2014/main" xmlns="" id="{F5788756-02EC-4EE5-B325-FCDB75AEE49C}"/>
               </a:ext>
             </a:extLst>
           </p:cNvPr>
@@ -5755,7 +6109,7 @@
           <p:cNvPr id="8" name="Rectangle: Rounded Corners 7">
             <a:extLst>
               <a:ext uri="{FF2B5EF4-FFF2-40B4-BE49-F238E27FC236}">
-                <a16:creationId xmlns:a16="http://schemas.microsoft.com/office/drawing/2014/main" id="{6A473AB6-3DD9-46BF-9529-7D20333B2005}"/>
+                <a16:creationId xmlns:a16="http://schemas.microsoft.com/office/drawing/2014/main" xmlns="" id="{6A473AB6-3DD9-46BF-9529-7D20333B2005}"/>
               </a:ext>
             </a:extLst>
           </p:cNvPr>
@@ -5807,7 +6161,7 @@
           <p:cNvPr id="9" name="TextBox 8">
             <a:extLst>
               <a:ext uri="{FF2B5EF4-FFF2-40B4-BE49-F238E27FC236}">
-                <a16:creationId xmlns:a16="http://schemas.microsoft.com/office/drawing/2014/main" id="{A84E63A6-5FA5-4600-B696-CBDA35913C43}"/>
+                <a16:creationId xmlns:a16="http://schemas.microsoft.com/office/drawing/2014/main" xmlns="" id="{A84E63A6-5FA5-4600-B696-CBDA35913C43}"/>
               </a:ext>
             </a:extLst>
           </p:cNvPr>
@@ -5847,7 +6201,7 @@
           <p:cNvPr id="10" name="TextBox 9">
             <a:extLst>
               <a:ext uri="{FF2B5EF4-FFF2-40B4-BE49-F238E27FC236}">
-                <a16:creationId xmlns:a16="http://schemas.microsoft.com/office/drawing/2014/main" id="{F6862023-1D3C-4B2E-8E40-A0A208CF4185}"/>
+                <a16:creationId xmlns:a16="http://schemas.microsoft.com/office/drawing/2014/main" xmlns="" id="{F6862023-1D3C-4B2E-8E40-A0A208CF4185}"/>
               </a:ext>
             </a:extLst>
           </p:cNvPr>
@@ -5887,7 +6241,7 @@
           <p:cNvPr id="11" name="TextBox 10">
             <a:extLst>
               <a:ext uri="{FF2B5EF4-FFF2-40B4-BE49-F238E27FC236}">
-                <a16:creationId xmlns:a16="http://schemas.microsoft.com/office/drawing/2014/main" id="{EB098D9A-3046-40FA-B5FA-2CDEF516980C}"/>
+                <a16:creationId xmlns:a16="http://schemas.microsoft.com/office/drawing/2014/main" xmlns="" id="{EB098D9A-3046-40FA-B5FA-2CDEF516980C}"/>
               </a:ext>
             </a:extLst>
           </p:cNvPr>
@@ -5927,7 +6281,7 @@
           <p:cNvPr id="12" name="TextBox 11">
             <a:extLst>
               <a:ext uri="{FF2B5EF4-FFF2-40B4-BE49-F238E27FC236}">
-                <a16:creationId xmlns:a16="http://schemas.microsoft.com/office/drawing/2014/main" id="{68BDD838-C752-4D23-BDEE-5538E688C7E1}"/>
+                <a16:creationId xmlns:a16="http://schemas.microsoft.com/office/drawing/2014/main" xmlns="" id="{68BDD838-C752-4D23-BDEE-5538E688C7E1}"/>
               </a:ext>
             </a:extLst>
           </p:cNvPr>
@@ -5967,7 +6321,7 @@
           <p:cNvPr id="18" name="Oval 17">
             <a:extLst>
               <a:ext uri="{FF2B5EF4-FFF2-40B4-BE49-F238E27FC236}">
-                <a16:creationId xmlns:a16="http://schemas.microsoft.com/office/drawing/2014/main" id="{4EF4E720-B3FA-4FBA-A184-5CE6CCEC4183}"/>
+                <a16:creationId xmlns:a16="http://schemas.microsoft.com/office/drawing/2014/main" xmlns="" id="{4EF4E720-B3FA-4FBA-A184-5CE6CCEC4183}"/>
               </a:ext>
             </a:extLst>
           </p:cNvPr>
@@ -6016,7 +6370,7 @@
           <p:cNvPr id="19" name="TextBox 18">
             <a:extLst>
               <a:ext uri="{FF2B5EF4-FFF2-40B4-BE49-F238E27FC236}">
-                <a16:creationId xmlns:a16="http://schemas.microsoft.com/office/drawing/2014/main" id="{EC6EACFC-6292-4E3C-BCE6-7DEC921732E8}"/>
+                <a16:creationId xmlns:a16="http://schemas.microsoft.com/office/drawing/2014/main" xmlns="" id="{EC6EACFC-6292-4E3C-BCE6-7DEC921732E8}"/>
               </a:ext>
             </a:extLst>
           </p:cNvPr>
@@ -6051,7 +6405,7 @@
           <p:cNvPr id="20" name="Oval 19">
             <a:extLst>
               <a:ext uri="{FF2B5EF4-FFF2-40B4-BE49-F238E27FC236}">
-                <a16:creationId xmlns:a16="http://schemas.microsoft.com/office/drawing/2014/main" id="{87961153-DC95-40FF-813D-6D1B0EDB07E4}"/>
+                <a16:creationId xmlns:a16="http://schemas.microsoft.com/office/drawing/2014/main" xmlns="" id="{87961153-DC95-40FF-813D-6D1B0EDB07E4}"/>
               </a:ext>
             </a:extLst>
           </p:cNvPr>
@@ -6100,7 +6454,7 @@
           <p:cNvPr id="21" name="TextBox 20">
             <a:extLst>
               <a:ext uri="{FF2B5EF4-FFF2-40B4-BE49-F238E27FC236}">
-                <a16:creationId xmlns:a16="http://schemas.microsoft.com/office/drawing/2014/main" id="{FBCB9919-5300-4C6D-A32B-2145B5C8C760}"/>
+                <a16:creationId xmlns:a16="http://schemas.microsoft.com/office/drawing/2014/main" xmlns="" id="{FBCB9919-5300-4C6D-A32B-2145B5C8C760}"/>
               </a:ext>
             </a:extLst>
           </p:cNvPr>
@@ -6135,7 +6489,7 @@
           <p:cNvPr id="22" name="Oval 21">
             <a:extLst>
               <a:ext uri="{FF2B5EF4-FFF2-40B4-BE49-F238E27FC236}">
-                <a16:creationId xmlns:a16="http://schemas.microsoft.com/office/drawing/2014/main" id="{E3DF3DEB-7DA8-4866-99D6-1B7FA5BFB161}"/>
+                <a16:creationId xmlns:a16="http://schemas.microsoft.com/office/drawing/2014/main" xmlns="" id="{E3DF3DEB-7DA8-4866-99D6-1B7FA5BFB161}"/>
               </a:ext>
             </a:extLst>
           </p:cNvPr>
@@ -6184,7 +6538,7 @@
           <p:cNvPr id="23" name="TextBox 22">
             <a:extLst>
               <a:ext uri="{FF2B5EF4-FFF2-40B4-BE49-F238E27FC236}">
-                <a16:creationId xmlns:a16="http://schemas.microsoft.com/office/drawing/2014/main" id="{AB001121-C7FA-4829-A43A-9E9F0F558C94}"/>
+                <a16:creationId xmlns:a16="http://schemas.microsoft.com/office/drawing/2014/main" xmlns="" id="{AB001121-C7FA-4829-A43A-9E9F0F558C94}"/>
               </a:ext>
             </a:extLst>
           </p:cNvPr>
@@ -6219,7 +6573,7 @@
           <p:cNvPr id="26" name="Rectangle: Rounded Corners 25">
             <a:extLst>
               <a:ext uri="{FF2B5EF4-FFF2-40B4-BE49-F238E27FC236}">
-                <a16:creationId xmlns:a16="http://schemas.microsoft.com/office/drawing/2014/main" id="{43597FC9-D08D-4DB2-B50D-85636DDFB1FD}"/>
+                <a16:creationId xmlns:a16="http://schemas.microsoft.com/office/drawing/2014/main" xmlns="" id="{43597FC9-D08D-4DB2-B50D-85636DDFB1FD}"/>
               </a:ext>
             </a:extLst>
           </p:cNvPr>
@@ -6271,7 +6625,7 @@
           <p:cNvPr id="24" name="TextBox 23">
             <a:extLst>
               <a:ext uri="{FF2B5EF4-FFF2-40B4-BE49-F238E27FC236}">
-                <a16:creationId xmlns:a16="http://schemas.microsoft.com/office/drawing/2014/main" id="{99ED3904-79E6-409C-91B0-E81DB2961D2C}"/>
+                <a16:creationId xmlns:a16="http://schemas.microsoft.com/office/drawing/2014/main" xmlns="" id="{99ED3904-79E6-409C-91B0-E81DB2961D2C}"/>
               </a:ext>
             </a:extLst>
           </p:cNvPr>
@@ -6308,7 +6662,7 @@
           <p:cNvPr id="27" name="Rectangle: Rounded Corners 26">
             <a:extLst>
               <a:ext uri="{FF2B5EF4-FFF2-40B4-BE49-F238E27FC236}">
-                <a16:creationId xmlns:a16="http://schemas.microsoft.com/office/drawing/2014/main" id="{B80A81C2-7C6A-4B24-B208-7F298E1C0E51}"/>
+                <a16:creationId xmlns:a16="http://schemas.microsoft.com/office/drawing/2014/main" xmlns="" id="{B80A81C2-7C6A-4B24-B208-7F298E1C0E51}"/>
               </a:ext>
             </a:extLst>
           </p:cNvPr>
@@ -6360,7 +6714,7 @@
           <p:cNvPr id="28" name="TextBox 27">
             <a:extLst>
               <a:ext uri="{FF2B5EF4-FFF2-40B4-BE49-F238E27FC236}">
-                <a16:creationId xmlns:a16="http://schemas.microsoft.com/office/drawing/2014/main" id="{96306BB0-E53B-4452-BDAD-7FF69E592EE0}"/>
+                <a16:creationId xmlns:a16="http://schemas.microsoft.com/office/drawing/2014/main" xmlns="" id="{96306BB0-E53B-4452-BDAD-7FF69E592EE0}"/>
               </a:ext>
             </a:extLst>
           </p:cNvPr>
@@ -6397,7 +6751,7 @@
           <p:cNvPr id="29" name="Rectangle: Rounded Corners 28">
             <a:extLst>
               <a:ext uri="{FF2B5EF4-FFF2-40B4-BE49-F238E27FC236}">
-                <a16:creationId xmlns:a16="http://schemas.microsoft.com/office/drawing/2014/main" id="{E2351EFF-5F89-497A-AF10-0EDDFFC00225}"/>
+                <a16:creationId xmlns:a16="http://schemas.microsoft.com/office/drawing/2014/main" xmlns="" id="{E2351EFF-5F89-497A-AF10-0EDDFFC00225}"/>
               </a:ext>
             </a:extLst>
           </p:cNvPr>
@@ -6449,7 +6803,7 @@
           <p:cNvPr id="30" name="TextBox 29">
             <a:extLst>
               <a:ext uri="{FF2B5EF4-FFF2-40B4-BE49-F238E27FC236}">
-                <a16:creationId xmlns:a16="http://schemas.microsoft.com/office/drawing/2014/main" id="{BB00CF74-1325-4D92-B5AE-C43070380391}"/>
+                <a16:creationId xmlns:a16="http://schemas.microsoft.com/office/drawing/2014/main" xmlns="" id="{BB00CF74-1325-4D92-B5AE-C43070380391}"/>
               </a:ext>
             </a:extLst>
           </p:cNvPr>
@@ -6485,7 +6839,7 @@
           <p:cNvPr id="31" name="Rectangle: Rounded Corners 30">
             <a:extLst>
               <a:ext uri="{FF2B5EF4-FFF2-40B4-BE49-F238E27FC236}">
-                <a16:creationId xmlns:a16="http://schemas.microsoft.com/office/drawing/2014/main" id="{1CEC292D-F4FB-4DD9-85A6-EEBE46A66933}"/>
+                <a16:creationId xmlns:a16="http://schemas.microsoft.com/office/drawing/2014/main" xmlns="" id="{1CEC292D-F4FB-4DD9-85A6-EEBE46A66933}"/>
               </a:ext>
             </a:extLst>
           </p:cNvPr>
@@ -6537,7 +6891,7 @@
           <p:cNvPr id="32" name="TextBox 31">
             <a:extLst>
               <a:ext uri="{FF2B5EF4-FFF2-40B4-BE49-F238E27FC236}">
-                <a16:creationId xmlns:a16="http://schemas.microsoft.com/office/drawing/2014/main" id="{A4014880-C9D7-4317-AF22-0050B4F80F42}"/>
+                <a16:creationId xmlns:a16="http://schemas.microsoft.com/office/drawing/2014/main" xmlns="" id="{A4014880-C9D7-4317-AF22-0050B4F80F42}"/>
               </a:ext>
             </a:extLst>
           </p:cNvPr>
@@ -6574,7 +6928,7 @@
           <p:cNvPr id="35" name="Oval 34">
             <a:extLst>
               <a:ext uri="{FF2B5EF4-FFF2-40B4-BE49-F238E27FC236}">
-                <a16:creationId xmlns:a16="http://schemas.microsoft.com/office/drawing/2014/main" id="{757D8724-7FD9-4046-9348-F2245B47710B}"/>
+                <a16:creationId xmlns:a16="http://schemas.microsoft.com/office/drawing/2014/main" xmlns="" id="{757D8724-7FD9-4046-9348-F2245B47710B}"/>
               </a:ext>
             </a:extLst>
           </p:cNvPr>
@@ -6623,7 +6977,7 @@
           <p:cNvPr id="36" name="TextBox 35">
             <a:extLst>
               <a:ext uri="{FF2B5EF4-FFF2-40B4-BE49-F238E27FC236}">
-                <a16:creationId xmlns:a16="http://schemas.microsoft.com/office/drawing/2014/main" id="{06B6C862-7F07-4CBA-946D-26F483DBC050}"/>
+                <a16:creationId xmlns:a16="http://schemas.microsoft.com/office/drawing/2014/main" xmlns="" id="{06B6C862-7F07-4CBA-946D-26F483DBC050}"/>
               </a:ext>
             </a:extLst>
           </p:cNvPr>
@@ -6658,7 +7012,7 @@
           <p:cNvPr id="42" name="Straight Connector 41">
             <a:extLst>
               <a:ext uri="{FF2B5EF4-FFF2-40B4-BE49-F238E27FC236}">
-                <a16:creationId xmlns:a16="http://schemas.microsoft.com/office/drawing/2014/main" id="{A79BDACA-3909-4CFB-A88C-7D3315995DA3}"/>
+                <a16:creationId xmlns:a16="http://schemas.microsoft.com/office/drawing/2014/main" xmlns="" id="{A79BDACA-3909-4CFB-A88C-7D3315995DA3}"/>
               </a:ext>
             </a:extLst>
           </p:cNvPr>
@@ -6697,7 +7051,7 @@
           <p:cNvPr id="44" name="Straight Arrow Connector 43">
             <a:extLst>
               <a:ext uri="{FF2B5EF4-FFF2-40B4-BE49-F238E27FC236}">
-                <a16:creationId xmlns:a16="http://schemas.microsoft.com/office/drawing/2014/main" id="{DA12E1AA-1968-4300-91A8-7CF36E3AA370}"/>
+                <a16:creationId xmlns:a16="http://schemas.microsoft.com/office/drawing/2014/main" xmlns="" id="{DA12E1AA-1968-4300-91A8-7CF36E3AA370}"/>
               </a:ext>
             </a:extLst>
           </p:cNvPr>
@@ -6738,7 +7092,7 @@
           <p:cNvPr id="45" name="Straight Arrow Connector 44">
             <a:extLst>
               <a:ext uri="{FF2B5EF4-FFF2-40B4-BE49-F238E27FC236}">
-                <a16:creationId xmlns:a16="http://schemas.microsoft.com/office/drawing/2014/main" id="{2ED1E2AE-9C37-4CBC-A5D0-1D1754742BF4}"/>
+                <a16:creationId xmlns:a16="http://schemas.microsoft.com/office/drawing/2014/main" xmlns="" id="{2ED1E2AE-9C37-4CBC-A5D0-1D1754742BF4}"/>
               </a:ext>
             </a:extLst>
           </p:cNvPr>
@@ -6779,7 +7133,7 @@
           <p:cNvPr id="46" name="Straight Arrow Connector 45">
             <a:extLst>
               <a:ext uri="{FF2B5EF4-FFF2-40B4-BE49-F238E27FC236}">
-                <a16:creationId xmlns:a16="http://schemas.microsoft.com/office/drawing/2014/main" id="{D358C605-0A41-4BD5-8F08-9BEDFB850058}"/>
+                <a16:creationId xmlns:a16="http://schemas.microsoft.com/office/drawing/2014/main" xmlns="" id="{D358C605-0A41-4BD5-8F08-9BEDFB850058}"/>
               </a:ext>
             </a:extLst>
           </p:cNvPr>
@@ -6820,7 +7174,7 @@
           <p:cNvPr id="47" name="Straight Arrow Connector 46">
             <a:extLst>
               <a:ext uri="{FF2B5EF4-FFF2-40B4-BE49-F238E27FC236}">
-                <a16:creationId xmlns:a16="http://schemas.microsoft.com/office/drawing/2014/main" id="{DFE76A4A-A3C2-44C7-9F3E-00E3832D73DF}"/>
+                <a16:creationId xmlns:a16="http://schemas.microsoft.com/office/drawing/2014/main" xmlns="" id="{DFE76A4A-A3C2-44C7-9F3E-00E3832D73DF}"/>
               </a:ext>
             </a:extLst>
           </p:cNvPr>
@@ -6861,7 +7215,7 @@
           <p:cNvPr id="48" name="Rectangle: Rounded Corners 47">
             <a:extLst>
               <a:ext uri="{FF2B5EF4-FFF2-40B4-BE49-F238E27FC236}">
-                <a16:creationId xmlns:a16="http://schemas.microsoft.com/office/drawing/2014/main" id="{CC110DDE-E2E3-4ABE-8981-F2CD4B5FC04D}"/>
+                <a16:creationId xmlns:a16="http://schemas.microsoft.com/office/drawing/2014/main" xmlns="" id="{CC110DDE-E2E3-4ABE-8981-F2CD4B5FC04D}"/>
               </a:ext>
             </a:extLst>
           </p:cNvPr>
@@ -6913,7 +7267,7 @@
           <p:cNvPr id="49" name="TextBox 48">
             <a:extLst>
               <a:ext uri="{FF2B5EF4-FFF2-40B4-BE49-F238E27FC236}">
-                <a16:creationId xmlns:a16="http://schemas.microsoft.com/office/drawing/2014/main" id="{A3A05D1D-6B80-4CCC-A3BF-A7C6EF6F9220}"/>
+                <a16:creationId xmlns:a16="http://schemas.microsoft.com/office/drawing/2014/main" xmlns="" id="{A3A05D1D-6B80-4CCC-A3BF-A7C6EF6F9220}"/>
               </a:ext>
             </a:extLst>
           </p:cNvPr>
@@ -6953,7 +7307,7 @@
           <p:cNvPr id="53" name="Straight Arrow Connector 52">
             <a:extLst>
               <a:ext uri="{FF2B5EF4-FFF2-40B4-BE49-F238E27FC236}">
-                <a16:creationId xmlns:a16="http://schemas.microsoft.com/office/drawing/2014/main" id="{69B377B1-A31C-4940-9FC5-68F51D8CB3E4}"/>
+                <a16:creationId xmlns:a16="http://schemas.microsoft.com/office/drawing/2014/main" xmlns="" id="{69B377B1-A31C-4940-9FC5-68F51D8CB3E4}"/>
               </a:ext>
             </a:extLst>
           </p:cNvPr>
@@ -6994,7 +7348,7 @@
           <p:cNvPr id="55" name="Straight Arrow Connector 54">
             <a:extLst>
               <a:ext uri="{FF2B5EF4-FFF2-40B4-BE49-F238E27FC236}">
-                <a16:creationId xmlns:a16="http://schemas.microsoft.com/office/drawing/2014/main" id="{380DADC8-F850-433A-B179-F83CBD72ECA6}"/>
+                <a16:creationId xmlns:a16="http://schemas.microsoft.com/office/drawing/2014/main" xmlns="" id="{380DADC8-F850-433A-B179-F83CBD72ECA6}"/>
               </a:ext>
             </a:extLst>
           </p:cNvPr>
@@ -7035,7 +7389,7 @@
           <p:cNvPr id="61" name="Straight Arrow Connector 60">
             <a:extLst>
               <a:ext uri="{FF2B5EF4-FFF2-40B4-BE49-F238E27FC236}">
-                <a16:creationId xmlns:a16="http://schemas.microsoft.com/office/drawing/2014/main" id="{12A10EFA-2433-4F2C-9F95-C92F0DB56444}"/>
+                <a16:creationId xmlns:a16="http://schemas.microsoft.com/office/drawing/2014/main" xmlns="" id="{12A10EFA-2433-4F2C-9F95-C92F0DB56444}"/>
               </a:ext>
             </a:extLst>
           </p:cNvPr>
@@ -7076,7 +7430,7 @@
           <p:cNvPr id="63" name="Straight Arrow Connector 62">
             <a:extLst>
               <a:ext uri="{FF2B5EF4-FFF2-40B4-BE49-F238E27FC236}">
-                <a16:creationId xmlns:a16="http://schemas.microsoft.com/office/drawing/2014/main" id="{400EAD45-4DAA-4B32-BC8F-A34C37E2ED90}"/>
+                <a16:creationId xmlns:a16="http://schemas.microsoft.com/office/drawing/2014/main" xmlns="" id="{400EAD45-4DAA-4B32-BC8F-A34C37E2ED90}"/>
               </a:ext>
             </a:extLst>
           </p:cNvPr>
@@ -7117,7 +7471,7 @@
           <p:cNvPr id="65" name="Straight Arrow Connector 64">
             <a:extLst>
               <a:ext uri="{FF2B5EF4-FFF2-40B4-BE49-F238E27FC236}">
-                <a16:creationId xmlns:a16="http://schemas.microsoft.com/office/drawing/2014/main" id="{F7788DE3-1E1C-48C9-8CF3-17B02D346DFE}"/>
+                <a16:creationId xmlns:a16="http://schemas.microsoft.com/office/drawing/2014/main" xmlns="" id="{F7788DE3-1E1C-48C9-8CF3-17B02D346DFE}"/>
               </a:ext>
             </a:extLst>
           </p:cNvPr>
@@ -7158,7 +7512,7 @@
           <p:cNvPr id="68" name="Straight Arrow Connector 67">
             <a:extLst>
               <a:ext uri="{FF2B5EF4-FFF2-40B4-BE49-F238E27FC236}">
-                <a16:creationId xmlns:a16="http://schemas.microsoft.com/office/drawing/2014/main" id="{AE528A05-F9CC-4597-B7A6-5B5C6F2D2CF3}"/>
+                <a16:creationId xmlns:a16="http://schemas.microsoft.com/office/drawing/2014/main" xmlns="" id="{AE528A05-F9CC-4597-B7A6-5B5C6F2D2CF3}"/>
               </a:ext>
             </a:extLst>
           </p:cNvPr>
@@ -7199,7 +7553,7 @@
           <p:cNvPr id="70" name="Straight Arrow Connector 69">
             <a:extLst>
               <a:ext uri="{FF2B5EF4-FFF2-40B4-BE49-F238E27FC236}">
-                <a16:creationId xmlns:a16="http://schemas.microsoft.com/office/drawing/2014/main" id="{D56E001C-CAA2-4547-93C1-5A36EC504C91}"/>
+                <a16:creationId xmlns:a16="http://schemas.microsoft.com/office/drawing/2014/main" xmlns="" id="{D56E001C-CAA2-4547-93C1-5A36EC504C91}"/>
               </a:ext>
             </a:extLst>
           </p:cNvPr>
@@ -7240,7 +7594,7 @@
           <p:cNvPr id="72" name="Straight Arrow Connector 71">
             <a:extLst>
               <a:ext uri="{FF2B5EF4-FFF2-40B4-BE49-F238E27FC236}">
-                <a16:creationId xmlns:a16="http://schemas.microsoft.com/office/drawing/2014/main" id="{4DC59B5F-1521-4E94-8756-E968997AC0EA}"/>
+                <a16:creationId xmlns:a16="http://schemas.microsoft.com/office/drawing/2014/main" xmlns="" id="{4DC59B5F-1521-4E94-8756-E968997AC0EA}"/>
               </a:ext>
             </a:extLst>
           </p:cNvPr>
@@ -7281,7 +7635,7 @@
           <p:cNvPr id="74" name="Straight Connector 73">
             <a:extLst>
               <a:ext uri="{FF2B5EF4-FFF2-40B4-BE49-F238E27FC236}">
-                <a16:creationId xmlns:a16="http://schemas.microsoft.com/office/drawing/2014/main" id="{F8779C99-985D-40F1-93C6-B044744B79C1}"/>
+                <a16:creationId xmlns:a16="http://schemas.microsoft.com/office/drawing/2014/main" xmlns="" id="{F8779C99-985D-40F1-93C6-B044744B79C1}"/>
               </a:ext>
             </a:extLst>
           </p:cNvPr>
@@ -7323,7 +7677,7 @@
           <p:cNvPr id="76" name="Straight Arrow Connector 75">
             <a:extLst>
               <a:ext uri="{FF2B5EF4-FFF2-40B4-BE49-F238E27FC236}">
-                <a16:creationId xmlns:a16="http://schemas.microsoft.com/office/drawing/2014/main" id="{12463498-C054-4570-B7CD-3773A1F556C2}"/>
+                <a16:creationId xmlns:a16="http://schemas.microsoft.com/office/drawing/2014/main" xmlns="" id="{12463498-C054-4570-B7CD-3773A1F556C2}"/>
               </a:ext>
             </a:extLst>
           </p:cNvPr>
@@ -7365,7 +7719,7 @@
           <p:cNvPr id="95" name="Straight Arrow Connector 94">
             <a:extLst>
               <a:ext uri="{FF2B5EF4-FFF2-40B4-BE49-F238E27FC236}">
-                <a16:creationId xmlns:a16="http://schemas.microsoft.com/office/drawing/2014/main" id="{953F6042-4E43-4D95-B9F9-CD4844950042}"/>
+                <a16:creationId xmlns:a16="http://schemas.microsoft.com/office/drawing/2014/main" xmlns="" id="{953F6042-4E43-4D95-B9F9-CD4844950042}"/>
               </a:ext>
             </a:extLst>
           </p:cNvPr>
@@ -7406,7 +7760,7 @@
           <p:cNvPr id="97" name="Straight Arrow Connector 96">
             <a:extLst>
               <a:ext uri="{FF2B5EF4-FFF2-40B4-BE49-F238E27FC236}">
-                <a16:creationId xmlns:a16="http://schemas.microsoft.com/office/drawing/2014/main" id="{C56BDD1F-1FA9-4116-9D3B-4178129501BD}"/>
+                <a16:creationId xmlns:a16="http://schemas.microsoft.com/office/drawing/2014/main" xmlns="" id="{C56BDD1F-1FA9-4116-9D3B-4178129501BD}"/>
               </a:ext>
             </a:extLst>
           </p:cNvPr>
@@ -7447,7 +7801,7 @@
           <p:cNvPr id="99" name="Straight Arrow Connector 98">
             <a:extLst>
               <a:ext uri="{FF2B5EF4-FFF2-40B4-BE49-F238E27FC236}">
-                <a16:creationId xmlns:a16="http://schemas.microsoft.com/office/drawing/2014/main" id="{536DA73F-261D-4A24-AAE9-86B41D383342}"/>
+                <a16:creationId xmlns:a16="http://schemas.microsoft.com/office/drawing/2014/main" xmlns="" id="{536DA73F-261D-4A24-AAE9-86B41D383342}"/>
               </a:ext>
             </a:extLst>
           </p:cNvPr>
@@ -7488,7 +7842,7 @@
           <p:cNvPr id="104" name="Connector: Elbow 103">
             <a:extLst>
               <a:ext uri="{FF2B5EF4-FFF2-40B4-BE49-F238E27FC236}">
-                <a16:creationId xmlns:a16="http://schemas.microsoft.com/office/drawing/2014/main" id="{9F57930E-7C39-4E10-ABD6-62F7A9F6F6C0}"/>
+                <a16:creationId xmlns:a16="http://schemas.microsoft.com/office/drawing/2014/main" xmlns="" id="{9F57930E-7C39-4E10-ABD6-62F7A9F6F6C0}"/>
               </a:ext>
             </a:extLst>
           </p:cNvPr>
@@ -7530,7 +7884,7 @@
           <p:cNvPr id="108" name="Rectangle: Rounded Corners 107">
             <a:extLst>
               <a:ext uri="{FF2B5EF4-FFF2-40B4-BE49-F238E27FC236}">
-                <a16:creationId xmlns:a16="http://schemas.microsoft.com/office/drawing/2014/main" id="{00FDF223-49FE-48B5-8105-AE5C03541234}"/>
+                <a16:creationId xmlns:a16="http://schemas.microsoft.com/office/drawing/2014/main" xmlns="" id="{00FDF223-49FE-48B5-8105-AE5C03541234}"/>
               </a:ext>
             </a:extLst>
           </p:cNvPr>
@@ -7582,7 +7936,7 @@
           <p:cNvPr id="109" name="TextBox 108">
             <a:extLst>
               <a:ext uri="{FF2B5EF4-FFF2-40B4-BE49-F238E27FC236}">
-                <a16:creationId xmlns:a16="http://schemas.microsoft.com/office/drawing/2014/main" id="{244DEFCC-6FE0-4C9A-90C5-322E35CD86CC}"/>
+                <a16:creationId xmlns:a16="http://schemas.microsoft.com/office/drawing/2014/main" xmlns="" id="{244DEFCC-6FE0-4C9A-90C5-322E35CD86CC}"/>
               </a:ext>
             </a:extLst>
           </p:cNvPr>
@@ -7618,7 +7972,7 @@
           <p:cNvPr id="110" name="Rectangle: Rounded Corners 109">
             <a:extLst>
               <a:ext uri="{FF2B5EF4-FFF2-40B4-BE49-F238E27FC236}">
-                <a16:creationId xmlns:a16="http://schemas.microsoft.com/office/drawing/2014/main" id="{D415FF9C-4E51-47E6-A810-0DB9BC67434B}"/>
+                <a16:creationId xmlns:a16="http://schemas.microsoft.com/office/drawing/2014/main" xmlns="" id="{D415FF9C-4E51-47E6-A810-0DB9BC67434B}"/>
               </a:ext>
             </a:extLst>
           </p:cNvPr>
@@ -7670,7 +8024,7 @@
           <p:cNvPr id="111" name="TextBox 110">
             <a:extLst>
               <a:ext uri="{FF2B5EF4-FFF2-40B4-BE49-F238E27FC236}">
-                <a16:creationId xmlns:a16="http://schemas.microsoft.com/office/drawing/2014/main" id="{94DBE5BF-4C35-469E-9423-F21C9717749E}"/>
+                <a16:creationId xmlns:a16="http://schemas.microsoft.com/office/drawing/2014/main" xmlns="" id="{94DBE5BF-4C35-469E-9423-F21C9717749E}"/>
               </a:ext>
             </a:extLst>
           </p:cNvPr>
@@ -7707,7 +8061,7 @@
           <p:cNvPr id="114" name="Oval 113">
             <a:extLst>
               <a:ext uri="{FF2B5EF4-FFF2-40B4-BE49-F238E27FC236}">
-                <a16:creationId xmlns:a16="http://schemas.microsoft.com/office/drawing/2014/main" id="{F53FF920-DD70-420C-851C-F86EA0467CD1}"/>
+                <a16:creationId xmlns:a16="http://schemas.microsoft.com/office/drawing/2014/main" xmlns="" id="{F53FF920-DD70-420C-851C-F86EA0467CD1}"/>
               </a:ext>
             </a:extLst>
           </p:cNvPr>
@@ -7756,7 +8110,7 @@
           <p:cNvPr id="115" name="TextBox 114">
             <a:extLst>
               <a:ext uri="{FF2B5EF4-FFF2-40B4-BE49-F238E27FC236}">
-                <a16:creationId xmlns:a16="http://schemas.microsoft.com/office/drawing/2014/main" id="{035B6930-B182-4D59-963D-AC66036C7D11}"/>
+                <a16:creationId xmlns:a16="http://schemas.microsoft.com/office/drawing/2014/main" xmlns="" id="{035B6930-B182-4D59-963D-AC66036C7D11}"/>
               </a:ext>
             </a:extLst>
           </p:cNvPr>
@@ -7791,7 +8145,7 @@
           <p:cNvPr id="118" name="Oval 117">
             <a:extLst>
               <a:ext uri="{FF2B5EF4-FFF2-40B4-BE49-F238E27FC236}">
-                <a16:creationId xmlns:a16="http://schemas.microsoft.com/office/drawing/2014/main" id="{88D33199-F90C-4043-9771-3DC0DD0A9B10}"/>
+                <a16:creationId xmlns:a16="http://schemas.microsoft.com/office/drawing/2014/main" xmlns="" id="{88D33199-F90C-4043-9771-3DC0DD0A9B10}"/>
               </a:ext>
             </a:extLst>
           </p:cNvPr>
@@ -7840,7 +8194,7 @@
           <p:cNvPr id="119" name="TextBox 118">
             <a:extLst>
               <a:ext uri="{FF2B5EF4-FFF2-40B4-BE49-F238E27FC236}">
-                <a16:creationId xmlns:a16="http://schemas.microsoft.com/office/drawing/2014/main" id="{0FD2BCAB-C6A0-4483-863F-3A7A12752883}"/>
+                <a16:creationId xmlns:a16="http://schemas.microsoft.com/office/drawing/2014/main" xmlns="" id="{0FD2BCAB-C6A0-4483-863F-3A7A12752883}"/>
               </a:ext>
             </a:extLst>
           </p:cNvPr>
@@ -7875,7 +8229,7 @@
           <p:cNvPr id="121" name="TextBox 120">
             <a:extLst>
               <a:ext uri="{FF2B5EF4-FFF2-40B4-BE49-F238E27FC236}">
-                <a16:creationId xmlns:a16="http://schemas.microsoft.com/office/drawing/2014/main" id="{2AD33CEE-29DC-4008-A226-F356E41F4282}"/>
+                <a16:creationId xmlns:a16="http://schemas.microsoft.com/office/drawing/2014/main" xmlns="" id="{2AD33CEE-29DC-4008-A226-F356E41F4282}"/>
               </a:ext>
             </a:extLst>
           </p:cNvPr>
@@ -7911,7 +8265,7 @@
           <p:cNvPr id="125" name="Oval 124">
             <a:extLst>
               <a:ext uri="{FF2B5EF4-FFF2-40B4-BE49-F238E27FC236}">
-                <a16:creationId xmlns:a16="http://schemas.microsoft.com/office/drawing/2014/main" id="{EA63BD4B-8C4C-4331-A43F-500E8AFC8C0D}"/>
+                <a16:creationId xmlns:a16="http://schemas.microsoft.com/office/drawing/2014/main" xmlns="" id="{EA63BD4B-8C4C-4331-A43F-500E8AFC8C0D}"/>
               </a:ext>
             </a:extLst>
           </p:cNvPr>
@@ -7960,7 +8314,7 @@
           <p:cNvPr id="126" name="TextBox 125">
             <a:extLst>
               <a:ext uri="{FF2B5EF4-FFF2-40B4-BE49-F238E27FC236}">
-                <a16:creationId xmlns:a16="http://schemas.microsoft.com/office/drawing/2014/main" id="{E6F33F6F-3E19-454E-94EF-23CFA5081AD2}"/>
+                <a16:creationId xmlns:a16="http://schemas.microsoft.com/office/drawing/2014/main" xmlns="" id="{E6F33F6F-3E19-454E-94EF-23CFA5081AD2}"/>
               </a:ext>
             </a:extLst>
           </p:cNvPr>
@@ -7995,7 +8349,7 @@
           <p:cNvPr id="127" name="Oval 126">
             <a:extLst>
               <a:ext uri="{FF2B5EF4-FFF2-40B4-BE49-F238E27FC236}">
-                <a16:creationId xmlns:a16="http://schemas.microsoft.com/office/drawing/2014/main" id="{55EFB462-99AE-4F17-8522-5A0D0E82DE8F}"/>
+                <a16:creationId xmlns:a16="http://schemas.microsoft.com/office/drawing/2014/main" xmlns="" id="{55EFB462-99AE-4F17-8522-5A0D0E82DE8F}"/>
               </a:ext>
             </a:extLst>
           </p:cNvPr>
@@ -8044,7 +8398,7 @@
           <p:cNvPr id="128" name="TextBox 127">
             <a:extLst>
               <a:ext uri="{FF2B5EF4-FFF2-40B4-BE49-F238E27FC236}">
-                <a16:creationId xmlns:a16="http://schemas.microsoft.com/office/drawing/2014/main" id="{227444FB-5B7D-43FB-8E36-C9C374F58F22}"/>
+                <a16:creationId xmlns:a16="http://schemas.microsoft.com/office/drawing/2014/main" xmlns="" id="{227444FB-5B7D-43FB-8E36-C9C374F58F22}"/>
               </a:ext>
             </a:extLst>
           </p:cNvPr>
@@ -8079,7 +8433,7 @@
           <p:cNvPr id="129" name="TextBox 128">
             <a:extLst>
               <a:ext uri="{FF2B5EF4-FFF2-40B4-BE49-F238E27FC236}">
-                <a16:creationId xmlns:a16="http://schemas.microsoft.com/office/drawing/2014/main" id="{B8816C32-D0AC-4011-AC2C-4424918B7638}"/>
+                <a16:creationId xmlns:a16="http://schemas.microsoft.com/office/drawing/2014/main" xmlns="" id="{B8816C32-D0AC-4011-AC2C-4424918B7638}"/>
               </a:ext>
             </a:extLst>
           </p:cNvPr>
@@ -8115,7 +8469,7 @@
           <p:cNvPr id="130" name="TextBox 129">
             <a:extLst>
               <a:ext uri="{FF2B5EF4-FFF2-40B4-BE49-F238E27FC236}">
-                <a16:creationId xmlns:a16="http://schemas.microsoft.com/office/drawing/2014/main" id="{5522E75F-4E11-4DDC-801A-6E04670EF9D5}"/>
+                <a16:creationId xmlns:a16="http://schemas.microsoft.com/office/drawing/2014/main" xmlns="" id="{5522E75F-4E11-4DDC-801A-6E04670EF9D5}"/>
               </a:ext>
             </a:extLst>
           </p:cNvPr>
@@ -8151,7 +8505,7 @@
           <p:cNvPr id="131" name="TextBox 130">
             <a:extLst>
               <a:ext uri="{FF2B5EF4-FFF2-40B4-BE49-F238E27FC236}">
-                <a16:creationId xmlns:a16="http://schemas.microsoft.com/office/drawing/2014/main" id="{356A7384-E3CA-48CF-BDB6-61BC8823AE78}"/>
+                <a16:creationId xmlns:a16="http://schemas.microsoft.com/office/drawing/2014/main" xmlns="" id="{356A7384-E3CA-48CF-BDB6-61BC8823AE78}"/>
               </a:ext>
             </a:extLst>
           </p:cNvPr>
@@ -8188,7 +8542,7 @@
           <p:cNvPr id="132" name="TextBox 131">
             <a:extLst>
               <a:ext uri="{FF2B5EF4-FFF2-40B4-BE49-F238E27FC236}">
-                <a16:creationId xmlns:a16="http://schemas.microsoft.com/office/drawing/2014/main" id="{798503FC-5C70-4514-881F-508DE62A0122}"/>
+                <a16:creationId xmlns:a16="http://schemas.microsoft.com/office/drawing/2014/main" xmlns="" id="{798503FC-5C70-4514-881F-508DE62A0122}"/>
               </a:ext>
             </a:extLst>
           </p:cNvPr>
@@ -8224,7 +8578,7 @@
           <p:cNvPr id="133" name="TextBox 132">
             <a:extLst>
               <a:ext uri="{FF2B5EF4-FFF2-40B4-BE49-F238E27FC236}">
-                <a16:creationId xmlns:a16="http://schemas.microsoft.com/office/drawing/2014/main" id="{06D17C53-6A36-4700-A452-5851B52AA5CB}"/>
+                <a16:creationId xmlns:a16="http://schemas.microsoft.com/office/drawing/2014/main" xmlns="" id="{06D17C53-6A36-4700-A452-5851B52AA5CB}"/>
               </a:ext>
             </a:extLst>
           </p:cNvPr>
@@ -8259,7 +8613,7 @@
           <p:cNvPr id="134" name="Straight Arrow Connector 133">
             <a:extLst>
               <a:ext uri="{FF2B5EF4-FFF2-40B4-BE49-F238E27FC236}">
-                <a16:creationId xmlns:a16="http://schemas.microsoft.com/office/drawing/2014/main" id="{FD2ABD3C-249C-4E0F-9A26-7B19C626AB6D}"/>
+                <a16:creationId xmlns:a16="http://schemas.microsoft.com/office/drawing/2014/main" xmlns="" id="{FD2ABD3C-249C-4E0F-9A26-7B19C626AB6D}"/>
               </a:ext>
             </a:extLst>
           </p:cNvPr>
@@ -8300,7 +8654,7 @@
           <p:cNvPr id="136" name="TextBox 135">
             <a:extLst>
               <a:ext uri="{FF2B5EF4-FFF2-40B4-BE49-F238E27FC236}">
-                <a16:creationId xmlns:a16="http://schemas.microsoft.com/office/drawing/2014/main" id="{55B97FB0-2812-4419-BBCE-BDC62EC46C4B}"/>
+                <a16:creationId xmlns:a16="http://schemas.microsoft.com/office/drawing/2014/main" xmlns="" id="{55B97FB0-2812-4419-BBCE-BDC62EC46C4B}"/>
               </a:ext>
             </a:extLst>
           </p:cNvPr>
@@ -8335,7 +8689,7 @@
           <p:cNvPr id="137" name="TextBox 136">
             <a:extLst>
               <a:ext uri="{FF2B5EF4-FFF2-40B4-BE49-F238E27FC236}">
-                <a16:creationId xmlns:a16="http://schemas.microsoft.com/office/drawing/2014/main" id="{09F894DB-58C8-4E3F-8A27-C157A75AD1C1}"/>
+                <a16:creationId xmlns:a16="http://schemas.microsoft.com/office/drawing/2014/main" xmlns="" id="{09F894DB-58C8-4E3F-8A27-C157A75AD1C1}"/>
               </a:ext>
             </a:extLst>
           </p:cNvPr>
@@ -8371,7 +8725,7 @@
           <p:cNvPr id="138" name="Oval 137">
             <a:extLst>
               <a:ext uri="{FF2B5EF4-FFF2-40B4-BE49-F238E27FC236}">
-                <a16:creationId xmlns:a16="http://schemas.microsoft.com/office/drawing/2014/main" id="{A76957CB-1431-45B6-B929-E672ACFEC176}"/>
+                <a16:creationId xmlns:a16="http://schemas.microsoft.com/office/drawing/2014/main" xmlns="" id="{A76957CB-1431-45B6-B929-E672ACFEC176}"/>
               </a:ext>
             </a:extLst>
           </p:cNvPr>
@@ -8420,7 +8774,7 @@
           <p:cNvPr id="38" name="TextBox 37">
             <a:extLst>
               <a:ext uri="{FF2B5EF4-FFF2-40B4-BE49-F238E27FC236}">
-                <a16:creationId xmlns:a16="http://schemas.microsoft.com/office/drawing/2014/main" id="{433C3148-9D40-4B6A-9C9F-7955A3565BF1}"/>
+                <a16:creationId xmlns:a16="http://schemas.microsoft.com/office/drawing/2014/main" xmlns="" id="{433C3148-9D40-4B6A-9C9F-7955A3565BF1}"/>
               </a:ext>
             </a:extLst>
           </p:cNvPr>
@@ -8456,7 +8810,7 @@
           <p:cNvPr id="139" name="Oval 138">
             <a:extLst>
               <a:ext uri="{FF2B5EF4-FFF2-40B4-BE49-F238E27FC236}">
-                <a16:creationId xmlns:a16="http://schemas.microsoft.com/office/drawing/2014/main" id="{DDFD1242-AAB9-4A0B-A129-CBEC0249A7EB}"/>
+                <a16:creationId xmlns:a16="http://schemas.microsoft.com/office/drawing/2014/main" xmlns="" id="{DDFD1242-AAB9-4A0B-A129-CBEC0249A7EB}"/>
               </a:ext>
             </a:extLst>
           </p:cNvPr>
@@ -8505,7 +8859,7 @@
           <p:cNvPr id="140" name="TextBox 139">
             <a:extLst>
               <a:ext uri="{FF2B5EF4-FFF2-40B4-BE49-F238E27FC236}">
-                <a16:creationId xmlns:a16="http://schemas.microsoft.com/office/drawing/2014/main" id="{94CBED89-677D-4679-BE03-40975E54DD2B}"/>
+                <a16:creationId xmlns:a16="http://schemas.microsoft.com/office/drawing/2014/main" xmlns="" id="{94CBED89-677D-4679-BE03-40975E54DD2B}"/>
               </a:ext>
             </a:extLst>
           </p:cNvPr>
@@ -8541,7 +8895,7 @@
           <p:cNvPr id="141" name="TextBox 140">
             <a:extLst>
               <a:ext uri="{FF2B5EF4-FFF2-40B4-BE49-F238E27FC236}">
-                <a16:creationId xmlns:a16="http://schemas.microsoft.com/office/drawing/2014/main" id="{0DCDA8F5-4E24-4329-A002-EC707B7B6650}"/>
+                <a16:creationId xmlns:a16="http://schemas.microsoft.com/office/drawing/2014/main" xmlns="" id="{0DCDA8F5-4E24-4329-A002-EC707B7B6650}"/>
               </a:ext>
             </a:extLst>
           </p:cNvPr>
@@ -8577,7 +8931,7 @@
           <p:cNvPr id="142" name="TextBox 141">
             <a:extLst>
               <a:ext uri="{FF2B5EF4-FFF2-40B4-BE49-F238E27FC236}">
-                <a16:creationId xmlns:a16="http://schemas.microsoft.com/office/drawing/2014/main" id="{D7A7F537-EE19-430B-9E41-12B4BA8D1558}"/>
+                <a16:creationId xmlns:a16="http://schemas.microsoft.com/office/drawing/2014/main" xmlns="" id="{D7A7F537-EE19-430B-9E41-12B4BA8D1558}"/>
               </a:ext>
             </a:extLst>
           </p:cNvPr>
@@ -8617,7 +8971,7 @@
           <p:cNvPr id="143" name="TextBox 142">
             <a:extLst>
               <a:ext uri="{FF2B5EF4-FFF2-40B4-BE49-F238E27FC236}">
-                <a16:creationId xmlns:a16="http://schemas.microsoft.com/office/drawing/2014/main" id="{CE6702C0-D16B-4E70-8A95-FC6B21C214FB}"/>
+                <a16:creationId xmlns:a16="http://schemas.microsoft.com/office/drawing/2014/main" xmlns="" id="{CE6702C0-D16B-4E70-8A95-FC6B21C214FB}"/>
               </a:ext>
             </a:extLst>
           </p:cNvPr>
@@ -8657,7 +9011,7 @@
           <p:cNvPr id="144" name="TextBox 143">
             <a:extLst>
               <a:ext uri="{FF2B5EF4-FFF2-40B4-BE49-F238E27FC236}">
-                <a16:creationId xmlns:a16="http://schemas.microsoft.com/office/drawing/2014/main" id="{EA67A7FF-F06D-4621-B42A-E565E8891CC0}"/>
+                <a16:creationId xmlns:a16="http://schemas.microsoft.com/office/drawing/2014/main" xmlns="" id="{EA67A7FF-F06D-4621-B42A-E565E8891CC0}"/>
               </a:ext>
             </a:extLst>
           </p:cNvPr>
@@ -8697,7 +9051,7 @@
           <p:cNvPr id="145" name="TextBox 144">
             <a:extLst>
               <a:ext uri="{FF2B5EF4-FFF2-40B4-BE49-F238E27FC236}">
-                <a16:creationId xmlns:a16="http://schemas.microsoft.com/office/drawing/2014/main" id="{5F293963-C8ED-44E4-A1E9-363322ED6920}"/>
+                <a16:creationId xmlns:a16="http://schemas.microsoft.com/office/drawing/2014/main" xmlns="" id="{5F293963-C8ED-44E4-A1E9-363322ED6920}"/>
               </a:ext>
             </a:extLst>
           </p:cNvPr>
@@ -8767,7 +9121,7 @@
           <p:cNvPr id="3" name="Picture 2">
             <a:extLst>
               <a:ext uri="{FF2B5EF4-FFF2-40B4-BE49-F238E27FC236}">
-                <a16:creationId xmlns:a16="http://schemas.microsoft.com/office/drawing/2014/main" id="{E093C7C9-9588-4B26-B285-D7B7501A8D5B}"/>
+                <a16:creationId xmlns:a16="http://schemas.microsoft.com/office/drawing/2014/main" xmlns="" id="{E093C7C9-9588-4B26-B285-D7B7501A8D5B}"/>
               </a:ext>
             </a:extLst>
           </p:cNvPr>
@@ -8803,7 +9157,7 @@
           <p:cNvPr id="5" name="Picture 4">
             <a:extLst>
               <a:ext uri="{FF2B5EF4-FFF2-40B4-BE49-F238E27FC236}">
-                <a16:creationId xmlns:a16="http://schemas.microsoft.com/office/drawing/2014/main" id="{77874012-7500-4728-B206-C08E36F5639D}"/>
+                <a16:creationId xmlns:a16="http://schemas.microsoft.com/office/drawing/2014/main" xmlns="" id="{77874012-7500-4728-B206-C08E36F5639D}"/>
               </a:ext>
             </a:extLst>
           </p:cNvPr>
@@ -8839,7 +9193,7 @@
           <p:cNvPr id="7" name="Straight Arrow Connector 6">
             <a:extLst>
               <a:ext uri="{FF2B5EF4-FFF2-40B4-BE49-F238E27FC236}">
-                <a16:creationId xmlns:a16="http://schemas.microsoft.com/office/drawing/2014/main" id="{E3398746-2C5E-4F8D-8404-238C0B242852}"/>
+                <a16:creationId xmlns:a16="http://schemas.microsoft.com/office/drawing/2014/main" xmlns="" id="{E3398746-2C5E-4F8D-8404-238C0B242852}"/>
               </a:ext>
             </a:extLst>
           </p:cNvPr>
@@ -8912,7 +9266,7 @@
           <p:cNvPr id="2" name="Rectangle 1">
             <a:extLst>
               <a:ext uri="{FF2B5EF4-FFF2-40B4-BE49-F238E27FC236}">
-                <a16:creationId xmlns:a16="http://schemas.microsoft.com/office/drawing/2014/main" id="{FE046559-76B1-4B20-AFC3-A184F6A26DA8}"/>
+                <a16:creationId xmlns:a16="http://schemas.microsoft.com/office/drawing/2014/main" xmlns="" id="{FE046559-76B1-4B20-AFC3-A184F6A26DA8}"/>
               </a:ext>
             </a:extLst>
           </p:cNvPr>
@@ -8958,7 +9312,7 @@
           <p:cNvPr id="3" name="Rectangle 2">
             <a:extLst>
               <a:ext uri="{FF2B5EF4-FFF2-40B4-BE49-F238E27FC236}">
-                <a16:creationId xmlns:a16="http://schemas.microsoft.com/office/drawing/2014/main" id="{3C42E523-AFD4-470A-B5A4-D4FD95BB5667}"/>
+                <a16:creationId xmlns:a16="http://schemas.microsoft.com/office/drawing/2014/main" xmlns="" id="{3C42E523-AFD4-470A-B5A4-D4FD95BB5667}"/>
               </a:ext>
             </a:extLst>
           </p:cNvPr>
@@ -9004,7 +9358,7 @@
           <p:cNvPr id="4" name="Straight Connector 3">
             <a:extLst>
               <a:ext uri="{FF2B5EF4-FFF2-40B4-BE49-F238E27FC236}">
-                <a16:creationId xmlns:a16="http://schemas.microsoft.com/office/drawing/2014/main" id="{165F6E83-51F5-48F9-A041-22E1D41212E2}"/>
+                <a16:creationId xmlns:a16="http://schemas.microsoft.com/office/drawing/2014/main" xmlns="" id="{165F6E83-51F5-48F9-A041-22E1D41212E2}"/>
               </a:ext>
             </a:extLst>
           </p:cNvPr>
@@ -9044,7 +9398,7 @@
           <p:cNvPr id="5" name="Rectangle 4">
             <a:extLst>
               <a:ext uri="{FF2B5EF4-FFF2-40B4-BE49-F238E27FC236}">
-                <a16:creationId xmlns:a16="http://schemas.microsoft.com/office/drawing/2014/main" id="{4317DD76-A72D-499F-80F0-6F2F0FD89C21}"/>
+                <a16:creationId xmlns:a16="http://schemas.microsoft.com/office/drawing/2014/main" xmlns="" id="{4317DD76-A72D-499F-80F0-6F2F0FD89C21}"/>
               </a:ext>
             </a:extLst>
           </p:cNvPr>
@@ -9090,7 +9444,7 @@
           <p:cNvPr id="6" name="Straight Connector 5">
             <a:extLst>
               <a:ext uri="{FF2B5EF4-FFF2-40B4-BE49-F238E27FC236}">
-                <a16:creationId xmlns:a16="http://schemas.microsoft.com/office/drawing/2014/main" id="{6B9A6D03-8D13-4C1E-B575-2CE9A12D38F3}"/>
+                <a16:creationId xmlns:a16="http://schemas.microsoft.com/office/drawing/2014/main" xmlns="" id="{6B9A6D03-8D13-4C1E-B575-2CE9A12D38F3}"/>
               </a:ext>
             </a:extLst>
           </p:cNvPr>
@@ -9129,7 +9483,7 @@
           <p:cNvPr id="7" name="TextBox 6">
             <a:extLst>
               <a:ext uri="{FF2B5EF4-FFF2-40B4-BE49-F238E27FC236}">
-                <a16:creationId xmlns:a16="http://schemas.microsoft.com/office/drawing/2014/main" id="{7A5E4009-0B8B-46DE-98CC-30D763A2EF0A}"/>
+                <a16:creationId xmlns:a16="http://schemas.microsoft.com/office/drawing/2014/main" xmlns="" id="{7A5E4009-0B8B-46DE-98CC-30D763A2EF0A}"/>
               </a:ext>
             </a:extLst>
           </p:cNvPr>
@@ -9165,7 +9519,7 @@
           <p:cNvPr id="8" name="TextBox 7">
             <a:extLst>
               <a:ext uri="{FF2B5EF4-FFF2-40B4-BE49-F238E27FC236}">
-                <a16:creationId xmlns:a16="http://schemas.microsoft.com/office/drawing/2014/main" id="{95781765-A52D-4A7B-89E0-3111434BC633}"/>
+                <a16:creationId xmlns:a16="http://schemas.microsoft.com/office/drawing/2014/main" xmlns="" id="{95781765-A52D-4A7B-89E0-3111434BC633}"/>
               </a:ext>
             </a:extLst>
           </p:cNvPr>
@@ -9220,7 +9574,7 @@
           <p:cNvPr id="9" name="TextBox 8">
             <a:extLst>
               <a:ext uri="{FF2B5EF4-FFF2-40B4-BE49-F238E27FC236}">
-                <a16:creationId xmlns:a16="http://schemas.microsoft.com/office/drawing/2014/main" id="{FC06655B-02BC-4FF6-8B89-B24582D26F73}"/>
+                <a16:creationId xmlns:a16="http://schemas.microsoft.com/office/drawing/2014/main" xmlns="" id="{FC06655B-02BC-4FF6-8B89-B24582D26F73}"/>
               </a:ext>
             </a:extLst>
           </p:cNvPr>
@@ -9275,7 +9629,7 @@
           <p:cNvPr id="10" name="TextBox 9">
             <a:extLst>
               <a:ext uri="{FF2B5EF4-FFF2-40B4-BE49-F238E27FC236}">
-                <a16:creationId xmlns:a16="http://schemas.microsoft.com/office/drawing/2014/main" id="{0F1591A3-B836-4EB9-87D5-1ECFA764E730}"/>
+                <a16:creationId xmlns:a16="http://schemas.microsoft.com/office/drawing/2014/main" xmlns="" id="{0F1591A3-B836-4EB9-87D5-1ECFA764E730}"/>
               </a:ext>
             </a:extLst>
           </p:cNvPr>
@@ -9330,7 +9684,7 @@
           <p:cNvPr id="11" name="TextBox 10">
             <a:extLst>
               <a:ext uri="{FF2B5EF4-FFF2-40B4-BE49-F238E27FC236}">
-                <a16:creationId xmlns:a16="http://schemas.microsoft.com/office/drawing/2014/main" id="{44CA9F4A-3E8E-4E51-9444-250EF46B1B4C}"/>
+                <a16:creationId xmlns:a16="http://schemas.microsoft.com/office/drawing/2014/main" xmlns="" id="{44CA9F4A-3E8E-4E51-9444-250EF46B1B4C}"/>
               </a:ext>
             </a:extLst>
           </p:cNvPr>
@@ -9385,7 +9739,7 @@
           <p:cNvPr id="12" name="Table 11">
             <a:extLst>
               <a:ext uri="{FF2B5EF4-FFF2-40B4-BE49-F238E27FC236}">
-                <a16:creationId xmlns:a16="http://schemas.microsoft.com/office/drawing/2014/main" id="{8609B135-BD24-46C9-9103-7320116A6E95}"/>
+                <a16:creationId xmlns:a16="http://schemas.microsoft.com/office/drawing/2014/main" xmlns="" id="{8609B135-BD24-46C9-9103-7320116A6E95}"/>
               </a:ext>
             </a:extLst>
           </p:cNvPr>
@@ -9414,35 +9768,35 @@
                 <a:gridCol w="396240">
                   <a:extLst>
                     <a:ext uri="{9D8B030D-6E8A-4147-A177-3AD203B41FA5}">
-                      <a16:colId xmlns:a16="http://schemas.microsoft.com/office/drawing/2014/main" val="3806177184"/>
+                      <a16:colId xmlns:a16="http://schemas.microsoft.com/office/drawing/2014/main" xmlns="" val="3806177184"/>
                     </a:ext>
                   </a:extLst>
                 </a:gridCol>
                 <a:gridCol w="396240">
                   <a:extLst>
                     <a:ext uri="{9D8B030D-6E8A-4147-A177-3AD203B41FA5}">
-                      <a16:colId xmlns:a16="http://schemas.microsoft.com/office/drawing/2014/main" val="995372208"/>
+                      <a16:colId xmlns:a16="http://schemas.microsoft.com/office/drawing/2014/main" xmlns="" val="995372208"/>
                     </a:ext>
                   </a:extLst>
                 </a:gridCol>
                 <a:gridCol w="396240">
                   <a:extLst>
                     <a:ext uri="{9D8B030D-6E8A-4147-A177-3AD203B41FA5}">
-                      <a16:colId xmlns:a16="http://schemas.microsoft.com/office/drawing/2014/main" val="40047974"/>
+                      <a16:colId xmlns:a16="http://schemas.microsoft.com/office/drawing/2014/main" xmlns="" val="40047974"/>
                     </a:ext>
                   </a:extLst>
                 </a:gridCol>
                 <a:gridCol w="396240">
                   <a:extLst>
                     <a:ext uri="{9D8B030D-6E8A-4147-A177-3AD203B41FA5}">
-                      <a16:colId xmlns:a16="http://schemas.microsoft.com/office/drawing/2014/main" val="3887870823"/>
+                      <a16:colId xmlns:a16="http://schemas.microsoft.com/office/drawing/2014/main" xmlns="" val="3887870823"/>
                     </a:ext>
                   </a:extLst>
                 </a:gridCol>
                 <a:gridCol w="396240">
                   <a:extLst>
                     <a:ext uri="{9D8B030D-6E8A-4147-A177-3AD203B41FA5}">
-                      <a16:colId xmlns:a16="http://schemas.microsoft.com/office/drawing/2014/main" val="2562895583"/>
+                      <a16:colId xmlns:a16="http://schemas.microsoft.com/office/drawing/2014/main" xmlns="" val="2562895583"/>
                     </a:ext>
                   </a:extLst>
                 </a:gridCol>
@@ -9536,7 +9890,7 @@
                 </a:tc>
                 <a:extLst>
                   <a:ext uri="{0D108BD9-81ED-4DB2-BD59-A6C34878D82A}">
-                    <a16:rowId xmlns:a16="http://schemas.microsoft.com/office/drawing/2014/main" val="4259432351"/>
+                    <a16:rowId xmlns:a16="http://schemas.microsoft.com/office/drawing/2014/main" xmlns="" val="4259432351"/>
                   </a:ext>
                 </a:extLst>
               </a:tr>
@@ -9549,7 +9903,7 @@
           <p:cNvPr id="13" name="Rectangle: Rounded Corners 12">
             <a:extLst>
               <a:ext uri="{FF2B5EF4-FFF2-40B4-BE49-F238E27FC236}">
-                <a16:creationId xmlns:a16="http://schemas.microsoft.com/office/drawing/2014/main" id="{553D89B1-6AA5-474F-902C-EA45738F225C}"/>
+                <a16:creationId xmlns:a16="http://schemas.microsoft.com/office/drawing/2014/main" xmlns="" id="{553D89B1-6AA5-474F-902C-EA45738F225C}"/>
               </a:ext>
             </a:extLst>
           </p:cNvPr>
@@ -9608,7 +9962,7 @@
           <p:cNvPr id="14" name="Straight Arrow Connector 13">
             <a:extLst>
               <a:ext uri="{FF2B5EF4-FFF2-40B4-BE49-F238E27FC236}">
-                <a16:creationId xmlns:a16="http://schemas.microsoft.com/office/drawing/2014/main" id="{99C157BC-C125-4386-8294-916A17BED447}"/>
+                <a16:creationId xmlns:a16="http://schemas.microsoft.com/office/drawing/2014/main" xmlns="" id="{99C157BC-C125-4386-8294-916A17BED447}"/>
               </a:ext>
             </a:extLst>
           </p:cNvPr>
@@ -9649,7 +10003,7 @@
           <p:cNvPr id="15" name="Straight Arrow Connector 14">
             <a:extLst>
               <a:ext uri="{FF2B5EF4-FFF2-40B4-BE49-F238E27FC236}">
-                <a16:creationId xmlns:a16="http://schemas.microsoft.com/office/drawing/2014/main" id="{1CB69C37-357D-43D5-BB10-A2181B616379}"/>
+                <a16:creationId xmlns:a16="http://schemas.microsoft.com/office/drawing/2014/main" xmlns="" id="{1CB69C37-357D-43D5-BB10-A2181B616379}"/>
               </a:ext>
             </a:extLst>
           </p:cNvPr>
@@ -9690,7 +10044,7 @@
           <p:cNvPr id="16" name="TextBox 15">
             <a:extLst>
               <a:ext uri="{FF2B5EF4-FFF2-40B4-BE49-F238E27FC236}">
-                <a16:creationId xmlns:a16="http://schemas.microsoft.com/office/drawing/2014/main" id="{C5F7FECF-C6E5-4E56-A680-E27BD1A10453}"/>
+                <a16:creationId xmlns:a16="http://schemas.microsoft.com/office/drawing/2014/main" xmlns="" id="{C5F7FECF-C6E5-4E56-A680-E27BD1A10453}"/>
               </a:ext>
             </a:extLst>
           </p:cNvPr>
@@ -9730,7 +10084,7 @@
           <p:cNvPr id="17" name="TextBox 16">
             <a:extLst>
               <a:ext uri="{FF2B5EF4-FFF2-40B4-BE49-F238E27FC236}">
-                <a16:creationId xmlns:a16="http://schemas.microsoft.com/office/drawing/2014/main" id="{156BF751-21E4-44C0-B5FD-BF3FF709E75A}"/>
+                <a16:creationId xmlns:a16="http://schemas.microsoft.com/office/drawing/2014/main" xmlns="" id="{156BF751-21E4-44C0-B5FD-BF3FF709E75A}"/>
               </a:ext>
             </a:extLst>
           </p:cNvPr>
@@ -9770,7 +10124,7 @@
           <p:cNvPr id="18" name="Straight Connector 17">
             <a:extLst>
               <a:ext uri="{FF2B5EF4-FFF2-40B4-BE49-F238E27FC236}">
-                <a16:creationId xmlns:a16="http://schemas.microsoft.com/office/drawing/2014/main" id="{542DAC25-E78A-464D-8C54-EF24A28A0481}"/>
+                <a16:creationId xmlns:a16="http://schemas.microsoft.com/office/drawing/2014/main" xmlns="" id="{542DAC25-E78A-464D-8C54-EF24A28A0481}"/>
               </a:ext>
             </a:extLst>
           </p:cNvPr>
@@ -9809,7 +10163,7 @@
           <p:cNvPr id="19" name="Straight Connector 18">
             <a:extLst>
               <a:ext uri="{FF2B5EF4-FFF2-40B4-BE49-F238E27FC236}">
-                <a16:creationId xmlns:a16="http://schemas.microsoft.com/office/drawing/2014/main" id="{345E4C95-2AC6-433C-9CCE-59FB1EE86A21}"/>
+                <a16:creationId xmlns:a16="http://schemas.microsoft.com/office/drawing/2014/main" xmlns="" id="{345E4C95-2AC6-433C-9CCE-59FB1EE86A21}"/>
               </a:ext>
             </a:extLst>
           </p:cNvPr>
@@ -9848,7 +10202,7 @@
           <p:cNvPr id="20" name="Straight Connector 19">
             <a:extLst>
               <a:ext uri="{FF2B5EF4-FFF2-40B4-BE49-F238E27FC236}">
-                <a16:creationId xmlns:a16="http://schemas.microsoft.com/office/drawing/2014/main" id="{DB7E4AC8-37FB-406D-8BE2-7F79F64EF8C6}"/>
+                <a16:creationId xmlns:a16="http://schemas.microsoft.com/office/drawing/2014/main" xmlns="" id="{DB7E4AC8-37FB-406D-8BE2-7F79F64EF8C6}"/>
               </a:ext>
             </a:extLst>
           </p:cNvPr>
@@ -9887,7 +10241,7 @@
           <p:cNvPr id="21" name="Straight Connector 20">
             <a:extLst>
               <a:ext uri="{FF2B5EF4-FFF2-40B4-BE49-F238E27FC236}">
-                <a16:creationId xmlns:a16="http://schemas.microsoft.com/office/drawing/2014/main" id="{43B88E84-A8B4-446E-AB4A-253B7B55F93D}"/>
+                <a16:creationId xmlns:a16="http://schemas.microsoft.com/office/drawing/2014/main" xmlns="" id="{43B88E84-A8B4-446E-AB4A-253B7B55F93D}"/>
               </a:ext>
             </a:extLst>
           </p:cNvPr>
@@ -9926,7 +10280,7 @@
           <p:cNvPr id="22" name="Straight Arrow Connector 21">
             <a:extLst>
               <a:ext uri="{FF2B5EF4-FFF2-40B4-BE49-F238E27FC236}">
-                <a16:creationId xmlns:a16="http://schemas.microsoft.com/office/drawing/2014/main" id="{DDE56ED3-A94E-43DC-A64A-C0E085201D22}"/>
+                <a16:creationId xmlns:a16="http://schemas.microsoft.com/office/drawing/2014/main" xmlns="" id="{DDE56ED3-A94E-43DC-A64A-C0E085201D22}"/>
               </a:ext>
             </a:extLst>
           </p:cNvPr>
@@ -9967,7 +10321,7 @@
           <p:cNvPr id="23" name="Rectangle: Rounded Corners 22">
             <a:extLst>
               <a:ext uri="{FF2B5EF4-FFF2-40B4-BE49-F238E27FC236}">
-                <a16:creationId xmlns:a16="http://schemas.microsoft.com/office/drawing/2014/main" id="{5C7A2DDB-F9CD-42B8-9C14-FE50082EC04B}"/>
+                <a16:creationId xmlns:a16="http://schemas.microsoft.com/office/drawing/2014/main" xmlns="" id="{5C7A2DDB-F9CD-42B8-9C14-FE50082EC04B}"/>
               </a:ext>
             </a:extLst>
           </p:cNvPr>
@@ -10026,7 +10380,7 @@
           <p:cNvPr id="24" name="Straight Arrow Connector 23">
             <a:extLst>
               <a:ext uri="{FF2B5EF4-FFF2-40B4-BE49-F238E27FC236}">
-                <a16:creationId xmlns:a16="http://schemas.microsoft.com/office/drawing/2014/main" id="{49B2BFE3-364B-4E3B-B785-DC727459A650}"/>
+                <a16:creationId xmlns:a16="http://schemas.microsoft.com/office/drawing/2014/main" xmlns="" id="{49B2BFE3-364B-4E3B-B785-DC727459A650}"/>
               </a:ext>
             </a:extLst>
           </p:cNvPr>
@@ -10067,7 +10421,7 @@
           <p:cNvPr id="25" name="Straight Arrow Connector 24">
             <a:extLst>
               <a:ext uri="{FF2B5EF4-FFF2-40B4-BE49-F238E27FC236}">
-                <a16:creationId xmlns:a16="http://schemas.microsoft.com/office/drawing/2014/main" id="{36269363-C655-4FBC-9E07-FEA047A8D64A}"/>
+                <a16:creationId xmlns:a16="http://schemas.microsoft.com/office/drawing/2014/main" xmlns="" id="{36269363-C655-4FBC-9E07-FEA047A8D64A}"/>
               </a:ext>
             </a:extLst>
           </p:cNvPr>
@@ -10108,7 +10462,7 @@
           <p:cNvPr id="26" name="TextBox 25">
             <a:extLst>
               <a:ext uri="{FF2B5EF4-FFF2-40B4-BE49-F238E27FC236}">
-                <a16:creationId xmlns:a16="http://schemas.microsoft.com/office/drawing/2014/main" id="{10C42874-5819-4CF8-9F92-B38D0F441AC5}"/>
+                <a16:creationId xmlns:a16="http://schemas.microsoft.com/office/drawing/2014/main" xmlns="" id="{10C42874-5819-4CF8-9F92-B38D0F441AC5}"/>
               </a:ext>
             </a:extLst>
           </p:cNvPr>
@@ -10148,7 +10502,7 @@
           <p:cNvPr id="27" name="TextBox 26">
             <a:extLst>
               <a:ext uri="{FF2B5EF4-FFF2-40B4-BE49-F238E27FC236}">
-                <a16:creationId xmlns:a16="http://schemas.microsoft.com/office/drawing/2014/main" id="{CD85FFE9-A2D6-46AC-880A-FA5D0C61E488}"/>
+                <a16:creationId xmlns:a16="http://schemas.microsoft.com/office/drawing/2014/main" xmlns="" id="{CD85FFE9-A2D6-46AC-880A-FA5D0C61E488}"/>
               </a:ext>
             </a:extLst>
           </p:cNvPr>
@@ -10188,7 +10542,7 @@
           <p:cNvPr id="28" name="Straight Connector 27">
             <a:extLst>
               <a:ext uri="{FF2B5EF4-FFF2-40B4-BE49-F238E27FC236}">
-                <a16:creationId xmlns:a16="http://schemas.microsoft.com/office/drawing/2014/main" id="{0C4C7C6F-3C20-4F93-AE0E-CE58BF5C6155}"/>
+                <a16:creationId xmlns:a16="http://schemas.microsoft.com/office/drawing/2014/main" xmlns="" id="{0C4C7C6F-3C20-4F93-AE0E-CE58BF5C6155}"/>
               </a:ext>
             </a:extLst>
           </p:cNvPr>
@@ -10227,7 +10581,7 @@
           <p:cNvPr id="29" name="Straight Connector 28">
             <a:extLst>
               <a:ext uri="{FF2B5EF4-FFF2-40B4-BE49-F238E27FC236}">
-                <a16:creationId xmlns:a16="http://schemas.microsoft.com/office/drawing/2014/main" id="{F7E19176-9EDC-4E86-BF0E-365BEC1494CD}"/>
+                <a16:creationId xmlns:a16="http://schemas.microsoft.com/office/drawing/2014/main" xmlns="" id="{F7E19176-9EDC-4E86-BF0E-365BEC1494CD}"/>
               </a:ext>
             </a:extLst>
           </p:cNvPr>
@@ -10266,7 +10620,7 @@
           <p:cNvPr id="30" name="Straight Connector 29">
             <a:extLst>
               <a:ext uri="{FF2B5EF4-FFF2-40B4-BE49-F238E27FC236}">
-                <a16:creationId xmlns:a16="http://schemas.microsoft.com/office/drawing/2014/main" id="{8A17D626-198D-40C2-8CD2-891144E0140B}"/>
+                <a16:creationId xmlns:a16="http://schemas.microsoft.com/office/drawing/2014/main" xmlns="" id="{8A17D626-198D-40C2-8CD2-891144E0140B}"/>
               </a:ext>
             </a:extLst>
           </p:cNvPr>
@@ -10305,7 +10659,7 @@
           <p:cNvPr id="31" name="Straight Connector 30">
             <a:extLst>
               <a:ext uri="{FF2B5EF4-FFF2-40B4-BE49-F238E27FC236}">
-                <a16:creationId xmlns:a16="http://schemas.microsoft.com/office/drawing/2014/main" id="{946A78E2-D30C-4B8C-9873-2BC0536E22FE}"/>
+                <a16:creationId xmlns:a16="http://schemas.microsoft.com/office/drawing/2014/main" xmlns="" id="{946A78E2-D30C-4B8C-9873-2BC0536E22FE}"/>
               </a:ext>
             </a:extLst>
           </p:cNvPr>
@@ -10344,7 +10698,7 @@
           <p:cNvPr id="32" name="Straight Arrow Connector 31">
             <a:extLst>
               <a:ext uri="{FF2B5EF4-FFF2-40B4-BE49-F238E27FC236}">
-                <a16:creationId xmlns:a16="http://schemas.microsoft.com/office/drawing/2014/main" id="{7FC09C6B-71A3-4048-A450-28EC347EBBCA}"/>
+                <a16:creationId xmlns:a16="http://schemas.microsoft.com/office/drawing/2014/main" xmlns="" id="{7FC09C6B-71A3-4048-A450-28EC347EBBCA}"/>
               </a:ext>
             </a:extLst>
           </p:cNvPr>
@@ -10385,7 +10739,7 @@
           <p:cNvPr id="33" name="Table 32">
             <a:extLst>
               <a:ext uri="{FF2B5EF4-FFF2-40B4-BE49-F238E27FC236}">
-                <a16:creationId xmlns:a16="http://schemas.microsoft.com/office/drawing/2014/main" id="{7036EA09-E54C-43C4-8098-2F654841AED7}"/>
+                <a16:creationId xmlns:a16="http://schemas.microsoft.com/office/drawing/2014/main" xmlns="" id="{7036EA09-E54C-43C4-8098-2F654841AED7}"/>
               </a:ext>
             </a:extLst>
           </p:cNvPr>
@@ -10414,35 +10768,35 @@
                 <a:gridCol w="396240">
                   <a:extLst>
                     <a:ext uri="{9D8B030D-6E8A-4147-A177-3AD203B41FA5}">
-                      <a16:colId xmlns:a16="http://schemas.microsoft.com/office/drawing/2014/main" val="3806177184"/>
+                      <a16:colId xmlns:a16="http://schemas.microsoft.com/office/drawing/2014/main" xmlns="" val="3806177184"/>
                     </a:ext>
                   </a:extLst>
                 </a:gridCol>
                 <a:gridCol w="396240">
                   <a:extLst>
                     <a:ext uri="{9D8B030D-6E8A-4147-A177-3AD203B41FA5}">
-                      <a16:colId xmlns:a16="http://schemas.microsoft.com/office/drawing/2014/main" val="995372208"/>
+                      <a16:colId xmlns:a16="http://schemas.microsoft.com/office/drawing/2014/main" xmlns="" val="995372208"/>
                     </a:ext>
                   </a:extLst>
                 </a:gridCol>
                 <a:gridCol w="396240">
                   <a:extLst>
                     <a:ext uri="{9D8B030D-6E8A-4147-A177-3AD203B41FA5}">
-                      <a16:colId xmlns:a16="http://schemas.microsoft.com/office/drawing/2014/main" val="40047974"/>
+                      <a16:colId xmlns:a16="http://schemas.microsoft.com/office/drawing/2014/main" xmlns="" val="40047974"/>
                     </a:ext>
                   </a:extLst>
                 </a:gridCol>
                 <a:gridCol w="396240">
                   <a:extLst>
                     <a:ext uri="{9D8B030D-6E8A-4147-A177-3AD203B41FA5}">
-                      <a16:colId xmlns:a16="http://schemas.microsoft.com/office/drawing/2014/main" val="3887870823"/>
+                      <a16:colId xmlns:a16="http://schemas.microsoft.com/office/drawing/2014/main" xmlns="" val="3887870823"/>
                     </a:ext>
                   </a:extLst>
                 </a:gridCol>
                 <a:gridCol w="396240">
                   <a:extLst>
                     <a:ext uri="{9D8B030D-6E8A-4147-A177-3AD203B41FA5}">
-                      <a16:colId xmlns:a16="http://schemas.microsoft.com/office/drawing/2014/main" val="2562895583"/>
+                      <a16:colId xmlns:a16="http://schemas.microsoft.com/office/drawing/2014/main" xmlns="" val="2562895583"/>
                     </a:ext>
                   </a:extLst>
                 </a:gridCol>
@@ -10536,7 +10890,7 @@
                 </a:tc>
                 <a:extLst>
                   <a:ext uri="{0D108BD9-81ED-4DB2-BD59-A6C34878D82A}">
-                    <a16:rowId xmlns:a16="http://schemas.microsoft.com/office/drawing/2014/main" val="4259432351"/>
+                    <a16:rowId xmlns:a16="http://schemas.microsoft.com/office/drawing/2014/main" xmlns="" val="4259432351"/>
                   </a:ext>
                 </a:extLst>
               </a:tr>
@@ -10549,7 +10903,7 @@
           <p:cNvPr id="34" name="TextBox 33">
             <a:extLst>
               <a:ext uri="{FF2B5EF4-FFF2-40B4-BE49-F238E27FC236}">
-                <a16:creationId xmlns:a16="http://schemas.microsoft.com/office/drawing/2014/main" id="{7CC22822-0C52-4346-B380-07C31C6B7A41}"/>
+                <a16:creationId xmlns:a16="http://schemas.microsoft.com/office/drawing/2014/main" xmlns="" id="{7CC22822-0C52-4346-B380-07C31C6B7A41}"/>
               </a:ext>
             </a:extLst>
           </p:cNvPr>
@@ -10584,7 +10938,7 @@
           <p:cNvPr id="35" name="Straight Arrow Connector 34">
             <a:extLst>
               <a:ext uri="{FF2B5EF4-FFF2-40B4-BE49-F238E27FC236}">
-                <a16:creationId xmlns:a16="http://schemas.microsoft.com/office/drawing/2014/main" id="{FD391174-B401-420C-962A-572EB0BB9650}"/>
+                <a16:creationId xmlns:a16="http://schemas.microsoft.com/office/drawing/2014/main" xmlns="" id="{FD391174-B401-420C-962A-572EB0BB9650}"/>
               </a:ext>
             </a:extLst>
           </p:cNvPr>
@@ -10625,7 +10979,7 @@
           <p:cNvPr id="36" name="Straight Arrow Connector 35">
             <a:extLst>
               <a:ext uri="{FF2B5EF4-FFF2-40B4-BE49-F238E27FC236}">
-                <a16:creationId xmlns:a16="http://schemas.microsoft.com/office/drawing/2014/main" id="{BC07A80B-BE86-4285-868B-DDB0A86F8A63}"/>
+                <a16:creationId xmlns:a16="http://schemas.microsoft.com/office/drawing/2014/main" xmlns="" id="{BC07A80B-BE86-4285-868B-DDB0A86F8A63}"/>
               </a:ext>
             </a:extLst>
           </p:cNvPr>
@@ -10666,7 +11020,7 @@
           <p:cNvPr id="37" name="Straight Arrow Connector 36">
             <a:extLst>
               <a:ext uri="{FF2B5EF4-FFF2-40B4-BE49-F238E27FC236}">
-                <a16:creationId xmlns:a16="http://schemas.microsoft.com/office/drawing/2014/main" id="{ED4E38F0-4441-48FE-B9F6-748248582410}"/>
+                <a16:creationId xmlns:a16="http://schemas.microsoft.com/office/drawing/2014/main" xmlns="" id="{ED4E38F0-4441-48FE-B9F6-748248582410}"/>
               </a:ext>
             </a:extLst>
           </p:cNvPr>
@@ -10707,7 +11061,7 @@
           <p:cNvPr id="38" name="Straight Arrow Connector 37">
             <a:extLst>
               <a:ext uri="{FF2B5EF4-FFF2-40B4-BE49-F238E27FC236}">
-                <a16:creationId xmlns:a16="http://schemas.microsoft.com/office/drawing/2014/main" id="{CBCA0F65-478B-41B6-A175-71EB14118FFE}"/>
+                <a16:creationId xmlns:a16="http://schemas.microsoft.com/office/drawing/2014/main" xmlns="" id="{CBCA0F65-478B-41B6-A175-71EB14118FFE}"/>
               </a:ext>
             </a:extLst>
           </p:cNvPr>
@@ -10748,7 +11102,7 @@
           <p:cNvPr id="39" name="Straight Arrow Connector 38">
             <a:extLst>
               <a:ext uri="{FF2B5EF4-FFF2-40B4-BE49-F238E27FC236}">
-                <a16:creationId xmlns:a16="http://schemas.microsoft.com/office/drawing/2014/main" id="{B3DFD0D5-D4C9-42E5-9BCB-E239D5CFF302}"/>
+                <a16:creationId xmlns:a16="http://schemas.microsoft.com/office/drawing/2014/main" xmlns="" id="{B3DFD0D5-D4C9-42E5-9BCB-E239D5CFF302}"/>
               </a:ext>
             </a:extLst>
           </p:cNvPr>
@@ -10789,7 +11143,7 @@
           <p:cNvPr id="40" name="TextBox 39">
             <a:extLst>
               <a:ext uri="{FF2B5EF4-FFF2-40B4-BE49-F238E27FC236}">
-                <a16:creationId xmlns:a16="http://schemas.microsoft.com/office/drawing/2014/main" id="{E3B5DEF5-ADAC-4770-88E8-DE4477D867DF}"/>
+                <a16:creationId xmlns:a16="http://schemas.microsoft.com/office/drawing/2014/main" xmlns="" id="{E3B5DEF5-ADAC-4770-88E8-DE4477D867DF}"/>
               </a:ext>
             </a:extLst>
           </p:cNvPr>
@@ -10825,7 +11179,7 @@
           <p:cNvPr id="41" name="TextBox 40">
             <a:extLst>
               <a:ext uri="{FF2B5EF4-FFF2-40B4-BE49-F238E27FC236}">
-                <a16:creationId xmlns:a16="http://schemas.microsoft.com/office/drawing/2014/main" id="{7699014F-759A-45ED-8521-E69146BF751C}"/>
+                <a16:creationId xmlns:a16="http://schemas.microsoft.com/office/drawing/2014/main" xmlns="" id="{7699014F-759A-45ED-8521-E69146BF751C}"/>
               </a:ext>
             </a:extLst>
           </p:cNvPr>
@@ -10861,7 +11215,7 @@
           <p:cNvPr id="42" name="TextBox 41">
             <a:extLst>
               <a:ext uri="{FF2B5EF4-FFF2-40B4-BE49-F238E27FC236}">
-                <a16:creationId xmlns:a16="http://schemas.microsoft.com/office/drawing/2014/main" id="{E318AA22-F9FC-4C52-B70A-9FC64D25585A}"/>
+                <a16:creationId xmlns:a16="http://schemas.microsoft.com/office/drawing/2014/main" xmlns="" id="{E318AA22-F9FC-4C52-B70A-9FC64D25585A}"/>
               </a:ext>
             </a:extLst>
           </p:cNvPr>
@@ -10916,7 +11270,7 @@
           <p:cNvPr id="43" name="TextBox 42">
             <a:extLst>
               <a:ext uri="{FF2B5EF4-FFF2-40B4-BE49-F238E27FC236}">
-                <a16:creationId xmlns:a16="http://schemas.microsoft.com/office/drawing/2014/main" id="{DFA36A3B-46C0-46F4-9721-A260ACA9CA2A}"/>
+                <a16:creationId xmlns:a16="http://schemas.microsoft.com/office/drawing/2014/main" xmlns="" id="{DFA36A3B-46C0-46F4-9721-A260ACA9CA2A}"/>
               </a:ext>
             </a:extLst>
           </p:cNvPr>
@@ -10971,7 +11325,7 @@
           <p:cNvPr id="44" name="TextBox 43">
             <a:extLst>
               <a:ext uri="{FF2B5EF4-FFF2-40B4-BE49-F238E27FC236}">
-                <a16:creationId xmlns:a16="http://schemas.microsoft.com/office/drawing/2014/main" id="{62DD0D7D-4B57-4C26-9158-17DD5A01AD0F}"/>
+                <a16:creationId xmlns:a16="http://schemas.microsoft.com/office/drawing/2014/main" xmlns="" id="{62DD0D7D-4B57-4C26-9158-17DD5A01AD0F}"/>
               </a:ext>
             </a:extLst>
           </p:cNvPr>
@@ -11026,7 +11380,7 @@
           <p:cNvPr id="45" name="TextBox 44">
             <a:extLst>
               <a:ext uri="{FF2B5EF4-FFF2-40B4-BE49-F238E27FC236}">
-                <a16:creationId xmlns:a16="http://schemas.microsoft.com/office/drawing/2014/main" id="{F0C2F238-6EEC-41BE-B687-7D66F703787F}"/>
+                <a16:creationId xmlns:a16="http://schemas.microsoft.com/office/drawing/2014/main" xmlns="" id="{F0C2F238-6EEC-41BE-B687-7D66F703787F}"/>
               </a:ext>
             </a:extLst>
           </p:cNvPr>
@@ -11081,7 +11435,7 @@
           <p:cNvPr id="46" name="TextBox 45">
             <a:extLst>
               <a:ext uri="{FF2B5EF4-FFF2-40B4-BE49-F238E27FC236}">
-                <a16:creationId xmlns:a16="http://schemas.microsoft.com/office/drawing/2014/main" id="{DA10AD70-A13B-498B-AD08-8A553D25C9CD}"/>
+                <a16:creationId xmlns:a16="http://schemas.microsoft.com/office/drawing/2014/main" xmlns="" id="{DA10AD70-A13B-498B-AD08-8A553D25C9CD}"/>
               </a:ext>
             </a:extLst>
           </p:cNvPr>
@@ -11136,7 +11490,7 @@
           <p:cNvPr id="47" name="TextBox 46">
             <a:extLst>
               <a:ext uri="{FF2B5EF4-FFF2-40B4-BE49-F238E27FC236}">
-                <a16:creationId xmlns:a16="http://schemas.microsoft.com/office/drawing/2014/main" id="{3C133AF0-0AE2-4567-A432-78A00B24B18A}"/>
+                <a16:creationId xmlns:a16="http://schemas.microsoft.com/office/drawing/2014/main" xmlns="" id="{3C133AF0-0AE2-4567-A432-78A00B24B18A}"/>
               </a:ext>
             </a:extLst>
           </p:cNvPr>
@@ -11191,7 +11545,7 @@
           <p:cNvPr id="48" name="Straight Connector 47">
             <a:extLst>
               <a:ext uri="{FF2B5EF4-FFF2-40B4-BE49-F238E27FC236}">
-                <a16:creationId xmlns:a16="http://schemas.microsoft.com/office/drawing/2014/main" id="{AA4E60D4-E755-456D-A736-D65E28CC45C8}"/>
+                <a16:creationId xmlns:a16="http://schemas.microsoft.com/office/drawing/2014/main" xmlns="" id="{AA4E60D4-E755-456D-A736-D65E28CC45C8}"/>
               </a:ext>
             </a:extLst>
           </p:cNvPr>
@@ -11228,7 +11582,7 @@
           <p:cNvPr id="49" name="Straight Connector 48">
             <a:extLst>
               <a:ext uri="{FF2B5EF4-FFF2-40B4-BE49-F238E27FC236}">
-                <a16:creationId xmlns:a16="http://schemas.microsoft.com/office/drawing/2014/main" id="{80EADEE5-8EEE-4AEC-B3ED-88AE95FBB56E}"/>
+                <a16:creationId xmlns:a16="http://schemas.microsoft.com/office/drawing/2014/main" xmlns="" id="{80EADEE5-8EEE-4AEC-B3ED-88AE95FBB56E}"/>
               </a:ext>
             </a:extLst>
           </p:cNvPr>
@@ -11267,7 +11621,7 @@
           <p:cNvPr id="50" name="Straight Connector 49">
             <a:extLst>
               <a:ext uri="{FF2B5EF4-FFF2-40B4-BE49-F238E27FC236}">
-                <a16:creationId xmlns:a16="http://schemas.microsoft.com/office/drawing/2014/main" id="{50CC7907-EF0A-4234-98E4-9261FE11D301}"/>
+                <a16:creationId xmlns:a16="http://schemas.microsoft.com/office/drawing/2014/main" xmlns="" id="{50CC7907-EF0A-4234-98E4-9261FE11D301}"/>
               </a:ext>
             </a:extLst>
           </p:cNvPr>
@@ -11306,7 +11660,7 @@
           <p:cNvPr id="51" name="Straight Connector 50">
             <a:extLst>
               <a:ext uri="{FF2B5EF4-FFF2-40B4-BE49-F238E27FC236}">
-                <a16:creationId xmlns:a16="http://schemas.microsoft.com/office/drawing/2014/main" id="{387DA87D-012F-4550-B0AF-0D434F492661}"/>
+                <a16:creationId xmlns:a16="http://schemas.microsoft.com/office/drawing/2014/main" xmlns="" id="{387DA87D-012F-4550-B0AF-0D434F492661}"/>
               </a:ext>
             </a:extLst>
           </p:cNvPr>
@@ -11345,7 +11699,7 @@
           <p:cNvPr id="52" name="Straight Connector 51">
             <a:extLst>
               <a:ext uri="{FF2B5EF4-FFF2-40B4-BE49-F238E27FC236}">
-                <a16:creationId xmlns:a16="http://schemas.microsoft.com/office/drawing/2014/main" id="{447B4909-1799-4242-A313-6BCECD743882}"/>
+                <a16:creationId xmlns:a16="http://schemas.microsoft.com/office/drawing/2014/main" xmlns="" id="{447B4909-1799-4242-A313-6BCECD743882}"/>
               </a:ext>
             </a:extLst>
           </p:cNvPr>
@@ -11384,7 +11738,7 @@
           <p:cNvPr id="53" name="Straight Arrow Connector 52">
             <a:extLst>
               <a:ext uri="{FF2B5EF4-FFF2-40B4-BE49-F238E27FC236}">
-                <a16:creationId xmlns:a16="http://schemas.microsoft.com/office/drawing/2014/main" id="{4FF2F035-FB64-449A-861B-BA7E7BBA631B}"/>
+                <a16:creationId xmlns:a16="http://schemas.microsoft.com/office/drawing/2014/main" xmlns="" id="{4FF2F035-FB64-449A-861B-BA7E7BBA631B}"/>
               </a:ext>
             </a:extLst>
           </p:cNvPr>
@@ -11455,7 +11809,7 @@
           <p:cNvPr id="2" name="TextBox 1">
             <a:extLst>
               <a:ext uri="{FF2B5EF4-FFF2-40B4-BE49-F238E27FC236}">
-                <a16:creationId xmlns:a16="http://schemas.microsoft.com/office/drawing/2014/main" id="{196CB4EF-F639-4EC2-A88B-E1649E400742}"/>
+                <a16:creationId xmlns:a16="http://schemas.microsoft.com/office/drawing/2014/main" xmlns="" id="{196CB4EF-F639-4EC2-A88B-E1649E400742}"/>
               </a:ext>
             </a:extLst>
           </p:cNvPr>
@@ -11512,7 +11866,7 @@
           <p:cNvPr id="3" name="TextBox 2">
             <a:extLst>
               <a:ext uri="{FF2B5EF4-FFF2-40B4-BE49-F238E27FC236}">
-                <a16:creationId xmlns:a16="http://schemas.microsoft.com/office/drawing/2014/main" id="{264F2432-12B6-44FF-89EA-AF36A9F1275B}"/>
+                <a16:creationId xmlns:a16="http://schemas.microsoft.com/office/drawing/2014/main" xmlns="" id="{264F2432-12B6-44FF-89EA-AF36A9F1275B}"/>
               </a:ext>
             </a:extLst>
           </p:cNvPr>
@@ -11569,7 +11923,7 @@
           <p:cNvPr id="4" name="TextBox 3">
             <a:extLst>
               <a:ext uri="{FF2B5EF4-FFF2-40B4-BE49-F238E27FC236}">
-                <a16:creationId xmlns:a16="http://schemas.microsoft.com/office/drawing/2014/main" id="{35FDE496-DDB1-4F49-ADD5-C0308BBE4AD9}"/>
+                <a16:creationId xmlns:a16="http://schemas.microsoft.com/office/drawing/2014/main" xmlns="" id="{35FDE496-DDB1-4F49-ADD5-C0308BBE4AD9}"/>
               </a:ext>
             </a:extLst>
           </p:cNvPr>
@@ -11626,7 +11980,7 @@
           <p:cNvPr id="5" name="TextBox 4">
             <a:extLst>
               <a:ext uri="{FF2B5EF4-FFF2-40B4-BE49-F238E27FC236}">
-                <a16:creationId xmlns:a16="http://schemas.microsoft.com/office/drawing/2014/main" id="{FDE14111-22B5-43AD-A2AD-3F4F3F0F586B}"/>
+                <a16:creationId xmlns:a16="http://schemas.microsoft.com/office/drawing/2014/main" xmlns="" id="{FDE14111-22B5-43AD-A2AD-3F4F3F0F586B}"/>
               </a:ext>
             </a:extLst>
           </p:cNvPr>
@@ -11683,7 +12037,7 @@
           <p:cNvPr id="6" name="TextBox 5">
             <a:extLst>
               <a:ext uri="{FF2B5EF4-FFF2-40B4-BE49-F238E27FC236}">
-                <a16:creationId xmlns:a16="http://schemas.microsoft.com/office/drawing/2014/main" id="{8DCB9736-711A-4EDA-8AC7-7949AAECBFFF}"/>
+                <a16:creationId xmlns:a16="http://schemas.microsoft.com/office/drawing/2014/main" xmlns="" id="{8DCB9736-711A-4EDA-8AC7-7949AAECBFFF}"/>
               </a:ext>
             </a:extLst>
           </p:cNvPr>
@@ -11740,7 +12094,7 @@
           <p:cNvPr id="7" name="Straight Connector 6">
             <a:extLst>
               <a:ext uri="{FF2B5EF4-FFF2-40B4-BE49-F238E27FC236}">
-                <a16:creationId xmlns:a16="http://schemas.microsoft.com/office/drawing/2014/main" id="{6677817C-FC04-43F8-9CA5-DE0985574434}"/>
+                <a16:creationId xmlns:a16="http://schemas.microsoft.com/office/drawing/2014/main" xmlns="" id="{6677817C-FC04-43F8-9CA5-DE0985574434}"/>
               </a:ext>
             </a:extLst>
           </p:cNvPr>
@@ -11780,7 +12134,7 @@
           <p:cNvPr id="8" name="Straight Connector 7">
             <a:extLst>
               <a:ext uri="{FF2B5EF4-FFF2-40B4-BE49-F238E27FC236}">
-                <a16:creationId xmlns:a16="http://schemas.microsoft.com/office/drawing/2014/main" id="{289B91C7-3D80-42D6-A7E7-4A043DF94C18}"/>
+                <a16:creationId xmlns:a16="http://schemas.microsoft.com/office/drawing/2014/main" xmlns="" id="{289B91C7-3D80-42D6-A7E7-4A043DF94C18}"/>
               </a:ext>
             </a:extLst>
           </p:cNvPr>
@@ -11821,7 +12175,7 @@
           <p:cNvPr id="9" name="Straight Connector 8">
             <a:extLst>
               <a:ext uri="{FF2B5EF4-FFF2-40B4-BE49-F238E27FC236}">
-                <a16:creationId xmlns:a16="http://schemas.microsoft.com/office/drawing/2014/main" id="{B77E3E23-EAF0-4E3C-957F-A7A01F144130}"/>
+                <a16:creationId xmlns:a16="http://schemas.microsoft.com/office/drawing/2014/main" xmlns="" id="{B77E3E23-EAF0-4E3C-957F-A7A01F144130}"/>
               </a:ext>
             </a:extLst>
           </p:cNvPr>
@@ -11862,7 +12216,7 @@
           <p:cNvPr id="10" name="Straight Connector 9">
             <a:extLst>
               <a:ext uri="{FF2B5EF4-FFF2-40B4-BE49-F238E27FC236}">
-                <a16:creationId xmlns:a16="http://schemas.microsoft.com/office/drawing/2014/main" id="{0D771C8C-A8CE-43B8-A129-F811EF752376}"/>
+                <a16:creationId xmlns:a16="http://schemas.microsoft.com/office/drawing/2014/main" xmlns="" id="{0D771C8C-A8CE-43B8-A129-F811EF752376}"/>
               </a:ext>
             </a:extLst>
           </p:cNvPr>
@@ -11901,7 +12255,7 @@
           <p:cNvPr id="11" name="Straight Connector 10">
             <a:extLst>
               <a:ext uri="{FF2B5EF4-FFF2-40B4-BE49-F238E27FC236}">
-                <a16:creationId xmlns:a16="http://schemas.microsoft.com/office/drawing/2014/main" id="{429601E5-34FF-45D8-8A9B-7C4F63B0B736}"/>
+                <a16:creationId xmlns:a16="http://schemas.microsoft.com/office/drawing/2014/main" xmlns="" id="{429601E5-34FF-45D8-8A9B-7C4F63B0B736}"/>
               </a:ext>
             </a:extLst>
           </p:cNvPr>
@@ -11941,7 +12295,7 @@
           <p:cNvPr id="20" name="Straight Connector 19">
             <a:extLst>
               <a:ext uri="{FF2B5EF4-FFF2-40B4-BE49-F238E27FC236}">
-                <a16:creationId xmlns:a16="http://schemas.microsoft.com/office/drawing/2014/main" id="{69321A3F-9642-4136-B8B3-7A2C1DBE260D}"/>
+                <a16:creationId xmlns:a16="http://schemas.microsoft.com/office/drawing/2014/main" xmlns="" id="{69321A3F-9642-4136-B8B3-7A2C1DBE260D}"/>
               </a:ext>
             </a:extLst>
           </p:cNvPr>
@@ -11980,7 +12334,7 @@
           <p:cNvPr id="26" name="Straight Connector 25">
             <a:extLst>
               <a:ext uri="{FF2B5EF4-FFF2-40B4-BE49-F238E27FC236}">
-                <a16:creationId xmlns:a16="http://schemas.microsoft.com/office/drawing/2014/main" id="{E79C4B12-9575-42A0-931B-37967373D2E4}"/>
+                <a16:creationId xmlns:a16="http://schemas.microsoft.com/office/drawing/2014/main" xmlns="" id="{E79C4B12-9575-42A0-931B-37967373D2E4}"/>
               </a:ext>
             </a:extLst>
           </p:cNvPr>
@@ -12019,7 +12373,7 @@
           <p:cNvPr id="28" name="TextBox 27">
             <a:extLst>
               <a:ext uri="{FF2B5EF4-FFF2-40B4-BE49-F238E27FC236}">
-                <a16:creationId xmlns:a16="http://schemas.microsoft.com/office/drawing/2014/main" id="{9A41E11F-5050-4972-8ACB-E95E64E257C2}"/>
+                <a16:creationId xmlns:a16="http://schemas.microsoft.com/office/drawing/2014/main" xmlns="" id="{9A41E11F-5050-4972-8ACB-E95E64E257C2}"/>
               </a:ext>
             </a:extLst>
           </p:cNvPr>
@@ -12076,7 +12430,7 @@
           <p:cNvPr id="29" name="TextBox 28">
             <a:extLst>
               <a:ext uri="{FF2B5EF4-FFF2-40B4-BE49-F238E27FC236}">
-                <a16:creationId xmlns:a16="http://schemas.microsoft.com/office/drawing/2014/main" id="{11630EF7-909F-46DA-8195-F89F91389AD1}"/>
+                <a16:creationId xmlns:a16="http://schemas.microsoft.com/office/drawing/2014/main" xmlns="" id="{11630EF7-909F-46DA-8195-F89F91389AD1}"/>
               </a:ext>
             </a:extLst>
           </p:cNvPr>
@@ -12133,7 +12487,7 @@
           <p:cNvPr id="30" name="TextBox 29">
             <a:extLst>
               <a:ext uri="{FF2B5EF4-FFF2-40B4-BE49-F238E27FC236}">
-                <a16:creationId xmlns:a16="http://schemas.microsoft.com/office/drawing/2014/main" id="{820E8A58-F370-4BC1-BB68-970DAB740BF9}"/>
+                <a16:creationId xmlns:a16="http://schemas.microsoft.com/office/drawing/2014/main" xmlns="" id="{820E8A58-F370-4BC1-BB68-970DAB740BF9}"/>
               </a:ext>
             </a:extLst>
           </p:cNvPr>
@@ -12190,7 +12544,7 @@
           <p:cNvPr id="31" name="TextBox 30">
             <a:extLst>
               <a:ext uri="{FF2B5EF4-FFF2-40B4-BE49-F238E27FC236}">
-                <a16:creationId xmlns:a16="http://schemas.microsoft.com/office/drawing/2014/main" id="{245426B6-2C35-4618-A602-78B016F3075F}"/>
+                <a16:creationId xmlns:a16="http://schemas.microsoft.com/office/drawing/2014/main" xmlns="" id="{245426B6-2C35-4618-A602-78B016F3075F}"/>
               </a:ext>
             </a:extLst>
           </p:cNvPr>
@@ -12247,7 +12601,7 @@
           <p:cNvPr id="32" name="TextBox 31">
             <a:extLst>
               <a:ext uri="{FF2B5EF4-FFF2-40B4-BE49-F238E27FC236}">
-                <a16:creationId xmlns:a16="http://schemas.microsoft.com/office/drawing/2014/main" id="{9AA6F0AC-9C90-49D3-9CB2-A87CB754803D}"/>
+                <a16:creationId xmlns:a16="http://schemas.microsoft.com/office/drawing/2014/main" xmlns="" id="{9AA6F0AC-9C90-49D3-9CB2-A87CB754803D}"/>
               </a:ext>
             </a:extLst>
           </p:cNvPr>
@@ -12304,7 +12658,7 @@
           <p:cNvPr id="33" name="Straight Connector 32">
             <a:extLst>
               <a:ext uri="{FF2B5EF4-FFF2-40B4-BE49-F238E27FC236}">
-                <a16:creationId xmlns:a16="http://schemas.microsoft.com/office/drawing/2014/main" id="{E027A70F-FEB9-4EBA-BD8D-4784E84AE2F1}"/>
+                <a16:creationId xmlns:a16="http://schemas.microsoft.com/office/drawing/2014/main" xmlns="" id="{E027A70F-FEB9-4EBA-BD8D-4784E84AE2F1}"/>
               </a:ext>
             </a:extLst>
           </p:cNvPr>
@@ -12344,7 +12698,7 @@
           <p:cNvPr id="36" name="Straight Connector 35">
             <a:extLst>
               <a:ext uri="{FF2B5EF4-FFF2-40B4-BE49-F238E27FC236}">
-                <a16:creationId xmlns:a16="http://schemas.microsoft.com/office/drawing/2014/main" id="{2DAB6B7B-858C-4BE5-B045-7169B83125C4}"/>
+                <a16:creationId xmlns:a16="http://schemas.microsoft.com/office/drawing/2014/main" xmlns="" id="{2DAB6B7B-858C-4BE5-B045-7169B83125C4}"/>
               </a:ext>
             </a:extLst>
           </p:cNvPr>
@@ -12383,7 +12737,7 @@
           <p:cNvPr id="37" name="Straight Connector 36">
             <a:extLst>
               <a:ext uri="{FF2B5EF4-FFF2-40B4-BE49-F238E27FC236}">
-                <a16:creationId xmlns:a16="http://schemas.microsoft.com/office/drawing/2014/main" id="{61F890B4-C9F8-4D90-A5F8-F04B03CA6B13}"/>
+                <a16:creationId xmlns:a16="http://schemas.microsoft.com/office/drawing/2014/main" xmlns="" id="{61F890B4-C9F8-4D90-A5F8-F04B03CA6B13}"/>
               </a:ext>
             </a:extLst>
           </p:cNvPr>
@@ -12423,7 +12777,7 @@
           <p:cNvPr id="38" name="Straight Connector 37">
             <a:extLst>
               <a:ext uri="{FF2B5EF4-FFF2-40B4-BE49-F238E27FC236}">
-                <a16:creationId xmlns:a16="http://schemas.microsoft.com/office/drawing/2014/main" id="{CE6A6B11-ACA8-4EE3-856F-822C04FB1DB5}"/>
+                <a16:creationId xmlns:a16="http://schemas.microsoft.com/office/drawing/2014/main" xmlns="" id="{CE6A6B11-ACA8-4EE3-856F-822C04FB1DB5}"/>
               </a:ext>
             </a:extLst>
           </p:cNvPr>
@@ -12462,7 +12816,7 @@
           <p:cNvPr id="40" name="Straight Arrow Connector 39">
             <a:extLst>
               <a:ext uri="{FF2B5EF4-FFF2-40B4-BE49-F238E27FC236}">
-                <a16:creationId xmlns:a16="http://schemas.microsoft.com/office/drawing/2014/main" id="{8D5361AB-62A7-4AF2-A26F-03460AF27524}"/>
+                <a16:creationId xmlns:a16="http://schemas.microsoft.com/office/drawing/2014/main" xmlns="" id="{8D5361AB-62A7-4AF2-A26F-03460AF27524}"/>
               </a:ext>
             </a:extLst>
           </p:cNvPr>
@@ -12533,7 +12887,7 @@
           <p:cNvPr id="2" name="TextBox 1">
             <a:extLst>
               <a:ext uri="{FF2B5EF4-FFF2-40B4-BE49-F238E27FC236}">
-                <a16:creationId xmlns:a16="http://schemas.microsoft.com/office/drawing/2014/main" id="{C5B9B98F-95EF-4972-8B03-0E1752D5B0BE}"/>
+                <a16:creationId xmlns:a16="http://schemas.microsoft.com/office/drawing/2014/main" xmlns="" id="{C5B9B98F-95EF-4972-8B03-0E1752D5B0BE}"/>
               </a:ext>
             </a:extLst>
           </p:cNvPr>
@@ -12590,7 +12944,7 @@
           <p:cNvPr id="3" name="TextBox 2">
             <a:extLst>
               <a:ext uri="{FF2B5EF4-FFF2-40B4-BE49-F238E27FC236}">
-                <a16:creationId xmlns:a16="http://schemas.microsoft.com/office/drawing/2014/main" id="{BA83922D-83C0-4D3A-8D2B-D10F5A269A49}"/>
+                <a16:creationId xmlns:a16="http://schemas.microsoft.com/office/drawing/2014/main" xmlns="" id="{BA83922D-83C0-4D3A-8D2B-D10F5A269A49}"/>
               </a:ext>
             </a:extLst>
           </p:cNvPr>
@@ -12647,7 +13001,7 @@
           <p:cNvPr id="4" name="TextBox 3">
             <a:extLst>
               <a:ext uri="{FF2B5EF4-FFF2-40B4-BE49-F238E27FC236}">
-                <a16:creationId xmlns:a16="http://schemas.microsoft.com/office/drawing/2014/main" id="{3E60457E-9694-4FD2-AD1B-ABC40BCCEF6E}"/>
+                <a16:creationId xmlns:a16="http://schemas.microsoft.com/office/drawing/2014/main" xmlns="" id="{3E60457E-9694-4FD2-AD1B-ABC40BCCEF6E}"/>
               </a:ext>
             </a:extLst>
           </p:cNvPr>
@@ -12704,7 +13058,7 @@
           <p:cNvPr id="5" name="TextBox 4">
             <a:extLst>
               <a:ext uri="{FF2B5EF4-FFF2-40B4-BE49-F238E27FC236}">
-                <a16:creationId xmlns:a16="http://schemas.microsoft.com/office/drawing/2014/main" id="{0CA6A19E-547F-4C80-BD9C-137F9042556D}"/>
+                <a16:creationId xmlns:a16="http://schemas.microsoft.com/office/drawing/2014/main" xmlns="" id="{0CA6A19E-547F-4C80-BD9C-137F9042556D}"/>
               </a:ext>
             </a:extLst>
           </p:cNvPr>
@@ -12761,7 +13115,7 @@
           <p:cNvPr id="6" name="Straight Connector 5">
             <a:extLst>
               <a:ext uri="{FF2B5EF4-FFF2-40B4-BE49-F238E27FC236}">
-                <a16:creationId xmlns:a16="http://schemas.microsoft.com/office/drawing/2014/main" id="{5533AF29-5FDF-4068-B91C-610270B8372E}"/>
+                <a16:creationId xmlns:a16="http://schemas.microsoft.com/office/drawing/2014/main" xmlns="" id="{5533AF29-5FDF-4068-B91C-610270B8372E}"/>
               </a:ext>
             </a:extLst>
           </p:cNvPr>
@@ -12805,7 +13159,7 @@
           <p:cNvPr id="7" name="Straight Connector 6">
             <a:extLst>
               <a:ext uri="{FF2B5EF4-FFF2-40B4-BE49-F238E27FC236}">
-                <a16:creationId xmlns:a16="http://schemas.microsoft.com/office/drawing/2014/main" id="{AB2A38A7-05FD-4E2E-B6A5-F1E7E9E6138B}"/>
+                <a16:creationId xmlns:a16="http://schemas.microsoft.com/office/drawing/2014/main" xmlns="" id="{AB2A38A7-05FD-4E2E-B6A5-F1E7E9E6138B}"/>
               </a:ext>
             </a:extLst>
           </p:cNvPr>
@@ -12848,7 +13202,7 @@
           <p:cNvPr id="8" name="Straight Connector 7">
             <a:extLst>
               <a:ext uri="{FF2B5EF4-FFF2-40B4-BE49-F238E27FC236}">
-                <a16:creationId xmlns:a16="http://schemas.microsoft.com/office/drawing/2014/main" id="{DCF7B7DA-EC5B-4C6A-B741-12F9BF86E9C3}"/>
+                <a16:creationId xmlns:a16="http://schemas.microsoft.com/office/drawing/2014/main" xmlns="" id="{DCF7B7DA-EC5B-4C6A-B741-12F9BF86E9C3}"/>
               </a:ext>
             </a:extLst>
           </p:cNvPr>
@@ -12889,7 +13243,7 @@
           <p:cNvPr id="14" name="Straight Arrow Connector 13">
             <a:extLst>
               <a:ext uri="{FF2B5EF4-FFF2-40B4-BE49-F238E27FC236}">
-                <a16:creationId xmlns:a16="http://schemas.microsoft.com/office/drawing/2014/main" id="{F750C62A-A641-439B-B375-CF166C378ED6}"/>
+                <a16:creationId xmlns:a16="http://schemas.microsoft.com/office/drawing/2014/main" xmlns="" id="{F750C62A-A641-439B-B375-CF166C378ED6}"/>
               </a:ext>
             </a:extLst>
           </p:cNvPr>
@@ -12930,7 +13284,7 @@
           <p:cNvPr id="16" name="TextBox 15">
             <a:extLst>
               <a:ext uri="{FF2B5EF4-FFF2-40B4-BE49-F238E27FC236}">
-                <a16:creationId xmlns:a16="http://schemas.microsoft.com/office/drawing/2014/main" id="{25C58377-0256-48FB-9F11-57095ABF12D1}"/>
+                <a16:creationId xmlns:a16="http://schemas.microsoft.com/office/drawing/2014/main" xmlns="" id="{25C58377-0256-48FB-9F11-57095ABF12D1}"/>
               </a:ext>
             </a:extLst>
           </p:cNvPr>
@@ -12981,7 +13335,7 @@
           <p:cNvPr id="17" name="TextBox 16">
             <a:extLst>
               <a:ext uri="{FF2B5EF4-FFF2-40B4-BE49-F238E27FC236}">
-                <a16:creationId xmlns:a16="http://schemas.microsoft.com/office/drawing/2014/main" id="{4EA34E98-46AE-495E-935A-BCA3DD438A1C}"/>
+                <a16:creationId xmlns:a16="http://schemas.microsoft.com/office/drawing/2014/main" xmlns="" id="{4EA34E98-46AE-495E-935A-BCA3DD438A1C}"/>
               </a:ext>
             </a:extLst>
           </p:cNvPr>
@@ -13032,7 +13386,7 @@
           <p:cNvPr id="18" name="TextBox 17">
             <a:extLst>
               <a:ext uri="{FF2B5EF4-FFF2-40B4-BE49-F238E27FC236}">
-                <a16:creationId xmlns:a16="http://schemas.microsoft.com/office/drawing/2014/main" id="{5953B78F-7CB1-4242-8CE0-81A54CF17095}"/>
+                <a16:creationId xmlns:a16="http://schemas.microsoft.com/office/drawing/2014/main" xmlns="" id="{5953B78F-7CB1-4242-8CE0-81A54CF17095}"/>
               </a:ext>
             </a:extLst>
           </p:cNvPr>
@@ -13083,7 +13437,7 @@
           <p:cNvPr id="19" name="Table 18">
             <a:extLst>
               <a:ext uri="{FF2B5EF4-FFF2-40B4-BE49-F238E27FC236}">
-                <a16:creationId xmlns:a16="http://schemas.microsoft.com/office/drawing/2014/main" id="{9671FA46-DF74-4283-A04E-2397013972F3}"/>
+                <a16:creationId xmlns:a16="http://schemas.microsoft.com/office/drawing/2014/main" xmlns="" id="{9671FA46-DF74-4283-A04E-2397013972F3}"/>
               </a:ext>
             </a:extLst>
           </p:cNvPr>
@@ -13112,21 +13466,21 @@
                 <a:gridCol w="461172">
                   <a:extLst>
                     <a:ext uri="{9D8B030D-6E8A-4147-A177-3AD203B41FA5}">
-                      <a16:colId xmlns:a16="http://schemas.microsoft.com/office/drawing/2014/main" val="466220175"/>
+                      <a16:colId xmlns:a16="http://schemas.microsoft.com/office/drawing/2014/main" xmlns="" val="466220175"/>
                     </a:ext>
                   </a:extLst>
                 </a:gridCol>
                 <a:gridCol w="461172">
                   <a:extLst>
                     <a:ext uri="{9D8B030D-6E8A-4147-A177-3AD203B41FA5}">
-                      <a16:colId xmlns:a16="http://schemas.microsoft.com/office/drawing/2014/main" val="520311615"/>
+                      <a16:colId xmlns:a16="http://schemas.microsoft.com/office/drawing/2014/main" xmlns="" val="520311615"/>
                     </a:ext>
                   </a:extLst>
                 </a:gridCol>
                 <a:gridCol w="461172">
                   <a:extLst>
                     <a:ext uri="{9D8B030D-6E8A-4147-A177-3AD203B41FA5}">
-                      <a16:colId xmlns:a16="http://schemas.microsoft.com/office/drawing/2014/main" val="2227850342"/>
+                      <a16:colId xmlns:a16="http://schemas.microsoft.com/office/drawing/2014/main" xmlns="" val="2227850342"/>
                     </a:ext>
                   </a:extLst>
                 </a:gridCol>
@@ -13408,7 +13762,7 @@
                 </a:tc>
                 <a:extLst>
                   <a:ext uri="{0D108BD9-81ED-4DB2-BD59-A6C34878D82A}">
-                    <a16:rowId xmlns:a16="http://schemas.microsoft.com/office/drawing/2014/main" val="2141054233"/>
+                    <a16:rowId xmlns:a16="http://schemas.microsoft.com/office/drawing/2014/main" xmlns="" val="2141054233"/>
                   </a:ext>
                 </a:extLst>
               </a:tr>
@@ -13631,7 +13985,7 @@
                 </a:tc>
                 <a:extLst>
                   <a:ext uri="{0D108BD9-81ED-4DB2-BD59-A6C34878D82A}">
-                    <a16:rowId xmlns:a16="http://schemas.microsoft.com/office/drawing/2014/main" val="2030638017"/>
+                    <a16:rowId xmlns:a16="http://schemas.microsoft.com/office/drawing/2014/main" xmlns="" val="2030638017"/>
                   </a:ext>
                 </a:extLst>
               </a:tr>
@@ -13854,7 +14208,7 @@
                 </a:tc>
                 <a:extLst>
                   <a:ext uri="{0D108BD9-81ED-4DB2-BD59-A6C34878D82A}">
-                    <a16:rowId xmlns:a16="http://schemas.microsoft.com/office/drawing/2014/main" val="2943657333"/>
+                    <a16:rowId xmlns:a16="http://schemas.microsoft.com/office/drawing/2014/main" xmlns="" val="2943657333"/>
                   </a:ext>
                 </a:extLst>
               </a:tr>
@@ -13867,7 +14221,7 @@
           <p:cNvPr id="20" name="TextBox 19">
             <a:extLst>
               <a:ext uri="{FF2B5EF4-FFF2-40B4-BE49-F238E27FC236}">
-                <a16:creationId xmlns:a16="http://schemas.microsoft.com/office/drawing/2014/main" id="{9C7AEC4A-B1E2-44AE-B998-C41A4EDA8E1D}"/>
+                <a16:creationId xmlns:a16="http://schemas.microsoft.com/office/drawing/2014/main" xmlns="" id="{9C7AEC4A-B1E2-44AE-B998-C41A4EDA8E1D}"/>
               </a:ext>
             </a:extLst>
           </p:cNvPr>
@@ -13924,7 +14278,7 @@
           <p:cNvPr id="21" name="TextBox 20">
             <a:extLst>
               <a:ext uri="{FF2B5EF4-FFF2-40B4-BE49-F238E27FC236}">
-                <a16:creationId xmlns:a16="http://schemas.microsoft.com/office/drawing/2014/main" id="{38293FE2-752B-4DA1-8D92-4D1BA3E1CFD7}"/>
+                <a16:creationId xmlns:a16="http://schemas.microsoft.com/office/drawing/2014/main" xmlns="" id="{38293FE2-752B-4DA1-8D92-4D1BA3E1CFD7}"/>
               </a:ext>
             </a:extLst>
           </p:cNvPr>
@@ -13981,7 +14335,7 @@
           <p:cNvPr id="22" name="Straight Connector 21">
             <a:extLst>
               <a:ext uri="{FF2B5EF4-FFF2-40B4-BE49-F238E27FC236}">
-                <a16:creationId xmlns:a16="http://schemas.microsoft.com/office/drawing/2014/main" id="{F30AD9B3-76C6-49C8-9B54-C2793ECC7AFD}"/>
+                <a16:creationId xmlns:a16="http://schemas.microsoft.com/office/drawing/2014/main" xmlns="" id="{F30AD9B3-76C6-49C8-9B54-C2793ECC7AFD}"/>
               </a:ext>
             </a:extLst>
           </p:cNvPr>
@@ -14022,7 +14376,7 @@
           <p:cNvPr id="23" name="TextBox 22">
             <a:extLst>
               <a:ext uri="{FF2B5EF4-FFF2-40B4-BE49-F238E27FC236}">
-                <a16:creationId xmlns:a16="http://schemas.microsoft.com/office/drawing/2014/main" id="{27257013-11BB-4114-A5EA-B38CD66D8013}"/>
+                <a16:creationId xmlns:a16="http://schemas.microsoft.com/office/drawing/2014/main" xmlns="" id="{27257013-11BB-4114-A5EA-B38CD66D8013}"/>
               </a:ext>
             </a:extLst>
           </p:cNvPr>
@@ -14079,7 +14433,7 @@
           <p:cNvPr id="24" name="Straight Connector 23">
             <a:extLst>
               <a:ext uri="{FF2B5EF4-FFF2-40B4-BE49-F238E27FC236}">
-                <a16:creationId xmlns:a16="http://schemas.microsoft.com/office/drawing/2014/main" id="{3F45EA73-2870-4B5F-B8CA-5519D32761AC}"/>
+                <a16:creationId xmlns:a16="http://schemas.microsoft.com/office/drawing/2014/main" xmlns="" id="{3F45EA73-2870-4B5F-B8CA-5519D32761AC}"/>
               </a:ext>
             </a:extLst>
           </p:cNvPr>
@@ -14122,7 +14476,7 @@
           <p:cNvPr id="25" name="TextBox 24">
             <a:extLst>
               <a:ext uri="{FF2B5EF4-FFF2-40B4-BE49-F238E27FC236}">
-                <a16:creationId xmlns:a16="http://schemas.microsoft.com/office/drawing/2014/main" id="{06E1AB84-D600-481B-83A4-92AA186623A3}"/>
+                <a16:creationId xmlns:a16="http://schemas.microsoft.com/office/drawing/2014/main" xmlns="" id="{06E1AB84-D600-481B-83A4-92AA186623A3}"/>
               </a:ext>
             </a:extLst>
           </p:cNvPr>
@@ -14173,7 +14527,7 @@
           <p:cNvPr id="26" name="TextBox 25">
             <a:extLst>
               <a:ext uri="{FF2B5EF4-FFF2-40B4-BE49-F238E27FC236}">
-                <a16:creationId xmlns:a16="http://schemas.microsoft.com/office/drawing/2014/main" id="{0EDED0DC-2158-43E4-957F-4A20DDA0FD5B}"/>
+                <a16:creationId xmlns:a16="http://schemas.microsoft.com/office/drawing/2014/main" xmlns="" id="{0EDED0DC-2158-43E4-957F-4A20DDA0FD5B}"/>
               </a:ext>
             </a:extLst>
           </p:cNvPr>
@@ -14224,7 +14578,7 @@
           <p:cNvPr id="27" name="TextBox 26">
             <a:extLst>
               <a:ext uri="{FF2B5EF4-FFF2-40B4-BE49-F238E27FC236}">
-                <a16:creationId xmlns:a16="http://schemas.microsoft.com/office/drawing/2014/main" id="{709CDA14-D1CE-4F5E-832B-697062BDAD5E}"/>
+                <a16:creationId xmlns:a16="http://schemas.microsoft.com/office/drawing/2014/main" xmlns="" id="{709CDA14-D1CE-4F5E-832B-697062BDAD5E}"/>
               </a:ext>
             </a:extLst>
           </p:cNvPr>
@@ -14259,7 +14613,7 @@
           <p:cNvPr id="28" name="TextBox 27">
             <a:extLst>
               <a:ext uri="{FF2B5EF4-FFF2-40B4-BE49-F238E27FC236}">
-                <a16:creationId xmlns:a16="http://schemas.microsoft.com/office/drawing/2014/main" id="{DD5B4E37-A416-43A1-907C-E45433440ED2}"/>
+                <a16:creationId xmlns:a16="http://schemas.microsoft.com/office/drawing/2014/main" xmlns="" id="{DD5B4E37-A416-43A1-907C-E45433440ED2}"/>
               </a:ext>
             </a:extLst>
           </p:cNvPr>
@@ -14319,10 +14673,3767 @@
           <a:chExt cx="0" cy="0"/>
         </a:xfrm>
       </p:grpSpPr>
+      <p:sp>
+        <p:nvSpPr>
+          <p:cNvPr id="2" name="TextBox 1">
+            <a:extLst>
+              <a:ext uri="{FF2B5EF4-FFF2-40B4-BE49-F238E27FC236}">
+                <a16:creationId xmlns:a16="http://schemas.microsoft.com/office/drawing/2014/main" xmlns="" id="{C5B9B98F-95EF-4972-8B03-0E1752D5B0BE}"/>
+              </a:ext>
+            </a:extLst>
+          </p:cNvPr>
+          <p:cNvSpPr txBox="1"/>
+          <p:nvPr/>
+        </p:nvSpPr>
+        <p:spPr>
+          <a:xfrm>
+            <a:off x="4424222" y="2922447"/>
+            <a:ext cx="914400" cy="369332"/>
+          </a:xfrm>
+          <a:prstGeom prst="rect">
+            <a:avLst/>
+          </a:prstGeom>
+          <a:ln w="28575"/>
+          <a:effectLst>
+            <a:outerShdw blurRad="50800" dist="38100" dir="2700000" algn="tl" rotWithShape="0">
+              <a:prstClr val="black">
+                <a:alpha val="40000"/>
+              </a:prstClr>
+            </a:outerShdw>
+          </a:effectLst>
+        </p:spPr>
+        <p:style>
+          <a:lnRef idx="2">
+            <a:schemeClr val="dk1"/>
+          </a:lnRef>
+          <a:fillRef idx="1">
+            <a:schemeClr val="lt1"/>
+          </a:fillRef>
+          <a:effectRef idx="0">
+            <a:schemeClr val="dk1"/>
+          </a:effectRef>
+          <a:fontRef idx="minor">
+            <a:schemeClr val="dk1"/>
+          </a:fontRef>
+        </p:style>
+        <p:txBody>
+          <a:bodyPr wrap="square" rtlCol="0">
+            <a:spAutoFit/>
+          </a:bodyPr>
+          <a:lstStyle/>
+          <a:p>
+            <a:pPr algn="ctr"/>
+            <a:r>
+              <a:rPr lang="en-US" dirty="0"/>
+              <a:t>A</a:t>
+            </a:r>
+          </a:p>
+        </p:txBody>
+      </p:sp>
+      <p:sp>
+        <p:nvSpPr>
+          <p:cNvPr id="3" name="TextBox 2">
+            <a:extLst>
+              <a:ext uri="{FF2B5EF4-FFF2-40B4-BE49-F238E27FC236}">
+                <a16:creationId xmlns:a16="http://schemas.microsoft.com/office/drawing/2014/main" xmlns="" id="{BA83922D-83C0-4D3A-8D2B-D10F5A269A49}"/>
+              </a:ext>
+            </a:extLst>
+          </p:cNvPr>
+          <p:cNvSpPr txBox="1"/>
+          <p:nvPr/>
+        </p:nvSpPr>
+        <p:spPr>
+          <a:xfrm>
+            <a:off x="2886656" y="3819099"/>
+            <a:ext cx="914400" cy="369332"/>
+          </a:xfrm>
+          <a:prstGeom prst="rect">
+            <a:avLst/>
+          </a:prstGeom>
+          <a:ln w="28575"/>
+          <a:effectLst>
+            <a:outerShdw blurRad="50800" dist="38100" dir="2700000" algn="tl" rotWithShape="0">
+              <a:prstClr val="black">
+                <a:alpha val="40000"/>
+              </a:prstClr>
+            </a:outerShdw>
+          </a:effectLst>
+        </p:spPr>
+        <p:style>
+          <a:lnRef idx="2">
+            <a:schemeClr val="dk1"/>
+          </a:lnRef>
+          <a:fillRef idx="1">
+            <a:schemeClr val="lt1"/>
+          </a:fillRef>
+          <a:effectRef idx="0">
+            <a:schemeClr val="dk1"/>
+          </a:effectRef>
+          <a:fontRef idx="minor">
+            <a:schemeClr val="dk1"/>
+          </a:fontRef>
+        </p:style>
+        <p:txBody>
+          <a:bodyPr wrap="square" rtlCol="0">
+            <a:spAutoFit/>
+          </a:bodyPr>
+          <a:lstStyle/>
+          <a:p>
+            <a:pPr algn="ctr"/>
+            <a:r>
+              <a:rPr lang="en-US" dirty="0"/>
+              <a:t>B</a:t>
+            </a:r>
+          </a:p>
+        </p:txBody>
+      </p:sp>
+      <p:sp>
+        <p:nvSpPr>
+          <p:cNvPr id="4" name="TextBox 3">
+            <a:extLst>
+              <a:ext uri="{FF2B5EF4-FFF2-40B4-BE49-F238E27FC236}">
+                <a16:creationId xmlns:a16="http://schemas.microsoft.com/office/drawing/2014/main" xmlns="" id="{3E60457E-9694-4FD2-AD1B-ABC40BCCEF6E}"/>
+              </a:ext>
+            </a:extLst>
+          </p:cNvPr>
+          <p:cNvSpPr txBox="1"/>
+          <p:nvPr/>
+        </p:nvSpPr>
+        <p:spPr>
+          <a:xfrm>
+            <a:off x="5894632" y="3819099"/>
+            <a:ext cx="914400" cy="369332"/>
+          </a:xfrm>
+          <a:prstGeom prst="rect">
+            <a:avLst/>
+          </a:prstGeom>
+          <a:ln w="28575"/>
+          <a:effectLst>
+            <a:outerShdw blurRad="50800" dist="38100" dir="2700000" algn="tl" rotWithShape="0">
+              <a:prstClr val="black">
+                <a:alpha val="40000"/>
+              </a:prstClr>
+            </a:outerShdw>
+          </a:effectLst>
+        </p:spPr>
+        <p:style>
+          <a:lnRef idx="2">
+            <a:schemeClr val="dk1"/>
+          </a:lnRef>
+          <a:fillRef idx="1">
+            <a:schemeClr val="lt1"/>
+          </a:fillRef>
+          <a:effectRef idx="0">
+            <a:schemeClr val="dk1"/>
+          </a:effectRef>
+          <a:fontRef idx="minor">
+            <a:schemeClr val="dk1"/>
+          </a:fontRef>
+        </p:style>
+        <p:txBody>
+          <a:bodyPr wrap="square" rtlCol="0">
+            <a:spAutoFit/>
+          </a:bodyPr>
+          <a:lstStyle/>
+          <a:p>
+            <a:pPr algn="ctr"/>
+            <a:r>
+              <a:rPr lang="en-US" dirty="0"/>
+              <a:t>C</a:t>
+            </a:r>
+          </a:p>
+        </p:txBody>
+      </p:sp>
+      <p:sp>
+        <p:nvSpPr>
+          <p:cNvPr id="5" name="TextBox 4">
+            <a:extLst>
+              <a:ext uri="{FF2B5EF4-FFF2-40B4-BE49-F238E27FC236}">
+                <a16:creationId xmlns:a16="http://schemas.microsoft.com/office/drawing/2014/main" xmlns="" id="{0CA6A19E-547F-4C80-BD9C-137F9042556D}"/>
+              </a:ext>
+            </a:extLst>
+          </p:cNvPr>
+          <p:cNvSpPr txBox="1"/>
+          <p:nvPr/>
+        </p:nvSpPr>
+        <p:spPr>
+          <a:xfrm>
+            <a:off x="4424222" y="2011658"/>
+            <a:ext cx="914400" cy="369332"/>
+          </a:xfrm>
+          <a:prstGeom prst="rect">
+            <a:avLst/>
+          </a:prstGeom>
+          <a:ln w="28575"/>
+          <a:effectLst>
+            <a:outerShdw blurRad="50800" dist="38100" dir="2700000" algn="tl" rotWithShape="0">
+              <a:prstClr val="black">
+                <a:alpha val="40000"/>
+              </a:prstClr>
+            </a:outerShdw>
+          </a:effectLst>
+        </p:spPr>
+        <p:style>
+          <a:lnRef idx="2">
+            <a:schemeClr val="dk1"/>
+          </a:lnRef>
+          <a:fillRef idx="1">
+            <a:schemeClr val="lt1"/>
+          </a:fillRef>
+          <a:effectRef idx="0">
+            <a:schemeClr val="dk1"/>
+          </a:effectRef>
+          <a:fontRef idx="minor">
+            <a:schemeClr val="dk1"/>
+          </a:fontRef>
+        </p:style>
+        <p:txBody>
+          <a:bodyPr wrap="square" rtlCol="0">
+            <a:spAutoFit/>
+          </a:bodyPr>
+          <a:lstStyle/>
+          <a:p>
+            <a:pPr algn="ctr"/>
+            <a:r>
+              <a:rPr lang="en-US" dirty="0"/>
+              <a:t>…</a:t>
+            </a:r>
+          </a:p>
+        </p:txBody>
+      </p:sp>
+      <p:cxnSp>
+        <p:nvCxnSpPr>
+          <p:cNvPr id="6" name="Straight Connector 5">
+            <a:extLst>
+              <a:ext uri="{FF2B5EF4-FFF2-40B4-BE49-F238E27FC236}">
+                <a16:creationId xmlns:a16="http://schemas.microsoft.com/office/drawing/2014/main" xmlns="" id="{5533AF29-5FDF-4068-B91C-610270B8372E}"/>
+              </a:ext>
+            </a:extLst>
+          </p:cNvPr>
+          <p:cNvCxnSpPr>
+            <a:cxnSpLocks/>
+            <a:endCxn id="3" idx="0"/>
+          </p:cNvCxnSpPr>
+          <p:nvPr/>
+        </p:nvCxnSpPr>
+        <p:spPr>
+          <a:xfrm flipH="1">
+            <a:off x="3343856" y="3291779"/>
+            <a:ext cx="1080366" cy="527320"/>
+          </a:xfrm>
+          <a:prstGeom prst="line">
+            <a:avLst/>
+          </a:prstGeom>
+          <a:ln w="28575">
+            <a:prstDash val="sysDot"/>
+            <a:headEnd type="arrow" w="med" len="med"/>
+            <a:tailEnd type="none" w="med" len="med"/>
+          </a:ln>
+        </p:spPr>
+        <p:style>
+          <a:lnRef idx="1">
+            <a:schemeClr val="accent1"/>
+          </a:lnRef>
+          <a:fillRef idx="0">
+            <a:schemeClr val="accent1"/>
+          </a:fillRef>
+          <a:effectRef idx="0">
+            <a:schemeClr val="accent1"/>
+          </a:effectRef>
+          <a:fontRef idx="minor">
+            <a:schemeClr val="tx1"/>
+          </a:fontRef>
+        </p:style>
+      </p:cxnSp>
+      <p:cxnSp>
+        <p:nvCxnSpPr>
+          <p:cNvPr id="7" name="Straight Connector 6">
+            <a:extLst>
+              <a:ext uri="{FF2B5EF4-FFF2-40B4-BE49-F238E27FC236}">
+                <a16:creationId xmlns:a16="http://schemas.microsoft.com/office/drawing/2014/main" xmlns="" id="{AB2A38A7-05FD-4E2E-B6A5-F1E7E9E6138B}"/>
+              </a:ext>
+            </a:extLst>
+          </p:cNvPr>
+          <p:cNvCxnSpPr>
+            <a:cxnSpLocks/>
+            <a:endCxn id="4" idx="0"/>
+          </p:cNvCxnSpPr>
+          <p:nvPr/>
+        </p:nvCxnSpPr>
+        <p:spPr>
+          <a:xfrm>
+            <a:off x="5346805" y="3291779"/>
+            <a:ext cx="1005027" cy="527320"/>
+          </a:xfrm>
+          <a:prstGeom prst="line">
+            <a:avLst/>
+          </a:prstGeom>
+          <a:ln w="28575">
+            <a:headEnd type="arrow" w="med" len="med"/>
+            <a:tailEnd type="none" w="med" len="med"/>
+          </a:ln>
+        </p:spPr>
+        <p:style>
+          <a:lnRef idx="1">
+            <a:schemeClr val="accent1"/>
+          </a:lnRef>
+          <a:fillRef idx="0">
+            <a:schemeClr val="accent1"/>
+          </a:fillRef>
+          <a:effectRef idx="0">
+            <a:schemeClr val="accent1"/>
+          </a:effectRef>
+          <a:fontRef idx="minor">
+            <a:schemeClr val="tx1"/>
+          </a:fontRef>
+        </p:style>
+      </p:cxnSp>
+      <p:cxnSp>
+        <p:nvCxnSpPr>
+          <p:cNvPr id="8" name="Straight Connector 7">
+            <a:extLst>
+              <a:ext uri="{FF2B5EF4-FFF2-40B4-BE49-F238E27FC236}">
+                <a16:creationId xmlns:a16="http://schemas.microsoft.com/office/drawing/2014/main" xmlns="" id="{DCF7B7DA-EC5B-4C6A-B741-12F9BF86E9C3}"/>
+              </a:ext>
+            </a:extLst>
+          </p:cNvPr>
+          <p:cNvCxnSpPr>
+            <a:cxnSpLocks/>
+            <a:stCxn id="5" idx="2"/>
+            <a:endCxn id="2" idx="0"/>
+          </p:cNvCxnSpPr>
+          <p:nvPr/>
+        </p:nvCxnSpPr>
+        <p:spPr>
+          <a:xfrm>
+            <a:off x="4881422" y="2380990"/>
+            <a:ext cx="0" cy="541457"/>
+          </a:xfrm>
+          <a:prstGeom prst="line">
+            <a:avLst/>
+          </a:prstGeom>
+          <a:ln w="28575"/>
+        </p:spPr>
+        <p:style>
+          <a:lnRef idx="1">
+            <a:schemeClr val="accent1"/>
+          </a:lnRef>
+          <a:fillRef idx="0">
+            <a:schemeClr val="accent1"/>
+          </a:fillRef>
+          <a:effectRef idx="0">
+            <a:schemeClr val="accent1"/>
+          </a:effectRef>
+          <a:fontRef idx="minor">
+            <a:schemeClr val="tx1"/>
+          </a:fontRef>
+        </p:style>
+      </p:cxnSp>
+      <p:cxnSp>
+        <p:nvCxnSpPr>
+          <p:cNvPr id="9" name="Straight Arrow Connector 8">
+            <a:extLst>
+              <a:ext uri="{FF2B5EF4-FFF2-40B4-BE49-F238E27FC236}">
+                <a16:creationId xmlns:a16="http://schemas.microsoft.com/office/drawing/2014/main" xmlns="" id="{F750C62A-A641-439B-B375-CF166C378ED6}"/>
+              </a:ext>
+            </a:extLst>
+          </p:cNvPr>
+          <p:cNvCxnSpPr>
+            <a:cxnSpLocks/>
+          </p:cNvCxnSpPr>
+          <p:nvPr/>
+        </p:nvCxnSpPr>
+        <p:spPr>
+          <a:xfrm>
+            <a:off x="6520699" y="3223567"/>
+            <a:ext cx="781460" cy="0"/>
+          </a:xfrm>
+          <a:prstGeom prst="straightConnector1">
+            <a:avLst/>
+          </a:prstGeom>
+          <a:ln w="28575">
+            <a:tailEnd type="triangle"/>
+          </a:ln>
+        </p:spPr>
+        <p:style>
+          <a:lnRef idx="1">
+            <a:schemeClr val="accent1"/>
+          </a:lnRef>
+          <a:fillRef idx="0">
+            <a:schemeClr val="accent1"/>
+          </a:fillRef>
+          <a:effectRef idx="0">
+            <a:schemeClr val="accent1"/>
+          </a:effectRef>
+          <a:fontRef idx="minor">
+            <a:schemeClr val="tx1"/>
+          </a:fontRef>
+        </p:style>
+      </p:cxnSp>
+      <p:sp>
+        <p:nvSpPr>
+          <p:cNvPr id="10" name="TextBox 9">
+            <a:extLst>
+              <a:ext uri="{FF2B5EF4-FFF2-40B4-BE49-F238E27FC236}">
+                <a16:creationId xmlns:a16="http://schemas.microsoft.com/office/drawing/2014/main" xmlns="" id="{25C58377-0256-48FB-9F11-57095ABF12D1}"/>
+              </a:ext>
+            </a:extLst>
+          </p:cNvPr>
+          <p:cNvSpPr txBox="1"/>
+          <p:nvPr/>
+        </p:nvSpPr>
+        <p:spPr>
+          <a:xfrm>
+            <a:off x="3352244" y="2911002"/>
+            <a:ext cx="1080366" cy="369332"/>
+          </a:xfrm>
+          <a:prstGeom prst="rect">
+            <a:avLst/>
+          </a:prstGeom>
+          <a:noFill/>
+        </p:spPr>
+        <p:txBody>
+          <a:bodyPr wrap="square" rtlCol="0">
+            <a:spAutoFit/>
+          </a:bodyPr>
+          <a:lstStyle/>
+          <a:p>
+            <a:r>
+              <a:rPr lang="en-US" dirty="0"/>
+              <a:t>[ z</a:t>
+            </a:r>
+            <a:r>
+              <a:rPr lang="en-US" baseline="-25000" dirty="0"/>
+              <a:t>A1</a:t>
+            </a:r>
+            <a:r>
+              <a:rPr lang="en-US" dirty="0"/>
+              <a:t>, z</a:t>
+            </a:r>
+            <a:r>
+              <a:rPr lang="en-US" baseline="-25000" dirty="0"/>
+              <a:t>A2 </a:t>
+            </a:r>
+            <a:r>
+              <a:rPr lang="en-US" dirty="0"/>
+              <a:t>]</a:t>
+            </a:r>
+          </a:p>
+        </p:txBody>
+      </p:sp>
+      <p:sp>
+        <p:nvSpPr>
+          <p:cNvPr id="11" name="TextBox 10">
+            <a:extLst>
+              <a:ext uri="{FF2B5EF4-FFF2-40B4-BE49-F238E27FC236}">
+                <a16:creationId xmlns:a16="http://schemas.microsoft.com/office/drawing/2014/main" xmlns="" id="{4EA34E98-46AE-495E-935A-BCA3DD438A1C}"/>
+              </a:ext>
+            </a:extLst>
+          </p:cNvPr>
+          <p:cNvSpPr txBox="1"/>
+          <p:nvPr/>
+        </p:nvSpPr>
+        <p:spPr>
+          <a:xfrm>
+            <a:off x="2812061" y="4188431"/>
+            <a:ext cx="1080366" cy="369332"/>
+          </a:xfrm>
+          <a:prstGeom prst="rect">
+            <a:avLst/>
+          </a:prstGeom>
+          <a:noFill/>
+        </p:spPr>
+        <p:txBody>
+          <a:bodyPr wrap="square" rtlCol="0">
+            <a:spAutoFit/>
+          </a:bodyPr>
+          <a:lstStyle/>
+          <a:p>
+            <a:r>
+              <a:rPr lang="en-US" dirty="0"/>
+              <a:t>[ z</a:t>
+            </a:r>
+            <a:r>
+              <a:rPr lang="en-US" baseline="-25000" dirty="0"/>
+              <a:t>B1</a:t>
+            </a:r>
+            <a:r>
+              <a:rPr lang="en-US" dirty="0"/>
+              <a:t>, z</a:t>
+            </a:r>
+            <a:r>
+              <a:rPr lang="en-US" baseline="-25000" dirty="0"/>
+              <a:t>B2 </a:t>
+            </a:r>
+            <a:r>
+              <a:rPr lang="en-US" dirty="0"/>
+              <a:t>]</a:t>
+            </a:r>
+          </a:p>
+        </p:txBody>
+      </p:sp>
+      <p:sp>
+        <p:nvSpPr>
+          <p:cNvPr id="12" name="TextBox 11">
+            <a:extLst>
+              <a:ext uri="{FF2B5EF4-FFF2-40B4-BE49-F238E27FC236}">
+                <a16:creationId xmlns:a16="http://schemas.microsoft.com/office/drawing/2014/main" xmlns="" id="{5953B78F-7CB1-4242-8CE0-81A54CF17095}"/>
+              </a:ext>
+            </a:extLst>
+          </p:cNvPr>
+          <p:cNvSpPr txBox="1"/>
+          <p:nvPr/>
+        </p:nvSpPr>
+        <p:spPr>
+          <a:xfrm>
+            <a:off x="5875113" y="4184117"/>
+            <a:ext cx="1080366" cy="369332"/>
+          </a:xfrm>
+          <a:prstGeom prst="rect">
+            <a:avLst/>
+          </a:prstGeom>
+          <a:noFill/>
+        </p:spPr>
+        <p:txBody>
+          <a:bodyPr wrap="square" rtlCol="0">
+            <a:spAutoFit/>
+          </a:bodyPr>
+          <a:lstStyle/>
+          <a:p>
+            <a:r>
+              <a:rPr lang="en-US" dirty="0"/>
+              <a:t>[ z</a:t>
+            </a:r>
+            <a:r>
+              <a:rPr lang="en-US" baseline="-25000" dirty="0"/>
+              <a:t>C1</a:t>
+            </a:r>
+            <a:r>
+              <a:rPr lang="en-US" dirty="0"/>
+              <a:t>, Z</a:t>
+            </a:r>
+            <a:r>
+              <a:rPr lang="en-US" baseline="-25000" dirty="0"/>
+              <a:t>C2 </a:t>
+            </a:r>
+            <a:r>
+              <a:rPr lang="en-US" dirty="0"/>
+              <a:t>]</a:t>
+            </a:r>
+          </a:p>
+        </p:txBody>
+      </p:sp>
+      <p:graphicFrame>
+        <p:nvGraphicFramePr>
+          <p:cNvPr id="13" name="Table 12">
+            <a:extLst>
+              <a:ext uri="{FF2B5EF4-FFF2-40B4-BE49-F238E27FC236}">
+                <a16:creationId xmlns:a16="http://schemas.microsoft.com/office/drawing/2014/main" xmlns="" id="{9671FA46-DF74-4283-A04E-2397013972F3}"/>
+              </a:ext>
+            </a:extLst>
+          </p:cNvPr>
+          <p:cNvGraphicFramePr>
+            <a:graphicFrameLocks noGrp="1"/>
+          </p:cNvGraphicFramePr>
+          <p:nvPr>
+            <p:extLst/>
+          </p:nvPr>
+        </p:nvGraphicFramePr>
+        <p:xfrm>
+          <a:off x="947262" y="2587398"/>
+          <a:ext cx="1383516" cy="1097280"/>
+        </p:xfrm>
+        <a:graphic>
+          <a:graphicData uri="http://schemas.openxmlformats.org/drawingml/2006/table">
+            <a:tbl>
+              <a:tblPr firstRow="1" bandRow="1">
+                <a:tableStyleId>{5C22544A-7EE6-4342-B048-85BDC9FD1C3A}</a:tableStyleId>
+              </a:tblPr>
+              <a:tblGrid>
+                <a:gridCol w="461172">
+                  <a:extLst>
+                    <a:ext uri="{9D8B030D-6E8A-4147-A177-3AD203B41FA5}">
+                      <a16:colId xmlns:a16="http://schemas.microsoft.com/office/drawing/2014/main" xmlns="" val="466220175"/>
+                    </a:ext>
+                  </a:extLst>
+                </a:gridCol>
+                <a:gridCol w="461172">
+                  <a:extLst>
+                    <a:ext uri="{9D8B030D-6E8A-4147-A177-3AD203B41FA5}">
+                      <a16:colId xmlns:a16="http://schemas.microsoft.com/office/drawing/2014/main" xmlns="" val="520311615"/>
+                    </a:ext>
+                  </a:extLst>
+                </a:gridCol>
+                <a:gridCol w="461172">
+                  <a:extLst>
+                    <a:ext uri="{9D8B030D-6E8A-4147-A177-3AD203B41FA5}">
+                      <a16:colId xmlns:a16="http://schemas.microsoft.com/office/drawing/2014/main" xmlns="" val="2227850342"/>
+                    </a:ext>
+                  </a:extLst>
+                </a:gridCol>
+              </a:tblGrid>
+              <a:tr h="263660">
+                <a:tc>
+                  <a:txBody>
+                    <a:bodyPr/>
+                    <a:lstStyle/>
+                    <a:p>
+                      <a:pPr algn="ctr"/>
+                      <a:r>
+                        <a:rPr lang="en-US" sz="1800" b="0" dirty="0">
+                          <a:ln>
+                            <a:solidFill>
+                              <a:schemeClr val="tx1"/>
+                            </a:solidFill>
+                          </a:ln>
+                          <a:solidFill>
+                            <a:schemeClr val="tx1"/>
+                          </a:solidFill>
+                        </a:rPr>
+                        <a:t>L</a:t>
+                      </a:r>
+                      <a:r>
+                        <a:rPr lang="en-US" sz="1800" b="0" baseline="-25000" dirty="0">
+                          <a:ln>
+                            <a:solidFill>
+                              <a:schemeClr val="tx1"/>
+                            </a:solidFill>
+                          </a:ln>
+                          <a:solidFill>
+                            <a:schemeClr val="tx1"/>
+                          </a:solidFill>
+                        </a:rPr>
+                        <a:t>AB</a:t>
+                      </a:r>
+                      <a:endParaRPr lang="en-US" sz="1800" b="0" dirty="0">
+                        <a:ln>
+                          <a:solidFill>
+                            <a:schemeClr val="tx1"/>
+                          </a:solidFill>
+                        </a:ln>
+                        <a:solidFill>
+                          <a:schemeClr val="tx1"/>
+                        </a:solidFill>
+                      </a:endParaRPr>
+                    </a:p>
+                  </a:txBody>
+                  <a:tcPr>
+                    <a:lnL w="12700" cap="flat" cmpd="sng" algn="ctr">
+                      <a:solidFill>
+                        <a:schemeClr val="tx1"/>
+                      </a:solidFill>
+                      <a:prstDash val="solid"/>
+                      <a:round/>
+                      <a:headEnd type="none" w="med" len="med"/>
+                      <a:tailEnd type="none" w="med" len="med"/>
+                    </a:lnL>
+                    <a:lnR w="12700" cap="flat" cmpd="sng" algn="ctr">
+                      <a:solidFill>
+                        <a:schemeClr val="tx1"/>
+                      </a:solidFill>
+                      <a:prstDash val="solid"/>
+                      <a:round/>
+                      <a:headEnd type="none" w="med" len="med"/>
+                      <a:tailEnd type="none" w="med" len="med"/>
+                    </a:lnR>
+                    <a:lnT w="12700" cap="flat" cmpd="sng" algn="ctr">
+                      <a:solidFill>
+                        <a:schemeClr val="tx1"/>
+                      </a:solidFill>
+                      <a:prstDash val="solid"/>
+                      <a:round/>
+                      <a:headEnd type="none" w="med" len="med"/>
+                      <a:tailEnd type="none" w="med" len="med"/>
+                    </a:lnT>
+                    <a:lnB w="12700" cap="flat" cmpd="sng" algn="ctr">
+                      <a:solidFill>
+                        <a:schemeClr val="tx1"/>
+                      </a:solidFill>
+                      <a:prstDash val="solid"/>
+                      <a:round/>
+                      <a:headEnd type="none" w="med" len="med"/>
+                      <a:tailEnd type="none" w="med" len="med"/>
+                    </a:lnB>
+                    <a:solidFill>
+                      <a:schemeClr val="bg1"/>
+                    </a:solidFill>
+                  </a:tcPr>
+                </a:tc>
+                <a:tc>
+                  <a:txBody>
+                    <a:bodyPr/>
+                    <a:lstStyle/>
+                    <a:p>
+                      <a:pPr algn="ctr"/>
+                      <a:r>
+                        <a:rPr lang="en-US" sz="1800" b="0" dirty="0">
+                          <a:ln>
+                            <a:solidFill>
+                              <a:schemeClr val="tx1"/>
+                            </a:solidFill>
+                          </a:ln>
+                          <a:solidFill>
+                            <a:schemeClr val="tx1"/>
+                          </a:solidFill>
+                        </a:rPr>
+                        <a:t>A</a:t>
+                      </a:r>
+                      <a:r>
+                        <a:rPr lang="en-US" sz="1800" b="0" baseline="-25000" dirty="0">
+                          <a:ln>
+                            <a:solidFill>
+                              <a:schemeClr val="tx1"/>
+                            </a:solidFill>
+                          </a:ln>
+                          <a:solidFill>
+                            <a:schemeClr val="tx1"/>
+                          </a:solidFill>
+                        </a:rPr>
+                        <a:t>1</a:t>
+                      </a:r>
+                      <a:endParaRPr lang="en-US" sz="1800" b="0" dirty="0">
+                        <a:ln>
+                          <a:solidFill>
+                            <a:schemeClr val="tx1"/>
+                          </a:solidFill>
+                        </a:ln>
+                        <a:solidFill>
+                          <a:schemeClr val="tx1"/>
+                        </a:solidFill>
+                      </a:endParaRPr>
+                    </a:p>
+                  </a:txBody>
+                  <a:tcPr>
+                    <a:lnL w="12700" cap="flat" cmpd="sng" algn="ctr">
+                      <a:solidFill>
+                        <a:schemeClr val="tx1"/>
+                      </a:solidFill>
+                      <a:prstDash val="solid"/>
+                      <a:round/>
+                      <a:headEnd type="none" w="med" len="med"/>
+                      <a:tailEnd type="none" w="med" len="med"/>
+                    </a:lnL>
+                    <a:lnR w="12700" cap="flat" cmpd="sng" algn="ctr">
+                      <a:solidFill>
+                        <a:schemeClr val="tx1"/>
+                      </a:solidFill>
+                      <a:prstDash val="solid"/>
+                      <a:round/>
+                      <a:headEnd type="none" w="med" len="med"/>
+                      <a:tailEnd type="none" w="med" len="med"/>
+                    </a:lnR>
+                    <a:lnT w="12700" cap="flat" cmpd="sng" algn="ctr">
+                      <a:solidFill>
+                        <a:schemeClr val="tx1"/>
+                      </a:solidFill>
+                      <a:prstDash val="solid"/>
+                      <a:round/>
+                      <a:headEnd type="none" w="med" len="med"/>
+                      <a:tailEnd type="none" w="med" len="med"/>
+                    </a:lnT>
+                    <a:lnB w="12700" cap="flat" cmpd="sng" algn="ctr">
+                      <a:solidFill>
+                        <a:schemeClr val="tx1"/>
+                      </a:solidFill>
+                      <a:prstDash val="solid"/>
+                      <a:round/>
+                      <a:headEnd type="none" w="med" len="med"/>
+                      <a:tailEnd type="none" w="med" len="med"/>
+                    </a:lnB>
+                    <a:solidFill>
+                      <a:schemeClr val="bg1"/>
+                    </a:solidFill>
+                  </a:tcPr>
+                </a:tc>
+                <a:tc>
+                  <a:txBody>
+                    <a:bodyPr/>
+                    <a:lstStyle/>
+                    <a:p>
+                      <a:pPr marL="0" marR="0" lvl="0" indent="0" algn="ctr" defTabSz="914400" rtl="0" eaLnBrk="1" fontAlgn="auto" latinLnBrk="0" hangingPunct="1">
+                        <a:lnSpc>
+                          <a:spcPct val="100000"/>
+                        </a:lnSpc>
+                        <a:spcBef>
+                          <a:spcPts val="0"/>
+                        </a:spcBef>
+                        <a:spcAft>
+                          <a:spcPts val="0"/>
+                        </a:spcAft>
+                        <a:buClrTx/>
+                        <a:buSzTx/>
+                        <a:buFontTx/>
+                        <a:buNone/>
+                        <a:tabLst/>
+                        <a:defRPr/>
+                      </a:pPr>
+                      <a:r>
+                        <a:rPr lang="en-US" sz="1800" b="0" dirty="0">
+                          <a:ln>
+                            <a:solidFill>
+                              <a:schemeClr val="tx1"/>
+                            </a:solidFill>
+                          </a:ln>
+                          <a:solidFill>
+                            <a:schemeClr val="tx1"/>
+                          </a:solidFill>
+                        </a:rPr>
+                        <a:t>A</a:t>
+                      </a:r>
+                      <a:r>
+                        <a:rPr lang="en-US" sz="1800" b="0" baseline="-25000" dirty="0">
+                          <a:ln>
+                            <a:solidFill>
+                              <a:schemeClr val="tx1"/>
+                            </a:solidFill>
+                          </a:ln>
+                          <a:solidFill>
+                            <a:schemeClr val="tx1"/>
+                          </a:solidFill>
+                        </a:rPr>
+                        <a:t>2</a:t>
+                      </a:r>
+                      <a:endParaRPr lang="en-US" sz="1800" b="0" dirty="0">
+                        <a:ln>
+                          <a:solidFill>
+                            <a:schemeClr val="tx1"/>
+                          </a:solidFill>
+                        </a:ln>
+                        <a:solidFill>
+                          <a:schemeClr val="tx1"/>
+                        </a:solidFill>
+                      </a:endParaRPr>
+                    </a:p>
+                  </a:txBody>
+                  <a:tcPr>
+                    <a:lnL w="12700" cap="flat" cmpd="sng" algn="ctr">
+                      <a:solidFill>
+                        <a:schemeClr val="tx1"/>
+                      </a:solidFill>
+                      <a:prstDash val="solid"/>
+                      <a:round/>
+                      <a:headEnd type="none" w="med" len="med"/>
+                      <a:tailEnd type="none" w="med" len="med"/>
+                    </a:lnL>
+                    <a:lnR w="12700" cap="flat" cmpd="sng" algn="ctr">
+                      <a:solidFill>
+                        <a:schemeClr val="tx1"/>
+                      </a:solidFill>
+                      <a:prstDash val="solid"/>
+                      <a:round/>
+                      <a:headEnd type="none" w="med" len="med"/>
+                      <a:tailEnd type="none" w="med" len="med"/>
+                    </a:lnR>
+                    <a:lnT w="12700" cap="flat" cmpd="sng" algn="ctr">
+                      <a:solidFill>
+                        <a:schemeClr val="tx1"/>
+                      </a:solidFill>
+                      <a:prstDash val="solid"/>
+                      <a:round/>
+                      <a:headEnd type="none" w="med" len="med"/>
+                      <a:tailEnd type="none" w="med" len="med"/>
+                    </a:lnT>
+                    <a:lnB w="12700" cap="flat" cmpd="sng" algn="ctr">
+                      <a:solidFill>
+                        <a:schemeClr val="tx1"/>
+                      </a:solidFill>
+                      <a:prstDash val="solid"/>
+                      <a:round/>
+                      <a:headEnd type="none" w="med" len="med"/>
+                      <a:tailEnd type="none" w="med" len="med"/>
+                    </a:lnB>
+                    <a:solidFill>
+                      <a:schemeClr val="bg1"/>
+                    </a:solidFill>
+                  </a:tcPr>
+                </a:tc>
+                <a:extLst>
+                  <a:ext uri="{0D108BD9-81ED-4DB2-BD59-A6C34878D82A}">
+                    <a16:rowId xmlns:a16="http://schemas.microsoft.com/office/drawing/2014/main" xmlns="" val="2141054233"/>
+                  </a:ext>
+                </a:extLst>
+              </a:tr>
+              <a:tr h="263660">
+                <a:tc>
+                  <a:txBody>
+                    <a:bodyPr/>
+                    <a:lstStyle/>
+                    <a:p>
+                      <a:pPr marL="0" marR="0" lvl="0" indent="0" algn="ctr" defTabSz="914400" rtl="0" eaLnBrk="1" fontAlgn="auto" latinLnBrk="0" hangingPunct="1">
+                        <a:lnSpc>
+                          <a:spcPct val="100000"/>
+                        </a:lnSpc>
+                        <a:spcBef>
+                          <a:spcPts val="0"/>
+                        </a:spcBef>
+                        <a:spcAft>
+                          <a:spcPts val="0"/>
+                        </a:spcAft>
+                        <a:buClrTx/>
+                        <a:buSzTx/>
+                        <a:buFontTx/>
+                        <a:buNone/>
+                        <a:tabLst/>
+                        <a:defRPr/>
+                      </a:pPr>
+                      <a:r>
+                        <a:rPr lang="en-US" sz="1800" b="0" dirty="0">
+                          <a:ln>
+                            <a:solidFill>
+                              <a:schemeClr val="tx1"/>
+                            </a:solidFill>
+                          </a:ln>
+                          <a:solidFill>
+                            <a:schemeClr val="tx1"/>
+                          </a:solidFill>
+                        </a:rPr>
+                        <a:t>B</a:t>
+                      </a:r>
+                      <a:r>
+                        <a:rPr lang="en-US" sz="1800" b="0" baseline="-25000" dirty="0">
+                          <a:ln>
+                            <a:solidFill>
+                              <a:schemeClr val="tx1"/>
+                            </a:solidFill>
+                          </a:ln>
+                          <a:solidFill>
+                            <a:schemeClr val="tx1"/>
+                          </a:solidFill>
+                        </a:rPr>
+                        <a:t>1</a:t>
+                      </a:r>
+                      <a:endParaRPr lang="en-US" sz="1800" b="0" dirty="0">
+                        <a:ln>
+                          <a:solidFill>
+                            <a:schemeClr val="tx1"/>
+                          </a:solidFill>
+                        </a:ln>
+                        <a:solidFill>
+                          <a:schemeClr val="tx1"/>
+                        </a:solidFill>
+                      </a:endParaRPr>
+                    </a:p>
+                  </a:txBody>
+                  <a:tcPr>
+                    <a:lnL w="12700" cap="flat" cmpd="sng" algn="ctr">
+                      <a:solidFill>
+                        <a:schemeClr val="tx1"/>
+                      </a:solidFill>
+                      <a:prstDash val="solid"/>
+                      <a:round/>
+                      <a:headEnd type="none" w="med" len="med"/>
+                      <a:tailEnd type="none" w="med" len="med"/>
+                    </a:lnL>
+                    <a:lnR w="12700" cap="flat" cmpd="sng" algn="ctr">
+                      <a:solidFill>
+                        <a:schemeClr val="tx1"/>
+                      </a:solidFill>
+                      <a:prstDash val="solid"/>
+                      <a:round/>
+                      <a:headEnd type="none" w="med" len="med"/>
+                      <a:tailEnd type="none" w="med" len="med"/>
+                    </a:lnR>
+                    <a:lnT w="12700" cap="flat" cmpd="sng" algn="ctr">
+                      <a:solidFill>
+                        <a:schemeClr val="tx1"/>
+                      </a:solidFill>
+                      <a:prstDash val="solid"/>
+                      <a:round/>
+                      <a:headEnd type="none" w="med" len="med"/>
+                      <a:tailEnd type="none" w="med" len="med"/>
+                    </a:lnT>
+                    <a:lnB w="12700" cap="flat" cmpd="sng" algn="ctr">
+                      <a:solidFill>
+                        <a:schemeClr val="tx1"/>
+                      </a:solidFill>
+                      <a:prstDash val="solid"/>
+                      <a:round/>
+                      <a:headEnd type="none" w="med" len="med"/>
+                      <a:tailEnd type="none" w="med" len="med"/>
+                    </a:lnB>
+                    <a:solidFill>
+                      <a:schemeClr val="bg1"/>
+                    </a:solidFill>
+                  </a:tcPr>
+                </a:tc>
+                <a:tc>
+                  <a:txBody>
+                    <a:bodyPr/>
+                    <a:lstStyle/>
+                    <a:p>
+                      <a:pPr algn="ctr"/>
+                      <a:endParaRPr lang="en-US" sz="1800" dirty="0">
+                        <a:ln>
+                          <a:solidFill>
+                            <a:schemeClr val="tx1"/>
+                          </a:solidFill>
+                        </a:ln>
+                      </a:endParaRPr>
+                    </a:p>
+                  </a:txBody>
+                  <a:tcPr>
+                    <a:lnL w="12700" cap="flat" cmpd="sng" algn="ctr">
+                      <a:solidFill>
+                        <a:schemeClr val="tx1"/>
+                      </a:solidFill>
+                      <a:prstDash val="solid"/>
+                      <a:round/>
+                      <a:headEnd type="none" w="med" len="med"/>
+                      <a:tailEnd type="none" w="med" len="med"/>
+                    </a:lnL>
+                    <a:lnR w="12700" cap="flat" cmpd="sng" algn="ctr">
+                      <a:solidFill>
+                        <a:schemeClr val="tx1"/>
+                      </a:solidFill>
+                      <a:prstDash val="solid"/>
+                      <a:round/>
+                      <a:headEnd type="none" w="med" len="med"/>
+                      <a:tailEnd type="none" w="med" len="med"/>
+                    </a:lnR>
+                    <a:lnT w="12700" cap="flat" cmpd="sng" algn="ctr">
+                      <a:solidFill>
+                        <a:schemeClr val="tx1"/>
+                      </a:solidFill>
+                      <a:prstDash val="solid"/>
+                      <a:round/>
+                      <a:headEnd type="none" w="med" len="med"/>
+                      <a:tailEnd type="none" w="med" len="med"/>
+                    </a:lnT>
+                    <a:lnB w="12700" cap="flat" cmpd="sng" algn="ctr">
+                      <a:solidFill>
+                        <a:schemeClr val="tx1"/>
+                      </a:solidFill>
+                      <a:prstDash val="solid"/>
+                      <a:round/>
+                      <a:headEnd type="none" w="med" len="med"/>
+                      <a:tailEnd type="none" w="med" len="med"/>
+                    </a:lnB>
+                    <a:solidFill>
+                      <a:schemeClr val="bg1"/>
+                    </a:solidFill>
+                  </a:tcPr>
+                </a:tc>
+                <a:tc>
+                  <a:txBody>
+                    <a:bodyPr/>
+                    <a:lstStyle/>
+                    <a:p>
+                      <a:pPr algn="ctr"/>
+                      <a:endParaRPr lang="en-US" sz="1800" dirty="0">
+                        <a:ln>
+                          <a:solidFill>
+                            <a:schemeClr val="tx1"/>
+                          </a:solidFill>
+                        </a:ln>
+                      </a:endParaRPr>
+                    </a:p>
+                  </a:txBody>
+                  <a:tcPr>
+                    <a:lnL w="12700" cap="flat" cmpd="sng" algn="ctr">
+                      <a:solidFill>
+                        <a:schemeClr val="tx1"/>
+                      </a:solidFill>
+                      <a:prstDash val="solid"/>
+                      <a:round/>
+                      <a:headEnd type="none" w="med" len="med"/>
+                      <a:tailEnd type="none" w="med" len="med"/>
+                    </a:lnL>
+                    <a:lnR w="12700" cap="flat" cmpd="sng" algn="ctr">
+                      <a:solidFill>
+                        <a:schemeClr val="tx1"/>
+                      </a:solidFill>
+                      <a:prstDash val="solid"/>
+                      <a:round/>
+                      <a:headEnd type="none" w="med" len="med"/>
+                      <a:tailEnd type="none" w="med" len="med"/>
+                    </a:lnR>
+                    <a:lnT w="12700" cap="flat" cmpd="sng" algn="ctr">
+                      <a:solidFill>
+                        <a:schemeClr val="tx1"/>
+                      </a:solidFill>
+                      <a:prstDash val="solid"/>
+                      <a:round/>
+                      <a:headEnd type="none" w="med" len="med"/>
+                      <a:tailEnd type="none" w="med" len="med"/>
+                    </a:lnT>
+                    <a:lnB w="12700" cap="flat" cmpd="sng" algn="ctr">
+                      <a:solidFill>
+                        <a:schemeClr val="tx1"/>
+                      </a:solidFill>
+                      <a:prstDash val="solid"/>
+                      <a:round/>
+                      <a:headEnd type="none" w="med" len="med"/>
+                      <a:tailEnd type="none" w="med" len="med"/>
+                    </a:lnB>
+                    <a:solidFill>
+                      <a:schemeClr val="bg1"/>
+                    </a:solidFill>
+                  </a:tcPr>
+                </a:tc>
+                <a:extLst>
+                  <a:ext uri="{0D108BD9-81ED-4DB2-BD59-A6C34878D82A}">
+                    <a16:rowId xmlns:a16="http://schemas.microsoft.com/office/drawing/2014/main" xmlns="" val="2030638017"/>
+                  </a:ext>
+                </a:extLst>
+              </a:tr>
+              <a:tr h="263660">
+                <a:tc>
+                  <a:txBody>
+                    <a:bodyPr/>
+                    <a:lstStyle/>
+                    <a:p>
+                      <a:pPr marL="0" marR="0" lvl="0" indent="0" algn="ctr" defTabSz="914400" rtl="0" eaLnBrk="1" fontAlgn="auto" latinLnBrk="0" hangingPunct="1">
+                        <a:lnSpc>
+                          <a:spcPct val="100000"/>
+                        </a:lnSpc>
+                        <a:spcBef>
+                          <a:spcPts val="0"/>
+                        </a:spcBef>
+                        <a:spcAft>
+                          <a:spcPts val="0"/>
+                        </a:spcAft>
+                        <a:buClrTx/>
+                        <a:buSzTx/>
+                        <a:buFontTx/>
+                        <a:buNone/>
+                        <a:tabLst/>
+                        <a:defRPr/>
+                      </a:pPr>
+                      <a:r>
+                        <a:rPr lang="en-US" sz="1800" b="0" dirty="0">
+                          <a:ln>
+                            <a:solidFill>
+                              <a:schemeClr val="tx1"/>
+                            </a:solidFill>
+                          </a:ln>
+                          <a:solidFill>
+                            <a:schemeClr val="tx1"/>
+                          </a:solidFill>
+                        </a:rPr>
+                        <a:t>B</a:t>
+                      </a:r>
+                      <a:r>
+                        <a:rPr lang="en-US" sz="1800" b="0" baseline="-25000" dirty="0">
+                          <a:ln>
+                            <a:solidFill>
+                              <a:schemeClr val="tx1"/>
+                            </a:solidFill>
+                          </a:ln>
+                          <a:solidFill>
+                            <a:schemeClr val="tx1"/>
+                          </a:solidFill>
+                        </a:rPr>
+                        <a:t>2</a:t>
+                      </a:r>
+                      <a:endParaRPr lang="en-US" sz="1800" b="0" dirty="0">
+                        <a:ln>
+                          <a:solidFill>
+                            <a:schemeClr val="tx1"/>
+                          </a:solidFill>
+                        </a:ln>
+                        <a:solidFill>
+                          <a:schemeClr val="tx1"/>
+                        </a:solidFill>
+                      </a:endParaRPr>
+                    </a:p>
+                  </a:txBody>
+                  <a:tcPr>
+                    <a:lnL w="12700" cap="flat" cmpd="sng" algn="ctr">
+                      <a:solidFill>
+                        <a:schemeClr val="tx1"/>
+                      </a:solidFill>
+                      <a:prstDash val="solid"/>
+                      <a:round/>
+                      <a:headEnd type="none" w="med" len="med"/>
+                      <a:tailEnd type="none" w="med" len="med"/>
+                    </a:lnL>
+                    <a:lnR w="12700" cap="flat" cmpd="sng" algn="ctr">
+                      <a:solidFill>
+                        <a:schemeClr val="tx1"/>
+                      </a:solidFill>
+                      <a:prstDash val="solid"/>
+                      <a:round/>
+                      <a:headEnd type="none" w="med" len="med"/>
+                      <a:tailEnd type="none" w="med" len="med"/>
+                    </a:lnR>
+                    <a:lnT w="12700" cap="flat" cmpd="sng" algn="ctr">
+                      <a:solidFill>
+                        <a:schemeClr val="tx1"/>
+                      </a:solidFill>
+                      <a:prstDash val="solid"/>
+                      <a:round/>
+                      <a:headEnd type="none" w="med" len="med"/>
+                      <a:tailEnd type="none" w="med" len="med"/>
+                    </a:lnT>
+                    <a:lnB w="12700" cap="flat" cmpd="sng" algn="ctr">
+                      <a:solidFill>
+                        <a:schemeClr val="tx1"/>
+                      </a:solidFill>
+                      <a:prstDash val="solid"/>
+                      <a:round/>
+                      <a:headEnd type="none" w="med" len="med"/>
+                      <a:tailEnd type="none" w="med" len="med"/>
+                    </a:lnB>
+                    <a:solidFill>
+                      <a:schemeClr val="bg1"/>
+                    </a:solidFill>
+                  </a:tcPr>
+                </a:tc>
+                <a:tc>
+                  <a:txBody>
+                    <a:bodyPr/>
+                    <a:lstStyle/>
+                    <a:p>
+                      <a:pPr algn="ctr"/>
+                      <a:endParaRPr lang="en-US" sz="1800" dirty="0">
+                        <a:ln>
+                          <a:solidFill>
+                            <a:schemeClr val="tx1"/>
+                          </a:solidFill>
+                        </a:ln>
+                      </a:endParaRPr>
+                    </a:p>
+                  </a:txBody>
+                  <a:tcPr>
+                    <a:lnL w="12700" cap="flat" cmpd="sng" algn="ctr">
+                      <a:solidFill>
+                        <a:schemeClr val="tx1"/>
+                      </a:solidFill>
+                      <a:prstDash val="solid"/>
+                      <a:round/>
+                      <a:headEnd type="none" w="med" len="med"/>
+                      <a:tailEnd type="none" w="med" len="med"/>
+                    </a:lnL>
+                    <a:lnR w="12700" cap="flat" cmpd="sng" algn="ctr">
+                      <a:solidFill>
+                        <a:schemeClr val="tx1"/>
+                      </a:solidFill>
+                      <a:prstDash val="solid"/>
+                      <a:round/>
+                      <a:headEnd type="none" w="med" len="med"/>
+                      <a:tailEnd type="none" w="med" len="med"/>
+                    </a:lnR>
+                    <a:lnT w="12700" cap="flat" cmpd="sng" algn="ctr">
+                      <a:solidFill>
+                        <a:schemeClr val="tx1"/>
+                      </a:solidFill>
+                      <a:prstDash val="solid"/>
+                      <a:round/>
+                      <a:headEnd type="none" w="med" len="med"/>
+                      <a:tailEnd type="none" w="med" len="med"/>
+                    </a:lnT>
+                    <a:lnB w="12700" cap="flat" cmpd="sng" algn="ctr">
+                      <a:solidFill>
+                        <a:schemeClr val="tx1"/>
+                      </a:solidFill>
+                      <a:prstDash val="solid"/>
+                      <a:round/>
+                      <a:headEnd type="none" w="med" len="med"/>
+                      <a:tailEnd type="none" w="med" len="med"/>
+                    </a:lnB>
+                    <a:solidFill>
+                      <a:schemeClr val="bg1"/>
+                    </a:solidFill>
+                  </a:tcPr>
+                </a:tc>
+                <a:tc>
+                  <a:txBody>
+                    <a:bodyPr/>
+                    <a:lstStyle/>
+                    <a:p>
+                      <a:pPr algn="ctr"/>
+                      <a:endParaRPr lang="en-US" sz="1800" dirty="0">
+                        <a:ln>
+                          <a:solidFill>
+                            <a:schemeClr val="tx1"/>
+                          </a:solidFill>
+                        </a:ln>
+                      </a:endParaRPr>
+                    </a:p>
+                  </a:txBody>
+                  <a:tcPr>
+                    <a:lnL w="12700" cap="flat" cmpd="sng" algn="ctr">
+                      <a:solidFill>
+                        <a:schemeClr val="tx1"/>
+                      </a:solidFill>
+                      <a:prstDash val="solid"/>
+                      <a:round/>
+                      <a:headEnd type="none" w="med" len="med"/>
+                      <a:tailEnd type="none" w="med" len="med"/>
+                    </a:lnL>
+                    <a:lnR w="12700" cap="flat" cmpd="sng" algn="ctr">
+                      <a:solidFill>
+                        <a:schemeClr val="tx1"/>
+                      </a:solidFill>
+                      <a:prstDash val="solid"/>
+                      <a:round/>
+                      <a:headEnd type="none" w="med" len="med"/>
+                      <a:tailEnd type="none" w="med" len="med"/>
+                    </a:lnR>
+                    <a:lnT w="12700" cap="flat" cmpd="sng" algn="ctr">
+                      <a:solidFill>
+                        <a:schemeClr val="tx1"/>
+                      </a:solidFill>
+                      <a:prstDash val="solid"/>
+                      <a:round/>
+                      <a:headEnd type="none" w="med" len="med"/>
+                      <a:tailEnd type="none" w="med" len="med"/>
+                    </a:lnT>
+                    <a:lnB w="12700" cap="flat" cmpd="sng" algn="ctr">
+                      <a:solidFill>
+                        <a:schemeClr val="tx1"/>
+                      </a:solidFill>
+                      <a:prstDash val="solid"/>
+                      <a:round/>
+                      <a:headEnd type="none" w="med" len="med"/>
+                      <a:tailEnd type="none" w="med" len="med"/>
+                    </a:lnB>
+                    <a:solidFill>
+                      <a:schemeClr val="bg1"/>
+                    </a:solidFill>
+                  </a:tcPr>
+                </a:tc>
+                <a:extLst>
+                  <a:ext uri="{0D108BD9-81ED-4DB2-BD59-A6C34878D82A}">
+                    <a16:rowId xmlns:a16="http://schemas.microsoft.com/office/drawing/2014/main" xmlns="" val="2943657333"/>
+                  </a:ext>
+                </a:extLst>
+              </a:tr>
+            </a:tbl>
+          </a:graphicData>
+        </a:graphic>
+      </p:graphicFrame>
+      <p:sp>
+        <p:nvSpPr>
+          <p:cNvPr id="14" name="TextBox 13">
+            <a:extLst>
+              <a:ext uri="{FF2B5EF4-FFF2-40B4-BE49-F238E27FC236}">
+                <a16:creationId xmlns:a16="http://schemas.microsoft.com/office/drawing/2014/main" xmlns="" id="{9C7AEC4A-B1E2-44AE-B998-C41A4EDA8E1D}"/>
+              </a:ext>
+            </a:extLst>
+          </p:cNvPr>
+          <p:cNvSpPr txBox="1"/>
+          <p:nvPr/>
+        </p:nvSpPr>
+        <p:spPr>
+          <a:xfrm>
+            <a:off x="8207506" y="2922446"/>
+            <a:ext cx="914400" cy="369332"/>
+          </a:xfrm>
+          <a:prstGeom prst="rect">
+            <a:avLst/>
+          </a:prstGeom>
+          <a:ln w="28575"/>
+          <a:effectLst>
+            <a:outerShdw blurRad="50800" dist="38100" dir="2700000" algn="tl" rotWithShape="0">
+              <a:prstClr val="black">
+                <a:alpha val="40000"/>
+              </a:prstClr>
+            </a:outerShdw>
+          </a:effectLst>
+        </p:spPr>
+        <p:style>
+          <a:lnRef idx="2">
+            <a:schemeClr val="dk1"/>
+          </a:lnRef>
+          <a:fillRef idx="1">
+            <a:schemeClr val="lt1"/>
+          </a:fillRef>
+          <a:effectRef idx="0">
+            <a:schemeClr val="dk1"/>
+          </a:effectRef>
+          <a:fontRef idx="minor">
+            <a:schemeClr val="dk1"/>
+          </a:fontRef>
+        </p:style>
+        <p:txBody>
+          <a:bodyPr wrap="square" rtlCol="0">
+            <a:spAutoFit/>
+          </a:bodyPr>
+          <a:lstStyle/>
+          <a:p>
+            <a:pPr algn="ctr"/>
+            <a:r>
+              <a:rPr lang="en-US" dirty="0"/>
+              <a:t>A</a:t>
+            </a:r>
+          </a:p>
+        </p:txBody>
+      </p:sp>
+      <p:sp>
+        <p:nvSpPr>
+          <p:cNvPr id="15" name="TextBox 14">
+            <a:extLst>
+              <a:ext uri="{FF2B5EF4-FFF2-40B4-BE49-F238E27FC236}">
+                <a16:creationId xmlns:a16="http://schemas.microsoft.com/office/drawing/2014/main" xmlns="" id="{38293FE2-752B-4DA1-8D92-4D1BA3E1CFD7}"/>
+              </a:ext>
+            </a:extLst>
+          </p:cNvPr>
+          <p:cNvSpPr txBox="1"/>
+          <p:nvPr/>
+        </p:nvSpPr>
+        <p:spPr>
+          <a:xfrm>
+            <a:off x="8207506" y="2011657"/>
+            <a:ext cx="914400" cy="369332"/>
+          </a:xfrm>
+          <a:prstGeom prst="rect">
+            <a:avLst/>
+          </a:prstGeom>
+          <a:ln w="28575"/>
+          <a:effectLst>
+            <a:outerShdw blurRad="50800" dist="38100" dir="2700000" algn="tl" rotWithShape="0">
+              <a:prstClr val="black">
+                <a:alpha val="40000"/>
+              </a:prstClr>
+            </a:outerShdw>
+          </a:effectLst>
+        </p:spPr>
+        <p:style>
+          <a:lnRef idx="2">
+            <a:schemeClr val="dk1"/>
+          </a:lnRef>
+          <a:fillRef idx="1">
+            <a:schemeClr val="lt1"/>
+          </a:fillRef>
+          <a:effectRef idx="0">
+            <a:schemeClr val="dk1"/>
+          </a:effectRef>
+          <a:fontRef idx="minor">
+            <a:schemeClr val="dk1"/>
+          </a:fontRef>
+        </p:style>
+        <p:txBody>
+          <a:bodyPr wrap="square" rtlCol="0">
+            <a:spAutoFit/>
+          </a:bodyPr>
+          <a:lstStyle/>
+          <a:p>
+            <a:pPr algn="ctr"/>
+            <a:r>
+              <a:rPr lang="en-US" dirty="0"/>
+              <a:t>…</a:t>
+            </a:r>
+          </a:p>
+        </p:txBody>
+      </p:sp>
+      <p:cxnSp>
+        <p:nvCxnSpPr>
+          <p:cNvPr id="16" name="Straight Connector 15">
+            <a:extLst>
+              <a:ext uri="{FF2B5EF4-FFF2-40B4-BE49-F238E27FC236}">
+                <a16:creationId xmlns:a16="http://schemas.microsoft.com/office/drawing/2014/main" xmlns="" id="{F30AD9B3-76C6-49C8-9B54-C2793ECC7AFD}"/>
+              </a:ext>
+            </a:extLst>
+          </p:cNvPr>
+          <p:cNvCxnSpPr>
+            <a:cxnSpLocks/>
+            <a:stCxn id="15" idx="2"/>
+            <a:endCxn id="14" idx="0"/>
+          </p:cNvCxnSpPr>
+          <p:nvPr/>
+        </p:nvCxnSpPr>
+        <p:spPr>
+          <a:xfrm>
+            <a:off x="8664706" y="2380989"/>
+            <a:ext cx="0" cy="541457"/>
+          </a:xfrm>
+          <a:prstGeom prst="line">
+            <a:avLst/>
+          </a:prstGeom>
+          <a:ln w="28575"/>
+        </p:spPr>
+        <p:style>
+          <a:lnRef idx="1">
+            <a:schemeClr val="accent1"/>
+          </a:lnRef>
+          <a:fillRef idx="0">
+            <a:schemeClr val="accent1"/>
+          </a:fillRef>
+          <a:effectRef idx="0">
+            <a:schemeClr val="accent1"/>
+          </a:effectRef>
+          <a:fontRef idx="minor">
+            <a:schemeClr val="tx1"/>
+          </a:fontRef>
+        </p:style>
+      </p:cxnSp>
+      <p:sp>
+        <p:nvSpPr>
+          <p:cNvPr id="17" name="TextBox 16">
+            <a:extLst>
+              <a:ext uri="{FF2B5EF4-FFF2-40B4-BE49-F238E27FC236}">
+                <a16:creationId xmlns:a16="http://schemas.microsoft.com/office/drawing/2014/main" xmlns="" id="{27257013-11BB-4114-A5EA-B38CD66D8013}"/>
+              </a:ext>
+            </a:extLst>
+          </p:cNvPr>
+          <p:cNvSpPr txBox="1"/>
+          <p:nvPr/>
+        </p:nvSpPr>
+        <p:spPr>
+          <a:xfrm>
+            <a:off x="9665819" y="3814784"/>
+            <a:ext cx="914400" cy="369332"/>
+          </a:xfrm>
+          <a:prstGeom prst="rect">
+            <a:avLst/>
+          </a:prstGeom>
+          <a:ln w="28575"/>
+          <a:effectLst>
+            <a:outerShdw blurRad="50800" dist="38100" dir="2700000" algn="tl" rotWithShape="0">
+              <a:prstClr val="black">
+                <a:alpha val="40000"/>
+              </a:prstClr>
+            </a:outerShdw>
+          </a:effectLst>
+        </p:spPr>
+        <p:style>
+          <a:lnRef idx="2">
+            <a:schemeClr val="dk1"/>
+          </a:lnRef>
+          <a:fillRef idx="1">
+            <a:schemeClr val="lt1"/>
+          </a:fillRef>
+          <a:effectRef idx="0">
+            <a:schemeClr val="dk1"/>
+          </a:effectRef>
+          <a:fontRef idx="minor">
+            <a:schemeClr val="dk1"/>
+          </a:fontRef>
+        </p:style>
+        <p:txBody>
+          <a:bodyPr wrap="square" rtlCol="0">
+            <a:spAutoFit/>
+          </a:bodyPr>
+          <a:lstStyle/>
+          <a:p>
+            <a:pPr algn="ctr"/>
+            <a:r>
+              <a:rPr lang="en-US" dirty="0"/>
+              <a:t>C</a:t>
+            </a:r>
+          </a:p>
+        </p:txBody>
+      </p:sp>
+      <p:cxnSp>
+        <p:nvCxnSpPr>
+          <p:cNvPr id="18" name="Straight Connector 17">
+            <a:extLst>
+              <a:ext uri="{FF2B5EF4-FFF2-40B4-BE49-F238E27FC236}">
+                <a16:creationId xmlns:a16="http://schemas.microsoft.com/office/drawing/2014/main" xmlns="" id="{3F45EA73-2870-4B5F-B8CA-5519D32761AC}"/>
+              </a:ext>
+            </a:extLst>
+          </p:cNvPr>
+          <p:cNvCxnSpPr>
+            <a:cxnSpLocks/>
+          </p:cNvCxnSpPr>
+          <p:nvPr/>
+        </p:nvCxnSpPr>
+        <p:spPr>
+          <a:xfrm>
+            <a:off x="9117992" y="3287464"/>
+            <a:ext cx="1005027" cy="527320"/>
+          </a:xfrm>
+          <a:prstGeom prst="line">
+            <a:avLst/>
+          </a:prstGeom>
+          <a:ln w="28575">
+            <a:headEnd type="arrow" w="med" len="med"/>
+            <a:tailEnd type="none" w="med" len="med"/>
+          </a:ln>
+        </p:spPr>
+        <p:style>
+          <a:lnRef idx="1">
+            <a:schemeClr val="accent1"/>
+          </a:lnRef>
+          <a:fillRef idx="0">
+            <a:schemeClr val="accent1"/>
+          </a:fillRef>
+          <a:effectRef idx="0">
+            <a:schemeClr val="accent1"/>
+          </a:effectRef>
+          <a:fontRef idx="minor">
+            <a:schemeClr val="tx1"/>
+          </a:fontRef>
+        </p:style>
+      </p:cxnSp>
+      <p:sp>
+        <p:nvSpPr>
+          <p:cNvPr id="19" name="TextBox 18">
+            <a:extLst>
+              <a:ext uri="{FF2B5EF4-FFF2-40B4-BE49-F238E27FC236}">
+                <a16:creationId xmlns:a16="http://schemas.microsoft.com/office/drawing/2014/main" xmlns="" id="{06E1AB84-D600-481B-83A4-92AA186623A3}"/>
+              </a:ext>
+            </a:extLst>
+          </p:cNvPr>
+          <p:cNvSpPr txBox="1"/>
+          <p:nvPr/>
+        </p:nvSpPr>
+        <p:spPr>
+          <a:xfrm>
+            <a:off x="9632150" y="4184116"/>
+            <a:ext cx="1080366" cy="369332"/>
+          </a:xfrm>
+          <a:prstGeom prst="rect">
+            <a:avLst/>
+          </a:prstGeom>
+          <a:noFill/>
+        </p:spPr>
+        <p:txBody>
+          <a:bodyPr wrap="square" rtlCol="0">
+            <a:spAutoFit/>
+          </a:bodyPr>
+          <a:lstStyle/>
+          <a:p>
+            <a:r>
+              <a:rPr lang="en-US" dirty="0"/>
+              <a:t>[ z</a:t>
+            </a:r>
+            <a:r>
+              <a:rPr lang="en-US" baseline="-25000" dirty="0"/>
+              <a:t>C1</a:t>
+            </a:r>
+            <a:r>
+              <a:rPr lang="en-US" dirty="0"/>
+              <a:t>, Z</a:t>
+            </a:r>
+            <a:r>
+              <a:rPr lang="en-US" baseline="-25000" dirty="0"/>
+              <a:t>C2 </a:t>
+            </a:r>
+            <a:r>
+              <a:rPr lang="en-US" dirty="0"/>
+              <a:t>]</a:t>
+            </a:r>
+          </a:p>
+        </p:txBody>
+      </p:sp>
+      <p:sp>
+        <p:nvSpPr>
+          <p:cNvPr id="20" name="TextBox 19">
+            <a:extLst>
+              <a:ext uri="{FF2B5EF4-FFF2-40B4-BE49-F238E27FC236}">
+                <a16:creationId xmlns:a16="http://schemas.microsoft.com/office/drawing/2014/main" xmlns="" id="{0EDED0DC-2158-43E4-957F-4A20DDA0FD5B}"/>
+              </a:ext>
+            </a:extLst>
+          </p:cNvPr>
+          <p:cNvSpPr txBox="1"/>
+          <p:nvPr/>
+        </p:nvSpPr>
+        <p:spPr>
+          <a:xfrm>
+            <a:off x="7060101" y="3238956"/>
+            <a:ext cx="3209210" cy="338554"/>
+          </a:xfrm>
+          <a:prstGeom prst="rect">
+            <a:avLst/>
+          </a:prstGeom>
+          <a:noFill/>
+        </p:spPr>
+        <p:txBody>
+          <a:bodyPr wrap="square" rtlCol="0">
+            <a:spAutoFit/>
+          </a:bodyPr>
+          <a:lstStyle/>
+          <a:p>
+            <a:r>
+              <a:rPr lang="en-US" sz="1600" dirty="0"/>
+              <a:t>[</a:t>
+            </a:r>
+            <a:r>
+              <a:rPr lang="en-US" sz="1600" dirty="0" smtClean="0"/>
+              <a:t>z</a:t>
+            </a:r>
+            <a:r>
+              <a:rPr lang="en-US" sz="1600" baseline="-25000" dirty="0" smtClean="0"/>
+              <a:t>A1-collapse-update-B</a:t>
+            </a:r>
+            <a:r>
+              <a:rPr lang="en-US" sz="1600" baseline="-25000" dirty="0"/>
+              <a:t>, </a:t>
+            </a:r>
+            <a:r>
+              <a:rPr lang="en-US" sz="1600" dirty="0" smtClean="0"/>
+              <a:t>z</a:t>
+            </a:r>
+            <a:r>
+              <a:rPr lang="en-US" sz="1600" baseline="-25000" dirty="0" smtClean="0"/>
+              <a:t>A2-collapse-update-B </a:t>
+            </a:r>
+            <a:r>
+              <a:rPr lang="en-US" sz="1600" dirty="0"/>
+              <a:t>]</a:t>
+            </a:r>
+          </a:p>
+        </p:txBody>
+      </p:sp>
+      <p:sp>
+        <p:nvSpPr>
+          <p:cNvPr id="21" name="TextBox 20">
+            <a:extLst>
+              <a:ext uri="{FF2B5EF4-FFF2-40B4-BE49-F238E27FC236}">
+                <a16:creationId xmlns:a16="http://schemas.microsoft.com/office/drawing/2014/main" xmlns="" id="{709CDA14-D1CE-4F5E-832B-697062BDAD5E}"/>
+              </a:ext>
+            </a:extLst>
+          </p:cNvPr>
+          <p:cNvSpPr txBox="1"/>
+          <p:nvPr/>
+        </p:nvSpPr>
+        <p:spPr>
+          <a:xfrm>
+            <a:off x="2543563" y="2951372"/>
+            <a:ext cx="296769" cy="369332"/>
+          </a:xfrm>
+          <a:prstGeom prst="rect">
+            <a:avLst/>
+          </a:prstGeom>
+          <a:noFill/>
+        </p:spPr>
+        <p:txBody>
+          <a:bodyPr wrap="square" rtlCol="0">
+            <a:spAutoFit/>
+          </a:bodyPr>
+          <a:lstStyle/>
+          <a:p>
+            <a:r>
+              <a:rPr lang="en-US" dirty="0"/>
+              <a:t>+</a:t>
+            </a:r>
+          </a:p>
+        </p:txBody>
+      </p:sp>
+      <p:sp>
+        <p:nvSpPr>
+          <p:cNvPr id="22" name="TextBox 21">
+            <a:extLst>
+              <a:ext uri="{FF2B5EF4-FFF2-40B4-BE49-F238E27FC236}">
+                <a16:creationId xmlns:a16="http://schemas.microsoft.com/office/drawing/2014/main" xmlns="" id="{DD5B4E37-A416-43A1-907C-E45433440ED2}"/>
+              </a:ext>
+            </a:extLst>
+          </p:cNvPr>
+          <p:cNvSpPr txBox="1"/>
+          <p:nvPr/>
+        </p:nvSpPr>
+        <p:spPr>
+          <a:xfrm>
+            <a:off x="6436969" y="2854235"/>
+            <a:ext cx="1019064" cy="369332"/>
+          </a:xfrm>
+          <a:prstGeom prst="rect">
+            <a:avLst/>
+          </a:prstGeom>
+          <a:noFill/>
+        </p:spPr>
+        <p:txBody>
+          <a:bodyPr wrap="square" rtlCol="0">
+            <a:spAutoFit/>
+          </a:bodyPr>
+          <a:lstStyle/>
+          <a:p>
+            <a:r>
+              <a:rPr lang="en-US" dirty="0"/>
+              <a:t>collapse</a:t>
+            </a:r>
+          </a:p>
+        </p:txBody>
+      </p:sp>
+      <p:sp>
+        <p:nvSpPr>
+          <p:cNvPr id="23" name="TextBox 22">
+            <a:extLst>
+              <a:ext uri="{FF2B5EF4-FFF2-40B4-BE49-F238E27FC236}">
+                <a16:creationId xmlns:a16="http://schemas.microsoft.com/office/drawing/2014/main" xmlns="" id="{BA83922D-83C0-4D3A-8D2B-D10F5A269A49}"/>
+              </a:ext>
+            </a:extLst>
+          </p:cNvPr>
+          <p:cNvSpPr txBox="1"/>
+          <p:nvPr/>
+        </p:nvSpPr>
+        <p:spPr>
+          <a:xfrm>
+            <a:off x="7274415" y="3814784"/>
+            <a:ext cx="914400" cy="369332"/>
+          </a:xfrm>
+          <a:prstGeom prst="rect">
+            <a:avLst/>
+          </a:prstGeom>
+          <a:ln w="28575">
+            <a:prstDash val="sysDot"/>
+          </a:ln>
+          <a:effectLst>
+            <a:outerShdw blurRad="50800" dist="38100" dir="2700000" algn="tl" rotWithShape="0">
+              <a:prstClr val="black">
+                <a:alpha val="40000"/>
+              </a:prstClr>
+            </a:outerShdw>
+          </a:effectLst>
+        </p:spPr>
+        <p:style>
+          <a:lnRef idx="2">
+            <a:schemeClr val="dk1"/>
+          </a:lnRef>
+          <a:fillRef idx="1">
+            <a:schemeClr val="lt1"/>
+          </a:fillRef>
+          <a:effectRef idx="0">
+            <a:schemeClr val="dk1"/>
+          </a:effectRef>
+          <a:fontRef idx="minor">
+            <a:schemeClr val="dk1"/>
+          </a:fontRef>
+        </p:style>
+        <p:txBody>
+          <a:bodyPr wrap="square" rtlCol="0">
+            <a:spAutoFit/>
+          </a:bodyPr>
+          <a:lstStyle/>
+          <a:p>
+            <a:pPr algn="ctr"/>
+            <a:r>
+              <a:rPr lang="en-US" dirty="0"/>
+              <a:t>B</a:t>
+            </a:r>
+          </a:p>
+        </p:txBody>
+      </p:sp>
     </p:spTree>
     <p:extLst>
       <p:ext uri="{BB962C8B-B14F-4D97-AF65-F5344CB8AC3E}">
         <p14:creationId xmlns:p14="http://schemas.microsoft.com/office/powerpoint/2010/main" val="1954111957"/>
+      </p:ext>
+    </p:extLst>
+  </p:cSld>
+  <p:clrMapOvr>
+    <a:masterClrMapping/>
+  </p:clrMapOvr>
+</p:sld>
+</file>
+
+<file path=ppt/slides/slide8.xml><?xml version="1.0" encoding="utf-8"?>
+<p:sld xmlns:a="http://schemas.openxmlformats.org/drawingml/2006/main" xmlns:r="http://schemas.openxmlformats.org/officeDocument/2006/relationships" xmlns:p="http://schemas.openxmlformats.org/presentationml/2006/main">
+  <p:cSld>
+    <p:spTree>
+      <p:nvGrpSpPr>
+        <p:cNvPr id="1" name=""/>
+        <p:cNvGrpSpPr/>
+        <p:nvPr/>
+      </p:nvGrpSpPr>
+      <p:grpSpPr>
+        <a:xfrm>
+          <a:off x="0" y="0"/>
+          <a:ext cx="0" cy="0"/>
+          <a:chOff x="0" y="0"/>
+          <a:chExt cx="0" cy="0"/>
+        </a:xfrm>
+      </p:grpSpPr>
+      <p:sp>
+        <p:nvSpPr>
+          <p:cNvPr id="2" name="TextBox 1">
+            <a:extLst>
+              <a:ext uri="{FF2B5EF4-FFF2-40B4-BE49-F238E27FC236}">
+                <a16:creationId xmlns:a16="http://schemas.microsoft.com/office/drawing/2014/main" xmlns="" id="{C5B9B98F-95EF-4972-8B03-0E1752D5B0BE}"/>
+              </a:ext>
+            </a:extLst>
+          </p:cNvPr>
+          <p:cNvSpPr txBox="1"/>
+          <p:nvPr/>
+        </p:nvSpPr>
+        <p:spPr>
+          <a:xfrm>
+            <a:off x="4424222" y="2922447"/>
+            <a:ext cx="914400" cy="369332"/>
+          </a:xfrm>
+          <a:prstGeom prst="rect">
+            <a:avLst/>
+          </a:prstGeom>
+          <a:ln w="28575"/>
+          <a:effectLst>
+            <a:outerShdw blurRad="50800" dist="38100" dir="2700000" algn="tl" rotWithShape="0">
+              <a:prstClr val="black">
+                <a:alpha val="40000"/>
+              </a:prstClr>
+            </a:outerShdw>
+          </a:effectLst>
+        </p:spPr>
+        <p:style>
+          <a:lnRef idx="2">
+            <a:schemeClr val="dk1"/>
+          </a:lnRef>
+          <a:fillRef idx="1">
+            <a:schemeClr val="lt1"/>
+          </a:fillRef>
+          <a:effectRef idx="0">
+            <a:schemeClr val="dk1"/>
+          </a:effectRef>
+          <a:fontRef idx="minor">
+            <a:schemeClr val="dk1"/>
+          </a:fontRef>
+        </p:style>
+        <p:txBody>
+          <a:bodyPr wrap="square" rtlCol="0">
+            <a:spAutoFit/>
+          </a:bodyPr>
+          <a:lstStyle/>
+          <a:p>
+            <a:pPr algn="ctr"/>
+            <a:r>
+              <a:rPr lang="en-US" dirty="0"/>
+              <a:t>A</a:t>
+            </a:r>
+          </a:p>
+        </p:txBody>
+      </p:sp>
+      <p:sp>
+        <p:nvSpPr>
+          <p:cNvPr id="3" name="TextBox 2">
+            <a:extLst>
+              <a:ext uri="{FF2B5EF4-FFF2-40B4-BE49-F238E27FC236}">
+                <a16:creationId xmlns:a16="http://schemas.microsoft.com/office/drawing/2014/main" xmlns="" id="{BA83922D-83C0-4D3A-8D2B-D10F5A269A49}"/>
+              </a:ext>
+            </a:extLst>
+          </p:cNvPr>
+          <p:cNvSpPr txBox="1"/>
+          <p:nvPr/>
+        </p:nvSpPr>
+        <p:spPr>
+          <a:xfrm>
+            <a:off x="3362991" y="3801473"/>
+            <a:ext cx="914400" cy="369332"/>
+          </a:xfrm>
+          <a:prstGeom prst="rect">
+            <a:avLst/>
+          </a:prstGeom>
+          <a:ln w="28575"/>
+          <a:effectLst>
+            <a:outerShdw blurRad="50800" dist="38100" dir="2700000" algn="tl" rotWithShape="0">
+              <a:prstClr val="black">
+                <a:alpha val="40000"/>
+              </a:prstClr>
+            </a:outerShdw>
+          </a:effectLst>
+        </p:spPr>
+        <p:style>
+          <a:lnRef idx="2">
+            <a:schemeClr val="dk1"/>
+          </a:lnRef>
+          <a:fillRef idx="1">
+            <a:schemeClr val="lt1"/>
+          </a:fillRef>
+          <a:effectRef idx="0">
+            <a:schemeClr val="dk1"/>
+          </a:effectRef>
+          <a:fontRef idx="minor">
+            <a:schemeClr val="dk1"/>
+          </a:fontRef>
+        </p:style>
+        <p:txBody>
+          <a:bodyPr wrap="square" rtlCol="0">
+            <a:spAutoFit/>
+          </a:bodyPr>
+          <a:lstStyle/>
+          <a:p>
+            <a:pPr algn="ctr"/>
+            <a:r>
+              <a:rPr lang="en-US" dirty="0"/>
+              <a:t>B</a:t>
+            </a:r>
+          </a:p>
+        </p:txBody>
+      </p:sp>
+      <p:sp>
+        <p:nvSpPr>
+          <p:cNvPr id="4" name="TextBox 3">
+            <a:extLst>
+              <a:ext uri="{FF2B5EF4-FFF2-40B4-BE49-F238E27FC236}">
+                <a16:creationId xmlns:a16="http://schemas.microsoft.com/office/drawing/2014/main" xmlns="" id="{3E60457E-9694-4FD2-AD1B-ABC40BCCEF6E}"/>
+              </a:ext>
+            </a:extLst>
+          </p:cNvPr>
+          <p:cNvSpPr txBox="1"/>
+          <p:nvPr/>
+        </p:nvSpPr>
+        <p:spPr>
+          <a:xfrm>
+            <a:off x="5429249" y="3819098"/>
+            <a:ext cx="914400" cy="369332"/>
+          </a:xfrm>
+          <a:prstGeom prst="rect">
+            <a:avLst/>
+          </a:prstGeom>
+          <a:ln w="28575"/>
+          <a:effectLst>
+            <a:outerShdw blurRad="50800" dist="38100" dir="2700000" algn="tl" rotWithShape="0">
+              <a:prstClr val="black">
+                <a:alpha val="40000"/>
+              </a:prstClr>
+            </a:outerShdw>
+          </a:effectLst>
+        </p:spPr>
+        <p:style>
+          <a:lnRef idx="2">
+            <a:schemeClr val="dk1"/>
+          </a:lnRef>
+          <a:fillRef idx="1">
+            <a:schemeClr val="lt1"/>
+          </a:fillRef>
+          <a:effectRef idx="0">
+            <a:schemeClr val="dk1"/>
+          </a:effectRef>
+          <a:fontRef idx="minor">
+            <a:schemeClr val="dk1"/>
+          </a:fontRef>
+        </p:style>
+        <p:txBody>
+          <a:bodyPr wrap="square" rtlCol="0">
+            <a:spAutoFit/>
+          </a:bodyPr>
+          <a:lstStyle/>
+          <a:p>
+            <a:pPr algn="ctr"/>
+            <a:r>
+              <a:rPr lang="en-US" dirty="0"/>
+              <a:t>C</a:t>
+            </a:r>
+          </a:p>
+        </p:txBody>
+      </p:sp>
+      <p:sp>
+        <p:nvSpPr>
+          <p:cNvPr id="5" name="TextBox 4">
+            <a:extLst>
+              <a:ext uri="{FF2B5EF4-FFF2-40B4-BE49-F238E27FC236}">
+                <a16:creationId xmlns:a16="http://schemas.microsoft.com/office/drawing/2014/main" xmlns="" id="{0CA6A19E-547F-4C80-BD9C-137F9042556D}"/>
+              </a:ext>
+            </a:extLst>
+          </p:cNvPr>
+          <p:cNvSpPr txBox="1"/>
+          <p:nvPr/>
+        </p:nvSpPr>
+        <p:spPr>
+          <a:xfrm>
+            <a:off x="4424222" y="2011658"/>
+            <a:ext cx="914400" cy="369332"/>
+          </a:xfrm>
+          <a:prstGeom prst="rect">
+            <a:avLst/>
+          </a:prstGeom>
+          <a:ln w="28575"/>
+          <a:effectLst>
+            <a:outerShdw blurRad="50800" dist="38100" dir="2700000" algn="tl" rotWithShape="0">
+              <a:prstClr val="black">
+                <a:alpha val="40000"/>
+              </a:prstClr>
+            </a:outerShdw>
+          </a:effectLst>
+        </p:spPr>
+        <p:style>
+          <a:lnRef idx="2">
+            <a:schemeClr val="dk1"/>
+          </a:lnRef>
+          <a:fillRef idx="1">
+            <a:schemeClr val="lt1"/>
+          </a:fillRef>
+          <a:effectRef idx="0">
+            <a:schemeClr val="dk1"/>
+          </a:effectRef>
+          <a:fontRef idx="minor">
+            <a:schemeClr val="dk1"/>
+          </a:fontRef>
+        </p:style>
+        <p:txBody>
+          <a:bodyPr wrap="square" rtlCol="0">
+            <a:spAutoFit/>
+          </a:bodyPr>
+          <a:lstStyle/>
+          <a:p>
+            <a:pPr algn="ctr"/>
+            <a:r>
+              <a:rPr lang="en-US" dirty="0"/>
+              <a:t>…</a:t>
+            </a:r>
+          </a:p>
+        </p:txBody>
+      </p:sp>
+      <p:cxnSp>
+        <p:nvCxnSpPr>
+          <p:cNvPr id="6" name="Straight Connector 5">
+            <a:extLst>
+              <a:ext uri="{FF2B5EF4-FFF2-40B4-BE49-F238E27FC236}">
+                <a16:creationId xmlns:a16="http://schemas.microsoft.com/office/drawing/2014/main" xmlns="" id="{5533AF29-5FDF-4068-B91C-610270B8372E}"/>
+              </a:ext>
+            </a:extLst>
+          </p:cNvPr>
+          <p:cNvCxnSpPr>
+            <a:cxnSpLocks/>
+            <a:endCxn id="3" idx="0"/>
+          </p:cNvCxnSpPr>
+          <p:nvPr/>
+        </p:nvCxnSpPr>
+        <p:spPr>
+          <a:xfrm flipH="1">
+            <a:off x="3820191" y="3274153"/>
+            <a:ext cx="1080366" cy="527320"/>
+          </a:xfrm>
+          <a:prstGeom prst="line">
+            <a:avLst/>
+          </a:prstGeom>
+          <a:ln w="28575">
+            <a:prstDash val="sysDot"/>
+            <a:headEnd type="arrow" w="med" len="med"/>
+            <a:tailEnd type="none" w="med" len="med"/>
+          </a:ln>
+        </p:spPr>
+        <p:style>
+          <a:lnRef idx="1">
+            <a:schemeClr val="accent1"/>
+          </a:lnRef>
+          <a:fillRef idx="0">
+            <a:schemeClr val="accent1"/>
+          </a:fillRef>
+          <a:effectRef idx="0">
+            <a:schemeClr val="accent1"/>
+          </a:effectRef>
+          <a:fontRef idx="minor">
+            <a:schemeClr val="tx1"/>
+          </a:fontRef>
+        </p:style>
+      </p:cxnSp>
+      <p:cxnSp>
+        <p:nvCxnSpPr>
+          <p:cNvPr id="7" name="Straight Connector 6">
+            <a:extLst>
+              <a:ext uri="{FF2B5EF4-FFF2-40B4-BE49-F238E27FC236}">
+                <a16:creationId xmlns:a16="http://schemas.microsoft.com/office/drawing/2014/main" xmlns="" id="{AB2A38A7-05FD-4E2E-B6A5-F1E7E9E6138B}"/>
+              </a:ext>
+            </a:extLst>
+          </p:cNvPr>
+          <p:cNvCxnSpPr>
+            <a:cxnSpLocks/>
+            <a:endCxn id="4" idx="0"/>
+          </p:cNvCxnSpPr>
+          <p:nvPr/>
+        </p:nvCxnSpPr>
+        <p:spPr>
+          <a:xfrm>
+            <a:off x="4881422" y="3291778"/>
+            <a:ext cx="1005027" cy="527320"/>
+          </a:xfrm>
+          <a:prstGeom prst="line">
+            <a:avLst/>
+          </a:prstGeom>
+          <a:ln w="28575">
+            <a:headEnd type="arrow" w="med" len="med"/>
+            <a:tailEnd type="none" w="med" len="med"/>
+          </a:ln>
+        </p:spPr>
+        <p:style>
+          <a:lnRef idx="1">
+            <a:schemeClr val="accent1"/>
+          </a:lnRef>
+          <a:fillRef idx="0">
+            <a:schemeClr val="accent1"/>
+          </a:fillRef>
+          <a:effectRef idx="0">
+            <a:schemeClr val="accent1"/>
+          </a:effectRef>
+          <a:fontRef idx="minor">
+            <a:schemeClr val="tx1"/>
+          </a:fontRef>
+        </p:style>
+      </p:cxnSp>
+      <p:cxnSp>
+        <p:nvCxnSpPr>
+          <p:cNvPr id="8" name="Straight Connector 7">
+            <a:extLst>
+              <a:ext uri="{FF2B5EF4-FFF2-40B4-BE49-F238E27FC236}">
+                <a16:creationId xmlns:a16="http://schemas.microsoft.com/office/drawing/2014/main" xmlns="" id="{DCF7B7DA-EC5B-4C6A-B741-12F9BF86E9C3}"/>
+              </a:ext>
+            </a:extLst>
+          </p:cNvPr>
+          <p:cNvCxnSpPr>
+            <a:cxnSpLocks/>
+            <a:stCxn id="5" idx="2"/>
+            <a:endCxn id="2" idx="0"/>
+          </p:cNvCxnSpPr>
+          <p:nvPr/>
+        </p:nvCxnSpPr>
+        <p:spPr>
+          <a:xfrm>
+            <a:off x="4881422" y="2380990"/>
+            <a:ext cx="0" cy="541457"/>
+          </a:xfrm>
+          <a:prstGeom prst="line">
+            <a:avLst/>
+          </a:prstGeom>
+          <a:ln w="28575"/>
+        </p:spPr>
+        <p:style>
+          <a:lnRef idx="1">
+            <a:schemeClr val="accent1"/>
+          </a:lnRef>
+          <a:fillRef idx="0">
+            <a:schemeClr val="accent1"/>
+          </a:fillRef>
+          <a:effectRef idx="0">
+            <a:schemeClr val="accent1"/>
+          </a:effectRef>
+          <a:fontRef idx="minor">
+            <a:schemeClr val="tx1"/>
+          </a:fontRef>
+        </p:style>
+      </p:cxnSp>
+      <p:cxnSp>
+        <p:nvCxnSpPr>
+          <p:cNvPr id="14" name="Straight Arrow Connector 13">
+            <a:extLst>
+              <a:ext uri="{FF2B5EF4-FFF2-40B4-BE49-F238E27FC236}">
+                <a16:creationId xmlns:a16="http://schemas.microsoft.com/office/drawing/2014/main" xmlns="" id="{F750C62A-A641-439B-B375-CF166C378ED6}"/>
+              </a:ext>
+            </a:extLst>
+          </p:cNvPr>
+          <p:cNvCxnSpPr>
+            <a:cxnSpLocks/>
+          </p:cNvCxnSpPr>
+          <p:nvPr/>
+        </p:nvCxnSpPr>
+        <p:spPr>
+          <a:xfrm>
+            <a:off x="6520699" y="3223567"/>
+            <a:ext cx="781460" cy="0"/>
+          </a:xfrm>
+          <a:prstGeom prst="straightConnector1">
+            <a:avLst/>
+          </a:prstGeom>
+          <a:ln w="28575">
+            <a:tailEnd type="triangle"/>
+          </a:ln>
+        </p:spPr>
+        <p:style>
+          <a:lnRef idx="1">
+            <a:schemeClr val="accent1"/>
+          </a:lnRef>
+          <a:fillRef idx="0">
+            <a:schemeClr val="accent1"/>
+          </a:fillRef>
+          <a:effectRef idx="0">
+            <a:schemeClr val="accent1"/>
+          </a:effectRef>
+          <a:fontRef idx="minor">
+            <a:schemeClr val="tx1"/>
+          </a:fontRef>
+        </p:style>
+      </p:cxnSp>
+      <p:sp>
+        <p:nvSpPr>
+          <p:cNvPr id="16" name="TextBox 15">
+            <a:extLst>
+              <a:ext uri="{FF2B5EF4-FFF2-40B4-BE49-F238E27FC236}">
+                <a16:creationId xmlns:a16="http://schemas.microsoft.com/office/drawing/2014/main" xmlns="" id="{25C58377-0256-48FB-9F11-57095ABF12D1}"/>
+              </a:ext>
+            </a:extLst>
+          </p:cNvPr>
+          <p:cNvSpPr txBox="1"/>
+          <p:nvPr/>
+        </p:nvSpPr>
+        <p:spPr>
+          <a:xfrm>
+            <a:off x="3352243" y="2911002"/>
+            <a:ext cx="1209567" cy="369332"/>
+          </a:xfrm>
+          <a:prstGeom prst="rect">
+            <a:avLst/>
+          </a:prstGeom>
+          <a:noFill/>
+        </p:spPr>
+        <p:txBody>
+          <a:bodyPr wrap="square" rtlCol="0">
+            <a:spAutoFit/>
+          </a:bodyPr>
+          <a:lstStyle/>
+          <a:p>
+            <a:r>
+              <a:rPr lang="en-US" dirty="0"/>
+              <a:t>[ z</a:t>
+            </a:r>
+            <a:r>
+              <a:rPr lang="en-US" baseline="-25000" dirty="0"/>
+              <a:t>A1</a:t>
+            </a:r>
+            <a:r>
+              <a:rPr lang="en-US" dirty="0"/>
+              <a:t>, z</a:t>
+            </a:r>
+            <a:r>
+              <a:rPr lang="en-US" baseline="-25000" dirty="0"/>
+              <a:t>A2 </a:t>
+            </a:r>
+            <a:r>
+              <a:rPr lang="en-US" dirty="0"/>
+              <a:t>]</a:t>
+            </a:r>
+          </a:p>
+        </p:txBody>
+      </p:sp>
+      <p:sp>
+        <p:nvSpPr>
+          <p:cNvPr id="17" name="TextBox 16">
+            <a:extLst>
+              <a:ext uri="{FF2B5EF4-FFF2-40B4-BE49-F238E27FC236}">
+                <a16:creationId xmlns:a16="http://schemas.microsoft.com/office/drawing/2014/main" xmlns="" id="{4EA34E98-46AE-495E-935A-BCA3DD438A1C}"/>
+              </a:ext>
+            </a:extLst>
+          </p:cNvPr>
+          <p:cNvSpPr txBox="1"/>
+          <p:nvPr/>
+        </p:nvSpPr>
+        <p:spPr>
+          <a:xfrm>
+            <a:off x="3288395" y="4170805"/>
+            <a:ext cx="1211213" cy="369332"/>
+          </a:xfrm>
+          <a:prstGeom prst="rect">
+            <a:avLst/>
+          </a:prstGeom>
+          <a:noFill/>
+        </p:spPr>
+        <p:txBody>
+          <a:bodyPr wrap="square" rtlCol="0">
+            <a:spAutoFit/>
+          </a:bodyPr>
+          <a:lstStyle/>
+          <a:p>
+            <a:r>
+              <a:rPr lang="en-US" dirty="0"/>
+              <a:t>[ z</a:t>
+            </a:r>
+            <a:r>
+              <a:rPr lang="en-US" baseline="-25000" dirty="0"/>
+              <a:t>B1</a:t>
+            </a:r>
+            <a:r>
+              <a:rPr lang="en-US" dirty="0"/>
+              <a:t>, z</a:t>
+            </a:r>
+            <a:r>
+              <a:rPr lang="en-US" baseline="-25000" dirty="0"/>
+              <a:t>B2 </a:t>
+            </a:r>
+            <a:r>
+              <a:rPr lang="en-US" dirty="0"/>
+              <a:t>]</a:t>
+            </a:r>
+          </a:p>
+        </p:txBody>
+      </p:sp>
+      <p:sp>
+        <p:nvSpPr>
+          <p:cNvPr id="18" name="TextBox 17">
+            <a:extLst>
+              <a:ext uri="{FF2B5EF4-FFF2-40B4-BE49-F238E27FC236}">
+                <a16:creationId xmlns:a16="http://schemas.microsoft.com/office/drawing/2014/main" xmlns="" id="{5953B78F-7CB1-4242-8CE0-81A54CF17095}"/>
+              </a:ext>
+            </a:extLst>
+          </p:cNvPr>
+          <p:cNvSpPr txBox="1"/>
+          <p:nvPr/>
+        </p:nvSpPr>
+        <p:spPr>
+          <a:xfrm>
+            <a:off x="5409729" y="4184116"/>
+            <a:ext cx="1110970" cy="369332"/>
+          </a:xfrm>
+          <a:prstGeom prst="rect">
+            <a:avLst/>
+          </a:prstGeom>
+          <a:noFill/>
+        </p:spPr>
+        <p:txBody>
+          <a:bodyPr wrap="square" rtlCol="0">
+            <a:spAutoFit/>
+          </a:bodyPr>
+          <a:lstStyle/>
+          <a:p>
+            <a:r>
+              <a:rPr lang="en-US" dirty="0"/>
+              <a:t>[ z</a:t>
+            </a:r>
+            <a:r>
+              <a:rPr lang="en-US" baseline="-25000" dirty="0"/>
+              <a:t>C1</a:t>
+            </a:r>
+            <a:r>
+              <a:rPr lang="en-US" dirty="0"/>
+              <a:t>, </a:t>
+            </a:r>
+            <a:r>
+              <a:rPr lang="en-US" dirty="0" smtClean="0"/>
+              <a:t>z</a:t>
+            </a:r>
+            <a:r>
+              <a:rPr lang="en-US" baseline="-25000" dirty="0" smtClean="0"/>
+              <a:t>C2 </a:t>
+            </a:r>
+            <a:r>
+              <a:rPr lang="en-US" dirty="0"/>
+              <a:t>]</a:t>
+            </a:r>
+          </a:p>
+        </p:txBody>
+      </p:sp>
+      <p:graphicFrame>
+        <p:nvGraphicFramePr>
+          <p:cNvPr id="19" name="Table 18">
+            <a:extLst>
+              <a:ext uri="{FF2B5EF4-FFF2-40B4-BE49-F238E27FC236}">
+                <a16:creationId xmlns:a16="http://schemas.microsoft.com/office/drawing/2014/main" xmlns="" id="{9671FA46-DF74-4283-A04E-2397013972F3}"/>
+              </a:ext>
+            </a:extLst>
+          </p:cNvPr>
+          <p:cNvGraphicFramePr>
+            <a:graphicFrameLocks noGrp="1"/>
+          </p:cNvGraphicFramePr>
+          <p:nvPr>
+            <p:extLst>
+              <p:ext uri="{D42A27DB-BD31-4B8C-83A1-F6EECF244321}">
+                <p14:modId xmlns:p14="http://schemas.microsoft.com/office/powerpoint/2010/main" val="738404696"/>
+              </p:ext>
+            </p:extLst>
+          </p:nvPr>
+        </p:nvGraphicFramePr>
+        <p:xfrm>
+          <a:off x="947262" y="2587398"/>
+          <a:ext cx="1383516" cy="1097280"/>
+        </p:xfrm>
+        <a:graphic>
+          <a:graphicData uri="http://schemas.openxmlformats.org/drawingml/2006/table">
+            <a:tbl>
+              <a:tblPr firstRow="1" bandRow="1">
+                <a:tableStyleId>{5C22544A-7EE6-4342-B048-85BDC9FD1C3A}</a:tableStyleId>
+              </a:tblPr>
+              <a:tblGrid>
+                <a:gridCol w="461172">
+                  <a:extLst>
+                    <a:ext uri="{9D8B030D-6E8A-4147-A177-3AD203B41FA5}">
+                      <a16:colId xmlns:a16="http://schemas.microsoft.com/office/drawing/2014/main" xmlns="" val="466220175"/>
+                    </a:ext>
+                  </a:extLst>
+                </a:gridCol>
+                <a:gridCol w="461172">
+                  <a:extLst>
+                    <a:ext uri="{9D8B030D-6E8A-4147-A177-3AD203B41FA5}">
+                      <a16:colId xmlns:a16="http://schemas.microsoft.com/office/drawing/2014/main" xmlns="" val="520311615"/>
+                    </a:ext>
+                  </a:extLst>
+                </a:gridCol>
+                <a:gridCol w="461172">
+                  <a:extLst>
+                    <a:ext uri="{9D8B030D-6E8A-4147-A177-3AD203B41FA5}">
+                      <a16:colId xmlns:a16="http://schemas.microsoft.com/office/drawing/2014/main" xmlns="" val="2227850342"/>
+                    </a:ext>
+                  </a:extLst>
+                </a:gridCol>
+              </a:tblGrid>
+              <a:tr h="263660">
+                <a:tc>
+                  <a:txBody>
+                    <a:bodyPr/>
+                    <a:lstStyle/>
+                    <a:p>
+                      <a:pPr algn="ctr"/>
+                      <a:r>
+                        <a:rPr lang="en-US" sz="1800" b="0" dirty="0">
+                          <a:ln>
+                            <a:solidFill>
+                              <a:schemeClr val="tx1"/>
+                            </a:solidFill>
+                          </a:ln>
+                          <a:solidFill>
+                            <a:schemeClr val="tx1"/>
+                          </a:solidFill>
+                        </a:rPr>
+                        <a:t>L</a:t>
+                      </a:r>
+                      <a:r>
+                        <a:rPr lang="en-US" sz="1800" b="0" baseline="-25000" dirty="0">
+                          <a:ln>
+                            <a:solidFill>
+                              <a:schemeClr val="tx1"/>
+                            </a:solidFill>
+                          </a:ln>
+                          <a:solidFill>
+                            <a:schemeClr val="tx1"/>
+                          </a:solidFill>
+                        </a:rPr>
+                        <a:t>AB</a:t>
+                      </a:r>
+                      <a:endParaRPr lang="en-US" sz="1800" b="0" dirty="0">
+                        <a:ln>
+                          <a:solidFill>
+                            <a:schemeClr val="tx1"/>
+                          </a:solidFill>
+                        </a:ln>
+                        <a:solidFill>
+                          <a:schemeClr val="tx1"/>
+                        </a:solidFill>
+                      </a:endParaRPr>
+                    </a:p>
+                  </a:txBody>
+                  <a:tcPr>
+                    <a:lnL w="12700" cap="flat" cmpd="sng" algn="ctr">
+                      <a:solidFill>
+                        <a:schemeClr val="tx1"/>
+                      </a:solidFill>
+                      <a:prstDash val="solid"/>
+                      <a:round/>
+                      <a:headEnd type="none" w="med" len="med"/>
+                      <a:tailEnd type="none" w="med" len="med"/>
+                    </a:lnL>
+                    <a:lnR w="12700" cap="flat" cmpd="sng" algn="ctr">
+                      <a:solidFill>
+                        <a:schemeClr val="tx1"/>
+                      </a:solidFill>
+                      <a:prstDash val="solid"/>
+                      <a:round/>
+                      <a:headEnd type="none" w="med" len="med"/>
+                      <a:tailEnd type="none" w="med" len="med"/>
+                    </a:lnR>
+                    <a:lnT w="12700" cap="flat" cmpd="sng" algn="ctr">
+                      <a:solidFill>
+                        <a:schemeClr val="tx1"/>
+                      </a:solidFill>
+                      <a:prstDash val="solid"/>
+                      <a:round/>
+                      <a:headEnd type="none" w="med" len="med"/>
+                      <a:tailEnd type="none" w="med" len="med"/>
+                    </a:lnT>
+                    <a:lnB w="12700" cap="flat" cmpd="sng" algn="ctr">
+                      <a:solidFill>
+                        <a:schemeClr val="tx1"/>
+                      </a:solidFill>
+                      <a:prstDash val="solid"/>
+                      <a:round/>
+                      <a:headEnd type="none" w="med" len="med"/>
+                      <a:tailEnd type="none" w="med" len="med"/>
+                    </a:lnB>
+                    <a:solidFill>
+                      <a:schemeClr val="bg1"/>
+                    </a:solidFill>
+                  </a:tcPr>
+                </a:tc>
+                <a:tc>
+                  <a:txBody>
+                    <a:bodyPr/>
+                    <a:lstStyle/>
+                    <a:p>
+                      <a:pPr algn="ctr"/>
+                      <a:r>
+                        <a:rPr lang="en-US" sz="1800" b="0" dirty="0">
+                          <a:ln>
+                            <a:solidFill>
+                              <a:schemeClr val="tx1"/>
+                            </a:solidFill>
+                          </a:ln>
+                          <a:solidFill>
+                            <a:schemeClr val="tx1"/>
+                          </a:solidFill>
+                        </a:rPr>
+                        <a:t>A</a:t>
+                      </a:r>
+                      <a:r>
+                        <a:rPr lang="en-US" sz="1800" b="0" baseline="-25000" dirty="0">
+                          <a:ln>
+                            <a:solidFill>
+                              <a:schemeClr val="tx1"/>
+                            </a:solidFill>
+                          </a:ln>
+                          <a:solidFill>
+                            <a:schemeClr val="tx1"/>
+                          </a:solidFill>
+                        </a:rPr>
+                        <a:t>1</a:t>
+                      </a:r>
+                      <a:endParaRPr lang="en-US" sz="1800" b="0" dirty="0">
+                        <a:ln>
+                          <a:solidFill>
+                            <a:schemeClr val="tx1"/>
+                          </a:solidFill>
+                        </a:ln>
+                        <a:solidFill>
+                          <a:schemeClr val="tx1"/>
+                        </a:solidFill>
+                      </a:endParaRPr>
+                    </a:p>
+                  </a:txBody>
+                  <a:tcPr>
+                    <a:lnL w="12700" cap="flat" cmpd="sng" algn="ctr">
+                      <a:solidFill>
+                        <a:schemeClr val="tx1"/>
+                      </a:solidFill>
+                      <a:prstDash val="solid"/>
+                      <a:round/>
+                      <a:headEnd type="none" w="med" len="med"/>
+                      <a:tailEnd type="none" w="med" len="med"/>
+                    </a:lnL>
+                    <a:lnR w="12700" cap="flat" cmpd="sng" algn="ctr">
+                      <a:solidFill>
+                        <a:schemeClr val="tx1"/>
+                      </a:solidFill>
+                      <a:prstDash val="solid"/>
+                      <a:round/>
+                      <a:headEnd type="none" w="med" len="med"/>
+                      <a:tailEnd type="none" w="med" len="med"/>
+                    </a:lnR>
+                    <a:lnT w="12700" cap="flat" cmpd="sng" algn="ctr">
+                      <a:solidFill>
+                        <a:schemeClr val="tx1"/>
+                      </a:solidFill>
+                      <a:prstDash val="solid"/>
+                      <a:round/>
+                      <a:headEnd type="none" w="med" len="med"/>
+                      <a:tailEnd type="none" w="med" len="med"/>
+                    </a:lnT>
+                    <a:lnB w="12700" cap="flat" cmpd="sng" algn="ctr">
+                      <a:solidFill>
+                        <a:schemeClr val="tx1"/>
+                      </a:solidFill>
+                      <a:prstDash val="solid"/>
+                      <a:round/>
+                      <a:headEnd type="none" w="med" len="med"/>
+                      <a:tailEnd type="none" w="med" len="med"/>
+                    </a:lnB>
+                    <a:solidFill>
+                      <a:schemeClr val="bg1"/>
+                    </a:solidFill>
+                  </a:tcPr>
+                </a:tc>
+                <a:tc>
+                  <a:txBody>
+                    <a:bodyPr/>
+                    <a:lstStyle/>
+                    <a:p>
+                      <a:pPr marL="0" marR="0" lvl="0" indent="0" algn="ctr" defTabSz="914400" rtl="0" eaLnBrk="1" fontAlgn="auto" latinLnBrk="0" hangingPunct="1">
+                        <a:lnSpc>
+                          <a:spcPct val="100000"/>
+                        </a:lnSpc>
+                        <a:spcBef>
+                          <a:spcPts val="0"/>
+                        </a:spcBef>
+                        <a:spcAft>
+                          <a:spcPts val="0"/>
+                        </a:spcAft>
+                        <a:buClrTx/>
+                        <a:buSzTx/>
+                        <a:buFontTx/>
+                        <a:buNone/>
+                        <a:tabLst/>
+                        <a:defRPr/>
+                      </a:pPr>
+                      <a:r>
+                        <a:rPr lang="en-US" sz="1800" b="0" dirty="0">
+                          <a:ln>
+                            <a:solidFill>
+                              <a:schemeClr val="tx1"/>
+                            </a:solidFill>
+                          </a:ln>
+                          <a:solidFill>
+                            <a:schemeClr val="tx1"/>
+                          </a:solidFill>
+                        </a:rPr>
+                        <a:t>A</a:t>
+                      </a:r>
+                      <a:r>
+                        <a:rPr lang="en-US" sz="1800" b="0" baseline="-25000" dirty="0">
+                          <a:ln>
+                            <a:solidFill>
+                              <a:schemeClr val="tx1"/>
+                            </a:solidFill>
+                          </a:ln>
+                          <a:solidFill>
+                            <a:schemeClr val="tx1"/>
+                          </a:solidFill>
+                        </a:rPr>
+                        <a:t>2</a:t>
+                      </a:r>
+                      <a:endParaRPr lang="en-US" sz="1800" b="0" dirty="0">
+                        <a:ln>
+                          <a:solidFill>
+                            <a:schemeClr val="tx1"/>
+                          </a:solidFill>
+                        </a:ln>
+                        <a:solidFill>
+                          <a:schemeClr val="tx1"/>
+                        </a:solidFill>
+                      </a:endParaRPr>
+                    </a:p>
+                  </a:txBody>
+                  <a:tcPr>
+                    <a:lnL w="12700" cap="flat" cmpd="sng" algn="ctr">
+                      <a:solidFill>
+                        <a:schemeClr val="tx1"/>
+                      </a:solidFill>
+                      <a:prstDash val="solid"/>
+                      <a:round/>
+                      <a:headEnd type="none" w="med" len="med"/>
+                      <a:tailEnd type="none" w="med" len="med"/>
+                    </a:lnL>
+                    <a:lnR w="12700" cap="flat" cmpd="sng" algn="ctr">
+                      <a:solidFill>
+                        <a:schemeClr val="tx1"/>
+                      </a:solidFill>
+                      <a:prstDash val="solid"/>
+                      <a:round/>
+                      <a:headEnd type="none" w="med" len="med"/>
+                      <a:tailEnd type="none" w="med" len="med"/>
+                    </a:lnR>
+                    <a:lnT w="12700" cap="flat" cmpd="sng" algn="ctr">
+                      <a:solidFill>
+                        <a:schemeClr val="tx1"/>
+                      </a:solidFill>
+                      <a:prstDash val="solid"/>
+                      <a:round/>
+                      <a:headEnd type="none" w="med" len="med"/>
+                      <a:tailEnd type="none" w="med" len="med"/>
+                    </a:lnT>
+                    <a:lnB w="12700" cap="flat" cmpd="sng" algn="ctr">
+                      <a:solidFill>
+                        <a:schemeClr val="tx1"/>
+                      </a:solidFill>
+                      <a:prstDash val="solid"/>
+                      <a:round/>
+                      <a:headEnd type="none" w="med" len="med"/>
+                      <a:tailEnd type="none" w="med" len="med"/>
+                    </a:lnB>
+                    <a:solidFill>
+                      <a:schemeClr val="bg1"/>
+                    </a:solidFill>
+                  </a:tcPr>
+                </a:tc>
+                <a:extLst>
+                  <a:ext uri="{0D108BD9-81ED-4DB2-BD59-A6C34878D82A}">
+                    <a16:rowId xmlns:a16="http://schemas.microsoft.com/office/drawing/2014/main" xmlns="" val="2141054233"/>
+                  </a:ext>
+                </a:extLst>
+              </a:tr>
+              <a:tr h="263660">
+                <a:tc>
+                  <a:txBody>
+                    <a:bodyPr/>
+                    <a:lstStyle/>
+                    <a:p>
+                      <a:pPr marL="0" marR="0" lvl="0" indent="0" algn="ctr" defTabSz="914400" rtl="0" eaLnBrk="1" fontAlgn="auto" latinLnBrk="0" hangingPunct="1">
+                        <a:lnSpc>
+                          <a:spcPct val="100000"/>
+                        </a:lnSpc>
+                        <a:spcBef>
+                          <a:spcPts val="0"/>
+                        </a:spcBef>
+                        <a:spcAft>
+                          <a:spcPts val="0"/>
+                        </a:spcAft>
+                        <a:buClrTx/>
+                        <a:buSzTx/>
+                        <a:buFontTx/>
+                        <a:buNone/>
+                        <a:tabLst/>
+                        <a:defRPr/>
+                      </a:pPr>
+                      <a:r>
+                        <a:rPr lang="en-US" sz="1800" b="0" dirty="0">
+                          <a:ln>
+                            <a:solidFill>
+                              <a:schemeClr val="tx1"/>
+                            </a:solidFill>
+                          </a:ln>
+                          <a:solidFill>
+                            <a:schemeClr val="tx1"/>
+                          </a:solidFill>
+                        </a:rPr>
+                        <a:t>B</a:t>
+                      </a:r>
+                      <a:r>
+                        <a:rPr lang="en-US" sz="1800" b="0" baseline="-25000" dirty="0">
+                          <a:ln>
+                            <a:solidFill>
+                              <a:schemeClr val="tx1"/>
+                            </a:solidFill>
+                          </a:ln>
+                          <a:solidFill>
+                            <a:schemeClr val="tx1"/>
+                          </a:solidFill>
+                        </a:rPr>
+                        <a:t>1</a:t>
+                      </a:r>
+                      <a:endParaRPr lang="en-US" sz="1800" b="0" dirty="0">
+                        <a:ln>
+                          <a:solidFill>
+                            <a:schemeClr val="tx1"/>
+                          </a:solidFill>
+                        </a:ln>
+                        <a:solidFill>
+                          <a:schemeClr val="tx1"/>
+                        </a:solidFill>
+                      </a:endParaRPr>
+                    </a:p>
+                  </a:txBody>
+                  <a:tcPr>
+                    <a:lnL w="12700" cap="flat" cmpd="sng" algn="ctr">
+                      <a:solidFill>
+                        <a:schemeClr val="tx1"/>
+                      </a:solidFill>
+                      <a:prstDash val="solid"/>
+                      <a:round/>
+                      <a:headEnd type="none" w="med" len="med"/>
+                      <a:tailEnd type="none" w="med" len="med"/>
+                    </a:lnL>
+                    <a:lnR w="12700" cap="flat" cmpd="sng" algn="ctr">
+                      <a:solidFill>
+                        <a:schemeClr val="tx1"/>
+                      </a:solidFill>
+                      <a:prstDash val="solid"/>
+                      <a:round/>
+                      <a:headEnd type="none" w="med" len="med"/>
+                      <a:tailEnd type="none" w="med" len="med"/>
+                    </a:lnR>
+                    <a:lnT w="12700" cap="flat" cmpd="sng" algn="ctr">
+                      <a:solidFill>
+                        <a:schemeClr val="tx1"/>
+                      </a:solidFill>
+                      <a:prstDash val="solid"/>
+                      <a:round/>
+                      <a:headEnd type="none" w="med" len="med"/>
+                      <a:tailEnd type="none" w="med" len="med"/>
+                    </a:lnT>
+                    <a:lnB w="12700" cap="flat" cmpd="sng" algn="ctr">
+                      <a:solidFill>
+                        <a:schemeClr val="tx1"/>
+                      </a:solidFill>
+                      <a:prstDash val="solid"/>
+                      <a:round/>
+                      <a:headEnd type="none" w="med" len="med"/>
+                      <a:tailEnd type="none" w="med" len="med"/>
+                    </a:lnB>
+                    <a:solidFill>
+                      <a:schemeClr val="bg1"/>
+                    </a:solidFill>
+                  </a:tcPr>
+                </a:tc>
+                <a:tc>
+                  <a:txBody>
+                    <a:bodyPr/>
+                    <a:lstStyle/>
+                    <a:p>
+                      <a:pPr algn="ctr"/>
+                      <a:endParaRPr lang="en-US" sz="1800" dirty="0">
+                        <a:ln>
+                          <a:solidFill>
+                            <a:schemeClr val="tx1"/>
+                          </a:solidFill>
+                        </a:ln>
+                      </a:endParaRPr>
+                    </a:p>
+                  </a:txBody>
+                  <a:tcPr>
+                    <a:lnL w="12700" cap="flat" cmpd="sng" algn="ctr">
+                      <a:solidFill>
+                        <a:schemeClr val="tx1"/>
+                      </a:solidFill>
+                      <a:prstDash val="solid"/>
+                      <a:round/>
+                      <a:headEnd type="none" w="med" len="med"/>
+                      <a:tailEnd type="none" w="med" len="med"/>
+                    </a:lnL>
+                    <a:lnR w="12700" cap="flat" cmpd="sng" algn="ctr">
+                      <a:solidFill>
+                        <a:schemeClr val="tx1"/>
+                      </a:solidFill>
+                      <a:prstDash val="solid"/>
+                      <a:round/>
+                      <a:headEnd type="none" w="med" len="med"/>
+                      <a:tailEnd type="none" w="med" len="med"/>
+                    </a:lnR>
+                    <a:lnT w="12700" cap="flat" cmpd="sng" algn="ctr">
+                      <a:solidFill>
+                        <a:schemeClr val="tx1"/>
+                      </a:solidFill>
+                      <a:prstDash val="solid"/>
+                      <a:round/>
+                      <a:headEnd type="none" w="med" len="med"/>
+                      <a:tailEnd type="none" w="med" len="med"/>
+                    </a:lnT>
+                    <a:lnB w="12700" cap="flat" cmpd="sng" algn="ctr">
+                      <a:solidFill>
+                        <a:schemeClr val="tx1"/>
+                      </a:solidFill>
+                      <a:prstDash val="solid"/>
+                      <a:round/>
+                      <a:headEnd type="none" w="med" len="med"/>
+                      <a:tailEnd type="none" w="med" len="med"/>
+                    </a:lnB>
+                    <a:solidFill>
+                      <a:schemeClr val="bg1"/>
+                    </a:solidFill>
+                  </a:tcPr>
+                </a:tc>
+                <a:tc>
+                  <a:txBody>
+                    <a:bodyPr/>
+                    <a:lstStyle/>
+                    <a:p>
+                      <a:pPr algn="ctr"/>
+                      <a:endParaRPr lang="en-US" sz="1800" dirty="0">
+                        <a:ln>
+                          <a:solidFill>
+                            <a:schemeClr val="tx1"/>
+                          </a:solidFill>
+                        </a:ln>
+                      </a:endParaRPr>
+                    </a:p>
+                  </a:txBody>
+                  <a:tcPr>
+                    <a:lnL w="12700" cap="flat" cmpd="sng" algn="ctr">
+                      <a:solidFill>
+                        <a:schemeClr val="tx1"/>
+                      </a:solidFill>
+                      <a:prstDash val="solid"/>
+                      <a:round/>
+                      <a:headEnd type="none" w="med" len="med"/>
+                      <a:tailEnd type="none" w="med" len="med"/>
+                    </a:lnL>
+                    <a:lnR w="12700" cap="flat" cmpd="sng" algn="ctr">
+                      <a:solidFill>
+                        <a:schemeClr val="tx1"/>
+                      </a:solidFill>
+                      <a:prstDash val="solid"/>
+                      <a:round/>
+                      <a:headEnd type="none" w="med" len="med"/>
+                      <a:tailEnd type="none" w="med" len="med"/>
+                    </a:lnR>
+                    <a:lnT w="12700" cap="flat" cmpd="sng" algn="ctr">
+                      <a:solidFill>
+                        <a:schemeClr val="tx1"/>
+                      </a:solidFill>
+                      <a:prstDash val="solid"/>
+                      <a:round/>
+                      <a:headEnd type="none" w="med" len="med"/>
+                      <a:tailEnd type="none" w="med" len="med"/>
+                    </a:lnT>
+                    <a:lnB w="12700" cap="flat" cmpd="sng" algn="ctr">
+                      <a:solidFill>
+                        <a:schemeClr val="tx1"/>
+                      </a:solidFill>
+                      <a:prstDash val="solid"/>
+                      <a:round/>
+                      <a:headEnd type="none" w="med" len="med"/>
+                      <a:tailEnd type="none" w="med" len="med"/>
+                    </a:lnB>
+                    <a:solidFill>
+                      <a:schemeClr val="bg1"/>
+                    </a:solidFill>
+                  </a:tcPr>
+                </a:tc>
+                <a:extLst>
+                  <a:ext uri="{0D108BD9-81ED-4DB2-BD59-A6C34878D82A}">
+                    <a16:rowId xmlns:a16="http://schemas.microsoft.com/office/drawing/2014/main" xmlns="" val="2030638017"/>
+                  </a:ext>
+                </a:extLst>
+              </a:tr>
+              <a:tr h="263660">
+                <a:tc>
+                  <a:txBody>
+                    <a:bodyPr/>
+                    <a:lstStyle/>
+                    <a:p>
+                      <a:pPr marL="0" marR="0" lvl="0" indent="0" algn="ctr" defTabSz="914400" rtl="0" eaLnBrk="1" fontAlgn="auto" latinLnBrk="0" hangingPunct="1">
+                        <a:lnSpc>
+                          <a:spcPct val="100000"/>
+                        </a:lnSpc>
+                        <a:spcBef>
+                          <a:spcPts val="0"/>
+                        </a:spcBef>
+                        <a:spcAft>
+                          <a:spcPts val="0"/>
+                        </a:spcAft>
+                        <a:buClrTx/>
+                        <a:buSzTx/>
+                        <a:buFontTx/>
+                        <a:buNone/>
+                        <a:tabLst/>
+                        <a:defRPr/>
+                      </a:pPr>
+                      <a:r>
+                        <a:rPr lang="en-US" sz="1800" b="0" dirty="0">
+                          <a:ln>
+                            <a:solidFill>
+                              <a:schemeClr val="tx1"/>
+                            </a:solidFill>
+                          </a:ln>
+                          <a:solidFill>
+                            <a:schemeClr val="tx1"/>
+                          </a:solidFill>
+                        </a:rPr>
+                        <a:t>B</a:t>
+                      </a:r>
+                      <a:r>
+                        <a:rPr lang="en-US" sz="1800" b="0" baseline="-25000" dirty="0">
+                          <a:ln>
+                            <a:solidFill>
+                              <a:schemeClr val="tx1"/>
+                            </a:solidFill>
+                          </a:ln>
+                          <a:solidFill>
+                            <a:schemeClr val="tx1"/>
+                          </a:solidFill>
+                        </a:rPr>
+                        <a:t>2</a:t>
+                      </a:r>
+                      <a:endParaRPr lang="en-US" sz="1800" b="0" dirty="0">
+                        <a:ln>
+                          <a:solidFill>
+                            <a:schemeClr val="tx1"/>
+                          </a:solidFill>
+                        </a:ln>
+                        <a:solidFill>
+                          <a:schemeClr val="tx1"/>
+                        </a:solidFill>
+                      </a:endParaRPr>
+                    </a:p>
+                  </a:txBody>
+                  <a:tcPr>
+                    <a:lnL w="12700" cap="flat" cmpd="sng" algn="ctr">
+                      <a:solidFill>
+                        <a:schemeClr val="tx1"/>
+                      </a:solidFill>
+                      <a:prstDash val="solid"/>
+                      <a:round/>
+                      <a:headEnd type="none" w="med" len="med"/>
+                      <a:tailEnd type="none" w="med" len="med"/>
+                    </a:lnL>
+                    <a:lnR w="12700" cap="flat" cmpd="sng" algn="ctr">
+                      <a:solidFill>
+                        <a:schemeClr val="tx1"/>
+                      </a:solidFill>
+                      <a:prstDash val="solid"/>
+                      <a:round/>
+                      <a:headEnd type="none" w="med" len="med"/>
+                      <a:tailEnd type="none" w="med" len="med"/>
+                    </a:lnR>
+                    <a:lnT w="12700" cap="flat" cmpd="sng" algn="ctr">
+                      <a:solidFill>
+                        <a:schemeClr val="tx1"/>
+                      </a:solidFill>
+                      <a:prstDash val="solid"/>
+                      <a:round/>
+                      <a:headEnd type="none" w="med" len="med"/>
+                      <a:tailEnd type="none" w="med" len="med"/>
+                    </a:lnT>
+                    <a:lnB w="12700" cap="flat" cmpd="sng" algn="ctr">
+                      <a:solidFill>
+                        <a:schemeClr val="tx1"/>
+                      </a:solidFill>
+                      <a:prstDash val="solid"/>
+                      <a:round/>
+                      <a:headEnd type="none" w="med" len="med"/>
+                      <a:tailEnd type="none" w="med" len="med"/>
+                    </a:lnB>
+                    <a:solidFill>
+                      <a:schemeClr val="bg1"/>
+                    </a:solidFill>
+                  </a:tcPr>
+                </a:tc>
+                <a:tc>
+                  <a:txBody>
+                    <a:bodyPr/>
+                    <a:lstStyle/>
+                    <a:p>
+                      <a:pPr algn="ctr"/>
+                      <a:endParaRPr lang="en-US" sz="1800" dirty="0">
+                        <a:ln>
+                          <a:solidFill>
+                            <a:schemeClr val="tx1"/>
+                          </a:solidFill>
+                        </a:ln>
+                      </a:endParaRPr>
+                    </a:p>
+                  </a:txBody>
+                  <a:tcPr>
+                    <a:lnL w="12700" cap="flat" cmpd="sng" algn="ctr">
+                      <a:solidFill>
+                        <a:schemeClr val="tx1"/>
+                      </a:solidFill>
+                      <a:prstDash val="solid"/>
+                      <a:round/>
+                      <a:headEnd type="none" w="med" len="med"/>
+                      <a:tailEnd type="none" w="med" len="med"/>
+                    </a:lnL>
+                    <a:lnR w="12700" cap="flat" cmpd="sng" algn="ctr">
+                      <a:solidFill>
+                        <a:schemeClr val="tx1"/>
+                      </a:solidFill>
+                      <a:prstDash val="solid"/>
+                      <a:round/>
+                      <a:headEnd type="none" w="med" len="med"/>
+                      <a:tailEnd type="none" w="med" len="med"/>
+                    </a:lnR>
+                    <a:lnT w="12700" cap="flat" cmpd="sng" algn="ctr">
+                      <a:solidFill>
+                        <a:schemeClr val="tx1"/>
+                      </a:solidFill>
+                      <a:prstDash val="solid"/>
+                      <a:round/>
+                      <a:headEnd type="none" w="med" len="med"/>
+                      <a:tailEnd type="none" w="med" len="med"/>
+                    </a:lnT>
+                    <a:lnB w="12700" cap="flat" cmpd="sng" algn="ctr">
+                      <a:solidFill>
+                        <a:schemeClr val="tx1"/>
+                      </a:solidFill>
+                      <a:prstDash val="solid"/>
+                      <a:round/>
+                      <a:headEnd type="none" w="med" len="med"/>
+                      <a:tailEnd type="none" w="med" len="med"/>
+                    </a:lnB>
+                    <a:solidFill>
+                      <a:schemeClr val="bg1"/>
+                    </a:solidFill>
+                  </a:tcPr>
+                </a:tc>
+                <a:tc>
+                  <a:txBody>
+                    <a:bodyPr/>
+                    <a:lstStyle/>
+                    <a:p>
+                      <a:pPr algn="ctr"/>
+                      <a:endParaRPr lang="en-US" sz="1800" dirty="0">
+                        <a:ln>
+                          <a:solidFill>
+                            <a:schemeClr val="tx1"/>
+                          </a:solidFill>
+                        </a:ln>
+                      </a:endParaRPr>
+                    </a:p>
+                  </a:txBody>
+                  <a:tcPr>
+                    <a:lnL w="12700" cap="flat" cmpd="sng" algn="ctr">
+                      <a:solidFill>
+                        <a:schemeClr val="tx1"/>
+                      </a:solidFill>
+                      <a:prstDash val="solid"/>
+                      <a:round/>
+                      <a:headEnd type="none" w="med" len="med"/>
+                      <a:tailEnd type="none" w="med" len="med"/>
+                    </a:lnL>
+                    <a:lnR w="12700" cap="flat" cmpd="sng" algn="ctr">
+                      <a:solidFill>
+                        <a:schemeClr val="tx1"/>
+                      </a:solidFill>
+                      <a:prstDash val="solid"/>
+                      <a:round/>
+                      <a:headEnd type="none" w="med" len="med"/>
+                      <a:tailEnd type="none" w="med" len="med"/>
+                    </a:lnR>
+                    <a:lnT w="12700" cap="flat" cmpd="sng" algn="ctr">
+                      <a:solidFill>
+                        <a:schemeClr val="tx1"/>
+                      </a:solidFill>
+                      <a:prstDash val="solid"/>
+                      <a:round/>
+                      <a:headEnd type="none" w="med" len="med"/>
+                      <a:tailEnd type="none" w="med" len="med"/>
+                    </a:lnT>
+                    <a:lnB w="12700" cap="flat" cmpd="sng" algn="ctr">
+                      <a:solidFill>
+                        <a:schemeClr val="tx1"/>
+                      </a:solidFill>
+                      <a:prstDash val="solid"/>
+                      <a:round/>
+                      <a:headEnd type="none" w="med" len="med"/>
+                      <a:tailEnd type="none" w="med" len="med"/>
+                    </a:lnB>
+                    <a:solidFill>
+                      <a:schemeClr val="bg1"/>
+                    </a:solidFill>
+                  </a:tcPr>
+                </a:tc>
+                <a:extLst>
+                  <a:ext uri="{0D108BD9-81ED-4DB2-BD59-A6C34878D82A}">
+                    <a16:rowId xmlns:a16="http://schemas.microsoft.com/office/drawing/2014/main" xmlns="" val="2943657333"/>
+                  </a:ext>
+                </a:extLst>
+              </a:tr>
+            </a:tbl>
+          </a:graphicData>
+        </a:graphic>
+      </p:graphicFrame>
+      <p:sp>
+        <p:nvSpPr>
+          <p:cNvPr id="20" name="TextBox 19">
+            <a:extLst>
+              <a:ext uri="{FF2B5EF4-FFF2-40B4-BE49-F238E27FC236}">
+                <a16:creationId xmlns:a16="http://schemas.microsoft.com/office/drawing/2014/main" xmlns="" id="{9C7AEC4A-B1E2-44AE-B998-C41A4EDA8E1D}"/>
+              </a:ext>
+            </a:extLst>
+          </p:cNvPr>
+          <p:cNvSpPr txBox="1"/>
+          <p:nvPr/>
+        </p:nvSpPr>
+        <p:spPr>
+          <a:xfrm>
+            <a:off x="8207506" y="2922446"/>
+            <a:ext cx="914400" cy="369332"/>
+          </a:xfrm>
+          <a:prstGeom prst="rect">
+            <a:avLst/>
+          </a:prstGeom>
+          <a:ln w="28575"/>
+          <a:effectLst>
+            <a:outerShdw blurRad="50800" dist="38100" dir="2700000" algn="tl" rotWithShape="0">
+              <a:prstClr val="black">
+                <a:alpha val="40000"/>
+              </a:prstClr>
+            </a:outerShdw>
+          </a:effectLst>
+        </p:spPr>
+        <p:style>
+          <a:lnRef idx="2">
+            <a:schemeClr val="dk1"/>
+          </a:lnRef>
+          <a:fillRef idx="1">
+            <a:schemeClr val="lt1"/>
+          </a:fillRef>
+          <a:effectRef idx="0">
+            <a:schemeClr val="dk1"/>
+          </a:effectRef>
+          <a:fontRef idx="minor">
+            <a:schemeClr val="dk1"/>
+          </a:fontRef>
+        </p:style>
+        <p:txBody>
+          <a:bodyPr wrap="square" rtlCol="0">
+            <a:spAutoFit/>
+          </a:bodyPr>
+          <a:lstStyle/>
+          <a:p>
+            <a:pPr algn="ctr"/>
+            <a:r>
+              <a:rPr lang="en-US" dirty="0"/>
+              <a:t>A</a:t>
+            </a:r>
+          </a:p>
+        </p:txBody>
+      </p:sp>
+      <p:sp>
+        <p:nvSpPr>
+          <p:cNvPr id="21" name="TextBox 20">
+            <a:extLst>
+              <a:ext uri="{FF2B5EF4-FFF2-40B4-BE49-F238E27FC236}">
+                <a16:creationId xmlns:a16="http://schemas.microsoft.com/office/drawing/2014/main" xmlns="" id="{38293FE2-752B-4DA1-8D92-4D1BA3E1CFD7}"/>
+              </a:ext>
+            </a:extLst>
+          </p:cNvPr>
+          <p:cNvSpPr txBox="1"/>
+          <p:nvPr/>
+        </p:nvSpPr>
+        <p:spPr>
+          <a:xfrm>
+            <a:off x="8207506" y="2011657"/>
+            <a:ext cx="914400" cy="369332"/>
+          </a:xfrm>
+          <a:prstGeom prst="rect">
+            <a:avLst/>
+          </a:prstGeom>
+          <a:ln w="28575"/>
+          <a:effectLst>
+            <a:outerShdw blurRad="50800" dist="38100" dir="2700000" algn="tl" rotWithShape="0">
+              <a:prstClr val="black">
+                <a:alpha val="40000"/>
+              </a:prstClr>
+            </a:outerShdw>
+          </a:effectLst>
+        </p:spPr>
+        <p:style>
+          <a:lnRef idx="2">
+            <a:schemeClr val="dk1"/>
+          </a:lnRef>
+          <a:fillRef idx="1">
+            <a:schemeClr val="lt1"/>
+          </a:fillRef>
+          <a:effectRef idx="0">
+            <a:schemeClr val="dk1"/>
+          </a:effectRef>
+          <a:fontRef idx="minor">
+            <a:schemeClr val="dk1"/>
+          </a:fontRef>
+        </p:style>
+        <p:txBody>
+          <a:bodyPr wrap="square" rtlCol="0">
+            <a:spAutoFit/>
+          </a:bodyPr>
+          <a:lstStyle/>
+          <a:p>
+            <a:pPr algn="ctr"/>
+            <a:r>
+              <a:rPr lang="en-US" dirty="0"/>
+              <a:t>…</a:t>
+            </a:r>
+          </a:p>
+        </p:txBody>
+      </p:sp>
+      <p:cxnSp>
+        <p:nvCxnSpPr>
+          <p:cNvPr id="22" name="Straight Connector 21">
+            <a:extLst>
+              <a:ext uri="{FF2B5EF4-FFF2-40B4-BE49-F238E27FC236}">
+                <a16:creationId xmlns:a16="http://schemas.microsoft.com/office/drawing/2014/main" xmlns="" id="{F30AD9B3-76C6-49C8-9B54-C2793ECC7AFD}"/>
+              </a:ext>
+            </a:extLst>
+          </p:cNvPr>
+          <p:cNvCxnSpPr>
+            <a:cxnSpLocks/>
+            <a:stCxn id="21" idx="2"/>
+            <a:endCxn id="20" idx="0"/>
+          </p:cNvCxnSpPr>
+          <p:nvPr/>
+        </p:nvCxnSpPr>
+        <p:spPr>
+          <a:xfrm>
+            <a:off x="8664706" y="2380989"/>
+            <a:ext cx="0" cy="541457"/>
+          </a:xfrm>
+          <a:prstGeom prst="line">
+            <a:avLst/>
+          </a:prstGeom>
+          <a:ln w="28575"/>
+        </p:spPr>
+        <p:style>
+          <a:lnRef idx="1">
+            <a:schemeClr val="accent1"/>
+          </a:lnRef>
+          <a:fillRef idx="0">
+            <a:schemeClr val="accent1"/>
+          </a:fillRef>
+          <a:effectRef idx="0">
+            <a:schemeClr val="accent1"/>
+          </a:effectRef>
+          <a:fontRef idx="minor">
+            <a:schemeClr val="tx1"/>
+          </a:fontRef>
+        </p:style>
+      </p:cxnSp>
+      <p:sp>
+        <p:nvSpPr>
+          <p:cNvPr id="23" name="TextBox 22">
+            <a:extLst>
+              <a:ext uri="{FF2B5EF4-FFF2-40B4-BE49-F238E27FC236}">
+                <a16:creationId xmlns:a16="http://schemas.microsoft.com/office/drawing/2014/main" xmlns="" id="{27257013-11BB-4114-A5EA-B38CD66D8013}"/>
+              </a:ext>
+            </a:extLst>
+          </p:cNvPr>
+          <p:cNvSpPr txBox="1"/>
+          <p:nvPr/>
+        </p:nvSpPr>
+        <p:spPr>
+          <a:xfrm>
+            <a:off x="9229720" y="3803132"/>
+            <a:ext cx="914400" cy="369332"/>
+          </a:xfrm>
+          <a:prstGeom prst="rect">
+            <a:avLst/>
+          </a:prstGeom>
+          <a:ln w="28575"/>
+          <a:effectLst>
+            <a:outerShdw blurRad="50800" dist="38100" dir="2700000" algn="tl" rotWithShape="0">
+              <a:prstClr val="black">
+                <a:alpha val="40000"/>
+              </a:prstClr>
+            </a:outerShdw>
+          </a:effectLst>
+        </p:spPr>
+        <p:style>
+          <a:lnRef idx="2">
+            <a:schemeClr val="dk1"/>
+          </a:lnRef>
+          <a:fillRef idx="1">
+            <a:schemeClr val="lt1"/>
+          </a:fillRef>
+          <a:effectRef idx="0">
+            <a:schemeClr val="dk1"/>
+          </a:effectRef>
+          <a:fontRef idx="minor">
+            <a:schemeClr val="dk1"/>
+          </a:fontRef>
+        </p:style>
+        <p:txBody>
+          <a:bodyPr wrap="square" rtlCol="0">
+            <a:spAutoFit/>
+          </a:bodyPr>
+          <a:lstStyle/>
+          <a:p>
+            <a:pPr algn="ctr"/>
+            <a:r>
+              <a:rPr lang="en-US" dirty="0"/>
+              <a:t>C</a:t>
+            </a:r>
+          </a:p>
+        </p:txBody>
+      </p:sp>
+      <p:cxnSp>
+        <p:nvCxnSpPr>
+          <p:cNvPr id="24" name="Straight Connector 23">
+            <a:extLst>
+              <a:ext uri="{FF2B5EF4-FFF2-40B4-BE49-F238E27FC236}">
+                <a16:creationId xmlns:a16="http://schemas.microsoft.com/office/drawing/2014/main" xmlns="" id="{3F45EA73-2870-4B5F-B8CA-5519D32761AC}"/>
+              </a:ext>
+            </a:extLst>
+          </p:cNvPr>
+          <p:cNvCxnSpPr>
+            <a:cxnSpLocks/>
+            <a:endCxn id="23" idx="0"/>
+          </p:cNvCxnSpPr>
+          <p:nvPr/>
+        </p:nvCxnSpPr>
+        <p:spPr>
+          <a:xfrm>
+            <a:off x="8681893" y="3275812"/>
+            <a:ext cx="1005027" cy="527320"/>
+          </a:xfrm>
+          <a:prstGeom prst="line">
+            <a:avLst/>
+          </a:prstGeom>
+          <a:ln w="28575">
+            <a:headEnd type="arrow" w="med" len="med"/>
+            <a:tailEnd type="none" w="med" len="med"/>
+          </a:ln>
+        </p:spPr>
+        <p:style>
+          <a:lnRef idx="1">
+            <a:schemeClr val="accent1"/>
+          </a:lnRef>
+          <a:fillRef idx="0">
+            <a:schemeClr val="accent1"/>
+          </a:fillRef>
+          <a:effectRef idx="0">
+            <a:schemeClr val="accent1"/>
+          </a:effectRef>
+          <a:fontRef idx="minor">
+            <a:schemeClr val="tx1"/>
+          </a:fontRef>
+        </p:style>
+      </p:cxnSp>
+      <p:sp>
+        <p:nvSpPr>
+          <p:cNvPr id="25" name="TextBox 24">
+            <a:extLst>
+              <a:ext uri="{FF2B5EF4-FFF2-40B4-BE49-F238E27FC236}">
+                <a16:creationId xmlns:a16="http://schemas.microsoft.com/office/drawing/2014/main" xmlns="" id="{06E1AB84-D600-481B-83A4-92AA186623A3}"/>
+              </a:ext>
+            </a:extLst>
+          </p:cNvPr>
+          <p:cNvSpPr txBox="1"/>
+          <p:nvPr/>
+        </p:nvSpPr>
+        <p:spPr>
+          <a:xfrm>
+            <a:off x="9196051" y="4172464"/>
+            <a:ext cx="1149594" cy="369332"/>
+          </a:xfrm>
+          <a:prstGeom prst="rect">
+            <a:avLst/>
+          </a:prstGeom>
+          <a:noFill/>
+        </p:spPr>
+        <p:txBody>
+          <a:bodyPr wrap="square" rtlCol="0">
+            <a:spAutoFit/>
+          </a:bodyPr>
+          <a:lstStyle/>
+          <a:p>
+            <a:r>
+              <a:rPr lang="en-US" dirty="0"/>
+              <a:t>[ z</a:t>
+            </a:r>
+            <a:r>
+              <a:rPr lang="en-US" baseline="-25000" dirty="0"/>
+              <a:t>C1</a:t>
+            </a:r>
+            <a:r>
+              <a:rPr lang="en-US" dirty="0"/>
+              <a:t>, Z</a:t>
+            </a:r>
+            <a:r>
+              <a:rPr lang="en-US" baseline="-25000" dirty="0"/>
+              <a:t>C2 </a:t>
+            </a:r>
+            <a:r>
+              <a:rPr lang="en-US" dirty="0"/>
+              <a:t>]</a:t>
+            </a:r>
+          </a:p>
+        </p:txBody>
+      </p:sp>
+      <p:sp>
+        <p:nvSpPr>
+          <p:cNvPr id="27" name="TextBox 26">
+            <a:extLst>
+              <a:ext uri="{FF2B5EF4-FFF2-40B4-BE49-F238E27FC236}">
+                <a16:creationId xmlns:a16="http://schemas.microsoft.com/office/drawing/2014/main" xmlns="" id="{709CDA14-D1CE-4F5E-832B-697062BDAD5E}"/>
+              </a:ext>
+            </a:extLst>
+          </p:cNvPr>
+          <p:cNvSpPr txBox="1"/>
+          <p:nvPr/>
+        </p:nvSpPr>
+        <p:spPr>
+          <a:xfrm>
+            <a:off x="2543563" y="2951372"/>
+            <a:ext cx="296769" cy="369332"/>
+          </a:xfrm>
+          <a:prstGeom prst="rect">
+            <a:avLst/>
+          </a:prstGeom>
+          <a:noFill/>
+        </p:spPr>
+        <p:txBody>
+          <a:bodyPr wrap="square" rtlCol="0">
+            <a:spAutoFit/>
+          </a:bodyPr>
+          <a:lstStyle/>
+          <a:p>
+            <a:r>
+              <a:rPr lang="en-US" dirty="0"/>
+              <a:t>+</a:t>
+            </a:r>
+          </a:p>
+        </p:txBody>
+      </p:sp>
+      <p:sp>
+        <p:nvSpPr>
+          <p:cNvPr id="28" name="TextBox 27">
+            <a:extLst>
+              <a:ext uri="{FF2B5EF4-FFF2-40B4-BE49-F238E27FC236}">
+                <a16:creationId xmlns:a16="http://schemas.microsoft.com/office/drawing/2014/main" xmlns="" id="{DD5B4E37-A416-43A1-907C-E45433440ED2}"/>
+              </a:ext>
+            </a:extLst>
+          </p:cNvPr>
+          <p:cNvSpPr txBox="1"/>
+          <p:nvPr/>
+        </p:nvSpPr>
+        <p:spPr>
+          <a:xfrm>
+            <a:off x="6436969" y="2854235"/>
+            <a:ext cx="1019064" cy="369332"/>
+          </a:xfrm>
+          <a:prstGeom prst="rect">
+            <a:avLst/>
+          </a:prstGeom>
+          <a:noFill/>
+        </p:spPr>
+        <p:txBody>
+          <a:bodyPr wrap="square" rtlCol="0">
+            <a:spAutoFit/>
+          </a:bodyPr>
+          <a:lstStyle/>
+          <a:p>
+            <a:r>
+              <a:rPr lang="en-US" dirty="0"/>
+              <a:t>collapse</a:t>
+            </a:r>
+          </a:p>
+        </p:txBody>
+      </p:sp>
+      <p:sp>
+        <p:nvSpPr>
+          <p:cNvPr id="31" name="TextBox 30">
+            <a:extLst>
+              <a:ext uri="{FF2B5EF4-FFF2-40B4-BE49-F238E27FC236}">
+                <a16:creationId xmlns:a16="http://schemas.microsoft.com/office/drawing/2014/main" xmlns="" id="{BA83922D-83C0-4D3A-8D2B-D10F5A269A49}"/>
+              </a:ext>
+            </a:extLst>
+          </p:cNvPr>
+          <p:cNvSpPr txBox="1"/>
+          <p:nvPr/>
+        </p:nvSpPr>
+        <p:spPr>
+          <a:xfrm>
+            <a:off x="7273289" y="3814784"/>
+            <a:ext cx="914400" cy="369332"/>
+          </a:xfrm>
+          <a:prstGeom prst="rect">
+            <a:avLst/>
+          </a:prstGeom>
+          <a:ln w="28575">
+            <a:prstDash val="sysDot"/>
+          </a:ln>
+          <a:effectLst>
+            <a:outerShdw blurRad="50800" dist="38100" dir="2700000" algn="tl" rotWithShape="0">
+              <a:prstClr val="black">
+                <a:alpha val="40000"/>
+              </a:prstClr>
+            </a:outerShdw>
+          </a:effectLst>
+        </p:spPr>
+        <p:style>
+          <a:lnRef idx="2">
+            <a:schemeClr val="dk1"/>
+          </a:lnRef>
+          <a:fillRef idx="1">
+            <a:schemeClr val="lt1"/>
+          </a:fillRef>
+          <a:effectRef idx="0">
+            <a:schemeClr val="dk1"/>
+          </a:effectRef>
+          <a:fontRef idx="minor">
+            <a:schemeClr val="dk1"/>
+          </a:fontRef>
+        </p:style>
+        <p:txBody>
+          <a:bodyPr wrap="square" rtlCol="0">
+            <a:spAutoFit/>
+          </a:bodyPr>
+          <a:lstStyle/>
+          <a:p>
+            <a:pPr algn="ctr"/>
+            <a:r>
+              <a:rPr lang="en-US" dirty="0"/>
+              <a:t>B</a:t>
+            </a:r>
+          </a:p>
+        </p:txBody>
+      </p:sp>
+      <p:sp>
+        <p:nvSpPr>
+          <p:cNvPr id="33" name="TextBox 32">
+            <a:extLst>
+              <a:ext uri="{FF2B5EF4-FFF2-40B4-BE49-F238E27FC236}">
+                <a16:creationId xmlns:a16="http://schemas.microsoft.com/office/drawing/2014/main" xmlns="" id="{4EA34E98-46AE-495E-935A-BCA3DD438A1C}"/>
+              </a:ext>
+            </a:extLst>
+          </p:cNvPr>
+          <p:cNvSpPr txBox="1"/>
+          <p:nvPr/>
+        </p:nvSpPr>
+        <p:spPr>
+          <a:xfrm>
+            <a:off x="6659671" y="4209682"/>
+            <a:ext cx="2299134" cy="369332"/>
+          </a:xfrm>
+          <a:prstGeom prst="rect">
+            <a:avLst/>
+          </a:prstGeom>
+          <a:noFill/>
+        </p:spPr>
+        <p:txBody>
+          <a:bodyPr wrap="square" rtlCol="0">
+            <a:spAutoFit/>
+          </a:bodyPr>
+          <a:lstStyle/>
+          <a:p>
+            <a:r>
+              <a:rPr lang="en-US" dirty="0"/>
+              <a:t>b</a:t>
+            </a:r>
+            <a:r>
+              <a:rPr lang="en-US" dirty="0" smtClean="0"/>
+              <a:t>est: { A</a:t>
+            </a:r>
+            <a:r>
+              <a:rPr lang="en-US" baseline="-25000" dirty="0" smtClean="0"/>
+              <a:t>1</a:t>
+            </a:r>
+            <a:r>
+              <a:rPr lang="en-US" dirty="0" smtClean="0"/>
+              <a:t>: B</a:t>
+            </a:r>
+            <a:r>
+              <a:rPr lang="en-US" baseline="-25000" dirty="0" smtClean="0"/>
+              <a:t>2</a:t>
+            </a:r>
+            <a:r>
+              <a:rPr lang="en-US" dirty="0" smtClean="0"/>
+              <a:t>, A</a:t>
+            </a:r>
+            <a:r>
+              <a:rPr lang="en-US" baseline="-25000" dirty="0" smtClean="0"/>
+              <a:t>2</a:t>
+            </a:r>
+            <a:r>
+              <a:rPr lang="en-US" dirty="0" smtClean="0"/>
+              <a:t>: B</a:t>
+            </a:r>
+            <a:r>
+              <a:rPr lang="en-US" baseline="-25000" dirty="0" smtClean="0"/>
+              <a:t>1 </a:t>
+            </a:r>
+            <a:r>
+              <a:rPr lang="en-US" dirty="0"/>
+              <a:t>}</a:t>
+            </a:r>
+            <a:endParaRPr lang="en-US" dirty="0"/>
+          </a:p>
+        </p:txBody>
+      </p:sp>
+      <p:sp>
+        <p:nvSpPr>
+          <p:cNvPr id="34" name="TextBox 33">
+            <a:extLst>
+              <a:ext uri="{FF2B5EF4-FFF2-40B4-BE49-F238E27FC236}">
+                <a16:creationId xmlns:a16="http://schemas.microsoft.com/office/drawing/2014/main" xmlns="" id="{0EDED0DC-2158-43E4-957F-4A20DDA0FD5B}"/>
+              </a:ext>
+            </a:extLst>
+          </p:cNvPr>
+          <p:cNvSpPr txBox="1"/>
+          <p:nvPr/>
+        </p:nvSpPr>
+        <p:spPr>
+          <a:xfrm>
+            <a:off x="7060101" y="3238956"/>
+            <a:ext cx="3414988" cy="338554"/>
+          </a:xfrm>
+          <a:prstGeom prst="rect">
+            <a:avLst/>
+          </a:prstGeom>
+          <a:noFill/>
+        </p:spPr>
+        <p:txBody>
+          <a:bodyPr wrap="square" rtlCol="0">
+            <a:spAutoFit/>
+          </a:bodyPr>
+          <a:lstStyle/>
+          <a:p>
+            <a:r>
+              <a:rPr lang="en-US" sz="1600" dirty="0"/>
+              <a:t>[</a:t>
+            </a:r>
+            <a:r>
+              <a:rPr lang="en-US" sz="1600" dirty="0" smtClean="0"/>
+              <a:t>z</a:t>
+            </a:r>
+            <a:r>
+              <a:rPr lang="en-US" sz="1600" baseline="-25000" dirty="0" smtClean="0"/>
+              <a:t>A1-collapse-predict-B</a:t>
+            </a:r>
+            <a:r>
+              <a:rPr lang="en-US" sz="1600" baseline="-25000" dirty="0"/>
+              <a:t>, </a:t>
+            </a:r>
+            <a:r>
+              <a:rPr lang="en-US" sz="1600" dirty="0" smtClean="0"/>
+              <a:t>z</a:t>
+            </a:r>
+            <a:r>
+              <a:rPr lang="en-US" sz="1600" baseline="-25000" dirty="0" smtClean="0"/>
+              <a:t>A2-collapse-predict-B </a:t>
+            </a:r>
+            <a:r>
+              <a:rPr lang="en-US" sz="1600" dirty="0"/>
+              <a:t>]</a:t>
+            </a:r>
+          </a:p>
+        </p:txBody>
+      </p:sp>
+    </p:spTree>
+    <p:extLst>
+      <p:ext uri="{BB962C8B-B14F-4D97-AF65-F5344CB8AC3E}">
+        <p14:creationId xmlns:p14="http://schemas.microsoft.com/office/powerpoint/2010/main" val="424291168"/>
       </p:ext>
     </p:extLst>
   </p:cSld>
@@ -14625,4 +18736,265 @@
     </a:ext>
   </a:extLst>
 </a:theme>
+</file>
+
+<file path=ppt/theme/theme2.xml><?xml version="1.0" encoding="utf-8"?>
+<a:theme xmlns:a="http://schemas.openxmlformats.org/drawingml/2006/main" name="Office Theme">
+  <a:themeElements>
+    <a:clrScheme name="Office">
+      <a:dk1>
+        <a:sysClr val="windowText" lastClr="000000"/>
+      </a:dk1>
+      <a:lt1>
+        <a:sysClr val="window" lastClr="FFFFFF"/>
+      </a:lt1>
+      <a:dk2>
+        <a:srgbClr val="44546A"/>
+      </a:dk2>
+      <a:lt2>
+        <a:srgbClr val="E7E6E6"/>
+      </a:lt2>
+      <a:accent1>
+        <a:srgbClr val="4472C4"/>
+      </a:accent1>
+      <a:accent2>
+        <a:srgbClr val="ED7D31"/>
+      </a:accent2>
+      <a:accent3>
+        <a:srgbClr val="A5A5A5"/>
+      </a:accent3>
+      <a:accent4>
+        <a:srgbClr val="FFC000"/>
+      </a:accent4>
+      <a:accent5>
+        <a:srgbClr val="5B9BD5"/>
+      </a:accent5>
+      <a:accent6>
+        <a:srgbClr val="70AD47"/>
+      </a:accent6>
+      <a:hlink>
+        <a:srgbClr val="0563C1"/>
+      </a:hlink>
+      <a:folHlink>
+        <a:srgbClr val="954F72"/>
+      </a:folHlink>
+    </a:clrScheme>
+    <a:fontScheme name="Office">
+      <a:majorFont>
+        <a:latin typeface="Calibri Light" panose="020F0302020204030204"/>
+        <a:ea typeface=""/>
+        <a:cs typeface=""/>
+        <a:font script="Jpan" typeface="Yu Gothic Light"/>
+        <a:font script="Hang" typeface="맑은 고딕"/>
+        <a:font script="Hans" typeface="DengXian Light"/>
+        <a:font script="Hant" typeface="新細明體"/>
+        <a:font script="Arab" typeface="Times New Roman"/>
+        <a:font script="Hebr" typeface="Times New Roman"/>
+        <a:font script="Thai" typeface="Angsana New"/>
+        <a:font script="Ethi" typeface="Nyala"/>
+        <a:font script="Beng" typeface="Vrinda"/>
+        <a:font script="Gujr" typeface="Shruti"/>
+        <a:font script="Khmr" typeface="MoolBoran"/>
+        <a:font script="Knda" typeface="Tunga"/>
+        <a:font script="Guru" typeface="Raavi"/>
+        <a:font script="Cans" typeface="Euphemia"/>
+        <a:font script="Cher" typeface="Plantagenet Cherokee"/>
+        <a:font script="Yiii" typeface="Microsoft Yi Baiti"/>
+        <a:font script="Tibt" typeface="Microsoft Himalaya"/>
+        <a:font script="Thaa" typeface="MV Boli"/>
+        <a:font script="Deva" typeface="Mangal"/>
+        <a:font script="Telu" typeface="Gautami"/>
+        <a:font script="Taml" typeface="Latha"/>
+        <a:font script="Syrc" typeface="Estrangelo Edessa"/>
+        <a:font script="Orya" typeface="Kalinga"/>
+        <a:font script="Mlym" typeface="Kartika"/>
+        <a:font script="Laoo" typeface="DokChampa"/>
+        <a:font script="Sinh" typeface="Iskoola Pota"/>
+        <a:font script="Mong" typeface="Mongolian Baiti"/>
+        <a:font script="Viet" typeface="Times New Roman"/>
+        <a:font script="Uigh" typeface="Microsoft Uighur"/>
+        <a:font script="Geor" typeface="Sylfaen"/>
+      </a:majorFont>
+      <a:minorFont>
+        <a:latin typeface="Calibri" panose="020F0502020204030204"/>
+        <a:ea typeface=""/>
+        <a:cs typeface=""/>
+        <a:font script="Jpan" typeface="Yu Gothic"/>
+        <a:font script="Hang" typeface="맑은 고딕"/>
+        <a:font script="Hans" typeface="DengXian"/>
+        <a:font script="Hant" typeface="新細明體"/>
+        <a:font script="Arab" typeface="Arial"/>
+        <a:font script="Hebr" typeface="Arial"/>
+        <a:font script="Thai" typeface="Cordia New"/>
+        <a:font script="Ethi" typeface="Nyala"/>
+        <a:font script="Beng" typeface="Vrinda"/>
+        <a:font script="Gujr" typeface="Shruti"/>
+        <a:font script="Khmr" typeface="DaunPenh"/>
+        <a:font script="Knda" typeface="Tunga"/>
+        <a:font script="Guru" typeface="Raavi"/>
+        <a:font script="Cans" typeface="Euphemia"/>
+        <a:font script="Cher" typeface="Plantagenet Cherokee"/>
+        <a:font script="Yiii" typeface="Microsoft Yi Baiti"/>
+        <a:font script="Tibt" typeface="Microsoft Himalaya"/>
+        <a:font script="Thaa" typeface="MV Boli"/>
+        <a:font script="Deva" typeface="Mangal"/>
+        <a:font script="Telu" typeface="Gautami"/>
+        <a:font script="Taml" typeface="Latha"/>
+        <a:font script="Syrc" typeface="Estrangelo Edessa"/>
+        <a:font script="Orya" typeface="Kalinga"/>
+        <a:font script="Mlym" typeface="Kartika"/>
+        <a:font script="Laoo" typeface="DokChampa"/>
+        <a:font script="Sinh" typeface="Iskoola Pota"/>
+        <a:font script="Mong" typeface="Mongolian Baiti"/>
+        <a:font script="Viet" typeface="Arial"/>
+        <a:font script="Uigh" typeface="Microsoft Uighur"/>
+        <a:font script="Geor" typeface="Sylfaen"/>
+      </a:minorFont>
+    </a:fontScheme>
+    <a:fmtScheme name="Office">
+      <a:fillStyleLst>
+        <a:solidFill>
+          <a:schemeClr val="phClr"/>
+        </a:solidFill>
+        <a:gradFill rotWithShape="1">
+          <a:gsLst>
+            <a:gs pos="0">
+              <a:schemeClr val="phClr">
+                <a:lumMod val="110000"/>
+                <a:satMod val="105000"/>
+                <a:tint val="67000"/>
+              </a:schemeClr>
+            </a:gs>
+            <a:gs pos="50000">
+              <a:schemeClr val="phClr">
+                <a:lumMod val="105000"/>
+                <a:satMod val="103000"/>
+                <a:tint val="73000"/>
+              </a:schemeClr>
+            </a:gs>
+            <a:gs pos="100000">
+              <a:schemeClr val="phClr">
+                <a:lumMod val="105000"/>
+                <a:satMod val="109000"/>
+                <a:tint val="81000"/>
+              </a:schemeClr>
+            </a:gs>
+          </a:gsLst>
+          <a:lin ang="5400000" scaled="0"/>
+        </a:gradFill>
+        <a:gradFill rotWithShape="1">
+          <a:gsLst>
+            <a:gs pos="0">
+              <a:schemeClr val="phClr">
+                <a:satMod val="103000"/>
+                <a:lumMod val="102000"/>
+                <a:tint val="94000"/>
+              </a:schemeClr>
+            </a:gs>
+            <a:gs pos="50000">
+              <a:schemeClr val="phClr">
+                <a:satMod val="110000"/>
+                <a:lumMod val="100000"/>
+                <a:shade val="100000"/>
+              </a:schemeClr>
+            </a:gs>
+            <a:gs pos="100000">
+              <a:schemeClr val="phClr">
+                <a:lumMod val="99000"/>
+                <a:satMod val="120000"/>
+                <a:shade val="78000"/>
+              </a:schemeClr>
+            </a:gs>
+          </a:gsLst>
+          <a:lin ang="5400000" scaled="0"/>
+        </a:gradFill>
+      </a:fillStyleLst>
+      <a:lnStyleLst>
+        <a:ln w="6350" cap="flat" cmpd="sng" algn="ctr">
+          <a:solidFill>
+            <a:schemeClr val="phClr"/>
+          </a:solidFill>
+          <a:prstDash val="solid"/>
+          <a:miter lim="800000"/>
+        </a:ln>
+        <a:ln w="12700" cap="flat" cmpd="sng" algn="ctr">
+          <a:solidFill>
+            <a:schemeClr val="phClr"/>
+          </a:solidFill>
+          <a:prstDash val="solid"/>
+          <a:miter lim="800000"/>
+        </a:ln>
+        <a:ln w="19050" cap="flat" cmpd="sng" algn="ctr">
+          <a:solidFill>
+            <a:schemeClr val="phClr"/>
+          </a:solidFill>
+          <a:prstDash val="solid"/>
+          <a:miter lim="800000"/>
+        </a:ln>
+      </a:lnStyleLst>
+      <a:effectStyleLst>
+        <a:effectStyle>
+          <a:effectLst/>
+        </a:effectStyle>
+        <a:effectStyle>
+          <a:effectLst/>
+        </a:effectStyle>
+        <a:effectStyle>
+          <a:effectLst>
+            <a:outerShdw blurRad="57150" dist="19050" dir="5400000" algn="ctr" rotWithShape="0">
+              <a:srgbClr val="000000">
+                <a:alpha val="63000"/>
+              </a:srgbClr>
+            </a:outerShdw>
+          </a:effectLst>
+        </a:effectStyle>
+      </a:effectStyleLst>
+      <a:bgFillStyleLst>
+        <a:solidFill>
+          <a:schemeClr val="phClr"/>
+        </a:solidFill>
+        <a:solidFill>
+          <a:schemeClr val="phClr">
+            <a:tint val="95000"/>
+            <a:satMod val="170000"/>
+          </a:schemeClr>
+        </a:solidFill>
+        <a:gradFill rotWithShape="1">
+          <a:gsLst>
+            <a:gs pos="0">
+              <a:schemeClr val="phClr">
+                <a:tint val="93000"/>
+                <a:satMod val="150000"/>
+                <a:shade val="98000"/>
+                <a:lumMod val="102000"/>
+              </a:schemeClr>
+            </a:gs>
+            <a:gs pos="50000">
+              <a:schemeClr val="phClr">
+                <a:tint val="98000"/>
+                <a:satMod val="130000"/>
+                <a:shade val="90000"/>
+                <a:lumMod val="103000"/>
+              </a:schemeClr>
+            </a:gs>
+            <a:gs pos="100000">
+              <a:schemeClr val="phClr">
+                <a:shade val="63000"/>
+                <a:satMod val="120000"/>
+              </a:schemeClr>
+            </a:gs>
+          </a:gsLst>
+          <a:lin ang="5400000" scaled="0"/>
+        </a:gradFill>
+      </a:bgFillStyleLst>
+    </a:fmtScheme>
+  </a:themeElements>
+  <a:objectDefaults/>
+  <a:extraClrSchemeLst/>
+  <a:extLst>
+    <a:ext uri="{05A4C25C-085E-4340-85A3-A5531E510DB2}">
+      <thm15:themeFamily xmlns:thm15="http://schemas.microsoft.com/office/thememl/2012/main" name="Office Theme" id="{62F939B6-93AF-4DB8-9C6B-D6C7DFDC589F}" vid="{4A3C46E8-61CC-4603-A589-7422A47A8E4A}"/>
+    </a:ext>
+  </a:extLst>
+</a:theme>
 </file>
--- a/miscellanous/shapes.pptx
+++ b/miscellanous/shapes.pptx
@@ -5,7 +5,7 @@
     <p:sldMasterId id="2147483648" r:id="rId1"/>
   </p:sldMasterIdLst>
   <p:notesMasterIdLst>
-    <p:notesMasterId r:id="rId14"/>
+    <p:notesMasterId r:id="rId15"/>
   </p:notesMasterIdLst>
   <p:sldIdLst>
     <p:sldId id="256" r:id="rId2"/>
@@ -20,6 +20,7 @@
     <p:sldId id="265" r:id="rId11"/>
     <p:sldId id="266" r:id="rId12"/>
     <p:sldId id="267" r:id="rId13"/>
+    <p:sldId id="268" r:id="rId14"/>
   </p:sldIdLst>
   <p:sldSz cx="12192000" cy="6858000"/>
   <p:notesSz cx="6858000" cy="9144000"/>
@@ -13898,6 +13899,1089 @@
     <p:extLst>
       <p:ext uri="{BB962C8B-B14F-4D97-AF65-F5344CB8AC3E}">
         <p14:creationId xmlns:p14="http://schemas.microsoft.com/office/powerpoint/2010/main" val="3005778720"/>
+      </p:ext>
+    </p:extLst>
+  </p:cSld>
+  <p:clrMapOvr>
+    <a:masterClrMapping/>
+  </p:clrMapOvr>
+</p:sld>
+</file>
+
+<file path=ppt/slides/slide13.xml><?xml version="1.0" encoding="utf-8"?>
+<p:sld xmlns:a="http://schemas.openxmlformats.org/drawingml/2006/main" xmlns:r="http://schemas.openxmlformats.org/officeDocument/2006/relationships" xmlns:p="http://schemas.openxmlformats.org/presentationml/2006/main">
+  <p:cSld>
+    <p:spTree>
+      <p:nvGrpSpPr>
+        <p:cNvPr id="1" name=""/>
+        <p:cNvGrpSpPr/>
+        <p:nvPr/>
+      </p:nvGrpSpPr>
+      <p:grpSpPr>
+        <a:xfrm>
+          <a:off x="0" y="0"/>
+          <a:ext cx="0" cy="0"/>
+          <a:chOff x="0" y="0"/>
+          <a:chExt cx="0" cy="0"/>
+        </a:xfrm>
+      </p:grpSpPr>
+      <p:sp>
+        <p:nvSpPr>
+          <p:cNvPr id="11" name="Oval 10">
+            <a:extLst>
+              <a:ext uri="{FF2B5EF4-FFF2-40B4-BE49-F238E27FC236}">
+                <a16:creationId xmlns:a16="http://schemas.microsoft.com/office/drawing/2014/main" id="{B30A05C0-383E-4F3E-8B92-28A2A36B5C6F}"/>
+              </a:ext>
+            </a:extLst>
+          </p:cNvPr>
+          <p:cNvSpPr/>
+          <p:nvPr/>
+        </p:nvSpPr>
+        <p:spPr>
+          <a:xfrm>
+            <a:off x="4223020" y="1551962"/>
+            <a:ext cx="3108960" cy="3108960"/>
+          </a:xfrm>
+          <a:prstGeom prst="ellipse">
+            <a:avLst/>
+          </a:prstGeom>
+          <a:solidFill>
+            <a:schemeClr val="accent4">
+              <a:lumMod val="60000"/>
+              <a:lumOff val="40000"/>
+              <a:alpha val="5098"/>
+            </a:schemeClr>
+          </a:solidFill>
+        </p:spPr>
+        <p:style>
+          <a:lnRef idx="2">
+            <a:schemeClr val="accent1">
+              <a:shade val="50000"/>
+            </a:schemeClr>
+          </a:lnRef>
+          <a:fillRef idx="1">
+            <a:schemeClr val="accent1"/>
+          </a:fillRef>
+          <a:effectRef idx="0">
+            <a:schemeClr val="accent1"/>
+          </a:effectRef>
+          <a:fontRef idx="minor">
+            <a:schemeClr val="lt1"/>
+          </a:fontRef>
+        </p:style>
+        <p:txBody>
+          <a:bodyPr rtlCol="0" anchor="ctr"/>
+          <a:lstStyle/>
+          <a:p>
+            <a:pPr algn="ctr"/>
+            <a:endParaRPr lang="en-US" dirty="0"/>
+          </a:p>
+        </p:txBody>
+      </p:sp>
+      <p:sp>
+        <p:nvSpPr>
+          <p:cNvPr id="2" name="Oval 1">
+            <a:extLst>
+              <a:ext uri="{FF2B5EF4-FFF2-40B4-BE49-F238E27FC236}">
+                <a16:creationId xmlns:a16="http://schemas.microsoft.com/office/drawing/2014/main" id="{1938BF84-235B-44EB-82A4-4AAAE1A83572}"/>
+              </a:ext>
+            </a:extLst>
+          </p:cNvPr>
+          <p:cNvSpPr/>
+          <p:nvPr/>
+        </p:nvSpPr>
+        <p:spPr>
+          <a:xfrm>
+            <a:off x="5227182" y="274880"/>
+            <a:ext cx="1097280" cy="1097280"/>
+          </a:xfrm>
+          <a:prstGeom prst="ellipse">
+            <a:avLst/>
+          </a:prstGeom>
+        </p:spPr>
+        <p:style>
+          <a:lnRef idx="2">
+            <a:schemeClr val="accent1">
+              <a:shade val="50000"/>
+            </a:schemeClr>
+          </a:lnRef>
+          <a:fillRef idx="1">
+            <a:schemeClr val="accent1"/>
+          </a:fillRef>
+          <a:effectRef idx="0">
+            <a:schemeClr val="accent1"/>
+          </a:effectRef>
+          <a:fontRef idx="minor">
+            <a:schemeClr val="lt1"/>
+          </a:fontRef>
+        </p:style>
+        <p:txBody>
+          <a:bodyPr wrap="none" rtlCol="0" anchor="ctr"/>
+          <a:lstStyle/>
+          <a:p>
+            <a:pPr algn="ctr"/>
+            <a:r>
+              <a:rPr lang="en-US" dirty="0"/>
+              <a:t>Goal</a:t>
+            </a:r>
+          </a:p>
+        </p:txBody>
+      </p:sp>
+      <p:sp>
+        <p:nvSpPr>
+          <p:cNvPr id="3" name="Oval 2">
+            <a:extLst>
+              <a:ext uri="{FF2B5EF4-FFF2-40B4-BE49-F238E27FC236}">
+                <a16:creationId xmlns:a16="http://schemas.microsoft.com/office/drawing/2014/main" id="{82813E74-5D5D-41B3-AC8E-2D8089EF4EA4}"/>
+              </a:ext>
+            </a:extLst>
+          </p:cNvPr>
+          <p:cNvSpPr/>
+          <p:nvPr/>
+        </p:nvSpPr>
+        <p:spPr>
+          <a:xfrm>
+            <a:off x="5318622" y="1771476"/>
+            <a:ext cx="914400" cy="914400"/>
+          </a:xfrm>
+          <a:prstGeom prst="ellipse">
+            <a:avLst/>
+          </a:prstGeom>
+        </p:spPr>
+        <p:style>
+          <a:lnRef idx="2">
+            <a:schemeClr val="accent1">
+              <a:shade val="50000"/>
+            </a:schemeClr>
+          </a:lnRef>
+          <a:fillRef idx="1">
+            <a:schemeClr val="accent1"/>
+          </a:fillRef>
+          <a:effectRef idx="0">
+            <a:schemeClr val="accent1"/>
+          </a:effectRef>
+          <a:fontRef idx="minor">
+            <a:schemeClr val="lt1"/>
+          </a:fontRef>
+        </p:style>
+        <p:txBody>
+          <a:bodyPr wrap="none" rtlCol="0" anchor="ctr"/>
+          <a:lstStyle/>
+          <a:p>
+            <a:pPr algn="ctr"/>
+            <a:r>
+              <a:rPr lang="en-US" dirty="0"/>
+              <a:t>Mean</a:t>
+            </a:r>
+          </a:p>
+        </p:txBody>
+      </p:sp>
+      <p:sp>
+        <p:nvSpPr>
+          <p:cNvPr id="4" name="Oval 3">
+            <a:extLst>
+              <a:ext uri="{FF2B5EF4-FFF2-40B4-BE49-F238E27FC236}">
+                <a16:creationId xmlns:a16="http://schemas.microsoft.com/office/drawing/2014/main" id="{0F6DC0F6-B294-40EC-9357-97000B5E53A4}"/>
+              </a:ext>
+            </a:extLst>
+          </p:cNvPr>
+          <p:cNvSpPr/>
+          <p:nvPr/>
+        </p:nvSpPr>
+        <p:spPr>
+          <a:xfrm>
+            <a:off x="4437778" y="2652320"/>
+            <a:ext cx="914400" cy="914400"/>
+          </a:xfrm>
+          <a:prstGeom prst="ellipse">
+            <a:avLst/>
+          </a:prstGeom>
+        </p:spPr>
+        <p:style>
+          <a:lnRef idx="2">
+            <a:schemeClr val="accent2">
+              <a:shade val="50000"/>
+            </a:schemeClr>
+          </a:lnRef>
+          <a:fillRef idx="1">
+            <a:schemeClr val="accent2"/>
+          </a:fillRef>
+          <a:effectRef idx="0">
+            <a:schemeClr val="accent2"/>
+          </a:effectRef>
+          <a:fontRef idx="minor">
+            <a:schemeClr val="lt1"/>
+          </a:fontRef>
+        </p:style>
+        <p:txBody>
+          <a:bodyPr wrap="none" lIns="0" tIns="0" rIns="0" bIns="0" rtlCol="0" anchor="ctr"/>
+          <a:lstStyle/>
+          <a:p>
+            <a:pPr algn="ctr"/>
+            <a:r>
+              <a:rPr lang="en-US" dirty="0"/>
+              <a:t>Actions</a:t>
+            </a:r>
+          </a:p>
+        </p:txBody>
+      </p:sp>
+      <p:sp>
+        <p:nvSpPr>
+          <p:cNvPr id="5" name="Oval 4">
+            <a:extLst>
+              <a:ext uri="{FF2B5EF4-FFF2-40B4-BE49-F238E27FC236}">
+                <a16:creationId xmlns:a16="http://schemas.microsoft.com/office/drawing/2014/main" id="{1399CCE1-25F1-4D49-A3D5-BC34CCE9F888}"/>
+              </a:ext>
+            </a:extLst>
+          </p:cNvPr>
+          <p:cNvSpPr/>
+          <p:nvPr/>
+        </p:nvSpPr>
+        <p:spPr>
+          <a:xfrm>
+            <a:off x="5318622" y="3533164"/>
+            <a:ext cx="914400" cy="914400"/>
+          </a:xfrm>
+          <a:prstGeom prst="ellipse">
+            <a:avLst/>
+          </a:prstGeom>
+        </p:spPr>
+        <p:style>
+          <a:lnRef idx="2">
+            <a:schemeClr val="accent3">
+              <a:shade val="50000"/>
+            </a:schemeClr>
+          </a:lnRef>
+          <a:fillRef idx="1">
+            <a:schemeClr val="accent3"/>
+          </a:fillRef>
+          <a:effectRef idx="0">
+            <a:schemeClr val="accent3"/>
+          </a:effectRef>
+          <a:fontRef idx="minor">
+            <a:schemeClr val="lt1"/>
+          </a:fontRef>
+        </p:style>
+        <p:txBody>
+          <a:bodyPr wrap="none" rtlCol="0" anchor="ctr"/>
+          <a:lstStyle/>
+          <a:p>
+            <a:pPr algn="ctr"/>
+            <a:r>
+              <a:rPr lang="en-US" dirty="0"/>
+              <a:t>Feature</a:t>
+            </a:r>
+          </a:p>
+        </p:txBody>
+      </p:sp>
+      <p:sp>
+        <p:nvSpPr>
+          <p:cNvPr id="6" name="Oval 5">
+            <a:extLst>
+              <a:ext uri="{FF2B5EF4-FFF2-40B4-BE49-F238E27FC236}">
+                <a16:creationId xmlns:a16="http://schemas.microsoft.com/office/drawing/2014/main" id="{7F02B953-9241-4083-950A-E1CEDCB04E73}"/>
+              </a:ext>
+            </a:extLst>
+          </p:cNvPr>
+          <p:cNvSpPr/>
+          <p:nvPr/>
+        </p:nvSpPr>
+        <p:spPr>
+          <a:xfrm>
+            <a:off x="6199466" y="2652320"/>
+            <a:ext cx="914400" cy="914400"/>
+          </a:xfrm>
+          <a:prstGeom prst="ellipse">
+            <a:avLst/>
+          </a:prstGeom>
+        </p:spPr>
+        <p:style>
+          <a:lnRef idx="2">
+            <a:schemeClr val="accent6">
+              <a:shade val="50000"/>
+            </a:schemeClr>
+          </a:lnRef>
+          <a:fillRef idx="1">
+            <a:schemeClr val="accent6"/>
+          </a:fillRef>
+          <a:effectRef idx="0">
+            <a:schemeClr val="accent6"/>
+          </a:effectRef>
+          <a:fontRef idx="minor">
+            <a:schemeClr val="lt1"/>
+          </a:fontRef>
+        </p:style>
+        <p:txBody>
+          <a:bodyPr rtlCol="0" anchor="ctr"/>
+          <a:lstStyle/>
+          <a:p>
+            <a:pPr algn="ctr"/>
+            <a:r>
+              <a:rPr lang="en-US" dirty="0"/>
+              <a:t>Path</a:t>
+            </a:r>
+          </a:p>
+        </p:txBody>
+      </p:sp>
+      <p:sp>
+        <p:nvSpPr>
+          <p:cNvPr id="7" name="Oval 6">
+            <a:extLst>
+              <a:ext uri="{FF2B5EF4-FFF2-40B4-BE49-F238E27FC236}">
+                <a16:creationId xmlns:a16="http://schemas.microsoft.com/office/drawing/2014/main" id="{657C1577-F27D-4B27-8BA5-058C4817B7A6}"/>
+              </a:ext>
+            </a:extLst>
+          </p:cNvPr>
+          <p:cNvSpPr/>
+          <p:nvPr/>
+        </p:nvSpPr>
+        <p:spPr>
+          <a:xfrm>
+            <a:off x="2941182" y="2560880"/>
+            <a:ext cx="1097280" cy="1097280"/>
+          </a:xfrm>
+          <a:prstGeom prst="ellipse">
+            <a:avLst/>
+          </a:prstGeom>
+        </p:spPr>
+        <p:style>
+          <a:lnRef idx="2">
+            <a:schemeClr val="accent2">
+              <a:shade val="50000"/>
+            </a:schemeClr>
+          </a:lnRef>
+          <a:fillRef idx="1">
+            <a:schemeClr val="accent2"/>
+          </a:fillRef>
+          <a:effectRef idx="0">
+            <a:schemeClr val="accent2"/>
+          </a:effectRef>
+          <a:fontRef idx="minor">
+            <a:schemeClr val="lt1"/>
+          </a:fontRef>
+        </p:style>
+        <p:txBody>
+          <a:bodyPr rtlCol="0" anchor="ctr"/>
+          <a:lstStyle/>
+          <a:p>
+            <a:pPr algn="ctr"/>
+            <a:r>
+              <a:rPr lang="en-US" dirty="0"/>
+              <a:t>Other Skills</a:t>
+            </a:r>
+          </a:p>
+        </p:txBody>
+      </p:sp>
+      <p:sp>
+        <p:nvSpPr>
+          <p:cNvPr id="9" name="Oval 8">
+            <a:extLst>
+              <a:ext uri="{FF2B5EF4-FFF2-40B4-BE49-F238E27FC236}">
+                <a16:creationId xmlns:a16="http://schemas.microsoft.com/office/drawing/2014/main" id="{77BD9123-4339-49C8-BB06-276216FFA5A3}"/>
+              </a:ext>
+            </a:extLst>
+          </p:cNvPr>
+          <p:cNvSpPr/>
+          <p:nvPr/>
+        </p:nvSpPr>
+        <p:spPr>
+          <a:xfrm>
+            <a:off x="7513182" y="2532079"/>
+            <a:ext cx="1097280" cy="1097280"/>
+          </a:xfrm>
+          <a:prstGeom prst="ellipse">
+            <a:avLst/>
+          </a:prstGeom>
+        </p:spPr>
+        <p:style>
+          <a:lnRef idx="2">
+            <a:schemeClr val="accent6">
+              <a:shade val="50000"/>
+            </a:schemeClr>
+          </a:lnRef>
+          <a:fillRef idx="1">
+            <a:schemeClr val="accent6"/>
+          </a:fillRef>
+          <a:effectRef idx="0">
+            <a:schemeClr val="accent6"/>
+          </a:effectRef>
+          <a:fontRef idx="minor">
+            <a:schemeClr val="lt1"/>
+          </a:fontRef>
+        </p:style>
+        <p:txBody>
+          <a:bodyPr wrap="none" rtlCol="0" anchor="ctr"/>
+          <a:lstStyle/>
+          <a:p>
+            <a:pPr algn="ctr"/>
+            <a:r>
+              <a:rPr lang="en-US" dirty="0"/>
+              <a:t>Manner</a:t>
+            </a:r>
+          </a:p>
+        </p:txBody>
+      </p:sp>
+      <p:sp>
+        <p:nvSpPr>
+          <p:cNvPr id="10" name="Oval 9">
+            <a:extLst>
+              <a:ext uri="{FF2B5EF4-FFF2-40B4-BE49-F238E27FC236}">
+                <a16:creationId xmlns:a16="http://schemas.microsoft.com/office/drawing/2014/main" id="{DD89ED82-4F60-45CD-B3E5-7F509BB0B12C}"/>
+              </a:ext>
+            </a:extLst>
+          </p:cNvPr>
+          <p:cNvSpPr/>
+          <p:nvPr/>
+        </p:nvSpPr>
+        <p:spPr>
+          <a:xfrm>
+            <a:off x="5227182" y="4846880"/>
+            <a:ext cx="1097280" cy="1097280"/>
+          </a:xfrm>
+          <a:prstGeom prst="ellipse">
+            <a:avLst/>
+          </a:prstGeom>
+        </p:spPr>
+        <p:style>
+          <a:lnRef idx="2">
+            <a:schemeClr val="accent3">
+              <a:shade val="50000"/>
+            </a:schemeClr>
+          </a:lnRef>
+          <a:fillRef idx="1">
+            <a:schemeClr val="accent3"/>
+          </a:fillRef>
+          <a:effectRef idx="0">
+            <a:schemeClr val="accent3"/>
+          </a:effectRef>
+          <a:fontRef idx="minor">
+            <a:schemeClr val="lt1"/>
+          </a:fontRef>
+        </p:style>
+        <p:txBody>
+          <a:bodyPr wrap="none" rtlCol="0" anchor="ctr"/>
+          <a:lstStyle/>
+          <a:p>
+            <a:pPr algn="ctr"/>
+            <a:r>
+              <a:rPr lang="en-US" dirty="0"/>
+              <a:t>Symbolic</a:t>
+            </a:r>
+          </a:p>
+        </p:txBody>
+      </p:sp>
+      <p:sp>
+        <p:nvSpPr>
+          <p:cNvPr id="12" name="Oval 11">
+            <a:extLst>
+              <a:ext uri="{FF2B5EF4-FFF2-40B4-BE49-F238E27FC236}">
+                <a16:creationId xmlns:a16="http://schemas.microsoft.com/office/drawing/2014/main" id="{6D5D74FA-E319-41C3-BEF6-83D16CB48FAF}"/>
+              </a:ext>
+            </a:extLst>
+          </p:cNvPr>
+          <p:cNvSpPr/>
+          <p:nvPr/>
+        </p:nvSpPr>
+        <p:spPr>
+          <a:xfrm>
+            <a:off x="5736113" y="4418619"/>
+            <a:ext cx="91440" cy="91440"/>
+          </a:xfrm>
+          <a:prstGeom prst="ellipse">
+            <a:avLst/>
+          </a:prstGeom>
+          <a:solidFill>
+            <a:schemeClr val="bg2">
+              <a:lumMod val="90000"/>
+            </a:schemeClr>
+          </a:solidFill>
+        </p:spPr>
+        <p:style>
+          <a:lnRef idx="2">
+            <a:schemeClr val="accent1">
+              <a:shade val="50000"/>
+            </a:schemeClr>
+          </a:lnRef>
+          <a:fillRef idx="1">
+            <a:schemeClr val="accent1"/>
+          </a:fillRef>
+          <a:effectRef idx="0">
+            <a:schemeClr val="accent1"/>
+          </a:effectRef>
+          <a:fontRef idx="minor">
+            <a:schemeClr val="lt1"/>
+          </a:fontRef>
+        </p:style>
+        <p:txBody>
+          <a:bodyPr rtlCol="0" anchor="ctr"/>
+          <a:lstStyle/>
+          <a:p>
+            <a:pPr algn="ctr"/>
+            <a:endParaRPr lang="en-US"/>
+          </a:p>
+        </p:txBody>
+      </p:sp>
+      <p:sp>
+        <p:nvSpPr>
+          <p:cNvPr id="13" name="Oval 12">
+            <a:extLst>
+              <a:ext uri="{FF2B5EF4-FFF2-40B4-BE49-F238E27FC236}">
+                <a16:creationId xmlns:a16="http://schemas.microsoft.com/office/drawing/2014/main" id="{775CAD5C-B79A-45AC-BBD9-6850196C1269}"/>
+              </a:ext>
+            </a:extLst>
+          </p:cNvPr>
+          <p:cNvSpPr/>
+          <p:nvPr/>
+        </p:nvSpPr>
+        <p:spPr>
+          <a:xfrm>
+            <a:off x="5736113" y="4775151"/>
+            <a:ext cx="91440" cy="91440"/>
+          </a:xfrm>
+          <a:prstGeom prst="ellipse">
+            <a:avLst/>
+          </a:prstGeom>
+          <a:solidFill>
+            <a:schemeClr val="bg2">
+              <a:lumMod val="90000"/>
+            </a:schemeClr>
+          </a:solidFill>
+        </p:spPr>
+        <p:style>
+          <a:lnRef idx="2">
+            <a:schemeClr val="accent1">
+              <a:shade val="50000"/>
+            </a:schemeClr>
+          </a:lnRef>
+          <a:fillRef idx="1">
+            <a:schemeClr val="accent1"/>
+          </a:fillRef>
+          <a:effectRef idx="0">
+            <a:schemeClr val="accent1"/>
+          </a:effectRef>
+          <a:fontRef idx="minor">
+            <a:schemeClr val="lt1"/>
+          </a:fontRef>
+        </p:style>
+        <p:txBody>
+          <a:bodyPr rtlCol="0" anchor="ctr"/>
+          <a:lstStyle/>
+          <a:p>
+            <a:pPr algn="ctr"/>
+            <a:endParaRPr lang="en-US"/>
+          </a:p>
+        </p:txBody>
+      </p:sp>
+      <p:cxnSp>
+        <p:nvCxnSpPr>
+          <p:cNvPr id="15" name="Straight Connector 14">
+            <a:extLst>
+              <a:ext uri="{FF2B5EF4-FFF2-40B4-BE49-F238E27FC236}">
+                <a16:creationId xmlns:a16="http://schemas.microsoft.com/office/drawing/2014/main" id="{6C7E04F1-2E80-4DCB-8FFF-F82B3740DAEA}"/>
+              </a:ext>
+            </a:extLst>
+          </p:cNvPr>
+          <p:cNvCxnSpPr>
+            <a:stCxn id="12" idx="4"/>
+            <a:endCxn id="13" idx="0"/>
+          </p:cNvCxnSpPr>
+          <p:nvPr/>
+        </p:nvCxnSpPr>
+        <p:spPr>
+          <a:xfrm>
+            <a:off x="5781833" y="4510059"/>
+            <a:ext cx="0" cy="265092"/>
+          </a:xfrm>
+          <a:prstGeom prst="line">
+            <a:avLst/>
+          </a:prstGeom>
+        </p:spPr>
+        <p:style>
+          <a:lnRef idx="1">
+            <a:schemeClr val="accent1"/>
+          </a:lnRef>
+          <a:fillRef idx="0">
+            <a:schemeClr val="accent1"/>
+          </a:fillRef>
+          <a:effectRef idx="0">
+            <a:schemeClr val="accent1"/>
+          </a:effectRef>
+          <a:fontRef idx="minor">
+            <a:schemeClr val="tx1"/>
+          </a:fontRef>
+        </p:style>
+      </p:cxnSp>
+      <p:sp>
+        <p:nvSpPr>
+          <p:cNvPr id="16" name="Oval 15">
+            <a:extLst>
+              <a:ext uri="{FF2B5EF4-FFF2-40B4-BE49-F238E27FC236}">
+                <a16:creationId xmlns:a16="http://schemas.microsoft.com/office/drawing/2014/main" id="{229B6344-B2A0-40E0-9625-7DA25DF432A3}"/>
+              </a:ext>
+            </a:extLst>
+          </p:cNvPr>
+          <p:cNvSpPr/>
+          <p:nvPr/>
+        </p:nvSpPr>
+        <p:spPr>
+          <a:xfrm>
+            <a:off x="5736113" y="1346293"/>
+            <a:ext cx="91440" cy="91440"/>
+          </a:xfrm>
+          <a:prstGeom prst="ellipse">
+            <a:avLst/>
+          </a:prstGeom>
+          <a:solidFill>
+            <a:schemeClr val="bg2">
+              <a:lumMod val="90000"/>
+            </a:schemeClr>
+          </a:solidFill>
+        </p:spPr>
+        <p:style>
+          <a:lnRef idx="2">
+            <a:schemeClr val="accent1">
+              <a:shade val="50000"/>
+            </a:schemeClr>
+          </a:lnRef>
+          <a:fillRef idx="1">
+            <a:schemeClr val="accent1"/>
+          </a:fillRef>
+          <a:effectRef idx="0">
+            <a:schemeClr val="accent1"/>
+          </a:effectRef>
+          <a:fontRef idx="minor">
+            <a:schemeClr val="lt1"/>
+          </a:fontRef>
+        </p:style>
+        <p:txBody>
+          <a:bodyPr rtlCol="0" anchor="ctr"/>
+          <a:lstStyle/>
+          <a:p>
+            <a:pPr algn="ctr"/>
+            <a:endParaRPr lang="en-US"/>
+          </a:p>
+        </p:txBody>
+      </p:sp>
+      <p:sp>
+        <p:nvSpPr>
+          <p:cNvPr id="17" name="Oval 16">
+            <a:extLst>
+              <a:ext uri="{FF2B5EF4-FFF2-40B4-BE49-F238E27FC236}">
+                <a16:creationId xmlns:a16="http://schemas.microsoft.com/office/drawing/2014/main" id="{00B4BC29-62C2-4F1F-B65D-B69EA37A2279}"/>
+              </a:ext>
+            </a:extLst>
+          </p:cNvPr>
+          <p:cNvSpPr/>
+          <p:nvPr/>
+        </p:nvSpPr>
+        <p:spPr>
+          <a:xfrm>
+            <a:off x="5736113" y="1702825"/>
+            <a:ext cx="91440" cy="91440"/>
+          </a:xfrm>
+          <a:prstGeom prst="ellipse">
+            <a:avLst/>
+          </a:prstGeom>
+          <a:solidFill>
+            <a:schemeClr val="bg2">
+              <a:lumMod val="90000"/>
+            </a:schemeClr>
+          </a:solidFill>
+        </p:spPr>
+        <p:style>
+          <a:lnRef idx="2">
+            <a:schemeClr val="accent1">
+              <a:shade val="50000"/>
+            </a:schemeClr>
+          </a:lnRef>
+          <a:fillRef idx="1">
+            <a:schemeClr val="accent1"/>
+          </a:fillRef>
+          <a:effectRef idx="0">
+            <a:schemeClr val="accent1"/>
+          </a:effectRef>
+          <a:fontRef idx="minor">
+            <a:schemeClr val="lt1"/>
+          </a:fontRef>
+        </p:style>
+        <p:txBody>
+          <a:bodyPr rtlCol="0" anchor="ctr"/>
+          <a:lstStyle/>
+          <a:p>
+            <a:pPr algn="ctr"/>
+            <a:endParaRPr lang="en-US"/>
+          </a:p>
+        </p:txBody>
+      </p:sp>
+      <p:cxnSp>
+        <p:nvCxnSpPr>
+          <p:cNvPr id="18" name="Straight Connector 17">
+            <a:extLst>
+              <a:ext uri="{FF2B5EF4-FFF2-40B4-BE49-F238E27FC236}">
+                <a16:creationId xmlns:a16="http://schemas.microsoft.com/office/drawing/2014/main" id="{70DE1CC5-AAD7-447E-AF51-57871CF574C6}"/>
+              </a:ext>
+            </a:extLst>
+          </p:cNvPr>
+          <p:cNvCxnSpPr>
+            <a:stCxn id="16" idx="4"/>
+            <a:endCxn id="17" idx="0"/>
+          </p:cNvCxnSpPr>
+          <p:nvPr/>
+        </p:nvCxnSpPr>
+        <p:spPr>
+          <a:xfrm>
+            <a:off x="5781833" y="1437733"/>
+            <a:ext cx="0" cy="265092"/>
+          </a:xfrm>
+          <a:prstGeom prst="line">
+            <a:avLst/>
+          </a:prstGeom>
+        </p:spPr>
+        <p:style>
+          <a:lnRef idx="1">
+            <a:schemeClr val="accent1"/>
+          </a:lnRef>
+          <a:fillRef idx="0">
+            <a:schemeClr val="accent1"/>
+          </a:fillRef>
+          <a:effectRef idx="0">
+            <a:schemeClr val="accent1"/>
+          </a:effectRef>
+          <a:fontRef idx="minor">
+            <a:schemeClr val="tx1"/>
+          </a:fontRef>
+        </p:style>
+      </p:cxnSp>
+      <p:grpSp>
+        <p:nvGrpSpPr>
+          <p:cNvPr id="26" name="Group 25">
+            <a:extLst>
+              <a:ext uri="{FF2B5EF4-FFF2-40B4-BE49-F238E27FC236}">
+                <a16:creationId xmlns:a16="http://schemas.microsoft.com/office/drawing/2014/main" id="{DBCB1ED6-4EA5-4DC4-BE04-30A32471DE6B}"/>
+              </a:ext>
+            </a:extLst>
+          </p:cNvPr>
+          <p:cNvGrpSpPr/>
+          <p:nvPr/>
+        </p:nvGrpSpPr>
+        <p:grpSpPr>
+          <a:xfrm rot="5400000">
+            <a:off x="7292132" y="2882456"/>
+            <a:ext cx="91440" cy="447972"/>
+            <a:chOff x="2941181" y="1090568"/>
+            <a:chExt cx="91440" cy="447972"/>
+          </a:xfrm>
+        </p:grpSpPr>
+        <p:sp>
+          <p:nvSpPr>
+            <p:cNvPr id="19" name="Oval 18">
+              <a:extLst>
+                <a:ext uri="{FF2B5EF4-FFF2-40B4-BE49-F238E27FC236}">
+                  <a16:creationId xmlns:a16="http://schemas.microsoft.com/office/drawing/2014/main" id="{92083C3B-1F1B-40CD-998B-71CEAC41DFCF}"/>
+                </a:ext>
+              </a:extLst>
+            </p:cNvPr>
+            <p:cNvSpPr/>
+            <p:nvPr/>
+          </p:nvSpPr>
+          <p:spPr>
+            <a:xfrm>
+              <a:off x="2941181" y="1090568"/>
+              <a:ext cx="91440" cy="91440"/>
+            </a:xfrm>
+            <a:prstGeom prst="ellipse">
+              <a:avLst/>
+            </a:prstGeom>
+            <a:solidFill>
+              <a:schemeClr val="bg2">
+                <a:lumMod val="90000"/>
+              </a:schemeClr>
+            </a:solidFill>
+          </p:spPr>
+          <p:style>
+            <a:lnRef idx="2">
+              <a:schemeClr val="accent1">
+                <a:shade val="50000"/>
+              </a:schemeClr>
+            </a:lnRef>
+            <a:fillRef idx="1">
+              <a:schemeClr val="accent1"/>
+            </a:fillRef>
+            <a:effectRef idx="0">
+              <a:schemeClr val="accent1"/>
+            </a:effectRef>
+            <a:fontRef idx="minor">
+              <a:schemeClr val="lt1"/>
+            </a:fontRef>
+          </p:style>
+          <p:txBody>
+            <a:bodyPr rtlCol="0" anchor="ctr"/>
+            <a:lstStyle/>
+            <a:p>
+              <a:pPr algn="ctr"/>
+              <a:endParaRPr lang="en-US"/>
+            </a:p>
+          </p:txBody>
+        </p:sp>
+        <p:sp>
+          <p:nvSpPr>
+            <p:cNvPr id="20" name="Oval 19">
+              <a:extLst>
+                <a:ext uri="{FF2B5EF4-FFF2-40B4-BE49-F238E27FC236}">
+                  <a16:creationId xmlns:a16="http://schemas.microsoft.com/office/drawing/2014/main" id="{784DFE51-A6EA-4724-8FAB-1435940973C0}"/>
+                </a:ext>
+              </a:extLst>
+            </p:cNvPr>
+            <p:cNvSpPr/>
+            <p:nvPr/>
+          </p:nvSpPr>
+          <p:spPr>
+            <a:xfrm>
+              <a:off x="2941181" y="1447100"/>
+              <a:ext cx="91440" cy="91440"/>
+            </a:xfrm>
+            <a:prstGeom prst="ellipse">
+              <a:avLst/>
+            </a:prstGeom>
+            <a:solidFill>
+              <a:schemeClr val="bg2">
+                <a:lumMod val="90000"/>
+              </a:schemeClr>
+            </a:solidFill>
+          </p:spPr>
+          <p:style>
+            <a:lnRef idx="2">
+              <a:schemeClr val="accent1">
+                <a:shade val="50000"/>
+              </a:schemeClr>
+            </a:lnRef>
+            <a:fillRef idx="1">
+              <a:schemeClr val="accent1"/>
+            </a:fillRef>
+            <a:effectRef idx="0">
+              <a:schemeClr val="accent1"/>
+            </a:effectRef>
+            <a:fontRef idx="minor">
+              <a:schemeClr val="lt1"/>
+            </a:fontRef>
+          </p:style>
+          <p:txBody>
+            <a:bodyPr rtlCol="0" anchor="ctr"/>
+            <a:lstStyle/>
+            <a:p>
+              <a:pPr algn="ctr"/>
+              <a:endParaRPr lang="en-US"/>
+            </a:p>
+          </p:txBody>
+        </p:sp>
+        <p:cxnSp>
+          <p:nvCxnSpPr>
+            <p:cNvPr id="21" name="Straight Connector 20">
+              <a:extLst>
+                <a:ext uri="{FF2B5EF4-FFF2-40B4-BE49-F238E27FC236}">
+                  <a16:creationId xmlns:a16="http://schemas.microsoft.com/office/drawing/2014/main" id="{38AED743-14CC-4B5C-8AC8-3A3AEACB193B}"/>
+                </a:ext>
+              </a:extLst>
+            </p:cNvPr>
+            <p:cNvCxnSpPr>
+              <a:cxnSpLocks/>
+              <a:stCxn id="19" idx="4"/>
+              <a:endCxn id="20" idx="0"/>
+            </p:cNvCxnSpPr>
+            <p:nvPr/>
+          </p:nvCxnSpPr>
+          <p:spPr>
+            <a:xfrm>
+              <a:off x="2986901" y="1182008"/>
+              <a:ext cx="0" cy="265092"/>
+            </a:xfrm>
+            <a:prstGeom prst="line">
+              <a:avLst/>
+            </a:prstGeom>
+          </p:spPr>
+          <p:style>
+            <a:lnRef idx="1">
+              <a:schemeClr val="accent1"/>
+            </a:lnRef>
+            <a:fillRef idx="0">
+              <a:schemeClr val="accent1"/>
+            </a:fillRef>
+            <a:effectRef idx="0">
+              <a:schemeClr val="accent1"/>
+            </a:effectRef>
+            <a:fontRef idx="minor">
+              <a:schemeClr val="tx1"/>
+            </a:fontRef>
+          </p:style>
+        </p:cxnSp>
+      </p:grpSp>
+      <p:grpSp>
+        <p:nvGrpSpPr>
+          <p:cNvPr id="27" name="Group 26">
+            <a:extLst>
+              <a:ext uri="{FF2B5EF4-FFF2-40B4-BE49-F238E27FC236}">
+                <a16:creationId xmlns:a16="http://schemas.microsoft.com/office/drawing/2014/main" id="{3F7FD7D9-C58C-41E4-A1EE-1FCB232094B6}"/>
+              </a:ext>
+            </a:extLst>
+          </p:cNvPr>
+          <p:cNvGrpSpPr/>
+          <p:nvPr/>
+        </p:nvGrpSpPr>
+        <p:grpSpPr>
+          <a:xfrm rot="5400000">
+            <a:off x="4192400" y="2882456"/>
+            <a:ext cx="91440" cy="447972"/>
+            <a:chOff x="2941181" y="1090568"/>
+            <a:chExt cx="91440" cy="447972"/>
+          </a:xfrm>
+        </p:grpSpPr>
+        <p:sp>
+          <p:nvSpPr>
+            <p:cNvPr id="28" name="Oval 27">
+              <a:extLst>
+                <a:ext uri="{FF2B5EF4-FFF2-40B4-BE49-F238E27FC236}">
+                  <a16:creationId xmlns:a16="http://schemas.microsoft.com/office/drawing/2014/main" id="{7FD68A78-6624-4222-B3FC-BCF20A329101}"/>
+                </a:ext>
+              </a:extLst>
+            </p:cNvPr>
+            <p:cNvSpPr/>
+            <p:nvPr/>
+          </p:nvSpPr>
+          <p:spPr>
+            <a:xfrm>
+              <a:off x="2941181" y="1090568"/>
+              <a:ext cx="91440" cy="91440"/>
+            </a:xfrm>
+            <a:prstGeom prst="ellipse">
+              <a:avLst/>
+            </a:prstGeom>
+            <a:solidFill>
+              <a:schemeClr val="bg2">
+                <a:lumMod val="90000"/>
+              </a:schemeClr>
+            </a:solidFill>
+          </p:spPr>
+          <p:style>
+            <a:lnRef idx="2">
+              <a:schemeClr val="accent1">
+                <a:shade val="50000"/>
+              </a:schemeClr>
+            </a:lnRef>
+            <a:fillRef idx="1">
+              <a:schemeClr val="accent1"/>
+            </a:fillRef>
+            <a:effectRef idx="0">
+              <a:schemeClr val="accent1"/>
+            </a:effectRef>
+            <a:fontRef idx="minor">
+              <a:schemeClr val="lt1"/>
+            </a:fontRef>
+          </p:style>
+          <p:txBody>
+            <a:bodyPr rtlCol="0" anchor="ctr"/>
+            <a:lstStyle/>
+            <a:p>
+              <a:pPr algn="ctr"/>
+              <a:endParaRPr lang="en-US"/>
+            </a:p>
+          </p:txBody>
+        </p:sp>
+        <p:sp>
+          <p:nvSpPr>
+            <p:cNvPr id="29" name="Oval 28">
+              <a:extLst>
+                <a:ext uri="{FF2B5EF4-FFF2-40B4-BE49-F238E27FC236}">
+                  <a16:creationId xmlns:a16="http://schemas.microsoft.com/office/drawing/2014/main" id="{CC51B31C-4881-4E35-BB9F-AAD3B2BB8A7B}"/>
+                </a:ext>
+              </a:extLst>
+            </p:cNvPr>
+            <p:cNvSpPr/>
+            <p:nvPr/>
+          </p:nvSpPr>
+          <p:spPr>
+            <a:xfrm>
+              <a:off x="2941181" y="1447100"/>
+              <a:ext cx="91440" cy="91440"/>
+            </a:xfrm>
+            <a:prstGeom prst="ellipse">
+              <a:avLst/>
+            </a:prstGeom>
+            <a:solidFill>
+              <a:schemeClr val="bg2">
+                <a:lumMod val="90000"/>
+              </a:schemeClr>
+            </a:solidFill>
+          </p:spPr>
+          <p:style>
+            <a:lnRef idx="2">
+              <a:schemeClr val="accent1">
+                <a:shade val="50000"/>
+              </a:schemeClr>
+            </a:lnRef>
+            <a:fillRef idx="1">
+              <a:schemeClr val="accent1"/>
+            </a:fillRef>
+            <a:effectRef idx="0">
+              <a:schemeClr val="accent1"/>
+            </a:effectRef>
+            <a:fontRef idx="minor">
+              <a:schemeClr val="lt1"/>
+            </a:fontRef>
+          </p:style>
+          <p:txBody>
+            <a:bodyPr rtlCol="0" anchor="ctr"/>
+            <a:lstStyle/>
+            <a:p>
+              <a:pPr algn="ctr"/>
+              <a:endParaRPr lang="en-US"/>
+            </a:p>
+          </p:txBody>
+        </p:sp>
+        <p:cxnSp>
+          <p:nvCxnSpPr>
+            <p:cNvPr id="30" name="Straight Connector 29">
+              <a:extLst>
+                <a:ext uri="{FF2B5EF4-FFF2-40B4-BE49-F238E27FC236}">
+                  <a16:creationId xmlns:a16="http://schemas.microsoft.com/office/drawing/2014/main" id="{0F6025FF-CD92-4C68-8401-0486467B3072}"/>
+                </a:ext>
+              </a:extLst>
+            </p:cNvPr>
+            <p:cNvCxnSpPr>
+              <a:cxnSpLocks/>
+              <a:stCxn id="28" idx="4"/>
+              <a:endCxn id="29" idx="0"/>
+            </p:cNvCxnSpPr>
+            <p:nvPr/>
+          </p:nvCxnSpPr>
+          <p:spPr>
+            <a:xfrm>
+              <a:off x="2986901" y="1182008"/>
+              <a:ext cx="0" cy="265092"/>
+            </a:xfrm>
+            <a:prstGeom prst="line">
+              <a:avLst/>
+            </a:prstGeom>
+          </p:spPr>
+          <p:style>
+            <a:lnRef idx="1">
+              <a:schemeClr val="accent1"/>
+            </a:lnRef>
+            <a:fillRef idx="0">
+              <a:schemeClr val="accent1"/>
+            </a:fillRef>
+            <a:effectRef idx="0">
+              <a:schemeClr val="accent1"/>
+            </a:effectRef>
+            <a:fontRef idx="minor">
+              <a:schemeClr val="tx1"/>
+            </a:fontRef>
+          </p:style>
+        </p:cxnSp>
+      </p:grpSp>
+    </p:spTree>
+    <p:extLst>
+      <p:ext uri="{BB962C8B-B14F-4D97-AF65-F5344CB8AC3E}">
+        <p14:creationId xmlns:p14="http://schemas.microsoft.com/office/powerpoint/2010/main" val="3176175702"/>
       </p:ext>
     </p:extLst>
   </p:cSld>

--- a/miscellanous/shapes.pptx
+++ b/miscellanous/shapes.pptx
@@ -5,7 +5,7 @@
     <p:sldMasterId id="2147483648" r:id="rId1"/>
   </p:sldMasterIdLst>
   <p:notesMasterIdLst>
-    <p:notesMasterId r:id="rId15"/>
+    <p:notesMasterId r:id="rId16"/>
   </p:notesMasterIdLst>
   <p:sldIdLst>
     <p:sldId id="256" r:id="rId2"/>
@@ -21,6 +21,7 @@
     <p:sldId id="266" r:id="rId12"/>
     <p:sldId id="267" r:id="rId13"/>
     <p:sldId id="268" r:id="rId14"/>
+    <p:sldId id="269" r:id="rId15"/>
   </p:sldIdLst>
   <p:sldSz cx="12192000" cy="6858000"/>
   <p:notesSz cx="6858000" cy="9144000"/>
@@ -14022,7 +14023,7 @@
             <a:pPr algn="ctr"/>
             <a:r>
               <a:rPr lang="en-US" dirty="0"/>
-              <a:t>Goal</a:t>
+              <a:t>Result state</a:t>
             </a:r>
           </a:p>
         </p:txBody>
@@ -14071,7 +14072,7 @@
             <a:pPr algn="ctr"/>
             <a:r>
               <a:rPr lang="en-US" dirty="0"/>
-              <a:t>Mean</a:t>
+              <a:t>Trajectory</a:t>
             </a:r>
           </a:p>
         </p:txBody>
@@ -14982,6 +14983,1251 @@
     <p:extLst>
       <p:ext uri="{BB962C8B-B14F-4D97-AF65-F5344CB8AC3E}">
         <p14:creationId xmlns:p14="http://schemas.microsoft.com/office/powerpoint/2010/main" val="3176175702"/>
+      </p:ext>
+    </p:extLst>
+  </p:cSld>
+  <p:clrMapOvr>
+    <a:masterClrMapping/>
+  </p:clrMapOvr>
+</p:sld>
+</file>
+
+<file path=ppt/slides/slide14.xml><?xml version="1.0" encoding="utf-8"?>
+<p:sld xmlns:a="http://schemas.openxmlformats.org/drawingml/2006/main" xmlns:r="http://schemas.openxmlformats.org/officeDocument/2006/relationships" xmlns:p="http://schemas.openxmlformats.org/presentationml/2006/main">
+  <p:cSld>
+    <p:spTree>
+      <p:nvGrpSpPr>
+        <p:cNvPr id="1" name=""/>
+        <p:cNvGrpSpPr/>
+        <p:nvPr/>
+      </p:nvGrpSpPr>
+      <p:grpSpPr>
+        <a:xfrm>
+          <a:off x="0" y="0"/>
+          <a:ext cx="0" cy="0"/>
+          <a:chOff x="0" y="0"/>
+          <a:chExt cx="0" cy="0"/>
+        </a:xfrm>
+      </p:grpSpPr>
+      <p:sp>
+        <p:nvSpPr>
+          <p:cNvPr id="8" name="Rectangle: Rounded Corners 7">
+            <a:extLst>
+              <a:ext uri="{FF2B5EF4-FFF2-40B4-BE49-F238E27FC236}">
+                <a16:creationId xmlns:a16="http://schemas.microsoft.com/office/drawing/2014/main" id="{B304AFB2-60BA-4E0D-B1C9-AE712F6EB3DD}"/>
+              </a:ext>
+            </a:extLst>
+          </p:cNvPr>
+          <p:cNvSpPr/>
+          <p:nvPr/>
+        </p:nvSpPr>
+        <p:spPr>
+          <a:xfrm>
+            <a:off x="2530910" y="705060"/>
+            <a:ext cx="1826301" cy="2061463"/>
+          </a:xfrm>
+          <a:prstGeom prst="roundRect">
+            <a:avLst/>
+          </a:prstGeom>
+        </p:spPr>
+        <p:style>
+          <a:lnRef idx="2">
+            <a:schemeClr val="accent1">
+              <a:shade val="50000"/>
+            </a:schemeClr>
+          </a:lnRef>
+          <a:fillRef idx="1">
+            <a:schemeClr val="accent1"/>
+          </a:fillRef>
+          <a:effectRef idx="0">
+            <a:schemeClr val="accent1"/>
+          </a:effectRef>
+          <a:fontRef idx="minor">
+            <a:schemeClr val="lt1"/>
+          </a:fontRef>
+        </p:style>
+        <p:txBody>
+          <a:bodyPr rtlCol="0" anchor="t"/>
+          <a:lstStyle/>
+          <a:p>
+            <a:pPr algn="ctr"/>
+            <a:r>
+              <a:rPr lang="en-US" sz="1600" dirty="0"/>
+              <a:t>Process data</a:t>
+            </a:r>
+          </a:p>
+        </p:txBody>
+      </p:sp>
+      <p:sp>
+        <p:nvSpPr>
+          <p:cNvPr id="17" name="Rectangle: Rounded Corners 16">
+            <a:extLst>
+              <a:ext uri="{FF2B5EF4-FFF2-40B4-BE49-F238E27FC236}">
+                <a16:creationId xmlns:a16="http://schemas.microsoft.com/office/drawing/2014/main" id="{392A212E-9B63-46FC-9884-88D4763D42EB}"/>
+              </a:ext>
+            </a:extLst>
+          </p:cNvPr>
+          <p:cNvSpPr/>
+          <p:nvPr/>
+        </p:nvSpPr>
+        <p:spPr>
+          <a:xfrm>
+            <a:off x="4709638" y="158729"/>
+            <a:ext cx="2531335" cy="1365074"/>
+          </a:xfrm>
+          <a:prstGeom prst="roundRect">
+            <a:avLst/>
+          </a:prstGeom>
+        </p:spPr>
+        <p:style>
+          <a:lnRef idx="2">
+            <a:schemeClr val="accent1">
+              <a:shade val="50000"/>
+            </a:schemeClr>
+          </a:lnRef>
+          <a:fillRef idx="1">
+            <a:schemeClr val="accent1"/>
+          </a:fillRef>
+          <a:effectRef idx="0">
+            <a:schemeClr val="accent1"/>
+          </a:effectRef>
+          <a:fontRef idx="minor">
+            <a:schemeClr val="lt1"/>
+          </a:fontRef>
+        </p:style>
+        <p:txBody>
+          <a:bodyPr rtlCol="0" anchor="t"/>
+          <a:lstStyle/>
+          <a:p>
+            <a:pPr algn="ctr"/>
+            <a:r>
+              <a:rPr lang="en-US" sz="1600" dirty="0"/>
+              <a:t>Progress learner</a:t>
+            </a:r>
+          </a:p>
+        </p:txBody>
+      </p:sp>
+      <p:sp>
+        <p:nvSpPr>
+          <p:cNvPr id="5" name="Rectangle: Rounded Corners 4">
+            <a:extLst>
+              <a:ext uri="{FF2B5EF4-FFF2-40B4-BE49-F238E27FC236}">
+                <a16:creationId xmlns:a16="http://schemas.microsoft.com/office/drawing/2014/main" id="{85685186-CF23-43DD-BA60-8179CB6E3D96}"/>
+              </a:ext>
+            </a:extLst>
+          </p:cNvPr>
+          <p:cNvSpPr/>
+          <p:nvPr/>
+        </p:nvSpPr>
+        <p:spPr>
+          <a:xfrm>
+            <a:off x="141448" y="707528"/>
+            <a:ext cx="1873924" cy="2058991"/>
+          </a:xfrm>
+          <a:prstGeom prst="roundRect">
+            <a:avLst/>
+          </a:prstGeom>
+        </p:spPr>
+        <p:style>
+          <a:lnRef idx="2">
+            <a:schemeClr val="accent1">
+              <a:shade val="50000"/>
+            </a:schemeClr>
+          </a:lnRef>
+          <a:fillRef idx="1">
+            <a:schemeClr val="accent1"/>
+          </a:fillRef>
+          <a:effectRef idx="0">
+            <a:schemeClr val="accent1"/>
+          </a:effectRef>
+          <a:fontRef idx="minor">
+            <a:schemeClr val="lt1"/>
+          </a:fontRef>
+        </p:style>
+        <p:txBody>
+          <a:bodyPr rtlCol="0" anchor="t"/>
+          <a:lstStyle/>
+          <a:p>
+            <a:pPr algn="ctr"/>
+            <a:r>
+              <a:rPr lang="en-US" dirty="0"/>
+              <a:t>Capture</a:t>
+            </a:r>
+          </a:p>
+        </p:txBody>
+      </p:sp>
+      <p:cxnSp>
+        <p:nvCxnSpPr>
+          <p:cNvPr id="7" name="Straight Arrow Connector 6">
+            <a:extLst>
+              <a:ext uri="{FF2B5EF4-FFF2-40B4-BE49-F238E27FC236}">
+                <a16:creationId xmlns:a16="http://schemas.microsoft.com/office/drawing/2014/main" id="{84E89CB0-53F1-47DF-8456-7C960A098DB3}"/>
+              </a:ext>
+            </a:extLst>
+          </p:cNvPr>
+          <p:cNvCxnSpPr>
+            <a:cxnSpLocks/>
+          </p:cNvCxnSpPr>
+          <p:nvPr/>
+        </p:nvCxnSpPr>
+        <p:spPr>
+          <a:xfrm flipV="1">
+            <a:off x="2091491" y="1738374"/>
+            <a:ext cx="388159" cy="1"/>
+          </a:xfrm>
+          <a:prstGeom prst="straightConnector1">
+            <a:avLst/>
+          </a:prstGeom>
+          <a:ln w="12700">
+            <a:tailEnd type="triangle"/>
+          </a:ln>
+        </p:spPr>
+        <p:style>
+          <a:lnRef idx="1">
+            <a:schemeClr val="accent1"/>
+          </a:lnRef>
+          <a:fillRef idx="0">
+            <a:schemeClr val="accent1"/>
+          </a:fillRef>
+          <a:effectRef idx="0">
+            <a:schemeClr val="accent1"/>
+          </a:effectRef>
+          <a:fontRef idx="minor">
+            <a:schemeClr val="tx1"/>
+          </a:fontRef>
+        </p:style>
+      </p:cxnSp>
+      <p:cxnSp>
+        <p:nvCxnSpPr>
+          <p:cNvPr id="16" name="Straight Arrow Connector 15">
+            <a:extLst>
+              <a:ext uri="{FF2B5EF4-FFF2-40B4-BE49-F238E27FC236}">
+                <a16:creationId xmlns:a16="http://schemas.microsoft.com/office/drawing/2014/main" id="{85FC4942-B34C-4B5F-90EE-B4F60819EA1B}"/>
+              </a:ext>
+            </a:extLst>
+          </p:cNvPr>
+          <p:cNvCxnSpPr>
+            <a:cxnSpLocks/>
+          </p:cNvCxnSpPr>
+          <p:nvPr/>
+        </p:nvCxnSpPr>
+        <p:spPr>
+          <a:xfrm flipV="1">
+            <a:off x="4397601" y="1726263"/>
+            <a:ext cx="280732" cy="9530"/>
+          </a:xfrm>
+          <a:prstGeom prst="straightConnector1">
+            <a:avLst/>
+          </a:prstGeom>
+          <a:ln w="12700">
+            <a:tailEnd type="triangle"/>
+          </a:ln>
+        </p:spPr>
+        <p:style>
+          <a:lnRef idx="1">
+            <a:schemeClr val="accent1"/>
+          </a:lnRef>
+          <a:fillRef idx="0">
+            <a:schemeClr val="accent1"/>
+          </a:fillRef>
+          <a:effectRef idx="0">
+            <a:schemeClr val="accent1"/>
+          </a:effectRef>
+          <a:fontRef idx="minor">
+            <a:schemeClr val="tx1"/>
+          </a:fontRef>
+        </p:style>
+      </p:cxnSp>
+      <p:sp>
+        <p:nvSpPr>
+          <p:cNvPr id="18" name="Rectangle: Rounded Corners 17">
+            <a:extLst>
+              <a:ext uri="{FF2B5EF4-FFF2-40B4-BE49-F238E27FC236}">
+                <a16:creationId xmlns:a16="http://schemas.microsoft.com/office/drawing/2014/main" id="{651447D9-0C99-4CE3-929E-B866B70FD89D}"/>
+              </a:ext>
+            </a:extLst>
+          </p:cNvPr>
+          <p:cNvSpPr/>
+          <p:nvPr/>
+        </p:nvSpPr>
+        <p:spPr>
+          <a:xfrm>
+            <a:off x="4703413" y="1795411"/>
+            <a:ext cx="2531334" cy="1463725"/>
+          </a:xfrm>
+          <a:prstGeom prst="roundRect">
+            <a:avLst/>
+          </a:prstGeom>
+        </p:spPr>
+        <p:style>
+          <a:lnRef idx="2">
+            <a:schemeClr val="accent1">
+              <a:shade val="50000"/>
+            </a:schemeClr>
+          </a:lnRef>
+          <a:fillRef idx="1">
+            <a:schemeClr val="accent1"/>
+          </a:fillRef>
+          <a:effectRef idx="0">
+            <a:schemeClr val="accent1"/>
+          </a:effectRef>
+          <a:fontRef idx="minor">
+            <a:schemeClr val="lt1"/>
+          </a:fontRef>
+        </p:style>
+        <p:txBody>
+          <a:bodyPr rtlCol="0" anchor="t"/>
+          <a:lstStyle/>
+          <a:p>
+            <a:pPr algn="ctr"/>
+            <a:r>
+              <a:rPr lang="en-US" dirty="0"/>
+              <a:t>RL algorithms</a:t>
+            </a:r>
+          </a:p>
+        </p:txBody>
+      </p:sp>
+      <p:grpSp>
+        <p:nvGrpSpPr>
+          <p:cNvPr id="61" name="Group 60">
+            <a:extLst>
+              <a:ext uri="{FF2B5EF4-FFF2-40B4-BE49-F238E27FC236}">
+                <a16:creationId xmlns:a16="http://schemas.microsoft.com/office/drawing/2014/main" id="{710ECC51-4302-467F-A181-63F4587B5CCA}"/>
+              </a:ext>
+            </a:extLst>
+          </p:cNvPr>
+          <p:cNvGrpSpPr/>
+          <p:nvPr/>
+        </p:nvGrpSpPr>
+        <p:grpSpPr>
+          <a:xfrm>
+            <a:off x="7864049" y="1191135"/>
+            <a:ext cx="2629538" cy="1085108"/>
+            <a:chOff x="7881905" y="1523802"/>
+            <a:chExt cx="2629538" cy="1169158"/>
+          </a:xfrm>
+        </p:grpSpPr>
+        <p:sp>
+          <p:nvSpPr>
+            <p:cNvPr id="29" name="Rectangle: Rounded Corners 28">
+              <a:extLst>
+                <a:ext uri="{FF2B5EF4-FFF2-40B4-BE49-F238E27FC236}">
+                  <a16:creationId xmlns:a16="http://schemas.microsoft.com/office/drawing/2014/main" id="{035F283D-BC6C-4318-A026-FEC37EEAAD3F}"/>
+                </a:ext>
+              </a:extLst>
+            </p:cNvPr>
+            <p:cNvSpPr/>
+            <p:nvPr/>
+          </p:nvSpPr>
+          <p:spPr>
+            <a:xfrm>
+              <a:off x="7889692" y="1523802"/>
+              <a:ext cx="2621751" cy="1169158"/>
+            </a:xfrm>
+            <a:prstGeom prst="roundRect">
+              <a:avLst/>
+            </a:prstGeom>
+          </p:spPr>
+          <p:style>
+            <a:lnRef idx="2">
+              <a:schemeClr val="accent1">
+                <a:shade val="50000"/>
+              </a:schemeClr>
+            </a:lnRef>
+            <a:fillRef idx="1">
+              <a:schemeClr val="accent1"/>
+            </a:fillRef>
+            <a:effectRef idx="0">
+              <a:schemeClr val="accent1"/>
+            </a:effectRef>
+            <a:fontRef idx="minor">
+              <a:schemeClr val="lt1"/>
+            </a:fontRef>
+          </p:style>
+          <p:txBody>
+            <a:bodyPr rtlCol="0" anchor="t"/>
+            <a:lstStyle/>
+            <a:p>
+              <a:pPr algn="ctr"/>
+              <a:r>
+                <a:rPr lang="en-US" sz="1600" dirty="0"/>
+                <a:t>2D Visualizer</a:t>
+              </a:r>
+            </a:p>
+          </p:txBody>
+        </p:sp>
+        <p:pic>
+          <p:nvPicPr>
+            <p:cNvPr id="20" name="Picture 19">
+              <a:extLst>
+                <a:ext uri="{FF2B5EF4-FFF2-40B4-BE49-F238E27FC236}">
+                  <a16:creationId xmlns:a16="http://schemas.microsoft.com/office/drawing/2014/main" id="{D7D8FED3-E637-4762-A3DE-ADDC79E27F86}"/>
+                </a:ext>
+              </a:extLst>
+            </p:cNvPr>
+            <p:cNvPicPr>
+              <a:picLocks noChangeAspect="1"/>
+            </p:cNvPicPr>
+            <p:nvPr/>
+          </p:nvPicPr>
+          <p:blipFill>
+            <a:blip r:embed="rId2">
+              <a:extLst>
+                <a:ext uri="{28A0092B-C50C-407E-A947-70E740481C1C}">
+                  <a14:useLocalDpi xmlns:a14="http://schemas.microsoft.com/office/drawing/2010/main" val="0"/>
+                </a:ext>
+              </a:extLst>
+            </a:blip>
+            <a:stretch>
+              <a:fillRect/>
+            </a:stretch>
+          </p:blipFill>
+          <p:spPr>
+            <a:xfrm>
+              <a:off x="7881905" y="1945459"/>
+              <a:ext cx="2621750" cy="674308"/>
+            </a:xfrm>
+            <a:prstGeom prst="rect">
+              <a:avLst/>
+            </a:prstGeom>
+          </p:spPr>
+        </p:pic>
+      </p:grpSp>
+      <p:pic>
+        <p:nvPicPr>
+          <p:cNvPr id="24" name="Picture 23">
+            <a:extLst>
+              <a:ext uri="{FF2B5EF4-FFF2-40B4-BE49-F238E27FC236}">
+                <a16:creationId xmlns:a16="http://schemas.microsoft.com/office/drawing/2014/main" id="{D4500AEF-3D61-48B2-ABF2-9F6A1F903802}"/>
+              </a:ext>
+            </a:extLst>
+          </p:cNvPr>
+          <p:cNvPicPr>
+            <a:picLocks noChangeAspect="1"/>
+          </p:cNvPicPr>
+          <p:nvPr/>
+        </p:nvPicPr>
+        <p:blipFill>
+          <a:blip r:embed="rId3">
+            <a:extLst>
+              <a:ext uri="{28A0092B-C50C-407E-A947-70E740481C1C}">
+                <a14:useLocalDpi xmlns:a14="http://schemas.microsoft.com/office/drawing/2010/main" val="0"/>
+              </a:ext>
+            </a:extLst>
+          </a:blip>
+          <a:stretch>
+            <a:fillRect/>
+          </a:stretch>
+        </p:blipFill>
+        <p:spPr>
+          <a:xfrm>
+            <a:off x="5111996" y="548693"/>
+            <a:ext cx="1717299" cy="941340"/>
+          </a:xfrm>
+          <a:prstGeom prst="rect">
+            <a:avLst/>
+          </a:prstGeom>
+        </p:spPr>
+      </p:pic>
+      <p:cxnSp>
+        <p:nvCxnSpPr>
+          <p:cNvPr id="26" name="Straight Arrow Connector 25">
+            <a:extLst>
+              <a:ext uri="{FF2B5EF4-FFF2-40B4-BE49-F238E27FC236}">
+                <a16:creationId xmlns:a16="http://schemas.microsoft.com/office/drawing/2014/main" id="{32455E8B-21C1-49B3-9466-FAE9441C2501}"/>
+              </a:ext>
+            </a:extLst>
+          </p:cNvPr>
+          <p:cNvCxnSpPr>
+            <a:cxnSpLocks/>
+          </p:cNvCxnSpPr>
+          <p:nvPr/>
+        </p:nvCxnSpPr>
+        <p:spPr>
+          <a:xfrm>
+            <a:off x="7285786" y="2302083"/>
+            <a:ext cx="506749" cy="0"/>
+          </a:xfrm>
+          <a:prstGeom prst="straightConnector1">
+            <a:avLst/>
+          </a:prstGeom>
+          <a:ln w="12700">
+            <a:tailEnd type="triangle"/>
+          </a:ln>
+        </p:spPr>
+        <p:style>
+          <a:lnRef idx="1">
+            <a:schemeClr val="accent1"/>
+          </a:lnRef>
+          <a:fillRef idx="0">
+            <a:schemeClr val="accent1"/>
+          </a:fillRef>
+          <a:effectRef idx="0">
+            <a:schemeClr val="accent1"/>
+          </a:effectRef>
+          <a:fontRef idx="minor">
+            <a:schemeClr val="tx1"/>
+          </a:fontRef>
+        </p:style>
+      </p:cxnSp>
+      <p:sp>
+        <p:nvSpPr>
+          <p:cNvPr id="30" name="Rectangle: Rounded Corners 29">
+            <a:extLst>
+              <a:ext uri="{FF2B5EF4-FFF2-40B4-BE49-F238E27FC236}">
+                <a16:creationId xmlns:a16="http://schemas.microsoft.com/office/drawing/2014/main" id="{94B89276-CDE2-41B8-8809-D63CA05E6560}"/>
+              </a:ext>
+            </a:extLst>
+          </p:cNvPr>
+          <p:cNvSpPr/>
+          <p:nvPr/>
+        </p:nvSpPr>
+        <p:spPr>
+          <a:xfrm>
+            <a:off x="7871836" y="2302083"/>
+            <a:ext cx="2621751" cy="1354883"/>
+          </a:xfrm>
+          <a:prstGeom prst="roundRect">
+            <a:avLst/>
+          </a:prstGeom>
+        </p:spPr>
+        <p:style>
+          <a:lnRef idx="2">
+            <a:schemeClr val="accent1">
+              <a:shade val="50000"/>
+            </a:schemeClr>
+          </a:lnRef>
+          <a:fillRef idx="1">
+            <a:schemeClr val="accent1"/>
+          </a:fillRef>
+          <a:effectRef idx="0">
+            <a:schemeClr val="accent1"/>
+          </a:effectRef>
+          <a:fontRef idx="minor">
+            <a:schemeClr val="lt1"/>
+          </a:fontRef>
+        </p:style>
+        <p:txBody>
+          <a:bodyPr rtlCol="0" anchor="t"/>
+          <a:lstStyle/>
+          <a:p>
+            <a:pPr algn="ctr"/>
+            <a:r>
+              <a:rPr lang="en-US" sz="1600" dirty="0"/>
+              <a:t>3D Visualizer</a:t>
+            </a:r>
+          </a:p>
+        </p:txBody>
+      </p:sp>
+      <p:pic>
+        <p:nvPicPr>
+          <p:cNvPr id="36" name="Picture 35">
+            <a:extLst>
+              <a:ext uri="{FF2B5EF4-FFF2-40B4-BE49-F238E27FC236}">
+                <a16:creationId xmlns:a16="http://schemas.microsoft.com/office/drawing/2014/main" id="{FBE1242C-1971-466F-8150-0F98A68EBEC3}"/>
+              </a:ext>
+            </a:extLst>
+          </p:cNvPr>
+          <p:cNvPicPr>
+            <a:picLocks noChangeAspect="1"/>
+          </p:cNvPicPr>
+          <p:nvPr/>
+        </p:nvPicPr>
+        <p:blipFill>
+          <a:blip r:embed="rId4">
+            <a:extLst>
+              <a:ext uri="{28A0092B-C50C-407E-A947-70E740481C1C}">
+                <a14:useLocalDpi xmlns:a14="http://schemas.microsoft.com/office/drawing/2010/main" val="0"/>
+              </a:ext>
+            </a:extLst>
+          </a:blip>
+          <a:stretch>
+            <a:fillRect/>
+          </a:stretch>
+        </p:blipFill>
+        <p:spPr>
+          <a:xfrm>
+            <a:off x="8500441" y="2692968"/>
+            <a:ext cx="1409354" cy="963998"/>
+          </a:xfrm>
+          <a:prstGeom prst="rect">
+            <a:avLst/>
+          </a:prstGeom>
+        </p:spPr>
+      </p:pic>
+      <p:pic>
+        <p:nvPicPr>
+          <p:cNvPr id="1026" name="Picture 2" descr="drl.png">
+            <a:extLst>
+              <a:ext uri="{FF2B5EF4-FFF2-40B4-BE49-F238E27FC236}">
+                <a16:creationId xmlns:a16="http://schemas.microsoft.com/office/drawing/2014/main" id="{DAD2A131-9B1F-4EE6-AEB7-648C92A3DB01}"/>
+              </a:ext>
+            </a:extLst>
+          </p:cNvPr>
+          <p:cNvPicPr>
+            <a:picLocks noChangeAspect="1" noChangeArrowheads="1"/>
+          </p:cNvPicPr>
+          <p:nvPr/>
+        </p:nvPicPr>
+        <p:blipFill>
+          <a:blip r:embed="rId5">
+            <a:extLst>
+              <a:ext uri="{28A0092B-C50C-407E-A947-70E740481C1C}">
+                <a14:useLocalDpi xmlns:a14="http://schemas.microsoft.com/office/drawing/2010/main" val="0"/>
+              </a:ext>
+            </a:extLst>
+          </a:blip>
+          <a:srcRect/>
+          <a:stretch>
+            <a:fillRect/>
+          </a:stretch>
+        </p:blipFill>
+        <p:spPr bwMode="auto">
+          <a:xfrm>
+            <a:off x="5111996" y="2302083"/>
+            <a:ext cx="1672422" cy="781770"/>
+          </a:xfrm>
+          <a:prstGeom prst="rect">
+            <a:avLst/>
+          </a:prstGeom>
+          <a:noFill/>
+          <a:extLst>
+            <a:ext uri="{909E8E84-426E-40DD-AFC4-6F175D3DCCD1}">
+              <a14:hiddenFill xmlns:a14="http://schemas.microsoft.com/office/drawing/2010/main">
+                <a:solidFill>
+                  <a:srgbClr val="FFFFFF"/>
+                </a:solidFill>
+              </a14:hiddenFill>
+            </a:ext>
+          </a:extLst>
+        </p:spPr>
+      </p:pic>
+      <p:pic>
+        <p:nvPicPr>
+          <p:cNvPr id="46" name="Graphic 45" descr="User">
+            <a:extLst>
+              <a:ext uri="{FF2B5EF4-FFF2-40B4-BE49-F238E27FC236}">
+                <a16:creationId xmlns:a16="http://schemas.microsoft.com/office/drawing/2014/main" id="{99ED5493-5C2F-4962-94D8-4AA8EAFCB281}"/>
+              </a:ext>
+            </a:extLst>
+          </p:cNvPr>
+          <p:cNvPicPr>
+            <a:picLocks noChangeAspect="1"/>
+          </p:cNvPicPr>
+          <p:nvPr/>
+        </p:nvPicPr>
+        <p:blipFill>
+          <a:blip r:embed="rId6">
+            <a:extLst>
+              <a:ext uri="{28A0092B-C50C-407E-A947-70E740481C1C}">
+                <a14:useLocalDpi xmlns:a14="http://schemas.microsoft.com/office/drawing/2010/main" val="0"/>
+              </a:ext>
+              <a:ext uri="{96DAC541-7B7A-43D3-8B79-37D633B846F1}">
+                <asvg:svgBlip xmlns:asvg="http://schemas.microsoft.com/office/drawing/2016/SVG/main" r:embed="rId7"/>
+              </a:ext>
+            </a:extLst>
+          </a:blip>
+          <a:stretch>
+            <a:fillRect/>
+          </a:stretch>
+        </p:blipFill>
+        <p:spPr>
+          <a:xfrm>
+            <a:off x="11075409" y="1085173"/>
+            <a:ext cx="914400" cy="914400"/>
+          </a:xfrm>
+          <a:prstGeom prst="rect">
+            <a:avLst/>
+          </a:prstGeom>
+        </p:spPr>
+      </p:pic>
+      <p:sp>
+        <p:nvSpPr>
+          <p:cNvPr id="48" name="Rectangle: Rounded Corners 47">
+            <a:extLst>
+              <a:ext uri="{FF2B5EF4-FFF2-40B4-BE49-F238E27FC236}">
+                <a16:creationId xmlns:a16="http://schemas.microsoft.com/office/drawing/2014/main" id="{C8B6EFD3-B617-46F5-A1AF-10E68C1FE390}"/>
+              </a:ext>
+            </a:extLst>
+          </p:cNvPr>
+          <p:cNvSpPr/>
+          <p:nvPr/>
+        </p:nvSpPr>
+        <p:spPr>
+          <a:xfrm>
+            <a:off x="8440534" y="35692"/>
+            <a:ext cx="1529861" cy="408703"/>
+          </a:xfrm>
+          <a:prstGeom prst="roundRect">
+            <a:avLst/>
+          </a:prstGeom>
+        </p:spPr>
+        <p:style>
+          <a:lnRef idx="2">
+            <a:schemeClr val="accent1">
+              <a:shade val="50000"/>
+            </a:schemeClr>
+          </a:lnRef>
+          <a:fillRef idx="1">
+            <a:schemeClr val="accent1"/>
+          </a:fillRef>
+          <a:effectRef idx="0">
+            <a:schemeClr val="accent1"/>
+          </a:effectRef>
+          <a:fontRef idx="minor">
+            <a:schemeClr val="lt1"/>
+          </a:fontRef>
+        </p:style>
+        <p:txBody>
+          <a:bodyPr rtlCol="0" anchor="ctr"/>
+          <a:lstStyle/>
+          <a:p>
+            <a:pPr algn="ctr"/>
+            <a:r>
+              <a:rPr lang="en-US" sz="1400" dirty="0"/>
+              <a:t>Interactive learner</a:t>
+            </a:r>
+          </a:p>
+        </p:txBody>
+      </p:sp>
+      <p:cxnSp>
+        <p:nvCxnSpPr>
+          <p:cNvPr id="49" name="Straight Arrow Connector 48">
+            <a:extLst>
+              <a:ext uri="{FF2B5EF4-FFF2-40B4-BE49-F238E27FC236}">
+                <a16:creationId xmlns:a16="http://schemas.microsoft.com/office/drawing/2014/main" id="{0C1F7EA4-3C03-44B5-9F73-17E73B616260}"/>
+              </a:ext>
+            </a:extLst>
+          </p:cNvPr>
+          <p:cNvCxnSpPr>
+            <a:cxnSpLocks/>
+          </p:cNvCxnSpPr>
+          <p:nvPr/>
+        </p:nvCxnSpPr>
+        <p:spPr>
+          <a:xfrm flipH="1" flipV="1">
+            <a:off x="10065140" y="158730"/>
+            <a:ext cx="1093238" cy="1066393"/>
+          </a:xfrm>
+          <a:prstGeom prst="straightConnector1">
+            <a:avLst/>
+          </a:prstGeom>
+          <a:ln w="12700">
+            <a:solidFill>
+              <a:schemeClr val="accent2">
+                <a:lumMod val="75000"/>
+              </a:schemeClr>
+            </a:solidFill>
+            <a:tailEnd type="triangle"/>
+          </a:ln>
+        </p:spPr>
+        <p:style>
+          <a:lnRef idx="1">
+            <a:schemeClr val="accent1"/>
+          </a:lnRef>
+          <a:fillRef idx="0">
+            <a:schemeClr val="accent1"/>
+          </a:fillRef>
+          <a:effectRef idx="0">
+            <a:schemeClr val="accent1"/>
+          </a:effectRef>
+          <a:fontRef idx="minor">
+            <a:schemeClr val="tx1"/>
+          </a:fontRef>
+        </p:style>
+      </p:cxnSp>
+      <p:cxnSp>
+        <p:nvCxnSpPr>
+          <p:cNvPr id="52" name="Straight Arrow Connector 51">
+            <a:extLst>
+              <a:ext uri="{FF2B5EF4-FFF2-40B4-BE49-F238E27FC236}">
+                <a16:creationId xmlns:a16="http://schemas.microsoft.com/office/drawing/2014/main" id="{F38D8D98-4192-4511-A113-55F1A6C6A21D}"/>
+              </a:ext>
+            </a:extLst>
+          </p:cNvPr>
+          <p:cNvCxnSpPr>
+            <a:cxnSpLocks/>
+          </p:cNvCxnSpPr>
+          <p:nvPr/>
+        </p:nvCxnSpPr>
+        <p:spPr>
+          <a:xfrm flipH="1">
+            <a:off x="7285786" y="180228"/>
+            <a:ext cx="1041752" cy="602798"/>
+          </a:xfrm>
+          <a:prstGeom prst="straightConnector1">
+            <a:avLst/>
+          </a:prstGeom>
+          <a:ln w="12700">
+            <a:tailEnd type="triangle"/>
+          </a:ln>
+        </p:spPr>
+        <p:style>
+          <a:lnRef idx="1">
+            <a:schemeClr val="accent1"/>
+          </a:lnRef>
+          <a:fillRef idx="0">
+            <a:schemeClr val="accent1"/>
+          </a:fillRef>
+          <a:effectRef idx="0">
+            <a:schemeClr val="accent1"/>
+          </a:effectRef>
+          <a:fontRef idx="minor">
+            <a:schemeClr val="tx1"/>
+          </a:fontRef>
+        </p:style>
+      </p:cxnSp>
+      <p:sp>
+        <p:nvSpPr>
+          <p:cNvPr id="56" name="Rectangle: Rounded Corners 55">
+            <a:extLst>
+              <a:ext uri="{FF2B5EF4-FFF2-40B4-BE49-F238E27FC236}">
+                <a16:creationId xmlns:a16="http://schemas.microsoft.com/office/drawing/2014/main" id="{112DB57A-2E65-4C11-A9EE-FEA2BEB8AE55}"/>
+              </a:ext>
+            </a:extLst>
+          </p:cNvPr>
+          <p:cNvSpPr/>
+          <p:nvPr/>
+        </p:nvSpPr>
+        <p:spPr>
+          <a:xfrm>
+            <a:off x="8440534" y="490490"/>
+            <a:ext cx="1529861" cy="448723"/>
+          </a:xfrm>
+          <a:prstGeom prst="roundRect">
+            <a:avLst/>
+          </a:prstGeom>
+        </p:spPr>
+        <p:style>
+          <a:lnRef idx="2">
+            <a:schemeClr val="accent1">
+              <a:shade val="50000"/>
+            </a:schemeClr>
+          </a:lnRef>
+          <a:fillRef idx="1">
+            <a:schemeClr val="accent1"/>
+          </a:fillRef>
+          <a:effectRef idx="0">
+            <a:schemeClr val="accent1"/>
+          </a:effectRef>
+          <a:fontRef idx="minor">
+            <a:schemeClr val="lt1"/>
+          </a:fontRef>
+        </p:style>
+        <p:txBody>
+          <a:bodyPr rtlCol="0" anchor="ctr"/>
+          <a:lstStyle/>
+          <a:p>
+            <a:pPr algn="ctr"/>
+            <a:r>
+              <a:rPr lang="en-US" sz="1600" dirty="0"/>
+              <a:t>Automatic </a:t>
+            </a:r>
+            <a:r>
+              <a:rPr lang="en-US" sz="1400" dirty="0"/>
+              <a:t>Evaluator</a:t>
+            </a:r>
+          </a:p>
+        </p:txBody>
+      </p:sp>
+      <p:cxnSp>
+        <p:nvCxnSpPr>
+          <p:cNvPr id="57" name="Straight Arrow Connector 56">
+            <a:extLst>
+              <a:ext uri="{FF2B5EF4-FFF2-40B4-BE49-F238E27FC236}">
+                <a16:creationId xmlns:a16="http://schemas.microsoft.com/office/drawing/2014/main" id="{D364D252-9F9E-45B8-BE33-E44DA2E0ABAB}"/>
+              </a:ext>
+            </a:extLst>
+          </p:cNvPr>
+          <p:cNvCxnSpPr>
+            <a:cxnSpLocks/>
+          </p:cNvCxnSpPr>
+          <p:nvPr/>
+        </p:nvCxnSpPr>
+        <p:spPr>
+          <a:xfrm flipH="1" flipV="1">
+            <a:off x="10139263" y="771884"/>
+            <a:ext cx="1019115" cy="638001"/>
+          </a:xfrm>
+          <a:prstGeom prst="straightConnector1">
+            <a:avLst/>
+          </a:prstGeom>
+          <a:ln w="12700">
+            <a:solidFill>
+              <a:schemeClr val="accent2">
+                <a:lumMod val="75000"/>
+              </a:schemeClr>
+            </a:solidFill>
+            <a:tailEnd type="triangle"/>
+          </a:ln>
+        </p:spPr>
+        <p:style>
+          <a:lnRef idx="1">
+            <a:schemeClr val="accent1"/>
+          </a:lnRef>
+          <a:fillRef idx="0">
+            <a:schemeClr val="accent1"/>
+          </a:fillRef>
+          <a:effectRef idx="0">
+            <a:schemeClr val="accent1"/>
+          </a:effectRef>
+          <a:fontRef idx="minor">
+            <a:schemeClr val="tx1"/>
+          </a:fontRef>
+        </p:style>
+      </p:cxnSp>
+      <p:cxnSp>
+        <p:nvCxnSpPr>
+          <p:cNvPr id="60" name="Straight Arrow Connector 59">
+            <a:extLst>
+              <a:ext uri="{FF2B5EF4-FFF2-40B4-BE49-F238E27FC236}">
+                <a16:creationId xmlns:a16="http://schemas.microsoft.com/office/drawing/2014/main" id="{ED394B79-118A-4C0A-A769-C8825D54793C}"/>
+              </a:ext>
+            </a:extLst>
+          </p:cNvPr>
+          <p:cNvCxnSpPr>
+            <a:cxnSpLocks/>
+          </p:cNvCxnSpPr>
+          <p:nvPr/>
+        </p:nvCxnSpPr>
+        <p:spPr>
+          <a:xfrm>
+            <a:off x="10538400" y="1713344"/>
+            <a:ext cx="617356" cy="12919"/>
+          </a:xfrm>
+          <a:prstGeom prst="straightConnector1">
+            <a:avLst/>
+          </a:prstGeom>
+          <a:ln w="12700">
+            <a:tailEnd type="triangle"/>
+          </a:ln>
+        </p:spPr>
+        <p:style>
+          <a:lnRef idx="1">
+            <a:schemeClr val="accent1"/>
+          </a:lnRef>
+          <a:fillRef idx="0">
+            <a:schemeClr val="accent1"/>
+          </a:fillRef>
+          <a:effectRef idx="0">
+            <a:schemeClr val="accent1"/>
+          </a:effectRef>
+          <a:fontRef idx="minor">
+            <a:schemeClr val="tx1"/>
+          </a:fontRef>
+        </p:style>
+      </p:cxnSp>
+      <p:pic>
+        <p:nvPicPr>
+          <p:cNvPr id="13" name="Picture 12">
+            <a:extLst>
+              <a:ext uri="{FF2B5EF4-FFF2-40B4-BE49-F238E27FC236}">
+                <a16:creationId xmlns:a16="http://schemas.microsoft.com/office/drawing/2014/main" id="{E7F6AA3F-ABC3-44C4-AEA6-F5A243ECAD14}"/>
+              </a:ext>
+            </a:extLst>
+          </p:cNvPr>
+          <p:cNvPicPr>
+            <a:picLocks noChangeAspect="1"/>
+          </p:cNvPicPr>
+          <p:nvPr/>
+        </p:nvPicPr>
+        <p:blipFill>
+          <a:blip r:embed="rId8">
+            <a:extLst>
+              <a:ext uri="{28A0092B-C50C-407E-A947-70E740481C1C}">
+                <a14:useLocalDpi xmlns:a14="http://schemas.microsoft.com/office/drawing/2010/main" val="0"/>
+              </a:ext>
+            </a:extLst>
+          </a:blip>
+          <a:stretch>
+            <a:fillRect/>
+          </a:stretch>
+        </p:blipFill>
+        <p:spPr>
+          <a:xfrm>
+            <a:off x="2680399" y="1191135"/>
+            <a:ext cx="1521744" cy="1476605"/>
+          </a:xfrm>
+          <a:prstGeom prst="roundRect">
+            <a:avLst>
+              <a:gd name="adj" fmla="val 8594"/>
+            </a:avLst>
+          </a:prstGeom>
+          <a:solidFill>
+            <a:srgbClr val="FFFFFF">
+              <a:shade val="85000"/>
+            </a:srgbClr>
+          </a:solidFill>
+          <a:ln>
+            <a:noFill/>
+          </a:ln>
+          <a:effectLst>
+            <a:reflection blurRad="12700" stA="38000" endPos="28000" dist="5000" dir="5400000" sy="-100000" algn="bl" rotWithShape="0"/>
+          </a:effectLst>
+        </p:spPr>
+      </p:pic>
+      <p:pic>
+        <p:nvPicPr>
+          <p:cNvPr id="3" name="Picture 2">
+            <a:extLst>
+              <a:ext uri="{FF2B5EF4-FFF2-40B4-BE49-F238E27FC236}">
+                <a16:creationId xmlns:a16="http://schemas.microsoft.com/office/drawing/2014/main" id="{934984F2-9946-4302-9D49-8D61B5221C9B}"/>
+              </a:ext>
+            </a:extLst>
+          </p:cNvPr>
+          <p:cNvPicPr>
+            <a:picLocks noChangeAspect="1"/>
+          </p:cNvPicPr>
+          <p:nvPr/>
+        </p:nvPicPr>
+        <p:blipFill>
+          <a:blip r:embed="rId9">
+            <a:extLst>
+              <a:ext uri="{28A0092B-C50C-407E-A947-70E740481C1C}">
+                <a14:useLocalDpi xmlns:a14="http://schemas.microsoft.com/office/drawing/2010/main" val="0"/>
+              </a:ext>
+            </a:extLst>
+          </a:blip>
+          <a:stretch>
+            <a:fillRect/>
+          </a:stretch>
+        </p:blipFill>
+        <p:spPr>
+          <a:xfrm>
+            <a:off x="233265" y="1523803"/>
+            <a:ext cx="1695197" cy="1024220"/>
+          </a:xfrm>
+          <a:prstGeom prst="rect">
+            <a:avLst/>
+          </a:prstGeom>
+        </p:spPr>
+      </p:pic>
+      <p:cxnSp>
+        <p:nvCxnSpPr>
+          <p:cNvPr id="84" name="Straight Arrow Connector 83">
+            <a:extLst>
+              <a:ext uri="{FF2B5EF4-FFF2-40B4-BE49-F238E27FC236}">
+                <a16:creationId xmlns:a16="http://schemas.microsoft.com/office/drawing/2014/main" id="{880E4A8B-E082-423E-9AAD-076E3391580D}"/>
+              </a:ext>
+            </a:extLst>
+          </p:cNvPr>
+          <p:cNvCxnSpPr>
+            <a:cxnSpLocks/>
+          </p:cNvCxnSpPr>
+          <p:nvPr/>
+        </p:nvCxnSpPr>
+        <p:spPr>
+          <a:xfrm flipV="1">
+            <a:off x="10597036" y="1999573"/>
+            <a:ext cx="702337" cy="1126267"/>
+          </a:xfrm>
+          <a:prstGeom prst="straightConnector1">
+            <a:avLst/>
+          </a:prstGeom>
+          <a:ln w="12700">
+            <a:tailEnd type="triangle"/>
+          </a:ln>
+        </p:spPr>
+        <p:style>
+          <a:lnRef idx="1">
+            <a:schemeClr val="accent1"/>
+          </a:lnRef>
+          <a:fillRef idx="0">
+            <a:schemeClr val="accent1"/>
+          </a:fillRef>
+          <a:effectRef idx="0">
+            <a:schemeClr val="accent1"/>
+          </a:effectRef>
+          <a:fontRef idx="minor">
+            <a:schemeClr val="tx1"/>
+          </a:fontRef>
+        </p:style>
+      </p:cxnSp>
+      <p:cxnSp>
+        <p:nvCxnSpPr>
+          <p:cNvPr id="89" name="Straight Arrow Connector 88">
+            <a:extLst>
+              <a:ext uri="{FF2B5EF4-FFF2-40B4-BE49-F238E27FC236}">
+                <a16:creationId xmlns:a16="http://schemas.microsoft.com/office/drawing/2014/main" id="{0DEEF98B-0AA2-4442-97EE-9699B04EB8FD}"/>
+              </a:ext>
+            </a:extLst>
+          </p:cNvPr>
+          <p:cNvCxnSpPr>
+            <a:cxnSpLocks/>
+          </p:cNvCxnSpPr>
+          <p:nvPr/>
+        </p:nvCxnSpPr>
+        <p:spPr>
+          <a:xfrm flipH="1">
+            <a:off x="10526674" y="1838277"/>
+            <a:ext cx="613508" cy="0"/>
+          </a:xfrm>
+          <a:prstGeom prst="straightConnector1">
+            <a:avLst/>
+          </a:prstGeom>
+          <a:ln w="12700">
+            <a:solidFill>
+              <a:schemeClr val="accent2">
+                <a:lumMod val="75000"/>
+              </a:schemeClr>
+            </a:solidFill>
+            <a:tailEnd type="triangle"/>
+          </a:ln>
+        </p:spPr>
+        <p:style>
+          <a:lnRef idx="1">
+            <a:schemeClr val="accent1"/>
+          </a:lnRef>
+          <a:fillRef idx="0">
+            <a:schemeClr val="accent1"/>
+          </a:fillRef>
+          <a:effectRef idx="0">
+            <a:schemeClr val="accent1"/>
+          </a:effectRef>
+          <a:fontRef idx="minor">
+            <a:schemeClr val="tx1"/>
+          </a:fontRef>
+        </p:style>
+      </p:cxnSp>
+      <p:cxnSp>
+        <p:nvCxnSpPr>
+          <p:cNvPr id="93" name="Straight Arrow Connector 92">
+            <a:extLst>
+              <a:ext uri="{FF2B5EF4-FFF2-40B4-BE49-F238E27FC236}">
+                <a16:creationId xmlns:a16="http://schemas.microsoft.com/office/drawing/2014/main" id="{70F128CD-95A1-4146-9287-9E4E0230A95D}"/>
+              </a:ext>
+            </a:extLst>
+          </p:cNvPr>
+          <p:cNvCxnSpPr>
+            <a:cxnSpLocks/>
+          </p:cNvCxnSpPr>
+          <p:nvPr/>
+        </p:nvCxnSpPr>
+        <p:spPr>
+          <a:xfrm flipH="1">
+            <a:off x="10648820" y="2094075"/>
+            <a:ext cx="756296" cy="1193060"/>
+          </a:xfrm>
+          <a:prstGeom prst="straightConnector1">
+            <a:avLst/>
+          </a:prstGeom>
+          <a:ln w="12700">
+            <a:solidFill>
+              <a:schemeClr val="accent2">
+                <a:lumMod val="75000"/>
+              </a:schemeClr>
+            </a:solidFill>
+            <a:tailEnd type="triangle"/>
+          </a:ln>
+        </p:spPr>
+        <p:style>
+          <a:lnRef idx="1">
+            <a:schemeClr val="accent1"/>
+          </a:lnRef>
+          <a:fillRef idx="0">
+            <a:schemeClr val="accent1"/>
+          </a:fillRef>
+          <a:effectRef idx="0">
+            <a:schemeClr val="accent1"/>
+          </a:effectRef>
+          <a:fontRef idx="minor">
+            <a:schemeClr val="tx1"/>
+          </a:fontRef>
+        </p:style>
+      </p:cxnSp>
+      <p:cxnSp>
+        <p:nvCxnSpPr>
+          <p:cNvPr id="96" name="Straight Arrow Connector 95">
+            <a:extLst>
+              <a:ext uri="{FF2B5EF4-FFF2-40B4-BE49-F238E27FC236}">
+                <a16:creationId xmlns:a16="http://schemas.microsoft.com/office/drawing/2014/main" id="{28530DD2-64A5-4F3B-B204-C66FC95845E9}"/>
+              </a:ext>
+            </a:extLst>
+          </p:cNvPr>
+          <p:cNvCxnSpPr>
+            <a:cxnSpLocks/>
+          </p:cNvCxnSpPr>
+          <p:nvPr/>
+        </p:nvCxnSpPr>
+        <p:spPr>
+          <a:xfrm flipH="1">
+            <a:off x="9205118" y="939214"/>
+            <a:ext cx="346" cy="234994"/>
+          </a:xfrm>
+          <a:prstGeom prst="straightConnector1">
+            <a:avLst/>
+          </a:prstGeom>
+          <a:ln w="12700">
+            <a:solidFill>
+              <a:schemeClr val="accent2">
+                <a:lumMod val="75000"/>
+              </a:schemeClr>
+            </a:solidFill>
+            <a:tailEnd type="triangle"/>
+          </a:ln>
+        </p:spPr>
+        <p:style>
+          <a:lnRef idx="1">
+            <a:schemeClr val="accent1"/>
+          </a:lnRef>
+          <a:fillRef idx="0">
+            <a:schemeClr val="accent1"/>
+          </a:fillRef>
+          <a:effectRef idx="0">
+            <a:schemeClr val="accent1"/>
+          </a:effectRef>
+          <a:fontRef idx="minor">
+            <a:schemeClr val="tx1"/>
+          </a:fontRef>
+        </p:style>
+      </p:cxnSp>
+      <p:cxnSp>
+        <p:nvCxnSpPr>
+          <p:cNvPr id="104" name="Straight Arrow Connector 103">
+            <a:extLst>
+              <a:ext uri="{FF2B5EF4-FFF2-40B4-BE49-F238E27FC236}">
+                <a16:creationId xmlns:a16="http://schemas.microsoft.com/office/drawing/2014/main" id="{CCDDEDA8-768B-4C90-91A1-B73E5DC76B87}"/>
+              </a:ext>
+            </a:extLst>
+          </p:cNvPr>
+          <p:cNvCxnSpPr>
+            <a:cxnSpLocks/>
+            <a:stCxn id="24" idx="2"/>
+            <a:endCxn id="18" idx="0"/>
+          </p:cNvCxnSpPr>
+          <p:nvPr/>
+        </p:nvCxnSpPr>
+        <p:spPr>
+          <a:xfrm flipH="1">
+            <a:off x="5969080" y="1490033"/>
+            <a:ext cx="1566" cy="305378"/>
+          </a:xfrm>
+          <a:prstGeom prst="straightConnector1">
+            <a:avLst/>
+          </a:prstGeom>
+          <a:ln w="12700">
+            <a:tailEnd type="triangle"/>
+          </a:ln>
+        </p:spPr>
+        <p:style>
+          <a:lnRef idx="1">
+            <a:schemeClr val="accent1"/>
+          </a:lnRef>
+          <a:fillRef idx="0">
+            <a:schemeClr val="accent1"/>
+          </a:fillRef>
+          <a:effectRef idx="0">
+            <a:schemeClr val="accent1"/>
+          </a:effectRef>
+          <a:fontRef idx="minor">
+            <a:schemeClr val="tx1"/>
+          </a:fontRef>
+        </p:style>
+      </p:cxnSp>
+    </p:spTree>
+    <p:extLst>
+      <p:ext uri="{BB962C8B-B14F-4D97-AF65-F5344CB8AC3E}">
+        <p14:creationId xmlns:p14="http://schemas.microsoft.com/office/powerpoint/2010/main" val="2898107555"/>
       </p:ext>
     </p:extLst>
   </p:cSld>

--- a/miscellanous/shapes.pptx
+++ b/miscellanous/shapes.pptx
@@ -15029,6 +15029,11 @@
           <a:prstGeom prst="roundRect">
             <a:avLst/>
           </a:prstGeom>
+          <a:solidFill>
+            <a:srgbClr val="4472C4">
+              <a:alpha val="69804"/>
+            </a:srgbClr>
+          </a:solidFill>
         </p:spPr>
         <p:style>
           <a:lnRef idx="2">
@@ -15078,6 +15083,11 @@
           <a:prstGeom prst="roundRect">
             <a:avLst/>
           </a:prstGeom>
+          <a:solidFill>
+            <a:srgbClr val="4472C4">
+              <a:alpha val="69804"/>
+            </a:srgbClr>
+          </a:solidFill>
         </p:spPr>
         <p:style>
           <a:lnRef idx="2">
@@ -15127,6 +15137,18 @@
           <a:prstGeom prst="roundRect">
             <a:avLst/>
           </a:prstGeom>
+          <a:solidFill>
+            <a:srgbClr val="4472C4">
+              <a:alpha val="69804"/>
+            </a:srgbClr>
+          </a:solidFill>
+          <a:ln>
+            <a:solidFill>
+              <a:srgbClr val="2F528F">
+                <a:alpha val="50196"/>
+              </a:srgbClr>
+            </a:solidFill>
+          </a:ln>
         </p:spPr>
         <p:style>
           <a:lnRef idx="2">
@@ -15258,6 +15280,11 @@
           <a:prstGeom prst="roundRect">
             <a:avLst/>
           </a:prstGeom>
+          <a:solidFill>
+            <a:srgbClr val="4472C4">
+              <a:alpha val="69804"/>
+            </a:srgbClr>
+          </a:solidFill>
         </p:spPr>
         <p:style>
           <a:lnRef idx="2">
@@ -15287,118 +15314,66 @@
           </a:p>
         </p:txBody>
       </p:sp>
-      <p:grpSp>
-        <p:nvGrpSpPr>
-          <p:cNvPr id="61" name="Group 60">
-            <a:extLst>
-              <a:ext uri="{FF2B5EF4-FFF2-40B4-BE49-F238E27FC236}">
-                <a16:creationId xmlns:a16="http://schemas.microsoft.com/office/drawing/2014/main" id="{710ECC51-4302-467F-A181-63F4587B5CCA}"/>
-              </a:ext>
-            </a:extLst>
-          </p:cNvPr>
-          <p:cNvGrpSpPr/>
-          <p:nvPr/>
-        </p:nvGrpSpPr>
-        <p:grpSpPr>
-          <a:xfrm>
-            <a:off x="7864049" y="1191135"/>
-            <a:ext cx="2629538" cy="1085108"/>
-            <a:chOff x="7881905" y="1523802"/>
-            <a:chExt cx="2629538" cy="1169158"/>
-          </a:xfrm>
-        </p:grpSpPr>
-        <p:sp>
-          <p:nvSpPr>
-            <p:cNvPr id="29" name="Rectangle: Rounded Corners 28">
-              <a:extLst>
-                <a:ext uri="{FF2B5EF4-FFF2-40B4-BE49-F238E27FC236}">
-                  <a16:creationId xmlns:a16="http://schemas.microsoft.com/office/drawing/2014/main" id="{035F283D-BC6C-4318-A026-FEC37EEAAD3F}"/>
-                </a:ext>
-              </a:extLst>
-            </p:cNvPr>
-            <p:cNvSpPr/>
-            <p:nvPr/>
-          </p:nvSpPr>
-          <p:spPr>
-            <a:xfrm>
-              <a:off x="7889692" y="1523802"/>
-              <a:ext cx="2621751" cy="1169158"/>
-            </a:xfrm>
-            <a:prstGeom prst="roundRect">
-              <a:avLst/>
-            </a:prstGeom>
-          </p:spPr>
-          <p:style>
-            <a:lnRef idx="2">
-              <a:schemeClr val="accent1">
-                <a:shade val="50000"/>
-              </a:schemeClr>
-            </a:lnRef>
-            <a:fillRef idx="1">
-              <a:schemeClr val="accent1"/>
-            </a:fillRef>
-            <a:effectRef idx="0">
-              <a:schemeClr val="accent1"/>
-            </a:effectRef>
-            <a:fontRef idx="minor">
-              <a:schemeClr val="lt1"/>
-            </a:fontRef>
-          </p:style>
-          <p:txBody>
-            <a:bodyPr rtlCol="0" anchor="t"/>
-            <a:lstStyle/>
-            <a:p>
-              <a:pPr algn="ctr"/>
-              <a:r>
-                <a:rPr lang="en-US" sz="1600" dirty="0"/>
-                <a:t>2D Visualizer</a:t>
-              </a:r>
-            </a:p>
-          </p:txBody>
-        </p:sp>
-        <p:pic>
-          <p:nvPicPr>
-            <p:cNvPr id="20" name="Picture 19">
-              <a:extLst>
-                <a:ext uri="{FF2B5EF4-FFF2-40B4-BE49-F238E27FC236}">
-                  <a16:creationId xmlns:a16="http://schemas.microsoft.com/office/drawing/2014/main" id="{D7D8FED3-E637-4762-A3DE-ADDC79E27F86}"/>
-                </a:ext>
-              </a:extLst>
-            </p:cNvPr>
-            <p:cNvPicPr>
-              <a:picLocks noChangeAspect="1"/>
-            </p:cNvPicPr>
-            <p:nvPr/>
-          </p:nvPicPr>
-          <p:blipFill>
-            <a:blip r:embed="rId2">
-              <a:extLst>
-                <a:ext uri="{28A0092B-C50C-407E-A947-70E740481C1C}">
-                  <a14:useLocalDpi xmlns:a14="http://schemas.microsoft.com/office/drawing/2010/main" val="0"/>
-                </a:ext>
-              </a:extLst>
-            </a:blip>
-            <a:stretch>
-              <a:fillRect/>
-            </a:stretch>
-          </p:blipFill>
-          <p:spPr>
-            <a:xfrm>
-              <a:off x="7881905" y="1945459"/>
-              <a:ext cx="2621750" cy="674308"/>
-            </a:xfrm>
-            <a:prstGeom prst="rect">
-              <a:avLst/>
-            </a:prstGeom>
-          </p:spPr>
-        </p:pic>
-      </p:grpSp>
+      <p:sp>
+        <p:nvSpPr>
+          <p:cNvPr id="29" name="Rectangle: Rounded Corners 28">
+            <a:extLst>
+              <a:ext uri="{FF2B5EF4-FFF2-40B4-BE49-F238E27FC236}">
+                <a16:creationId xmlns:a16="http://schemas.microsoft.com/office/drawing/2014/main" id="{035F283D-BC6C-4318-A026-FEC37EEAAD3F}"/>
+              </a:ext>
+            </a:extLst>
+          </p:cNvPr>
+          <p:cNvSpPr/>
+          <p:nvPr/>
+        </p:nvSpPr>
+        <p:spPr>
+          <a:xfrm>
+            <a:off x="7871836" y="1191135"/>
+            <a:ext cx="2621751" cy="1085108"/>
+          </a:xfrm>
+          <a:prstGeom prst="roundRect">
+            <a:avLst/>
+          </a:prstGeom>
+          <a:solidFill>
+            <a:srgbClr val="4472C4">
+              <a:alpha val="69804"/>
+            </a:srgbClr>
+          </a:solidFill>
+        </p:spPr>
+        <p:style>
+          <a:lnRef idx="2">
+            <a:schemeClr val="accent1">
+              <a:shade val="50000"/>
+            </a:schemeClr>
+          </a:lnRef>
+          <a:fillRef idx="1">
+            <a:schemeClr val="accent1"/>
+          </a:fillRef>
+          <a:effectRef idx="0">
+            <a:schemeClr val="accent1"/>
+          </a:effectRef>
+          <a:fontRef idx="minor">
+            <a:schemeClr val="lt1"/>
+          </a:fontRef>
+        </p:style>
+        <p:txBody>
+          <a:bodyPr rtlCol="0" anchor="t"/>
+          <a:lstStyle/>
+          <a:p>
+            <a:pPr algn="ctr"/>
+            <a:r>
+              <a:rPr lang="en-US" sz="1600" dirty="0"/>
+              <a:t>2D Visualizer</a:t>
+            </a:r>
+          </a:p>
+        </p:txBody>
+      </p:sp>
       <p:pic>
         <p:nvPicPr>
-          <p:cNvPr id="24" name="Picture 23">
-            <a:extLst>
-              <a:ext uri="{FF2B5EF4-FFF2-40B4-BE49-F238E27FC236}">
-                <a16:creationId xmlns:a16="http://schemas.microsoft.com/office/drawing/2014/main" id="{D4500AEF-3D61-48B2-ABF2-9F6A1F903802}"/>
+          <p:cNvPr id="20" name="Picture 19">
+            <a:extLst>
+              <a:ext uri="{FF2B5EF4-FFF2-40B4-BE49-F238E27FC236}">
+                <a16:creationId xmlns:a16="http://schemas.microsoft.com/office/drawing/2014/main" id="{D7D8FED3-E637-4762-A3DE-ADDC79E27F86}"/>
               </a:ext>
             </a:extLst>
           </p:cNvPr>
@@ -15408,7 +15383,7 @@
           <p:nvPr/>
         </p:nvPicPr>
         <p:blipFill>
-          <a:blip r:embed="rId3">
+          <a:blip r:embed="rId2">
             <a:extLst>
               <a:ext uri="{28A0092B-C50C-407E-A947-70E740481C1C}">
                 <a14:useLocalDpi xmlns:a14="http://schemas.microsoft.com/office/drawing/2010/main" val="0"/>
@@ -15421,6 +15396,45 @@
         </p:blipFill>
         <p:spPr>
           <a:xfrm>
+            <a:off x="7864049" y="1582479"/>
+            <a:ext cx="2621750" cy="625832"/>
+          </a:xfrm>
+          <a:prstGeom prst="rect">
+            <a:avLst/>
+          </a:prstGeom>
+          <a:solidFill>
+            <a:schemeClr val="accent1"/>
+          </a:solidFill>
+        </p:spPr>
+      </p:pic>
+      <p:pic>
+        <p:nvPicPr>
+          <p:cNvPr id="24" name="Picture 23">
+            <a:extLst>
+              <a:ext uri="{FF2B5EF4-FFF2-40B4-BE49-F238E27FC236}">
+                <a16:creationId xmlns:a16="http://schemas.microsoft.com/office/drawing/2014/main" id="{D4500AEF-3D61-48B2-ABF2-9F6A1F903802}"/>
+              </a:ext>
+            </a:extLst>
+          </p:cNvPr>
+          <p:cNvPicPr>
+            <a:picLocks noChangeAspect="1"/>
+          </p:cNvPicPr>
+          <p:nvPr/>
+        </p:nvPicPr>
+        <p:blipFill>
+          <a:blip r:embed="rId3">
+            <a:extLst>
+              <a:ext uri="{28A0092B-C50C-407E-A947-70E740481C1C}">
+                <a14:useLocalDpi xmlns:a14="http://schemas.microsoft.com/office/drawing/2010/main" val="0"/>
+              </a:ext>
+            </a:extLst>
+          </a:blip>
+          <a:stretch>
+            <a:fillRect/>
+          </a:stretch>
+        </p:blipFill>
+        <p:spPr>
+          <a:xfrm>
             <a:off x="5111996" y="548693"/>
             <a:ext cx="1717299" cy="941340"/>
           </a:xfrm>
@@ -15490,6 +15504,11 @@
           <a:prstGeom prst="roundRect">
             <a:avLst/>
           </a:prstGeom>
+          <a:solidFill>
+            <a:srgbClr val="4472C4">
+              <a:alpha val="69804"/>
+            </a:srgbClr>
+          </a:solidFill>
         </p:spPr>
         <p:style>
           <a:lnRef idx="2">
@@ -15661,6 +15680,11 @@
           <a:prstGeom prst="roundRect">
             <a:avLst/>
           </a:prstGeom>
+          <a:solidFill>
+            <a:srgbClr val="4472C4">
+              <a:alpha val="69804"/>
+            </a:srgbClr>
+          </a:solidFill>
         </p:spPr>
         <p:style>
           <a:lnRef idx="2">
@@ -15797,6 +15821,11 @@
           <a:prstGeom prst="roundRect">
             <a:avLst/>
           </a:prstGeom>
+          <a:solidFill>
+            <a:srgbClr val="4472C4">
+              <a:alpha val="69804"/>
+            </a:srgbClr>
+          </a:solidFill>
         </p:spPr>
         <p:style>
           <a:lnRef idx="2">

--- a/miscellanous/shapes.pptx
+++ b/miscellanous/shapes.pptx
@@ -5,7 +5,7 @@
     <p:sldMasterId id="2147483648" r:id="rId1"/>
   </p:sldMasterIdLst>
   <p:notesMasterIdLst>
-    <p:notesMasterId r:id="rId16"/>
+    <p:notesMasterId r:id="rId19"/>
   </p:notesMasterIdLst>
   <p:sldIdLst>
     <p:sldId id="256" r:id="rId2"/>
@@ -22,6 +22,9 @@
     <p:sldId id="267" r:id="rId13"/>
     <p:sldId id="268" r:id="rId14"/>
     <p:sldId id="269" r:id="rId15"/>
+    <p:sldId id="270" r:id="rId16"/>
+    <p:sldId id="271" r:id="rId17"/>
+    <p:sldId id="272" r:id="rId18"/>
   </p:sldIdLst>
   <p:sldSz cx="12192000" cy="6858000"/>
   <p:notesSz cx="6858000" cy="9144000"/>
@@ -210,7 +213,7 @@
           <a:p>
             <a:fld id="{07613BA5-B956-F741-93E2-8A05685FFD03}" type="datetimeFigureOut">
               <a:rPr lang="en-US" smtClean="0"/>
-              <a:t>5/29/2018</a:t>
+              <a:t>6/19/18</a:t>
             </a:fld>
             <a:endParaRPr lang="en-US"/>
           </a:p>
@@ -499,7 +502,7 @@
           <p:cNvPr id="2" name="Title 1">
             <a:extLst>
               <a:ext uri="{FF2B5EF4-FFF2-40B4-BE49-F238E27FC236}">
-                <a16:creationId xmlns:a16="http://schemas.microsoft.com/office/drawing/2014/main" id="{57408E29-AA1C-4A4B-88C1-1F10405D285C}"/>
+                <a16:creationId xmlns:a16="http://schemas.microsoft.com/office/drawing/2014/main" xmlns="" id="{57408E29-AA1C-4A4B-88C1-1F10405D285C}"/>
               </a:ext>
             </a:extLst>
           </p:cNvPr>
@@ -536,7 +539,7 @@
           <p:cNvPr id="3" name="Subtitle 2">
             <a:extLst>
               <a:ext uri="{FF2B5EF4-FFF2-40B4-BE49-F238E27FC236}">
-                <a16:creationId xmlns:a16="http://schemas.microsoft.com/office/drawing/2014/main" id="{AA1C907A-7B55-40B5-B2A2-9EB49361754A}"/>
+                <a16:creationId xmlns:a16="http://schemas.microsoft.com/office/drawing/2014/main" xmlns="" id="{AA1C907A-7B55-40B5-B2A2-9EB49361754A}"/>
               </a:ext>
             </a:extLst>
           </p:cNvPr>
@@ -606,7 +609,7 @@
           <p:cNvPr id="4" name="Date Placeholder 3">
             <a:extLst>
               <a:ext uri="{FF2B5EF4-FFF2-40B4-BE49-F238E27FC236}">
-                <a16:creationId xmlns:a16="http://schemas.microsoft.com/office/drawing/2014/main" id="{3E22EB00-8C25-4160-9AB4-B3167D32D4B1}"/>
+                <a16:creationId xmlns:a16="http://schemas.microsoft.com/office/drawing/2014/main" xmlns="" id="{3E22EB00-8C25-4160-9AB4-B3167D32D4B1}"/>
               </a:ext>
             </a:extLst>
           </p:cNvPr>
@@ -624,7 +627,7 @@
           <a:p>
             <a:fld id="{8DF5CEE9-28B3-4BEE-B788-23D0A3A35C13}" type="datetimeFigureOut">
               <a:rPr lang="en-US" smtClean="0"/>
-              <a:t>5/29/2018</a:t>
+              <a:t>6/19/18</a:t>
             </a:fld>
             <a:endParaRPr lang="en-US"/>
           </a:p>
@@ -635,7 +638,7 @@
           <p:cNvPr id="5" name="Footer Placeholder 4">
             <a:extLst>
               <a:ext uri="{FF2B5EF4-FFF2-40B4-BE49-F238E27FC236}">
-                <a16:creationId xmlns:a16="http://schemas.microsoft.com/office/drawing/2014/main" id="{5C0CF17A-D77D-433C-84AE-78BEC137A914}"/>
+                <a16:creationId xmlns:a16="http://schemas.microsoft.com/office/drawing/2014/main" xmlns="" id="{5C0CF17A-D77D-433C-84AE-78BEC137A914}"/>
               </a:ext>
             </a:extLst>
           </p:cNvPr>
@@ -660,7 +663,7 @@
           <p:cNvPr id="6" name="Slide Number Placeholder 5">
             <a:extLst>
               <a:ext uri="{FF2B5EF4-FFF2-40B4-BE49-F238E27FC236}">
-                <a16:creationId xmlns:a16="http://schemas.microsoft.com/office/drawing/2014/main" id="{800691E8-7650-4F5C-9E29-BA7501C6FEFC}"/>
+                <a16:creationId xmlns:a16="http://schemas.microsoft.com/office/drawing/2014/main" xmlns="" id="{800691E8-7650-4F5C-9E29-BA7501C6FEFC}"/>
               </a:ext>
             </a:extLst>
           </p:cNvPr>
@@ -719,7 +722,7 @@
           <p:cNvPr id="2" name="Title 1">
             <a:extLst>
               <a:ext uri="{FF2B5EF4-FFF2-40B4-BE49-F238E27FC236}">
-                <a16:creationId xmlns:a16="http://schemas.microsoft.com/office/drawing/2014/main" id="{2802F50B-07FF-4A80-8CD1-3F96966EFEC4}"/>
+                <a16:creationId xmlns:a16="http://schemas.microsoft.com/office/drawing/2014/main" xmlns="" id="{2802F50B-07FF-4A80-8CD1-3F96966EFEC4}"/>
               </a:ext>
             </a:extLst>
           </p:cNvPr>
@@ -747,7 +750,7 @@
           <p:cNvPr id="3" name="Vertical Text Placeholder 2">
             <a:extLst>
               <a:ext uri="{FF2B5EF4-FFF2-40B4-BE49-F238E27FC236}">
-                <a16:creationId xmlns:a16="http://schemas.microsoft.com/office/drawing/2014/main" id="{82272F4E-0437-47C2-B65A-FBEAD33CBE1A}"/>
+                <a16:creationId xmlns:a16="http://schemas.microsoft.com/office/drawing/2014/main" xmlns="" id="{82272F4E-0437-47C2-B65A-FBEAD33CBE1A}"/>
               </a:ext>
             </a:extLst>
           </p:cNvPr>
@@ -804,7 +807,7 @@
           <p:cNvPr id="4" name="Date Placeholder 3">
             <a:extLst>
               <a:ext uri="{FF2B5EF4-FFF2-40B4-BE49-F238E27FC236}">
-                <a16:creationId xmlns:a16="http://schemas.microsoft.com/office/drawing/2014/main" id="{5C73C92C-59E6-4A8E-8355-9CC9AF0B0A32}"/>
+                <a16:creationId xmlns:a16="http://schemas.microsoft.com/office/drawing/2014/main" xmlns="" id="{5C73C92C-59E6-4A8E-8355-9CC9AF0B0A32}"/>
               </a:ext>
             </a:extLst>
           </p:cNvPr>
@@ -822,7 +825,7 @@
           <a:p>
             <a:fld id="{8DF5CEE9-28B3-4BEE-B788-23D0A3A35C13}" type="datetimeFigureOut">
               <a:rPr lang="en-US" smtClean="0"/>
-              <a:t>5/29/2018</a:t>
+              <a:t>6/19/18</a:t>
             </a:fld>
             <a:endParaRPr lang="en-US"/>
           </a:p>
@@ -833,7 +836,7 @@
           <p:cNvPr id="5" name="Footer Placeholder 4">
             <a:extLst>
               <a:ext uri="{FF2B5EF4-FFF2-40B4-BE49-F238E27FC236}">
-                <a16:creationId xmlns:a16="http://schemas.microsoft.com/office/drawing/2014/main" id="{724F327B-650A-4333-8164-3503002FEDAE}"/>
+                <a16:creationId xmlns:a16="http://schemas.microsoft.com/office/drawing/2014/main" xmlns="" id="{724F327B-650A-4333-8164-3503002FEDAE}"/>
               </a:ext>
             </a:extLst>
           </p:cNvPr>
@@ -858,7 +861,7 @@
           <p:cNvPr id="6" name="Slide Number Placeholder 5">
             <a:extLst>
               <a:ext uri="{FF2B5EF4-FFF2-40B4-BE49-F238E27FC236}">
-                <a16:creationId xmlns:a16="http://schemas.microsoft.com/office/drawing/2014/main" id="{290D241D-DD2E-4998-A714-BBA61D82739D}"/>
+                <a16:creationId xmlns:a16="http://schemas.microsoft.com/office/drawing/2014/main" xmlns="" id="{290D241D-DD2E-4998-A714-BBA61D82739D}"/>
               </a:ext>
             </a:extLst>
           </p:cNvPr>
@@ -917,7 +920,7 @@
           <p:cNvPr id="2" name="Vertical Title 1">
             <a:extLst>
               <a:ext uri="{FF2B5EF4-FFF2-40B4-BE49-F238E27FC236}">
-                <a16:creationId xmlns:a16="http://schemas.microsoft.com/office/drawing/2014/main" id="{C9693F19-1004-4B76-B913-291278A35F98}"/>
+                <a16:creationId xmlns:a16="http://schemas.microsoft.com/office/drawing/2014/main" xmlns="" id="{C9693F19-1004-4B76-B913-291278A35F98}"/>
               </a:ext>
             </a:extLst>
           </p:cNvPr>
@@ -950,7 +953,7 @@
           <p:cNvPr id="3" name="Vertical Text Placeholder 2">
             <a:extLst>
               <a:ext uri="{FF2B5EF4-FFF2-40B4-BE49-F238E27FC236}">
-                <a16:creationId xmlns:a16="http://schemas.microsoft.com/office/drawing/2014/main" id="{CD9A6969-ADC5-4D74-97CC-2D78DE904832}"/>
+                <a16:creationId xmlns:a16="http://schemas.microsoft.com/office/drawing/2014/main" xmlns="" id="{CD9A6969-ADC5-4D74-97CC-2D78DE904832}"/>
               </a:ext>
             </a:extLst>
           </p:cNvPr>
@@ -1012,7 +1015,7 @@
           <p:cNvPr id="4" name="Date Placeholder 3">
             <a:extLst>
               <a:ext uri="{FF2B5EF4-FFF2-40B4-BE49-F238E27FC236}">
-                <a16:creationId xmlns:a16="http://schemas.microsoft.com/office/drawing/2014/main" id="{7942C6A5-7719-4279-82C1-CDA709B17991}"/>
+                <a16:creationId xmlns:a16="http://schemas.microsoft.com/office/drawing/2014/main" xmlns="" id="{7942C6A5-7719-4279-82C1-CDA709B17991}"/>
               </a:ext>
             </a:extLst>
           </p:cNvPr>
@@ -1030,7 +1033,7 @@
           <a:p>
             <a:fld id="{8DF5CEE9-28B3-4BEE-B788-23D0A3A35C13}" type="datetimeFigureOut">
               <a:rPr lang="en-US" smtClean="0"/>
-              <a:t>5/29/2018</a:t>
+              <a:t>6/19/18</a:t>
             </a:fld>
             <a:endParaRPr lang="en-US"/>
           </a:p>
@@ -1041,7 +1044,7 @@
           <p:cNvPr id="5" name="Footer Placeholder 4">
             <a:extLst>
               <a:ext uri="{FF2B5EF4-FFF2-40B4-BE49-F238E27FC236}">
-                <a16:creationId xmlns:a16="http://schemas.microsoft.com/office/drawing/2014/main" id="{663F167F-9ED8-4F68-8EA7-B47343D5AF48}"/>
+                <a16:creationId xmlns:a16="http://schemas.microsoft.com/office/drawing/2014/main" xmlns="" id="{663F167F-9ED8-4F68-8EA7-B47343D5AF48}"/>
               </a:ext>
             </a:extLst>
           </p:cNvPr>
@@ -1066,7 +1069,7 @@
           <p:cNvPr id="6" name="Slide Number Placeholder 5">
             <a:extLst>
               <a:ext uri="{FF2B5EF4-FFF2-40B4-BE49-F238E27FC236}">
-                <a16:creationId xmlns:a16="http://schemas.microsoft.com/office/drawing/2014/main" id="{151D484E-EAC4-4329-B8CE-68179BB8F866}"/>
+                <a16:creationId xmlns:a16="http://schemas.microsoft.com/office/drawing/2014/main" xmlns="" id="{151D484E-EAC4-4329-B8CE-68179BB8F866}"/>
               </a:ext>
             </a:extLst>
           </p:cNvPr>
@@ -1125,7 +1128,7 @@
           <p:cNvPr id="2" name="Title 1">
             <a:extLst>
               <a:ext uri="{FF2B5EF4-FFF2-40B4-BE49-F238E27FC236}">
-                <a16:creationId xmlns:a16="http://schemas.microsoft.com/office/drawing/2014/main" id="{739514A3-25AB-4BCC-B740-9A386A70BF7C}"/>
+                <a16:creationId xmlns:a16="http://schemas.microsoft.com/office/drawing/2014/main" xmlns="" id="{739514A3-25AB-4BCC-B740-9A386A70BF7C}"/>
               </a:ext>
             </a:extLst>
           </p:cNvPr>
@@ -1153,7 +1156,7 @@
           <p:cNvPr id="3" name="Content Placeholder 2">
             <a:extLst>
               <a:ext uri="{FF2B5EF4-FFF2-40B4-BE49-F238E27FC236}">
-                <a16:creationId xmlns:a16="http://schemas.microsoft.com/office/drawing/2014/main" id="{0D30E7FA-9889-448E-AAF0-E0CD30C94C3E}"/>
+                <a16:creationId xmlns:a16="http://schemas.microsoft.com/office/drawing/2014/main" xmlns="" id="{0D30E7FA-9889-448E-AAF0-E0CD30C94C3E}"/>
               </a:ext>
             </a:extLst>
           </p:cNvPr>
@@ -1210,7 +1213,7 @@
           <p:cNvPr id="4" name="Date Placeholder 3">
             <a:extLst>
               <a:ext uri="{FF2B5EF4-FFF2-40B4-BE49-F238E27FC236}">
-                <a16:creationId xmlns:a16="http://schemas.microsoft.com/office/drawing/2014/main" id="{0AA9C6F5-5700-44D0-B1F8-2852162B04BB}"/>
+                <a16:creationId xmlns:a16="http://schemas.microsoft.com/office/drawing/2014/main" xmlns="" id="{0AA9C6F5-5700-44D0-B1F8-2852162B04BB}"/>
               </a:ext>
             </a:extLst>
           </p:cNvPr>
@@ -1228,7 +1231,7 @@
           <a:p>
             <a:fld id="{8DF5CEE9-28B3-4BEE-B788-23D0A3A35C13}" type="datetimeFigureOut">
               <a:rPr lang="en-US" smtClean="0"/>
-              <a:t>5/29/2018</a:t>
+              <a:t>6/19/18</a:t>
             </a:fld>
             <a:endParaRPr lang="en-US"/>
           </a:p>
@@ -1239,7 +1242,7 @@
           <p:cNvPr id="5" name="Footer Placeholder 4">
             <a:extLst>
               <a:ext uri="{FF2B5EF4-FFF2-40B4-BE49-F238E27FC236}">
-                <a16:creationId xmlns:a16="http://schemas.microsoft.com/office/drawing/2014/main" id="{C0703560-D267-4B95-A6EC-C420BB878668}"/>
+                <a16:creationId xmlns:a16="http://schemas.microsoft.com/office/drawing/2014/main" xmlns="" id="{C0703560-D267-4B95-A6EC-C420BB878668}"/>
               </a:ext>
             </a:extLst>
           </p:cNvPr>
@@ -1264,7 +1267,7 @@
           <p:cNvPr id="6" name="Slide Number Placeholder 5">
             <a:extLst>
               <a:ext uri="{FF2B5EF4-FFF2-40B4-BE49-F238E27FC236}">
-                <a16:creationId xmlns:a16="http://schemas.microsoft.com/office/drawing/2014/main" id="{7DA04C51-58CB-4D31-A68B-0355B2460AC1}"/>
+                <a16:creationId xmlns:a16="http://schemas.microsoft.com/office/drawing/2014/main" xmlns="" id="{7DA04C51-58CB-4D31-A68B-0355B2460AC1}"/>
               </a:ext>
             </a:extLst>
           </p:cNvPr>
@@ -1323,7 +1326,7 @@
           <p:cNvPr id="2" name="Title 1">
             <a:extLst>
               <a:ext uri="{FF2B5EF4-FFF2-40B4-BE49-F238E27FC236}">
-                <a16:creationId xmlns:a16="http://schemas.microsoft.com/office/drawing/2014/main" id="{0FED3DFC-6FDB-4BCC-9806-052E59CBFA3D}"/>
+                <a16:creationId xmlns:a16="http://schemas.microsoft.com/office/drawing/2014/main" xmlns="" id="{0FED3DFC-6FDB-4BCC-9806-052E59CBFA3D}"/>
               </a:ext>
             </a:extLst>
           </p:cNvPr>
@@ -1360,7 +1363,7 @@
           <p:cNvPr id="3" name="Text Placeholder 2">
             <a:extLst>
               <a:ext uri="{FF2B5EF4-FFF2-40B4-BE49-F238E27FC236}">
-                <a16:creationId xmlns:a16="http://schemas.microsoft.com/office/drawing/2014/main" id="{E75E64CB-CB7A-48FA-912F-2137C627B9FC}"/>
+                <a16:creationId xmlns:a16="http://schemas.microsoft.com/office/drawing/2014/main" xmlns="" id="{E75E64CB-CB7A-48FA-912F-2137C627B9FC}"/>
               </a:ext>
             </a:extLst>
           </p:cNvPr>
@@ -1485,7 +1488,7 @@
           <p:cNvPr id="4" name="Date Placeholder 3">
             <a:extLst>
               <a:ext uri="{FF2B5EF4-FFF2-40B4-BE49-F238E27FC236}">
-                <a16:creationId xmlns:a16="http://schemas.microsoft.com/office/drawing/2014/main" id="{8E05B4AC-5920-476D-B646-C449EA7C5E16}"/>
+                <a16:creationId xmlns:a16="http://schemas.microsoft.com/office/drawing/2014/main" xmlns="" id="{8E05B4AC-5920-476D-B646-C449EA7C5E16}"/>
               </a:ext>
             </a:extLst>
           </p:cNvPr>
@@ -1503,7 +1506,7 @@
           <a:p>
             <a:fld id="{8DF5CEE9-28B3-4BEE-B788-23D0A3A35C13}" type="datetimeFigureOut">
               <a:rPr lang="en-US" smtClean="0"/>
-              <a:t>5/29/2018</a:t>
+              <a:t>6/19/18</a:t>
             </a:fld>
             <a:endParaRPr lang="en-US"/>
           </a:p>
@@ -1514,7 +1517,7 @@
           <p:cNvPr id="5" name="Footer Placeholder 4">
             <a:extLst>
               <a:ext uri="{FF2B5EF4-FFF2-40B4-BE49-F238E27FC236}">
-                <a16:creationId xmlns:a16="http://schemas.microsoft.com/office/drawing/2014/main" id="{B1448729-6AB1-4078-9E6C-345B2B3C9971}"/>
+                <a16:creationId xmlns:a16="http://schemas.microsoft.com/office/drawing/2014/main" xmlns="" id="{B1448729-6AB1-4078-9E6C-345B2B3C9971}"/>
               </a:ext>
             </a:extLst>
           </p:cNvPr>
@@ -1539,7 +1542,7 @@
           <p:cNvPr id="6" name="Slide Number Placeholder 5">
             <a:extLst>
               <a:ext uri="{FF2B5EF4-FFF2-40B4-BE49-F238E27FC236}">
-                <a16:creationId xmlns:a16="http://schemas.microsoft.com/office/drawing/2014/main" id="{A403D665-3445-4882-B275-A9D0BAC19814}"/>
+                <a16:creationId xmlns:a16="http://schemas.microsoft.com/office/drawing/2014/main" xmlns="" id="{A403D665-3445-4882-B275-A9D0BAC19814}"/>
               </a:ext>
             </a:extLst>
           </p:cNvPr>
@@ -1598,7 +1601,7 @@
           <p:cNvPr id="2" name="Title 1">
             <a:extLst>
               <a:ext uri="{FF2B5EF4-FFF2-40B4-BE49-F238E27FC236}">
-                <a16:creationId xmlns:a16="http://schemas.microsoft.com/office/drawing/2014/main" id="{5458B58E-ACC8-4F81-8685-0A5CA9B993FB}"/>
+                <a16:creationId xmlns:a16="http://schemas.microsoft.com/office/drawing/2014/main" xmlns="" id="{5458B58E-ACC8-4F81-8685-0A5CA9B993FB}"/>
               </a:ext>
             </a:extLst>
           </p:cNvPr>
@@ -1626,7 +1629,7 @@
           <p:cNvPr id="3" name="Content Placeholder 2">
             <a:extLst>
               <a:ext uri="{FF2B5EF4-FFF2-40B4-BE49-F238E27FC236}">
-                <a16:creationId xmlns:a16="http://schemas.microsoft.com/office/drawing/2014/main" id="{BDA86069-0E18-415D-A5C6-E4DB91225808}"/>
+                <a16:creationId xmlns:a16="http://schemas.microsoft.com/office/drawing/2014/main" xmlns="" id="{BDA86069-0E18-415D-A5C6-E4DB91225808}"/>
               </a:ext>
             </a:extLst>
           </p:cNvPr>
@@ -1688,7 +1691,7 @@
           <p:cNvPr id="4" name="Content Placeholder 3">
             <a:extLst>
               <a:ext uri="{FF2B5EF4-FFF2-40B4-BE49-F238E27FC236}">
-                <a16:creationId xmlns:a16="http://schemas.microsoft.com/office/drawing/2014/main" id="{8DCE8911-319E-4040-8B5A-A8146E9E135E}"/>
+                <a16:creationId xmlns:a16="http://schemas.microsoft.com/office/drawing/2014/main" xmlns="" id="{8DCE8911-319E-4040-8B5A-A8146E9E135E}"/>
               </a:ext>
             </a:extLst>
           </p:cNvPr>
@@ -1750,7 +1753,7 @@
           <p:cNvPr id="5" name="Date Placeholder 4">
             <a:extLst>
               <a:ext uri="{FF2B5EF4-FFF2-40B4-BE49-F238E27FC236}">
-                <a16:creationId xmlns:a16="http://schemas.microsoft.com/office/drawing/2014/main" id="{172B017F-BB1F-4B6F-8914-90542C3CE1BB}"/>
+                <a16:creationId xmlns:a16="http://schemas.microsoft.com/office/drawing/2014/main" xmlns="" id="{172B017F-BB1F-4B6F-8914-90542C3CE1BB}"/>
               </a:ext>
             </a:extLst>
           </p:cNvPr>
@@ -1768,7 +1771,7 @@
           <a:p>
             <a:fld id="{8DF5CEE9-28B3-4BEE-B788-23D0A3A35C13}" type="datetimeFigureOut">
               <a:rPr lang="en-US" smtClean="0"/>
-              <a:t>5/29/2018</a:t>
+              <a:t>6/19/18</a:t>
             </a:fld>
             <a:endParaRPr lang="en-US"/>
           </a:p>
@@ -1779,7 +1782,7 @@
           <p:cNvPr id="6" name="Footer Placeholder 5">
             <a:extLst>
               <a:ext uri="{FF2B5EF4-FFF2-40B4-BE49-F238E27FC236}">
-                <a16:creationId xmlns:a16="http://schemas.microsoft.com/office/drawing/2014/main" id="{653D8A07-C125-4874-AACF-A34E87F90963}"/>
+                <a16:creationId xmlns:a16="http://schemas.microsoft.com/office/drawing/2014/main" xmlns="" id="{653D8A07-C125-4874-AACF-A34E87F90963}"/>
               </a:ext>
             </a:extLst>
           </p:cNvPr>
@@ -1804,7 +1807,7 @@
           <p:cNvPr id="7" name="Slide Number Placeholder 6">
             <a:extLst>
               <a:ext uri="{FF2B5EF4-FFF2-40B4-BE49-F238E27FC236}">
-                <a16:creationId xmlns:a16="http://schemas.microsoft.com/office/drawing/2014/main" id="{A572CB05-17A6-4893-A7B3-FDBA3E4DA2B3}"/>
+                <a16:creationId xmlns:a16="http://schemas.microsoft.com/office/drawing/2014/main" xmlns="" id="{A572CB05-17A6-4893-A7B3-FDBA3E4DA2B3}"/>
               </a:ext>
             </a:extLst>
           </p:cNvPr>
@@ -1863,7 +1866,7 @@
           <p:cNvPr id="2" name="Title 1">
             <a:extLst>
               <a:ext uri="{FF2B5EF4-FFF2-40B4-BE49-F238E27FC236}">
-                <a16:creationId xmlns:a16="http://schemas.microsoft.com/office/drawing/2014/main" id="{931445B3-4EAF-4784-ABB2-926A5EAD68C6}"/>
+                <a16:creationId xmlns:a16="http://schemas.microsoft.com/office/drawing/2014/main" xmlns="" id="{931445B3-4EAF-4784-ABB2-926A5EAD68C6}"/>
               </a:ext>
             </a:extLst>
           </p:cNvPr>
@@ -1896,7 +1899,7 @@
           <p:cNvPr id="3" name="Text Placeholder 2">
             <a:extLst>
               <a:ext uri="{FF2B5EF4-FFF2-40B4-BE49-F238E27FC236}">
-                <a16:creationId xmlns:a16="http://schemas.microsoft.com/office/drawing/2014/main" id="{178A7E61-4D5A-4F4A-9DC7-93F0CCCC9952}"/>
+                <a16:creationId xmlns:a16="http://schemas.microsoft.com/office/drawing/2014/main" xmlns="" id="{178A7E61-4D5A-4F4A-9DC7-93F0CCCC9952}"/>
               </a:ext>
             </a:extLst>
           </p:cNvPr>
@@ -1967,7 +1970,7 @@
           <p:cNvPr id="4" name="Content Placeholder 3">
             <a:extLst>
               <a:ext uri="{FF2B5EF4-FFF2-40B4-BE49-F238E27FC236}">
-                <a16:creationId xmlns:a16="http://schemas.microsoft.com/office/drawing/2014/main" id="{87A2F91D-946D-42F7-B065-2F323073C323}"/>
+                <a16:creationId xmlns:a16="http://schemas.microsoft.com/office/drawing/2014/main" xmlns="" id="{87A2F91D-946D-42F7-B065-2F323073C323}"/>
               </a:ext>
             </a:extLst>
           </p:cNvPr>
@@ -2029,7 +2032,7 @@
           <p:cNvPr id="5" name="Text Placeholder 4">
             <a:extLst>
               <a:ext uri="{FF2B5EF4-FFF2-40B4-BE49-F238E27FC236}">
-                <a16:creationId xmlns:a16="http://schemas.microsoft.com/office/drawing/2014/main" id="{74E628C4-BD01-4288-9903-B4C20F874AEB}"/>
+                <a16:creationId xmlns:a16="http://schemas.microsoft.com/office/drawing/2014/main" xmlns="" id="{74E628C4-BD01-4288-9903-B4C20F874AEB}"/>
               </a:ext>
             </a:extLst>
           </p:cNvPr>
@@ -2100,7 +2103,7 @@
           <p:cNvPr id="6" name="Content Placeholder 5">
             <a:extLst>
               <a:ext uri="{FF2B5EF4-FFF2-40B4-BE49-F238E27FC236}">
-                <a16:creationId xmlns:a16="http://schemas.microsoft.com/office/drawing/2014/main" id="{158DB7E5-A168-45B7-87BE-D46735EAD0DC}"/>
+                <a16:creationId xmlns:a16="http://schemas.microsoft.com/office/drawing/2014/main" xmlns="" id="{158DB7E5-A168-45B7-87BE-D46735EAD0DC}"/>
               </a:ext>
             </a:extLst>
           </p:cNvPr>
@@ -2162,7 +2165,7 @@
           <p:cNvPr id="7" name="Date Placeholder 6">
             <a:extLst>
               <a:ext uri="{FF2B5EF4-FFF2-40B4-BE49-F238E27FC236}">
-                <a16:creationId xmlns:a16="http://schemas.microsoft.com/office/drawing/2014/main" id="{A7354B34-C8B4-4777-A960-52E6BBE711EB}"/>
+                <a16:creationId xmlns:a16="http://schemas.microsoft.com/office/drawing/2014/main" xmlns="" id="{A7354B34-C8B4-4777-A960-52E6BBE711EB}"/>
               </a:ext>
             </a:extLst>
           </p:cNvPr>
@@ -2180,7 +2183,7 @@
           <a:p>
             <a:fld id="{8DF5CEE9-28B3-4BEE-B788-23D0A3A35C13}" type="datetimeFigureOut">
               <a:rPr lang="en-US" smtClean="0"/>
-              <a:t>5/29/2018</a:t>
+              <a:t>6/19/18</a:t>
             </a:fld>
             <a:endParaRPr lang="en-US"/>
           </a:p>
@@ -2191,7 +2194,7 @@
           <p:cNvPr id="8" name="Footer Placeholder 7">
             <a:extLst>
               <a:ext uri="{FF2B5EF4-FFF2-40B4-BE49-F238E27FC236}">
-                <a16:creationId xmlns:a16="http://schemas.microsoft.com/office/drawing/2014/main" id="{3D6D2EC8-B3CB-4318-95BA-29FD732967FE}"/>
+                <a16:creationId xmlns:a16="http://schemas.microsoft.com/office/drawing/2014/main" xmlns="" id="{3D6D2EC8-B3CB-4318-95BA-29FD732967FE}"/>
               </a:ext>
             </a:extLst>
           </p:cNvPr>
@@ -2216,7 +2219,7 @@
           <p:cNvPr id="9" name="Slide Number Placeholder 8">
             <a:extLst>
               <a:ext uri="{FF2B5EF4-FFF2-40B4-BE49-F238E27FC236}">
-                <a16:creationId xmlns:a16="http://schemas.microsoft.com/office/drawing/2014/main" id="{78BC3940-E77B-4544-AEDD-6106DC568AA5}"/>
+                <a16:creationId xmlns:a16="http://schemas.microsoft.com/office/drawing/2014/main" xmlns="" id="{78BC3940-E77B-4544-AEDD-6106DC568AA5}"/>
               </a:ext>
             </a:extLst>
           </p:cNvPr>
@@ -2275,7 +2278,7 @@
           <p:cNvPr id="2" name="Title 1">
             <a:extLst>
               <a:ext uri="{FF2B5EF4-FFF2-40B4-BE49-F238E27FC236}">
-                <a16:creationId xmlns:a16="http://schemas.microsoft.com/office/drawing/2014/main" id="{4F4A4B21-5B29-48B4-B09C-443B0FFE046A}"/>
+                <a16:creationId xmlns:a16="http://schemas.microsoft.com/office/drawing/2014/main" xmlns="" id="{4F4A4B21-5B29-48B4-B09C-443B0FFE046A}"/>
               </a:ext>
             </a:extLst>
           </p:cNvPr>
@@ -2303,7 +2306,7 @@
           <p:cNvPr id="3" name="Date Placeholder 2">
             <a:extLst>
               <a:ext uri="{FF2B5EF4-FFF2-40B4-BE49-F238E27FC236}">
-                <a16:creationId xmlns:a16="http://schemas.microsoft.com/office/drawing/2014/main" id="{2F2CE3F3-1757-4D43-84E2-549BD749E928}"/>
+                <a16:creationId xmlns:a16="http://schemas.microsoft.com/office/drawing/2014/main" xmlns="" id="{2F2CE3F3-1757-4D43-84E2-549BD749E928}"/>
               </a:ext>
             </a:extLst>
           </p:cNvPr>
@@ -2321,7 +2324,7 @@
           <a:p>
             <a:fld id="{8DF5CEE9-28B3-4BEE-B788-23D0A3A35C13}" type="datetimeFigureOut">
               <a:rPr lang="en-US" smtClean="0"/>
-              <a:t>5/29/2018</a:t>
+              <a:t>6/19/18</a:t>
             </a:fld>
             <a:endParaRPr lang="en-US"/>
           </a:p>
@@ -2332,7 +2335,7 @@
           <p:cNvPr id="4" name="Footer Placeholder 3">
             <a:extLst>
               <a:ext uri="{FF2B5EF4-FFF2-40B4-BE49-F238E27FC236}">
-                <a16:creationId xmlns:a16="http://schemas.microsoft.com/office/drawing/2014/main" id="{B54165DF-5B7A-4DC8-A01D-E5FA4E041B52}"/>
+                <a16:creationId xmlns:a16="http://schemas.microsoft.com/office/drawing/2014/main" xmlns="" id="{B54165DF-5B7A-4DC8-A01D-E5FA4E041B52}"/>
               </a:ext>
             </a:extLst>
           </p:cNvPr>
@@ -2357,7 +2360,7 @@
           <p:cNvPr id="5" name="Slide Number Placeholder 4">
             <a:extLst>
               <a:ext uri="{FF2B5EF4-FFF2-40B4-BE49-F238E27FC236}">
-                <a16:creationId xmlns:a16="http://schemas.microsoft.com/office/drawing/2014/main" id="{36C2DB6A-A138-4BC1-9D28-3CA0328BCC9F}"/>
+                <a16:creationId xmlns:a16="http://schemas.microsoft.com/office/drawing/2014/main" xmlns="" id="{36C2DB6A-A138-4BC1-9D28-3CA0328BCC9F}"/>
               </a:ext>
             </a:extLst>
           </p:cNvPr>
@@ -2416,7 +2419,7 @@
           <p:cNvPr id="2" name="Date Placeholder 1">
             <a:extLst>
               <a:ext uri="{FF2B5EF4-FFF2-40B4-BE49-F238E27FC236}">
-                <a16:creationId xmlns:a16="http://schemas.microsoft.com/office/drawing/2014/main" id="{1985142A-6BBA-4C66-9331-A5DED15B9B72}"/>
+                <a16:creationId xmlns:a16="http://schemas.microsoft.com/office/drawing/2014/main" xmlns="" id="{1985142A-6BBA-4C66-9331-A5DED15B9B72}"/>
               </a:ext>
             </a:extLst>
           </p:cNvPr>
@@ -2434,7 +2437,7 @@
           <a:p>
             <a:fld id="{8DF5CEE9-28B3-4BEE-B788-23D0A3A35C13}" type="datetimeFigureOut">
               <a:rPr lang="en-US" smtClean="0"/>
-              <a:t>5/29/2018</a:t>
+              <a:t>6/19/18</a:t>
             </a:fld>
             <a:endParaRPr lang="en-US"/>
           </a:p>
@@ -2445,7 +2448,7 @@
           <p:cNvPr id="3" name="Footer Placeholder 2">
             <a:extLst>
               <a:ext uri="{FF2B5EF4-FFF2-40B4-BE49-F238E27FC236}">
-                <a16:creationId xmlns:a16="http://schemas.microsoft.com/office/drawing/2014/main" id="{DE24B223-CFE7-4F42-BE68-9CF7D30BE23A}"/>
+                <a16:creationId xmlns:a16="http://schemas.microsoft.com/office/drawing/2014/main" xmlns="" id="{DE24B223-CFE7-4F42-BE68-9CF7D30BE23A}"/>
               </a:ext>
             </a:extLst>
           </p:cNvPr>
@@ -2470,7 +2473,7 @@
           <p:cNvPr id="4" name="Slide Number Placeholder 3">
             <a:extLst>
               <a:ext uri="{FF2B5EF4-FFF2-40B4-BE49-F238E27FC236}">
-                <a16:creationId xmlns:a16="http://schemas.microsoft.com/office/drawing/2014/main" id="{1D279A59-9943-4EB7-A2F8-15E78831D7D3}"/>
+                <a16:creationId xmlns:a16="http://schemas.microsoft.com/office/drawing/2014/main" xmlns="" id="{1D279A59-9943-4EB7-A2F8-15E78831D7D3}"/>
               </a:ext>
             </a:extLst>
           </p:cNvPr>
@@ -2529,7 +2532,7 @@
           <p:cNvPr id="2" name="Title 1">
             <a:extLst>
               <a:ext uri="{FF2B5EF4-FFF2-40B4-BE49-F238E27FC236}">
-                <a16:creationId xmlns:a16="http://schemas.microsoft.com/office/drawing/2014/main" id="{5B462408-5DD8-4600-838A-986E55FA6F84}"/>
+                <a16:creationId xmlns:a16="http://schemas.microsoft.com/office/drawing/2014/main" xmlns="" id="{5B462408-5DD8-4600-838A-986E55FA6F84}"/>
               </a:ext>
             </a:extLst>
           </p:cNvPr>
@@ -2566,7 +2569,7 @@
           <p:cNvPr id="3" name="Content Placeholder 2">
             <a:extLst>
               <a:ext uri="{FF2B5EF4-FFF2-40B4-BE49-F238E27FC236}">
-                <a16:creationId xmlns:a16="http://schemas.microsoft.com/office/drawing/2014/main" id="{E6336516-9569-4493-8D9C-FD3DB03E02CC}"/>
+                <a16:creationId xmlns:a16="http://schemas.microsoft.com/office/drawing/2014/main" xmlns="" id="{E6336516-9569-4493-8D9C-FD3DB03E02CC}"/>
               </a:ext>
             </a:extLst>
           </p:cNvPr>
@@ -2656,7 +2659,7 @@
           <p:cNvPr id="4" name="Text Placeholder 3">
             <a:extLst>
               <a:ext uri="{FF2B5EF4-FFF2-40B4-BE49-F238E27FC236}">
-                <a16:creationId xmlns:a16="http://schemas.microsoft.com/office/drawing/2014/main" id="{24DF1F73-F2FE-411C-85BB-7137B9F6CD9B}"/>
+                <a16:creationId xmlns:a16="http://schemas.microsoft.com/office/drawing/2014/main" xmlns="" id="{24DF1F73-F2FE-411C-85BB-7137B9F6CD9B}"/>
               </a:ext>
             </a:extLst>
           </p:cNvPr>
@@ -2727,7 +2730,7 @@
           <p:cNvPr id="5" name="Date Placeholder 4">
             <a:extLst>
               <a:ext uri="{FF2B5EF4-FFF2-40B4-BE49-F238E27FC236}">
-                <a16:creationId xmlns:a16="http://schemas.microsoft.com/office/drawing/2014/main" id="{5A7075AE-DD43-47ED-9353-2981910F72E6}"/>
+                <a16:creationId xmlns:a16="http://schemas.microsoft.com/office/drawing/2014/main" xmlns="" id="{5A7075AE-DD43-47ED-9353-2981910F72E6}"/>
               </a:ext>
             </a:extLst>
           </p:cNvPr>
@@ -2745,7 +2748,7 @@
           <a:p>
             <a:fld id="{8DF5CEE9-28B3-4BEE-B788-23D0A3A35C13}" type="datetimeFigureOut">
               <a:rPr lang="en-US" smtClean="0"/>
-              <a:t>5/29/2018</a:t>
+              <a:t>6/19/18</a:t>
             </a:fld>
             <a:endParaRPr lang="en-US"/>
           </a:p>
@@ -2756,7 +2759,7 @@
           <p:cNvPr id="6" name="Footer Placeholder 5">
             <a:extLst>
               <a:ext uri="{FF2B5EF4-FFF2-40B4-BE49-F238E27FC236}">
-                <a16:creationId xmlns:a16="http://schemas.microsoft.com/office/drawing/2014/main" id="{E1541421-2D19-4385-A05E-1C0E2A35B7AE}"/>
+                <a16:creationId xmlns:a16="http://schemas.microsoft.com/office/drawing/2014/main" xmlns="" id="{E1541421-2D19-4385-A05E-1C0E2A35B7AE}"/>
               </a:ext>
             </a:extLst>
           </p:cNvPr>
@@ -2781,7 +2784,7 @@
           <p:cNvPr id="7" name="Slide Number Placeholder 6">
             <a:extLst>
               <a:ext uri="{FF2B5EF4-FFF2-40B4-BE49-F238E27FC236}">
-                <a16:creationId xmlns:a16="http://schemas.microsoft.com/office/drawing/2014/main" id="{84C7F275-3E40-4873-BCBF-4C5814781A58}"/>
+                <a16:creationId xmlns:a16="http://schemas.microsoft.com/office/drawing/2014/main" xmlns="" id="{84C7F275-3E40-4873-BCBF-4C5814781A58}"/>
               </a:ext>
             </a:extLst>
           </p:cNvPr>
@@ -2840,7 +2843,7 @@
           <p:cNvPr id="2" name="Title 1">
             <a:extLst>
               <a:ext uri="{FF2B5EF4-FFF2-40B4-BE49-F238E27FC236}">
-                <a16:creationId xmlns:a16="http://schemas.microsoft.com/office/drawing/2014/main" id="{7CB84DDD-6551-4D2D-8879-1826E1FBCB24}"/>
+                <a16:creationId xmlns:a16="http://schemas.microsoft.com/office/drawing/2014/main" xmlns="" id="{7CB84DDD-6551-4D2D-8879-1826E1FBCB24}"/>
               </a:ext>
             </a:extLst>
           </p:cNvPr>
@@ -2877,7 +2880,7 @@
           <p:cNvPr id="3" name="Picture Placeholder 2">
             <a:extLst>
               <a:ext uri="{FF2B5EF4-FFF2-40B4-BE49-F238E27FC236}">
-                <a16:creationId xmlns:a16="http://schemas.microsoft.com/office/drawing/2014/main" id="{A18CDCD5-20FA-47CB-8373-5CA5AC5ACBB2}"/>
+                <a16:creationId xmlns:a16="http://schemas.microsoft.com/office/drawing/2014/main" xmlns="" id="{A18CDCD5-20FA-47CB-8373-5CA5AC5ACBB2}"/>
               </a:ext>
             </a:extLst>
           </p:cNvPr>
@@ -2944,7 +2947,7 @@
           <p:cNvPr id="4" name="Text Placeholder 3">
             <a:extLst>
               <a:ext uri="{FF2B5EF4-FFF2-40B4-BE49-F238E27FC236}">
-                <a16:creationId xmlns:a16="http://schemas.microsoft.com/office/drawing/2014/main" id="{1EBECFBB-91C8-4429-A2A7-097C36EF639D}"/>
+                <a16:creationId xmlns:a16="http://schemas.microsoft.com/office/drawing/2014/main" xmlns="" id="{1EBECFBB-91C8-4429-A2A7-097C36EF639D}"/>
               </a:ext>
             </a:extLst>
           </p:cNvPr>
@@ -3015,7 +3018,7 @@
           <p:cNvPr id="5" name="Date Placeholder 4">
             <a:extLst>
               <a:ext uri="{FF2B5EF4-FFF2-40B4-BE49-F238E27FC236}">
-                <a16:creationId xmlns:a16="http://schemas.microsoft.com/office/drawing/2014/main" id="{D424B268-666D-409B-AB54-AE7F0753C1BE}"/>
+                <a16:creationId xmlns:a16="http://schemas.microsoft.com/office/drawing/2014/main" xmlns="" id="{D424B268-666D-409B-AB54-AE7F0753C1BE}"/>
               </a:ext>
             </a:extLst>
           </p:cNvPr>
@@ -3033,7 +3036,7 @@
           <a:p>
             <a:fld id="{8DF5CEE9-28B3-4BEE-B788-23D0A3A35C13}" type="datetimeFigureOut">
               <a:rPr lang="en-US" smtClean="0"/>
-              <a:t>5/29/2018</a:t>
+              <a:t>6/19/18</a:t>
             </a:fld>
             <a:endParaRPr lang="en-US"/>
           </a:p>
@@ -3044,7 +3047,7 @@
           <p:cNvPr id="6" name="Footer Placeholder 5">
             <a:extLst>
               <a:ext uri="{FF2B5EF4-FFF2-40B4-BE49-F238E27FC236}">
-                <a16:creationId xmlns:a16="http://schemas.microsoft.com/office/drawing/2014/main" id="{3A8E44B3-375C-42F8-9B40-D6BFFC438856}"/>
+                <a16:creationId xmlns:a16="http://schemas.microsoft.com/office/drawing/2014/main" xmlns="" id="{3A8E44B3-375C-42F8-9B40-D6BFFC438856}"/>
               </a:ext>
             </a:extLst>
           </p:cNvPr>
@@ -3069,7 +3072,7 @@
           <p:cNvPr id="7" name="Slide Number Placeholder 6">
             <a:extLst>
               <a:ext uri="{FF2B5EF4-FFF2-40B4-BE49-F238E27FC236}">
-                <a16:creationId xmlns:a16="http://schemas.microsoft.com/office/drawing/2014/main" id="{B464809D-04D0-4960-B595-1596734563B1}"/>
+                <a16:creationId xmlns:a16="http://schemas.microsoft.com/office/drawing/2014/main" xmlns="" id="{B464809D-04D0-4960-B595-1596734563B1}"/>
               </a:ext>
             </a:extLst>
           </p:cNvPr>
@@ -3133,7 +3136,7 @@
           <p:cNvPr id="2" name="Title Placeholder 1">
             <a:extLst>
               <a:ext uri="{FF2B5EF4-FFF2-40B4-BE49-F238E27FC236}">
-                <a16:creationId xmlns:a16="http://schemas.microsoft.com/office/drawing/2014/main" id="{2772C003-87CA-4D63-9A07-54FAC84B4432}"/>
+                <a16:creationId xmlns:a16="http://schemas.microsoft.com/office/drawing/2014/main" xmlns="" id="{2772C003-87CA-4D63-9A07-54FAC84B4432}"/>
               </a:ext>
             </a:extLst>
           </p:cNvPr>
@@ -3171,7 +3174,7 @@
           <p:cNvPr id="3" name="Text Placeholder 2">
             <a:extLst>
               <a:ext uri="{FF2B5EF4-FFF2-40B4-BE49-F238E27FC236}">
-                <a16:creationId xmlns:a16="http://schemas.microsoft.com/office/drawing/2014/main" id="{A0940D3F-541F-4DEF-B01C-188FB662CD1C}"/>
+                <a16:creationId xmlns:a16="http://schemas.microsoft.com/office/drawing/2014/main" xmlns="" id="{A0940D3F-541F-4DEF-B01C-188FB662CD1C}"/>
               </a:ext>
             </a:extLst>
           </p:cNvPr>
@@ -3238,7 +3241,7 @@
           <p:cNvPr id="4" name="Date Placeholder 3">
             <a:extLst>
               <a:ext uri="{FF2B5EF4-FFF2-40B4-BE49-F238E27FC236}">
-                <a16:creationId xmlns:a16="http://schemas.microsoft.com/office/drawing/2014/main" id="{75AB9A35-511F-4ADE-ACEC-E713A4E7DB49}"/>
+                <a16:creationId xmlns:a16="http://schemas.microsoft.com/office/drawing/2014/main" xmlns="" id="{75AB9A35-511F-4ADE-ACEC-E713A4E7DB49}"/>
               </a:ext>
             </a:extLst>
           </p:cNvPr>
@@ -3274,7 +3277,7 @@
           <a:p>
             <a:fld id="{8DF5CEE9-28B3-4BEE-B788-23D0A3A35C13}" type="datetimeFigureOut">
               <a:rPr lang="en-US" smtClean="0"/>
-              <a:t>5/29/2018</a:t>
+              <a:t>6/19/18</a:t>
             </a:fld>
             <a:endParaRPr lang="en-US"/>
           </a:p>
@@ -3285,7 +3288,7 @@
           <p:cNvPr id="5" name="Footer Placeholder 4">
             <a:extLst>
               <a:ext uri="{FF2B5EF4-FFF2-40B4-BE49-F238E27FC236}">
-                <a16:creationId xmlns:a16="http://schemas.microsoft.com/office/drawing/2014/main" id="{74AF73B6-9852-4671-B1E6-FA65B7D47912}"/>
+                <a16:creationId xmlns:a16="http://schemas.microsoft.com/office/drawing/2014/main" xmlns="" id="{74AF73B6-9852-4671-B1E6-FA65B7D47912}"/>
               </a:ext>
             </a:extLst>
           </p:cNvPr>
@@ -3328,7 +3331,7 @@
           <p:cNvPr id="6" name="Slide Number Placeholder 5">
             <a:extLst>
               <a:ext uri="{FF2B5EF4-FFF2-40B4-BE49-F238E27FC236}">
-                <a16:creationId xmlns:a16="http://schemas.microsoft.com/office/drawing/2014/main" id="{AAAF3E64-2D5A-42FC-B655-4E7552B85024}"/>
+                <a16:creationId xmlns:a16="http://schemas.microsoft.com/office/drawing/2014/main" xmlns="" id="{AAAF3E64-2D5A-42FC-B655-4E7552B85024}"/>
               </a:ext>
             </a:extLst>
           </p:cNvPr>
@@ -3696,7 +3699,7 @@
           <p:cNvPr id="4" name="Rectangle 3">
             <a:extLst>
               <a:ext uri="{FF2B5EF4-FFF2-40B4-BE49-F238E27FC236}">
-                <a16:creationId xmlns:a16="http://schemas.microsoft.com/office/drawing/2014/main" id="{D7D7D82B-553E-4D6E-8779-4DC10988A76D}"/>
+                <a16:creationId xmlns:a16="http://schemas.microsoft.com/office/drawing/2014/main" xmlns="" id="{D7D7D82B-553E-4D6E-8779-4DC10988A76D}"/>
               </a:ext>
             </a:extLst>
           </p:cNvPr>
@@ -3742,7 +3745,7 @@
           <p:cNvPr id="5" name="Rectangle 4">
             <a:extLst>
               <a:ext uri="{FF2B5EF4-FFF2-40B4-BE49-F238E27FC236}">
-                <a16:creationId xmlns:a16="http://schemas.microsoft.com/office/drawing/2014/main" id="{96ED7C77-A825-4E7C-86FA-67045776C117}"/>
+                <a16:creationId xmlns:a16="http://schemas.microsoft.com/office/drawing/2014/main" xmlns="" id="{96ED7C77-A825-4E7C-86FA-67045776C117}"/>
               </a:ext>
             </a:extLst>
           </p:cNvPr>
@@ -3791,7 +3794,7 @@
           <p:cNvPr id="7" name="Straight Connector 6">
             <a:extLst>
               <a:ext uri="{FF2B5EF4-FFF2-40B4-BE49-F238E27FC236}">
-                <a16:creationId xmlns:a16="http://schemas.microsoft.com/office/drawing/2014/main" id="{11D3AB3F-9BDD-454C-BA88-7B8D7E63A8DC}"/>
+                <a16:creationId xmlns:a16="http://schemas.microsoft.com/office/drawing/2014/main" xmlns="" id="{11D3AB3F-9BDD-454C-BA88-7B8D7E63A8DC}"/>
               </a:ext>
             </a:extLst>
           </p:cNvPr>
@@ -3829,7 +3832,7 @@
           <p:cNvPr id="8" name="Arc 7">
             <a:extLst>
               <a:ext uri="{FF2B5EF4-FFF2-40B4-BE49-F238E27FC236}">
-                <a16:creationId xmlns:a16="http://schemas.microsoft.com/office/drawing/2014/main" id="{7B2D5738-DC03-4A5A-A7AE-3EE470DF682A}"/>
+                <a16:creationId xmlns:a16="http://schemas.microsoft.com/office/drawing/2014/main" xmlns="" id="{7B2D5738-DC03-4A5A-A7AE-3EE470DF682A}"/>
               </a:ext>
             </a:extLst>
           </p:cNvPr>
@@ -3873,7 +3876,7 @@
           <p:cNvPr id="9" name="TextBox 8">
             <a:extLst>
               <a:ext uri="{FF2B5EF4-FFF2-40B4-BE49-F238E27FC236}">
-                <a16:creationId xmlns:a16="http://schemas.microsoft.com/office/drawing/2014/main" id="{2C44CA7A-DC4D-42D8-B983-EF969DECBD55}"/>
+                <a16:creationId xmlns:a16="http://schemas.microsoft.com/office/drawing/2014/main" xmlns="" id="{2C44CA7A-DC4D-42D8-B983-EF969DECBD55}"/>
               </a:ext>
             </a:extLst>
           </p:cNvPr>
@@ -3913,7 +3916,7 @@
           <p:cNvPr id="11" name="Straight Arrow Connector 10">
             <a:extLst>
               <a:ext uri="{FF2B5EF4-FFF2-40B4-BE49-F238E27FC236}">
-                <a16:creationId xmlns:a16="http://schemas.microsoft.com/office/drawing/2014/main" id="{1A5617EA-5503-4E15-88E3-9F120FB8EFC2}"/>
+                <a16:creationId xmlns:a16="http://schemas.microsoft.com/office/drawing/2014/main" xmlns="" id="{1A5617EA-5503-4E15-88E3-9F120FB8EFC2}"/>
               </a:ext>
             </a:extLst>
           </p:cNvPr>
@@ -3958,7 +3961,7 @@
           <p:cNvPr id="12" name="TextBox 11">
             <a:extLst>
               <a:ext uri="{FF2B5EF4-FFF2-40B4-BE49-F238E27FC236}">
-                <a16:creationId xmlns:a16="http://schemas.microsoft.com/office/drawing/2014/main" id="{D3B891C5-560E-4A90-A7E7-B66FB0803B99}"/>
+                <a16:creationId xmlns:a16="http://schemas.microsoft.com/office/drawing/2014/main" xmlns="" id="{D3B891C5-560E-4A90-A7E7-B66FB0803B99}"/>
               </a:ext>
             </a:extLst>
           </p:cNvPr>
@@ -3993,7 +3996,7 @@
           <p:cNvPr id="13" name="Rectangle 12">
             <a:extLst>
               <a:ext uri="{FF2B5EF4-FFF2-40B4-BE49-F238E27FC236}">
-                <a16:creationId xmlns:a16="http://schemas.microsoft.com/office/drawing/2014/main" id="{942B7FBF-C957-4603-8A7C-AB5016851423}"/>
+                <a16:creationId xmlns:a16="http://schemas.microsoft.com/office/drawing/2014/main" xmlns="" id="{942B7FBF-C957-4603-8A7C-AB5016851423}"/>
               </a:ext>
             </a:extLst>
           </p:cNvPr>
@@ -4039,7 +4042,7 @@
           <p:cNvPr id="14" name="Rectangle 13">
             <a:extLst>
               <a:ext uri="{FF2B5EF4-FFF2-40B4-BE49-F238E27FC236}">
-                <a16:creationId xmlns:a16="http://schemas.microsoft.com/office/drawing/2014/main" id="{5F5EC42D-8574-4E2D-BBBC-D4002B215F79}"/>
+                <a16:creationId xmlns:a16="http://schemas.microsoft.com/office/drawing/2014/main" xmlns="" id="{5F5EC42D-8574-4E2D-BBBC-D4002B215F79}"/>
               </a:ext>
             </a:extLst>
           </p:cNvPr>
@@ -4088,7 +4091,7 @@
           <p:cNvPr id="18" name="Straight Arrow Connector 17">
             <a:extLst>
               <a:ext uri="{FF2B5EF4-FFF2-40B4-BE49-F238E27FC236}">
-                <a16:creationId xmlns:a16="http://schemas.microsoft.com/office/drawing/2014/main" id="{C35C4529-601B-463F-AD7A-7362D70CF0A7}"/>
+                <a16:creationId xmlns:a16="http://schemas.microsoft.com/office/drawing/2014/main" xmlns="" id="{C35C4529-601B-463F-AD7A-7362D70CF0A7}"/>
               </a:ext>
             </a:extLst>
           </p:cNvPr>
@@ -4135,7 +4138,7 @@
           <p:cNvPr id="22" name="Rectangle 21">
             <a:extLst>
               <a:ext uri="{FF2B5EF4-FFF2-40B4-BE49-F238E27FC236}">
-                <a16:creationId xmlns:a16="http://schemas.microsoft.com/office/drawing/2014/main" id="{8E7B9D84-F695-4AAA-8C15-9BAFDEF70214}"/>
+                <a16:creationId xmlns:a16="http://schemas.microsoft.com/office/drawing/2014/main" xmlns="" id="{8E7B9D84-F695-4AAA-8C15-9BAFDEF70214}"/>
               </a:ext>
             </a:extLst>
           </p:cNvPr>
@@ -4181,7 +4184,7 @@
           <p:cNvPr id="23" name="Rectangle 22">
             <a:extLst>
               <a:ext uri="{FF2B5EF4-FFF2-40B4-BE49-F238E27FC236}">
-                <a16:creationId xmlns:a16="http://schemas.microsoft.com/office/drawing/2014/main" id="{52EA4532-B67F-4444-B9D1-5D9EE3114611}"/>
+                <a16:creationId xmlns:a16="http://schemas.microsoft.com/office/drawing/2014/main" xmlns="" id="{52EA4532-B67F-4444-B9D1-5D9EE3114611}"/>
               </a:ext>
             </a:extLst>
           </p:cNvPr>
@@ -4227,7 +4230,7 @@
           <p:cNvPr id="24" name="Straight Arrow Connector 23">
             <a:extLst>
               <a:ext uri="{FF2B5EF4-FFF2-40B4-BE49-F238E27FC236}">
-                <a16:creationId xmlns:a16="http://schemas.microsoft.com/office/drawing/2014/main" id="{D0BEE9FB-297A-4D6F-9433-6C1404B30DEF}"/>
+                <a16:creationId xmlns:a16="http://schemas.microsoft.com/office/drawing/2014/main" xmlns="" id="{D0BEE9FB-297A-4D6F-9433-6C1404B30DEF}"/>
               </a:ext>
             </a:extLst>
           </p:cNvPr>
@@ -4274,7 +4277,7 @@
           <p:cNvPr id="27" name="Straight Arrow Connector 26">
             <a:extLst>
               <a:ext uri="{FF2B5EF4-FFF2-40B4-BE49-F238E27FC236}">
-                <a16:creationId xmlns:a16="http://schemas.microsoft.com/office/drawing/2014/main" id="{D9AE491B-05B7-4B8E-8702-B3A2CC0ABD3D}"/>
+                <a16:creationId xmlns:a16="http://schemas.microsoft.com/office/drawing/2014/main" xmlns="" id="{D9AE491B-05B7-4B8E-8702-B3A2CC0ABD3D}"/>
               </a:ext>
             </a:extLst>
           </p:cNvPr>
@@ -4321,7 +4324,7 @@
           <p:cNvPr id="31" name="TextBox 30">
             <a:extLst>
               <a:ext uri="{FF2B5EF4-FFF2-40B4-BE49-F238E27FC236}">
-                <a16:creationId xmlns:a16="http://schemas.microsoft.com/office/drawing/2014/main" id="{7148A196-6CB7-41A5-81F1-388B041BB0F3}"/>
+                <a16:creationId xmlns:a16="http://schemas.microsoft.com/office/drawing/2014/main" xmlns="" id="{7148A196-6CB7-41A5-81F1-388B041BB0F3}"/>
               </a:ext>
             </a:extLst>
           </p:cNvPr>
@@ -4356,7 +4359,7 @@
           <p:cNvPr id="32" name="TextBox 31">
             <a:extLst>
               <a:ext uri="{FF2B5EF4-FFF2-40B4-BE49-F238E27FC236}">
-                <a16:creationId xmlns:a16="http://schemas.microsoft.com/office/drawing/2014/main" id="{8D63754F-2716-46C6-806A-ED98F4EC271C}"/>
+                <a16:creationId xmlns:a16="http://schemas.microsoft.com/office/drawing/2014/main" xmlns="" id="{8D63754F-2716-46C6-806A-ED98F4EC271C}"/>
               </a:ext>
             </a:extLst>
           </p:cNvPr>
@@ -4391,7 +4394,7 @@
           <p:cNvPr id="33" name="TextBox 32">
             <a:extLst>
               <a:ext uri="{FF2B5EF4-FFF2-40B4-BE49-F238E27FC236}">
-                <a16:creationId xmlns:a16="http://schemas.microsoft.com/office/drawing/2014/main" id="{7F6DB6A2-D09F-4771-A584-96843009A704}"/>
+                <a16:creationId xmlns:a16="http://schemas.microsoft.com/office/drawing/2014/main" xmlns="" id="{7F6DB6A2-D09F-4771-A584-96843009A704}"/>
               </a:ext>
             </a:extLst>
           </p:cNvPr>
@@ -4426,7 +4429,7 @@
           <p:cNvPr id="36" name="Rectangle 35">
             <a:extLst>
               <a:ext uri="{FF2B5EF4-FFF2-40B4-BE49-F238E27FC236}">
-                <a16:creationId xmlns:a16="http://schemas.microsoft.com/office/drawing/2014/main" id="{F90ECF2E-9447-4A47-A26B-41613F946370}"/>
+                <a16:creationId xmlns:a16="http://schemas.microsoft.com/office/drawing/2014/main" xmlns="" id="{F90ECF2E-9447-4A47-A26B-41613F946370}"/>
               </a:ext>
             </a:extLst>
           </p:cNvPr>
@@ -4475,7 +4478,7 @@
           <p:cNvPr id="37" name="Rectangle 36">
             <a:extLst>
               <a:ext uri="{FF2B5EF4-FFF2-40B4-BE49-F238E27FC236}">
-                <a16:creationId xmlns:a16="http://schemas.microsoft.com/office/drawing/2014/main" id="{5C47DC2B-774B-493E-81AB-E57F1C0040C1}"/>
+                <a16:creationId xmlns:a16="http://schemas.microsoft.com/office/drawing/2014/main" xmlns="" id="{5C47DC2B-774B-493E-81AB-E57F1C0040C1}"/>
               </a:ext>
             </a:extLst>
           </p:cNvPr>
@@ -4521,7 +4524,7 @@
           <p:cNvPr id="38" name="Rectangle 37">
             <a:extLst>
               <a:ext uri="{FF2B5EF4-FFF2-40B4-BE49-F238E27FC236}">
-                <a16:creationId xmlns:a16="http://schemas.microsoft.com/office/drawing/2014/main" id="{FB1A2948-EA33-4B35-8BE9-2B54F2BFFEDA}"/>
+                <a16:creationId xmlns:a16="http://schemas.microsoft.com/office/drawing/2014/main" xmlns="" id="{FB1A2948-EA33-4B35-8BE9-2B54F2BFFEDA}"/>
               </a:ext>
             </a:extLst>
           </p:cNvPr>
@@ -4567,7 +4570,7 @@
           <p:cNvPr id="39" name="Rectangle 38">
             <a:extLst>
               <a:ext uri="{FF2B5EF4-FFF2-40B4-BE49-F238E27FC236}">
-                <a16:creationId xmlns:a16="http://schemas.microsoft.com/office/drawing/2014/main" id="{E62E0270-F4D0-459A-8613-96273AA7DD30}"/>
+                <a16:creationId xmlns:a16="http://schemas.microsoft.com/office/drawing/2014/main" xmlns="" id="{E62E0270-F4D0-459A-8613-96273AA7DD30}"/>
               </a:ext>
             </a:extLst>
           </p:cNvPr>
@@ -4613,7 +4616,7 @@
           <p:cNvPr id="40" name="Rectangle 39">
             <a:extLst>
               <a:ext uri="{FF2B5EF4-FFF2-40B4-BE49-F238E27FC236}">
-                <a16:creationId xmlns:a16="http://schemas.microsoft.com/office/drawing/2014/main" id="{2089CFB1-569A-4628-89D0-2F98B6871507}"/>
+                <a16:creationId xmlns:a16="http://schemas.microsoft.com/office/drawing/2014/main" xmlns="" id="{2089CFB1-569A-4628-89D0-2F98B6871507}"/>
               </a:ext>
             </a:extLst>
           </p:cNvPr>
@@ -4659,7 +4662,7 @@
           <p:cNvPr id="41" name="Straight Arrow Connector 40">
             <a:extLst>
               <a:ext uri="{FF2B5EF4-FFF2-40B4-BE49-F238E27FC236}">
-                <a16:creationId xmlns:a16="http://schemas.microsoft.com/office/drawing/2014/main" id="{D52DA856-A700-4C3E-95A0-57611E1C36DA}"/>
+                <a16:creationId xmlns:a16="http://schemas.microsoft.com/office/drawing/2014/main" xmlns="" id="{D52DA856-A700-4C3E-95A0-57611E1C36DA}"/>
               </a:ext>
             </a:extLst>
           </p:cNvPr>
@@ -4706,7 +4709,7 @@
           <p:cNvPr id="46" name="Straight Arrow Connector 45">
             <a:extLst>
               <a:ext uri="{FF2B5EF4-FFF2-40B4-BE49-F238E27FC236}">
-                <a16:creationId xmlns:a16="http://schemas.microsoft.com/office/drawing/2014/main" id="{BEFB6189-53A8-48E7-AD33-3274E7C1D918}"/>
+                <a16:creationId xmlns:a16="http://schemas.microsoft.com/office/drawing/2014/main" xmlns="" id="{BEFB6189-53A8-48E7-AD33-3274E7C1D918}"/>
               </a:ext>
             </a:extLst>
           </p:cNvPr>
@@ -4753,7 +4756,7 @@
           <p:cNvPr id="50" name="Straight Arrow Connector 49">
             <a:extLst>
               <a:ext uri="{FF2B5EF4-FFF2-40B4-BE49-F238E27FC236}">
-                <a16:creationId xmlns:a16="http://schemas.microsoft.com/office/drawing/2014/main" id="{89E5D60B-3206-4DBD-8743-30F29B3E5474}"/>
+                <a16:creationId xmlns:a16="http://schemas.microsoft.com/office/drawing/2014/main" xmlns="" id="{89E5D60B-3206-4DBD-8743-30F29B3E5474}"/>
               </a:ext>
             </a:extLst>
           </p:cNvPr>
@@ -4800,7 +4803,7 @@
           <p:cNvPr id="53" name="Straight Arrow Connector 52">
             <a:extLst>
               <a:ext uri="{FF2B5EF4-FFF2-40B4-BE49-F238E27FC236}">
-                <a16:creationId xmlns:a16="http://schemas.microsoft.com/office/drawing/2014/main" id="{5EE9B383-3A3D-4CE5-A7F9-9B7D390210C2}"/>
+                <a16:creationId xmlns:a16="http://schemas.microsoft.com/office/drawing/2014/main" xmlns="" id="{5EE9B383-3A3D-4CE5-A7F9-9B7D390210C2}"/>
               </a:ext>
             </a:extLst>
           </p:cNvPr>
@@ -4847,7 +4850,7 @@
           <p:cNvPr id="56" name="Arc 55">
             <a:extLst>
               <a:ext uri="{FF2B5EF4-FFF2-40B4-BE49-F238E27FC236}">
-                <a16:creationId xmlns:a16="http://schemas.microsoft.com/office/drawing/2014/main" id="{7190ED8E-C2E7-4880-BFAF-A33703E534B2}"/>
+                <a16:creationId xmlns:a16="http://schemas.microsoft.com/office/drawing/2014/main" xmlns="" id="{7190ED8E-C2E7-4880-BFAF-A33703E534B2}"/>
               </a:ext>
             </a:extLst>
           </p:cNvPr>
@@ -4900,7 +4903,7 @@
           <p:cNvPr id="57" name="Arc 56">
             <a:extLst>
               <a:ext uri="{FF2B5EF4-FFF2-40B4-BE49-F238E27FC236}">
-                <a16:creationId xmlns:a16="http://schemas.microsoft.com/office/drawing/2014/main" id="{8D6E79D3-807F-46D5-9EEB-F75E480537D8}"/>
+                <a16:creationId xmlns:a16="http://schemas.microsoft.com/office/drawing/2014/main" xmlns="" id="{8D6E79D3-807F-46D5-9EEB-F75E480537D8}"/>
               </a:ext>
             </a:extLst>
           </p:cNvPr>
@@ -4953,7 +4956,7 @@
           <p:cNvPr id="58" name="Arc 57">
             <a:extLst>
               <a:ext uri="{FF2B5EF4-FFF2-40B4-BE49-F238E27FC236}">
-                <a16:creationId xmlns:a16="http://schemas.microsoft.com/office/drawing/2014/main" id="{ADFD1D01-C9CE-4595-B3FF-EDA1E5446BDB}"/>
+                <a16:creationId xmlns:a16="http://schemas.microsoft.com/office/drawing/2014/main" xmlns="" id="{ADFD1D01-C9CE-4595-B3FF-EDA1E5446BDB}"/>
               </a:ext>
             </a:extLst>
           </p:cNvPr>
@@ -5006,7 +5009,7 @@
           <p:cNvPr id="59" name="TextBox 58">
             <a:extLst>
               <a:ext uri="{FF2B5EF4-FFF2-40B4-BE49-F238E27FC236}">
-                <a16:creationId xmlns:a16="http://schemas.microsoft.com/office/drawing/2014/main" id="{78D86371-200E-4CF1-8FE4-8D23492528A6}"/>
+                <a16:creationId xmlns:a16="http://schemas.microsoft.com/office/drawing/2014/main" xmlns="" id="{78D86371-200E-4CF1-8FE4-8D23492528A6}"/>
               </a:ext>
             </a:extLst>
           </p:cNvPr>
@@ -5046,7 +5049,7 @@
           <p:cNvPr id="60" name="TextBox 59">
             <a:extLst>
               <a:ext uri="{FF2B5EF4-FFF2-40B4-BE49-F238E27FC236}">
-                <a16:creationId xmlns:a16="http://schemas.microsoft.com/office/drawing/2014/main" id="{36A9B770-E3CB-4F62-A86F-27A30C6D43B7}"/>
+                <a16:creationId xmlns:a16="http://schemas.microsoft.com/office/drawing/2014/main" xmlns="" id="{36A9B770-E3CB-4F62-A86F-27A30C6D43B7}"/>
               </a:ext>
             </a:extLst>
           </p:cNvPr>
@@ -5086,7 +5089,7 @@
           <p:cNvPr id="61" name="TextBox 60">
             <a:extLst>
               <a:ext uri="{FF2B5EF4-FFF2-40B4-BE49-F238E27FC236}">
-                <a16:creationId xmlns:a16="http://schemas.microsoft.com/office/drawing/2014/main" id="{18500777-32AF-4157-87EE-CE0F7837CCA4}"/>
+                <a16:creationId xmlns:a16="http://schemas.microsoft.com/office/drawing/2014/main" xmlns="" id="{18500777-32AF-4157-87EE-CE0F7837CCA4}"/>
               </a:ext>
             </a:extLst>
           </p:cNvPr>
@@ -5126,7 +5129,7 @@
           <p:cNvPr id="66" name="Rectangle 65">
             <a:extLst>
               <a:ext uri="{FF2B5EF4-FFF2-40B4-BE49-F238E27FC236}">
-                <a16:creationId xmlns:a16="http://schemas.microsoft.com/office/drawing/2014/main" id="{C1A57756-618E-471B-A7A3-984E5C9C132F}"/>
+                <a16:creationId xmlns:a16="http://schemas.microsoft.com/office/drawing/2014/main" xmlns="" id="{C1A57756-618E-471B-A7A3-984E5C9C132F}"/>
               </a:ext>
             </a:extLst>
           </p:cNvPr>
@@ -5172,7 +5175,7 @@
           <p:cNvPr id="67" name="Rectangle 66">
             <a:extLst>
               <a:ext uri="{FF2B5EF4-FFF2-40B4-BE49-F238E27FC236}">
-                <a16:creationId xmlns:a16="http://schemas.microsoft.com/office/drawing/2014/main" id="{3C630BFA-C3BB-4114-B309-01AEC6ABCF62}"/>
+                <a16:creationId xmlns:a16="http://schemas.microsoft.com/office/drawing/2014/main" xmlns="" id="{3C630BFA-C3BB-4114-B309-01AEC6ABCF62}"/>
               </a:ext>
             </a:extLst>
           </p:cNvPr>
@@ -5221,7 +5224,7 @@
           <p:cNvPr id="68" name="Straight Connector 67">
             <a:extLst>
               <a:ext uri="{FF2B5EF4-FFF2-40B4-BE49-F238E27FC236}">
-                <a16:creationId xmlns:a16="http://schemas.microsoft.com/office/drawing/2014/main" id="{38487672-49EB-4D13-A9C9-3F3048DDF050}"/>
+                <a16:creationId xmlns:a16="http://schemas.microsoft.com/office/drawing/2014/main" xmlns="" id="{38487672-49EB-4D13-A9C9-3F3048DDF050}"/>
               </a:ext>
             </a:extLst>
           </p:cNvPr>
@@ -5259,7 +5262,7 @@
           <p:cNvPr id="69" name="Arc 68">
             <a:extLst>
               <a:ext uri="{FF2B5EF4-FFF2-40B4-BE49-F238E27FC236}">
-                <a16:creationId xmlns:a16="http://schemas.microsoft.com/office/drawing/2014/main" id="{D47DFBBD-AC9E-45E5-B50C-592DE9351BFA}"/>
+                <a16:creationId xmlns:a16="http://schemas.microsoft.com/office/drawing/2014/main" xmlns="" id="{D47DFBBD-AC9E-45E5-B50C-592DE9351BFA}"/>
               </a:ext>
             </a:extLst>
           </p:cNvPr>
@@ -5306,7 +5309,7 @@
           <p:cNvPr id="70" name="TextBox 69">
             <a:extLst>
               <a:ext uri="{FF2B5EF4-FFF2-40B4-BE49-F238E27FC236}">
-                <a16:creationId xmlns:a16="http://schemas.microsoft.com/office/drawing/2014/main" id="{3902D488-C1BB-4BDE-94D1-7B270F92F8E3}"/>
+                <a16:creationId xmlns:a16="http://schemas.microsoft.com/office/drawing/2014/main" xmlns="" id="{3902D488-C1BB-4BDE-94D1-7B270F92F8E3}"/>
               </a:ext>
             </a:extLst>
           </p:cNvPr>
@@ -5346,7 +5349,7 @@
           <p:cNvPr id="71" name="Straight Arrow Connector 70">
             <a:extLst>
               <a:ext uri="{FF2B5EF4-FFF2-40B4-BE49-F238E27FC236}">
-                <a16:creationId xmlns:a16="http://schemas.microsoft.com/office/drawing/2014/main" id="{BEAB2A44-FC3D-4A9D-912A-4A4F2DB71B86}"/>
+                <a16:creationId xmlns:a16="http://schemas.microsoft.com/office/drawing/2014/main" xmlns="" id="{BEAB2A44-FC3D-4A9D-912A-4A4F2DB71B86}"/>
               </a:ext>
             </a:extLst>
           </p:cNvPr>
@@ -5393,7 +5396,7 @@
           <p:cNvPr id="72" name="TextBox 71">
             <a:extLst>
               <a:ext uri="{FF2B5EF4-FFF2-40B4-BE49-F238E27FC236}">
-                <a16:creationId xmlns:a16="http://schemas.microsoft.com/office/drawing/2014/main" id="{DBFFA45A-6605-45E8-8DEE-821860B8C2B5}"/>
+                <a16:creationId xmlns:a16="http://schemas.microsoft.com/office/drawing/2014/main" xmlns="" id="{DBFFA45A-6605-45E8-8DEE-821860B8C2B5}"/>
               </a:ext>
             </a:extLst>
           </p:cNvPr>
@@ -5428,7 +5431,7 @@
           <p:cNvPr id="77" name="Rectangle 76">
             <a:extLst>
               <a:ext uri="{FF2B5EF4-FFF2-40B4-BE49-F238E27FC236}">
-                <a16:creationId xmlns:a16="http://schemas.microsoft.com/office/drawing/2014/main" id="{DFC2F94D-A6CC-4EFA-A2F7-DFCAC0B81D48}"/>
+                <a16:creationId xmlns:a16="http://schemas.microsoft.com/office/drawing/2014/main" xmlns="" id="{DFC2F94D-A6CC-4EFA-A2F7-DFCAC0B81D48}"/>
               </a:ext>
             </a:extLst>
           </p:cNvPr>
@@ -5474,7 +5477,7 @@
           <p:cNvPr id="78" name="Rectangle 77">
             <a:extLst>
               <a:ext uri="{FF2B5EF4-FFF2-40B4-BE49-F238E27FC236}">
-                <a16:creationId xmlns:a16="http://schemas.microsoft.com/office/drawing/2014/main" id="{A27F0ACD-2EE0-4C04-BA61-9E7BA5FB5F82}"/>
+                <a16:creationId xmlns:a16="http://schemas.microsoft.com/office/drawing/2014/main" xmlns="" id="{A27F0ACD-2EE0-4C04-BA61-9E7BA5FB5F82}"/>
               </a:ext>
             </a:extLst>
           </p:cNvPr>
@@ -5523,7 +5526,7 @@
           <p:cNvPr id="79" name="Straight Connector 78">
             <a:extLst>
               <a:ext uri="{FF2B5EF4-FFF2-40B4-BE49-F238E27FC236}">
-                <a16:creationId xmlns:a16="http://schemas.microsoft.com/office/drawing/2014/main" id="{C4E4361C-5763-4A19-A4A0-533382C56EF9}"/>
+                <a16:creationId xmlns:a16="http://schemas.microsoft.com/office/drawing/2014/main" xmlns="" id="{C4E4361C-5763-4A19-A4A0-533382C56EF9}"/>
               </a:ext>
             </a:extLst>
           </p:cNvPr>
@@ -5561,7 +5564,7 @@
           <p:cNvPr id="80" name="Arc 79">
             <a:extLst>
               <a:ext uri="{FF2B5EF4-FFF2-40B4-BE49-F238E27FC236}">
-                <a16:creationId xmlns:a16="http://schemas.microsoft.com/office/drawing/2014/main" id="{6A1D5682-5660-49E9-839A-EE2D74CA2D64}"/>
+                <a16:creationId xmlns:a16="http://schemas.microsoft.com/office/drawing/2014/main" xmlns="" id="{6A1D5682-5660-49E9-839A-EE2D74CA2D64}"/>
               </a:ext>
             </a:extLst>
           </p:cNvPr>
@@ -5608,7 +5611,7 @@
           <p:cNvPr id="81" name="Straight Arrow Connector 80">
             <a:extLst>
               <a:ext uri="{FF2B5EF4-FFF2-40B4-BE49-F238E27FC236}">
-                <a16:creationId xmlns:a16="http://schemas.microsoft.com/office/drawing/2014/main" id="{4BA4E7B5-8BA3-4C5A-BDA6-71B18DCBF293}"/>
+                <a16:creationId xmlns:a16="http://schemas.microsoft.com/office/drawing/2014/main" xmlns="" id="{4BA4E7B5-8BA3-4C5A-BDA6-71B18DCBF293}"/>
               </a:ext>
             </a:extLst>
           </p:cNvPr>
@@ -5655,7 +5658,7 @@
           <p:cNvPr id="82" name="TextBox 81">
             <a:extLst>
               <a:ext uri="{FF2B5EF4-FFF2-40B4-BE49-F238E27FC236}">
-                <a16:creationId xmlns:a16="http://schemas.microsoft.com/office/drawing/2014/main" id="{413750BD-183A-46B7-A55C-CAA1D8C214E7}"/>
+                <a16:creationId xmlns:a16="http://schemas.microsoft.com/office/drawing/2014/main" xmlns="" id="{413750BD-183A-46B7-A55C-CAA1D8C214E7}"/>
               </a:ext>
             </a:extLst>
           </p:cNvPr>
@@ -5690,7 +5693,7 @@
           <p:cNvPr id="86" name="TextBox 85">
             <a:extLst>
               <a:ext uri="{FF2B5EF4-FFF2-40B4-BE49-F238E27FC236}">
-                <a16:creationId xmlns:a16="http://schemas.microsoft.com/office/drawing/2014/main" id="{7A08B8B0-A951-49F0-85F0-A8A6AA5E6E95}"/>
+                <a16:creationId xmlns:a16="http://schemas.microsoft.com/office/drawing/2014/main" xmlns="" id="{7A08B8B0-A951-49F0-85F0-A8A6AA5E6E95}"/>
               </a:ext>
             </a:extLst>
           </p:cNvPr>
@@ -5730,7 +5733,7 @@
           <p:cNvPr id="87" name="TextBox 86">
             <a:extLst>
               <a:ext uri="{FF2B5EF4-FFF2-40B4-BE49-F238E27FC236}">
-                <a16:creationId xmlns:a16="http://schemas.microsoft.com/office/drawing/2014/main" id="{5C1CB67F-D31C-4216-A665-B08FAF8C2DAA}"/>
+                <a16:creationId xmlns:a16="http://schemas.microsoft.com/office/drawing/2014/main" xmlns="" id="{5C1CB67F-D31C-4216-A665-B08FAF8C2DAA}"/>
               </a:ext>
             </a:extLst>
           </p:cNvPr>
@@ -5765,7 +5768,7 @@
           <p:cNvPr id="88" name="TextBox 87">
             <a:extLst>
               <a:ext uri="{FF2B5EF4-FFF2-40B4-BE49-F238E27FC236}">
-                <a16:creationId xmlns:a16="http://schemas.microsoft.com/office/drawing/2014/main" id="{CE851A16-20AA-4159-A588-636180D2DBE5}"/>
+                <a16:creationId xmlns:a16="http://schemas.microsoft.com/office/drawing/2014/main" xmlns="" id="{CE851A16-20AA-4159-A588-636180D2DBE5}"/>
               </a:ext>
             </a:extLst>
           </p:cNvPr>
@@ -5800,7 +5803,7 @@
           <p:cNvPr id="91" name="Straight Connector 90">
             <a:extLst>
               <a:ext uri="{FF2B5EF4-FFF2-40B4-BE49-F238E27FC236}">
-                <a16:creationId xmlns:a16="http://schemas.microsoft.com/office/drawing/2014/main" id="{17ED0A31-FB05-4394-B94A-3FC85081BD6B}"/>
+                <a16:creationId xmlns:a16="http://schemas.microsoft.com/office/drawing/2014/main" xmlns="" id="{17ED0A31-FB05-4394-B94A-3FC85081BD6B}"/>
               </a:ext>
             </a:extLst>
           </p:cNvPr>
@@ -5841,7 +5844,7 @@
           <p:cNvPr id="93" name="TextBox 92">
             <a:extLst>
               <a:ext uri="{FF2B5EF4-FFF2-40B4-BE49-F238E27FC236}">
-                <a16:creationId xmlns:a16="http://schemas.microsoft.com/office/drawing/2014/main" id="{A1D27053-BA99-41A7-BA4C-3E8766AD5AB0}"/>
+                <a16:creationId xmlns:a16="http://schemas.microsoft.com/office/drawing/2014/main" xmlns="" id="{A1D27053-BA99-41A7-BA4C-3E8766AD5AB0}"/>
               </a:ext>
             </a:extLst>
           </p:cNvPr>
@@ -5906,7 +5909,7 @@
           <p:cNvPr id="33" name="Rectangle: Rounded Corners 32">
             <a:extLst>
               <a:ext uri="{FF2B5EF4-FFF2-40B4-BE49-F238E27FC236}">
-                <a16:creationId xmlns:a16="http://schemas.microsoft.com/office/drawing/2014/main" id="{52D972A3-F302-4452-A04E-F64AC18D1BF2}"/>
+                <a16:creationId xmlns:a16="http://schemas.microsoft.com/office/drawing/2014/main" xmlns="" id="{52D972A3-F302-4452-A04E-F64AC18D1BF2}"/>
               </a:ext>
             </a:extLst>
           </p:cNvPr>
@@ -5962,7 +5965,7 @@
           <p:cNvPr id="2" name="Rectangle: Rounded Corners 1">
             <a:extLst>
               <a:ext uri="{FF2B5EF4-FFF2-40B4-BE49-F238E27FC236}">
-                <a16:creationId xmlns:a16="http://schemas.microsoft.com/office/drawing/2014/main" id="{9E52F8D7-DBF2-4E8B-AFAA-4D56E1F02B4A}"/>
+                <a16:creationId xmlns:a16="http://schemas.microsoft.com/office/drawing/2014/main" xmlns="" id="{9E52F8D7-DBF2-4E8B-AFAA-4D56E1F02B4A}"/>
               </a:ext>
             </a:extLst>
           </p:cNvPr>
@@ -6018,7 +6021,7 @@
           <p:cNvPr id="3" name="Rectangle: Rounded Corners 2">
             <a:extLst>
               <a:ext uri="{FF2B5EF4-FFF2-40B4-BE49-F238E27FC236}">
-                <a16:creationId xmlns:a16="http://schemas.microsoft.com/office/drawing/2014/main" id="{FB9D4E79-E50D-4CE5-9BFD-639CDEA9C361}"/>
+                <a16:creationId xmlns:a16="http://schemas.microsoft.com/office/drawing/2014/main" xmlns="" id="{FB9D4E79-E50D-4CE5-9BFD-639CDEA9C361}"/>
               </a:ext>
             </a:extLst>
           </p:cNvPr>
@@ -6074,7 +6077,7 @@
           <p:cNvPr id="4" name="Rectangle: Rounded Corners 3">
             <a:extLst>
               <a:ext uri="{FF2B5EF4-FFF2-40B4-BE49-F238E27FC236}">
-                <a16:creationId xmlns:a16="http://schemas.microsoft.com/office/drawing/2014/main" id="{54FCC0BC-83C4-4EC5-8200-D3C032395413}"/>
+                <a16:creationId xmlns:a16="http://schemas.microsoft.com/office/drawing/2014/main" xmlns="" id="{54FCC0BC-83C4-4EC5-8200-D3C032395413}"/>
               </a:ext>
             </a:extLst>
           </p:cNvPr>
@@ -6130,7 +6133,7 @@
           <p:cNvPr id="5" name="Rectangle: Rounded Corners 4">
             <a:extLst>
               <a:ext uri="{FF2B5EF4-FFF2-40B4-BE49-F238E27FC236}">
-                <a16:creationId xmlns:a16="http://schemas.microsoft.com/office/drawing/2014/main" id="{B323D3DA-6C4C-483B-A265-E1648AAE9F31}"/>
+                <a16:creationId xmlns:a16="http://schemas.microsoft.com/office/drawing/2014/main" xmlns="" id="{B323D3DA-6C4C-483B-A265-E1648AAE9F31}"/>
               </a:ext>
             </a:extLst>
           </p:cNvPr>
@@ -6186,7 +6189,7 @@
           <p:cNvPr id="6" name="Rectangle: Rounded Corners 5">
             <a:extLst>
               <a:ext uri="{FF2B5EF4-FFF2-40B4-BE49-F238E27FC236}">
-                <a16:creationId xmlns:a16="http://schemas.microsoft.com/office/drawing/2014/main" id="{CE1AEA6F-E8FC-463A-87B9-B77F1A182117}"/>
+                <a16:creationId xmlns:a16="http://schemas.microsoft.com/office/drawing/2014/main" xmlns="" id="{CE1AEA6F-E8FC-463A-87B9-B77F1A182117}"/>
               </a:ext>
             </a:extLst>
           </p:cNvPr>
@@ -6242,7 +6245,7 @@
           <p:cNvPr id="7" name="Rectangle: Rounded Corners 6">
             <a:extLst>
               <a:ext uri="{FF2B5EF4-FFF2-40B4-BE49-F238E27FC236}">
-                <a16:creationId xmlns:a16="http://schemas.microsoft.com/office/drawing/2014/main" id="{7524F206-68F6-4057-96FA-0FA4B6D703E0}"/>
+                <a16:creationId xmlns:a16="http://schemas.microsoft.com/office/drawing/2014/main" xmlns="" id="{7524F206-68F6-4057-96FA-0FA4B6D703E0}"/>
               </a:ext>
             </a:extLst>
           </p:cNvPr>
@@ -6298,7 +6301,7 @@
           <p:cNvPr id="9" name="TextBox 8">
             <a:extLst>
               <a:ext uri="{FF2B5EF4-FFF2-40B4-BE49-F238E27FC236}">
-                <a16:creationId xmlns:a16="http://schemas.microsoft.com/office/drawing/2014/main" id="{67D569CC-AB6E-4AB4-A738-1D5394F64074}"/>
+                <a16:creationId xmlns:a16="http://schemas.microsoft.com/office/drawing/2014/main" xmlns="" id="{67D569CC-AB6E-4AB4-A738-1D5394F64074}"/>
               </a:ext>
             </a:extLst>
           </p:cNvPr>
@@ -6333,7 +6336,7 @@
           <p:cNvPr id="10" name="TextBox 9">
             <a:extLst>
               <a:ext uri="{FF2B5EF4-FFF2-40B4-BE49-F238E27FC236}">
-                <a16:creationId xmlns:a16="http://schemas.microsoft.com/office/drawing/2014/main" id="{74A64AAC-2133-43E2-94AE-0C3EDEA5A5D4}"/>
+                <a16:creationId xmlns:a16="http://schemas.microsoft.com/office/drawing/2014/main" xmlns="" id="{74A64AAC-2133-43E2-94AE-0C3EDEA5A5D4}"/>
               </a:ext>
             </a:extLst>
           </p:cNvPr>
@@ -6368,7 +6371,7 @@
           <p:cNvPr id="11" name="TextBox 10">
             <a:extLst>
               <a:ext uri="{FF2B5EF4-FFF2-40B4-BE49-F238E27FC236}">
-                <a16:creationId xmlns:a16="http://schemas.microsoft.com/office/drawing/2014/main" id="{C7AE7B13-98DE-451E-A7B7-9679211DEFEF}"/>
+                <a16:creationId xmlns:a16="http://schemas.microsoft.com/office/drawing/2014/main" xmlns="" id="{C7AE7B13-98DE-451E-A7B7-9679211DEFEF}"/>
               </a:ext>
             </a:extLst>
           </p:cNvPr>
@@ -6403,7 +6406,7 @@
           <p:cNvPr id="12" name="TextBox 11">
             <a:extLst>
               <a:ext uri="{FF2B5EF4-FFF2-40B4-BE49-F238E27FC236}">
-                <a16:creationId xmlns:a16="http://schemas.microsoft.com/office/drawing/2014/main" id="{B31DCA54-54B8-4A6E-A1D7-C22E21207B4C}"/>
+                <a16:creationId xmlns:a16="http://schemas.microsoft.com/office/drawing/2014/main" xmlns="" id="{B31DCA54-54B8-4A6E-A1D7-C22E21207B4C}"/>
               </a:ext>
             </a:extLst>
           </p:cNvPr>
@@ -6438,7 +6441,7 @@
           <p:cNvPr id="13" name="TextBox 12">
             <a:extLst>
               <a:ext uri="{FF2B5EF4-FFF2-40B4-BE49-F238E27FC236}">
-                <a16:creationId xmlns:a16="http://schemas.microsoft.com/office/drawing/2014/main" id="{07ECD308-15DE-4EE9-9792-EB9D2B469122}"/>
+                <a16:creationId xmlns:a16="http://schemas.microsoft.com/office/drawing/2014/main" xmlns="" id="{07ECD308-15DE-4EE9-9792-EB9D2B469122}"/>
               </a:ext>
             </a:extLst>
           </p:cNvPr>
@@ -6473,7 +6476,7 @@
           <p:cNvPr id="14" name="TextBox 13">
             <a:extLst>
               <a:ext uri="{FF2B5EF4-FFF2-40B4-BE49-F238E27FC236}">
-                <a16:creationId xmlns:a16="http://schemas.microsoft.com/office/drawing/2014/main" id="{198D2B87-0E92-4293-8317-F0E47FA6320C}"/>
+                <a16:creationId xmlns:a16="http://schemas.microsoft.com/office/drawing/2014/main" xmlns="" id="{198D2B87-0E92-4293-8317-F0E47FA6320C}"/>
               </a:ext>
             </a:extLst>
           </p:cNvPr>
@@ -6508,7 +6511,7 @@
           <p:cNvPr id="16" name="Straight Arrow Connector 15">
             <a:extLst>
               <a:ext uri="{FF2B5EF4-FFF2-40B4-BE49-F238E27FC236}">
-                <a16:creationId xmlns:a16="http://schemas.microsoft.com/office/drawing/2014/main" id="{CAD1505F-1341-4EBC-98EC-B86F01DAA206}"/>
+                <a16:creationId xmlns:a16="http://schemas.microsoft.com/office/drawing/2014/main" xmlns="" id="{CAD1505F-1341-4EBC-98EC-B86F01DAA206}"/>
               </a:ext>
             </a:extLst>
           </p:cNvPr>
@@ -6547,7 +6550,7 @@
           <p:cNvPr id="17" name="Straight Arrow Connector 16">
             <a:extLst>
               <a:ext uri="{FF2B5EF4-FFF2-40B4-BE49-F238E27FC236}">
-                <a16:creationId xmlns:a16="http://schemas.microsoft.com/office/drawing/2014/main" id="{41437FCA-0489-4A93-9EA1-0E355B67EBAD}"/>
+                <a16:creationId xmlns:a16="http://schemas.microsoft.com/office/drawing/2014/main" xmlns="" id="{41437FCA-0489-4A93-9EA1-0E355B67EBAD}"/>
               </a:ext>
             </a:extLst>
           </p:cNvPr>
@@ -6589,7 +6592,7 @@
           <p:cNvPr id="19" name="Straight Arrow Connector 18">
             <a:extLst>
               <a:ext uri="{FF2B5EF4-FFF2-40B4-BE49-F238E27FC236}">
-                <a16:creationId xmlns:a16="http://schemas.microsoft.com/office/drawing/2014/main" id="{B4B4A916-9F19-45DD-94B6-712E0AAEC3BB}"/>
+                <a16:creationId xmlns:a16="http://schemas.microsoft.com/office/drawing/2014/main" xmlns="" id="{B4B4A916-9F19-45DD-94B6-712E0AAEC3BB}"/>
               </a:ext>
             </a:extLst>
           </p:cNvPr>
@@ -6630,7 +6633,7 @@
           <p:cNvPr id="20" name="Straight Arrow Connector 19">
             <a:extLst>
               <a:ext uri="{FF2B5EF4-FFF2-40B4-BE49-F238E27FC236}">
-                <a16:creationId xmlns:a16="http://schemas.microsoft.com/office/drawing/2014/main" id="{48D68B77-C404-443E-AC35-B169B7A2862B}"/>
+                <a16:creationId xmlns:a16="http://schemas.microsoft.com/office/drawing/2014/main" xmlns="" id="{48D68B77-C404-443E-AC35-B169B7A2862B}"/>
               </a:ext>
             </a:extLst>
           </p:cNvPr>
@@ -6671,7 +6674,7 @@
           <p:cNvPr id="21" name="Straight Arrow Connector 20">
             <a:extLst>
               <a:ext uri="{FF2B5EF4-FFF2-40B4-BE49-F238E27FC236}">
-                <a16:creationId xmlns:a16="http://schemas.microsoft.com/office/drawing/2014/main" id="{BCBBC2B7-26CF-4A3B-B2E1-931A8771EA2D}"/>
+                <a16:creationId xmlns:a16="http://schemas.microsoft.com/office/drawing/2014/main" xmlns="" id="{BCBBC2B7-26CF-4A3B-B2E1-931A8771EA2D}"/>
               </a:ext>
             </a:extLst>
           </p:cNvPr>
@@ -6712,7 +6715,7 @@
           <p:cNvPr id="22" name="Straight Arrow Connector 21">
             <a:extLst>
               <a:ext uri="{FF2B5EF4-FFF2-40B4-BE49-F238E27FC236}">
-                <a16:creationId xmlns:a16="http://schemas.microsoft.com/office/drawing/2014/main" id="{FEA8050E-6422-44C2-9B68-0AF04676375E}"/>
+                <a16:creationId xmlns:a16="http://schemas.microsoft.com/office/drawing/2014/main" xmlns="" id="{FEA8050E-6422-44C2-9B68-0AF04676375E}"/>
               </a:ext>
             </a:extLst>
           </p:cNvPr>
@@ -6753,7 +6756,7 @@
           <p:cNvPr id="23" name="Straight Arrow Connector 22">
             <a:extLst>
               <a:ext uri="{FF2B5EF4-FFF2-40B4-BE49-F238E27FC236}">
-                <a16:creationId xmlns:a16="http://schemas.microsoft.com/office/drawing/2014/main" id="{6C6083B2-59A5-4F8D-821F-9CAAC13DC964}"/>
+                <a16:creationId xmlns:a16="http://schemas.microsoft.com/office/drawing/2014/main" xmlns="" id="{6C6083B2-59A5-4F8D-821F-9CAAC13DC964}"/>
               </a:ext>
             </a:extLst>
           </p:cNvPr>
@@ -6796,7 +6799,7 @@
           <p:cNvPr id="28" name="Straight Arrow Connector 27">
             <a:extLst>
               <a:ext uri="{FF2B5EF4-FFF2-40B4-BE49-F238E27FC236}">
-                <a16:creationId xmlns:a16="http://schemas.microsoft.com/office/drawing/2014/main" id="{2D70DE12-2334-4B10-9F45-841587FCD4CD}"/>
+                <a16:creationId xmlns:a16="http://schemas.microsoft.com/office/drawing/2014/main" xmlns="" id="{2D70DE12-2334-4B10-9F45-841587FCD4CD}"/>
               </a:ext>
             </a:extLst>
           </p:cNvPr>
@@ -6837,7 +6840,7 @@
           <p:cNvPr id="29" name="Straight Arrow Connector 28">
             <a:extLst>
               <a:ext uri="{FF2B5EF4-FFF2-40B4-BE49-F238E27FC236}">
-                <a16:creationId xmlns:a16="http://schemas.microsoft.com/office/drawing/2014/main" id="{E73C5F05-5520-46D1-95D7-161591915C2B}"/>
+                <a16:creationId xmlns:a16="http://schemas.microsoft.com/office/drawing/2014/main" xmlns="" id="{E73C5F05-5520-46D1-95D7-161591915C2B}"/>
               </a:ext>
             </a:extLst>
           </p:cNvPr>
@@ -6878,7 +6881,7 @@
           <p:cNvPr id="30" name="Straight Arrow Connector 29">
             <a:extLst>
               <a:ext uri="{FF2B5EF4-FFF2-40B4-BE49-F238E27FC236}">
-                <a16:creationId xmlns:a16="http://schemas.microsoft.com/office/drawing/2014/main" id="{0888F945-405D-4E3F-BC0F-144BFC766F96}"/>
+                <a16:creationId xmlns:a16="http://schemas.microsoft.com/office/drawing/2014/main" xmlns="" id="{0888F945-405D-4E3F-BC0F-144BFC766F96}"/>
               </a:ext>
             </a:extLst>
           </p:cNvPr>
@@ -6919,7 +6922,7 @@
           <p:cNvPr id="31" name="Straight Arrow Connector 30">
             <a:extLst>
               <a:ext uri="{FF2B5EF4-FFF2-40B4-BE49-F238E27FC236}">
-                <a16:creationId xmlns:a16="http://schemas.microsoft.com/office/drawing/2014/main" id="{9BF50DBE-B764-45CF-B2B4-1558795639A7}"/>
+                <a16:creationId xmlns:a16="http://schemas.microsoft.com/office/drawing/2014/main" xmlns="" id="{9BF50DBE-B764-45CF-B2B4-1558795639A7}"/>
               </a:ext>
             </a:extLst>
           </p:cNvPr>
@@ -6960,7 +6963,7 @@
           <p:cNvPr id="32" name="Straight Arrow Connector 31">
             <a:extLst>
               <a:ext uri="{FF2B5EF4-FFF2-40B4-BE49-F238E27FC236}">
-                <a16:creationId xmlns:a16="http://schemas.microsoft.com/office/drawing/2014/main" id="{A54C6FE5-3ED5-4509-ADB1-A1C8E165475F}"/>
+                <a16:creationId xmlns:a16="http://schemas.microsoft.com/office/drawing/2014/main" xmlns="" id="{A54C6FE5-3ED5-4509-ADB1-A1C8E165475F}"/>
               </a:ext>
             </a:extLst>
           </p:cNvPr>
@@ -7001,7 +7004,7 @@
           <p:cNvPr id="34" name="Rectangle: Rounded Corners 33">
             <a:extLst>
               <a:ext uri="{FF2B5EF4-FFF2-40B4-BE49-F238E27FC236}">
-                <a16:creationId xmlns:a16="http://schemas.microsoft.com/office/drawing/2014/main" id="{94F3A193-70EB-4D76-92B1-AE430DDBED34}"/>
+                <a16:creationId xmlns:a16="http://schemas.microsoft.com/office/drawing/2014/main" xmlns="" id="{94F3A193-70EB-4D76-92B1-AE430DDBED34}"/>
               </a:ext>
             </a:extLst>
           </p:cNvPr>
@@ -7057,7 +7060,7 @@
           <p:cNvPr id="35" name="Rectangle: Rounded Corners 34">
             <a:extLst>
               <a:ext uri="{FF2B5EF4-FFF2-40B4-BE49-F238E27FC236}">
-                <a16:creationId xmlns:a16="http://schemas.microsoft.com/office/drawing/2014/main" id="{10E90756-F749-4FE3-A061-3270921C4259}"/>
+                <a16:creationId xmlns:a16="http://schemas.microsoft.com/office/drawing/2014/main" xmlns="" id="{10E90756-F749-4FE3-A061-3270921C4259}"/>
               </a:ext>
             </a:extLst>
           </p:cNvPr>
@@ -7113,7 +7116,7 @@
           <p:cNvPr id="36" name="Rectangle: Rounded Corners 35">
             <a:extLst>
               <a:ext uri="{FF2B5EF4-FFF2-40B4-BE49-F238E27FC236}">
-                <a16:creationId xmlns:a16="http://schemas.microsoft.com/office/drawing/2014/main" id="{E8573890-4F6E-499A-B59C-69276790FBAE}"/>
+                <a16:creationId xmlns:a16="http://schemas.microsoft.com/office/drawing/2014/main" xmlns="" id="{E8573890-4F6E-499A-B59C-69276790FBAE}"/>
               </a:ext>
             </a:extLst>
           </p:cNvPr>
@@ -7169,7 +7172,7 @@
           <p:cNvPr id="37" name="Rectangle: Rounded Corners 36">
             <a:extLst>
               <a:ext uri="{FF2B5EF4-FFF2-40B4-BE49-F238E27FC236}">
-                <a16:creationId xmlns:a16="http://schemas.microsoft.com/office/drawing/2014/main" id="{5CF50304-F9A7-4CFF-A73F-A01CF0402B77}"/>
+                <a16:creationId xmlns:a16="http://schemas.microsoft.com/office/drawing/2014/main" xmlns="" id="{5CF50304-F9A7-4CFF-A73F-A01CF0402B77}"/>
               </a:ext>
             </a:extLst>
           </p:cNvPr>
@@ -7225,7 +7228,7 @@
           <p:cNvPr id="38" name="Rectangle: Rounded Corners 37">
             <a:extLst>
               <a:ext uri="{FF2B5EF4-FFF2-40B4-BE49-F238E27FC236}">
-                <a16:creationId xmlns:a16="http://schemas.microsoft.com/office/drawing/2014/main" id="{790C8837-9486-4D59-9299-4DAB3423D000}"/>
+                <a16:creationId xmlns:a16="http://schemas.microsoft.com/office/drawing/2014/main" xmlns="" id="{790C8837-9486-4D59-9299-4DAB3423D000}"/>
               </a:ext>
             </a:extLst>
           </p:cNvPr>
@@ -7281,7 +7284,7 @@
           <p:cNvPr id="39" name="Rectangle: Rounded Corners 38">
             <a:extLst>
               <a:ext uri="{FF2B5EF4-FFF2-40B4-BE49-F238E27FC236}">
-                <a16:creationId xmlns:a16="http://schemas.microsoft.com/office/drawing/2014/main" id="{0E37DD49-6775-444A-9F58-43FC8A77CC1A}"/>
+                <a16:creationId xmlns:a16="http://schemas.microsoft.com/office/drawing/2014/main" xmlns="" id="{0E37DD49-6775-444A-9F58-43FC8A77CC1A}"/>
               </a:ext>
             </a:extLst>
           </p:cNvPr>
@@ -7340,7 +7343,7 @@
           <p:cNvPr id="42" name="Straight Arrow Connector 41">
             <a:extLst>
               <a:ext uri="{FF2B5EF4-FFF2-40B4-BE49-F238E27FC236}">
-                <a16:creationId xmlns:a16="http://schemas.microsoft.com/office/drawing/2014/main" id="{DD6C188E-BBA2-4E8D-9F33-F3C6D7746BA8}"/>
+                <a16:creationId xmlns:a16="http://schemas.microsoft.com/office/drawing/2014/main" xmlns="" id="{DD6C188E-BBA2-4E8D-9F33-F3C6D7746BA8}"/>
               </a:ext>
             </a:extLst>
           </p:cNvPr>
@@ -7382,7 +7385,7 @@
           <p:cNvPr id="43" name="Straight Arrow Connector 42">
             <a:extLst>
               <a:ext uri="{FF2B5EF4-FFF2-40B4-BE49-F238E27FC236}">
-                <a16:creationId xmlns:a16="http://schemas.microsoft.com/office/drawing/2014/main" id="{93D99B21-2F4E-4B67-BB26-2BCB781D7584}"/>
+                <a16:creationId xmlns:a16="http://schemas.microsoft.com/office/drawing/2014/main" xmlns="" id="{93D99B21-2F4E-4B67-BB26-2BCB781D7584}"/>
               </a:ext>
             </a:extLst>
           </p:cNvPr>
@@ -7423,7 +7426,7 @@
           <p:cNvPr id="44" name="Straight Arrow Connector 43">
             <a:extLst>
               <a:ext uri="{FF2B5EF4-FFF2-40B4-BE49-F238E27FC236}">
-                <a16:creationId xmlns:a16="http://schemas.microsoft.com/office/drawing/2014/main" id="{EFB76A24-A05A-4BBF-A818-E52DF5D6E287}"/>
+                <a16:creationId xmlns:a16="http://schemas.microsoft.com/office/drawing/2014/main" xmlns="" id="{EFB76A24-A05A-4BBF-A818-E52DF5D6E287}"/>
               </a:ext>
             </a:extLst>
           </p:cNvPr>
@@ -7464,7 +7467,7 @@
           <p:cNvPr id="45" name="Straight Arrow Connector 44">
             <a:extLst>
               <a:ext uri="{FF2B5EF4-FFF2-40B4-BE49-F238E27FC236}">
-                <a16:creationId xmlns:a16="http://schemas.microsoft.com/office/drawing/2014/main" id="{9C8718E4-C645-46F2-BC3C-1E8C42909DC6}"/>
+                <a16:creationId xmlns:a16="http://schemas.microsoft.com/office/drawing/2014/main" xmlns="" id="{9C8718E4-C645-46F2-BC3C-1E8C42909DC6}"/>
               </a:ext>
             </a:extLst>
           </p:cNvPr>
@@ -7506,7 +7509,7 @@
           <p:cNvPr id="47" name="TextBox 46">
             <a:extLst>
               <a:ext uri="{FF2B5EF4-FFF2-40B4-BE49-F238E27FC236}">
-                <a16:creationId xmlns:a16="http://schemas.microsoft.com/office/drawing/2014/main" id="{EDCDAC0B-C1D4-4E26-B617-B6351702C2C5}"/>
+                <a16:creationId xmlns:a16="http://schemas.microsoft.com/office/drawing/2014/main" xmlns="" id="{EDCDAC0B-C1D4-4E26-B617-B6351702C2C5}"/>
               </a:ext>
             </a:extLst>
           </p:cNvPr>
@@ -7541,7 +7544,7 @@
           <p:cNvPr id="48" name="TextBox 47">
             <a:extLst>
               <a:ext uri="{FF2B5EF4-FFF2-40B4-BE49-F238E27FC236}">
-                <a16:creationId xmlns:a16="http://schemas.microsoft.com/office/drawing/2014/main" id="{E08CA946-35F9-4DAA-9F33-2D48D22A4FDB}"/>
+                <a16:creationId xmlns:a16="http://schemas.microsoft.com/office/drawing/2014/main" xmlns="" id="{E08CA946-35F9-4DAA-9F33-2D48D22A4FDB}"/>
               </a:ext>
             </a:extLst>
           </p:cNvPr>
@@ -7576,7 +7579,7 @@
           <p:cNvPr id="49" name="TextBox 48">
             <a:extLst>
               <a:ext uri="{FF2B5EF4-FFF2-40B4-BE49-F238E27FC236}">
-                <a16:creationId xmlns:a16="http://schemas.microsoft.com/office/drawing/2014/main" id="{95B61A25-AB36-4516-984F-A555E7EC59E9}"/>
+                <a16:creationId xmlns:a16="http://schemas.microsoft.com/office/drawing/2014/main" xmlns="" id="{95B61A25-AB36-4516-984F-A555E7EC59E9}"/>
               </a:ext>
             </a:extLst>
           </p:cNvPr>
@@ -7611,7 +7614,7 @@
           <p:cNvPr id="50" name="TextBox 49">
             <a:extLst>
               <a:ext uri="{FF2B5EF4-FFF2-40B4-BE49-F238E27FC236}">
-                <a16:creationId xmlns:a16="http://schemas.microsoft.com/office/drawing/2014/main" id="{34B4AD24-6EE8-4099-9D86-59BA91728BDC}"/>
+                <a16:creationId xmlns:a16="http://schemas.microsoft.com/office/drawing/2014/main" xmlns="" id="{34B4AD24-6EE8-4099-9D86-59BA91728BDC}"/>
               </a:ext>
             </a:extLst>
           </p:cNvPr>
@@ -7646,7 +7649,7 @@
           <p:cNvPr id="51" name="TextBox 50">
             <a:extLst>
               <a:ext uri="{FF2B5EF4-FFF2-40B4-BE49-F238E27FC236}">
-                <a16:creationId xmlns:a16="http://schemas.microsoft.com/office/drawing/2014/main" id="{D1B8EB08-3F04-439A-BF8B-1F4A78A28793}"/>
+                <a16:creationId xmlns:a16="http://schemas.microsoft.com/office/drawing/2014/main" xmlns="" id="{D1B8EB08-3F04-439A-BF8B-1F4A78A28793}"/>
               </a:ext>
             </a:extLst>
           </p:cNvPr>
@@ -7681,7 +7684,7 @@
           <p:cNvPr id="53" name="TextBox 52">
             <a:extLst>
               <a:ext uri="{FF2B5EF4-FFF2-40B4-BE49-F238E27FC236}">
-                <a16:creationId xmlns:a16="http://schemas.microsoft.com/office/drawing/2014/main" id="{E287DFCA-712C-4D8E-A92D-5185DCF8C889}"/>
+                <a16:creationId xmlns:a16="http://schemas.microsoft.com/office/drawing/2014/main" xmlns="" id="{E287DFCA-712C-4D8E-A92D-5185DCF8C889}"/>
               </a:ext>
             </a:extLst>
           </p:cNvPr>
@@ -7722,7 +7725,7 @@
           <p:cNvPr id="61" name="Connector: Elbow 60">
             <a:extLst>
               <a:ext uri="{FF2B5EF4-FFF2-40B4-BE49-F238E27FC236}">
-                <a16:creationId xmlns:a16="http://schemas.microsoft.com/office/drawing/2014/main" id="{89E67229-5ECB-4CB9-A05F-0C0BA8164C90}"/>
+                <a16:creationId xmlns:a16="http://schemas.microsoft.com/office/drawing/2014/main" xmlns="" id="{89E67229-5ECB-4CB9-A05F-0C0BA8164C90}"/>
               </a:ext>
             </a:extLst>
           </p:cNvPr>
@@ -7770,7 +7773,7 @@
           <p:cNvPr id="54" name="Rectangle: Rounded Corners 53">
             <a:extLst>
               <a:ext uri="{FF2B5EF4-FFF2-40B4-BE49-F238E27FC236}">
-                <a16:creationId xmlns:a16="http://schemas.microsoft.com/office/drawing/2014/main" id="{DD863BE4-1932-4E03-823B-70CC195DE697}"/>
+                <a16:creationId xmlns:a16="http://schemas.microsoft.com/office/drawing/2014/main" xmlns="" id="{DD863BE4-1932-4E03-823B-70CC195DE697}"/>
               </a:ext>
             </a:extLst>
           </p:cNvPr>
@@ -7825,7 +7828,7 @@
           <p:cNvPr id="59" name="TextBox 58">
             <a:extLst>
               <a:ext uri="{FF2B5EF4-FFF2-40B4-BE49-F238E27FC236}">
-                <a16:creationId xmlns:a16="http://schemas.microsoft.com/office/drawing/2014/main" id="{97C575B5-D9D1-4C9D-B546-2B4349BA0D63}"/>
+                <a16:creationId xmlns:a16="http://schemas.microsoft.com/office/drawing/2014/main" xmlns="" id="{97C575B5-D9D1-4C9D-B546-2B4349BA0D63}"/>
               </a:ext>
             </a:extLst>
           </p:cNvPr>
@@ -7860,7 +7863,7 @@
           <p:cNvPr id="71" name="Straight Arrow Connector 70">
             <a:extLst>
               <a:ext uri="{FF2B5EF4-FFF2-40B4-BE49-F238E27FC236}">
-                <a16:creationId xmlns:a16="http://schemas.microsoft.com/office/drawing/2014/main" id="{730BFB8A-A40A-4E34-B150-2CE8F7C6FA58}"/>
+                <a16:creationId xmlns:a16="http://schemas.microsoft.com/office/drawing/2014/main" xmlns="" id="{730BFB8A-A40A-4E34-B150-2CE8F7C6FA58}"/>
               </a:ext>
             </a:extLst>
           </p:cNvPr>
@@ -7903,7 +7906,7 @@
           <p:cNvPr id="73" name="Straight Arrow Connector 72">
             <a:extLst>
               <a:ext uri="{FF2B5EF4-FFF2-40B4-BE49-F238E27FC236}">
-                <a16:creationId xmlns:a16="http://schemas.microsoft.com/office/drawing/2014/main" id="{AEA0EED6-E661-431A-BF4A-006793D3489E}"/>
+                <a16:creationId xmlns:a16="http://schemas.microsoft.com/office/drawing/2014/main" xmlns="" id="{AEA0EED6-E661-431A-BF4A-006793D3489E}"/>
               </a:ext>
             </a:extLst>
           </p:cNvPr>
@@ -7951,7 +7954,7 @@
           <p:cNvPr id="62" name="Rectangle: Rounded Corners 61">
             <a:extLst>
               <a:ext uri="{FF2B5EF4-FFF2-40B4-BE49-F238E27FC236}">
-                <a16:creationId xmlns:a16="http://schemas.microsoft.com/office/drawing/2014/main" id="{4071FB92-52BA-4047-9C3B-0DF356EA2D96}"/>
+                <a16:creationId xmlns:a16="http://schemas.microsoft.com/office/drawing/2014/main" xmlns="" id="{4071FB92-52BA-4047-9C3B-0DF356EA2D96}"/>
               </a:ext>
             </a:extLst>
           </p:cNvPr>
@@ -8006,7 +8009,7 @@
           <p:cNvPr id="63" name="TextBox 62">
             <a:extLst>
               <a:ext uri="{FF2B5EF4-FFF2-40B4-BE49-F238E27FC236}">
-                <a16:creationId xmlns:a16="http://schemas.microsoft.com/office/drawing/2014/main" id="{299D6269-D8D6-4229-A1DB-F2E4DC0C7276}"/>
+                <a16:creationId xmlns:a16="http://schemas.microsoft.com/office/drawing/2014/main" xmlns="" id="{299D6269-D8D6-4229-A1DB-F2E4DC0C7276}"/>
               </a:ext>
             </a:extLst>
           </p:cNvPr>
@@ -8041,7 +8044,7 @@
           <p:cNvPr id="64" name="Rectangle: Rounded Corners 63">
             <a:extLst>
               <a:ext uri="{FF2B5EF4-FFF2-40B4-BE49-F238E27FC236}">
-                <a16:creationId xmlns:a16="http://schemas.microsoft.com/office/drawing/2014/main" id="{6E2EDC82-6CF2-4C59-A6F0-1E17DE428D4E}"/>
+                <a16:creationId xmlns:a16="http://schemas.microsoft.com/office/drawing/2014/main" xmlns="" id="{6E2EDC82-6CF2-4C59-A6F0-1E17DE428D4E}"/>
               </a:ext>
             </a:extLst>
           </p:cNvPr>
@@ -8096,7 +8099,7 @@
           <p:cNvPr id="65" name="TextBox 64">
             <a:extLst>
               <a:ext uri="{FF2B5EF4-FFF2-40B4-BE49-F238E27FC236}">
-                <a16:creationId xmlns:a16="http://schemas.microsoft.com/office/drawing/2014/main" id="{34655745-09A1-4EC1-B01D-9DB06BF0AF4F}"/>
+                <a16:creationId xmlns:a16="http://schemas.microsoft.com/office/drawing/2014/main" xmlns="" id="{34655745-09A1-4EC1-B01D-9DB06BF0AF4F}"/>
               </a:ext>
             </a:extLst>
           </p:cNvPr>
@@ -8131,7 +8134,7 @@
           <p:cNvPr id="66" name="Rectangle: Rounded Corners 65">
             <a:extLst>
               <a:ext uri="{FF2B5EF4-FFF2-40B4-BE49-F238E27FC236}">
-                <a16:creationId xmlns:a16="http://schemas.microsoft.com/office/drawing/2014/main" id="{F7FC58C9-59CA-4A53-BCB8-073F5897C06F}"/>
+                <a16:creationId xmlns:a16="http://schemas.microsoft.com/office/drawing/2014/main" xmlns="" id="{F7FC58C9-59CA-4A53-BCB8-073F5897C06F}"/>
               </a:ext>
             </a:extLst>
           </p:cNvPr>
@@ -8186,7 +8189,7 @@
           <p:cNvPr id="67" name="TextBox 66">
             <a:extLst>
               <a:ext uri="{FF2B5EF4-FFF2-40B4-BE49-F238E27FC236}">
-                <a16:creationId xmlns:a16="http://schemas.microsoft.com/office/drawing/2014/main" id="{29483802-D635-4643-87AC-2A50287CAC69}"/>
+                <a16:creationId xmlns:a16="http://schemas.microsoft.com/office/drawing/2014/main" xmlns="" id="{29483802-D635-4643-87AC-2A50287CAC69}"/>
               </a:ext>
             </a:extLst>
           </p:cNvPr>
@@ -8221,7 +8224,7 @@
           <p:cNvPr id="68" name="Rectangle: Rounded Corners 67">
             <a:extLst>
               <a:ext uri="{FF2B5EF4-FFF2-40B4-BE49-F238E27FC236}">
-                <a16:creationId xmlns:a16="http://schemas.microsoft.com/office/drawing/2014/main" id="{6E26FF03-D8CC-4691-96A6-ABD1FF5DAA00}"/>
+                <a16:creationId xmlns:a16="http://schemas.microsoft.com/office/drawing/2014/main" xmlns="" id="{6E26FF03-D8CC-4691-96A6-ABD1FF5DAA00}"/>
               </a:ext>
             </a:extLst>
           </p:cNvPr>
@@ -8276,7 +8279,7 @@
           <p:cNvPr id="69" name="TextBox 68">
             <a:extLst>
               <a:ext uri="{FF2B5EF4-FFF2-40B4-BE49-F238E27FC236}">
-                <a16:creationId xmlns:a16="http://schemas.microsoft.com/office/drawing/2014/main" id="{88B6451C-D866-4ED4-92D4-6C12BCFE1AFC}"/>
+                <a16:creationId xmlns:a16="http://schemas.microsoft.com/office/drawing/2014/main" xmlns="" id="{88B6451C-D866-4ED4-92D4-6C12BCFE1AFC}"/>
               </a:ext>
             </a:extLst>
           </p:cNvPr>
@@ -8311,7 +8314,7 @@
           <p:cNvPr id="72" name="Rectangle: Rounded Corners 71">
             <a:extLst>
               <a:ext uri="{FF2B5EF4-FFF2-40B4-BE49-F238E27FC236}">
-                <a16:creationId xmlns:a16="http://schemas.microsoft.com/office/drawing/2014/main" id="{36E20ECB-B114-47EE-9587-795EA9ED08AF}"/>
+                <a16:creationId xmlns:a16="http://schemas.microsoft.com/office/drawing/2014/main" xmlns="" id="{36E20ECB-B114-47EE-9587-795EA9ED08AF}"/>
               </a:ext>
             </a:extLst>
           </p:cNvPr>
@@ -8366,7 +8369,7 @@
           <p:cNvPr id="74" name="TextBox 73">
             <a:extLst>
               <a:ext uri="{FF2B5EF4-FFF2-40B4-BE49-F238E27FC236}">
-                <a16:creationId xmlns:a16="http://schemas.microsoft.com/office/drawing/2014/main" id="{A64908D9-F1C5-4A11-89D8-C3DD4B5B79A3}"/>
+                <a16:creationId xmlns:a16="http://schemas.microsoft.com/office/drawing/2014/main" xmlns="" id="{A64908D9-F1C5-4A11-89D8-C3DD4B5B79A3}"/>
               </a:ext>
             </a:extLst>
           </p:cNvPr>
@@ -8401,7 +8404,7 @@
           <p:cNvPr id="76" name="Straight Arrow Connector 75">
             <a:extLst>
               <a:ext uri="{FF2B5EF4-FFF2-40B4-BE49-F238E27FC236}">
-                <a16:creationId xmlns:a16="http://schemas.microsoft.com/office/drawing/2014/main" id="{F80DF57C-EFF2-46C4-A5B2-A696AE1CFEE9}"/>
+                <a16:creationId xmlns:a16="http://schemas.microsoft.com/office/drawing/2014/main" xmlns="" id="{F80DF57C-EFF2-46C4-A5B2-A696AE1CFEE9}"/>
               </a:ext>
             </a:extLst>
           </p:cNvPr>
@@ -8450,7 +8453,7 @@
           <p:cNvPr id="79" name="Straight Arrow Connector 78">
             <a:extLst>
               <a:ext uri="{FF2B5EF4-FFF2-40B4-BE49-F238E27FC236}">
-                <a16:creationId xmlns:a16="http://schemas.microsoft.com/office/drawing/2014/main" id="{2F83113E-B0E8-493B-A137-904E3221D105}"/>
+                <a16:creationId xmlns:a16="http://schemas.microsoft.com/office/drawing/2014/main" xmlns="" id="{2F83113E-B0E8-493B-A137-904E3221D105}"/>
               </a:ext>
             </a:extLst>
           </p:cNvPr>
@@ -8499,7 +8502,7 @@
           <p:cNvPr id="83" name="Straight Arrow Connector 82">
             <a:extLst>
               <a:ext uri="{FF2B5EF4-FFF2-40B4-BE49-F238E27FC236}">
-                <a16:creationId xmlns:a16="http://schemas.microsoft.com/office/drawing/2014/main" id="{90280651-2EE6-4BB5-8A36-D743C539FCA3}"/>
+                <a16:creationId xmlns:a16="http://schemas.microsoft.com/office/drawing/2014/main" xmlns="" id="{90280651-2EE6-4BB5-8A36-D743C539FCA3}"/>
               </a:ext>
             </a:extLst>
           </p:cNvPr>
@@ -8547,7 +8550,7 @@
           <p:cNvPr id="87" name="Straight Arrow Connector 86">
             <a:extLst>
               <a:ext uri="{FF2B5EF4-FFF2-40B4-BE49-F238E27FC236}">
-                <a16:creationId xmlns:a16="http://schemas.microsoft.com/office/drawing/2014/main" id="{7F47418A-2C2A-408F-9001-4ECA2C235DB7}"/>
+                <a16:creationId xmlns:a16="http://schemas.microsoft.com/office/drawing/2014/main" xmlns="" id="{7F47418A-2C2A-408F-9001-4ECA2C235DB7}"/>
               </a:ext>
             </a:extLst>
           </p:cNvPr>
@@ -8596,7 +8599,7 @@
           <p:cNvPr id="89" name="Straight Arrow Connector 88">
             <a:extLst>
               <a:ext uri="{FF2B5EF4-FFF2-40B4-BE49-F238E27FC236}">
-                <a16:creationId xmlns:a16="http://schemas.microsoft.com/office/drawing/2014/main" id="{7DEE1DAE-401A-4DA7-A82F-E4A9C8BA4EB9}"/>
+                <a16:creationId xmlns:a16="http://schemas.microsoft.com/office/drawing/2014/main" xmlns="" id="{7DEE1DAE-401A-4DA7-A82F-E4A9C8BA4EB9}"/>
               </a:ext>
             </a:extLst>
           </p:cNvPr>
@@ -8645,7 +8648,7 @@
           <p:cNvPr id="99" name="Oval 98">
             <a:extLst>
               <a:ext uri="{FF2B5EF4-FFF2-40B4-BE49-F238E27FC236}">
-                <a16:creationId xmlns:a16="http://schemas.microsoft.com/office/drawing/2014/main" id="{64B931DD-CC3F-458D-9DF6-4FCE6E515463}"/>
+                <a16:creationId xmlns:a16="http://schemas.microsoft.com/office/drawing/2014/main" xmlns="" id="{64B931DD-CC3F-458D-9DF6-4FCE6E515463}"/>
               </a:ext>
             </a:extLst>
           </p:cNvPr>
@@ -8694,7 +8697,7 @@
           <p:cNvPr id="107" name="Straight Arrow Connector 106">
             <a:extLst>
               <a:ext uri="{FF2B5EF4-FFF2-40B4-BE49-F238E27FC236}">
-                <a16:creationId xmlns:a16="http://schemas.microsoft.com/office/drawing/2014/main" id="{2C959F5F-1DAA-4545-86B8-94F732D7D0B6}"/>
+                <a16:creationId xmlns:a16="http://schemas.microsoft.com/office/drawing/2014/main" xmlns="" id="{2C959F5F-1DAA-4545-86B8-94F732D7D0B6}"/>
               </a:ext>
             </a:extLst>
           </p:cNvPr>
@@ -8736,7 +8739,7 @@
           <p:cNvPr id="115" name="TextBox 114">
             <a:extLst>
               <a:ext uri="{FF2B5EF4-FFF2-40B4-BE49-F238E27FC236}">
-                <a16:creationId xmlns:a16="http://schemas.microsoft.com/office/drawing/2014/main" id="{DF14C737-A78C-478F-AA9D-7F449E42CD50}"/>
+                <a16:creationId xmlns:a16="http://schemas.microsoft.com/office/drawing/2014/main" xmlns="" id="{DF14C737-A78C-478F-AA9D-7F449E42CD50}"/>
               </a:ext>
             </a:extLst>
           </p:cNvPr>
@@ -8771,7 +8774,7 @@
           <p:cNvPr id="116" name="Straight Arrow Connector 115">
             <a:extLst>
               <a:ext uri="{FF2B5EF4-FFF2-40B4-BE49-F238E27FC236}">
-                <a16:creationId xmlns:a16="http://schemas.microsoft.com/office/drawing/2014/main" id="{D343EEBF-911B-43D3-AD02-F5A2BC83D39A}"/>
+                <a16:creationId xmlns:a16="http://schemas.microsoft.com/office/drawing/2014/main" xmlns="" id="{D343EEBF-911B-43D3-AD02-F5A2BC83D39A}"/>
               </a:ext>
             </a:extLst>
           </p:cNvPr>
@@ -8813,7 +8816,7 @@
           <p:cNvPr id="118" name="Straight Arrow Connector 117">
             <a:extLst>
               <a:ext uri="{FF2B5EF4-FFF2-40B4-BE49-F238E27FC236}">
-                <a16:creationId xmlns:a16="http://schemas.microsoft.com/office/drawing/2014/main" id="{F5E3483F-3B6B-4E35-B87F-88CB9A9439E1}"/>
+                <a16:creationId xmlns:a16="http://schemas.microsoft.com/office/drawing/2014/main" xmlns="" id="{F5E3483F-3B6B-4E35-B87F-88CB9A9439E1}"/>
               </a:ext>
             </a:extLst>
           </p:cNvPr>
@@ -8854,7 +8857,7 @@
           <p:cNvPr id="119" name="Straight Arrow Connector 118">
             <a:extLst>
               <a:ext uri="{FF2B5EF4-FFF2-40B4-BE49-F238E27FC236}">
-                <a16:creationId xmlns:a16="http://schemas.microsoft.com/office/drawing/2014/main" id="{0B3274E5-EF5D-482A-A226-2686DC869430}"/>
+                <a16:creationId xmlns:a16="http://schemas.microsoft.com/office/drawing/2014/main" xmlns="" id="{0B3274E5-EF5D-482A-A226-2686DC869430}"/>
               </a:ext>
             </a:extLst>
           </p:cNvPr>
@@ -8895,7 +8898,7 @@
           <p:cNvPr id="120" name="Straight Arrow Connector 119">
             <a:extLst>
               <a:ext uri="{FF2B5EF4-FFF2-40B4-BE49-F238E27FC236}">
-                <a16:creationId xmlns:a16="http://schemas.microsoft.com/office/drawing/2014/main" id="{6C186335-86F0-4645-8941-0AD4476D7FFD}"/>
+                <a16:creationId xmlns:a16="http://schemas.microsoft.com/office/drawing/2014/main" xmlns="" id="{6C186335-86F0-4645-8941-0AD4476D7FFD}"/>
               </a:ext>
             </a:extLst>
           </p:cNvPr>
@@ -8936,7 +8939,7 @@
           <p:cNvPr id="121" name="Straight Arrow Connector 120">
             <a:extLst>
               <a:ext uri="{FF2B5EF4-FFF2-40B4-BE49-F238E27FC236}">
-                <a16:creationId xmlns:a16="http://schemas.microsoft.com/office/drawing/2014/main" id="{A9E04DF3-0887-4E42-9078-24C1E3091B38}"/>
+                <a16:creationId xmlns:a16="http://schemas.microsoft.com/office/drawing/2014/main" xmlns="" id="{A9E04DF3-0887-4E42-9078-24C1E3091B38}"/>
               </a:ext>
             </a:extLst>
           </p:cNvPr>
@@ -8977,7 +8980,7 @@
           <p:cNvPr id="136" name="Rectangle: Rounded Corners 135">
             <a:extLst>
               <a:ext uri="{FF2B5EF4-FFF2-40B4-BE49-F238E27FC236}">
-                <a16:creationId xmlns:a16="http://schemas.microsoft.com/office/drawing/2014/main" id="{2F8A7549-EA7C-4264-B330-ECCFEEC63114}"/>
+                <a16:creationId xmlns:a16="http://schemas.microsoft.com/office/drawing/2014/main" xmlns="" id="{2F8A7549-EA7C-4264-B330-ECCFEEC63114}"/>
               </a:ext>
             </a:extLst>
           </p:cNvPr>
@@ -9027,7 +9030,7 @@
           <p:cNvPr id="137" name="TextBox 136">
             <a:extLst>
               <a:ext uri="{FF2B5EF4-FFF2-40B4-BE49-F238E27FC236}">
-                <a16:creationId xmlns:a16="http://schemas.microsoft.com/office/drawing/2014/main" id="{B46B304C-115A-421D-85F0-5BFE12F2F938}"/>
+                <a16:creationId xmlns:a16="http://schemas.microsoft.com/office/drawing/2014/main" xmlns="" id="{B46B304C-115A-421D-85F0-5BFE12F2F938}"/>
               </a:ext>
             </a:extLst>
           </p:cNvPr>
@@ -9062,7 +9065,7 @@
           <p:cNvPr id="138" name="Rectangle: Rounded Corners 137">
             <a:extLst>
               <a:ext uri="{FF2B5EF4-FFF2-40B4-BE49-F238E27FC236}">
-                <a16:creationId xmlns:a16="http://schemas.microsoft.com/office/drawing/2014/main" id="{971831E1-8500-4509-80BC-D0C2EF755EBA}"/>
+                <a16:creationId xmlns:a16="http://schemas.microsoft.com/office/drawing/2014/main" xmlns="" id="{971831E1-8500-4509-80BC-D0C2EF755EBA}"/>
               </a:ext>
             </a:extLst>
           </p:cNvPr>
@@ -9112,7 +9115,7 @@
           <p:cNvPr id="139" name="TextBox 138">
             <a:extLst>
               <a:ext uri="{FF2B5EF4-FFF2-40B4-BE49-F238E27FC236}">
-                <a16:creationId xmlns:a16="http://schemas.microsoft.com/office/drawing/2014/main" id="{F7FE2079-F83B-4567-A66B-819062D12FC4}"/>
+                <a16:creationId xmlns:a16="http://schemas.microsoft.com/office/drawing/2014/main" xmlns="" id="{F7FE2079-F83B-4567-A66B-819062D12FC4}"/>
               </a:ext>
             </a:extLst>
           </p:cNvPr>
@@ -9177,7 +9180,7 @@
           <p:cNvPr id="33" name="Rectangle: Rounded Corners 32">
             <a:extLst>
               <a:ext uri="{FF2B5EF4-FFF2-40B4-BE49-F238E27FC236}">
-                <a16:creationId xmlns:a16="http://schemas.microsoft.com/office/drawing/2014/main" id="{52D972A3-F302-4452-A04E-F64AC18D1BF2}"/>
+                <a16:creationId xmlns:a16="http://schemas.microsoft.com/office/drawing/2014/main" xmlns="" id="{52D972A3-F302-4452-A04E-F64AC18D1BF2}"/>
               </a:ext>
             </a:extLst>
           </p:cNvPr>
@@ -9233,7 +9236,7 @@
           <p:cNvPr id="2" name="Rectangle: Rounded Corners 1">
             <a:extLst>
               <a:ext uri="{FF2B5EF4-FFF2-40B4-BE49-F238E27FC236}">
-                <a16:creationId xmlns:a16="http://schemas.microsoft.com/office/drawing/2014/main" id="{9E52F8D7-DBF2-4E8B-AFAA-4D56E1F02B4A}"/>
+                <a16:creationId xmlns:a16="http://schemas.microsoft.com/office/drawing/2014/main" xmlns="" id="{9E52F8D7-DBF2-4E8B-AFAA-4D56E1F02B4A}"/>
               </a:ext>
             </a:extLst>
           </p:cNvPr>
@@ -9289,7 +9292,7 @@
           <p:cNvPr id="3" name="Rectangle: Rounded Corners 2">
             <a:extLst>
               <a:ext uri="{FF2B5EF4-FFF2-40B4-BE49-F238E27FC236}">
-                <a16:creationId xmlns:a16="http://schemas.microsoft.com/office/drawing/2014/main" id="{FB9D4E79-E50D-4CE5-9BFD-639CDEA9C361}"/>
+                <a16:creationId xmlns:a16="http://schemas.microsoft.com/office/drawing/2014/main" xmlns="" id="{FB9D4E79-E50D-4CE5-9BFD-639CDEA9C361}"/>
               </a:ext>
             </a:extLst>
           </p:cNvPr>
@@ -9345,7 +9348,7 @@
           <p:cNvPr id="4" name="Rectangle: Rounded Corners 3">
             <a:extLst>
               <a:ext uri="{FF2B5EF4-FFF2-40B4-BE49-F238E27FC236}">
-                <a16:creationId xmlns:a16="http://schemas.microsoft.com/office/drawing/2014/main" id="{54FCC0BC-83C4-4EC5-8200-D3C032395413}"/>
+                <a16:creationId xmlns:a16="http://schemas.microsoft.com/office/drawing/2014/main" xmlns="" id="{54FCC0BC-83C4-4EC5-8200-D3C032395413}"/>
               </a:ext>
             </a:extLst>
           </p:cNvPr>
@@ -9401,7 +9404,7 @@
           <p:cNvPr id="5" name="Rectangle: Rounded Corners 4">
             <a:extLst>
               <a:ext uri="{FF2B5EF4-FFF2-40B4-BE49-F238E27FC236}">
-                <a16:creationId xmlns:a16="http://schemas.microsoft.com/office/drawing/2014/main" id="{B323D3DA-6C4C-483B-A265-E1648AAE9F31}"/>
+                <a16:creationId xmlns:a16="http://schemas.microsoft.com/office/drawing/2014/main" xmlns="" id="{B323D3DA-6C4C-483B-A265-E1648AAE9F31}"/>
               </a:ext>
             </a:extLst>
           </p:cNvPr>
@@ -9457,7 +9460,7 @@
           <p:cNvPr id="6" name="Rectangle: Rounded Corners 5">
             <a:extLst>
               <a:ext uri="{FF2B5EF4-FFF2-40B4-BE49-F238E27FC236}">
-                <a16:creationId xmlns:a16="http://schemas.microsoft.com/office/drawing/2014/main" id="{CE1AEA6F-E8FC-463A-87B9-B77F1A182117}"/>
+                <a16:creationId xmlns:a16="http://schemas.microsoft.com/office/drawing/2014/main" xmlns="" id="{CE1AEA6F-E8FC-463A-87B9-B77F1A182117}"/>
               </a:ext>
             </a:extLst>
           </p:cNvPr>
@@ -9513,7 +9516,7 @@
           <p:cNvPr id="7" name="Rectangle: Rounded Corners 6">
             <a:extLst>
               <a:ext uri="{FF2B5EF4-FFF2-40B4-BE49-F238E27FC236}">
-                <a16:creationId xmlns:a16="http://schemas.microsoft.com/office/drawing/2014/main" id="{7524F206-68F6-4057-96FA-0FA4B6D703E0}"/>
+                <a16:creationId xmlns:a16="http://schemas.microsoft.com/office/drawing/2014/main" xmlns="" id="{7524F206-68F6-4057-96FA-0FA4B6D703E0}"/>
               </a:ext>
             </a:extLst>
           </p:cNvPr>
@@ -9569,7 +9572,7 @@
           <p:cNvPr id="9" name="TextBox 8">
             <a:extLst>
               <a:ext uri="{FF2B5EF4-FFF2-40B4-BE49-F238E27FC236}">
-                <a16:creationId xmlns:a16="http://schemas.microsoft.com/office/drawing/2014/main" id="{67D569CC-AB6E-4AB4-A738-1D5394F64074}"/>
+                <a16:creationId xmlns:a16="http://schemas.microsoft.com/office/drawing/2014/main" xmlns="" id="{67D569CC-AB6E-4AB4-A738-1D5394F64074}"/>
               </a:ext>
             </a:extLst>
           </p:cNvPr>
@@ -9604,7 +9607,7 @@
           <p:cNvPr id="10" name="TextBox 9">
             <a:extLst>
               <a:ext uri="{FF2B5EF4-FFF2-40B4-BE49-F238E27FC236}">
-                <a16:creationId xmlns:a16="http://schemas.microsoft.com/office/drawing/2014/main" id="{74A64AAC-2133-43E2-94AE-0C3EDEA5A5D4}"/>
+                <a16:creationId xmlns:a16="http://schemas.microsoft.com/office/drawing/2014/main" xmlns="" id="{74A64AAC-2133-43E2-94AE-0C3EDEA5A5D4}"/>
               </a:ext>
             </a:extLst>
           </p:cNvPr>
@@ -9639,7 +9642,7 @@
           <p:cNvPr id="11" name="TextBox 10">
             <a:extLst>
               <a:ext uri="{FF2B5EF4-FFF2-40B4-BE49-F238E27FC236}">
-                <a16:creationId xmlns:a16="http://schemas.microsoft.com/office/drawing/2014/main" id="{C7AE7B13-98DE-451E-A7B7-9679211DEFEF}"/>
+                <a16:creationId xmlns:a16="http://schemas.microsoft.com/office/drawing/2014/main" xmlns="" id="{C7AE7B13-98DE-451E-A7B7-9679211DEFEF}"/>
               </a:ext>
             </a:extLst>
           </p:cNvPr>
@@ -9674,7 +9677,7 @@
           <p:cNvPr id="12" name="TextBox 11">
             <a:extLst>
               <a:ext uri="{FF2B5EF4-FFF2-40B4-BE49-F238E27FC236}">
-                <a16:creationId xmlns:a16="http://schemas.microsoft.com/office/drawing/2014/main" id="{B31DCA54-54B8-4A6E-A1D7-C22E21207B4C}"/>
+                <a16:creationId xmlns:a16="http://schemas.microsoft.com/office/drawing/2014/main" xmlns="" id="{B31DCA54-54B8-4A6E-A1D7-C22E21207B4C}"/>
               </a:ext>
             </a:extLst>
           </p:cNvPr>
@@ -9709,7 +9712,7 @@
           <p:cNvPr id="13" name="TextBox 12">
             <a:extLst>
               <a:ext uri="{FF2B5EF4-FFF2-40B4-BE49-F238E27FC236}">
-                <a16:creationId xmlns:a16="http://schemas.microsoft.com/office/drawing/2014/main" id="{07ECD308-15DE-4EE9-9792-EB9D2B469122}"/>
+                <a16:creationId xmlns:a16="http://schemas.microsoft.com/office/drawing/2014/main" xmlns="" id="{07ECD308-15DE-4EE9-9792-EB9D2B469122}"/>
               </a:ext>
             </a:extLst>
           </p:cNvPr>
@@ -9744,7 +9747,7 @@
           <p:cNvPr id="14" name="TextBox 13">
             <a:extLst>
               <a:ext uri="{FF2B5EF4-FFF2-40B4-BE49-F238E27FC236}">
-                <a16:creationId xmlns:a16="http://schemas.microsoft.com/office/drawing/2014/main" id="{198D2B87-0E92-4293-8317-F0E47FA6320C}"/>
+                <a16:creationId xmlns:a16="http://schemas.microsoft.com/office/drawing/2014/main" xmlns="" id="{198D2B87-0E92-4293-8317-F0E47FA6320C}"/>
               </a:ext>
             </a:extLst>
           </p:cNvPr>
@@ -9779,7 +9782,7 @@
           <p:cNvPr id="16" name="Straight Arrow Connector 15">
             <a:extLst>
               <a:ext uri="{FF2B5EF4-FFF2-40B4-BE49-F238E27FC236}">
-                <a16:creationId xmlns:a16="http://schemas.microsoft.com/office/drawing/2014/main" id="{CAD1505F-1341-4EBC-98EC-B86F01DAA206}"/>
+                <a16:creationId xmlns:a16="http://schemas.microsoft.com/office/drawing/2014/main" xmlns="" id="{CAD1505F-1341-4EBC-98EC-B86F01DAA206}"/>
               </a:ext>
             </a:extLst>
           </p:cNvPr>
@@ -9818,7 +9821,7 @@
           <p:cNvPr id="17" name="Straight Arrow Connector 16">
             <a:extLst>
               <a:ext uri="{FF2B5EF4-FFF2-40B4-BE49-F238E27FC236}">
-                <a16:creationId xmlns:a16="http://schemas.microsoft.com/office/drawing/2014/main" id="{41437FCA-0489-4A93-9EA1-0E355B67EBAD}"/>
+                <a16:creationId xmlns:a16="http://schemas.microsoft.com/office/drawing/2014/main" xmlns="" id="{41437FCA-0489-4A93-9EA1-0E355B67EBAD}"/>
               </a:ext>
             </a:extLst>
           </p:cNvPr>
@@ -9860,7 +9863,7 @@
           <p:cNvPr id="19" name="Straight Arrow Connector 18">
             <a:extLst>
               <a:ext uri="{FF2B5EF4-FFF2-40B4-BE49-F238E27FC236}">
-                <a16:creationId xmlns:a16="http://schemas.microsoft.com/office/drawing/2014/main" id="{B4B4A916-9F19-45DD-94B6-712E0AAEC3BB}"/>
+                <a16:creationId xmlns:a16="http://schemas.microsoft.com/office/drawing/2014/main" xmlns="" id="{B4B4A916-9F19-45DD-94B6-712E0AAEC3BB}"/>
               </a:ext>
             </a:extLst>
           </p:cNvPr>
@@ -9901,7 +9904,7 @@
           <p:cNvPr id="20" name="Straight Arrow Connector 19">
             <a:extLst>
               <a:ext uri="{FF2B5EF4-FFF2-40B4-BE49-F238E27FC236}">
-                <a16:creationId xmlns:a16="http://schemas.microsoft.com/office/drawing/2014/main" id="{48D68B77-C404-443E-AC35-B169B7A2862B}"/>
+                <a16:creationId xmlns:a16="http://schemas.microsoft.com/office/drawing/2014/main" xmlns="" id="{48D68B77-C404-443E-AC35-B169B7A2862B}"/>
               </a:ext>
             </a:extLst>
           </p:cNvPr>
@@ -9942,7 +9945,7 @@
           <p:cNvPr id="21" name="Straight Arrow Connector 20">
             <a:extLst>
               <a:ext uri="{FF2B5EF4-FFF2-40B4-BE49-F238E27FC236}">
-                <a16:creationId xmlns:a16="http://schemas.microsoft.com/office/drawing/2014/main" id="{BCBBC2B7-26CF-4A3B-B2E1-931A8771EA2D}"/>
+                <a16:creationId xmlns:a16="http://schemas.microsoft.com/office/drawing/2014/main" xmlns="" id="{BCBBC2B7-26CF-4A3B-B2E1-931A8771EA2D}"/>
               </a:ext>
             </a:extLst>
           </p:cNvPr>
@@ -9983,7 +9986,7 @@
           <p:cNvPr id="22" name="Straight Arrow Connector 21">
             <a:extLst>
               <a:ext uri="{FF2B5EF4-FFF2-40B4-BE49-F238E27FC236}">
-                <a16:creationId xmlns:a16="http://schemas.microsoft.com/office/drawing/2014/main" id="{FEA8050E-6422-44C2-9B68-0AF04676375E}"/>
+                <a16:creationId xmlns:a16="http://schemas.microsoft.com/office/drawing/2014/main" xmlns="" id="{FEA8050E-6422-44C2-9B68-0AF04676375E}"/>
               </a:ext>
             </a:extLst>
           </p:cNvPr>
@@ -10024,7 +10027,7 @@
           <p:cNvPr id="23" name="Straight Arrow Connector 22">
             <a:extLst>
               <a:ext uri="{FF2B5EF4-FFF2-40B4-BE49-F238E27FC236}">
-                <a16:creationId xmlns:a16="http://schemas.microsoft.com/office/drawing/2014/main" id="{6C6083B2-59A5-4F8D-821F-9CAAC13DC964}"/>
+                <a16:creationId xmlns:a16="http://schemas.microsoft.com/office/drawing/2014/main" xmlns="" id="{6C6083B2-59A5-4F8D-821F-9CAAC13DC964}"/>
               </a:ext>
             </a:extLst>
           </p:cNvPr>
@@ -10067,7 +10070,7 @@
           <p:cNvPr id="28" name="Straight Arrow Connector 27">
             <a:extLst>
               <a:ext uri="{FF2B5EF4-FFF2-40B4-BE49-F238E27FC236}">
-                <a16:creationId xmlns:a16="http://schemas.microsoft.com/office/drawing/2014/main" id="{2D70DE12-2334-4B10-9F45-841587FCD4CD}"/>
+                <a16:creationId xmlns:a16="http://schemas.microsoft.com/office/drawing/2014/main" xmlns="" id="{2D70DE12-2334-4B10-9F45-841587FCD4CD}"/>
               </a:ext>
             </a:extLst>
           </p:cNvPr>
@@ -10108,7 +10111,7 @@
           <p:cNvPr id="29" name="Straight Arrow Connector 28">
             <a:extLst>
               <a:ext uri="{FF2B5EF4-FFF2-40B4-BE49-F238E27FC236}">
-                <a16:creationId xmlns:a16="http://schemas.microsoft.com/office/drawing/2014/main" id="{E73C5F05-5520-46D1-95D7-161591915C2B}"/>
+                <a16:creationId xmlns:a16="http://schemas.microsoft.com/office/drawing/2014/main" xmlns="" id="{E73C5F05-5520-46D1-95D7-161591915C2B}"/>
               </a:ext>
             </a:extLst>
           </p:cNvPr>
@@ -10149,7 +10152,7 @@
           <p:cNvPr id="30" name="Straight Arrow Connector 29">
             <a:extLst>
               <a:ext uri="{FF2B5EF4-FFF2-40B4-BE49-F238E27FC236}">
-                <a16:creationId xmlns:a16="http://schemas.microsoft.com/office/drawing/2014/main" id="{0888F945-405D-4E3F-BC0F-144BFC766F96}"/>
+                <a16:creationId xmlns:a16="http://schemas.microsoft.com/office/drawing/2014/main" xmlns="" id="{0888F945-405D-4E3F-BC0F-144BFC766F96}"/>
               </a:ext>
             </a:extLst>
           </p:cNvPr>
@@ -10190,7 +10193,7 @@
           <p:cNvPr id="31" name="Straight Arrow Connector 30">
             <a:extLst>
               <a:ext uri="{FF2B5EF4-FFF2-40B4-BE49-F238E27FC236}">
-                <a16:creationId xmlns:a16="http://schemas.microsoft.com/office/drawing/2014/main" id="{9BF50DBE-B764-45CF-B2B4-1558795639A7}"/>
+                <a16:creationId xmlns:a16="http://schemas.microsoft.com/office/drawing/2014/main" xmlns="" id="{9BF50DBE-B764-45CF-B2B4-1558795639A7}"/>
               </a:ext>
             </a:extLst>
           </p:cNvPr>
@@ -10231,7 +10234,7 @@
           <p:cNvPr id="32" name="Straight Arrow Connector 31">
             <a:extLst>
               <a:ext uri="{FF2B5EF4-FFF2-40B4-BE49-F238E27FC236}">
-                <a16:creationId xmlns:a16="http://schemas.microsoft.com/office/drawing/2014/main" id="{A54C6FE5-3ED5-4509-ADB1-A1C8E165475F}"/>
+                <a16:creationId xmlns:a16="http://schemas.microsoft.com/office/drawing/2014/main" xmlns="" id="{A54C6FE5-3ED5-4509-ADB1-A1C8E165475F}"/>
               </a:ext>
             </a:extLst>
           </p:cNvPr>
@@ -10272,7 +10275,7 @@
           <p:cNvPr id="34" name="Rectangle: Rounded Corners 33">
             <a:extLst>
               <a:ext uri="{FF2B5EF4-FFF2-40B4-BE49-F238E27FC236}">
-                <a16:creationId xmlns:a16="http://schemas.microsoft.com/office/drawing/2014/main" id="{94F3A193-70EB-4D76-92B1-AE430DDBED34}"/>
+                <a16:creationId xmlns:a16="http://schemas.microsoft.com/office/drawing/2014/main" xmlns="" id="{94F3A193-70EB-4D76-92B1-AE430DDBED34}"/>
               </a:ext>
             </a:extLst>
           </p:cNvPr>
@@ -10328,7 +10331,7 @@
           <p:cNvPr id="35" name="Rectangle: Rounded Corners 34">
             <a:extLst>
               <a:ext uri="{FF2B5EF4-FFF2-40B4-BE49-F238E27FC236}">
-                <a16:creationId xmlns:a16="http://schemas.microsoft.com/office/drawing/2014/main" id="{10E90756-F749-4FE3-A061-3270921C4259}"/>
+                <a16:creationId xmlns:a16="http://schemas.microsoft.com/office/drawing/2014/main" xmlns="" id="{10E90756-F749-4FE3-A061-3270921C4259}"/>
               </a:ext>
             </a:extLst>
           </p:cNvPr>
@@ -10384,7 +10387,7 @@
           <p:cNvPr id="36" name="Rectangle: Rounded Corners 35">
             <a:extLst>
               <a:ext uri="{FF2B5EF4-FFF2-40B4-BE49-F238E27FC236}">
-                <a16:creationId xmlns:a16="http://schemas.microsoft.com/office/drawing/2014/main" id="{E8573890-4F6E-499A-B59C-69276790FBAE}"/>
+                <a16:creationId xmlns:a16="http://schemas.microsoft.com/office/drawing/2014/main" xmlns="" id="{E8573890-4F6E-499A-B59C-69276790FBAE}"/>
               </a:ext>
             </a:extLst>
           </p:cNvPr>
@@ -10440,7 +10443,7 @@
           <p:cNvPr id="37" name="Rectangle: Rounded Corners 36">
             <a:extLst>
               <a:ext uri="{FF2B5EF4-FFF2-40B4-BE49-F238E27FC236}">
-                <a16:creationId xmlns:a16="http://schemas.microsoft.com/office/drawing/2014/main" id="{5CF50304-F9A7-4CFF-A73F-A01CF0402B77}"/>
+                <a16:creationId xmlns:a16="http://schemas.microsoft.com/office/drawing/2014/main" xmlns="" id="{5CF50304-F9A7-4CFF-A73F-A01CF0402B77}"/>
               </a:ext>
             </a:extLst>
           </p:cNvPr>
@@ -10496,7 +10499,7 @@
           <p:cNvPr id="38" name="Rectangle: Rounded Corners 37">
             <a:extLst>
               <a:ext uri="{FF2B5EF4-FFF2-40B4-BE49-F238E27FC236}">
-                <a16:creationId xmlns:a16="http://schemas.microsoft.com/office/drawing/2014/main" id="{790C8837-9486-4D59-9299-4DAB3423D000}"/>
+                <a16:creationId xmlns:a16="http://schemas.microsoft.com/office/drawing/2014/main" xmlns="" id="{790C8837-9486-4D59-9299-4DAB3423D000}"/>
               </a:ext>
             </a:extLst>
           </p:cNvPr>
@@ -10552,7 +10555,7 @@
           <p:cNvPr id="39" name="Rectangle: Rounded Corners 38">
             <a:extLst>
               <a:ext uri="{FF2B5EF4-FFF2-40B4-BE49-F238E27FC236}">
-                <a16:creationId xmlns:a16="http://schemas.microsoft.com/office/drawing/2014/main" id="{0E37DD49-6775-444A-9F58-43FC8A77CC1A}"/>
+                <a16:creationId xmlns:a16="http://schemas.microsoft.com/office/drawing/2014/main" xmlns="" id="{0E37DD49-6775-444A-9F58-43FC8A77CC1A}"/>
               </a:ext>
             </a:extLst>
           </p:cNvPr>
@@ -10611,7 +10614,7 @@
           <p:cNvPr id="42" name="Straight Arrow Connector 41">
             <a:extLst>
               <a:ext uri="{FF2B5EF4-FFF2-40B4-BE49-F238E27FC236}">
-                <a16:creationId xmlns:a16="http://schemas.microsoft.com/office/drawing/2014/main" id="{DD6C188E-BBA2-4E8D-9F33-F3C6D7746BA8}"/>
+                <a16:creationId xmlns:a16="http://schemas.microsoft.com/office/drawing/2014/main" xmlns="" id="{DD6C188E-BBA2-4E8D-9F33-F3C6D7746BA8}"/>
               </a:ext>
             </a:extLst>
           </p:cNvPr>
@@ -10653,7 +10656,7 @@
           <p:cNvPr id="43" name="Straight Arrow Connector 42">
             <a:extLst>
               <a:ext uri="{FF2B5EF4-FFF2-40B4-BE49-F238E27FC236}">
-                <a16:creationId xmlns:a16="http://schemas.microsoft.com/office/drawing/2014/main" id="{93D99B21-2F4E-4B67-BB26-2BCB781D7584}"/>
+                <a16:creationId xmlns:a16="http://schemas.microsoft.com/office/drawing/2014/main" xmlns="" id="{93D99B21-2F4E-4B67-BB26-2BCB781D7584}"/>
               </a:ext>
             </a:extLst>
           </p:cNvPr>
@@ -10694,7 +10697,7 @@
           <p:cNvPr id="44" name="Straight Arrow Connector 43">
             <a:extLst>
               <a:ext uri="{FF2B5EF4-FFF2-40B4-BE49-F238E27FC236}">
-                <a16:creationId xmlns:a16="http://schemas.microsoft.com/office/drawing/2014/main" id="{EFB76A24-A05A-4BBF-A818-E52DF5D6E287}"/>
+                <a16:creationId xmlns:a16="http://schemas.microsoft.com/office/drawing/2014/main" xmlns="" id="{EFB76A24-A05A-4BBF-A818-E52DF5D6E287}"/>
               </a:ext>
             </a:extLst>
           </p:cNvPr>
@@ -10735,7 +10738,7 @@
           <p:cNvPr id="45" name="Straight Arrow Connector 44">
             <a:extLst>
               <a:ext uri="{FF2B5EF4-FFF2-40B4-BE49-F238E27FC236}">
-                <a16:creationId xmlns:a16="http://schemas.microsoft.com/office/drawing/2014/main" id="{9C8718E4-C645-46F2-BC3C-1E8C42909DC6}"/>
+                <a16:creationId xmlns:a16="http://schemas.microsoft.com/office/drawing/2014/main" xmlns="" id="{9C8718E4-C645-46F2-BC3C-1E8C42909DC6}"/>
               </a:ext>
             </a:extLst>
           </p:cNvPr>
@@ -10777,7 +10780,7 @@
           <p:cNvPr id="47" name="TextBox 46">
             <a:extLst>
               <a:ext uri="{FF2B5EF4-FFF2-40B4-BE49-F238E27FC236}">
-                <a16:creationId xmlns:a16="http://schemas.microsoft.com/office/drawing/2014/main" id="{EDCDAC0B-C1D4-4E26-B617-B6351702C2C5}"/>
+                <a16:creationId xmlns:a16="http://schemas.microsoft.com/office/drawing/2014/main" xmlns="" id="{EDCDAC0B-C1D4-4E26-B617-B6351702C2C5}"/>
               </a:ext>
             </a:extLst>
           </p:cNvPr>
@@ -10812,7 +10815,7 @@
           <p:cNvPr id="48" name="TextBox 47">
             <a:extLst>
               <a:ext uri="{FF2B5EF4-FFF2-40B4-BE49-F238E27FC236}">
-                <a16:creationId xmlns:a16="http://schemas.microsoft.com/office/drawing/2014/main" id="{E08CA946-35F9-4DAA-9F33-2D48D22A4FDB}"/>
+                <a16:creationId xmlns:a16="http://schemas.microsoft.com/office/drawing/2014/main" xmlns="" id="{E08CA946-35F9-4DAA-9F33-2D48D22A4FDB}"/>
               </a:ext>
             </a:extLst>
           </p:cNvPr>
@@ -10847,7 +10850,7 @@
           <p:cNvPr id="49" name="TextBox 48">
             <a:extLst>
               <a:ext uri="{FF2B5EF4-FFF2-40B4-BE49-F238E27FC236}">
-                <a16:creationId xmlns:a16="http://schemas.microsoft.com/office/drawing/2014/main" id="{95B61A25-AB36-4516-984F-A555E7EC59E9}"/>
+                <a16:creationId xmlns:a16="http://schemas.microsoft.com/office/drawing/2014/main" xmlns="" id="{95B61A25-AB36-4516-984F-A555E7EC59E9}"/>
               </a:ext>
             </a:extLst>
           </p:cNvPr>
@@ -10882,7 +10885,7 @@
           <p:cNvPr id="50" name="TextBox 49">
             <a:extLst>
               <a:ext uri="{FF2B5EF4-FFF2-40B4-BE49-F238E27FC236}">
-                <a16:creationId xmlns:a16="http://schemas.microsoft.com/office/drawing/2014/main" id="{34B4AD24-6EE8-4099-9D86-59BA91728BDC}"/>
+                <a16:creationId xmlns:a16="http://schemas.microsoft.com/office/drawing/2014/main" xmlns="" id="{34B4AD24-6EE8-4099-9D86-59BA91728BDC}"/>
               </a:ext>
             </a:extLst>
           </p:cNvPr>
@@ -10917,7 +10920,7 @@
           <p:cNvPr id="51" name="TextBox 50">
             <a:extLst>
               <a:ext uri="{FF2B5EF4-FFF2-40B4-BE49-F238E27FC236}">
-                <a16:creationId xmlns:a16="http://schemas.microsoft.com/office/drawing/2014/main" id="{D1B8EB08-3F04-439A-BF8B-1F4A78A28793}"/>
+                <a16:creationId xmlns:a16="http://schemas.microsoft.com/office/drawing/2014/main" xmlns="" id="{D1B8EB08-3F04-439A-BF8B-1F4A78A28793}"/>
               </a:ext>
             </a:extLst>
           </p:cNvPr>
@@ -10952,7 +10955,7 @@
           <p:cNvPr id="53" name="TextBox 52">
             <a:extLst>
               <a:ext uri="{FF2B5EF4-FFF2-40B4-BE49-F238E27FC236}">
-                <a16:creationId xmlns:a16="http://schemas.microsoft.com/office/drawing/2014/main" id="{E287DFCA-712C-4D8E-A92D-5185DCF8C889}"/>
+                <a16:creationId xmlns:a16="http://schemas.microsoft.com/office/drawing/2014/main" xmlns="" id="{E287DFCA-712C-4D8E-A92D-5185DCF8C889}"/>
               </a:ext>
             </a:extLst>
           </p:cNvPr>
@@ -10993,7 +10996,7 @@
           <p:cNvPr id="61" name="Connector: Elbow 60">
             <a:extLst>
               <a:ext uri="{FF2B5EF4-FFF2-40B4-BE49-F238E27FC236}">
-                <a16:creationId xmlns:a16="http://schemas.microsoft.com/office/drawing/2014/main" id="{89E67229-5ECB-4CB9-A05F-0C0BA8164C90}"/>
+                <a16:creationId xmlns:a16="http://schemas.microsoft.com/office/drawing/2014/main" xmlns="" id="{89E67229-5ECB-4CB9-A05F-0C0BA8164C90}"/>
               </a:ext>
             </a:extLst>
           </p:cNvPr>
@@ -11041,7 +11044,7 @@
           <p:cNvPr id="54" name="Rectangle: Rounded Corners 53">
             <a:extLst>
               <a:ext uri="{FF2B5EF4-FFF2-40B4-BE49-F238E27FC236}">
-                <a16:creationId xmlns:a16="http://schemas.microsoft.com/office/drawing/2014/main" id="{DD863BE4-1932-4E03-823B-70CC195DE697}"/>
+                <a16:creationId xmlns:a16="http://schemas.microsoft.com/office/drawing/2014/main" xmlns="" id="{DD863BE4-1932-4E03-823B-70CC195DE697}"/>
               </a:ext>
             </a:extLst>
           </p:cNvPr>
@@ -11096,7 +11099,7 @@
           <p:cNvPr id="59" name="TextBox 58">
             <a:extLst>
               <a:ext uri="{FF2B5EF4-FFF2-40B4-BE49-F238E27FC236}">
-                <a16:creationId xmlns:a16="http://schemas.microsoft.com/office/drawing/2014/main" id="{97C575B5-D9D1-4C9D-B546-2B4349BA0D63}"/>
+                <a16:creationId xmlns:a16="http://schemas.microsoft.com/office/drawing/2014/main" xmlns="" id="{97C575B5-D9D1-4C9D-B546-2B4349BA0D63}"/>
               </a:ext>
             </a:extLst>
           </p:cNvPr>
@@ -11131,7 +11134,7 @@
           <p:cNvPr id="71" name="Straight Arrow Connector 70">
             <a:extLst>
               <a:ext uri="{FF2B5EF4-FFF2-40B4-BE49-F238E27FC236}">
-                <a16:creationId xmlns:a16="http://schemas.microsoft.com/office/drawing/2014/main" id="{730BFB8A-A40A-4E34-B150-2CE8F7C6FA58}"/>
+                <a16:creationId xmlns:a16="http://schemas.microsoft.com/office/drawing/2014/main" xmlns="" id="{730BFB8A-A40A-4E34-B150-2CE8F7C6FA58}"/>
               </a:ext>
             </a:extLst>
           </p:cNvPr>
@@ -11174,7 +11177,7 @@
           <p:cNvPr id="73" name="Straight Arrow Connector 72">
             <a:extLst>
               <a:ext uri="{FF2B5EF4-FFF2-40B4-BE49-F238E27FC236}">
-                <a16:creationId xmlns:a16="http://schemas.microsoft.com/office/drawing/2014/main" id="{AEA0EED6-E661-431A-BF4A-006793D3489E}"/>
+                <a16:creationId xmlns:a16="http://schemas.microsoft.com/office/drawing/2014/main" xmlns="" id="{AEA0EED6-E661-431A-BF4A-006793D3489E}"/>
               </a:ext>
             </a:extLst>
           </p:cNvPr>
@@ -11222,7 +11225,7 @@
           <p:cNvPr id="62" name="Rectangle: Rounded Corners 61">
             <a:extLst>
               <a:ext uri="{FF2B5EF4-FFF2-40B4-BE49-F238E27FC236}">
-                <a16:creationId xmlns:a16="http://schemas.microsoft.com/office/drawing/2014/main" id="{4071FB92-52BA-4047-9C3B-0DF356EA2D96}"/>
+                <a16:creationId xmlns:a16="http://schemas.microsoft.com/office/drawing/2014/main" xmlns="" id="{4071FB92-52BA-4047-9C3B-0DF356EA2D96}"/>
               </a:ext>
             </a:extLst>
           </p:cNvPr>
@@ -11277,7 +11280,7 @@
           <p:cNvPr id="63" name="TextBox 62">
             <a:extLst>
               <a:ext uri="{FF2B5EF4-FFF2-40B4-BE49-F238E27FC236}">
-                <a16:creationId xmlns:a16="http://schemas.microsoft.com/office/drawing/2014/main" id="{299D6269-D8D6-4229-A1DB-F2E4DC0C7276}"/>
+                <a16:creationId xmlns:a16="http://schemas.microsoft.com/office/drawing/2014/main" xmlns="" id="{299D6269-D8D6-4229-A1DB-F2E4DC0C7276}"/>
               </a:ext>
             </a:extLst>
           </p:cNvPr>
@@ -11312,7 +11315,7 @@
           <p:cNvPr id="64" name="Rectangle: Rounded Corners 63">
             <a:extLst>
               <a:ext uri="{FF2B5EF4-FFF2-40B4-BE49-F238E27FC236}">
-                <a16:creationId xmlns:a16="http://schemas.microsoft.com/office/drawing/2014/main" id="{6E2EDC82-6CF2-4C59-A6F0-1E17DE428D4E}"/>
+                <a16:creationId xmlns:a16="http://schemas.microsoft.com/office/drawing/2014/main" xmlns="" id="{6E2EDC82-6CF2-4C59-A6F0-1E17DE428D4E}"/>
               </a:ext>
             </a:extLst>
           </p:cNvPr>
@@ -11367,7 +11370,7 @@
           <p:cNvPr id="65" name="TextBox 64">
             <a:extLst>
               <a:ext uri="{FF2B5EF4-FFF2-40B4-BE49-F238E27FC236}">
-                <a16:creationId xmlns:a16="http://schemas.microsoft.com/office/drawing/2014/main" id="{34655745-09A1-4EC1-B01D-9DB06BF0AF4F}"/>
+                <a16:creationId xmlns:a16="http://schemas.microsoft.com/office/drawing/2014/main" xmlns="" id="{34655745-09A1-4EC1-B01D-9DB06BF0AF4F}"/>
               </a:ext>
             </a:extLst>
           </p:cNvPr>
@@ -11402,7 +11405,7 @@
           <p:cNvPr id="66" name="Rectangle: Rounded Corners 65">
             <a:extLst>
               <a:ext uri="{FF2B5EF4-FFF2-40B4-BE49-F238E27FC236}">
-                <a16:creationId xmlns:a16="http://schemas.microsoft.com/office/drawing/2014/main" id="{F7FC58C9-59CA-4A53-BCB8-073F5897C06F}"/>
+                <a16:creationId xmlns:a16="http://schemas.microsoft.com/office/drawing/2014/main" xmlns="" id="{F7FC58C9-59CA-4A53-BCB8-073F5897C06F}"/>
               </a:ext>
             </a:extLst>
           </p:cNvPr>
@@ -11457,7 +11460,7 @@
           <p:cNvPr id="67" name="TextBox 66">
             <a:extLst>
               <a:ext uri="{FF2B5EF4-FFF2-40B4-BE49-F238E27FC236}">
-                <a16:creationId xmlns:a16="http://schemas.microsoft.com/office/drawing/2014/main" id="{29483802-D635-4643-87AC-2A50287CAC69}"/>
+                <a16:creationId xmlns:a16="http://schemas.microsoft.com/office/drawing/2014/main" xmlns="" id="{29483802-D635-4643-87AC-2A50287CAC69}"/>
               </a:ext>
             </a:extLst>
           </p:cNvPr>
@@ -11492,7 +11495,7 @@
           <p:cNvPr id="68" name="Rectangle: Rounded Corners 67">
             <a:extLst>
               <a:ext uri="{FF2B5EF4-FFF2-40B4-BE49-F238E27FC236}">
-                <a16:creationId xmlns:a16="http://schemas.microsoft.com/office/drawing/2014/main" id="{6E26FF03-D8CC-4691-96A6-ABD1FF5DAA00}"/>
+                <a16:creationId xmlns:a16="http://schemas.microsoft.com/office/drawing/2014/main" xmlns="" id="{6E26FF03-D8CC-4691-96A6-ABD1FF5DAA00}"/>
               </a:ext>
             </a:extLst>
           </p:cNvPr>
@@ -11547,7 +11550,7 @@
           <p:cNvPr id="69" name="TextBox 68">
             <a:extLst>
               <a:ext uri="{FF2B5EF4-FFF2-40B4-BE49-F238E27FC236}">
-                <a16:creationId xmlns:a16="http://schemas.microsoft.com/office/drawing/2014/main" id="{88B6451C-D866-4ED4-92D4-6C12BCFE1AFC}"/>
+                <a16:creationId xmlns:a16="http://schemas.microsoft.com/office/drawing/2014/main" xmlns="" id="{88B6451C-D866-4ED4-92D4-6C12BCFE1AFC}"/>
               </a:ext>
             </a:extLst>
           </p:cNvPr>
@@ -11582,7 +11585,7 @@
           <p:cNvPr id="72" name="Rectangle: Rounded Corners 71">
             <a:extLst>
               <a:ext uri="{FF2B5EF4-FFF2-40B4-BE49-F238E27FC236}">
-                <a16:creationId xmlns:a16="http://schemas.microsoft.com/office/drawing/2014/main" id="{36E20ECB-B114-47EE-9587-795EA9ED08AF}"/>
+                <a16:creationId xmlns:a16="http://schemas.microsoft.com/office/drawing/2014/main" xmlns="" id="{36E20ECB-B114-47EE-9587-795EA9ED08AF}"/>
               </a:ext>
             </a:extLst>
           </p:cNvPr>
@@ -11637,7 +11640,7 @@
           <p:cNvPr id="74" name="TextBox 73">
             <a:extLst>
               <a:ext uri="{FF2B5EF4-FFF2-40B4-BE49-F238E27FC236}">
-                <a16:creationId xmlns:a16="http://schemas.microsoft.com/office/drawing/2014/main" id="{A64908D9-F1C5-4A11-89D8-C3DD4B5B79A3}"/>
+                <a16:creationId xmlns:a16="http://schemas.microsoft.com/office/drawing/2014/main" xmlns="" id="{A64908D9-F1C5-4A11-89D8-C3DD4B5B79A3}"/>
               </a:ext>
             </a:extLst>
           </p:cNvPr>
@@ -11672,7 +11675,7 @@
           <p:cNvPr id="76" name="Straight Arrow Connector 75">
             <a:extLst>
               <a:ext uri="{FF2B5EF4-FFF2-40B4-BE49-F238E27FC236}">
-                <a16:creationId xmlns:a16="http://schemas.microsoft.com/office/drawing/2014/main" id="{F80DF57C-EFF2-46C4-A5B2-A696AE1CFEE9}"/>
+                <a16:creationId xmlns:a16="http://schemas.microsoft.com/office/drawing/2014/main" xmlns="" id="{F80DF57C-EFF2-46C4-A5B2-A696AE1CFEE9}"/>
               </a:ext>
             </a:extLst>
           </p:cNvPr>
@@ -11721,7 +11724,7 @@
           <p:cNvPr id="79" name="Straight Arrow Connector 78">
             <a:extLst>
               <a:ext uri="{FF2B5EF4-FFF2-40B4-BE49-F238E27FC236}">
-                <a16:creationId xmlns:a16="http://schemas.microsoft.com/office/drawing/2014/main" id="{2F83113E-B0E8-493B-A137-904E3221D105}"/>
+                <a16:creationId xmlns:a16="http://schemas.microsoft.com/office/drawing/2014/main" xmlns="" id="{2F83113E-B0E8-493B-A137-904E3221D105}"/>
               </a:ext>
             </a:extLst>
           </p:cNvPr>
@@ -11770,7 +11773,7 @@
           <p:cNvPr id="83" name="Straight Arrow Connector 82">
             <a:extLst>
               <a:ext uri="{FF2B5EF4-FFF2-40B4-BE49-F238E27FC236}">
-                <a16:creationId xmlns:a16="http://schemas.microsoft.com/office/drawing/2014/main" id="{90280651-2EE6-4BB5-8A36-D743C539FCA3}"/>
+                <a16:creationId xmlns:a16="http://schemas.microsoft.com/office/drawing/2014/main" xmlns="" id="{90280651-2EE6-4BB5-8A36-D743C539FCA3}"/>
               </a:ext>
             </a:extLst>
           </p:cNvPr>
@@ -11818,7 +11821,7 @@
           <p:cNvPr id="87" name="Straight Arrow Connector 86">
             <a:extLst>
               <a:ext uri="{FF2B5EF4-FFF2-40B4-BE49-F238E27FC236}">
-                <a16:creationId xmlns:a16="http://schemas.microsoft.com/office/drawing/2014/main" id="{7F47418A-2C2A-408F-9001-4ECA2C235DB7}"/>
+                <a16:creationId xmlns:a16="http://schemas.microsoft.com/office/drawing/2014/main" xmlns="" id="{7F47418A-2C2A-408F-9001-4ECA2C235DB7}"/>
               </a:ext>
             </a:extLst>
           </p:cNvPr>
@@ -11867,7 +11870,7 @@
           <p:cNvPr id="89" name="Straight Arrow Connector 88">
             <a:extLst>
               <a:ext uri="{FF2B5EF4-FFF2-40B4-BE49-F238E27FC236}">
-                <a16:creationId xmlns:a16="http://schemas.microsoft.com/office/drawing/2014/main" id="{7DEE1DAE-401A-4DA7-A82F-E4A9C8BA4EB9}"/>
+                <a16:creationId xmlns:a16="http://schemas.microsoft.com/office/drawing/2014/main" xmlns="" id="{7DEE1DAE-401A-4DA7-A82F-E4A9C8BA4EB9}"/>
               </a:ext>
             </a:extLst>
           </p:cNvPr>
@@ -11916,7 +11919,7 @@
           <p:cNvPr id="99" name="Oval 98">
             <a:extLst>
               <a:ext uri="{FF2B5EF4-FFF2-40B4-BE49-F238E27FC236}">
-                <a16:creationId xmlns:a16="http://schemas.microsoft.com/office/drawing/2014/main" id="{64B931DD-CC3F-458D-9DF6-4FCE6E515463}"/>
+                <a16:creationId xmlns:a16="http://schemas.microsoft.com/office/drawing/2014/main" xmlns="" id="{64B931DD-CC3F-458D-9DF6-4FCE6E515463}"/>
               </a:ext>
             </a:extLst>
           </p:cNvPr>
@@ -11965,7 +11968,7 @@
           <p:cNvPr id="107" name="Straight Arrow Connector 106">
             <a:extLst>
               <a:ext uri="{FF2B5EF4-FFF2-40B4-BE49-F238E27FC236}">
-                <a16:creationId xmlns:a16="http://schemas.microsoft.com/office/drawing/2014/main" id="{2C959F5F-1DAA-4545-86B8-94F732D7D0B6}"/>
+                <a16:creationId xmlns:a16="http://schemas.microsoft.com/office/drawing/2014/main" xmlns="" id="{2C959F5F-1DAA-4545-86B8-94F732D7D0B6}"/>
               </a:ext>
             </a:extLst>
           </p:cNvPr>
@@ -12007,7 +12010,7 @@
           <p:cNvPr id="115" name="TextBox 114">
             <a:extLst>
               <a:ext uri="{FF2B5EF4-FFF2-40B4-BE49-F238E27FC236}">
-                <a16:creationId xmlns:a16="http://schemas.microsoft.com/office/drawing/2014/main" id="{DF14C737-A78C-478F-AA9D-7F449E42CD50}"/>
+                <a16:creationId xmlns:a16="http://schemas.microsoft.com/office/drawing/2014/main" xmlns="" id="{DF14C737-A78C-478F-AA9D-7F449E42CD50}"/>
               </a:ext>
             </a:extLst>
           </p:cNvPr>
@@ -12042,7 +12045,7 @@
           <p:cNvPr id="116" name="Straight Arrow Connector 115">
             <a:extLst>
               <a:ext uri="{FF2B5EF4-FFF2-40B4-BE49-F238E27FC236}">
-                <a16:creationId xmlns:a16="http://schemas.microsoft.com/office/drawing/2014/main" id="{D343EEBF-911B-43D3-AD02-F5A2BC83D39A}"/>
+                <a16:creationId xmlns:a16="http://schemas.microsoft.com/office/drawing/2014/main" xmlns="" id="{D343EEBF-911B-43D3-AD02-F5A2BC83D39A}"/>
               </a:ext>
             </a:extLst>
           </p:cNvPr>
@@ -12084,7 +12087,7 @@
           <p:cNvPr id="118" name="Straight Arrow Connector 117">
             <a:extLst>
               <a:ext uri="{FF2B5EF4-FFF2-40B4-BE49-F238E27FC236}">
-                <a16:creationId xmlns:a16="http://schemas.microsoft.com/office/drawing/2014/main" id="{F5E3483F-3B6B-4E35-B87F-88CB9A9439E1}"/>
+                <a16:creationId xmlns:a16="http://schemas.microsoft.com/office/drawing/2014/main" xmlns="" id="{F5E3483F-3B6B-4E35-B87F-88CB9A9439E1}"/>
               </a:ext>
             </a:extLst>
           </p:cNvPr>
@@ -12125,7 +12128,7 @@
           <p:cNvPr id="119" name="Straight Arrow Connector 118">
             <a:extLst>
               <a:ext uri="{FF2B5EF4-FFF2-40B4-BE49-F238E27FC236}">
-                <a16:creationId xmlns:a16="http://schemas.microsoft.com/office/drawing/2014/main" id="{0B3274E5-EF5D-482A-A226-2686DC869430}"/>
+                <a16:creationId xmlns:a16="http://schemas.microsoft.com/office/drawing/2014/main" xmlns="" id="{0B3274E5-EF5D-482A-A226-2686DC869430}"/>
               </a:ext>
             </a:extLst>
           </p:cNvPr>
@@ -12166,7 +12169,7 @@
           <p:cNvPr id="120" name="Straight Arrow Connector 119">
             <a:extLst>
               <a:ext uri="{FF2B5EF4-FFF2-40B4-BE49-F238E27FC236}">
-                <a16:creationId xmlns:a16="http://schemas.microsoft.com/office/drawing/2014/main" id="{6C186335-86F0-4645-8941-0AD4476D7FFD}"/>
+                <a16:creationId xmlns:a16="http://schemas.microsoft.com/office/drawing/2014/main" xmlns="" id="{6C186335-86F0-4645-8941-0AD4476D7FFD}"/>
               </a:ext>
             </a:extLst>
           </p:cNvPr>
@@ -12207,7 +12210,7 @@
           <p:cNvPr id="121" name="Straight Arrow Connector 120">
             <a:extLst>
               <a:ext uri="{FF2B5EF4-FFF2-40B4-BE49-F238E27FC236}">
-                <a16:creationId xmlns:a16="http://schemas.microsoft.com/office/drawing/2014/main" id="{A9E04DF3-0887-4E42-9078-24C1E3091B38}"/>
+                <a16:creationId xmlns:a16="http://schemas.microsoft.com/office/drawing/2014/main" xmlns="" id="{A9E04DF3-0887-4E42-9078-24C1E3091B38}"/>
               </a:ext>
             </a:extLst>
           </p:cNvPr>
@@ -12248,7 +12251,7 @@
           <p:cNvPr id="80" name="Oval 79">
             <a:extLst>
               <a:ext uri="{FF2B5EF4-FFF2-40B4-BE49-F238E27FC236}">
-                <a16:creationId xmlns:a16="http://schemas.microsoft.com/office/drawing/2014/main" id="{94E19BC3-C760-4816-85AA-596B8FE06DB9}"/>
+                <a16:creationId xmlns:a16="http://schemas.microsoft.com/office/drawing/2014/main" xmlns="" id="{94E19BC3-C760-4816-85AA-596B8FE06DB9}"/>
               </a:ext>
             </a:extLst>
           </p:cNvPr>
@@ -12297,7 +12300,7 @@
           <p:cNvPr id="81" name="Straight Arrow Connector 80">
             <a:extLst>
               <a:ext uri="{FF2B5EF4-FFF2-40B4-BE49-F238E27FC236}">
-                <a16:creationId xmlns:a16="http://schemas.microsoft.com/office/drawing/2014/main" id="{D2A79BFB-E49A-4FF9-B7CE-DE54A18CB6C0}"/>
+                <a16:creationId xmlns:a16="http://schemas.microsoft.com/office/drawing/2014/main" xmlns="" id="{D2A79BFB-E49A-4FF9-B7CE-DE54A18CB6C0}"/>
               </a:ext>
             </a:extLst>
           </p:cNvPr>
@@ -12338,7 +12341,7 @@
           <p:cNvPr id="82" name="TextBox 81">
             <a:extLst>
               <a:ext uri="{FF2B5EF4-FFF2-40B4-BE49-F238E27FC236}">
-                <a16:creationId xmlns:a16="http://schemas.microsoft.com/office/drawing/2014/main" id="{79FAB053-2119-434D-8EAB-F920DAE6FC4A}"/>
+                <a16:creationId xmlns:a16="http://schemas.microsoft.com/office/drawing/2014/main" xmlns="" id="{79FAB053-2119-434D-8EAB-F920DAE6FC4A}"/>
               </a:ext>
             </a:extLst>
           </p:cNvPr>
@@ -12373,7 +12376,7 @@
           <p:cNvPr id="84" name="Rectangle: Rounded Corners 83">
             <a:extLst>
               <a:ext uri="{FF2B5EF4-FFF2-40B4-BE49-F238E27FC236}">
-                <a16:creationId xmlns:a16="http://schemas.microsoft.com/office/drawing/2014/main" id="{FCAE666B-5E35-4707-99A8-44040AB23ACE}"/>
+                <a16:creationId xmlns:a16="http://schemas.microsoft.com/office/drawing/2014/main" xmlns="" id="{FCAE666B-5E35-4707-99A8-44040AB23ACE}"/>
               </a:ext>
             </a:extLst>
           </p:cNvPr>
@@ -12432,7 +12435,7 @@
           <p:cNvPr id="85" name="Straight Arrow Connector 84">
             <a:extLst>
               <a:ext uri="{FF2B5EF4-FFF2-40B4-BE49-F238E27FC236}">
-                <a16:creationId xmlns:a16="http://schemas.microsoft.com/office/drawing/2014/main" id="{9DF84182-C41F-431B-98AF-EA45F6FD2877}"/>
+                <a16:creationId xmlns:a16="http://schemas.microsoft.com/office/drawing/2014/main" xmlns="" id="{9DF84182-C41F-431B-98AF-EA45F6FD2877}"/>
               </a:ext>
             </a:extLst>
           </p:cNvPr>
@@ -12474,7 +12477,7 @@
           <p:cNvPr id="40" name="Connector: Elbow 39">
             <a:extLst>
               <a:ext uri="{FF2B5EF4-FFF2-40B4-BE49-F238E27FC236}">
-                <a16:creationId xmlns:a16="http://schemas.microsoft.com/office/drawing/2014/main" id="{B8A3DBC7-6A4A-4011-92A9-F412C17B1C66}"/>
+                <a16:creationId xmlns:a16="http://schemas.microsoft.com/office/drawing/2014/main" xmlns="" id="{B8A3DBC7-6A4A-4011-92A9-F412C17B1C66}"/>
               </a:ext>
             </a:extLst>
           </p:cNvPr>
@@ -12520,7 +12523,7 @@
           <p:cNvPr id="88" name="Rectangle: Rounded Corners 87">
             <a:extLst>
               <a:ext uri="{FF2B5EF4-FFF2-40B4-BE49-F238E27FC236}">
-                <a16:creationId xmlns:a16="http://schemas.microsoft.com/office/drawing/2014/main" id="{0CF8D233-9171-43A4-85BD-ABAB646831AF}"/>
+                <a16:creationId xmlns:a16="http://schemas.microsoft.com/office/drawing/2014/main" xmlns="" id="{0CF8D233-9171-43A4-85BD-ABAB646831AF}"/>
               </a:ext>
             </a:extLst>
           </p:cNvPr>
@@ -12576,7 +12579,7 @@
           <p:cNvPr id="90" name="Rectangle: Rounded Corners 89">
             <a:extLst>
               <a:ext uri="{FF2B5EF4-FFF2-40B4-BE49-F238E27FC236}">
-                <a16:creationId xmlns:a16="http://schemas.microsoft.com/office/drawing/2014/main" id="{5C379F05-9D02-40C3-B3D8-D5C8F2A4BF93}"/>
+                <a16:creationId xmlns:a16="http://schemas.microsoft.com/office/drawing/2014/main" xmlns="" id="{5C379F05-9D02-40C3-B3D8-D5C8F2A4BF93}"/>
               </a:ext>
             </a:extLst>
           </p:cNvPr>
@@ -12626,7 +12629,7 @@
           <p:cNvPr id="91" name="TextBox 90">
             <a:extLst>
               <a:ext uri="{FF2B5EF4-FFF2-40B4-BE49-F238E27FC236}">
-                <a16:creationId xmlns:a16="http://schemas.microsoft.com/office/drawing/2014/main" id="{5F620889-9BC3-4B0A-999B-A4762BA52D7D}"/>
+                <a16:creationId xmlns:a16="http://schemas.microsoft.com/office/drawing/2014/main" xmlns="" id="{5F620889-9BC3-4B0A-999B-A4762BA52D7D}"/>
               </a:ext>
             </a:extLst>
           </p:cNvPr>
@@ -12661,7 +12664,7 @@
           <p:cNvPr id="92" name="Rectangle: Rounded Corners 91">
             <a:extLst>
               <a:ext uri="{FF2B5EF4-FFF2-40B4-BE49-F238E27FC236}">
-                <a16:creationId xmlns:a16="http://schemas.microsoft.com/office/drawing/2014/main" id="{B6783E9E-03EC-4CFD-9ACF-E5C9F8EFECCE}"/>
+                <a16:creationId xmlns:a16="http://schemas.microsoft.com/office/drawing/2014/main" xmlns="" id="{B6783E9E-03EC-4CFD-9ACF-E5C9F8EFECCE}"/>
               </a:ext>
             </a:extLst>
           </p:cNvPr>
@@ -12711,7 +12714,7 @@
           <p:cNvPr id="93" name="TextBox 92">
             <a:extLst>
               <a:ext uri="{FF2B5EF4-FFF2-40B4-BE49-F238E27FC236}">
-                <a16:creationId xmlns:a16="http://schemas.microsoft.com/office/drawing/2014/main" id="{3E9A4FFC-4F86-470C-B3D2-6AB4593827BB}"/>
+                <a16:creationId xmlns:a16="http://schemas.microsoft.com/office/drawing/2014/main" xmlns="" id="{3E9A4FFC-4F86-470C-B3D2-6AB4593827BB}"/>
               </a:ext>
             </a:extLst>
           </p:cNvPr>
@@ -12746,7 +12749,7 @@
           <p:cNvPr id="94" name="Rectangle: Rounded Corners 93">
             <a:extLst>
               <a:ext uri="{FF2B5EF4-FFF2-40B4-BE49-F238E27FC236}">
-                <a16:creationId xmlns:a16="http://schemas.microsoft.com/office/drawing/2014/main" id="{183E2CFB-6708-4833-B0CA-B876E4D361C0}"/>
+                <a16:creationId xmlns:a16="http://schemas.microsoft.com/office/drawing/2014/main" xmlns="" id="{183E2CFB-6708-4833-B0CA-B876E4D361C0}"/>
               </a:ext>
             </a:extLst>
           </p:cNvPr>
@@ -12796,7 +12799,7 @@
           <p:cNvPr id="95" name="TextBox 94">
             <a:extLst>
               <a:ext uri="{FF2B5EF4-FFF2-40B4-BE49-F238E27FC236}">
-                <a16:creationId xmlns:a16="http://schemas.microsoft.com/office/drawing/2014/main" id="{1E017ADC-0EB7-4510-9903-7A71892B45B1}"/>
+                <a16:creationId xmlns:a16="http://schemas.microsoft.com/office/drawing/2014/main" xmlns="" id="{1E017ADC-0EB7-4510-9903-7A71892B45B1}"/>
               </a:ext>
             </a:extLst>
           </p:cNvPr>
@@ -12831,7 +12834,7 @@
           <p:cNvPr id="86" name="Picture 85">
             <a:extLst>
               <a:ext uri="{FF2B5EF4-FFF2-40B4-BE49-F238E27FC236}">
-                <a16:creationId xmlns:a16="http://schemas.microsoft.com/office/drawing/2014/main" id="{00791D3D-41FC-439D-AD1D-54793BFB825A}"/>
+                <a16:creationId xmlns:a16="http://schemas.microsoft.com/office/drawing/2014/main" xmlns="" id="{00791D3D-41FC-439D-AD1D-54793BFB825A}"/>
               </a:ext>
             </a:extLst>
           </p:cNvPr>
@@ -12867,7 +12870,7 @@
           <p:cNvPr id="97" name="Picture 96">
             <a:extLst>
               <a:ext uri="{FF2B5EF4-FFF2-40B4-BE49-F238E27FC236}">
-                <a16:creationId xmlns:a16="http://schemas.microsoft.com/office/drawing/2014/main" id="{1CC91B1D-2395-4DA2-9868-217682F6E191}"/>
+                <a16:creationId xmlns:a16="http://schemas.microsoft.com/office/drawing/2014/main" xmlns="" id="{1CC91B1D-2395-4DA2-9868-217682F6E191}"/>
               </a:ext>
             </a:extLst>
           </p:cNvPr>
@@ -12903,7 +12906,7 @@
           <p:cNvPr id="106" name="Straight Arrow Connector 105">
             <a:extLst>
               <a:ext uri="{FF2B5EF4-FFF2-40B4-BE49-F238E27FC236}">
-                <a16:creationId xmlns:a16="http://schemas.microsoft.com/office/drawing/2014/main" id="{34871657-5E12-4A0B-A06D-9D016DA554B1}"/>
+                <a16:creationId xmlns:a16="http://schemas.microsoft.com/office/drawing/2014/main" xmlns="" id="{34871657-5E12-4A0B-A06D-9D016DA554B1}"/>
               </a:ext>
             </a:extLst>
           </p:cNvPr>
@@ -12944,7 +12947,7 @@
           <p:cNvPr id="103" name="Connector: Elbow 102">
             <a:extLst>
               <a:ext uri="{FF2B5EF4-FFF2-40B4-BE49-F238E27FC236}">
-                <a16:creationId xmlns:a16="http://schemas.microsoft.com/office/drawing/2014/main" id="{F44DB605-9103-4AB6-B8BC-00C223121746}"/>
+                <a16:creationId xmlns:a16="http://schemas.microsoft.com/office/drawing/2014/main" xmlns="" id="{F44DB605-9103-4AB6-B8BC-00C223121746}"/>
               </a:ext>
             </a:extLst>
           </p:cNvPr>
@@ -13017,7 +13020,7 @@
           <p:cNvPr id="3" name="Picture 2">
             <a:extLst>
               <a:ext uri="{FF2B5EF4-FFF2-40B4-BE49-F238E27FC236}">
-                <a16:creationId xmlns:a16="http://schemas.microsoft.com/office/drawing/2014/main" id="{E8DEEE7D-DDBC-4999-B8E9-1B93BD4DA374}"/>
+                <a16:creationId xmlns:a16="http://schemas.microsoft.com/office/drawing/2014/main" xmlns="" id="{E8DEEE7D-DDBC-4999-B8E9-1B93BD4DA374}"/>
               </a:ext>
             </a:extLst>
           </p:cNvPr>
@@ -13053,7 +13056,7 @@
           <p:cNvPr id="5" name="Picture 4">
             <a:extLst>
               <a:ext uri="{FF2B5EF4-FFF2-40B4-BE49-F238E27FC236}">
-                <a16:creationId xmlns:a16="http://schemas.microsoft.com/office/drawing/2014/main" id="{BAAF3AF4-97D7-4233-97A1-812DFF21DCA0}"/>
+                <a16:creationId xmlns:a16="http://schemas.microsoft.com/office/drawing/2014/main" xmlns="" id="{BAAF3AF4-97D7-4233-97A1-812DFF21DCA0}"/>
               </a:ext>
             </a:extLst>
           </p:cNvPr>
@@ -13089,7 +13092,7 @@
           <p:cNvPr id="7" name="Straight Arrow Connector 6">
             <a:extLst>
               <a:ext uri="{FF2B5EF4-FFF2-40B4-BE49-F238E27FC236}">
-                <a16:creationId xmlns:a16="http://schemas.microsoft.com/office/drawing/2014/main" id="{E4D4858D-1579-46ED-945F-373075443B57}"/>
+                <a16:creationId xmlns:a16="http://schemas.microsoft.com/office/drawing/2014/main" xmlns="" id="{E4D4858D-1579-46ED-945F-373075443B57}"/>
               </a:ext>
             </a:extLst>
           </p:cNvPr>
@@ -13128,7 +13131,7 @@
           <p:cNvPr id="8" name="Straight Arrow Connector 7">
             <a:extLst>
               <a:ext uri="{FF2B5EF4-FFF2-40B4-BE49-F238E27FC236}">
-                <a16:creationId xmlns:a16="http://schemas.microsoft.com/office/drawing/2014/main" id="{CB68DA18-F22B-4240-99EC-103C2B60CB73}"/>
+                <a16:creationId xmlns:a16="http://schemas.microsoft.com/office/drawing/2014/main" xmlns="" id="{CB68DA18-F22B-4240-99EC-103C2B60CB73}"/>
               </a:ext>
             </a:extLst>
           </p:cNvPr>
@@ -13167,7 +13170,7 @@
           <p:cNvPr id="9" name="Straight Arrow Connector 8">
             <a:extLst>
               <a:ext uri="{FF2B5EF4-FFF2-40B4-BE49-F238E27FC236}">
-                <a16:creationId xmlns:a16="http://schemas.microsoft.com/office/drawing/2014/main" id="{61B91BA8-2599-4B20-9A44-399398B2E3BF}"/>
+                <a16:creationId xmlns:a16="http://schemas.microsoft.com/office/drawing/2014/main" xmlns="" id="{61B91BA8-2599-4B20-9A44-399398B2E3BF}"/>
               </a:ext>
             </a:extLst>
           </p:cNvPr>
@@ -13206,7 +13209,7 @@
           <p:cNvPr id="10" name="Straight Arrow Connector 9">
             <a:extLst>
               <a:ext uri="{FF2B5EF4-FFF2-40B4-BE49-F238E27FC236}">
-                <a16:creationId xmlns:a16="http://schemas.microsoft.com/office/drawing/2014/main" id="{873E477F-4891-42AB-A7C1-2A9E3FF2678D}"/>
+                <a16:creationId xmlns:a16="http://schemas.microsoft.com/office/drawing/2014/main" xmlns="" id="{873E477F-4891-42AB-A7C1-2A9E3FF2678D}"/>
               </a:ext>
             </a:extLst>
           </p:cNvPr>
@@ -13245,7 +13248,7 @@
           <p:cNvPr id="11" name="Straight Arrow Connector 10">
             <a:extLst>
               <a:ext uri="{FF2B5EF4-FFF2-40B4-BE49-F238E27FC236}">
-                <a16:creationId xmlns:a16="http://schemas.microsoft.com/office/drawing/2014/main" id="{1B8D9EB5-4075-4491-AD17-410C0A0F003B}"/>
+                <a16:creationId xmlns:a16="http://schemas.microsoft.com/office/drawing/2014/main" xmlns="" id="{1B8D9EB5-4075-4491-AD17-410C0A0F003B}"/>
               </a:ext>
             </a:extLst>
           </p:cNvPr>
@@ -13286,7 +13289,7 @@
           <p:cNvPr id="13" name="Straight Arrow Connector 12">
             <a:extLst>
               <a:ext uri="{FF2B5EF4-FFF2-40B4-BE49-F238E27FC236}">
-                <a16:creationId xmlns:a16="http://schemas.microsoft.com/office/drawing/2014/main" id="{2BD1B6FD-66B5-4ECD-8D45-817A7337C525}"/>
+                <a16:creationId xmlns:a16="http://schemas.microsoft.com/office/drawing/2014/main" xmlns="" id="{2BD1B6FD-66B5-4ECD-8D45-817A7337C525}"/>
               </a:ext>
             </a:extLst>
           </p:cNvPr>
@@ -13327,7 +13330,7 @@
           <p:cNvPr id="14" name="Straight Arrow Connector 13">
             <a:extLst>
               <a:ext uri="{FF2B5EF4-FFF2-40B4-BE49-F238E27FC236}">
-                <a16:creationId xmlns:a16="http://schemas.microsoft.com/office/drawing/2014/main" id="{63DC4C37-CBA2-4923-88C6-9D97D1870769}"/>
+                <a16:creationId xmlns:a16="http://schemas.microsoft.com/office/drawing/2014/main" xmlns="" id="{63DC4C37-CBA2-4923-88C6-9D97D1870769}"/>
               </a:ext>
             </a:extLst>
           </p:cNvPr>
@@ -13368,7 +13371,7 @@
           <p:cNvPr id="15" name="Straight Arrow Connector 14">
             <a:extLst>
               <a:ext uri="{FF2B5EF4-FFF2-40B4-BE49-F238E27FC236}">
-                <a16:creationId xmlns:a16="http://schemas.microsoft.com/office/drawing/2014/main" id="{B6B259F9-8D1C-4506-BF7F-3DE4CA2EF538}"/>
+                <a16:creationId xmlns:a16="http://schemas.microsoft.com/office/drawing/2014/main" xmlns="" id="{B6B259F9-8D1C-4506-BF7F-3DE4CA2EF538}"/>
               </a:ext>
             </a:extLst>
           </p:cNvPr>
@@ -13409,7 +13412,7 @@
           <p:cNvPr id="18" name="Straight Arrow Connector 17">
             <a:extLst>
               <a:ext uri="{FF2B5EF4-FFF2-40B4-BE49-F238E27FC236}">
-                <a16:creationId xmlns:a16="http://schemas.microsoft.com/office/drawing/2014/main" id="{6B1C2559-CA3F-40C2-BA33-AD7E19E34273}"/>
+                <a16:creationId xmlns:a16="http://schemas.microsoft.com/office/drawing/2014/main" xmlns="" id="{6B1C2559-CA3F-40C2-BA33-AD7E19E34273}"/>
               </a:ext>
             </a:extLst>
           </p:cNvPr>
@@ -13450,7 +13453,7 @@
           <p:cNvPr id="20" name="Straight Arrow Connector 19">
             <a:extLst>
               <a:ext uri="{FF2B5EF4-FFF2-40B4-BE49-F238E27FC236}">
-                <a16:creationId xmlns:a16="http://schemas.microsoft.com/office/drawing/2014/main" id="{6E2BFA1E-9A35-4DEE-BF3B-1BADA58CD6C8}"/>
+                <a16:creationId xmlns:a16="http://schemas.microsoft.com/office/drawing/2014/main" xmlns="" id="{6E2BFA1E-9A35-4DEE-BF3B-1BADA58CD6C8}"/>
               </a:ext>
             </a:extLst>
           </p:cNvPr>
@@ -13491,7 +13494,7 @@
           <p:cNvPr id="22" name="Straight Arrow Connector 21">
             <a:extLst>
               <a:ext uri="{FF2B5EF4-FFF2-40B4-BE49-F238E27FC236}">
-                <a16:creationId xmlns:a16="http://schemas.microsoft.com/office/drawing/2014/main" id="{8C294C3B-13D8-4B0B-897D-8A0183DDA223}"/>
+                <a16:creationId xmlns:a16="http://schemas.microsoft.com/office/drawing/2014/main" xmlns="" id="{8C294C3B-13D8-4B0B-897D-8A0183DDA223}"/>
               </a:ext>
             </a:extLst>
           </p:cNvPr>
@@ -13532,7 +13535,7 @@
           <p:cNvPr id="24" name="Straight Arrow Connector 23">
             <a:extLst>
               <a:ext uri="{FF2B5EF4-FFF2-40B4-BE49-F238E27FC236}">
-                <a16:creationId xmlns:a16="http://schemas.microsoft.com/office/drawing/2014/main" id="{C28CE298-CE79-449C-9B63-77A668C7E92D}"/>
+                <a16:creationId xmlns:a16="http://schemas.microsoft.com/office/drawing/2014/main" xmlns="" id="{C28CE298-CE79-449C-9B63-77A668C7E92D}"/>
               </a:ext>
             </a:extLst>
           </p:cNvPr>
@@ -13573,7 +13576,7 @@
           <p:cNvPr id="25" name="Straight Arrow Connector 24">
             <a:extLst>
               <a:ext uri="{FF2B5EF4-FFF2-40B4-BE49-F238E27FC236}">
-                <a16:creationId xmlns:a16="http://schemas.microsoft.com/office/drawing/2014/main" id="{31017DD6-542E-4763-B104-693068FA2833}"/>
+                <a16:creationId xmlns:a16="http://schemas.microsoft.com/office/drawing/2014/main" xmlns="" id="{31017DD6-542E-4763-B104-693068FA2833}"/>
               </a:ext>
             </a:extLst>
           </p:cNvPr>
@@ -13614,7 +13617,7 @@
           <p:cNvPr id="26" name="Straight Arrow Connector 25">
             <a:extLst>
               <a:ext uri="{FF2B5EF4-FFF2-40B4-BE49-F238E27FC236}">
-                <a16:creationId xmlns:a16="http://schemas.microsoft.com/office/drawing/2014/main" id="{8D77271B-CB42-47BB-B523-26882F2F3EA2}"/>
+                <a16:creationId xmlns:a16="http://schemas.microsoft.com/office/drawing/2014/main" xmlns="" id="{8D77271B-CB42-47BB-B523-26882F2F3EA2}"/>
               </a:ext>
             </a:extLst>
           </p:cNvPr>
@@ -13655,7 +13658,7 @@
           <p:cNvPr id="27" name="Straight Arrow Connector 26">
             <a:extLst>
               <a:ext uri="{FF2B5EF4-FFF2-40B4-BE49-F238E27FC236}">
-                <a16:creationId xmlns:a16="http://schemas.microsoft.com/office/drawing/2014/main" id="{2E6270A8-4926-4615-8712-193B3B9E359D}"/>
+                <a16:creationId xmlns:a16="http://schemas.microsoft.com/office/drawing/2014/main" xmlns="" id="{2E6270A8-4926-4615-8712-193B3B9E359D}"/>
               </a:ext>
             </a:extLst>
           </p:cNvPr>
@@ -13696,7 +13699,7 @@
           <p:cNvPr id="29" name="Straight Arrow Connector 28">
             <a:extLst>
               <a:ext uri="{FF2B5EF4-FFF2-40B4-BE49-F238E27FC236}">
-                <a16:creationId xmlns:a16="http://schemas.microsoft.com/office/drawing/2014/main" id="{B41BF1E0-AA4F-4FB4-8B4A-217F916B2E30}"/>
+                <a16:creationId xmlns:a16="http://schemas.microsoft.com/office/drawing/2014/main" xmlns="" id="{B41BF1E0-AA4F-4FB4-8B4A-217F916B2E30}"/>
               </a:ext>
             </a:extLst>
           </p:cNvPr>
@@ -13737,7 +13740,7 @@
           <p:cNvPr id="30" name="Straight Arrow Connector 29">
             <a:extLst>
               <a:ext uri="{FF2B5EF4-FFF2-40B4-BE49-F238E27FC236}">
-                <a16:creationId xmlns:a16="http://schemas.microsoft.com/office/drawing/2014/main" id="{BB6E4E93-72B4-412D-97AD-FC51579F4774}"/>
+                <a16:creationId xmlns:a16="http://schemas.microsoft.com/office/drawing/2014/main" xmlns="" id="{BB6E4E93-72B4-412D-97AD-FC51579F4774}"/>
               </a:ext>
             </a:extLst>
           </p:cNvPr>
@@ -13778,7 +13781,7 @@
           <p:cNvPr id="31" name="Straight Arrow Connector 30">
             <a:extLst>
               <a:ext uri="{FF2B5EF4-FFF2-40B4-BE49-F238E27FC236}">
-                <a16:creationId xmlns:a16="http://schemas.microsoft.com/office/drawing/2014/main" id="{637913FB-ADF3-478B-A7BD-808D637E1178}"/>
+                <a16:creationId xmlns:a16="http://schemas.microsoft.com/office/drawing/2014/main" xmlns="" id="{637913FB-ADF3-478B-A7BD-808D637E1178}"/>
               </a:ext>
             </a:extLst>
           </p:cNvPr>
@@ -13819,7 +13822,7 @@
           <p:cNvPr id="33" name="Straight Arrow Connector 32">
             <a:extLst>
               <a:ext uri="{FF2B5EF4-FFF2-40B4-BE49-F238E27FC236}">
-                <a16:creationId xmlns:a16="http://schemas.microsoft.com/office/drawing/2014/main" id="{6ABE330E-4F9C-481A-9CBD-2E75ECEFF2F4}"/>
+                <a16:creationId xmlns:a16="http://schemas.microsoft.com/office/drawing/2014/main" xmlns="" id="{6ABE330E-4F9C-481A-9CBD-2E75ECEFF2F4}"/>
               </a:ext>
             </a:extLst>
           </p:cNvPr>
@@ -13860,7 +13863,7 @@
           <p:cNvPr id="34" name="Straight Arrow Connector 33">
             <a:extLst>
               <a:ext uri="{FF2B5EF4-FFF2-40B4-BE49-F238E27FC236}">
-                <a16:creationId xmlns:a16="http://schemas.microsoft.com/office/drawing/2014/main" id="{2C2C8C94-0B48-4DA4-B68C-D84E92C20ED9}"/>
+                <a16:creationId xmlns:a16="http://schemas.microsoft.com/office/drawing/2014/main" xmlns="" id="{2C2C8C94-0B48-4DA4-B68C-D84E92C20ED9}"/>
               </a:ext>
             </a:extLst>
           </p:cNvPr>
@@ -13931,7 +13934,7 @@
           <p:cNvPr id="11" name="Oval 10">
             <a:extLst>
               <a:ext uri="{FF2B5EF4-FFF2-40B4-BE49-F238E27FC236}">
-                <a16:creationId xmlns:a16="http://schemas.microsoft.com/office/drawing/2014/main" id="{B30A05C0-383E-4F3E-8B92-28A2A36B5C6F}"/>
+                <a16:creationId xmlns:a16="http://schemas.microsoft.com/office/drawing/2014/main" xmlns="" id="{B30A05C0-383E-4F3E-8B92-28A2A36B5C6F}"/>
               </a:ext>
             </a:extLst>
           </p:cNvPr>
@@ -13984,7 +13987,7 @@
           <p:cNvPr id="2" name="Oval 1">
             <a:extLst>
               <a:ext uri="{FF2B5EF4-FFF2-40B4-BE49-F238E27FC236}">
-                <a16:creationId xmlns:a16="http://schemas.microsoft.com/office/drawing/2014/main" id="{1938BF84-235B-44EB-82A4-4AAAE1A83572}"/>
+                <a16:creationId xmlns:a16="http://schemas.microsoft.com/office/drawing/2014/main" xmlns="" id="{1938BF84-235B-44EB-82A4-4AAAE1A83572}"/>
               </a:ext>
             </a:extLst>
           </p:cNvPr>
@@ -14033,7 +14036,7 @@
           <p:cNvPr id="3" name="Oval 2">
             <a:extLst>
               <a:ext uri="{FF2B5EF4-FFF2-40B4-BE49-F238E27FC236}">
-                <a16:creationId xmlns:a16="http://schemas.microsoft.com/office/drawing/2014/main" id="{82813E74-5D5D-41B3-AC8E-2D8089EF4EA4}"/>
+                <a16:creationId xmlns:a16="http://schemas.microsoft.com/office/drawing/2014/main" xmlns="" id="{82813E74-5D5D-41B3-AC8E-2D8089EF4EA4}"/>
               </a:ext>
             </a:extLst>
           </p:cNvPr>
@@ -14082,7 +14085,7 @@
           <p:cNvPr id="4" name="Oval 3">
             <a:extLst>
               <a:ext uri="{FF2B5EF4-FFF2-40B4-BE49-F238E27FC236}">
-                <a16:creationId xmlns:a16="http://schemas.microsoft.com/office/drawing/2014/main" id="{0F6DC0F6-B294-40EC-9357-97000B5E53A4}"/>
+                <a16:creationId xmlns:a16="http://schemas.microsoft.com/office/drawing/2014/main" xmlns="" id="{0F6DC0F6-B294-40EC-9357-97000B5E53A4}"/>
               </a:ext>
             </a:extLst>
           </p:cNvPr>
@@ -14131,7 +14134,7 @@
           <p:cNvPr id="5" name="Oval 4">
             <a:extLst>
               <a:ext uri="{FF2B5EF4-FFF2-40B4-BE49-F238E27FC236}">
-                <a16:creationId xmlns:a16="http://schemas.microsoft.com/office/drawing/2014/main" id="{1399CCE1-25F1-4D49-A3D5-BC34CCE9F888}"/>
+                <a16:creationId xmlns:a16="http://schemas.microsoft.com/office/drawing/2014/main" xmlns="" id="{1399CCE1-25F1-4D49-A3D5-BC34CCE9F888}"/>
               </a:ext>
             </a:extLst>
           </p:cNvPr>
@@ -14180,7 +14183,7 @@
           <p:cNvPr id="6" name="Oval 5">
             <a:extLst>
               <a:ext uri="{FF2B5EF4-FFF2-40B4-BE49-F238E27FC236}">
-                <a16:creationId xmlns:a16="http://schemas.microsoft.com/office/drawing/2014/main" id="{7F02B953-9241-4083-950A-E1CEDCB04E73}"/>
+                <a16:creationId xmlns:a16="http://schemas.microsoft.com/office/drawing/2014/main" xmlns="" id="{7F02B953-9241-4083-950A-E1CEDCB04E73}"/>
               </a:ext>
             </a:extLst>
           </p:cNvPr>
@@ -14229,7 +14232,7 @@
           <p:cNvPr id="7" name="Oval 6">
             <a:extLst>
               <a:ext uri="{FF2B5EF4-FFF2-40B4-BE49-F238E27FC236}">
-                <a16:creationId xmlns:a16="http://schemas.microsoft.com/office/drawing/2014/main" id="{657C1577-F27D-4B27-8BA5-058C4817B7A6}"/>
+                <a16:creationId xmlns:a16="http://schemas.microsoft.com/office/drawing/2014/main" xmlns="" id="{657C1577-F27D-4B27-8BA5-058C4817B7A6}"/>
               </a:ext>
             </a:extLst>
           </p:cNvPr>
@@ -14278,7 +14281,7 @@
           <p:cNvPr id="9" name="Oval 8">
             <a:extLst>
               <a:ext uri="{FF2B5EF4-FFF2-40B4-BE49-F238E27FC236}">
-                <a16:creationId xmlns:a16="http://schemas.microsoft.com/office/drawing/2014/main" id="{77BD9123-4339-49C8-BB06-276216FFA5A3}"/>
+                <a16:creationId xmlns:a16="http://schemas.microsoft.com/office/drawing/2014/main" xmlns="" id="{77BD9123-4339-49C8-BB06-276216FFA5A3}"/>
               </a:ext>
             </a:extLst>
           </p:cNvPr>
@@ -14327,7 +14330,7 @@
           <p:cNvPr id="10" name="Oval 9">
             <a:extLst>
               <a:ext uri="{FF2B5EF4-FFF2-40B4-BE49-F238E27FC236}">
-                <a16:creationId xmlns:a16="http://schemas.microsoft.com/office/drawing/2014/main" id="{DD89ED82-4F60-45CD-B3E5-7F509BB0B12C}"/>
+                <a16:creationId xmlns:a16="http://schemas.microsoft.com/office/drawing/2014/main" xmlns="" id="{DD89ED82-4F60-45CD-B3E5-7F509BB0B12C}"/>
               </a:ext>
             </a:extLst>
           </p:cNvPr>
@@ -14376,7 +14379,7 @@
           <p:cNvPr id="12" name="Oval 11">
             <a:extLst>
               <a:ext uri="{FF2B5EF4-FFF2-40B4-BE49-F238E27FC236}">
-                <a16:creationId xmlns:a16="http://schemas.microsoft.com/office/drawing/2014/main" id="{6D5D74FA-E319-41C3-BEF6-83D16CB48FAF}"/>
+                <a16:creationId xmlns:a16="http://schemas.microsoft.com/office/drawing/2014/main" xmlns="" id="{6D5D74FA-E319-41C3-BEF6-83D16CB48FAF}"/>
               </a:ext>
             </a:extLst>
           </p:cNvPr>
@@ -14427,7 +14430,7 @@
           <p:cNvPr id="13" name="Oval 12">
             <a:extLst>
               <a:ext uri="{FF2B5EF4-FFF2-40B4-BE49-F238E27FC236}">
-                <a16:creationId xmlns:a16="http://schemas.microsoft.com/office/drawing/2014/main" id="{775CAD5C-B79A-45AC-BBD9-6850196C1269}"/>
+                <a16:creationId xmlns:a16="http://schemas.microsoft.com/office/drawing/2014/main" xmlns="" id="{775CAD5C-B79A-45AC-BBD9-6850196C1269}"/>
               </a:ext>
             </a:extLst>
           </p:cNvPr>
@@ -14478,7 +14481,7 @@
           <p:cNvPr id="15" name="Straight Connector 14">
             <a:extLst>
               <a:ext uri="{FF2B5EF4-FFF2-40B4-BE49-F238E27FC236}">
-                <a16:creationId xmlns:a16="http://schemas.microsoft.com/office/drawing/2014/main" id="{6C7E04F1-2E80-4DCB-8FFF-F82B3740DAEA}"/>
+                <a16:creationId xmlns:a16="http://schemas.microsoft.com/office/drawing/2014/main" xmlns="" id="{6C7E04F1-2E80-4DCB-8FFF-F82B3740DAEA}"/>
               </a:ext>
             </a:extLst>
           </p:cNvPr>
@@ -14517,7 +14520,7 @@
           <p:cNvPr id="16" name="Oval 15">
             <a:extLst>
               <a:ext uri="{FF2B5EF4-FFF2-40B4-BE49-F238E27FC236}">
-                <a16:creationId xmlns:a16="http://schemas.microsoft.com/office/drawing/2014/main" id="{229B6344-B2A0-40E0-9625-7DA25DF432A3}"/>
+                <a16:creationId xmlns:a16="http://schemas.microsoft.com/office/drawing/2014/main" xmlns="" id="{229B6344-B2A0-40E0-9625-7DA25DF432A3}"/>
               </a:ext>
             </a:extLst>
           </p:cNvPr>
@@ -14568,7 +14571,7 @@
           <p:cNvPr id="17" name="Oval 16">
             <a:extLst>
               <a:ext uri="{FF2B5EF4-FFF2-40B4-BE49-F238E27FC236}">
-                <a16:creationId xmlns:a16="http://schemas.microsoft.com/office/drawing/2014/main" id="{00B4BC29-62C2-4F1F-B65D-B69EA37A2279}"/>
+                <a16:creationId xmlns:a16="http://schemas.microsoft.com/office/drawing/2014/main" xmlns="" id="{00B4BC29-62C2-4F1F-B65D-B69EA37A2279}"/>
               </a:ext>
             </a:extLst>
           </p:cNvPr>
@@ -14619,7 +14622,7 @@
           <p:cNvPr id="18" name="Straight Connector 17">
             <a:extLst>
               <a:ext uri="{FF2B5EF4-FFF2-40B4-BE49-F238E27FC236}">
-                <a16:creationId xmlns:a16="http://schemas.microsoft.com/office/drawing/2014/main" id="{70DE1CC5-AAD7-447E-AF51-57871CF574C6}"/>
+                <a16:creationId xmlns:a16="http://schemas.microsoft.com/office/drawing/2014/main" xmlns="" id="{70DE1CC5-AAD7-447E-AF51-57871CF574C6}"/>
               </a:ext>
             </a:extLst>
           </p:cNvPr>
@@ -14658,7 +14661,7 @@
           <p:cNvPr id="26" name="Group 25">
             <a:extLst>
               <a:ext uri="{FF2B5EF4-FFF2-40B4-BE49-F238E27FC236}">
-                <a16:creationId xmlns:a16="http://schemas.microsoft.com/office/drawing/2014/main" id="{DBCB1ED6-4EA5-4DC4-BE04-30A32471DE6B}"/>
+                <a16:creationId xmlns:a16="http://schemas.microsoft.com/office/drawing/2014/main" xmlns="" id="{DBCB1ED6-4EA5-4DC4-BE04-30A32471DE6B}"/>
               </a:ext>
             </a:extLst>
           </p:cNvPr>
@@ -14678,7 +14681,7 @@
             <p:cNvPr id="19" name="Oval 18">
               <a:extLst>
                 <a:ext uri="{FF2B5EF4-FFF2-40B4-BE49-F238E27FC236}">
-                  <a16:creationId xmlns:a16="http://schemas.microsoft.com/office/drawing/2014/main" id="{92083C3B-1F1B-40CD-998B-71CEAC41DFCF}"/>
+                  <a16:creationId xmlns:a16="http://schemas.microsoft.com/office/drawing/2014/main" xmlns="" id="{92083C3B-1F1B-40CD-998B-71CEAC41DFCF}"/>
                 </a:ext>
               </a:extLst>
             </p:cNvPr>
@@ -14729,7 +14732,7 @@
             <p:cNvPr id="20" name="Oval 19">
               <a:extLst>
                 <a:ext uri="{FF2B5EF4-FFF2-40B4-BE49-F238E27FC236}">
-                  <a16:creationId xmlns:a16="http://schemas.microsoft.com/office/drawing/2014/main" id="{784DFE51-A6EA-4724-8FAB-1435940973C0}"/>
+                  <a16:creationId xmlns:a16="http://schemas.microsoft.com/office/drawing/2014/main" xmlns="" id="{784DFE51-A6EA-4724-8FAB-1435940973C0}"/>
                 </a:ext>
               </a:extLst>
             </p:cNvPr>
@@ -14780,7 +14783,7 @@
             <p:cNvPr id="21" name="Straight Connector 20">
               <a:extLst>
                 <a:ext uri="{FF2B5EF4-FFF2-40B4-BE49-F238E27FC236}">
-                  <a16:creationId xmlns:a16="http://schemas.microsoft.com/office/drawing/2014/main" id="{38AED743-14CC-4B5C-8AC8-3A3AEACB193B}"/>
+                  <a16:creationId xmlns:a16="http://schemas.microsoft.com/office/drawing/2014/main" xmlns="" id="{38AED743-14CC-4B5C-8AC8-3A3AEACB193B}"/>
                 </a:ext>
               </a:extLst>
             </p:cNvPr>
@@ -14821,7 +14824,7 @@
           <p:cNvPr id="27" name="Group 26">
             <a:extLst>
               <a:ext uri="{FF2B5EF4-FFF2-40B4-BE49-F238E27FC236}">
-                <a16:creationId xmlns:a16="http://schemas.microsoft.com/office/drawing/2014/main" id="{3F7FD7D9-C58C-41E4-A1EE-1FCB232094B6}"/>
+                <a16:creationId xmlns:a16="http://schemas.microsoft.com/office/drawing/2014/main" xmlns="" id="{3F7FD7D9-C58C-41E4-A1EE-1FCB232094B6}"/>
               </a:ext>
             </a:extLst>
           </p:cNvPr>
@@ -14841,7 +14844,7 @@
             <p:cNvPr id="28" name="Oval 27">
               <a:extLst>
                 <a:ext uri="{FF2B5EF4-FFF2-40B4-BE49-F238E27FC236}">
-                  <a16:creationId xmlns:a16="http://schemas.microsoft.com/office/drawing/2014/main" id="{7FD68A78-6624-4222-B3FC-BCF20A329101}"/>
+                  <a16:creationId xmlns:a16="http://schemas.microsoft.com/office/drawing/2014/main" xmlns="" id="{7FD68A78-6624-4222-B3FC-BCF20A329101}"/>
                 </a:ext>
               </a:extLst>
             </p:cNvPr>
@@ -14892,7 +14895,7 @@
             <p:cNvPr id="29" name="Oval 28">
               <a:extLst>
                 <a:ext uri="{FF2B5EF4-FFF2-40B4-BE49-F238E27FC236}">
-                  <a16:creationId xmlns:a16="http://schemas.microsoft.com/office/drawing/2014/main" id="{CC51B31C-4881-4E35-BB9F-AAD3B2BB8A7B}"/>
+                  <a16:creationId xmlns:a16="http://schemas.microsoft.com/office/drawing/2014/main" xmlns="" id="{CC51B31C-4881-4E35-BB9F-AAD3B2BB8A7B}"/>
                 </a:ext>
               </a:extLst>
             </p:cNvPr>
@@ -14943,7 +14946,7 @@
             <p:cNvPr id="30" name="Straight Connector 29">
               <a:extLst>
                 <a:ext uri="{FF2B5EF4-FFF2-40B4-BE49-F238E27FC236}">
-                  <a16:creationId xmlns:a16="http://schemas.microsoft.com/office/drawing/2014/main" id="{0F6025FF-CD92-4C68-8401-0486467B3072}"/>
+                  <a16:creationId xmlns:a16="http://schemas.microsoft.com/office/drawing/2014/main" xmlns="" id="{0F6025FF-CD92-4C68-8401-0486467B3072}"/>
                 </a:ext>
               </a:extLst>
             </p:cNvPr>
@@ -15014,7 +15017,7 @@
           <p:cNvPr id="8" name="Rectangle: Rounded Corners 7">
             <a:extLst>
               <a:ext uri="{FF2B5EF4-FFF2-40B4-BE49-F238E27FC236}">
-                <a16:creationId xmlns:a16="http://schemas.microsoft.com/office/drawing/2014/main" id="{B304AFB2-60BA-4E0D-B1C9-AE712F6EB3DD}"/>
+                <a16:creationId xmlns:a16="http://schemas.microsoft.com/office/drawing/2014/main" xmlns="" id="{B304AFB2-60BA-4E0D-B1C9-AE712F6EB3DD}"/>
               </a:ext>
             </a:extLst>
           </p:cNvPr>
@@ -15068,7 +15071,7 @@
           <p:cNvPr id="17" name="Rectangle: Rounded Corners 16">
             <a:extLst>
               <a:ext uri="{FF2B5EF4-FFF2-40B4-BE49-F238E27FC236}">
-                <a16:creationId xmlns:a16="http://schemas.microsoft.com/office/drawing/2014/main" id="{392A212E-9B63-46FC-9884-88D4763D42EB}"/>
+                <a16:creationId xmlns:a16="http://schemas.microsoft.com/office/drawing/2014/main" xmlns="" id="{392A212E-9B63-46FC-9884-88D4763D42EB}"/>
               </a:ext>
             </a:extLst>
           </p:cNvPr>
@@ -15122,7 +15125,7 @@
           <p:cNvPr id="5" name="Rectangle: Rounded Corners 4">
             <a:extLst>
               <a:ext uri="{FF2B5EF4-FFF2-40B4-BE49-F238E27FC236}">
-                <a16:creationId xmlns:a16="http://schemas.microsoft.com/office/drawing/2014/main" id="{85685186-CF23-43DD-BA60-8179CB6E3D96}"/>
+                <a16:creationId xmlns:a16="http://schemas.microsoft.com/office/drawing/2014/main" xmlns="" id="{85685186-CF23-43DD-BA60-8179CB6E3D96}"/>
               </a:ext>
             </a:extLst>
           </p:cNvPr>
@@ -15183,7 +15186,7 @@
           <p:cNvPr id="7" name="Straight Arrow Connector 6">
             <a:extLst>
               <a:ext uri="{FF2B5EF4-FFF2-40B4-BE49-F238E27FC236}">
-                <a16:creationId xmlns:a16="http://schemas.microsoft.com/office/drawing/2014/main" id="{84E89CB0-53F1-47DF-8456-7C960A098DB3}"/>
+                <a16:creationId xmlns:a16="http://schemas.microsoft.com/office/drawing/2014/main" xmlns="" id="{84E89CB0-53F1-47DF-8456-7C960A098DB3}"/>
               </a:ext>
             </a:extLst>
           </p:cNvPr>
@@ -15224,7 +15227,7 @@
           <p:cNvPr id="16" name="Straight Arrow Connector 15">
             <a:extLst>
               <a:ext uri="{FF2B5EF4-FFF2-40B4-BE49-F238E27FC236}">
-                <a16:creationId xmlns:a16="http://schemas.microsoft.com/office/drawing/2014/main" id="{85FC4942-B34C-4B5F-90EE-B4F60819EA1B}"/>
+                <a16:creationId xmlns:a16="http://schemas.microsoft.com/office/drawing/2014/main" xmlns="" id="{85FC4942-B34C-4B5F-90EE-B4F60819EA1B}"/>
               </a:ext>
             </a:extLst>
           </p:cNvPr>
@@ -15265,7 +15268,7 @@
           <p:cNvPr id="18" name="Rectangle: Rounded Corners 17">
             <a:extLst>
               <a:ext uri="{FF2B5EF4-FFF2-40B4-BE49-F238E27FC236}">
-                <a16:creationId xmlns:a16="http://schemas.microsoft.com/office/drawing/2014/main" id="{651447D9-0C99-4CE3-929E-B866B70FD89D}"/>
+                <a16:creationId xmlns:a16="http://schemas.microsoft.com/office/drawing/2014/main" xmlns="" id="{651447D9-0C99-4CE3-929E-B866B70FD89D}"/>
               </a:ext>
             </a:extLst>
           </p:cNvPr>
@@ -15319,7 +15322,7 @@
           <p:cNvPr id="29" name="Rectangle: Rounded Corners 28">
             <a:extLst>
               <a:ext uri="{FF2B5EF4-FFF2-40B4-BE49-F238E27FC236}">
-                <a16:creationId xmlns:a16="http://schemas.microsoft.com/office/drawing/2014/main" id="{035F283D-BC6C-4318-A026-FEC37EEAAD3F}"/>
+                <a16:creationId xmlns:a16="http://schemas.microsoft.com/office/drawing/2014/main" xmlns="" id="{035F283D-BC6C-4318-A026-FEC37EEAAD3F}"/>
               </a:ext>
             </a:extLst>
           </p:cNvPr>
@@ -15373,7 +15376,7 @@
           <p:cNvPr id="20" name="Picture 19">
             <a:extLst>
               <a:ext uri="{FF2B5EF4-FFF2-40B4-BE49-F238E27FC236}">
-                <a16:creationId xmlns:a16="http://schemas.microsoft.com/office/drawing/2014/main" id="{D7D8FED3-E637-4762-A3DE-ADDC79E27F86}"/>
+                <a16:creationId xmlns:a16="http://schemas.microsoft.com/office/drawing/2014/main" xmlns="" id="{D7D8FED3-E637-4762-A3DE-ADDC79E27F86}"/>
               </a:ext>
             </a:extLst>
           </p:cNvPr>
@@ -15412,7 +15415,7 @@
           <p:cNvPr id="24" name="Picture 23">
             <a:extLst>
               <a:ext uri="{FF2B5EF4-FFF2-40B4-BE49-F238E27FC236}">
-                <a16:creationId xmlns:a16="http://schemas.microsoft.com/office/drawing/2014/main" id="{D4500AEF-3D61-48B2-ABF2-9F6A1F903802}"/>
+                <a16:creationId xmlns:a16="http://schemas.microsoft.com/office/drawing/2014/main" xmlns="" id="{D4500AEF-3D61-48B2-ABF2-9F6A1F903802}"/>
               </a:ext>
             </a:extLst>
           </p:cNvPr>
@@ -15448,7 +15451,7 @@
           <p:cNvPr id="26" name="Straight Arrow Connector 25">
             <a:extLst>
               <a:ext uri="{FF2B5EF4-FFF2-40B4-BE49-F238E27FC236}">
-                <a16:creationId xmlns:a16="http://schemas.microsoft.com/office/drawing/2014/main" id="{32455E8B-21C1-49B3-9466-FAE9441C2501}"/>
+                <a16:creationId xmlns:a16="http://schemas.microsoft.com/office/drawing/2014/main" xmlns="" id="{32455E8B-21C1-49B3-9466-FAE9441C2501}"/>
               </a:ext>
             </a:extLst>
           </p:cNvPr>
@@ -15489,7 +15492,7 @@
           <p:cNvPr id="30" name="Rectangle: Rounded Corners 29">
             <a:extLst>
               <a:ext uri="{FF2B5EF4-FFF2-40B4-BE49-F238E27FC236}">
-                <a16:creationId xmlns:a16="http://schemas.microsoft.com/office/drawing/2014/main" id="{94B89276-CDE2-41B8-8809-D63CA05E6560}"/>
+                <a16:creationId xmlns:a16="http://schemas.microsoft.com/office/drawing/2014/main" xmlns="" id="{94B89276-CDE2-41B8-8809-D63CA05E6560}"/>
               </a:ext>
             </a:extLst>
           </p:cNvPr>
@@ -15543,7 +15546,7 @@
           <p:cNvPr id="36" name="Picture 35">
             <a:extLst>
               <a:ext uri="{FF2B5EF4-FFF2-40B4-BE49-F238E27FC236}">
-                <a16:creationId xmlns:a16="http://schemas.microsoft.com/office/drawing/2014/main" id="{FBE1242C-1971-466F-8150-0F98A68EBEC3}"/>
+                <a16:creationId xmlns:a16="http://schemas.microsoft.com/office/drawing/2014/main" xmlns="" id="{FBE1242C-1971-466F-8150-0F98A68EBEC3}"/>
               </a:ext>
             </a:extLst>
           </p:cNvPr>
@@ -15579,7 +15582,7 @@
           <p:cNvPr id="1026" name="Picture 2" descr="drl.png">
             <a:extLst>
               <a:ext uri="{FF2B5EF4-FFF2-40B4-BE49-F238E27FC236}">
-                <a16:creationId xmlns:a16="http://schemas.microsoft.com/office/drawing/2014/main" id="{DAD2A131-9B1F-4EE6-AEB7-648C92A3DB01}"/>
+                <a16:creationId xmlns:a16="http://schemas.microsoft.com/office/drawing/2014/main" xmlns="" id="{DAD2A131-9B1F-4EE6-AEB7-648C92A3DB01}"/>
               </a:ext>
             </a:extLst>
           </p:cNvPr>
@@ -15626,7 +15629,7 @@
           <p:cNvPr id="46" name="Graphic 45" descr="User">
             <a:extLst>
               <a:ext uri="{FF2B5EF4-FFF2-40B4-BE49-F238E27FC236}">
-                <a16:creationId xmlns:a16="http://schemas.microsoft.com/office/drawing/2014/main" id="{99ED5493-5C2F-4962-94D8-4AA8EAFCB281}"/>
+                <a16:creationId xmlns:a16="http://schemas.microsoft.com/office/drawing/2014/main" xmlns="" id="{99ED5493-5C2F-4962-94D8-4AA8EAFCB281}"/>
               </a:ext>
             </a:extLst>
           </p:cNvPr>
@@ -15642,7 +15645,7 @@
                 <a14:useLocalDpi xmlns:a14="http://schemas.microsoft.com/office/drawing/2010/main" val="0"/>
               </a:ext>
               <a:ext uri="{96DAC541-7B7A-43D3-8B79-37D633B846F1}">
-                <asvg:svgBlip xmlns:asvg="http://schemas.microsoft.com/office/drawing/2016/SVG/main" r:embed="rId7"/>
+                <asvg:svgBlip xmlns:asvg="http://schemas.microsoft.com/office/drawing/2016/SVG/main" xmlns="" r:embed="rId7"/>
               </a:ext>
             </a:extLst>
           </a:blip>
@@ -15665,7 +15668,7 @@
           <p:cNvPr id="48" name="Rectangle: Rounded Corners 47">
             <a:extLst>
               <a:ext uri="{FF2B5EF4-FFF2-40B4-BE49-F238E27FC236}">
-                <a16:creationId xmlns:a16="http://schemas.microsoft.com/office/drawing/2014/main" id="{C8B6EFD3-B617-46F5-A1AF-10E68C1FE390}"/>
+                <a16:creationId xmlns:a16="http://schemas.microsoft.com/office/drawing/2014/main" xmlns="" id="{C8B6EFD3-B617-46F5-A1AF-10E68C1FE390}"/>
               </a:ext>
             </a:extLst>
           </p:cNvPr>
@@ -15719,7 +15722,7 @@
           <p:cNvPr id="49" name="Straight Arrow Connector 48">
             <a:extLst>
               <a:ext uri="{FF2B5EF4-FFF2-40B4-BE49-F238E27FC236}">
-                <a16:creationId xmlns:a16="http://schemas.microsoft.com/office/drawing/2014/main" id="{0C1F7EA4-3C03-44B5-9F73-17E73B616260}"/>
+                <a16:creationId xmlns:a16="http://schemas.microsoft.com/office/drawing/2014/main" xmlns="" id="{0C1F7EA4-3C03-44B5-9F73-17E73B616260}"/>
               </a:ext>
             </a:extLst>
           </p:cNvPr>
@@ -15765,7 +15768,7 @@
           <p:cNvPr id="52" name="Straight Arrow Connector 51">
             <a:extLst>
               <a:ext uri="{FF2B5EF4-FFF2-40B4-BE49-F238E27FC236}">
-                <a16:creationId xmlns:a16="http://schemas.microsoft.com/office/drawing/2014/main" id="{F38D8D98-4192-4511-A113-55F1A6C6A21D}"/>
+                <a16:creationId xmlns:a16="http://schemas.microsoft.com/office/drawing/2014/main" xmlns="" id="{F38D8D98-4192-4511-A113-55F1A6C6A21D}"/>
               </a:ext>
             </a:extLst>
           </p:cNvPr>
@@ -15806,7 +15809,7 @@
           <p:cNvPr id="56" name="Rectangle: Rounded Corners 55">
             <a:extLst>
               <a:ext uri="{FF2B5EF4-FFF2-40B4-BE49-F238E27FC236}">
-                <a16:creationId xmlns:a16="http://schemas.microsoft.com/office/drawing/2014/main" id="{112DB57A-2E65-4C11-A9EE-FEA2BEB8AE55}"/>
+                <a16:creationId xmlns:a16="http://schemas.microsoft.com/office/drawing/2014/main" xmlns="" id="{112DB57A-2E65-4C11-A9EE-FEA2BEB8AE55}"/>
               </a:ext>
             </a:extLst>
           </p:cNvPr>
@@ -15864,7 +15867,7 @@
           <p:cNvPr id="57" name="Straight Arrow Connector 56">
             <a:extLst>
               <a:ext uri="{FF2B5EF4-FFF2-40B4-BE49-F238E27FC236}">
-                <a16:creationId xmlns:a16="http://schemas.microsoft.com/office/drawing/2014/main" id="{D364D252-9F9E-45B8-BE33-E44DA2E0ABAB}"/>
+                <a16:creationId xmlns:a16="http://schemas.microsoft.com/office/drawing/2014/main" xmlns="" id="{D364D252-9F9E-45B8-BE33-E44DA2E0ABAB}"/>
               </a:ext>
             </a:extLst>
           </p:cNvPr>
@@ -15910,7 +15913,7 @@
           <p:cNvPr id="60" name="Straight Arrow Connector 59">
             <a:extLst>
               <a:ext uri="{FF2B5EF4-FFF2-40B4-BE49-F238E27FC236}">
-                <a16:creationId xmlns:a16="http://schemas.microsoft.com/office/drawing/2014/main" id="{ED394B79-118A-4C0A-A769-C8825D54793C}"/>
+                <a16:creationId xmlns:a16="http://schemas.microsoft.com/office/drawing/2014/main" xmlns="" id="{ED394B79-118A-4C0A-A769-C8825D54793C}"/>
               </a:ext>
             </a:extLst>
           </p:cNvPr>
@@ -15951,7 +15954,7 @@
           <p:cNvPr id="13" name="Picture 12">
             <a:extLst>
               <a:ext uri="{FF2B5EF4-FFF2-40B4-BE49-F238E27FC236}">
-                <a16:creationId xmlns:a16="http://schemas.microsoft.com/office/drawing/2014/main" id="{E7F6AA3F-ABC3-44C4-AEA6-F5A243ECAD14}"/>
+                <a16:creationId xmlns:a16="http://schemas.microsoft.com/office/drawing/2014/main" xmlns="" id="{E7F6AA3F-ABC3-44C4-AEA6-F5A243ECAD14}"/>
               </a:ext>
             </a:extLst>
           </p:cNvPr>
@@ -16000,7 +16003,7 @@
           <p:cNvPr id="3" name="Picture 2">
             <a:extLst>
               <a:ext uri="{FF2B5EF4-FFF2-40B4-BE49-F238E27FC236}">
-                <a16:creationId xmlns:a16="http://schemas.microsoft.com/office/drawing/2014/main" id="{934984F2-9946-4302-9D49-8D61B5221C9B}"/>
+                <a16:creationId xmlns:a16="http://schemas.microsoft.com/office/drawing/2014/main" xmlns="" id="{934984F2-9946-4302-9D49-8D61B5221C9B}"/>
               </a:ext>
             </a:extLst>
           </p:cNvPr>
@@ -16036,7 +16039,7 @@
           <p:cNvPr id="84" name="Straight Arrow Connector 83">
             <a:extLst>
               <a:ext uri="{FF2B5EF4-FFF2-40B4-BE49-F238E27FC236}">
-                <a16:creationId xmlns:a16="http://schemas.microsoft.com/office/drawing/2014/main" id="{880E4A8B-E082-423E-9AAD-076E3391580D}"/>
+                <a16:creationId xmlns:a16="http://schemas.microsoft.com/office/drawing/2014/main" xmlns="" id="{880E4A8B-E082-423E-9AAD-076E3391580D}"/>
               </a:ext>
             </a:extLst>
           </p:cNvPr>
@@ -16077,7 +16080,7 @@
           <p:cNvPr id="89" name="Straight Arrow Connector 88">
             <a:extLst>
               <a:ext uri="{FF2B5EF4-FFF2-40B4-BE49-F238E27FC236}">
-                <a16:creationId xmlns:a16="http://schemas.microsoft.com/office/drawing/2014/main" id="{0DEEF98B-0AA2-4442-97EE-9699B04EB8FD}"/>
+                <a16:creationId xmlns:a16="http://schemas.microsoft.com/office/drawing/2014/main" xmlns="" id="{0DEEF98B-0AA2-4442-97EE-9699B04EB8FD}"/>
               </a:ext>
             </a:extLst>
           </p:cNvPr>
@@ -16123,7 +16126,7 @@
           <p:cNvPr id="93" name="Straight Arrow Connector 92">
             <a:extLst>
               <a:ext uri="{FF2B5EF4-FFF2-40B4-BE49-F238E27FC236}">
-                <a16:creationId xmlns:a16="http://schemas.microsoft.com/office/drawing/2014/main" id="{70F128CD-95A1-4146-9287-9E4E0230A95D}"/>
+                <a16:creationId xmlns:a16="http://schemas.microsoft.com/office/drawing/2014/main" xmlns="" id="{70F128CD-95A1-4146-9287-9E4E0230A95D}"/>
               </a:ext>
             </a:extLst>
           </p:cNvPr>
@@ -16169,7 +16172,7 @@
           <p:cNvPr id="96" name="Straight Arrow Connector 95">
             <a:extLst>
               <a:ext uri="{FF2B5EF4-FFF2-40B4-BE49-F238E27FC236}">
-                <a16:creationId xmlns:a16="http://schemas.microsoft.com/office/drawing/2014/main" id="{28530DD2-64A5-4F3B-B204-C66FC95845E9}"/>
+                <a16:creationId xmlns:a16="http://schemas.microsoft.com/office/drawing/2014/main" xmlns="" id="{28530DD2-64A5-4F3B-B204-C66FC95845E9}"/>
               </a:ext>
             </a:extLst>
           </p:cNvPr>
@@ -16215,7 +16218,7 @@
           <p:cNvPr id="104" name="Straight Arrow Connector 103">
             <a:extLst>
               <a:ext uri="{FF2B5EF4-FFF2-40B4-BE49-F238E27FC236}">
-                <a16:creationId xmlns:a16="http://schemas.microsoft.com/office/drawing/2014/main" id="{CCDDEDA8-768B-4C90-91A1-B73E5DC76B87}"/>
+                <a16:creationId xmlns:a16="http://schemas.microsoft.com/office/drawing/2014/main" xmlns="" id="{CCDDEDA8-768B-4C90-91A1-B73E5DC76B87}"/>
               </a:ext>
             </a:extLst>
           </p:cNvPr>
@@ -16257,6 +16260,1988 @@
     <p:extLst>
       <p:ext uri="{BB962C8B-B14F-4D97-AF65-F5344CB8AC3E}">
         <p14:creationId xmlns:p14="http://schemas.microsoft.com/office/powerpoint/2010/main" val="2898107555"/>
+      </p:ext>
+    </p:extLst>
+  </p:cSld>
+  <p:clrMapOvr>
+    <a:masterClrMapping/>
+  </p:clrMapOvr>
+</p:sld>
+</file>
+
+<file path=ppt/slides/slide15.xml><?xml version="1.0" encoding="utf-8"?>
+<p:sld xmlns:a="http://schemas.openxmlformats.org/drawingml/2006/main" xmlns:r="http://schemas.openxmlformats.org/officeDocument/2006/relationships" xmlns:p="http://schemas.openxmlformats.org/presentationml/2006/main">
+  <p:cSld>
+    <p:spTree>
+      <p:nvGrpSpPr>
+        <p:cNvPr id="1" name=""/>
+        <p:cNvGrpSpPr/>
+        <p:nvPr/>
+      </p:nvGrpSpPr>
+      <p:grpSpPr>
+        <a:xfrm>
+          <a:off x="0" y="0"/>
+          <a:ext cx="0" cy="0"/>
+          <a:chOff x="0" y="0"/>
+          <a:chExt cx="0" cy="0"/>
+        </a:xfrm>
+      </p:grpSpPr>
+      <p:sp>
+        <p:nvSpPr>
+          <p:cNvPr id="2" name="Rectangle: Rounded Corners 7">
+            <a:extLst>
+              <a:ext uri="{FF2B5EF4-FFF2-40B4-BE49-F238E27FC236}">
+                <a16:creationId xmlns:a16="http://schemas.microsoft.com/office/drawing/2014/main" xmlns="" id="{B304AFB2-60BA-4E0D-B1C9-AE712F6EB3DD}"/>
+              </a:ext>
+            </a:extLst>
+          </p:cNvPr>
+          <p:cNvSpPr/>
+          <p:nvPr/>
+        </p:nvSpPr>
+        <p:spPr>
+          <a:xfrm>
+            <a:off x="3136837" y="1916915"/>
+            <a:ext cx="1826301" cy="2061463"/>
+          </a:xfrm>
+          <a:prstGeom prst="roundRect">
+            <a:avLst/>
+          </a:prstGeom>
+          <a:solidFill>
+            <a:srgbClr val="4472C4">
+              <a:alpha val="69804"/>
+            </a:srgbClr>
+          </a:solidFill>
+        </p:spPr>
+        <p:style>
+          <a:lnRef idx="2">
+            <a:schemeClr val="accent1">
+              <a:shade val="50000"/>
+            </a:schemeClr>
+          </a:lnRef>
+          <a:fillRef idx="1">
+            <a:schemeClr val="accent1"/>
+          </a:fillRef>
+          <a:effectRef idx="0">
+            <a:schemeClr val="accent1"/>
+          </a:effectRef>
+          <a:fontRef idx="minor">
+            <a:schemeClr val="lt1"/>
+          </a:fontRef>
+        </p:style>
+        <p:txBody>
+          <a:bodyPr rtlCol="0" anchor="t"/>
+          <a:lstStyle/>
+          <a:p>
+            <a:pPr algn="ctr"/>
+            <a:r>
+              <a:rPr lang="en-US" sz="1600" dirty="0"/>
+              <a:t>Process data</a:t>
+            </a:r>
+          </a:p>
+        </p:txBody>
+      </p:sp>
+      <p:sp>
+        <p:nvSpPr>
+          <p:cNvPr id="3" name="Rectangle: Rounded Corners 4">
+            <a:extLst>
+              <a:ext uri="{FF2B5EF4-FFF2-40B4-BE49-F238E27FC236}">
+                <a16:creationId xmlns:a16="http://schemas.microsoft.com/office/drawing/2014/main" xmlns="" id="{85685186-CF23-43DD-BA60-8179CB6E3D96}"/>
+              </a:ext>
+            </a:extLst>
+          </p:cNvPr>
+          <p:cNvSpPr/>
+          <p:nvPr/>
+        </p:nvSpPr>
+        <p:spPr>
+          <a:xfrm>
+            <a:off x="747375" y="1919383"/>
+            <a:ext cx="1873924" cy="2058991"/>
+          </a:xfrm>
+          <a:prstGeom prst="roundRect">
+            <a:avLst/>
+          </a:prstGeom>
+          <a:solidFill>
+            <a:srgbClr val="4472C4">
+              <a:alpha val="69804"/>
+            </a:srgbClr>
+          </a:solidFill>
+          <a:ln>
+            <a:solidFill>
+              <a:srgbClr val="2F528F">
+                <a:alpha val="50196"/>
+              </a:srgbClr>
+            </a:solidFill>
+          </a:ln>
+        </p:spPr>
+        <p:style>
+          <a:lnRef idx="2">
+            <a:schemeClr val="accent1">
+              <a:shade val="50000"/>
+            </a:schemeClr>
+          </a:lnRef>
+          <a:fillRef idx="1">
+            <a:schemeClr val="accent1"/>
+          </a:fillRef>
+          <a:effectRef idx="0">
+            <a:schemeClr val="accent1"/>
+          </a:effectRef>
+          <a:fontRef idx="minor">
+            <a:schemeClr val="lt1"/>
+          </a:fontRef>
+        </p:style>
+        <p:txBody>
+          <a:bodyPr rtlCol="0" anchor="t"/>
+          <a:lstStyle/>
+          <a:p>
+            <a:pPr algn="ctr"/>
+            <a:r>
+              <a:rPr lang="en-US" dirty="0"/>
+              <a:t>Capture</a:t>
+            </a:r>
+          </a:p>
+        </p:txBody>
+      </p:sp>
+      <p:cxnSp>
+        <p:nvCxnSpPr>
+          <p:cNvPr id="4" name="Straight Arrow Connector 3">
+            <a:extLst>
+              <a:ext uri="{FF2B5EF4-FFF2-40B4-BE49-F238E27FC236}">
+                <a16:creationId xmlns:a16="http://schemas.microsoft.com/office/drawing/2014/main" xmlns="" id="{84E89CB0-53F1-47DF-8456-7C960A098DB3}"/>
+              </a:ext>
+            </a:extLst>
+          </p:cNvPr>
+          <p:cNvCxnSpPr>
+            <a:cxnSpLocks/>
+          </p:cNvCxnSpPr>
+          <p:nvPr/>
+        </p:nvCxnSpPr>
+        <p:spPr>
+          <a:xfrm flipV="1">
+            <a:off x="2697418" y="2950229"/>
+            <a:ext cx="388159" cy="1"/>
+          </a:xfrm>
+          <a:prstGeom prst="straightConnector1">
+            <a:avLst/>
+          </a:prstGeom>
+          <a:ln w="12700">
+            <a:tailEnd type="triangle"/>
+          </a:ln>
+        </p:spPr>
+        <p:style>
+          <a:lnRef idx="1">
+            <a:schemeClr val="accent1"/>
+          </a:lnRef>
+          <a:fillRef idx="0">
+            <a:schemeClr val="accent1"/>
+          </a:fillRef>
+          <a:effectRef idx="0">
+            <a:schemeClr val="accent1"/>
+          </a:effectRef>
+          <a:fontRef idx="minor">
+            <a:schemeClr val="tx1"/>
+          </a:fontRef>
+        </p:style>
+      </p:cxnSp>
+      <p:cxnSp>
+        <p:nvCxnSpPr>
+          <p:cNvPr id="5" name="Straight Arrow Connector 4">
+            <a:extLst>
+              <a:ext uri="{FF2B5EF4-FFF2-40B4-BE49-F238E27FC236}">
+                <a16:creationId xmlns:a16="http://schemas.microsoft.com/office/drawing/2014/main" xmlns="" id="{85FC4942-B34C-4B5F-90EE-B4F60819EA1B}"/>
+              </a:ext>
+            </a:extLst>
+          </p:cNvPr>
+          <p:cNvCxnSpPr>
+            <a:cxnSpLocks/>
+          </p:cNvCxnSpPr>
+          <p:nvPr/>
+        </p:nvCxnSpPr>
+        <p:spPr>
+          <a:xfrm flipV="1">
+            <a:off x="5003528" y="2947646"/>
+            <a:ext cx="388238" cy="2"/>
+          </a:xfrm>
+          <a:prstGeom prst="straightConnector1">
+            <a:avLst/>
+          </a:prstGeom>
+          <a:ln w="12700">
+            <a:tailEnd type="triangle"/>
+          </a:ln>
+        </p:spPr>
+        <p:style>
+          <a:lnRef idx="1">
+            <a:schemeClr val="accent1"/>
+          </a:lnRef>
+          <a:fillRef idx="0">
+            <a:schemeClr val="accent1"/>
+          </a:fillRef>
+          <a:effectRef idx="0">
+            <a:schemeClr val="accent1"/>
+          </a:effectRef>
+          <a:fontRef idx="minor">
+            <a:schemeClr val="tx1"/>
+          </a:fontRef>
+        </p:style>
+      </p:cxnSp>
+      <p:pic>
+        <p:nvPicPr>
+          <p:cNvPr id="6" name="Picture 5">
+            <a:extLst>
+              <a:ext uri="{FF2B5EF4-FFF2-40B4-BE49-F238E27FC236}">
+                <a16:creationId xmlns:a16="http://schemas.microsoft.com/office/drawing/2014/main" xmlns="" id="{E7F6AA3F-ABC3-44C4-AEA6-F5A243ECAD14}"/>
+              </a:ext>
+            </a:extLst>
+          </p:cNvPr>
+          <p:cNvPicPr>
+            <a:picLocks noChangeAspect="1"/>
+          </p:cNvPicPr>
+          <p:nvPr/>
+        </p:nvPicPr>
+        <p:blipFill>
+          <a:blip r:embed="rId2">
+            <a:extLst>
+              <a:ext uri="{28A0092B-C50C-407E-A947-70E740481C1C}">
+                <a14:useLocalDpi xmlns:a14="http://schemas.microsoft.com/office/drawing/2010/main" val="0"/>
+              </a:ext>
+            </a:extLst>
+          </a:blip>
+          <a:stretch>
+            <a:fillRect/>
+          </a:stretch>
+        </p:blipFill>
+        <p:spPr>
+          <a:xfrm>
+            <a:off x="3286326" y="2402990"/>
+            <a:ext cx="1521744" cy="1476605"/>
+          </a:xfrm>
+          <a:prstGeom prst="roundRect">
+            <a:avLst>
+              <a:gd name="adj" fmla="val 8594"/>
+            </a:avLst>
+          </a:prstGeom>
+          <a:solidFill>
+            <a:srgbClr val="FFFFFF">
+              <a:shade val="85000"/>
+            </a:srgbClr>
+          </a:solidFill>
+          <a:ln>
+            <a:noFill/>
+          </a:ln>
+          <a:effectLst>
+            <a:reflection blurRad="12700" stA="38000" endPos="28000" dist="5000" dir="5400000" sy="-100000" algn="bl" rotWithShape="0"/>
+          </a:effectLst>
+        </p:spPr>
+      </p:pic>
+      <p:pic>
+        <p:nvPicPr>
+          <p:cNvPr id="7" name="Picture 6">
+            <a:extLst>
+              <a:ext uri="{FF2B5EF4-FFF2-40B4-BE49-F238E27FC236}">
+                <a16:creationId xmlns:a16="http://schemas.microsoft.com/office/drawing/2014/main" xmlns="" id="{934984F2-9946-4302-9D49-8D61B5221C9B}"/>
+              </a:ext>
+            </a:extLst>
+          </p:cNvPr>
+          <p:cNvPicPr>
+            <a:picLocks noChangeAspect="1"/>
+          </p:cNvPicPr>
+          <p:nvPr/>
+        </p:nvPicPr>
+        <p:blipFill>
+          <a:blip r:embed="rId3">
+            <a:extLst>
+              <a:ext uri="{28A0092B-C50C-407E-A947-70E740481C1C}">
+                <a14:useLocalDpi xmlns:a14="http://schemas.microsoft.com/office/drawing/2010/main" val="0"/>
+              </a:ext>
+            </a:extLst>
+          </a:blip>
+          <a:stretch>
+            <a:fillRect/>
+          </a:stretch>
+        </p:blipFill>
+        <p:spPr>
+          <a:xfrm>
+            <a:off x="839192" y="2735658"/>
+            <a:ext cx="1695197" cy="1024220"/>
+          </a:xfrm>
+          <a:prstGeom prst="rect">
+            <a:avLst/>
+          </a:prstGeom>
+        </p:spPr>
+      </p:pic>
+      <p:sp>
+        <p:nvSpPr>
+          <p:cNvPr id="8" name="Rectangle: Rounded Corners 7">
+            <a:extLst>
+              <a:ext uri="{FF2B5EF4-FFF2-40B4-BE49-F238E27FC236}">
+                <a16:creationId xmlns:a16="http://schemas.microsoft.com/office/drawing/2014/main" xmlns="" id="{B304AFB2-60BA-4E0D-B1C9-AE712F6EB3DD}"/>
+              </a:ext>
+            </a:extLst>
+          </p:cNvPr>
+          <p:cNvSpPr/>
+          <p:nvPr/>
+        </p:nvSpPr>
+        <p:spPr>
+          <a:xfrm>
+            <a:off x="5478676" y="1907386"/>
+            <a:ext cx="1826301" cy="2061463"/>
+          </a:xfrm>
+          <a:prstGeom prst="roundRect">
+            <a:avLst/>
+          </a:prstGeom>
+          <a:solidFill>
+            <a:srgbClr val="4472C4">
+              <a:alpha val="69804"/>
+            </a:srgbClr>
+          </a:solidFill>
+        </p:spPr>
+        <p:style>
+          <a:lnRef idx="2">
+            <a:schemeClr val="accent1">
+              <a:shade val="50000"/>
+            </a:schemeClr>
+          </a:lnRef>
+          <a:fillRef idx="1">
+            <a:schemeClr val="accent1"/>
+          </a:fillRef>
+          <a:effectRef idx="0">
+            <a:schemeClr val="accent1"/>
+          </a:effectRef>
+          <a:fontRef idx="minor">
+            <a:schemeClr val="lt1"/>
+          </a:fontRef>
+        </p:style>
+        <p:txBody>
+          <a:bodyPr rtlCol="0" anchor="t"/>
+          <a:lstStyle/>
+          <a:p>
+            <a:pPr algn="ctr"/>
+            <a:r>
+              <a:rPr lang="en-US" sz="1600" dirty="0" smtClean="0"/>
+              <a:t>ML algorithms</a:t>
+            </a:r>
+            <a:endParaRPr lang="en-US" sz="1600" dirty="0"/>
+          </a:p>
+        </p:txBody>
+      </p:sp>
+      <p:cxnSp>
+        <p:nvCxnSpPr>
+          <p:cNvPr id="10" name="Straight Arrow Connector 9">
+            <a:extLst>
+              <a:ext uri="{FF2B5EF4-FFF2-40B4-BE49-F238E27FC236}">
+                <a16:creationId xmlns:a16="http://schemas.microsoft.com/office/drawing/2014/main" xmlns="" id="{85FC4942-B34C-4B5F-90EE-B4F60819EA1B}"/>
+              </a:ext>
+            </a:extLst>
+          </p:cNvPr>
+          <p:cNvCxnSpPr>
+            <a:cxnSpLocks/>
+          </p:cNvCxnSpPr>
+          <p:nvPr/>
+        </p:nvCxnSpPr>
+        <p:spPr>
+          <a:xfrm flipV="1">
+            <a:off x="7304977" y="2972650"/>
+            <a:ext cx="388238" cy="2"/>
+          </a:xfrm>
+          <a:prstGeom prst="straightConnector1">
+            <a:avLst/>
+          </a:prstGeom>
+          <a:ln w="12700">
+            <a:tailEnd type="triangle"/>
+          </a:ln>
+        </p:spPr>
+        <p:style>
+          <a:lnRef idx="1">
+            <a:schemeClr val="accent1"/>
+          </a:lnRef>
+          <a:fillRef idx="0">
+            <a:schemeClr val="accent1"/>
+          </a:fillRef>
+          <a:effectRef idx="0">
+            <a:schemeClr val="accent1"/>
+          </a:effectRef>
+          <a:fontRef idx="minor">
+            <a:schemeClr val="tx1"/>
+          </a:fontRef>
+        </p:style>
+      </p:cxnSp>
+      <p:sp>
+        <p:nvSpPr>
+          <p:cNvPr id="11" name="Rectangle: Rounded Corners 7">
+            <a:extLst>
+              <a:ext uri="{FF2B5EF4-FFF2-40B4-BE49-F238E27FC236}">
+                <a16:creationId xmlns:a16="http://schemas.microsoft.com/office/drawing/2014/main" xmlns="" id="{B304AFB2-60BA-4E0D-B1C9-AE712F6EB3DD}"/>
+              </a:ext>
+            </a:extLst>
+          </p:cNvPr>
+          <p:cNvSpPr/>
+          <p:nvPr/>
+        </p:nvSpPr>
+        <p:spPr>
+          <a:xfrm>
+            <a:off x="7820515" y="1907385"/>
+            <a:ext cx="1826301" cy="2061463"/>
+          </a:xfrm>
+          <a:prstGeom prst="roundRect">
+            <a:avLst/>
+          </a:prstGeom>
+          <a:solidFill>
+            <a:srgbClr val="4472C4">
+              <a:alpha val="69804"/>
+            </a:srgbClr>
+          </a:solidFill>
+        </p:spPr>
+        <p:style>
+          <a:lnRef idx="2">
+            <a:schemeClr val="accent1">
+              <a:shade val="50000"/>
+            </a:schemeClr>
+          </a:lnRef>
+          <a:fillRef idx="1">
+            <a:schemeClr val="accent1"/>
+          </a:fillRef>
+          <a:effectRef idx="0">
+            <a:schemeClr val="accent1"/>
+          </a:effectRef>
+          <a:fontRef idx="minor">
+            <a:schemeClr val="lt1"/>
+          </a:fontRef>
+        </p:style>
+        <p:txBody>
+          <a:bodyPr rtlCol="0" anchor="t"/>
+          <a:lstStyle/>
+          <a:p>
+            <a:pPr algn="ctr"/>
+            <a:r>
+              <a:rPr lang="en-US" sz="1600" dirty="0" smtClean="0"/>
+              <a:t>Visualization,</a:t>
+            </a:r>
+          </a:p>
+          <a:p>
+            <a:pPr algn="ctr"/>
+            <a:r>
+              <a:rPr lang="en-US" sz="1600" dirty="0" smtClean="0"/>
+              <a:t>Interaction and</a:t>
+            </a:r>
+          </a:p>
+          <a:p>
+            <a:pPr algn="ctr"/>
+            <a:r>
+              <a:rPr lang="en-US" sz="1600" dirty="0" smtClean="0"/>
+              <a:t>Evaluation</a:t>
+            </a:r>
+            <a:endParaRPr lang="en-US" sz="1600" dirty="0"/>
+          </a:p>
+        </p:txBody>
+      </p:sp>
+    </p:spTree>
+    <p:extLst>
+      <p:ext uri="{BB962C8B-B14F-4D97-AF65-F5344CB8AC3E}">
+        <p14:creationId xmlns:p14="http://schemas.microsoft.com/office/powerpoint/2010/main" val="468868992"/>
+      </p:ext>
+    </p:extLst>
+  </p:cSld>
+  <p:clrMapOvr>
+    <a:masterClrMapping/>
+  </p:clrMapOvr>
+</p:sld>
+</file>
+
+<file path=ppt/slides/slide16.xml><?xml version="1.0" encoding="utf-8"?>
+<p:sld xmlns:a="http://schemas.openxmlformats.org/drawingml/2006/main" xmlns:r="http://schemas.openxmlformats.org/officeDocument/2006/relationships" xmlns:p="http://schemas.openxmlformats.org/presentationml/2006/main">
+  <p:cSld>
+    <p:bg>
+      <p:bgPr>
+        <a:solidFill>
+          <a:schemeClr val="bg1">
+            <a:alpha val="22000"/>
+          </a:schemeClr>
+        </a:solidFill>
+        <a:effectLst/>
+      </p:bgPr>
+    </p:bg>
+    <p:spTree>
+      <p:nvGrpSpPr>
+        <p:cNvPr id="1" name=""/>
+        <p:cNvGrpSpPr/>
+        <p:nvPr/>
+      </p:nvGrpSpPr>
+      <p:grpSpPr>
+        <a:xfrm>
+          <a:off x="0" y="0"/>
+          <a:ext cx="0" cy="0"/>
+          <a:chOff x="0" y="0"/>
+          <a:chExt cx="0" cy="0"/>
+        </a:xfrm>
+      </p:grpSpPr>
+      <p:sp>
+        <p:nvSpPr>
+          <p:cNvPr id="2" name="Rectangle: Rounded Corners 7">
+            <a:extLst>
+              <a:ext uri="{FF2B5EF4-FFF2-40B4-BE49-F238E27FC236}">
+                <a16:creationId xmlns:a16="http://schemas.microsoft.com/office/drawing/2014/main" xmlns="" id="{B304AFB2-60BA-4E0D-B1C9-AE712F6EB3DD}"/>
+              </a:ext>
+            </a:extLst>
+          </p:cNvPr>
+          <p:cNvSpPr/>
+          <p:nvPr/>
+        </p:nvSpPr>
+        <p:spPr>
+          <a:xfrm>
+            <a:off x="2456296" y="2036435"/>
+            <a:ext cx="5663822" cy="2118611"/>
+          </a:xfrm>
+          <a:prstGeom prst="roundRect">
+            <a:avLst/>
+          </a:prstGeom>
+          <a:solidFill>
+            <a:srgbClr val="4472C4">
+              <a:alpha val="70000"/>
+            </a:srgbClr>
+          </a:solidFill>
+        </p:spPr>
+        <p:style>
+          <a:lnRef idx="2">
+            <a:schemeClr val="accent1">
+              <a:shade val="50000"/>
+            </a:schemeClr>
+          </a:lnRef>
+          <a:fillRef idx="1">
+            <a:schemeClr val="accent1"/>
+          </a:fillRef>
+          <a:effectRef idx="0">
+            <a:schemeClr val="accent1"/>
+          </a:effectRef>
+          <a:fontRef idx="minor">
+            <a:schemeClr val="lt1"/>
+          </a:fontRef>
+        </p:style>
+        <p:txBody>
+          <a:bodyPr rtlCol="0" anchor="t"/>
+          <a:lstStyle/>
+          <a:p>
+            <a:pPr algn="ctr"/>
+            <a:r>
+              <a:rPr lang="en-US" sz="1600" dirty="0" smtClean="0">
+                <a:solidFill>
+                  <a:schemeClr val="bg1"/>
+                </a:solidFill>
+              </a:rPr>
+              <a:t>ML algorithms</a:t>
+            </a:r>
+            <a:endParaRPr lang="en-US" sz="1600" dirty="0">
+              <a:solidFill>
+                <a:schemeClr val="bg1"/>
+              </a:solidFill>
+            </a:endParaRPr>
+          </a:p>
+        </p:txBody>
+      </p:sp>
+      <p:sp>
+        <p:nvSpPr>
+          <p:cNvPr id="3" name="Rectangle: Rounded Corners 16">
+            <a:extLst>
+              <a:ext uri="{FF2B5EF4-FFF2-40B4-BE49-F238E27FC236}">
+                <a16:creationId xmlns:a16="http://schemas.microsoft.com/office/drawing/2014/main" xmlns="" id="{392A212E-9B63-46FC-9884-88D4763D42EB}"/>
+              </a:ext>
+            </a:extLst>
+          </p:cNvPr>
+          <p:cNvSpPr/>
+          <p:nvPr/>
+        </p:nvSpPr>
+        <p:spPr>
+          <a:xfrm>
+            <a:off x="2588345" y="2587823"/>
+            <a:ext cx="2531335" cy="1463725"/>
+          </a:xfrm>
+          <a:prstGeom prst="roundRect">
+            <a:avLst/>
+          </a:prstGeom>
+          <a:solidFill>
+            <a:srgbClr val="4472C4"/>
+          </a:solidFill>
+        </p:spPr>
+        <p:style>
+          <a:lnRef idx="2">
+            <a:schemeClr val="accent1">
+              <a:shade val="50000"/>
+            </a:schemeClr>
+          </a:lnRef>
+          <a:fillRef idx="1">
+            <a:schemeClr val="accent1"/>
+          </a:fillRef>
+          <a:effectRef idx="0">
+            <a:schemeClr val="accent1"/>
+          </a:effectRef>
+          <a:fontRef idx="minor">
+            <a:schemeClr val="lt1"/>
+          </a:fontRef>
+        </p:style>
+        <p:txBody>
+          <a:bodyPr rtlCol="0" anchor="t"/>
+          <a:lstStyle/>
+          <a:p>
+            <a:pPr algn="ctr"/>
+            <a:r>
+              <a:rPr lang="en-US" sz="1600" dirty="0"/>
+              <a:t>Progress learner</a:t>
+            </a:r>
+          </a:p>
+        </p:txBody>
+      </p:sp>
+      <p:sp>
+        <p:nvSpPr>
+          <p:cNvPr id="4" name="Rectangle: Rounded Corners 17">
+            <a:extLst>
+              <a:ext uri="{FF2B5EF4-FFF2-40B4-BE49-F238E27FC236}">
+                <a16:creationId xmlns:a16="http://schemas.microsoft.com/office/drawing/2014/main" xmlns="" id="{651447D9-0C99-4CE3-929E-B866B70FD89D}"/>
+              </a:ext>
+            </a:extLst>
+          </p:cNvPr>
+          <p:cNvSpPr/>
+          <p:nvPr/>
+        </p:nvSpPr>
+        <p:spPr>
+          <a:xfrm>
+            <a:off x="5450951" y="2587824"/>
+            <a:ext cx="2531334" cy="1463725"/>
+          </a:xfrm>
+          <a:prstGeom prst="roundRect">
+            <a:avLst/>
+          </a:prstGeom>
+          <a:solidFill>
+            <a:srgbClr val="4472C4"/>
+          </a:solidFill>
+        </p:spPr>
+        <p:style>
+          <a:lnRef idx="2">
+            <a:schemeClr val="accent1">
+              <a:shade val="50000"/>
+            </a:schemeClr>
+          </a:lnRef>
+          <a:fillRef idx="1">
+            <a:schemeClr val="accent1"/>
+          </a:fillRef>
+          <a:effectRef idx="0">
+            <a:schemeClr val="accent1"/>
+          </a:effectRef>
+          <a:fontRef idx="minor">
+            <a:schemeClr val="lt1"/>
+          </a:fontRef>
+        </p:style>
+        <p:txBody>
+          <a:bodyPr rtlCol="0" anchor="t"/>
+          <a:lstStyle/>
+          <a:p>
+            <a:pPr algn="ctr"/>
+            <a:r>
+              <a:rPr lang="en-US" dirty="0"/>
+              <a:t>RL algorithms</a:t>
+            </a:r>
+          </a:p>
+        </p:txBody>
+      </p:sp>
+      <p:pic>
+        <p:nvPicPr>
+          <p:cNvPr id="5" name="Picture 4">
+            <a:extLst>
+              <a:ext uri="{FF2B5EF4-FFF2-40B4-BE49-F238E27FC236}">
+                <a16:creationId xmlns:a16="http://schemas.microsoft.com/office/drawing/2014/main" xmlns="" id="{D4500AEF-3D61-48B2-ABF2-9F6A1F903802}"/>
+              </a:ext>
+            </a:extLst>
+          </p:cNvPr>
+          <p:cNvPicPr>
+            <a:picLocks noChangeAspect="1"/>
+          </p:cNvPicPr>
+          <p:nvPr/>
+        </p:nvPicPr>
+        <p:blipFill>
+          <a:blip r:embed="rId2">
+            <a:extLst>
+              <a:ext uri="{28A0092B-C50C-407E-A947-70E740481C1C}">
+                <a14:useLocalDpi xmlns:a14="http://schemas.microsoft.com/office/drawing/2010/main" val="0"/>
+              </a:ext>
+            </a:extLst>
+          </a:blip>
+          <a:stretch>
+            <a:fillRect/>
+          </a:stretch>
+        </p:blipFill>
+        <p:spPr>
+          <a:xfrm>
+            <a:off x="2990703" y="2977788"/>
+            <a:ext cx="1717299" cy="941340"/>
+          </a:xfrm>
+          <a:prstGeom prst="rect">
+            <a:avLst/>
+          </a:prstGeom>
+        </p:spPr>
+      </p:pic>
+      <p:pic>
+        <p:nvPicPr>
+          <p:cNvPr id="6" name="Picture 2" descr="drl.png">
+            <a:extLst>
+              <a:ext uri="{FF2B5EF4-FFF2-40B4-BE49-F238E27FC236}">
+                <a16:creationId xmlns:a16="http://schemas.microsoft.com/office/drawing/2014/main" xmlns="" id="{DAD2A131-9B1F-4EE6-AEB7-648C92A3DB01}"/>
+              </a:ext>
+            </a:extLst>
+          </p:cNvPr>
+          <p:cNvPicPr>
+            <a:picLocks noChangeAspect="1" noChangeArrowheads="1"/>
+          </p:cNvPicPr>
+          <p:nvPr/>
+        </p:nvPicPr>
+        <p:blipFill>
+          <a:blip r:embed="rId3">
+            <a:extLst>
+              <a:ext uri="{28A0092B-C50C-407E-A947-70E740481C1C}">
+                <a14:useLocalDpi xmlns:a14="http://schemas.microsoft.com/office/drawing/2010/main" val="0"/>
+              </a:ext>
+            </a:extLst>
+          </a:blip>
+          <a:srcRect/>
+          <a:stretch>
+            <a:fillRect/>
+          </a:stretch>
+        </p:blipFill>
+        <p:spPr bwMode="auto">
+          <a:xfrm>
+            <a:off x="5859534" y="3094496"/>
+            <a:ext cx="1672422" cy="781770"/>
+          </a:xfrm>
+          <a:prstGeom prst="rect">
+            <a:avLst/>
+          </a:prstGeom>
+          <a:noFill/>
+          <a:extLst>
+            <a:ext uri="{909E8E84-426E-40DD-AFC4-6F175D3DCCD1}">
+              <a14:hiddenFill xmlns:a14="http://schemas.microsoft.com/office/drawing/2010/main">
+                <a:solidFill>
+                  <a:srgbClr val="FFFFFF"/>
+                </a:solidFill>
+              </a14:hiddenFill>
+            </a:ext>
+          </a:extLst>
+        </p:spPr>
+      </p:pic>
+      <p:cxnSp>
+        <p:nvCxnSpPr>
+          <p:cNvPr id="8" name="Straight Arrow Connector 7">
+            <a:extLst>
+              <a:ext uri="{FF2B5EF4-FFF2-40B4-BE49-F238E27FC236}">
+                <a16:creationId xmlns:a16="http://schemas.microsoft.com/office/drawing/2014/main" xmlns="" id="{CCDDEDA8-768B-4C90-91A1-B73E5DC76B87}"/>
+              </a:ext>
+            </a:extLst>
+          </p:cNvPr>
+          <p:cNvCxnSpPr>
+            <a:cxnSpLocks/>
+          </p:cNvCxnSpPr>
+          <p:nvPr/>
+        </p:nvCxnSpPr>
+        <p:spPr>
+          <a:xfrm flipV="1">
+            <a:off x="5147818" y="3270361"/>
+            <a:ext cx="303133" cy="645"/>
+          </a:xfrm>
+          <a:prstGeom prst="straightConnector1">
+            <a:avLst/>
+          </a:prstGeom>
+          <a:ln w="12700">
+            <a:tailEnd type="triangle"/>
+          </a:ln>
+        </p:spPr>
+        <p:style>
+          <a:lnRef idx="1">
+            <a:schemeClr val="accent1"/>
+          </a:lnRef>
+          <a:fillRef idx="0">
+            <a:schemeClr val="accent1"/>
+          </a:fillRef>
+          <a:effectRef idx="0">
+            <a:schemeClr val="accent1"/>
+          </a:effectRef>
+          <a:fontRef idx="minor">
+            <a:schemeClr val="tx1"/>
+          </a:fontRef>
+        </p:style>
+      </p:cxnSp>
+      <p:cxnSp>
+        <p:nvCxnSpPr>
+          <p:cNvPr id="9" name="Straight Arrow Connector 8">
+            <a:extLst>
+              <a:ext uri="{FF2B5EF4-FFF2-40B4-BE49-F238E27FC236}">
+                <a16:creationId xmlns:a16="http://schemas.microsoft.com/office/drawing/2014/main" xmlns="" id="{85FC4942-B34C-4B5F-90EE-B4F60819EA1B}"/>
+              </a:ext>
+            </a:extLst>
+          </p:cNvPr>
+          <p:cNvCxnSpPr>
+            <a:cxnSpLocks/>
+          </p:cNvCxnSpPr>
+          <p:nvPr/>
+        </p:nvCxnSpPr>
+        <p:spPr>
+          <a:xfrm flipV="1">
+            <a:off x="1963443" y="3095741"/>
+            <a:ext cx="388238" cy="2"/>
+          </a:xfrm>
+          <a:prstGeom prst="straightConnector1">
+            <a:avLst/>
+          </a:prstGeom>
+          <a:ln w="12700">
+            <a:tailEnd type="triangle"/>
+          </a:ln>
+        </p:spPr>
+        <p:style>
+          <a:lnRef idx="1">
+            <a:schemeClr val="accent1"/>
+          </a:lnRef>
+          <a:fillRef idx="0">
+            <a:schemeClr val="accent1"/>
+          </a:fillRef>
+          <a:effectRef idx="0">
+            <a:schemeClr val="accent1"/>
+          </a:effectRef>
+          <a:fontRef idx="minor">
+            <a:schemeClr val="tx1"/>
+          </a:fontRef>
+        </p:style>
+      </p:cxnSp>
+      <p:cxnSp>
+        <p:nvCxnSpPr>
+          <p:cNvPr id="10" name="Straight Arrow Connector 9">
+            <a:extLst>
+              <a:ext uri="{FF2B5EF4-FFF2-40B4-BE49-F238E27FC236}">
+                <a16:creationId xmlns:a16="http://schemas.microsoft.com/office/drawing/2014/main" xmlns="" id="{85FC4942-B34C-4B5F-90EE-B4F60819EA1B}"/>
+              </a:ext>
+            </a:extLst>
+          </p:cNvPr>
+          <p:cNvCxnSpPr>
+            <a:cxnSpLocks/>
+          </p:cNvCxnSpPr>
+          <p:nvPr/>
+        </p:nvCxnSpPr>
+        <p:spPr>
+          <a:xfrm flipV="1">
+            <a:off x="8224733" y="3100005"/>
+            <a:ext cx="388238" cy="2"/>
+          </a:xfrm>
+          <a:prstGeom prst="straightConnector1">
+            <a:avLst/>
+          </a:prstGeom>
+          <a:ln w="12700">
+            <a:tailEnd type="triangle"/>
+          </a:ln>
+        </p:spPr>
+        <p:style>
+          <a:lnRef idx="1">
+            <a:schemeClr val="accent1"/>
+          </a:lnRef>
+          <a:fillRef idx="0">
+            <a:schemeClr val="accent1"/>
+          </a:fillRef>
+          <a:effectRef idx="0">
+            <a:schemeClr val="accent1"/>
+          </a:effectRef>
+          <a:fontRef idx="minor">
+            <a:schemeClr val="tx1"/>
+          </a:fontRef>
+        </p:style>
+      </p:cxnSp>
+      <p:sp>
+        <p:nvSpPr>
+          <p:cNvPr id="11" name="Rectangle: Rounded Corners 7">
+            <a:extLst>
+              <a:ext uri="{FF2B5EF4-FFF2-40B4-BE49-F238E27FC236}">
+                <a16:creationId xmlns:a16="http://schemas.microsoft.com/office/drawing/2014/main" xmlns="" id="{B304AFB2-60BA-4E0D-B1C9-AE712F6EB3DD}"/>
+              </a:ext>
+            </a:extLst>
+          </p:cNvPr>
+          <p:cNvSpPr/>
+          <p:nvPr/>
+        </p:nvSpPr>
+        <p:spPr>
+          <a:xfrm>
+            <a:off x="8641109" y="2520231"/>
+            <a:ext cx="1466704" cy="1148530"/>
+          </a:xfrm>
+          <a:prstGeom prst="roundRect">
+            <a:avLst/>
+          </a:prstGeom>
+          <a:solidFill>
+            <a:srgbClr val="4472C4">
+              <a:alpha val="69804"/>
+            </a:srgbClr>
+          </a:solidFill>
+        </p:spPr>
+        <p:style>
+          <a:lnRef idx="2">
+            <a:schemeClr val="accent1">
+              <a:shade val="50000"/>
+            </a:schemeClr>
+          </a:lnRef>
+          <a:fillRef idx="1">
+            <a:schemeClr val="accent1"/>
+          </a:fillRef>
+          <a:effectRef idx="0">
+            <a:schemeClr val="accent1"/>
+          </a:effectRef>
+          <a:fontRef idx="minor">
+            <a:schemeClr val="lt1"/>
+          </a:fontRef>
+        </p:style>
+        <p:txBody>
+          <a:bodyPr rtlCol="0" anchor="t"/>
+          <a:lstStyle/>
+          <a:p>
+            <a:pPr algn="ctr"/>
+            <a:r>
+              <a:rPr lang="en-US" sz="1600" dirty="0" smtClean="0"/>
+              <a:t>Visualization,</a:t>
+            </a:r>
+          </a:p>
+          <a:p>
+            <a:pPr algn="ctr"/>
+            <a:r>
+              <a:rPr lang="en-US" sz="1600" dirty="0" smtClean="0"/>
+              <a:t>Interaction and</a:t>
+            </a:r>
+          </a:p>
+          <a:p>
+            <a:pPr algn="ctr"/>
+            <a:r>
+              <a:rPr lang="en-US" sz="1600" dirty="0" smtClean="0"/>
+              <a:t>Evaluation</a:t>
+            </a:r>
+            <a:endParaRPr lang="en-US" sz="1600" dirty="0"/>
+          </a:p>
+        </p:txBody>
+      </p:sp>
+      <p:sp>
+        <p:nvSpPr>
+          <p:cNvPr id="12" name="Rectangle: Rounded Corners 7">
+            <a:extLst>
+              <a:ext uri="{FF2B5EF4-FFF2-40B4-BE49-F238E27FC236}">
+                <a16:creationId xmlns:a16="http://schemas.microsoft.com/office/drawing/2014/main" xmlns="" id="{B304AFB2-60BA-4E0D-B1C9-AE712F6EB3DD}"/>
+              </a:ext>
+            </a:extLst>
+          </p:cNvPr>
+          <p:cNvSpPr/>
+          <p:nvPr/>
+        </p:nvSpPr>
+        <p:spPr>
+          <a:xfrm>
+            <a:off x="419120" y="2515967"/>
+            <a:ext cx="1466704" cy="1148530"/>
+          </a:xfrm>
+          <a:prstGeom prst="roundRect">
+            <a:avLst/>
+          </a:prstGeom>
+          <a:solidFill>
+            <a:srgbClr val="4472C4">
+              <a:alpha val="69804"/>
+            </a:srgbClr>
+          </a:solidFill>
+        </p:spPr>
+        <p:style>
+          <a:lnRef idx="2">
+            <a:schemeClr val="accent1">
+              <a:shade val="50000"/>
+            </a:schemeClr>
+          </a:lnRef>
+          <a:fillRef idx="1">
+            <a:schemeClr val="accent1"/>
+          </a:fillRef>
+          <a:effectRef idx="0">
+            <a:schemeClr val="accent1"/>
+          </a:effectRef>
+          <a:fontRef idx="minor">
+            <a:schemeClr val="lt1"/>
+          </a:fontRef>
+        </p:style>
+        <p:txBody>
+          <a:bodyPr rtlCol="0" anchor="t"/>
+          <a:lstStyle/>
+          <a:p>
+            <a:pPr algn="ctr"/>
+            <a:r>
+              <a:rPr lang="en-US" sz="1600" dirty="0" smtClean="0"/>
+              <a:t>Capture and Process</a:t>
+            </a:r>
+            <a:endParaRPr lang="en-US" sz="1600" dirty="0"/>
+          </a:p>
+        </p:txBody>
+      </p:sp>
+    </p:spTree>
+    <p:extLst>
+      <p:ext uri="{BB962C8B-B14F-4D97-AF65-F5344CB8AC3E}">
+        <p14:creationId xmlns:p14="http://schemas.microsoft.com/office/powerpoint/2010/main" val="547603283"/>
+      </p:ext>
+    </p:extLst>
+  </p:cSld>
+  <p:clrMapOvr>
+    <a:masterClrMapping/>
+  </p:clrMapOvr>
+</p:sld>
+</file>
+
+<file path=ppt/slides/slide17.xml><?xml version="1.0" encoding="utf-8"?>
+<p:sld xmlns:a="http://schemas.openxmlformats.org/drawingml/2006/main" xmlns:r="http://schemas.openxmlformats.org/officeDocument/2006/relationships" xmlns:p="http://schemas.openxmlformats.org/presentationml/2006/main">
+  <p:cSld>
+    <p:spTree>
+      <p:nvGrpSpPr>
+        <p:cNvPr id="1" name=""/>
+        <p:cNvGrpSpPr/>
+        <p:nvPr/>
+      </p:nvGrpSpPr>
+      <p:grpSpPr>
+        <a:xfrm>
+          <a:off x="0" y="0"/>
+          <a:ext cx="0" cy="0"/>
+          <a:chOff x="0" y="0"/>
+          <a:chExt cx="0" cy="0"/>
+        </a:xfrm>
+      </p:grpSpPr>
+      <p:sp>
+        <p:nvSpPr>
+          <p:cNvPr id="20" name="Rectangle: Rounded Corners 7">
+            <a:extLst>
+              <a:ext uri="{FF2B5EF4-FFF2-40B4-BE49-F238E27FC236}">
+                <a16:creationId xmlns:a16="http://schemas.microsoft.com/office/drawing/2014/main" xmlns="" id="{B304AFB2-60BA-4E0D-B1C9-AE712F6EB3DD}"/>
+              </a:ext>
+            </a:extLst>
+          </p:cNvPr>
+          <p:cNvSpPr/>
+          <p:nvPr/>
+        </p:nvSpPr>
+        <p:spPr>
+          <a:xfrm>
+            <a:off x="5760722" y="668740"/>
+            <a:ext cx="2800067" cy="4353636"/>
+          </a:xfrm>
+          <a:prstGeom prst="roundRect">
+            <a:avLst/>
+          </a:prstGeom>
+          <a:solidFill>
+            <a:srgbClr val="4472C4">
+              <a:alpha val="70000"/>
+            </a:srgbClr>
+          </a:solidFill>
+        </p:spPr>
+        <p:style>
+          <a:lnRef idx="2">
+            <a:schemeClr val="accent1">
+              <a:shade val="50000"/>
+            </a:schemeClr>
+          </a:lnRef>
+          <a:fillRef idx="1">
+            <a:schemeClr val="accent1"/>
+          </a:fillRef>
+          <a:effectRef idx="0">
+            <a:schemeClr val="accent1"/>
+          </a:effectRef>
+          <a:fontRef idx="minor">
+            <a:schemeClr val="lt1"/>
+          </a:fontRef>
+        </p:style>
+        <p:txBody>
+          <a:bodyPr rtlCol="0" anchor="t"/>
+          <a:lstStyle/>
+          <a:p>
+            <a:pPr algn="ctr"/>
+            <a:r>
+              <a:rPr lang="en-US" sz="1600"/>
+              <a:t>Visualization</a:t>
+            </a:r>
+            <a:endParaRPr lang="en-US" sz="1600" dirty="0">
+              <a:solidFill>
+                <a:schemeClr val="bg1"/>
+              </a:solidFill>
+            </a:endParaRPr>
+          </a:p>
+        </p:txBody>
+      </p:sp>
+      <p:sp>
+        <p:nvSpPr>
+          <p:cNvPr id="2" name="Rectangle: Rounded Corners 28">
+            <a:extLst>
+              <a:ext uri="{FF2B5EF4-FFF2-40B4-BE49-F238E27FC236}">
+                <a16:creationId xmlns:a16="http://schemas.microsoft.com/office/drawing/2014/main" xmlns="" id="{035F283D-BC6C-4318-A026-FEC37EEAAD3F}"/>
+              </a:ext>
+            </a:extLst>
+          </p:cNvPr>
+          <p:cNvSpPr/>
+          <p:nvPr/>
+        </p:nvSpPr>
+        <p:spPr>
+          <a:xfrm>
+            <a:off x="5835589" y="2440361"/>
+            <a:ext cx="2621751" cy="1085108"/>
+          </a:xfrm>
+          <a:prstGeom prst="roundRect">
+            <a:avLst/>
+          </a:prstGeom>
+          <a:solidFill>
+            <a:srgbClr val="4472C4">
+              <a:alpha val="69804"/>
+            </a:srgbClr>
+          </a:solidFill>
+        </p:spPr>
+        <p:style>
+          <a:lnRef idx="2">
+            <a:schemeClr val="accent1">
+              <a:shade val="50000"/>
+            </a:schemeClr>
+          </a:lnRef>
+          <a:fillRef idx="1">
+            <a:schemeClr val="accent1"/>
+          </a:fillRef>
+          <a:effectRef idx="0">
+            <a:schemeClr val="accent1"/>
+          </a:effectRef>
+          <a:fontRef idx="minor">
+            <a:schemeClr val="lt1"/>
+          </a:fontRef>
+        </p:style>
+        <p:txBody>
+          <a:bodyPr rtlCol="0" anchor="t"/>
+          <a:lstStyle/>
+          <a:p>
+            <a:pPr algn="ctr"/>
+            <a:r>
+              <a:rPr lang="en-US" sz="1600" dirty="0"/>
+              <a:t>2D Visualizer</a:t>
+            </a:r>
+          </a:p>
+        </p:txBody>
+      </p:sp>
+      <p:pic>
+        <p:nvPicPr>
+          <p:cNvPr id="3" name="Picture 2">
+            <a:extLst>
+              <a:ext uri="{FF2B5EF4-FFF2-40B4-BE49-F238E27FC236}">
+                <a16:creationId xmlns:a16="http://schemas.microsoft.com/office/drawing/2014/main" xmlns="" id="{D7D8FED3-E637-4762-A3DE-ADDC79E27F86}"/>
+              </a:ext>
+            </a:extLst>
+          </p:cNvPr>
+          <p:cNvPicPr>
+            <a:picLocks noChangeAspect="1"/>
+          </p:cNvPicPr>
+          <p:nvPr/>
+        </p:nvPicPr>
+        <p:blipFill>
+          <a:blip r:embed="rId2">
+            <a:extLst>
+              <a:ext uri="{28A0092B-C50C-407E-A947-70E740481C1C}">
+                <a14:useLocalDpi xmlns:a14="http://schemas.microsoft.com/office/drawing/2010/main" val="0"/>
+              </a:ext>
+            </a:extLst>
+          </a:blip>
+          <a:stretch>
+            <a:fillRect/>
+          </a:stretch>
+        </p:blipFill>
+        <p:spPr>
+          <a:xfrm>
+            <a:off x="5827802" y="2831705"/>
+            <a:ext cx="2621750" cy="625832"/>
+          </a:xfrm>
+          <a:prstGeom prst="rect">
+            <a:avLst/>
+          </a:prstGeom>
+          <a:solidFill>
+            <a:schemeClr val="accent1"/>
+          </a:solidFill>
+        </p:spPr>
+      </p:pic>
+      <p:sp>
+        <p:nvSpPr>
+          <p:cNvPr id="4" name="Rectangle: Rounded Corners 29">
+            <a:extLst>
+              <a:ext uri="{FF2B5EF4-FFF2-40B4-BE49-F238E27FC236}">
+                <a16:creationId xmlns:a16="http://schemas.microsoft.com/office/drawing/2014/main" xmlns="" id="{94B89276-CDE2-41B8-8809-D63CA05E6560}"/>
+              </a:ext>
+            </a:extLst>
+          </p:cNvPr>
+          <p:cNvSpPr/>
+          <p:nvPr/>
+        </p:nvSpPr>
+        <p:spPr>
+          <a:xfrm>
+            <a:off x="5835589" y="3571654"/>
+            <a:ext cx="2621751" cy="1354883"/>
+          </a:xfrm>
+          <a:prstGeom prst="roundRect">
+            <a:avLst/>
+          </a:prstGeom>
+          <a:solidFill>
+            <a:srgbClr val="4472C4">
+              <a:alpha val="69804"/>
+            </a:srgbClr>
+          </a:solidFill>
+        </p:spPr>
+        <p:style>
+          <a:lnRef idx="2">
+            <a:schemeClr val="accent1">
+              <a:shade val="50000"/>
+            </a:schemeClr>
+          </a:lnRef>
+          <a:fillRef idx="1">
+            <a:schemeClr val="accent1"/>
+          </a:fillRef>
+          <a:effectRef idx="0">
+            <a:schemeClr val="accent1"/>
+          </a:effectRef>
+          <a:fontRef idx="minor">
+            <a:schemeClr val="lt1"/>
+          </a:fontRef>
+        </p:style>
+        <p:txBody>
+          <a:bodyPr rtlCol="0" anchor="t"/>
+          <a:lstStyle/>
+          <a:p>
+            <a:pPr algn="ctr"/>
+            <a:r>
+              <a:rPr lang="en-US" sz="1600" dirty="0"/>
+              <a:t>3D Visualizer</a:t>
+            </a:r>
+          </a:p>
+        </p:txBody>
+      </p:sp>
+      <p:pic>
+        <p:nvPicPr>
+          <p:cNvPr id="5" name="Picture 4">
+            <a:extLst>
+              <a:ext uri="{FF2B5EF4-FFF2-40B4-BE49-F238E27FC236}">
+                <a16:creationId xmlns:a16="http://schemas.microsoft.com/office/drawing/2014/main" xmlns="" id="{FBE1242C-1971-466F-8150-0F98A68EBEC3}"/>
+              </a:ext>
+            </a:extLst>
+          </p:cNvPr>
+          <p:cNvPicPr>
+            <a:picLocks noChangeAspect="1"/>
+          </p:cNvPicPr>
+          <p:nvPr/>
+        </p:nvPicPr>
+        <p:blipFill>
+          <a:blip r:embed="rId3">
+            <a:extLst>
+              <a:ext uri="{28A0092B-C50C-407E-A947-70E740481C1C}">
+                <a14:useLocalDpi xmlns:a14="http://schemas.microsoft.com/office/drawing/2010/main" val="0"/>
+              </a:ext>
+            </a:extLst>
+          </a:blip>
+          <a:stretch>
+            <a:fillRect/>
+          </a:stretch>
+        </p:blipFill>
+        <p:spPr>
+          <a:xfrm>
+            <a:off x="6464194" y="3962539"/>
+            <a:ext cx="1409354" cy="963998"/>
+          </a:xfrm>
+          <a:prstGeom prst="rect">
+            <a:avLst/>
+          </a:prstGeom>
+        </p:spPr>
+      </p:pic>
+      <p:pic>
+        <p:nvPicPr>
+          <p:cNvPr id="6" name="Graphic 45" descr="User">
+            <a:extLst>
+              <a:ext uri="{FF2B5EF4-FFF2-40B4-BE49-F238E27FC236}">
+                <a16:creationId xmlns:a16="http://schemas.microsoft.com/office/drawing/2014/main" xmlns="" id="{99ED5493-5C2F-4962-94D8-4AA8EAFCB281}"/>
+              </a:ext>
+            </a:extLst>
+          </p:cNvPr>
+          <p:cNvPicPr>
+            <a:picLocks noChangeAspect="1"/>
+          </p:cNvPicPr>
+          <p:nvPr/>
+        </p:nvPicPr>
+        <p:blipFill>
+          <a:blip r:embed="rId4">
+            <a:extLst>
+              <a:ext uri="{28A0092B-C50C-407E-A947-70E740481C1C}">
+                <a14:useLocalDpi xmlns:a14="http://schemas.microsoft.com/office/drawing/2010/main" val="0"/>
+              </a:ext>
+              <a:ext uri="{96DAC541-7B7A-43D3-8B79-37D633B846F1}">
+                <asvg:svgBlip xmlns:asvg="http://schemas.microsoft.com/office/drawing/2016/SVG/main" xmlns="" r:embed="rId7"/>
+              </a:ext>
+            </a:extLst>
+          </a:blip>
+          <a:stretch>
+            <a:fillRect/>
+          </a:stretch>
+        </p:blipFill>
+        <p:spPr>
+          <a:xfrm>
+            <a:off x="9039162" y="2354744"/>
+            <a:ext cx="914400" cy="914400"/>
+          </a:xfrm>
+          <a:prstGeom prst="rect">
+            <a:avLst/>
+          </a:prstGeom>
+        </p:spPr>
+      </p:pic>
+      <p:sp>
+        <p:nvSpPr>
+          <p:cNvPr id="9" name="Rectangle: Rounded Corners 55">
+            <a:extLst>
+              <a:ext uri="{FF2B5EF4-FFF2-40B4-BE49-F238E27FC236}">
+                <a16:creationId xmlns:a16="http://schemas.microsoft.com/office/drawing/2014/main" xmlns="" id="{112DB57A-2E65-4C11-A9EE-FEA2BEB8AE55}"/>
+              </a:ext>
+            </a:extLst>
+          </p:cNvPr>
+          <p:cNvSpPr/>
+          <p:nvPr/>
+        </p:nvSpPr>
+        <p:spPr>
+          <a:xfrm>
+            <a:off x="6404287" y="1760061"/>
+            <a:ext cx="1529861" cy="448723"/>
+          </a:xfrm>
+          <a:prstGeom prst="roundRect">
+            <a:avLst/>
+          </a:prstGeom>
+          <a:solidFill>
+            <a:srgbClr val="4472C4">
+              <a:alpha val="69804"/>
+            </a:srgbClr>
+          </a:solidFill>
+        </p:spPr>
+        <p:style>
+          <a:lnRef idx="2">
+            <a:schemeClr val="accent1">
+              <a:shade val="50000"/>
+            </a:schemeClr>
+          </a:lnRef>
+          <a:fillRef idx="1">
+            <a:schemeClr val="accent1"/>
+          </a:fillRef>
+          <a:effectRef idx="0">
+            <a:schemeClr val="accent1"/>
+          </a:effectRef>
+          <a:fontRef idx="minor">
+            <a:schemeClr val="lt1"/>
+          </a:fontRef>
+        </p:style>
+        <p:txBody>
+          <a:bodyPr rtlCol="0" anchor="ctr"/>
+          <a:lstStyle/>
+          <a:p>
+            <a:pPr algn="ctr"/>
+            <a:r>
+              <a:rPr lang="en-US" sz="1600" dirty="0"/>
+              <a:t>Automatic </a:t>
+            </a:r>
+            <a:r>
+              <a:rPr lang="en-US" sz="1400" dirty="0"/>
+              <a:t>Evaluator</a:t>
+            </a:r>
+          </a:p>
+        </p:txBody>
+      </p:sp>
+      <p:cxnSp>
+        <p:nvCxnSpPr>
+          <p:cNvPr id="10" name="Straight Arrow Connector 9">
+            <a:extLst>
+              <a:ext uri="{FF2B5EF4-FFF2-40B4-BE49-F238E27FC236}">
+                <a16:creationId xmlns:a16="http://schemas.microsoft.com/office/drawing/2014/main" xmlns="" id="{D364D252-9F9E-45B8-BE33-E44DA2E0ABAB}"/>
+              </a:ext>
+            </a:extLst>
+          </p:cNvPr>
+          <p:cNvCxnSpPr>
+            <a:cxnSpLocks/>
+          </p:cNvCxnSpPr>
+          <p:nvPr/>
+        </p:nvCxnSpPr>
+        <p:spPr>
+          <a:xfrm flipH="1" flipV="1">
+            <a:off x="8103016" y="2041455"/>
+            <a:ext cx="1019115" cy="638001"/>
+          </a:xfrm>
+          <a:prstGeom prst="straightConnector1">
+            <a:avLst/>
+          </a:prstGeom>
+          <a:ln w="12700">
+            <a:solidFill>
+              <a:schemeClr val="accent2">
+                <a:lumMod val="75000"/>
+              </a:schemeClr>
+            </a:solidFill>
+            <a:tailEnd type="triangle"/>
+          </a:ln>
+        </p:spPr>
+        <p:style>
+          <a:lnRef idx="1">
+            <a:schemeClr val="accent1"/>
+          </a:lnRef>
+          <a:fillRef idx="0">
+            <a:schemeClr val="accent1"/>
+          </a:fillRef>
+          <a:effectRef idx="0">
+            <a:schemeClr val="accent1"/>
+          </a:effectRef>
+          <a:fontRef idx="minor">
+            <a:schemeClr val="tx1"/>
+          </a:fontRef>
+        </p:style>
+      </p:cxnSp>
+      <p:cxnSp>
+        <p:nvCxnSpPr>
+          <p:cNvPr id="11" name="Straight Arrow Connector 10">
+            <a:extLst>
+              <a:ext uri="{FF2B5EF4-FFF2-40B4-BE49-F238E27FC236}">
+                <a16:creationId xmlns:a16="http://schemas.microsoft.com/office/drawing/2014/main" xmlns="" id="{ED394B79-118A-4C0A-A769-C8825D54793C}"/>
+              </a:ext>
+            </a:extLst>
+          </p:cNvPr>
+          <p:cNvCxnSpPr>
+            <a:cxnSpLocks/>
+          </p:cNvCxnSpPr>
+          <p:nvPr/>
+        </p:nvCxnSpPr>
+        <p:spPr>
+          <a:xfrm>
+            <a:off x="8502153" y="2982915"/>
+            <a:ext cx="617356" cy="12919"/>
+          </a:xfrm>
+          <a:prstGeom prst="straightConnector1">
+            <a:avLst/>
+          </a:prstGeom>
+          <a:ln w="12700">
+            <a:tailEnd type="triangle"/>
+          </a:ln>
+        </p:spPr>
+        <p:style>
+          <a:lnRef idx="1">
+            <a:schemeClr val="accent1"/>
+          </a:lnRef>
+          <a:fillRef idx="0">
+            <a:schemeClr val="accent1"/>
+          </a:fillRef>
+          <a:effectRef idx="0">
+            <a:schemeClr val="accent1"/>
+          </a:effectRef>
+          <a:fontRef idx="minor">
+            <a:schemeClr val="tx1"/>
+          </a:fontRef>
+        </p:style>
+      </p:cxnSp>
+      <p:cxnSp>
+        <p:nvCxnSpPr>
+          <p:cNvPr id="12" name="Straight Arrow Connector 11">
+            <a:extLst>
+              <a:ext uri="{FF2B5EF4-FFF2-40B4-BE49-F238E27FC236}">
+                <a16:creationId xmlns:a16="http://schemas.microsoft.com/office/drawing/2014/main" xmlns="" id="{880E4A8B-E082-423E-9AAD-076E3391580D}"/>
+              </a:ext>
+            </a:extLst>
+          </p:cNvPr>
+          <p:cNvCxnSpPr>
+            <a:cxnSpLocks/>
+          </p:cNvCxnSpPr>
+          <p:nvPr/>
+        </p:nvCxnSpPr>
+        <p:spPr>
+          <a:xfrm flipV="1">
+            <a:off x="8560789" y="3269144"/>
+            <a:ext cx="702337" cy="1126267"/>
+          </a:xfrm>
+          <a:prstGeom prst="straightConnector1">
+            <a:avLst/>
+          </a:prstGeom>
+          <a:ln w="12700">
+            <a:tailEnd type="triangle"/>
+          </a:ln>
+        </p:spPr>
+        <p:style>
+          <a:lnRef idx="1">
+            <a:schemeClr val="accent1"/>
+          </a:lnRef>
+          <a:fillRef idx="0">
+            <a:schemeClr val="accent1"/>
+          </a:fillRef>
+          <a:effectRef idx="0">
+            <a:schemeClr val="accent1"/>
+          </a:effectRef>
+          <a:fontRef idx="minor">
+            <a:schemeClr val="tx1"/>
+          </a:fontRef>
+        </p:style>
+      </p:cxnSp>
+      <p:cxnSp>
+        <p:nvCxnSpPr>
+          <p:cNvPr id="13" name="Straight Arrow Connector 12">
+            <a:extLst>
+              <a:ext uri="{FF2B5EF4-FFF2-40B4-BE49-F238E27FC236}">
+                <a16:creationId xmlns:a16="http://schemas.microsoft.com/office/drawing/2014/main" xmlns="" id="{0DEEF98B-0AA2-4442-97EE-9699B04EB8FD}"/>
+              </a:ext>
+            </a:extLst>
+          </p:cNvPr>
+          <p:cNvCxnSpPr>
+            <a:cxnSpLocks/>
+          </p:cNvCxnSpPr>
+          <p:nvPr/>
+        </p:nvCxnSpPr>
+        <p:spPr>
+          <a:xfrm flipH="1">
+            <a:off x="8490427" y="3107848"/>
+            <a:ext cx="613508" cy="0"/>
+          </a:xfrm>
+          <a:prstGeom prst="straightConnector1">
+            <a:avLst/>
+          </a:prstGeom>
+          <a:ln w="12700">
+            <a:solidFill>
+              <a:schemeClr val="accent2">
+                <a:lumMod val="75000"/>
+              </a:schemeClr>
+            </a:solidFill>
+            <a:tailEnd type="triangle"/>
+          </a:ln>
+        </p:spPr>
+        <p:style>
+          <a:lnRef idx="1">
+            <a:schemeClr val="accent1"/>
+          </a:lnRef>
+          <a:fillRef idx="0">
+            <a:schemeClr val="accent1"/>
+          </a:fillRef>
+          <a:effectRef idx="0">
+            <a:schemeClr val="accent1"/>
+          </a:effectRef>
+          <a:fontRef idx="minor">
+            <a:schemeClr val="tx1"/>
+          </a:fontRef>
+        </p:style>
+      </p:cxnSp>
+      <p:cxnSp>
+        <p:nvCxnSpPr>
+          <p:cNvPr id="14" name="Straight Arrow Connector 13">
+            <a:extLst>
+              <a:ext uri="{FF2B5EF4-FFF2-40B4-BE49-F238E27FC236}">
+                <a16:creationId xmlns:a16="http://schemas.microsoft.com/office/drawing/2014/main" xmlns="" id="{70F128CD-95A1-4146-9287-9E4E0230A95D}"/>
+              </a:ext>
+            </a:extLst>
+          </p:cNvPr>
+          <p:cNvCxnSpPr>
+            <a:cxnSpLocks/>
+          </p:cNvCxnSpPr>
+          <p:nvPr/>
+        </p:nvCxnSpPr>
+        <p:spPr>
+          <a:xfrm flipH="1">
+            <a:off x="8612573" y="3363646"/>
+            <a:ext cx="756296" cy="1193060"/>
+          </a:xfrm>
+          <a:prstGeom prst="straightConnector1">
+            <a:avLst/>
+          </a:prstGeom>
+          <a:ln w="12700">
+            <a:solidFill>
+              <a:schemeClr val="accent2">
+                <a:lumMod val="75000"/>
+              </a:schemeClr>
+            </a:solidFill>
+            <a:tailEnd type="triangle"/>
+          </a:ln>
+        </p:spPr>
+        <p:style>
+          <a:lnRef idx="1">
+            <a:schemeClr val="accent1"/>
+          </a:lnRef>
+          <a:fillRef idx="0">
+            <a:schemeClr val="accent1"/>
+          </a:fillRef>
+          <a:effectRef idx="0">
+            <a:schemeClr val="accent1"/>
+          </a:effectRef>
+          <a:fontRef idx="minor">
+            <a:schemeClr val="tx1"/>
+          </a:fontRef>
+        </p:style>
+      </p:cxnSp>
+      <p:cxnSp>
+        <p:nvCxnSpPr>
+          <p:cNvPr id="15" name="Straight Arrow Connector 14">
+            <a:extLst>
+              <a:ext uri="{FF2B5EF4-FFF2-40B4-BE49-F238E27FC236}">
+                <a16:creationId xmlns:a16="http://schemas.microsoft.com/office/drawing/2014/main" xmlns="" id="{28530DD2-64A5-4F3B-B204-C66FC95845E9}"/>
+              </a:ext>
+            </a:extLst>
+          </p:cNvPr>
+          <p:cNvCxnSpPr>
+            <a:cxnSpLocks/>
+          </p:cNvCxnSpPr>
+          <p:nvPr/>
+        </p:nvCxnSpPr>
+        <p:spPr>
+          <a:xfrm flipH="1">
+            <a:off x="7168871" y="2208785"/>
+            <a:ext cx="346" cy="234994"/>
+          </a:xfrm>
+          <a:prstGeom prst="straightConnector1">
+            <a:avLst/>
+          </a:prstGeom>
+          <a:ln w="12700">
+            <a:solidFill>
+              <a:schemeClr val="accent2">
+                <a:lumMod val="75000"/>
+              </a:schemeClr>
+            </a:solidFill>
+            <a:tailEnd type="triangle"/>
+          </a:ln>
+        </p:spPr>
+        <p:style>
+          <a:lnRef idx="1">
+            <a:schemeClr val="accent1"/>
+          </a:lnRef>
+          <a:fillRef idx="0">
+            <a:schemeClr val="accent1"/>
+          </a:fillRef>
+          <a:effectRef idx="0">
+            <a:schemeClr val="accent1"/>
+          </a:effectRef>
+          <a:fontRef idx="minor">
+            <a:schemeClr val="tx1"/>
+          </a:fontRef>
+        </p:style>
+      </p:cxnSp>
+      <p:sp>
+        <p:nvSpPr>
+          <p:cNvPr id="16" name="Rectangle: Rounded Corners 7">
+            <a:extLst>
+              <a:ext uri="{FF2B5EF4-FFF2-40B4-BE49-F238E27FC236}">
+                <a16:creationId xmlns:a16="http://schemas.microsoft.com/office/drawing/2014/main" xmlns="" id="{B304AFB2-60BA-4E0D-B1C9-AE712F6EB3DD}"/>
+              </a:ext>
+            </a:extLst>
+          </p:cNvPr>
+          <p:cNvSpPr/>
+          <p:nvPr/>
+        </p:nvSpPr>
+        <p:spPr>
+          <a:xfrm>
+            <a:off x="4015174" y="2679265"/>
+            <a:ext cx="1290230" cy="650950"/>
+          </a:xfrm>
+          <a:prstGeom prst="roundRect">
+            <a:avLst/>
+          </a:prstGeom>
+          <a:solidFill>
+            <a:srgbClr val="4472C4">
+              <a:alpha val="69804"/>
+            </a:srgbClr>
+          </a:solidFill>
+        </p:spPr>
+        <p:style>
+          <a:lnRef idx="2">
+            <a:schemeClr val="accent1">
+              <a:shade val="50000"/>
+            </a:schemeClr>
+          </a:lnRef>
+          <a:fillRef idx="1">
+            <a:schemeClr val="accent1"/>
+          </a:fillRef>
+          <a:effectRef idx="0">
+            <a:schemeClr val="accent1"/>
+          </a:effectRef>
+          <a:fontRef idx="minor">
+            <a:schemeClr val="lt1"/>
+          </a:fontRef>
+        </p:style>
+        <p:txBody>
+          <a:bodyPr rtlCol="0" anchor="t"/>
+          <a:lstStyle/>
+          <a:p>
+            <a:pPr algn="ctr"/>
+            <a:r>
+              <a:rPr lang="en-US" sz="1600" dirty="0" smtClean="0"/>
+              <a:t>ML algorithms</a:t>
+            </a:r>
+            <a:endParaRPr lang="en-US" sz="1600" dirty="0"/>
+          </a:p>
+        </p:txBody>
+      </p:sp>
+      <p:sp>
+        <p:nvSpPr>
+          <p:cNvPr id="17" name="Rectangle: Rounded Corners 7">
+            <a:extLst>
+              <a:ext uri="{FF2B5EF4-FFF2-40B4-BE49-F238E27FC236}">
+                <a16:creationId xmlns:a16="http://schemas.microsoft.com/office/drawing/2014/main" xmlns="" id="{B304AFB2-60BA-4E0D-B1C9-AE712F6EB3DD}"/>
+              </a:ext>
+            </a:extLst>
+          </p:cNvPr>
+          <p:cNvSpPr/>
+          <p:nvPr/>
+        </p:nvSpPr>
+        <p:spPr>
+          <a:xfrm>
+            <a:off x="2281024" y="2679265"/>
+            <a:ext cx="1299039" cy="667487"/>
+          </a:xfrm>
+          <a:prstGeom prst="roundRect">
+            <a:avLst/>
+          </a:prstGeom>
+          <a:solidFill>
+            <a:srgbClr val="4472C4">
+              <a:alpha val="69804"/>
+            </a:srgbClr>
+          </a:solidFill>
+        </p:spPr>
+        <p:style>
+          <a:lnRef idx="2">
+            <a:schemeClr val="accent1">
+              <a:shade val="50000"/>
+            </a:schemeClr>
+          </a:lnRef>
+          <a:fillRef idx="1">
+            <a:schemeClr val="accent1"/>
+          </a:fillRef>
+          <a:effectRef idx="0">
+            <a:schemeClr val="accent1"/>
+          </a:effectRef>
+          <a:fontRef idx="minor">
+            <a:schemeClr val="lt1"/>
+          </a:fontRef>
+        </p:style>
+        <p:txBody>
+          <a:bodyPr rtlCol="0" anchor="t"/>
+          <a:lstStyle/>
+          <a:p>
+            <a:pPr algn="ctr"/>
+            <a:r>
+              <a:rPr lang="en-US" sz="1600" dirty="0" smtClean="0"/>
+              <a:t>Capture and Process</a:t>
+            </a:r>
+            <a:endParaRPr lang="en-US" sz="1600" dirty="0"/>
+          </a:p>
+        </p:txBody>
+      </p:sp>
+      <p:cxnSp>
+        <p:nvCxnSpPr>
+          <p:cNvPr id="18" name="Straight Arrow Connector 17">
+            <a:extLst>
+              <a:ext uri="{FF2B5EF4-FFF2-40B4-BE49-F238E27FC236}">
+                <a16:creationId xmlns:a16="http://schemas.microsoft.com/office/drawing/2014/main" xmlns="" id="{85FC4942-B34C-4B5F-90EE-B4F60819EA1B}"/>
+              </a:ext>
+            </a:extLst>
+          </p:cNvPr>
+          <p:cNvCxnSpPr>
+            <a:cxnSpLocks/>
+          </p:cNvCxnSpPr>
+          <p:nvPr/>
+        </p:nvCxnSpPr>
+        <p:spPr>
+          <a:xfrm flipV="1">
+            <a:off x="3599640" y="2998723"/>
+            <a:ext cx="388238" cy="2"/>
+          </a:xfrm>
+          <a:prstGeom prst="straightConnector1">
+            <a:avLst/>
+          </a:prstGeom>
+          <a:ln w="12700">
+            <a:tailEnd type="triangle"/>
+          </a:ln>
+        </p:spPr>
+        <p:style>
+          <a:lnRef idx="1">
+            <a:schemeClr val="accent1"/>
+          </a:lnRef>
+          <a:fillRef idx="0">
+            <a:schemeClr val="accent1"/>
+          </a:fillRef>
+          <a:effectRef idx="0">
+            <a:schemeClr val="accent1"/>
+          </a:effectRef>
+          <a:fontRef idx="minor">
+            <a:schemeClr val="tx1"/>
+          </a:fontRef>
+        </p:style>
+      </p:cxnSp>
+      <p:cxnSp>
+        <p:nvCxnSpPr>
+          <p:cNvPr id="19" name="Straight Arrow Connector 18">
+            <a:extLst>
+              <a:ext uri="{FF2B5EF4-FFF2-40B4-BE49-F238E27FC236}">
+                <a16:creationId xmlns:a16="http://schemas.microsoft.com/office/drawing/2014/main" xmlns="" id="{85FC4942-B34C-4B5F-90EE-B4F60819EA1B}"/>
+              </a:ext>
+            </a:extLst>
+          </p:cNvPr>
+          <p:cNvCxnSpPr>
+            <a:cxnSpLocks/>
+          </p:cNvCxnSpPr>
+          <p:nvPr/>
+        </p:nvCxnSpPr>
+        <p:spPr>
+          <a:xfrm flipV="1">
+            <a:off x="5331540" y="3013008"/>
+            <a:ext cx="388238" cy="2"/>
+          </a:xfrm>
+          <a:prstGeom prst="straightConnector1">
+            <a:avLst/>
+          </a:prstGeom>
+          <a:ln w="12700">
+            <a:tailEnd type="triangle"/>
+          </a:ln>
+        </p:spPr>
+        <p:style>
+          <a:lnRef idx="1">
+            <a:schemeClr val="accent1"/>
+          </a:lnRef>
+          <a:fillRef idx="0">
+            <a:schemeClr val="accent1"/>
+          </a:fillRef>
+          <a:effectRef idx="0">
+            <a:schemeClr val="accent1"/>
+          </a:effectRef>
+          <a:fontRef idx="minor">
+            <a:schemeClr val="tx1"/>
+          </a:fontRef>
+        </p:style>
+      </p:cxnSp>
+      <p:sp>
+        <p:nvSpPr>
+          <p:cNvPr id="21" name="Rectangle: Rounded Corners 47">
+            <a:extLst>
+              <a:ext uri="{FF2B5EF4-FFF2-40B4-BE49-F238E27FC236}">
+                <a16:creationId xmlns:a16="http://schemas.microsoft.com/office/drawing/2014/main" xmlns="" id="{C8B6EFD3-B617-46F5-A1AF-10E68C1FE390}"/>
+              </a:ext>
+            </a:extLst>
+          </p:cNvPr>
+          <p:cNvSpPr/>
+          <p:nvPr/>
+        </p:nvSpPr>
+        <p:spPr>
+          <a:xfrm>
+            <a:off x="6400754" y="1216865"/>
+            <a:ext cx="1529861" cy="408703"/>
+          </a:xfrm>
+          <a:prstGeom prst="roundRect">
+            <a:avLst/>
+          </a:prstGeom>
+          <a:solidFill>
+            <a:srgbClr val="4472C4">
+              <a:alpha val="69804"/>
+            </a:srgbClr>
+          </a:solidFill>
+        </p:spPr>
+        <p:style>
+          <a:lnRef idx="2">
+            <a:schemeClr val="accent1">
+              <a:shade val="50000"/>
+            </a:schemeClr>
+          </a:lnRef>
+          <a:fillRef idx="1">
+            <a:schemeClr val="accent1"/>
+          </a:fillRef>
+          <a:effectRef idx="0">
+            <a:schemeClr val="accent1"/>
+          </a:effectRef>
+          <a:fontRef idx="minor">
+            <a:schemeClr val="lt1"/>
+          </a:fontRef>
+        </p:style>
+        <p:txBody>
+          <a:bodyPr rtlCol="0" anchor="ctr"/>
+          <a:lstStyle/>
+          <a:p>
+            <a:pPr algn="ctr"/>
+            <a:r>
+              <a:rPr lang="en-US" sz="1400" dirty="0"/>
+              <a:t>Interactive learner</a:t>
+            </a:r>
+          </a:p>
+        </p:txBody>
+      </p:sp>
+      <p:cxnSp>
+        <p:nvCxnSpPr>
+          <p:cNvPr id="22" name="Straight Arrow Connector 21">
+            <a:extLst>
+              <a:ext uri="{FF2B5EF4-FFF2-40B4-BE49-F238E27FC236}">
+                <a16:creationId xmlns:a16="http://schemas.microsoft.com/office/drawing/2014/main" xmlns="" id="{0C1F7EA4-3C03-44B5-9F73-17E73B616260}"/>
+              </a:ext>
+            </a:extLst>
+          </p:cNvPr>
+          <p:cNvCxnSpPr>
+            <a:cxnSpLocks/>
+          </p:cNvCxnSpPr>
+          <p:nvPr/>
+        </p:nvCxnSpPr>
+        <p:spPr>
+          <a:xfrm flipH="1" flipV="1">
+            <a:off x="8025360" y="1339903"/>
+            <a:ext cx="1093238" cy="1066393"/>
+          </a:xfrm>
+          <a:prstGeom prst="straightConnector1">
+            <a:avLst/>
+          </a:prstGeom>
+          <a:ln w="12700">
+            <a:solidFill>
+              <a:schemeClr val="accent2">
+                <a:lumMod val="75000"/>
+              </a:schemeClr>
+            </a:solidFill>
+            <a:tailEnd type="triangle"/>
+          </a:ln>
+        </p:spPr>
+        <p:style>
+          <a:lnRef idx="1">
+            <a:schemeClr val="accent1"/>
+          </a:lnRef>
+          <a:fillRef idx="0">
+            <a:schemeClr val="accent1"/>
+          </a:fillRef>
+          <a:effectRef idx="0">
+            <a:schemeClr val="accent1"/>
+          </a:effectRef>
+          <a:fontRef idx="minor">
+            <a:schemeClr val="tx1"/>
+          </a:fontRef>
+        </p:style>
+      </p:cxnSp>
+      <p:cxnSp>
+        <p:nvCxnSpPr>
+          <p:cNvPr id="23" name="Straight Arrow Connector 22">
+            <a:extLst>
+              <a:ext uri="{FF2B5EF4-FFF2-40B4-BE49-F238E27FC236}">
+                <a16:creationId xmlns:a16="http://schemas.microsoft.com/office/drawing/2014/main" xmlns="" id="{85FC4942-B34C-4B5F-90EE-B4F60819EA1B}"/>
+              </a:ext>
+            </a:extLst>
+          </p:cNvPr>
+          <p:cNvCxnSpPr>
+            <a:cxnSpLocks/>
+          </p:cNvCxnSpPr>
+          <p:nvPr/>
+        </p:nvCxnSpPr>
+        <p:spPr>
+          <a:xfrm flipH="1">
+            <a:off x="4773733" y="1444982"/>
+            <a:ext cx="1523572" cy="1177028"/>
+          </a:xfrm>
+          <a:prstGeom prst="straightConnector1">
+            <a:avLst/>
+          </a:prstGeom>
+          <a:ln w="12700">
+            <a:tailEnd type="triangle"/>
+          </a:ln>
+        </p:spPr>
+        <p:style>
+          <a:lnRef idx="1">
+            <a:schemeClr val="accent1"/>
+          </a:lnRef>
+          <a:fillRef idx="0">
+            <a:schemeClr val="accent1"/>
+          </a:fillRef>
+          <a:effectRef idx="0">
+            <a:schemeClr val="accent1"/>
+          </a:effectRef>
+          <a:fontRef idx="minor">
+            <a:schemeClr val="tx1"/>
+          </a:fontRef>
+        </p:style>
+      </p:cxnSp>
+    </p:spTree>
+    <p:extLst>
+      <p:ext uri="{BB962C8B-B14F-4D97-AF65-F5344CB8AC3E}">
+        <p14:creationId xmlns:p14="http://schemas.microsoft.com/office/powerpoint/2010/main" val="483348639"/>
       </p:ext>
     </p:extLst>
   </p:cSld>
@@ -16288,7 +18273,7 @@
           <p:cNvPr id="2" name="Rectangle: Rounded Corners 1">
             <a:extLst>
               <a:ext uri="{FF2B5EF4-FFF2-40B4-BE49-F238E27FC236}">
-                <a16:creationId xmlns:a16="http://schemas.microsoft.com/office/drawing/2014/main" id="{94914581-A239-4E4E-B903-6745EFC22AD8}"/>
+                <a16:creationId xmlns:a16="http://schemas.microsoft.com/office/drawing/2014/main" xmlns="" id="{94914581-A239-4E4E-B903-6745EFC22AD8}"/>
               </a:ext>
             </a:extLst>
           </p:cNvPr>
@@ -16340,7 +18325,7 @@
           <p:cNvPr id="3" name="Rectangle: Rounded Corners 2">
             <a:extLst>
               <a:ext uri="{FF2B5EF4-FFF2-40B4-BE49-F238E27FC236}">
-                <a16:creationId xmlns:a16="http://schemas.microsoft.com/office/drawing/2014/main" id="{7032DDBE-82BA-40A2-A0AF-233720047F03}"/>
+                <a16:creationId xmlns:a16="http://schemas.microsoft.com/office/drawing/2014/main" xmlns="" id="{7032DDBE-82BA-40A2-A0AF-233720047F03}"/>
               </a:ext>
             </a:extLst>
           </p:cNvPr>
@@ -16392,7 +18377,7 @@
           <p:cNvPr id="4" name="Rectangle: Rounded Corners 3">
             <a:extLst>
               <a:ext uri="{FF2B5EF4-FFF2-40B4-BE49-F238E27FC236}">
-                <a16:creationId xmlns:a16="http://schemas.microsoft.com/office/drawing/2014/main" id="{6B5052D7-E5CB-48F3-A028-F5E95FB36588}"/>
+                <a16:creationId xmlns:a16="http://schemas.microsoft.com/office/drawing/2014/main" xmlns="" id="{6B5052D7-E5CB-48F3-A028-F5E95FB36588}"/>
               </a:ext>
             </a:extLst>
           </p:cNvPr>
@@ -16444,7 +18429,7 @@
           <p:cNvPr id="7" name="Rectangle: Rounded Corners 6">
             <a:extLst>
               <a:ext uri="{FF2B5EF4-FFF2-40B4-BE49-F238E27FC236}">
-                <a16:creationId xmlns:a16="http://schemas.microsoft.com/office/drawing/2014/main" id="{F5788756-02EC-4EE5-B325-FCDB75AEE49C}"/>
+                <a16:creationId xmlns:a16="http://schemas.microsoft.com/office/drawing/2014/main" xmlns="" id="{F5788756-02EC-4EE5-B325-FCDB75AEE49C}"/>
               </a:ext>
             </a:extLst>
           </p:cNvPr>
@@ -16496,7 +18481,7 @@
           <p:cNvPr id="8" name="Rectangle: Rounded Corners 7">
             <a:extLst>
               <a:ext uri="{FF2B5EF4-FFF2-40B4-BE49-F238E27FC236}">
-                <a16:creationId xmlns:a16="http://schemas.microsoft.com/office/drawing/2014/main" id="{6A473AB6-3DD9-46BF-9529-7D20333B2005}"/>
+                <a16:creationId xmlns:a16="http://schemas.microsoft.com/office/drawing/2014/main" xmlns="" id="{6A473AB6-3DD9-46BF-9529-7D20333B2005}"/>
               </a:ext>
             </a:extLst>
           </p:cNvPr>
@@ -16548,7 +18533,7 @@
           <p:cNvPr id="9" name="TextBox 8">
             <a:extLst>
               <a:ext uri="{FF2B5EF4-FFF2-40B4-BE49-F238E27FC236}">
-                <a16:creationId xmlns:a16="http://schemas.microsoft.com/office/drawing/2014/main" id="{A84E63A6-5FA5-4600-B696-CBDA35913C43}"/>
+                <a16:creationId xmlns:a16="http://schemas.microsoft.com/office/drawing/2014/main" xmlns="" id="{A84E63A6-5FA5-4600-B696-CBDA35913C43}"/>
               </a:ext>
             </a:extLst>
           </p:cNvPr>
@@ -16588,7 +18573,7 @@
           <p:cNvPr id="10" name="TextBox 9">
             <a:extLst>
               <a:ext uri="{FF2B5EF4-FFF2-40B4-BE49-F238E27FC236}">
-                <a16:creationId xmlns:a16="http://schemas.microsoft.com/office/drawing/2014/main" id="{F6862023-1D3C-4B2E-8E40-A0A208CF4185}"/>
+                <a16:creationId xmlns:a16="http://schemas.microsoft.com/office/drawing/2014/main" xmlns="" id="{F6862023-1D3C-4B2E-8E40-A0A208CF4185}"/>
               </a:ext>
             </a:extLst>
           </p:cNvPr>
@@ -16628,7 +18613,7 @@
           <p:cNvPr id="11" name="TextBox 10">
             <a:extLst>
               <a:ext uri="{FF2B5EF4-FFF2-40B4-BE49-F238E27FC236}">
-                <a16:creationId xmlns:a16="http://schemas.microsoft.com/office/drawing/2014/main" id="{EB098D9A-3046-40FA-B5FA-2CDEF516980C}"/>
+                <a16:creationId xmlns:a16="http://schemas.microsoft.com/office/drawing/2014/main" xmlns="" id="{EB098D9A-3046-40FA-B5FA-2CDEF516980C}"/>
               </a:ext>
             </a:extLst>
           </p:cNvPr>
@@ -16668,7 +18653,7 @@
           <p:cNvPr id="12" name="TextBox 11">
             <a:extLst>
               <a:ext uri="{FF2B5EF4-FFF2-40B4-BE49-F238E27FC236}">
-                <a16:creationId xmlns:a16="http://schemas.microsoft.com/office/drawing/2014/main" id="{68BDD838-C752-4D23-BDEE-5538E688C7E1}"/>
+                <a16:creationId xmlns:a16="http://schemas.microsoft.com/office/drawing/2014/main" xmlns="" id="{68BDD838-C752-4D23-BDEE-5538E688C7E1}"/>
               </a:ext>
             </a:extLst>
           </p:cNvPr>
@@ -16708,7 +18693,7 @@
           <p:cNvPr id="18" name="Oval 17">
             <a:extLst>
               <a:ext uri="{FF2B5EF4-FFF2-40B4-BE49-F238E27FC236}">
-                <a16:creationId xmlns:a16="http://schemas.microsoft.com/office/drawing/2014/main" id="{4EF4E720-B3FA-4FBA-A184-5CE6CCEC4183}"/>
+                <a16:creationId xmlns:a16="http://schemas.microsoft.com/office/drawing/2014/main" xmlns="" id="{4EF4E720-B3FA-4FBA-A184-5CE6CCEC4183}"/>
               </a:ext>
             </a:extLst>
           </p:cNvPr>
@@ -16757,7 +18742,7 @@
           <p:cNvPr id="19" name="TextBox 18">
             <a:extLst>
               <a:ext uri="{FF2B5EF4-FFF2-40B4-BE49-F238E27FC236}">
-                <a16:creationId xmlns:a16="http://schemas.microsoft.com/office/drawing/2014/main" id="{EC6EACFC-6292-4E3C-BCE6-7DEC921732E8}"/>
+                <a16:creationId xmlns:a16="http://schemas.microsoft.com/office/drawing/2014/main" xmlns="" id="{EC6EACFC-6292-4E3C-BCE6-7DEC921732E8}"/>
               </a:ext>
             </a:extLst>
           </p:cNvPr>
@@ -16792,7 +18777,7 @@
           <p:cNvPr id="20" name="Oval 19">
             <a:extLst>
               <a:ext uri="{FF2B5EF4-FFF2-40B4-BE49-F238E27FC236}">
-                <a16:creationId xmlns:a16="http://schemas.microsoft.com/office/drawing/2014/main" id="{87961153-DC95-40FF-813D-6D1B0EDB07E4}"/>
+                <a16:creationId xmlns:a16="http://schemas.microsoft.com/office/drawing/2014/main" xmlns="" id="{87961153-DC95-40FF-813D-6D1B0EDB07E4}"/>
               </a:ext>
             </a:extLst>
           </p:cNvPr>
@@ -16841,7 +18826,7 @@
           <p:cNvPr id="21" name="TextBox 20">
             <a:extLst>
               <a:ext uri="{FF2B5EF4-FFF2-40B4-BE49-F238E27FC236}">
-                <a16:creationId xmlns:a16="http://schemas.microsoft.com/office/drawing/2014/main" id="{FBCB9919-5300-4C6D-A32B-2145B5C8C760}"/>
+                <a16:creationId xmlns:a16="http://schemas.microsoft.com/office/drawing/2014/main" xmlns="" id="{FBCB9919-5300-4C6D-A32B-2145B5C8C760}"/>
               </a:ext>
             </a:extLst>
           </p:cNvPr>
@@ -16876,7 +18861,7 @@
           <p:cNvPr id="22" name="Oval 21">
             <a:extLst>
               <a:ext uri="{FF2B5EF4-FFF2-40B4-BE49-F238E27FC236}">
-                <a16:creationId xmlns:a16="http://schemas.microsoft.com/office/drawing/2014/main" id="{E3DF3DEB-7DA8-4866-99D6-1B7FA5BFB161}"/>
+                <a16:creationId xmlns:a16="http://schemas.microsoft.com/office/drawing/2014/main" xmlns="" id="{E3DF3DEB-7DA8-4866-99D6-1B7FA5BFB161}"/>
               </a:ext>
             </a:extLst>
           </p:cNvPr>
@@ -16925,7 +18910,7 @@
           <p:cNvPr id="23" name="TextBox 22">
             <a:extLst>
               <a:ext uri="{FF2B5EF4-FFF2-40B4-BE49-F238E27FC236}">
-                <a16:creationId xmlns:a16="http://schemas.microsoft.com/office/drawing/2014/main" id="{AB001121-C7FA-4829-A43A-9E9F0F558C94}"/>
+                <a16:creationId xmlns:a16="http://schemas.microsoft.com/office/drawing/2014/main" xmlns="" id="{AB001121-C7FA-4829-A43A-9E9F0F558C94}"/>
               </a:ext>
             </a:extLst>
           </p:cNvPr>
@@ -16960,7 +18945,7 @@
           <p:cNvPr id="26" name="Rectangle: Rounded Corners 25">
             <a:extLst>
               <a:ext uri="{FF2B5EF4-FFF2-40B4-BE49-F238E27FC236}">
-                <a16:creationId xmlns:a16="http://schemas.microsoft.com/office/drawing/2014/main" id="{43597FC9-D08D-4DB2-B50D-85636DDFB1FD}"/>
+                <a16:creationId xmlns:a16="http://schemas.microsoft.com/office/drawing/2014/main" xmlns="" id="{43597FC9-D08D-4DB2-B50D-85636DDFB1FD}"/>
               </a:ext>
             </a:extLst>
           </p:cNvPr>
@@ -17012,7 +18997,7 @@
           <p:cNvPr id="24" name="TextBox 23">
             <a:extLst>
               <a:ext uri="{FF2B5EF4-FFF2-40B4-BE49-F238E27FC236}">
-                <a16:creationId xmlns:a16="http://schemas.microsoft.com/office/drawing/2014/main" id="{99ED3904-79E6-409C-91B0-E81DB2961D2C}"/>
+                <a16:creationId xmlns:a16="http://schemas.microsoft.com/office/drawing/2014/main" xmlns="" id="{99ED3904-79E6-409C-91B0-E81DB2961D2C}"/>
               </a:ext>
             </a:extLst>
           </p:cNvPr>
@@ -17049,7 +19034,7 @@
           <p:cNvPr id="27" name="Rectangle: Rounded Corners 26">
             <a:extLst>
               <a:ext uri="{FF2B5EF4-FFF2-40B4-BE49-F238E27FC236}">
-                <a16:creationId xmlns:a16="http://schemas.microsoft.com/office/drawing/2014/main" id="{B80A81C2-7C6A-4B24-B208-7F298E1C0E51}"/>
+                <a16:creationId xmlns:a16="http://schemas.microsoft.com/office/drawing/2014/main" xmlns="" id="{B80A81C2-7C6A-4B24-B208-7F298E1C0E51}"/>
               </a:ext>
             </a:extLst>
           </p:cNvPr>
@@ -17101,7 +19086,7 @@
           <p:cNvPr id="28" name="TextBox 27">
             <a:extLst>
               <a:ext uri="{FF2B5EF4-FFF2-40B4-BE49-F238E27FC236}">
-                <a16:creationId xmlns:a16="http://schemas.microsoft.com/office/drawing/2014/main" id="{96306BB0-E53B-4452-BDAD-7FF69E592EE0}"/>
+                <a16:creationId xmlns:a16="http://schemas.microsoft.com/office/drawing/2014/main" xmlns="" id="{96306BB0-E53B-4452-BDAD-7FF69E592EE0}"/>
               </a:ext>
             </a:extLst>
           </p:cNvPr>
@@ -17138,7 +19123,7 @@
           <p:cNvPr id="29" name="Rectangle: Rounded Corners 28">
             <a:extLst>
               <a:ext uri="{FF2B5EF4-FFF2-40B4-BE49-F238E27FC236}">
-                <a16:creationId xmlns:a16="http://schemas.microsoft.com/office/drawing/2014/main" id="{E2351EFF-5F89-497A-AF10-0EDDFFC00225}"/>
+                <a16:creationId xmlns:a16="http://schemas.microsoft.com/office/drawing/2014/main" xmlns="" id="{E2351EFF-5F89-497A-AF10-0EDDFFC00225}"/>
               </a:ext>
             </a:extLst>
           </p:cNvPr>
@@ -17190,7 +19175,7 @@
           <p:cNvPr id="30" name="TextBox 29">
             <a:extLst>
               <a:ext uri="{FF2B5EF4-FFF2-40B4-BE49-F238E27FC236}">
-                <a16:creationId xmlns:a16="http://schemas.microsoft.com/office/drawing/2014/main" id="{BB00CF74-1325-4D92-B5AE-C43070380391}"/>
+                <a16:creationId xmlns:a16="http://schemas.microsoft.com/office/drawing/2014/main" xmlns="" id="{BB00CF74-1325-4D92-B5AE-C43070380391}"/>
               </a:ext>
             </a:extLst>
           </p:cNvPr>
@@ -17226,7 +19211,7 @@
           <p:cNvPr id="31" name="Rectangle: Rounded Corners 30">
             <a:extLst>
               <a:ext uri="{FF2B5EF4-FFF2-40B4-BE49-F238E27FC236}">
-                <a16:creationId xmlns:a16="http://schemas.microsoft.com/office/drawing/2014/main" id="{1CEC292D-F4FB-4DD9-85A6-EEBE46A66933}"/>
+                <a16:creationId xmlns:a16="http://schemas.microsoft.com/office/drawing/2014/main" xmlns="" id="{1CEC292D-F4FB-4DD9-85A6-EEBE46A66933}"/>
               </a:ext>
             </a:extLst>
           </p:cNvPr>
@@ -17278,7 +19263,7 @@
           <p:cNvPr id="32" name="TextBox 31">
             <a:extLst>
               <a:ext uri="{FF2B5EF4-FFF2-40B4-BE49-F238E27FC236}">
-                <a16:creationId xmlns:a16="http://schemas.microsoft.com/office/drawing/2014/main" id="{A4014880-C9D7-4317-AF22-0050B4F80F42}"/>
+                <a16:creationId xmlns:a16="http://schemas.microsoft.com/office/drawing/2014/main" xmlns="" id="{A4014880-C9D7-4317-AF22-0050B4F80F42}"/>
               </a:ext>
             </a:extLst>
           </p:cNvPr>
@@ -17315,7 +19300,7 @@
           <p:cNvPr id="35" name="Oval 34">
             <a:extLst>
               <a:ext uri="{FF2B5EF4-FFF2-40B4-BE49-F238E27FC236}">
-                <a16:creationId xmlns:a16="http://schemas.microsoft.com/office/drawing/2014/main" id="{757D8724-7FD9-4046-9348-F2245B47710B}"/>
+                <a16:creationId xmlns:a16="http://schemas.microsoft.com/office/drawing/2014/main" xmlns="" id="{757D8724-7FD9-4046-9348-F2245B47710B}"/>
               </a:ext>
             </a:extLst>
           </p:cNvPr>
@@ -17364,7 +19349,7 @@
           <p:cNvPr id="36" name="TextBox 35">
             <a:extLst>
               <a:ext uri="{FF2B5EF4-FFF2-40B4-BE49-F238E27FC236}">
-                <a16:creationId xmlns:a16="http://schemas.microsoft.com/office/drawing/2014/main" id="{06B6C862-7F07-4CBA-946D-26F483DBC050}"/>
+                <a16:creationId xmlns:a16="http://schemas.microsoft.com/office/drawing/2014/main" xmlns="" id="{06B6C862-7F07-4CBA-946D-26F483DBC050}"/>
               </a:ext>
             </a:extLst>
           </p:cNvPr>
@@ -17399,7 +19384,7 @@
           <p:cNvPr id="42" name="Straight Connector 41">
             <a:extLst>
               <a:ext uri="{FF2B5EF4-FFF2-40B4-BE49-F238E27FC236}">
-                <a16:creationId xmlns:a16="http://schemas.microsoft.com/office/drawing/2014/main" id="{A79BDACA-3909-4CFB-A88C-7D3315995DA3}"/>
+                <a16:creationId xmlns:a16="http://schemas.microsoft.com/office/drawing/2014/main" xmlns="" id="{A79BDACA-3909-4CFB-A88C-7D3315995DA3}"/>
               </a:ext>
             </a:extLst>
           </p:cNvPr>
@@ -17438,7 +19423,7 @@
           <p:cNvPr id="44" name="Straight Arrow Connector 43">
             <a:extLst>
               <a:ext uri="{FF2B5EF4-FFF2-40B4-BE49-F238E27FC236}">
-                <a16:creationId xmlns:a16="http://schemas.microsoft.com/office/drawing/2014/main" id="{DA12E1AA-1968-4300-91A8-7CF36E3AA370}"/>
+                <a16:creationId xmlns:a16="http://schemas.microsoft.com/office/drawing/2014/main" xmlns="" id="{DA12E1AA-1968-4300-91A8-7CF36E3AA370}"/>
               </a:ext>
             </a:extLst>
           </p:cNvPr>
@@ -17479,7 +19464,7 @@
           <p:cNvPr id="45" name="Straight Arrow Connector 44">
             <a:extLst>
               <a:ext uri="{FF2B5EF4-FFF2-40B4-BE49-F238E27FC236}">
-                <a16:creationId xmlns:a16="http://schemas.microsoft.com/office/drawing/2014/main" id="{2ED1E2AE-9C37-4CBC-A5D0-1D1754742BF4}"/>
+                <a16:creationId xmlns:a16="http://schemas.microsoft.com/office/drawing/2014/main" xmlns="" id="{2ED1E2AE-9C37-4CBC-A5D0-1D1754742BF4}"/>
               </a:ext>
             </a:extLst>
           </p:cNvPr>
@@ -17520,7 +19505,7 @@
           <p:cNvPr id="46" name="Straight Arrow Connector 45">
             <a:extLst>
               <a:ext uri="{FF2B5EF4-FFF2-40B4-BE49-F238E27FC236}">
-                <a16:creationId xmlns:a16="http://schemas.microsoft.com/office/drawing/2014/main" id="{D358C605-0A41-4BD5-8F08-9BEDFB850058}"/>
+                <a16:creationId xmlns:a16="http://schemas.microsoft.com/office/drawing/2014/main" xmlns="" id="{D358C605-0A41-4BD5-8F08-9BEDFB850058}"/>
               </a:ext>
             </a:extLst>
           </p:cNvPr>
@@ -17561,7 +19546,7 @@
           <p:cNvPr id="47" name="Straight Arrow Connector 46">
             <a:extLst>
               <a:ext uri="{FF2B5EF4-FFF2-40B4-BE49-F238E27FC236}">
-                <a16:creationId xmlns:a16="http://schemas.microsoft.com/office/drawing/2014/main" id="{DFE76A4A-A3C2-44C7-9F3E-00E3832D73DF}"/>
+                <a16:creationId xmlns:a16="http://schemas.microsoft.com/office/drawing/2014/main" xmlns="" id="{DFE76A4A-A3C2-44C7-9F3E-00E3832D73DF}"/>
               </a:ext>
             </a:extLst>
           </p:cNvPr>
@@ -17602,7 +19587,7 @@
           <p:cNvPr id="48" name="Rectangle: Rounded Corners 47">
             <a:extLst>
               <a:ext uri="{FF2B5EF4-FFF2-40B4-BE49-F238E27FC236}">
-                <a16:creationId xmlns:a16="http://schemas.microsoft.com/office/drawing/2014/main" id="{CC110DDE-E2E3-4ABE-8981-F2CD4B5FC04D}"/>
+                <a16:creationId xmlns:a16="http://schemas.microsoft.com/office/drawing/2014/main" xmlns="" id="{CC110DDE-E2E3-4ABE-8981-F2CD4B5FC04D}"/>
               </a:ext>
             </a:extLst>
           </p:cNvPr>
@@ -17654,7 +19639,7 @@
           <p:cNvPr id="49" name="TextBox 48">
             <a:extLst>
               <a:ext uri="{FF2B5EF4-FFF2-40B4-BE49-F238E27FC236}">
-                <a16:creationId xmlns:a16="http://schemas.microsoft.com/office/drawing/2014/main" id="{A3A05D1D-6B80-4CCC-A3BF-A7C6EF6F9220}"/>
+                <a16:creationId xmlns:a16="http://schemas.microsoft.com/office/drawing/2014/main" xmlns="" id="{A3A05D1D-6B80-4CCC-A3BF-A7C6EF6F9220}"/>
               </a:ext>
             </a:extLst>
           </p:cNvPr>
@@ -17694,7 +19679,7 @@
           <p:cNvPr id="53" name="Straight Arrow Connector 52">
             <a:extLst>
               <a:ext uri="{FF2B5EF4-FFF2-40B4-BE49-F238E27FC236}">
-                <a16:creationId xmlns:a16="http://schemas.microsoft.com/office/drawing/2014/main" id="{69B377B1-A31C-4940-9FC5-68F51D8CB3E4}"/>
+                <a16:creationId xmlns:a16="http://schemas.microsoft.com/office/drawing/2014/main" xmlns="" id="{69B377B1-A31C-4940-9FC5-68F51D8CB3E4}"/>
               </a:ext>
             </a:extLst>
           </p:cNvPr>
@@ -17735,7 +19720,7 @@
           <p:cNvPr id="55" name="Straight Arrow Connector 54">
             <a:extLst>
               <a:ext uri="{FF2B5EF4-FFF2-40B4-BE49-F238E27FC236}">
-                <a16:creationId xmlns:a16="http://schemas.microsoft.com/office/drawing/2014/main" id="{380DADC8-F850-433A-B179-F83CBD72ECA6}"/>
+                <a16:creationId xmlns:a16="http://schemas.microsoft.com/office/drawing/2014/main" xmlns="" id="{380DADC8-F850-433A-B179-F83CBD72ECA6}"/>
               </a:ext>
             </a:extLst>
           </p:cNvPr>
@@ -17776,7 +19761,7 @@
           <p:cNvPr id="61" name="Straight Arrow Connector 60">
             <a:extLst>
               <a:ext uri="{FF2B5EF4-FFF2-40B4-BE49-F238E27FC236}">
-                <a16:creationId xmlns:a16="http://schemas.microsoft.com/office/drawing/2014/main" id="{12A10EFA-2433-4F2C-9F95-C92F0DB56444}"/>
+                <a16:creationId xmlns:a16="http://schemas.microsoft.com/office/drawing/2014/main" xmlns="" id="{12A10EFA-2433-4F2C-9F95-C92F0DB56444}"/>
               </a:ext>
             </a:extLst>
           </p:cNvPr>
@@ -17817,7 +19802,7 @@
           <p:cNvPr id="63" name="Straight Arrow Connector 62">
             <a:extLst>
               <a:ext uri="{FF2B5EF4-FFF2-40B4-BE49-F238E27FC236}">
-                <a16:creationId xmlns:a16="http://schemas.microsoft.com/office/drawing/2014/main" id="{400EAD45-4DAA-4B32-BC8F-A34C37E2ED90}"/>
+                <a16:creationId xmlns:a16="http://schemas.microsoft.com/office/drawing/2014/main" xmlns="" id="{400EAD45-4DAA-4B32-BC8F-A34C37E2ED90}"/>
               </a:ext>
             </a:extLst>
           </p:cNvPr>
@@ -17858,7 +19843,7 @@
           <p:cNvPr id="65" name="Straight Arrow Connector 64">
             <a:extLst>
               <a:ext uri="{FF2B5EF4-FFF2-40B4-BE49-F238E27FC236}">
-                <a16:creationId xmlns:a16="http://schemas.microsoft.com/office/drawing/2014/main" id="{F7788DE3-1E1C-48C9-8CF3-17B02D346DFE}"/>
+                <a16:creationId xmlns:a16="http://schemas.microsoft.com/office/drawing/2014/main" xmlns="" id="{F7788DE3-1E1C-48C9-8CF3-17B02D346DFE}"/>
               </a:ext>
             </a:extLst>
           </p:cNvPr>
@@ -17899,7 +19884,7 @@
           <p:cNvPr id="68" name="Straight Arrow Connector 67">
             <a:extLst>
               <a:ext uri="{FF2B5EF4-FFF2-40B4-BE49-F238E27FC236}">
-                <a16:creationId xmlns:a16="http://schemas.microsoft.com/office/drawing/2014/main" id="{AE528A05-F9CC-4597-B7A6-5B5C6F2D2CF3}"/>
+                <a16:creationId xmlns:a16="http://schemas.microsoft.com/office/drawing/2014/main" xmlns="" id="{AE528A05-F9CC-4597-B7A6-5B5C6F2D2CF3}"/>
               </a:ext>
             </a:extLst>
           </p:cNvPr>
@@ -17940,7 +19925,7 @@
           <p:cNvPr id="70" name="Straight Arrow Connector 69">
             <a:extLst>
               <a:ext uri="{FF2B5EF4-FFF2-40B4-BE49-F238E27FC236}">
-                <a16:creationId xmlns:a16="http://schemas.microsoft.com/office/drawing/2014/main" id="{D56E001C-CAA2-4547-93C1-5A36EC504C91}"/>
+                <a16:creationId xmlns:a16="http://schemas.microsoft.com/office/drawing/2014/main" xmlns="" id="{D56E001C-CAA2-4547-93C1-5A36EC504C91}"/>
               </a:ext>
             </a:extLst>
           </p:cNvPr>
@@ -17981,7 +19966,7 @@
           <p:cNvPr id="72" name="Straight Arrow Connector 71">
             <a:extLst>
               <a:ext uri="{FF2B5EF4-FFF2-40B4-BE49-F238E27FC236}">
-                <a16:creationId xmlns:a16="http://schemas.microsoft.com/office/drawing/2014/main" id="{4DC59B5F-1521-4E94-8756-E968997AC0EA}"/>
+                <a16:creationId xmlns:a16="http://schemas.microsoft.com/office/drawing/2014/main" xmlns="" id="{4DC59B5F-1521-4E94-8756-E968997AC0EA}"/>
               </a:ext>
             </a:extLst>
           </p:cNvPr>
@@ -18022,7 +20007,7 @@
           <p:cNvPr id="74" name="Straight Connector 73">
             <a:extLst>
               <a:ext uri="{FF2B5EF4-FFF2-40B4-BE49-F238E27FC236}">
-                <a16:creationId xmlns:a16="http://schemas.microsoft.com/office/drawing/2014/main" id="{F8779C99-985D-40F1-93C6-B044744B79C1}"/>
+                <a16:creationId xmlns:a16="http://schemas.microsoft.com/office/drawing/2014/main" xmlns="" id="{F8779C99-985D-40F1-93C6-B044744B79C1}"/>
               </a:ext>
             </a:extLst>
           </p:cNvPr>
@@ -18064,7 +20049,7 @@
           <p:cNvPr id="76" name="Straight Arrow Connector 75">
             <a:extLst>
               <a:ext uri="{FF2B5EF4-FFF2-40B4-BE49-F238E27FC236}">
-                <a16:creationId xmlns:a16="http://schemas.microsoft.com/office/drawing/2014/main" id="{12463498-C054-4570-B7CD-3773A1F556C2}"/>
+                <a16:creationId xmlns:a16="http://schemas.microsoft.com/office/drawing/2014/main" xmlns="" id="{12463498-C054-4570-B7CD-3773A1F556C2}"/>
               </a:ext>
             </a:extLst>
           </p:cNvPr>
@@ -18106,7 +20091,7 @@
           <p:cNvPr id="95" name="Straight Arrow Connector 94">
             <a:extLst>
               <a:ext uri="{FF2B5EF4-FFF2-40B4-BE49-F238E27FC236}">
-                <a16:creationId xmlns:a16="http://schemas.microsoft.com/office/drawing/2014/main" id="{953F6042-4E43-4D95-B9F9-CD4844950042}"/>
+                <a16:creationId xmlns:a16="http://schemas.microsoft.com/office/drawing/2014/main" xmlns="" id="{953F6042-4E43-4D95-B9F9-CD4844950042}"/>
               </a:ext>
             </a:extLst>
           </p:cNvPr>
@@ -18147,7 +20132,7 @@
           <p:cNvPr id="97" name="Straight Arrow Connector 96">
             <a:extLst>
               <a:ext uri="{FF2B5EF4-FFF2-40B4-BE49-F238E27FC236}">
-                <a16:creationId xmlns:a16="http://schemas.microsoft.com/office/drawing/2014/main" id="{C56BDD1F-1FA9-4116-9D3B-4178129501BD}"/>
+                <a16:creationId xmlns:a16="http://schemas.microsoft.com/office/drawing/2014/main" xmlns="" id="{C56BDD1F-1FA9-4116-9D3B-4178129501BD}"/>
               </a:ext>
             </a:extLst>
           </p:cNvPr>
@@ -18188,7 +20173,7 @@
           <p:cNvPr id="99" name="Straight Arrow Connector 98">
             <a:extLst>
               <a:ext uri="{FF2B5EF4-FFF2-40B4-BE49-F238E27FC236}">
-                <a16:creationId xmlns:a16="http://schemas.microsoft.com/office/drawing/2014/main" id="{536DA73F-261D-4A24-AAE9-86B41D383342}"/>
+                <a16:creationId xmlns:a16="http://schemas.microsoft.com/office/drawing/2014/main" xmlns="" id="{536DA73F-261D-4A24-AAE9-86B41D383342}"/>
               </a:ext>
             </a:extLst>
           </p:cNvPr>
@@ -18229,7 +20214,7 @@
           <p:cNvPr id="104" name="Connector: Elbow 103">
             <a:extLst>
               <a:ext uri="{FF2B5EF4-FFF2-40B4-BE49-F238E27FC236}">
-                <a16:creationId xmlns:a16="http://schemas.microsoft.com/office/drawing/2014/main" id="{9F57930E-7C39-4E10-ABD6-62F7A9F6F6C0}"/>
+                <a16:creationId xmlns:a16="http://schemas.microsoft.com/office/drawing/2014/main" xmlns="" id="{9F57930E-7C39-4E10-ABD6-62F7A9F6F6C0}"/>
               </a:ext>
             </a:extLst>
           </p:cNvPr>
@@ -18271,7 +20256,7 @@
           <p:cNvPr id="108" name="Rectangle: Rounded Corners 107">
             <a:extLst>
               <a:ext uri="{FF2B5EF4-FFF2-40B4-BE49-F238E27FC236}">
-                <a16:creationId xmlns:a16="http://schemas.microsoft.com/office/drawing/2014/main" id="{00FDF223-49FE-48B5-8105-AE5C03541234}"/>
+                <a16:creationId xmlns:a16="http://schemas.microsoft.com/office/drawing/2014/main" xmlns="" id="{00FDF223-49FE-48B5-8105-AE5C03541234}"/>
               </a:ext>
             </a:extLst>
           </p:cNvPr>
@@ -18323,7 +20308,7 @@
           <p:cNvPr id="109" name="TextBox 108">
             <a:extLst>
               <a:ext uri="{FF2B5EF4-FFF2-40B4-BE49-F238E27FC236}">
-                <a16:creationId xmlns:a16="http://schemas.microsoft.com/office/drawing/2014/main" id="{244DEFCC-6FE0-4C9A-90C5-322E35CD86CC}"/>
+                <a16:creationId xmlns:a16="http://schemas.microsoft.com/office/drawing/2014/main" xmlns="" id="{244DEFCC-6FE0-4C9A-90C5-322E35CD86CC}"/>
               </a:ext>
             </a:extLst>
           </p:cNvPr>
@@ -18359,7 +20344,7 @@
           <p:cNvPr id="110" name="Rectangle: Rounded Corners 109">
             <a:extLst>
               <a:ext uri="{FF2B5EF4-FFF2-40B4-BE49-F238E27FC236}">
-                <a16:creationId xmlns:a16="http://schemas.microsoft.com/office/drawing/2014/main" id="{D415FF9C-4E51-47E6-A810-0DB9BC67434B}"/>
+                <a16:creationId xmlns:a16="http://schemas.microsoft.com/office/drawing/2014/main" xmlns="" id="{D415FF9C-4E51-47E6-A810-0DB9BC67434B}"/>
               </a:ext>
             </a:extLst>
           </p:cNvPr>
@@ -18411,7 +20396,7 @@
           <p:cNvPr id="111" name="TextBox 110">
             <a:extLst>
               <a:ext uri="{FF2B5EF4-FFF2-40B4-BE49-F238E27FC236}">
-                <a16:creationId xmlns:a16="http://schemas.microsoft.com/office/drawing/2014/main" id="{94DBE5BF-4C35-469E-9423-F21C9717749E}"/>
+                <a16:creationId xmlns:a16="http://schemas.microsoft.com/office/drawing/2014/main" xmlns="" id="{94DBE5BF-4C35-469E-9423-F21C9717749E}"/>
               </a:ext>
             </a:extLst>
           </p:cNvPr>
@@ -18448,7 +20433,7 @@
           <p:cNvPr id="114" name="Oval 113">
             <a:extLst>
               <a:ext uri="{FF2B5EF4-FFF2-40B4-BE49-F238E27FC236}">
-                <a16:creationId xmlns:a16="http://schemas.microsoft.com/office/drawing/2014/main" id="{F53FF920-DD70-420C-851C-F86EA0467CD1}"/>
+                <a16:creationId xmlns:a16="http://schemas.microsoft.com/office/drawing/2014/main" xmlns="" id="{F53FF920-DD70-420C-851C-F86EA0467CD1}"/>
               </a:ext>
             </a:extLst>
           </p:cNvPr>
@@ -18497,7 +20482,7 @@
           <p:cNvPr id="115" name="TextBox 114">
             <a:extLst>
               <a:ext uri="{FF2B5EF4-FFF2-40B4-BE49-F238E27FC236}">
-                <a16:creationId xmlns:a16="http://schemas.microsoft.com/office/drawing/2014/main" id="{035B6930-B182-4D59-963D-AC66036C7D11}"/>
+                <a16:creationId xmlns:a16="http://schemas.microsoft.com/office/drawing/2014/main" xmlns="" id="{035B6930-B182-4D59-963D-AC66036C7D11}"/>
               </a:ext>
             </a:extLst>
           </p:cNvPr>
@@ -18532,7 +20517,7 @@
           <p:cNvPr id="118" name="Oval 117">
             <a:extLst>
               <a:ext uri="{FF2B5EF4-FFF2-40B4-BE49-F238E27FC236}">
-                <a16:creationId xmlns:a16="http://schemas.microsoft.com/office/drawing/2014/main" id="{88D33199-F90C-4043-9771-3DC0DD0A9B10}"/>
+                <a16:creationId xmlns:a16="http://schemas.microsoft.com/office/drawing/2014/main" xmlns="" id="{88D33199-F90C-4043-9771-3DC0DD0A9B10}"/>
               </a:ext>
             </a:extLst>
           </p:cNvPr>
@@ -18581,7 +20566,7 @@
           <p:cNvPr id="119" name="TextBox 118">
             <a:extLst>
               <a:ext uri="{FF2B5EF4-FFF2-40B4-BE49-F238E27FC236}">
-                <a16:creationId xmlns:a16="http://schemas.microsoft.com/office/drawing/2014/main" id="{0FD2BCAB-C6A0-4483-863F-3A7A12752883}"/>
+                <a16:creationId xmlns:a16="http://schemas.microsoft.com/office/drawing/2014/main" xmlns="" id="{0FD2BCAB-C6A0-4483-863F-3A7A12752883}"/>
               </a:ext>
             </a:extLst>
           </p:cNvPr>
@@ -18616,7 +20601,7 @@
           <p:cNvPr id="121" name="TextBox 120">
             <a:extLst>
               <a:ext uri="{FF2B5EF4-FFF2-40B4-BE49-F238E27FC236}">
-                <a16:creationId xmlns:a16="http://schemas.microsoft.com/office/drawing/2014/main" id="{2AD33CEE-29DC-4008-A226-F356E41F4282}"/>
+                <a16:creationId xmlns:a16="http://schemas.microsoft.com/office/drawing/2014/main" xmlns="" id="{2AD33CEE-29DC-4008-A226-F356E41F4282}"/>
               </a:ext>
             </a:extLst>
           </p:cNvPr>
@@ -18652,7 +20637,7 @@
           <p:cNvPr id="125" name="Oval 124">
             <a:extLst>
               <a:ext uri="{FF2B5EF4-FFF2-40B4-BE49-F238E27FC236}">
-                <a16:creationId xmlns:a16="http://schemas.microsoft.com/office/drawing/2014/main" id="{EA63BD4B-8C4C-4331-A43F-500E8AFC8C0D}"/>
+                <a16:creationId xmlns:a16="http://schemas.microsoft.com/office/drawing/2014/main" xmlns="" id="{EA63BD4B-8C4C-4331-A43F-500E8AFC8C0D}"/>
               </a:ext>
             </a:extLst>
           </p:cNvPr>
@@ -18701,7 +20686,7 @@
           <p:cNvPr id="126" name="TextBox 125">
             <a:extLst>
               <a:ext uri="{FF2B5EF4-FFF2-40B4-BE49-F238E27FC236}">
-                <a16:creationId xmlns:a16="http://schemas.microsoft.com/office/drawing/2014/main" id="{E6F33F6F-3E19-454E-94EF-23CFA5081AD2}"/>
+                <a16:creationId xmlns:a16="http://schemas.microsoft.com/office/drawing/2014/main" xmlns="" id="{E6F33F6F-3E19-454E-94EF-23CFA5081AD2}"/>
               </a:ext>
             </a:extLst>
           </p:cNvPr>
@@ -18736,7 +20721,7 @@
           <p:cNvPr id="127" name="Oval 126">
             <a:extLst>
               <a:ext uri="{FF2B5EF4-FFF2-40B4-BE49-F238E27FC236}">
-                <a16:creationId xmlns:a16="http://schemas.microsoft.com/office/drawing/2014/main" id="{55EFB462-99AE-4F17-8522-5A0D0E82DE8F}"/>
+                <a16:creationId xmlns:a16="http://schemas.microsoft.com/office/drawing/2014/main" xmlns="" id="{55EFB462-99AE-4F17-8522-5A0D0E82DE8F}"/>
               </a:ext>
             </a:extLst>
           </p:cNvPr>
@@ -18785,7 +20770,7 @@
           <p:cNvPr id="128" name="TextBox 127">
             <a:extLst>
               <a:ext uri="{FF2B5EF4-FFF2-40B4-BE49-F238E27FC236}">
-                <a16:creationId xmlns:a16="http://schemas.microsoft.com/office/drawing/2014/main" id="{227444FB-5B7D-43FB-8E36-C9C374F58F22}"/>
+                <a16:creationId xmlns:a16="http://schemas.microsoft.com/office/drawing/2014/main" xmlns="" id="{227444FB-5B7D-43FB-8E36-C9C374F58F22}"/>
               </a:ext>
             </a:extLst>
           </p:cNvPr>
@@ -18820,7 +20805,7 @@
           <p:cNvPr id="129" name="TextBox 128">
             <a:extLst>
               <a:ext uri="{FF2B5EF4-FFF2-40B4-BE49-F238E27FC236}">
-                <a16:creationId xmlns:a16="http://schemas.microsoft.com/office/drawing/2014/main" id="{B8816C32-D0AC-4011-AC2C-4424918B7638}"/>
+                <a16:creationId xmlns:a16="http://schemas.microsoft.com/office/drawing/2014/main" xmlns="" id="{B8816C32-D0AC-4011-AC2C-4424918B7638}"/>
               </a:ext>
             </a:extLst>
           </p:cNvPr>
@@ -18856,7 +20841,7 @@
           <p:cNvPr id="130" name="TextBox 129">
             <a:extLst>
               <a:ext uri="{FF2B5EF4-FFF2-40B4-BE49-F238E27FC236}">
-                <a16:creationId xmlns:a16="http://schemas.microsoft.com/office/drawing/2014/main" id="{5522E75F-4E11-4DDC-801A-6E04670EF9D5}"/>
+                <a16:creationId xmlns:a16="http://schemas.microsoft.com/office/drawing/2014/main" xmlns="" id="{5522E75F-4E11-4DDC-801A-6E04670EF9D5}"/>
               </a:ext>
             </a:extLst>
           </p:cNvPr>
@@ -18892,7 +20877,7 @@
           <p:cNvPr id="131" name="TextBox 130">
             <a:extLst>
               <a:ext uri="{FF2B5EF4-FFF2-40B4-BE49-F238E27FC236}">
-                <a16:creationId xmlns:a16="http://schemas.microsoft.com/office/drawing/2014/main" id="{356A7384-E3CA-48CF-BDB6-61BC8823AE78}"/>
+                <a16:creationId xmlns:a16="http://schemas.microsoft.com/office/drawing/2014/main" xmlns="" id="{356A7384-E3CA-48CF-BDB6-61BC8823AE78}"/>
               </a:ext>
             </a:extLst>
           </p:cNvPr>
@@ -18929,7 +20914,7 @@
           <p:cNvPr id="132" name="TextBox 131">
             <a:extLst>
               <a:ext uri="{FF2B5EF4-FFF2-40B4-BE49-F238E27FC236}">
-                <a16:creationId xmlns:a16="http://schemas.microsoft.com/office/drawing/2014/main" id="{798503FC-5C70-4514-881F-508DE62A0122}"/>
+                <a16:creationId xmlns:a16="http://schemas.microsoft.com/office/drawing/2014/main" xmlns="" id="{798503FC-5C70-4514-881F-508DE62A0122}"/>
               </a:ext>
             </a:extLst>
           </p:cNvPr>
@@ -18965,7 +20950,7 @@
           <p:cNvPr id="133" name="TextBox 132">
             <a:extLst>
               <a:ext uri="{FF2B5EF4-FFF2-40B4-BE49-F238E27FC236}">
-                <a16:creationId xmlns:a16="http://schemas.microsoft.com/office/drawing/2014/main" id="{06D17C53-6A36-4700-A452-5851B52AA5CB}"/>
+                <a16:creationId xmlns:a16="http://schemas.microsoft.com/office/drawing/2014/main" xmlns="" id="{06D17C53-6A36-4700-A452-5851B52AA5CB}"/>
               </a:ext>
             </a:extLst>
           </p:cNvPr>
@@ -19000,7 +20985,7 @@
           <p:cNvPr id="134" name="Straight Arrow Connector 133">
             <a:extLst>
               <a:ext uri="{FF2B5EF4-FFF2-40B4-BE49-F238E27FC236}">
-                <a16:creationId xmlns:a16="http://schemas.microsoft.com/office/drawing/2014/main" id="{FD2ABD3C-249C-4E0F-9A26-7B19C626AB6D}"/>
+                <a16:creationId xmlns:a16="http://schemas.microsoft.com/office/drawing/2014/main" xmlns="" id="{FD2ABD3C-249C-4E0F-9A26-7B19C626AB6D}"/>
               </a:ext>
             </a:extLst>
           </p:cNvPr>
@@ -19041,7 +21026,7 @@
           <p:cNvPr id="136" name="TextBox 135">
             <a:extLst>
               <a:ext uri="{FF2B5EF4-FFF2-40B4-BE49-F238E27FC236}">
-                <a16:creationId xmlns:a16="http://schemas.microsoft.com/office/drawing/2014/main" id="{55B97FB0-2812-4419-BBCE-BDC62EC46C4B}"/>
+                <a16:creationId xmlns:a16="http://schemas.microsoft.com/office/drawing/2014/main" xmlns="" id="{55B97FB0-2812-4419-BBCE-BDC62EC46C4B}"/>
               </a:ext>
             </a:extLst>
           </p:cNvPr>
@@ -19076,7 +21061,7 @@
           <p:cNvPr id="137" name="TextBox 136">
             <a:extLst>
               <a:ext uri="{FF2B5EF4-FFF2-40B4-BE49-F238E27FC236}">
-                <a16:creationId xmlns:a16="http://schemas.microsoft.com/office/drawing/2014/main" id="{09F894DB-58C8-4E3F-8A27-C157A75AD1C1}"/>
+                <a16:creationId xmlns:a16="http://schemas.microsoft.com/office/drawing/2014/main" xmlns="" id="{09F894DB-58C8-4E3F-8A27-C157A75AD1C1}"/>
               </a:ext>
             </a:extLst>
           </p:cNvPr>
@@ -19112,7 +21097,7 @@
           <p:cNvPr id="138" name="Oval 137">
             <a:extLst>
               <a:ext uri="{FF2B5EF4-FFF2-40B4-BE49-F238E27FC236}">
-                <a16:creationId xmlns:a16="http://schemas.microsoft.com/office/drawing/2014/main" id="{A76957CB-1431-45B6-B929-E672ACFEC176}"/>
+                <a16:creationId xmlns:a16="http://schemas.microsoft.com/office/drawing/2014/main" xmlns="" id="{A76957CB-1431-45B6-B929-E672ACFEC176}"/>
               </a:ext>
             </a:extLst>
           </p:cNvPr>
@@ -19161,7 +21146,7 @@
           <p:cNvPr id="38" name="TextBox 37">
             <a:extLst>
               <a:ext uri="{FF2B5EF4-FFF2-40B4-BE49-F238E27FC236}">
-                <a16:creationId xmlns:a16="http://schemas.microsoft.com/office/drawing/2014/main" id="{433C3148-9D40-4B6A-9C9F-7955A3565BF1}"/>
+                <a16:creationId xmlns:a16="http://schemas.microsoft.com/office/drawing/2014/main" xmlns="" id="{433C3148-9D40-4B6A-9C9F-7955A3565BF1}"/>
               </a:ext>
             </a:extLst>
           </p:cNvPr>
@@ -19197,7 +21182,7 @@
           <p:cNvPr id="139" name="Oval 138">
             <a:extLst>
               <a:ext uri="{FF2B5EF4-FFF2-40B4-BE49-F238E27FC236}">
-                <a16:creationId xmlns:a16="http://schemas.microsoft.com/office/drawing/2014/main" id="{DDFD1242-AAB9-4A0B-A129-CBEC0249A7EB}"/>
+                <a16:creationId xmlns:a16="http://schemas.microsoft.com/office/drawing/2014/main" xmlns="" id="{DDFD1242-AAB9-4A0B-A129-CBEC0249A7EB}"/>
               </a:ext>
             </a:extLst>
           </p:cNvPr>
@@ -19246,7 +21231,7 @@
           <p:cNvPr id="140" name="TextBox 139">
             <a:extLst>
               <a:ext uri="{FF2B5EF4-FFF2-40B4-BE49-F238E27FC236}">
-                <a16:creationId xmlns:a16="http://schemas.microsoft.com/office/drawing/2014/main" id="{94CBED89-677D-4679-BE03-40975E54DD2B}"/>
+                <a16:creationId xmlns:a16="http://schemas.microsoft.com/office/drawing/2014/main" xmlns="" id="{94CBED89-677D-4679-BE03-40975E54DD2B}"/>
               </a:ext>
             </a:extLst>
           </p:cNvPr>
@@ -19282,7 +21267,7 @@
           <p:cNvPr id="141" name="TextBox 140">
             <a:extLst>
               <a:ext uri="{FF2B5EF4-FFF2-40B4-BE49-F238E27FC236}">
-                <a16:creationId xmlns:a16="http://schemas.microsoft.com/office/drawing/2014/main" id="{0DCDA8F5-4E24-4329-A002-EC707B7B6650}"/>
+                <a16:creationId xmlns:a16="http://schemas.microsoft.com/office/drawing/2014/main" xmlns="" id="{0DCDA8F5-4E24-4329-A002-EC707B7B6650}"/>
               </a:ext>
             </a:extLst>
           </p:cNvPr>
@@ -19318,7 +21303,7 @@
           <p:cNvPr id="142" name="TextBox 141">
             <a:extLst>
               <a:ext uri="{FF2B5EF4-FFF2-40B4-BE49-F238E27FC236}">
-                <a16:creationId xmlns:a16="http://schemas.microsoft.com/office/drawing/2014/main" id="{D7A7F537-EE19-430B-9E41-12B4BA8D1558}"/>
+                <a16:creationId xmlns:a16="http://schemas.microsoft.com/office/drawing/2014/main" xmlns="" id="{D7A7F537-EE19-430B-9E41-12B4BA8D1558}"/>
               </a:ext>
             </a:extLst>
           </p:cNvPr>
@@ -19358,7 +21343,7 @@
           <p:cNvPr id="143" name="TextBox 142">
             <a:extLst>
               <a:ext uri="{FF2B5EF4-FFF2-40B4-BE49-F238E27FC236}">
-                <a16:creationId xmlns:a16="http://schemas.microsoft.com/office/drawing/2014/main" id="{CE6702C0-D16B-4E70-8A95-FC6B21C214FB}"/>
+                <a16:creationId xmlns:a16="http://schemas.microsoft.com/office/drawing/2014/main" xmlns="" id="{CE6702C0-D16B-4E70-8A95-FC6B21C214FB}"/>
               </a:ext>
             </a:extLst>
           </p:cNvPr>
@@ -19398,7 +21383,7 @@
           <p:cNvPr id="144" name="TextBox 143">
             <a:extLst>
               <a:ext uri="{FF2B5EF4-FFF2-40B4-BE49-F238E27FC236}">
-                <a16:creationId xmlns:a16="http://schemas.microsoft.com/office/drawing/2014/main" id="{EA67A7FF-F06D-4621-B42A-E565E8891CC0}"/>
+                <a16:creationId xmlns:a16="http://schemas.microsoft.com/office/drawing/2014/main" xmlns="" id="{EA67A7FF-F06D-4621-B42A-E565E8891CC0}"/>
               </a:ext>
             </a:extLst>
           </p:cNvPr>
@@ -19438,7 +21423,7 @@
           <p:cNvPr id="145" name="TextBox 144">
             <a:extLst>
               <a:ext uri="{FF2B5EF4-FFF2-40B4-BE49-F238E27FC236}">
-                <a16:creationId xmlns:a16="http://schemas.microsoft.com/office/drawing/2014/main" id="{5F293963-C8ED-44E4-A1E9-363322ED6920}"/>
+                <a16:creationId xmlns:a16="http://schemas.microsoft.com/office/drawing/2014/main" xmlns="" id="{5F293963-C8ED-44E4-A1E9-363322ED6920}"/>
               </a:ext>
             </a:extLst>
           </p:cNvPr>
@@ -19508,7 +21493,7 @@
           <p:cNvPr id="3" name="Picture 2">
             <a:extLst>
               <a:ext uri="{FF2B5EF4-FFF2-40B4-BE49-F238E27FC236}">
-                <a16:creationId xmlns:a16="http://schemas.microsoft.com/office/drawing/2014/main" id="{E093C7C9-9588-4B26-B285-D7B7501A8D5B}"/>
+                <a16:creationId xmlns:a16="http://schemas.microsoft.com/office/drawing/2014/main" xmlns="" id="{E093C7C9-9588-4B26-B285-D7B7501A8D5B}"/>
               </a:ext>
             </a:extLst>
           </p:cNvPr>
@@ -19544,7 +21529,7 @@
           <p:cNvPr id="5" name="Picture 4">
             <a:extLst>
               <a:ext uri="{FF2B5EF4-FFF2-40B4-BE49-F238E27FC236}">
-                <a16:creationId xmlns:a16="http://schemas.microsoft.com/office/drawing/2014/main" id="{77874012-7500-4728-B206-C08E36F5639D}"/>
+                <a16:creationId xmlns:a16="http://schemas.microsoft.com/office/drawing/2014/main" xmlns="" id="{77874012-7500-4728-B206-C08E36F5639D}"/>
               </a:ext>
             </a:extLst>
           </p:cNvPr>
@@ -19580,7 +21565,7 @@
           <p:cNvPr id="7" name="Straight Arrow Connector 6">
             <a:extLst>
               <a:ext uri="{FF2B5EF4-FFF2-40B4-BE49-F238E27FC236}">
-                <a16:creationId xmlns:a16="http://schemas.microsoft.com/office/drawing/2014/main" id="{E3398746-2C5E-4F8D-8404-238C0B242852}"/>
+                <a16:creationId xmlns:a16="http://schemas.microsoft.com/office/drawing/2014/main" xmlns="" id="{E3398746-2C5E-4F8D-8404-238C0B242852}"/>
               </a:ext>
             </a:extLst>
           </p:cNvPr>
@@ -19653,7 +21638,7 @@
           <p:cNvPr id="2" name="Rectangle 1">
             <a:extLst>
               <a:ext uri="{FF2B5EF4-FFF2-40B4-BE49-F238E27FC236}">
-                <a16:creationId xmlns:a16="http://schemas.microsoft.com/office/drawing/2014/main" id="{FE046559-76B1-4B20-AFC3-A184F6A26DA8}"/>
+                <a16:creationId xmlns:a16="http://schemas.microsoft.com/office/drawing/2014/main" xmlns="" id="{FE046559-76B1-4B20-AFC3-A184F6A26DA8}"/>
               </a:ext>
             </a:extLst>
           </p:cNvPr>
@@ -19699,7 +21684,7 @@
           <p:cNvPr id="3" name="Rectangle 2">
             <a:extLst>
               <a:ext uri="{FF2B5EF4-FFF2-40B4-BE49-F238E27FC236}">
-                <a16:creationId xmlns:a16="http://schemas.microsoft.com/office/drawing/2014/main" id="{3C42E523-AFD4-470A-B5A4-D4FD95BB5667}"/>
+                <a16:creationId xmlns:a16="http://schemas.microsoft.com/office/drawing/2014/main" xmlns="" id="{3C42E523-AFD4-470A-B5A4-D4FD95BB5667}"/>
               </a:ext>
             </a:extLst>
           </p:cNvPr>
@@ -19745,7 +21730,7 @@
           <p:cNvPr id="4" name="Straight Connector 3">
             <a:extLst>
               <a:ext uri="{FF2B5EF4-FFF2-40B4-BE49-F238E27FC236}">
-                <a16:creationId xmlns:a16="http://schemas.microsoft.com/office/drawing/2014/main" id="{165F6E83-51F5-48F9-A041-22E1D41212E2}"/>
+                <a16:creationId xmlns:a16="http://schemas.microsoft.com/office/drawing/2014/main" xmlns="" id="{165F6E83-51F5-48F9-A041-22E1D41212E2}"/>
               </a:ext>
             </a:extLst>
           </p:cNvPr>
@@ -19785,7 +21770,7 @@
           <p:cNvPr id="5" name="Rectangle 4">
             <a:extLst>
               <a:ext uri="{FF2B5EF4-FFF2-40B4-BE49-F238E27FC236}">
-                <a16:creationId xmlns:a16="http://schemas.microsoft.com/office/drawing/2014/main" id="{4317DD76-A72D-499F-80F0-6F2F0FD89C21}"/>
+                <a16:creationId xmlns:a16="http://schemas.microsoft.com/office/drawing/2014/main" xmlns="" id="{4317DD76-A72D-499F-80F0-6F2F0FD89C21}"/>
               </a:ext>
             </a:extLst>
           </p:cNvPr>
@@ -19831,7 +21816,7 @@
           <p:cNvPr id="6" name="Straight Connector 5">
             <a:extLst>
               <a:ext uri="{FF2B5EF4-FFF2-40B4-BE49-F238E27FC236}">
-                <a16:creationId xmlns:a16="http://schemas.microsoft.com/office/drawing/2014/main" id="{6B9A6D03-8D13-4C1E-B575-2CE9A12D38F3}"/>
+                <a16:creationId xmlns:a16="http://schemas.microsoft.com/office/drawing/2014/main" xmlns="" id="{6B9A6D03-8D13-4C1E-B575-2CE9A12D38F3}"/>
               </a:ext>
             </a:extLst>
           </p:cNvPr>
@@ -19870,7 +21855,7 @@
           <p:cNvPr id="7" name="TextBox 6">
             <a:extLst>
               <a:ext uri="{FF2B5EF4-FFF2-40B4-BE49-F238E27FC236}">
-                <a16:creationId xmlns:a16="http://schemas.microsoft.com/office/drawing/2014/main" id="{7A5E4009-0B8B-46DE-98CC-30D763A2EF0A}"/>
+                <a16:creationId xmlns:a16="http://schemas.microsoft.com/office/drawing/2014/main" xmlns="" id="{7A5E4009-0B8B-46DE-98CC-30D763A2EF0A}"/>
               </a:ext>
             </a:extLst>
           </p:cNvPr>
@@ -19906,7 +21891,7 @@
           <p:cNvPr id="8" name="TextBox 7">
             <a:extLst>
               <a:ext uri="{FF2B5EF4-FFF2-40B4-BE49-F238E27FC236}">
-                <a16:creationId xmlns:a16="http://schemas.microsoft.com/office/drawing/2014/main" id="{95781765-A52D-4A7B-89E0-3111434BC633}"/>
+                <a16:creationId xmlns:a16="http://schemas.microsoft.com/office/drawing/2014/main" xmlns="" id="{95781765-A52D-4A7B-89E0-3111434BC633}"/>
               </a:ext>
             </a:extLst>
           </p:cNvPr>
@@ -19961,7 +21946,7 @@
           <p:cNvPr id="9" name="TextBox 8">
             <a:extLst>
               <a:ext uri="{FF2B5EF4-FFF2-40B4-BE49-F238E27FC236}">
-                <a16:creationId xmlns:a16="http://schemas.microsoft.com/office/drawing/2014/main" id="{FC06655B-02BC-4FF6-8B89-B24582D26F73}"/>
+                <a16:creationId xmlns:a16="http://schemas.microsoft.com/office/drawing/2014/main" xmlns="" id="{FC06655B-02BC-4FF6-8B89-B24582D26F73}"/>
               </a:ext>
             </a:extLst>
           </p:cNvPr>
@@ -20016,7 +22001,7 @@
           <p:cNvPr id="10" name="TextBox 9">
             <a:extLst>
               <a:ext uri="{FF2B5EF4-FFF2-40B4-BE49-F238E27FC236}">
-                <a16:creationId xmlns:a16="http://schemas.microsoft.com/office/drawing/2014/main" id="{0F1591A3-B836-4EB9-87D5-1ECFA764E730}"/>
+                <a16:creationId xmlns:a16="http://schemas.microsoft.com/office/drawing/2014/main" xmlns="" id="{0F1591A3-B836-4EB9-87D5-1ECFA764E730}"/>
               </a:ext>
             </a:extLst>
           </p:cNvPr>
@@ -20071,7 +22056,7 @@
           <p:cNvPr id="11" name="TextBox 10">
             <a:extLst>
               <a:ext uri="{FF2B5EF4-FFF2-40B4-BE49-F238E27FC236}">
-                <a16:creationId xmlns:a16="http://schemas.microsoft.com/office/drawing/2014/main" id="{44CA9F4A-3E8E-4E51-9444-250EF46B1B4C}"/>
+                <a16:creationId xmlns:a16="http://schemas.microsoft.com/office/drawing/2014/main" xmlns="" id="{44CA9F4A-3E8E-4E51-9444-250EF46B1B4C}"/>
               </a:ext>
             </a:extLst>
           </p:cNvPr>
@@ -20126,7 +22111,7 @@
           <p:cNvPr id="12" name="Table 11">
             <a:extLst>
               <a:ext uri="{FF2B5EF4-FFF2-40B4-BE49-F238E27FC236}">
-                <a16:creationId xmlns:a16="http://schemas.microsoft.com/office/drawing/2014/main" id="{8609B135-BD24-46C9-9103-7320116A6E95}"/>
+                <a16:creationId xmlns:a16="http://schemas.microsoft.com/office/drawing/2014/main" xmlns="" id="{8609B135-BD24-46C9-9103-7320116A6E95}"/>
               </a:ext>
             </a:extLst>
           </p:cNvPr>
@@ -20155,35 +22140,35 @@
                 <a:gridCol w="396240">
                   <a:extLst>
                     <a:ext uri="{9D8B030D-6E8A-4147-A177-3AD203B41FA5}">
-                      <a16:colId xmlns:a16="http://schemas.microsoft.com/office/drawing/2014/main" val="3806177184"/>
+                      <a16:colId xmlns:a16="http://schemas.microsoft.com/office/drawing/2014/main" xmlns="" val="3806177184"/>
                     </a:ext>
                   </a:extLst>
                 </a:gridCol>
                 <a:gridCol w="396240">
                   <a:extLst>
                     <a:ext uri="{9D8B030D-6E8A-4147-A177-3AD203B41FA5}">
-                      <a16:colId xmlns:a16="http://schemas.microsoft.com/office/drawing/2014/main" val="995372208"/>
+                      <a16:colId xmlns:a16="http://schemas.microsoft.com/office/drawing/2014/main" xmlns="" val="995372208"/>
                     </a:ext>
                   </a:extLst>
                 </a:gridCol>
                 <a:gridCol w="396240">
                   <a:extLst>
                     <a:ext uri="{9D8B030D-6E8A-4147-A177-3AD203B41FA5}">
-                      <a16:colId xmlns:a16="http://schemas.microsoft.com/office/drawing/2014/main" val="40047974"/>
+                      <a16:colId xmlns:a16="http://schemas.microsoft.com/office/drawing/2014/main" xmlns="" val="40047974"/>
                     </a:ext>
                   </a:extLst>
                 </a:gridCol>
                 <a:gridCol w="396240">
                   <a:extLst>
                     <a:ext uri="{9D8B030D-6E8A-4147-A177-3AD203B41FA5}">
-                      <a16:colId xmlns:a16="http://schemas.microsoft.com/office/drawing/2014/main" val="3887870823"/>
+                      <a16:colId xmlns:a16="http://schemas.microsoft.com/office/drawing/2014/main" xmlns="" val="3887870823"/>
                     </a:ext>
                   </a:extLst>
                 </a:gridCol>
                 <a:gridCol w="396240">
                   <a:extLst>
                     <a:ext uri="{9D8B030D-6E8A-4147-A177-3AD203B41FA5}">
-                      <a16:colId xmlns:a16="http://schemas.microsoft.com/office/drawing/2014/main" val="2562895583"/>
+                      <a16:colId xmlns:a16="http://schemas.microsoft.com/office/drawing/2014/main" xmlns="" val="2562895583"/>
                     </a:ext>
                   </a:extLst>
                 </a:gridCol>
@@ -20277,7 +22262,7 @@
                 </a:tc>
                 <a:extLst>
                   <a:ext uri="{0D108BD9-81ED-4DB2-BD59-A6C34878D82A}">
-                    <a16:rowId xmlns:a16="http://schemas.microsoft.com/office/drawing/2014/main" val="4259432351"/>
+                    <a16:rowId xmlns:a16="http://schemas.microsoft.com/office/drawing/2014/main" xmlns="" val="4259432351"/>
                   </a:ext>
                 </a:extLst>
               </a:tr>
@@ -20290,7 +22275,7 @@
           <p:cNvPr id="13" name="Rectangle: Rounded Corners 12">
             <a:extLst>
               <a:ext uri="{FF2B5EF4-FFF2-40B4-BE49-F238E27FC236}">
-                <a16:creationId xmlns:a16="http://schemas.microsoft.com/office/drawing/2014/main" id="{553D89B1-6AA5-474F-902C-EA45738F225C}"/>
+                <a16:creationId xmlns:a16="http://schemas.microsoft.com/office/drawing/2014/main" xmlns="" id="{553D89B1-6AA5-474F-902C-EA45738F225C}"/>
               </a:ext>
             </a:extLst>
           </p:cNvPr>
@@ -20349,7 +22334,7 @@
           <p:cNvPr id="14" name="Straight Arrow Connector 13">
             <a:extLst>
               <a:ext uri="{FF2B5EF4-FFF2-40B4-BE49-F238E27FC236}">
-                <a16:creationId xmlns:a16="http://schemas.microsoft.com/office/drawing/2014/main" id="{99C157BC-C125-4386-8294-916A17BED447}"/>
+                <a16:creationId xmlns:a16="http://schemas.microsoft.com/office/drawing/2014/main" xmlns="" id="{99C157BC-C125-4386-8294-916A17BED447}"/>
               </a:ext>
             </a:extLst>
           </p:cNvPr>
@@ -20390,7 +22375,7 @@
           <p:cNvPr id="15" name="Straight Arrow Connector 14">
             <a:extLst>
               <a:ext uri="{FF2B5EF4-FFF2-40B4-BE49-F238E27FC236}">
-                <a16:creationId xmlns:a16="http://schemas.microsoft.com/office/drawing/2014/main" id="{1CB69C37-357D-43D5-BB10-A2181B616379}"/>
+                <a16:creationId xmlns:a16="http://schemas.microsoft.com/office/drawing/2014/main" xmlns="" id="{1CB69C37-357D-43D5-BB10-A2181B616379}"/>
               </a:ext>
             </a:extLst>
           </p:cNvPr>
@@ -20431,7 +22416,7 @@
           <p:cNvPr id="16" name="TextBox 15">
             <a:extLst>
               <a:ext uri="{FF2B5EF4-FFF2-40B4-BE49-F238E27FC236}">
-                <a16:creationId xmlns:a16="http://schemas.microsoft.com/office/drawing/2014/main" id="{C5F7FECF-C6E5-4E56-A680-E27BD1A10453}"/>
+                <a16:creationId xmlns:a16="http://schemas.microsoft.com/office/drawing/2014/main" xmlns="" id="{C5F7FECF-C6E5-4E56-A680-E27BD1A10453}"/>
               </a:ext>
             </a:extLst>
           </p:cNvPr>
@@ -20471,7 +22456,7 @@
           <p:cNvPr id="17" name="TextBox 16">
             <a:extLst>
               <a:ext uri="{FF2B5EF4-FFF2-40B4-BE49-F238E27FC236}">
-                <a16:creationId xmlns:a16="http://schemas.microsoft.com/office/drawing/2014/main" id="{156BF751-21E4-44C0-B5FD-BF3FF709E75A}"/>
+                <a16:creationId xmlns:a16="http://schemas.microsoft.com/office/drawing/2014/main" xmlns="" id="{156BF751-21E4-44C0-B5FD-BF3FF709E75A}"/>
               </a:ext>
             </a:extLst>
           </p:cNvPr>
@@ -20511,7 +22496,7 @@
           <p:cNvPr id="18" name="Straight Connector 17">
             <a:extLst>
               <a:ext uri="{FF2B5EF4-FFF2-40B4-BE49-F238E27FC236}">
-                <a16:creationId xmlns:a16="http://schemas.microsoft.com/office/drawing/2014/main" id="{542DAC25-E78A-464D-8C54-EF24A28A0481}"/>
+                <a16:creationId xmlns:a16="http://schemas.microsoft.com/office/drawing/2014/main" xmlns="" id="{542DAC25-E78A-464D-8C54-EF24A28A0481}"/>
               </a:ext>
             </a:extLst>
           </p:cNvPr>
@@ -20550,7 +22535,7 @@
           <p:cNvPr id="19" name="Straight Connector 18">
             <a:extLst>
               <a:ext uri="{FF2B5EF4-FFF2-40B4-BE49-F238E27FC236}">
-                <a16:creationId xmlns:a16="http://schemas.microsoft.com/office/drawing/2014/main" id="{345E4C95-2AC6-433C-9CCE-59FB1EE86A21}"/>
+                <a16:creationId xmlns:a16="http://schemas.microsoft.com/office/drawing/2014/main" xmlns="" id="{345E4C95-2AC6-433C-9CCE-59FB1EE86A21}"/>
               </a:ext>
             </a:extLst>
           </p:cNvPr>
@@ -20589,7 +22574,7 @@
           <p:cNvPr id="20" name="Straight Connector 19">
             <a:extLst>
               <a:ext uri="{FF2B5EF4-FFF2-40B4-BE49-F238E27FC236}">
-                <a16:creationId xmlns:a16="http://schemas.microsoft.com/office/drawing/2014/main" id="{DB7E4AC8-37FB-406D-8BE2-7F79F64EF8C6}"/>
+                <a16:creationId xmlns:a16="http://schemas.microsoft.com/office/drawing/2014/main" xmlns="" id="{DB7E4AC8-37FB-406D-8BE2-7F79F64EF8C6}"/>
               </a:ext>
             </a:extLst>
           </p:cNvPr>
@@ -20628,7 +22613,7 @@
           <p:cNvPr id="21" name="Straight Connector 20">
             <a:extLst>
               <a:ext uri="{FF2B5EF4-FFF2-40B4-BE49-F238E27FC236}">
-                <a16:creationId xmlns:a16="http://schemas.microsoft.com/office/drawing/2014/main" id="{43B88E84-A8B4-446E-AB4A-253B7B55F93D}"/>
+                <a16:creationId xmlns:a16="http://schemas.microsoft.com/office/drawing/2014/main" xmlns="" id="{43B88E84-A8B4-446E-AB4A-253B7B55F93D}"/>
               </a:ext>
             </a:extLst>
           </p:cNvPr>
@@ -20667,7 +22652,7 @@
           <p:cNvPr id="22" name="Straight Arrow Connector 21">
             <a:extLst>
               <a:ext uri="{FF2B5EF4-FFF2-40B4-BE49-F238E27FC236}">
-                <a16:creationId xmlns:a16="http://schemas.microsoft.com/office/drawing/2014/main" id="{DDE56ED3-A94E-43DC-A64A-C0E085201D22}"/>
+                <a16:creationId xmlns:a16="http://schemas.microsoft.com/office/drawing/2014/main" xmlns="" id="{DDE56ED3-A94E-43DC-A64A-C0E085201D22}"/>
               </a:ext>
             </a:extLst>
           </p:cNvPr>
@@ -20708,7 +22693,7 @@
           <p:cNvPr id="23" name="Rectangle: Rounded Corners 22">
             <a:extLst>
               <a:ext uri="{FF2B5EF4-FFF2-40B4-BE49-F238E27FC236}">
-                <a16:creationId xmlns:a16="http://schemas.microsoft.com/office/drawing/2014/main" id="{5C7A2DDB-F9CD-42B8-9C14-FE50082EC04B}"/>
+                <a16:creationId xmlns:a16="http://schemas.microsoft.com/office/drawing/2014/main" xmlns="" id="{5C7A2DDB-F9CD-42B8-9C14-FE50082EC04B}"/>
               </a:ext>
             </a:extLst>
           </p:cNvPr>
@@ -20767,7 +22752,7 @@
           <p:cNvPr id="24" name="Straight Arrow Connector 23">
             <a:extLst>
               <a:ext uri="{FF2B5EF4-FFF2-40B4-BE49-F238E27FC236}">
-                <a16:creationId xmlns:a16="http://schemas.microsoft.com/office/drawing/2014/main" id="{49B2BFE3-364B-4E3B-B785-DC727459A650}"/>
+                <a16:creationId xmlns:a16="http://schemas.microsoft.com/office/drawing/2014/main" xmlns="" id="{49B2BFE3-364B-4E3B-B785-DC727459A650}"/>
               </a:ext>
             </a:extLst>
           </p:cNvPr>
@@ -20808,7 +22793,7 @@
           <p:cNvPr id="25" name="Straight Arrow Connector 24">
             <a:extLst>
               <a:ext uri="{FF2B5EF4-FFF2-40B4-BE49-F238E27FC236}">
-                <a16:creationId xmlns:a16="http://schemas.microsoft.com/office/drawing/2014/main" id="{36269363-C655-4FBC-9E07-FEA047A8D64A}"/>
+                <a16:creationId xmlns:a16="http://schemas.microsoft.com/office/drawing/2014/main" xmlns="" id="{36269363-C655-4FBC-9E07-FEA047A8D64A}"/>
               </a:ext>
             </a:extLst>
           </p:cNvPr>
@@ -20849,7 +22834,7 @@
           <p:cNvPr id="26" name="TextBox 25">
             <a:extLst>
               <a:ext uri="{FF2B5EF4-FFF2-40B4-BE49-F238E27FC236}">
-                <a16:creationId xmlns:a16="http://schemas.microsoft.com/office/drawing/2014/main" id="{10C42874-5819-4CF8-9F92-B38D0F441AC5}"/>
+                <a16:creationId xmlns:a16="http://schemas.microsoft.com/office/drawing/2014/main" xmlns="" id="{10C42874-5819-4CF8-9F92-B38D0F441AC5}"/>
               </a:ext>
             </a:extLst>
           </p:cNvPr>
@@ -20889,7 +22874,7 @@
           <p:cNvPr id="27" name="TextBox 26">
             <a:extLst>
               <a:ext uri="{FF2B5EF4-FFF2-40B4-BE49-F238E27FC236}">
-                <a16:creationId xmlns:a16="http://schemas.microsoft.com/office/drawing/2014/main" id="{CD85FFE9-A2D6-46AC-880A-FA5D0C61E488}"/>
+                <a16:creationId xmlns:a16="http://schemas.microsoft.com/office/drawing/2014/main" xmlns="" id="{CD85FFE9-A2D6-46AC-880A-FA5D0C61E488}"/>
               </a:ext>
             </a:extLst>
           </p:cNvPr>
@@ -20929,7 +22914,7 @@
           <p:cNvPr id="28" name="Straight Connector 27">
             <a:extLst>
               <a:ext uri="{FF2B5EF4-FFF2-40B4-BE49-F238E27FC236}">
-                <a16:creationId xmlns:a16="http://schemas.microsoft.com/office/drawing/2014/main" id="{0C4C7C6F-3C20-4F93-AE0E-CE58BF5C6155}"/>
+                <a16:creationId xmlns:a16="http://schemas.microsoft.com/office/drawing/2014/main" xmlns="" id="{0C4C7C6F-3C20-4F93-AE0E-CE58BF5C6155}"/>
               </a:ext>
             </a:extLst>
           </p:cNvPr>
@@ -20968,7 +22953,7 @@
           <p:cNvPr id="29" name="Straight Connector 28">
             <a:extLst>
               <a:ext uri="{FF2B5EF4-FFF2-40B4-BE49-F238E27FC236}">
-                <a16:creationId xmlns:a16="http://schemas.microsoft.com/office/drawing/2014/main" id="{F7E19176-9EDC-4E86-BF0E-365BEC1494CD}"/>
+                <a16:creationId xmlns:a16="http://schemas.microsoft.com/office/drawing/2014/main" xmlns="" id="{F7E19176-9EDC-4E86-BF0E-365BEC1494CD}"/>
               </a:ext>
             </a:extLst>
           </p:cNvPr>
@@ -21007,7 +22992,7 @@
           <p:cNvPr id="30" name="Straight Connector 29">
             <a:extLst>
               <a:ext uri="{FF2B5EF4-FFF2-40B4-BE49-F238E27FC236}">
-                <a16:creationId xmlns:a16="http://schemas.microsoft.com/office/drawing/2014/main" id="{8A17D626-198D-40C2-8CD2-891144E0140B}"/>
+                <a16:creationId xmlns:a16="http://schemas.microsoft.com/office/drawing/2014/main" xmlns="" id="{8A17D626-198D-40C2-8CD2-891144E0140B}"/>
               </a:ext>
             </a:extLst>
           </p:cNvPr>
@@ -21046,7 +23031,7 @@
           <p:cNvPr id="31" name="Straight Connector 30">
             <a:extLst>
               <a:ext uri="{FF2B5EF4-FFF2-40B4-BE49-F238E27FC236}">
-                <a16:creationId xmlns:a16="http://schemas.microsoft.com/office/drawing/2014/main" id="{946A78E2-D30C-4B8C-9873-2BC0536E22FE}"/>
+                <a16:creationId xmlns:a16="http://schemas.microsoft.com/office/drawing/2014/main" xmlns="" id="{946A78E2-D30C-4B8C-9873-2BC0536E22FE}"/>
               </a:ext>
             </a:extLst>
           </p:cNvPr>
@@ -21085,7 +23070,7 @@
           <p:cNvPr id="32" name="Straight Arrow Connector 31">
             <a:extLst>
               <a:ext uri="{FF2B5EF4-FFF2-40B4-BE49-F238E27FC236}">
-                <a16:creationId xmlns:a16="http://schemas.microsoft.com/office/drawing/2014/main" id="{7FC09C6B-71A3-4048-A450-28EC347EBBCA}"/>
+                <a16:creationId xmlns:a16="http://schemas.microsoft.com/office/drawing/2014/main" xmlns="" id="{7FC09C6B-71A3-4048-A450-28EC347EBBCA}"/>
               </a:ext>
             </a:extLst>
           </p:cNvPr>
@@ -21126,7 +23111,7 @@
           <p:cNvPr id="33" name="Table 32">
             <a:extLst>
               <a:ext uri="{FF2B5EF4-FFF2-40B4-BE49-F238E27FC236}">
-                <a16:creationId xmlns:a16="http://schemas.microsoft.com/office/drawing/2014/main" id="{7036EA09-E54C-43C4-8098-2F654841AED7}"/>
+                <a16:creationId xmlns:a16="http://schemas.microsoft.com/office/drawing/2014/main" xmlns="" id="{7036EA09-E54C-43C4-8098-2F654841AED7}"/>
               </a:ext>
             </a:extLst>
           </p:cNvPr>
@@ -21155,35 +23140,35 @@
                 <a:gridCol w="396240">
                   <a:extLst>
                     <a:ext uri="{9D8B030D-6E8A-4147-A177-3AD203B41FA5}">
-                      <a16:colId xmlns:a16="http://schemas.microsoft.com/office/drawing/2014/main" val="3806177184"/>
+                      <a16:colId xmlns:a16="http://schemas.microsoft.com/office/drawing/2014/main" xmlns="" val="3806177184"/>
                     </a:ext>
                   </a:extLst>
                 </a:gridCol>
                 <a:gridCol w="396240">
                   <a:extLst>
                     <a:ext uri="{9D8B030D-6E8A-4147-A177-3AD203B41FA5}">
-                      <a16:colId xmlns:a16="http://schemas.microsoft.com/office/drawing/2014/main" val="995372208"/>
+                      <a16:colId xmlns:a16="http://schemas.microsoft.com/office/drawing/2014/main" xmlns="" val="995372208"/>
                     </a:ext>
                   </a:extLst>
                 </a:gridCol>
                 <a:gridCol w="396240">
                   <a:extLst>
                     <a:ext uri="{9D8B030D-6E8A-4147-A177-3AD203B41FA5}">
-                      <a16:colId xmlns:a16="http://schemas.microsoft.com/office/drawing/2014/main" val="40047974"/>
+                      <a16:colId xmlns:a16="http://schemas.microsoft.com/office/drawing/2014/main" xmlns="" val="40047974"/>
                     </a:ext>
                   </a:extLst>
                 </a:gridCol>
                 <a:gridCol w="396240">
                   <a:extLst>
                     <a:ext uri="{9D8B030D-6E8A-4147-A177-3AD203B41FA5}">
-                      <a16:colId xmlns:a16="http://schemas.microsoft.com/office/drawing/2014/main" val="3887870823"/>
+                      <a16:colId xmlns:a16="http://schemas.microsoft.com/office/drawing/2014/main" xmlns="" val="3887870823"/>
                     </a:ext>
                   </a:extLst>
                 </a:gridCol>
                 <a:gridCol w="396240">
                   <a:extLst>
                     <a:ext uri="{9D8B030D-6E8A-4147-A177-3AD203B41FA5}">
-                      <a16:colId xmlns:a16="http://schemas.microsoft.com/office/drawing/2014/main" val="2562895583"/>
+                      <a16:colId xmlns:a16="http://schemas.microsoft.com/office/drawing/2014/main" xmlns="" val="2562895583"/>
                     </a:ext>
                   </a:extLst>
                 </a:gridCol>
@@ -21277,7 +23262,7 @@
                 </a:tc>
                 <a:extLst>
                   <a:ext uri="{0D108BD9-81ED-4DB2-BD59-A6C34878D82A}">
-                    <a16:rowId xmlns:a16="http://schemas.microsoft.com/office/drawing/2014/main" val="4259432351"/>
+                    <a16:rowId xmlns:a16="http://schemas.microsoft.com/office/drawing/2014/main" xmlns="" val="4259432351"/>
                   </a:ext>
                 </a:extLst>
               </a:tr>
@@ -21290,7 +23275,7 @@
           <p:cNvPr id="34" name="TextBox 33">
             <a:extLst>
               <a:ext uri="{FF2B5EF4-FFF2-40B4-BE49-F238E27FC236}">
-                <a16:creationId xmlns:a16="http://schemas.microsoft.com/office/drawing/2014/main" id="{7CC22822-0C52-4346-B380-07C31C6B7A41}"/>
+                <a16:creationId xmlns:a16="http://schemas.microsoft.com/office/drawing/2014/main" xmlns="" id="{7CC22822-0C52-4346-B380-07C31C6B7A41}"/>
               </a:ext>
             </a:extLst>
           </p:cNvPr>
@@ -21325,7 +23310,7 @@
           <p:cNvPr id="35" name="Straight Arrow Connector 34">
             <a:extLst>
               <a:ext uri="{FF2B5EF4-FFF2-40B4-BE49-F238E27FC236}">
-                <a16:creationId xmlns:a16="http://schemas.microsoft.com/office/drawing/2014/main" id="{FD391174-B401-420C-962A-572EB0BB9650}"/>
+                <a16:creationId xmlns:a16="http://schemas.microsoft.com/office/drawing/2014/main" xmlns="" id="{FD391174-B401-420C-962A-572EB0BB9650}"/>
               </a:ext>
             </a:extLst>
           </p:cNvPr>
@@ -21366,7 +23351,7 @@
           <p:cNvPr id="36" name="Straight Arrow Connector 35">
             <a:extLst>
               <a:ext uri="{FF2B5EF4-FFF2-40B4-BE49-F238E27FC236}">
-                <a16:creationId xmlns:a16="http://schemas.microsoft.com/office/drawing/2014/main" id="{BC07A80B-BE86-4285-868B-DDB0A86F8A63}"/>
+                <a16:creationId xmlns:a16="http://schemas.microsoft.com/office/drawing/2014/main" xmlns="" id="{BC07A80B-BE86-4285-868B-DDB0A86F8A63}"/>
               </a:ext>
             </a:extLst>
           </p:cNvPr>
@@ -21407,7 +23392,7 @@
           <p:cNvPr id="37" name="Straight Arrow Connector 36">
             <a:extLst>
               <a:ext uri="{FF2B5EF4-FFF2-40B4-BE49-F238E27FC236}">
-                <a16:creationId xmlns:a16="http://schemas.microsoft.com/office/drawing/2014/main" id="{ED4E38F0-4441-48FE-B9F6-748248582410}"/>
+                <a16:creationId xmlns:a16="http://schemas.microsoft.com/office/drawing/2014/main" xmlns="" id="{ED4E38F0-4441-48FE-B9F6-748248582410}"/>
               </a:ext>
             </a:extLst>
           </p:cNvPr>
@@ -21448,7 +23433,7 @@
           <p:cNvPr id="38" name="Straight Arrow Connector 37">
             <a:extLst>
               <a:ext uri="{FF2B5EF4-FFF2-40B4-BE49-F238E27FC236}">
-                <a16:creationId xmlns:a16="http://schemas.microsoft.com/office/drawing/2014/main" id="{CBCA0F65-478B-41B6-A175-71EB14118FFE}"/>
+                <a16:creationId xmlns:a16="http://schemas.microsoft.com/office/drawing/2014/main" xmlns="" id="{CBCA0F65-478B-41B6-A175-71EB14118FFE}"/>
               </a:ext>
             </a:extLst>
           </p:cNvPr>
@@ -21489,7 +23474,7 @@
           <p:cNvPr id="39" name="Straight Arrow Connector 38">
             <a:extLst>
               <a:ext uri="{FF2B5EF4-FFF2-40B4-BE49-F238E27FC236}">
-                <a16:creationId xmlns:a16="http://schemas.microsoft.com/office/drawing/2014/main" id="{B3DFD0D5-D4C9-42E5-9BCB-E239D5CFF302}"/>
+                <a16:creationId xmlns:a16="http://schemas.microsoft.com/office/drawing/2014/main" xmlns="" id="{B3DFD0D5-D4C9-42E5-9BCB-E239D5CFF302}"/>
               </a:ext>
             </a:extLst>
           </p:cNvPr>
@@ -21530,7 +23515,7 @@
           <p:cNvPr id="40" name="TextBox 39">
             <a:extLst>
               <a:ext uri="{FF2B5EF4-FFF2-40B4-BE49-F238E27FC236}">
-                <a16:creationId xmlns:a16="http://schemas.microsoft.com/office/drawing/2014/main" id="{E3B5DEF5-ADAC-4770-88E8-DE4477D867DF}"/>
+                <a16:creationId xmlns:a16="http://schemas.microsoft.com/office/drawing/2014/main" xmlns="" id="{E3B5DEF5-ADAC-4770-88E8-DE4477D867DF}"/>
               </a:ext>
             </a:extLst>
           </p:cNvPr>
@@ -21566,7 +23551,7 @@
           <p:cNvPr id="41" name="TextBox 40">
             <a:extLst>
               <a:ext uri="{FF2B5EF4-FFF2-40B4-BE49-F238E27FC236}">
-                <a16:creationId xmlns:a16="http://schemas.microsoft.com/office/drawing/2014/main" id="{7699014F-759A-45ED-8521-E69146BF751C}"/>
+                <a16:creationId xmlns:a16="http://schemas.microsoft.com/office/drawing/2014/main" xmlns="" id="{7699014F-759A-45ED-8521-E69146BF751C}"/>
               </a:ext>
             </a:extLst>
           </p:cNvPr>
@@ -21602,7 +23587,7 @@
           <p:cNvPr id="42" name="TextBox 41">
             <a:extLst>
               <a:ext uri="{FF2B5EF4-FFF2-40B4-BE49-F238E27FC236}">
-                <a16:creationId xmlns:a16="http://schemas.microsoft.com/office/drawing/2014/main" id="{E318AA22-F9FC-4C52-B70A-9FC64D25585A}"/>
+                <a16:creationId xmlns:a16="http://schemas.microsoft.com/office/drawing/2014/main" xmlns="" id="{E318AA22-F9FC-4C52-B70A-9FC64D25585A}"/>
               </a:ext>
             </a:extLst>
           </p:cNvPr>
@@ -21658,7 +23643,7 @@
           <p:cNvPr id="43" name="TextBox 42">
             <a:extLst>
               <a:ext uri="{FF2B5EF4-FFF2-40B4-BE49-F238E27FC236}">
-                <a16:creationId xmlns:a16="http://schemas.microsoft.com/office/drawing/2014/main" id="{DFA36A3B-46C0-46F4-9721-A260ACA9CA2A}"/>
+                <a16:creationId xmlns:a16="http://schemas.microsoft.com/office/drawing/2014/main" xmlns="" id="{DFA36A3B-46C0-46F4-9721-A260ACA9CA2A}"/>
               </a:ext>
             </a:extLst>
           </p:cNvPr>
@@ -21714,7 +23699,7 @@
           <p:cNvPr id="44" name="TextBox 43">
             <a:extLst>
               <a:ext uri="{FF2B5EF4-FFF2-40B4-BE49-F238E27FC236}">
-                <a16:creationId xmlns:a16="http://schemas.microsoft.com/office/drawing/2014/main" id="{62DD0D7D-4B57-4C26-9158-17DD5A01AD0F}"/>
+                <a16:creationId xmlns:a16="http://schemas.microsoft.com/office/drawing/2014/main" xmlns="" id="{62DD0D7D-4B57-4C26-9158-17DD5A01AD0F}"/>
               </a:ext>
             </a:extLst>
           </p:cNvPr>
@@ -21769,7 +23754,7 @@
           <p:cNvPr id="45" name="TextBox 44">
             <a:extLst>
               <a:ext uri="{FF2B5EF4-FFF2-40B4-BE49-F238E27FC236}">
-                <a16:creationId xmlns:a16="http://schemas.microsoft.com/office/drawing/2014/main" id="{F0C2F238-6EEC-41BE-B687-7D66F703787F}"/>
+                <a16:creationId xmlns:a16="http://schemas.microsoft.com/office/drawing/2014/main" xmlns="" id="{F0C2F238-6EEC-41BE-B687-7D66F703787F}"/>
               </a:ext>
             </a:extLst>
           </p:cNvPr>
@@ -21825,7 +23810,7 @@
           <p:cNvPr id="46" name="TextBox 45">
             <a:extLst>
               <a:ext uri="{FF2B5EF4-FFF2-40B4-BE49-F238E27FC236}">
-                <a16:creationId xmlns:a16="http://schemas.microsoft.com/office/drawing/2014/main" id="{DA10AD70-A13B-498B-AD08-8A553D25C9CD}"/>
+                <a16:creationId xmlns:a16="http://schemas.microsoft.com/office/drawing/2014/main" xmlns="" id="{DA10AD70-A13B-498B-AD08-8A553D25C9CD}"/>
               </a:ext>
             </a:extLst>
           </p:cNvPr>
@@ -21881,7 +23866,7 @@
           <p:cNvPr id="47" name="TextBox 46">
             <a:extLst>
               <a:ext uri="{FF2B5EF4-FFF2-40B4-BE49-F238E27FC236}">
-                <a16:creationId xmlns:a16="http://schemas.microsoft.com/office/drawing/2014/main" id="{3C133AF0-0AE2-4567-A432-78A00B24B18A}"/>
+                <a16:creationId xmlns:a16="http://schemas.microsoft.com/office/drawing/2014/main" xmlns="" id="{3C133AF0-0AE2-4567-A432-78A00B24B18A}"/>
               </a:ext>
             </a:extLst>
           </p:cNvPr>
@@ -21937,7 +23922,7 @@
           <p:cNvPr id="48" name="Straight Connector 47">
             <a:extLst>
               <a:ext uri="{FF2B5EF4-FFF2-40B4-BE49-F238E27FC236}">
-                <a16:creationId xmlns:a16="http://schemas.microsoft.com/office/drawing/2014/main" id="{AA4E60D4-E755-456D-A736-D65E28CC45C8}"/>
+                <a16:creationId xmlns:a16="http://schemas.microsoft.com/office/drawing/2014/main" xmlns="" id="{AA4E60D4-E755-456D-A736-D65E28CC45C8}"/>
               </a:ext>
             </a:extLst>
           </p:cNvPr>
@@ -21974,7 +23959,7 @@
           <p:cNvPr id="49" name="Straight Connector 48">
             <a:extLst>
               <a:ext uri="{FF2B5EF4-FFF2-40B4-BE49-F238E27FC236}">
-                <a16:creationId xmlns:a16="http://schemas.microsoft.com/office/drawing/2014/main" id="{80EADEE5-8EEE-4AEC-B3ED-88AE95FBB56E}"/>
+                <a16:creationId xmlns:a16="http://schemas.microsoft.com/office/drawing/2014/main" xmlns="" id="{80EADEE5-8EEE-4AEC-B3ED-88AE95FBB56E}"/>
               </a:ext>
             </a:extLst>
           </p:cNvPr>
@@ -22013,7 +23998,7 @@
           <p:cNvPr id="50" name="Straight Connector 49">
             <a:extLst>
               <a:ext uri="{FF2B5EF4-FFF2-40B4-BE49-F238E27FC236}">
-                <a16:creationId xmlns:a16="http://schemas.microsoft.com/office/drawing/2014/main" id="{50CC7907-EF0A-4234-98E4-9261FE11D301}"/>
+                <a16:creationId xmlns:a16="http://schemas.microsoft.com/office/drawing/2014/main" xmlns="" id="{50CC7907-EF0A-4234-98E4-9261FE11D301}"/>
               </a:ext>
             </a:extLst>
           </p:cNvPr>
@@ -22052,7 +24037,7 @@
           <p:cNvPr id="51" name="Straight Connector 50">
             <a:extLst>
               <a:ext uri="{FF2B5EF4-FFF2-40B4-BE49-F238E27FC236}">
-                <a16:creationId xmlns:a16="http://schemas.microsoft.com/office/drawing/2014/main" id="{387DA87D-012F-4550-B0AF-0D434F492661}"/>
+                <a16:creationId xmlns:a16="http://schemas.microsoft.com/office/drawing/2014/main" xmlns="" id="{387DA87D-012F-4550-B0AF-0D434F492661}"/>
               </a:ext>
             </a:extLst>
           </p:cNvPr>
@@ -22091,7 +24076,7 @@
           <p:cNvPr id="52" name="Straight Connector 51">
             <a:extLst>
               <a:ext uri="{FF2B5EF4-FFF2-40B4-BE49-F238E27FC236}">
-                <a16:creationId xmlns:a16="http://schemas.microsoft.com/office/drawing/2014/main" id="{447B4909-1799-4242-A313-6BCECD743882}"/>
+                <a16:creationId xmlns:a16="http://schemas.microsoft.com/office/drawing/2014/main" xmlns="" id="{447B4909-1799-4242-A313-6BCECD743882}"/>
               </a:ext>
             </a:extLst>
           </p:cNvPr>
@@ -22130,7 +24115,7 @@
           <p:cNvPr id="53" name="Straight Arrow Connector 52">
             <a:extLst>
               <a:ext uri="{FF2B5EF4-FFF2-40B4-BE49-F238E27FC236}">
-                <a16:creationId xmlns:a16="http://schemas.microsoft.com/office/drawing/2014/main" id="{4FF2F035-FB64-449A-861B-BA7E7BBA631B}"/>
+                <a16:creationId xmlns:a16="http://schemas.microsoft.com/office/drawing/2014/main" xmlns="" id="{4FF2F035-FB64-449A-861B-BA7E7BBA631B}"/>
               </a:ext>
             </a:extLst>
           </p:cNvPr>
@@ -22171,7 +24156,7 @@
           <p:cNvPr id="54" name="TextBox 53">
             <a:extLst>
               <a:ext uri="{FF2B5EF4-FFF2-40B4-BE49-F238E27FC236}">
-                <a16:creationId xmlns:a16="http://schemas.microsoft.com/office/drawing/2014/main" id="{DA726BE3-15E1-4661-B11B-C66AB66F1361}"/>
+                <a16:creationId xmlns:a16="http://schemas.microsoft.com/office/drawing/2014/main" xmlns="" id="{DA726BE3-15E1-4661-B11B-C66AB66F1361}"/>
               </a:ext>
             </a:extLst>
           </p:cNvPr>
@@ -22211,7 +24196,7 @@
           <p:cNvPr id="55" name="TextBox 54">
             <a:extLst>
               <a:ext uri="{FF2B5EF4-FFF2-40B4-BE49-F238E27FC236}">
-                <a16:creationId xmlns:a16="http://schemas.microsoft.com/office/drawing/2014/main" id="{3D435B57-DE81-4985-A638-4618A3425116}"/>
+                <a16:creationId xmlns:a16="http://schemas.microsoft.com/office/drawing/2014/main" xmlns="" id="{3D435B57-DE81-4985-A638-4618A3425116}"/>
               </a:ext>
             </a:extLst>
           </p:cNvPr>
@@ -22251,7 +24236,7 @@
           <p:cNvPr id="56" name="TextBox 55">
             <a:extLst>
               <a:ext uri="{FF2B5EF4-FFF2-40B4-BE49-F238E27FC236}">
-                <a16:creationId xmlns:a16="http://schemas.microsoft.com/office/drawing/2014/main" id="{54E49995-4E38-48EA-9DC6-8E18779507E8}"/>
+                <a16:creationId xmlns:a16="http://schemas.microsoft.com/office/drawing/2014/main" xmlns="" id="{54E49995-4E38-48EA-9DC6-8E18779507E8}"/>
               </a:ext>
             </a:extLst>
           </p:cNvPr>
@@ -22291,7 +24276,7 @@
           <p:cNvPr id="57" name="TextBox 56">
             <a:extLst>
               <a:ext uri="{FF2B5EF4-FFF2-40B4-BE49-F238E27FC236}">
-                <a16:creationId xmlns:a16="http://schemas.microsoft.com/office/drawing/2014/main" id="{6B48D3A4-D8B2-4D2E-BBA9-76E356476D62}"/>
+                <a16:creationId xmlns:a16="http://schemas.microsoft.com/office/drawing/2014/main" xmlns="" id="{6B48D3A4-D8B2-4D2E-BBA9-76E356476D62}"/>
               </a:ext>
             </a:extLst>
           </p:cNvPr>
@@ -22331,7 +24316,7 @@
           <p:cNvPr id="58" name="TextBox 57">
             <a:extLst>
               <a:ext uri="{FF2B5EF4-FFF2-40B4-BE49-F238E27FC236}">
-                <a16:creationId xmlns:a16="http://schemas.microsoft.com/office/drawing/2014/main" id="{C25F6083-98C1-43D2-8F88-84425B7B0AF5}"/>
+                <a16:creationId xmlns:a16="http://schemas.microsoft.com/office/drawing/2014/main" xmlns="" id="{C25F6083-98C1-43D2-8F88-84425B7B0AF5}"/>
               </a:ext>
             </a:extLst>
           </p:cNvPr>
@@ -22371,7 +24356,7 @@
           <p:cNvPr id="59" name="TextBox 58">
             <a:extLst>
               <a:ext uri="{FF2B5EF4-FFF2-40B4-BE49-F238E27FC236}">
-                <a16:creationId xmlns:a16="http://schemas.microsoft.com/office/drawing/2014/main" id="{1F66554A-B5CC-4256-8AFE-CBD5E3458BE1}"/>
+                <a16:creationId xmlns:a16="http://schemas.microsoft.com/office/drawing/2014/main" xmlns="" id="{1F66554A-B5CC-4256-8AFE-CBD5E3458BE1}"/>
               </a:ext>
             </a:extLst>
           </p:cNvPr>
@@ -22411,7 +24396,7 @@
           <p:cNvPr id="60" name="TextBox 59">
             <a:extLst>
               <a:ext uri="{FF2B5EF4-FFF2-40B4-BE49-F238E27FC236}">
-                <a16:creationId xmlns:a16="http://schemas.microsoft.com/office/drawing/2014/main" id="{CA425A48-8EEA-41DE-BE3B-89B421C66DE7}"/>
+                <a16:creationId xmlns:a16="http://schemas.microsoft.com/office/drawing/2014/main" xmlns="" id="{CA425A48-8EEA-41DE-BE3B-89B421C66DE7}"/>
               </a:ext>
             </a:extLst>
           </p:cNvPr>
@@ -22481,7 +24466,7 @@
           <p:cNvPr id="2" name="TextBox 1">
             <a:extLst>
               <a:ext uri="{FF2B5EF4-FFF2-40B4-BE49-F238E27FC236}">
-                <a16:creationId xmlns:a16="http://schemas.microsoft.com/office/drawing/2014/main" id="{196CB4EF-F639-4EC2-A88B-E1649E400742}"/>
+                <a16:creationId xmlns:a16="http://schemas.microsoft.com/office/drawing/2014/main" xmlns="" id="{196CB4EF-F639-4EC2-A88B-E1649E400742}"/>
               </a:ext>
             </a:extLst>
           </p:cNvPr>
@@ -22538,7 +24523,7 @@
           <p:cNvPr id="3" name="TextBox 2">
             <a:extLst>
               <a:ext uri="{FF2B5EF4-FFF2-40B4-BE49-F238E27FC236}">
-                <a16:creationId xmlns:a16="http://schemas.microsoft.com/office/drawing/2014/main" id="{264F2432-12B6-44FF-89EA-AF36A9F1275B}"/>
+                <a16:creationId xmlns:a16="http://schemas.microsoft.com/office/drawing/2014/main" xmlns="" id="{264F2432-12B6-44FF-89EA-AF36A9F1275B}"/>
               </a:ext>
             </a:extLst>
           </p:cNvPr>
@@ -22595,7 +24580,7 @@
           <p:cNvPr id="4" name="TextBox 3">
             <a:extLst>
               <a:ext uri="{FF2B5EF4-FFF2-40B4-BE49-F238E27FC236}">
-                <a16:creationId xmlns:a16="http://schemas.microsoft.com/office/drawing/2014/main" id="{35FDE496-DDB1-4F49-ADD5-C0308BBE4AD9}"/>
+                <a16:creationId xmlns:a16="http://schemas.microsoft.com/office/drawing/2014/main" xmlns="" id="{35FDE496-DDB1-4F49-ADD5-C0308BBE4AD9}"/>
               </a:ext>
             </a:extLst>
           </p:cNvPr>
@@ -22652,7 +24637,7 @@
           <p:cNvPr id="5" name="TextBox 4">
             <a:extLst>
               <a:ext uri="{FF2B5EF4-FFF2-40B4-BE49-F238E27FC236}">
-                <a16:creationId xmlns:a16="http://schemas.microsoft.com/office/drawing/2014/main" id="{FDE14111-22B5-43AD-A2AD-3F4F3F0F586B}"/>
+                <a16:creationId xmlns:a16="http://schemas.microsoft.com/office/drawing/2014/main" xmlns="" id="{FDE14111-22B5-43AD-A2AD-3F4F3F0F586B}"/>
               </a:ext>
             </a:extLst>
           </p:cNvPr>
@@ -22709,7 +24694,7 @@
           <p:cNvPr id="6" name="TextBox 5">
             <a:extLst>
               <a:ext uri="{FF2B5EF4-FFF2-40B4-BE49-F238E27FC236}">
-                <a16:creationId xmlns:a16="http://schemas.microsoft.com/office/drawing/2014/main" id="{8DCB9736-711A-4EDA-8AC7-7949AAECBFFF}"/>
+                <a16:creationId xmlns:a16="http://schemas.microsoft.com/office/drawing/2014/main" xmlns="" id="{8DCB9736-711A-4EDA-8AC7-7949AAECBFFF}"/>
               </a:ext>
             </a:extLst>
           </p:cNvPr>
@@ -22766,7 +24751,7 @@
           <p:cNvPr id="7" name="Straight Connector 6">
             <a:extLst>
               <a:ext uri="{FF2B5EF4-FFF2-40B4-BE49-F238E27FC236}">
-                <a16:creationId xmlns:a16="http://schemas.microsoft.com/office/drawing/2014/main" id="{6677817C-FC04-43F8-9CA5-DE0985574434}"/>
+                <a16:creationId xmlns:a16="http://schemas.microsoft.com/office/drawing/2014/main" xmlns="" id="{6677817C-FC04-43F8-9CA5-DE0985574434}"/>
               </a:ext>
             </a:extLst>
           </p:cNvPr>
@@ -22806,7 +24791,7 @@
           <p:cNvPr id="8" name="Straight Connector 7">
             <a:extLst>
               <a:ext uri="{FF2B5EF4-FFF2-40B4-BE49-F238E27FC236}">
-                <a16:creationId xmlns:a16="http://schemas.microsoft.com/office/drawing/2014/main" id="{289B91C7-3D80-42D6-A7E7-4A043DF94C18}"/>
+                <a16:creationId xmlns:a16="http://schemas.microsoft.com/office/drawing/2014/main" xmlns="" id="{289B91C7-3D80-42D6-A7E7-4A043DF94C18}"/>
               </a:ext>
             </a:extLst>
           </p:cNvPr>
@@ -22847,7 +24832,7 @@
           <p:cNvPr id="9" name="Straight Connector 8">
             <a:extLst>
               <a:ext uri="{FF2B5EF4-FFF2-40B4-BE49-F238E27FC236}">
-                <a16:creationId xmlns:a16="http://schemas.microsoft.com/office/drawing/2014/main" id="{B77E3E23-EAF0-4E3C-957F-A7A01F144130}"/>
+                <a16:creationId xmlns:a16="http://schemas.microsoft.com/office/drawing/2014/main" xmlns="" id="{B77E3E23-EAF0-4E3C-957F-A7A01F144130}"/>
               </a:ext>
             </a:extLst>
           </p:cNvPr>
@@ -22888,7 +24873,7 @@
           <p:cNvPr id="10" name="Straight Connector 9">
             <a:extLst>
               <a:ext uri="{FF2B5EF4-FFF2-40B4-BE49-F238E27FC236}">
-                <a16:creationId xmlns:a16="http://schemas.microsoft.com/office/drawing/2014/main" id="{0D771C8C-A8CE-43B8-A129-F811EF752376}"/>
+                <a16:creationId xmlns:a16="http://schemas.microsoft.com/office/drawing/2014/main" xmlns="" id="{0D771C8C-A8CE-43B8-A129-F811EF752376}"/>
               </a:ext>
             </a:extLst>
           </p:cNvPr>
@@ -22927,7 +24912,7 @@
           <p:cNvPr id="11" name="Straight Connector 10">
             <a:extLst>
               <a:ext uri="{FF2B5EF4-FFF2-40B4-BE49-F238E27FC236}">
-                <a16:creationId xmlns:a16="http://schemas.microsoft.com/office/drawing/2014/main" id="{429601E5-34FF-45D8-8A9B-7C4F63B0B736}"/>
+                <a16:creationId xmlns:a16="http://schemas.microsoft.com/office/drawing/2014/main" xmlns="" id="{429601E5-34FF-45D8-8A9B-7C4F63B0B736}"/>
               </a:ext>
             </a:extLst>
           </p:cNvPr>
@@ -22967,7 +24952,7 @@
           <p:cNvPr id="20" name="Straight Connector 19">
             <a:extLst>
               <a:ext uri="{FF2B5EF4-FFF2-40B4-BE49-F238E27FC236}">
-                <a16:creationId xmlns:a16="http://schemas.microsoft.com/office/drawing/2014/main" id="{69321A3F-9642-4136-B8B3-7A2C1DBE260D}"/>
+                <a16:creationId xmlns:a16="http://schemas.microsoft.com/office/drawing/2014/main" xmlns="" id="{69321A3F-9642-4136-B8B3-7A2C1DBE260D}"/>
               </a:ext>
             </a:extLst>
           </p:cNvPr>
@@ -23006,7 +24991,7 @@
           <p:cNvPr id="26" name="Straight Connector 25">
             <a:extLst>
               <a:ext uri="{FF2B5EF4-FFF2-40B4-BE49-F238E27FC236}">
-                <a16:creationId xmlns:a16="http://schemas.microsoft.com/office/drawing/2014/main" id="{E79C4B12-9575-42A0-931B-37967373D2E4}"/>
+                <a16:creationId xmlns:a16="http://schemas.microsoft.com/office/drawing/2014/main" xmlns="" id="{E79C4B12-9575-42A0-931B-37967373D2E4}"/>
               </a:ext>
             </a:extLst>
           </p:cNvPr>
@@ -23045,7 +25030,7 @@
           <p:cNvPr id="28" name="TextBox 27">
             <a:extLst>
               <a:ext uri="{FF2B5EF4-FFF2-40B4-BE49-F238E27FC236}">
-                <a16:creationId xmlns:a16="http://schemas.microsoft.com/office/drawing/2014/main" id="{9A41E11F-5050-4972-8ACB-E95E64E257C2}"/>
+                <a16:creationId xmlns:a16="http://schemas.microsoft.com/office/drawing/2014/main" xmlns="" id="{9A41E11F-5050-4972-8ACB-E95E64E257C2}"/>
               </a:ext>
             </a:extLst>
           </p:cNvPr>
@@ -23102,7 +25087,7 @@
           <p:cNvPr id="29" name="TextBox 28">
             <a:extLst>
               <a:ext uri="{FF2B5EF4-FFF2-40B4-BE49-F238E27FC236}">
-                <a16:creationId xmlns:a16="http://schemas.microsoft.com/office/drawing/2014/main" id="{11630EF7-909F-46DA-8195-F89F91389AD1}"/>
+                <a16:creationId xmlns:a16="http://schemas.microsoft.com/office/drawing/2014/main" xmlns="" id="{11630EF7-909F-46DA-8195-F89F91389AD1}"/>
               </a:ext>
             </a:extLst>
           </p:cNvPr>
@@ -23159,7 +25144,7 @@
           <p:cNvPr id="30" name="TextBox 29">
             <a:extLst>
               <a:ext uri="{FF2B5EF4-FFF2-40B4-BE49-F238E27FC236}">
-                <a16:creationId xmlns:a16="http://schemas.microsoft.com/office/drawing/2014/main" id="{820E8A58-F370-4BC1-BB68-970DAB740BF9}"/>
+                <a16:creationId xmlns:a16="http://schemas.microsoft.com/office/drawing/2014/main" xmlns="" id="{820E8A58-F370-4BC1-BB68-970DAB740BF9}"/>
               </a:ext>
             </a:extLst>
           </p:cNvPr>
@@ -23216,7 +25201,7 @@
           <p:cNvPr id="31" name="TextBox 30">
             <a:extLst>
               <a:ext uri="{FF2B5EF4-FFF2-40B4-BE49-F238E27FC236}">
-                <a16:creationId xmlns:a16="http://schemas.microsoft.com/office/drawing/2014/main" id="{245426B6-2C35-4618-A602-78B016F3075F}"/>
+                <a16:creationId xmlns:a16="http://schemas.microsoft.com/office/drawing/2014/main" xmlns="" id="{245426B6-2C35-4618-A602-78B016F3075F}"/>
               </a:ext>
             </a:extLst>
           </p:cNvPr>
@@ -23273,7 +25258,7 @@
           <p:cNvPr id="32" name="TextBox 31">
             <a:extLst>
               <a:ext uri="{FF2B5EF4-FFF2-40B4-BE49-F238E27FC236}">
-                <a16:creationId xmlns:a16="http://schemas.microsoft.com/office/drawing/2014/main" id="{9AA6F0AC-9C90-49D3-9CB2-A87CB754803D}"/>
+                <a16:creationId xmlns:a16="http://schemas.microsoft.com/office/drawing/2014/main" xmlns="" id="{9AA6F0AC-9C90-49D3-9CB2-A87CB754803D}"/>
               </a:ext>
             </a:extLst>
           </p:cNvPr>
@@ -23330,7 +25315,7 @@
           <p:cNvPr id="33" name="Straight Connector 32">
             <a:extLst>
               <a:ext uri="{FF2B5EF4-FFF2-40B4-BE49-F238E27FC236}">
-                <a16:creationId xmlns:a16="http://schemas.microsoft.com/office/drawing/2014/main" id="{E027A70F-FEB9-4EBA-BD8D-4784E84AE2F1}"/>
+                <a16:creationId xmlns:a16="http://schemas.microsoft.com/office/drawing/2014/main" xmlns="" id="{E027A70F-FEB9-4EBA-BD8D-4784E84AE2F1}"/>
               </a:ext>
             </a:extLst>
           </p:cNvPr>
@@ -23370,7 +25355,7 @@
           <p:cNvPr id="36" name="Straight Connector 35">
             <a:extLst>
               <a:ext uri="{FF2B5EF4-FFF2-40B4-BE49-F238E27FC236}">
-                <a16:creationId xmlns:a16="http://schemas.microsoft.com/office/drawing/2014/main" id="{2DAB6B7B-858C-4BE5-B045-7169B83125C4}"/>
+                <a16:creationId xmlns:a16="http://schemas.microsoft.com/office/drawing/2014/main" xmlns="" id="{2DAB6B7B-858C-4BE5-B045-7169B83125C4}"/>
               </a:ext>
             </a:extLst>
           </p:cNvPr>
@@ -23409,7 +25394,7 @@
           <p:cNvPr id="37" name="Straight Connector 36">
             <a:extLst>
               <a:ext uri="{FF2B5EF4-FFF2-40B4-BE49-F238E27FC236}">
-                <a16:creationId xmlns:a16="http://schemas.microsoft.com/office/drawing/2014/main" id="{61F890B4-C9F8-4D90-A5F8-F04B03CA6B13}"/>
+                <a16:creationId xmlns:a16="http://schemas.microsoft.com/office/drawing/2014/main" xmlns="" id="{61F890B4-C9F8-4D90-A5F8-F04B03CA6B13}"/>
               </a:ext>
             </a:extLst>
           </p:cNvPr>
@@ -23449,7 +25434,7 @@
           <p:cNvPr id="38" name="Straight Connector 37">
             <a:extLst>
               <a:ext uri="{FF2B5EF4-FFF2-40B4-BE49-F238E27FC236}">
-                <a16:creationId xmlns:a16="http://schemas.microsoft.com/office/drawing/2014/main" id="{CE6A6B11-ACA8-4EE3-856F-822C04FB1DB5}"/>
+                <a16:creationId xmlns:a16="http://schemas.microsoft.com/office/drawing/2014/main" xmlns="" id="{CE6A6B11-ACA8-4EE3-856F-822C04FB1DB5}"/>
               </a:ext>
             </a:extLst>
           </p:cNvPr>
@@ -23488,7 +25473,7 @@
           <p:cNvPr id="40" name="Straight Arrow Connector 39">
             <a:extLst>
               <a:ext uri="{FF2B5EF4-FFF2-40B4-BE49-F238E27FC236}">
-                <a16:creationId xmlns:a16="http://schemas.microsoft.com/office/drawing/2014/main" id="{8D5361AB-62A7-4AF2-A26F-03460AF27524}"/>
+                <a16:creationId xmlns:a16="http://schemas.microsoft.com/office/drawing/2014/main" xmlns="" id="{8D5361AB-62A7-4AF2-A26F-03460AF27524}"/>
               </a:ext>
             </a:extLst>
           </p:cNvPr>
@@ -23559,7 +25544,7 @@
           <p:cNvPr id="2" name="TextBox 1">
             <a:extLst>
               <a:ext uri="{FF2B5EF4-FFF2-40B4-BE49-F238E27FC236}">
-                <a16:creationId xmlns:a16="http://schemas.microsoft.com/office/drawing/2014/main" id="{C5B9B98F-95EF-4972-8B03-0E1752D5B0BE}"/>
+                <a16:creationId xmlns:a16="http://schemas.microsoft.com/office/drawing/2014/main" xmlns="" id="{C5B9B98F-95EF-4972-8B03-0E1752D5B0BE}"/>
               </a:ext>
             </a:extLst>
           </p:cNvPr>
@@ -23616,7 +25601,7 @@
           <p:cNvPr id="3" name="TextBox 2">
             <a:extLst>
               <a:ext uri="{FF2B5EF4-FFF2-40B4-BE49-F238E27FC236}">
-                <a16:creationId xmlns:a16="http://schemas.microsoft.com/office/drawing/2014/main" id="{BA83922D-83C0-4D3A-8D2B-D10F5A269A49}"/>
+                <a16:creationId xmlns:a16="http://schemas.microsoft.com/office/drawing/2014/main" xmlns="" id="{BA83922D-83C0-4D3A-8D2B-D10F5A269A49}"/>
               </a:ext>
             </a:extLst>
           </p:cNvPr>
@@ -23673,7 +25658,7 @@
           <p:cNvPr id="4" name="TextBox 3">
             <a:extLst>
               <a:ext uri="{FF2B5EF4-FFF2-40B4-BE49-F238E27FC236}">
-                <a16:creationId xmlns:a16="http://schemas.microsoft.com/office/drawing/2014/main" id="{3E60457E-9694-4FD2-AD1B-ABC40BCCEF6E}"/>
+                <a16:creationId xmlns:a16="http://schemas.microsoft.com/office/drawing/2014/main" xmlns="" id="{3E60457E-9694-4FD2-AD1B-ABC40BCCEF6E}"/>
               </a:ext>
             </a:extLst>
           </p:cNvPr>
@@ -23730,7 +25715,7 @@
           <p:cNvPr id="5" name="TextBox 4">
             <a:extLst>
               <a:ext uri="{FF2B5EF4-FFF2-40B4-BE49-F238E27FC236}">
-                <a16:creationId xmlns:a16="http://schemas.microsoft.com/office/drawing/2014/main" id="{0CA6A19E-547F-4C80-BD9C-137F9042556D}"/>
+                <a16:creationId xmlns:a16="http://schemas.microsoft.com/office/drawing/2014/main" xmlns="" id="{0CA6A19E-547F-4C80-BD9C-137F9042556D}"/>
               </a:ext>
             </a:extLst>
           </p:cNvPr>
@@ -23787,7 +25772,7 @@
           <p:cNvPr id="6" name="Straight Connector 5">
             <a:extLst>
               <a:ext uri="{FF2B5EF4-FFF2-40B4-BE49-F238E27FC236}">
-                <a16:creationId xmlns:a16="http://schemas.microsoft.com/office/drawing/2014/main" id="{5533AF29-5FDF-4068-B91C-610270B8372E}"/>
+                <a16:creationId xmlns:a16="http://schemas.microsoft.com/office/drawing/2014/main" xmlns="" id="{5533AF29-5FDF-4068-B91C-610270B8372E}"/>
               </a:ext>
             </a:extLst>
           </p:cNvPr>
@@ -23831,7 +25816,7 @@
           <p:cNvPr id="7" name="Straight Connector 6">
             <a:extLst>
               <a:ext uri="{FF2B5EF4-FFF2-40B4-BE49-F238E27FC236}">
-                <a16:creationId xmlns:a16="http://schemas.microsoft.com/office/drawing/2014/main" id="{AB2A38A7-05FD-4E2E-B6A5-F1E7E9E6138B}"/>
+                <a16:creationId xmlns:a16="http://schemas.microsoft.com/office/drawing/2014/main" xmlns="" id="{AB2A38A7-05FD-4E2E-B6A5-F1E7E9E6138B}"/>
               </a:ext>
             </a:extLst>
           </p:cNvPr>
@@ -23874,7 +25859,7 @@
           <p:cNvPr id="8" name="Straight Connector 7">
             <a:extLst>
               <a:ext uri="{FF2B5EF4-FFF2-40B4-BE49-F238E27FC236}">
-                <a16:creationId xmlns:a16="http://schemas.microsoft.com/office/drawing/2014/main" id="{DCF7B7DA-EC5B-4C6A-B741-12F9BF86E9C3}"/>
+                <a16:creationId xmlns:a16="http://schemas.microsoft.com/office/drawing/2014/main" xmlns="" id="{DCF7B7DA-EC5B-4C6A-B741-12F9BF86E9C3}"/>
               </a:ext>
             </a:extLst>
           </p:cNvPr>
@@ -23915,7 +25900,7 @@
           <p:cNvPr id="14" name="Straight Arrow Connector 13">
             <a:extLst>
               <a:ext uri="{FF2B5EF4-FFF2-40B4-BE49-F238E27FC236}">
-                <a16:creationId xmlns:a16="http://schemas.microsoft.com/office/drawing/2014/main" id="{F750C62A-A641-439B-B375-CF166C378ED6}"/>
+                <a16:creationId xmlns:a16="http://schemas.microsoft.com/office/drawing/2014/main" xmlns="" id="{F750C62A-A641-439B-B375-CF166C378ED6}"/>
               </a:ext>
             </a:extLst>
           </p:cNvPr>
@@ -23956,7 +25941,7 @@
           <p:cNvPr id="16" name="TextBox 15">
             <a:extLst>
               <a:ext uri="{FF2B5EF4-FFF2-40B4-BE49-F238E27FC236}">
-                <a16:creationId xmlns:a16="http://schemas.microsoft.com/office/drawing/2014/main" id="{25C58377-0256-48FB-9F11-57095ABF12D1}"/>
+                <a16:creationId xmlns:a16="http://schemas.microsoft.com/office/drawing/2014/main" xmlns="" id="{25C58377-0256-48FB-9F11-57095ABF12D1}"/>
               </a:ext>
             </a:extLst>
           </p:cNvPr>
@@ -24007,7 +25992,7 @@
           <p:cNvPr id="17" name="TextBox 16">
             <a:extLst>
               <a:ext uri="{FF2B5EF4-FFF2-40B4-BE49-F238E27FC236}">
-                <a16:creationId xmlns:a16="http://schemas.microsoft.com/office/drawing/2014/main" id="{4EA34E98-46AE-495E-935A-BCA3DD438A1C}"/>
+                <a16:creationId xmlns:a16="http://schemas.microsoft.com/office/drawing/2014/main" xmlns="" id="{4EA34E98-46AE-495E-935A-BCA3DD438A1C}"/>
               </a:ext>
             </a:extLst>
           </p:cNvPr>
@@ -24058,7 +26043,7 @@
           <p:cNvPr id="18" name="TextBox 17">
             <a:extLst>
               <a:ext uri="{FF2B5EF4-FFF2-40B4-BE49-F238E27FC236}">
-                <a16:creationId xmlns:a16="http://schemas.microsoft.com/office/drawing/2014/main" id="{5953B78F-7CB1-4242-8CE0-81A54CF17095}"/>
+                <a16:creationId xmlns:a16="http://schemas.microsoft.com/office/drawing/2014/main" xmlns="" id="{5953B78F-7CB1-4242-8CE0-81A54CF17095}"/>
               </a:ext>
             </a:extLst>
           </p:cNvPr>
@@ -24109,7 +26094,7 @@
           <p:cNvPr id="19" name="Table 18">
             <a:extLst>
               <a:ext uri="{FF2B5EF4-FFF2-40B4-BE49-F238E27FC236}">
-                <a16:creationId xmlns:a16="http://schemas.microsoft.com/office/drawing/2014/main" id="{9671FA46-DF74-4283-A04E-2397013972F3}"/>
+                <a16:creationId xmlns:a16="http://schemas.microsoft.com/office/drawing/2014/main" xmlns="" id="{9671FA46-DF74-4283-A04E-2397013972F3}"/>
               </a:ext>
             </a:extLst>
           </p:cNvPr>
@@ -24138,21 +26123,21 @@
                 <a:gridCol w="461172">
                   <a:extLst>
                     <a:ext uri="{9D8B030D-6E8A-4147-A177-3AD203B41FA5}">
-                      <a16:colId xmlns:a16="http://schemas.microsoft.com/office/drawing/2014/main" val="466220175"/>
+                      <a16:colId xmlns:a16="http://schemas.microsoft.com/office/drawing/2014/main" xmlns="" val="466220175"/>
                     </a:ext>
                   </a:extLst>
                 </a:gridCol>
                 <a:gridCol w="461172">
                   <a:extLst>
                     <a:ext uri="{9D8B030D-6E8A-4147-A177-3AD203B41FA5}">
-                      <a16:colId xmlns:a16="http://schemas.microsoft.com/office/drawing/2014/main" val="520311615"/>
+                      <a16:colId xmlns:a16="http://schemas.microsoft.com/office/drawing/2014/main" xmlns="" val="520311615"/>
                     </a:ext>
                   </a:extLst>
                 </a:gridCol>
                 <a:gridCol w="461172">
                   <a:extLst>
                     <a:ext uri="{9D8B030D-6E8A-4147-A177-3AD203B41FA5}">
-                      <a16:colId xmlns:a16="http://schemas.microsoft.com/office/drawing/2014/main" val="2227850342"/>
+                      <a16:colId xmlns:a16="http://schemas.microsoft.com/office/drawing/2014/main" xmlns="" val="2227850342"/>
                     </a:ext>
                   </a:extLst>
                 </a:gridCol>
@@ -24434,7 +26419,7 @@
                 </a:tc>
                 <a:extLst>
                   <a:ext uri="{0D108BD9-81ED-4DB2-BD59-A6C34878D82A}">
-                    <a16:rowId xmlns:a16="http://schemas.microsoft.com/office/drawing/2014/main" val="2141054233"/>
+                    <a16:rowId xmlns:a16="http://schemas.microsoft.com/office/drawing/2014/main" xmlns="" val="2141054233"/>
                   </a:ext>
                 </a:extLst>
               </a:tr>
@@ -24657,7 +26642,7 @@
                 </a:tc>
                 <a:extLst>
                   <a:ext uri="{0D108BD9-81ED-4DB2-BD59-A6C34878D82A}">
-                    <a16:rowId xmlns:a16="http://schemas.microsoft.com/office/drawing/2014/main" val="2030638017"/>
+                    <a16:rowId xmlns:a16="http://schemas.microsoft.com/office/drawing/2014/main" xmlns="" val="2030638017"/>
                   </a:ext>
                 </a:extLst>
               </a:tr>
@@ -24880,7 +26865,7 @@
                 </a:tc>
                 <a:extLst>
                   <a:ext uri="{0D108BD9-81ED-4DB2-BD59-A6C34878D82A}">
-                    <a16:rowId xmlns:a16="http://schemas.microsoft.com/office/drawing/2014/main" val="2943657333"/>
+                    <a16:rowId xmlns:a16="http://schemas.microsoft.com/office/drawing/2014/main" xmlns="" val="2943657333"/>
                   </a:ext>
                 </a:extLst>
               </a:tr>
@@ -24893,7 +26878,7 @@
           <p:cNvPr id="20" name="TextBox 19">
             <a:extLst>
               <a:ext uri="{FF2B5EF4-FFF2-40B4-BE49-F238E27FC236}">
-                <a16:creationId xmlns:a16="http://schemas.microsoft.com/office/drawing/2014/main" id="{9C7AEC4A-B1E2-44AE-B998-C41A4EDA8E1D}"/>
+                <a16:creationId xmlns:a16="http://schemas.microsoft.com/office/drawing/2014/main" xmlns="" id="{9C7AEC4A-B1E2-44AE-B998-C41A4EDA8E1D}"/>
               </a:ext>
             </a:extLst>
           </p:cNvPr>
@@ -24950,7 +26935,7 @@
           <p:cNvPr id="21" name="TextBox 20">
             <a:extLst>
               <a:ext uri="{FF2B5EF4-FFF2-40B4-BE49-F238E27FC236}">
-                <a16:creationId xmlns:a16="http://schemas.microsoft.com/office/drawing/2014/main" id="{38293FE2-752B-4DA1-8D92-4D1BA3E1CFD7}"/>
+                <a16:creationId xmlns:a16="http://schemas.microsoft.com/office/drawing/2014/main" xmlns="" id="{38293FE2-752B-4DA1-8D92-4D1BA3E1CFD7}"/>
               </a:ext>
             </a:extLst>
           </p:cNvPr>
@@ -25007,7 +26992,7 @@
           <p:cNvPr id="22" name="Straight Connector 21">
             <a:extLst>
               <a:ext uri="{FF2B5EF4-FFF2-40B4-BE49-F238E27FC236}">
-                <a16:creationId xmlns:a16="http://schemas.microsoft.com/office/drawing/2014/main" id="{F30AD9B3-76C6-49C8-9B54-C2793ECC7AFD}"/>
+                <a16:creationId xmlns:a16="http://schemas.microsoft.com/office/drawing/2014/main" xmlns="" id="{F30AD9B3-76C6-49C8-9B54-C2793ECC7AFD}"/>
               </a:ext>
             </a:extLst>
           </p:cNvPr>
@@ -25048,7 +27033,7 @@
           <p:cNvPr id="23" name="TextBox 22">
             <a:extLst>
               <a:ext uri="{FF2B5EF4-FFF2-40B4-BE49-F238E27FC236}">
-                <a16:creationId xmlns:a16="http://schemas.microsoft.com/office/drawing/2014/main" id="{27257013-11BB-4114-A5EA-B38CD66D8013}"/>
+                <a16:creationId xmlns:a16="http://schemas.microsoft.com/office/drawing/2014/main" xmlns="" id="{27257013-11BB-4114-A5EA-B38CD66D8013}"/>
               </a:ext>
             </a:extLst>
           </p:cNvPr>
@@ -25105,7 +27090,7 @@
           <p:cNvPr id="24" name="Straight Connector 23">
             <a:extLst>
               <a:ext uri="{FF2B5EF4-FFF2-40B4-BE49-F238E27FC236}">
-                <a16:creationId xmlns:a16="http://schemas.microsoft.com/office/drawing/2014/main" id="{3F45EA73-2870-4B5F-B8CA-5519D32761AC}"/>
+                <a16:creationId xmlns:a16="http://schemas.microsoft.com/office/drawing/2014/main" xmlns="" id="{3F45EA73-2870-4B5F-B8CA-5519D32761AC}"/>
               </a:ext>
             </a:extLst>
           </p:cNvPr>
@@ -25148,7 +27133,7 @@
           <p:cNvPr id="25" name="TextBox 24">
             <a:extLst>
               <a:ext uri="{FF2B5EF4-FFF2-40B4-BE49-F238E27FC236}">
-                <a16:creationId xmlns:a16="http://schemas.microsoft.com/office/drawing/2014/main" id="{06E1AB84-D600-481B-83A4-92AA186623A3}"/>
+                <a16:creationId xmlns:a16="http://schemas.microsoft.com/office/drawing/2014/main" xmlns="" id="{06E1AB84-D600-481B-83A4-92AA186623A3}"/>
               </a:ext>
             </a:extLst>
           </p:cNvPr>
@@ -25199,7 +27184,7 @@
           <p:cNvPr id="26" name="TextBox 25">
             <a:extLst>
               <a:ext uri="{FF2B5EF4-FFF2-40B4-BE49-F238E27FC236}">
-                <a16:creationId xmlns:a16="http://schemas.microsoft.com/office/drawing/2014/main" id="{0EDED0DC-2158-43E4-957F-4A20DDA0FD5B}"/>
+                <a16:creationId xmlns:a16="http://schemas.microsoft.com/office/drawing/2014/main" xmlns="" id="{0EDED0DC-2158-43E4-957F-4A20DDA0FD5B}"/>
               </a:ext>
             </a:extLst>
           </p:cNvPr>
@@ -25250,7 +27235,7 @@
           <p:cNvPr id="27" name="TextBox 26">
             <a:extLst>
               <a:ext uri="{FF2B5EF4-FFF2-40B4-BE49-F238E27FC236}">
-                <a16:creationId xmlns:a16="http://schemas.microsoft.com/office/drawing/2014/main" id="{709CDA14-D1CE-4F5E-832B-697062BDAD5E}"/>
+                <a16:creationId xmlns:a16="http://schemas.microsoft.com/office/drawing/2014/main" xmlns="" id="{709CDA14-D1CE-4F5E-832B-697062BDAD5E}"/>
               </a:ext>
             </a:extLst>
           </p:cNvPr>
@@ -25285,7 +27270,7 @@
           <p:cNvPr id="28" name="TextBox 27">
             <a:extLst>
               <a:ext uri="{FF2B5EF4-FFF2-40B4-BE49-F238E27FC236}">
-                <a16:creationId xmlns:a16="http://schemas.microsoft.com/office/drawing/2014/main" id="{DD5B4E37-A416-43A1-907C-E45433440ED2}"/>
+                <a16:creationId xmlns:a16="http://schemas.microsoft.com/office/drawing/2014/main" xmlns="" id="{DD5B4E37-A416-43A1-907C-E45433440ED2}"/>
               </a:ext>
             </a:extLst>
           </p:cNvPr>
@@ -25350,7 +27335,7 @@
           <p:cNvPr id="2" name="TextBox 1">
             <a:extLst>
               <a:ext uri="{FF2B5EF4-FFF2-40B4-BE49-F238E27FC236}">
-                <a16:creationId xmlns:a16="http://schemas.microsoft.com/office/drawing/2014/main" id="{C5B9B98F-95EF-4972-8B03-0E1752D5B0BE}"/>
+                <a16:creationId xmlns:a16="http://schemas.microsoft.com/office/drawing/2014/main" xmlns="" id="{C5B9B98F-95EF-4972-8B03-0E1752D5B0BE}"/>
               </a:ext>
             </a:extLst>
           </p:cNvPr>
@@ -25407,7 +27392,7 @@
           <p:cNvPr id="3" name="TextBox 2">
             <a:extLst>
               <a:ext uri="{FF2B5EF4-FFF2-40B4-BE49-F238E27FC236}">
-                <a16:creationId xmlns:a16="http://schemas.microsoft.com/office/drawing/2014/main" id="{BA83922D-83C0-4D3A-8D2B-D10F5A269A49}"/>
+                <a16:creationId xmlns:a16="http://schemas.microsoft.com/office/drawing/2014/main" xmlns="" id="{BA83922D-83C0-4D3A-8D2B-D10F5A269A49}"/>
               </a:ext>
             </a:extLst>
           </p:cNvPr>
@@ -25464,7 +27449,7 @@
           <p:cNvPr id="4" name="TextBox 3">
             <a:extLst>
               <a:ext uri="{FF2B5EF4-FFF2-40B4-BE49-F238E27FC236}">
-                <a16:creationId xmlns:a16="http://schemas.microsoft.com/office/drawing/2014/main" id="{3E60457E-9694-4FD2-AD1B-ABC40BCCEF6E}"/>
+                <a16:creationId xmlns:a16="http://schemas.microsoft.com/office/drawing/2014/main" xmlns="" id="{3E60457E-9694-4FD2-AD1B-ABC40BCCEF6E}"/>
               </a:ext>
             </a:extLst>
           </p:cNvPr>
@@ -25521,7 +27506,7 @@
           <p:cNvPr id="5" name="TextBox 4">
             <a:extLst>
               <a:ext uri="{FF2B5EF4-FFF2-40B4-BE49-F238E27FC236}">
-                <a16:creationId xmlns:a16="http://schemas.microsoft.com/office/drawing/2014/main" id="{0CA6A19E-547F-4C80-BD9C-137F9042556D}"/>
+                <a16:creationId xmlns:a16="http://schemas.microsoft.com/office/drawing/2014/main" xmlns="" id="{0CA6A19E-547F-4C80-BD9C-137F9042556D}"/>
               </a:ext>
             </a:extLst>
           </p:cNvPr>
@@ -25578,7 +27563,7 @@
           <p:cNvPr id="6" name="Straight Connector 5">
             <a:extLst>
               <a:ext uri="{FF2B5EF4-FFF2-40B4-BE49-F238E27FC236}">
-                <a16:creationId xmlns:a16="http://schemas.microsoft.com/office/drawing/2014/main" id="{5533AF29-5FDF-4068-B91C-610270B8372E}"/>
+                <a16:creationId xmlns:a16="http://schemas.microsoft.com/office/drawing/2014/main" xmlns="" id="{5533AF29-5FDF-4068-B91C-610270B8372E}"/>
               </a:ext>
             </a:extLst>
           </p:cNvPr>
@@ -25622,7 +27607,7 @@
           <p:cNvPr id="7" name="Straight Connector 6">
             <a:extLst>
               <a:ext uri="{FF2B5EF4-FFF2-40B4-BE49-F238E27FC236}">
-                <a16:creationId xmlns:a16="http://schemas.microsoft.com/office/drawing/2014/main" id="{AB2A38A7-05FD-4E2E-B6A5-F1E7E9E6138B}"/>
+                <a16:creationId xmlns:a16="http://schemas.microsoft.com/office/drawing/2014/main" xmlns="" id="{AB2A38A7-05FD-4E2E-B6A5-F1E7E9E6138B}"/>
               </a:ext>
             </a:extLst>
           </p:cNvPr>
@@ -25665,7 +27650,7 @@
           <p:cNvPr id="8" name="Straight Connector 7">
             <a:extLst>
               <a:ext uri="{FF2B5EF4-FFF2-40B4-BE49-F238E27FC236}">
-                <a16:creationId xmlns:a16="http://schemas.microsoft.com/office/drawing/2014/main" id="{DCF7B7DA-EC5B-4C6A-B741-12F9BF86E9C3}"/>
+                <a16:creationId xmlns:a16="http://schemas.microsoft.com/office/drawing/2014/main" xmlns="" id="{DCF7B7DA-EC5B-4C6A-B741-12F9BF86E9C3}"/>
               </a:ext>
             </a:extLst>
           </p:cNvPr>
@@ -25706,7 +27691,7 @@
           <p:cNvPr id="9" name="Straight Arrow Connector 8">
             <a:extLst>
               <a:ext uri="{FF2B5EF4-FFF2-40B4-BE49-F238E27FC236}">
-                <a16:creationId xmlns:a16="http://schemas.microsoft.com/office/drawing/2014/main" id="{F750C62A-A641-439B-B375-CF166C378ED6}"/>
+                <a16:creationId xmlns:a16="http://schemas.microsoft.com/office/drawing/2014/main" xmlns="" id="{F750C62A-A641-439B-B375-CF166C378ED6}"/>
               </a:ext>
             </a:extLst>
           </p:cNvPr>
@@ -25747,7 +27732,7 @@
           <p:cNvPr id="10" name="TextBox 9">
             <a:extLst>
               <a:ext uri="{FF2B5EF4-FFF2-40B4-BE49-F238E27FC236}">
-                <a16:creationId xmlns:a16="http://schemas.microsoft.com/office/drawing/2014/main" id="{25C58377-0256-48FB-9F11-57095ABF12D1}"/>
+                <a16:creationId xmlns:a16="http://schemas.microsoft.com/office/drawing/2014/main" xmlns="" id="{25C58377-0256-48FB-9F11-57095ABF12D1}"/>
               </a:ext>
             </a:extLst>
           </p:cNvPr>
@@ -25798,7 +27783,7 @@
           <p:cNvPr id="11" name="TextBox 10">
             <a:extLst>
               <a:ext uri="{FF2B5EF4-FFF2-40B4-BE49-F238E27FC236}">
-                <a16:creationId xmlns:a16="http://schemas.microsoft.com/office/drawing/2014/main" id="{4EA34E98-46AE-495E-935A-BCA3DD438A1C}"/>
+                <a16:creationId xmlns:a16="http://schemas.microsoft.com/office/drawing/2014/main" xmlns="" id="{4EA34E98-46AE-495E-935A-BCA3DD438A1C}"/>
               </a:ext>
             </a:extLst>
           </p:cNvPr>
@@ -25849,7 +27834,7 @@
           <p:cNvPr id="12" name="TextBox 11">
             <a:extLst>
               <a:ext uri="{FF2B5EF4-FFF2-40B4-BE49-F238E27FC236}">
-                <a16:creationId xmlns:a16="http://schemas.microsoft.com/office/drawing/2014/main" id="{5953B78F-7CB1-4242-8CE0-81A54CF17095}"/>
+                <a16:creationId xmlns:a16="http://schemas.microsoft.com/office/drawing/2014/main" xmlns="" id="{5953B78F-7CB1-4242-8CE0-81A54CF17095}"/>
               </a:ext>
             </a:extLst>
           </p:cNvPr>
@@ -25900,7 +27885,7 @@
           <p:cNvPr id="13" name="Table 12">
             <a:extLst>
               <a:ext uri="{FF2B5EF4-FFF2-40B4-BE49-F238E27FC236}">
-                <a16:creationId xmlns:a16="http://schemas.microsoft.com/office/drawing/2014/main" id="{9671FA46-DF74-4283-A04E-2397013972F3}"/>
+                <a16:creationId xmlns:a16="http://schemas.microsoft.com/office/drawing/2014/main" xmlns="" id="{9671FA46-DF74-4283-A04E-2397013972F3}"/>
               </a:ext>
             </a:extLst>
           </p:cNvPr>
@@ -25925,21 +27910,21 @@
                 <a:gridCol w="461172">
                   <a:extLst>
                     <a:ext uri="{9D8B030D-6E8A-4147-A177-3AD203B41FA5}">
-                      <a16:colId xmlns:a16="http://schemas.microsoft.com/office/drawing/2014/main" val="466220175"/>
+                      <a16:colId xmlns:a16="http://schemas.microsoft.com/office/drawing/2014/main" xmlns="" val="466220175"/>
                     </a:ext>
                   </a:extLst>
                 </a:gridCol>
                 <a:gridCol w="461172">
                   <a:extLst>
                     <a:ext uri="{9D8B030D-6E8A-4147-A177-3AD203B41FA5}">
-                      <a16:colId xmlns:a16="http://schemas.microsoft.com/office/drawing/2014/main" val="520311615"/>
+                      <a16:colId xmlns:a16="http://schemas.microsoft.com/office/drawing/2014/main" xmlns="" val="520311615"/>
                     </a:ext>
                   </a:extLst>
                 </a:gridCol>
                 <a:gridCol w="461172">
                   <a:extLst>
                     <a:ext uri="{9D8B030D-6E8A-4147-A177-3AD203B41FA5}">
-                      <a16:colId xmlns:a16="http://schemas.microsoft.com/office/drawing/2014/main" val="2227850342"/>
+                      <a16:colId xmlns:a16="http://schemas.microsoft.com/office/drawing/2014/main" xmlns="" val="2227850342"/>
                     </a:ext>
                   </a:extLst>
                 </a:gridCol>
@@ -26221,7 +28206,7 @@
                 </a:tc>
                 <a:extLst>
                   <a:ext uri="{0D108BD9-81ED-4DB2-BD59-A6C34878D82A}">
-                    <a16:rowId xmlns:a16="http://schemas.microsoft.com/office/drawing/2014/main" val="2141054233"/>
+                    <a16:rowId xmlns:a16="http://schemas.microsoft.com/office/drawing/2014/main" xmlns="" val="2141054233"/>
                   </a:ext>
                 </a:extLst>
               </a:tr>
@@ -26444,7 +28429,7 @@
                 </a:tc>
                 <a:extLst>
                   <a:ext uri="{0D108BD9-81ED-4DB2-BD59-A6C34878D82A}">
-                    <a16:rowId xmlns:a16="http://schemas.microsoft.com/office/drawing/2014/main" val="2030638017"/>
+                    <a16:rowId xmlns:a16="http://schemas.microsoft.com/office/drawing/2014/main" xmlns="" val="2030638017"/>
                   </a:ext>
                 </a:extLst>
               </a:tr>
@@ -26667,7 +28652,7 @@
                 </a:tc>
                 <a:extLst>
                   <a:ext uri="{0D108BD9-81ED-4DB2-BD59-A6C34878D82A}">
-                    <a16:rowId xmlns:a16="http://schemas.microsoft.com/office/drawing/2014/main" val="2943657333"/>
+                    <a16:rowId xmlns:a16="http://schemas.microsoft.com/office/drawing/2014/main" xmlns="" val="2943657333"/>
                   </a:ext>
                 </a:extLst>
               </a:tr>
@@ -26680,7 +28665,7 @@
           <p:cNvPr id="14" name="TextBox 13">
             <a:extLst>
               <a:ext uri="{FF2B5EF4-FFF2-40B4-BE49-F238E27FC236}">
-                <a16:creationId xmlns:a16="http://schemas.microsoft.com/office/drawing/2014/main" id="{9C7AEC4A-B1E2-44AE-B998-C41A4EDA8E1D}"/>
+                <a16:creationId xmlns:a16="http://schemas.microsoft.com/office/drawing/2014/main" xmlns="" id="{9C7AEC4A-B1E2-44AE-B998-C41A4EDA8E1D}"/>
               </a:ext>
             </a:extLst>
           </p:cNvPr>
@@ -26737,7 +28722,7 @@
           <p:cNvPr id="15" name="TextBox 14">
             <a:extLst>
               <a:ext uri="{FF2B5EF4-FFF2-40B4-BE49-F238E27FC236}">
-                <a16:creationId xmlns:a16="http://schemas.microsoft.com/office/drawing/2014/main" id="{38293FE2-752B-4DA1-8D92-4D1BA3E1CFD7}"/>
+                <a16:creationId xmlns:a16="http://schemas.microsoft.com/office/drawing/2014/main" xmlns="" id="{38293FE2-752B-4DA1-8D92-4D1BA3E1CFD7}"/>
               </a:ext>
             </a:extLst>
           </p:cNvPr>
@@ -26794,7 +28779,7 @@
           <p:cNvPr id="16" name="Straight Connector 15">
             <a:extLst>
               <a:ext uri="{FF2B5EF4-FFF2-40B4-BE49-F238E27FC236}">
-                <a16:creationId xmlns:a16="http://schemas.microsoft.com/office/drawing/2014/main" id="{F30AD9B3-76C6-49C8-9B54-C2793ECC7AFD}"/>
+                <a16:creationId xmlns:a16="http://schemas.microsoft.com/office/drawing/2014/main" xmlns="" id="{F30AD9B3-76C6-49C8-9B54-C2793ECC7AFD}"/>
               </a:ext>
             </a:extLst>
           </p:cNvPr>
@@ -26835,7 +28820,7 @@
           <p:cNvPr id="17" name="TextBox 16">
             <a:extLst>
               <a:ext uri="{FF2B5EF4-FFF2-40B4-BE49-F238E27FC236}">
-                <a16:creationId xmlns:a16="http://schemas.microsoft.com/office/drawing/2014/main" id="{27257013-11BB-4114-A5EA-B38CD66D8013}"/>
+                <a16:creationId xmlns:a16="http://schemas.microsoft.com/office/drawing/2014/main" xmlns="" id="{27257013-11BB-4114-A5EA-B38CD66D8013}"/>
               </a:ext>
             </a:extLst>
           </p:cNvPr>
@@ -26892,7 +28877,7 @@
           <p:cNvPr id="18" name="Straight Connector 17">
             <a:extLst>
               <a:ext uri="{FF2B5EF4-FFF2-40B4-BE49-F238E27FC236}">
-                <a16:creationId xmlns:a16="http://schemas.microsoft.com/office/drawing/2014/main" id="{3F45EA73-2870-4B5F-B8CA-5519D32761AC}"/>
+                <a16:creationId xmlns:a16="http://schemas.microsoft.com/office/drawing/2014/main" xmlns="" id="{3F45EA73-2870-4B5F-B8CA-5519D32761AC}"/>
               </a:ext>
             </a:extLst>
           </p:cNvPr>
@@ -26934,7 +28919,7 @@
           <p:cNvPr id="19" name="TextBox 18">
             <a:extLst>
               <a:ext uri="{FF2B5EF4-FFF2-40B4-BE49-F238E27FC236}">
-                <a16:creationId xmlns:a16="http://schemas.microsoft.com/office/drawing/2014/main" id="{06E1AB84-D600-481B-83A4-92AA186623A3}"/>
+                <a16:creationId xmlns:a16="http://schemas.microsoft.com/office/drawing/2014/main" xmlns="" id="{06E1AB84-D600-481B-83A4-92AA186623A3}"/>
               </a:ext>
             </a:extLst>
           </p:cNvPr>
@@ -26985,7 +28970,7 @@
           <p:cNvPr id="20" name="TextBox 19">
             <a:extLst>
               <a:ext uri="{FF2B5EF4-FFF2-40B4-BE49-F238E27FC236}">
-                <a16:creationId xmlns:a16="http://schemas.microsoft.com/office/drawing/2014/main" id="{0EDED0DC-2158-43E4-957F-4A20DDA0FD5B}"/>
+                <a16:creationId xmlns:a16="http://schemas.microsoft.com/office/drawing/2014/main" xmlns="" id="{0EDED0DC-2158-43E4-957F-4A20DDA0FD5B}"/>
               </a:ext>
             </a:extLst>
           </p:cNvPr>
@@ -27036,7 +29021,7 @@
           <p:cNvPr id="21" name="TextBox 20">
             <a:extLst>
               <a:ext uri="{FF2B5EF4-FFF2-40B4-BE49-F238E27FC236}">
-                <a16:creationId xmlns:a16="http://schemas.microsoft.com/office/drawing/2014/main" id="{709CDA14-D1CE-4F5E-832B-697062BDAD5E}"/>
+                <a16:creationId xmlns:a16="http://schemas.microsoft.com/office/drawing/2014/main" xmlns="" id="{709CDA14-D1CE-4F5E-832B-697062BDAD5E}"/>
               </a:ext>
             </a:extLst>
           </p:cNvPr>
@@ -27071,7 +29056,7 @@
           <p:cNvPr id="22" name="TextBox 21">
             <a:extLst>
               <a:ext uri="{FF2B5EF4-FFF2-40B4-BE49-F238E27FC236}">
-                <a16:creationId xmlns:a16="http://schemas.microsoft.com/office/drawing/2014/main" id="{DD5B4E37-A416-43A1-907C-E45433440ED2}"/>
+                <a16:creationId xmlns:a16="http://schemas.microsoft.com/office/drawing/2014/main" xmlns="" id="{DD5B4E37-A416-43A1-907C-E45433440ED2}"/>
               </a:ext>
             </a:extLst>
           </p:cNvPr>
@@ -27106,7 +29091,7 @@
           <p:cNvPr id="23" name="TextBox 22">
             <a:extLst>
               <a:ext uri="{FF2B5EF4-FFF2-40B4-BE49-F238E27FC236}">
-                <a16:creationId xmlns:a16="http://schemas.microsoft.com/office/drawing/2014/main" id="{BA83922D-83C0-4D3A-8D2B-D10F5A269A49}"/>
+                <a16:creationId xmlns:a16="http://schemas.microsoft.com/office/drawing/2014/main" xmlns="" id="{BA83922D-83C0-4D3A-8D2B-D10F5A269A49}"/>
               </a:ext>
             </a:extLst>
           </p:cNvPr>
@@ -27195,7 +29180,7 @@
           <p:cNvPr id="2" name="TextBox 1">
             <a:extLst>
               <a:ext uri="{FF2B5EF4-FFF2-40B4-BE49-F238E27FC236}">
-                <a16:creationId xmlns:a16="http://schemas.microsoft.com/office/drawing/2014/main" id="{C5B9B98F-95EF-4972-8B03-0E1752D5B0BE}"/>
+                <a16:creationId xmlns:a16="http://schemas.microsoft.com/office/drawing/2014/main" xmlns="" id="{C5B9B98F-95EF-4972-8B03-0E1752D5B0BE}"/>
               </a:ext>
             </a:extLst>
           </p:cNvPr>
@@ -27252,7 +29237,7 @@
           <p:cNvPr id="3" name="TextBox 2">
             <a:extLst>
               <a:ext uri="{FF2B5EF4-FFF2-40B4-BE49-F238E27FC236}">
-                <a16:creationId xmlns:a16="http://schemas.microsoft.com/office/drawing/2014/main" id="{BA83922D-83C0-4D3A-8D2B-D10F5A269A49}"/>
+                <a16:creationId xmlns:a16="http://schemas.microsoft.com/office/drawing/2014/main" xmlns="" id="{BA83922D-83C0-4D3A-8D2B-D10F5A269A49}"/>
               </a:ext>
             </a:extLst>
           </p:cNvPr>
@@ -27309,7 +29294,7 @@
           <p:cNvPr id="4" name="TextBox 3">
             <a:extLst>
               <a:ext uri="{FF2B5EF4-FFF2-40B4-BE49-F238E27FC236}">
-                <a16:creationId xmlns:a16="http://schemas.microsoft.com/office/drawing/2014/main" id="{3E60457E-9694-4FD2-AD1B-ABC40BCCEF6E}"/>
+                <a16:creationId xmlns:a16="http://schemas.microsoft.com/office/drawing/2014/main" xmlns="" id="{3E60457E-9694-4FD2-AD1B-ABC40BCCEF6E}"/>
               </a:ext>
             </a:extLst>
           </p:cNvPr>
@@ -27366,7 +29351,7 @@
           <p:cNvPr id="5" name="TextBox 4">
             <a:extLst>
               <a:ext uri="{FF2B5EF4-FFF2-40B4-BE49-F238E27FC236}">
-                <a16:creationId xmlns:a16="http://schemas.microsoft.com/office/drawing/2014/main" id="{0CA6A19E-547F-4C80-BD9C-137F9042556D}"/>
+                <a16:creationId xmlns:a16="http://schemas.microsoft.com/office/drawing/2014/main" xmlns="" id="{0CA6A19E-547F-4C80-BD9C-137F9042556D}"/>
               </a:ext>
             </a:extLst>
           </p:cNvPr>
@@ -27423,7 +29408,7 @@
           <p:cNvPr id="6" name="Straight Connector 5">
             <a:extLst>
               <a:ext uri="{FF2B5EF4-FFF2-40B4-BE49-F238E27FC236}">
-                <a16:creationId xmlns:a16="http://schemas.microsoft.com/office/drawing/2014/main" id="{5533AF29-5FDF-4068-B91C-610270B8372E}"/>
+                <a16:creationId xmlns:a16="http://schemas.microsoft.com/office/drawing/2014/main" xmlns="" id="{5533AF29-5FDF-4068-B91C-610270B8372E}"/>
               </a:ext>
             </a:extLst>
           </p:cNvPr>
@@ -27467,7 +29452,7 @@
           <p:cNvPr id="7" name="Straight Connector 6">
             <a:extLst>
               <a:ext uri="{FF2B5EF4-FFF2-40B4-BE49-F238E27FC236}">
-                <a16:creationId xmlns:a16="http://schemas.microsoft.com/office/drawing/2014/main" id="{AB2A38A7-05FD-4E2E-B6A5-F1E7E9E6138B}"/>
+                <a16:creationId xmlns:a16="http://schemas.microsoft.com/office/drawing/2014/main" xmlns="" id="{AB2A38A7-05FD-4E2E-B6A5-F1E7E9E6138B}"/>
               </a:ext>
             </a:extLst>
           </p:cNvPr>
@@ -27510,7 +29495,7 @@
           <p:cNvPr id="8" name="Straight Connector 7">
             <a:extLst>
               <a:ext uri="{FF2B5EF4-FFF2-40B4-BE49-F238E27FC236}">
-                <a16:creationId xmlns:a16="http://schemas.microsoft.com/office/drawing/2014/main" id="{DCF7B7DA-EC5B-4C6A-B741-12F9BF86E9C3}"/>
+                <a16:creationId xmlns:a16="http://schemas.microsoft.com/office/drawing/2014/main" xmlns="" id="{DCF7B7DA-EC5B-4C6A-B741-12F9BF86E9C3}"/>
               </a:ext>
             </a:extLst>
           </p:cNvPr>
@@ -27551,7 +29536,7 @@
           <p:cNvPr id="14" name="Straight Arrow Connector 13">
             <a:extLst>
               <a:ext uri="{FF2B5EF4-FFF2-40B4-BE49-F238E27FC236}">
-                <a16:creationId xmlns:a16="http://schemas.microsoft.com/office/drawing/2014/main" id="{F750C62A-A641-439B-B375-CF166C378ED6}"/>
+                <a16:creationId xmlns:a16="http://schemas.microsoft.com/office/drawing/2014/main" xmlns="" id="{F750C62A-A641-439B-B375-CF166C378ED6}"/>
               </a:ext>
             </a:extLst>
           </p:cNvPr>
@@ -27592,7 +29577,7 @@
           <p:cNvPr id="16" name="TextBox 15">
             <a:extLst>
               <a:ext uri="{FF2B5EF4-FFF2-40B4-BE49-F238E27FC236}">
-                <a16:creationId xmlns:a16="http://schemas.microsoft.com/office/drawing/2014/main" id="{25C58377-0256-48FB-9F11-57095ABF12D1}"/>
+                <a16:creationId xmlns:a16="http://schemas.microsoft.com/office/drawing/2014/main" xmlns="" id="{25C58377-0256-48FB-9F11-57095ABF12D1}"/>
               </a:ext>
             </a:extLst>
           </p:cNvPr>
@@ -27643,7 +29628,7 @@
           <p:cNvPr id="17" name="TextBox 16">
             <a:extLst>
               <a:ext uri="{FF2B5EF4-FFF2-40B4-BE49-F238E27FC236}">
-                <a16:creationId xmlns:a16="http://schemas.microsoft.com/office/drawing/2014/main" id="{4EA34E98-46AE-495E-935A-BCA3DD438A1C}"/>
+                <a16:creationId xmlns:a16="http://schemas.microsoft.com/office/drawing/2014/main" xmlns="" id="{4EA34E98-46AE-495E-935A-BCA3DD438A1C}"/>
               </a:ext>
             </a:extLst>
           </p:cNvPr>
@@ -27694,7 +29679,7 @@
           <p:cNvPr id="18" name="TextBox 17">
             <a:extLst>
               <a:ext uri="{FF2B5EF4-FFF2-40B4-BE49-F238E27FC236}">
-                <a16:creationId xmlns:a16="http://schemas.microsoft.com/office/drawing/2014/main" id="{5953B78F-7CB1-4242-8CE0-81A54CF17095}"/>
+                <a16:creationId xmlns:a16="http://schemas.microsoft.com/office/drawing/2014/main" xmlns="" id="{5953B78F-7CB1-4242-8CE0-81A54CF17095}"/>
               </a:ext>
             </a:extLst>
           </p:cNvPr>
@@ -27745,7 +29730,7 @@
           <p:cNvPr id="19" name="Table 18">
             <a:extLst>
               <a:ext uri="{FF2B5EF4-FFF2-40B4-BE49-F238E27FC236}">
-                <a16:creationId xmlns:a16="http://schemas.microsoft.com/office/drawing/2014/main" id="{9671FA46-DF74-4283-A04E-2397013972F3}"/>
+                <a16:creationId xmlns:a16="http://schemas.microsoft.com/office/drawing/2014/main" xmlns="" id="{9671FA46-DF74-4283-A04E-2397013972F3}"/>
               </a:ext>
             </a:extLst>
           </p:cNvPr>
@@ -27774,21 +29759,21 @@
                 <a:gridCol w="461172">
                   <a:extLst>
                     <a:ext uri="{9D8B030D-6E8A-4147-A177-3AD203B41FA5}">
-                      <a16:colId xmlns:a16="http://schemas.microsoft.com/office/drawing/2014/main" val="466220175"/>
+                      <a16:colId xmlns:a16="http://schemas.microsoft.com/office/drawing/2014/main" xmlns="" val="466220175"/>
                     </a:ext>
                   </a:extLst>
                 </a:gridCol>
                 <a:gridCol w="461172">
                   <a:extLst>
                     <a:ext uri="{9D8B030D-6E8A-4147-A177-3AD203B41FA5}">
-                      <a16:colId xmlns:a16="http://schemas.microsoft.com/office/drawing/2014/main" val="520311615"/>
+                      <a16:colId xmlns:a16="http://schemas.microsoft.com/office/drawing/2014/main" xmlns="" val="520311615"/>
                     </a:ext>
                   </a:extLst>
                 </a:gridCol>
                 <a:gridCol w="461172">
                   <a:extLst>
                     <a:ext uri="{9D8B030D-6E8A-4147-A177-3AD203B41FA5}">
-                      <a16:colId xmlns:a16="http://schemas.microsoft.com/office/drawing/2014/main" val="2227850342"/>
+                      <a16:colId xmlns:a16="http://schemas.microsoft.com/office/drawing/2014/main" xmlns="" val="2227850342"/>
                     </a:ext>
                   </a:extLst>
                 </a:gridCol>
@@ -28070,7 +30055,7 @@
                 </a:tc>
                 <a:extLst>
                   <a:ext uri="{0D108BD9-81ED-4DB2-BD59-A6C34878D82A}">
-                    <a16:rowId xmlns:a16="http://schemas.microsoft.com/office/drawing/2014/main" val="2141054233"/>
+                    <a16:rowId xmlns:a16="http://schemas.microsoft.com/office/drawing/2014/main" xmlns="" val="2141054233"/>
                   </a:ext>
                 </a:extLst>
               </a:tr>
@@ -28293,7 +30278,7 @@
                 </a:tc>
                 <a:extLst>
                   <a:ext uri="{0D108BD9-81ED-4DB2-BD59-A6C34878D82A}">
-                    <a16:rowId xmlns:a16="http://schemas.microsoft.com/office/drawing/2014/main" val="2030638017"/>
+                    <a16:rowId xmlns:a16="http://schemas.microsoft.com/office/drawing/2014/main" xmlns="" val="2030638017"/>
                   </a:ext>
                 </a:extLst>
               </a:tr>
@@ -28516,7 +30501,7 @@
                 </a:tc>
                 <a:extLst>
                   <a:ext uri="{0D108BD9-81ED-4DB2-BD59-A6C34878D82A}">
-                    <a16:rowId xmlns:a16="http://schemas.microsoft.com/office/drawing/2014/main" val="2943657333"/>
+                    <a16:rowId xmlns:a16="http://schemas.microsoft.com/office/drawing/2014/main" xmlns="" val="2943657333"/>
                   </a:ext>
                 </a:extLst>
               </a:tr>
@@ -28529,7 +30514,7 @@
           <p:cNvPr id="20" name="TextBox 19">
             <a:extLst>
               <a:ext uri="{FF2B5EF4-FFF2-40B4-BE49-F238E27FC236}">
-                <a16:creationId xmlns:a16="http://schemas.microsoft.com/office/drawing/2014/main" id="{9C7AEC4A-B1E2-44AE-B998-C41A4EDA8E1D}"/>
+                <a16:creationId xmlns:a16="http://schemas.microsoft.com/office/drawing/2014/main" xmlns="" id="{9C7AEC4A-B1E2-44AE-B998-C41A4EDA8E1D}"/>
               </a:ext>
             </a:extLst>
           </p:cNvPr>
@@ -28586,7 +30571,7 @@
           <p:cNvPr id="21" name="TextBox 20">
             <a:extLst>
               <a:ext uri="{FF2B5EF4-FFF2-40B4-BE49-F238E27FC236}">
-                <a16:creationId xmlns:a16="http://schemas.microsoft.com/office/drawing/2014/main" id="{38293FE2-752B-4DA1-8D92-4D1BA3E1CFD7}"/>
+                <a16:creationId xmlns:a16="http://schemas.microsoft.com/office/drawing/2014/main" xmlns="" id="{38293FE2-752B-4DA1-8D92-4D1BA3E1CFD7}"/>
               </a:ext>
             </a:extLst>
           </p:cNvPr>
@@ -28643,7 +30628,7 @@
           <p:cNvPr id="22" name="Straight Connector 21">
             <a:extLst>
               <a:ext uri="{FF2B5EF4-FFF2-40B4-BE49-F238E27FC236}">
-                <a16:creationId xmlns:a16="http://schemas.microsoft.com/office/drawing/2014/main" id="{F30AD9B3-76C6-49C8-9B54-C2793ECC7AFD}"/>
+                <a16:creationId xmlns:a16="http://schemas.microsoft.com/office/drawing/2014/main" xmlns="" id="{F30AD9B3-76C6-49C8-9B54-C2793ECC7AFD}"/>
               </a:ext>
             </a:extLst>
           </p:cNvPr>
@@ -28684,7 +30669,7 @@
           <p:cNvPr id="23" name="TextBox 22">
             <a:extLst>
               <a:ext uri="{FF2B5EF4-FFF2-40B4-BE49-F238E27FC236}">
-                <a16:creationId xmlns:a16="http://schemas.microsoft.com/office/drawing/2014/main" id="{27257013-11BB-4114-A5EA-B38CD66D8013}"/>
+                <a16:creationId xmlns:a16="http://schemas.microsoft.com/office/drawing/2014/main" xmlns="" id="{27257013-11BB-4114-A5EA-B38CD66D8013}"/>
               </a:ext>
             </a:extLst>
           </p:cNvPr>
@@ -28741,7 +30726,7 @@
           <p:cNvPr id="24" name="Straight Connector 23">
             <a:extLst>
               <a:ext uri="{FF2B5EF4-FFF2-40B4-BE49-F238E27FC236}">
-                <a16:creationId xmlns:a16="http://schemas.microsoft.com/office/drawing/2014/main" id="{3F45EA73-2870-4B5F-B8CA-5519D32761AC}"/>
+                <a16:creationId xmlns:a16="http://schemas.microsoft.com/office/drawing/2014/main" xmlns="" id="{3F45EA73-2870-4B5F-B8CA-5519D32761AC}"/>
               </a:ext>
             </a:extLst>
           </p:cNvPr>
@@ -28784,7 +30769,7 @@
           <p:cNvPr id="25" name="TextBox 24">
             <a:extLst>
               <a:ext uri="{FF2B5EF4-FFF2-40B4-BE49-F238E27FC236}">
-                <a16:creationId xmlns:a16="http://schemas.microsoft.com/office/drawing/2014/main" id="{06E1AB84-D600-481B-83A4-92AA186623A3}"/>
+                <a16:creationId xmlns:a16="http://schemas.microsoft.com/office/drawing/2014/main" xmlns="" id="{06E1AB84-D600-481B-83A4-92AA186623A3}"/>
               </a:ext>
             </a:extLst>
           </p:cNvPr>
@@ -28835,7 +30820,7 @@
           <p:cNvPr id="27" name="TextBox 26">
             <a:extLst>
               <a:ext uri="{FF2B5EF4-FFF2-40B4-BE49-F238E27FC236}">
-                <a16:creationId xmlns:a16="http://schemas.microsoft.com/office/drawing/2014/main" id="{709CDA14-D1CE-4F5E-832B-697062BDAD5E}"/>
+                <a16:creationId xmlns:a16="http://schemas.microsoft.com/office/drawing/2014/main" xmlns="" id="{709CDA14-D1CE-4F5E-832B-697062BDAD5E}"/>
               </a:ext>
             </a:extLst>
           </p:cNvPr>
@@ -28870,7 +30855,7 @@
           <p:cNvPr id="28" name="TextBox 27">
             <a:extLst>
               <a:ext uri="{FF2B5EF4-FFF2-40B4-BE49-F238E27FC236}">
-                <a16:creationId xmlns:a16="http://schemas.microsoft.com/office/drawing/2014/main" id="{DD5B4E37-A416-43A1-907C-E45433440ED2}"/>
+                <a16:creationId xmlns:a16="http://schemas.microsoft.com/office/drawing/2014/main" xmlns="" id="{DD5B4E37-A416-43A1-907C-E45433440ED2}"/>
               </a:ext>
             </a:extLst>
           </p:cNvPr>
@@ -28905,7 +30890,7 @@
           <p:cNvPr id="31" name="TextBox 30">
             <a:extLst>
               <a:ext uri="{FF2B5EF4-FFF2-40B4-BE49-F238E27FC236}">
-                <a16:creationId xmlns:a16="http://schemas.microsoft.com/office/drawing/2014/main" id="{BA83922D-83C0-4D3A-8D2B-D10F5A269A49}"/>
+                <a16:creationId xmlns:a16="http://schemas.microsoft.com/office/drawing/2014/main" xmlns="" id="{BA83922D-83C0-4D3A-8D2B-D10F5A269A49}"/>
               </a:ext>
             </a:extLst>
           </p:cNvPr>
@@ -28964,7 +30949,7 @@
           <p:cNvPr id="33" name="TextBox 32">
             <a:extLst>
               <a:ext uri="{FF2B5EF4-FFF2-40B4-BE49-F238E27FC236}">
-                <a16:creationId xmlns:a16="http://schemas.microsoft.com/office/drawing/2014/main" id="{4EA34E98-46AE-495E-935A-BCA3DD438A1C}"/>
+                <a16:creationId xmlns:a16="http://schemas.microsoft.com/office/drawing/2014/main" xmlns="" id="{4EA34E98-46AE-495E-935A-BCA3DD438A1C}"/>
               </a:ext>
             </a:extLst>
           </p:cNvPr>
@@ -29031,7 +31016,7 @@
           <p:cNvPr id="34" name="TextBox 33">
             <a:extLst>
               <a:ext uri="{FF2B5EF4-FFF2-40B4-BE49-F238E27FC236}">
-                <a16:creationId xmlns:a16="http://schemas.microsoft.com/office/drawing/2014/main" id="{0EDED0DC-2158-43E4-957F-4A20DDA0FD5B}"/>
+                <a16:creationId xmlns:a16="http://schemas.microsoft.com/office/drawing/2014/main" xmlns="" id="{0EDED0DC-2158-43E4-957F-4A20DDA0FD5B}"/>
               </a:ext>
             </a:extLst>
           </p:cNvPr>
@@ -29112,7 +31097,7 @@
           <p:cNvPr id="33" name="Rectangle: Rounded Corners 32">
             <a:extLst>
               <a:ext uri="{FF2B5EF4-FFF2-40B4-BE49-F238E27FC236}">
-                <a16:creationId xmlns:a16="http://schemas.microsoft.com/office/drawing/2014/main" id="{52D972A3-F302-4452-A04E-F64AC18D1BF2}"/>
+                <a16:creationId xmlns:a16="http://schemas.microsoft.com/office/drawing/2014/main" xmlns="" id="{52D972A3-F302-4452-A04E-F64AC18D1BF2}"/>
               </a:ext>
             </a:extLst>
           </p:cNvPr>
@@ -29168,7 +31153,7 @@
           <p:cNvPr id="2" name="Rectangle: Rounded Corners 1">
             <a:extLst>
               <a:ext uri="{FF2B5EF4-FFF2-40B4-BE49-F238E27FC236}">
-                <a16:creationId xmlns:a16="http://schemas.microsoft.com/office/drawing/2014/main" id="{9E52F8D7-DBF2-4E8B-AFAA-4D56E1F02B4A}"/>
+                <a16:creationId xmlns:a16="http://schemas.microsoft.com/office/drawing/2014/main" xmlns="" id="{9E52F8D7-DBF2-4E8B-AFAA-4D56E1F02B4A}"/>
               </a:ext>
             </a:extLst>
           </p:cNvPr>
@@ -29224,7 +31209,7 @@
           <p:cNvPr id="3" name="Rectangle: Rounded Corners 2">
             <a:extLst>
               <a:ext uri="{FF2B5EF4-FFF2-40B4-BE49-F238E27FC236}">
-                <a16:creationId xmlns:a16="http://schemas.microsoft.com/office/drawing/2014/main" id="{FB9D4E79-E50D-4CE5-9BFD-639CDEA9C361}"/>
+                <a16:creationId xmlns:a16="http://schemas.microsoft.com/office/drawing/2014/main" xmlns="" id="{FB9D4E79-E50D-4CE5-9BFD-639CDEA9C361}"/>
               </a:ext>
             </a:extLst>
           </p:cNvPr>
@@ -29280,7 +31265,7 @@
           <p:cNvPr id="4" name="Rectangle: Rounded Corners 3">
             <a:extLst>
               <a:ext uri="{FF2B5EF4-FFF2-40B4-BE49-F238E27FC236}">
-                <a16:creationId xmlns:a16="http://schemas.microsoft.com/office/drawing/2014/main" id="{54FCC0BC-83C4-4EC5-8200-D3C032395413}"/>
+                <a16:creationId xmlns:a16="http://schemas.microsoft.com/office/drawing/2014/main" xmlns="" id="{54FCC0BC-83C4-4EC5-8200-D3C032395413}"/>
               </a:ext>
             </a:extLst>
           </p:cNvPr>
@@ -29336,7 +31321,7 @@
           <p:cNvPr id="5" name="Rectangle: Rounded Corners 4">
             <a:extLst>
               <a:ext uri="{FF2B5EF4-FFF2-40B4-BE49-F238E27FC236}">
-                <a16:creationId xmlns:a16="http://schemas.microsoft.com/office/drawing/2014/main" id="{B323D3DA-6C4C-483B-A265-E1648AAE9F31}"/>
+                <a16:creationId xmlns:a16="http://schemas.microsoft.com/office/drawing/2014/main" xmlns="" id="{B323D3DA-6C4C-483B-A265-E1648AAE9F31}"/>
               </a:ext>
             </a:extLst>
           </p:cNvPr>
@@ -29392,7 +31377,7 @@
           <p:cNvPr id="6" name="Rectangle: Rounded Corners 5">
             <a:extLst>
               <a:ext uri="{FF2B5EF4-FFF2-40B4-BE49-F238E27FC236}">
-                <a16:creationId xmlns:a16="http://schemas.microsoft.com/office/drawing/2014/main" id="{CE1AEA6F-E8FC-463A-87B9-B77F1A182117}"/>
+                <a16:creationId xmlns:a16="http://schemas.microsoft.com/office/drawing/2014/main" xmlns="" id="{CE1AEA6F-E8FC-463A-87B9-B77F1A182117}"/>
               </a:ext>
             </a:extLst>
           </p:cNvPr>
@@ -29448,7 +31433,7 @@
           <p:cNvPr id="7" name="Rectangle: Rounded Corners 6">
             <a:extLst>
               <a:ext uri="{FF2B5EF4-FFF2-40B4-BE49-F238E27FC236}">
-                <a16:creationId xmlns:a16="http://schemas.microsoft.com/office/drawing/2014/main" id="{7524F206-68F6-4057-96FA-0FA4B6D703E0}"/>
+                <a16:creationId xmlns:a16="http://schemas.microsoft.com/office/drawing/2014/main" xmlns="" id="{7524F206-68F6-4057-96FA-0FA4B6D703E0}"/>
               </a:ext>
             </a:extLst>
           </p:cNvPr>
@@ -29504,7 +31489,7 @@
           <p:cNvPr id="9" name="TextBox 8">
             <a:extLst>
               <a:ext uri="{FF2B5EF4-FFF2-40B4-BE49-F238E27FC236}">
-                <a16:creationId xmlns:a16="http://schemas.microsoft.com/office/drawing/2014/main" id="{67D569CC-AB6E-4AB4-A738-1D5394F64074}"/>
+                <a16:creationId xmlns:a16="http://schemas.microsoft.com/office/drawing/2014/main" xmlns="" id="{67D569CC-AB6E-4AB4-A738-1D5394F64074}"/>
               </a:ext>
             </a:extLst>
           </p:cNvPr>
@@ -29539,7 +31524,7 @@
           <p:cNvPr id="10" name="TextBox 9">
             <a:extLst>
               <a:ext uri="{FF2B5EF4-FFF2-40B4-BE49-F238E27FC236}">
-                <a16:creationId xmlns:a16="http://schemas.microsoft.com/office/drawing/2014/main" id="{74A64AAC-2133-43E2-94AE-0C3EDEA5A5D4}"/>
+                <a16:creationId xmlns:a16="http://schemas.microsoft.com/office/drawing/2014/main" xmlns="" id="{74A64AAC-2133-43E2-94AE-0C3EDEA5A5D4}"/>
               </a:ext>
             </a:extLst>
           </p:cNvPr>
@@ -29574,7 +31559,7 @@
           <p:cNvPr id="11" name="TextBox 10">
             <a:extLst>
               <a:ext uri="{FF2B5EF4-FFF2-40B4-BE49-F238E27FC236}">
-                <a16:creationId xmlns:a16="http://schemas.microsoft.com/office/drawing/2014/main" id="{C7AE7B13-98DE-451E-A7B7-9679211DEFEF}"/>
+                <a16:creationId xmlns:a16="http://schemas.microsoft.com/office/drawing/2014/main" xmlns="" id="{C7AE7B13-98DE-451E-A7B7-9679211DEFEF}"/>
               </a:ext>
             </a:extLst>
           </p:cNvPr>
@@ -29609,7 +31594,7 @@
           <p:cNvPr id="12" name="TextBox 11">
             <a:extLst>
               <a:ext uri="{FF2B5EF4-FFF2-40B4-BE49-F238E27FC236}">
-                <a16:creationId xmlns:a16="http://schemas.microsoft.com/office/drawing/2014/main" id="{B31DCA54-54B8-4A6E-A1D7-C22E21207B4C}"/>
+                <a16:creationId xmlns:a16="http://schemas.microsoft.com/office/drawing/2014/main" xmlns="" id="{B31DCA54-54B8-4A6E-A1D7-C22E21207B4C}"/>
               </a:ext>
             </a:extLst>
           </p:cNvPr>
@@ -29644,7 +31629,7 @@
           <p:cNvPr id="13" name="TextBox 12">
             <a:extLst>
               <a:ext uri="{FF2B5EF4-FFF2-40B4-BE49-F238E27FC236}">
-                <a16:creationId xmlns:a16="http://schemas.microsoft.com/office/drawing/2014/main" id="{07ECD308-15DE-4EE9-9792-EB9D2B469122}"/>
+                <a16:creationId xmlns:a16="http://schemas.microsoft.com/office/drawing/2014/main" xmlns="" id="{07ECD308-15DE-4EE9-9792-EB9D2B469122}"/>
               </a:ext>
             </a:extLst>
           </p:cNvPr>
@@ -29679,7 +31664,7 @@
           <p:cNvPr id="14" name="TextBox 13">
             <a:extLst>
               <a:ext uri="{FF2B5EF4-FFF2-40B4-BE49-F238E27FC236}">
-                <a16:creationId xmlns:a16="http://schemas.microsoft.com/office/drawing/2014/main" id="{198D2B87-0E92-4293-8317-F0E47FA6320C}"/>
+                <a16:creationId xmlns:a16="http://schemas.microsoft.com/office/drawing/2014/main" xmlns="" id="{198D2B87-0E92-4293-8317-F0E47FA6320C}"/>
               </a:ext>
             </a:extLst>
           </p:cNvPr>
@@ -29714,7 +31699,7 @@
           <p:cNvPr id="16" name="Straight Arrow Connector 15">
             <a:extLst>
               <a:ext uri="{FF2B5EF4-FFF2-40B4-BE49-F238E27FC236}">
-                <a16:creationId xmlns:a16="http://schemas.microsoft.com/office/drawing/2014/main" id="{CAD1505F-1341-4EBC-98EC-B86F01DAA206}"/>
+                <a16:creationId xmlns:a16="http://schemas.microsoft.com/office/drawing/2014/main" xmlns="" id="{CAD1505F-1341-4EBC-98EC-B86F01DAA206}"/>
               </a:ext>
             </a:extLst>
           </p:cNvPr>
@@ -29753,7 +31738,7 @@
           <p:cNvPr id="17" name="Straight Arrow Connector 16">
             <a:extLst>
               <a:ext uri="{FF2B5EF4-FFF2-40B4-BE49-F238E27FC236}">
-                <a16:creationId xmlns:a16="http://schemas.microsoft.com/office/drawing/2014/main" id="{41437FCA-0489-4A93-9EA1-0E355B67EBAD}"/>
+                <a16:creationId xmlns:a16="http://schemas.microsoft.com/office/drawing/2014/main" xmlns="" id="{41437FCA-0489-4A93-9EA1-0E355B67EBAD}"/>
               </a:ext>
             </a:extLst>
           </p:cNvPr>
@@ -29795,7 +31780,7 @@
           <p:cNvPr id="19" name="Straight Arrow Connector 18">
             <a:extLst>
               <a:ext uri="{FF2B5EF4-FFF2-40B4-BE49-F238E27FC236}">
-                <a16:creationId xmlns:a16="http://schemas.microsoft.com/office/drawing/2014/main" id="{B4B4A916-9F19-45DD-94B6-712E0AAEC3BB}"/>
+                <a16:creationId xmlns:a16="http://schemas.microsoft.com/office/drawing/2014/main" xmlns="" id="{B4B4A916-9F19-45DD-94B6-712E0AAEC3BB}"/>
               </a:ext>
             </a:extLst>
           </p:cNvPr>
@@ -29836,7 +31821,7 @@
           <p:cNvPr id="20" name="Straight Arrow Connector 19">
             <a:extLst>
               <a:ext uri="{FF2B5EF4-FFF2-40B4-BE49-F238E27FC236}">
-                <a16:creationId xmlns:a16="http://schemas.microsoft.com/office/drawing/2014/main" id="{48D68B77-C404-443E-AC35-B169B7A2862B}"/>
+                <a16:creationId xmlns:a16="http://schemas.microsoft.com/office/drawing/2014/main" xmlns="" id="{48D68B77-C404-443E-AC35-B169B7A2862B}"/>
               </a:ext>
             </a:extLst>
           </p:cNvPr>
@@ -29877,7 +31862,7 @@
           <p:cNvPr id="21" name="Straight Arrow Connector 20">
             <a:extLst>
               <a:ext uri="{FF2B5EF4-FFF2-40B4-BE49-F238E27FC236}">
-                <a16:creationId xmlns:a16="http://schemas.microsoft.com/office/drawing/2014/main" id="{BCBBC2B7-26CF-4A3B-B2E1-931A8771EA2D}"/>
+                <a16:creationId xmlns:a16="http://schemas.microsoft.com/office/drawing/2014/main" xmlns="" id="{BCBBC2B7-26CF-4A3B-B2E1-931A8771EA2D}"/>
               </a:ext>
             </a:extLst>
           </p:cNvPr>
@@ -29918,7 +31903,7 @@
           <p:cNvPr id="22" name="Straight Arrow Connector 21">
             <a:extLst>
               <a:ext uri="{FF2B5EF4-FFF2-40B4-BE49-F238E27FC236}">
-                <a16:creationId xmlns:a16="http://schemas.microsoft.com/office/drawing/2014/main" id="{FEA8050E-6422-44C2-9B68-0AF04676375E}"/>
+                <a16:creationId xmlns:a16="http://schemas.microsoft.com/office/drawing/2014/main" xmlns="" id="{FEA8050E-6422-44C2-9B68-0AF04676375E}"/>
               </a:ext>
             </a:extLst>
           </p:cNvPr>
@@ -29959,7 +31944,7 @@
           <p:cNvPr id="23" name="Straight Arrow Connector 22">
             <a:extLst>
               <a:ext uri="{FF2B5EF4-FFF2-40B4-BE49-F238E27FC236}">
-                <a16:creationId xmlns:a16="http://schemas.microsoft.com/office/drawing/2014/main" id="{6C6083B2-59A5-4F8D-821F-9CAAC13DC964}"/>
+                <a16:creationId xmlns:a16="http://schemas.microsoft.com/office/drawing/2014/main" xmlns="" id="{6C6083B2-59A5-4F8D-821F-9CAAC13DC964}"/>
               </a:ext>
             </a:extLst>
           </p:cNvPr>
@@ -30002,7 +31987,7 @@
           <p:cNvPr id="28" name="Straight Arrow Connector 27">
             <a:extLst>
               <a:ext uri="{FF2B5EF4-FFF2-40B4-BE49-F238E27FC236}">
-                <a16:creationId xmlns:a16="http://schemas.microsoft.com/office/drawing/2014/main" id="{2D70DE12-2334-4B10-9F45-841587FCD4CD}"/>
+                <a16:creationId xmlns:a16="http://schemas.microsoft.com/office/drawing/2014/main" xmlns="" id="{2D70DE12-2334-4B10-9F45-841587FCD4CD}"/>
               </a:ext>
             </a:extLst>
           </p:cNvPr>
@@ -30043,7 +32028,7 @@
           <p:cNvPr id="29" name="Straight Arrow Connector 28">
             <a:extLst>
               <a:ext uri="{FF2B5EF4-FFF2-40B4-BE49-F238E27FC236}">
-                <a16:creationId xmlns:a16="http://schemas.microsoft.com/office/drawing/2014/main" id="{E73C5F05-5520-46D1-95D7-161591915C2B}"/>
+                <a16:creationId xmlns:a16="http://schemas.microsoft.com/office/drawing/2014/main" xmlns="" id="{E73C5F05-5520-46D1-95D7-161591915C2B}"/>
               </a:ext>
             </a:extLst>
           </p:cNvPr>
@@ -30084,7 +32069,7 @@
           <p:cNvPr id="30" name="Straight Arrow Connector 29">
             <a:extLst>
               <a:ext uri="{FF2B5EF4-FFF2-40B4-BE49-F238E27FC236}">
-                <a16:creationId xmlns:a16="http://schemas.microsoft.com/office/drawing/2014/main" id="{0888F945-405D-4E3F-BC0F-144BFC766F96}"/>
+                <a16:creationId xmlns:a16="http://schemas.microsoft.com/office/drawing/2014/main" xmlns="" id="{0888F945-405D-4E3F-BC0F-144BFC766F96}"/>
               </a:ext>
             </a:extLst>
           </p:cNvPr>
@@ -30125,7 +32110,7 @@
           <p:cNvPr id="31" name="Straight Arrow Connector 30">
             <a:extLst>
               <a:ext uri="{FF2B5EF4-FFF2-40B4-BE49-F238E27FC236}">
-                <a16:creationId xmlns:a16="http://schemas.microsoft.com/office/drawing/2014/main" id="{9BF50DBE-B764-45CF-B2B4-1558795639A7}"/>
+                <a16:creationId xmlns:a16="http://schemas.microsoft.com/office/drawing/2014/main" xmlns="" id="{9BF50DBE-B764-45CF-B2B4-1558795639A7}"/>
               </a:ext>
             </a:extLst>
           </p:cNvPr>
@@ -30166,7 +32151,7 @@
           <p:cNvPr id="32" name="Straight Arrow Connector 31">
             <a:extLst>
               <a:ext uri="{FF2B5EF4-FFF2-40B4-BE49-F238E27FC236}">
-                <a16:creationId xmlns:a16="http://schemas.microsoft.com/office/drawing/2014/main" id="{A54C6FE5-3ED5-4509-ADB1-A1C8E165475F}"/>
+                <a16:creationId xmlns:a16="http://schemas.microsoft.com/office/drawing/2014/main" xmlns="" id="{A54C6FE5-3ED5-4509-ADB1-A1C8E165475F}"/>
               </a:ext>
             </a:extLst>
           </p:cNvPr>
@@ -30207,7 +32192,7 @@
           <p:cNvPr id="34" name="Rectangle: Rounded Corners 33">
             <a:extLst>
               <a:ext uri="{FF2B5EF4-FFF2-40B4-BE49-F238E27FC236}">
-                <a16:creationId xmlns:a16="http://schemas.microsoft.com/office/drawing/2014/main" id="{94F3A193-70EB-4D76-92B1-AE430DDBED34}"/>
+                <a16:creationId xmlns:a16="http://schemas.microsoft.com/office/drawing/2014/main" xmlns="" id="{94F3A193-70EB-4D76-92B1-AE430DDBED34}"/>
               </a:ext>
             </a:extLst>
           </p:cNvPr>
@@ -30263,7 +32248,7 @@
           <p:cNvPr id="35" name="Rectangle: Rounded Corners 34">
             <a:extLst>
               <a:ext uri="{FF2B5EF4-FFF2-40B4-BE49-F238E27FC236}">
-                <a16:creationId xmlns:a16="http://schemas.microsoft.com/office/drawing/2014/main" id="{10E90756-F749-4FE3-A061-3270921C4259}"/>
+                <a16:creationId xmlns:a16="http://schemas.microsoft.com/office/drawing/2014/main" xmlns="" id="{10E90756-F749-4FE3-A061-3270921C4259}"/>
               </a:ext>
             </a:extLst>
           </p:cNvPr>
@@ -30319,7 +32304,7 @@
           <p:cNvPr id="36" name="Rectangle: Rounded Corners 35">
             <a:extLst>
               <a:ext uri="{FF2B5EF4-FFF2-40B4-BE49-F238E27FC236}">
-                <a16:creationId xmlns:a16="http://schemas.microsoft.com/office/drawing/2014/main" id="{E8573890-4F6E-499A-B59C-69276790FBAE}"/>
+                <a16:creationId xmlns:a16="http://schemas.microsoft.com/office/drawing/2014/main" xmlns="" id="{E8573890-4F6E-499A-B59C-69276790FBAE}"/>
               </a:ext>
             </a:extLst>
           </p:cNvPr>
@@ -30375,7 +32360,7 @@
           <p:cNvPr id="37" name="Rectangle: Rounded Corners 36">
             <a:extLst>
               <a:ext uri="{FF2B5EF4-FFF2-40B4-BE49-F238E27FC236}">
-                <a16:creationId xmlns:a16="http://schemas.microsoft.com/office/drawing/2014/main" id="{5CF50304-F9A7-4CFF-A73F-A01CF0402B77}"/>
+                <a16:creationId xmlns:a16="http://schemas.microsoft.com/office/drawing/2014/main" xmlns="" id="{5CF50304-F9A7-4CFF-A73F-A01CF0402B77}"/>
               </a:ext>
             </a:extLst>
           </p:cNvPr>
@@ -30431,7 +32416,7 @@
           <p:cNvPr id="38" name="Rectangle: Rounded Corners 37">
             <a:extLst>
               <a:ext uri="{FF2B5EF4-FFF2-40B4-BE49-F238E27FC236}">
-                <a16:creationId xmlns:a16="http://schemas.microsoft.com/office/drawing/2014/main" id="{790C8837-9486-4D59-9299-4DAB3423D000}"/>
+                <a16:creationId xmlns:a16="http://schemas.microsoft.com/office/drawing/2014/main" xmlns="" id="{790C8837-9486-4D59-9299-4DAB3423D000}"/>
               </a:ext>
             </a:extLst>
           </p:cNvPr>
@@ -30487,7 +32472,7 @@
           <p:cNvPr id="39" name="Rectangle: Rounded Corners 38">
             <a:extLst>
               <a:ext uri="{FF2B5EF4-FFF2-40B4-BE49-F238E27FC236}">
-                <a16:creationId xmlns:a16="http://schemas.microsoft.com/office/drawing/2014/main" id="{0E37DD49-6775-444A-9F58-43FC8A77CC1A}"/>
+                <a16:creationId xmlns:a16="http://schemas.microsoft.com/office/drawing/2014/main" xmlns="" id="{0E37DD49-6775-444A-9F58-43FC8A77CC1A}"/>
               </a:ext>
             </a:extLst>
           </p:cNvPr>
@@ -30543,7 +32528,7 @@
           <p:cNvPr id="40" name="Rectangle: Rounded Corners 39">
             <a:extLst>
               <a:ext uri="{FF2B5EF4-FFF2-40B4-BE49-F238E27FC236}">
-                <a16:creationId xmlns:a16="http://schemas.microsoft.com/office/drawing/2014/main" id="{B6B691D6-F01A-4FB9-B673-98056E45A5DE}"/>
+                <a16:creationId xmlns:a16="http://schemas.microsoft.com/office/drawing/2014/main" xmlns="" id="{B6B691D6-F01A-4FB9-B673-98056E45A5DE}"/>
               </a:ext>
             </a:extLst>
           </p:cNvPr>
@@ -30599,7 +32584,7 @@
           <p:cNvPr id="42" name="Straight Arrow Connector 41">
             <a:extLst>
               <a:ext uri="{FF2B5EF4-FFF2-40B4-BE49-F238E27FC236}">
-                <a16:creationId xmlns:a16="http://schemas.microsoft.com/office/drawing/2014/main" id="{DD6C188E-BBA2-4E8D-9F33-F3C6D7746BA8}"/>
+                <a16:creationId xmlns:a16="http://schemas.microsoft.com/office/drawing/2014/main" xmlns="" id="{DD6C188E-BBA2-4E8D-9F33-F3C6D7746BA8}"/>
               </a:ext>
             </a:extLst>
           </p:cNvPr>
@@ -30641,7 +32626,7 @@
           <p:cNvPr id="43" name="Straight Arrow Connector 42">
             <a:extLst>
               <a:ext uri="{FF2B5EF4-FFF2-40B4-BE49-F238E27FC236}">
-                <a16:creationId xmlns:a16="http://schemas.microsoft.com/office/drawing/2014/main" id="{93D99B21-2F4E-4B67-BB26-2BCB781D7584}"/>
+                <a16:creationId xmlns:a16="http://schemas.microsoft.com/office/drawing/2014/main" xmlns="" id="{93D99B21-2F4E-4B67-BB26-2BCB781D7584}"/>
               </a:ext>
             </a:extLst>
           </p:cNvPr>
@@ -30682,7 +32667,7 @@
           <p:cNvPr id="44" name="Straight Arrow Connector 43">
             <a:extLst>
               <a:ext uri="{FF2B5EF4-FFF2-40B4-BE49-F238E27FC236}">
-                <a16:creationId xmlns:a16="http://schemas.microsoft.com/office/drawing/2014/main" id="{EFB76A24-A05A-4BBF-A818-E52DF5D6E287}"/>
+                <a16:creationId xmlns:a16="http://schemas.microsoft.com/office/drawing/2014/main" xmlns="" id="{EFB76A24-A05A-4BBF-A818-E52DF5D6E287}"/>
               </a:ext>
             </a:extLst>
           </p:cNvPr>
@@ -30723,7 +32708,7 @@
           <p:cNvPr id="45" name="Straight Arrow Connector 44">
             <a:extLst>
               <a:ext uri="{FF2B5EF4-FFF2-40B4-BE49-F238E27FC236}">
-                <a16:creationId xmlns:a16="http://schemas.microsoft.com/office/drawing/2014/main" id="{9C8718E4-C645-46F2-BC3C-1E8C42909DC6}"/>
+                <a16:creationId xmlns:a16="http://schemas.microsoft.com/office/drawing/2014/main" xmlns="" id="{9C8718E4-C645-46F2-BC3C-1E8C42909DC6}"/>
               </a:ext>
             </a:extLst>
           </p:cNvPr>
@@ -30764,7 +32749,7 @@
           <p:cNvPr id="46" name="Straight Arrow Connector 45">
             <a:extLst>
               <a:ext uri="{FF2B5EF4-FFF2-40B4-BE49-F238E27FC236}">
-                <a16:creationId xmlns:a16="http://schemas.microsoft.com/office/drawing/2014/main" id="{11E8FBCE-EC9A-485C-B986-EA98116ADB4F}"/>
+                <a16:creationId xmlns:a16="http://schemas.microsoft.com/office/drawing/2014/main" xmlns="" id="{11E8FBCE-EC9A-485C-B986-EA98116ADB4F}"/>
               </a:ext>
             </a:extLst>
           </p:cNvPr>
@@ -30805,7 +32790,7 @@
           <p:cNvPr id="47" name="TextBox 46">
             <a:extLst>
               <a:ext uri="{FF2B5EF4-FFF2-40B4-BE49-F238E27FC236}">
-                <a16:creationId xmlns:a16="http://schemas.microsoft.com/office/drawing/2014/main" id="{EDCDAC0B-C1D4-4E26-B617-B6351702C2C5}"/>
+                <a16:creationId xmlns:a16="http://schemas.microsoft.com/office/drawing/2014/main" xmlns="" id="{EDCDAC0B-C1D4-4E26-B617-B6351702C2C5}"/>
               </a:ext>
             </a:extLst>
           </p:cNvPr>
@@ -30840,7 +32825,7 @@
           <p:cNvPr id="48" name="TextBox 47">
             <a:extLst>
               <a:ext uri="{FF2B5EF4-FFF2-40B4-BE49-F238E27FC236}">
-                <a16:creationId xmlns:a16="http://schemas.microsoft.com/office/drawing/2014/main" id="{E08CA946-35F9-4DAA-9F33-2D48D22A4FDB}"/>
+                <a16:creationId xmlns:a16="http://schemas.microsoft.com/office/drawing/2014/main" xmlns="" id="{E08CA946-35F9-4DAA-9F33-2D48D22A4FDB}"/>
               </a:ext>
             </a:extLst>
           </p:cNvPr>
@@ -30875,7 +32860,7 @@
           <p:cNvPr id="49" name="TextBox 48">
             <a:extLst>
               <a:ext uri="{FF2B5EF4-FFF2-40B4-BE49-F238E27FC236}">
-                <a16:creationId xmlns:a16="http://schemas.microsoft.com/office/drawing/2014/main" id="{95B61A25-AB36-4516-984F-A555E7EC59E9}"/>
+                <a16:creationId xmlns:a16="http://schemas.microsoft.com/office/drawing/2014/main" xmlns="" id="{95B61A25-AB36-4516-984F-A555E7EC59E9}"/>
               </a:ext>
             </a:extLst>
           </p:cNvPr>
@@ -30910,7 +32895,7 @@
           <p:cNvPr id="50" name="TextBox 49">
             <a:extLst>
               <a:ext uri="{FF2B5EF4-FFF2-40B4-BE49-F238E27FC236}">
-                <a16:creationId xmlns:a16="http://schemas.microsoft.com/office/drawing/2014/main" id="{34B4AD24-6EE8-4099-9D86-59BA91728BDC}"/>
+                <a16:creationId xmlns:a16="http://schemas.microsoft.com/office/drawing/2014/main" xmlns="" id="{34B4AD24-6EE8-4099-9D86-59BA91728BDC}"/>
               </a:ext>
             </a:extLst>
           </p:cNvPr>
@@ -30945,7 +32930,7 @@
           <p:cNvPr id="51" name="TextBox 50">
             <a:extLst>
               <a:ext uri="{FF2B5EF4-FFF2-40B4-BE49-F238E27FC236}">
-                <a16:creationId xmlns:a16="http://schemas.microsoft.com/office/drawing/2014/main" id="{D1B8EB08-3F04-439A-BF8B-1F4A78A28793}"/>
+                <a16:creationId xmlns:a16="http://schemas.microsoft.com/office/drawing/2014/main" xmlns="" id="{D1B8EB08-3F04-439A-BF8B-1F4A78A28793}"/>
               </a:ext>
             </a:extLst>
           </p:cNvPr>
@@ -30980,7 +32965,7 @@
           <p:cNvPr id="52" name="TextBox 51">
             <a:extLst>
               <a:ext uri="{FF2B5EF4-FFF2-40B4-BE49-F238E27FC236}">
-                <a16:creationId xmlns:a16="http://schemas.microsoft.com/office/drawing/2014/main" id="{08CDABC5-02A7-4BF1-A366-3140D077C443}"/>
+                <a16:creationId xmlns:a16="http://schemas.microsoft.com/office/drawing/2014/main" xmlns="" id="{08CDABC5-02A7-4BF1-A366-3140D077C443}"/>
               </a:ext>
             </a:extLst>
           </p:cNvPr>
@@ -31015,7 +33000,7 @@
           <p:cNvPr id="53" name="TextBox 52">
             <a:extLst>
               <a:ext uri="{FF2B5EF4-FFF2-40B4-BE49-F238E27FC236}">
-                <a16:creationId xmlns:a16="http://schemas.microsoft.com/office/drawing/2014/main" id="{E287DFCA-712C-4D8E-A92D-5185DCF8C889}"/>
+                <a16:creationId xmlns:a16="http://schemas.microsoft.com/office/drawing/2014/main" xmlns="" id="{E287DFCA-712C-4D8E-A92D-5185DCF8C889}"/>
               </a:ext>
             </a:extLst>
           </p:cNvPr>
@@ -31050,7 +33035,7 @@
           <p:cNvPr id="55" name="Rectangle: Rounded Corners 54">
             <a:extLst>
               <a:ext uri="{FF2B5EF4-FFF2-40B4-BE49-F238E27FC236}">
-                <a16:creationId xmlns:a16="http://schemas.microsoft.com/office/drawing/2014/main" id="{FFD590E3-1D31-4D15-89A6-8F28AF6B7B52}"/>
+                <a16:creationId xmlns:a16="http://schemas.microsoft.com/office/drawing/2014/main" xmlns="" id="{FFD590E3-1D31-4D15-89A6-8F28AF6B7B52}"/>
               </a:ext>
             </a:extLst>
           </p:cNvPr>
@@ -31100,7 +33085,7 @@
           <p:cNvPr id="56" name="TextBox 55">
             <a:extLst>
               <a:ext uri="{FF2B5EF4-FFF2-40B4-BE49-F238E27FC236}">
-                <a16:creationId xmlns:a16="http://schemas.microsoft.com/office/drawing/2014/main" id="{D4ED0134-DA30-4452-B29E-A1C753AAB4CC}"/>
+                <a16:creationId xmlns:a16="http://schemas.microsoft.com/office/drawing/2014/main" xmlns="" id="{D4ED0134-DA30-4452-B29E-A1C753AAB4CC}"/>
               </a:ext>
             </a:extLst>
           </p:cNvPr>
@@ -31135,7 +33120,7 @@
           <p:cNvPr id="57" name="Rectangle: Rounded Corners 56">
             <a:extLst>
               <a:ext uri="{FF2B5EF4-FFF2-40B4-BE49-F238E27FC236}">
-                <a16:creationId xmlns:a16="http://schemas.microsoft.com/office/drawing/2014/main" id="{959F7475-0E63-41A6-9572-8850B1631D7B}"/>
+                <a16:creationId xmlns:a16="http://schemas.microsoft.com/office/drawing/2014/main" xmlns="" id="{959F7475-0E63-41A6-9572-8850B1631D7B}"/>
               </a:ext>
             </a:extLst>
           </p:cNvPr>
@@ -31185,7 +33170,7 @@
           <p:cNvPr id="58" name="TextBox 57">
             <a:extLst>
               <a:ext uri="{FF2B5EF4-FFF2-40B4-BE49-F238E27FC236}">
-                <a16:creationId xmlns:a16="http://schemas.microsoft.com/office/drawing/2014/main" id="{9FBCCEF3-61C3-4A50-96A0-38AFB5A77292}"/>
+                <a16:creationId xmlns:a16="http://schemas.microsoft.com/office/drawing/2014/main" xmlns="" id="{9FBCCEF3-61C3-4A50-96A0-38AFB5A77292}"/>
               </a:ext>
             </a:extLst>
           </p:cNvPr>
@@ -31220,7 +33205,7 @@
           <p:cNvPr id="61" name="Connector: Elbow 60">
             <a:extLst>
               <a:ext uri="{FF2B5EF4-FFF2-40B4-BE49-F238E27FC236}">
-                <a16:creationId xmlns:a16="http://schemas.microsoft.com/office/drawing/2014/main" id="{89E67229-5ECB-4CB9-A05F-0C0BA8164C90}"/>
+                <a16:creationId xmlns:a16="http://schemas.microsoft.com/office/drawing/2014/main" xmlns="" id="{89E67229-5ECB-4CB9-A05F-0C0BA8164C90}"/>
               </a:ext>
             </a:extLst>
           </p:cNvPr>
@@ -31268,7 +33253,7 @@
           <p:cNvPr id="54" name="Rectangle: Rounded Corners 53">
             <a:extLst>
               <a:ext uri="{FF2B5EF4-FFF2-40B4-BE49-F238E27FC236}">
-                <a16:creationId xmlns:a16="http://schemas.microsoft.com/office/drawing/2014/main" id="{DD863BE4-1932-4E03-823B-70CC195DE697}"/>
+                <a16:creationId xmlns:a16="http://schemas.microsoft.com/office/drawing/2014/main" xmlns="" id="{DD863BE4-1932-4E03-823B-70CC195DE697}"/>
               </a:ext>
             </a:extLst>
           </p:cNvPr>
@@ -31323,7 +33308,7 @@
           <p:cNvPr id="59" name="TextBox 58">
             <a:extLst>
               <a:ext uri="{FF2B5EF4-FFF2-40B4-BE49-F238E27FC236}">
-                <a16:creationId xmlns:a16="http://schemas.microsoft.com/office/drawing/2014/main" id="{97C575B5-D9D1-4C9D-B546-2B4349BA0D63}"/>
+                <a16:creationId xmlns:a16="http://schemas.microsoft.com/office/drawing/2014/main" xmlns="" id="{97C575B5-D9D1-4C9D-B546-2B4349BA0D63}"/>
               </a:ext>
             </a:extLst>
           </p:cNvPr>
@@ -31358,7 +33343,7 @@
           <p:cNvPr id="71" name="Straight Arrow Connector 70">
             <a:extLst>
               <a:ext uri="{FF2B5EF4-FFF2-40B4-BE49-F238E27FC236}">
-                <a16:creationId xmlns:a16="http://schemas.microsoft.com/office/drawing/2014/main" id="{730BFB8A-A40A-4E34-B150-2CE8F7C6FA58}"/>
+                <a16:creationId xmlns:a16="http://schemas.microsoft.com/office/drawing/2014/main" xmlns="" id="{730BFB8A-A40A-4E34-B150-2CE8F7C6FA58}"/>
               </a:ext>
             </a:extLst>
           </p:cNvPr>
@@ -31399,7 +33384,7 @@
           <p:cNvPr id="73" name="Straight Arrow Connector 72">
             <a:extLst>
               <a:ext uri="{FF2B5EF4-FFF2-40B4-BE49-F238E27FC236}">
-                <a16:creationId xmlns:a16="http://schemas.microsoft.com/office/drawing/2014/main" id="{AEA0EED6-E661-431A-BF4A-006793D3489E}"/>
+                <a16:creationId xmlns:a16="http://schemas.microsoft.com/office/drawing/2014/main" xmlns="" id="{AEA0EED6-E661-431A-BF4A-006793D3489E}"/>
               </a:ext>
             </a:extLst>
           </p:cNvPr>
@@ -31441,7 +33426,7 @@
           <p:cNvPr id="77" name="Straight Arrow Connector 76">
             <a:extLst>
               <a:ext uri="{FF2B5EF4-FFF2-40B4-BE49-F238E27FC236}">
-                <a16:creationId xmlns:a16="http://schemas.microsoft.com/office/drawing/2014/main" id="{A15A4AE1-D9E6-4C41-A7CD-D68AD515B035}"/>
+                <a16:creationId xmlns:a16="http://schemas.microsoft.com/office/drawing/2014/main" xmlns="" id="{A15A4AE1-D9E6-4C41-A7CD-D68AD515B035}"/>
               </a:ext>
             </a:extLst>
           </p:cNvPr>
@@ -31482,7 +33467,7 @@
           <p:cNvPr id="80" name="Straight Arrow Connector 79">
             <a:extLst>
               <a:ext uri="{FF2B5EF4-FFF2-40B4-BE49-F238E27FC236}">
-                <a16:creationId xmlns:a16="http://schemas.microsoft.com/office/drawing/2014/main" id="{98ECE99E-D9F6-4330-B6DC-C588633822AD}"/>
+                <a16:creationId xmlns:a16="http://schemas.microsoft.com/office/drawing/2014/main" xmlns="" id="{98ECE99E-D9F6-4330-B6DC-C588633822AD}"/>
               </a:ext>
             </a:extLst>
           </p:cNvPr>
@@ -31524,7 +33509,7 @@
           <p:cNvPr id="82" name="Straight Arrow Connector 81">
             <a:extLst>
               <a:ext uri="{FF2B5EF4-FFF2-40B4-BE49-F238E27FC236}">
-                <a16:creationId xmlns:a16="http://schemas.microsoft.com/office/drawing/2014/main" id="{B07CBC93-290C-4906-813F-532E01C6A0C7}"/>
+                <a16:creationId xmlns:a16="http://schemas.microsoft.com/office/drawing/2014/main" xmlns="" id="{B07CBC93-290C-4906-813F-532E01C6A0C7}"/>
               </a:ext>
             </a:extLst>
           </p:cNvPr>
@@ -31565,7 +33550,7 @@
           <p:cNvPr id="86" name="Straight Arrow Connector 85">
             <a:extLst>
               <a:ext uri="{FF2B5EF4-FFF2-40B4-BE49-F238E27FC236}">
-                <a16:creationId xmlns:a16="http://schemas.microsoft.com/office/drawing/2014/main" id="{A02D476C-4604-4C99-904C-6CA254100100}"/>
+                <a16:creationId xmlns:a16="http://schemas.microsoft.com/office/drawing/2014/main" xmlns="" id="{A02D476C-4604-4C99-904C-6CA254100100}"/>
               </a:ext>
             </a:extLst>
           </p:cNvPr>
@@ -31606,7 +33591,7 @@
           <p:cNvPr id="88" name="Straight Arrow Connector 87">
             <a:extLst>
               <a:ext uri="{FF2B5EF4-FFF2-40B4-BE49-F238E27FC236}">
-                <a16:creationId xmlns:a16="http://schemas.microsoft.com/office/drawing/2014/main" id="{B3469EED-43AA-4BA8-BACA-64BD58E66DF1}"/>
+                <a16:creationId xmlns:a16="http://schemas.microsoft.com/office/drawing/2014/main" xmlns="" id="{B3469EED-43AA-4BA8-BACA-64BD58E66DF1}"/>
               </a:ext>
             </a:extLst>
           </p:cNvPr>

--- a/miscellanous/shapes.pptx
+++ b/miscellanous/shapes.pptx
@@ -213,7 +213,7 @@
           <a:p>
             <a:fld id="{07613BA5-B956-F741-93E2-8A05685FFD03}" type="datetimeFigureOut">
               <a:rPr lang="en-US" smtClean="0"/>
-              <a:t>6/19/18</a:t>
+              <a:t>6/20/2018</a:t>
             </a:fld>
             <a:endParaRPr lang="en-US"/>
           </a:p>
@@ -502,7 +502,7 @@
           <p:cNvPr id="2" name="Title 1">
             <a:extLst>
               <a:ext uri="{FF2B5EF4-FFF2-40B4-BE49-F238E27FC236}">
-                <a16:creationId xmlns:a16="http://schemas.microsoft.com/office/drawing/2014/main" xmlns="" id="{57408E29-AA1C-4A4B-88C1-1F10405D285C}"/>
+                <a16:creationId xmlns:a16="http://schemas.microsoft.com/office/drawing/2014/main" id="{57408E29-AA1C-4A4B-88C1-1F10405D285C}"/>
               </a:ext>
             </a:extLst>
           </p:cNvPr>
@@ -539,7 +539,7 @@
           <p:cNvPr id="3" name="Subtitle 2">
             <a:extLst>
               <a:ext uri="{FF2B5EF4-FFF2-40B4-BE49-F238E27FC236}">
-                <a16:creationId xmlns:a16="http://schemas.microsoft.com/office/drawing/2014/main" xmlns="" id="{AA1C907A-7B55-40B5-B2A2-9EB49361754A}"/>
+                <a16:creationId xmlns:a16="http://schemas.microsoft.com/office/drawing/2014/main" id="{AA1C907A-7B55-40B5-B2A2-9EB49361754A}"/>
               </a:ext>
             </a:extLst>
           </p:cNvPr>
@@ -609,7 +609,7 @@
           <p:cNvPr id="4" name="Date Placeholder 3">
             <a:extLst>
               <a:ext uri="{FF2B5EF4-FFF2-40B4-BE49-F238E27FC236}">
-                <a16:creationId xmlns:a16="http://schemas.microsoft.com/office/drawing/2014/main" xmlns="" id="{3E22EB00-8C25-4160-9AB4-B3167D32D4B1}"/>
+                <a16:creationId xmlns:a16="http://schemas.microsoft.com/office/drawing/2014/main" id="{3E22EB00-8C25-4160-9AB4-B3167D32D4B1}"/>
               </a:ext>
             </a:extLst>
           </p:cNvPr>
@@ -627,7 +627,7 @@
           <a:p>
             <a:fld id="{8DF5CEE9-28B3-4BEE-B788-23D0A3A35C13}" type="datetimeFigureOut">
               <a:rPr lang="en-US" smtClean="0"/>
-              <a:t>6/19/18</a:t>
+              <a:t>6/20/2018</a:t>
             </a:fld>
             <a:endParaRPr lang="en-US"/>
           </a:p>
@@ -638,7 +638,7 @@
           <p:cNvPr id="5" name="Footer Placeholder 4">
             <a:extLst>
               <a:ext uri="{FF2B5EF4-FFF2-40B4-BE49-F238E27FC236}">
-                <a16:creationId xmlns:a16="http://schemas.microsoft.com/office/drawing/2014/main" xmlns="" id="{5C0CF17A-D77D-433C-84AE-78BEC137A914}"/>
+                <a16:creationId xmlns:a16="http://schemas.microsoft.com/office/drawing/2014/main" id="{5C0CF17A-D77D-433C-84AE-78BEC137A914}"/>
               </a:ext>
             </a:extLst>
           </p:cNvPr>
@@ -663,7 +663,7 @@
           <p:cNvPr id="6" name="Slide Number Placeholder 5">
             <a:extLst>
               <a:ext uri="{FF2B5EF4-FFF2-40B4-BE49-F238E27FC236}">
-                <a16:creationId xmlns:a16="http://schemas.microsoft.com/office/drawing/2014/main" xmlns="" id="{800691E8-7650-4F5C-9E29-BA7501C6FEFC}"/>
+                <a16:creationId xmlns:a16="http://schemas.microsoft.com/office/drawing/2014/main" id="{800691E8-7650-4F5C-9E29-BA7501C6FEFC}"/>
               </a:ext>
             </a:extLst>
           </p:cNvPr>
@@ -722,7 +722,7 @@
           <p:cNvPr id="2" name="Title 1">
             <a:extLst>
               <a:ext uri="{FF2B5EF4-FFF2-40B4-BE49-F238E27FC236}">
-                <a16:creationId xmlns:a16="http://schemas.microsoft.com/office/drawing/2014/main" xmlns="" id="{2802F50B-07FF-4A80-8CD1-3F96966EFEC4}"/>
+                <a16:creationId xmlns:a16="http://schemas.microsoft.com/office/drawing/2014/main" id="{2802F50B-07FF-4A80-8CD1-3F96966EFEC4}"/>
               </a:ext>
             </a:extLst>
           </p:cNvPr>
@@ -750,7 +750,7 @@
           <p:cNvPr id="3" name="Vertical Text Placeholder 2">
             <a:extLst>
               <a:ext uri="{FF2B5EF4-FFF2-40B4-BE49-F238E27FC236}">
-                <a16:creationId xmlns:a16="http://schemas.microsoft.com/office/drawing/2014/main" xmlns="" id="{82272F4E-0437-47C2-B65A-FBEAD33CBE1A}"/>
+                <a16:creationId xmlns:a16="http://schemas.microsoft.com/office/drawing/2014/main" id="{82272F4E-0437-47C2-B65A-FBEAD33CBE1A}"/>
               </a:ext>
             </a:extLst>
           </p:cNvPr>
@@ -807,7 +807,7 @@
           <p:cNvPr id="4" name="Date Placeholder 3">
             <a:extLst>
               <a:ext uri="{FF2B5EF4-FFF2-40B4-BE49-F238E27FC236}">
-                <a16:creationId xmlns:a16="http://schemas.microsoft.com/office/drawing/2014/main" xmlns="" id="{5C73C92C-59E6-4A8E-8355-9CC9AF0B0A32}"/>
+                <a16:creationId xmlns:a16="http://schemas.microsoft.com/office/drawing/2014/main" id="{5C73C92C-59E6-4A8E-8355-9CC9AF0B0A32}"/>
               </a:ext>
             </a:extLst>
           </p:cNvPr>
@@ -825,7 +825,7 @@
           <a:p>
             <a:fld id="{8DF5CEE9-28B3-4BEE-B788-23D0A3A35C13}" type="datetimeFigureOut">
               <a:rPr lang="en-US" smtClean="0"/>
-              <a:t>6/19/18</a:t>
+              <a:t>6/20/2018</a:t>
             </a:fld>
             <a:endParaRPr lang="en-US"/>
           </a:p>
@@ -836,7 +836,7 @@
           <p:cNvPr id="5" name="Footer Placeholder 4">
             <a:extLst>
               <a:ext uri="{FF2B5EF4-FFF2-40B4-BE49-F238E27FC236}">
-                <a16:creationId xmlns:a16="http://schemas.microsoft.com/office/drawing/2014/main" xmlns="" id="{724F327B-650A-4333-8164-3503002FEDAE}"/>
+                <a16:creationId xmlns:a16="http://schemas.microsoft.com/office/drawing/2014/main" id="{724F327B-650A-4333-8164-3503002FEDAE}"/>
               </a:ext>
             </a:extLst>
           </p:cNvPr>
@@ -861,7 +861,7 @@
           <p:cNvPr id="6" name="Slide Number Placeholder 5">
             <a:extLst>
               <a:ext uri="{FF2B5EF4-FFF2-40B4-BE49-F238E27FC236}">
-                <a16:creationId xmlns:a16="http://schemas.microsoft.com/office/drawing/2014/main" xmlns="" id="{290D241D-DD2E-4998-A714-BBA61D82739D}"/>
+                <a16:creationId xmlns:a16="http://schemas.microsoft.com/office/drawing/2014/main" id="{290D241D-DD2E-4998-A714-BBA61D82739D}"/>
               </a:ext>
             </a:extLst>
           </p:cNvPr>
@@ -920,7 +920,7 @@
           <p:cNvPr id="2" name="Vertical Title 1">
             <a:extLst>
               <a:ext uri="{FF2B5EF4-FFF2-40B4-BE49-F238E27FC236}">
-                <a16:creationId xmlns:a16="http://schemas.microsoft.com/office/drawing/2014/main" xmlns="" id="{C9693F19-1004-4B76-B913-291278A35F98}"/>
+                <a16:creationId xmlns:a16="http://schemas.microsoft.com/office/drawing/2014/main" id="{C9693F19-1004-4B76-B913-291278A35F98}"/>
               </a:ext>
             </a:extLst>
           </p:cNvPr>
@@ -953,7 +953,7 @@
           <p:cNvPr id="3" name="Vertical Text Placeholder 2">
             <a:extLst>
               <a:ext uri="{FF2B5EF4-FFF2-40B4-BE49-F238E27FC236}">
-                <a16:creationId xmlns:a16="http://schemas.microsoft.com/office/drawing/2014/main" xmlns="" id="{CD9A6969-ADC5-4D74-97CC-2D78DE904832}"/>
+                <a16:creationId xmlns:a16="http://schemas.microsoft.com/office/drawing/2014/main" id="{CD9A6969-ADC5-4D74-97CC-2D78DE904832}"/>
               </a:ext>
             </a:extLst>
           </p:cNvPr>
@@ -1015,7 +1015,7 @@
           <p:cNvPr id="4" name="Date Placeholder 3">
             <a:extLst>
               <a:ext uri="{FF2B5EF4-FFF2-40B4-BE49-F238E27FC236}">
-                <a16:creationId xmlns:a16="http://schemas.microsoft.com/office/drawing/2014/main" xmlns="" id="{7942C6A5-7719-4279-82C1-CDA709B17991}"/>
+                <a16:creationId xmlns:a16="http://schemas.microsoft.com/office/drawing/2014/main" id="{7942C6A5-7719-4279-82C1-CDA709B17991}"/>
               </a:ext>
             </a:extLst>
           </p:cNvPr>
@@ -1033,7 +1033,7 @@
           <a:p>
             <a:fld id="{8DF5CEE9-28B3-4BEE-B788-23D0A3A35C13}" type="datetimeFigureOut">
               <a:rPr lang="en-US" smtClean="0"/>
-              <a:t>6/19/18</a:t>
+              <a:t>6/20/2018</a:t>
             </a:fld>
             <a:endParaRPr lang="en-US"/>
           </a:p>
@@ -1044,7 +1044,7 @@
           <p:cNvPr id="5" name="Footer Placeholder 4">
             <a:extLst>
               <a:ext uri="{FF2B5EF4-FFF2-40B4-BE49-F238E27FC236}">
-                <a16:creationId xmlns:a16="http://schemas.microsoft.com/office/drawing/2014/main" xmlns="" id="{663F167F-9ED8-4F68-8EA7-B47343D5AF48}"/>
+                <a16:creationId xmlns:a16="http://schemas.microsoft.com/office/drawing/2014/main" id="{663F167F-9ED8-4F68-8EA7-B47343D5AF48}"/>
               </a:ext>
             </a:extLst>
           </p:cNvPr>
@@ -1069,7 +1069,7 @@
           <p:cNvPr id="6" name="Slide Number Placeholder 5">
             <a:extLst>
               <a:ext uri="{FF2B5EF4-FFF2-40B4-BE49-F238E27FC236}">
-                <a16:creationId xmlns:a16="http://schemas.microsoft.com/office/drawing/2014/main" xmlns="" id="{151D484E-EAC4-4329-B8CE-68179BB8F866}"/>
+                <a16:creationId xmlns:a16="http://schemas.microsoft.com/office/drawing/2014/main" id="{151D484E-EAC4-4329-B8CE-68179BB8F866}"/>
               </a:ext>
             </a:extLst>
           </p:cNvPr>
@@ -1128,7 +1128,7 @@
           <p:cNvPr id="2" name="Title 1">
             <a:extLst>
               <a:ext uri="{FF2B5EF4-FFF2-40B4-BE49-F238E27FC236}">
-                <a16:creationId xmlns:a16="http://schemas.microsoft.com/office/drawing/2014/main" xmlns="" id="{739514A3-25AB-4BCC-B740-9A386A70BF7C}"/>
+                <a16:creationId xmlns:a16="http://schemas.microsoft.com/office/drawing/2014/main" id="{739514A3-25AB-4BCC-B740-9A386A70BF7C}"/>
               </a:ext>
             </a:extLst>
           </p:cNvPr>
@@ -1156,7 +1156,7 @@
           <p:cNvPr id="3" name="Content Placeholder 2">
             <a:extLst>
               <a:ext uri="{FF2B5EF4-FFF2-40B4-BE49-F238E27FC236}">
-                <a16:creationId xmlns:a16="http://schemas.microsoft.com/office/drawing/2014/main" xmlns="" id="{0D30E7FA-9889-448E-AAF0-E0CD30C94C3E}"/>
+                <a16:creationId xmlns:a16="http://schemas.microsoft.com/office/drawing/2014/main" id="{0D30E7FA-9889-448E-AAF0-E0CD30C94C3E}"/>
               </a:ext>
             </a:extLst>
           </p:cNvPr>
@@ -1213,7 +1213,7 @@
           <p:cNvPr id="4" name="Date Placeholder 3">
             <a:extLst>
               <a:ext uri="{FF2B5EF4-FFF2-40B4-BE49-F238E27FC236}">
-                <a16:creationId xmlns:a16="http://schemas.microsoft.com/office/drawing/2014/main" xmlns="" id="{0AA9C6F5-5700-44D0-B1F8-2852162B04BB}"/>
+                <a16:creationId xmlns:a16="http://schemas.microsoft.com/office/drawing/2014/main" id="{0AA9C6F5-5700-44D0-B1F8-2852162B04BB}"/>
               </a:ext>
             </a:extLst>
           </p:cNvPr>
@@ -1231,7 +1231,7 @@
           <a:p>
             <a:fld id="{8DF5CEE9-28B3-4BEE-B788-23D0A3A35C13}" type="datetimeFigureOut">
               <a:rPr lang="en-US" smtClean="0"/>
-              <a:t>6/19/18</a:t>
+              <a:t>6/20/2018</a:t>
             </a:fld>
             <a:endParaRPr lang="en-US"/>
           </a:p>
@@ -1242,7 +1242,7 @@
           <p:cNvPr id="5" name="Footer Placeholder 4">
             <a:extLst>
               <a:ext uri="{FF2B5EF4-FFF2-40B4-BE49-F238E27FC236}">
-                <a16:creationId xmlns:a16="http://schemas.microsoft.com/office/drawing/2014/main" xmlns="" id="{C0703560-D267-4B95-A6EC-C420BB878668}"/>
+                <a16:creationId xmlns:a16="http://schemas.microsoft.com/office/drawing/2014/main" id="{C0703560-D267-4B95-A6EC-C420BB878668}"/>
               </a:ext>
             </a:extLst>
           </p:cNvPr>
@@ -1267,7 +1267,7 @@
           <p:cNvPr id="6" name="Slide Number Placeholder 5">
             <a:extLst>
               <a:ext uri="{FF2B5EF4-FFF2-40B4-BE49-F238E27FC236}">
-                <a16:creationId xmlns:a16="http://schemas.microsoft.com/office/drawing/2014/main" xmlns="" id="{7DA04C51-58CB-4D31-A68B-0355B2460AC1}"/>
+                <a16:creationId xmlns:a16="http://schemas.microsoft.com/office/drawing/2014/main" id="{7DA04C51-58CB-4D31-A68B-0355B2460AC1}"/>
               </a:ext>
             </a:extLst>
           </p:cNvPr>
@@ -1326,7 +1326,7 @@
           <p:cNvPr id="2" name="Title 1">
             <a:extLst>
               <a:ext uri="{FF2B5EF4-FFF2-40B4-BE49-F238E27FC236}">
-                <a16:creationId xmlns:a16="http://schemas.microsoft.com/office/drawing/2014/main" xmlns="" id="{0FED3DFC-6FDB-4BCC-9806-052E59CBFA3D}"/>
+                <a16:creationId xmlns:a16="http://schemas.microsoft.com/office/drawing/2014/main" id="{0FED3DFC-6FDB-4BCC-9806-052E59CBFA3D}"/>
               </a:ext>
             </a:extLst>
           </p:cNvPr>
@@ -1363,7 +1363,7 @@
           <p:cNvPr id="3" name="Text Placeholder 2">
             <a:extLst>
               <a:ext uri="{FF2B5EF4-FFF2-40B4-BE49-F238E27FC236}">
-                <a16:creationId xmlns:a16="http://schemas.microsoft.com/office/drawing/2014/main" xmlns="" id="{E75E64CB-CB7A-48FA-912F-2137C627B9FC}"/>
+                <a16:creationId xmlns:a16="http://schemas.microsoft.com/office/drawing/2014/main" id="{E75E64CB-CB7A-48FA-912F-2137C627B9FC}"/>
               </a:ext>
             </a:extLst>
           </p:cNvPr>
@@ -1488,7 +1488,7 @@
           <p:cNvPr id="4" name="Date Placeholder 3">
             <a:extLst>
               <a:ext uri="{FF2B5EF4-FFF2-40B4-BE49-F238E27FC236}">
-                <a16:creationId xmlns:a16="http://schemas.microsoft.com/office/drawing/2014/main" xmlns="" id="{8E05B4AC-5920-476D-B646-C449EA7C5E16}"/>
+                <a16:creationId xmlns:a16="http://schemas.microsoft.com/office/drawing/2014/main" id="{8E05B4AC-5920-476D-B646-C449EA7C5E16}"/>
               </a:ext>
             </a:extLst>
           </p:cNvPr>
@@ -1506,7 +1506,7 @@
           <a:p>
             <a:fld id="{8DF5CEE9-28B3-4BEE-B788-23D0A3A35C13}" type="datetimeFigureOut">
               <a:rPr lang="en-US" smtClean="0"/>
-              <a:t>6/19/18</a:t>
+              <a:t>6/20/2018</a:t>
             </a:fld>
             <a:endParaRPr lang="en-US"/>
           </a:p>
@@ -1517,7 +1517,7 @@
           <p:cNvPr id="5" name="Footer Placeholder 4">
             <a:extLst>
               <a:ext uri="{FF2B5EF4-FFF2-40B4-BE49-F238E27FC236}">
-                <a16:creationId xmlns:a16="http://schemas.microsoft.com/office/drawing/2014/main" xmlns="" id="{B1448729-6AB1-4078-9E6C-345B2B3C9971}"/>
+                <a16:creationId xmlns:a16="http://schemas.microsoft.com/office/drawing/2014/main" id="{B1448729-6AB1-4078-9E6C-345B2B3C9971}"/>
               </a:ext>
             </a:extLst>
           </p:cNvPr>
@@ -1542,7 +1542,7 @@
           <p:cNvPr id="6" name="Slide Number Placeholder 5">
             <a:extLst>
               <a:ext uri="{FF2B5EF4-FFF2-40B4-BE49-F238E27FC236}">
-                <a16:creationId xmlns:a16="http://schemas.microsoft.com/office/drawing/2014/main" xmlns="" id="{A403D665-3445-4882-B275-A9D0BAC19814}"/>
+                <a16:creationId xmlns:a16="http://schemas.microsoft.com/office/drawing/2014/main" id="{A403D665-3445-4882-B275-A9D0BAC19814}"/>
               </a:ext>
             </a:extLst>
           </p:cNvPr>
@@ -1601,7 +1601,7 @@
           <p:cNvPr id="2" name="Title 1">
             <a:extLst>
               <a:ext uri="{FF2B5EF4-FFF2-40B4-BE49-F238E27FC236}">
-                <a16:creationId xmlns:a16="http://schemas.microsoft.com/office/drawing/2014/main" xmlns="" id="{5458B58E-ACC8-4F81-8685-0A5CA9B993FB}"/>
+                <a16:creationId xmlns:a16="http://schemas.microsoft.com/office/drawing/2014/main" id="{5458B58E-ACC8-4F81-8685-0A5CA9B993FB}"/>
               </a:ext>
             </a:extLst>
           </p:cNvPr>
@@ -1629,7 +1629,7 @@
           <p:cNvPr id="3" name="Content Placeholder 2">
             <a:extLst>
               <a:ext uri="{FF2B5EF4-FFF2-40B4-BE49-F238E27FC236}">
-                <a16:creationId xmlns:a16="http://schemas.microsoft.com/office/drawing/2014/main" xmlns="" id="{BDA86069-0E18-415D-A5C6-E4DB91225808}"/>
+                <a16:creationId xmlns:a16="http://schemas.microsoft.com/office/drawing/2014/main" id="{BDA86069-0E18-415D-A5C6-E4DB91225808}"/>
               </a:ext>
             </a:extLst>
           </p:cNvPr>
@@ -1691,7 +1691,7 @@
           <p:cNvPr id="4" name="Content Placeholder 3">
             <a:extLst>
               <a:ext uri="{FF2B5EF4-FFF2-40B4-BE49-F238E27FC236}">
-                <a16:creationId xmlns:a16="http://schemas.microsoft.com/office/drawing/2014/main" xmlns="" id="{8DCE8911-319E-4040-8B5A-A8146E9E135E}"/>
+                <a16:creationId xmlns:a16="http://schemas.microsoft.com/office/drawing/2014/main" id="{8DCE8911-319E-4040-8B5A-A8146E9E135E}"/>
               </a:ext>
             </a:extLst>
           </p:cNvPr>
@@ -1753,7 +1753,7 @@
           <p:cNvPr id="5" name="Date Placeholder 4">
             <a:extLst>
               <a:ext uri="{FF2B5EF4-FFF2-40B4-BE49-F238E27FC236}">
-                <a16:creationId xmlns:a16="http://schemas.microsoft.com/office/drawing/2014/main" xmlns="" id="{172B017F-BB1F-4B6F-8914-90542C3CE1BB}"/>
+                <a16:creationId xmlns:a16="http://schemas.microsoft.com/office/drawing/2014/main" id="{172B017F-BB1F-4B6F-8914-90542C3CE1BB}"/>
               </a:ext>
             </a:extLst>
           </p:cNvPr>
@@ -1771,7 +1771,7 @@
           <a:p>
             <a:fld id="{8DF5CEE9-28B3-4BEE-B788-23D0A3A35C13}" type="datetimeFigureOut">
               <a:rPr lang="en-US" smtClean="0"/>
-              <a:t>6/19/18</a:t>
+              <a:t>6/20/2018</a:t>
             </a:fld>
             <a:endParaRPr lang="en-US"/>
           </a:p>
@@ -1782,7 +1782,7 @@
           <p:cNvPr id="6" name="Footer Placeholder 5">
             <a:extLst>
               <a:ext uri="{FF2B5EF4-FFF2-40B4-BE49-F238E27FC236}">
-                <a16:creationId xmlns:a16="http://schemas.microsoft.com/office/drawing/2014/main" xmlns="" id="{653D8A07-C125-4874-AACF-A34E87F90963}"/>
+                <a16:creationId xmlns:a16="http://schemas.microsoft.com/office/drawing/2014/main" id="{653D8A07-C125-4874-AACF-A34E87F90963}"/>
               </a:ext>
             </a:extLst>
           </p:cNvPr>
@@ -1807,7 +1807,7 @@
           <p:cNvPr id="7" name="Slide Number Placeholder 6">
             <a:extLst>
               <a:ext uri="{FF2B5EF4-FFF2-40B4-BE49-F238E27FC236}">
-                <a16:creationId xmlns:a16="http://schemas.microsoft.com/office/drawing/2014/main" xmlns="" id="{A572CB05-17A6-4893-A7B3-FDBA3E4DA2B3}"/>
+                <a16:creationId xmlns:a16="http://schemas.microsoft.com/office/drawing/2014/main" id="{A572CB05-17A6-4893-A7B3-FDBA3E4DA2B3}"/>
               </a:ext>
             </a:extLst>
           </p:cNvPr>
@@ -1866,7 +1866,7 @@
           <p:cNvPr id="2" name="Title 1">
             <a:extLst>
               <a:ext uri="{FF2B5EF4-FFF2-40B4-BE49-F238E27FC236}">
-                <a16:creationId xmlns:a16="http://schemas.microsoft.com/office/drawing/2014/main" xmlns="" id="{931445B3-4EAF-4784-ABB2-926A5EAD68C6}"/>
+                <a16:creationId xmlns:a16="http://schemas.microsoft.com/office/drawing/2014/main" id="{931445B3-4EAF-4784-ABB2-926A5EAD68C6}"/>
               </a:ext>
             </a:extLst>
           </p:cNvPr>
@@ -1899,7 +1899,7 @@
           <p:cNvPr id="3" name="Text Placeholder 2">
             <a:extLst>
               <a:ext uri="{FF2B5EF4-FFF2-40B4-BE49-F238E27FC236}">
-                <a16:creationId xmlns:a16="http://schemas.microsoft.com/office/drawing/2014/main" xmlns="" id="{178A7E61-4D5A-4F4A-9DC7-93F0CCCC9952}"/>
+                <a16:creationId xmlns:a16="http://schemas.microsoft.com/office/drawing/2014/main" id="{178A7E61-4D5A-4F4A-9DC7-93F0CCCC9952}"/>
               </a:ext>
             </a:extLst>
           </p:cNvPr>
@@ -1970,7 +1970,7 @@
           <p:cNvPr id="4" name="Content Placeholder 3">
             <a:extLst>
               <a:ext uri="{FF2B5EF4-FFF2-40B4-BE49-F238E27FC236}">
-                <a16:creationId xmlns:a16="http://schemas.microsoft.com/office/drawing/2014/main" xmlns="" id="{87A2F91D-946D-42F7-B065-2F323073C323}"/>
+                <a16:creationId xmlns:a16="http://schemas.microsoft.com/office/drawing/2014/main" id="{87A2F91D-946D-42F7-B065-2F323073C323}"/>
               </a:ext>
             </a:extLst>
           </p:cNvPr>
@@ -2032,7 +2032,7 @@
           <p:cNvPr id="5" name="Text Placeholder 4">
             <a:extLst>
               <a:ext uri="{FF2B5EF4-FFF2-40B4-BE49-F238E27FC236}">
-                <a16:creationId xmlns:a16="http://schemas.microsoft.com/office/drawing/2014/main" xmlns="" id="{74E628C4-BD01-4288-9903-B4C20F874AEB}"/>
+                <a16:creationId xmlns:a16="http://schemas.microsoft.com/office/drawing/2014/main" id="{74E628C4-BD01-4288-9903-B4C20F874AEB}"/>
               </a:ext>
             </a:extLst>
           </p:cNvPr>
@@ -2103,7 +2103,7 @@
           <p:cNvPr id="6" name="Content Placeholder 5">
             <a:extLst>
               <a:ext uri="{FF2B5EF4-FFF2-40B4-BE49-F238E27FC236}">
-                <a16:creationId xmlns:a16="http://schemas.microsoft.com/office/drawing/2014/main" xmlns="" id="{158DB7E5-A168-45B7-87BE-D46735EAD0DC}"/>
+                <a16:creationId xmlns:a16="http://schemas.microsoft.com/office/drawing/2014/main" id="{158DB7E5-A168-45B7-87BE-D46735EAD0DC}"/>
               </a:ext>
             </a:extLst>
           </p:cNvPr>
@@ -2165,7 +2165,7 @@
           <p:cNvPr id="7" name="Date Placeholder 6">
             <a:extLst>
               <a:ext uri="{FF2B5EF4-FFF2-40B4-BE49-F238E27FC236}">
-                <a16:creationId xmlns:a16="http://schemas.microsoft.com/office/drawing/2014/main" xmlns="" id="{A7354B34-C8B4-4777-A960-52E6BBE711EB}"/>
+                <a16:creationId xmlns:a16="http://schemas.microsoft.com/office/drawing/2014/main" id="{A7354B34-C8B4-4777-A960-52E6BBE711EB}"/>
               </a:ext>
             </a:extLst>
           </p:cNvPr>
@@ -2183,7 +2183,7 @@
           <a:p>
             <a:fld id="{8DF5CEE9-28B3-4BEE-B788-23D0A3A35C13}" type="datetimeFigureOut">
               <a:rPr lang="en-US" smtClean="0"/>
-              <a:t>6/19/18</a:t>
+              <a:t>6/20/2018</a:t>
             </a:fld>
             <a:endParaRPr lang="en-US"/>
           </a:p>
@@ -2194,7 +2194,7 @@
           <p:cNvPr id="8" name="Footer Placeholder 7">
             <a:extLst>
               <a:ext uri="{FF2B5EF4-FFF2-40B4-BE49-F238E27FC236}">
-                <a16:creationId xmlns:a16="http://schemas.microsoft.com/office/drawing/2014/main" xmlns="" id="{3D6D2EC8-B3CB-4318-95BA-29FD732967FE}"/>
+                <a16:creationId xmlns:a16="http://schemas.microsoft.com/office/drawing/2014/main" id="{3D6D2EC8-B3CB-4318-95BA-29FD732967FE}"/>
               </a:ext>
             </a:extLst>
           </p:cNvPr>
@@ -2219,7 +2219,7 @@
           <p:cNvPr id="9" name="Slide Number Placeholder 8">
             <a:extLst>
               <a:ext uri="{FF2B5EF4-FFF2-40B4-BE49-F238E27FC236}">
-                <a16:creationId xmlns:a16="http://schemas.microsoft.com/office/drawing/2014/main" xmlns="" id="{78BC3940-E77B-4544-AEDD-6106DC568AA5}"/>
+                <a16:creationId xmlns:a16="http://schemas.microsoft.com/office/drawing/2014/main" id="{78BC3940-E77B-4544-AEDD-6106DC568AA5}"/>
               </a:ext>
             </a:extLst>
           </p:cNvPr>
@@ -2278,7 +2278,7 @@
           <p:cNvPr id="2" name="Title 1">
             <a:extLst>
               <a:ext uri="{FF2B5EF4-FFF2-40B4-BE49-F238E27FC236}">
-                <a16:creationId xmlns:a16="http://schemas.microsoft.com/office/drawing/2014/main" xmlns="" id="{4F4A4B21-5B29-48B4-B09C-443B0FFE046A}"/>
+                <a16:creationId xmlns:a16="http://schemas.microsoft.com/office/drawing/2014/main" id="{4F4A4B21-5B29-48B4-B09C-443B0FFE046A}"/>
               </a:ext>
             </a:extLst>
           </p:cNvPr>
@@ -2306,7 +2306,7 @@
           <p:cNvPr id="3" name="Date Placeholder 2">
             <a:extLst>
               <a:ext uri="{FF2B5EF4-FFF2-40B4-BE49-F238E27FC236}">
-                <a16:creationId xmlns:a16="http://schemas.microsoft.com/office/drawing/2014/main" xmlns="" id="{2F2CE3F3-1757-4D43-84E2-549BD749E928}"/>
+                <a16:creationId xmlns:a16="http://schemas.microsoft.com/office/drawing/2014/main" id="{2F2CE3F3-1757-4D43-84E2-549BD749E928}"/>
               </a:ext>
             </a:extLst>
           </p:cNvPr>
@@ -2324,7 +2324,7 @@
           <a:p>
             <a:fld id="{8DF5CEE9-28B3-4BEE-B788-23D0A3A35C13}" type="datetimeFigureOut">
               <a:rPr lang="en-US" smtClean="0"/>
-              <a:t>6/19/18</a:t>
+              <a:t>6/20/2018</a:t>
             </a:fld>
             <a:endParaRPr lang="en-US"/>
           </a:p>
@@ -2335,7 +2335,7 @@
           <p:cNvPr id="4" name="Footer Placeholder 3">
             <a:extLst>
               <a:ext uri="{FF2B5EF4-FFF2-40B4-BE49-F238E27FC236}">
-                <a16:creationId xmlns:a16="http://schemas.microsoft.com/office/drawing/2014/main" xmlns="" id="{B54165DF-5B7A-4DC8-A01D-E5FA4E041B52}"/>
+                <a16:creationId xmlns:a16="http://schemas.microsoft.com/office/drawing/2014/main" id="{B54165DF-5B7A-4DC8-A01D-E5FA4E041B52}"/>
               </a:ext>
             </a:extLst>
           </p:cNvPr>
@@ -2360,7 +2360,7 @@
           <p:cNvPr id="5" name="Slide Number Placeholder 4">
             <a:extLst>
               <a:ext uri="{FF2B5EF4-FFF2-40B4-BE49-F238E27FC236}">
-                <a16:creationId xmlns:a16="http://schemas.microsoft.com/office/drawing/2014/main" xmlns="" id="{36C2DB6A-A138-4BC1-9D28-3CA0328BCC9F}"/>
+                <a16:creationId xmlns:a16="http://schemas.microsoft.com/office/drawing/2014/main" id="{36C2DB6A-A138-4BC1-9D28-3CA0328BCC9F}"/>
               </a:ext>
             </a:extLst>
           </p:cNvPr>
@@ -2419,7 +2419,7 @@
           <p:cNvPr id="2" name="Date Placeholder 1">
             <a:extLst>
               <a:ext uri="{FF2B5EF4-FFF2-40B4-BE49-F238E27FC236}">
-                <a16:creationId xmlns:a16="http://schemas.microsoft.com/office/drawing/2014/main" xmlns="" id="{1985142A-6BBA-4C66-9331-A5DED15B9B72}"/>
+                <a16:creationId xmlns:a16="http://schemas.microsoft.com/office/drawing/2014/main" id="{1985142A-6BBA-4C66-9331-A5DED15B9B72}"/>
               </a:ext>
             </a:extLst>
           </p:cNvPr>
@@ -2437,7 +2437,7 @@
           <a:p>
             <a:fld id="{8DF5CEE9-28B3-4BEE-B788-23D0A3A35C13}" type="datetimeFigureOut">
               <a:rPr lang="en-US" smtClean="0"/>
-              <a:t>6/19/18</a:t>
+              <a:t>6/20/2018</a:t>
             </a:fld>
             <a:endParaRPr lang="en-US"/>
           </a:p>
@@ -2448,7 +2448,7 @@
           <p:cNvPr id="3" name="Footer Placeholder 2">
             <a:extLst>
               <a:ext uri="{FF2B5EF4-FFF2-40B4-BE49-F238E27FC236}">
-                <a16:creationId xmlns:a16="http://schemas.microsoft.com/office/drawing/2014/main" xmlns="" id="{DE24B223-CFE7-4F42-BE68-9CF7D30BE23A}"/>
+                <a16:creationId xmlns:a16="http://schemas.microsoft.com/office/drawing/2014/main" id="{DE24B223-CFE7-4F42-BE68-9CF7D30BE23A}"/>
               </a:ext>
             </a:extLst>
           </p:cNvPr>
@@ -2473,7 +2473,7 @@
           <p:cNvPr id="4" name="Slide Number Placeholder 3">
             <a:extLst>
               <a:ext uri="{FF2B5EF4-FFF2-40B4-BE49-F238E27FC236}">
-                <a16:creationId xmlns:a16="http://schemas.microsoft.com/office/drawing/2014/main" xmlns="" id="{1D279A59-9943-4EB7-A2F8-15E78831D7D3}"/>
+                <a16:creationId xmlns:a16="http://schemas.microsoft.com/office/drawing/2014/main" id="{1D279A59-9943-4EB7-A2F8-15E78831D7D3}"/>
               </a:ext>
             </a:extLst>
           </p:cNvPr>
@@ -2532,7 +2532,7 @@
           <p:cNvPr id="2" name="Title 1">
             <a:extLst>
               <a:ext uri="{FF2B5EF4-FFF2-40B4-BE49-F238E27FC236}">
-                <a16:creationId xmlns:a16="http://schemas.microsoft.com/office/drawing/2014/main" xmlns="" id="{5B462408-5DD8-4600-838A-986E55FA6F84}"/>
+                <a16:creationId xmlns:a16="http://schemas.microsoft.com/office/drawing/2014/main" id="{5B462408-5DD8-4600-838A-986E55FA6F84}"/>
               </a:ext>
             </a:extLst>
           </p:cNvPr>
@@ -2569,7 +2569,7 @@
           <p:cNvPr id="3" name="Content Placeholder 2">
             <a:extLst>
               <a:ext uri="{FF2B5EF4-FFF2-40B4-BE49-F238E27FC236}">
-                <a16:creationId xmlns:a16="http://schemas.microsoft.com/office/drawing/2014/main" xmlns="" id="{E6336516-9569-4493-8D9C-FD3DB03E02CC}"/>
+                <a16:creationId xmlns:a16="http://schemas.microsoft.com/office/drawing/2014/main" id="{E6336516-9569-4493-8D9C-FD3DB03E02CC}"/>
               </a:ext>
             </a:extLst>
           </p:cNvPr>
@@ -2659,7 +2659,7 @@
           <p:cNvPr id="4" name="Text Placeholder 3">
             <a:extLst>
               <a:ext uri="{FF2B5EF4-FFF2-40B4-BE49-F238E27FC236}">
-                <a16:creationId xmlns:a16="http://schemas.microsoft.com/office/drawing/2014/main" xmlns="" id="{24DF1F73-F2FE-411C-85BB-7137B9F6CD9B}"/>
+                <a16:creationId xmlns:a16="http://schemas.microsoft.com/office/drawing/2014/main" id="{24DF1F73-F2FE-411C-85BB-7137B9F6CD9B}"/>
               </a:ext>
             </a:extLst>
           </p:cNvPr>
@@ -2730,7 +2730,7 @@
           <p:cNvPr id="5" name="Date Placeholder 4">
             <a:extLst>
               <a:ext uri="{FF2B5EF4-FFF2-40B4-BE49-F238E27FC236}">
-                <a16:creationId xmlns:a16="http://schemas.microsoft.com/office/drawing/2014/main" xmlns="" id="{5A7075AE-DD43-47ED-9353-2981910F72E6}"/>
+                <a16:creationId xmlns:a16="http://schemas.microsoft.com/office/drawing/2014/main" id="{5A7075AE-DD43-47ED-9353-2981910F72E6}"/>
               </a:ext>
             </a:extLst>
           </p:cNvPr>
@@ -2748,7 +2748,7 @@
           <a:p>
             <a:fld id="{8DF5CEE9-28B3-4BEE-B788-23D0A3A35C13}" type="datetimeFigureOut">
               <a:rPr lang="en-US" smtClean="0"/>
-              <a:t>6/19/18</a:t>
+              <a:t>6/20/2018</a:t>
             </a:fld>
             <a:endParaRPr lang="en-US"/>
           </a:p>
@@ -2759,7 +2759,7 @@
           <p:cNvPr id="6" name="Footer Placeholder 5">
             <a:extLst>
               <a:ext uri="{FF2B5EF4-FFF2-40B4-BE49-F238E27FC236}">
-                <a16:creationId xmlns:a16="http://schemas.microsoft.com/office/drawing/2014/main" xmlns="" id="{E1541421-2D19-4385-A05E-1C0E2A35B7AE}"/>
+                <a16:creationId xmlns:a16="http://schemas.microsoft.com/office/drawing/2014/main" id="{E1541421-2D19-4385-A05E-1C0E2A35B7AE}"/>
               </a:ext>
             </a:extLst>
           </p:cNvPr>
@@ -2784,7 +2784,7 @@
           <p:cNvPr id="7" name="Slide Number Placeholder 6">
             <a:extLst>
               <a:ext uri="{FF2B5EF4-FFF2-40B4-BE49-F238E27FC236}">
-                <a16:creationId xmlns:a16="http://schemas.microsoft.com/office/drawing/2014/main" xmlns="" id="{84C7F275-3E40-4873-BCBF-4C5814781A58}"/>
+                <a16:creationId xmlns:a16="http://schemas.microsoft.com/office/drawing/2014/main" id="{84C7F275-3E40-4873-BCBF-4C5814781A58}"/>
               </a:ext>
             </a:extLst>
           </p:cNvPr>
@@ -2843,7 +2843,7 @@
           <p:cNvPr id="2" name="Title 1">
             <a:extLst>
               <a:ext uri="{FF2B5EF4-FFF2-40B4-BE49-F238E27FC236}">
-                <a16:creationId xmlns:a16="http://schemas.microsoft.com/office/drawing/2014/main" xmlns="" id="{7CB84DDD-6551-4D2D-8879-1826E1FBCB24}"/>
+                <a16:creationId xmlns:a16="http://schemas.microsoft.com/office/drawing/2014/main" id="{7CB84DDD-6551-4D2D-8879-1826E1FBCB24}"/>
               </a:ext>
             </a:extLst>
           </p:cNvPr>
@@ -2880,7 +2880,7 @@
           <p:cNvPr id="3" name="Picture Placeholder 2">
             <a:extLst>
               <a:ext uri="{FF2B5EF4-FFF2-40B4-BE49-F238E27FC236}">
-                <a16:creationId xmlns:a16="http://schemas.microsoft.com/office/drawing/2014/main" xmlns="" id="{A18CDCD5-20FA-47CB-8373-5CA5AC5ACBB2}"/>
+                <a16:creationId xmlns:a16="http://schemas.microsoft.com/office/drawing/2014/main" id="{A18CDCD5-20FA-47CB-8373-5CA5AC5ACBB2}"/>
               </a:ext>
             </a:extLst>
           </p:cNvPr>
@@ -2947,7 +2947,7 @@
           <p:cNvPr id="4" name="Text Placeholder 3">
             <a:extLst>
               <a:ext uri="{FF2B5EF4-FFF2-40B4-BE49-F238E27FC236}">
-                <a16:creationId xmlns:a16="http://schemas.microsoft.com/office/drawing/2014/main" xmlns="" id="{1EBECFBB-91C8-4429-A2A7-097C36EF639D}"/>
+                <a16:creationId xmlns:a16="http://schemas.microsoft.com/office/drawing/2014/main" id="{1EBECFBB-91C8-4429-A2A7-097C36EF639D}"/>
               </a:ext>
             </a:extLst>
           </p:cNvPr>
@@ -3018,7 +3018,7 @@
           <p:cNvPr id="5" name="Date Placeholder 4">
             <a:extLst>
               <a:ext uri="{FF2B5EF4-FFF2-40B4-BE49-F238E27FC236}">
-                <a16:creationId xmlns:a16="http://schemas.microsoft.com/office/drawing/2014/main" xmlns="" id="{D424B268-666D-409B-AB54-AE7F0753C1BE}"/>
+                <a16:creationId xmlns:a16="http://schemas.microsoft.com/office/drawing/2014/main" id="{D424B268-666D-409B-AB54-AE7F0753C1BE}"/>
               </a:ext>
             </a:extLst>
           </p:cNvPr>
@@ -3036,7 +3036,7 @@
           <a:p>
             <a:fld id="{8DF5CEE9-28B3-4BEE-B788-23D0A3A35C13}" type="datetimeFigureOut">
               <a:rPr lang="en-US" smtClean="0"/>
-              <a:t>6/19/18</a:t>
+              <a:t>6/20/2018</a:t>
             </a:fld>
             <a:endParaRPr lang="en-US"/>
           </a:p>
@@ -3047,7 +3047,7 @@
           <p:cNvPr id="6" name="Footer Placeholder 5">
             <a:extLst>
               <a:ext uri="{FF2B5EF4-FFF2-40B4-BE49-F238E27FC236}">
-                <a16:creationId xmlns:a16="http://schemas.microsoft.com/office/drawing/2014/main" xmlns="" id="{3A8E44B3-375C-42F8-9B40-D6BFFC438856}"/>
+                <a16:creationId xmlns:a16="http://schemas.microsoft.com/office/drawing/2014/main" id="{3A8E44B3-375C-42F8-9B40-D6BFFC438856}"/>
               </a:ext>
             </a:extLst>
           </p:cNvPr>
@@ -3072,7 +3072,7 @@
           <p:cNvPr id="7" name="Slide Number Placeholder 6">
             <a:extLst>
               <a:ext uri="{FF2B5EF4-FFF2-40B4-BE49-F238E27FC236}">
-                <a16:creationId xmlns:a16="http://schemas.microsoft.com/office/drawing/2014/main" xmlns="" id="{B464809D-04D0-4960-B595-1596734563B1}"/>
+                <a16:creationId xmlns:a16="http://schemas.microsoft.com/office/drawing/2014/main" id="{B464809D-04D0-4960-B595-1596734563B1}"/>
               </a:ext>
             </a:extLst>
           </p:cNvPr>
@@ -3136,7 +3136,7 @@
           <p:cNvPr id="2" name="Title Placeholder 1">
             <a:extLst>
               <a:ext uri="{FF2B5EF4-FFF2-40B4-BE49-F238E27FC236}">
-                <a16:creationId xmlns:a16="http://schemas.microsoft.com/office/drawing/2014/main" xmlns="" id="{2772C003-87CA-4D63-9A07-54FAC84B4432}"/>
+                <a16:creationId xmlns:a16="http://schemas.microsoft.com/office/drawing/2014/main" id="{2772C003-87CA-4D63-9A07-54FAC84B4432}"/>
               </a:ext>
             </a:extLst>
           </p:cNvPr>
@@ -3174,7 +3174,7 @@
           <p:cNvPr id="3" name="Text Placeholder 2">
             <a:extLst>
               <a:ext uri="{FF2B5EF4-FFF2-40B4-BE49-F238E27FC236}">
-                <a16:creationId xmlns:a16="http://schemas.microsoft.com/office/drawing/2014/main" xmlns="" id="{A0940D3F-541F-4DEF-B01C-188FB662CD1C}"/>
+                <a16:creationId xmlns:a16="http://schemas.microsoft.com/office/drawing/2014/main" id="{A0940D3F-541F-4DEF-B01C-188FB662CD1C}"/>
               </a:ext>
             </a:extLst>
           </p:cNvPr>
@@ -3241,7 +3241,7 @@
           <p:cNvPr id="4" name="Date Placeholder 3">
             <a:extLst>
               <a:ext uri="{FF2B5EF4-FFF2-40B4-BE49-F238E27FC236}">
-                <a16:creationId xmlns:a16="http://schemas.microsoft.com/office/drawing/2014/main" xmlns="" id="{75AB9A35-511F-4ADE-ACEC-E713A4E7DB49}"/>
+                <a16:creationId xmlns:a16="http://schemas.microsoft.com/office/drawing/2014/main" id="{75AB9A35-511F-4ADE-ACEC-E713A4E7DB49}"/>
               </a:ext>
             </a:extLst>
           </p:cNvPr>
@@ -3277,7 +3277,7 @@
           <a:p>
             <a:fld id="{8DF5CEE9-28B3-4BEE-B788-23D0A3A35C13}" type="datetimeFigureOut">
               <a:rPr lang="en-US" smtClean="0"/>
-              <a:t>6/19/18</a:t>
+              <a:t>6/20/2018</a:t>
             </a:fld>
             <a:endParaRPr lang="en-US"/>
           </a:p>
@@ -3288,7 +3288,7 @@
           <p:cNvPr id="5" name="Footer Placeholder 4">
             <a:extLst>
               <a:ext uri="{FF2B5EF4-FFF2-40B4-BE49-F238E27FC236}">
-                <a16:creationId xmlns:a16="http://schemas.microsoft.com/office/drawing/2014/main" xmlns="" id="{74AF73B6-9852-4671-B1E6-FA65B7D47912}"/>
+                <a16:creationId xmlns:a16="http://schemas.microsoft.com/office/drawing/2014/main" id="{74AF73B6-9852-4671-B1E6-FA65B7D47912}"/>
               </a:ext>
             </a:extLst>
           </p:cNvPr>
@@ -3331,7 +3331,7 @@
           <p:cNvPr id="6" name="Slide Number Placeholder 5">
             <a:extLst>
               <a:ext uri="{FF2B5EF4-FFF2-40B4-BE49-F238E27FC236}">
-                <a16:creationId xmlns:a16="http://schemas.microsoft.com/office/drawing/2014/main" xmlns="" id="{AAAF3E64-2D5A-42FC-B655-4E7552B85024}"/>
+                <a16:creationId xmlns:a16="http://schemas.microsoft.com/office/drawing/2014/main" id="{AAAF3E64-2D5A-42FC-B655-4E7552B85024}"/>
               </a:ext>
             </a:extLst>
           </p:cNvPr>
@@ -3699,7 +3699,7 @@
           <p:cNvPr id="4" name="Rectangle 3">
             <a:extLst>
               <a:ext uri="{FF2B5EF4-FFF2-40B4-BE49-F238E27FC236}">
-                <a16:creationId xmlns:a16="http://schemas.microsoft.com/office/drawing/2014/main" xmlns="" id="{D7D7D82B-553E-4D6E-8779-4DC10988A76D}"/>
+                <a16:creationId xmlns:a16="http://schemas.microsoft.com/office/drawing/2014/main" id="{D7D7D82B-553E-4D6E-8779-4DC10988A76D}"/>
               </a:ext>
             </a:extLst>
           </p:cNvPr>
@@ -3745,7 +3745,7 @@
           <p:cNvPr id="5" name="Rectangle 4">
             <a:extLst>
               <a:ext uri="{FF2B5EF4-FFF2-40B4-BE49-F238E27FC236}">
-                <a16:creationId xmlns:a16="http://schemas.microsoft.com/office/drawing/2014/main" xmlns="" id="{96ED7C77-A825-4E7C-86FA-67045776C117}"/>
+                <a16:creationId xmlns:a16="http://schemas.microsoft.com/office/drawing/2014/main" id="{96ED7C77-A825-4E7C-86FA-67045776C117}"/>
               </a:ext>
             </a:extLst>
           </p:cNvPr>
@@ -3794,7 +3794,7 @@
           <p:cNvPr id="7" name="Straight Connector 6">
             <a:extLst>
               <a:ext uri="{FF2B5EF4-FFF2-40B4-BE49-F238E27FC236}">
-                <a16:creationId xmlns:a16="http://schemas.microsoft.com/office/drawing/2014/main" xmlns="" id="{11D3AB3F-9BDD-454C-BA88-7B8D7E63A8DC}"/>
+                <a16:creationId xmlns:a16="http://schemas.microsoft.com/office/drawing/2014/main" id="{11D3AB3F-9BDD-454C-BA88-7B8D7E63A8DC}"/>
               </a:ext>
             </a:extLst>
           </p:cNvPr>
@@ -3832,7 +3832,7 @@
           <p:cNvPr id="8" name="Arc 7">
             <a:extLst>
               <a:ext uri="{FF2B5EF4-FFF2-40B4-BE49-F238E27FC236}">
-                <a16:creationId xmlns:a16="http://schemas.microsoft.com/office/drawing/2014/main" xmlns="" id="{7B2D5738-DC03-4A5A-A7AE-3EE470DF682A}"/>
+                <a16:creationId xmlns:a16="http://schemas.microsoft.com/office/drawing/2014/main" id="{7B2D5738-DC03-4A5A-A7AE-3EE470DF682A}"/>
               </a:ext>
             </a:extLst>
           </p:cNvPr>
@@ -3876,7 +3876,7 @@
           <p:cNvPr id="9" name="TextBox 8">
             <a:extLst>
               <a:ext uri="{FF2B5EF4-FFF2-40B4-BE49-F238E27FC236}">
-                <a16:creationId xmlns:a16="http://schemas.microsoft.com/office/drawing/2014/main" xmlns="" id="{2C44CA7A-DC4D-42D8-B983-EF969DECBD55}"/>
+                <a16:creationId xmlns:a16="http://schemas.microsoft.com/office/drawing/2014/main" id="{2C44CA7A-DC4D-42D8-B983-EF969DECBD55}"/>
               </a:ext>
             </a:extLst>
           </p:cNvPr>
@@ -3916,7 +3916,7 @@
           <p:cNvPr id="11" name="Straight Arrow Connector 10">
             <a:extLst>
               <a:ext uri="{FF2B5EF4-FFF2-40B4-BE49-F238E27FC236}">
-                <a16:creationId xmlns:a16="http://schemas.microsoft.com/office/drawing/2014/main" xmlns="" id="{1A5617EA-5503-4E15-88E3-9F120FB8EFC2}"/>
+                <a16:creationId xmlns:a16="http://schemas.microsoft.com/office/drawing/2014/main" id="{1A5617EA-5503-4E15-88E3-9F120FB8EFC2}"/>
               </a:ext>
             </a:extLst>
           </p:cNvPr>
@@ -3961,7 +3961,7 @@
           <p:cNvPr id="12" name="TextBox 11">
             <a:extLst>
               <a:ext uri="{FF2B5EF4-FFF2-40B4-BE49-F238E27FC236}">
-                <a16:creationId xmlns:a16="http://schemas.microsoft.com/office/drawing/2014/main" xmlns="" id="{D3B891C5-560E-4A90-A7E7-B66FB0803B99}"/>
+                <a16:creationId xmlns:a16="http://schemas.microsoft.com/office/drawing/2014/main" id="{D3B891C5-560E-4A90-A7E7-B66FB0803B99}"/>
               </a:ext>
             </a:extLst>
           </p:cNvPr>
@@ -3996,7 +3996,7 @@
           <p:cNvPr id="13" name="Rectangle 12">
             <a:extLst>
               <a:ext uri="{FF2B5EF4-FFF2-40B4-BE49-F238E27FC236}">
-                <a16:creationId xmlns:a16="http://schemas.microsoft.com/office/drawing/2014/main" xmlns="" id="{942B7FBF-C957-4603-8A7C-AB5016851423}"/>
+                <a16:creationId xmlns:a16="http://schemas.microsoft.com/office/drawing/2014/main" id="{942B7FBF-C957-4603-8A7C-AB5016851423}"/>
               </a:ext>
             </a:extLst>
           </p:cNvPr>
@@ -4042,7 +4042,7 @@
           <p:cNvPr id="14" name="Rectangle 13">
             <a:extLst>
               <a:ext uri="{FF2B5EF4-FFF2-40B4-BE49-F238E27FC236}">
-                <a16:creationId xmlns:a16="http://schemas.microsoft.com/office/drawing/2014/main" xmlns="" id="{5F5EC42D-8574-4E2D-BBBC-D4002B215F79}"/>
+                <a16:creationId xmlns:a16="http://schemas.microsoft.com/office/drawing/2014/main" id="{5F5EC42D-8574-4E2D-BBBC-D4002B215F79}"/>
               </a:ext>
             </a:extLst>
           </p:cNvPr>
@@ -4091,7 +4091,7 @@
           <p:cNvPr id="18" name="Straight Arrow Connector 17">
             <a:extLst>
               <a:ext uri="{FF2B5EF4-FFF2-40B4-BE49-F238E27FC236}">
-                <a16:creationId xmlns:a16="http://schemas.microsoft.com/office/drawing/2014/main" xmlns="" id="{C35C4529-601B-463F-AD7A-7362D70CF0A7}"/>
+                <a16:creationId xmlns:a16="http://schemas.microsoft.com/office/drawing/2014/main" id="{C35C4529-601B-463F-AD7A-7362D70CF0A7}"/>
               </a:ext>
             </a:extLst>
           </p:cNvPr>
@@ -4138,7 +4138,7 @@
           <p:cNvPr id="22" name="Rectangle 21">
             <a:extLst>
               <a:ext uri="{FF2B5EF4-FFF2-40B4-BE49-F238E27FC236}">
-                <a16:creationId xmlns:a16="http://schemas.microsoft.com/office/drawing/2014/main" xmlns="" id="{8E7B9D84-F695-4AAA-8C15-9BAFDEF70214}"/>
+                <a16:creationId xmlns:a16="http://schemas.microsoft.com/office/drawing/2014/main" id="{8E7B9D84-F695-4AAA-8C15-9BAFDEF70214}"/>
               </a:ext>
             </a:extLst>
           </p:cNvPr>
@@ -4184,7 +4184,7 @@
           <p:cNvPr id="23" name="Rectangle 22">
             <a:extLst>
               <a:ext uri="{FF2B5EF4-FFF2-40B4-BE49-F238E27FC236}">
-                <a16:creationId xmlns:a16="http://schemas.microsoft.com/office/drawing/2014/main" xmlns="" id="{52EA4532-B67F-4444-B9D1-5D9EE3114611}"/>
+                <a16:creationId xmlns:a16="http://schemas.microsoft.com/office/drawing/2014/main" id="{52EA4532-B67F-4444-B9D1-5D9EE3114611}"/>
               </a:ext>
             </a:extLst>
           </p:cNvPr>
@@ -4230,7 +4230,7 @@
           <p:cNvPr id="24" name="Straight Arrow Connector 23">
             <a:extLst>
               <a:ext uri="{FF2B5EF4-FFF2-40B4-BE49-F238E27FC236}">
-                <a16:creationId xmlns:a16="http://schemas.microsoft.com/office/drawing/2014/main" xmlns="" id="{D0BEE9FB-297A-4D6F-9433-6C1404B30DEF}"/>
+                <a16:creationId xmlns:a16="http://schemas.microsoft.com/office/drawing/2014/main" id="{D0BEE9FB-297A-4D6F-9433-6C1404B30DEF}"/>
               </a:ext>
             </a:extLst>
           </p:cNvPr>
@@ -4277,7 +4277,7 @@
           <p:cNvPr id="27" name="Straight Arrow Connector 26">
             <a:extLst>
               <a:ext uri="{FF2B5EF4-FFF2-40B4-BE49-F238E27FC236}">
-                <a16:creationId xmlns:a16="http://schemas.microsoft.com/office/drawing/2014/main" xmlns="" id="{D9AE491B-05B7-4B8E-8702-B3A2CC0ABD3D}"/>
+                <a16:creationId xmlns:a16="http://schemas.microsoft.com/office/drawing/2014/main" id="{D9AE491B-05B7-4B8E-8702-B3A2CC0ABD3D}"/>
               </a:ext>
             </a:extLst>
           </p:cNvPr>
@@ -4324,7 +4324,7 @@
           <p:cNvPr id="31" name="TextBox 30">
             <a:extLst>
               <a:ext uri="{FF2B5EF4-FFF2-40B4-BE49-F238E27FC236}">
-                <a16:creationId xmlns:a16="http://schemas.microsoft.com/office/drawing/2014/main" xmlns="" id="{7148A196-6CB7-41A5-81F1-388B041BB0F3}"/>
+                <a16:creationId xmlns:a16="http://schemas.microsoft.com/office/drawing/2014/main" id="{7148A196-6CB7-41A5-81F1-388B041BB0F3}"/>
               </a:ext>
             </a:extLst>
           </p:cNvPr>
@@ -4359,7 +4359,7 @@
           <p:cNvPr id="32" name="TextBox 31">
             <a:extLst>
               <a:ext uri="{FF2B5EF4-FFF2-40B4-BE49-F238E27FC236}">
-                <a16:creationId xmlns:a16="http://schemas.microsoft.com/office/drawing/2014/main" xmlns="" id="{8D63754F-2716-46C6-806A-ED98F4EC271C}"/>
+                <a16:creationId xmlns:a16="http://schemas.microsoft.com/office/drawing/2014/main" id="{8D63754F-2716-46C6-806A-ED98F4EC271C}"/>
               </a:ext>
             </a:extLst>
           </p:cNvPr>
@@ -4394,7 +4394,7 @@
           <p:cNvPr id="33" name="TextBox 32">
             <a:extLst>
               <a:ext uri="{FF2B5EF4-FFF2-40B4-BE49-F238E27FC236}">
-                <a16:creationId xmlns:a16="http://schemas.microsoft.com/office/drawing/2014/main" xmlns="" id="{7F6DB6A2-D09F-4771-A584-96843009A704}"/>
+                <a16:creationId xmlns:a16="http://schemas.microsoft.com/office/drawing/2014/main" id="{7F6DB6A2-D09F-4771-A584-96843009A704}"/>
               </a:ext>
             </a:extLst>
           </p:cNvPr>
@@ -4429,7 +4429,7 @@
           <p:cNvPr id="36" name="Rectangle 35">
             <a:extLst>
               <a:ext uri="{FF2B5EF4-FFF2-40B4-BE49-F238E27FC236}">
-                <a16:creationId xmlns:a16="http://schemas.microsoft.com/office/drawing/2014/main" xmlns="" id="{F90ECF2E-9447-4A47-A26B-41613F946370}"/>
+                <a16:creationId xmlns:a16="http://schemas.microsoft.com/office/drawing/2014/main" id="{F90ECF2E-9447-4A47-A26B-41613F946370}"/>
               </a:ext>
             </a:extLst>
           </p:cNvPr>
@@ -4478,7 +4478,7 @@
           <p:cNvPr id="37" name="Rectangle 36">
             <a:extLst>
               <a:ext uri="{FF2B5EF4-FFF2-40B4-BE49-F238E27FC236}">
-                <a16:creationId xmlns:a16="http://schemas.microsoft.com/office/drawing/2014/main" xmlns="" id="{5C47DC2B-774B-493E-81AB-E57F1C0040C1}"/>
+                <a16:creationId xmlns:a16="http://schemas.microsoft.com/office/drawing/2014/main" id="{5C47DC2B-774B-493E-81AB-E57F1C0040C1}"/>
               </a:ext>
             </a:extLst>
           </p:cNvPr>
@@ -4524,7 +4524,7 @@
           <p:cNvPr id="38" name="Rectangle 37">
             <a:extLst>
               <a:ext uri="{FF2B5EF4-FFF2-40B4-BE49-F238E27FC236}">
-                <a16:creationId xmlns:a16="http://schemas.microsoft.com/office/drawing/2014/main" xmlns="" id="{FB1A2948-EA33-4B35-8BE9-2B54F2BFFEDA}"/>
+                <a16:creationId xmlns:a16="http://schemas.microsoft.com/office/drawing/2014/main" id="{FB1A2948-EA33-4B35-8BE9-2B54F2BFFEDA}"/>
               </a:ext>
             </a:extLst>
           </p:cNvPr>
@@ -4570,7 +4570,7 @@
           <p:cNvPr id="39" name="Rectangle 38">
             <a:extLst>
               <a:ext uri="{FF2B5EF4-FFF2-40B4-BE49-F238E27FC236}">
-                <a16:creationId xmlns:a16="http://schemas.microsoft.com/office/drawing/2014/main" xmlns="" id="{E62E0270-F4D0-459A-8613-96273AA7DD30}"/>
+                <a16:creationId xmlns:a16="http://schemas.microsoft.com/office/drawing/2014/main" id="{E62E0270-F4D0-459A-8613-96273AA7DD30}"/>
               </a:ext>
             </a:extLst>
           </p:cNvPr>
@@ -4616,7 +4616,7 @@
           <p:cNvPr id="40" name="Rectangle 39">
             <a:extLst>
               <a:ext uri="{FF2B5EF4-FFF2-40B4-BE49-F238E27FC236}">
-                <a16:creationId xmlns:a16="http://schemas.microsoft.com/office/drawing/2014/main" xmlns="" id="{2089CFB1-569A-4628-89D0-2F98B6871507}"/>
+                <a16:creationId xmlns:a16="http://schemas.microsoft.com/office/drawing/2014/main" id="{2089CFB1-569A-4628-89D0-2F98B6871507}"/>
               </a:ext>
             </a:extLst>
           </p:cNvPr>
@@ -4662,7 +4662,7 @@
           <p:cNvPr id="41" name="Straight Arrow Connector 40">
             <a:extLst>
               <a:ext uri="{FF2B5EF4-FFF2-40B4-BE49-F238E27FC236}">
-                <a16:creationId xmlns:a16="http://schemas.microsoft.com/office/drawing/2014/main" xmlns="" id="{D52DA856-A700-4C3E-95A0-57611E1C36DA}"/>
+                <a16:creationId xmlns:a16="http://schemas.microsoft.com/office/drawing/2014/main" id="{D52DA856-A700-4C3E-95A0-57611E1C36DA}"/>
               </a:ext>
             </a:extLst>
           </p:cNvPr>
@@ -4709,7 +4709,7 @@
           <p:cNvPr id="46" name="Straight Arrow Connector 45">
             <a:extLst>
               <a:ext uri="{FF2B5EF4-FFF2-40B4-BE49-F238E27FC236}">
-                <a16:creationId xmlns:a16="http://schemas.microsoft.com/office/drawing/2014/main" xmlns="" id="{BEFB6189-53A8-48E7-AD33-3274E7C1D918}"/>
+                <a16:creationId xmlns:a16="http://schemas.microsoft.com/office/drawing/2014/main" id="{BEFB6189-53A8-48E7-AD33-3274E7C1D918}"/>
               </a:ext>
             </a:extLst>
           </p:cNvPr>
@@ -4756,7 +4756,7 @@
           <p:cNvPr id="50" name="Straight Arrow Connector 49">
             <a:extLst>
               <a:ext uri="{FF2B5EF4-FFF2-40B4-BE49-F238E27FC236}">
-                <a16:creationId xmlns:a16="http://schemas.microsoft.com/office/drawing/2014/main" xmlns="" id="{89E5D60B-3206-4DBD-8743-30F29B3E5474}"/>
+                <a16:creationId xmlns:a16="http://schemas.microsoft.com/office/drawing/2014/main" id="{89E5D60B-3206-4DBD-8743-30F29B3E5474}"/>
               </a:ext>
             </a:extLst>
           </p:cNvPr>
@@ -4803,7 +4803,7 @@
           <p:cNvPr id="53" name="Straight Arrow Connector 52">
             <a:extLst>
               <a:ext uri="{FF2B5EF4-FFF2-40B4-BE49-F238E27FC236}">
-                <a16:creationId xmlns:a16="http://schemas.microsoft.com/office/drawing/2014/main" xmlns="" id="{5EE9B383-3A3D-4CE5-A7F9-9B7D390210C2}"/>
+                <a16:creationId xmlns:a16="http://schemas.microsoft.com/office/drawing/2014/main" id="{5EE9B383-3A3D-4CE5-A7F9-9B7D390210C2}"/>
               </a:ext>
             </a:extLst>
           </p:cNvPr>
@@ -4850,7 +4850,7 @@
           <p:cNvPr id="56" name="Arc 55">
             <a:extLst>
               <a:ext uri="{FF2B5EF4-FFF2-40B4-BE49-F238E27FC236}">
-                <a16:creationId xmlns:a16="http://schemas.microsoft.com/office/drawing/2014/main" xmlns="" id="{7190ED8E-C2E7-4880-BFAF-A33703E534B2}"/>
+                <a16:creationId xmlns:a16="http://schemas.microsoft.com/office/drawing/2014/main" id="{7190ED8E-C2E7-4880-BFAF-A33703E534B2}"/>
               </a:ext>
             </a:extLst>
           </p:cNvPr>
@@ -4903,7 +4903,7 @@
           <p:cNvPr id="57" name="Arc 56">
             <a:extLst>
               <a:ext uri="{FF2B5EF4-FFF2-40B4-BE49-F238E27FC236}">
-                <a16:creationId xmlns:a16="http://schemas.microsoft.com/office/drawing/2014/main" xmlns="" id="{8D6E79D3-807F-46D5-9EEB-F75E480537D8}"/>
+                <a16:creationId xmlns:a16="http://schemas.microsoft.com/office/drawing/2014/main" id="{8D6E79D3-807F-46D5-9EEB-F75E480537D8}"/>
               </a:ext>
             </a:extLst>
           </p:cNvPr>
@@ -4956,7 +4956,7 @@
           <p:cNvPr id="58" name="Arc 57">
             <a:extLst>
               <a:ext uri="{FF2B5EF4-FFF2-40B4-BE49-F238E27FC236}">
-                <a16:creationId xmlns:a16="http://schemas.microsoft.com/office/drawing/2014/main" xmlns="" id="{ADFD1D01-C9CE-4595-B3FF-EDA1E5446BDB}"/>
+                <a16:creationId xmlns:a16="http://schemas.microsoft.com/office/drawing/2014/main" id="{ADFD1D01-C9CE-4595-B3FF-EDA1E5446BDB}"/>
               </a:ext>
             </a:extLst>
           </p:cNvPr>
@@ -5009,7 +5009,7 @@
           <p:cNvPr id="59" name="TextBox 58">
             <a:extLst>
               <a:ext uri="{FF2B5EF4-FFF2-40B4-BE49-F238E27FC236}">
-                <a16:creationId xmlns:a16="http://schemas.microsoft.com/office/drawing/2014/main" xmlns="" id="{78D86371-200E-4CF1-8FE4-8D23492528A6}"/>
+                <a16:creationId xmlns:a16="http://schemas.microsoft.com/office/drawing/2014/main" id="{78D86371-200E-4CF1-8FE4-8D23492528A6}"/>
               </a:ext>
             </a:extLst>
           </p:cNvPr>
@@ -5049,7 +5049,7 @@
           <p:cNvPr id="60" name="TextBox 59">
             <a:extLst>
               <a:ext uri="{FF2B5EF4-FFF2-40B4-BE49-F238E27FC236}">
-                <a16:creationId xmlns:a16="http://schemas.microsoft.com/office/drawing/2014/main" xmlns="" id="{36A9B770-E3CB-4F62-A86F-27A30C6D43B7}"/>
+                <a16:creationId xmlns:a16="http://schemas.microsoft.com/office/drawing/2014/main" id="{36A9B770-E3CB-4F62-A86F-27A30C6D43B7}"/>
               </a:ext>
             </a:extLst>
           </p:cNvPr>
@@ -5089,7 +5089,7 @@
           <p:cNvPr id="61" name="TextBox 60">
             <a:extLst>
               <a:ext uri="{FF2B5EF4-FFF2-40B4-BE49-F238E27FC236}">
-                <a16:creationId xmlns:a16="http://schemas.microsoft.com/office/drawing/2014/main" xmlns="" id="{18500777-32AF-4157-87EE-CE0F7837CCA4}"/>
+                <a16:creationId xmlns:a16="http://schemas.microsoft.com/office/drawing/2014/main" id="{18500777-32AF-4157-87EE-CE0F7837CCA4}"/>
               </a:ext>
             </a:extLst>
           </p:cNvPr>
@@ -5129,7 +5129,7 @@
           <p:cNvPr id="66" name="Rectangle 65">
             <a:extLst>
               <a:ext uri="{FF2B5EF4-FFF2-40B4-BE49-F238E27FC236}">
-                <a16:creationId xmlns:a16="http://schemas.microsoft.com/office/drawing/2014/main" xmlns="" id="{C1A57756-618E-471B-A7A3-984E5C9C132F}"/>
+                <a16:creationId xmlns:a16="http://schemas.microsoft.com/office/drawing/2014/main" id="{C1A57756-618E-471B-A7A3-984E5C9C132F}"/>
               </a:ext>
             </a:extLst>
           </p:cNvPr>
@@ -5175,7 +5175,7 @@
           <p:cNvPr id="67" name="Rectangle 66">
             <a:extLst>
               <a:ext uri="{FF2B5EF4-FFF2-40B4-BE49-F238E27FC236}">
-                <a16:creationId xmlns:a16="http://schemas.microsoft.com/office/drawing/2014/main" xmlns="" id="{3C630BFA-C3BB-4114-B309-01AEC6ABCF62}"/>
+                <a16:creationId xmlns:a16="http://schemas.microsoft.com/office/drawing/2014/main" id="{3C630BFA-C3BB-4114-B309-01AEC6ABCF62}"/>
               </a:ext>
             </a:extLst>
           </p:cNvPr>
@@ -5224,7 +5224,7 @@
           <p:cNvPr id="68" name="Straight Connector 67">
             <a:extLst>
               <a:ext uri="{FF2B5EF4-FFF2-40B4-BE49-F238E27FC236}">
-                <a16:creationId xmlns:a16="http://schemas.microsoft.com/office/drawing/2014/main" xmlns="" id="{38487672-49EB-4D13-A9C9-3F3048DDF050}"/>
+                <a16:creationId xmlns:a16="http://schemas.microsoft.com/office/drawing/2014/main" id="{38487672-49EB-4D13-A9C9-3F3048DDF050}"/>
               </a:ext>
             </a:extLst>
           </p:cNvPr>
@@ -5262,7 +5262,7 @@
           <p:cNvPr id="69" name="Arc 68">
             <a:extLst>
               <a:ext uri="{FF2B5EF4-FFF2-40B4-BE49-F238E27FC236}">
-                <a16:creationId xmlns:a16="http://schemas.microsoft.com/office/drawing/2014/main" xmlns="" id="{D47DFBBD-AC9E-45E5-B50C-592DE9351BFA}"/>
+                <a16:creationId xmlns:a16="http://schemas.microsoft.com/office/drawing/2014/main" id="{D47DFBBD-AC9E-45E5-B50C-592DE9351BFA}"/>
               </a:ext>
             </a:extLst>
           </p:cNvPr>
@@ -5309,7 +5309,7 @@
           <p:cNvPr id="70" name="TextBox 69">
             <a:extLst>
               <a:ext uri="{FF2B5EF4-FFF2-40B4-BE49-F238E27FC236}">
-                <a16:creationId xmlns:a16="http://schemas.microsoft.com/office/drawing/2014/main" xmlns="" id="{3902D488-C1BB-4BDE-94D1-7B270F92F8E3}"/>
+                <a16:creationId xmlns:a16="http://schemas.microsoft.com/office/drawing/2014/main" id="{3902D488-C1BB-4BDE-94D1-7B270F92F8E3}"/>
               </a:ext>
             </a:extLst>
           </p:cNvPr>
@@ -5349,7 +5349,7 @@
           <p:cNvPr id="71" name="Straight Arrow Connector 70">
             <a:extLst>
               <a:ext uri="{FF2B5EF4-FFF2-40B4-BE49-F238E27FC236}">
-                <a16:creationId xmlns:a16="http://schemas.microsoft.com/office/drawing/2014/main" xmlns="" id="{BEAB2A44-FC3D-4A9D-912A-4A4F2DB71B86}"/>
+                <a16:creationId xmlns:a16="http://schemas.microsoft.com/office/drawing/2014/main" id="{BEAB2A44-FC3D-4A9D-912A-4A4F2DB71B86}"/>
               </a:ext>
             </a:extLst>
           </p:cNvPr>
@@ -5396,7 +5396,7 @@
           <p:cNvPr id="72" name="TextBox 71">
             <a:extLst>
               <a:ext uri="{FF2B5EF4-FFF2-40B4-BE49-F238E27FC236}">
-                <a16:creationId xmlns:a16="http://schemas.microsoft.com/office/drawing/2014/main" xmlns="" id="{DBFFA45A-6605-45E8-8DEE-821860B8C2B5}"/>
+                <a16:creationId xmlns:a16="http://schemas.microsoft.com/office/drawing/2014/main" id="{DBFFA45A-6605-45E8-8DEE-821860B8C2B5}"/>
               </a:ext>
             </a:extLst>
           </p:cNvPr>
@@ -5431,7 +5431,7 @@
           <p:cNvPr id="77" name="Rectangle 76">
             <a:extLst>
               <a:ext uri="{FF2B5EF4-FFF2-40B4-BE49-F238E27FC236}">
-                <a16:creationId xmlns:a16="http://schemas.microsoft.com/office/drawing/2014/main" xmlns="" id="{DFC2F94D-A6CC-4EFA-A2F7-DFCAC0B81D48}"/>
+                <a16:creationId xmlns:a16="http://schemas.microsoft.com/office/drawing/2014/main" id="{DFC2F94D-A6CC-4EFA-A2F7-DFCAC0B81D48}"/>
               </a:ext>
             </a:extLst>
           </p:cNvPr>
@@ -5477,7 +5477,7 @@
           <p:cNvPr id="78" name="Rectangle 77">
             <a:extLst>
               <a:ext uri="{FF2B5EF4-FFF2-40B4-BE49-F238E27FC236}">
-                <a16:creationId xmlns:a16="http://schemas.microsoft.com/office/drawing/2014/main" xmlns="" id="{A27F0ACD-2EE0-4C04-BA61-9E7BA5FB5F82}"/>
+                <a16:creationId xmlns:a16="http://schemas.microsoft.com/office/drawing/2014/main" id="{A27F0ACD-2EE0-4C04-BA61-9E7BA5FB5F82}"/>
               </a:ext>
             </a:extLst>
           </p:cNvPr>
@@ -5526,7 +5526,7 @@
           <p:cNvPr id="79" name="Straight Connector 78">
             <a:extLst>
               <a:ext uri="{FF2B5EF4-FFF2-40B4-BE49-F238E27FC236}">
-                <a16:creationId xmlns:a16="http://schemas.microsoft.com/office/drawing/2014/main" xmlns="" id="{C4E4361C-5763-4A19-A4A0-533382C56EF9}"/>
+                <a16:creationId xmlns:a16="http://schemas.microsoft.com/office/drawing/2014/main" id="{C4E4361C-5763-4A19-A4A0-533382C56EF9}"/>
               </a:ext>
             </a:extLst>
           </p:cNvPr>
@@ -5564,7 +5564,7 @@
           <p:cNvPr id="80" name="Arc 79">
             <a:extLst>
               <a:ext uri="{FF2B5EF4-FFF2-40B4-BE49-F238E27FC236}">
-                <a16:creationId xmlns:a16="http://schemas.microsoft.com/office/drawing/2014/main" xmlns="" id="{6A1D5682-5660-49E9-839A-EE2D74CA2D64}"/>
+                <a16:creationId xmlns:a16="http://schemas.microsoft.com/office/drawing/2014/main" id="{6A1D5682-5660-49E9-839A-EE2D74CA2D64}"/>
               </a:ext>
             </a:extLst>
           </p:cNvPr>
@@ -5611,7 +5611,7 @@
           <p:cNvPr id="81" name="Straight Arrow Connector 80">
             <a:extLst>
               <a:ext uri="{FF2B5EF4-FFF2-40B4-BE49-F238E27FC236}">
-                <a16:creationId xmlns:a16="http://schemas.microsoft.com/office/drawing/2014/main" xmlns="" id="{4BA4E7B5-8BA3-4C5A-BDA6-71B18DCBF293}"/>
+                <a16:creationId xmlns:a16="http://schemas.microsoft.com/office/drawing/2014/main" id="{4BA4E7B5-8BA3-4C5A-BDA6-71B18DCBF293}"/>
               </a:ext>
             </a:extLst>
           </p:cNvPr>
@@ -5658,7 +5658,7 @@
           <p:cNvPr id="82" name="TextBox 81">
             <a:extLst>
               <a:ext uri="{FF2B5EF4-FFF2-40B4-BE49-F238E27FC236}">
-                <a16:creationId xmlns:a16="http://schemas.microsoft.com/office/drawing/2014/main" xmlns="" id="{413750BD-183A-46B7-A55C-CAA1D8C214E7}"/>
+                <a16:creationId xmlns:a16="http://schemas.microsoft.com/office/drawing/2014/main" id="{413750BD-183A-46B7-A55C-CAA1D8C214E7}"/>
               </a:ext>
             </a:extLst>
           </p:cNvPr>
@@ -5693,7 +5693,7 @@
           <p:cNvPr id="86" name="TextBox 85">
             <a:extLst>
               <a:ext uri="{FF2B5EF4-FFF2-40B4-BE49-F238E27FC236}">
-                <a16:creationId xmlns:a16="http://schemas.microsoft.com/office/drawing/2014/main" xmlns="" id="{7A08B8B0-A951-49F0-85F0-A8A6AA5E6E95}"/>
+                <a16:creationId xmlns:a16="http://schemas.microsoft.com/office/drawing/2014/main" id="{7A08B8B0-A951-49F0-85F0-A8A6AA5E6E95}"/>
               </a:ext>
             </a:extLst>
           </p:cNvPr>
@@ -5733,7 +5733,7 @@
           <p:cNvPr id="87" name="TextBox 86">
             <a:extLst>
               <a:ext uri="{FF2B5EF4-FFF2-40B4-BE49-F238E27FC236}">
-                <a16:creationId xmlns:a16="http://schemas.microsoft.com/office/drawing/2014/main" xmlns="" id="{5C1CB67F-D31C-4216-A665-B08FAF8C2DAA}"/>
+                <a16:creationId xmlns:a16="http://schemas.microsoft.com/office/drawing/2014/main" id="{5C1CB67F-D31C-4216-A665-B08FAF8C2DAA}"/>
               </a:ext>
             </a:extLst>
           </p:cNvPr>
@@ -5768,7 +5768,7 @@
           <p:cNvPr id="88" name="TextBox 87">
             <a:extLst>
               <a:ext uri="{FF2B5EF4-FFF2-40B4-BE49-F238E27FC236}">
-                <a16:creationId xmlns:a16="http://schemas.microsoft.com/office/drawing/2014/main" xmlns="" id="{CE851A16-20AA-4159-A588-636180D2DBE5}"/>
+                <a16:creationId xmlns:a16="http://schemas.microsoft.com/office/drawing/2014/main" id="{CE851A16-20AA-4159-A588-636180D2DBE5}"/>
               </a:ext>
             </a:extLst>
           </p:cNvPr>
@@ -5803,7 +5803,7 @@
           <p:cNvPr id="91" name="Straight Connector 90">
             <a:extLst>
               <a:ext uri="{FF2B5EF4-FFF2-40B4-BE49-F238E27FC236}">
-                <a16:creationId xmlns:a16="http://schemas.microsoft.com/office/drawing/2014/main" xmlns="" id="{17ED0A31-FB05-4394-B94A-3FC85081BD6B}"/>
+                <a16:creationId xmlns:a16="http://schemas.microsoft.com/office/drawing/2014/main" id="{17ED0A31-FB05-4394-B94A-3FC85081BD6B}"/>
               </a:ext>
             </a:extLst>
           </p:cNvPr>
@@ -5844,7 +5844,7 @@
           <p:cNvPr id="93" name="TextBox 92">
             <a:extLst>
               <a:ext uri="{FF2B5EF4-FFF2-40B4-BE49-F238E27FC236}">
-                <a16:creationId xmlns:a16="http://schemas.microsoft.com/office/drawing/2014/main" xmlns="" id="{A1D27053-BA99-41A7-BA4C-3E8766AD5AB0}"/>
+                <a16:creationId xmlns:a16="http://schemas.microsoft.com/office/drawing/2014/main" id="{A1D27053-BA99-41A7-BA4C-3E8766AD5AB0}"/>
               </a:ext>
             </a:extLst>
           </p:cNvPr>
@@ -5909,7 +5909,7 @@
           <p:cNvPr id="33" name="Rectangle: Rounded Corners 32">
             <a:extLst>
               <a:ext uri="{FF2B5EF4-FFF2-40B4-BE49-F238E27FC236}">
-                <a16:creationId xmlns:a16="http://schemas.microsoft.com/office/drawing/2014/main" xmlns="" id="{52D972A3-F302-4452-A04E-F64AC18D1BF2}"/>
+                <a16:creationId xmlns:a16="http://schemas.microsoft.com/office/drawing/2014/main" id="{52D972A3-F302-4452-A04E-F64AC18D1BF2}"/>
               </a:ext>
             </a:extLst>
           </p:cNvPr>
@@ -5965,7 +5965,7 @@
           <p:cNvPr id="2" name="Rectangle: Rounded Corners 1">
             <a:extLst>
               <a:ext uri="{FF2B5EF4-FFF2-40B4-BE49-F238E27FC236}">
-                <a16:creationId xmlns:a16="http://schemas.microsoft.com/office/drawing/2014/main" xmlns="" id="{9E52F8D7-DBF2-4E8B-AFAA-4D56E1F02B4A}"/>
+                <a16:creationId xmlns:a16="http://schemas.microsoft.com/office/drawing/2014/main" id="{9E52F8D7-DBF2-4E8B-AFAA-4D56E1F02B4A}"/>
               </a:ext>
             </a:extLst>
           </p:cNvPr>
@@ -6021,7 +6021,7 @@
           <p:cNvPr id="3" name="Rectangle: Rounded Corners 2">
             <a:extLst>
               <a:ext uri="{FF2B5EF4-FFF2-40B4-BE49-F238E27FC236}">
-                <a16:creationId xmlns:a16="http://schemas.microsoft.com/office/drawing/2014/main" xmlns="" id="{FB9D4E79-E50D-4CE5-9BFD-639CDEA9C361}"/>
+                <a16:creationId xmlns:a16="http://schemas.microsoft.com/office/drawing/2014/main" id="{FB9D4E79-E50D-4CE5-9BFD-639CDEA9C361}"/>
               </a:ext>
             </a:extLst>
           </p:cNvPr>
@@ -6077,7 +6077,7 @@
           <p:cNvPr id="4" name="Rectangle: Rounded Corners 3">
             <a:extLst>
               <a:ext uri="{FF2B5EF4-FFF2-40B4-BE49-F238E27FC236}">
-                <a16:creationId xmlns:a16="http://schemas.microsoft.com/office/drawing/2014/main" xmlns="" id="{54FCC0BC-83C4-4EC5-8200-D3C032395413}"/>
+                <a16:creationId xmlns:a16="http://schemas.microsoft.com/office/drawing/2014/main" id="{54FCC0BC-83C4-4EC5-8200-D3C032395413}"/>
               </a:ext>
             </a:extLst>
           </p:cNvPr>
@@ -6133,7 +6133,7 @@
           <p:cNvPr id="5" name="Rectangle: Rounded Corners 4">
             <a:extLst>
               <a:ext uri="{FF2B5EF4-FFF2-40B4-BE49-F238E27FC236}">
-                <a16:creationId xmlns:a16="http://schemas.microsoft.com/office/drawing/2014/main" xmlns="" id="{B323D3DA-6C4C-483B-A265-E1648AAE9F31}"/>
+                <a16:creationId xmlns:a16="http://schemas.microsoft.com/office/drawing/2014/main" id="{B323D3DA-6C4C-483B-A265-E1648AAE9F31}"/>
               </a:ext>
             </a:extLst>
           </p:cNvPr>
@@ -6189,7 +6189,7 @@
           <p:cNvPr id="6" name="Rectangle: Rounded Corners 5">
             <a:extLst>
               <a:ext uri="{FF2B5EF4-FFF2-40B4-BE49-F238E27FC236}">
-                <a16:creationId xmlns:a16="http://schemas.microsoft.com/office/drawing/2014/main" xmlns="" id="{CE1AEA6F-E8FC-463A-87B9-B77F1A182117}"/>
+                <a16:creationId xmlns:a16="http://schemas.microsoft.com/office/drawing/2014/main" id="{CE1AEA6F-E8FC-463A-87B9-B77F1A182117}"/>
               </a:ext>
             </a:extLst>
           </p:cNvPr>
@@ -6245,7 +6245,7 @@
           <p:cNvPr id="7" name="Rectangle: Rounded Corners 6">
             <a:extLst>
               <a:ext uri="{FF2B5EF4-FFF2-40B4-BE49-F238E27FC236}">
-                <a16:creationId xmlns:a16="http://schemas.microsoft.com/office/drawing/2014/main" xmlns="" id="{7524F206-68F6-4057-96FA-0FA4B6D703E0}"/>
+                <a16:creationId xmlns:a16="http://schemas.microsoft.com/office/drawing/2014/main" id="{7524F206-68F6-4057-96FA-0FA4B6D703E0}"/>
               </a:ext>
             </a:extLst>
           </p:cNvPr>
@@ -6301,7 +6301,7 @@
           <p:cNvPr id="9" name="TextBox 8">
             <a:extLst>
               <a:ext uri="{FF2B5EF4-FFF2-40B4-BE49-F238E27FC236}">
-                <a16:creationId xmlns:a16="http://schemas.microsoft.com/office/drawing/2014/main" xmlns="" id="{67D569CC-AB6E-4AB4-A738-1D5394F64074}"/>
+                <a16:creationId xmlns:a16="http://schemas.microsoft.com/office/drawing/2014/main" id="{67D569CC-AB6E-4AB4-A738-1D5394F64074}"/>
               </a:ext>
             </a:extLst>
           </p:cNvPr>
@@ -6336,7 +6336,7 @@
           <p:cNvPr id="10" name="TextBox 9">
             <a:extLst>
               <a:ext uri="{FF2B5EF4-FFF2-40B4-BE49-F238E27FC236}">
-                <a16:creationId xmlns:a16="http://schemas.microsoft.com/office/drawing/2014/main" xmlns="" id="{74A64AAC-2133-43E2-94AE-0C3EDEA5A5D4}"/>
+                <a16:creationId xmlns:a16="http://schemas.microsoft.com/office/drawing/2014/main" id="{74A64AAC-2133-43E2-94AE-0C3EDEA5A5D4}"/>
               </a:ext>
             </a:extLst>
           </p:cNvPr>
@@ -6371,7 +6371,7 @@
           <p:cNvPr id="11" name="TextBox 10">
             <a:extLst>
               <a:ext uri="{FF2B5EF4-FFF2-40B4-BE49-F238E27FC236}">
-                <a16:creationId xmlns:a16="http://schemas.microsoft.com/office/drawing/2014/main" xmlns="" id="{C7AE7B13-98DE-451E-A7B7-9679211DEFEF}"/>
+                <a16:creationId xmlns:a16="http://schemas.microsoft.com/office/drawing/2014/main" id="{C7AE7B13-98DE-451E-A7B7-9679211DEFEF}"/>
               </a:ext>
             </a:extLst>
           </p:cNvPr>
@@ -6406,7 +6406,7 @@
           <p:cNvPr id="12" name="TextBox 11">
             <a:extLst>
               <a:ext uri="{FF2B5EF4-FFF2-40B4-BE49-F238E27FC236}">
-                <a16:creationId xmlns:a16="http://schemas.microsoft.com/office/drawing/2014/main" xmlns="" id="{B31DCA54-54B8-4A6E-A1D7-C22E21207B4C}"/>
+                <a16:creationId xmlns:a16="http://schemas.microsoft.com/office/drawing/2014/main" id="{B31DCA54-54B8-4A6E-A1D7-C22E21207B4C}"/>
               </a:ext>
             </a:extLst>
           </p:cNvPr>
@@ -6441,7 +6441,7 @@
           <p:cNvPr id="13" name="TextBox 12">
             <a:extLst>
               <a:ext uri="{FF2B5EF4-FFF2-40B4-BE49-F238E27FC236}">
-                <a16:creationId xmlns:a16="http://schemas.microsoft.com/office/drawing/2014/main" xmlns="" id="{07ECD308-15DE-4EE9-9792-EB9D2B469122}"/>
+                <a16:creationId xmlns:a16="http://schemas.microsoft.com/office/drawing/2014/main" id="{07ECD308-15DE-4EE9-9792-EB9D2B469122}"/>
               </a:ext>
             </a:extLst>
           </p:cNvPr>
@@ -6476,7 +6476,7 @@
           <p:cNvPr id="14" name="TextBox 13">
             <a:extLst>
               <a:ext uri="{FF2B5EF4-FFF2-40B4-BE49-F238E27FC236}">
-                <a16:creationId xmlns:a16="http://schemas.microsoft.com/office/drawing/2014/main" xmlns="" id="{198D2B87-0E92-4293-8317-F0E47FA6320C}"/>
+                <a16:creationId xmlns:a16="http://schemas.microsoft.com/office/drawing/2014/main" id="{198D2B87-0E92-4293-8317-F0E47FA6320C}"/>
               </a:ext>
             </a:extLst>
           </p:cNvPr>
@@ -6511,7 +6511,7 @@
           <p:cNvPr id="16" name="Straight Arrow Connector 15">
             <a:extLst>
               <a:ext uri="{FF2B5EF4-FFF2-40B4-BE49-F238E27FC236}">
-                <a16:creationId xmlns:a16="http://schemas.microsoft.com/office/drawing/2014/main" xmlns="" id="{CAD1505F-1341-4EBC-98EC-B86F01DAA206}"/>
+                <a16:creationId xmlns:a16="http://schemas.microsoft.com/office/drawing/2014/main" id="{CAD1505F-1341-4EBC-98EC-B86F01DAA206}"/>
               </a:ext>
             </a:extLst>
           </p:cNvPr>
@@ -6550,7 +6550,7 @@
           <p:cNvPr id="17" name="Straight Arrow Connector 16">
             <a:extLst>
               <a:ext uri="{FF2B5EF4-FFF2-40B4-BE49-F238E27FC236}">
-                <a16:creationId xmlns:a16="http://schemas.microsoft.com/office/drawing/2014/main" xmlns="" id="{41437FCA-0489-4A93-9EA1-0E355B67EBAD}"/>
+                <a16:creationId xmlns:a16="http://schemas.microsoft.com/office/drawing/2014/main" id="{41437FCA-0489-4A93-9EA1-0E355B67EBAD}"/>
               </a:ext>
             </a:extLst>
           </p:cNvPr>
@@ -6592,7 +6592,7 @@
           <p:cNvPr id="19" name="Straight Arrow Connector 18">
             <a:extLst>
               <a:ext uri="{FF2B5EF4-FFF2-40B4-BE49-F238E27FC236}">
-                <a16:creationId xmlns:a16="http://schemas.microsoft.com/office/drawing/2014/main" xmlns="" id="{B4B4A916-9F19-45DD-94B6-712E0AAEC3BB}"/>
+                <a16:creationId xmlns:a16="http://schemas.microsoft.com/office/drawing/2014/main" id="{B4B4A916-9F19-45DD-94B6-712E0AAEC3BB}"/>
               </a:ext>
             </a:extLst>
           </p:cNvPr>
@@ -6633,7 +6633,7 @@
           <p:cNvPr id="20" name="Straight Arrow Connector 19">
             <a:extLst>
               <a:ext uri="{FF2B5EF4-FFF2-40B4-BE49-F238E27FC236}">
-                <a16:creationId xmlns:a16="http://schemas.microsoft.com/office/drawing/2014/main" xmlns="" id="{48D68B77-C404-443E-AC35-B169B7A2862B}"/>
+                <a16:creationId xmlns:a16="http://schemas.microsoft.com/office/drawing/2014/main" id="{48D68B77-C404-443E-AC35-B169B7A2862B}"/>
               </a:ext>
             </a:extLst>
           </p:cNvPr>
@@ -6674,7 +6674,7 @@
           <p:cNvPr id="21" name="Straight Arrow Connector 20">
             <a:extLst>
               <a:ext uri="{FF2B5EF4-FFF2-40B4-BE49-F238E27FC236}">
-                <a16:creationId xmlns:a16="http://schemas.microsoft.com/office/drawing/2014/main" xmlns="" id="{BCBBC2B7-26CF-4A3B-B2E1-931A8771EA2D}"/>
+                <a16:creationId xmlns:a16="http://schemas.microsoft.com/office/drawing/2014/main" id="{BCBBC2B7-26CF-4A3B-B2E1-931A8771EA2D}"/>
               </a:ext>
             </a:extLst>
           </p:cNvPr>
@@ -6715,7 +6715,7 @@
           <p:cNvPr id="22" name="Straight Arrow Connector 21">
             <a:extLst>
               <a:ext uri="{FF2B5EF4-FFF2-40B4-BE49-F238E27FC236}">
-                <a16:creationId xmlns:a16="http://schemas.microsoft.com/office/drawing/2014/main" xmlns="" id="{FEA8050E-6422-44C2-9B68-0AF04676375E}"/>
+                <a16:creationId xmlns:a16="http://schemas.microsoft.com/office/drawing/2014/main" id="{FEA8050E-6422-44C2-9B68-0AF04676375E}"/>
               </a:ext>
             </a:extLst>
           </p:cNvPr>
@@ -6756,7 +6756,7 @@
           <p:cNvPr id="23" name="Straight Arrow Connector 22">
             <a:extLst>
               <a:ext uri="{FF2B5EF4-FFF2-40B4-BE49-F238E27FC236}">
-                <a16:creationId xmlns:a16="http://schemas.microsoft.com/office/drawing/2014/main" xmlns="" id="{6C6083B2-59A5-4F8D-821F-9CAAC13DC964}"/>
+                <a16:creationId xmlns:a16="http://schemas.microsoft.com/office/drawing/2014/main" id="{6C6083B2-59A5-4F8D-821F-9CAAC13DC964}"/>
               </a:ext>
             </a:extLst>
           </p:cNvPr>
@@ -6799,7 +6799,7 @@
           <p:cNvPr id="28" name="Straight Arrow Connector 27">
             <a:extLst>
               <a:ext uri="{FF2B5EF4-FFF2-40B4-BE49-F238E27FC236}">
-                <a16:creationId xmlns:a16="http://schemas.microsoft.com/office/drawing/2014/main" xmlns="" id="{2D70DE12-2334-4B10-9F45-841587FCD4CD}"/>
+                <a16:creationId xmlns:a16="http://schemas.microsoft.com/office/drawing/2014/main" id="{2D70DE12-2334-4B10-9F45-841587FCD4CD}"/>
               </a:ext>
             </a:extLst>
           </p:cNvPr>
@@ -6840,7 +6840,7 @@
           <p:cNvPr id="29" name="Straight Arrow Connector 28">
             <a:extLst>
               <a:ext uri="{FF2B5EF4-FFF2-40B4-BE49-F238E27FC236}">
-                <a16:creationId xmlns:a16="http://schemas.microsoft.com/office/drawing/2014/main" xmlns="" id="{E73C5F05-5520-46D1-95D7-161591915C2B}"/>
+                <a16:creationId xmlns:a16="http://schemas.microsoft.com/office/drawing/2014/main" id="{E73C5F05-5520-46D1-95D7-161591915C2B}"/>
               </a:ext>
             </a:extLst>
           </p:cNvPr>
@@ -6881,7 +6881,7 @@
           <p:cNvPr id="30" name="Straight Arrow Connector 29">
             <a:extLst>
               <a:ext uri="{FF2B5EF4-FFF2-40B4-BE49-F238E27FC236}">
-                <a16:creationId xmlns:a16="http://schemas.microsoft.com/office/drawing/2014/main" xmlns="" id="{0888F945-405D-4E3F-BC0F-144BFC766F96}"/>
+                <a16:creationId xmlns:a16="http://schemas.microsoft.com/office/drawing/2014/main" id="{0888F945-405D-4E3F-BC0F-144BFC766F96}"/>
               </a:ext>
             </a:extLst>
           </p:cNvPr>
@@ -6922,7 +6922,7 @@
           <p:cNvPr id="31" name="Straight Arrow Connector 30">
             <a:extLst>
               <a:ext uri="{FF2B5EF4-FFF2-40B4-BE49-F238E27FC236}">
-                <a16:creationId xmlns:a16="http://schemas.microsoft.com/office/drawing/2014/main" xmlns="" id="{9BF50DBE-B764-45CF-B2B4-1558795639A7}"/>
+                <a16:creationId xmlns:a16="http://schemas.microsoft.com/office/drawing/2014/main" id="{9BF50DBE-B764-45CF-B2B4-1558795639A7}"/>
               </a:ext>
             </a:extLst>
           </p:cNvPr>
@@ -6963,7 +6963,7 @@
           <p:cNvPr id="32" name="Straight Arrow Connector 31">
             <a:extLst>
               <a:ext uri="{FF2B5EF4-FFF2-40B4-BE49-F238E27FC236}">
-                <a16:creationId xmlns:a16="http://schemas.microsoft.com/office/drawing/2014/main" xmlns="" id="{A54C6FE5-3ED5-4509-ADB1-A1C8E165475F}"/>
+                <a16:creationId xmlns:a16="http://schemas.microsoft.com/office/drawing/2014/main" id="{A54C6FE5-3ED5-4509-ADB1-A1C8E165475F}"/>
               </a:ext>
             </a:extLst>
           </p:cNvPr>
@@ -7004,7 +7004,7 @@
           <p:cNvPr id="34" name="Rectangle: Rounded Corners 33">
             <a:extLst>
               <a:ext uri="{FF2B5EF4-FFF2-40B4-BE49-F238E27FC236}">
-                <a16:creationId xmlns:a16="http://schemas.microsoft.com/office/drawing/2014/main" xmlns="" id="{94F3A193-70EB-4D76-92B1-AE430DDBED34}"/>
+                <a16:creationId xmlns:a16="http://schemas.microsoft.com/office/drawing/2014/main" id="{94F3A193-70EB-4D76-92B1-AE430DDBED34}"/>
               </a:ext>
             </a:extLst>
           </p:cNvPr>
@@ -7060,7 +7060,7 @@
           <p:cNvPr id="35" name="Rectangle: Rounded Corners 34">
             <a:extLst>
               <a:ext uri="{FF2B5EF4-FFF2-40B4-BE49-F238E27FC236}">
-                <a16:creationId xmlns:a16="http://schemas.microsoft.com/office/drawing/2014/main" xmlns="" id="{10E90756-F749-4FE3-A061-3270921C4259}"/>
+                <a16:creationId xmlns:a16="http://schemas.microsoft.com/office/drawing/2014/main" id="{10E90756-F749-4FE3-A061-3270921C4259}"/>
               </a:ext>
             </a:extLst>
           </p:cNvPr>
@@ -7116,7 +7116,7 @@
           <p:cNvPr id="36" name="Rectangle: Rounded Corners 35">
             <a:extLst>
               <a:ext uri="{FF2B5EF4-FFF2-40B4-BE49-F238E27FC236}">
-                <a16:creationId xmlns:a16="http://schemas.microsoft.com/office/drawing/2014/main" xmlns="" id="{E8573890-4F6E-499A-B59C-69276790FBAE}"/>
+                <a16:creationId xmlns:a16="http://schemas.microsoft.com/office/drawing/2014/main" id="{E8573890-4F6E-499A-B59C-69276790FBAE}"/>
               </a:ext>
             </a:extLst>
           </p:cNvPr>
@@ -7172,7 +7172,7 @@
           <p:cNvPr id="37" name="Rectangle: Rounded Corners 36">
             <a:extLst>
               <a:ext uri="{FF2B5EF4-FFF2-40B4-BE49-F238E27FC236}">
-                <a16:creationId xmlns:a16="http://schemas.microsoft.com/office/drawing/2014/main" xmlns="" id="{5CF50304-F9A7-4CFF-A73F-A01CF0402B77}"/>
+                <a16:creationId xmlns:a16="http://schemas.microsoft.com/office/drawing/2014/main" id="{5CF50304-F9A7-4CFF-A73F-A01CF0402B77}"/>
               </a:ext>
             </a:extLst>
           </p:cNvPr>
@@ -7228,7 +7228,7 @@
           <p:cNvPr id="38" name="Rectangle: Rounded Corners 37">
             <a:extLst>
               <a:ext uri="{FF2B5EF4-FFF2-40B4-BE49-F238E27FC236}">
-                <a16:creationId xmlns:a16="http://schemas.microsoft.com/office/drawing/2014/main" xmlns="" id="{790C8837-9486-4D59-9299-4DAB3423D000}"/>
+                <a16:creationId xmlns:a16="http://schemas.microsoft.com/office/drawing/2014/main" id="{790C8837-9486-4D59-9299-4DAB3423D000}"/>
               </a:ext>
             </a:extLst>
           </p:cNvPr>
@@ -7284,7 +7284,7 @@
           <p:cNvPr id="39" name="Rectangle: Rounded Corners 38">
             <a:extLst>
               <a:ext uri="{FF2B5EF4-FFF2-40B4-BE49-F238E27FC236}">
-                <a16:creationId xmlns:a16="http://schemas.microsoft.com/office/drawing/2014/main" xmlns="" id="{0E37DD49-6775-444A-9F58-43FC8A77CC1A}"/>
+                <a16:creationId xmlns:a16="http://schemas.microsoft.com/office/drawing/2014/main" id="{0E37DD49-6775-444A-9F58-43FC8A77CC1A}"/>
               </a:ext>
             </a:extLst>
           </p:cNvPr>
@@ -7343,7 +7343,7 @@
           <p:cNvPr id="42" name="Straight Arrow Connector 41">
             <a:extLst>
               <a:ext uri="{FF2B5EF4-FFF2-40B4-BE49-F238E27FC236}">
-                <a16:creationId xmlns:a16="http://schemas.microsoft.com/office/drawing/2014/main" xmlns="" id="{DD6C188E-BBA2-4E8D-9F33-F3C6D7746BA8}"/>
+                <a16:creationId xmlns:a16="http://schemas.microsoft.com/office/drawing/2014/main" id="{DD6C188E-BBA2-4E8D-9F33-F3C6D7746BA8}"/>
               </a:ext>
             </a:extLst>
           </p:cNvPr>
@@ -7385,7 +7385,7 @@
           <p:cNvPr id="43" name="Straight Arrow Connector 42">
             <a:extLst>
               <a:ext uri="{FF2B5EF4-FFF2-40B4-BE49-F238E27FC236}">
-                <a16:creationId xmlns:a16="http://schemas.microsoft.com/office/drawing/2014/main" xmlns="" id="{93D99B21-2F4E-4B67-BB26-2BCB781D7584}"/>
+                <a16:creationId xmlns:a16="http://schemas.microsoft.com/office/drawing/2014/main" id="{93D99B21-2F4E-4B67-BB26-2BCB781D7584}"/>
               </a:ext>
             </a:extLst>
           </p:cNvPr>
@@ -7426,7 +7426,7 @@
           <p:cNvPr id="44" name="Straight Arrow Connector 43">
             <a:extLst>
               <a:ext uri="{FF2B5EF4-FFF2-40B4-BE49-F238E27FC236}">
-                <a16:creationId xmlns:a16="http://schemas.microsoft.com/office/drawing/2014/main" xmlns="" id="{EFB76A24-A05A-4BBF-A818-E52DF5D6E287}"/>
+                <a16:creationId xmlns:a16="http://schemas.microsoft.com/office/drawing/2014/main" id="{EFB76A24-A05A-4BBF-A818-E52DF5D6E287}"/>
               </a:ext>
             </a:extLst>
           </p:cNvPr>
@@ -7467,7 +7467,7 @@
           <p:cNvPr id="45" name="Straight Arrow Connector 44">
             <a:extLst>
               <a:ext uri="{FF2B5EF4-FFF2-40B4-BE49-F238E27FC236}">
-                <a16:creationId xmlns:a16="http://schemas.microsoft.com/office/drawing/2014/main" xmlns="" id="{9C8718E4-C645-46F2-BC3C-1E8C42909DC6}"/>
+                <a16:creationId xmlns:a16="http://schemas.microsoft.com/office/drawing/2014/main" id="{9C8718E4-C645-46F2-BC3C-1E8C42909DC6}"/>
               </a:ext>
             </a:extLst>
           </p:cNvPr>
@@ -7509,7 +7509,7 @@
           <p:cNvPr id="47" name="TextBox 46">
             <a:extLst>
               <a:ext uri="{FF2B5EF4-FFF2-40B4-BE49-F238E27FC236}">
-                <a16:creationId xmlns:a16="http://schemas.microsoft.com/office/drawing/2014/main" xmlns="" id="{EDCDAC0B-C1D4-4E26-B617-B6351702C2C5}"/>
+                <a16:creationId xmlns:a16="http://schemas.microsoft.com/office/drawing/2014/main" id="{EDCDAC0B-C1D4-4E26-B617-B6351702C2C5}"/>
               </a:ext>
             </a:extLst>
           </p:cNvPr>
@@ -7544,7 +7544,7 @@
           <p:cNvPr id="48" name="TextBox 47">
             <a:extLst>
               <a:ext uri="{FF2B5EF4-FFF2-40B4-BE49-F238E27FC236}">
-                <a16:creationId xmlns:a16="http://schemas.microsoft.com/office/drawing/2014/main" xmlns="" id="{E08CA946-35F9-4DAA-9F33-2D48D22A4FDB}"/>
+                <a16:creationId xmlns:a16="http://schemas.microsoft.com/office/drawing/2014/main" id="{E08CA946-35F9-4DAA-9F33-2D48D22A4FDB}"/>
               </a:ext>
             </a:extLst>
           </p:cNvPr>
@@ -7579,7 +7579,7 @@
           <p:cNvPr id="49" name="TextBox 48">
             <a:extLst>
               <a:ext uri="{FF2B5EF4-FFF2-40B4-BE49-F238E27FC236}">
-                <a16:creationId xmlns:a16="http://schemas.microsoft.com/office/drawing/2014/main" xmlns="" id="{95B61A25-AB36-4516-984F-A555E7EC59E9}"/>
+                <a16:creationId xmlns:a16="http://schemas.microsoft.com/office/drawing/2014/main" id="{95B61A25-AB36-4516-984F-A555E7EC59E9}"/>
               </a:ext>
             </a:extLst>
           </p:cNvPr>
@@ -7614,7 +7614,7 @@
           <p:cNvPr id="50" name="TextBox 49">
             <a:extLst>
               <a:ext uri="{FF2B5EF4-FFF2-40B4-BE49-F238E27FC236}">
-                <a16:creationId xmlns:a16="http://schemas.microsoft.com/office/drawing/2014/main" xmlns="" id="{34B4AD24-6EE8-4099-9D86-59BA91728BDC}"/>
+                <a16:creationId xmlns:a16="http://schemas.microsoft.com/office/drawing/2014/main" id="{34B4AD24-6EE8-4099-9D86-59BA91728BDC}"/>
               </a:ext>
             </a:extLst>
           </p:cNvPr>
@@ -7649,7 +7649,7 @@
           <p:cNvPr id="51" name="TextBox 50">
             <a:extLst>
               <a:ext uri="{FF2B5EF4-FFF2-40B4-BE49-F238E27FC236}">
-                <a16:creationId xmlns:a16="http://schemas.microsoft.com/office/drawing/2014/main" xmlns="" id="{D1B8EB08-3F04-439A-BF8B-1F4A78A28793}"/>
+                <a16:creationId xmlns:a16="http://schemas.microsoft.com/office/drawing/2014/main" id="{D1B8EB08-3F04-439A-BF8B-1F4A78A28793}"/>
               </a:ext>
             </a:extLst>
           </p:cNvPr>
@@ -7684,7 +7684,7 @@
           <p:cNvPr id="53" name="TextBox 52">
             <a:extLst>
               <a:ext uri="{FF2B5EF4-FFF2-40B4-BE49-F238E27FC236}">
-                <a16:creationId xmlns:a16="http://schemas.microsoft.com/office/drawing/2014/main" xmlns="" id="{E287DFCA-712C-4D8E-A92D-5185DCF8C889}"/>
+                <a16:creationId xmlns:a16="http://schemas.microsoft.com/office/drawing/2014/main" id="{E287DFCA-712C-4D8E-A92D-5185DCF8C889}"/>
               </a:ext>
             </a:extLst>
           </p:cNvPr>
@@ -7725,7 +7725,7 @@
           <p:cNvPr id="61" name="Connector: Elbow 60">
             <a:extLst>
               <a:ext uri="{FF2B5EF4-FFF2-40B4-BE49-F238E27FC236}">
-                <a16:creationId xmlns:a16="http://schemas.microsoft.com/office/drawing/2014/main" xmlns="" id="{89E67229-5ECB-4CB9-A05F-0C0BA8164C90}"/>
+                <a16:creationId xmlns:a16="http://schemas.microsoft.com/office/drawing/2014/main" id="{89E67229-5ECB-4CB9-A05F-0C0BA8164C90}"/>
               </a:ext>
             </a:extLst>
           </p:cNvPr>
@@ -7773,7 +7773,7 @@
           <p:cNvPr id="54" name="Rectangle: Rounded Corners 53">
             <a:extLst>
               <a:ext uri="{FF2B5EF4-FFF2-40B4-BE49-F238E27FC236}">
-                <a16:creationId xmlns:a16="http://schemas.microsoft.com/office/drawing/2014/main" xmlns="" id="{DD863BE4-1932-4E03-823B-70CC195DE697}"/>
+                <a16:creationId xmlns:a16="http://schemas.microsoft.com/office/drawing/2014/main" id="{DD863BE4-1932-4E03-823B-70CC195DE697}"/>
               </a:ext>
             </a:extLst>
           </p:cNvPr>
@@ -7828,7 +7828,7 @@
           <p:cNvPr id="59" name="TextBox 58">
             <a:extLst>
               <a:ext uri="{FF2B5EF4-FFF2-40B4-BE49-F238E27FC236}">
-                <a16:creationId xmlns:a16="http://schemas.microsoft.com/office/drawing/2014/main" xmlns="" id="{97C575B5-D9D1-4C9D-B546-2B4349BA0D63}"/>
+                <a16:creationId xmlns:a16="http://schemas.microsoft.com/office/drawing/2014/main" id="{97C575B5-D9D1-4C9D-B546-2B4349BA0D63}"/>
               </a:ext>
             </a:extLst>
           </p:cNvPr>
@@ -7863,7 +7863,7 @@
           <p:cNvPr id="71" name="Straight Arrow Connector 70">
             <a:extLst>
               <a:ext uri="{FF2B5EF4-FFF2-40B4-BE49-F238E27FC236}">
-                <a16:creationId xmlns:a16="http://schemas.microsoft.com/office/drawing/2014/main" xmlns="" id="{730BFB8A-A40A-4E34-B150-2CE8F7C6FA58}"/>
+                <a16:creationId xmlns:a16="http://schemas.microsoft.com/office/drawing/2014/main" id="{730BFB8A-A40A-4E34-B150-2CE8F7C6FA58}"/>
               </a:ext>
             </a:extLst>
           </p:cNvPr>
@@ -7906,7 +7906,7 @@
           <p:cNvPr id="73" name="Straight Arrow Connector 72">
             <a:extLst>
               <a:ext uri="{FF2B5EF4-FFF2-40B4-BE49-F238E27FC236}">
-                <a16:creationId xmlns:a16="http://schemas.microsoft.com/office/drawing/2014/main" xmlns="" id="{AEA0EED6-E661-431A-BF4A-006793D3489E}"/>
+                <a16:creationId xmlns:a16="http://schemas.microsoft.com/office/drawing/2014/main" id="{AEA0EED6-E661-431A-BF4A-006793D3489E}"/>
               </a:ext>
             </a:extLst>
           </p:cNvPr>
@@ -7954,7 +7954,7 @@
           <p:cNvPr id="62" name="Rectangle: Rounded Corners 61">
             <a:extLst>
               <a:ext uri="{FF2B5EF4-FFF2-40B4-BE49-F238E27FC236}">
-                <a16:creationId xmlns:a16="http://schemas.microsoft.com/office/drawing/2014/main" xmlns="" id="{4071FB92-52BA-4047-9C3B-0DF356EA2D96}"/>
+                <a16:creationId xmlns:a16="http://schemas.microsoft.com/office/drawing/2014/main" id="{4071FB92-52BA-4047-9C3B-0DF356EA2D96}"/>
               </a:ext>
             </a:extLst>
           </p:cNvPr>
@@ -8009,7 +8009,7 @@
           <p:cNvPr id="63" name="TextBox 62">
             <a:extLst>
               <a:ext uri="{FF2B5EF4-FFF2-40B4-BE49-F238E27FC236}">
-                <a16:creationId xmlns:a16="http://schemas.microsoft.com/office/drawing/2014/main" xmlns="" id="{299D6269-D8D6-4229-A1DB-F2E4DC0C7276}"/>
+                <a16:creationId xmlns:a16="http://schemas.microsoft.com/office/drawing/2014/main" id="{299D6269-D8D6-4229-A1DB-F2E4DC0C7276}"/>
               </a:ext>
             </a:extLst>
           </p:cNvPr>
@@ -8044,7 +8044,7 @@
           <p:cNvPr id="64" name="Rectangle: Rounded Corners 63">
             <a:extLst>
               <a:ext uri="{FF2B5EF4-FFF2-40B4-BE49-F238E27FC236}">
-                <a16:creationId xmlns:a16="http://schemas.microsoft.com/office/drawing/2014/main" xmlns="" id="{6E2EDC82-6CF2-4C59-A6F0-1E17DE428D4E}"/>
+                <a16:creationId xmlns:a16="http://schemas.microsoft.com/office/drawing/2014/main" id="{6E2EDC82-6CF2-4C59-A6F0-1E17DE428D4E}"/>
               </a:ext>
             </a:extLst>
           </p:cNvPr>
@@ -8099,7 +8099,7 @@
           <p:cNvPr id="65" name="TextBox 64">
             <a:extLst>
               <a:ext uri="{FF2B5EF4-FFF2-40B4-BE49-F238E27FC236}">
-                <a16:creationId xmlns:a16="http://schemas.microsoft.com/office/drawing/2014/main" xmlns="" id="{34655745-09A1-4EC1-B01D-9DB06BF0AF4F}"/>
+                <a16:creationId xmlns:a16="http://schemas.microsoft.com/office/drawing/2014/main" id="{34655745-09A1-4EC1-B01D-9DB06BF0AF4F}"/>
               </a:ext>
             </a:extLst>
           </p:cNvPr>
@@ -8134,7 +8134,7 @@
           <p:cNvPr id="66" name="Rectangle: Rounded Corners 65">
             <a:extLst>
               <a:ext uri="{FF2B5EF4-FFF2-40B4-BE49-F238E27FC236}">
-                <a16:creationId xmlns:a16="http://schemas.microsoft.com/office/drawing/2014/main" xmlns="" id="{F7FC58C9-59CA-4A53-BCB8-073F5897C06F}"/>
+                <a16:creationId xmlns:a16="http://schemas.microsoft.com/office/drawing/2014/main" id="{F7FC58C9-59CA-4A53-BCB8-073F5897C06F}"/>
               </a:ext>
             </a:extLst>
           </p:cNvPr>
@@ -8189,7 +8189,7 @@
           <p:cNvPr id="67" name="TextBox 66">
             <a:extLst>
               <a:ext uri="{FF2B5EF4-FFF2-40B4-BE49-F238E27FC236}">
-                <a16:creationId xmlns:a16="http://schemas.microsoft.com/office/drawing/2014/main" xmlns="" id="{29483802-D635-4643-87AC-2A50287CAC69}"/>
+                <a16:creationId xmlns:a16="http://schemas.microsoft.com/office/drawing/2014/main" id="{29483802-D635-4643-87AC-2A50287CAC69}"/>
               </a:ext>
             </a:extLst>
           </p:cNvPr>
@@ -8224,7 +8224,7 @@
           <p:cNvPr id="68" name="Rectangle: Rounded Corners 67">
             <a:extLst>
               <a:ext uri="{FF2B5EF4-FFF2-40B4-BE49-F238E27FC236}">
-                <a16:creationId xmlns:a16="http://schemas.microsoft.com/office/drawing/2014/main" xmlns="" id="{6E26FF03-D8CC-4691-96A6-ABD1FF5DAA00}"/>
+                <a16:creationId xmlns:a16="http://schemas.microsoft.com/office/drawing/2014/main" id="{6E26FF03-D8CC-4691-96A6-ABD1FF5DAA00}"/>
               </a:ext>
             </a:extLst>
           </p:cNvPr>
@@ -8279,7 +8279,7 @@
           <p:cNvPr id="69" name="TextBox 68">
             <a:extLst>
               <a:ext uri="{FF2B5EF4-FFF2-40B4-BE49-F238E27FC236}">
-                <a16:creationId xmlns:a16="http://schemas.microsoft.com/office/drawing/2014/main" xmlns="" id="{88B6451C-D866-4ED4-92D4-6C12BCFE1AFC}"/>
+                <a16:creationId xmlns:a16="http://schemas.microsoft.com/office/drawing/2014/main" id="{88B6451C-D866-4ED4-92D4-6C12BCFE1AFC}"/>
               </a:ext>
             </a:extLst>
           </p:cNvPr>
@@ -8314,7 +8314,7 @@
           <p:cNvPr id="72" name="Rectangle: Rounded Corners 71">
             <a:extLst>
               <a:ext uri="{FF2B5EF4-FFF2-40B4-BE49-F238E27FC236}">
-                <a16:creationId xmlns:a16="http://schemas.microsoft.com/office/drawing/2014/main" xmlns="" id="{36E20ECB-B114-47EE-9587-795EA9ED08AF}"/>
+                <a16:creationId xmlns:a16="http://schemas.microsoft.com/office/drawing/2014/main" id="{36E20ECB-B114-47EE-9587-795EA9ED08AF}"/>
               </a:ext>
             </a:extLst>
           </p:cNvPr>
@@ -8369,7 +8369,7 @@
           <p:cNvPr id="74" name="TextBox 73">
             <a:extLst>
               <a:ext uri="{FF2B5EF4-FFF2-40B4-BE49-F238E27FC236}">
-                <a16:creationId xmlns:a16="http://schemas.microsoft.com/office/drawing/2014/main" xmlns="" id="{A64908D9-F1C5-4A11-89D8-C3DD4B5B79A3}"/>
+                <a16:creationId xmlns:a16="http://schemas.microsoft.com/office/drawing/2014/main" id="{A64908D9-F1C5-4A11-89D8-C3DD4B5B79A3}"/>
               </a:ext>
             </a:extLst>
           </p:cNvPr>
@@ -8404,7 +8404,7 @@
           <p:cNvPr id="76" name="Straight Arrow Connector 75">
             <a:extLst>
               <a:ext uri="{FF2B5EF4-FFF2-40B4-BE49-F238E27FC236}">
-                <a16:creationId xmlns:a16="http://schemas.microsoft.com/office/drawing/2014/main" xmlns="" id="{F80DF57C-EFF2-46C4-A5B2-A696AE1CFEE9}"/>
+                <a16:creationId xmlns:a16="http://schemas.microsoft.com/office/drawing/2014/main" id="{F80DF57C-EFF2-46C4-A5B2-A696AE1CFEE9}"/>
               </a:ext>
             </a:extLst>
           </p:cNvPr>
@@ -8453,7 +8453,7 @@
           <p:cNvPr id="79" name="Straight Arrow Connector 78">
             <a:extLst>
               <a:ext uri="{FF2B5EF4-FFF2-40B4-BE49-F238E27FC236}">
-                <a16:creationId xmlns:a16="http://schemas.microsoft.com/office/drawing/2014/main" xmlns="" id="{2F83113E-B0E8-493B-A137-904E3221D105}"/>
+                <a16:creationId xmlns:a16="http://schemas.microsoft.com/office/drawing/2014/main" id="{2F83113E-B0E8-493B-A137-904E3221D105}"/>
               </a:ext>
             </a:extLst>
           </p:cNvPr>
@@ -8502,7 +8502,7 @@
           <p:cNvPr id="83" name="Straight Arrow Connector 82">
             <a:extLst>
               <a:ext uri="{FF2B5EF4-FFF2-40B4-BE49-F238E27FC236}">
-                <a16:creationId xmlns:a16="http://schemas.microsoft.com/office/drawing/2014/main" xmlns="" id="{90280651-2EE6-4BB5-8A36-D743C539FCA3}"/>
+                <a16:creationId xmlns:a16="http://schemas.microsoft.com/office/drawing/2014/main" id="{90280651-2EE6-4BB5-8A36-D743C539FCA3}"/>
               </a:ext>
             </a:extLst>
           </p:cNvPr>
@@ -8550,7 +8550,7 @@
           <p:cNvPr id="87" name="Straight Arrow Connector 86">
             <a:extLst>
               <a:ext uri="{FF2B5EF4-FFF2-40B4-BE49-F238E27FC236}">
-                <a16:creationId xmlns:a16="http://schemas.microsoft.com/office/drawing/2014/main" xmlns="" id="{7F47418A-2C2A-408F-9001-4ECA2C235DB7}"/>
+                <a16:creationId xmlns:a16="http://schemas.microsoft.com/office/drawing/2014/main" id="{7F47418A-2C2A-408F-9001-4ECA2C235DB7}"/>
               </a:ext>
             </a:extLst>
           </p:cNvPr>
@@ -8599,7 +8599,7 @@
           <p:cNvPr id="89" name="Straight Arrow Connector 88">
             <a:extLst>
               <a:ext uri="{FF2B5EF4-FFF2-40B4-BE49-F238E27FC236}">
-                <a16:creationId xmlns:a16="http://schemas.microsoft.com/office/drawing/2014/main" xmlns="" id="{7DEE1DAE-401A-4DA7-A82F-E4A9C8BA4EB9}"/>
+                <a16:creationId xmlns:a16="http://schemas.microsoft.com/office/drawing/2014/main" id="{7DEE1DAE-401A-4DA7-A82F-E4A9C8BA4EB9}"/>
               </a:ext>
             </a:extLst>
           </p:cNvPr>
@@ -8648,7 +8648,7 @@
           <p:cNvPr id="99" name="Oval 98">
             <a:extLst>
               <a:ext uri="{FF2B5EF4-FFF2-40B4-BE49-F238E27FC236}">
-                <a16:creationId xmlns:a16="http://schemas.microsoft.com/office/drawing/2014/main" xmlns="" id="{64B931DD-CC3F-458D-9DF6-4FCE6E515463}"/>
+                <a16:creationId xmlns:a16="http://schemas.microsoft.com/office/drawing/2014/main" id="{64B931DD-CC3F-458D-9DF6-4FCE6E515463}"/>
               </a:ext>
             </a:extLst>
           </p:cNvPr>
@@ -8697,7 +8697,7 @@
           <p:cNvPr id="107" name="Straight Arrow Connector 106">
             <a:extLst>
               <a:ext uri="{FF2B5EF4-FFF2-40B4-BE49-F238E27FC236}">
-                <a16:creationId xmlns:a16="http://schemas.microsoft.com/office/drawing/2014/main" xmlns="" id="{2C959F5F-1DAA-4545-86B8-94F732D7D0B6}"/>
+                <a16:creationId xmlns:a16="http://schemas.microsoft.com/office/drawing/2014/main" id="{2C959F5F-1DAA-4545-86B8-94F732D7D0B6}"/>
               </a:ext>
             </a:extLst>
           </p:cNvPr>
@@ -8739,7 +8739,7 @@
           <p:cNvPr id="115" name="TextBox 114">
             <a:extLst>
               <a:ext uri="{FF2B5EF4-FFF2-40B4-BE49-F238E27FC236}">
-                <a16:creationId xmlns:a16="http://schemas.microsoft.com/office/drawing/2014/main" xmlns="" id="{DF14C737-A78C-478F-AA9D-7F449E42CD50}"/>
+                <a16:creationId xmlns:a16="http://schemas.microsoft.com/office/drawing/2014/main" id="{DF14C737-A78C-478F-AA9D-7F449E42CD50}"/>
               </a:ext>
             </a:extLst>
           </p:cNvPr>
@@ -8774,7 +8774,7 @@
           <p:cNvPr id="116" name="Straight Arrow Connector 115">
             <a:extLst>
               <a:ext uri="{FF2B5EF4-FFF2-40B4-BE49-F238E27FC236}">
-                <a16:creationId xmlns:a16="http://schemas.microsoft.com/office/drawing/2014/main" xmlns="" id="{D343EEBF-911B-43D3-AD02-F5A2BC83D39A}"/>
+                <a16:creationId xmlns:a16="http://schemas.microsoft.com/office/drawing/2014/main" id="{D343EEBF-911B-43D3-AD02-F5A2BC83D39A}"/>
               </a:ext>
             </a:extLst>
           </p:cNvPr>
@@ -8816,7 +8816,7 @@
           <p:cNvPr id="118" name="Straight Arrow Connector 117">
             <a:extLst>
               <a:ext uri="{FF2B5EF4-FFF2-40B4-BE49-F238E27FC236}">
-                <a16:creationId xmlns:a16="http://schemas.microsoft.com/office/drawing/2014/main" xmlns="" id="{F5E3483F-3B6B-4E35-B87F-88CB9A9439E1}"/>
+                <a16:creationId xmlns:a16="http://schemas.microsoft.com/office/drawing/2014/main" id="{F5E3483F-3B6B-4E35-B87F-88CB9A9439E1}"/>
               </a:ext>
             </a:extLst>
           </p:cNvPr>
@@ -8857,7 +8857,7 @@
           <p:cNvPr id="119" name="Straight Arrow Connector 118">
             <a:extLst>
               <a:ext uri="{FF2B5EF4-FFF2-40B4-BE49-F238E27FC236}">
-                <a16:creationId xmlns:a16="http://schemas.microsoft.com/office/drawing/2014/main" xmlns="" id="{0B3274E5-EF5D-482A-A226-2686DC869430}"/>
+                <a16:creationId xmlns:a16="http://schemas.microsoft.com/office/drawing/2014/main" id="{0B3274E5-EF5D-482A-A226-2686DC869430}"/>
               </a:ext>
             </a:extLst>
           </p:cNvPr>
@@ -8898,7 +8898,7 @@
           <p:cNvPr id="120" name="Straight Arrow Connector 119">
             <a:extLst>
               <a:ext uri="{FF2B5EF4-FFF2-40B4-BE49-F238E27FC236}">
-                <a16:creationId xmlns:a16="http://schemas.microsoft.com/office/drawing/2014/main" xmlns="" id="{6C186335-86F0-4645-8941-0AD4476D7FFD}"/>
+                <a16:creationId xmlns:a16="http://schemas.microsoft.com/office/drawing/2014/main" id="{6C186335-86F0-4645-8941-0AD4476D7FFD}"/>
               </a:ext>
             </a:extLst>
           </p:cNvPr>
@@ -8939,7 +8939,7 @@
           <p:cNvPr id="121" name="Straight Arrow Connector 120">
             <a:extLst>
               <a:ext uri="{FF2B5EF4-FFF2-40B4-BE49-F238E27FC236}">
-                <a16:creationId xmlns:a16="http://schemas.microsoft.com/office/drawing/2014/main" xmlns="" id="{A9E04DF3-0887-4E42-9078-24C1E3091B38}"/>
+                <a16:creationId xmlns:a16="http://schemas.microsoft.com/office/drawing/2014/main" id="{A9E04DF3-0887-4E42-9078-24C1E3091B38}"/>
               </a:ext>
             </a:extLst>
           </p:cNvPr>
@@ -8980,7 +8980,7 @@
           <p:cNvPr id="136" name="Rectangle: Rounded Corners 135">
             <a:extLst>
               <a:ext uri="{FF2B5EF4-FFF2-40B4-BE49-F238E27FC236}">
-                <a16:creationId xmlns:a16="http://schemas.microsoft.com/office/drawing/2014/main" xmlns="" id="{2F8A7549-EA7C-4264-B330-ECCFEEC63114}"/>
+                <a16:creationId xmlns:a16="http://schemas.microsoft.com/office/drawing/2014/main" id="{2F8A7549-EA7C-4264-B330-ECCFEEC63114}"/>
               </a:ext>
             </a:extLst>
           </p:cNvPr>
@@ -9030,7 +9030,7 @@
           <p:cNvPr id="137" name="TextBox 136">
             <a:extLst>
               <a:ext uri="{FF2B5EF4-FFF2-40B4-BE49-F238E27FC236}">
-                <a16:creationId xmlns:a16="http://schemas.microsoft.com/office/drawing/2014/main" xmlns="" id="{B46B304C-115A-421D-85F0-5BFE12F2F938}"/>
+                <a16:creationId xmlns:a16="http://schemas.microsoft.com/office/drawing/2014/main" id="{B46B304C-115A-421D-85F0-5BFE12F2F938}"/>
               </a:ext>
             </a:extLst>
           </p:cNvPr>
@@ -9065,7 +9065,7 @@
           <p:cNvPr id="138" name="Rectangle: Rounded Corners 137">
             <a:extLst>
               <a:ext uri="{FF2B5EF4-FFF2-40B4-BE49-F238E27FC236}">
-                <a16:creationId xmlns:a16="http://schemas.microsoft.com/office/drawing/2014/main" xmlns="" id="{971831E1-8500-4509-80BC-D0C2EF755EBA}"/>
+                <a16:creationId xmlns:a16="http://schemas.microsoft.com/office/drawing/2014/main" id="{971831E1-8500-4509-80BC-D0C2EF755EBA}"/>
               </a:ext>
             </a:extLst>
           </p:cNvPr>
@@ -9115,7 +9115,7 @@
           <p:cNvPr id="139" name="TextBox 138">
             <a:extLst>
               <a:ext uri="{FF2B5EF4-FFF2-40B4-BE49-F238E27FC236}">
-                <a16:creationId xmlns:a16="http://schemas.microsoft.com/office/drawing/2014/main" xmlns="" id="{F7FE2079-F83B-4567-A66B-819062D12FC4}"/>
+                <a16:creationId xmlns:a16="http://schemas.microsoft.com/office/drawing/2014/main" id="{F7FE2079-F83B-4567-A66B-819062D12FC4}"/>
               </a:ext>
             </a:extLst>
           </p:cNvPr>
@@ -9180,7 +9180,7 @@
           <p:cNvPr id="33" name="Rectangle: Rounded Corners 32">
             <a:extLst>
               <a:ext uri="{FF2B5EF4-FFF2-40B4-BE49-F238E27FC236}">
-                <a16:creationId xmlns:a16="http://schemas.microsoft.com/office/drawing/2014/main" xmlns="" id="{52D972A3-F302-4452-A04E-F64AC18D1BF2}"/>
+                <a16:creationId xmlns:a16="http://schemas.microsoft.com/office/drawing/2014/main" id="{52D972A3-F302-4452-A04E-F64AC18D1BF2}"/>
               </a:ext>
             </a:extLst>
           </p:cNvPr>
@@ -9236,7 +9236,7 @@
           <p:cNvPr id="2" name="Rectangle: Rounded Corners 1">
             <a:extLst>
               <a:ext uri="{FF2B5EF4-FFF2-40B4-BE49-F238E27FC236}">
-                <a16:creationId xmlns:a16="http://schemas.microsoft.com/office/drawing/2014/main" xmlns="" id="{9E52F8D7-DBF2-4E8B-AFAA-4D56E1F02B4A}"/>
+                <a16:creationId xmlns:a16="http://schemas.microsoft.com/office/drawing/2014/main" id="{9E52F8D7-DBF2-4E8B-AFAA-4D56E1F02B4A}"/>
               </a:ext>
             </a:extLst>
           </p:cNvPr>
@@ -9292,7 +9292,7 @@
           <p:cNvPr id="3" name="Rectangle: Rounded Corners 2">
             <a:extLst>
               <a:ext uri="{FF2B5EF4-FFF2-40B4-BE49-F238E27FC236}">
-                <a16:creationId xmlns:a16="http://schemas.microsoft.com/office/drawing/2014/main" xmlns="" id="{FB9D4E79-E50D-4CE5-9BFD-639CDEA9C361}"/>
+                <a16:creationId xmlns:a16="http://schemas.microsoft.com/office/drawing/2014/main" id="{FB9D4E79-E50D-4CE5-9BFD-639CDEA9C361}"/>
               </a:ext>
             </a:extLst>
           </p:cNvPr>
@@ -9348,7 +9348,7 @@
           <p:cNvPr id="4" name="Rectangle: Rounded Corners 3">
             <a:extLst>
               <a:ext uri="{FF2B5EF4-FFF2-40B4-BE49-F238E27FC236}">
-                <a16:creationId xmlns:a16="http://schemas.microsoft.com/office/drawing/2014/main" xmlns="" id="{54FCC0BC-83C4-4EC5-8200-D3C032395413}"/>
+                <a16:creationId xmlns:a16="http://schemas.microsoft.com/office/drawing/2014/main" id="{54FCC0BC-83C4-4EC5-8200-D3C032395413}"/>
               </a:ext>
             </a:extLst>
           </p:cNvPr>
@@ -9404,7 +9404,7 @@
           <p:cNvPr id="5" name="Rectangle: Rounded Corners 4">
             <a:extLst>
               <a:ext uri="{FF2B5EF4-FFF2-40B4-BE49-F238E27FC236}">
-                <a16:creationId xmlns:a16="http://schemas.microsoft.com/office/drawing/2014/main" xmlns="" id="{B323D3DA-6C4C-483B-A265-E1648AAE9F31}"/>
+                <a16:creationId xmlns:a16="http://schemas.microsoft.com/office/drawing/2014/main" id="{B323D3DA-6C4C-483B-A265-E1648AAE9F31}"/>
               </a:ext>
             </a:extLst>
           </p:cNvPr>
@@ -9460,7 +9460,7 @@
           <p:cNvPr id="6" name="Rectangle: Rounded Corners 5">
             <a:extLst>
               <a:ext uri="{FF2B5EF4-FFF2-40B4-BE49-F238E27FC236}">
-                <a16:creationId xmlns:a16="http://schemas.microsoft.com/office/drawing/2014/main" xmlns="" id="{CE1AEA6F-E8FC-463A-87B9-B77F1A182117}"/>
+                <a16:creationId xmlns:a16="http://schemas.microsoft.com/office/drawing/2014/main" id="{CE1AEA6F-E8FC-463A-87B9-B77F1A182117}"/>
               </a:ext>
             </a:extLst>
           </p:cNvPr>
@@ -9516,7 +9516,7 @@
           <p:cNvPr id="7" name="Rectangle: Rounded Corners 6">
             <a:extLst>
               <a:ext uri="{FF2B5EF4-FFF2-40B4-BE49-F238E27FC236}">
-                <a16:creationId xmlns:a16="http://schemas.microsoft.com/office/drawing/2014/main" xmlns="" id="{7524F206-68F6-4057-96FA-0FA4B6D703E0}"/>
+                <a16:creationId xmlns:a16="http://schemas.microsoft.com/office/drawing/2014/main" id="{7524F206-68F6-4057-96FA-0FA4B6D703E0}"/>
               </a:ext>
             </a:extLst>
           </p:cNvPr>
@@ -9572,7 +9572,7 @@
           <p:cNvPr id="9" name="TextBox 8">
             <a:extLst>
               <a:ext uri="{FF2B5EF4-FFF2-40B4-BE49-F238E27FC236}">
-                <a16:creationId xmlns:a16="http://schemas.microsoft.com/office/drawing/2014/main" xmlns="" id="{67D569CC-AB6E-4AB4-A738-1D5394F64074}"/>
+                <a16:creationId xmlns:a16="http://schemas.microsoft.com/office/drawing/2014/main" id="{67D569CC-AB6E-4AB4-A738-1D5394F64074}"/>
               </a:ext>
             </a:extLst>
           </p:cNvPr>
@@ -9607,7 +9607,7 @@
           <p:cNvPr id="10" name="TextBox 9">
             <a:extLst>
               <a:ext uri="{FF2B5EF4-FFF2-40B4-BE49-F238E27FC236}">
-                <a16:creationId xmlns:a16="http://schemas.microsoft.com/office/drawing/2014/main" xmlns="" id="{74A64AAC-2133-43E2-94AE-0C3EDEA5A5D4}"/>
+                <a16:creationId xmlns:a16="http://schemas.microsoft.com/office/drawing/2014/main" id="{74A64AAC-2133-43E2-94AE-0C3EDEA5A5D4}"/>
               </a:ext>
             </a:extLst>
           </p:cNvPr>
@@ -9642,7 +9642,7 @@
           <p:cNvPr id="11" name="TextBox 10">
             <a:extLst>
               <a:ext uri="{FF2B5EF4-FFF2-40B4-BE49-F238E27FC236}">
-                <a16:creationId xmlns:a16="http://schemas.microsoft.com/office/drawing/2014/main" xmlns="" id="{C7AE7B13-98DE-451E-A7B7-9679211DEFEF}"/>
+                <a16:creationId xmlns:a16="http://schemas.microsoft.com/office/drawing/2014/main" id="{C7AE7B13-98DE-451E-A7B7-9679211DEFEF}"/>
               </a:ext>
             </a:extLst>
           </p:cNvPr>
@@ -9677,7 +9677,7 @@
           <p:cNvPr id="12" name="TextBox 11">
             <a:extLst>
               <a:ext uri="{FF2B5EF4-FFF2-40B4-BE49-F238E27FC236}">
-                <a16:creationId xmlns:a16="http://schemas.microsoft.com/office/drawing/2014/main" xmlns="" id="{B31DCA54-54B8-4A6E-A1D7-C22E21207B4C}"/>
+                <a16:creationId xmlns:a16="http://schemas.microsoft.com/office/drawing/2014/main" id="{B31DCA54-54B8-4A6E-A1D7-C22E21207B4C}"/>
               </a:ext>
             </a:extLst>
           </p:cNvPr>
@@ -9712,7 +9712,7 @@
           <p:cNvPr id="13" name="TextBox 12">
             <a:extLst>
               <a:ext uri="{FF2B5EF4-FFF2-40B4-BE49-F238E27FC236}">
-                <a16:creationId xmlns:a16="http://schemas.microsoft.com/office/drawing/2014/main" xmlns="" id="{07ECD308-15DE-4EE9-9792-EB9D2B469122}"/>
+                <a16:creationId xmlns:a16="http://schemas.microsoft.com/office/drawing/2014/main" id="{07ECD308-15DE-4EE9-9792-EB9D2B469122}"/>
               </a:ext>
             </a:extLst>
           </p:cNvPr>
@@ -9747,7 +9747,7 @@
           <p:cNvPr id="14" name="TextBox 13">
             <a:extLst>
               <a:ext uri="{FF2B5EF4-FFF2-40B4-BE49-F238E27FC236}">
-                <a16:creationId xmlns:a16="http://schemas.microsoft.com/office/drawing/2014/main" xmlns="" id="{198D2B87-0E92-4293-8317-F0E47FA6320C}"/>
+                <a16:creationId xmlns:a16="http://schemas.microsoft.com/office/drawing/2014/main" id="{198D2B87-0E92-4293-8317-F0E47FA6320C}"/>
               </a:ext>
             </a:extLst>
           </p:cNvPr>
@@ -9782,7 +9782,7 @@
           <p:cNvPr id="16" name="Straight Arrow Connector 15">
             <a:extLst>
               <a:ext uri="{FF2B5EF4-FFF2-40B4-BE49-F238E27FC236}">
-                <a16:creationId xmlns:a16="http://schemas.microsoft.com/office/drawing/2014/main" xmlns="" id="{CAD1505F-1341-4EBC-98EC-B86F01DAA206}"/>
+                <a16:creationId xmlns:a16="http://schemas.microsoft.com/office/drawing/2014/main" id="{CAD1505F-1341-4EBC-98EC-B86F01DAA206}"/>
               </a:ext>
             </a:extLst>
           </p:cNvPr>
@@ -9821,7 +9821,7 @@
           <p:cNvPr id="17" name="Straight Arrow Connector 16">
             <a:extLst>
               <a:ext uri="{FF2B5EF4-FFF2-40B4-BE49-F238E27FC236}">
-                <a16:creationId xmlns:a16="http://schemas.microsoft.com/office/drawing/2014/main" xmlns="" id="{41437FCA-0489-4A93-9EA1-0E355B67EBAD}"/>
+                <a16:creationId xmlns:a16="http://schemas.microsoft.com/office/drawing/2014/main" id="{41437FCA-0489-4A93-9EA1-0E355B67EBAD}"/>
               </a:ext>
             </a:extLst>
           </p:cNvPr>
@@ -9863,7 +9863,7 @@
           <p:cNvPr id="19" name="Straight Arrow Connector 18">
             <a:extLst>
               <a:ext uri="{FF2B5EF4-FFF2-40B4-BE49-F238E27FC236}">
-                <a16:creationId xmlns:a16="http://schemas.microsoft.com/office/drawing/2014/main" xmlns="" id="{B4B4A916-9F19-45DD-94B6-712E0AAEC3BB}"/>
+                <a16:creationId xmlns:a16="http://schemas.microsoft.com/office/drawing/2014/main" id="{B4B4A916-9F19-45DD-94B6-712E0AAEC3BB}"/>
               </a:ext>
             </a:extLst>
           </p:cNvPr>
@@ -9904,7 +9904,7 @@
           <p:cNvPr id="20" name="Straight Arrow Connector 19">
             <a:extLst>
               <a:ext uri="{FF2B5EF4-FFF2-40B4-BE49-F238E27FC236}">
-                <a16:creationId xmlns:a16="http://schemas.microsoft.com/office/drawing/2014/main" xmlns="" id="{48D68B77-C404-443E-AC35-B169B7A2862B}"/>
+                <a16:creationId xmlns:a16="http://schemas.microsoft.com/office/drawing/2014/main" id="{48D68B77-C404-443E-AC35-B169B7A2862B}"/>
               </a:ext>
             </a:extLst>
           </p:cNvPr>
@@ -9945,7 +9945,7 @@
           <p:cNvPr id="21" name="Straight Arrow Connector 20">
             <a:extLst>
               <a:ext uri="{FF2B5EF4-FFF2-40B4-BE49-F238E27FC236}">
-                <a16:creationId xmlns:a16="http://schemas.microsoft.com/office/drawing/2014/main" xmlns="" id="{BCBBC2B7-26CF-4A3B-B2E1-931A8771EA2D}"/>
+                <a16:creationId xmlns:a16="http://schemas.microsoft.com/office/drawing/2014/main" id="{BCBBC2B7-26CF-4A3B-B2E1-931A8771EA2D}"/>
               </a:ext>
             </a:extLst>
           </p:cNvPr>
@@ -9986,7 +9986,7 @@
           <p:cNvPr id="22" name="Straight Arrow Connector 21">
             <a:extLst>
               <a:ext uri="{FF2B5EF4-FFF2-40B4-BE49-F238E27FC236}">
-                <a16:creationId xmlns:a16="http://schemas.microsoft.com/office/drawing/2014/main" xmlns="" id="{FEA8050E-6422-44C2-9B68-0AF04676375E}"/>
+                <a16:creationId xmlns:a16="http://schemas.microsoft.com/office/drawing/2014/main" id="{FEA8050E-6422-44C2-9B68-0AF04676375E}"/>
               </a:ext>
             </a:extLst>
           </p:cNvPr>
@@ -10027,7 +10027,7 @@
           <p:cNvPr id="23" name="Straight Arrow Connector 22">
             <a:extLst>
               <a:ext uri="{FF2B5EF4-FFF2-40B4-BE49-F238E27FC236}">
-                <a16:creationId xmlns:a16="http://schemas.microsoft.com/office/drawing/2014/main" xmlns="" id="{6C6083B2-59A5-4F8D-821F-9CAAC13DC964}"/>
+                <a16:creationId xmlns:a16="http://schemas.microsoft.com/office/drawing/2014/main" id="{6C6083B2-59A5-4F8D-821F-9CAAC13DC964}"/>
               </a:ext>
             </a:extLst>
           </p:cNvPr>
@@ -10070,7 +10070,7 @@
           <p:cNvPr id="28" name="Straight Arrow Connector 27">
             <a:extLst>
               <a:ext uri="{FF2B5EF4-FFF2-40B4-BE49-F238E27FC236}">
-                <a16:creationId xmlns:a16="http://schemas.microsoft.com/office/drawing/2014/main" xmlns="" id="{2D70DE12-2334-4B10-9F45-841587FCD4CD}"/>
+                <a16:creationId xmlns:a16="http://schemas.microsoft.com/office/drawing/2014/main" id="{2D70DE12-2334-4B10-9F45-841587FCD4CD}"/>
               </a:ext>
             </a:extLst>
           </p:cNvPr>
@@ -10111,7 +10111,7 @@
           <p:cNvPr id="29" name="Straight Arrow Connector 28">
             <a:extLst>
               <a:ext uri="{FF2B5EF4-FFF2-40B4-BE49-F238E27FC236}">
-                <a16:creationId xmlns:a16="http://schemas.microsoft.com/office/drawing/2014/main" xmlns="" id="{E73C5F05-5520-46D1-95D7-161591915C2B}"/>
+                <a16:creationId xmlns:a16="http://schemas.microsoft.com/office/drawing/2014/main" id="{E73C5F05-5520-46D1-95D7-161591915C2B}"/>
               </a:ext>
             </a:extLst>
           </p:cNvPr>
@@ -10152,7 +10152,7 @@
           <p:cNvPr id="30" name="Straight Arrow Connector 29">
             <a:extLst>
               <a:ext uri="{FF2B5EF4-FFF2-40B4-BE49-F238E27FC236}">
-                <a16:creationId xmlns:a16="http://schemas.microsoft.com/office/drawing/2014/main" xmlns="" id="{0888F945-405D-4E3F-BC0F-144BFC766F96}"/>
+                <a16:creationId xmlns:a16="http://schemas.microsoft.com/office/drawing/2014/main" id="{0888F945-405D-4E3F-BC0F-144BFC766F96}"/>
               </a:ext>
             </a:extLst>
           </p:cNvPr>
@@ -10193,7 +10193,7 @@
           <p:cNvPr id="31" name="Straight Arrow Connector 30">
             <a:extLst>
               <a:ext uri="{FF2B5EF4-FFF2-40B4-BE49-F238E27FC236}">
-                <a16:creationId xmlns:a16="http://schemas.microsoft.com/office/drawing/2014/main" xmlns="" id="{9BF50DBE-B764-45CF-B2B4-1558795639A7}"/>
+                <a16:creationId xmlns:a16="http://schemas.microsoft.com/office/drawing/2014/main" id="{9BF50DBE-B764-45CF-B2B4-1558795639A7}"/>
               </a:ext>
             </a:extLst>
           </p:cNvPr>
@@ -10234,7 +10234,7 @@
           <p:cNvPr id="32" name="Straight Arrow Connector 31">
             <a:extLst>
               <a:ext uri="{FF2B5EF4-FFF2-40B4-BE49-F238E27FC236}">
-                <a16:creationId xmlns:a16="http://schemas.microsoft.com/office/drawing/2014/main" xmlns="" id="{A54C6FE5-3ED5-4509-ADB1-A1C8E165475F}"/>
+                <a16:creationId xmlns:a16="http://schemas.microsoft.com/office/drawing/2014/main" id="{A54C6FE5-3ED5-4509-ADB1-A1C8E165475F}"/>
               </a:ext>
             </a:extLst>
           </p:cNvPr>
@@ -10275,7 +10275,7 @@
           <p:cNvPr id="34" name="Rectangle: Rounded Corners 33">
             <a:extLst>
               <a:ext uri="{FF2B5EF4-FFF2-40B4-BE49-F238E27FC236}">
-                <a16:creationId xmlns:a16="http://schemas.microsoft.com/office/drawing/2014/main" xmlns="" id="{94F3A193-70EB-4D76-92B1-AE430DDBED34}"/>
+                <a16:creationId xmlns:a16="http://schemas.microsoft.com/office/drawing/2014/main" id="{94F3A193-70EB-4D76-92B1-AE430DDBED34}"/>
               </a:ext>
             </a:extLst>
           </p:cNvPr>
@@ -10331,7 +10331,7 @@
           <p:cNvPr id="35" name="Rectangle: Rounded Corners 34">
             <a:extLst>
               <a:ext uri="{FF2B5EF4-FFF2-40B4-BE49-F238E27FC236}">
-                <a16:creationId xmlns:a16="http://schemas.microsoft.com/office/drawing/2014/main" xmlns="" id="{10E90756-F749-4FE3-A061-3270921C4259}"/>
+                <a16:creationId xmlns:a16="http://schemas.microsoft.com/office/drawing/2014/main" id="{10E90756-F749-4FE3-A061-3270921C4259}"/>
               </a:ext>
             </a:extLst>
           </p:cNvPr>
@@ -10387,7 +10387,7 @@
           <p:cNvPr id="36" name="Rectangle: Rounded Corners 35">
             <a:extLst>
               <a:ext uri="{FF2B5EF4-FFF2-40B4-BE49-F238E27FC236}">
-                <a16:creationId xmlns:a16="http://schemas.microsoft.com/office/drawing/2014/main" xmlns="" id="{E8573890-4F6E-499A-B59C-69276790FBAE}"/>
+                <a16:creationId xmlns:a16="http://schemas.microsoft.com/office/drawing/2014/main" id="{E8573890-4F6E-499A-B59C-69276790FBAE}"/>
               </a:ext>
             </a:extLst>
           </p:cNvPr>
@@ -10443,7 +10443,7 @@
           <p:cNvPr id="37" name="Rectangle: Rounded Corners 36">
             <a:extLst>
               <a:ext uri="{FF2B5EF4-FFF2-40B4-BE49-F238E27FC236}">
-                <a16:creationId xmlns:a16="http://schemas.microsoft.com/office/drawing/2014/main" xmlns="" id="{5CF50304-F9A7-4CFF-A73F-A01CF0402B77}"/>
+                <a16:creationId xmlns:a16="http://schemas.microsoft.com/office/drawing/2014/main" id="{5CF50304-F9A7-4CFF-A73F-A01CF0402B77}"/>
               </a:ext>
             </a:extLst>
           </p:cNvPr>
@@ -10499,7 +10499,7 @@
           <p:cNvPr id="38" name="Rectangle: Rounded Corners 37">
             <a:extLst>
               <a:ext uri="{FF2B5EF4-FFF2-40B4-BE49-F238E27FC236}">
-                <a16:creationId xmlns:a16="http://schemas.microsoft.com/office/drawing/2014/main" xmlns="" id="{790C8837-9486-4D59-9299-4DAB3423D000}"/>
+                <a16:creationId xmlns:a16="http://schemas.microsoft.com/office/drawing/2014/main" id="{790C8837-9486-4D59-9299-4DAB3423D000}"/>
               </a:ext>
             </a:extLst>
           </p:cNvPr>
@@ -10555,7 +10555,7 @@
           <p:cNvPr id="39" name="Rectangle: Rounded Corners 38">
             <a:extLst>
               <a:ext uri="{FF2B5EF4-FFF2-40B4-BE49-F238E27FC236}">
-                <a16:creationId xmlns:a16="http://schemas.microsoft.com/office/drawing/2014/main" xmlns="" id="{0E37DD49-6775-444A-9F58-43FC8A77CC1A}"/>
+                <a16:creationId xmlns:a16="http://schemas.microsoft.com/office/drawing/2014/main" id="{0E37DD49-6775-444A-9F58-43FC8A77CC1A}"/>
               </a:ext>
             </a:extLst>
           </p:cNvPr>
@@ -10614,7 +10614,7 @@
           <p:cNvPr id="42" name="Straight Arrow Connector 41">
             <a:extLst>
               <a:ext uri="{FF2B5EF4-FFF2-40B4-BE49-F238E27FC236}">
-                <a16:creationId xmlns:a16="http://schemas.microsoft.com/office/drawing/2014/main" xmlns="" id="{DD6C188E-BBA2-4E8D-9F33-F3C6D7746BA8}"/>
+                <a16:creationId xmlns:a16="http://schemas.microsoft.com/office/drawing/2014/main" id="{DD6C188E-BBA2-4E8D-9F33-F3C6D7746BA8}"/>
               </a:ext>
             </a:extLst>
           </p:cNvPr>
@@ -10656,7 +10656,7 @@
           <p:cNvPr id="43" name="Straight Arrow Connector 42">
             <a:extLst>
               <a:ext uri="{FF2B5EF4-FFF2-40B4-BE49-F238E27FC236}">
-                <a16:creationId xmlns:a16="http://schemas.microsoft.com/office/drawing/2014/main" xmlns="" id="{93D99B21-2F4E-4B67-BB26-2BCB781D7584}"/>
+                <a16:creationId xmlns:a16="http://schemas.microsoft.com/office/drawing/2014/main" id="{93D99B21-2F4E-4B67-BB26-2BCB781D7584}"/>
               </a:ext>
             </a:extLst>
           </p:cNvPr>
@@ -10697,7 +10697,7 @@
           <p:cNvPr id="44" name="Straight Arrow Connector 43">
             <a:extLst>
               <a:ext uri="{FF2B5EF4-FFF2-40B4-BE49-F238E27FC236}">
-                <a16:creationId xmlns:a16="http://schemas.microsoft.com/office/drawing/2014/main" xmlns="" id="{EFB76A24-A05A-4BBF-A818-E52DF5D6E287}"/>
+                <a16:creationId xmlns:a16="http://schemas.microsoft.com/office/drawing/2014/main" id="{EFB76A24-A05A-4BBF-A818-E52DF5D6E287}"/>
               </a:ext>
             </a:extLst>
           </p:cNvPr>
@@ -10738,7 +10738,7 @@
           <p:cNvPr id="45" name="Straight Arrow Connector 44">
             <a:extLst>
               <a:ext uri="{FF2B5EF4-FFF2-40B4-BE49-F238E27FC236}">
-                <a16:creationId xmlns:a16="http://schemas.microsoft.com/office/drawing/2014/main" xmlns="" id="{9C8718E4-C645-46F2-BC3C-1E8C42909DC6}"/>
+                <a16:creationId xmlns:a16="http://schemas.microsoft.com/office/drawing/2014/main" id="{9C8718E4-C645-46F2-BC3C-1E8C42909DC6}"/>
               </a:ext>
             </a:extLst>
           </p:cNvPr>
@@ -10780,7 +10780,7 @@
           <p:cNvPr id="47" name="TextBox 46">
             <a:extLst>
               <a:ext uri="{FF2B5EF4-FFF2-40B4-BE49-F238E27FC236}">
-                <a16:creationId xmlns:a16="http://schemas.microsoft.com/office/drawing/2014/main" xmlns="" id="{EDCDAC0B-C1D4-4E26-B617-B6351702C2C5}"/>
+                <a16:creationId xmlns:a16="http://schemas.microsoft.com/office/drawing/2014/main" id="{EDCDAC0B-C1D4-4E26-B617-B6351702C2C5}"/>
               </a:ext>
             </a:extLst>
           </p:cNvPr>
@@ -10815,7 +10815,7 @@
           <p:cNvPr id="48" name="TextBox 47">
             <a:extLst>
               <a:ext uri="{FF2B5EF4-FFF2-40B4-BE49-F238E27FC236}">
-                <a16:creationId xmlns:a16="http://schemas.microsoft.com/office/drawing/2014/main" xmlns="" id="{E08CA946-35F9-4DAA-9F33-2D48D22A4FDB}"/>
+                <a16:creationId xmlns:a16="http://schemas.microsoft.com/office/drawing/2014/main" id="{E08CA946-35F9-4DAA-9F33-2D48D22A4FDB}"/>
               </a:ext>
             </a:extLst>
           </p:cNvPr>
@@ -10850,7 +10850,7 @@
           <p:cNvPr id="49" name="TextBox 48">
             <a:extLst>
               <a:ext uri="{FF2B5EF4-FFF2-40B4-BE49-F238E27FC236}">
-                <a16:creationId xmlns:a16="http://schemas.microsoft.com/office/drawing/2014/main" xmlns="" id="{95B61A25-AB36-4516-984F-A555E7EC59E9}"/>
+                <a16:creationId xmlns:a16="http://schemas.microsoft.com/office/drawing/2014/main" id="{95B61A25-AB36-4516-984F-A555E7EC59E9}"/>
               </a:ext>
             </a:extLst>
           </p:cNvPr>
@@ -10885,7 +10885,7 @@
           <p:cNvPr id="50" name="TextBox 49">
             <a:extLst>
               <a:ext uri="{FF2B5EF4-FFF2-40B4-BE49-F238E27FC236}">
-                <a16:creationId xmlns:a16="http://schemas.microsoft.com/office/drawing/2014/main" xmlns="" id="{34B4AD24-6EE8-4099-9D86-59BA91728BDC}"/>
+                <a16:creationId xmlns:a16="http://schemas.microsoft.com/office/drawing/2014/main" id="{34B4AD24-6EE8-4099-9D86-59BA91728BDC}"/>
               </a:ext>
             </a:extLst>
           </p:cNvPr>
@@ -10920,7 +10920,7 @@
           <p:cNvPr id="51" name="TextBox 50">
             <a:extLst>
               <a:ext uri="{FF2B5EF4-FFF2-40B4-BE49-F238E27FC236}">
-                <a16:creationId xmlns:a16="http://schemas.microsoft.com/office/drawing/2014/main" xmlns="" id="{D1B8EB08-3F04-439A-BF8B-1F4A78A28793}"/>
+                <a16:creationId xmlns:a16="http://schemas.microsoft.com/office/drawing/2014/main" id="{D1B8EB08-3F04-439A-BF8B-1F4A78A28793}"/>
               </a:ext>
             </a:extLst>
           </p:cNvPr>
@@ -10955,7 +10955,7 @@
           <p:cNvPr id="53" name="TextBox 52">
             <a:extLst>
               <a:ext uri="{FF2B5EF4-FFF2-40B4-BE49-F238E27FC236}">
-                <a16:creationId xmlns:a16="http://schemas.microsoft.com/office/drawing/2014/main" xmlns="" id="{E287DFCA-712C-4D8E-A92D-5185DCF8C889}"/>
+                <a16:creationId xmlns:a16="http://schemas.microsoft.com/office/drawing/2014/main" id="{E287DFCA-712C-4D8E-A92D-5185DCF8C889}"/>
               </a:ext>
             </a:extLst>
           </p:cNvPr>
@@ -10996,7 +10996,7 @@
           <p:cNvPr id="61" name="Connector: Elbow 60">
             <a:extLst>
               <a:ext uri="{FF2B5EF4-FFF2-40B4-BE49-F238E27FC236}">
-                <a16:creationId xmlns:a16="http://schemas.microsoft.com/office/drawing/2014/main" xmlns="" id="{89E67229-5ECB-4CB9-A05F-0C0BA8164C90}"/>
+                <a16:creationId xmlns:a16="http://schemas.microsoft.com/office/drawing/2014/main" id="{89E67229-5ECB-4CB9-A05F-0C0BA8164C90}"/>
               </a:ext>
             </a:extLst>
           </p:cNvPr>
@@ -11044,7 +11044,7 @@
           <p:cNvPr id="54" name="Rectangle: Rounded Corners 53">
             <a:extLst>
               <a:ext uri="{FF2B5EF4-FFF2-40B4-BE49-F238E27FC236}">
-                <a16:creationId xmlns:a16="http://schemas.microsoft.com/office/drawing/2014/main" xmlns="" id="{DD863BE4-1932-4E03-823B-70CC195DE697}"/>
+                <a16:creationId xmlns:a16="http://schemas.microsoft.com/office/drawing/2014/main" id="{DD863BE4-1932-4E03-823B-70CC195DE697}"/>
               </a:ext>
             </a:extLst>
           </p:cNvPr>
@@ -11099,7 +11099,7 @@
           <p:cNvPr id="59" name="TextBox 58">
             <a:extLst>
               <a:ext uri="{FF2B5EF4-FFF2-40B4-BE49-F238E27FC236}">
-                <a16:creationId xmlns:a16="http://schemas.microsoft.com/office/drawing/2014/main" xmlns="" id="{97C575B5-D9D1-4C9D-B546-2B4349BA0D63}"/>
+                <a16:creationId xmlns:a16="http://schemas.microsoft.com/office/drawing/2014/main" id="{97C575B5-D9D1-4C9D-B546-2B4349BA0D63}"/>
               </a:ext>
             </a:extLst>
           </p:cNvPr>
@@ -11134,7 +11134,7 @@
           <p:cNvPr id="71" name="Straight Arrow Connector 70">
             <a:extLst>
               <a:ext uri="{FF2B5EF4-FFF2-40B4-BE49-F238E27FC236}">
-                <a16:creationId xmlns:a16="http://schemas.microsoft.com/office/drawing/2014/main" xmlns="" id="{730BFB8A-A40A-4E34-B150-2CE8F7C6FA58}"/>
+                <a16:creationId xmlns:a16="http://schemas.microsoft.com/office/drawing/2014/main" id="{730BFB8A-A40A-4E34-B150-2CE8F7C6FA58}"/>
               </a:ext>
             </a:extLst>
           </p:cNvPr>
@@ -11177,7 +11177,7 @@
           <p:cNvPr id="73" name="Straight Arrow Connector 72">
             <a:extLst>
               <a:ext uri="{FF2B5EF4-FFF2-40B4-BE49-F238E27FC236}">
-                <a16:creationId xmlns:a16="http://schemas.microsoft.com/office/drawing/2014/main" xmlns="" id="{AEA0EED6-E661-431A-BF4A-006793D3489E}"/>
+                <a16:creationId xmlns:a16="http://schemas.microsoft.com/office/drawing/2014/main" id="{AEA0EED6-E661-431A-BF4A-006793D3489E}"/>
               </a:ext>
             </a:extLst>
           </p:cNvPr>
@@ -11225,7 +11225,7 @@
           <p:cNvPr id="62" name="Rectangle: Rounded Corners 61">
             <a:extLst>
               <a:ext uri="{FF2B5EF4-FFF2-40B4-BE49-F238E27FC236}">
-                <a16:creationId xmlns:a16="http://schemas.microsoft.com/office/drawing/2014/main" xmlns="" id="{4071FB92-52BA-4047-9C3B-0DF356EA2D96}"/>
+                <a16:creationId xmlns:a16="http://schemas.microsoft.com/office/drawing/2014/main" id="{4071FB92-52BA-4047-9C3B-0DF356EA2D96}"/>
               </a:ext>
             </a:extLst>
           </p:cNvPr>
@@ -11280,7 +11280,7 @@
           <p:cNvPr id="63" name="TextBox 62">
             <a:extLst>
               <a:ext uri="{FF2B5EF4-FFF2-40B4-BE49-F238E27FC236}">
-                <a16:creationId xmlns:a16="http://schemas.microsoft.com/office/drawing/2014/main" xmlns="" id="{299D6269-D8D6-4229-A1DB-F2E4DC0C7276}"/>
+                <a16:creationId xmlns:a16="http://schemas.microsoft.com/office/drawing/2014/main" id="{299D6269-D8D6-4229-A1DB-F2E4DC0C7276}"/>
               </a:ext>
             </a:extLst>
           </p:cNvPr>
@@ -11315,7 +11315,7 @@
           <p:cNvPr id="64" name="Rectangle: Rounded Corners 63">
             <a:extLst>
               <a:ext uri="{FF2B5EF4-FFF2-40B4-BE49-F238E27FC236}">
-                <a16:creationId xmlns:a16="http://schemas.microsoft.com/office/drawing/2014/main" xmlns="" id="{6E2EDC82-6CF2-4C59-A6F0-1E17DE428D4E}"/>
+                <a16:creationId xmlns:a16="http://schemas.microsoft.com/office/drawing/2014/main" id="{6E2EDC82-6CF2-4C59-A6F0-1E17DE428D4E}"/>
               </a:ext>
             </a:extLst>
           </p:cNvPr>
@@ -11370,7 +11370,7 @@
           <p:cNvPr id="65" name="TextBox 64">
             <a:extLst>
               <a:ext uri="{FF2B5EF4-FFF2-40B4-BE49-F238E27FC236}">
-                <a16:creationId xmlns:a16="http://schemas.microsoft.com/office/drawing/2014/main" xmlns="" id="{34655745-09A1-4EC1-B01D-9DB06BF0AF4F}"/>
+                <a16:creationId xmlns:a16="http://schemas.microsoft.com/office/drawing/2014/main" id="{34655745-09A1-4EC1-B01D-9DB06BF0AF4F}"/>
               </a:ext>
             </a:extLst>
           </p:cNvPr>
@@ -11405,7 +11405,7 @@
           <p:cNvPr id="66" name="Rectangle: Rounded Corners 65">
             <a:extLst>
               <a:ext uri="{FF2B5EF4-FFF2-40B4-BE49-F238E27FC236}">
-                <a16:creationId xmlns:a16="http://schemas.microsoft.com/office/drawing/2014/main" xmlns="" id="{F7FC58C9-59CA-4A53-BCB8-073F5897C06F}"/>
+                <a16:creationId xmlns:a16="http://schemas.microsoft.com/office/drawing/2014/main" id="{F7FC58C9-59CA-4A53-BCB8-073F5897C06F}"/>
               </a:ext>
             </a:extLst>
           </p:cNvPr>
@@ -11460,7 +11460,7 @@
           <p:cNvPr id="67" name="TextBox 66">
             <a:extLst>
               <a:ext uri="{FF2B5EF4-FFF2-40B4-BE49-F238E27FC236}">
-                <a16:creationId xmlns:a16="http://schemas.microsoft.com/office/drawing/2014/main" xmlns="" id="{29483802-D635-4643-87AC-2A50287CAC69}"/>
+                <a16:creationId xmlns:a16="http://schemas.microsoft.com/office/drawing/2014/main" id="{29483802-D635-4643-87AC-2A50287CAC69}"/>
               </a:ext>
             </a:extLst>
           </p:cNvPr>
@@ -11495,7 +11495,7 @@
           <p:cNvPr id="68" name="Rectangle: Rounded Corners 67">
             <a:extLst>
               <a:ext uri="{FF2B5EF4-FFF2-40B4-BE49-F238E27FC236}">
-                <a16:creationId xmlns:a16="http://schemas.microsoft.com/office/drawing/2014/main" xmlns="" id="{6E26FF03-D8CC-4691-96A6-ABD1FF5DAA00}"/>
+                <a16:creationId xmlns:a16="http://schemas.microsoft.com/office/drawing/2014/main" id="{6E26FF03-D8CC-4691-96A6-ABD1FF5DAA00}"/>
               </a:ext>
             </a:extLst>
           </p:cNvPr>
@@ -11550,7 +11550,7 @@
           <p:cNvPr id="69" name="TextBox 68">
             <a:extLst>
               <a:ext uri="{FF2B5EF4-FFF2-40B4-BE49-F238E27FC236}">
-                <a16:creationId xmlns:a16="http://schemas.microsoft.com/office/drawing/2014/main" xmlns="" id="{88B6451C-D866-4ED4-92D4-6C12BCFE1AFC}"/>
+                <a16:creationId xmlns:a16="http://schemas.microsoft.com/office/drawing/2014/main" id="{88B6451C-D866-4ED4-92D4-6C12BCFE1AFC}"/>
               </a:ext>
             </a:extLst>
           </p:cNvPr>
@@ -11585,7 +11585,7 @@
           <p:cNvPr id="72" name="Rectangle: Rounded Corners 71">
             <a:extLst>
               <a:ext uri="{FF2B5EF4-FFF2-40B4-BE49-F238E27FC236}">
-                <a16:creationId xmlns:a16="http://schemas.microsoft.com/office/drawing/2014/main" xmlns="" id="{36E20ECB-B114-47EE-9587-795EA9ED08AF}"/>
+                <a16:creationId xmlns:a16="http://schemas.microsoft.com/office/drawing/2014/main" id="{36E20ECB-B114-47EE-9587-795EA9ED08AF}"/>
               </a:ext>
             </a:extLst>
           </p:cNvPr>
@@ -11640,7 +11640,7 @@
           <p:cNvPr id="74" name="TextBox 73">
             <a:extLst>
               <a:ext uri="{FF2B5EF4-FFF2-40B4-BE49-F238E27FC236}">
-                <a16:creationId xmlns:a16="http://schemas.microsoft.com/office/drawing/2014/main" xmlns="" id="{A64908D9-F1C5-4A11-89D8-C3DD4B5B79A3}"/>
+                <a16:creationId xmlns:a16="http://schemas.microsoft.com/office/drawing/2014/main" id="{A64908D9-F1C5-4A11-89D8-C3DD4B5B79A3}"/>
               </a:ext>
             </a:extLst>
           </p:cNvPr>
@@ -11675,7 +11675,7 @@
           <p:cNvPr id="76" name="Straight Arrow Connector 75">
             <a:extLst>
               <a:ext uri="{FF2B5EF4-FFF2-40B4-BE49-F238E27FC236}">
-                <a16:creationId xmlns:a16="http://schemas.microsoft.com/office/drawing/2014/main" xmlns="" id="{F80DF57C-EFF2-46C4-A5B2-A696AE1CFEE9}"/>
+                <a16:creationId xmlns:a16="http://schemas.microsoft.com/office/drawing/2014/main" id="{F80DF57C-EFF2-46C4-A5B2-A696AE1CFEE9}"/>
               </a:ext>
             </a:extLst>
           </p:cNvPr>
@@ -11724,7 +11724,7 @@
           <p:cNvPr id="79" name="Straight Arrow Connector 78">
             <a:extLst>
               <a:ext uri="{FF2B5EF4-FFF2-40B4-BE49-F238E27FC236}">
-                <a16:creationId xmlns:a16="http://schemas.microsoft.com/office/drawing/2014/main" xmlns="" id="{2F83113E-B0E8-493B-A137-904E3221D105}"/>
+                <a16:creationId xmlns:a16="http://schemas.microsoft.com/office/drawing/2014/main" id="{2F83113E-B0E8-493B-A137-904E3221D105}"/>
               </a:ext>
             </a:extLst>
           </p:cNvPr>
@@ -11773,7 +11773,7 @@
           <p:cNvPr id="83" name="Straight Arrow Connector 82">
             <a:extLst>
               <a:ext uri="{FF2B5EF4-FFF2-40B4-BE49-F238E27FC236}">
-                <a16:creationId xmlns:a16="http://schemas.microsoft.com/office/drawing/2014/main" xmlns="" id="{90280651-2EE6-4BB5-8A36-D743C539FCA3}"/>
+                <a16:creationId xmlns:a16="http://schemas.microsoft.com/office/drawing/2014/main" id="{90280651-2EE6-4BB5-8A36-D743C539FCA3}"/>
               </a:ext>
             </a:extLst>
           </p:cNvPr>
@@ -11821,7 +11821,7 @@
           <p:cNvPr id="87" name="Straight Arrow Connector 86">
             <a:extLst>
               <a:ext uri="{FF2B5EF4-FFF2-40B4-BE49-F238E27FC236}">
-                <a16:creationId xmlns:a16="http://schemas.microsoft.com/office/drawing/2014/main" xmlns="" id="{7F47418A-2C2A-408F-9001-4ECA2C235DB7}"/>
+                <a16:creationId xmlns:a16="http://schemas.microsoft.com/office/drawing/2014/main" id="{7F47418A-2C2A-408F-9001-4ECA2C235DB7}"/>
               </a:ext>
             </a:extLst>
           </p:cNvPr>
@@ -11870,7 +11870,7 @@
           <p:cNvPr id="89" name="Straight Arrow Connector 88">
             <a:extLst>
               <a:ext uri="{FF2B5EF4-FFF2-40B4-BE49-F238E27FC236}">
-                <a16:creationId xmlns:a16="http://schemas.microsoft.com/office/drawing/2014/main" xmlns="" id="{7DEE1DAE-401A-4DA7-A82F-E4A9C8BA4EB9}"/>
+                <a16:creationId xmlns:a16="http://schemas.microsoft.com/office/drawing/2014/main" id="{7DEE1DAE-401A-4DA7-A82F-E4A9C8BA4EB9}"/>
               </a:ext>
             </a:extLst>
           </p:cNvPr>
@@ -11919,7 +11919,7 @@
           <p:cNvPr id="99" name="Oval 98">
             <a:extLst>
               <a:ext uri="{FF2B5EF4-FFF2-40B4-BE49-F238E27FC236}">
-                <a16:creationId xmlns:a16="http://schemas.microsoft.com/office/drawing/2014/main" xmlns="" id="{64B931DD-CC3F-458D-9DF6-4FCE6E515463}"/>
+                <a16:creationId xmlns:a16="http://schemas.microsoft.com/office/drawing/2014/main" id="{64B931DD-CC3F-458D-9DF6-4FCE6E515463}"/>
               </a:ext>
             </a:extLst>
           </p:cNvPr>
@@ -11968,7 +11968,7 @@
           <p:cNvPr id="107" name="Straight Arrow Connector 106">
             <a:extLst>
               <a:ext uri="{FF2B5EF4-FFF2-40B4-BE49-F238E27FC236}">
-                <a16:creationId xmlns:a16="http://schemas.microsoft.com/office/drawing/2014/main" xmlns="" id="{2C959F5F-1DAA-4545-86B8-94F732D7D0B6}"/>
+                <a16:creationId xmlns:a16="http://schemas.microsoft.com/office/drawing/2014/main" id="{2C959F5F-1DAA-4545-86B8-94F732D7D0B6}"/>
               </a:ext>
             </a:extLst>
           </p:cNvPr>
@@ -12010,7 +12010,7 @@
           <p:cNvPr id="115" name="TextBox 114">
             <a:extLst>
               <a:ext uri="{FF2B5EF4-FFF2-40B4-BE49-F238E27FC236}">
-                <a16:creationId xmlns:a16="http://schemas.microsoft.com/office/drawing/2014/main" xmlns="" id="{DF14C737-A78C-478F-AA9D-7F449E42CD50}"/>
+                <a16:creationId xmlns:a16="http://schemas.microsoft.com/office/drawing/2014/main" id="{DF14C737-A78C-478F-AA9D-7F449E42CD50}"/>
               </a:ext>
             </a:extLst>
           </p:cNvPr>
@@ -12045,7 +12045,7 @@
           <p:cNvPr id="116" name="Straight Arrow Connector 115">
             <a:extLst>
               <a:ext uri="{FF2B5EF4-FFF2-40B4-BE49-F238E27FC236}">
-                <a16:creationId xmlns:a16="http://schemas.microsoft.com/office/drawing/2014/main" xmlns="" id="{D343EEBF-911B-43D3-AD02-F5A2BC83D39A}"/>
+                <a16:creationId xmlns:a16="http://schemas.microsoft.com/office/drawing/2014/main" id="{D343EEBF-911B-43D3-AD02-F5A2BC83D39A}"/>
               </a:ext>
             </a:extLst>
           </p:cNvPr>
@@ -12087,7 +12087,7 @@
           <p:cNvPr id="118" name="Straight Arrow Connector 117">
             <a:extLst>
               <a:ext uri="{FF2B5EF4-FFF2-40B4-BE49-F238E27FC236}">
-                <a16:creationId xmlns:a16="http://schemas.microsoft.com/office/drawing/2014/main" xmlns="" id="{F5E3483F-3B6B-4E35-B87F-88CB9A9439E1}"/>
+                <a16:creationId xmlns:a16="http://schemas.microsoft.com/office/drawing/2014/main" id="{F5E3483F-3B6B-4E35-B87F-88CB9A9439E1}"/>
               </a:ext>
             </a:extLst>
           </p:cNvPr>
@@ -12128,7 +12128,7 @@
           <p:cNvPr id="119" name="Straight Arrow Connector 118">
             <a:extLst>
               <a:ext uri="{FF2B5EF4-FFF2-40B4-BE49-F238E27FC236}">
-                <a16:creationId xmlns:a16="http://schemas.microsoft.com/office/drawing/2014/main" xmlns="" id="{0B3274E5-EF5D-482A-A226-2686DC869430}"/>
+                <a16:creationId xmlns:a16="http://schemas.microsoft.com/office/drawing/2014/main" id="{0B3274E5-EF5D-482A-A226-2686DC869430}"/>
               </a:ext>
             </a:extLst>
           </p:cNvPr>
@@ -12169,7 +12169,7 @@
           <p:cNvPr id="120" name="Straight Arrow Connector 119">
             <a:extLst>
               <a:ext uri="{FF2B5EF4-FFF2-40B4-BE49-F238E27FC236}">
-                <a16:creationId xmlns:a16="http://schemas.microsoft.com/office/drawing/2014/main" xmlns="" id="{6C186335-86F0-4645-8941-0AD4476D7FFD}"/>
+                <a16:creationId xmlns:a16="http://schemas.microsoft.com/office/drawing/2014/main" id="{6C186335-86F0-4645-8941-0AD4476D7FFD}"/>
               </a:ext>
             </a:extLst>
           </p:cNvPr>
@@ -12210,7 +12210,7 @@
           <p:cNvPr id="121" name="Straight Arrow Connector 120">
             <a:extLst>
               <a:ext uri="{FF2B5EF4-FFF2-40B4-BE49-F238E27FC236}">
-                <a16:creationId xmlns:a16="http://schemas.microsoft.com/office/drawing/2014/main" xmlns="" id="{A9E04DF3-0887-4E42-9078-24C1E3091B38}"/>
+                <a16:creationId xmlns:a16="http://schemas.microsoft.com/office/drawing/2014/main" id="{A9E04DF3-0887-4E42-9078-24C1E3091B38}"/>
               </a:ext>
             </a:extLst>
           </p:cNvPr>
@@ -12251,7 +12251,7 @@
           <p:cNvPr id="80" name="Oval 79">
             <a:extLst>
               <a:ext uri="{FF2B5EF4-FFF2-40B4-BE49-F238E27FC236}">
-                <a16:creationId xmlns:a16="http://schemas.microsoft.com/office/drawing/2014/main" xmlns="" id="{94E19BC3-C760-4816-85AA-596B8FE06DB9}"/>
+                <a16:creationId xmlns:a16="http://schemas.microsoft.com/office/drawing/2014/main" id="{94E19BC3-C760-4816-85AA-596B8FE06DB9}"/>
               </a:ext>
             </a:extLst>
           </p:cNvPr>
@@ -12300,7 +12300,7 @@
           <p:cNvPr id="81" name="Straight Arrow Connector 80">
             <a:extLst>
               <a:ext uri="{FF2B5EF4-FFF2-40B4-BE49-F238E27FC236}">
-                <a16:creationId xmlns:a16="http://schemas.microsoft.com/office/drawing/2014/main" xmlns="" id="{D2A79BFB-E49A-4FF9-B7CE-DE54A18CB6C0}"/>
+                <a16:creationId xmlns:a16="http://schemas.microsoft.com/office/drawing/2014/main" id="{D2A79BFB-E49A-4FF9-B7CE-DE54A18CB6C0}"/>
               </a:ext>
             </a:extLst>
           </p:cNvPr>
@@ -12341,7 +12341,7 @@
           <p:cNvPr id="82" name="TextBox 81">
             <a:extLst>
               <a:ext uri="{FF2B5EF4-FFF2-40B4-BE49-F238E27FC236}">
-                <a16:creationId xmlns:a16="http://schemas.microsoft.com/office/drawing/2014/main" xmlns="" id="{79FAB053-2119-434D-8EAB-F920DAE6FC4A}"/>
+                <a16:creationId xmlns:a16="http://schemas.microsoft.com/office/drawing/2014/main" id="{79FAB053-2119-434D-8EAB-F920DAE6FC4A}"/>
               </a:ext>
             </a:extLst>
           </p:cNvPr>
@@ -12376,7 +12376,7 @@
           <p:cNvPr id="84" name="Rectangle: Rounded Corners 83">
             <a:extLst>
               <a:ext uri="{FF2B5EF4-FFF2-40B4-BE49-F238E27FC236}">
-                <a16:creationId xmlns:a16="http://schemas.microsoft.com/office/drawing/2014/main" xmlns="" id="{FCAE666B-5E35-4707-99A8-44040AB23ACE}"/>
+                <a16:creationId xmlns:a16="http://schemas.microsoft.com/office/drawing/2014/main" id="{FCAE666B-5E35-4707-99A8-44040AB23ACE}"/>
               </a:ext>
             </a:extLst>
           </p:cNvPr>
@@ -12435,7 +12435,7 @@
           <p:cNvPr id="85" name="Straight Arrow Connector 84">
             <a:extLst>
               <a:ext uri="{FF2B5EF4-FFF2-40B4-BE49-F238E27FC236}">
-                <a16:creationId xmlns:a16="http://schemas.microsoft.com/office/drawing/2014/main" xmlns="" id="{9DF84182-C41F-431B-98AF-EA45F6FD2877}"/>
+                <a16:creationId xmlns:a16="http://schemas.microsoft.com/office/drawing/2014/main" id="{9DF84182-C41F-431B-98AF-EA45F6FD2877}"/>
               </a:ext>
             </a:extLst>
           </p:cNvPr>
@@ -12477,7 +12477,7 @@
           <p:cNvPr id="40" name="Connector: Elbow 39">
             <a:extLst>
               <a:ext uri="{FF2B5EF4-FFF2-40B4-BE49-F238E27FC236}">
-                <a16:creationId xmlns:a16="http://schemas.microsoft.com/office/drawing/2014/main" xmlns="" id="{B8A3DBC7-6A4A-4011-92A9-F412C17B1C66}"/>
+                <a16:creationId xmlns:a16="http://schemas.microsoft.com/office/drawing/2014/main" id="{B8A3DBC7-6A4A-4011-92A9-F412C17B1C66}"/>
               </a:ext>
             </a:extLst>
           </p:cNvPr>
@@ -12523,7 +12523,7 @@
           <p:cNvPr id="88" name="Rectangle: Rounded Corners 87">
             <a:extLst>
               <a:ext uri="{FF2B5EF4-FFF2-40B4-BE49-F238E27FC236}">
-                <a16:creationId xmlns:a16="http://schemas.microsoft.com/office/drawing/2014/main" xmlns="" id="{0CF8D233-9171-43A4-85BD-ABAB646831AF}"/>
+                <a16:creationId xmlns:a16="http://schemas.microsoft.com/office/drawing/2014/main" id="{0CF8D233-9171-43A4-85BD-ABAB646831AF}"/>
               </a:ext>
             </a:extLst>
           </p:cNvPr>
@@ -12579,7 +12579,7 @@
           <p:cNvPr id="90" name="Rectangle: Rounded Corners 89">
             <a:extLst>
               <a:ext uri="{FF2B5EF4-FFF2-40B4-BE49-F238E27FC236}">
-                <a16:creationId xmlns:a16="http://schemas.microsoft.com/office/drawing/2014/main" xmlns="" id="{5C379F05-9D02-40C3-B3D8-D5C8F2A4BF93}"/>
+                <a16:creationId xmlns:a16="http://schemas.microsoft.com/office/drawing/2014/main" id="{5C379F05-9D02-40C3-B3D8-D5C8F2A4BF93}"/>
               </a:ext>
             </a:extLst>
           </p:cNvPr>
@@ -12629,7 +12629,7 @@
           <p:cNvPr id="91" name="TextBox 90">
             <a:extLst>
               <a:ext uri="{FF2B5EF4-FFF2-40B4-BE49-F238E27FC236}">
-                <a16:creationId xmlns:a16="http://schemas.microsoft.com/office/drawing/2014/main" xmlns="" id="{5F620889-9BC3-4B0A-999B-A4762BA52D7D}"/>
+                <a16:creationId xmlns:a16="http://schemas.microsoft.com/office/drawing/2014/main" id="{5F620889-9BC3-4B0A-999B-A4762BA52D7D}"/>
               </a:ext>
             </a:extLst>
           </p:cNvPr>
@@ -12664,7 +12664,7 @@
           <p:cNvPr id="92" name="Rectangle: Rounded Corners 91">
             <a:extLst>
               <a:ext uri="{FF2B5EF4-FFF2-40B4-BE49-F238E27FC236}">
-                <a16:creationId xmlns:a16="http://schemas.microsoft.com/office/drawing/2014/main" xmlns="" id="{B6783E9E-03EC-4CFD-9ACF-E5C9F8EFECCE}"/>
+                <a16:creationId xmlns:a16="http://schemas.microsoft.com/office/drawing/2014/main" id="{B6783E9E-03EC-4CFD-9ACF-E5C9F8EFECCE}"/>
               </a:ext>
             </a:extLst>
           </p:cNvPr>
@@ -12714,7 +12714,7 @@
           <p:cNvPr id="93" name="TextBox 92">
             <a:extLst>
               <a:ext uri="{FF2B5EF4-FFF2-40B4-BE49-F238E27FC236}">
-                <a16:creationId xmlns:a16="http://schemas.microsoft.com/office/drawing/2014/main" xmlns="" id="{3E9A4FFC-4F86-470C-B3D2-6AB4593827BB}"/>
+                <a16:creationId xmlns:a16="http://schemas.microsoft.com/office/drawing/2014/main" id="{3E9A4FFC-4F86-470C-B3D2-6AB4593827BB}"/>
               </a:ext>
             </a:extLst>
           </p:cNvPr>
@@ -12749,7 +12749,7 @@
           <p:cNvPr id="94" name="Rectangle: Rounded Corners 93">
             <a:extLst>
               <a:ext uri="{FF2B5EF4-FFF2-40B4-BE49-F238E27FC236}">
-                <a16:creationId xmlns:a16="http://schemas.microsoft.com/office/drawing/2014/main" xmlns="" id="{183E2CFB-6708-4833-B0CA-B876E4D361C0}"/>
+                <a16:creationId xmlns:a16="http://schemas.microsoft.com/office/drawing/2014/main" id="{183E2CFB-6708-4833-B0CA-B876E4D361C0}"/>
               </a:ext>
             </a:extLst>
           </p:cNvPr>
@@ -12799,7 +12799,7 @@
           <p:cNvPr id="95" name="TextBox 94">
             <a:extLst>
               <a:ext uri="{FF2B5EF4-FFF2-40B4-BE49-F238E27FC236}">
-                <a16:creationId xmlns:a16="http://schemas.microsoft.com/office/drawing/2014/main" xmlns="" id="{1E017ADC-0EB7-4510-9903-7A71892B45B1}"/>
+                <a16:creationId xmlns:a16="http://schemas.microsoft.com/office/drawing/2014/main" id="{1E017ADC-0EB7-4510-9903-7A71892B45B1}"/>
               </a:ext>
             </a:extLst>
           </p:cNvPr>
@@ -12834,7 +12834,7 @@
           <p:cNvPr id="86" name="Picture 85">
             <a:extLst>
               <a:ext uri="{FF2B5EF4-FFF2-40B4-BE49-F238E27FC236}">
-                <a16:creationId xmlns:a16="http://schemas.microsoft.com/office/drawing/2014/main" xmlns="" id="{00791D3D-41FC-439D-AD1D-54793BFB825A}"/>
+                <a16:creationId xmlns:a16="http://schemas.microsoft.com/office/drawing/2014/main" id="{00791D3D-41FC-439D-AD1D-54793BFB825A}"/>
               </a:ext>
             </a:extLst>
           </p:cNvPr>
@@ -12870,7 +12870,7 @@
           <p:cNvPr id="97" name="Picture 96">
             <a:extLst>
               <a:ext uri="{FF2B5EF4-FFF2-40B4-BE49-F238E27FC236}">
-                <a16:creationId xmlns:a16="http://schemas.microsoft.com/office/drawing/2014/main" xmlns="" id="{1CC91B1D-2395-4DA2-9868-217682F6E191}"/>
+                <a16:creationId xmlns:a16="http://schemas.microsoft.com/office/drawing/2014/main" id="{1CC91B1D-2395-4DA2-9868-217682F6E191}"/>
               </a:ext>
             </a:extLst>
           </p:cNvPr>
@@ -12906,7 +12906,7 @@
           <p:cNvPr id="106" name="Straight Arrow Connector 105">
             <a:extLst>
               <a:ext uri="{FF2B5EF4-FFF2-40B4-BE49-F238E27FC236}">
-                <a16:creationId xmlns:a16="http://schemas.microsoft.com/office/drawing/2014/main" xmlns="" id="{34871657-5E12-4A0B-A06D-9D016DA554B1}"/>
+                <a16:creationId xmlns:a16="http://schemas.microsoft.com/office/drawing/2014/main" id="{34871657-5E12-4A0B-A06D-9D016DA554B1}"/>
               </a:ext>
             </a:extLst>
           </p:cNvPr>
@@ -12947,7 +12947,7 @@
           <p:cNvPr id="103" name="Connector: Elbow 102">
             <a:extLst>
               <a:ext uri="{FF2B5EF4-FFF2-40B4-BE49-F238E27FC236}">
-                <a16:creationId xmlns:a16="http://schemas.microsoft.com/office/drawing/2014/main" xmlns="" id="{F44DB605-9103-4AB6-B8BC-00C223121746}"/>
+                <a16:creationId xmlns:a16="http://schemas.microsoft.com/office/drawing/2014/main" id="{F44DB605-9103-4AB6-B8BC-00C223121746}"/>
               </a:ext>
             </a:extLst>
           </p:cNvPr>
@@ -13020,7 +13020,7 @@
           <p:cNvPr id="3" name="Picture 2">
             <a:extLst>
               <a:ext uri="{FF2B5EF4-FFF2-40B4-BE49-F238E27FC236}">
-                <a16:creationId xmlns:a16="http://schemas.microsoft.com/office/drawing/2014/main" xmlns="" id="{E8DEEE7D-DDBC-4999-B8E9-1B93BD4DA374}"/>
+                <a16:creationId xmlns:a16="http://schemas.microsoft.com/office/drawing/2014/main" id="{E8DEEE7D-DDBC-4999-B8E9-1B93BD4DA374}"/>
               </a:ext>
             </a:extLst>
           </p:cNvPr>
@@ -13056,7 +13056,7 @@
           <p:cNvPr id="5" name="Picture 4">
             <a:extLst>
               <a:ext uri="{FF2B5EF4-FFF2-40B4-BE49-F238E27FC236}">
-                <a16:creationId xmlns:a16="http://schemas.microsoft.com/office/drawing/2014/main" xmlns="" id="{BAAF3AF4-97D7-4233-97A1-812DFF21DCA0}"/>
+                <a16:creationId xmlns:a16="http://schemas.microsoft.com/office/drawing/2014/main" id="{BAAF3AF4-97D7-4233-97A1-812DFF21DCA0}"/>
               </a:ext>
             </a:extLst>
           </p:cNvPr>
@@ -13092,7 +13092,7 @@
           <p:cNvPr id="7" name="Straight Arrow Connector 6">
             <a:extLst>
               <a:ext uri="{FF2B5EF4-FFF2-40B4-BE49-F238E27FC236}">
-                <a16:creationId xmlns:a16="http://schemas.microsoft.com/office/drawing/2014/main" xmlns="" id="{E4D4858D-1579-46ED-945F-373075443B57}"/>
+                <a16:creationId xmlns:a16="http://schemas.microsoft.com/office/drawing/2014/main" id="{E4D4858D-1579-46ED-945F-373075443B57}"/>
               </a:ext>
             </a:extLst>
           </p:cNvPr>
@@ -13131,7 +13131,7 @@
           <p:cNvPr id="8" name="Straight Arrow Connector 7">
             <a:extLst>
               <a:ext uri="{FF2B5EF4-FFF2-40B4-BE49-F238E27FC236}">
-                <a16:creationId xmlns:a16="http://schemas.microsoft.com/office/drawing/2014/main" xmlns="" id="{CB68DA18-F22B-4240-99EC-103C2B60CB73}"/>
+                <a16:creationId xmlns:a16="http://schemas.microsoft.com/office/drawing/2014/main" id="{CB68DA18-F22B-4240-99EC-103C2B60CB73}"/>
               </a:ext>
             </a:extLst>
           </p:cNvPr>
@@ -13170,7 +13170,7 @@
           <p:cNvPr id="9" name="Straight Arrow Connector 8">
             <a:extLst>
               <a:ext uri="{FF2B5EF4-FFF2-40B4-BE49-F238E27FC236}">
-                <a16:creationId xmlns:a16="http://schemas.microsoft.com/office/drawing/2014/main" xmlns="" id="{61B91BA8-2599-4B20-9A44-399398B2E3BF}"/>
+                <a16:creationId xmlns:a16="http://schemas.microsoft.com/office/drawing/2014/main" id="{61B91BA8-2599-4B20-9A44-399398B2E3BF}"/>
               </a:ext>
             </a:extLst>
           </p:cNvPr>
@@ -13209,7 +13209,7 @@
           <p:cNvPr id="10" name="Straight Arrow Connector 9">
             <a:extLst>
               <a:ext uri="{FF2B5EF4-FFF2-40B4-BE49-F238E27FC236}">
-                <a16:creationId xmlns:a16="http://schemas.microsoft.com/office/drawing/2014/main" xmlns="" id="{873E477F-4891-42AB-A7C1-2A9E3FF2678D}"/>
+                <a16:creationId xmlns:a16="http://schemas.microsoft.com/office/drawing/2014/main" id="{873E477F-4891-42AB-A7C1-2A9E3FF2678D}"/>
               </a:ext>
             </a:extLst>
           </p:cNvPr>
@@ -13248,7 +13248,7 @@
           <p:cNvPr id="11" name="Straight Arrow Connector 10">
             <a:extLst>
               <a:ext uri="{FF2B5EF4-FFF2-40B4-BE49-F238E27FC236}">
-                <a16:creationId xmlns:a16="http://schemas.microsoft.com/office/drawing/2014/main" xmlns="" id="{1B8D9EB5-4075-4491-AD17-410C0A0F003B}"/>
+                <a16:creationId xmlns:a16="http://schemas.microsoft.com/office/drawing/2014/main" id="{1B8D9EB5-4075-4491-AD17-410C0A0F003B}"/>
               </a:ext>
             </a:extLst>
           </p:cNvPr>
@@ -13289,7 +13289,7 @@
           <p:cNvPr id="13" name="Straight Arrow Connector 12">
             <a:extLst>
               <a:ext uri="{FF2B5EF4-FFF2-40B4-BE49-F238E27FC236}">
-                <a16:creationId xmlns:a16="http://schemas.microsoft.com/office/drawing/2014/main" xmlns="" id="{2BD1B6FD-66B5-4ECD-8D45-817A7337C525}"/>
+                <a16:creationId xmlns:a16="http://schemas.microsoft.com/office/drawing/2014/main" id="{2BD1B6FD-66B5-4ECD-8D45-817A7337C525}"/>
               </a:ext>
             </a:extLst>
           </p:cNvPr>
@@ -13330,7 +13330,7 @@
           <p:cNvPr id="14" name="Straight Arrow Connector 13">
             <a:extLst>
               <a:ext uri="{FF2B5EF4-FFF2-40B4-BE49-F238E27FC236}">
-                <a16:creationId xmlns:a16="http://schemas.microsoft.com/office/drawing/2014/main" xmlns="" id="{63DC4C37-CBA2-4923-88C6-9D97D1870769}"/>
+                <a16:creationId xmlns:a16="http://schemas.microsoft.com/office/drawing/2014/main" id="{63DC4C37-CBA2-4923-88C6-9D97D1870769}"/>
               </a:ext>
             </a:extLst>
           </p:cNvPr>
@@ -13371,7 +13371,7 @@
           <p:cNvPr id="15" name="Straight Arrow Connector 14">
             <a:extLst>
               <a:ext uri="{FF2B5EF4-FFF2-40B4-BE49-F238E27FC236}">
-                <a16:creationId xmlns:a16="http://schemas.microsoft.com/office/drawing/2014/main" xmlns="" id="{B6B259F9-8D1C-4506-BF7F-3DE4CA2EF538}"/>
+                <a16:creationId xmlns:a16="http://schemas.microsoft.com/office/drawing/2014/main" id="{B6B259F9-8D1C-4506-BF7F-3DE4CA2EF538}"/>
               </a:ext>
             </a:extLst>
           </p:cNvPr>
@@ -13412,7 +13412,7 @@
           <p:cNvPr id="18" name="Straight Arrow Connector 17">
             <a:extLst>
               <a:ext uri="{FF2B5EF4-FFF2-40B4-BE49-F238E27FC236}">
-                <a16:creationId xmlns:a16="http://schemas.microsoft.com/office/drawing/2014/main" xmlns="" id="{6B1C2559-CA3F-40C2-BA33-AD7E19E34273}"/>
+                <a16:creationId xmlns:a16="http://schemas.microsoft.com/office/drawing/2014/main" id="{6B1C2559-CA3F-40C2-BA33-AD7E19E34273}"/>
               </a:ext>
             </a:extLst>
           </p:cNvPr>
@@ -13453,7 +13453,7 @@
           <p:cNvPr id="20" name="Straight Arrow Connector 19">
             <a:extLst>
               <a:ext uri="{FF2B5EF4-FFF2-40B4-BE49-F238E27FC236}">
-                <a16:creationId xmlns:a16="http://schemas.microsoft.com/office/drawing/2014/main" xmlns="" id="{6E2BFA1E-9A35-4DEE-BF3B-1BADA58CD6C8}"/>
+                <a16:creationId xmlns:a16="http://schemas.microsoft.com/office/drawing/2014/main" id="{6E2BFA1E-9A35-4DEE-BF3B-1BADA58CD6C8}"/>
               </a:ext>
             </a:extLst>
           </p:cNvPr>
@@ -13494,7 +13494,7 @@
           <p:cNvPr id="22" name="Straight Arrow Connector 21">
             <a:extLst>
               <a:ext uri="{FF2B5EF4-FFF2-40B4-BE49-F238E27FC236}">
-                <a16:creationId xmlns:a16="http://schemas.microsoft.com/office/drawing/2014/main" xmlns="" id="{8C294C3B-13D8-4B0B-897D-8A0183DDA223}"/>
+                <a16:creationId xmlns:a16="http://schemas.microsoft.com/office/drawing/2014/main" id="{8C294C3B-13D8-4B0B-897D-8A0183DDA223}"/>
               </a:ext>
             </a:extLst>
           </p:cNvPr>
@@ -13535,7 +13535,7 @@
           <p:cNvPr id="24" name="Straight Arrow Connector 23">
             <a:extLst>
               <a:ext uri="{FF2B5EF4-FFF2-40B4-BE49-F238E27FC236}">
-                <a16:creationId xmlns:a16="http://schemas.microsoft.com/office/drawing/2014/main" xmlns="" id="{C28CE298-CE79-449C-9B63-77A668C7E92D}"/>
+                <a16:creationId xmlns:a16="http://schemas.microsoft.com/office/drawing/2014/main" id="{C28CE298-CE79-449C-9B63-77A668C7E92D}"/>
               </a:ext>
             </a:extLst>
           </p:cNvPr>
@@ -13576,7 +13576,7 @@
           <p:cNvPr id="25" name="Straight Arrow Connector 24">
             <a:extLst>
               <a:ext uri="{FF2B5EF4-FFF2-40B4-BE49-F238E27FC236}">
-                <a16:creationId xmlns:a16="http://schemas.microsoft.com/office/drawing/2014/main" xmlns="" id="{31017DD6-542E-4763-B104-693068FA2833}"/>
+                <a16:creationId xmlns:a16="http://schemas.microsoft.com/office/drawing/2014/main" id="{31017DD6-542E-4763-B104-693068FA2833}"/>
               </a:ext>
             </a:extLst>
           </p:cNvPr>
@@ -13617,7 +13617,7 @@
           <p:cNvPr id="26" name="Straight Arrow Connector 25">
             <a:extLst>
               <a:ext uri="{FF2B5EF4-FFF2-40B4-BE49-F238E27FC236}">
-                <a16:creationId xmlns:a16="http://schemas.microsoft.com/office/drawing/2014/main" xmlns="" id="{8D77271B-CB42-47BB-B523-26882F2F3EA2}"/>
+                <a16:creationId xmlns:a16="http://schemas.microsoft.com/office/drawing/2014/main" id="{8D77271B-CB42-47BB-B523-26882F2F3EA2}"/>
               </a:ext>
             </a:extLst>
           </p:cNvPr>
@@ -13658,7 +13658,7 @@
           <p:cNvPr id="27" name="Straight Arrow Connector 26">
             <a:extLst>
               <a:ext uri="{FF2B5EF4-FFF2-40B4-BE49-F238E27FC236}">
-                <a16:creationId xmlns:a16="http://schemas.microsoft.com/office/drawing/2014/main" xmlns="" id="{2E6270A8-4926-4615-8712-193B3B9E359D}"/>
+                <a16:creationId xmlns:a16="http://schemas.microsoft.com/office/drawing/2014/main" id="{2E6270A8-4926-4615-8712-193B3B9E359D}"/>
               </a:ext>
             </a:extLst>
           </p:cNvPr>
@@ -13699,7 +13699,7 @@
           <p:cNvPr id="29" name="Straight Arrow Connector 28">
             <a:extLst>
               <a:ext uri="{FF2B5EF4-FFF2-40B4-BE49-F238E27FC236}">
-                <a16:creationId xmlns:a16="http://schemas.microsoft.com/office/drawing/2014/main" xmlns="" id="{B41BF1E0-AA4F-4FB4-8B4A-217F916B2E30}"/>
+                <a16:creationId xmlns:a16="http://schemas.microsoft.com/office/drawing/2014/main" id="{B41BF1E0-AA4F-4FB4-8B4A-217F916B2E30}"/>
               </a:ext>
             </a:extLst>
           </p:cNvPr>
@@ -13740,7 +13740,7 @@
           <p:cNvPr id="30" name="Straight Arrow Connector 29">
             <a:extLst>
               <a:ext uri="{FF2B5EF4-FFF2-40B4-BE49-F238E27FC236}">
-                <a16:creationId xmlns:a16="http://schemas.microsoft.com/office/drawing/2014/main" xmlns="" id="{BB6E4E93-72B4-412D-97AD-FC51579F4774}"/>
+                <a16:creationId xmlns:a16="http://schemas.microsoft.com/office/drawing/2014/main" id="{BB6E4E93-72B4-412D-97AD-FC51579F4774}"/>
               </a:ext>
             </a:extLst>
           </p:cNvPr>
@@ -13781,7 +13781,7 @@
           <p:cNvPr id="31" name="Straight Arrow Connector 30">
             <a:extLst>
               <a:ext uri="{FF2B5EF4-FFF2-40B4-BE49-F238E27FC236}">
-                <a16:creationId xmlns:a16="http://schemas.microsoft.com/office/drawing/2014/main" xmlns="" id="{637913FB-ADF3-478B-A7BD-808D637E1178}"/>
+                <a16:creationId xmlns:a16="http://schemas.microsoft.com/office/drawing/2014/main" id="{637913FB-ADF3-478B-A7BD-808D637E1178}"/>
               </a:ext>
             </a:extLst>
           </p:cNvPr>
@@ -13822,7 +13822,7 @@
           <p:cNvPr id="33" name="Straight Arrow Connector 32">
             <a:extLst>
               <a:ext uri="{FF2B5EF4-FFF2-40B4-BE49-F238E27FC236}">
-                <a16:creationId xmlns:a16="http://schemas.microsoft.com/office/drawing/2014/main" xmlns="" id="{6ABE330E-4F9C-481A-9CBD-2E75ECEFF2F4}"/>
+                <a16:creationId xmlns:a16="http://schemas.microsoft.com/office/drawing/2014/main" id="{6ABE330E-4F9C-481A-9CBD-2E75ECEFF2F4}"/>
               </a:ext>
             </a:extLst>
           </p:cNvPr>
@@ -13863,7 +13863,7 @@
           <p:cNvPr id="34" name="Straight Arrow Connector 33">
             <a:extLst>
               <a:ext uri="{FF2B5EF4-FFF2-40B4-BE49-F238E27FC236}">
-                <a16:creationId xmlns:a16="http://schemas.microsoft.com/office/drawing/2014/main" xmlns="" id="{2C2C8C94-0B48-4DA4-B68C-D84E92C20ED9}"/>
+                <a16:creationId xmlns:a16="http://schemas.microsoft.com/office/drawing/2014/main" id="{2C2C8C94-0B48-4DA4-B68C-D84E92C20ED9}"/>
               </a:ext>
             </a:extLst>
           </p:cNvPr>
@@ -13934,7 +13934,7 @@
           <p:cNvPr id="11" name="Oval 10">
             <a:extLst>
               <a:ext uri="{FF2B5EF4-FFF2-40B4-BE49-F238E27FC236}">
-                <a16:creationId xmlns:a16="http://schemas.microsoft.com/office/drawing/2014/main" xmlns="" id="{B30A05C0-383E-4F3E-8B92-28A2A36B5C6F}"/>
+                <a16:creationId xmlns:a16="http://schemas.microsoft.com/office/drawing/2014/main" id="{B30A05C0-383E-4F3E-8B92-28A2A36B5C6F}"/>
               </a:ext>
             </a:extLst>
           </p:cNvPr>
@@ -13987,7 +13987,7 @@
           <p:cNvPr id="2" name="Oval 1">
             <a:extLst>
               <a:ext uri="{FF2B5EF4-FFF2-40B4-BE49-F238E27FC236}">
-                <a16:creationId xmlns:a16="http://schemas.microsoft.com/office/drawing/2014/main" xmlns="" id="{1938BF84-235B-44EB-82A4-4AAAE1A83572}"/>
+                <a16:creationId xmlns:a16="http://schemas.microsoft.com/office/drawing/2014/main" id="{1938BF84-235B-44EB-82A4-4AAAE1A83572}"/>
               </a:ext>
             </a:extLst>
           </p:cNvPr>
@@ -14036,7 +14036,7 @@
           <p:cNvPr id="3" name="Oval 2">
             <a:extLst>
               <a:ext uri="{FF2B5EF4-FFF2-40B4-BE49-F238E27FC236}">
-                <a16:creationId xmlns:a16="http://schemas.microsoft.com/office/drawing/2014/main" xmlns="" id="{82813E74-5D5D-41B3-AC8E-2D8089EF4EA4}"/>
+                <a16:creationId xmlns:a16="http://schemas.microsoft.com/office/drawing/2014/main" id="{82813E74-5D5D-41B3-AC8E-2D8089EF4EA4}"/>
               </a:ext>
             </a:extLst>
           </p:cNvPr>
@@ -14085,7 +14085,7 @@
           <p:cNvPr id="4" name="Oval 3">
             <a:extLst>
               <a:ext uri="{FF2B5EF4-FFF2-40B4-BE49-F238E27FC236}">
-                <a16:creationId xmlns:a16="http://schemas.microsoft.com/office/drawing/2014/main" xmlns="" id="{0F6DC0F6-B294-40EC-9357-97000B5E53A4}"/>
+                <a16:creationId xmlns:a16="http://schemas.microsoft.com/office/drawing/2014/main" id="{0F6DC0F6-B294-40EC-9357-97000B5E53A4}"/>
               </a:ext>
             </a:extLst>
           </p:cNvPr>
@@ -14134,7 +14134,7 @@
           <p:cNvPr id="5" name="Oval 4">
             <a:extLst>
               <a:ext uri="{FF2B5EF4-FFF2-40B4-BE49-F238E27FC236}">
-                <a16:creationId xmlns:a16="http://schemas.microsoft.com/office/drawing/2014/main" xmlns="" id="{1399CCE1-25F1-4D49-A3D5-BC34CCE9F888}"/>
+                <a16:creationId xmlns:a16="http://schemas.microsoft.com/office/drawing/2014/main" id="{1399CCE1-25F1-4D49-A3D5-BC34CCE9F888}"/>
               </a:ext>
             </a:extLst>
           </p:cNvPr>
@@ -14183,7 +14183,7 @@
           <p:cNvPr id="6" name="Oval 5">
             <a:extLst>
               <a:ext uri="{FF2B5EF4-FFF2-40B4-BE49-F238E27FC236}">
-                <a16:creationId xmlns:a16="http://schemas.microsoft.com/office/drawing/2014/main" xmlns="" id="{7F02B953-9241-4083-950A-E1CEDCB04E73}"/>
+                <a16:creationId xmlns:a16="http://schemas.microsoft.com/office/drawing/2014/main" id="{7F02B953-9241-4083-950A-E1CEDCB04E73}"/>
               </a:ext>
             </a:extLst>
           </p:cNvPr>
@@ -14232,7 +14232,7 @@
           <p:cNvPr id="7" name="Oval 6">
             <a:extLst>
               <a:ext uri="{FF2B5EF4-FFF2-40B4-BE49-F238E27FC236}">
-                <a16:creationId xmlns:a16="http://schemas.microsoft.com/office/drawing/2014/main" xmlns="" id="{657C1577-F27D-4B27-8BA5-058C4817B7A6}"/>
+                <a16:creationId xmlns:a16="http://schemas.microsoft.com/office/drawing/2014/main" id="{657C1577-F27D-4B27-8BA5-058C4817B7A6}"/>
               </a:ext>
             </a:extLst>
           </p:cNvPr>
@@ -14281,7 +14281,7 @@
           <p:cNvPr id="9" name="Oval 8">
             <a:extLst>
               <a:ext uri="{FF2B5EF4-FFF2-40B4-BE49-F238E27FC236}">
-                <a16:creationId xmlns:a16="http://schemas.microsoft.com/office/drawing/2014/main" xmlns="" id="{77BD9123-4339-49C8-BB06-276216FFA5A3}"/>
+                <a16:creationId xmlns:a16="http://schemas.microsoft.com/office/drawing/2014/main" id="{77BD9123-4339-49C8-BB06-276216FFA5A3}"/>
               </a:ext>
             </a:extLst>
           </p:cNvPr>
@@ -14330,7 +14330,7 @@
           <p:cNvPr id="10" name="Oval 9">
             <a:extLst>
               <a:ext uri="{FF2B5EF4-FFF2-40B4-BE49-F238E27FC236}">
-                <a16:creationId xmlns:a16="http://schemas.microsoft.com/office/drawing/2014/main" xmlns="" id="{DD89ED82-4F60-45CD-B3E5-7F509BB0B12C}"/>
+                <a16:creationId xmlns:a16="http://schemas.microsoft.com/office/drawing/2014/main" id="{DD89ED82-4F60-45CD-B3E5-7F509BB0B12C}"/>
               </a:ext>
             </a:extLst>
           </p:cNvPr>
@@ -14379,7 +14379,7 @@
           <p:cNvPr id="12" name="Oval 11">
             <a:extLst>
               <a:ext uri="{FF2B5EF4-FFF2-40B4-BE49-F238E27FC236}">
-                <a16:creationId xmlns:a16="http://schemas.microsoft.com/office/drawing/2014/main" xmlns="" id="{6D5D74FA-E319-41C3-BEF6-83D16CB48FAF}"/>
+                <a16:creationId xmlns:a16="http://schemas.microsoft.com/office/drawing/2014/main" id="{6D5D74FA-E319-41C3-BEF6-83D16CB48FAF}"/>
               </a:ext>
             </a:extLst>
           </p:cNvPr>
@@ -14430,7 +14430,7 @@
           <p:cNvPr id="13" name="Oval 12">
             <a:extLst>
               <a:ext uri="{FF2B5EF4-FFF2-40B4-BE49-F238E27FC236}">
-                <a16:creationId xmlns:a16="http://schemas.microsoft.com/office/drawing/2014/main" xmlns="" id="{775CAD5C-B79A-45AC-BBD9-6850196C1269}"/>
+                <a16:creationId xmlns:a16="http://schemas.microsoft.com/office/drawing/2014/main" id="{775CAD5C-B79A-45AC-BBD9-6850196C1269}"/>
               </a:ext>
             </a:extLst>
           </p:cNvPr>
@@ -14481,7 +14481,7 @@
           <p:cNvPr id="15" name="Straight Connector 14">
             <a:extLst>
               <a:ext uri="{FF2B5EF4-FFF2-40B4-BE49-F238E27FC236}">
-                <a16:creationId xmlns:a16="http://schemas.microsoft.com/office/drawing/2014/main" xmlns="" id="{6C7E04F1-2E80-4DCB-8FFF-F82B3740DAEA}"/>
+                <a16:creationId xmlns:a16="http://schemas.microsoft.com/office/drawing/2014/main" id="{6C7E04F1-2E80-4DCB-8FFF-F82B3740DAEA}"/>
               </a:ext>
             </a:extLst>
           </p:cNvPr>
@@ -14520,7 +14520,7 @@
           <p:cNvPr id="16" name="Oval 15">
             <a:extLst>
               <a:ext uri="{FF2B5EF4-FFF2-40B4-BE49-F238E27FC236}">
-                <a16:creationId xmlns:a16="http://schemas.microsoft.com/office/drawing/2014/main" xmlns="" id="{229B6344-B2A0-40E0-9625-7DA25DF432A3}"/>
+                <a16:creationId xmlns:a16="http://schemas.microsoft.com/office/drawing/2014/main" id="{229B6344-B2A0-40E0-9625-7DA25DF432A3}"/>
               </a:ext>
             </a:extLst>
           </p:cNvPr>
@@ -14571,7 +14571,7 @@
           <p:cNvPr id="17" name="Oval 16">
             <a:extLst>
               <a:ext uri="{FF2B5EF4-FFF2-40B4-BE49-F238E27FC236}">
-                <a16:creationId xmlns:a16="http://schemas.microsoft.com/office/drawing/2014/main" xmlns="" id="{00B4BC29-62C2-4F1F-B65D-B69EA37A2279}"/>
+                <a16:creationId xmlns:a16="http://schemas.microsoft.com/office/drawing/2014/main" id="{00B4BC29-62C2-4F1F-B65D-B69EA37A2279}"/>
               </a:ext>
             </a:extLst>
           </p:cNvPr>
@@ -14622,7 +14622,7 @@
           <p:cNvPr id="18" name="Straight Connector 17">
             <a:extLst>
               <a:ext uri="{FF2B5EF4-FFF2-40B4-BE49-F238E27FC236}">
-                <a16:creationId xmlns:a16="http://schemas.microsoft.com/office/drawing/2014/main" xmlns="" id="{70DE1CC5-AAD7-447E-AF51-57871CF574C6}"/>
+                <a16:creationId xmlns:a16="http://schemas.microsoft.com/office/drawing/2014/main" id="{70DE1CC5-AAD7-447E-AF51-57871CF574C6}"/>
               </a:ext>
             </a:extLst>
           </p:cNvPr>
@@ -14661,7 +14661,7 @@
           <p:cNvPr id="26" name="Group 25">
             <a:extLst>
               <a:ext uri="{FF2B5EF4-FFF2-40B4-BE49-F238E27FC236}">
-                <a16:creationId xmlns:a16="http://schemas.microsoft.com/office/drawing/2014/main" xmlns="" id="{DBCB1ED6-4EA5-4DC4-BE04-30A32471DE6B}"/>
+                <a16:creationId xmlns:a16="http://schemas.microsoft.com/office/drawing/2014/main" id="{DBCB1ED6-4EA5-4DC4-BE04-30A32471DE6B}"/>
               </a:ext>
             </a:extLst>
           </p:cNvPr>
@@ -14681,7 +14681,7 @@
             <p:cNvPr id="19" name="Oval 18">
               <a:extLst>
                 <a:ext uri="{FF2B5EF4-FFF2-40B4-BE49-F238E27FC236}">
-                  <a16:creationId xmlns:a16="http://schemas.microsoft.com/office/drawing/2014/main" xmlns="" id="{92083C3B-1F1B-40CD-998B-71CEAC41DFCF}"/>
+                  <a16:creationId xmlns:a16="http://schemas.microsoft.com/office/drawing/2014/main" id="{92083C3B-1F1B-40CD-998B-71CEAC41DFCF}"/>
                 </a:ext>
               </a:extLst>
             </p:cNvPr>
@@ -14732,7 +14732,7 @@
             <p:cNvPr id="20" name="Oval 19">
               <a:extLst>
                 <a:ext uri="{FF2B5EF4-FFF2-40B4-BE49-F238E27FC236}">
-                  <a16:creationId xmlns:a16="http://schemas.microsoft.com/office/drawing/2014/main" xmlns="" id="{784DFE51-A6EA-4724-8FAB-1435940973C0}"/>
+                  <a16:creationId xmlns:a16="http://schemas.microsoft.com/office/drawing/2014/main" id="{784DFE51-A6EA-4724-8FAB-1435940973C0}"/>
                 </a:ext>
               </a:extLst>
             </p:cNvPr>
@@ -14783,7 +14783,7 @@
             <p:cNvPr id="21" name="Straight Connector 20">
               <a:extLst>
                 <a:ext uri="{FF2B5EF4-FFF2-40B4-BE49-F238E27FC236}">
-                  <a16:creationId xmlns:a16="http://schemas.microsoft.com/office/drawing/2014/main" xmlns="" id="{38AED743-14CC-4B5C-8AC8-3A3AEACB193B}"/>
+                  <a16:creationId xmlns:a16="http://schemas.microsoft.com/office/drawing/2014/main" id="{38AED743-14CC-4B5C-8AC8-3A3AEACB193B}"/>
                 </a:ext>
               </a:extLst>
             </p:cNvPr>
@@ -14824,7 +14824,7 @@
           <p:cNvPr id="27" name="Group 26">
             <a:extLst>
               <a:ext uri="{FF2B5EF4-FFF2-40B4-BE49-F238E27FC236}">
-                <a16:creationId xmlns:a16="http://schemas.microsoft.com/office/drawing/2014/main" xmlns="" id="{3F7FD7D9-C58C-41E4-A1EE-1FCB232094B6}"/>
+                <a16:creationId xmlns:a16="http://schemas.microsoft.com/office/drawing/2014/main" id="{3F7FD7D9-C58C-41E4-A1EE-1FCB232094B6}"/>
               </a:ext>
             </a:extLst>
           </p:cNvPr>
@@ -14844,7 +14844,7 @@
             <p:cNvPr id="28" name="Oval 27">
               <a:extLst>
                 <a:ext uri="{FF2B5EF4-FFF2-40B4-BE49-F238E27FC236}">
-                  <a16:creationId xmlns:a16="http://schemas.microsoft.com/office/drawing/2014/main" xmlns="" id="{7FD68A78-6624-4222-B3FC-BCF20A329101}"/>
+                  <a16:creationId xmlns:a16="http://schemas.microsoft.com/office/drawing/2014/main" id="{7FD68A78-6624-4222-B3FC-BCF20A329101}"/>
                 </a:ext>
               </a:extLst>
             </p:cNvPr>
@@ -14895,7 +14895,7 @@
             <p:cNvPr id="29" name="Oval 28">
               <a:extLst>
                 <a:ext uri="{FF2B5EF4-FFF2-40B4-BE49-F238E27FC236}">
-                  <a16:creationId xmlns:a16="http://schemas.microsoft.com/office/drawing/2014/main" xmlns="" id="{CC51B31C-4881-4E35-BB9F-AAD3B2BB8A7B}"/>
+                  <a16:creationId xmlns:a16="http://schemas.microsoft.com/office/drawing/2014/main" id="{CC51B31C-4881-4E35-BB9F-AAD3B2BB8A7B}"/>
                 </a:ext>
               </a:extLst>
             </p:cNvPr>
@@ -14946,7 +14946,7 @@
             <p:cNvPr id="30" name="Straight Connector 29">
               <a:extLst>
                 <a:ext uri="{FF2B5EF4-FFF2-40B4-BE49-F238E27FC236}">
-                  <a16:creationId xmlns:a16="http://schemas.microsoft.com/office/drawing/2014/main" xmlns="" id="{0F6025FF-CD92-4C68-8401-0486467B3072}"/>
+                  <a16:creationId xmlns:a16="http://schemas.microsoft.com/office/drawing/2014/main" id="{0F6025FF-CD92-4C68-8401-0486467B3072}"/>
                 </a:ext>
               </a:extLst>
             </p:cNvPr>
@@ -15017,7 +15017,7 @@
           <p:cNvPr id="8" name="Rectangle: Rounded Corners 7">
             <a:extLst>
               <a:ext uri="{FF2B5EF4-FFF2-40B4-BE49-F238E27FC236}">
-                <a16:creationId xmlns:a16="http://schemas.microsoft.com/office/drawing/2014/main" xmlns="" id="{B304AFB2-60BA-4E0D-B1C9-AE712F6EB3DD}"/>
+                <a16:creationId xmlns:a16="http://schemas.microsoft.com/office/drawing/2014/main" id="{B304AFB2-60BA-4E0D-B1C9-AE712F6EB3DD}"/>
               </a:ext>
             </a:extLst>
           </p:cNvPr>
@@ -15071,7 +15071,7 @@
           <p:cNvPr id="17" name="Rectangle: Rounded Corners 16">
             <a:extLst>
               <a:ext uri="{FF2B5EF4-FFF2-40B4-BE49-F238E27FC236}">
-                <a16:creationId xmlns:a16="http://schemas.microsoft.com/office/drawing/2014/main" xmlns="" id="{392A212E-9B63-46FC-9884-88D4763D42EB}"/>
+                <a16:creationId xmlns:a16="http://schemas.microsoft.com/office/drawing/2014/main" id="{392A212E-9B63-46FC-9884-88D4763D42EB}"/>
               </a:ext>
             </a:extLst>
           </p:cNvPr>
@@ -15125,7 +15125,7 @@
           <p:cNvPr id="5" name="Rectangle: Rounded Corners 4">
             <a:extLst>
               <a:ext uri="{FF2B5EF4-FFF2-40B4-BE49-F238E27FC236}">
-                <a16:creationId xmlns:a16="http://schemas.microsoft.com/office/drawing/2014/main" xmlns="" id="{85685186-CF23-43DD-BA60-8179CB6E3D96}"/>
+                <a16:creationId xmlns:a16="http://schemas.microsoft.com/office/drawing/2014/main" id="{85685186-CF23-43DD-BA60-8179CB6E3D96}"/>
               </a:ext>
             </a:extLst>
           </p:cNvPr>
@@ -15186,7 +15186,7 @@
           <p:cNvPr id="7" name="Straight Arrow Connector 6">
             <a:extLst>
               <a:ext uri="{FF2B5EF4-FFF2-40B4-BE49-F238E27FC236}">
-                <a16:creationId xmlns:a16="http://schemas.microsoft.com/office/drawing/2014/main" xmlns="" id="{84E89CB0-53F1-47DF-8456-7C960A098DB3}"/>
+                <a16:creationId xmlns:a16="http://schemas.microsoft.com/office/drawing/2014/main" id="{84E89CB0-53F1-47DF-8456-7C960A098DB3}"/>
               </a:ext>
             </a:extLst>
           </p:cNvPr>
@@ -15227,7 +15227,7 @@
           <p:cNvPr id="16" name="Straight Arrow Connector 15">
             <a:extLst>
               <a:ext uri="{FF2B5EF4-FFF2-40B4-BE49-F238E27FC236}">
-                <a16:creationId xmlns:a16="http://schemas.microsoft.com/office/drawing/2014/main" xmlns="" id="{85FC4942-B34C-4B5F-90EE-B4F60819EA1B}"/>
+                <a16:creationId xmlns:a16="http://schemas.microsoft.com/office/drawing/2014/main" id="{85FC4942-B34C-4B5F-90EE-B4F60819EA1B}"/>
               </a:ext>
             </a:extLst>
           </p:cNvPr>
@@ -15268,7 +15268,7 @@
           <p:cNvPr id="18" name="Rectangle: Rounded Corners 17">
             <a:extLst>
               <a:ext uri="{FF2B5EF4-FFF2-40B4-BE49-F238E27FC236}">
-                <a16:creationId xmlns:a16="http://schemas.microsoft.com/office/drawing/2014/main" xmlns="" id="{651447D9-0C99-4CE3-929E-B866B70FD89D}"/>
+                <a16:creationId xmlns:a16="http://schemas.microsoft.com/office/drawing/2014/main" id="{651447D9-0C99-4CE3-929E-B866B70FD89D}"/>
               </a:ext>
             </a:extLst>
           </p:cNvPr>
@@ -15322,7 +15322,7 @@
           <p:cNvPr id="29" name="Rectangle: Rounded Corners 28">
             <a:extLst>
               <a:ext uri="{FF2B5EF4-FFF2-40B4-BE49-F238E27FC236}">
-                <a16:creationId xmlns:a16="http://schemas.microsoft.com/office/drawing/2014/main" xmlns="" id="{035F283D-BC6C-4318-A026-FEC37EEAAD3F}"/>
+                <a16:creationId xmlns:a16="http://schemas.microsoft.com/office/drawing/2014/main" id="{035F283D-BC6C-4318-A026-FEC37EEAAD3F}"/>
               </a:ext>
             </a:extLst>
           </p:cNvPr>
@@ -15376,7 +15376,7 @@
           <p:cNvPr id="20" name="Picture 19">
             <a:extLst>
               <a:ext uri="{FF2B5EF4-FFF2-40B4-BE49-F238E27FC236}">
-                <a16:creationId xmlns:a16="http://schemas.microsoft.com/office/drawing/2014/main" xmlns="" id="{D7D8FED3-E637-4762-A3DE-ADDC79E27F86}"/>
+                <a16:creationId xmlns:a16="http://schemas.microsoft.com/office/drawing/2014/main" id="{D7D8FED3-E637-4762-A3DE-ADDC79E27F86}"/>
               </a:ext>
             </a:extLst>
           </p:cNvPr>
@@ -15415,7 +15415,7 @@
           <p:cNvPr id="24" name="Picture 23">
             <a:extLst>
               <a:ext uri="{FF2B5EF4-FFF2-40B4-BE49-F238E27FC236}">
-                <a16:creationId xmlns:a16="http://schemas.microsoft.com/office/drawing/2014/main" xmlns="" id="{D4500AEF-3D61-48B2-ABF2-9F6A1F903802}"/>
+                <a16:creationId xmlns:a16="http://schemas.microsoft.com/office/drawing/2014/main" id="{D4500AEF-3D61-48B2-ABF2-9F6A1F903802}"/>
               </a:ext>
             </a:extLst>
           </p:cNvPr>
@@ -15451,7 +15451,7 @@
           <p:cNvPr id="26" name="Straight Arrow Connector 25">
             <a:extLst>
               <a:ext uri="{FF2B5EF4-FFF2-40B4-BE49-F238E27FC236}">
-                <a16:creationId xmlns:a16="http://schemas.microsoft.com/office/drawing/2014/main" xmlns="" id="{32455E8B-21C1-49B3-9466-FAE9441C2501}"/>
+                <a16:creationId xmlns:a16="http://schemas.microsoft.com/office/drawing/2014/main" id="{32455E8B-21C1-49B3-9466-FAE9441C2501}"/>
               </a:ext>
             </a:extLst>
           </p:cNvPr>
@@ -15492,7 +15492,7 @@
           <p:cNvPr id="30" name="Rectangle: Rounded Corners 29">
             <a:extLst>
               <a:ext uri="{FF2B5EF4-FFF2-40B4-BE49-F238E27FC236}">
-                <a16:creationId xmlns:a16="http://schemas.microsoft.com/office/drawing/2014/main" xmlns="" id="{94B89276-CDE2-41B8-8809-D63CA05E6560}"/>
+                <a16:creationId xmlns:a16="http://schemas.microsoft.com/office/drawing/2014/main" id="{94B89276-CDE2-41B8-8809-D63CA05E6560}"/>
               </a:ext>
             </a:extLst>
           </p:cNvPr>
@@ -15546,7 +15546,7 @@
           <p:cNvPr id="36" name="Picture 35">
             <a:extLst>
               <a:ext uri="{FF2B5EF4-FFF2-40B4-BE49-F238E27FC236}">
-                <a16:creationId xmlns:a16="http://schemas.microsoft.com/office/drawing/2014/main" xmlns="" id="{FBE1242C-1971-466F-8150-0F98A68EBEC3}"/>
+                <a16:creationId xmlns:a16="http://schemas.microsoft.com/office/drawing/2014/main" id="{FBE1242C-1971-466F-8150-0F98A68EBEC3}"/>
               </a:ext>
             </a:extLst>
           </p:cNvPr>
@@ -15582,7 +15582,7 @@
           <p:cNvPr id="1026" name="Picture 2" descr="drl.png">
             <a:extLst>
               <a:ext uri="{FF2B5EF4-FFF2-40B4-BE49-F238E27FC236}">
-                <a16:creationId xmlns:a16="http://schemas.microsoft.com/office/drawing/2014/main" xmlns="" id="{DAD2A131-9B1F-4EE6-AEB7-648C92A3DB01}"/>
+                <a16:creationId xmlns:a16="http://schemas.microsoft.com/office/drawing/2014/main" id="{DAD2A131-9B1F-4EE6-AEB7-648C92A3DB01}"/>
               </a:ext>
             </a:extLst>
           </p:cNvPr>
@@ -15629,7 +15629,7 @@
           <p:cNvPr id="46" name="Graphic 45" descr="User">
             <a:extLst>
               <a:ext uri="{FF2B5EF4-FFF2-40B4-BE49-F238E27FC236}">
-                <a16:creationId xmlns:a16="http://schemas.microsoft.com/office/drawing/2014/main" xmlns="" id="{99ED5493-5C2F-4962-94D8-4AA8EAFCB281}"/>
+                <a16:creationId xmlns:a16="http://schemas.microsoft.com/office/drawing/2014/main" id="{99ED5493-5C2F-4962-94D8-4AA8EAFCB281}"/>
               </a:ext>
             </a:extLst>
           </p:cNvPr>
@@ -15645,7 +15645,7 @@
                 <a14:useLocalDpi xmlns:a14="http://schemas.microsoft.com/office/drawing/2010/main" val="0"/>
               </a:ext>
               <a:ext uri="{96DAC541-7B7A-43D3-8B79-37D633B846F1}">
-                <asvg:svgBlip xmlns:asvg="http://schemas.microsoft.com/office/drawing/2016/SVG/main" xmlns="" r:embed="rId7"/>
+                <asvg:svgBlip xmlns:asvg="http://schemas.microsoft.com/office/drawing/2016/SVG/main" r:embed="rId7"/>
               </a:ext>
             </a:extLst>
           </a:blip>
@@ -15668,7 +15668,7 @@
           <p:cNvPr id="48" name="Rectangle: Rounded Corners 47">
             <a:extLst>
               <a:ext uri="{FF2B5EF4-FFF2-40B4-BE49-F238E27FC236}">
-                <a16:creationId xmlns:a16="http://schemas.microsoft.com/office/drawing/2014/main" xmlns="" id="{C8B6EFD3-B617-46F5-A1AF-10E68C1FE390}"/>
+                <a16:creationId xmlns:a16="http://schemas.microsoft.com/office/drawing/2014/main" id="{C8B6EFD3-B617-46F5-A1AF-10E68C1FE390}"/>
               </a:ext>
             </a:extLst>
           </p:cNvPr>
@@ -15722,7 +15722,7 @@
           <p:cNvPr id="49" name="Straight Arrow Connector 48">
             <a:extLst>
               <a:ext uri="{FF2B5EF4-FFF2-40B4-BE49-F238E27FC236}">
-                <a16:creationId xmlns:a16="http://schemas.microsoft.com/office/drawing/2014/main" xmlns="" id="{0C1F7EA4-3C03-44B5-9F73-17E73B616260}"/>
+                <a16:creationId xmlns:a16="http://schemas.microsoft.com/office/drawing/2014/main" id="{0C1F7EA4-3C03-44B5-9F73-17E73B616260}"/>
               </a:ext>
             </a:extLst>
           </p:cNvPr>
@@ -15768,7 +15768,7 @@
           <p:cNvPr id="52" name="Straight Arrow Connector 51">
             <a:extLst>
               <a:ext uri="{FF2B5EF4-FFF2-40B4-BE49-F238E27FC236}">
-                <a16:creationId xmlns:a16="http://schemas.microsoft.com/office/drawing/2014/main" xmlns="" id="{F38D8D98-4192-4511-A113-55F1A6C6A21D}"/>
+                <a16:creationId xmlns:a16="http://schemas.microsoft.com/office/drawing/2014/main" id="{F38D8D98-4192-4511-A113-55F1A6C6A21D}"/>
               </a:ext>
             </a:extLst>
           </p:cNvPr>
@@ -15809,7 +15809,7 @@
           <p:cNvPr id="56" name="Rectangle: Rounded Corners 55">
             <a:extLst>
               <a:ext uri="{FF2B5EF4-FFF2-40B4-BE49-F238E27FC236}">
-                <a16:creationId xmlns:a16="http://schemas.microsoft.com/office/drawing/2014/main" xmlns="" id="{112DB57A-2E65-4C11-A9EE-FEA2BEB8AE55}"/>
+                <a16:creationId xmlns:a16="http://schemas.microsoft.com/office/drawing/2014/main" id="{112DB57A-2E65-4C11-A9EE-FEA2BEB8AE55}"/>
               </a:ext>
             </a:extLst>
           </p:cNvPr>
@@ -15867,7 +15867,7 @@
           <p:cNvPr id="57" name="Straight Arrow Connector 56">
             <a:extLst>
               <a:ext uri="{FF2B5EF4-FFF2-40B4-BE49-F238E27FC236}">
-                <a16:creationId xmlns:a16="http://schemas.microsoft.com/office/drawing/2014/main" xmlns="" id="{D364D252-9F9E-45B8-BE33-E44DA2E0ABAB}"/>
+                <a16:creationId xmlns:a16="http://schemas.microsoft.com/office/drawing/2014/main" id="{D364D252-9F9E-45B8-BE33-E44DA2E0ABAB}"/>
               </a:ext>
             </a:extLst>
           </p:cNvPr>
@@ -15913,7 +15913,7 @@
           <p:cNvPr id="60" name="Straight Arrow Connector 59">
             <a:extLst>
               <a:ext uri="{FF2B5EF4-FFF2-40B4-BE49-F238E27FC236}">
-                <a16:creationId xmlns:a16="http://schemas.microsoft.com/office/drawing/2014/main" xmlns="" id="{ED394B79-118A-4C0A-A769-C8825D54793C}"/>
+                <a16:creationId xmlns:a16="http://schemas.microsoft.com/office/drawing/2014/main" id="{ED394B79-118A-4C0A-A769-C8825D54793C}"/>
               </a:ext>
             </a:extLst>
           </p:cNvPr>
@@ -15954,7 +15954,7 @@
           <p:cNvPr id="13" name="Picture 12">
             <a:extLst>
               <a:ext uri="{FF2B5EF4-FFF2-40B4-BE49-F238E27FC236}">
-                <a16:creationId xmlns:a16="http://schemas.microsoft.com/office/drawing/2014/main" xmlns="" id="{E7F6AA3F-ABC3-44C4-AEA6-F5A243ECAD14}"/>
+                <a16:creationId xmlns:a16="http://schemas.microsoft.com/office/drawing/2014/main" id="{E7F6AA3F-ABC3-44C4-AEA6-F5A243ECAD14}"/>
               </a:ext>
             </a:extLst>
           </p:cNvPr>
@@ -16003,7 +16003,7 @@
           <p:cNvPr id="3" name="Picture 2">
             <a:extLst>
               <a:ext uri="{FF2B5EF4-FFF2-40B4-BE49-F238E27FC236}">
-                <a16:creationId xmlns:a16="http://schemas.microsoft.com/office/drawing/2014/main" xmlns="" id="{934984F2-9946-4302-9D49-8D61B5221C9B}"/>
+                <a16:creationId xmlns:a16="http://schemas.microsoft.com/office/drawing/2014/main" id="{934984F2-9946-4302-9D49-8D61B5221C9B}"/>
               </a:ext>
             </a:extLst>
           </p:cNvPr>
@@ -16039,7 +16039,7 @@
           <p:cNvPr id="84" name="Straight Arrow Connector 83">
             <a:extLst>
               <a:ext uri="{FF2B5EF4-FFF2-40B4-BE49-F238E27FC236}">
-                <a16:creationId xmlns:a16="http://schemas.microsoft.com/office/drawing/2014/main" xmlns="" id="{880E4A8B-E082-423E-9AAD-076E3391580D}"/>
+                <a16:creationId xmlns:a16="http://schemas.microsoft.com/office/drawing/2014/main" id="{880E4A8B-E082-423E-9AAD-076E3391580D}"/>
               </a:ext>
             </a:extLst>
           </p:cNvPr>
@@ -16080,7 +16080,7 @@
           <p:cNvPr id="89" name="Straight Arrow Connector 88">
             <a:extLst>
               <a:ext uri="{FF2B5EF4-FFF2-40B4-BE49-F238E27FC236}">
-                <a16:creationId xmlns:a16="http://schemas.microsoft.com/office/drawing/2014/main" xmlns="" id="{0DEEF98B-0AA2-4442-97EE-9699B04EB8FD}"/>
+                <a16:creationId xmlns:a16="http://schemas.microsoft.com/office/drawing/2014/main" id="{0DEEF98B-0AA2-4442-97EE-9699B04EB8FD}"/>
               </a:ext>
             </a:extLst>
           </p:cNvPr>
@@ -16126,7 +16126,7 @@
           <p:cNvPr id="93" name="Straight Arrow Connector 92">
             <a:extLst>
               <a:ext uri="{FF2B5EF4-FFF2-40B4-BE49-F238E27FC236}">
-                <a16:creationId xmlns:a16="http://schemas.microsoft.com/office/drawing/2014/main" xmlns="" id="{70F128CD-95A1-4146-9287-9E4E0230A95D}"/>
+                <a16:creationId xmlns:a16="http://schemas.microsoft.com/office/drawing/2014/main" id="{70F128CD-95A1-4146-9287-9E4E0230A95D}"/>
               </a:ext>
             </a:extLst>
           </p:cNvPr>
@@ -16172,7 +16172,7 @@
           <p:cNvPr id="96" name="Straight Arrow Connector 95">
             <a:extLst>
               <a:ext uri="{FF2B5EF4-FFF2-40B4-BE49-F238E27FC236}">
-                <a16:creationId xmlns:a16="http://schemas.microsoft.com/office/drawing/2014/main" xmlns="" id="{28530DD2-64A5-4F3B-B204-C66FC95845E9}"/>
+                <a16:creationId xmlns:a16="http://schemas.microsoft.com/office/drawing/2014/main" id="{28530DD2-64A5-4F3B-B204-C66FC95845E9}"/>
               </a:ext>
             </a:extLst>
           </p:cNvPr>
@@ -16218,7 +16218,7 @@
           <p:cNvPr id="104" name="Straight Arrow Connector 103">
             <a:extLst>
               <a:ext uri="{FF2B5EF4-FFF2-40B4-BE49-F238E27FC236}">
-                <a16:creationId xmlns:a16="http://schemas.microsoft.com/office/drawing/2014/main" xmlns="" id="{CCDDEDA8-768B-4C90-91A1-B73E5DC76B87}"/>
+                <a16:creationId xmlns:a16="http://schemas.microsoft.com/office/drawing/2014/main" id="{CCDDEDA8-768B-4C90-91A1-B73E5DC76B87}"/>
               </a:ext>
             </a:extLst>
           </p:cNvPr>
@@ -16291,7 +16291,7 @@
           <p:cNvPr id="2" name="Rectangle: Rounded Corners 7">
             <a:extLst>
               <a:ext uri="{FF2B5EF4-FFF2-40B4-BE49-F238E27FC236}">
-                <a16:creationId xmlns:a16="http://schemas.microsoft.com/office/drawing/2014/main" xmlns="" id="{B304AFB2-60BA-4E0D-B1C9-AE712F6EB3DD}"/>
+                <a16:creationId xmlns:a16="http://schemas.microsoft.com/office/drawing/2014/main" id="{B304AFB2-60BA-4E0D-B1C9-AE712F6EB3DD}"/>
               </a:ext>
             </a:extLst>
           </p:cNvPr>
@@ -16345,7 +16345,7 @@
           <p:cNvPr id="3" name="Rectangle: Rounded Corners 4">
             <a:extLst>
               <a:ext uri="{FF2B5EF4-FFF2-40B4-BE49-F238E27FC236}">
-                <a16:creationId xmlns:a16="http://schemas.microsoft.com/office/drawing/2014/main" xmlns="" id="{85685186-CF23-43DD-BA60-8179CB6E3D96}"/>
+                <a16:creationId xmlns:a16="http://schemas.microsoft.com/office/drawing/2014/main" id="{85685186-CF23-43DD-BA60-8179CB6E3D96}"/>
               </a:ext>
             </a:extLst>
           </p:cNvPr>
@@ -16406,7 +16406,7 @@
           <p:cNvPr id="4" name="Straight Arrow Connector 3">
             <a:extLst>
               <a:ext uri="{FF2B5EF4-FFF2-40B4-BE49-F238E27FC236}">
-                <a16:creationId xmlns:a16="http://schemas.microsoft.com/office/drawing/2014/main" xmlns="" id="{84E89CB0-53F1-47DF-8456-7C960A098DB3}"/>
+                <a16:creationId xmlns:a16="http://schemas.microsoft.com/office/drawing/2014/main" id="{84E89CB0-53F1-47DF-8456-7C960A098DB3}"/>
               </a:ext>
             </a:extLst>
           </p:cNvPr>
@@ -16447,7 +16447,7 @@
           <p:cNvPr id="5" name="Straight Arrow Connector 4">
             <a:extLst>
               <a:ext uri="{FF2B5EF4-FFF2-40B4-BE49-F238E27FC236}">
-                <a16:creationId xmlns:a16="http://schemas.microsoft.com/office/drawing/2014/main" xmlns="" id="{85FC4942-B34C-4B5F-90EE-B4F60819EA1B}"/>
+                <a16:creationId xmlns:a16="http://schemas.microsoft.com/office/drawing/2014/main" id="{85FC4942-B34C-4B5F-90EE-B4F60819EA1B}"/>
               </a:ext>
             </a:extLst>
           </p:cNvPr>
@@ -16488,7 +16488,7 @@
           <p:cNvPr id="6" name="Picture 5">
             <a:extLst>
               <a:ext uri="{FF2B5EF4-FFF2-40B4-BE49-F238E27FC236}">
-                <a16:creationId xmlns:a16="http://schemas.microsoft.com/office/drawing/2014/main" xmlns="" id="{E7F6AA3F-ABC3-44C4-AEA6-F5A243ECAD14}"/>
+                <a16:creationId xmlns:a16="http://schemas.microsoft.com/office/drawing/2014/main" id="{E7F6AA3F-ABC3-44C4-AEA6-F5A243ECAD14}"/>
               </a:ext>
             </a:extLst>
           </p:cNvPr>
@@ -16537,7 +16537,7 @@
           <p:cNvPr id="7" name="Picture 6">
             <a:extLst>
               <a:ext uri="{FF2B5EF4-FFF2-40B4-BE49-F238E27FC236}">
-                <a16:creationId xmlns:a16="http://schemas.microsoft.com/office/drawing/2014/main" xmlns="" id="{934984F2-9946-4302-9D49-8D61B5221C9B}"/>
+                <a16:creationId xmlns:a16="http://schemas.microsoft.com/office/drawing/2014/main" id="{934984F2-9946-4302-9D49-8D61B5221C9B}"/>
               </a:ext>
             </a:extLst>
           </p:cNvPr>
@@ -16573,7 +16573,7 @@
           <p:cNvPr id="8" name="Rectangle: Rounded Corners 7">
             <a:extLst>
               <a:ext uri="{FF2B5EF4-FFF2-40B4-BE49-F238E27FC236}">
-                <a16:creationId xmlns:a16="http://schemas.microsoft.com/office/drawing/2014/main" xmlns="" id="{B304AFB2-60BA-4E0D-B1C9-AE712F6EB3DD}"/>
+                <a16:creationId xmlns:a16="http://schemas.microsoft.com/office/drawing/2014/main" id="{B304AFB2-60BA-4E0D-B1C9-AE712F6EB3DD}"/>
               </a:ext>
             </a:extLst>
           </p:cNvPr>
@@ -16616,10 +16616,9 @@
           <a:p>
             <a:pPr algn="ctr"/>
             <a:r>
-              <a:rPr lang="en-US" sz="1600" dirty="0" smtClean="0"/>
+              <a:rPr lang="en-US" sz="1600" dirty="0"/>
               <a:t>ML algorithms</a:t>
             </a:r>
-            <a:endParaRPr lang="en-US" sz="1600" dirty="0"/>
           </a:p>
         </p:txBody>
       </p:sp>
@@ -16628,7 +16627,7 @@
           <p:cNvPr id="10" name="Straight Arrow Connector 9">
             <a:extLst>
               <a:ext uri="{FF2B5EF4-FFF2-40B4-BE49-F238E27FC236}">
-                <a16:creationId xmlns:a16="http://schemas.microsoft.com/office/drawing/2014/main" xmlns="" id="{85FC4942-B34C-4B5F-90EE-B4F60819EA1B}"/>
+                <a16:creationId xmlns:a16="http://schemas.microsoft.com/office/drawing/2014/main" id="{85FC4942-B34C-4B5F-90EE-B4F60819EA1B}"/>
               </a:ext>
             </a:extLst>
           </p:cNvPr>
@@ -16669,7 +16668,7 @@
           <p:cNvPr id="11" name="Rectangle: Rounded Corners 7">
             <a:extLst>
               <a:ext uri="{FF2B5EF4-FFF2-40B4-BE49-F238E27FC236}">
-                <a16:creationId xmlns:a16="http://schemas.microsoft.com/office/drawing/2014/main" xmlns="" id="{B304AFB2-60BA-4E0D-B1C9-AE712F6EB3DD}"/>
+                <a16:creationId xmlns:a16="http://schemas.microsoft.com/office/drawing/2014/main" id="{B304AFB2-60BA-4E0D-B1C9-AE712F6EB3DD}"/>
               </a:ext>
             </a:extLst>
           </p:cNvPr>
@@ -16712,24 +16711,23 @@
           <a:p>
             <a:pPr algn="ctr"/>
             <a:r>
-              <a:rPr lang="en-US" sz="1600" dirty="0" smtClean="0"/>
+              <a:rPr lang="en-US" sz="1600" dirty="0"/>
               <a:t>Visualization,</a:t>
             </a:r>
           </a:p>
           <a:p>
             <a:pPr algn="ctr"/>
             <a:r>
-              <a:rPr lang="en-US" sz="1600" dirty="0" smtClean="0"/>
+              <a:rPr lang="en-US" sz="1600" dirty="0"/>
               <a:t>Interaction and</a:t>
             </a:r>
           </a:p>
           <a:p>
             <a:pPr algn="ctr"/>
             <a:r>
-              <a:rPr lang="en-US" sz="1600" dirty="0" smtClean="0"/>
+              <a:rPr lang="en-US" sz="1600" dirty="0"/>
               <a:t>Evaluation</a:t>
             </a:r>
-            <a:endParaRPr lang="en-US" sz="1600" dirty="0"/>
           </a:p>
         </p:txBody>
       </p:sp>
@@ -16778,7 +16776,7 @@
           <p:cNvPr id="2" name="Rectangle: Rounded Corners 7">
             <a:extLst>
               <a:ext uri="{FF2B5EF4-FFF2-40B4-BE49-F238E27FC236}">
-                <a16:creationId xmlns:a16="http://schemas.microsoft.com/office/drawing/2014/main" xmlns="" id="{B304AFB2-60BA-4E0D-B1C9-AE712F6EB3DD}"/>
+                <a16:creationId xmlns:a16="http://schemas.microsoft.com/office/drawing/2014/main" id="{B304AFB2-60BA-4E0D-B1C9-AE712F6EB3DD}"/>
               </a:ext>
             </a:extLst>
           </p:cNvPr>
@@ -16788,7 +16786,7 @@
         <p:spPr>
           <a:xfrm>
             <a:off x="2456296" y="2036435"/>
-            <a:ext cx="5663822" cy="2118611"/>
+            <a:ext cx="5663822" cy="2199995"/>
           </a:xfrm>
           <a:prstGeom prst="roundRect">
             <a:avLst/>
@@ -16821,18 +16819,13 @@
           <a:p>
             <a:pPr algn="ctr"/>
             <a:r>
-              <a:rPr lang="en-US" sz="1600" dirty="0" smtClean="0">
+              <a:rPr lang="en-US" sz="1600" dirty="0">
                 <a:solidFill>
                   <a:schemeClr val="bg1"/>
                 </a:solidFill>
               </a:rPr>
               <a:t>ML algorithms</a:t>
             </a:r>
-            <a:endParaRPr lang="en-US" sz="1600" dirty="0">
-              <a:solidFill>
-                <a:schemeClr val="bg1"/>
-              </a:solidFill>
-            </a:endParaRPr>
           </a:p>
         </p:txBody>
       </p:sp>
@@ -16841,7 +16834,7 @@
           <p:cNvPr id="3" name="Rectangle: Rounded Corners 16">
             <a:extLst>
               <a:ext uri="{FF2B5EF4-FFF2-40B4-BE49-F238E27FC236}">
-                <a16:creationId xmlns:a16="http://schemas.microsoft.com/office/drawing/2014/main" xmlns="" id="{392A212E-9B63-46FC-9884-88D4763D42EB}"/>
+                <a16:creationId xmlns:a16="http://schemas.microsoft.com/office/drawing/2014/main" id="{392A212E-9B63-46FC-9884-88D4763D42EB}"/>
               </a:ext>
             </a:extLst>
           </p:cNvPr>
@@ -16851,7 +16844,7 @@
         <p:spPr>
           <a:xfrm>
             <a:off x="2588345" y="2587823"/>
-            <a:ext cx="2531335" cy="1463725"/>
+            <a:ext cx="2531335" cy="1520848"/>
           </a:xfrm>
           <a:prstGeom prst="roundRect">
             <a:avLst/>
@@ -16883,7 +16876,7 @@
             <a:pPr algn="ctr"/>
             <a:r>
               <a:rPr lang="en-US" sz="1600" dirty="0"/>
-              <a:t>Progress learner</a:t>
+              <a:t>Action understanding</a:t>
             </a:r>
           </a:p>
         </p:txBody>
@@ -16893,7 +16886,7 @@
           <p:cNvPr id="4" name="Rectangle: Rounded Corners 17">
             <a:extLst>
               <a:ext uri="{FF2B5EF4-FFF2-40B4-BE49-F238E27FC236}">
-                <a16:creationId xmlns:a16="http://schemas.microsoft.com/office/drawing/2014/main" xmlns="" id="{651447D9-0C99-4CE3-929E-B866B70FD89D}"/>
+                <a16:creationId xmlns:a16="http://schemas.microsoft.com/office/drawing/2014/main" id="{651447D9-0C99-4CE3-929E-B866B70FD89D}"/>
               </a:ext>
             </a:extLst>
           </p:cNvPr>
@@ -16903,7 +16896,7 @@
         <p:spPr>
           <a:xfrm>
             <a:off x="5450951" y="2587824"/>
-            <a:ext cx="2531334" cy="1463725"/>
+            <a:ext cx="2531334" cy="1515687"/>
           </a:xfrm>
           <a:prstGeom prst="roundRect">
             <a:avLst/>
@@ -16934,8 +16927,8 @@
           <a:p>
             <a:pPr algn="ctr"/>
             <a:r>
-              <a:rPr lang="en-US" dirty="0"/>
-              <a:t>RL algorithms</a:t>
+              <a:rPr lang="en-US" sz="1600" dirty="0"/>
+              <a:t>Action performance</a:t>
             </a:r>
           </a:p>
         </p:txBody>
@@ -16945,7 +16938,7 @@
           <p:cNvPr id="5" name="Picture 4">
             <a:extLst>
               <a:ext uri="{FF2B5EF4-FFF2-40B4-BE49-F238E27FC236}">
-                <a16:creationId xmlns:a16="http://schemas.microsoft.com/office/drawing/2014/main" xmlns="" id="{D4500AEF-3D61-48B2-ABF2-9F6A1F903802}"/>
+                <a16:creationId xmlns:a16="http://schemas.microsoft.com/office/drawing/2014/main" id="{D4500AEF-3D61-48B2-ABF2-9F6A1F903802}"/>
               </a:ext>
             </a:extLst>
           </p:cNvPr>
@@ -16981,7 +16974,7 @@
           <p:cNvPr id="6" name="Picture 2" descr="drl.png">
             <a:extLst>
               <a:ext uri="{FF2B5EF4-FFF2-40B4-BE49-F238E27FC236}">
-                <a16:creationId xmlns:a16="http://schemas.microsoft.com/office/drawing/2014/main" xmlns="" id="{DAD2A131-9B1F-4EE6-AEB7-648C92A3DB01}"/>
+                <a16:creationId xmlns:a16="http://schemas.microsoft.com/office/drawing/2014/main" id="{DAD2A131-9B1F-4EE6-AEB7-648C92A3DB01}"/>
               </a:ext>
             </a:extLst>
           </p:cNvPr>
@@ -17005,8 +16998,8 @@
         </p:blipFill>
         <p:spPr bwMode="auto">
           <a:xfrm>
-            <a:off x="5859534" y="3094496"/>
-            <a:ext cx="1672422" cy="781770"/>
+            <a:off x="5603157" y="2977143"/>
+            <a:ext cx="2240549" cy="1047340"/>
           </a:xfrm>
           <a:prstGeom prst="rect">
             <a:avLst/>
@@ -17028,7 +17021,7 @@
           <p:cNvPr id="8" name="Straight Arrow Connector 7">
             <a:extLst>
               <a:ext uri="{FF2B5EF4-FFF2-40B4-BE49-F238E27FC236}">
-                <a16:creationId xmlns:a16="http://schemas.microsoft.com/office/drawing/2014/main" xmlns="" id="{CCDDEDA8-768B-4C90-91A1-B73E5DC76B87}"/>
+                <a16:creationId xmlns:a16="http://schemas.microsoft.com/office/drawing/2014/main" id="{CCDDEDA8-768B-4C90-91A1-B73E5DC76B87}"/>
               </a:ext>
             </a:extLst>
           </p:cNvPr>
@@ -17069,7 +17062,7 @@
           <p:cNvPr id="9" name="Straight Arrow Connector 8">
             <a:extLst>
               <a:ext uri="{FF2B5EF4-FFF2-40B4-BE49-F238E27FC236}">
-                <a16:creationId xmlns:a16="http://schemas.microsoft.com/office/drawing/2014/main" xmlns="" id="{85FC4942-B34C-4B5F-90EE-B4F60819EA1B}"/>
+                <a16:creationId xmlns:a16="http://schemas.microsoft.com/office/drawing/2014/main" id="{85FC4942-B34C-4B5F-90EE-B4F60819EA1B}"/>
               </a:ext>
             </a:extLst>
           </p:cNvPr>
@@ -17110,7 +17103,7 @@
           <p:cNvPr id="10" name="Straight Arrow Connector 9">
             <a:extLst>
               <a:ext uri="{FF2B5EF4-FFF2-40B4-BE49-F238E27FC236}">
-                <a16:creationId xmlns:a16="http://schemas.microsoft.com/office/drawing/2014/main" xmlns="" id="{85FC4942-B34C-4B5F-90EE-B4F60819EA1B}"/>
+                <a16:creationId xmlns:a16="http://schemas.microsoft.com/office/drawing/2014/main" id="{85FC4942-B34C-4B5F-90EE-B4F60819EA1B}"/>
               </a:ext>
             </a:extLst>
           </p:cNvPr>
@@ -17151,7 +17144,7 @@
           <p:cNvPr id="11" name="Rectangle: Rounded Corners 7">
             <a:extLst>
               <a:ext uri="{FF2B5EF4-FFF2-40B4-BE49-F238E27FC236}">
-                <a16:creationId xmlns:a16="http://schemas.microsoft.com/office/drawing/2014/main" xmlns="" id="{B304AFB2-60BA-4E0D-B1C9-AE712F6EB3DD}"/>
+                <a16:creationId xmlns:a16="http://schemas.microsoft.com/office/drawing/2014/main" id="{B304AFB2-60BA-4E0D-B1C9-AE712F6EB3DD}"/>
               </a:ext>
             </a:extLst>
           </p:cNvPr>
@@ -17194,24 +17187,23 @@
           <a:p>
             <a:pPr algn="ctr"/>
             <a:r>
-              <a:rPr lang="en-US" sz="1600" dirty="0" smtClean="0"/>
+              <a:rPr lang="en-US" sz="1600" dirty="0"/>
               <a:t>Visualization,</a:t>
             </a:r>
           </a:p>
           <a:p>
             <a:pPr algn="ctr"/>
             <a:r>
-              <a:rPr lang="en-US" sz="1600" dirty="0" smtClean="0"/>
+              <a:rPr lang="en-US" sz="1600" dirty="0"/>
               <a:t>Interaction and</a:t>
             </a:r>
           </a:p>
           <a:p>
             <a:pPr algn="ctr"/>
             <a:r>
-              <a:rPr lang="en-US" sz="1600" dirty="0" smtClean="0"/>
+              <a:rPr lang="en-US" sz="1600" dirty="0"/>
               <a:t>Evaluation</a:t>
             </a:r>
-            <a:endParaRPr lang="en-US" sz="1600" dirty="0"/>
           </a:p>
         </p:txBody>
       </p:sp>
@@ -17220,7 +17212,7 @@
           <p:cNvPr id="12" name="Rectangle: Rounded Corners 7">
             <a:extLst>
               <a:ext uri="{FF2B5EF4-FFF2-40B4-BE49-F238E27FC236}">
-                <a16:creationId xmlns:a16="http://schemas.microsoft.com/office/drawing/2014/main" xmlns="" id="{B304AFB2-60BA-4E0D-B1C9-AE712F6EB3DD}"/>
+                <a16:creationId xmlns:a16="http://schemas.microsoft.com/office/drawing/2014/main" id="{B304AFB2-60BA-4E0D-B1C9-AE712F6EB3DD}"/>
               </a:ext>
             </a:extLst>
           </p:cNvPr>
@@ -17263,10 +17255,9 @@
           <a:p>
             <a:pPr algn="ctr"/>
             <a:r>
-              <a:rPr lang="en-US" sz="1600" dirty="0" smtClean="0"/>
+              <a:rPr lang="en-US" sz="1600" dirty="0"/>
               <a:t>Capture and Process</a:t>
             </a:r>
-            <a:endParaRPr lang="en-US" sz="1600" dirty="0"/>
           </a:p>
         </p:txBody>
       </p:sp>
@@ -17305,7 +17296,7 @@
           <p:cNvPr id="20" name="Rectangle: Rounded Corners 7">
             <a:extLst>
               <a:ext uri="{FF2B5EF4-FFF2-40B4-BE49-F238E27FC236}">
-                <a16:creationId xmlns:a16="http://schemas.microsoft.com/office/drawing/2014/main" xmlns="" id="{B304AFB2-60BA-4E0D-B1C9-AE712F6EB3DD}"/>
+                <a16:creationId xmlns:a16="http://schemas.microsoft.com/office/drawing/2014/main" id="{B304AFB2-60BA-4E0D-B1C9-AE712F6EB3DD}"/>
               </a:ext>
             </a:extLst>
           </p:cNvPr>
@@ -17364,7 +17355,7 @@
           <p:cNvPr id="2" name="Rectangle: Rounded Corners 28">
             <a:extLst>
               <a:ext uri="{FF2B5EF4-FFF2-40B4-BE49-F238E27FC236}">
-                <a16:creationId xmlns:a16="http://schemas.microsoft.com/office/drawing/2014/main" xmlns="" id="{035F283D-BC6C-4318-A026-FEC37EEAAD3F}"/>
+                <a16:creationId xmlns:a16="http://schemas.microsoft.com/office/drawing/2014/main" id="{035F283D-BC6C-4318-A026-FEC37EEAAD3F}"/>
               </a:ext>
             </a:extLst>
           </p:cNvPr>
@@ -17418,7 +17409,7 @@
           <p:cNvPr id="3" name="Picture 2">
             <a:extLst>
               <a:ext uri="{FF2B5EF4-FFF2-40B4-BE49-F238E27FC236}">
-                <a16:creationId xmlns:a16="http://schemas.microsoft.com/office/drawing/2014/main" xmlns="" id="{D7D8FED3-E637-4762-A3DE-ADDC79E27F86}"/>
+                <a16:creationId xmlns:a16="http://schemas.microsoft.com/office/drawing/2014/main" id="{D7D8FED3-E637-4762-A3DE-ADDC79E27F86}"/>
               </a:ext>
             </a:extLst>
           </p:cNvPr>
@@ -17457,7 +17448,7 @@
           <p:cNvPr id="4" name="Rectangle: Rounded Corners 29">
             <a:extLst>
               <a:ext uri="{FF2B5EF4-FFF2-40B4-BE49-F238E27FC236}">
-                <a16:creationId xmlns:a16="http://schemas.microsoft.com/office/drawing/2014/main" xmlns="" id="{94B89276-CDE2-41B8-8809-D63CA05E6560}"/>
+                <a16:creationId xmlns:a16="http://schemas.microsoft.com/office/drawing/2014/main" id="{94B89276-CDE2-41B8-8809-D63CA05E6560}"/>
               </a:ext>
             </a:extLst>
           </p:cNvPr>
@@ -17511,7 +17502,7 @@
           <p:cNvPr id="5" name="Picture 4">
             <a:extLst>
               <a:ext uri="{FF2B5EF4-FFF2-40B4-BE49-F238E27FC236}">
-                <a16:creationId xmlns:a16="http://schemas.microsoft.com/office/drawing/2014/main" xmlns="" id="{FBE1242C-1971-466F-8150-0F98A68EBEC3}"/>
+                <a16:creationId xmlns:a16="http://schemas.microsoft.com/office/drawing/2014/main" id="{FBE1242C-1971-466F-8150-0F98A68EBEC3}"/>
               </a:ext>
             </a:extLst>
           </p:cNvPr>
@@ -17547,7 +17538,7 @@
           <p:cNvPr id="6" name="Graphic 45" descr="User">
             <a:extLst>
               <a:ext uri="{FF2B5EF4-FFF2-40B4-BE49-F238E27FC236}">
-                <a16:creationId xmlns:a16="http://schemas.microsoft.com/office/drawing/2014/main" xmlns="" id="{99ED5493-5C2F-4962-94D8-4AA8EAFCB281}"/>
+                <a16:creationId xmlns:a16="http://schemas.microsoft.com/office/drawing/2014/main" id="{99ED5493-5C2F-4962-94D8-4AA8EAFCB281}"/>
               </a:ext>
             </a:extLst>
           </p:cNvPr>
@@ -17563,7 +17554,7 @@
                 <a14:useLocalDpi xmlns:a14="http://schemas.microsoft.com/office/drawing/2010/main" val="0"/>
               </a:ext>
               <a:ext uri="{96DAC541-7B7A-43D3-8B79-37D633B846F1}">
-                <asvg:svgBlip xmlns:asvg="http://schemas.microsoft.com/office/drawing/2016/SVG/main" xmlns="" r:embed="rId7"/>
+                <asvg:svgBlip xmlns:asvg="http://schemas.microsoft.com/office/drawing/2016/SVG/main" r:embed="rId5"/>
               </a:ext>
             </a:extLst>
           </a:blip>
@@ -17586,7 +17577,7 @@
           <p:cNvPr id="9" name="Rectangle: Rounded Corners 55">
             <a:extLst>
               <a:ext uri="{FF2B5EF4-FFF2-40B4-BE49-F238E27FC236}">
-                <a16:creationId xmlns:a16="http://schemas.microsoft.com/office/drawing/2014/main" xmlns="" id="{112DB57A-2E65-4C11-A9EE-FEA2BEB8AE55}"/>
+                <a16:creationId xmlns:a16="http://schemas.microsoft.com/office/drawing/2014/main" id="{112DB57A-2E65-4C11-A9EE-FEA2BEB8AE55}"/>
               </a:ext>
             </a:extLst>
           </p:cNvPr>
@@ -17644,7 +17635,7 @@
           <p:cNvPr id="10" name="Straight Arrow Connector 9">
             <a:extLst>
               <a:ext uri="{FF2B5EF4-FFF2-40B4-BE49-F238E27FC236}">
-                <a16:creationId xmlns:a16="http://schemas.microsoft.com/office/drawing/2014/main" xmlns="" id="{D364D252-9F9E-45B8-BE33-E44DA2E0ABAB}"/>
+                <a16:creationId xmlns:a16="http://schemas.microsoft.com/office/drawing/2014/main" id="{D364D252-9F9E-45B8-BE33-E44DA2E0ABAB}"/>
               </a:ext>
             </a:extLst>
           </p:cNvPr>
@@ -17690,7 +17681,7 @@
           <p:cNvPr id="11" name="Straight Arrow Connector 10">
             <a:extLst>
               <a:ext uri="{FF2B5EF4-FFF2-40B4-BE49-F238E27FC236}">
-                <a16:creationId xmlns:a16="http://schemas.microsoft.com/office/drawing/2014/main" xmlns="" id="{ED394B79-118A-4C0A-A769-C8825D54793C}"/>
+                <a16:creationId xmlns:a16="http://schemas.microsoft.com/office/drawing/2014/main" id="{ED394B79-118A-4C0A-A769-C8825D54793C}"/>
               </a:ext>
             </a:extLst>
           </p:cNvPr>
@@ -17731,7 +17722,7 @@
           <p:cNvPr id="12" name="Straight Arrow Connector 11">
             <a:extLst>
               <a:ext uri="{FF2B5EF4-FFF2-40B4-BE49-F238E27FC236}">
-                <a16:creationId xmlns:a16="http://schemas.microsoft.com/office/drawing/2014/main" xmlns="" id="{880E4A8B-E082-423E-9AAD-076E3391580D}"/>
+                <a16:creationId xmlns:a16="http://schemas.microsoft.com/office/drawing/2014/main" id="{880E4A8B-E082-423E-9AAD-076E3391580D}"/>
               </a:ext>
             </a:extLst>
           </p:cNvPr>
@@ -17772,7 +17763,7 @@
           <p:cNvPr id="13" name="Straight Arrow Connector 12">
             <a:extLst>
               <a:ext uri="{FF2B5EF4-FFF2-40B4-BE49-F238E27FC236}">
-                <a16:creationId xmlns:a16="http://schemas.microsoft.com/office/drawing/2014/main" xmlns="" id="{0DEEF98B-0AA2-4442-97EE-9699B04EB8FD}"/>
+                <a16:creationId xmlns:a16="http://schemas.microsoft.com/office/drawing/2014/main" id="{0DEEF98B-0AA2-4442-97EE-9699B04EB8FD}"/>
               </a:ext>
             </a:extLst>
           </p:cNvPr>
@@ -17818,7 +17809,7 @@
           <p:cNvPr id="14" name="Straight Arrow Connector 13">
             <a:extLst>
               <a:ext uri="{FF2B5EF4-FFF2-40B4-BE49-F238E27FC236}">
-                <a16:creationId xmlns:a16="http://schemas.microsoft.com/office/drawing/2014/main" xmlns="" id="{70F128CD-95A1-4146-9287-9E4E0230A95D}"/>
+                <a16:creationId xmlns:a16="http://schemas.microsoft.com/office/drawing/2014/main" id="{70F128CD-95A1-4146-9287-9E4E0230A95D}"/>
               </a:ext>
             </a:extLst>
           </p:cNvPr>
@@ -17864,7 +17855,7 @@
           <p:cNvPr id="15" name="Straight Arrow Connector 14">
             <a:extLst>
               <a:ext uri="{FF2B5EF4-FFF2-40B4-BE49-F238E27FC236}">
-                <a16:creationId xmlns:a16="http://schemas.microsoft.com/office/drawing/2014/main" xmlns="" id="{28530DD2-64A5-4F3B-B204-C66FC95845E9}"/>
+                <a16:creationId xmlns:a16="http://schemas.microsoft.com/office/drawing/2014/main" id="{28530DD2-64A5-4F3B-B204-C66FC95845E9}"/>
               </a:ext>
             </a:extLst>
           </p:cNvPr>
@@ -17910,7 +17901,7 @@
           <p:cNvPr id="16" name="Rectangle: Rounded Corners 7">
             <a:extLst>
               <a:ext uri="{FF2B5EF4-FFF2-40B4-BE49-F238E27FC236}">
-                <a16:creationId xmlns:a16="http://schemas.microsoft.com/office/drawing/2014/main" xmlns="" id="{B304AFB2-60BA-4E0D-B1C9-AE712F6EB3DD}"/>
+                <a16:creationId xmlns:a16="http://schemas.microsoft.com/office/drawing/2014/main" id="{B304AFB2-60BA-4E0D-B1C9-AE712F6EB3DD}"/>
               </a:ext>
             </a:extLst>
           </p:cNvPr>
@@ -17953,10 +17944,9 @@
           <a:p>
             <a:pPr algn="ctr"/>
             <a:r>
-              <a:rPr lang="en-US" sz="1600" dirty="0" smtClean="0"/>
+              <a:rPr lang="en-US" sz="1600" dirty="0"/>
               <a:t>ML algorithms</a:t>
             </a:r>
-            <a:endParaRPr lang="en-US" sz="1600" dirty="0"/>
           </a:p>
         </p:txBody>
       </p:sp>
@@ -17965,7 +17955,7 @@
           <p:cNvPr id="17" name="Rectangle: Rounded Corners 7">
             <a:extLst>
               <a:ext uri="{FF2B5EF4-FFF2-40B4-BE49-F238E27FC236}">
-                <a16:creationId xmlns:a16="http://schemas.microsoft.com/office/drawing/2014/main" xmlns="" id="{B304AFB2-60BA-4E0D-B1C9-AE712F6EB3DD}"/>
+                <a16:creationId xmlns:a16="http://schemas.microsoft.com/office/drawing/2014/main" id="{B304AFB2-60BA-4E0D-B1C9-AE712F6EB3DD}"/>
               </a:ext>
             </a:extLst>
           </p:cNvPr>
@@ -18008,10 +17998,9 @@
           <a:p>
             <a:pPr algn="ctr"/>
             <a:r>
-              <a:rPr lang="en-US" sz="1600" dirty="0" smtClean="0"/>
+              <a:rPr lang="en-US" sz="1600" dirty="0"/>
               <a:t>Capture and Process</a:t>
             </a:r>
-            <a:endParaRPr lang="en-US" sz="1600" dirty="0"/>
           </a:p>
         </p:txBody>
       </p:sp>
@@ -18020,7 +18009,7 @@
           <p:cNvPr id="18" name="Straight Arrow Connector 17">
             <a:extLst>
               <a:ext uri="{FF2B5EF4-FFF2-40B4-BE49-F238E27FC236}">
-                <a16:creationId xmlns:a16="http://schemas.microsoft.com/office/drawing/2014/main" xmlns="" id="{85FC4942-B34C-4B5F-90EE-B4F60819EA1B}"/>
+                <a16:creationId xmlns:a16="http://schemas.microsoft.com/office/drawing/2014/main" id="{85FC4942-B34C-4B5F-90EE-B4F60819EA1B}"/>
               </a:ext>
             </a:extLst>
           </p:cNvPr>
@@ -18061,7 +18050,7 @@
           <p:cNvPr id="19" name="Straight Arrow Connector 18">
             <a:extLst>
               <a:ext uri="{FF2B5EF4-FFF2-40B4-BE49-F238E27FC236}">
-                <a16:creationId xmlns:a16="http://schemas.microsoft.com/office/drawing/2014/main" xmlns="" id="{85FC4942-B34C-4B5F-90EE-B4F60819EA1B}"/>
+                <a16:creationId xmlns:a16="http://schemas.microsoft.com/office/drawing/2014/main" id="{85FC4942-B34C-4B5F-90EE-B4F60819EA1B}"/>
               </a:ext>
             </a:extLst>
           </p:cNvPr>
@@ -18102,7 +18091,7 @@
           <p:cNvPr id="21" name="Rectangle: Rounded Corners 47">
             <a:extLst>
               <a:ext uri="{FF2B5EF4-FFF2-40B4-BE49-F238E27FC236}">
-                <a16:creationId xmlns:a16="http://schemas.microsoft.com/office/drawing/2014/main" xmlns="" id="{C8B6EFD3-B617-46F5-A1AF-10E68C1FE390}"/>
+                <a16:creationId xmlns:a16="http://schemas.microsoft.com/office/drawing/2014/main" id="{C8B6EFD3-B617-46F5-A1AF-10E68C1FE390}"/>
               </a:ext>
             </a:extLst>
           </p:cNvPr>
@@ -18156,7 +18145,7 @@
           <p:cNvPr id="22" name="Straight Arrow Connector 21">
             <a:extLst>
               <a:ext uri="{FF2B5EF4-FFF2-40B4-BE49-F238E27FC236}">
-                <a16:creationId xmlns:a16="http://schemas.microsoft.com/office/drawing/2014/main" xmlns="" id="{0C1F7EA4-3C03-44B5-9F73-17E73B616260}"/>
+                <a16:creationId xmlns:a16="http://schemas.microsoft.com/office/drawing/2014/main" id="{0C1F7EA4-3C03-44B5-9F73-17E73B616260}"/>
               </a:ext>
             </a:extLst>
           </p:cNvPr>
@@ -18202,7 +18191,7 @@
           <p:cNvPr id="23" name="Straight Arrow Connector 22">
             <a:extLst>
               <a:ext uri="{FF2B5EF4-FFF2-40B4-BE49-F238E27FC236}">
-                <a16:creationId xmlns:a16="http://schemas.microsoft.com/office/drawing/2014/main" xmlns="" id="{85FC4942-B34C-4B5F-90EE-B4F60819EA1B}"/>
+                <a16:creationId xmlns:a16="http://schemas.microsoft.com/office/drawing/2014/main" id="{85FC4942-B34C-4B5F-90EE-B4F60819EA1B}"/>
               </a:ext>
             </a:extLst>
           </p:cNvPr>
@@ -18273,7 +18262,7 @@
           <p:cNvPr id="2" name="Rectangle: Rounded Corners 1">
             <a:extLst>
               <a:ext uri="{FF2B5EF4-FFF2-40B4-BE49-F238E27FC236}">
-                <a16:creationId xmlns:a16="http://schemas.microsoft.com/office/drawing/2014/main" xmlns="" id="{94914581-A239-4E4E-B903-6745EFC22AD8}"/>
+                <a16:creationId xmlns:a16="http://schemas.microsoft.com/office/drawing/2014/main" id="{94914581-A239-4E4E-B903-6745EFC22AD8}"/>
               </a:ext>
             </a:extLst>
           </p:cNvPr>
@@ -18325,7 +18314,7 @@
           <p:cNvPr id="3" name="Rectangle: Rounded Corners 2">
             <a:extLst>
               <a:ext uri="{FF2B5EF4-FFF2-40B4-BE49-F238E27FC236}">
-                <a16:creationId xmlns:a16="http://schemas.microsoft.com/office/drawing/2014/main" xmlns="" id="{7032DDBE-82BA-40A2-A0AF-233720047F03}"/>
+                <a16:creationId xmlns:a16="http://schemas.microsoft.com/office/drawing/2014/main" id="{7032DDBE-82BA-40A2-A0AF-233720047F03}"/>
               </a:ext>
             </a:extLst>
           </p:cNvPr>
@@ -18377,7 +18366,7 @@
           <p:cNvPr id="4" name="Rectangle: Rounded Corners 3">
             <a:extLst>
               <a:ext uri="{FF2B5EF4-FFF2-40B4-BE49-F238E27FC236}">
-                <a16:creationId xmlns:a16="http://schemas.microsoft.com/office/drawing/2014/main" xmlns="" id="{6B5052D7-E5CB-48F3-A028-F5E95FB36588}"/>
+                <a16:creationId xmlns:a16="http://schemas.microsoft.com/office/drawing/2014/main" id="{6B5052D7-E5CB-48F3-A028-F5E95FB36588}"/>
               </a:ext>
             </a:extLst>
           </p:cNvPr>
@@ -18429,7 +18418,7 @@
           <p:cNvPr id="7" name="Rectangle: Rounded Corners 6">
             <a:extLst>
               <a:ext uri="{FF2B5EF4-FFF2-40B4-BE49-F238E27FC236}">
-                <a16:creationId xmlns:a16="http://schemas.microsoft.com/office/drawing/2014/main" xmlns="" id="{F5788756-02EC-4EE5-B325-FCDB75AEE49C}"/>
+                <a16:creationId xmlns:a16="http://schemas.microsoft.com/office/drawing/2014/main" id="{F5788756-02EC-4EE5-B325-FCDB75AEE49C}"/>
               </a:ext>
             </a:extLst>
           </p:cNvPr>
@@ -18481,7 +18470,7 @@
           <p:cNvPr id="8" name="Rectangle: Rounded Corners 7">
             <a:extLst>
               <a:ext uri="{FF2B5EF4-FFF2-40B4-BE49-F238E27FC236}">
-                <a16:creationId xmlns:a16="http://schemas.microsoft.com/office/drawing/2014/main" xmlns="" id="{6A473AB6-3DD9-46BF-9529-7D20333B2005}"/>
+                <a16:creationId xmlns:a16="http://schemas.microsoft.com/office/drawing/2014/main" id="{6A473AB6-3DD9-46BF-9529-7D20333B2005}"/>
               </a:ext>
             </a:extLst>
           </p:cNvPr>
@@ -18533,7 +18522,7 @@
           <p:cNvPr id="9" name="TextBox 8">
             <a:extLst>
               <a:ext uri="{FF2B5EF4-FFF2-40B4-BE49-F238E27FC236}">
-                <a16:creationId xmlns:a16="http://schemas.microsoft.com/office/drawing/2014/main" xmlns="" id="{A84E63A6-5FA5-4600-B696-CBDA35913C43}"/>
+                <a16:creationId xmlns:a16="http://schemas.microsoft.com/office/drawing/2014/main" id="{A84E63A6-5FA5-4600-B696-CBDA35913C43}"/>
               </a:ext>
             </a:extLst>
           </p:cNvPr>
@@ -18573,7 +18562,7 @@
           <p:cNvPr id="10" name="TextBox 9">
             <a:extLst>
               <a:ext uri="{FF2B5EF4-FFF2-40B4-BE49-F238E27FC236}">
-                <a16:creationId xmlns:a16="http://schemas.microsoft.com/office/drawing/2014/main" xmlns="" id="{F6862023-1D3C-4B2E-8E40-A0A208CF4185}"/>
+                <a16:creationId xmlns:a16="http://schemas.microsoft.com/office/drawing/2014/main" id="{F6862023-1D3C-4B2E-8E40-A0A208CF4185}"/>
               </a:ext>
             </a:extLst>
           </p:cNvPr>
@@ -18613,7 +18602,7 @@
           <p:cNvPr id="11" name="TextBox 10">
             <a:extLst>
               <a:ext uri="{FF2B5EF4-FFF2-40B4-BE49-F238E27FC236}">
-                <a16:creationId xmlns:a16="http://schemas.microsoft.com/office/drawing/2014/main" xmlns="" id="{EB098D9A-3046-40FA-B5FA-2CDEF516980C}"/>
+                <a16:creationId xmlns:a16="http://schemas.microsoft.com/office/drawing/2014/main" id="{EB098D9A-3046-40FA-B5FA-2CDEF516980C}"/>
               </a:ext>
             </a:extLst>
           </p:cNvPr>
@@ -18653,7 +18642,7 @@
           <p:cNvPr id="12" name="TextBox 11">
             <a:extLst>
               <a:ext uri="{FF2B5EF4-FFF2-40B4-BE49-F238E27FC236}">
-                <a16:creationId xmlns:a16="http://schemas.microsoft.com/office/drawing/2014/main" xmlns="" id="{68BDD838-C752-4D23-BDEE-5538E688C7E1}"/>
+                <a16:creationId xmlns:a16="http://schemas.microsoft.com/office/drawing/2014/main" id="{68BDD838-C752-4D23-BDEE-5538E688C7E1}"/>
               </a:ext>
             </a:extLst>
           </p:cNvPr>
@@ -18693,7 +18682,7 @@
           <p:cNvPr id="18" name="Oval 17">
             <a:extLst>
               <a:ext uri="{FF2B5EF4-FFF2-40B4-BE49-F238E27FC236}">
-                <a16:creationId xmlns:a16="http://schemas.microsoft.com/office/drawing/2014/main" xmlns="" id="{4EF4E720-B3FA-4FBA-A184-5CE6CCEC4183}"/>
+                <a16:creationId xmlns:a16="http://schemas.microsoft.com/office/drawing/2014/main" id="{4EF4E720-B3FA-4FBA-A184-5CE6CCEC4183}"/>
               </a:ext>
             </a:extLst>
           </p:cNvPr>
@@ -18742,7 +18731,7 @@
           <p:cNvPr id="19" name="TextBox 18">
             <a:extLst>
               <a:ext uri="{FF2B5EF4-FFF2-40B4-BE49-F238E27FC236}">
-                <a16:creationId xmlns:a16="http://schemas.microsoft.com/office/drawing/2014/main" xmlns="" id="{EC6EACFC-6292-4E3C-BCE6-7DEC921732E8}"/>
+                <a16:creationId xmlns:a16="http://schemas.microsoft.com/office/drawing/2014/main" id="{EC6EACFC-6292-4E3C-BCE6-7DEC921732E8}"/>
               </a:ext>
             </a:extLst>
           </p:cNvPr>
@@ -18777,7 +18766,7 @@
           <p:cNvPr id="20" name="Oval 19">
             <a:extLst>
               <a:ext uri="{FF2B5EF4-FFF2-40B4-BE49-F238E27FC236}">
-                <a16:creationId xmlns:a16="http://schemas.microsoft.com/office/drawing/2014/main" xmlns="" id="{87961153-DC95-40FF-813D-6D1B0EDB07E4}"/>
+                <a16:creationId xmlns:a16="http://schemas.microsoft.com/office/drawing/2014/main" id="{87961153-DC95-40FF-813D-6D1B0EDB07E4}"/>
               </a:ext>
             </a:extLst>
           </p:cNvPr>
@@ -18826,7 +18815,7 @@
           <p:cNvPr id="21" name="TextBox 20">
             <a:extLst>
               <a:ext uri="{FF2B5EF4-FFF2-40B4-BE49-F238E27FC236}">
-                <a16:creationId xmlns:a16="http://schemas.microsoft.com/office/drawing/2014/main" xmlns="" id="{FBCB9919-5300-4C6D-A32B-2145B5C8C760}"/>
+                <a16:creationId xmlns:a16="http://schemas.microsoft.com/office/drawing/2014/main" id="{FBCB9919-5300-4C6D-A32B-2145B5C8C760}"/>
               </a:ext>
             </a:extLst>
           </p:cNvPr>
@@ -18861,7 +18850,7 @@
           <p:cNvPr id="22" name="Oval 21">
             <a:extLst>
               <a:ext uri="{FF2B5EF4-FFF2-40B4-BE49-F238E27FC236}">
-                <a16:creationId xmlns:a16="http://schemas.microsoft.com/office/drawing/2014/main" xmlns="" id="{E3DF3DEB-7DA8-4866-99D6-1B7FA5BFB161}"/>
+                <a16:creationId xmlns:a16="http://schemas.microsoft.com/office/drawing/2014/main" id="{E3DF3DEB-7DA8-4866-99D6-1B7FA5BFB161}"/>
               </a:ext>
             </a:extLst>
           </p:cNvPr>
@@ -18910,7 +18899,7 @@
           <p:cNvPr id="23" name="TextBox 22">
             <a:extLst>
               <a:ext uri="{FF2B5EF4-FFF2-40B4-BE49-F238E27FC236}">
-                <a16:creationId xmlns:a16="http://schemas.microsoft.com/office/drawing/2014/main" xmlns="" id="{AB001121-C7FA-4829-A43A-9E9F0F558C94}"/>
+                <a16:creationId xmlns:a16="http://schemas.microsoft.com/office/drawing/2014/main" id="{AB001121-C7FA-4829-A43A-9E9F0F558C94}"/>
               </a:ext>
             </a:extLst>
           </p:cNvPr>
@@ -18945,7 +18934,7 @@
           <p:cNvPr id="26" name="Rectangle: Rounded Corners 25">
             <a:extLst>
               <a:ext uri="{FF2B5EF4-FFF2-40B4-BE49-F238E27FC236}">
-                <a16:creationId xmlns:a16="http://schemas.microsoft.com/office/drawing/2014/main" xmlns="" id="{43597FC9-D08D-4DB2-B50D-85636DDFB1FD}"/>
+                <a16:creationId xmlns:a16="http://schemas.microsoft.com/office/drawing/2014/main" id="{43597FC9-D08D-4DB2-B50D-85636DDFB1FD}"/>
               </a:ext>
             </a:extLst>
           </p:cNvPr>
@@ -18997,7 +18986,7 @@
           <p:cNvPr id="24" name="TextBox 23">
             <a:extLst>
               <a:ext uri="{FF2B5EF4-FFF2-40B4-BE49-F238E27FC236}">
-                <a16:creationId xmlns:a16="http://schemas.microsoft.com/office/drawing/2014/main" xmlns="" id="{99ED3904-79E6-409C-91B0-E81DB2961D2C}"/>
+                <a16:creationId xmlns:a16="http://schemas.microsoft.com/office/drawing/2014/main" id="{99ED3904-79E6-409C-91B0-E81DB2961D2C}"/>
               </a:ext>
             </a:extLst>
           </p:cNvPr>
@@ -19034,7 +19023,7 @@
           <p:cNvPr id="27" name="Rectangle: Rounded Corners 26">
             <a:extLst>
               <a:ext uri="{FF2B5EF4-FFF2-40B4-BE49-F238E27FC236}">
-                <a16:creationId xmlns:a16="http://schemas.microsoft.com/office/drawing/2014/main" xmlns="" id="{B80A81C2-7C6A-4B24-B208-7F298E1C0E51}"/>
+                <a16:creationId xmlns:a16="http://schemas.microsoft.com/office/drawing/2014/main" id="{B80A81C2-7C6A-4B24-B208-7F298E1C0E51}"/>
               </a:ext>
             </a:extLst>
           </p:cNvPr>
@@ -19086,7 +19075,7 @@
           <p:cNvPr id="28" name="TextBox 27">
             <a:extLst>
               <a:ext uri="{FF2B5EF4-FFF2-40B4-BE49-F238E27FC236}">
-                <a16:creationId xmlns:a16="http://schemas.microsoft.com/office/drawing/2014/main" xmlns="" id="{96306BB0-E53B-4452-BDAD-7FF69E592EE0}"/>
+                <a16:creationId xmlns:a16="http://schemas.microsoft.com/office/drawing/2014/main" id="{96306BB0-E53B-4452-BDAD-7FF69E592EE0}"/>
               </a:ext>
             </a:extLst>
           </p:cNvPr>
@@ -19123,7 +19112,7 @@
           <p:cNvPr id="29" name="Rectangle: Rounded Corners 28">
             <a:extLst>
               <a:ext uri="{FF2B5EF4-FFF2-40B4-BE49-F238E27FC236}">
-                <a16:creationId xmlns:a16="http://schemas.microsoft.com/office/drawing/2014/main" xmlns="" id="{E2351EFF-5F89-497A-AF10-0EDDFFC00225}"/>
+                <a16:creationId xmlns:a16="http://schemas.microsoft.com/office/drawing/2014/main" id="{E2351EFF-5F89-497A-AF10-0EDDFFC00225}"/>
               </a:ext>
             </a:extLst>
           </p:cNvPr>
@@ -19175,7 +19164,7 @@
           <p:cNvPr id="30" name="TextBox 29">
             <a:extLst>
               <a:ext uri="{FF2B5EF4-FFF2-40B4-BE49-F238E27FC236}">
-                <a16:creationId xmlns:a16="http://schemas.microsoft.com/office/drawing/2014/main" xmlns="" id="{BB00CF74-1325-4D92-B5AE-C43070380391}"/>
+                <a16:creationId xmlns:a16="http://schemas.microsoft.com/office/drawing/2014/main" id="{BB00CF74-1325-4D92-B5AE-C43070380391}"/>
               </a:ext>
             </a:extLst>
           </p:cNvPr>
@@ -19211,7 +19200,7 @@
           <p:cNvPr id="31" name="Rectangle: Rounded Corners 30">
             <a:extLst>
               <a:ext uri="{FF2B5EF4-FFF2-40B4-BE49-F238E27FC236}">
-                <a16:creationId xmlns:a16="http://schemas.microsoft.com/office/drawing/2014/main" xmlns="" id="{1CEC292D-F4FB-4DD9-85A6-EEBE46A66933}"/>
+                <a16:creationId xmlns:a16="http://schemas.microsoft.com/office/drawing/2014/main" id="{1CEC292D-F4FB-4DD9-85A6-EEBE46A66933}"/>
               </a:ext>
             </a:extLst>
           </p:cNvPr>
@@ -19263,7 +19252,7 @@
           <p:cNvPr id="32" name="TextBox 31">
             <a:extLst>
               <a:ext uri="{FF2B5EF4-FFF2-40B4-BE49-F238E27FC236}">
-                <a16:creationId xmlns:a16="http://schemas.microsoft.com/office/drawing/2014/main" xmlns="" id="{A4014880-C9D7-4317-AF22-0050B4F80F42}"/>
+                <a16:creationId xmlns:a16="http://schemas.microsoft.com/office/drawing/2014/main" id="{A4014880-C9D7-4317-AF22-0050B4F80F42}"/>
               </a:ext>
             </a:extLst>
           </p:cNvPr>
@@ -19300,7 +19289,7 @@
           <p:cNvPr id="35" name="Oval 34">
             <a:extLst>
               <a:ext uri="{FF2B5EF4-FFF2-40B4-BE49-F238E27FC236}">
-                <a16:creationId xmlns:a16="http://schemas.microsoft.com/office/drawing/2014/main" xmlns="" id="{757D8724-7FD9-4046-9348-F2245B47710B}"/>
+                <a16:creationId xmlns:a16="http://schemas.microsoft.com/office/drawing/2014/main" id="{757D8724-7FD9-4046-9348-F2245B47710B}"/>
               </a:ext>
             </a:extLst>
           </p:cNvPr>
@@ -19349,7 +19338,7 @@
           <p:cNvPr id="36" name="TextBox 35">
             <a:extLst>
               <a:ext uri="{FF2B5EF4-FFF2-40B4-BE49-F238E27FC236}">
-                <a16:creationId xmlns:a16="http://schemas.microsoft.com/office/drawing/2014/main" xmlns="" id="{06B6C862-7F07-4CBA-946D-26F483DBC050}"/>
+                <a16:creationId xmlns:a16="http://schemas.microsoft.com/office/drawing/2014/main" id="{06B6C862-7F07-4CBA-946D-26F483DBC050}"/>
               </a:ext>
             </a:extLst>
           </p:cNvPr>
@@ -19384,7 +19373,7 @@
           <p:cNvPr id="42" name="Straight Connector 41">
             <a:extLst>
               <a:ext uri="{FF2B5EF4-FFF2-40B4-BE49-F238E27FC236}">
-                <a16:creationId xmlns:a16="http://schemas.microsoft.com/office/drawing/2014/main" xmlns="" id="{A79BDACA-3909-4CFB-A88C-7D3315995DA3}"/>
+                <a16:creationId xmlns:a16="http://schemas.microsoft.com/office/drawing/2014/main" id="{A79BDACA-3909-4CFB-A88C-7D3315995DA3}"/>
               </a:ext>
             </a:extLst>
           </p:cNvPr>
@@ -19423,7 +19412,7 @@
           <p:cNvPr id="44" name="Straight Arrow Connector 43">
             <a:extLst>
               <a:ext uri="{FF2B5EF4-FFF2-40B4-BE49-F238E27FC236}">
-                <a16:creationId xmlns:a16="http://schemas.microsoft.com/office/drawing/2014/main" xmlns="" id="{DA12E1AA-1968-4300-91A8-7CF36E3AA370}"/>
+                <a16:creationId xmlns:a16="http://schemas.microsoft.com/office/drawing/2014/main" id="{DA12E1AA-1968-4300-91A8-7CF36E3AA370}"/>
               </a:ext>
             </a:extLst>
           </p:cNvPr>
@@ -19464,7 +19453,7 @@
           <p:cNvPr id="45" name="Straight Arrow Connector 44">
             <a:extLst>
               <a:ext uri="{FF2B5EF4-FFF2-40B4-BE49-F238E27FC236}">
-                <a16:creationId xmlns:a16="http://schemas.microsoft.com/office/drawing/2014/main" xmlns="" id="{2ED1E2AE-9C37-4CBC-A5D0-1D1754742BF4}"/>
+                <a16:creationId xmlns:a16="http://schemas.microsoft.com/office/drawing/2014/main" id="{2ED1E2AE-9C37-4CBC-A5D0-1D1754742BF4}"/>
               </a:ext>
             </a:extLst>
           </p:cNvPr>
@@ -19505,7 +19494,7 @@
           <p:cNvPr id="46" name="Straight Arrow Connector 45">
             <a:extLst>
               <a:ext uri="{FF2B5EF4-FFF2-40B4-BE49-F238E27FC236}">
-                <a16:creationId xmlns:a16="http://schemas.microsoft.com/office/drawing/2014/main" xmlns="" id="{D358C605-0A41-4BD5-8F08-9BEDFB850058}"/>
+                <a16:creationId xmlns:a16="http://schemas.microsoft.com/office/drawing/2014/main" id="{D358C605-0A41-4BD5-8F08-9BEDFB850058}"/>
               </a:ext>
             </a:extLst>
           </p:cNvPr>
@@ -19546,7 +19535,7 @@
           <p:cNvPr id="47" name="Straight Arrow Connector 46">
             <a:extLst>
               <a:ext uri="{FF2B5EF4-FFF2-40B4-BE49-F238E27FC236}">
-                <a16:creationId xmlns:a16="http://schemas.microsoft.com/office/drawing/2014/main" xmlns="" id="{DFE76A4A-A3C2-44C7-9F3E-00E3832D73DF}"/>
+                <a16:creationId xmlns:a16="http://schemas.microsoft.com/office/drawing/2014/main" id="{DFE76A4A-A3C2-44C7-9F3E-00E3832D73DF}"/>
               </a:ext>
             </a:extLst>
           </p:cNvPr>
@@ -19587,7 +19576,7 @@
           <p:cNvPr id="48" name="Rectangle: Rounded Corners 47">
             <a:extLst>
               <a:ext uri="{FF2B5EF4-FFF2-40B4-BE49-F238E27FC236}">
-                <a16:creationId xmlns:a16="http://schemas.microsoft.com/office/drawing/2014/main" xmlns="" id="{CC110DDE-E2E3-4ABE-8981-F2CD4B5FC04D}"/>
+                <a16:creationId xmlns:a16="http://schemas.microsoft.com/office/drawing/2014/main" id="{CC110DDE-E2E3-4ABE-8981-F2CD4B5FC04D}"/>
               </a:ext>
             </a:extLst>
           </p:cNvPr>
@@ -19639,7 +19628,7 @@
           <p:cNvPr id="49" name="TextBox 48">
             <a:extLst>
               <a:ext uri="{FF2B5EF4-FFF2-40B4-BE49-F238E27FC236}">
-                <a16:creationId xmlns:a16="http://schemas.microsoft.com/office/drawing/2014/main" xmlns="" id="{A3A05D1D-6B80-4CCC-A3BF-A7C6EF6F9220}"/>
+                <a16:creationId xmlns:a16="http://schemas.microsoft.com/office/drawing/2014/main" id="{A3A05D1D-6B80-4CCC-A3BF-A7C6EF6F9220}"/>
               </a:ext>
             </a:extLst>
           </p:cNvPr>
@@ -19679,7 +19668,7 @@
           <p:cNvPr id="53" name="Straight Arrow Connector 52">
             <a:extLst>
               <a:ext uri="{FF2B5EF4-FFF2-40B4-BE49-F238E27FC236}">
-                <a16:creationId xmlns:a16="http://schemas.microsoft.com/office/drawing/2014/main" xmlns="" id="{69B377B1-A31C-4940-9FC5-68F51D8CB3E4}"/>
+                <a16:creationId xmlns:a16="http://schemas.microsoft.com/office/drawing/2014/main" id="{69B377B1-A31C-4940-9FC5-68F51D8CB3E4}"/>
               </a:ext>
             </a:extLst>
           </p:cNvPr>
@@ -19720,7 +19709,7 @@
           <p:cNvPr id="55" name="Straight Arrow Connector 54">
             <a:extLst>
               <a:ext uri="{FF2B5EF4-FFF2-40B4-BE49-F238E27FC236}">
-                <a16:creationId xmlns:a16="http://schemas.microsoft.com/office/drawing/2014/main" xmlns="" id="{380DADC8-F850-433A-B179-F83CBD72ECA6}"/>
+                <a16:creationId xmlns:a16="http://schemas.microsoft.com/office/drawing/2014/main" id="{380DADC8-F850-433A-B179-F83CBD72ECA6}"/>
               </a:ext>
             </a:extLst>
           </p:cNvPr>
@@ -19761,7 +19750,7 @@
           <p:cNvPr id="61" name="Straight Arrow Connector 60">
             <a:extLst>
               <a:ext uri="{FF2B5EF4-FFF2-40B4-BE49-F238E27FC236}">
-                <a16:creationId xmlns:a16="http://schemas.microsoft.com/office/drawing/2014/main" xmlns="" id="{12A10EFA-2433-4F2C-9F95-C92F0DB56444}"/>
+                <a16:creationId xmlns:a16="http://schemas.microsoft.com/office/drawing/2014/main" id="{12A10EFA-2433-4F2C-9F95-C92F0DB56444}"/>
               </a:ext>
             </a:extLst>
           </p:cNvPr>
@@ -19802,7 +19791,7 @@
           <p:cNvPr id="63" name="Straight Arrow Connector 62">
             <a:extLst>
               <a:ext uri="{FF2B5EF4-FFF2-40B4-BE49-F238E27FC236}">
-                <a16:creationId xmlns:a16="http://schemas.microsoft.com/office/drawing/2014/main" xmlns="" id="{400EAD45-4DAA-4B32-BC8F-A34C37E2ED90}"/>
+                <a16:creationId xmlns:a16="http://schemas.microsoft.com/office/drawing/2014/main" id="{400EAD45-4DAA-4B32-BC8F-A34C37E2ED90}"/>
               </a:ext>
             </a:extLst>
           </p:cNvPr>
@@ -19843,7 +19832,7 @@
           <p:cNvPr id="65" name="Straight Arrow Connector 64">
             <a:extLst>
               <a:ext uri="{FF2B5EF4-FFF2-40B4-BE49-F238E27FC236}">
-                <a16:creationId xmlns:a16="http://schemas.microsoft.com/office/drawing/2014/main" xmlns="" id="{F7788DE3-1E1C-48C9-8CF3-17B02D346DFE}"/>
+                <a16:creationId xmlns:a16="http://schemas.microsoft.com/office/drawing/2014/main" id="{F7788DE3-1E1C-48C9-8CF3-17B02D346DFE}"/>
               </a:ext>
             </a:extLst>
           </p:cNvPr>
@@ -19884,7 +19873,7 @@
           <p:cNvPr id="68" name="Straight Arrow Connector 67">
             <a:extLst>
               <a:ext uri="{FF2B5EF4-FFF2-40B4-BE49-F238E27FC236}">
-                <a16:creationId xmlns:a16="http://schemas.microsoft.com/office/drawing/2014/main" xmlns="" id="{AE528A05-F9CC-4597-B7A6-5B5C6F2D2CF3}"/>
+                <a16:creationId xmlns:a16="http://schemas.microsoft.com/office/drawing/2014/main" id="{AE528A05-F9CC-4597-B7A6-5B5C6F2D2CF3}"/>
               </a:ext>
             </a:extLst>
           </p:cNvPr>
@@ -19925,7 +19914,7 @@
           <p:cNvPr id="70" name="Straight Arrow Connector 69">
             <a:extLst>
               <a:ext uri="{FF2B5EF4-FFF2-40B4-BE49-F238E27FC236}">
-                <a16:creationId xmlns:a16="http://schemas.microsoft.com/office/drawing/2014/main" xmlns="" id="{D56E001C-CAA2-4547-93C1-5A36EC504C91}"/>
+                <a16:creationId xmlns:a16="http://schemas.microsoft.com/office/drawing/2014/main" id="{D56E001C-CAA2-4547-93C1-5A36EC504C91}"/>
               </a:ext>
             </a:extLst>
           </p:cNvPr>
@@ -19966,7 +19955,7 @@
           <p:cNvPr id="72" name="Straight Arrow Connector 71">
             <a:extLst>
               <a:ext uri="{FF2B5EF4-FFF2-40B4-BE49-F238E27FC236}">
-                <a16:creationId xmlns:a16="http://schemas.microsoft.com/office/drawing/2014/main" xmlns="" id="{4DC59B5F-1521-4E94-8756-E968997AC0EA}"/>
+                <a16:creationId xmlns:a16="http://schemas.microsoft.com/office/drawing/2014/main" id="{4DC59B5F-1521-4E94-8756-E968997AC0EA}"/>
               </a:ext>
             </a:extLst>
           </p:cNvPr>
@@ -20007,7 +19996,7 @@
           <p:cNvPr id="74" name="Straight Connector 73">
             <a:extLst>
               <a:ext uri="{FF2B5EF4-FFF2-40B4-BE49-F238E27FC236}">
-                <a16:creationId xmlns:a16="http://schemas.microsoft.com/office/drawing/2014/main" xmlns="" id="{F8779C99-985D-40F1-93C6-B044744B79C1}"/>
+                <a16:creationId xmlns:a16="http://schemas.microsoft.com/office/drawing/2014/main" id="{F8779C99-985D-40F1-93C6-B044744B79C1}"/>
               </a:ext>
             </a:extLst>
           </p:cNvPr>
@@ -20049,7 +20038,7 @@
           <p:cNvPr id="76" name="Straight Arrow Connector 75">
             <a:extLst>
               <a:ext uri="{FF2B5EF4-FFF2-40B4-BE49-F238E27FC236}">
-                <a16:creationId xmlns:a16="http://schemas.microsoft.com/office/drawing/2014/main" xmlns="" id="{12463498-C054-4570-B7CD-3773A1F556C2}"/>
+                <a16:creationId xmlns:a16="http://schemas.microsoft.com/office/drawing/2014/main" id="{12463498-C054-4570-B7CD-3773A1F556C2}"/>
               </a:ext>
             </a:extLst>
           </p:cNvPr>
@@ -20091,7 +20080,7 @@
           <p:cNvPr id="95" name="Straight Arrow Connector 94">
             <a:extLst>
               <a:ext uri="{FF2B5EF4-FFF2-40B4-BE49-F238E27FC236}">
-                <a16:creationId xmlns:a16="http://schemas.microsoft.com/office/drawing/2014/main" xmlns="" id="{953F6042-4E43-4D95-B9F9-CD4844950042}"/>
+                <a16:creationId xmlns:a16="http://schemas.microsoft.com/office/drawing/2014/main" id="{953F6042-4E43-4D95-B9F9-CD4844950042}"/>
               </a:ext>
             </a:extLst>
           </p:cNvPr>
@@ -20132,7 +20121,7 @@
           <p:cNvPr id="97" name="Straight Arrow Connector 96">
             <a:extLst>
               <a:ext uri="{FF2B5EF4-FFF2-40B4-BE49-F238E27FC236}">
-                <a16:creationId xmlns:a16="http://schemas.microsoft.com/office/drawing/2014/main" xmlns="" id="{C56BDD1F-1FA9-4116-9D3B-4178129501BD}"/>
+                <a16:creationId xmlns:a16="http://schemas.microsoft.com/office/drawing/2014/main" id="{C56BDD1F-1FA9-4116-9D3B-4178129501BD}"/>
               </a:ext>
             </a:extLst>
           </p:cNvPr>
@@ -20173,7 +20162,7 @@
           <p:cNvPr id="99" name="Straight Arrow Connector 98">
             <a:extLst>
               <a:ext uri="{FF2B5EF4-FFF2-40B4-BE49-F238E27FC236}">
-                <a16:creationId xmlns:a16="http://schemas.microsoft.com/office/drawing/2014/main" xmlns="" id="{536DA73F-261D-4A24-AAE9-86B41D383342}"/>
+                <a16:creationId xmlns:a16="http://schemas.microsoft.com/office/drawing/2014/main" id="{536DA73F-261D-4A24-AAE9-86B41D383342}"/>
               </a:ext>
             </a:extLst>
           </p:cNvPr>
@@ -20214,7 +20203,7 @@
           <p:cNvPr id="104" name="Connector: Elbow 103">
             <a:extLst>
               <a:ext uri="{FF2B5EF4-FFF2-40B4-BE49-F238E27FC236}">
-                <a16:creationId xmlns:a16="http://schemas.microsoft.com/office/drawing/2014/main" xmlns="" id="{9F57930E-7C39-4E10-ABD6-62F7A9F6F6C0}"/>
+                <a16:creationId xmlns:a16="http://schemas.microsoft.com/office/drawing/2014/main" id="{9F57930E-7C39-4E10-ABD6-62F7A9F6F6C0}"/>
               </a:ext>
             </a:extLst>
           </p:cNvPr>
@@ -20256,7 +20245,7 @@
           <p:cNvPr id="108" name="Rectangle: Rounded Corners 107">
             <a:extLst>
               <a:ext uri="{FF2B5EF4-FFF2-40B4-BE49-F238E27FC236}">
-                <a16:creationId xmlns:a16="http://schemas.microsoft.com/office/drawing/2014/main" xmlns="" id="{00FDF223-49FE-48B5-8105-AE5C03541234}"/>
+                <a16:creationId xmlns:a16="http://schemas.microsoft.com/office/drawing/2014/main" id="{00FDF223-49FE-48B5-8105-AE5C03541234}"/>
               </a:ext>
             </a:extLst>
           </p:cNvPr>
@@ -20308,7 +20297,7 @@
           <p:cNvPr id="109" name="TextBox 108">
             <a:extLst>
               <a:ext uri="{FF2B5EF4-FFF2-40B4-BE49-F238E27FC236}">
-                <a16:creationId xmlns:a16="http://schemas.microsoft.com/office/drawing/2014/main" xmlns="" id="{244DEFCC-6FE0-4C9A-90C5-322E35CD86CC}"/>
+                <a16:creationId xmlns:a16="http://schemas.microsoft.com/office/drawing/2014/main" id="{244DEFCC-6FE0-4C9A-90C5-322E35CD86CC}"/>
               </a:ext>
             </a:extLst>
           </p:cNvPr>
@@ -20344,7 +20333,7 @@
           <p:cNvPr id="110" name="Rectangle: Rounded Corners 109">
             <a:extLst>
               <a:ext uri="{FF2B5EF4-FFF2-40B4-BE49-F238E27FC236}">
-                <a16:creationId xmlns:a16="http://schemas.microsoft.com/office/drawing/2014/main" xmlns="" id="{D415FF9C-4E51-47E6-A810-0DB9BC67434B}"/>
+                <a16:creationId xmlns:a16="http://schemas.microsoft.com/office/drawing/2014/main" id="{D415FF9C-4E51-47E6-A810-0DB9BC67434B}"/>
               </a:ext>
             </a:extLst>
           </p:cNvPr>
@@ -20396,7 +20385,7 @@
           <p:cNvPr id="111" name="TextBox 110">
             <a:extLst>
               <a:ext uri="{FF2B5EF4-FFF2-40B4-BE49-F238E27FC236}">
-                <a16:creationId xmlns:a16="http://schemas.microsoft.com/office/drawing/2014/main" xmlns="" id="{94DBE5BF-4C35-469E-9423-F21C9717749E}"/>
+                <a16:creationId xmlns:a16="http://schemas.microsoft.com/office/drawing/2014/main" id="{94DBE5BF-4C35-469E-9423-F21C9717749E}"/>
               </a:ext>
             </a:extLst>
           </p:cNvPr>
@@ -20433,7 +20422,7 @@
           <p:cNvPr id="114" name="Oval 113">
             <a:extLst>
               <a:ext uri="{FF2B5EF4-FFF2-40B4-BE49-F238E27FC236}">
-                <a16:creationId xmlns:a16="http://schemas.microsoft.com/office/drawing/2014/main" xmlns="" id="{F53FF920-DD70-420C-851C-F86EA0467CD1}"/>
+                <a16:creationId xmlns:a16="http://schemas.microsoft.com/office/drawing/2014/main" id="{F53FF920-DD70-420C-851C-F86EA0467CD1}"/>
               </a:ext>
             </a:extLst>
           </p:cNvPr>
@@ -20482,7 +20471,7 @@
           <p:cNvPr id="115" name="TextBox 114">
             <a:extLst>
               <a:ext uri="{FF2B5EF4-FFF2-40B4-BE49-F238E27FC236}">
-                <a16:creationId xmlns:a16="http://schemas.microsoft.com/office/drawing/2014/main" xmlns="" id="{035B6930-B182-4D59-963D-AC66036C7D11}"/>
+                <a16:creationId xmlns:a16="http://schemas.microsoft.com/office/drawing/2014/main" id="{035B6930-B182-4D59-963D-AC66036C7D11}"/>
               </a:ext>
             </a:extLst>
           </p:cNvPr>
@@ -20517,7 +20506,7 @@
           <p:cNvPr id="118" name="Oval 117">
             <a:extLst>
               <a:ext uri="{FF2B5EF4-FFF2-40B4-BE49-F238E27FC236}">
-                <a16:creationId xmlns:a16="http://schemas.microsoft.com/office/drawing/2014/main" xmlns="" id="{88D33199-F90C-4043-9771-3DC0DD0A9B10}"/>
+                <a16:creationId xmlns:a16="http://schemas.microsoft.com/office/drawing/2014/main" id="{88D33199-F90C-4043-9771-3DC0DD0A9B10}"/>
               </a:ext>
             </a:extLst>
           </p:cNvPr>
@@ -20566,7 +20555,7 @@
           <p:cNvPr id="119" name="TextBox 118">
             <a:extLst>
               <a:ext uri="{FF2B5EF4-FFF2-40B4-BE49-F238E27FC236}">
-                <a16:creationId xmlns:a16="http://schemas.microsoft.com/office/drawing/2014/main" xmlns="" id="{0FD2BCAB-C6A0-4483-863F-3A7A12752883}"/>
+                <a16:creationId xmlns:a16="http://schemas.microsoft.com/office/drawing/2014/main" id="{0FD2BCAB-C6A0-4483-863F-3A7A12752883}"/>
               </a:ext>
             </a:extLst>
           </p:cNvPr>
@@ -20601,7 +20590,7 @@
           <p:cNvPr id="121" name="TextBox 120">
             <a:extLst>
               <a:ext uri="{FF2B5EF4-FFF2-40B4-BE49-F238E27FC236}">
-                <a16:creationId xmlns:a16="http://schemas.microsoft.com/office/drawing/2014/main" xmlns="" id="{2AD33CEE-29DC-4008-A226-F356E41F4282}"/>
+                <a16:creationId xmlns:a16="http://schemas.microsoft.com/office/drawing/2014/main" id="{2AD33CEE-29DC-4008-A226-F356E41F4282}"/>
               </a:ext>
             </a:extLst>
           </p:cNvPr>
@@ -20637,7 +20626,7 @@
           <p:cNvPr id="125" name="Oval 124">
             <a:extLst>
               <a:ext uri="{FF2B5EF4-FFF2-40B4-BE49-F238E27FC236}">
-                <a16:creationId xmlns:a16="http://schemas.microsoft.com/office/drawing/2014/main" xmlns="" id="{EA63BD4B-8C4C-4331-A43F-500E8AFC8C0D}"/>
+                <a16:creationId xmlns:a16="http://schemas.microsoft.com/office/drawing/2014/main" id="{EA63BD4B-8C4C-4331-A43F-500E8AFC8C0D}"/>
               </a:ext>
             </a:extLst>
           </p:cNvPr>
@@ -20686,7 +20675,7 @@
           <p:cNvPr id="126" name="TextBox 125">
             <a:extLst>
               <a:ext uri="{FF2B5EF4-FFF2-40B4-BE49-F238E27FC236}">
-                <a16:creationId xmlns:a16="http://schemas.microsoft.com/office/drawing/2014/main" xmlns="" id="{E6F33F6F-3E19-454E-94EF-23CFA5081AD2}"/>
+                <a16:creationId xmlns:a16="http://schemas.microsoft.com/office/drawing/2014/main" id="{E6F33F6F-3E19-454E-94EF-23CFA5081AD2}"/>
               </a:ext>
             </a:extLst>
           </p:cNvPr>
@@ -20721,7 +20710,7 @@
           <p:cNvPr id="127" name="Oval 126">
             <a:extLst>
               <a:ext uri="{FF2B5EF4-FFF2-40B4-BE49-F238E27FC236}">
-                <a16:creationId xmlns:a16="http://schemas.microsoft.com/office/drawing/2014/main" xmlns="" id="{55EFB462-99AE-4F17-8522-5A0D0E82DE8F}"/>
+                <a16:creationId xmlns:a16="http://schemas.microsoft.com/office/drawing/2014/main" id="{55EFB462-99AE-4F17-8522-5A0D0E82DE8F}"/>
               </a:ext>
             </a:extLst>
           </p:cNvPr>
@@ -20770,7 +20759,7 @@
           <p:cNvPr id="128" name="TextBox 127">
             <a:extLst>
               <a:ext uri="{FF2B5EF4-FFF2-40B4-BE49-F238E27FC236}">
-                <a16:creationId xmlns:a16="http://schemas.microsoft.com/office/drawing/2014/main" xmlns="" id="{227444FB-5B7D-43FB-8E36-C9C374F58F22}"/>
+                <a16:creationId xmlns:a16="http://schemas.microsoft.com/office/drawing/2014/main" id="{227444FB-5B7D-43FB-8E36-C9C374F58F22}"/>
               </a:ext>
             </a:extLst>
           </p:cNvPr>
@@ -20805,7 +20794,7 @@
           <p:cNvPr id="129" name="TextBox 128">
             <a:extLst>
               <a:ext uri="{FF2B5EF4-FFF2-40B4-BE49-F238E27FC236}">
-                <a16:creationId xmlns:a16="http://schemas.microsoft.com/office/drawing/2014/main" xmlns="" id="{B8816C32-D0AC-4011-AC2C-4424918B7638}"/>
+                <a16:creationId xmlns:a16="http://schemas.microsoft.com/office/drawing/2014/main" id="{B8816C32-D0AC-4011-AC2C-4424918B7638}"/>
               </a:ext>
             </a:extLst>
           </p:cNvPr>
@@ -20841,7 +20830,7 @@
           <p:cNvPr id="130" name="TextBox 129">
             <a:extLst>
               <a:ext uri="{FF2B5EF4-FFF2-40B4-BE49-F238E27FC236}">
-                <a16:creationId xmlns:a16="http://schemas.microsoft.com/office/drawing/2014/main" xmlns="" id="{5522E75F-4E11-4DDC-801A-6E04670EF9D5}"/>
+                <a16:creationId xmlns:a16="http://schemas.microsoft.com/office/drawing/2014/main" id="{5522E75F-4E11-4DDC-801A-6E04670EF9D5}"/>
               </a:ext>
             </a:extLst>
           </p:cNvPr>
@@ -20877,7 +20866,7 @@
           <p:cNvPr id="131" name="TextBox 130">
             <a:extLst>
               <a:ext uri="{FF2B5EF4-FFF2-40B4-BE49-F238E27FC236}">
-                <a16:creationId xmlns:a16="http://schemas.microsoft.com/office/drawing/2014/main" xmlns="" id="{356A7384-E3CA-48CF-BDB6-61BC8823AE78}"/>
+                <a16:creationId xmlns:a16="http://schemas.microsoft.com/office/drawing/2014/main" id="{356A7384-E3CA-48CF-BDB6-61BC8823AE78}"/>
               </a:ext>
             </a:extLst>
           </p:cNvPr>
@@ -20914,7 +20903,7 @@
           <p:cNvPr id="132" name="TextBox 131">
             <a:extLst>
               <a:ext uri="{FF2B5EF4-FFF2-40B4-BE49-F238E27FC236}">
-                <a16:creationId xmlns:a16="http://schemas.microsoft.com/office/drawing/2014/main" xmlns="" id="{798503FC-5C70-4514-881F-508DE62A0122}"/>
+                <a16:creationId xmlns:a16="http://schemas.microsoft.com/office/drawing/2014/main" id="{798503FC-5C70-4514-881F-508DE62A0122}"/>
               </a:ext>
             </a:extLst>
           </p:cNvPr>
@@ -20950,7 +20939,7 @@
           <p:cNvPr id="133" name="TextBox 132">
             <a:extLst>
               <a:ext uri="{FF2B5EF4-FFF2-40B4-BE49-F238E27FC236}">
-                <a16:creationId xmlns:a16="http://schemas.microsoft.com/office/drawing/2014/main" xmlns="" id="{06D17C53-6A36-4700-A452-5851B52AA5CB}"/>
+                <a16:creationId xmlns:a16="http://schemas.microsoft.com/office/drawing/2014/main" id="{06D17C53-6A36-4700-A452-5851B52AA5CB}"/>
               </a:ext>
             </a:extLst>
           </p:cNvPr>
@@ -20985,7 +20974,7 @@
           <p:cNvPr id="134" name="Straight Arrow Connector 133">
             <a:extLst>
               <a:ext uri="{FF2B5EF4-FFF2-40B4-BE49-F238E27FC236}">
-                <a16:creationId xmlns:a16="http://schemas.microsoft.com/office/drawing/2014/main" xmlns="" id="{FD2ABD3C-249C-4E0F-9A26-7B19C626AB6D}"/>
+                <a16:creationId xmlns:a16="http://schemas.microsoft.com/office/drawing/2014/main" id="{FD2ABD3C-249C-4E0F-9A26-7B19C626AB6D}"/>
               </a:ext>
             </a:extLst>
           </p:cNvPr>
@@ -21026,7 +21015,7 @@
           <p:cNvPr id="136" name="TextBox 135">
             <a:extLst>
               <a:ext uri="{FF2B5EF4-FFF2-40B4-BE49-F238E27FC236}">
-                <a16:creationId xmlns:a16="http://schemas.microsoft.com/office/drawing/2014/main" xmlns="" id="{55B97FB0-2812-4419-BBCE-BDC62EC46C4B}"/>
+                <a16:creationId xmlns:a16="http://schemas.microsoft.com/office/drawing/2014/main" id="{55B97FB0-2812-4419-BBCE-BDC62EC46C4B}"/>
               </a:ext>
             </a:extLst>
           </p:cNvPr>
@@ -21061,7 +21050,7 @@
           <p:cNvPr id="137" name="TextBox 136">
             <a:extLst>
               <a:ext uri="{FF2B5EF4-FFF2-40B4-BE49-F238E27FC236}">
-                <a16:creationId xmlns:a16="http://schemas.microsoft.com/office/drawing/2014/main" xmlns="" id="{09F894DB-58C8-4E3F-8A27-C157A75AD1C1}"/>
+                <a16:creationId xmlns:a16="http://schemas.microsoft.com/office/drawing/2014/main" id="{09F894DB-58C8-4E3F-8A27-C157A75AD1C1}"/>
               </a:ext>
             </a:extLst>
           </p:cNvPr>
@@ -21097,7 +21086,7 @@
           <p:cNvPr id="138" name="Oval 137">
             <a:extLst>
               <a:ext uri="{FF2B5EF4-FFF2-40B4-BE49-F238E27FC236}">
-                <a16:creationId xmlns:a16="http://schemas.microsoft.com/office/drawing/2014/main" xmlns="" id="{A76957CB-1431-45B6-B929-E672ACFEC176}"/>
+                <a16:creationId xmlns:a16="http://schemas.microsoft.com/office/drawing/2014/main" id="{A76957CB-1431-45B6-B929-E672ACFEC176}"/>
               </a:ext>
             </a:extLst>
           </p:cNvPr>
@@ -21146,7 +21135,7 @@
           <p:cNvPr id="38" name="TextBox 37">
             <a:extLst>
               <a:ext uri="{FF2B5EF4-FFF2-40B4-BE49-F238E27FC236}">
-                <a16:creationId xmlns:a16="http://schemas.microsoft.com/office/drawing/2014/main" xmlns="" id="{433C3148-9D40-4B6A-9C9F-7955A3565BF1}"/>
+                <a16:creationId xmlns:a16="http://schemas.microsoft.com/office/drawing/2014/main" id="{433C3148-9D40-4B6A-9C9F-7955A3565BF1}"/>
               </a:ext>
             </a:extLst>
           </p:cNvPr>
@@ -21182,7 +21171,7 @@
           <p:cNvPr id="139" name="Oval 138">
             <a:extLst>
               <a:ext uri="{FF2B5EF4-FFF2-40B4-BE49-F238E27FC236}">
-                <a16:creationId xmlns:a16="http://schemas.microsoft.com/office/drawing/2014/main" xmlns="" id="{DDFD1242-AAB9-4A0B-A129-CBEC0249A7EB}"/>
+                <a16:creationId xmlns:a16="http://schemas.microsoft.com/office/drawing/2014/main" id="{DDFD1242-AAB9-4A0B-A129-CBEC0249A7EB}"/>
               </a:ext>
             </a:extLst>
           </p:cNvPr>
@@ -21231,7 +21220,7 @@
           <p:cNvPr id="140" name="TextBox 139">
             <a:extLst>
               <a:ext uri="{FF2B5EF4-FFF2-40B4-BE49-F238E27FC236}">
-                <a16:creationId xmlns:a16="http://schemas.microsoft.com/office/drawing/2014/main" xmlns="" id="{94CBED89-677D-4679-BE03-40975E54DD2B}"/>
+                <a16:creationId xmlns:a16="http://schemas.microsoft.com/office/drawing/2014/main" id="{94CBED89-677D-4679-BE03-40975E54DD2B}"/>
               </a:ext>
             </a:extLst>
           </p:cNvPr>
@@ -21267,7 +21256,7 @@
           <p:cNvPr id="141" name="TextBox 140">
             <a:extLst>
               <a:ext uri="{FF2B5EF4-FFF2-40B4-BE49-F238E27FC236}">
-                <a16:creationId xmlns:a16="http://schemas.microsoft.com/office/drawing/2014/main" xmlns="" id="{0DCDA8F5-4E24-4329-A002-EC707B7B6650}"/>
+                <a16:creationId xmlns:a16="http://schemas.microsoft.com/office/drawing/2014/main" id="{0DCDA8F5-4E24-4329-A002-EC707B7B6650}"/>
               </a:ext>
             </a:extLst>
           </p:cNvPr>
@@ -21303,7 +21292,7 @@
           <p:cNvPr id="142" name="TextBox 141">
             <a:extLst>
               <a:ext uri="{FF2B5EF4-FFF2-40B4-BE49-F238E27FC236}">
-                <a16:creationId xmlns:a16="http://schemas.microsoft.com/office/drawing/2014/main" xmlns="" id="{D7A7F537-EE19-430B-9E41-12B4BA8D1558}"/>
+                <a16:creationId xmlns:a16="http://schemas.microsoft.com/office/drawing/2014/main" id="{D7A7F537-EE19-430B-9E41-12B4BA8D1558}"/>
               </a:ext>
             </a:extLst>
           </p:cNvPr>
@@ -21343,7 +21332,7 @@
           <p:cNvPr id="143" name="TextBox 142">
             <a:extLst>
               <a:ext uri="{FF2B5EF4-FFF2-40B4-BE49-F238E27FC236}">
-                <a16:creationId xmlns:a16="http://schemas.microsoft.com/office/drawing/2014/main" xmlns="" id="{CE6702C0-D16B-4E70-8A95-FC6B21C214FB}"/>
+                <a16:creationId xmlns:a16="http://schemas.microsoft.com/office/drawing/2014/main" id="{CE6702C0-D16B-4E70-8A95-FC6B21C214FB}"/>
               </a:ext>
             </a:extLst>
           </p:cNvPr>
@@ -21383,7 +21372,7 @@
           <p:cNvPr id="144" name="TextBox 143">
             <a:extLst>
               <a:ext uri="{FF2B5EF4-FFF2-40B4-BE49-F238E27FC236}">
-                <a16:creationId xmlns:a16="http://schemas.microsoft.com/office/drawing/2014/main" xmlns="" id="{EA67A7FF-F06D-4621-B42A-E565E8891CC0}"/>
+                <a16:creationId xmlns:a16="http://schemas.microsoft.com/office/drawing/2014/main" id="{EA67A7FF-F06D-4621-B42A-E565E8891CC0}"/>
               </a:ext>
             </a:extLst>
           </p:cNvPr>
@@ -21423,7 +21412,7 @@
           <p:cNvPr id="145" name="TextBox 144">
             <a:extLst>
               <a:ext uri="{FF2B5EF4-FFF2-40B4-BE49-F238E27FC236}">
-                <a16:creationId xmlns:a16="http://schemas.microsoft.com/office/drawing/2014/main" xmlns="" id="{5F293963-C8ED-44E4-A1E9-363322ED6920}"/>
+                <a16:creationId xmlns:a16="http://schemas.microsoft.com/office/drawing/2014/main" id="{5F293963-C8ED-44E4-A1E9-363322ED6920}"/>
               </a:ext>
             </a:extLst>
           </p:cNvPr>
@@ -21493,7 +21482,7 @@
           <p:cNvPr id="3" name="Picture 2">
             <a:extLst>
               <a:ext uri="{FF2B5EF4-FFF2-40B4-BE49-F238E27FC236}">
-                <a16:creationId xmlns:a16="http://schemas.microsoft.com/office/drawing/2014/main" xmlns="" id="{E093C7C9-9588-4B26-B285-D7B7501A8D5B}"/>
+                <a16:creationId xmlns:a16="http://schemas.microsoft.com/office/drawing/2014/main" id="{E093C7C9-9588-4B26-B285-D7B7501A8D5B}"/>
               </a:ext>
             </a:extLst>
           </p:cNvPr>
@@ -21529,7 +21518,7 @@
           <p:cNvPr id="5" name="Picture 4">
             <a:extLst>
               <a:ext uri="{FF2B5EF4-FFF2-40B4-BE49-F238E27FC236}">
-                <a16:creationId xmlns:a16="http://schemas.microsoft.com/office/drawing/2014/main" xmlns="" id="{77874012-7500-4728-B206-C08E36F5639D}"/>
+                <a16:creationId xmlns:a16="http://schemas.microsoft.com/office/drawing/2014/main" id="{77874012-7500-4728-B206-C08E36F5639D}"/>
               </a:ext>
             </a:extLst>
           </p:cNvPr>
@@ -21565,7 +21554,7 @@
           <p:cNvPr id="7" name="Straight Arrow Connector 6">
             <a:extLst>
               <a:ext uri="{FF2B5EF4-FFF2-40B4-BE49-F238E27FC236}">
-                <a16:creationId xmlns:a16="http://schemas.microsoft.com/office/drawing/2014/main" xmlns="" id="{E3398746-2C5E-4F8D-8404-238C0B242852}"/>
+                <a16:creationId xmlns:a16="http://schemas.microsoft.com/office/drawing/2014/main" id="{E3398746-2C5E-4F8D-8404-238C0B242852}"/>
               </a:ext>
             </a:extLst>
           </p:cNvPr>
@@ -21638,7 +21627,7 @@
           <p:cNvPr id="2" name="Rectangle 1">
             <a:extLst>
               <a:ext uri="{FF2B5EF4-FFF2-40B4-BE49-F238E27FC236}">
-                <a16:creationId xmlns:a16="http://schemas.microsoft.com/office/drawing/2014/main" xmlns="" id="{FE046559-76B1-4B20-AFC3-A184F6A26DA8}"/>
+                <a16:creationId xmlns:a16="http://schemas.microsoft.com/office/drawing/2014/main" id="{FE046559-76B1-4B20-AFC3-A184F6A26DA8}"/>
               </a:ext>
             </a:extLst>
           </p:cNvPr>
@@ -21684,7 +21673,7 @@
           <p:cNvPr id="3" name="Rectangle 2">
             <a:extLst>
               <a:ext uri="{FF2B5EF4-FFF2-40B4-BE49-F238E27FC236}">
-                <a16:creationId xmlns:a16="http://schemas.microsoft.com/office/drawing/2014/main" xmlns="" id="{3C42E523-AFD4-470A-B5A4-D4FD95BB5667}"/>
+                <a16:creationId xmlns:a16="http://schemas.microsoft.com/office/drawing/2014/main" id="{3C42E523-AFD4-470A-B5A4-D4FD95BB5667}"/>
               </a:ext>
             </a:extLst>
           </p:cNvPr>
@@ -21730,7 +21719,7 @@
           <p:cNvPr id="4" name="Straight Connector 3">
             <a:extLst>
               <a:ext uri="{FF2B5EF4-FFF2-40B4-BE49-F238E27FC236}">
-                <a16:creationId xmlns:a16="http://schemas.microsoft.com/office/drawing/2014/main" xmlns="" id="{165F6E83-51F5-48F9-A041-22E1D41212E2}"/>
+                <a16:creationId xmlns:a16="http://schemas.microsoft.com/office/drawing/2014/main" id="{165F6E83-51F5-48F9-A041-22E1D41212E2}"/>
               </a:ext>
             </a:extLst>
           </p:cNvPr>
@@ -21770,7 +21759,7 @@
           <p:cNvPr id="5" name="Rectangle 4">
             <a:extLst>
               <a:ext uri="{FF2B5EF4-FFF2-40B4-BE49-F238E27FC236}">
-                <a16:creationId xmlns:a16="http://schemas.microsoft.com/office/drawing/2014/main" xmlns="" id="{4317DD76-A72D-499F-80F0-6F2F0FD89C21}"/>
+                <a16:creationId xmlns:a16="http://schemas.microsoft.com/office/drawing/2014/main" id="{4317DD76-A72D-499F-80F0-6F2F0FD89C21}"/>
               </a:ext>
             </a:extLst>
           </p:cNvPr>
@@ -21816,7 +21805,7 @@
           <p:cNvPr id="6" name="Straight Connector 5">
             <a:extLst>
               <a:ext uri="{FF2B5EF4-FFF2-40B4-BE49-F238E27FC236}">
-                <a16:creationId xmlns:a16="http://schemas.microsoft.com/office/drawing/2014/main" xmlns="" id="{6B9A6D03-8D13-4C1E-B575-2CE9A12D38F3}"/>
+                <a16:creationId xmlns:a16="http://schemas.microsoft.com/office/drawing/2014/main" id="{6B9A6D03-8D13-4C1E-B575-2CE9A12D38F3}"/>
               </a:ext>
             </a:extLst>
           </p:cNvPr>
@@ -21855,7 +21844,7 @@
           <p:cNvPr id="7" name="TextBox 6">
             <a:extLst>
               <a:ext uri="{FF2B5EF4-FFF2-40B4-BE49-F238E27FC236}">
-                <a16:creationId xmlns:a16="http://schemas.microsoft.com/office/drawing/2014/main" xmlns="" id="{7A5E4009-0B8B-46DE-98CC-30D763A2EF0A}"/>
+                <a16:creationId xmlns:a16="http://schemas.microsoft.com/office/drawing/2014/main" id="{7A5E4009-0B8B-46DE-98CC-30D763A2EF0A}"/>
               </a:ext>
             </a:extLst>
           </p:cNvPr>
@@ -21891,7 +21880,7 @@
           <p:cNvPr id="8" name="TextBox 7">
             <a:extLst>
               <a:ext uri="{FF2B5EF4-FFF2-40B4-BE49-F238E27FC236}">
-                <a16:creationId xmlns:a16="http://schemas.microsoft.com/office/drawing/2014/main" xmlns="" id="{95781765-A52D-4A7B-89E0-3111434BC633}"/>
+                <a16:creationId xmlns:a16="http://schemas.microsoft.com/office/drawing/2014/main" id="{95781765-A52D-4A7B-89E0-3111434BC633}"/>
               </a:ext>
             </a:extLst>
           </p:cNvPr>
@@ -21946,7 +21935,7 @@
           <p:cNvPr id="9" name="TextBox 8">
             <a:extLst>
               <a:ext uri="{FF2B5EF4-FFF2-40B4-BE49-F238E27FC236}">
-                <a16:creationId xmlns:a16="http://schemas.microsoft.com/office/drawing/2014/main" xmlns="" id="{FC06655B-02BC-4FF6-8B89-B24582D26F73}"/>
+                <a16:creationId xmlns:a16="http://schemas.microsoft.com/office/drawing/2014/main" id="{FC06655B-02BC-4FF6-8B89-B24582D26F73}"/>
               </a:ext>
             </a:extLst>
           </p:cNvPr>
@@ -22001,7 +21990,7 @@
           <p:cNvPr id="10" name="TextBox 9">
             <a:extLst>
               <a:ext uri="{FF2B5EF4-FFF2-40B4-BE49-F238E27FC236}">
-                <a16:creationId xmlns:a16="http://schemas.microsoft.com/office/drawing/2014/main" xmlns="" id="{0F1591A3-B836-4EB9-87D5-1ECFA764E730}"/>
+                <a16:creationId xmlns:a16="http://schemas.microsoft.com/office/drawing/2014/main" id="{0F1591A3-B836-4EB9-87D5-1ECFA764E730}"/>
               </a:ext>
             </a:extLst>
           </p:cNvPr>
@@ -22056,7 +22045,7 @@
           <p:cNvPr id="11" name="TextBox 10">
             <a:extLst>
               <a:ext uri="{FF2B5EF4-FFF2-40B4-BE49-F238E27FC236}">
-                <a16:creationId xmlns:a16="http://schemas.microsoft.com/office/drawing/2014/main" xmlns="" id="{44CA9F4A-3E8E-4E51-9444-250EF46B1B4C}"/>
+                <a16:creationId xmlns:a16="http://schemas.microsoft.com/office/drawing/2014/main" id="{44CA9F4A-3E8E-4E51-9444-250EF46B1B4C}"/>
               </a:ext>
             </a:extLst>
           </p:cNvPr>
@@ -22111,7 +22100,7 @@
           <p:cNvPr id="12" name="Table 11">
             <a:extLst>
               <a:ext uri="{FF2B5EF4-FFF2-40B4-BE49-F238E27FC236}">
-                <a16:creationId xmlns:a16="http://schemas.microsoft.com/office/drawing/2014/main" xmlns="" id="{8609B135-BD24-46C9-9103-7320116A6E95}"/>
+                <a16:creationId xmlns:a16="http://schemas.microsoft.com/office/drawing/2014/main" id="{8609B135-BD24-46C9-9103-7320116A6E95}"/>
               </a:ext>
             </a:extLst>
           </p:cNvPr>
@@ -22140,35 +22129,35 @@
                 <a:gridCol w="396240">
                   <a:extLst>
                     <a:ext uri="{9D8B030D-6E8A-4147-A177-3AD203B41FA5}">
-                      <a16:colId xmlns:a16="http://schemas.microsoft.com/office/drawing/2014/main" xmlns="" val="3806177184"/>
+                      <a16:colId xmlns:a16="http://schemas.microsoft.com/office/drawing/2014/main" val="3806177184"/>
                     </a:ext>
                   </a:extLst>
                 </a:gridCol>
                 <a:gridCol w="396240">
                   <a:extLst>
                     <a:ext uri="{9D8B030D-6E8A-4147-A177-3AD203B41FA5}">
-                      <a16:colId xmlns:a16="http://schemas.microsoft.com/office/drawing/2014/main" xmlns="" val="995372208"/>
+                      <a16:colId xmlns:a16="http://schemas.microsoft.com/office/drawing/2014/main" val="995372208"/>
                     </a:ext>
                   </a:extLst>
                 </a:gridCol>
                 <a:gridCol w="396240">
                   <a:extLst>
                     <a:ext uri="{9D8B030D-6E8A-4147-A177-3AD203B41FA5}">
-                      <a16:colId xmlns:a16="http://schemas.microsoft.com/office/drawing/2014/main" xmlns="" val="40047974"/>
+                      <a16:colId xmlns:a16="http://schemas.microsoft.com/office/drawing/2014/main" val="40047974"/>
                     </a:ext>
                   </a:extLst>
                 </a:gridCol>
                 <a:gridCol w="396240">
                   <a:extLst>
                     <a:ext uri="{9D8B030D-6E8A-4147-A177-3AD203B41FA5}">
-                      <a16:colId xmlns:a16="http://schemas.microsoft.com/office/drawing/2014/main" xmlns="" val="3887870823"/>
+                      <a16:colId xmlns:a16="http://schemas.microsoft.com/office/drawing/2014/main" val="3887870823"/>
                     </a:ext>
                   </a:extLst>
                 </a:gridCol>
                 <a:gridCol w="396240">
                   <a:extLst>
                     <a:ext uri="{9D8B030D-6E8A-4147-A177-3AD203B41FA5}">
-                      <a16:colId xmlns:a16="http://schemas.microsoft.com/office/drawing/2014/main" xmlns="" val="2562895583"/>
+                      <a16:colId xmlns:a16="http://schemas.microsoft.com/office/drawing/2014/main" val="2562895583"/>
                     </a:ext>
                   </a:extLst>
                 </a:gridCol>
@@ -22262,7 +22251,7 @@
                 </a:tc>
                 <a:extLst>
                   <a:ext uri="{0D108BD9-81ED-4DB2-BD59-A6C34878D82A}">
-                    <a16:rowId xmlns:a16="http://schemas.microsoft.com/office/drawing/2014/main" xmlns="" val="4259432351"/>
+                    <a16:rowId xmlns:a16="http://schemas.microsoft.com/office/drawing/2014/main" val="4259432351"/>
                   </a:ext>
                 </a:extLst>
               </a:tr>
@@ -22275,7 +22264,7 @@
           <p:cNvPr id="13" name="Rectangle: Rounded Corners 12">
             <a:extLst>
               <a:ext uri="{FF2B5EF4-FFF2-40B4-BE49-F238E27FC236}">
-                <a16:creationId xmlns:a16="http://schemas.microsoft.com/office/drawing/2014/main" xmlns="" id="{553D89B1-6AA5-474F-902C-EA45738F225C}"/>
+                <a16:creationId xmlns:a16="http://schemas.microsoft.com/office/drawing/2014/main" id="{553D89B1-6AA5-474F-902C-EA45738F225C}"/>
               </a:ext>
             </a:extLst>
           </p:cNvPr>
@@ -22334,7 +22323,7 @@
           <p:cNvPr id="14" name="Straight Arrow Connector 13">
             <a:extLst>
               <a:ext uri="{FF2B5EF4-FFF2-40B4-BE49-F238E27FC236}">
-                <a16:creationId xmlns:a16="http://schemas.microsoft.com/office/drawing/2014/main" xmlns="" id="{99C157BC-C125-4386-8294-916A17BED447}"/>
+                <a16:creationId xmlns:a16="http://schemas.microsoft.com/office/drawing/2014/main" id="{99C157BC-C125-4386-8294-916A17BED447}"/>
               </a:ext>
             </a:extLst>
           </p:cNvPr>
@@ -22375,7 +22364,7 @@
           <p:cNvPr id="15" name="Straight Arrow Connector 14">
             <a:extLst>
               <a:ext uri="{FF2B5EF4-FFF2-40B4-BE49-F238E27FC236}">
-                <a16:creationId xmlns:a16="http://schemas.microsoft.com/office/drawing/2014/main" xmlns="" id="{1CB69C37-357D-43D5-BB10-A2181B616379}"/>
+                <a16:creationId xmlns:a16="http://schemas.microsoft.com/office/drawing/2014/main" id="{1CB69C37-357D-43D5-BB10-A2181B616379}"/>
               </a:ext>
             </a:extLst>
           </p:cNvPr>
@@ -22416,7 +22405,7 @@
           <p:cNvPr id="16" name="TextBox 15">
             <a:extLst>
               <a:ext uri="{FF2B5EF4-FFF2-40B4-BE49-F238E27FC236}">
-                <a16:creationId xmlns:a16="http://schemas.microsoft.com/office/drawing/2014/main" xmlns="" id="{C5F7FECF-C6E5-4E56-A680-E27BD1A10453}"/>
+                <a16:creationId xmlns:a16="http://schemas.microsoft.com/office/drawing/2014/main" id="{C5F7FECF-C6E5-4E56-A680-E27BD1A10453}"/>
               </a:ext>
             </a:extLst>
           </p:cNvPr>
@@ -22456,7 +22445,7 @@
           <p:cNvPr id="17" name="TextBox 16">
             <a:extLst>
               <a:ext uri="{FF2B5EF4-FFF2-40B4-BE49-F238E27FC236}">
-                <a16:creationId xmlns:a16="http://schemas.microsoft.com/office/drawing/2014/main" xmlns="" id="{156BF751-21E4-44C0-B5FD-BF3FF709E75A}"/>
+                <a16:creationId xmlns:a16="http://schemas.microsoft.com/office/drawing/2014/main" id="{156BF751-21E4-44C0-B5FD-BF3FF709E75A}"/>
               </a:ext>
             </a:extLst>
           </p:cNvPr>
@@ -22496,7 +22485,7 @@
           <p:cNvPr id="18" name="Straight Connector 17">
             <a:extLst>
               <a:ext uri="{FF2B5EF4-FFF2-40B4-BE49-F238E27FC236}">
-                <a16:creationId xmlns:a16="http://schemas.microsoft.com/office/drawing/2014/main" xmlns="" id="{542DAC25-E78A-464D-8C54-EF24A28A0481}"/>
+                <a16:creationId xmlns:a16="http://schemas.microsoft.com/office/drawing/2014/main" id="{542DAC25-E78A-464D-8C54-EF24A28A0481}"/>
               </a:ext>
             </a:extLst>
           </p:cNvPr>
@@ -22535,7 +22524,7 @@
           <p:cNvPr id="19" name="Straight Connector 18">
             <a:extLst>
               <a:ext uri="{FF2B5EF4-FFF2-40B4-BE49-F238E27FC236}">
-                <a16:creationId xmlns:a16="http://schemas.microsoft.com/office/drawing/2014/main" xmlns="" id="{345E4C95-2AC6-433C-9CCE-59FB1EE86A21}"/>
+                <a16:creationId xmlns:a16="http://schemas.microsoft.com/office/drawing/2014/main" id="{345E4C95-2AC6-433C-9CCE-59FB1EE86A21}"/>
               </a:ext>
             </a:extLst>
           </p:cNvPr>
@@ -22574,7 +22563,7 @@
           <p:cNvPr id="20" name="Straight Connector 19">
             <a:extLst>
               <a:ext uri="{FF2B5EF4-FFF2-40B4-BE49-F238E27FC236}">
-                <a16:creationId xmlns:a16="http://schemas.microsoft.com/office/drawing/2014/main" xmlns="" id="{DB7E4AC8-37FB-406D-8BE2-7F79F64EF8C6}"/>
+                <a16:creationId xmlns:a16="http://schemas.microsoft.com/office/drawing/2014/main" id="{DB7E4AC8-37FB-406D-8BE2-7F79F64EF8C6}"/>
               </a:ext>
             </a:extLst>
           </p:cNvPr>
@@ -22613,7 +22602,7 @@
           <p:cNvPr id="21" name="Straight Connector 20">
             <a:extLst>
               <a:ext uri="{FF2B5EF4-FFF2-40B4-BE49-F238E27FC236}">
-                <a16:creationId xmlns:a16="http://schemas.microsoft.com/office/drawing/2014/main" xmlns="" id="{43B88E84-A8B4-446E-AB4A-253B7B55F93D}"/>
+                <a16:creationId xmlns:a16="http://schemas.microsoft.com/office/drawing/2014/main" id="{43B88E84-A8B4-446E-AB4A-253B7B55F93D}"/>
               </a:ext>
             </a:extLst>
           </p:cNvPr>
@@ -22652,7 +22641,7 @@
           <p:cNvPr id="22" name="Straight Arrow Connector 21">
             <a:extLst>
               <a:ext uri="{FF2B5EF4-FFF2-40B4-BE49-F238E27FC236}">
-                <a16:creationId xmlns:a16="http://schemas.microsoft.com/office/drawing/2014/main" xmlns="" id="{DDE56ED3-A94E-43DC-A64A-C0E085201D22}"/>
+                <a16:creationId xmlns:a16="http://schemas.microsoft.com/office/drawing/2014/main" id="{DDE56ED3-A94E-43DC-A64A-C0E085201D22}"/>
               </a:ext>
             </a:extLst>
           </p:cNvPr>
@@ -22693,7 +22682,7 @@
           <p:cNvPr id="23" name="Rectangle: Rounded Corners 22">
             <a:extLst>
               <a:ext uri="{FF2B5EF4-FFF2-40B4-BE49-F238E27FC236}">
-                <a16:creationId xmlns:a16="http://schemas.microsoft.com/office/drawing/2014/main" xmlns="" id="{5C7A2DDB-F9CD-42B8-9C14-FE50082EC04B}"/>
+                <a16:creationId xmlns:a16="http://schemas.microsoft.com/office/drawing/2014/main" id="{5C7A2DDB-F9CD-42B8-9C14-FE50082EC04B}"/>
               </a:ext>
             </a:extLst>
           </p:cNvPr>
@@ -22752,7 +22741,7 @@
           <p:cNvPr id="24" name="Straight Arrow Connector 23">
             <a:extLst>
               <a:ext uri="{FF2B5EF4-FFF2-40B4-BE49-F238E27FC236}">
-                <a16:creationId xmlns:a16="http://schemas.microsoft.com/office/drawing/2014/main" xmlns="" id="{49B2BFE3-364B-4E3B-B785-DC727459A650}"/>
+                <a16:creationId xmlns:a16="http://schemas.microsoft.com/office/drawing/2014/main" id="{49B2BFE3-364B-4E3B-B785-DC727459A650}"/>
               </a:ext>
             </a:extLst>
           </p:cNvPr>
@@ -22793,7 +22782,7 @@
           <p:cNvPr id="25" name="Straight Arrow Connector 24">
             <a:extLst>
               <a:ext uri="{FF2B5EF4-FFF2-40B4-BE49-F238E27FC236}">
-                <a16:creationId xmlns:a16="http://schemas.microsoft.com/office/drawing/2014/main" xmlns="" id="{36269363-C655-4FBC-9E07-FEA047A8D64A}"/>
+                <a16:creationId xmlns:a16="http://schemas.microsoft.com/office/drawing/2014/main" id="{36269363-C655-4FBC-9E07-FEA047A8D64A}"/>
               </a:ext>
             </a:extLst>
           </p:cNvPr>
@@ -22834,7 +22823,7 @@
           <p:cNvPr id="26" name="TextBox 25">
             <a:extLst>
               <a:ext uri="{FF2B5EF4-FFF2-40B4-BE49-F238E27FC236}">
-                <a16:creationId xmlns:a16="http://schemas.microsoft.com/office/drawing/2014/main" xmlns="" id="{10C42874-5819-4CF8-9F92-B38D0F441AC5}"/>
+                <a16:creationId xmlns:a16="http://schemas.microsoft.com/office/drawing/2014/main" id="{10C42874-5819-4CF8-9F92-B38D0F441AC5}"/>
               </a:ext>
             </a:extLst>
           </p:cNvPr>
@@ -22874,7 +22863,7 @@
           <p:cNvPr id="27" name="TextBox 26">
             <a:extLst>
               <a:ext uri="{FF2B5EF4-FFF2-40B4-BE49-F238E27FC236}">
-                <a16:creationId xmlns:a16="http://schemas.microsoft.com/office/drawing/2014/main" xmlns="" id="{CD85FFE9-A2D6-46AC-880A-FA5D0C61E488}"/>
+                <a16:creationId xmlns:a16="http://schemas.microsoft.com/office/drawing/2014/main" id="{CD85FFE9-A2D6-46AC-880A-FA5D0C61E488}"/>
               </a:ext>
             </a:extLst>
           </p:cNvPr>
@@ -22914,7 +22903,7 @@
           <p:cNvPr id="28" name="Straight Connector 27">
             <a:extLst>
               <a:ext uri="{FF2B5EF4-FFF2-40B4-BE49-F238E27FC236}">
-                <a16:creationId xmlns:a16="http://schemas.microsoft.com/office/drawing/2014/main" xmlns="" id="{0C4C7C6F-3C20-4F93-AE0E-CE58BF5C6155}"/>
+                <a16:creationId xmlns:a16="http://schemas.microsoft.com/office/drawing/2014/main" id="{0C4C7C6F-3C20-4F93-AE0E-CE58BF5C6155}"/>
               </a:ext>
             </a:extLst>
           </p:cNvPr>
@@ -22953,7 +22942,7 @@
           <p:cNvPr id="29" name="Straight Connector 28">
             <a:extLst>
               <a:ext uri="{FF2B5EF4-FFF2-40B4-BE49-F238E27FC236}">
-                <a16:creationId xmlns:a16="http://schemas.microsoft.com/office/drawing/2014/main" xmlns="" id="{F7E19176-9EDC-4E86-BF0E-365BEC1494CD}"/>
+                <a16:creationId xmlns:a16="http://schemas.microsoft.com/office/drawing/2014/main" id="{F7E19176-9EDC-4E86-BF0E-365BEC1494CD}"/>
               </a:ext>
             </a:extLst>
           </p:cNvPr>
@@ -22992,7 +22981,7 @@
           <p:cNvPr id="30" name="Straight Connector 29">
             <a:extLst>
               <a:ext uri="{FF2B5EF4-FFF2-40B4-BE49-F238E27FC236}">
-                <a16:creationId xmlns:a16="http://schemas.microsoft.com/office/drawing/2014/main" xmlns="" id="{8A17D626-198D-40C2-8CD2-891144E0140B}"/>
+                <a16:creationId xmlns:a16="http://schemas.microsoft.com/office/drawing/2014/main" id="{8A17D626-198D-40C2-8CD2-891144E0140B}"/>
               </a:ext>
             </a:extLst>
           </p:cNvPr>
@@ -23031,7 +23020,7 @@
           <p:cNvPr id="31" name="Straight Connector 30">
             <a:extLst>
               <a:ext uri="{FF2B5EF4-FFF2-40B4-BE49-F238E27FC236}">
-                <a16:creationId xmlns:a16="http://schemas.microsoft.com/office/drawing/2014/main" xmlns="" id="{946A78E2-D30C-4B8C-9873-2BC0536E22FE}"/>
+                <a16:creationId xmlns:a16="http://schemas.microsoft.com/office/drawing/2014/main" id="{946A78E2-D30C-4B8C-9873-2BC0536E22FE}"/>
               </a:ext>
             </a:extLst>
           </p:cNvPr>
@@ -23070,7 +23059,7 @@
           <p:cNvPr id="32" name="Straight Arrow Connector 31">
             <a:extLst>
               <a:ext uri="{FF2B5EF4-FFF2-40B4-BE49-F238E27FC236}">
-                <a16:creationId xmlns:a16="http://schemas.microsoft.com/office/drawing/2014/main" xmlns="" id="{7FC09C6B-71A3-4048-A450-28EC347EBBCA}"/>
+                <a16:creationId xmlns:a16="http://schemas.microsoft.com/office/drawing/2014/main" id="{7FC09C6B-71A3-4048-A450-28EC347EBBCA}"/>
               </a:ext>
             </a:extLst>
           </p:cNvPr>
@@ -23111,7 +23100,7 @@
           <p:cNvPr id="33" name="Table 32">
             <a:extLst>
               <a:ext uri="{FF2B5EF4-FFF2-40B4-BE49-F238E27FC236}">
-                <a16:creationId xmlns:a16="http://schemas.microsoft.com/office/drawing/2014/main" xmlns="" id="{7036EA09-E54C-43C4-8098-2F654841AED7}"/>
+                <a16:creationId xmlns:a16="http://schemas.microsoft.com/office/drawing/2014/main" id="{7036EA09-E54C-43C4-8098-2F654841AED7}"/>
               </a:ext>
             </a:extLst>
           </p:cNvPr>
@@ -23140,35 +23129,35 @@
                 <a:gridCol w="396240">
                   <a:extLst>
                     <a:ext uri="{9D8B030D-6E8A-4147-A177-3AD203B41FA5}">
-                      <a16:colId xmlns:a16="http://schemas.microsoft.com/office/drawing/2014/main" xmlns="" val="3806177184"/>
+                      <a16:colId xmlns:a16="http://schemas.microsoft.com/office/drawing/2014/main" val="3806177184"/>
                     </a:ext>
                   </a:extLst>
                 </a:gridCol>
                 <a:gridCol w="396240">
                   <a:extLst>
                     <a:ext uri="{9D8B030D-6E8A-4147-A177-3AD203B41FA5}">
-                      <a16:colId xmlns:a16="http://schemas.microsoft.com/office/drawing/2014/main" xmlns="" val="995372208"/>
+                      <a16:colId xmlns:a16="http://schemas.microsoft.com/office/drawing/2014/main" val="995372208"/>
                     </a:ext>
                   </a:extLst>
                 </a:gridCol>
                 <a:gridCol w="396240">
                   <a:extLst>
                     <a:ext uri="{9D8B030D-6E8A-4147-A177-3AD203B41FA5}">
-                      <a16:colId xmlns:a16="http://schemas.microsoft.com/office/drawing/2014/main" xmlns="" val="40047974"/>
+                      <a16:colId xmlns:a16="http://schemas.microsoft.com/office/drawing/2014/main" val="40047974"/>
                     </a:ext>
                   </a:extLst>
                 </a:gridCol>
                 <a:gridCol w="396240">
                   <a:extLst>
                     <a:ext uri="{9D8B030D-6E8A-4147-A177-3AD203B41FA5}">
-                      <a16:colId xmlns:a16="http://schemas.microsoft.com/office/drawing/2014/main" xmlns="" val="3887870823"/>
+                      <a16:colId xmlns:a16="http://schemas.microsoft.com/office/drawing/2014/main" val="3887870823"/>
                     </a:ext>
                   </a:extLst>
                 </a:gridCol>
                 <a:gridCol w="396240">
                   <a:extLst>
                     <a:ext uri="{9D8B030D-6E8A-4147-A177-3AD203B41FA5}">
-                      <a16:colId xmlns:a16="http://schemas.microsoft.com/office/drawing/2014/main" xmlns="" val="2562895583"/>
+                      <a16:colId xmlns:a16="http://schemas.microsoft.com/office/drawing/2014/main" val="2562895583"/>
                     </a:ext>
                   </a:extLst>
                 </a:gridCol>
@@ -23262,7 +23251,7 @@
                 </a:tc>
                 <a:extLst>
                   <a:ext uri="{0D108BD9-81ED-4DB2-BD59-A6C34878D82A}">
-                    <a16:rowId xmlns:a16="http://schemas.microsoft.com/office/drawing/2014/main" xmlns="" val="4259432351"/>
+                    <a16:rowId xmlns:a16="http://schemas.microsoft.com/office/drawing/2014/main" val="4259432351"/>
                   </a:ext>
                 </a:extLst>
               </a:tr>
@@ -23275,7 +23264,7 @@
           <p:cNvPr id="34" name="TextBox 33">
             <a:extLst>
               <a:ext uri="{FF2B5EF4-FFF2-40B4-BE49-F238E27FC236}">
-                <a16:creationId xmlns:a16="http://schemas.microsoft.com/office/drawing/2014/main" xmlns="" id="{7CC22822-0C52-4346-B380-07C31C6B7A41}"/>
+                <a16:creationId xmlns:a16="http://schemas.microsoft.com/office/drawing/2014/main" id="{7CC22822-0C52-4346-B380-07C31C6B7A41}"/>
               </a:ext>
             </a:extLst>
           </p:cNvPr>
@@ -23310,7 +23299,7 @@
           <p:cNvPr id="35" name="Straight Arrow Connector 34">
             <a:extLst>
               <a:ext uri="{FF2B5EF4-FFF2-40B4-BE49-F238E27FC236}">
-                <a16:creationId xmlns:a16="http://schemas.microsoft.com/office/drawing/2014/main" xmlns="" id="{FD391174-B401-420C-962A-572EB0BB9650}"/>
+                <a16:creationId xmlns:a16="http://schemas.microsoft.com/office/drawing/2014/main" id="{FD391174-B401-420C-962A-572EB0BB9650}"/>
               </a:ext>
             </a:extLst>
           </p:cNvPr>
@@ -23351,7 +23340,7 @@
           <p:cNvPr id="36" name="Straight Arrow Connector 35">
             <a:extLst>
               <a:ext uri="{FF2B5EF4-FFF2-40B4-BE49-F238E27FC236}">
-                <a16:creationId xmlns:a16="http://schemas.microsoft.com/office/drawing/2014/main" xmlns="" id="{BC07A80B-BE86-4285-868B-DDB0A86F8A63}"/>
+                <a16:creationId xmlns:a16="http://schemas.microsoft.com/office/drawing/2014/main" id="{BC07A80B-BE86-4285-868B-DDB0A86F8A63}"/>
               </a:ext>
             </a:extLst>
           </p:cNvPr>
@@ -23392,7 +23381,7 @@
           <p:cNvPr id="37" name="Straight Arrow Connector 36">
             <a:extLst>
               <a:ext uri="{FF2B5EF4-FFF2-40B4-BE49-F238E27FC236}">
-                <a16:creationId xmlns:a16="http://schemas.microsoft.com/office/drawing/2014/main" xmlns="" id="{ED4E38F0-4441-48FE-B9F6-748248582410}"/>
+                <a16:creationId xmlns:a16="http://schemas.microsoft.com/office/drawing/2014/main" id="{ED4E38F0-4441-48FE-B9F6-748248582410}"/>
               </a:ext>
             </a:extLst>
           </p:cNvPr>
@@ -23433,7 +23422,7 @@
           <p:cNvPr id="38" name="Straight Arrow Connector 37">
             <a:extLst>
               <a:ext uri="{FF2B5EF4-FFF2-40B4-BE49-F238E27FC236}">
-                <a16:creationId xmlns:a16="http://schemas.microsoft.com/office/drawing/2014/main" xmlns="" id="{CBCA0F65-478B-41B6-A175-71EB14118FFE}"/>
+                <a16:creationId xmlns:a16="http://schemas.microsoft.com/office/drawing/2014/main" id="{CBCA0F65-478B-41B6-A175-71EB14118FFE}"/>
               </a:ext>
             </a:extLst>
           </p:cNvPr>
@@ -23474,7 +23463,7 @@
           <p:cNvPr id="39" name="Straight Arrow Connector 38">
             <a:extLst>
               <a:ext uri="{FF2B5EF4-FFF2-40B4-BE49-F238E27FC236}">
-                <a16:creationId xmlns:a16="http://schemas.microsoft.com/office/drawing/2014/main" xmlns="" id="{B3DFD0D5-D4C9-42E5-9BCB-E239D5CFF302}"/>
+                <a16:creationId xmlns:a16="http://schemas.microsoft.com/office/drawing/2014/main" id="{B3DFD0D5-D4C9-42E5-9BCB-E239D5CFF302}"/>
               </a:ext>
             </a:extLst>
           </p:cNvPr>
@@ -23515,7 +23504,7 @@
           <p:cNvPr id="40" name="TextBox 39">
             <a:extLst>
               <a:ext uri="{FF2B5EF4-FFF2-40B4-BE49-F238E27FC236}">
-                <a16:creationId xmlns:a16="http://schemas.microsoft.com/office/drawing/2014/main" xmlns="" id="{E3B5DEF5-ADAC-4770-88E8-DE4477D867DF}"/>
+                <a16:creationId xmlns:a16="http://schemas.microsoft.com/office/drawing/2014/main" id="{E3B5DEF5-ADAC-4770-88E8-DE4477D867DF}"/>
               </a:ext>
             </a:extLst>
           </p:cNvPr>
@@ -23551,7 +23540,7 @@
           <p:cNvPr id="41" name="TextBox 40">
             <a:extLst>
               <a:ext uri="{FF2B5EF4-FFF2-40B4-BE49-F238E27FC236}">
-                <a16:creationId xmlns:a16="http://schemas.microsoft.com/office/drawing/2014/main" xmlns="" id="{7699014F-759A-45ED-8521-E69146BF751C}"/>
+                <a16:creationId xmlns:a16="http://schemas.microsoft.com/office/drawing/2014/main" id="{7699014F-759A-45ED-8521-E69146BF751C}"/>
               </a:ext>
             </a:extLst>
           </p:cNvPr>
@@ -23587,7 +23576,7 @@
           <p:cNvPr id="42" name="TextBox 41">
             <a:extLst>
               <a:ext uri="{FF2B5EF4-FFF2-40B4-BE49-F238E27FC236}">
-                <a16:creationId xmlns:a16="http://schemas.microsoft.com/office/drawing/2014/main" xmlns="" id="{E318AA22-F9FC-4C52-B70A-9FC64D25585A}"/>
+                <a16:creationId xmlns:a16="http://schemas.microsoft.com/office/drawing/2014/main" id="{E318AA22-F9FC-4C52-B70A-9FC64D25585A}"/>
               </a:ext>
             </a:extLst>
           </p:cNvPr>
@@ -23643,7 +23632,7 @@
           <p:cNvPr id="43" name="TextBox 42">
             <a:extLst>
               <a:ext uri="{FF2B5EF4-FFF2-40B4-BE49-F238E27FC236}">
-                <a16:creationId xmlns:a16="http://schemas.microsoft.com/office/drawing/2014/main" xmlns="" id="{DFA36A3B-46C0-46F4-9721-A260ACA9CA2A}"/>
+                <a16:creationId xmlns:a16="http://schemas.microsoft.com/office/drawing/2014/main" id="{DFA36A3B-46C0-46F4-9721-A260ACA9CA2A}"/>
               </a:ext>
             </a:extLst>
           </p:cNvPr>
@@ -23699,7 +23688,7 @@
           <p:cNvPr id="44" name="TextBox 43">
             <a:extLst>
               <a:ext uri="{FF2B5EF4-FFF2-40B4-BE49-F238E27FC236}">
-                <a16:creationId xmlns:a16="http://schemas.microsoft.com/office/drawing/2014/main" xmlns="" id="{62DD0D7D-4B57-4C26-9158-17DD5A01AD0F}"/>
+                <a16:creationId xmlns:a16="http://schemas.microsoft.com/office/drawing/2014/main" id="{62DD0D7D-4B57-4C26-9158-17DD5A01AD0F}"/>
               </a:ext>
             </a:extLst>
           </p:cNvPr>
@@ -23754,7 +23743,7 @@
           <p:cNvPr id="45" name="TextBox 44">
             <a:extLst>
               <a:ext uri="{FF2B5EF4-FFF2-40B4-BE49-F238E27FC236}">
-                <a16:creationId xmlns:a16="http://schemas.microsoft.com/office/drawing/2014/main" xmlns="" id="{F0C2F238-6EEC-41BE-B687-7D66F703787F}"/>
+                <a16:creationId xmlns:a16="http://schemas.microsoft.com/office/drawing/2014/main" id="{F0C2F238-6EEC-41BE-B687-7D66F703787F}"/>
               </a:ext>
             </a:extLst>
           </p:cNvPr>
@@ -23810,7 +23799,7 @@
           <p:cNvPr id="46" name="TextBox 45">
             <a:extLst>
               <a:ext uri="{FF2B5EF4-FFF2-40B4-BE49-F238E27FC236}">
-                <a16:creationId xmlns:a16="http://schemas.microsoft.com/office/drawing/2014/main" xmlns="" id="{DA10AD70-A13B-498B-AD08-8A553D25C9CD}"/>
+                <a16:creationId xmlns:a16="http://schemas.microsoft.com/office/drawing/2014/main" id="{DA10AD70-A13B-498B-AD08-8A553D25C9CD}"/>
               </a:ext>
             </a:extLst>
           </p:cNvPr>
@@ -23866,7 +23855,7 @@
           <p:cNvPr id="47" name="TextBox 46">
             <a:extLst>
               <a:ext uri="{FF2B5EF4-FFF2-40B4-BE49-F238E27FC236}">
-                <a16:creationId xmlns:a16="http://schemas.microsoft.com/office/drawing/2014/main" xmlns="" id="{3C133AF0-0AE2-4567-A432-78A00B24B18A}"/>
+                <a16:creationId xmlns:a16="http://schemas.microsoft.com/office/drawing/2014/main" id="{3C133AF0-0AE2-4567-A432-78A00B24B18A}"/>
               </a:ext>
             </a:extLst>
           </p:cNvPr>
@@ -23922,7 +23911,7 @@
           <p:cNvPr id="48" name="Straight Connector 47">
             <a:extLst>
               <a:ext uri="{FF2B5EF4-FFF2-40B4-BE49-F238E27FC236}">
-                <a16:creationId xmlns:a16="http://schemas.microsoft.com/office/drawing/2014/main" xmlns="" id="{AA4E60D4-E755-456D-A736-D65E28CC45C8}"/>
+                <a16:creationId xmlns:a16="http://schemas.microsoft.com/office/drawing/2014/main" id="{AA4E60D4-E755-456D-A736-D65E28CC45C8}"/>
               </a:ext>
             </a:extLst>
           </p:cNvPr>
@@ -23959,7 +23948,7 @@
           <p:cNvPr id="49" name="Straight Connector 48">
             <a:extLst>
               <a:ext uri="{FF2B5EF4-FFF2-40B4-BE49-F238E27FC236}">
-                <a16:creationId xmlns:a16="http://schemas.microsoft.com/office/drawing/2014/main" xmlns="" id="{80EADEE5-8EEE-4AEC-B3ED-88AE95FBB56E}"/>
+                <a16:creationId xmlns:a16="http://schemas.microsoft.com/office/drawing/2014/main" id="{80EADEE5-8EEE-4AEC-B3ED-88AE95FBB56E}"/>
               </a:ext>
             </a:extLst>
           </p:cNvPr>
@@ -23998,7 +23987,7 @@
           <p:cNvPr id="50" name="Straight Connector 49">
             <a:extLst>
               <a:ext uri="{FF2B5EF4-FFF2-40B4-BE49-F238E27FC236}">
-                <a16:creationId xmlns:a16="http://schemas.microsoft.com/office/drawing/2014/main" xmlns="" id="{50CC7907-EF0A-4234-98E4-9261FE11D301}"/>
+                <a16:creationId xmlns:a16="http://schemas.microsoft.com/office/drawing/2014/main" id="{50CC7907-EF0A-4234-98E4-9261FE11D301}"/>
               </a:ext>
             </a:extLst>
           </p:cNvPr>
@@ -24037,7 +24026,7 @@
           <p:cNvPr id="51" name="Straight Connector 50">
             <a:extLst>
               <a:ext uri="{FF2B5EF4-FFF2-40B4-BE49-F238E27FC236}">
-                <a16:creationId xmlns:a16="http://schemas.microsoft.com/office/drawing/2014/main" xmlns="" id="{387DA87D-012F-4550-B0AF-0D434F492661}"/>
+                <a16:creationId xmlns:a16="http://schemas.microsoft.com/office/drawing/2014/main" id="{387DA87D-012F-4550-B0AF-0D434F492661}"/>
               </a:ext>
             </a:extLst>
           </p:cNvPr>
@@ -24076,7 +24065,7 @@
           <p:cNvPr id="52" name="Straight Connector 51">
             <a:extLst>
               <a:ext uri="{FF2B5EF4-FFF2-40B4-BE49-F238E27FC236}">
-                <a16:creationId xmlns:a16="http://schemas.microsoft.com/office/drawing/2014/main" xmlns="" id="{447B4909-1799-4242-A313-6BCECD743882}"/>
+                <a16:creationId xmlns:a16="http://schemas.microsoft.com/office/drawing/2014/main" id="{447B4909-1799-4242-A313-6BCECD743882}"/>
               </a:ext>
             </a:extLst>
           </p:cNvPr>
@@ -24115,7 +24104,7 @@
           <p:cNvPr id="53" name="Straight Arrow Connector 52">
             <a:extLst>
               <a:ext uri="{FF2B5EF4-FFF2-40B4-BE49-F238E27FC236}">
-                <a16:creationId xmlns:a16="http://schemas.microsoft.com/office/drawing/2014/main" xmlns="" id="{4FF2F035-FB64-449A-861B-BA7E7BBA631B}"/>
+                <a16:creationId xmlns:a16="http://schemas.microsoft.com/office/drawing/2014/main" id="{4FF2F035-FB64-449A-861B-BA7E7BBA631B}"/>
               </a:ext>
             </a:extLst>
           </p:cNvPr>
@@ -24156,7 +24145,7 @@
           <p:cNvPr id="54" name="TextBox 53">
             <a:extLst>
               <a:ext uri="{FF2B5EF4-FFF2-40B4-BE49-F238E27FC236}">
-                <a16:creationId xmlns:a16="http://schemas.microsoft.com/office/drawing/2014/main" xmlns="" id="{DA726BE3-15E1-4661-B11B-C66AB66F1361}"/>
+                <a16:creationId xmlns:a16="http://schemas.microsoft.com/office/drawing/2014/main" id="{DA726BE3-15E1-4661-B11B-C66AB66F1361}"/>
               </a:ext>
             </a:extLst>
           </p:cNvPr>
@@ -24196,7 +24185,7 @@
           <p:cNvPr id="55" name="TextBox 54">
             <a:extLst>
               <a:ext uri="{FF2B5EF4-FFF2-40B4-BE49-F238E27FC236}">
-                <a16:creationId xmlns:a16="http://schemas.microsoft.com/office/drawing/2014/main" xmlns="" id="{3D435B57-DE81-4985-A638-4618A3425116}"/>
+                <a16:creationId xmlns:a16="http://schemas.microsoft.com/office/drawing/2014/main" id="{3D435B57-DE81-4985-A638-4618A3425116}"/>
               </a:ext>
             </a:extLst>
           </p:cNvPr>
@@ -24236,7 +24225,7 @@
           <p:cNvPr id="56" name="TextBox 55">
             <a:extLst>
               <a:ext uri="{FF2B5EF4-FFF2-40B4-BE49-F238E27FC236}">
-                <a16:creationId xmlns:a16="http://schemas.microsoft.com/office/drawing/2014/main" xmlns="" id="{54E49995-4E38-48EA-9DC6-8E18779507E8}"/>
+                <a16:creationId xmlns:a16="http://schemas.microsoft.com/office/drawing/2014/main" id="{54E49995-4E38-48EA-9DC6-8E18779507E8}"/>
               </a:ext>
             </a:extLst>
           </p:cNvPr>
@@ -24276,7 +24265,7 @@
           <p:cNvPr id="57" name="TextBox 56">
             <a:extLst>
               <a:ext uri="{FF2B5EF4-FFF2-40B4-BE49-F238E27FC236}">
-                <a16:creationId xmlns:a16="http://schemas.microsoft.com/office/drawing/2014/main" xmlns="" id="{6B48D3A4-D8B2-4D2E-BBA9-76E356476D62}"/>
+                <a16:creationId xmlns:a16="http://schemas.microsoft.com/office/drawing/2014/main" id="{6B48D3A4-D8B2-4D2E-BBA9-76E356476D62}"/>
               </a:ext>
             </a:extLst>
           </p:cNvPr>
@@ -24316,7 +24305,7 @@
           <p:cNvPr id="58" name="TextBox 57">
             <a:extLst>
               <a:ext uri="{FF2B5EF4-FFF2-40B4-BE49-F238E27FC236}">
-                <a16:creationId xmlns:a16="http://schemas.microsoft.com/office/drawing/2014/main" xmlns="" id="{C25F6083-98C1-43D2-8F88-84425B7B0AF5}"/>
+                <a16:creationId xmlns:a16="http://schemas.microsoft.com/office/drawing/2014/main" id="{C25F6083-98C1-43D2-8F88-84425B7B0AF5}"/>
               </a:ext>
             </a:extLst>
           </p:cNvPr>
@@ -24356,7 +24345,7 @@
           <p:cNvPr id="59" name="TextBox 58">
             <a:extLst>
               <a:ext uri="{FF2B5EF4-FFF2-40B4-BE49-F238E27FC236}">
-                <a16:creationId xmlns:a16="http://schemas.microsoft.com/office/drawing/2014/main" xmlns="" id="{1F66554A-B5CC-4256-8AFE-CBD5E3458BE1}"/>
+                <a16:creationId xmlns:a16="http://schemas.microsoft.com/office/drawing/2014/main" id="{1F66554A-B5CC-4256-8AFE-CBD5E3458BE1}"/>
               </a:ext>
             </a:extLst>
           </p:cNvPr>
@@ -24396,7 +24385,7 @@
           <p:cNvPr id="60" name="TextBox 59">
             <a:extLst>
               <a:ext uri="{FF2B5EF4-FFF2-40B4-BE49-F238E27FC236}">
-                <a16:creationId xmlns:a16="http://schemas.microsoft.com/office/drawing/2014/main" xmlns="" id="{CA425A48-8EEA-41DE-BE3B-89B421C66DE7}"/>
+                <a16:creationId xmlns:a16="http://schemas.microsoft.com/office/drawing/2014/main" id="{CA425A48-8EEA-41DE-BE3B-89B421C66DE7}"/>
               </a:ext>
             </a:extLst>
           </p:cNvPr>
@@ -24466,7 +24455,7 @@
           <p:cNvPr id="2" name="TextBox 1">
             <a:extLst>
               <a:ext uri="{FF2B5EF4-FFF2-40B4-BE49-F238E27FC236}">
-                <a16:creationId xmlns:a16="http://schemas.microsoft.com/office/drawing/2014/main" xmlns="" id="{196CB4EF-F639-4EC2-A88B-E1649E400742}"/>
+                <a16:creationId xmlns:a16="http://schemas.microsoft.com/office/drawing/2014/main" id="{196CB4EF-F639-4EC2-A88B-E1649E400742}"/>
               </a:ext>
             </a:extLst>
           </p:cNvPr>
@@ -24523,7 +24512,7 @@
           <p:cNvPr id="3" name="TextBox 2">
             <a:extLst>
               <a:ext uri="{FF2B5EF4-FFF2-40B4-BE49-F238E27FC236}">
-                <a16:creationId xmlns:a16="http://schemas.microsoft.com/office/drawing/2014/main" xmlns="" id="{264F2432-12B6-44FF-89EA-AF36A9F1275B}"/>
+                <a16:creationId xmlns:a16="http://schemas.microsoft.com/office/drawing/2014/main" id="{264F2432-12B6-44FF-89EA-AF36A9F1275B}"/>
               </a:ext>
             </a:extLst>
           </p:cNvPr>
@@ -24580,7 +24569,7 @@
           <p:cNvPr id="4" name="TextBox 3">
             <a:extLst>
               <a:ext uri="{FF2B5EF4-FFF2-40B4-BE49-F238E27FC236}">
-                <a16:creationId xmlns:a16="http://schemas.microsoft.com/office/drawing/2014/main" xmlns="" id="{35FDE496-DDB1-4F49-ADD5-C0308BBE4AD9}"/>
+                <a16:creationId xmlns:a16="http://schemas.microsoft.com/office/drawing/2014/main" id="{35FDE496-DDB1-4F49-ADD5-C0308BBE4AD9}"/>
               </a:ext>
             </a:extLst>
           </p:cNvPr>
@@ -24637,7 +24626,7 @@
           <p:cNvPr id="5" name="TextBox 4">
             <a:extLst>
               <a:ext uri="{FF2B5EF4-FFF2-40B4-BE49-F238E27FC236}">
-                <a16:creationId xmlns:a16="http://schemas.microsoft.com/office/drawing/2014/main" xmlns="" id="{FDE14111-22B5-43AD-A2AD-3F4F3F0F586B}"/>
+                <a16:creationId xmlns:a16="http://schemas.microsoft.com/office/drawing/2014/main" id="{FDE14111-22B5-43AD-A2AD-3F4F3F0F586B}"/>
               </a:ext>
             </a:extLst>
           </p:cNvPr>
@@ -24694,7 +24683,7 @@
           <p:cNvPr id="6" name="TextBox 5">
             <a:extLst>
               <a:ext uri="{FF2B5EF4-FFF2-40B4-BE49-F238E27FC236}">
-                <a16:creationId xmlns:a16="http://schemas.microsoft.com/office/drawing/2014/main" xmlns="" id="{8DCB9736-711A-4EDA-8AC7-7949AAECBFFF}"/>
+                <a16:creationId xmlns:a16="http://schemas.microsoft.com/office/drawing/2014/main" id="{8DCB9736-711A-4EDA-8AC7-7949AAECBFFF}"/>
               </a:ext>
             </a:extLst>
           </p:cNvPr>
@@ -24751,7 +24740,7 @@
           <p:cNvPr id="7" name="Straight Connector 6">
             <a:extLst>
               <a:ext uri="{FF2B5EF4-FFF2-40B4-BE49-F238E27FC236}">
-                <a16:creationId xmlns:a16="http://schemas.microsoft.com/office/drawing/2014/main" xmlns="" id="{6677817C-FC04-43F8-9CA5-DE0985574434}"/>
+                <a16:creationId xmlns:a16="http://schemas.microsoft.com/office/drawing/2014/main" id="{6677817C-FC04-43F8-9CA5-DE0985574434}"/>
               </a:ext>
             </a:extLst>
           </p:cNvPr>
@@ -24791,7 +24780,7 @@
           <p:cNvPr id="8" name="Straight Connector 7">
             <a:extLst>
               <a:ext uri="{FF2B5EF4-FFF2-40B4-BE49-F238E27FC236}">
-                <a16:creationId xmlns:a16="http://schemas.microsoft.com/office/drawing/2014/main" xmlns="" id="{289B91C7-3D80-42D6-A7E7-4A043DF94C18}"/>
+                <a16:creationId xmlns:a16="http://schemas.microsoft.com/office/drawing/2014/main" id="{289B91C7-3D80-42D6-A7E7-4A043DF94C18}"/>
               </a:ext>
             </a:extLst>
           </p:cNvPr>
@@ -24832,7 +24821,7 @@
           <p:cNvPr id="9" name="Straight Connector 8">
             <a:extLst>
               <a:ext uri="{FF2B5EF4-FFF2-40B4-BE49-F238E27FC236}">
-                <a16:creationId xmlns:a16="http://schemas.microsoft.com/office/drawing/2014/main" xmlns="" id="{B77E3E23-EAF0-4E3C-957F-A7A01F144130}"/>
+                <a16:creationId xmlns:a16="http://schemas.microsoft.com/office/drawing/2014/main" id="{B77E3E23-EAF0-4E3C-957F-A7A01F144130}"/>
               </a:ext>
             </a:extLst>
           </p:cNvPr>
@@ -24873,7 +24862,7 @@
           <p:cNvPr id="10" name="Straight Connector 9">
             <a:extLst>
               <a:ext uri="{FF2B5EF4-FFF2-40B4-BE49-F238E27FC236}">
-                <a16:creationId xmlns:a16="http://schemas.microsoft.com/office/drawing/2014/main" xmlns="" id="{0D771C8C-A8CE-43B8-A129-F811EF752376}"/>
+                <a16:creationId xmlns:a16="http://schemas.microsoft.com/office/drawing/2014/main" id="{0D771C8C-A8CE-43B8-A129-F811EF752376}"/>
               </a:ext>
             </a:extLst>
           </p:cNvPr>
@@ -24912,7 +24901,7 @@
           <p:cNvPr id="11" name="Straight Connector 10">
             <a:extLst>
               <a:ext uri="{FF2B5EF4-FFF2-40B4-BE49-F238E27FC236}">
-                <a16:creationId xmlns:a16="http://schemas.microsoft.com/office/drawing/2014/main" xmlns="" id="{429601E5-34FF-45D8-8A9B-7C4F63B0B736}"/>
+                <a16:creationId xmlns:a16="http://schemas.microsoft.com/office/drawing/2014/main" id="{429601E5-34FF-45D8-8A9B-7C4F63B0B736}"/>
               </a:ext>
             </a:extLst>
           </p:cNvPr>
@@ -24952,7 +24941,7 @@
           <p:cNvPr id="20" name="Straight Connector 19">
             <a:extLst>
               <a:ext uri="{FF2B5EF4-FFF2-40B4-BE49-F238E27FC236}">
-                <a16:creationId xmlns:a16="http://schemas.microsoft.com/office/drawing/2014/main" xmlns="" id="{69321A3F-9642-4136-B8B3-7A2C1DBE260D}"/>
+                <a16:creationId xmlns:a16="http://schemas.microsoft.com/office/drawing/2014/main" id="{69321A3F-9642-4136-B8B3-7A2C1DBE260D}"/>
               </a:ext>
             </a:extLst>
           </p:cNvPr>
@@ -24991,7 +24980,7 @@
           <p:cNvPr id="26" name="Straight Connector 25">
             <a:extLst>
               <a:ext uri="{FF2B5EF4-FFF2-40B4-BE49-F238E27FC236}">
-                <a16:creationId xmlns:a16="http://schemas.microsoft.com/office/drawing/2014/main" xmlns="" id="{E79C4B12-9575-42A0-931B-37967373D2E4}"/>
+                <a16:creationId xmlns:a16="http://schemas.microsoft.com/office/drawing/2014/main" id="{E79C4B12-9575-42A0-931B-37967373D2E4}"/>
               </a:ext>
             </a:extLst>
           </p:cNvPr>
@@ -25030,7 +25019,7 @@
           <p:cNvPr id="28" name="TextBox 27">
             <a:extLst>
               <a:ext uri="{FF2B5EF4-FFF2-40B4-BE49-F238E27FC236}">
-                <a16:creationId xmlns:a16="http://schemas.microsoft.com/office/drawing/2014/main" xmlns="" id="{9A41E11F-5050-4972-8ACB-E95E64E257C2}"/>
+                <a16:creationId xmlns:a16="http://schemas.microsoft.com/office/drawing/2014/main" id="{9A41E11F-5050-4972-8ACB-E95E64E257C2}"/>
               </a:ext>
             </a:extLst>
           </p:cNvPr>
@@ -25087,7 +25076,7 @@
           <p:cNvPr id="29" name="TextBox 28">
             <a:extLst>
               <a:ext uri="{FF2B5EF4-FFF2-40B4-BE49-F238E27FC236}">
-                <a16:creationId xmlns:a16="http://schemas.microsoft.com/office/drawing/2014/main" xmlns="" id="{11630EF7-909F-46DA-8195-F89F91389AD1}"/>
+                <a16:creationId xmlns:a16="http://schemas.microsoft.com/office/drawing/2014/main" id="{11630EF7-909F-46DA-8195-F89F91389AD1}"/>
               </a:ext>
             </a:extLst>
           </p:cNvPr>
@@ -25144,7 +25133,7 @@
           <p:cNvPr id="30" name="TextBox 29">
             <a:extLst>
               <a:ext uri="{FF2B5EF4-FFF2-40B4-BE49-F238E27FC236}">
-                <a16:creationId xmlns:a16="http://schemas.microsoft.com/office/drawing/2014/main" xmlns="" id="{820E8A58-F370-4BC1-BB68-970DAB740BF9}"/>
+                <a16:creationId xmlns:a16="http://schemas.microsoft.com/office/drawing/2014/main" id="{820E8A58-F370-4BC1-BB68-970DAB740BF9}"/>
               </a:ext>
             </a:extLst>
           </p:cNvPr>
@@ -25201,7 +25190,7 @@
           <p:cNvPr id="31" name="TextBox 30">
             <a:extLst>
               <a:ext uri="{FF2B5EF4-FFF2-40B4-BE49-F238E27FC236}">
-                <a16:creationId xmlns:a16="http://schemas.microsoft.com/office/drawing/2014/main" xmlns="" id="{245426B6-2C35-4618-A602-78B016F3075F}"/>
+                <a16:creationId xmlns:a16="http://schemas.microsoft.com/office/drawing/2014/main" id="{245426B6-2C35-4618-A602-78B016F3075F}"/>
               </a:ext>
             </a:extLst>
           </p:cNvPr>
@@ -25258,7 +25247,7 @@
           <p:cNvPr id="32" name="TextBox 31">
             <a:extLst>
               <a:ext uri="{FF2B5EF4-FFF2-40B4-BE49-F238E27FC236}">
-                <a16:creationId xmlns:a16="http://schemas.microsoft.com/office/drawing/2014/main" xmlns="" id="{9AA6F0AC-9C90-49D3-9CB2-A87CB754803D}"/>
+                <a16:creationId xmlns:a16="http://schemas.microsoft.com/office/drawing/2014/main" id="{9AA6F0AC-9C90-49D3-9CB2-A87CB754803D}"/>
               </a:ext>
             </a:extLst>
           </p:cNvPr>
@@ -25315,7 +25304,7 @@
           <p:cNvPr id="33" name="Straight Connector 32">
             <a:extLst>
               <a:ext uri="{FF2B5EF4-FFF2-40B4-BE49-F238E27FC236}">
-                <a16:creationId xmlns:a16="http://schemas.microsoft.com/office/drawing/2014/main" xmlns="" id="{E027A70F-FEB9-4EBA-BD8D-4784E84AE2F1}"/>
+                <a16:creationId xmlns:a16="http://schemas.microsoft.com/office/drawing/2014/main" id="{E027A70F-FEB9-4EBA-BD8D-4784E84AE2F1}"/>
               </a:ext>
             </a:extLst>
           </p:cNvPr>
@@ -25355,7 +25344,7 @@
           <p:cNvPr id="36" name="Straight Connector 35">
             <a:extLst>
               <a:ext uri="{FF2B5EF4-FFF2-40B4-BE49-F238E27FC236}">
-                <a16:creationId xmlns:a16="http://schemas.microsoft.com/office/drawing/2014/main" xmlns="" id="{2DAB6B7B-858C-4BE5-B045-7169B83125C4}"/>
+                <a16:creationId xmlns:a16="http://schemas.microsoft.com/office/drawing/2014/main" id="{2DAB6B7B-858C-4BE5-B045-7169B83125C4}"/>
               </a:ext>
             </a:extLst>
           </p:cNvPr>
@@ -25394,7 +25383,7 @@
           <p:cNvPr id="37" name="Straight Connector 36">
             <a:extLst>
               <a:ext uri="{FF2B5EF4-FFF2-40B4-BE49-F238E27FC236}">
-                <a16:creationId xmlns:a16="http://schemas.microsoft.com/office/drawing/2014/main" xmlns="" id="{61F890B4-C9F8-4D90-A5F8-F04B03CA6B13}"/>
+                <a16:creationId xmlns:a16="http://schemas.microsoft.com/office/drawing/2014/main" id="{61F890B4-C9F8-4D90-A5F8-F04B03CA6B13}"/>
               </a:ext>
             </a:extLst>
           </p:cNvPr>
@@ -25434,7 +25423,7 @@
           <p:cNvPr id="38" name="Straight Connector 37">
             <a:extLst>
               <a:ext uri="{FF2B5EF4-FFF2-40B4-BE49-F238E27FC236}">
-                <a16:creationId xmlns:a16="http://schemas.microsoft.com/office/drawing/2014/main" xmlns="" id="{CE6A6B11-ACA8-4EE3-856F-822C04FB1DB5}"/>
+                <a16:creationId xmlns:a16="http://schemas.microsoft.com/office/drawing/2014/main" id="{CE6A6B11-ACA8-4EE3-856F-822C04FB1DB5}"/>
               </a:ext>
             </a:extLst>
           </p:cNvPr>
@@ -25473,7 +25462,7 @@
           <p:cNvPr id="40" name="Straight Arrow Connector 39">
             <a:extLst>
               <a:ext uri="{FF2B5EF4-FFF2-40B4-BE49-F238E27FC236}">
-                <a16:creationId xmlns:a16="http://schemas.microsoft.com/office/drawing/2014/main" xmlns="" id="{8D5361AB-62A7-4AF2-A26F-03460AF27524}"/>
+                <a16:creationId xmlns:a16="http://schemas.microsoft.com/office/drawing/2014/main" id="{8D5361AB-62A7-4AF2-A26F-03460AF27524}"/>
               </a:ext>
             </a:extLst>
           </p:cNvPr>
@@ -25544,7 +25533,7 @@
           <p:cNvPr id="2" name="TextBox 1">
             <a:extLst>
               <a:ext uri="{FF2B5EF4-FFF2-40B4-BE49-F238E27FC236}">
-                <a16:creationId xmlns:a16="http://schemas.microsoft.com/office/drawing/2014/main" xmlns="" id="{C5B9B98F-95EF-4972-8B03-0E1752D5B0BE}"/>
+                <a16:creationId xmlns:a16="http://schemas.microsoft.com/office/drawing/2014/main" id="{C5B9B98F-95EF-4972-8B03-0E1752D5B0BE}"/>
               </a:ext>
             </a:extLst>
           </p:cNvPr>
@@ -25601,7 +25590,7 @@
           <p:cNvPr id="3" name="TextBox 2">
             <a:extLst>
               <a:ext uri="{FF2B5EF4-FFF2-40B4-BE49-F238E27FC236}">
-                <a16:creationId xmlns:a16="http://schemas.microsoft.com/office/drawing/2014/main" xmlns="" id="{BA83922D-83C0-4D3A-8D2B-D10F5A269A49}"/>
+                <a16:creationId xmlns:a16="http://schemas.microsoft.com/office/drawing/2014/main" id="{BA83922D-83C0-4D3A-8D2B-D10F5A269A49}"/>
               </a:ext>
             </a:extLst>
           </p:cNvPr>
@@ -25658,7 +25647,7 @@
           <p:cNvPr id="4" name="TextBox 3">
             <a:extLst>
               <a:ext uri="{FF2B5EF4-FFF2-40B4-BE49-F238E27FC236}">
-                <a16:creationId xmlns:a16="http://schemas.microsoft.com/office/drawing/2014/main" xmlns="" id="{3E60457E-9694-4FD2-AD1B-ABC40BCCEF6E}"/>
+                <a16:creationId xmlns:a16="http://schemas.microsoft.com/office/drawing/2014/main" id="{3E60457E-9694-4FD2-AD1B-ABC40BCCEF6E}"/>
               </a:ext>
             </a:extLst>
           </p:cNvPr>
@@ -25715,7 +25704,7 @@
           <p:cNvPr id="5" name="TextBox 4">
             <a:extLst>
               <a:ext uri="{FF2B5EF4-FFF2-40B4-BE49-F238E27FC236}">
-                <a16:creationId xmlns:a16="http://schemas.microsoft.com/office/drawing/2014/main" xmlns="" id="{0CA6A19E-547F-4C80-BD9C-137F9042556D}"/>
+                <a16:creationId xmlns:a16="http://schemas.microsoft.com/office/drawing/2014/main" id="{0CA6A19E-547F-4C80-BD9C-137F9042556D}"/>
               </a:ext>
             </a:extLst>
           </p:cNvPr>
@@ -25772,7 +25761,7 @@
           <p:cNvPr id="6" name="Straight Connector 5">
             <a:extLst>
               <a:ext uri="{FF2B5EF4-FFF2-40B4-BE49-F238E27FC236}">
-                <a16:creationId xmlns:a16="http://schemas.microsoft.com/office/drawing/2014/main" xmlns="" id="{5533AF29-5FDF-4068-B91C-610270B8372E}"/>
+                <a16:creationId xmlns:a16="http://schemas.microsoft.com/office/drawing/2014/main" id="{5533AF29-5FDF-4068-B91C-610270B8372E}"/>
               </a:ext>
             </a:extLst>
           </p:cNvPr>
@@ -25816,7 +25805,7 @@
           <p:cNvPr id="7" name="Straight Connector 6">
             <a:extLst>
               <a:ext uri="{FF2B5EF4-FFF2-40B4-BE49-F238E27FC236}">
-                <a16:creationId xmlns:a16="http://schemas.microsoft.com/office/drawing/2014/main" xmlns="" id="{AB2A38A7-05FD-4E2E-B6A5-F1E7E9E6138B}"/>
+                <a16:creationId xmlns:a16="http://schemas.microsoft.com/office/drawing/2014/main" id="{AB2A38A7-05FD-4E2E-B6A5-F1E7E9E6138B}"/>
               </a:ext>
             </a:extLst>
           </p:cNvPr>
@@ -25859,7 +25848,7 @@
           <p:cNvPr id="8" name="Straight Connector 7">
             <a:extLst>
               <a:ext uri="{FF2B5EF4-FFF2-40B4-BE49-F238E27FC236}">
-                <a16:creationId xmlns:a16="http://schemas.microsoft.com/office/drawing/2014/main" xmlns="" id="{DCF7B7DA-EC5B-4C6A-B741-12F9BF86E9C3}"/>
+                <a16:creationId xmlns:a16="http://schemas.microsoft.com/office/drawing/2014/main" id="{DCF7B7DA-EC5B-4C6A-B741-12F9BF86E9C3}"/>
               </a:ext>
             </a:extLst>
           </p:cNvPr>
@@ -25900,7 +25889,7 @@
           <p:cNvPr id="14" name="Straight Arrow Connector 13">
             <a:extLst>
               <a:ext uri="{FF2B5EF4-FFF2-40B4-BE49-F238E27FC236}">
-                <a16:creationId xmlns:a16="http://schemas.microsoft.com/office/drawing/2014/main" xmlns="" id="{F750C62A-A641-439B-B375-CF166C378ED6}"/>
+                <a16:creationId xmlns:a16="http://schemas.microsoft.com/office/drawing/2014/main" id="{F750C62A-A641-439B-B375-CF166C378ED6}"/>
               </a:ext>
             </a:extLst>
           </p:cNvPr>
@@ -25941,7 +25930,7 @@
           <p:cNvPr id="16" name="TextBox 15">
             <a:extLst>
               <a:ext uri="{FF2B5EF4-FFF2-40B4-BE49-F238E27FC236}">
-                <a16:creationId xmlns:a16="http://schemas.microsoft.com/office/drawing/2014/main" xmlns="" id="{25C58377-0256-48FB-9F11-57095ABF12D1}"/>
+                <a16:creationId xmlns:a16="http://schemas.microsoft.com/office/drawing/2014/main" id="{25C58377-0256-48FB-9F11-57095ABF12D1}"/>
               </a:ext>
             </a:extLst>
           </p:cNvPr>
@@ -25992,7 +25981,7 @@
           <p:cNvPr id="17" name="TextBox 16">
             <a:extLst>
               <a:ext uri="{FF2B5EF4-FFF2-40B4-BE49-F238E27FC236}">
-                <a16:creationId xmlns:a16="http://schemas.microsoft.com/office/drawing/2014/main" xmlns="" id="{4EA34E98-46AE-495E-935A-BCA3DD438A1C}"/>
+                <a16:creationId xmlns:a16="http://schemas.microsoft.com/office/drawing/2014/main" id="{4EA34E98-46AE-495E-935A-BCA3DD438A1C}"/>
               </a:ext>
             </a:extLst>
           </p:cNvPr>
@@ -26043,7 +26032,7 @@
           <p:cNvPr id="18" name="TextBox 17">
             <a:extLst>
               <a:ext uri="{FF2B5EF4-FFF2-40B4-BE49-F238E27FC236}">
-                <a16:creationId xmlns:a16="http://schemas.microsoft.com/office/drawing/2014/main" xmlns="" id="{5953B78F-7CB1-4242-8CE0-81A54CF17095}"/>
+                <a16:creationId xmlns:a16="http://schemas.microsoft.com/office/drawing/2014/main" id="{5953B78F-7CB1-4242-8CE0-81A54CF17095}"/>
               </a:ext>
             </a:extLst>
           </p:cNvPr>
@@ -26094,7 +26083,7 @@
           <p:cNvPr id="19" name="Table 18">
             <a:extLst>
               <a:ext uri="{FF2B5EF4-FFF2-40B4-BE49-F238E27FC236}">
-                <a16:creationId xmlns:a16="http://schemas.microsoft.com/office/drawing/2014/main" xmlns="" id="{9671FA46-DF74-4283-A04E-2397013972F3}"/>
+                <a16:creationId xmlns:a16="http://schemas.microsoft.com/office/drawing/2014/main" id="{9671FA46-DF74-4283-A04E-2397013972F3}"/>
               </a:ext>
             </a:extLst>
           </p:cNvPr>
@@ -26123,21 +26112,21 @@
                 <a:gridCol w="461172">
                   <a:extLst>
                     <a:ext uri="{9D8B030D-6E8A-4147-A177-3AD203B41FA5}">
-                      <a16:colId xmlns:a16="http://schemas.microsoft.com/office/drawing/2014/main" xmlns="" val="466220175"/>
+                      <a16:colId xmlns:a16="http://schemas.microsoft.com/office/drawing/2014/main" val="466220175"/>
                     </a:ext>
                   </a:extLst>
                 </a:gridCol>
                 <a:gridCol w="461172">
                   <a:extLst>
                     <a:ext uri="{9D8B030D-6E8A-4147-A177-3AD203B41FA5}">
-                      <a16:colId xmlns:a16="http://schemas.microsoft.com/office/drawing/2014/main" xmlns="" val="520311615"/>
+                      <a16:colId xmlns:a16="http://schemas.microsoft.com/office/drawing/2014/main" val="520311615"/>
                     </a:ext>
                   </a:extLst>
                 </a:gridCol>
                 <a:gridCol w="461172">
                   <a:extLst>
                     <a:ext uri="{9D8B030D-6E8A-4147-A177-3AD203B41FA5}">
-                      <a16:colId xmlns:a16="http://schemas.microsoft.com/office/drawing/2014/main" xmlns="" val="2227850342"/>
+                      <a16:colId xmlns:a16="http://schemas.microsoft.com/office/drawing/2014/main" val="2227850342"/>
                     </a:ext>
                   </a:extLst>
                 </a:gridCol>
@@ -26419,7 +26408,7 @@
                 </a:tc>
                 <a:extLst>
                   <a:ext uri="{0D108BD9-81ED-4DB2-BD59-A6C34878D82A}">
-                    <a16:rowId xmlns:a16="http://schemas.microsoft.com/office/drawing/2014/main" xmlns="" val="2141054233"/>
+                    <a16:rowId xmlns:a16="http://schemas.microsoft.com/office/drawing/2014/main" val="2141054233"/>
                   </a:ext>
                 </a:extLst>
               </a:tr>
@@ -26642,7 +26631,7 @@
                 </a:tc>
                 <a:extLst>
                   <a:ext uri="{0D108BD9-81ED-4DB2-BD59-A6C34878D82A}">
-                    <a16:rowId xmlns:a16="http://schemas.microsoft.com/office/drawing/2014/main" xmlns="" val="2030638017"/>
+                    <a16:rowId xmlns:a16="http://schemas.microsoft.com/office/drawing/2014/main" val="2030638017"/>
                   </a:ext>
                 </a:extLst>
               </a:tr>
@@ -26865,7 +26854,7 @@
                 </a:tc>
                 <a:extLst>
                   <a:ext uri="{0D108BD9-81ED-4DB2-BD59-A6C34878D82A}">
-                    <a16:rowId xmlns:a16="http://schemas.microsoft.com/office/drawing/2014/main" xmlns="" val="2943657333"/>
+                    <a16:rowId xmlns:a16="http://schemas.microsoft.com/office/drawing/2014/main" val="2943657333"/>
                   </a:ext>
                 </a:extLst>
               </a:tr>
@@ -26878,7 +26867,7 @@
           <p:cNvPr id="20" name="TextBox 19">
             <a:extLst>
               <a:ext uri="{FF2B5EF4-FFF2-40B4-BE49-F238E27FC236}">
-                <a16:creationId xmlns:a16="http://schemas.microsoft.com/office/drawing/2014/main" xmlns="" id="{9C7AEC4A-B1E2-44AE-B998-C41A4EDA8E1D}"/>
+                <a16:creationId xmlns:a16="http://schemas.microsoft.com/office/drawing/2014/main" id="{9C7AEC4A-B1E2-44AE-B998-C41A4EDA8E1D}"/>
               </a:ext>
             </a:extLst>
           </p:cNvPr>
@@ -26935,7 +26924,7 @@
           <p:cNvPr id="21" name="TextBox 20">
             <a:extLst>
               <a:ext uri="{FF2B5EF4-FFF2-40B4-BE49-F238E27FC236}">
-                <a16:creationId xmlns:a16="http://schemas.microsoft.com/office/drawing/2014/main" xmlns="" id="{38293FE2-752B-4DA1-8D92-4D1BA3E1CFD7}"/>
+                <a16:creationId xmlns:a16="http://schemas.microsoft.com/office/drawing/2014/main" id="{38293FE2-752B-4DA1-8D92-4D1BA3E1CFD7}"/>
               </a:ext>
             </a:extLst>
           </p:cNvPr>
@@ -26992,7 +26981,7 @@
           <p:cNvPr id="22" name="Straight Connector 21">
             <a:extLst>
               <a:ext uri="{FF2B5EF4-FFF2-40B4-BE49-F238E27FC236}">
-                <a16:creationId xmlns:a16="http://schemas.microsoft.com/office/drawing/2014/main" xmlns="" id="{F30AD9B3-76C6-49C8-9B54-C2793ECC7AFD}"/>
+                <a16:creationId xmlns:a16="http://schemas.microsoft.com/office/drawing/2014/main" id="{F30AD9B3-76C6-49C8-9B54-C2793ECC7AFD}"/>
               </a:ext>
             </a:extLst>
           </p:cNvPr>
@@ -27033,7 +27022,7 @@
           <p:cNvPr id="23" name="TextBox 22">
             <a:extLst>
               <a:ext uri="{FF2B5EF4-FFF2-40B4-BE49-F238E27FC236}">
-                <a16:creationId xmlns:a16="http://schemas.microsoft.com/office/drawing/2014/main" xmlns="" id="{27257013-11BB-4114-A5EA-B38CD66D8013}"/>
+                <a16:creationId xmlns:a16="http://schemas.microsoft.com/office/drawing/2014/main" id="{27257013-11BB-4114-A5EA-B38CD66D8013}"/>
               </a:ext>
             </a:extLst>
           </p:cNvPr>
@@ -27090,7 +27079,7 @@
           <p:cNvPr id="24" name="Straight Connector 23">
             <a:extLst>
               <a:ext uri="{FF2B5EF4-FFF2-40B4-BE49-F238E27FC236}">
-                <a16:creationId xmlns:a16="http://schemas.microsoft.com/office/drawing/2014/main" xmlns="" id="{3F45EA73-2870-4B5F-B8CA-5519D32761AC}"/>
+                <a16:creationId xmlns:a16="http://schemas.microsoft.com/office/drawing/2014/main" id="{3F45EA73-2870-4B5F-B8CA-5519D32761AC}"/>
               </a:ext>
             </a:extLst>
           </p:cNvPr>
@@ -27133,7 +27122,7 @@
           <p:cNvPr id="25" name="TextBox 24">
             <a:extLst>
               <a:ext uri="{FF2B5EF4-FFF2-40B4-BE49-F238E27FC236}">
-                <a16:creationId xmlns:a16="http://schemas.microsoft.com/office/drawing/2014/main" xmlns="" id="{06E1AB84-D600-481B-83A4-92AA186623A3}"/>
+                <a16:creationId xmlns:a16="http://schemas.microsoft.com/office/drawing/2014/main" id="{06E1AB84-D600-481B-83A4-92AA186623A3}"/>
               </a:ext>
             </a:extLst>
           </p:cNvPr>
@@ -27184,7 +27173,7 @@
           <p:cNvPr id="26" name="TextBox 25">
             <a:extLst>
               <a:ext uri="{FF2B5EF4-FFF2-40B4-BE49-F238E27FC236}">
-                <a16:creationId xmlns:a16="http://schemas.microsoft.com/office/drawing/2014/main" xmlns="" id="{0EDED0DC-2158-43E4-957F-4A20DDA0FD5B}"/>
+                <a16:creationId xmlns:a16="http://schemas.microsoft.com/office/drawing/2014/main" id="{0EDED0DC-2158-43E4-957F-4A20DDA0FD5B}"/>
               </a:ext>
             </a:extLst>
           </p:cNvPr>
@@ -27235,7 +27224,7 @@
           <p:cNvPr id="27" name="TextBox 26">
             <a:extLst>
               <a:ext uri="{FF2B5EF4-FFF2-40B4-BE49-F238E27FC236}">
-                <a16:creationId xmlns:a16="http://schemas.microsoft.com/office/drawing/2014/main" xmlns="" id="{709CDA14-D1CE-4F5E-832B-697062BDAD5E}"/>
+                <a16:creationId xmlns:a16="http://schemas.microsoft.com/office/drawing/2014/main" id="{709CDA14-D1CE-4F5E-832B-697062BDAD5E}"/>
               </a:ext>
             </a:extLst>
           </p:cNvPr>
@@ -27270,7 +27259,7 @@
           <p:cNvPr id="28" name="TextBox 27">
             <a:extLst>
               <a:ext uri="{FF2B5EF4-FFF2-40B4-BE49-F238E27FC236}">
-                <a16:creationId xmlns:a16="http://schemas.microsoft.com/office/drawing/2014/main" xmlns="" id="{DD5B4E37-A416-43A1-907C-E45433440ED2}"/>
+                <a16:creationId xmlns:a16="http://schemas.microsoft.com/office/drawing/2014/main" id="{DD5B4E37-A416-43A1-907C-E45433440ED2}"/>
               </a:ext>
             </a:extLst>
           </p:cNvPr>
@@ -27335,7 +27324,7 @@
           <p:cNvPr id="2" name="TextBox 1">
             <a:extLst>
               <a:ext uri="{FF2B5EF4-FFF2-40B4-BE49-F238E27FC236}">
-                <a16:creationId xmlns:a16="http://schemas.microsoft.com/office/drawing/2014/main" xmlns="" id="{C5B9B98F-95EF-4972-8B03-0E1752D5B0BE}"/>
+                <a16:creationId xmlns:a16="http://schemas.microsoft.com/office/drawing/2014/main" id="{C5B9B98F-95EF-4972-8B03-0E1752D5B0BE}"/>
               </a:ext>
             </a:extLst>
           </p:cNvPr>
@@ -27392,7 +27381,7 @@
           <p:cNvPr id="3" name="TextBox 2">
             <a:extLst>
               <a:ext uri="{FF2B5EF4-FFF2-40B4-BE49-F238E27FC236}">
-                <a16:creationId xmlns:a16="http://schemas.microsoft.com/office/drawing/2014/main" xmlns="" id="{BA83922D-83C0-4D3A-8D2B-D10F5A269A49}"/>
+                <a16:creationId xmlns:a16="http://schemas.microsoft.com/office/drawing/2014/main" id="{BA83922D-83C0-4D3A-8D2B-D10F5A269A49}"/>
               </a:ext>
             </a:extLst>
           </p:cNvPr>
@@ -27449,7 +27438,7 @@
           <p:cNvPr id="4" name="TextBox 3">
             <a:extLst>
               <a:ext uri="{FF2B5EF4-FFF2-40B4-BE49-F238E27FC236}">
-                <a16:creationId xmlns:a16="http://schemas.microsoft.com/office/drawing/2014/main" xmlns="" id="{3E60457E-9694-4FD2-AD1B-ABC40BCCEF6E}"/>
+                <a16:creationId xmlns:a16="http://schemas.microsoft.com/office/drawing/2014/main" id="{3E60457E-9694-4FD2-AD1B-ABC40BCCEF6E}"/>
               </a:ext>
             </a:extLst>
           </p:cNvPr>
@@ -27506,7 +27495,7 @@
           <p:cNvPr id="5" name="TextBox 4">
             <a:extLst>
               <a:ext uri="{FF2B5EF4-FFF2-40B4-BE49-F238E27FC236}">
-                <a16:creationId xmlns:a16="http://schemas.microsoft.com/office/drawing/2014/main" xmlns="" id="{0CA6A19E-547F-4C80-BD9C-137F9042556D}"/>
+                <a16:creationId xmlns:a16="http://schemas.microsoft.com/office/drawing/2014/main" id="{0CA6A19E-547F-4C80-BD9C-137F9042556D}"/>
               </a:ext>
             </a:extLst>
           </p:cNvPr>
@@ -27563,7 +27552,7 @@
           <p:cNvPr id="6" name="Straight Connector 5">
             <a:extLst>
               <a:ext uri="{FF2B5EF4-FFF2-40B4-BE49-F238E27FC236}">
-                <a16:creationId xmlns:a16="http://schemas.microsoft.com/office/drawing/2014/main" xmlns="" id="{5533AF29-5FDF-4068-B91C-610270B8372E}"/>
+                <a16:creationId xmlns:a16="http://schemas.microsoft.com/office/drawing/2014/main" id="{5533AF29-5FDF-4068-B91C-610270B8372E}"/>
               </a:ext>
             </a:extLst>
           </p:cNvPr>
@@ -27607,7 +27596,7 @@
           <p:cNvPr id="7" name="Straight Connector 6">
             <a:extLst>
               <a:ext uri="{FF2B5EF4-FFF2-40B4-BE49-F238E27FC236}">
-                <a16:creationId xmlns:a16="http://schemas.microsoft.com/office/drawing/2014/main" xmlns="" id="{AB2A38A7-05FD-4E2E-B6A5-F1E7E9E6138B}"/>
+                <a16:creationId xmlns:a16="http://schemas.microsoft.com/office/drawing/2014/main" id="{AB2A38A7-05FD-4E2E-B6A5-F1E7E9E6138B}"/>
               </a:ext>
             </a:extLst>
           </p:cNvPr>
@@ -27650,7 +27639,7 @@
           <p:cNvPr id="8" name="Straight Connector 7">
             <a:extLst>
               <a:ext uri="{FF2B5EF4-FFF2-40B4-BE49-F238E27FC236}">
-                <a16:creationId xmlns:a16="http://schemas.microsoft.com/office/drawing/2014/main" xmlns="" id="{DCF7B7DA-EC5B-4C6A-B741-12F9BF86E9C3}"/>
+                <a16:creationId xmlns:a16="http://schemas.microsoft.com/office/drawing/2014/main" id="{DCF7B7DA-EC5B-4C6A-B741-12F9BF86E9C3}"/>
               </a:ext>
             </a:extLst>
           </p:cNvPr>
@@ -27691,7 +27680,7 @@
           <p:cNvPr id="9" name="Straight Arrow Connector 8">
             <a:extLst>
               <a:ext uri="{FF2B5EF4-FFF2-40B4-BE49-F238E27FC236}">
-                <a16:creationId xmlns:a16="http://schemas.microsoft.com/office/drawing/2014/main" xmlns="" id="{F750C62A-A641-439B-B375-CF166C378ED6}"/>
+                <a16:creationId xmlns:a16="http://schemas.microsoft.com/office/drawing/2014/main" id="{F750C62A-A641-439B-B375-CF166C378ED6}"/>
               </a:ext>
             </a:extLst>
           </p:cNvPr>
@@ -27732,7 +27721,7 @@
           <p:cNvPr id="10" name="TextBox 9">
             <a:extLst>
               <a:ext uri="{FF2B5EF4-FFF2-40B4-BE49-F238E27FC236}">
-                <a16:creationId xmlns:a16="http://schemas.microsoft.com/office/drawing/2014/main" xmlns="" id="{25C58377-0256-48FB-9F11-57095ABF12D1}"/>
+                <a16:creationId xmlns:a16="http://schemas.microsoft.com/office/drawing/2014/main" id="{25C58377-0256-48FB-9F11-57095ABF12D1}"/>
               </a:ext>
             </a:extLst>
           </p:cNvPr>
@@ -27783,7 +27772,7 @@
           <p:cNvPr id="11" name="TextBox 10">
             <a:extLst>
               <a:ext uri="{FF2B5EF4-FFF2-40B4-BE49-F238E27FC236}">
-                <a16:creationId xmlns:a16="http://schemas.microsoft.com/office/drawing/2014/main" xmlns="" id="{4EA34E98-46AE-495E-935A-BCA3DD438A1C}"/>
+                <a16:creationId xmlns:a16="http://schemas.microsoft.com/office/drawing/2014/main" id="{4EA34E98-46AE-495E-935A-BCA3DD438A1C}"/>
               </a:ext>
             </a:extLst>
           </p:cNvPr>
@@ -27834,7 +27823,7 @@
           <p:cNvPr id="12" name="TextBox 11">
             <a:extLst>
               <a:ext uri="{FF2B5EF4-FFF2-40B4-BE49-F238E27FC236}">
-                <a16:creationId xmlns:a16="http://schemas.microsoft.com/office/drawing/2014/main" xmlns="" id="{5953B78F-7CB1-4242-8CE0-81A54CF17095}"/>
+                <a16:creationId xmlns:a16="http://schemas.microsoft.com/office/drawing/2014/main" id="{5953B78F-7CB1-4242-8CE0-81A54CF17095}"/>
               </a:ext>
             </a:extLst>
           </p:cNvPr>
@@ -27885,7 +27874,7 @@
           <p:cNvPr id="13" name="Table 12">
             <a:extLst>
               <a:ext uri="{FF2B5EF4-FFF2-40B4-BE49-F238E27FC236}">
-                <a16:creationId xmlns:a16="http://schemas.microsoft.com/office/drawing/2014/main" xmlns="" id="{9671FA46-DF74-4283-A04E-2397013972F3}"/>
+                <a16:creationId xmlns:a16="http://schemas.microsoft.com/office/drawing/2014/main" id="{9671FA46-DF74-4283-A04E-2397013972F3}"/>
               </a:ext>
             </a:extLst>
           </p:cNvPr>
@@ -27910,21 +27899,21 @@
                 <a:gridCol w="461172">
                   <a:extLst>
                     <a:ext uri="{9D8B030D-6E8A-4147-A177-3AD203B41FA5}">
-                      <a16:colId xmlns:a16="http://schemas.microsoft.com/office/drawing/2014/main" xmlns="" val="466220175"/>
+                      <a16:colId xmlns:a16="http://schemas.microsoft.com/office/drawing/2014/main" val="466220175"/>
                     </a:ext>
                   </a:extLst>
                 </a:gridCol>
                 <a:gridCol w="461172">
                   <a:extLst>
                     <a:ext uri="{9D8B030D-6E8A-4147-A177-3AD203B41FA5}">
-                      <a16:colId xmlns:a16="http://schemas.microsoft.com/office/drawing/2014/main" xmlns="" val="520311615"/>
+                      <a16:colId xmlns:a16="http://schemas.microsoft.com/office/drawing/2014/main" val="520311615"/>
                     </a:ext>
                   </a:extLst>
                 </a:gridCol>
                 <a:gridCol w="461172">
                   <a:extLst>
                     <a:ext uri="{9D8B030D-6E8A-4147-A177-3AD203B41FA5}">
-                      <a16:colId xmlns:a16="http://schemas.microsoft.com/office/drawing/2014/main" xmlns="" val="2227850342"/>
+                      <a16:colId xmlns:a16="http://schemas.microsoft.com/office/drawing/2014/main" val="2227850342"/>
                     </a:ext>
                   </a:extLst>
                 </a:gridCol>
@@ -28206,7 +28195,7 @@
                 </a:tc>
                 <a:extLst>
                   <a:ext uri="{0D108BD9-81ED-4DB2-BD59-A6C34878D82A}">
-                    <a16:rowId xmlns:a16="http://schemas.microsoft.com/office/drawing/2014/main" xmlns="" val="2141054233"/>
+                    <a16:rowId xmlns:a16="http://schemas.microsoft.com/office/drawing/2014/main" val="2141054233"/>
                   </a:ext>
                 </a:extLst>
               </a:tr>
@@ -28429,7 +28418,7 @@
                 </a:tc>
                 <a:extLst>
                   <a:ext uri="{0D108BD9-81ED-4DB2-BD59-A6C34878D82A}">
-                    <a16:rowId xmlns:a16="http://schemas.microsoft.com/office/drawing/2014/main" xmlns="" val="2030638017"/>
+                    <a16:rowId xmlns:a16="http://schemas.microsoft.com/office/drawing/2014/main" val="2030638017"/>
                   </a:ext>
                 </a:extLst>
               </a:tr>
@@ -28652,7 +28641,7 @@
                 </a:tc>
                 <a:extLst>
                   <a:ext uri="{0D108BD9-81ED-4DB2-BD59-A6C34878D82A}">
-                    <a16:rowId xmlns:a16="http://schemas.microsoft.com/office/drawing/2014/main" xmlns="" val="2943657333"/>
+                    <a16:rowId xmlns:a16="http://schemas.microsoft.com/office/drawing/2014/main" val="2943657333"/>
                   </a:ext>
                 </a:extLst>
               </a:tr>
@@ -28665,7 +28654,7 @@
           <p:cNvPr id="14" name="TextBox 13">
             <a:extLst>
               <a:ext uri="{FF2B5EF4-FFF2-40B4-BE49-F238E27FC236}">
-                <a16:creationId xmlns:a16="http://schemas.microsoft.com/office/drawing/2014/main" xmlns="" id="{9C7AEC4A-B1E2-44AE-B998-C41A4EDA8E1D}"/>
+                <a16:creationId xmlns:a16="http://schemas.microsoft.com/office/drawing/2014/main" id="{9C7AEC4A-B1E2-44AE-B998-C41A4EDA8E1D}"/>
               </a:ext>
             </a:extLst>
           </p:cNvPr>
@@ -28722,7 +28711,7 @@
           <p:cNvPr id="15" name="TextBox 14">
             <a:extLst>
               <a:ext uri="{FF2B5EF4-FFF2-40B4-BE49-F238E27FC236}">
-                <a16:creationId xmlns:a16="http://schemas.microsoft.com/office/drawing/2014/main" xmlns="" id="{38293FE2-752B-4DA1-8D92-4D1BA3E1CFD7}"/>
+                <a16:creationId xmlns:a16="http://schemas.microsoft.com/office/drawing/2014/main" id="{38293FE2-752B-4DA1-8D92-4D1BA3E1CFD7}"/>
               </a:ext>
             </a:extLst>
           </p:cNvPr>
@@ -28779,7 +28768,7 @@
           <p:cNvPr id="16" name="Straight Connector 15">
             <a:extLst>
               <a:ext uri="{FF2B5EF4-FFF2-40B4-BE49-F238E27FC236}">
-                <a16:creationId xmlns:a16="http://schemas.microsoft.com/office/drawing/2014/main" xmlns="" id="{F30AD9B3-76C6-49C8-9B54-C2793ECC7AFD}"/>
+                <a16:creationId xmlns:a16="http://schemas.microsoft.com/office/drawing/2014/main" id="{F30AD9B3-76C6-49C8-9B54-C2793ECC7AFD}"/>
               </a:ext>
             </a:extLst>
           </p:cNvPr>
@@ -28820,7 +28809,7 @@
           <p:cNvPr id="17" name="TextBox 16">
             <a:extLst>
               <a:ext uri="{FF2B5EF4-FFF2-40B4-BE49-F238E27FC236}">
-                <a16:creationId xmlns:a16="http://schemas.microsoft.com/office/drawing/2014/main" xmlns="" id="{27257013-11BB-4114-A5EA-B38CD66D8013}"/>
+                <a16:creationId xmlns:a16="http://schemas.microsoft.com/office/drawing/2014/main" id="{27257013-11BB-4114-A5EA-B38CD66D8013}"/>
               </a:ext>
             </a:extLst>
           </p:cNvPr>
@@ -28877,7 +28866,7 @@
           <p:cNvPr id="18" name="Straight Connector 17">
             <a:extLst>
               <a:ext uri="{FF2B5EF4-FFF2-40B4-BE49-F238E27FC236}">
-                <a16:creationId xmlns:a16="http://schemas.microsoft.com/office/drawing/2014/main" xmlns="" id="{3F45EA73-2870-4B5F-B8CA-5519D32761AC}"/>
+                <a16:creationId xmlns:a16="http://schemas.microsoft.com/office/drawing/2014/main" id="{3F45EA73-2870-4B5F-B8CA-5519D32761AC}"/>
               </a:ext>
             </a:extLst>
           </p:cNvPr>
@@ -28919,7 +28908,7 @@
           <p:cNvPr id="19" name="TextBox 18">
             <a:extLst>
               <a:ext uri="{FF2B5EF4-FFF2-40B4-BE49-F238E27FC236}">
-                <a16:creationId xmlns:a16="http://schemas.microsoft.com/office/drawing/2014/main" xmlns="" id="{06E1AB84-D600-481B-83A4-92AA186623A3}"/>
+                <a16:creationId xmlns:a16="http://schemas.microsoft.com/office/drawing/2014/main" id="{06E1AB84-D600-481B-83A4-92AA186623A3}"/>
               </a:ext>
             </a:extLst>
           </p:cNvPr>
@@ -28970,7 +28959,7 @@
           <p:cNvPr id="20" name="TextBox 19">
             <a:extLst>
               <a:ext uri="{FF2B5EF4-FFF2-40B4-BE49-F238E27FC236}">
-                <a16:creationId xmlns:a16="http://schemas.microsoft.com/office/drawing/2014/main" xmlns="" id="{0EDED0DC-2158-43E4-957F-4A20DDA0FD5B}"/>
+                <a16:creationId xmlns:a16="http://schemas.microsoft.com/office/drawing/2014/main" id="{0EDED0DC-2158-43E4-957F-4A20DDA0FD5B}"/>
               </a:ext>
             </a:extLst>
           </p:cNvPr>
@@ -29021,7 +29010,7 @@
           <p:cNvPr id="21" name="TextBox 20">
             <a:extLst>
               <a:ext uri="{FF2B5EF4-FFF2-40B4-BE49-F238E27FC236}">
-                <a16:creationId xmlns:a16="http://schemas.microsoft.com/office/drawing/2014/main" xmlns="" id="{709CDA14-D1CE-4F5E-832B-697062BDAD5E}"/>
+                <a16:creationId xmlns:a16="http://schemas.microsoft.com/office/drawing/2014/main" id="{709CDA14-D1CE-4F5E-832B-697062BDAD5E}"/>
               </a:ext>
             </a:extLst>
           </p:cNvPr>
@@ -29056,7 +29045,7 @@
           <p:cNvPr id="22" name="TextBox 21">
             <a:extLst>
               <a:ext uri="{FF2B5EF4-FFF2-40B4-BE49-F238E27FC236}">
-                <a16:creationId xmlns:a16="http://schemas.microsoft.com/office/drawing/2014/main" xmlns="" id="{DD5B4E37-A416-43A1-907C-E45433440ED2}"/>
+                <a16:creationId xmlns:a16="http://schemas.microsoft.com/office/drawing/2014/main" id="{DD5B4E37-A416-43A1-907C-E45433440ED2}"/>
               </a:ext>
             </a:extLst>
           </p:cNvPr>
@@ -29091,7 +29080,7 @@
           <p:cNvPr id="23" name="TextBox 22">
             <a:extLst>
               <a:ext uri="{FF2B5EF4-FFF2-40B4-BE49-F238E27FC236}">
-                <a16:creationId xmlns:a16="http://schemas.microsoft.com/office/drawing/2014/main" xmlns="" id="{BA83922D-83C0-4D3A-8D2B-D10F5A269A49}"/>
+                <a16:creationId xmlns:a16="http://schemas.microsoft.com/office/drawing/2014/main" id="{BA83922D-83C0-4D3A-8D2B-D10F5A269A49}"/>
               </a:ext>
             </a:extLst>
           </p:cNvPr>
@@ -29180,7 +29169,7 @@
           <p:cNvPr id="2" name="TextBox 1">
             <a:extLst>
               <a:ext uri="{FF2B5EF4-FFF2-40B4-BE49-F238E27FC236}">
-                <a16:creationId xmlns:a16="http://schemas.microsoft.com/office/drawing/2014/main" xmlns="" id="{C5B9B98F-95EF-4972-8B03-0E1752D5B0BE}"/>
+                <a16:creationId xmlns:a16="http://schemas.microsoft.com/office/drawing/2014/main" id="{C5B9B98F-95EF-4972-8B03-0E1752D5B0BE}"/>
               </a:ext>
             </a:extLst>
           </p:cNvPr>
@@ -29237,7 +29226,7 @@
           <p:cNvPr id="3" name="TextBox 2">
             <a:extLst>
               <a:ext uri="{FF2B5EF4-FFF2-40B4-BE49-F238E27FC236}">
-                <a16:creationId xmlns:a16="http://schemas.microsoft.com/office/drawing/2014/main" xmlns="" id="{BA83922D-83C0-4D3A-8D2B-D10F5A269A49}"/>
+                <a16:creationId xmlns:a16="http://schemas.microsoft.com/office/drawing/2014/main" id="{BA83922D-83C0-4D3A-8D2B-D10F5A269A49}"/>
               </a:ext>
             </a:extLst>
           </p:cNvPr>
@@ -29294,7 +29283,7 @@
           <p:cNvPr id="4" name="TextBox 3">
             <a:extLst>
               <a:ext uri="{FF2B5EF4-FFF2-40B4-BE49-F238E27FC236}">
-                <a16:creationId xmlns:a16="http://schemas.microsoft.com/office/drawing/2014/main" xmlns="" id="{3E60457E-9694-4FD2-AD1B-ABC40BCCEF6E}"/>
+                <a16:creationId xmlns:a16="http://schemas.microsoft.com/office/drawing/2014/main" id="{3E60457E-9694-4FD2-AD1B-ABC40BCCEF6E}"/>
               </a:ext>
             </a:extLst>
           </p:cNvPr>
@@ -29351,7 +29340,7 @@
           <p:cNvPr id="5" name="TextBox 4">
             <a:extLst>
               <a:ext uri="{FF2B5EF4-FFF2-40B4-BE49-F238E27FC236}">
-                <a16:creationId xmlns:a16="http://schemas.microsoft.com/office/drawing/2014/main" xmlns="" id="{0CA6A19E-547F-4C80-BD9C-137F9042556D}"/>
+                <a16:creationId xmlns:a16="http://schemas.microsoft.com/office/drawing/2014/main" id="{0CA6A19E-547F-4C80-BD9C-137F9042556D}"/>
               </a:ext>
             </a:extLst>
           </p:cNvPr>
@@ -29408,7 +29397,7 @@
           <p:cNvPr id="6" name="Straight Connector 5">
             <a:extLst>
               <a:ext uri="{FF2B5EF4-FFF2-40B4-BE49-F238E27FC236}">
-                <a16:creationId xmlns:a16="http://schemas.microsoft.com/office/drawing/2014/main" xmlns="" id="{5533AF29-5FDF-4068-B91C-610270B8372E}"/>
+                <a16:creationId xmlns:a16="http://schemas.microsoft.com/office/drawing/2014/main" id="{5533AF29-5FDF-4068-B91C-610270B8372E}"/>
               </a:ext>
             </a:extLst>
           </p:cNvPr>
@@ -29452,7 +29441,7 @@
           <p:cNvPr id="7" name="Straight Connector 6">
             <a:extLst>
               <a:ext uri="{FF2B5EF4-FFF2-40B4-BE49-F238E27FC236}">
-                <a16:creationId xmlns:a16="http://schemas.microsoft.com/office/drawing/2014/main" xmlns="" id="{AB2A38A7-05FD-4E2E-B6A5-F1E7E9E6138B}"/>
+                <a16:creationId xmlns:a16="http://schemas.microsoft.com/office/drawing/2014/main" id="{AB2A38A7-05FD-4E2E-B6A5-F1E7E9E6138B}"/>
               </a:ext>
             </a:extLst>
           </p:cNvPr>
@@ -29495,7 +29484,7 @@
           <p:cNvPr id="8" name="Straight Connector 7">
             <a:extLst>
               <a:ext uri="{FF2B5EF4-FFF2-40B4-BE49-F238E27FC236}">
-                <a16:creationId xmlns:a16="http://schemas.microsoft.com/office/drawing/2014/main" xmlns="" id="{DCF7B7DA-EC5B-4C6A-B741-12F9BF86E9C3}"/>
+                <a16:creationId xmlns:a16="http://schemas.microsoft.com/office/drawing/2014/main" id="{DCF7B7DA-EC5B-4C6A-B741-12F9BF86E9C3}"/>
               </a:ext>
             </a:extLst>
           </p:cNvPr>
@@ -29536,7 +29525,7 @@
           <p:cNvPr id="14" name="Straight Arrow Connector 13">
             <a:extLst>
               <a:ext uri="{FF2B5EF4-FFF2-40B4-BE49-F238E27FC236}">
-                <a16:creationId xmlns:a16="http://schemas.microsoft.com/office/drawing/2014/main" xmlns="" id="{F750C62A-A641-439B-B375-CF166C378ED6}"/>
+                <a16:creationId xmlns:a16="http://schemas.microsoft.com/office/drawing/2014/main" id="{F750C62A-A641-439B-B375-CF166C378ED6}"/>
               </a:ext>
             </a:extLst>
           </p:cNvPr>
@@ -29577,7 +29566,7 @@
           <p:cNvPr id="16" name="TextBox 15">
             <a:extLst>
               <a:ext uri="{FF2B5EF4-FFF2-40B4-BE49-F238E27FC236}">
-                <a16:creationId xmlns:a16="http://schemas.microsoft.com/office/drawing/2014/main" xmlns="" id="{25C58377-0256-48FB-9F11-57095ABF12D1}"/>
+                <a16:creationId xmlns:a16="http://schemas.microsoft.com/office/drawing/2014/main" id="{25C58377-0256-48FB-9F11-57095ABF12D1}"/>
               </a:ext>
             </a:extLst>
           </p:cNvPr>
@@ -29628,7 +29617,7 @@
           <p:cNvPr id="17" name="TextBox 16">
             <a:extLst>
               <a:ext uri="{FF2B5EF4-FFF2-40B4-BE49-F238E27FC236}">
-                <a16:creationId xmlns:a16="http://schemas.microsoft.com/office/drawing/2014/main" xmlns="" id="{4EA34E98-46AE-495E-935A-BCA3DD438A1C}"/>
+                <a16:creationId xmlns:a16="http://schemas.microsoft.com/office/drawing/2014/main" id="{4EA34E98-46AE-495E-935A-BCA3DD438A1C}"/>
               </a:ext>
             </a:extLst>
           </p:cNvPr>
@@ -29679,7 +29668,7 @@
           <p:cNvPr id="18" name="TextBox 17">
             <a:extLst>
               <a:ext uri="{FF2B5EF4-FFF2-40B4-BE49-F238E27FC236}">
-                <a16:creationId xmlns:a16="http://schemas.microsoft.com/office/drawing/2014/main" xmlns="" id="{5953B78F-7CB1-4242-8CE0-81A54CF17095}"/>
+                <a16:creationId xmlns:a16="http://schemas.microsoft.com/office/drawing/2014/main" id="{5953B78F-7CB1-4242-8CE0-81A54CF17095}"/>
               </a:ext>
             </a:extLst>
           </p:cNvPr>
@@ -29730,7 +29719,7 @@
           <p:cNvPr id="19" name="Table 18">
             <a:extLst>
               <a:ext uri="{FF2B5EF4-FFF2-40B4-BE49-F238E27FC236}">
-                <a16:creationId xmlns:a16="http://schemas.microsoft.com/office/drawing/2014/main" xmlns="" id="{9671FA46-DF74-4283-A04E-2397013972F3}"/>
+                <a16:creationId xmlns:a16="http://schemas.microsoft.com/office/drawing/2014/main" id="{9671FA46-DF74-4283-A04E-2397013972F3}"/>
               </a:ext>
             </a:extLst>
           </p:cNvPr>
@@ -29759,21 +29748,21 @@
                 <a:gridCol w="461172">
                   <a:extLst>
                     <a:ext uri="{9D8B030D-6E8A-4147-A177-3AD203B41FA5}">
-                      <a16:colId xmlns:a16="http://schemas.microsoft.com/office/drawing/2014/main" xmlns="" val="466220175"/>
+                      <a16:colId xmlns:a16="http://schemas.microsoft.com/office/drawing/2014/main" val="466220175"/>
                     </a:ext>
                   </a:extLst>
                 </a:gridCol>
                 <a:gridCol w="461172">
                   <a:extLst>
                     <a:ext uri="{9D8B030D-6E8A-4147-A177-3AD203B41FA5}">
-                      <a16:colId xmlns:a16="http://schemas.microsoft.com/office/drawing/2014/main" xmlns="" val="520311615"/>
+                      <a16:colId xmlns:a16="http://schemas.microsoft.com/office/drawing/2014/main" val="520311615"/>
                     </a:ext>
                   </a:extLst>
                 </a:gridCol>
                 <a:gridCol w="461172">
                   <a:extLst>
                     <a:ext uri="{9D8B030D-6E8A-4147-A177-3AD203B41FA5}">
-                      <a16:colId xmlns:a16="http://schemas.microsoft.com/office/drawing/2014/main" xmlns="" val="2227850342"/>
+                      <a16:colId xmlns:a16="http://schemas.microsoft.com/office/drawing/2014/main" val="2227850342"/>
                     </a:ext>
                   </a:extLst>
                 </a:gridCol>
@@ -30055,7 +30044,7 @@
                 </a:tc>
                 <a:extLst>
                   <a:ext uri="{0D108BD9-81ED-4DB2-BD59-A6C34878D82A}">
-                    <a16:rowId xmlns:a16="http://schemas.microsoft.com/office/drawing/2014/main" xmlns="" val="2141054233"/>
+                    <a16:rowId xmlns:a16="http://schemas.microsoft.com/office/drawing/2014/main" val="2141054233"/>
                   </a:ext>
                 </a:extLst>
               </a:tr>
@@ -30278,7 +30267,7 @@
                 </a:tc>
                 <a:extLst>
                   <a:ext uri="{0D108BD9-81ED-4DB2-BD59-A6C34878D82A}">
-                    <a16:rowId xmlns:a16="http://schemas.microsoft.com/office/drawing/2014/main" xmlns="" val="2030638017"/>
+                    <a16:rowId xmlns:a16="http://schemas.microsoft.com/office/drawing/2014/main" val="2030638017"/>
                   </a:ext>
                 </a:extLst>
               </a:tr>
@@ -30501,7 +30490,7 @@
                 </a:tc>
                 <a:extLst>
                   <a:ext uri="{0D108BD9-81ED-4DB2-BD59-A6C34878D82A}">
-                    <a16:rowId xmlns:a16="http://schemas.microsoft.com/office/drawing/2014/main" xmlns="" val="2943657333"/>
+                    <a16:rowId xmlns:a16="http://schemas.microsoft.com/office/drawing/2014/main" val="2943657333"/>
                   </a:ext>
                 </a:extLst>
               </a:tr>
@@ -30514,7 +30503,7 @@
           <p:cNvPr id="20" name="TextBox 19">
             <a:extLst>
               <a:ext uri="{FF2B5EF4-FFF2-40B4-BE49-F238E27FC236}">
-                <a16:creationId xmlns:a16="http://schemas.microsoft.com/office/drawing/2014/main" xmlns="" id="{9C7AEC4A-B1E2-44AE-B998-C41A4EDA8E1D}"/>
+                <a16:creationId xmlns:a16="http://schemas.microsoft.com/office/drawing/2014/main" id="{9C7AEC4A-B1E2-44AE-B998-C41A4EDA8E1D}"/>
               </a:ext>
             </a:extLst>
           </p:cNvPr>
@@ -30571,7 +30560,7 @@
           <p:cNvPr id="21" name="TextBox 20">
             <a:extLst>
               <a:ext uri="{FF2B5EF4-FFF2-40B4-BE49-F238E27FC236}">
-                <a16:creationId xmlns:a16="http://schemas.microsoft.com/office/drawing/2014/main" xmlns="" id="{38293FE2-752B-4DA1-8D92-4D1BA3E1CFD7}"/>
+                <a16:creationId xmlns:a16="http://schemas.microsoft.com/office/drawing/2014/main" id="{38293FE2-752B-4DA1-8D92-4D1BA3E1CFD7}"/>
               </a:ext>
             </a:extLst>
           </p:cNvPr>
@@ -30628,7 +30617,7 @@
           <p:cNvPr id="22" name="Straight Connector 21">
             <a:extLst>
               <a:ext uri="{FF2B5EF4-FFF2-40B4-BE49-F238E27FC236}">
-                <a16:creationId xmlns:a16="http://schemas.microsoft.com/office/drawing/2014/main" xmlns="" id="{F30AD9B3-76C6-49C8-9B54-C2793ECC7AFD}"/>
+                <a16:creationId xmlns:a16="http://schemas.microsoft.com/office/drawing/2014/main" id="{F30AD9B3-76C6-49C8-9B54-C2793ECC7AFD}"/>
               </a:ext>
             </a:extLst>
           </p:cNvPr>
@@ -30669,7 +30658,7 @@
           <p:cNvPr id="23" name="TextBox 22">
             <a:extLst>
               <a:ext uri="{FF2B5EF4-FFF2-40B4-BE49-F238E27FC236}">
-                <a16:creationId xmlns:a16="http://schemas.microsoft.com/office/drawing/2014/main" xmlns="" id="{27257013-11BB-4114-A5EA-B38CD66D8013}"/>
+                <a16:creationId xmlns:a16="http://schemas.microsoft.com/office/drawing/2014/main" id="{27257013-11BB-4114-A5EA-B38CD66D8013}"/>
               </a:ext>
             </a:extLst>
           </p:cNvPr>
@@ -30726,7 +30715,7 @@
           <p:cNvPr id="24" name="Straight Connector 23">
             <a:extLst>
               <a:ext uri="{FF2B5EF4-FFF2-40B4-BE49-F238E27FC236}">
-                <a16:creationId xmlns:a16="http://schemas.microsoft.com/office/drawing/2014/main" xmlns="" id="{3F45EA73-2870-4B5F-B8CA-5519D32761AC}"/>
+                <a16:creationId xmlns:a16="http://schemas.microsoft.com/office/drawing/2014/main" id="{3F45EA73-2870-4B5F-B8CA-5519D32761AC}"/>
               </a:ext>
             </a:extLst>
           </p:cNvPr>
@@ -30769,7 +30758,7 @@
           <p:cNvPr id="25" name="TextBox 24">
             <a:extLst>
               <a:ext uri="{FF2B5EF4-FFF2-40B4-BE49-F238E27FC236}">
-                <a16:creationId xmlns:a16="http://schemas.microsoft.com/office/drawing/2014/main" xmlns="" id="{06E1AB84-D600-481B-83A4-92AA186623A3}"/>
+                <a16:creationId xmlns:a16="http://schemas.microsoft.com/office/drawing/2014/main" id="{06E1AB84-D600-481B-83A4-92AA186623A3}"/>
               </a:ext>
             </a:extLst>
           </p:cNvPr>
@@ -30820,7 +30809,7 @@
           <p:cNvPr id="27" name="TextBox 26">
             <a:extLst>
               <a:ext uri="{FF2B5EF4-FFF2-40B4-BE49-F238E27FC236}">
-                <a16:creationId xmlns:a16="http://schemas.microsoft.com/office/drawing/2014/main" xmlns="" id="{709CDA14-D1CE-4F5E-832B-697062BDAD5E}"/>
+                <a16:creationId xmlns:a16="http://schemas.microsoft.com/office/drawing/2014/main" id="{709CDA14-D1CE-4F5E-832B-697062BDAD5E}"/>
               </a:ext>
             </a:extLst>
           </p:cNvPr>
@@ -30855,7 +30844,7 @@
           <p:cNvPr id="28" name="TextBox 27">
             <a:extLst>
               <a:ext uri="{FF2B5EF4-FFF2-40B4-BE49-F238E27FC236}">
-                <a16:creationId xmlns:a16="http://schemas.microsoft.com/office/drawing/2014/main" xmlns="" id="{DD5B4E37-A416-43A1-907C-E45433440ED2}"/>
+                <a16:creationId xmlns:a16="http://schemas.microsoft.com/office/drawing/2014/main" id="{DD5B4E37-A416-43A1-907C-E45433440ED2}"/>
               </a:ext>
             </a:extLst>
           </p:cNvPr>
@@ -30890,7 +30879,7 @@
           <p:cNvPr id="31" name="TextBox 30">
             <a:extLst>
               <a:ext uri="{FF2B5EF4-FFF2-40B4-BE49-F238E27FC236}">
-                <a16:creationId xmlns:a16="http://schemas.microsoft.com/office/drawing/2014/main" xmlns="" id="{BA83922D-83C0-4D3A-8D2B-D10F5A269A49}"/>
+                <a16:creationId xmlns:a16="http://schemas.microsoft.com/office/drawing/2014/main" id="{BA83922D-83C0-4D3A-8D2B-D10F5A269A49}"/>
               </a:ext>
             </a:extLst>
           </p:cNvPr>
@@ -30949,7 +30938,7 @@
           <p:cNvPr id="33" name="TextBox 32">
             <a:extLst>
               <a:ext uri="{FF2B5EF4-FFF2-40B4-BE49-F238E27FC236}">
-                <a16:creationId xmlns:a16="http://schemas.microsoft.com/office/drawing/2014/main" xmlns="" id="{4EA34E98-46AE-495E-935A-BCA3DD438A1C}"/>
+                <a16:creationId xmlns:a16="http://schemas.microsoft.com/office/drawing/2014/main" id="{4EA34E98-46AE-495E-935A-BCA3DD438A1C}"/>
               </a:ext>
             </a:extLst>
           </p:cNvPr>
@@ -31016,7 +31005,7 @@
           <p:cNvPr id="34" name="TextBox 33">
             <a:extLst>
               <a:ext uri="{FF2B5EF4-FFF2-40B4-BE49-F238E27FC236}">
-                <a16:creationId xmlns:a16="http://schemas.microsoft.com/office/drawing/2014/main" xmlns="" id="{0EDED0DC-2158-43E4-957F-4A20DDA0FD5B}"/>
+                <a16:creationId xmlns:a16="http://schemas.microsoft.com/office/drawing/2014/main" id="{0EDED0DC-2158-43E4-957F-4A20DDA0FD5B}"/>
               </a:ext>
             </a:extLst>
           </p:cNvPr>
@@ -31097,7 +31086,7 @@
           <p:cNvPr id="33" name="Rectangle: Rounded Corners 32">
             <a:extLst>
               <a:ext uri="{FF2B5EF4-FFF2-40B4-BE49-F238E27FC236}">
-                <a16:creationId xmlns:a16="http://schemas.microsoft.com/office/drawing/2014/main" xmlns="" id="{52D972A3-F302-4452-A04E-F64AC18D1BF2}"/>
+                <a16:creationId xmlns:a16="http://schemas.microsoft.com/office/drawing/2014/main" id="{52D972A3-F302-4452-A04E-F64AC18D1BF2}"/>
               </a:ext>
             </a:extLst>
           </p:cNvPr>
@@ -31153,7 +31142,7 @@
           <p:cNvPr id="2" name="Rectangle: Rounded Corners 1">
             <a:extLst>
               <a:ext uri="{FF2B5EF4-FFF2-40B4-BE49-F238E27FC236}">
-                <a16:creationId xmlns:a16="http://schemas.microsoft.com/office/drawing/2014/main" xmlns="" id="{9E52F8D7-DBF2-4E8B-AFAA-4D56E1F02B4A}"/>
+                <a16:creationId xmlns:a16="http://schemas.microsoft.com/office/drawing/2014/main" id="{9E52F8D7-DBF2-4E8B-AFAA-4D56E1F02B4A}"/>
               </a:ext>
             </a:extLst>
           </p:cNvPr>
@@ -31209,7 +31198,7 @@
           <p:cNvPr id="3" name="Rectangle: Rounded Corners 2">
             <a:extLst>
               <a:ext uri="{FF2B5EF4-FFF2-40B4-BE49-F238E27FC236}">
-                <a16:creationId xmlns:a16="http://schemas.microsoft.com/office/drawing/2014/main" xmlns="" id="{FB9D4E79-E50D-4CE5-9BFD-639CDEA9C361}"/>
+                <a16:creationId xmlns:a16="http://schemas.microsoft.com/office/drawing/2014/main" id="{FB9D4E79-E50D-4CE5-9BFD-639CDEA9C361}"/>
               </a:ext>
             </a:extLst>
           </p:cNvPr>
@@ -31265,7 +31254,7 @@
           <p:cNvPr id="4" name="Rectangle: Rounded Corners 3">
             <a:extLst>
               <a:ext uri="{FF2B5EF4-FFF2-40B4-BE49-F238E27FC236}">
-                <a16:creationId xmlns:a16="http://schemas.microsoft.com/office/drawing/2014/main" xmlns="" id="{54FCC0BC-83C4-4EC5-8200-D3C032395413}"/>
+                <a16:creationId xmlns:a16="http://schemas.microsoft.com/office/drawing/2014/main" id="{54FCC0BC-83C4-4EC5-8200-D3C032395413}"/>
               </a:ext>
             </a:extLst>
           </p:cNvPr>
@@ -31321,7 +31310,7 @@
           <p:cNvPr id="5" name="Rectangle: Rounded Corners 4">
             <a:extLst>
               <a:ext uri="{FF2B5EF4-FFF2-40B4-BE49-F238E27FC236}">
-                <a16:creationId xmlns:a16="http://schemas.microsoft.com/office/drawing/2014/main" xmlns="" id="{B323D3DA-6C4C-483B-A265-E1648AAE9F31}"/>
+                <a16:creationId xmlns:a16="http://schemas.microsoft.com/office/drawing/2014/main" id="{B323D3DA-6C4C-483B-A265-E1648AAE9F31}"/>
               </a:ext>
             </a:extLst>
           </p:cNvPr>
@@ -31377,7 +31366,7 @@
           <p:cNvPr id="6" name="Rectangle: Rounded Corners 5">
             <a:extLst>
               <a:ext uri="{FF2B5EF4-FFF2-40B4-BE49-F238E27FC236}">
-                <a16:creationId xmlns:a16="http://schemas.microsoft.com/office/drawing/2014/main" xmlns="" id="{CE1AEA6F-E8FC-463A-87B9-B77F1A182117}"/>
+                <a16:creationId xmlns:a16="http://schemas.microsoft.com/office/drawing/2014/main" id="{CE1AEA6F-E8FC-463A-87B9-B77F1A182117}"/>
               </a:ext>
             </a:extLst>
           </p:cNvPr>
@@ -31433,7 +31422,7 @@
           <p:cNvPr id="7" name="Rectangle: Rounded Corners 6">
             <a:extLst>
               <a:ext uri="{FF2B5EF4-FFF2-40B4-BE49-F238E27FC236}">
-                <a16:creationId xmlns:a16="http://schemas.microsoft.com/office/drawing/2014/main" xmlns="" id="{7524F206-68F6-4057-96FA-0FA4B6D703E0}"/>
+                <a16:creationId xmlns:a16="http://schemas.microsoft.com/office/drawing/2014/main" id="{7524F206-68F6-4057-96FA-0FA4B6D703E0}"/>
               </a:ext>
             </a:extLst>
           </p:cNvPr>
@@ -31489,7 +31478,7 @@
           <p:cNvPr id="9" name="TextBox 8">
             <a:extLst>
               <a:ext uri="{FF2B5EF4-FFF2-40B4-BE49-F238E27FC236}">
-                <a16:creationId xmlns:a16="http://schemas.microsoft.com/office/drawing/2014/main" xmlns="" id="{67D569CC-AB6E-4AB4-A738-1D5394F64074}"/>
+                <a16:creationId xmlns:a16="http://schemas.microsoft.com/office/drawing/2014/main" id="{67D569CC-AB6E-4AB4-A738-1D5394F64074}"/>
               </a:ext>
             </a:extLst>
           </p:cNvPr>
@@ -31524,7 +31513,7 @@
           <p:cNvPr id="10" name="TextBox 9">
             <a:extLst>
               <a:ext uri="{FF2B5EF4-FFF2-40B4-BE49-F238E27FC236}">
-                <a16:creationId xmlns:a16="http://schemas.microsoft.com/office/drawing/2014/main" xmlns="" id="{74A64AAC-2133-43E2-94AE-0C3EDEA5A5D4}"/>
+                <a16:creationId xmlns:a16="http://schemas.microsoft.com/office/drawing/2014/main" id="{74A64AAC-2133-43E2-94AE-0C3EDEA5A5D4}"/>
               </a:ext>
             </a:extLst>
           </p:cNvPr>
@@ -31559,7 +31548,7 @@
           <p:cNvPr id="11" name="TextBox 10">
             <a:extLst>
               <a:ext uri="{FF2B5EF4-FFF2-40B4-BE49-F238E27FC236}">
-                <a16:creationId xmlns:a16="http://schemas.microsoft.com/office/drawing/2014/main" xmlns="" id="{C7AE7B13-98DE-451E-A7B7-9679211DEFEF}"/>
+                <a16:creationId xmlns:a16="http://schemas.microsoft.com/office/drawing/2014/main" id="{C7AE7B13-98DE-451E-A7B7-9679211DEFEF}"/>
               </a:ext>
             </a:extLst>
           </p:cNvPr>
@@ -31594,7 +31583,7 @@
           <p:cNvPr id="12" name="TextBox 11">
             <a:extLst>
               <a:ext uri="{FF2B5EF4-FFF2-40B4-BE49-F238E27FC236}">
-                <a16:creationId xmlns:a16="http://schemas.microsoft.com/office/drawing/2014/main" xmlns="" id="{B31DCA54-54B8-4A6E-A1D7-C22E21207B4C}"/>
+                <a16:creationId xmlns:a16="http://schemas.microsoft.com/office/drawing/2014/main" id="{B31DCA54-54B8-4A6E-A1D7-C22E21207B4C}"/>
               </a:ext>
             </a:extLst>
           </p:cNvPr>
@@ -31629,7 +31618,7 @@
           <p:cNvPr id="13" name="TextBox 12">
             <a:extLst>
               <a:ext uri="{FF2B5EF4-FFF2-40B4-BE49-F238E27FC236}">
-                <a16:creationId xmlns:a16="http://schemas.microsoft.com/office/drawing/2014/main" xmlns="" id="{07ECD308-15DE-4EE9-9792-EB9D2B469122}"/>
+                <a16:creationId xmlns:a16="http://schemas.microsoft.com/office/drawing/2014/main" id="{07ECD308-15DE-4EE9-9792-EB9D2B469122}"/>
               </a:ext>
             </a:extLst>
           </p:cNvPr>
@@ -31664,7 +31653,7 @@
           <p:cNvPr id="14" name="TextBox 13">
             <a:extLst>
               <a:ext uri="{FF2B5EF4-FFF2-40B4-BE49-F238E27FC236}">
-                <a16:creationId xmlns:a16="http://schemas.microsoft.com/office/drawing/2014/main" xmlns="" id="{198D2B87-0E92-4293-8317-F0E47FA6320C}"/>
+                <a16:creationId xmlns:a16="http://schemas.microsoft.com/office/drawing/2014/main" id="{198D2B87-0E92-4293-8317-F0E47FA6320C}"/>
               </a:ext>
             </a:extLst>
           </p:cNvPr>
@@ -31699,7 +31688,7 @@
           <p:cNvPr id="16" name="Straight Arrow Connector 15">
             <a:extLst>
               <a:ext uri="{FF2B5EF4-FFF2-40B4-BE49-F238E27FC236}">
-                <a16:creationId xmlns:a16="http://schemas.microsoft.com/office/drawing/2014/main" xmlns="" id="{CAD1505F-1341-4EBC-98EC-B86F01DAA206}"/>
+                <a16:creationId xmlns:a16="http://schemas.microsoft.com/office/drawing/2014/main" id="{CAD1505F-1341-4EBC-98EC-B86F01DAA206}"/>
               </a:ext>
             </a:extLst>
           </p:cNvPr>
@@ -31738,7 +31727,7 @@
           <p:cNvPr id="17" name="Straight Arrow Connector 16">
             <a:extLst>
               <a:ext uri="{FF2B5EF4-FFF2-40B4-BE49-F238E27FC236}">
-                <a16:creationId xmlns:a16="http://schemas.microsoft.com/office/drawing/2014/main" xmlns="" id="{41437FCA-0489-4A93-9EA1-0E355B67EBAD}"/>
+                <a16:creationId xmlns:a16="http://schemas.microsoft.com/office/drawing/2014/main" id="{41437FCA-0489-4A93-9EA1-0E355B67EBAD}"/>
               </a:ext>
             </a:extLst>
           </p:cNvPr>
@@ -31780,7 +31769,7 @@
           <p:cNvPr id="19" name="Straight Arrow Connector 18">
             <a:extLst>
               <a:ext uri="{FF2B5EF4-FFF2-40B4-BE49-F238E27FC236}">
-                <a16:creationId xmlns:a16="http://schemas.microsoft.com/office/drawing/2014/main" xmlns="" id="{B4B4A916-9F19-45DD-94B6-712E0AAEC3BB}"/>
+                <a16:creationId xmlns:a16="http://schemas.microsoft.com/office/drawing/2014/main" id="{B4B4A916-9F19-45DD-94B6-712E0AAEC3BB}"/>
               </a:ext>
             </a:extLst>
           </p:cNvPr>
@@ -31821,7 +31810,7 @@
           <p:cNvPr id="20" name="Straight Arrow Connector 19">
             <a:extLst>
               <a:ext uri="{FF2B5EF4-FFF2-40B4-BE49-F238E27FC236}">
-                <a16:creationId xmlns:a16="http://schemas.microsoft.com/office/drawing/2014/main" xmlns="" id="{48D68B77-C404-443E-AC35-B169B7A2862B}"/>
+                <a16:creationId xmlns:a16="http://schemas.microsoft.com/office/drawing/2014/main" id="{48D68B77-C404-443E-AC35-B169B7A2862B}"/>
               </a:ext>
             </a:extLst>
           </p:cNvPr>
@@ -31862,7 +31851,7 @@
           <p:cNvPr id="21" name="Straight Arrow Connector 20">
             <a:extLst>
               <a:ext uri="{FF2B5EF4-FFF2-40B4-BE49-F238E27FC236}">
-                <a16:creationId xmlns:a16="http://schemas.microsoft.com/office/drawing/2014/main" xmlns="" id="{BCBBC2B7-26CF-4A3B-B2E1-931A8771EA2D}"/>
+                <a16:creationId xmlns:a16="http://schemas.microsoft.com/office/drawing/2014/main" id="{BCBBC2B7-26CF-4A3B-B2E1-931A8771EA2D}"/>
               </a:ext>
             </a:extLst>
           </p:cNvPr>
@@ -31903,7 +31892,7 @@
           <p:cNvPr id="22" name="Straight Arrow Connector 21">
             <a:extLst>
               <a:ext uri="{FF2B5EF4-FFF2-40B4-BE49-F238E27FC236}">
-                <a16:creationId xmlns:a16="http://schemas.microsoft.com/office/drawing/2014/main" xmlns="" id="{FEA8050E-6422-44C2-9B68-0AF04676375E}"/>
+                <a16:creationId xmlns:a16="http://schemas.microsoft.com/office/drawing/2014/main" id="{FEA8050E-6422-44C2-9B68-0AF04676375E}"/>
               </a:ext>
             </a:extLst>
           </p:cNvPr>
@@ -31944,7 +31933,7 @@
           <p:cNvPr id="23" name="Straight Arrow Connector 22">
             <a:extLst>
               <a:ext uri="{FF2B5EF4-FFF2-40B4-BE49-F238E27FC236}">
-                <a16:creationId xmlns:a16="http://schemas.microsoft.com/office/drawing/2014/main" xmlns="" id="{6C6083B2-59A5-4F8D-821F-9CAAC13DC964}"/>
+                <a16:creationId xmlns:a16="http://schemas.microsoft.com/office/drawing/2014/main" id="{6C6083B2-59A5-4F8D-821F-9CAAC13DC964}"/>
               </a:ext>
             </a:extLst>
           </p:cNvPr>
@@ -31987,7 +31976,7 @@
           <p:cNvPr id="28" name="Straight Arrow Connector 27">
             <a:extLst>
               <a:ext uri="{FF2B5EF4-FFF2-40B4-BE49-F238E27FC236}">
-                <a16:creationId xmlns:a16="http://schemas.microsoft.com/office/drawing/2014/main" xmlns="" id="{2D70DE12-2334-4B10-9F45-841587FCD4CD}"/>
+                <a16:creationId xmlns:a16="http://schemas.microsoft.com/office/drawing/2014/main" id="{2D70DE12-2334-4B10-9F45-841587FCD4CD}"/>
               </a:ext>
             </a:extLst>
           </p:cNvPr>
@@ -32028,7 +32017,7 @@
           <p:cNvPr id="29" name="Straight Arrow Connector 28">
             <a:extLst>
               <a:ext uri="{FF2B5EF4-FFF2-40B4-BE49-F238E27FC236}">
-                <a16:creationId xmlns:a16="http://schemas.microsoft.com/office/drawing/2014/main" xmlns="" id="{E73C5F05-5520-46D1-95D7-161591915C2B}"/>
+                <a16:creationId xmlns:a16="http://schemas.microsoft.com/office/drawing/2014/main" id="{E73C5F05-5520-46D1-95D7-161591915C2B}"/>
               </a:ext>
             </a:extLst>
           </p:cNvPr>
@@ -32069,7 +32058,7 @@
           <p:cNvPr id="30" name="Straight Arrow Connector 29">
             <a:extLst>
               <a:ext uri="{FF2B5EF4-FFF2-40B4-BE49-F238E27FC236}">
-                <a16:creationId xmlns:a16="http://schemas.microsoft.com/office/drawing/2014/main" xmlns="" id="{0888F945-405D-4E3F-BC0F-144BFC766F96}"/>
+                <a16:creationId xmlns:a16="http://schemas.microsoft.com/office/drawing/2014/main" id="{0888F945-405D-4E3F-BC0F-144BFC766F96}"/>
               </a:ext>
             </a:extLst>
           </p:cNvPr>
@@ -32110,7 +32099,7 @@
           <p:cNvPr id="31" name="Straight Arrow Connector 30">
             <a:extLst>
               <a:ext uri="{FF2B5EF4-FFF2-40B4-BE49-F238E27FC236}">
-                <a16:creationId xmlns:a16="http://schemas.microsoft.com/office/drawing/2014/main" xmlns="" id="{9BF50DBE-B764-45CF-B2B4-1558795639A7}"/>
+                <a16:creationId xmlns:a16="http://schemas.microsoft.com/office/drawing/2014/main" id="{9BF50DBE-B764-45CF-B2B4-1558795639A7}"/>
               </a:ext>
             </a:extLst>
           </p:cNvPr>
@@ -32151,7 +32140,7 @@
           <p:cNvPr id="32" name="Straight Arrow Connector 31">
             <a:extLst>
               <a:ext uri="{FF2B5EF4-FFF2-40B4-BE49-F238E27FC236}">
-                <a16:creationId xmlns:a16="http://schemas.microsoft.com/office/drawing/2014/main" xmlns="" id="{A54C6FE5-3ED5-4509-ADB1-A1C8E165475F}"/>
+                <a16:creationId xmlns:a16="http://schemas.microsoft.com/office/drawing/2014/main" id="{A54C6FE5-3ED5-4509-ADB1-A1C8E165475F}"/>
               </a:ext>
             </a:extLst>
           </p:cNvPr>
@@ -32192,7 +32181,7 @@
           <p:cNvPr id="34" name="Rectangle: Rounded Corners 33">
             <a:extLst>
               <a:ext uri="{FF2B5EF4-FFF2-40B4-BE49-F238E27FC236}">
-                <a16:creationId xmlns:a16="http://schemas.microsoft.com/office/drawing/2014/main" xmlns="" id="{94F3A193-70EB-4D76-92B1-AE430DDBED34}"/>
+                <a16:creationId xmlns:a16="http://schemas.microsoft.com/office/drawing/2014/main" id="{94F3A193-70EB-4D76-92B1-AE430DDBED34}"/>
               </a:ext>
             </a:extLst>
           </p:cNvPr>
@@ -32248,7 +32237,7 @@
           <p:cNvPr id="35" name="Rectangle: Rounded Corners 34">
             <a:extLst>
               <a:ext uri="{FF2B5EF4-FFF2-40B4-BE49-F238E27FC236}">
-                <a16:creationId xmlns:a16="http://schemas.microsoft.com/office/drawing/2014/main" xmlns="" id="{10E90756-F749-4FE3-A061-3270921C4259}"/>
+                <a16:creationId xmlns:a16="http://schemas.microsoft.com/office/drawing/2014/main" id="{10E90756-F749-4FE3-A061-3270921C4259}"/>
               </a:ext>
             </a:extLst>
           </p:cNvPr>
@@ -32304,7 +32293,7 @@
           <p:cNvPr id="36" name="Rectangle: Rounded Corners 35">
             <a:extLst>
               <a:ext uri="{FF2B5EF4-FFF2-40B4-BE49-F238E27FC236}">
-                <a16:creationId xmlns:a16="http://schemas.microsoft.com/office/drawing/2014/main" xmlns="" id="{E8573890-4F6E-499A-B59C-69276790FBAE}"/>
+                <a16:creationId xmlns:a16="http://schemas.microsoft.com/office/drawing/2014/main" id="{E8573890-4F6E-499A-B59C-69276790FBAE}"/>
               </a:ext>
             </a:extLst>
           </p:cNvPr>
@@ -32360,7 +32349,7 @@
           <p:cNvPr id="37" name="Rectangle: Rounded Corners 36">
             <a:extLst>
               <a:ext uri="{FF2B5EF4-FFF2-40B4-BE49-F238E27FC236}">
-                <a16:creationId xmlns:a16="http://schemas.microsoft.com/office/drawing/2014/main" xmlns="" id="{5CF50304-F9A7-4CFF-A73F-A01CF0402B77}"/>
+                <a16:creationId xmlns:a16="http://schemas.microsoft.com/office/drawing/2014/main" id="{5CF50304-F9A7-4CFF-A73F-A01CF0402B77}"/>
               </a:ext>
             </a:extLst>
           </p:cNvPr>
@@ -32416,7 +32405,7 @@
           <p:cNvPr id="38" name="Rectangle: Rounded Corners 37">
             <a:extLst>
               <a:ext uri="{FF2B5EF4-FFF2-40B4-BE49-F238E27FC236}">
-                <a16:creationId xmlns:a16="http://schemas.microsoft.com/office/drawing/2014/main" xmlns="" id="{790C8837-9486-4D59-9299-4DAB3423D000}"/>
+                <a16:creationId xmlns:a16="http://schemas.microsoft.com/office/drawing/2014/main" id="{790C8837-9486-4D59-9299-4DAB3423D000}"/>
               </a:ext>
             </a:extLst>
           </p:cNvPr>
@@ -32472,7 +32461,7 @@
           <p:cNvPr id="39" name="Rectangle: Rounded Corners 38">
             <a:extLst>
               <a:ext uri="{FF2B5EF4-FFF2-40B4-BE49-F238E27FC236}">
-                <a16:creationId xmlns:a16="http://schemas.microsoft.com/office/drawing/2014/main" xmlns="" id="{0E37DD49-6775-444A-9F58-43FC8A77CC1A}"/>
+                <a16:creationId xmlns:a16="http://schemas.microsoft.com/office/drawing/2014/main" id="{0E37DD49-6775-444A-9F58-43FC8A77CC1A}"/>
               </a:ext>
             </a:extLst>
           </p:cNvPr>
@@ -32528,7 +32517,7 @@
           <p:cNvPr id="40" name="Rectangle: Rounded Corners 39">
             <a:extLst>
               <a:ext uri="{FF2B5EF4-FFF2-40B4-BE49-F238E27FC236}">
-                <a16:creationId xmlns:a16="http://schemas.microsoft.com/office/drawing/2014/main" xmlns="" id="{B6B691D6-F01A-4FB9-B673-98056E45A5DE}"/>
+                <a16:creationId xmlns:a16="http://schemas.microsoft.com/office/drawing/2014/main" id="{B6B691D6-F01A-4FB9-B673-98056E45A5DE}"/>
               </a:ext>
             </a:extLst>
           </p:cNvPr>
@@ -32584,7 +32573,7 @@
           <p:cNvPr id="42" name="Straight Arrow Connector 41">
             <a:extLst>
               <a:ext uri="{FF2B5EF4-FFF2-40B4-BE49-F238E27FC236}">
-                <a16:creationId xmlns:a16="http://schemas.microsoft.com/office/drawing/2014/main" xmlns="" id="{DD6C188E-BBA2-4E8D-9F33-F3C6D7746BA8}"/>
+                <a16:creationId xmlns:a16="http://schemas.microsoft.com/office/drawing/2014/main" id="{DD6C188E-BBA2-4E8D-9F33-F3C6D7746BA8}"/>
               </a:ext>
             </a:extLst>
           </p:cNvPr>
@@ -32626,7 +32615,7 @@
           <p:cNvPr id="43" name="Straight Arrow Connector 42">
             <a:extLst>
               <a:ext uri="{FF2B5EF4-FFF2-40B4-BE49-F238E27FC236}">
-                <a16:creationId xmlns:a16="http://schemas.microsoft.com/office/drawing/2014/main" xmlns="" id="{93D99B21-2F4E-4B67-BB26-2BCB781D7584}"/>
+                <a16:creationId xmlns:a16="http://schemas.microsoft.com/office/drawing/2014/main" id="{93D99B21-2F4E-4B67-BB26-2BCB781D7584}"/>
               </a:ext>
             </a:extLst>
           </p:cNvPr>
@@ -32667,7 +32656,7 @@
           <p:cNvPr id="44" name="Straight Arrow Connector 43">
             <a:extLst>
               <a:ext uri="{FF2B5EF4-FFF2-40B4-BE49-F238E27FC236}">
-                <a16:creationId xmlns:a16="http://schemas.microsoft.com/office/drawing/2014/main" xmlns="" id="{EFB76A24-A05A-4BBF-A818-E52DF5D6E287}"/>
+                <a16:creationId xmlns:a16="http://schemas.microsoft.com/office/drawing/2014/main" id="{EFB76A24-A05A-4BBF-A818-E52DF5D6E287}"/>
               </a:ext>
             </a:extLst>
           </p:cNvPr>
@@ -32708,7 +32697,7 @@
           <p:cNvPr id="45" name="Straight Arrow Connector 44">
             <a:extLst>
               <a:ext uri="{FF2B5EF4-FFF2-40B4-BE49-F238E27FC236}">
-                <a16:creationId xmlns:a16="http://schemas.microsoft.com/office/drawing/2014/main" xmlns="" id="{9C8718E4-C645-46F2-BC3C-1E8C42909DC6}"/>
+                <a16:creationId xmlns:a16="http://schemas.microsoft.com/office/drawing/2014/main" id="{9C8718E4-C645-46F2-BC3C-1E8C42909DC6}"/>
               </a:ext>
             </a:extLst>
           </p:cNvPr>
@@ -32749,7 +32738,7 @@
           <p:cNvPr id="46" name="Straight Arrow Connector 45">
             <a:extLst>
               <a:ext uri="{FF2B5EF4-FFF2-40B4-BE49-F238E27FC236}">
-                <a16:creationId xmlns:a16="http://schemas.microsoft.com/office/drawing/2014/main" xmlns="" id="{11E8FBCE-EC9A-485C-B986-EA98116ADB4F}"/>
+                <a16:creationId xmlns:a16="http://schemas.microsoft.com/office/drawing/2014/main" id="{11E8FBCE-EC9A-485C-B986-EA98116ADB4F}"/>
               </a:ext>
             </a:extLst>
           </p:cNvPr>
@@ -32790,7 +32779,7 @@
           <p:cNvPr id="47" name="TextBox 46">
             <a:extLst>
               <a:ext uri="{FF2B5EF4-FFF2-40B4-BE49-F238E27FC236}">
-                <a16:creationId xmlns:a16="http://schemas.microsoft.com/office/drawing/2014/main" xmlns="" id="{EDCDAC0B-C1D4-4E26-B617-B6351702C2C5}"/>
+                <a16:creationId xmlns:a16="http://schemas.microsoft.com/office/drawing/2014/main" id="{EDCDAC0B-C1D4-4E26-B617-B6351702C2C5}"/>
               </a:ext>
             </a:extLst>
           </p:cNvPr>
@@ -32825,7 +32814,7 @@
           <p:cNvPr id="48" name="TextBox 47">
             <a:extLst>
               <a:ext uri="{FF2B5EF4-FFF2-40B4-BE49-F238E27FC236}">
-                <a16:creationId xmlns:a16="http://schemas.microsoft.com/office/drawing/2014/main" xmlns="" id="{E08CA946-35F9-4DAA-9F33-2D48D22A4FDB}"/>
+                <a16:creationId xmlns:a16="http://schemas.microsoft.com/office/drawing/2014/main" id="{E08CA946-35F9-4DAA-9F33-2D48D22A4FDB}"/>
               </a:ext>
             </a:extLst>
           </p:cNvPr>
@@ -32860,7 +32849,7 @@
           <p:cNvPr id="49" name="TextBox 48">
             <a:extLst>
               <a:ext uri="{FF2B5EF4-FFF2-40B4-BE49-F238E27FC236}">
-                <a16:creationId xmlns:a16="http://schemas.microsoft.com/office/drawing/2014/main" xmlns="" id="{95B61A25-AB36-4516-984F-A555E7EC59E9}"/>
+                <a16:creationId xmlns:a16="http://schemas.microsoft.com/office/drawing/2014/main" id="{95B61A25-AB36-4516-984F-A555E7EC59E9}"/>
               </a:ext>
             </a:extLst>
           </p:cNvPr>
@@ -32895,7 +32884,7 @@
           <p:cNvPr id="50" name="TextBox 49">
             <a:extLst>
               <a:ext uri="{FF2B5EF4-FFF2-40B4-BE49-F238E27FC236}">
-                <a16:creationId xmlns:a16="http://schemas.microsoft.com/office/drawing/2014/main" xmlns="" id="{34B4AD24-6EE8-4099-9D86-59BA91728BDC}"/>
+                <a16:creationId xmlns:a16="http://schemas.microsoft.com/office/drawing/2014/main" id="{34B4AD24-6EE8-4099-9D86-59BA91728BDC}"/>
               </a:ext>
             </a:extLst>
           </p:cNvPr>
@@ -32930,7 +32919,7 @@
           <p:cNvPr id="51" name="TextBox 50">
             <a:extLst>
               <a:ext uri="{FF2B5EF4-FFF2-40B4-BE49-F238E27FC236}">
-                <a16:creationId xmlns:a16="http://schemas.microsoft.com/office/drawing/2014/main" xmlns="" id="{D1B8EB08-3F04-439A-BF8B-1F4A78A28793}"/>
+                <a16:creationId xmlns:a16="http://schemas.microsoft.com/office/drawing/2014/main" id="{D1B8EB08-3F04-439A-BF8B-1F4A78A28793}"/>
               </a:ext>
             </a:extLst>
           </p:cNvPr>
@@ -32965,7 +32954,7 @@
           <p:cNvPr id="52" name="TextBox 51">
             <a:extLst>
               <a:ext uri="{FF2B5EF4-FFF2-40B4-BE49-F238E27FC236}">
-                <a16:creationId xmlns:a16="http://schemas.microsoft.com/office/drawing/2014/main" xmlns="" id="{08CDABC5-02A7-4BF1-A366-3140D077C443}"/>
+                <a16:creationId xmlns:a16="http://schemas.microsoft.com/office/drawing/2014/main" id="{08CDABC5-02A7-4BF1-A366-3140D077C443}"/>
               </a:ext>
             </a:extLst>
           </p:cNvPr>
@@ -33000,7 +32989,7 @@
           <p:cNvPr id="53" name="TextBox 52">
             <a:extLst>
               <a:ext uri="{FF2B5EF4-FFF2-40B4-BE49-F238E27FC236}">
-                <a16:creationId xmlns:a16="http://schemas.microsoft.com/office/drawing/2014/main" xmlns="" id="{E287DFCA-712C-4D8E-A92D-5185DCF8C889}"/>
+                <a16:creationId xmlns:a16="http://schemas.microsoft.com/office/drawing/2014/main" id="{E287DFCA-712C-4D8E-A92D-5185DCF8C889}"/>
               </a:ext>
             </a:extLst>
           </p:cNvPr>
@@ -33035,7 +33024,7 @@
           <p:cNvPr id="55" name="Rectangle: Rounded Corners 54">
             <a:extLst>
               <a:ext uri="{FF2B5EF4-FFF2-40B4-BE49-F238E27FC236}">
-                <a16:creationId xmlns:a16="http://schemas.microsoft.com/office/drawing/2014/main" xmlns="" id="{FFD590E3-1D31-4D15-89A6-8F28AF6B7B52}"/>
+                <a16:creationId xmlns:a16="http://schemas.microsoft.com/office/drawing/2014/main" id="{FFD590E3-1D31-4D15-89A6-8F28AF6B7B52}"/>
               </a:ext>
             </a:extLst>
           </p:cNvPr>
@@ -33085,7 +33074,7 @@
           <p:cNvPr id="56" name="TextBox 55">
             <a:extLst>
               <a:ext uri="{FF2B5EF4-FFF2-40B4-BE49-F238E27FC236}">
-                <a16:creationId xmlns:a16="http://schemas.microsoft.com/office/drawing/2014/main" xmlns="" id="{D4ED0134-DA30-4452-B29E-A1C753AAB4CC}"/>
+                <a16:creationId xmlns:a16="http://schemas.microsoft.com/office/drawing/2014/main" id="{D4ED0134-DA30-4452-B29E-A1C753AAB4CC}"/>
               </a:ext>
             </a:extLst>
           </p:cNvPr>
@@ -33120,7 +33109,7 @@
           <p:cNvPr id="57" name="Rectangle: Rounded Corners 56">
             <a:extLst>
               <a:ext uri="{FF2B5EF4-FFF2-40B4-BE49-F238E27FC236}">
-                <a16:creationId xmlns:a16="http://schemas.microsoft.com/office/drawing/2014/main" xmlns="" id="{959F7475-0E63-41A6-9572-8850B1631D7B}"/>
+                <a16:creationId xmlns:a16="http://schemas.microsoft.com/office/drawing/2014/main" id="{959F7475-0E63-41A6-9572-8850B1631D7B}"/>
               </a:ext>
             </a:extLst>
           </p:cNvPr>
@@ -33170,7 +33159,7 @@
           <p:cNvPr id="58" name="TextBox 57">
             <a:extLst>
               <a:ext uri="{FF2B5EF4-FFF2-40B4-BE49-F238E27FC236}">
-                <a16:creationId xmlns:a16="http://schemas.microsoft.com/office/drawing/2014/main" xmlns="" id="{9FBCCEF3-61C3-4A50-96A0-38AFB5A77292}"/>
+                <a16:creationId xmlns:a16="http://schemas.microsoft.com/office/drawing/2014/main" id="{9FBCCEF3-61C3-4A50-96A0-38AFB5A77292}"/>
               </a:ext>
             </a:extLst>
           </p:cNvPr>
@@ -33205,7 +33194,7 @@
           <p:cNvPr id="61" name="Connector: Elbow 60">
             <a:extLst>
               <a:ext uri="{FF2B5EF4-FFF2-40B4-BE49-F238E27FC236}">
-                <a16:creationId xmlns:a16="http://schemas.microsoft.com/office/drawing/2014/main" xmlns="" id="{89E67229-5ECB-4CB9-A05F-0C0BA8164C90}"/>
+                <a16:creationId xmlns:a16="http://schemas.microsoft.com/office/drawing/2014/main" id="{89E67229-5ECB-4CB9-A05F-0C0BA8164C90}"/>
               </a:ext>
             </a:extLst>
           </p:cNvPr>
@@ -33253,7 +33242,7 @@
           <p:cNvPr id="54" name="Rectangle: Rounded Corners 53">
             <a:extLst>
               <a:ext uri="{FF2B5EF4-FFF2-40B4-BE49-F238E27FC236}">
-                <a16:creationId xmlns:a16="http://schemas.microsoft.com/office/drawing/2014/main" xmlns="" id="{DD863BE4-1932-4E03-823B-70CC195DE697}"/>
+                <a16:creationId xmlns:a16="http://schemas.microsoft.com/office/drawing/2014/main" id="{DD863BE4-1932-4E03-823B-70CC195DE697}"/>
               </a:ext>
             </a:extLst>
           </p:cNvPr>
@@ -33308,7 +33297,7 @@
           <p:cNvPr id="59" name="TextBox 58">
             <a:extLst>
               <a:ext uri="{FF2B5EF4-FFF2-40B4-BE49-F238E27FC236}">
-                <a16:creationId xmlns:a16="http://schemas.microsoft.com/office/drawing/2014/main" xmlns="" id="{97C575B5-D9D1-4C9D-B546-2B4349BA0D63}"/>
+                <a16:creationId xmlns:a16="http://schemas.microsoft.com/office/drawing/2014/main" id="{97C575B5-D9D1-4C9D-B546-2B4349BA0D63}"/>
               </a:ext>
             </a:extLst>
           </p:cNvPr>
@@ -33343,7 +33332,7 @@
           <p:cNvPr id="71" name="Straight Arrow Connector 70">
             <a:extLst>
               <a:ext uri="{FF2B5EF4-FFF2-40B4-BE49-F238E27FC236}">
-                <a16:creationId xmlns:a16="http://schemas.microsoft.com/office/drawing/2014/main" xmlns="" id="{730BFB8A-A40A-4E34-B150-2CE8F7C6FA58}"/>
+                <a16:creationId xmlns:a16="http://schemas.microsoft.com/office/drawing/2014/main" id="{730BFB8A-A40A-4E34-B150-2CE8F7C6FA58}"/>
               </a:ext>
             </a:extLst>
           </p:cNvPr>
@@ -33384,7 +33373,7 @@
           <p:cNvPr id="73" name="Straight Arrow Connector 72">
             <a:extLst>
               <a:ext uri="{FF2B5EF4-FFF2-40B4-BE49-F238E27FC236}">
-                <a16:creationId xmlns:a16="http://schemas.microsoft.com/office/drawing/2014/main" xmlns="" id="{AEA0EED6-E661-431A-BF4A-006793D3489E}"/>
+                <a16:creationId xmlns:a16="http://schemas.microsoft.com/office/drawing/2014/main" id="{AEA0EED6-E661-431A-BF4A-006793D3489E}"/>
               </a:ext>
             </a:extLst>
           </p:cNvPr>
@@ -33426,7 +33415,7 @@
           <p:cNvPr id="77" name="Straight Arrow Connector 76">
             <a:extLst>
               <a:ext uri="{FF2B5EF4-FFF2-40B4-BE49-F238E27FC236}">
-                <a16:creationId xmlns:a16="http://schemas.microsoft.com/office/drawing/2014/main" xmlns="" id="{A15A4AE1-D9E6-4C41-A7CD-D68AD515B035}"/>
+                <a16:creationId xmlns:a16="http://schemas.microsoft.com/office/drawing/2014/main" id="{A15A4AE1-D9E6-4C41-A7CD-D68AD515B035}"/>
               </a:ext>
             </a:extLst>
           </p:cNvPr>
@@ -33467,7 +33456,7 @@
           <p:cNvPr id="80" name="Straight Arrow Connector 79">
             <a:extLst>
               <a:ext uri="{FF2B5EF4-FFF2-40B4-BE49-F238E27FC236}">
-                <a16:creationId xmlns:a16="http://schemas.microsoft.com/office/drawing/2014/main" xmlns="" id="{98ECE99E-D9F6-4330-B6DC-C588633822AD}"/>
+                <a16:creationId xmlns:a16="http://schemas.microsoft.com/office/drawing/2014/main" id="{98ECE99E-D9F6-4330-B6DC-C588633822AD}"/>
               </a:ext>
             </a:extLst>
           </p:cNvPr>
@@ -33509,7 +33498,7 @@
           <p:cNvPr id="82" name="Straight Arrow Connector 81">
             <a:extLst>
               <a:ext uri="{FF2B5EF4-FFF2-40B4-BE49-F238E27FC236}">
-                <a16:creationId xmlns:a16="http://schemas.microsoft.com/office/drawing/2014/main" xmlns="" id="{B07CBC93-290C-4906-813F-532E01C6A0C7}"/>
+                <a16:creationId xmlns:a16="http://schemas.microsoft.com/office/drawing/2014/main" id="{B07CBC93-290C-4906-813F-532E01C6A0C7}"/>
               </a:ext>
             </a:extLst>
           </p:cNvPr>
@@ -33550,7 +33539,7 @@
           <p:cNvPr id="86" name="Straight Arrow Connector 85">
             <a:extLst>
               <a:ext uri="{FF2B5EF4-FFF2-40B4-BE49-F238E27FC236}">
-                <a16:creationId xmlns:a16="http://schemas.microsoft.com/office/drawing/2014/main" xmlns="" id="{A02D476C-4604-4C99-904C-6CA254100100}"/>
+                <a16:creationId xmlns:a16="http://schemas.microsoft.com/office/drawing/2014/main" id="{A02D476C-4604-4C99-904C-6CA254100100}"/>
               </a:ext>
             </a:extLst>
           </p:cNvPr>
@@ -33591,7 +33580,7 @@
           <p:cNvPr id="88" name="Straight Arrow Connector 87">
             <a:extLst>
               <a:ext uri="{FF2B5EF4-FFF2-40B4-BE49-F238E27FC236}">
-                <a16:creationId xmlns:a16="http://schemas.microsoft.com/office/drawing/2014/main" xmlns="" id="{B3469EED-43AA-4BA8-BACA-64BD58E66DF1}"/>
+                <a16:creationId xmlns:a16="http://schemas.microsoft.com/office/drawing/2014/main" id="{B3469EED-43AA-4BA8-BACA-64BD58E66DF1}"/>
               </a:ext>
             </a:extLst>
           </p:cNvPr>

--- a/miscellanous/shapes.pptx
+++ b/miscellanous/shapes.pptx
@@ -5,7 +5,7 @@
     <p:sldMasterId id="2147483648" r:id="rId1"/>
   </p:sldMasterIdLst>
   <p:notesMasterIdLst>
-    <p:notesMasterId r:id="rId19"/>
+    <p:notesMasterId r:id="rId20"/>
   </p:notesMasterIdLst>
   <p:sldIdLst>
     <p:sldId id="256" r:id="rId2"/>
@@ -25,6 +25,7 @@
     <p:sldId id="270" r:id="rId16"/>
     <p:sldId id="271" r:id="rId17"/>
     <p:sldId id="272" r:id="rId18"/>
+    <p:sldId id="273" r:id="rId19"/>
   </p:sldIdLst>
   <p:sldSz cx="12192000" cy="6858000"/>
   <p:notesSz cx="6858000" cy="9144000"/>
@@ -213,7 +214,7 @@
           <a:p>
             <a:fld id="{07613BA5-B956-F741-93E2-8A05685FFD03}" type="datetimeFigureOut">
               <a:rPr lang="en-US" smtClean="0"/>
-              <a:t>6/20/2018</a:t>
+              <a:t>6/22/2018</a:t>
             </a:fld>
             <a:endParaRPr lang="en-US"/>
           </a:p>
@@ -627,7 +628,7 @@
           <a:p>
             <a:fld id="{8DF5CEE9-28B3-4BEE-B788-23D0A3A35C13}" type="datetimeFigureOut">
               <a:rPr lang="en-US" smtClean="0"/>
-              <a:t>6/20/2018</a:t>
+              <a:t>6/22/2018</a:t>
             </a:fld>
             <a:endParaRPr lang="en-US"/>
           </a:p>
@@ -825,7 +826,7 @@
           <a:p>
             <a:fld id="{8DF5CEE9-28B3-4BEE-B788-23D0A3A35C13}" type="datetimeFigureOut">
               <a:rPr lang="en-US" smtClean="0"/>
-              <a:t>6/20/2018</a:t>
+              <a:t>6/22/2018</a:t>
             </a:fld>
             <a:endParaRPr lang="en-US"/>
           </a:p>
@@ -1033,7 +1034,7 @@
           <a:p>
             <a:fld id="{8DF5CEE9-28B3-4BEE-B788-23D0A3A35C13}" type="datetimeFigureOut">
               <a:rPr lang="en-US" smtClean="0"/>
-              <a:t>6/20/2018</a:t>
+              <a:t>6/22/2018</a:t>
             </a:fld>
             <a:endParaRPr lang="en-US"/>
           </a:p>
@@ -1231,7 +1232,7 @@
           <a:p>
             <a:fld id="{8DF5CEE9-28B3-4BEE-B788-23D0A3A35C13}" type="datetimeFigureOut">
               <a:rPr lang="en-US" smtClean="0"/>
-              <a:t>6/20/2018</a:t>
+              <a:t>6/22/2018</a:t>
             </a:fld>
             <a:endParaRPr lang="en-US"/>
           </a:p>
@@ -1506,7 +1507,7 @@
           <a:p>
             <a:fld id="{8DF5CEE9-28B3-4BEE-B788-23D0A3A35C13}" type="datetimeFigureOut">
               <a:rPr lang="en-US" smtClean="0"/>
-              <a:t>6/20/2018</a:t>
+              <a:t>6/22/2018</a:t>
             </a:fld>
             <a:endParaRPr lang="en-US"/>
           </a:p>
@@ -1771,7 +1772,7 @@
           <a:p>
             <a:fld id="{8DF5CEE9-28B3-4BEE-B788-23D0A3A35C13}" type="datetimeFigureOut">
               <a:rPr lang="en-US" smtClean="0"/>
-              <a:t>6/20/2018</a:t>
+              <a:t>6/22/2018</a:t>
             </a:fld>
             <a:endParaRPr lang="en-US"/>
           </a:p>
@@ -2183,7 +2184,7 @@
           <a:p>
             <a:fld id="{8DF5CEE9-28B3-4BEE-B788-23D0A3A35C13}" type="datetimeFigureOut">
               <a:rPr lang="en-US" smtClean="0"/>
-              <a:t>6/20/2018</a:t>
+              <a:t>6/22/2018</a:t>
             </a:fld>
             <a:endParaRPr lang="en-US"/>
           </a:p>
@@ -2324,7 +2325,7 @@
           <a:p>
             <a:fld id="{8DF5CEE9-28B3-4BEE-B788-23D0A3A35C13}" type="datetimeFigureOut">
               <a:rPr lang="en-US" smtClean="0"/>
-              <a:t>6/20/2018</a:t>
+              <a:t>6/22/2018</a:t>
             </a:fld>
             <a:endParaRPr lang="en-US"/>
           </a:p>
@@ -2437,7 +2438,7 @@
           <a:p>
             <a:fld id="{8DF5CEE9-28B3-4BEE-B788-23D0A3A35C13}" type="datetimeFigureOut">
               <a:rPr lang="en-US" smtClean="0"/>
-              <a:t>6/20/2018</a:t>
+              <a:t>6/22/2018</a:t>
             </a:fld>
             <a:endParaRPr lang="en-US"/>
           </a:p>
@@ -2748,7 +2749,7 @@
           <a:p>
             <a:fld id="{8DF5CEE9-28B3-4BEE-B788-23D0A3A35C13}" type="datetimeFigureOut">
               <a:rPr lang="en-US" smtClean="0"/>
-              <a:t>6/20/2018</a:t>
+              <a:t>6/22/2018</a:t>
             </a:fld>
             <a:endParaRPr lang="en-US"/>
           </a:p>
@@ -3036,7 +3037,7 @@
           <a:p>
             <a:fld id="{8DF5CEE9-28B3-4BEE-B788-23D0A3A35C13}" type="datetimeFigureOut">
               <a:rPr lang="en-US" smtClean="0"/>
-              <a:t>6/20/2018</a:t>
+              <a:t>6/22/2018</a:t>
             </a:fld>
             <a:endParaRPr lang="en-US"/>
           </a:p>
@@ -3277,7 +3278,7 @@
           <a:p>
             <a:fld id="{8DF5CEE9-28B3-4BEE-B788-23D0A3A35C13}" type="datetimeFigureOut">
               <a:rPr lang="en-US" smtClean="0"/>
-              <a:t>6/20/2018</a:t>
+              <a:t>6/22/2018</a:t>
             </a:fld>
             <a:endParaRPr lang="en-US"/>
           </a:p>
@@ -18231,6 +18232,216 @@
     <p:extLst>
       <p:ext uri="{BB962C8B-B14F-4D97-AF65-F5344CB8AC3E}">
         <p14:creationId xmlns:p14="http://schemas.microsoft.com/office/powerpoint/2010/main" val="483348639"/>
+      </p:ext>
+    </p:extLst>
+  </p:cSld>
+  <p:clrMapOvr>
+    <a:masterClrMapping/>
+  </p:clrMapOvr>
+</p:sld>
+</file>
+
+<file path=ppt/slides/slide18.xml><?xml version="1.0" encoding="utf-8"?>
+<p:sld xmlns:a="http://schemas.openxmlformats.org/drawingml/2006/main" xmlns:r="http://schemas.openxmlformats.org/officeDocument/2006/relationships" xmlns:p="http://schemas.openxmlformats.org/presentationml/2006/main">
+  <p:cSld>
+    <p:spTree>
+      <p:nvGrpSpPr>
+        <p:cNvPr id="1" name=""/>
+        <p:cNvGrpSpPr/>
+        <p:nvPr/>
+      </p:nvGrpSpPr>
+      <p:grpSpPr>
+        <a:xfrm>
+          <a:off x="0" y="0"/>
+          <a:ext cx="0" cy="0"/>
+          <a:chOff x="0" y="0"/>
+          <a:chExt cx="0" cy="0"/>
+        </a:xfrm>
+      </p:grpSpPr>
+      <p:pic>
+        <p:nvPicPr>
+          <p:cNvPr id="23" name="Picture 22">
+            <a:extLst>
+              <a:ext uri="{FF2B5EF4-FFF2-40B4-BE49-F238E27FC236}">
+                <a16:creationId xmlns:a16="http://schemas.microsoft.com/office/drawing/2014/main" id="{17418BB0-16ED-4E26-B0C9-47E7A1577E4E}"/>
+              </a:ext>
+            </a:extLst>
+          </p:cNvPr>
+          <p:cNvPicPr>
+            <a:picLocks noChangeAspect="1"/>
+          </p:cNvPicPr>
+          <p:nvPr/>
+        </p:nvPicPr>
+        <p:blipFill>
+          <a:blip r:embed="rId2">
+            <a:extLst>
+              <a:ext uri="{28A0092B-C50C-407E-A947-70E740481C1C}">
+                <a14:useLocalDpi xmlns:a14="http://schemas.microsoft.com/office/drawing/2010/main" val="0"/>
+              </a:ext>
+            </a:extLst>
+          </a:blip>
+          <a:stretch>
+            <a:fillRect/>
+          </a:stretch>
+        </p:blipFill>
+        <p:spPr>
+          <a:xfrm>
+            <a:off x="770939" y="134499"/>
+            <a:ext cx="2460828" cy="2575771"/>
+          </a:xfrm>
+          <a:prstGeom prst="rect">
+            <a:avLst/>
+          </a:prstGeom>
+        </p:spPr>
+      </p:pic>
+      <p:pic>
+        <p:nvPicPr>
+          <p:cNvPr id="25" name="Picture 24">
+            <a:extLst>
+              <a:ext uri="{FF2B5EF4-FFF2-40B4-BE49-F238E27FC236}">
+                <a16:creationId xmlns:a16="http://schemas.microsoft.com/office/drawing/2014/main" id="{27EDBE73-2205-47BF-A6AF-0CECB61574CA}"/>
+              </a:ext>
+            </a:extLst>
+          </p:cNvPr>
+          <p:cNvPicPr>
+            <a:picLocks noChangeAspect="1"/>
+          </p:cNvPicPr>
+          <p:nvPr/>
+        </p:nvPicPr>
+        <p:blipFill>
+          <a:blip r:embed="rId3">
+            <a:extLst>
+              <a:ext uri="{28A0092B-C50C-407E-A947-70E740481C1C}">
+                <a14:useLocalDpi xmlns:a14="http://schemas.microsoft.com/office/drawing/2010/main" val="0"/>
+              </a:ext>
+            </a:extLst>
+          </a:blip>
+          <a:stretch>
+            <a:fillRect/>
+          </a:stretch>
+        </p:blipFill>
+        <p:spPr>
+          <a:xfrm>
+            <a:off x="3069090" y="125169"/>
+            <a:ext cx="2454419" cy="2601894"/>
+          </a:xfrm>
+          <a:prstGeom prst="rect">
+            <a:avLst/>
+          </a:prstGeom>
+        </p:spPr>
+      </p:pic>
+      <p:pic>
+        <p:nvPicPr>
+          <p:cNvPr id="27" name="Picture 26">
+            <a:extLst>
+              <a:ext uri="{FF2B5EF4-FFF2-40B4-BE49-F238E27FC236}">
+                <a16:creationId xmlns:a16="http://schemas.microsoft.com/office/drawing/2014/main" id="{EB465725-7675-4859-B6DF-5C3219FD4303}"/>
+              </a:ext>
+            </a:extLst>
+          </p:cNvPr>
+          <p:cNvPicPr>
+            <a:picLocks noChangeAspect="1"/>
+          </p:cNvPicPr>
+          <p:nvPr/>
+        </p:nvPicPr>
+        <p:blipFill>
+          <a:blip r:embed="rId4">
+            <a:extLst>
+              <a:ext uri="{28A0092B-C50C-407E-A947-70E740481C1C}">
+                <a14:useLocalDpi xmlns:a14="http://schemas.microsoft.com/office/drawing/2010/main" val="0"/>
+              </a:ext>
+            </a:extLst>
+          </a:blip>
+          <a:stretch>
+            <a:fillRect/>
+          </a:stretch>
+        </p:blipFill>
+        <p:spPr>
+          <a:xfrm>
+            <a:off x="5307941" y="133749"/>
+            <a:ext cx="2450379" cy="2565322"/>
+          </a:xfrm>
+          <a:prstGeom prst="rect">
+            <a:avLst/>
+          </a:prstGeom>
+        </p:spPr>
+      </p:pic>
+      <p:pic>
+        <p:nvPicPr>
+          <p:cNvPr id="29" name="Picture 28">
+            <a:extLst>
+              <a:ext uri="{FF2B5EF4-FFF2-40B4-BE49-F238E27FC236}">
+                <a16:creationId xmlns:a16="http://schemas.microsoft.com/office/drawing/2014/main" id="{983395C1-D12C-44FF-9B20-21D4E6FA3006}"/>
+              </a:ext>
+            </a:extLst>
+          </p:cNvPr>
+          <p:cNvPicPr>
+            <a:picLocks noChangeAspect="1"/>
+          </p:cNvPicPr>
+          <p:nvPr/>
+        </p:nvPicPr>
+        <p:blipFill>
+          <a:blip r:embed="rId5">
+            <a:extLst>
+              <a:ext uri="{28A0092B-C50C-407E-A947-70E740481C1C}">
+                <a14:useLocalDpi xmlns:a14="http://schemas.microsoft.com/office/drawing/2010/main" val="0"/>
+              </a:ext>
+            </a:extLst>
+          </a:blip>
+          <a:stretch>
+            <a:fillRect/>
+          </a:stretch>
+        </p:blipFill>
+        <p:spPr>
+          <a:xfrm>
+            <a:off x="7532468" y="143742"/>
+            <a:ext cx="2445154" cy="2580996"/>
+          </a:xfrm>
+          <a:prstGeom prst="rect">
+            <a:avLst/>
+          </a:prstGeom>
+        </p:spPr>
+      </p:pic>
+      <p:pic>
+        <p:nvPicPr>
+          <p:cNvPr id="31" name="Picture 30">
+            <a:extLst>
+              <a:ext uri="{FF2B5EF4-FFF2-40B4-BE49-F238E27FC236}">
+                <a16:creationId xmlns:a16="http://schemas.microsoft.com/office/drawing/2014/main" id="{7EB90328-F355-4490-800E-4A5D8666CF07}"/>
+              </a:ext>
+            </a:extLst>
+          </p:cNvPr>
+          <p:cNvPicPr>
+            <a:picLocks noChangeAspect="1"/>
+          </p:cNvPicPr>
+          <p:nvPr/>
+        </p:nvPicPr>
+        <p:blipFill>
+          <a:blip r:embed="rId6">
+            <a:extLst>
+              <a:ext uri="{28A0092B-C50C-407E-A947-70E740481C1C}">
+                <a14:useLocalDpi xmlns:a14="http://schemas.microsoft.com/office/drawing/2010/main" val="0"/>
+              </a:ext>
+            </a:extLst>
+          </a:blip>
+          <a:stretch>
+            <a:fillRect/>
+          </a:stretch>
+        </p:blipFill>
+        <p:spPr>
+          <a:xfrm>
+            <a:off x="9780552" y="143742"/>
+            <a:ext cx="2460828" cy="2580995"/>
+          </a:xfrm>
+          <a:prstGeom prst="rect">
+            <a:avLst/>
+          </a:prstGeom>
+        </p:spPr>
+      </p:pic>
+    </p:spTree>
+    <p:extLst>
+      <p:ext uri="{BB962C8B-B14F-4D97-AF65-F5344CB8AC3E}">
+        <p14:creationId xmlns:p14="http://schemas.microsoft.com/office/powerpoint/2010/main" val="3880094519"/>
       </p:ext>
     </p:extLst>
   </p:cSld>
